--- a/CG_final.pptx
+++ b/CG_final.pptx
@@ -5,10 +5,10 @@
     <p:sldMasterId id="2147483648" r:id="rId1"/>
   </p:sldMasterIdLst>
   <p:notesMasterIdLst>
-    <p:notesMasterId r:id="rId22"/>
+    <p:notesMasterId r:id="rId24"/>
   </p:notesMasterIdLst>
   <p:handoutMasterIdLst>
-    <p:handoutMasterId r:id="rId23"/>
+    <p:handoutMasterId r:id="rId25"/>
   </p:handoutMasterIdLst>
   <p:sldIdLst>
     <p:sldId id="271" r:id="rId3"/>
@@ -23,13 +23,15 @@
     <p:sldId id="276" r:id="rId12"/>
     <p:sldId id="275" r:id="rId13"/>
     <p:sldId id="281" r:id="rId14"/>
-    <p:sldId id="280" r:id="rId15"/>
-    <p:sldId id="283" r:id="rId16"/>
-    <p:sldId id="284" r:id="rId17"/>
-    <p:sldId id="287" r:id="rId18"/>
-    <p:sldId id="288" r:id="rId19"/>
-    <p:sldId id="289" r:id="rId20"/>
-    <p:sldId id="290" r:id="rId21"/>
+    <p:sldId id="300" r:id="rId15"/>
+    <p:sldId id="280" r:id="rId16"/>
+    <p:sldId id="283" r:id="rId17"/>
+    <p:sldId id="284" r:id="rId18"/>
+    <p:sldId id="287" r:id="rId19"/>
+    <p:sldId id="288" r:id="rId20"/>
+    <p:sldId id="289" r:id="rId21"/>
+    <p:sldId id="290" r:id="rId22"/>
+    <p:sldId id="299" r:id="rId23"/>
   </p:sldIdLst>
   <p:sldSz cx="12192000" cy="6858000"/>
   <p:notesSz cx="6858000" cy="9144000"/>
@@ -16605,13 +16607,77 @@
         <p:txBody>
           <a:bodyPr/>
           <a:p>
-            <a:endParaRPr lang="zh-CN" altLang="en-US"/>
+            <a:r>
+              <a:rPr lang="en-US" altLang="zh-CN"/>
+              <a:t>2.1 </a:t>
+            </a:r>
+            <a:r>
+              <a:t>重力系统</a:t>
+            </a:r>
+          </a:p>
+          <a:p>
+            <a:r>
+              <a:t>利用物理公式计算出玩家当前垂直方向的速度以及位移即可</a:t>
+            </a:r>
           </a:p>
         </p:txBody>
       </p:sp>
+      <p:graphicFrame>
+        <p:nvGraphicFramePr>
+          <p:cNvPr id="4" name="对象 3">
+            <a:hlinkClick r:id="" action="ppaction://ole?verb="/>
+          </p:cNvPr>
+          <p:cNvGraphicFramePr>
+            <a:graphicFrameLocks noChangeAspect="1"/>
+          </p:cNvGraphicFramePr>
+          <p:nvPr/>
+        </p:nvGraphicFramePr>
+        <p:xfrm>
+          <a:off x="1101725" y="2038350"/>
+          <a:ext cx="2510155" cy="1306830"/>
+        </p:xfrm>
+        <a:graphic>
+          <a:graphicData uri="http://schemas.openxmlformats.org/presentationml/2006/ole">
+            <mc:AlternateContent xmlns:mc="http://schemas.openxmlformats.org/markup-compatibility/2006">
+              <mc:Choice xmlns:v="urn:schemas-microsoft-com:vml" Requires="v">
+                <p:oleObj spid="_x0000_s1025" name="" r:id="rId1" imgW="927100" imgH="482600" progId="Equation.KSEE3">
+                  <p:embed/>
+                </p:oleObj>
+              </mc:Choice>
+              <mc:Fallback>
+                <p:oleObj name="" r:id="rId1" imgW="927100" imgH="482600" progId="Equation.KSEE3">
+                  <p:embed/>
+                  <p:pic>
+                    <p:nvPicPr>
+                      <p:cNvPr id="0" name="图片 1024"/>
+                      <p:cNvPicPr/>
+                      <p:nvPr/>
+                    </p:nvPicPr>
+                    <p:blipFill>
+                      <a:blip r:embed="rId2"/>
+                      <a:stretch>
+                        <a:fillRect/>
+                      </a:stretch>
+                    </p:blipFill>
+                    <p:spPr>
+                      <a:xfrm>
+                        <a:off x="1101725" y="2038350"/>
+                        <a:ext cx="2510155" cy="1306830"/>
+                      </a:xfrm>
+                      <a:prstGeom prst="rect">
+                        <a:avLst/>
+                      </a:prstGeom>
+                    </p:spPr>
+                  </p:pic>
+                </p:oleObj>
+              </mc:Fallback>
+            </mc:AlternateContent>
+          </a:graphicData>
+        </a:graphic>
+      </p:graphicFrame>
     </p:spTree>
     <p:custDataLst>
-      <p:tags r:id="rId1"/>
+      <p:tags r:id="rId3"/>
     </p:custDataLst>
   </p:cSld>
   <p:clrMapOvr>
@@ -16646,10 +16712,13 @@
           <a:p>
             <a:r>
               <a:rPr lang="en-US" altLang="zh-CN"/>
-              <a:t>3. </a:t>
+              <a:t>2. </a:t>
             </a:r>
             <a:r>
-              <a:t>爆炸效果</a:t>
+              <a:t>重力系统与</a:t>
+            </a:r>
+            <a:r>
+              <a:t>碰撞检测</a:t>
             </a:r>
           </a:p>
         </p:txBody>
@@ -16667,208 +16736,68 @@
         <p:spPr>
           <a:xfrm>
             <a:off x="669925" y="952500"/>
-            <a:ext cx="5148580" cy="2885440"/>
+            <a:ext cx="5455285" cy="5388610"/>
           </a:xfrm>
         </p:spPr>
         <p:txBody>
           <a:bodyPr/>
           <a:p>
             <a:r>
-              <a:rPr lang="zh-CN" altLang="en-US"/>
-              <a:t>这部分使用几何着色器进行实现</a:t>
+              <a:rPr lang="en-US" altLang="zh-CN"/>
+              <a:t>2.2 </a:t>
             </a:r>
-            <a:endParaRPr lang="zh-CN" altLang="en-US"/>
-          </a:p>
-          <a:p>
+            <a:r>
+              <a:t>碰撞检测</a:t>
+            </a:r>
+          </a:p>
+          <a:p/>
+          <a:p>
+            <a:r>
+              <a:t>（</a:t>
+            </a:r>
             <a:r>
               <a:rPr lang="en-US" altLang="zh-CN"/>
-              <a:t>1. </a:t>
+              <a:t>1</a:t>
             </a:r>
             <a:r>
-              <a:t>首先通过一个面的三个顶点坐标计算出当前面的法线向量。</a:t>
+              <a:t>）场景外围边缘检测：</a:t>
             </a:r>
           </a:p>
           <a:p>
+            <a:r>
+              <a:t>只进行</a:t>
+            </a:r>
             <a:r>
               <a:rPr lang="en-US" altLang="zh-CN"/>
-              <a:t>2. </a:t>
+              <a:t>XZ</a:t>
             </a:r>
             <a:r>
-              <a:t>然后将这三个顶点同时沿法线向量偏移一段距离</a:t>
+              <a:t>平面的碰撞检测即可</a:t>
             </a:r>
           </a:p>
-          <a:p>
+          <a:p/>
+          <a:p>
+            <a:r>
+              <a:t>（</a:t>
+            </a:r>
             <a:r>
               <a:rPr lang="en-US" altLang="zh-CN"/>
-              <a:t>3. </a:t>
+              <a:t>2</a:t>
             </a:r>
             <a:r>
-              <a:t>将偏移后的顶点坐标向量作为新的坐标向量输出</a:t>
+              <a:t>）场景内部物体检测：</a:t>
             </a:r>
           </a:p>
-          <a:p/>
+          <a:p>
+            <a:r>
+              <a:t>只有当玩家身体处于碰撞体垂直区域范围内，才进行XZ平面的碰撞检测。</a:t>
+            </a:r>
+          </a:p>
         </p:txBody>
       </p:sp>
-      <p:sp>
-        <p:nvSpPr>
-          <p:cNvPr id="4" name="文本框 3"/>
-          <p:cNvSpPr txBox="1"/>
-          <p:nvPr/>
-        </p:nvSpPr>
-        <p:spPr>
-          <a:xfrm>
-            <a:off x="669925" y="4008120"/>
-            <a:ext cx="5342255" cy="2091690"/>
-          </a:xfrm>
-          <a:prstGeom prst="rect">
-            <a:avLst/>
-          </a:prstGeom>
-          <a:noFill/>
-        </p:spPr>
-        <p:txBody>
-          <a:bodyPr wrap="square" rtlCol="0">
-            <a:spAutoFit/>
-          </a:bodyPr>
-          <a:p>
-            <a:pPr algn="l"/>
-            <a:r>
-              <a:rPr sz="1600">
-                <a:latin typeface="微软雅黑" panose="020B0503020204020204" charset="-122"/>
-                <a:ea typeface="微软雅黑" panose="020B0503020204020204" charset="-122"/>
-                <a:cs typeface="微软雅黑" panose="020B0503020204020204" charset="-122"/>
-                <a:sym typeface="+mn-ea"/>
-              </a:rPr>
-              <a:t>由于爆炸效果进行了顶点坐标的位移，原来的深度着色器无法正常计算爆炸物体的深度信息（无法正确映射到光空间）。</a:t>
-            </a:r>
-            <a:endParaRPr sz="1600">
-              <a:latin typeface="微软雅黑" panose="020B0503020204020204" charset="-122"/>
-              <a:ea typeface="微软雅黑" panose="020B0503020204020204" charset="-122"/>
-              <a:cs typeface="微软雅黑" panose="020B0503020204020204" charset="-122"/>
-              <a:sym typeface="+mn-ea"/>
-            </a:endParaRPr>
-          </a:p>
-          <a:p>
-            <a:pPr algn="l"/>
-            <a:endParaRPr sz="1600">
-              <a:latin typeface="微软雅黑" panose="020B0503020204020204" charset="-122"/>
-              <a:ea typeface="微软雅黑" panose="020B0503020204020204" charset="-122"/>
-              <a:cs typeface="微软雅黑" panose="020B0503020204020204" charset="-122"/>
-              <a:sym typeface="+mn-ea"/>
-            </a:endParaRPr>
-          </a:p>
-          <a:p>
-            <a:pPr algn="l"/>
-            <a:r>
-              <a:rPr sz="1600">
-                <a:latin typeface="微软雅黑" panose="020B0503020204020204" charset="-122"/>
-                <a:ea typeface="微软雅黑" panose="020B0503020204020204" charset="-122"/>
-                <a:cs typeface="微软雅黑" panose="020B0503020204020204" charset="-122"/>
-                <a:sym typeface="+mn-ea"/>
-              </a:rPr>
-              <a:t>因此，我们做出以下改进：</a:t>
-            </a:r>
-            <a:endParaRPr>
-              <a:latin typeface="微软雅黑" panose="020B0503020204020204" charset="-122"/>
-              <a:ea typeface="微软雅黑" panose="020B0503020204020204" charset="-122"/>
-              <a:cs typeface="微软雅黑" panose="020B0503020204020204" charset="-122"/>
-              <a:sym typeface="+mn-ea"/>
-            </a:endParaRPr>
-          </a:p>
-          <a:p>
-            <a:endParaRPr lang="zh-CN" altLang="en-US">
-              <a:latin typeface="微软雅黑" panose="020B0503020204020204" charset="-122"/>
-              <a:ea typeface="微软雅黑" panose="020B0503020204020204" charset="-122"/>
-              <a:cs typeface="微软雅黑" panose="020B0503020204020204" charset="-122"/>
-            </a:endParaRPr>
-          </a:p>
-          <a:p>
-            <a:r>
-              <a:rPr lang="zh-CN" altLang="en-US" sz="1600">
-                <a:latin typeface="微软雅黑" panose="020B0503020204020204" charset="-122"/>
-                <a:ea typeface="微软雅黑" panose="020B0503020204020204" charset="-122"/>
-                <a:cs typeface="微软雅黑" panose="020B0503020204020204" charset="-122"/>
-              </a:rPr>
-              <a:t>坐标 </a:t>
-            </a:r>
-            <a:r>
-              <a:rPr lang="en-US" altLang="zh-CN" sz="1600">
-                <a:latin typeface="微软雅黑" panose="020B0503020204020204" charset="-122"/>
-                <a:ea typeface="微软雅黑" panose="020B0503020204020204" charset="-122"/>
-                <a:cs typeface="微软雅黑" panose="020B0503020204020204" charset="-122"/>
-              </a:rPr>
-              <a:t>= </a:t>
-            </a:r>
-            <a:endParaRPr lang="zh-CN" altLang="en-US" sz="1600">
-              <a:latin typeface="微软雅黑" panose="020B0503020204020204" charset="-122"/>
-              <a:ea typeface="微软雅黑" panose="020B0503020204020204" charset="-122"/>
-              <a:cs typeface="微软雅黑" panose="020B0503020204020204" charset="-122"/>
-            </a:endParaRPr>
-          </a:p>
-          <a:p>
-            <a:endParaRPr lang="zh-CN" altLang="en-US" sz="1600">
-              <a:latin typeface="微软雅黑" panose="020B0503020204020204" charset="-122"/>
-              <a:ea typeface="微软雅黑" panose="020B0503020204020204" charset="-122"/>
-              <a:cs typeface="微软雅黑" panose="020B0503020204020204" charset="-122"/>
-            </a:endParaRPr>
-          </a:p>
-        </p:txBody>
-      </p:sp>
-      <p:graphicFrame>
-        <p:nvGraphicFramePr>
-          <p:cNvPr id="5" name="对象 4">
-            <a:hlinkClick r:id="" action="ppaction://ole?verb="/>
-          </p:cNvPr>
-          <p:cNvGraphicFramePr>
-            <a:graphicFrameLocks noChangeAspect="1"/>
-          </p:cNvGraphicFramePr>
-          <p:nvPr/>
-        </p:nvGraphicFramePr>
-        <p:xfrm>
-          <a:off x="1428750" y="5469255"/>
-          <a:ext cx="3824605" cy="408305"/>
-        </p:xfrm>
-        <a:graphic>
-          <a:graphicData uri="http://schemas.openxmlformats.org/presentationml/2006/ole">
-            <mc:AlternateContent xmlns:mc="http://schemas.openxmlformats.org/markup-compatibility/2006">
-              <mc:Choice xmlns:v="urn:schemas-microsoft-com:vml" Requires="v">
-                <p:oleObj spid="_x0000_s1025" name="" r:id="rId1" imgW="2260600" imgH="241300" progId="Equation.KSEE3">
-                  <p:embed/>
-                </p:oleObj>
-              </mc:Choice>
-              <mc:Fallback>
-                <p:oleObj name="" r:id="rId1" imgW="2260600" imgH="241300" progId="Equation.KSEE3">
-                  <p:embed/>
-                  <p:pic>
-                    <p:nvPicPr>
-                      <p:cNvPr id="0" name="图片 1024"/>
-                      <p:cNvPicPr/>
-                      <p:nvPr/>
-                    </p:nvPicPr>
-                    <p:blipFill>
-                      <a:blip r:embed="rId2"/>
-                      <a:stretch>
-                        <a:fillRect/>
-                      </a:stretch>
-                    </p:blipFill>
-                    <p:spPr>
-                      <a:xfrm>
-                        <a:off x="1428750" y="5469255"/>
-                        <a:ext cx="3824605" cy="408305"/>
-                      </a:xfrm>
-                      <a:prstGeom prst="rect">
-                        <a:avLst/>
-                      </a:prstGeom>
-                    </p:spPr>
-                  </p:pic>
-                </p:oleObj>
-              </mc:Fallback>
-            </mc:AlternateContent>
-          </a:graphicData>
-        </a:graphic>
-      </p:graphicFrame>
     </p:spTree>
     <p:custDataLst>
-      <p:tags r:id="rId3"/>
+      <p:tags r:id="rId1"/>
     </p:custDataLst>
   </p:cSld>
   <p:clrMapOvr>
@@ -16903,16 +16832,11 @@
           <a:p>
             <a:r>
               <a:rPr lang="en-US" altLang="zh-CN"/>
-              <a:t>4. </a:t>
+              <a:t>3. </a:t>
             </a:r>
             <a:r>
-              <a:t>实例化数组</a:t>
+              <a:t>爆炸效果</a:t>
             </a:r>
-            <a:r>
-              <a:rPr lang="en-US" altLang="zh-CN"/>
-              <a:t> </a:t>
-            </a:r>
-            <a:endParaRPr lang="en-US" altLang="zh-CN"/>
           </a:p>
         </p:txBody>
       </p:sp>
@@ -16926,12 +16850,49 @@
             <p:ph idx="1"/>
           </p:nvPr>
         </p:nvSpPr>
-        <p:spPr/>
+        <p:spPr>
+          <a:xfrm>
+            <a:off x="669925" y="952500"/>
+            <a:ext cx="5375910" cy="2885440"/>
+          </a:xfrm>
+        </p:spPr>
         <p:txBody>
           <a:bodyPr/>
           <a:p>
+            <a:r>
+              <a:rPr lang="zh-CN" altLang="en-US"/>
+              <a:t>这部分使用几何着色器进行实现</a:t>
+            </a:r>
             <a:endParaRPr lang="zh-CN" altLang="en-US"/>
           </a:p>
+          <a:p>
+            <a:r>
+              <a:rPr lang="en-US" altLang="zh-CN"/>
+              <a:t>1. </a:t>
+            </a:r>
+            <a:r>
+              <a:t>首先通过一个面的三个顶点坐标计算出当前面的法线向量。</a:t>
+            </a:r>
+          </a:p>
+          <a:p>
+            <a:r>
+              <a:rPr lang="en-US" altLang="zh-CN"/>
+              <a:t>2. </a:t>
+            </a:r>
+            <a:r>
+              <a:t>然后将这三个顶点同时沿法线向量偏移一段距离</a:t>
+            </a:r>
+          </a:p>
+          <a:p>
+            <a:r>
+              <a:rPr lang="en-US" altLang="zh-CN"/>
+              <a:t>3. </a:t>
+            </a:r>
+            <a:r>
+              <a:t>将偏移后的顶点坐标向量作为新的坐标向量输出</a:t>
+            </a:r>
+          </a:p>
+          <a:p/>
         </p:txBody>
       </p:sp>
     </p:spTree>
@@ -16971,11 +16932,16 @@
           <a:p>
             <a:r>
               <a:rPr lang="en-US" altLang="zh-CN"/>
-              <a:t>5. </a:t>
+              <a:t>4. </a:t>
             </a:r>
             <a:r>
-              <a:t>文字显示</a:t>
+              <a:t>实例化数组</a:t>
             </a:r>
+            <a:r>
+              <a:rPr lang="en-US" altLang="zh-CN"/>
+              <a:t> </a:t>
+            </a:r>
+            <a:endParaRPr lang="en-US" altLang="zh-CN"/>
           </a:p>
         </p:txBody>
       </p:sp>
@@ -16989,26 +16955,11 @@
             <p:ph idx="1"/>
           </p:nvPr>
         </p:nvSpPr>
-        <p:spPr>
-          <a:xfrm>
-            <a:off x="669925" y="952500"/>
-            <a:ext cx="4836795" cy="5388610"/>
-          </a:xfrm>
-        </p:spPr>
+        <p:spPr/>
         <p:txBody>
           <a:bodyPr/>
           <a:p>
-            <a:r>
-              <a:rPr lang="zh-CN" altLang="en-US"/>
-              <a:t>这里使用了</a:t>
-            </a:r>
-            <a:r>
-              <a:rPr lang="en-US" altLang="zh-CN"/>
-              <a:t>FreeType</a:t>
-            </a:r>
-            <a:r>
-              <a:t>库</a:t>
-            </a:r>
+            <a:endParaRPr lang="zh-CN" altLang="en-US"/>
           </a:p>
         </p:txBody>
       </p:sp>
@@ -17049,10 +17000,10 @@
           <a:p>
             <a:r>
               <a:rPr lang="en-US" altLang="zh-CN"/>
-              <a:t>6. </a:t>
+              <a:t>5. </a:t>
             </a:r>
             <a:r>
-              <a:t>粒子系统</a:t>
+              <a:t>文字显示</a:t>
             </a:r>
           </a:p>
         </p:txBody>
@@ -17067,11 +17018,26 @@
             <p:ph idx="1"/>
           </p:nvPr>
         </p:nvSpPr>
-        <p:spPr/>
+        <p:spPr>
+          <a:xfrm>
+            <a:off x="669925" y="952500"/>
+            <a:ext cx="4836795" cy="5388610"/>
+          </a:xfrm>
+        </p:spPr>
         <p:txBody>
           <a:bodyPr/>
           <a:p>
-            <a:endParaRPr lang="zh-CN" altLang="en-US"/>
+            <a:r>
+              <a:rPr lang="zh-CN" altLang="en-US"/>
+              <a:t>这里使用了</a:t>
+            </a:r>
+            <a:r>
+              <a:rPr lang="en-US" altLang="zh-CN"/>
+              <a:t>FreeType</a:t>
+            </a:r>
+            <a:r>
+              <a:t>库</a:t>
+            </a:r>
           </a:p>
         </p:txBody>
       </p:sp>
@@ -17112,10 +17078,10 @@
           <a:p>
             <a:r>
               <a:rPr lang="en-US" altLang="zh-CN"/>
-              <a:t>7. </a:t>
+              <a:t>6. </a:t>
             </a:r>
             <a:r>
-              <a:t>抗锯齿</a:t>
+              <a:t>粒子系统</a:t>
             </a:r>
           </a:p>
         </p:txBody>
@@ -17130,48 +17096,11 @@
             <p:ph idx="1"/>
           </p:nvPr>
         </p:nvSpPr>
-        <p:spPr>
-          <a:xfrm>
-            <a:off x="669925" y="952500"/>
-            <a:ext cx="5250815" cy="5388610"/>
-          </a:xfrm>
-        </p:spPr>
+        <p:spPr/>
         <p:txBody>
           <a:bodyPr/>
           <a:p>
-            <a:r>
-              <a:rPr lang="zh-CN" altLang="en-US"/>
-              <a:t>项目中主要使用了</a:t>
-            </a:r>
-            <a:r>
-              <a:rPr lang="en-US" altLang="zh-CN"/>
-              <a:t>OpenGL</a:t>
-            </a:r>
-            <a:r>
-              <a:t>自带的</a:t>
-            </a:r>
-            <a:r>
-              <a:rPr lang="en-US" altLang="zh-CN"/>
-              <a:t>MSAA</a:t>
-            </a:r>
-            <a:r>
-              <a:t>算法。</a:t>
-            </a:r>
-          </a:p>
-          <a:p/>
-          <a:p>
-            <a:r>
-              <a:rPr lang="en-US" altLang="zh-CN"/>
-              <a:t>MSAA</a:t>
-            </a:r>
-            <a:r>
-              <a:t>工作方法：</a:t>
-            </a:r>
-          </a:p>
-          <a:p>
-            <a:r>
-              <a:t>无论三角形遮盖了多少个子采样点，（每个图元中）每个像素只运行一次片段着色器。片段着色器所使用的顶点数据会插值到每个像素的中心，所得到的结果颜色会被储存在每个被遮盖住的子采样点中。当颜色缓冲的子样本被图元的所有颜色填满时，所有的这些颜色将会在每个像素内部平均化。</a:t>
-            </a:r>
+            <a:endParaRPr lang="zh-CN" altLang="en-US"/>
           </a:p>
         </p:txBody>
       </p:sp>
@@ -17212,10 +17141,10 @@
           <a:p>
             <a:r>
               <a:rPr lang="en-US" altLang="zh-CN"/>
-              <a:t>8. Gamma </a:t>
+              <a:t>7. </a:t>
             </a:r>
             <a:r>
-              <a:t>校正</a:t>
+              <a:t>抗锯齿</a:t>
             </a:r>
           </a:p>
         </p:txBody>
@@ -17230,11 +17159,48 @@
             <p:ph idx="1"/>
           </p:nvPr>
         </p:nvSpPr>
-        <p:spPr/>
+        <p:spPr>
+          <a:xfrm>
+            <a:off x="669925" y="952500"/>
+            <a:ext cx="5250815" cy="5388610"/>
+          </a:xfrm>
+        </p:spPr>
         <p:txBody>
           <a:bodyPr/>
           <a:p>
-            <a:endParaRPr lang="zh-CN" altLang="en-US"/>
+            <a:r>
+              <a:rPr lang="zh-CN" altLang="en-US"/>
+              <a:t>项目中主要使用了</a:t>
+            </a:r>
+            <a:r>
+              <a:rPr lang="en-US" altLang="zh-CN"/>
+              <a:t>OpenGL</a:t>
+            </a:r>
+            <a:r>
+              <a:t>自带的</a:t>
+            </a:r>
+            <a:r>
+              <a:rPr lang="en-US" altLang="zh-CN"/>
+              <a:t>MSAA</a:t>
+            </a:r>
+            <a:r>
+              <a:t>算法。</a:t>
+            </a:r>
+          </a:p>
+          <a:p/>
+          <a:p>
+            <a:r>
+              <a:rPr lang="en-US" altLang="zh-CN"/>
+              <a:t>MSAA</a:t>
+            </a:r>
+            <a:r>
+              <a:t>工作方法：</a:t>
+            </a:r>
+          </a:p>
+          <a:p>
+            <a:r>
+              <a:t>无论三角形遮盖了多少个子采样点，（每个图元中）每个像素只运行一次片段着色器。片段着色器所使用的顶点数据会插值到每个像素的中心，所得到的结果颜色会被储存在每个被遮盖住的子采样点中。当颜色缓冲的子样本被图元的所有颜色填满时，所有的这些颜色将会在每个像素内部平均化。</a:t>
+            </a:r>
           </a:p>
         </p:txBody>
       </p:sp>
@@ -17275,10 +17241,10 @@
           <a:p>
             <a:r>
               <a:rPr lang="en-US" altLang="zh-CN"/>
-              <a:t>9. </a:t>
+              <a:t>8. Gamma </a:t>
             </a:r>
             <a:r>
-              <a:t>法线贴图</a:t>
+              <a:t>校正</a:t>
             </a:r>
           </a:p>
         </p:txBody>
@@ -17293,11 +17259,84 @@
             <p:ph idx="1"/>
           </p:nvPr>
         </p:nvSpPr>
-        <p:spPr/>
+        <p:spPr>
+          <a:xfrm>
+            <a:off x="669925" y="952500"/>
+            <a:ext cx="6323330" cy="5388610"/>
+          </a:xfrm>
+        </p:spPr>
         <p:txBody>
           <a:bodyPr/>
           <a:p>
+            <a:r>
+              <a:rPr lang="en-US" altLang="zh-CN"/>
+              <a:t>1.</a:t>
+            </a:r>
+            <a:r>
+              <a:rPr lang="zh-CN" altLang="en-US"/>
+              <a:t>色彩校正</a:t>
+            </a:r>
             <a:endParaRPr lang="zh-CN" altLang="en-US"/>
+          </a:p>
+          <a:p>
+            <a:r>
+              <a:rPr lang="zh-CN" altLang="en-US"/>
+              <a:t>对图像的</a:t>
+            </a:r>
+            <a:r>
+              <a:rPr lang="en-US" altLang="zh-CN"/>
+              <a:t>Gamma</a:t>
+            </a:r>
+            <a:r>
+              <a:rPr lang="zh-CN" altLang="en-US"/>
+              <a:t>曲线进行编辑，以对图像进行非线性色调编辑的方法，检出图像信号中的深色部分和浅色部分，并使两者比例增大，从而提高图像对比度效果。</a:t>
+            </a:r>
+            <a:endParaRPr lang="zh-CN" altLang="en-US"/>
+          </a:p>
+          <a:p>
+            <a:r>
+              <a:rPr lang="zh-CN" altLang="en-US"/>
+              <a:t>一般显示器使用</a:t>
+            </a:r>
+            <a:r>
+              <a:rPr lang="en-US" altLang="zh-CN"/>
+              <a:t>sRGB</a:t>
+            </a:r>
+            <a:r>
+              <a:t>颜色空间，此时</a:t>
+            </a:r>
+            <a:r>
+              <a:rPr lang="zh-CN" altLang="en-US"/>
+              <a:t>gamma值一般为</a:t>
+            </a:r>
+            <a:r>
+              <a:rPr lang="zh-CN" altLang="en-US"/>
+              <a:t>2.2</a:t>
+            </a:r>
+            <a:endParaRPr lang="zh-CN" altLang="en-US"/>
+          </a:p>
+          <a:p>
+            <a:endParaRPr lang="zh-CN" altLang="en-US"/>
+          </a:p>
+          <a:p>
+            <a:r>
+              <a:rPr lang="en-US" altLang="zh-CN"/>
+              <a:t>2.</a:t>
+            </a:r>
+            <a:r>
+              <a:t>光照</a:t>
+            </a:r>
+            <a:r>
+              <a:t>衰减</a:t>
+            </a:r>
+          </a:p>
+          <a:p>
+            <a:r>
+              <a:t>模拟在真实的物理世界中，光照强度</a:t>
+            </a:r>
+            <a:r>
+              <a:t>和光源的距离成反比。</a:t>
+            </a:r>
           </a:p>
         </p:txBody>
       </p:sp>
@@ -17365,6 +17404,190 @@
     </p:spTree>
     <p:custDataLst>
       <p:tags r:id="rId1"/>
+    </p:custDataLst>
+  </p:cSld>
+  <p:clrMapOvr>
+    <a:masterClrMapping/>
+  </p:clrMapOvr>
+</p:sld>
+</file>
+
+<file path=ppt/slides/slide20.xml><?xml version="1.0" encoding="utf-8"?>
+<p:sld xmlns:a="http://schemas.openxmlformats.org/drawingml/2006/main" xmlns:r="http://schemas.openxmlformats.org/officeDocument/2006/relationships" xmlns:p="http://schemas.openxmlformats.org/presentationml/2006/main">
+  <p:cSld>
+    <p:spTree>
+      <p:nvGrpSpPr>
+        <p:cNvPr id="1" name=""/>
+        <p:cNvGrpSpPr/>
+        <p:nvPr/>
+      </p:nvGrpSpPr>
+      <p:grpSpPr/>
+      <p:sp>
+        <p:nvSpPr>
+          <p:cNvPr id="2" name="标题 1"/>
+          <p:cNvSpPr>
+            <a:spLocks noGrp="1"/>
+          </p:cNvSpPr>
+          <p:nvPr>
+            <p:ph type="title"/>
+          </p:nvPr>
+        </p:nvSpPr>
+        <p:spPr/>
+        <p:txBody>
+          <a:bodyPr/>
+          <a:p>
+            <a:r>
+              <a:rPr lang="en-US" altLang="zh-CN"/>
+              <a:t>9. </a:t>
+            </a:r>
+            <a:r>
+              <a:t>法线贴图</a:t>
+            </a:r>
+          </a:p>
+        </p:txBody>
+      </p:sp>
+      <p:sp>
+        <p:nvSpPr>
+          <p:cNvPr id="3" name="内容占位符 2"/>
+          <p:cNvSpPr>
+            <a:spLocks noGrp="1"/>
+          </p:cNvSpPr>
+          <p:nvPr>
+            <p:ph idx="1"/>
+          </p:nvPr>
+        </p:nvSpPr>
+        <p:spPr/>
+        <p:txBody>
+          <a:bodyPr/>
+          <a:p>
+            <a:endParaRPr lang="zh-CN" altLang="en-US"/>
+          </a:p>
+        </p:txBody>
+      </p:sp>
+    </p:spTree>
+    <p:custDataLst>
+      <p:tags r:id="rId1"/>
+    </p:custDataLst>
+  </p:cSld>
+  <p:clrMapOvr>
+    <a:masterClrMapping/>
+  </p:clrMapOvr>
+</p:sld>
+</file>
+
+<file path=ppt/slides/slide21.xml><?xml version="1.0" encoding="utf-8"?>
+<p:sld xmlns:a="http://schemas.openxmlformats.org/drawingml/2006/main" xmlns:r="http://schemas.openxmlformats.org/officeDocument/2006/relationships" xmlns:p="http://schemas.openxmlformats.org/presentationml/2006/main">
+  <p:cSld>
+    <p:spTree>
+      <p:nvGrpSpPr>
+        <p:cNvPr id="1" name=""/>
+        <p:cNvGrpSpPr/>
+        <p:nvPr/>
+      </p:nvGrpSpPr>
+      <p:grpSpPr/>
+      <p:sp>
+        <p:nvSpPr>
+          <p:cNvPr id="2" name="标题 1"/>
+          <p:cNvSpPr>
+            <a:spLocks noGrp="1"/>
+          </p:cNvSpPr>
+          <p:nvPr>
+            <p:ph type="title"/>
+          </p:nvPr>
+        </p:nvSpPr>
+        <p:spPr/>
+        <p:txBody>
+          <a:bodyPr/>
+          <a:p>
+            <a:r>
+              <a:rPr lang="en-US" altLang="zh-CN"/>
+              <a:t>10. </a:t>
+            </a:r>
+            <a:r>
+              <a:t>面剔除</a:t>
+            </a:r>
+          </a:p>
+        </p:txBody>
+      </p:sp>
+      <p:pic>
+        <p:nvPicPr>
+          <p:cNvPr id="6" name="内容占位符 5"/>
+          <p:cNvPicPr>
+            <a:picLocks noChangeAspect="1"/>
+          </p:cNvPicPr>
+          <p:nvPr>
+            <p:ph idx="1"/>
+          </p:nvPr>
+        </p:nvPicPr>
+        <p:blipFill>
+          <a:blip r:embed="rId1"/>
+          <a:stretch>
+            <a:fillRect/>
+          </a:stretch>
+        </p:blipFill>
+        <p:spPr>
+          <a:xfrm>
+            <a:off x="6483350" y="2071370"/>
+            <a:ext cx="5038725" cy="2714625"/>
+          </a:xfrm>
+          <a:prstGeom prst="rect">
+            <a:avLst/>
+          </a:prstGeom>
+        </p:spPr>
+      </p:pic>
+      <p:sp>
+        <p:nvSpPr>
+          <p:cNvPr id="7" name="文本框 6"/>
+          <p:cNvSpPr txBox="1"/>
+          <p:nvPr/>
+        </p:nvSpPr>
+        <p:spPr>
+          <a:xfrm>
+            <a:off x="669925" y="1352550"/>
+            <a:ext cx="5088890" cy="1198880"/>
+          </a:xfrm>
+          <a:prstGeom prst="rect">
+            <a:avLst/>
+          </a:prstGeom>
+          <a:noFill/>
+        </p:spPr>
+        <p:txBody>
+          <a:bodyPr wrap="square" rtlCol="0">
+            <a:spAutoFit/>
+          </a:bodyPr>
+          <a:p>
+            <a:pPr algn="l"/>
+            <a:r>
+              <a:rPr lang="zh-CN" altLang="en-US"/>
+              <a:t>定义每个面时，</a:t>
+            </a:r>
+            <a:r>
+              <a:rPr lang="zh-CN" altLang="en-US">
+                <a:sym typeface="+mn-ea"/>
+              </a:rPr>
+              <a:t>使用逆时针的顺序定义其顶点。</a:t>
+            </a:r>
+            <a:endParaRPr lang="zh-CN" altLang="en-US">
+              <a:sym typeface="+mn-ea"/>
+            </a:endParaRPr>
+          </a:p>
+          <a:p>
+            <a:pPr algn="l"/>
+            <a:r>
+              <a:rPr lang="zh-CN" altLang="en-US">
+                <a:sym typeface="+mn-ea"/>
+              </a:rPr>
+              <a:t>使得从观察者的视角看，正面的三角形以逆时针的顺序渲染，而背面的三角形以顺时针的顺序渲染</a:t>
+            </a:r>
+            <a:endParaRPr lang="zh-CN" altLang="en-US">
+              <a:sym typeface="+mn-ea"/>
+            </a:endParaRPr>
+          </a:p>
+        </p:txBody>
+      </p:sp>
+    </p:spTree>
+    <p:custDataLst>
+      <p:tags r:id="rId2"/>
     </p:custDataLst>
   </p:cSld>
   <p:clrMapOvr>
@@ -19463,6 +19686,22 @@
 </p:tagLst>
 </file>
 
+<file path=ppt/tags/tag181.xml><?xml version="1.0" encoding="utf-8"?>
+<p:tagLst xmlns:p="http://schemas.openxmlformats.org/presentationml/2006/main">
+  <p:tag name="KSO_WM_BEAUTIFY_FLAG" val="#wm#"/>
+  <p:tag name="KSO_WM_TEMPLATE_CATEGORY" val="custom"/>
+  <p:tag name="KSO_WM_TEMPLATE_INDEX" val="20191705"/>
+</p:tagLst>
+</file>
+
+<file path=ppt/tags/tag182.xml><?xml version="1.0" encoding="utf-8"?>
+<p:tagLst xmlns:p="http://schemas.openxmlformats.org/presentationml/2006/main">
+  <p:tag name="KSO_WM_BEAUTIFY_FLAG" val="#wm#"/>
+  <p:tag name="KSO_WM_TEMPLATE_CATEGORY" val="custom"/>
+  <p:tag name="KSO_WM_TEMPLATE_INDEX" val="20191705"/>
+</p:tagLst>
+</file>
+
 <file path=ppt/tags/tag19.xml><?xml version="1.0" encoding="utf-8"?>
 <p:tagLst xmlns:p="http://schemas.openxmlformats.org/presentationml/2006/main">
   <p:tag name="KSO_WM_UNIT_HIGHLIGHT" val="0"/>

--- a/CG_final.pptx
+++ b/CG_final.pptx
@@ -5,33 +5,33 @@
     <p:sldMasterId id="2147483648" r:id="rId1"/>
   </p:sldMasterIdLst>
   <p:notesMasterIdLst>
-    <p:notesMasterId r:id="rId24"/>
+    <p:notesMasterId r:id="rId23"/>
   </p:notesMasterIdLst>
   <p:handoutMasterIdLst>
-    <p:handoutMasterId r:id="rId25"/>
+    <p:handoutMasterId r:id="rId24"/>
   </p:handoutMasterIdLst>
   <p:sldIdLst>
-    <p:sldId id="271" r:id="rId3"/>
-    <p:sldId id="272" r:id="rId4"/>
-    <p:sldId id="273" r:id="rId5"/>
-    <p:sldId id="274" r:id="rId6"/>
-    <p:sldId id="277" r:id="rId7"/>
-    <p:sldId id="285" r:id="rId8"/>
-    <p:sldId id="278" r:id="rId9"/>
-    <p:sldId id="279" r:id="rId10"/>
-    <p:sldId id="286" r:id="rId11"/>
-    <p:sldId id="276" r:id="rId12"/>
-    <p:sldId id="275" r:id="rId13"/>
-    <p:sldId id="281" r:id="rId14"/>
-    <p:sldId id="300" r:id="rId15"/>
-    <p:sldId id="280" r:id="rId16"/>
-    <p:sldId id="283" r:id="rId17"/>
-    <p:sldId id="284" r:id="rId18"/>
-    <p:sldId id="287" r:id="rId19"/>
-    <p:sldId id="288" r:id="rId20"/>
-    <p:sldId id="289" r:id="rId21"/>
-    <p:sldId id="290" r:id="rId22"/>
-    <p:sldId id="299" r:id="rId23"/>
+    <p:sldId id="271" r:id="rId2"/>
+    <p:sldId id="272" r:id="rId3"/>
+    <p:sldId id="273" r:id="rId4"/>
+    <p:sldId id="274" r:id="rId5"/>
+    <p:sldId id="277" r:id="rId6"/>
+    <p:sldId id="285" r:id="rId7"/>
+    <p:sldId id="278" r:id="rId8"/>
+    <p:sldId id="279" r:id="rId9"/>
+    <p:sldId id="286" r:id="rId10"/>
+    <p:sldId id="276" r:id="rId11"/>
+    <p:sldId id="275" r:id="rId12"/>
+    <p:sldId id="281" r:id="rId13"/>
+    <p:sldId id="300" r:id="rId14"/>
+    <p:sldId id="280" r:id="rId15"/>
+    <p:sldId id="283" r:id="rId16"/>
+    <p:sldId id="284" r:id="rId17"/>
+    <p:sldId id="287" r:id="rId18"/>
+    <p:sldId id="288" r:id="rId19"/>
+    <p:sldId id="289" r:id="rId20"/>
+    <p:sldId id="290" r:id="rId21"/>
+    <p:sldId id="299" r:id="rId22"/>
   </p:sldIdLst>
   <p:sldSz cx="12192000" cy="6858000"/>
   <p:notesSz cx="6858000" cy="9144000"/>
@@ -130,6 +130,11 @@
       </a:defRPr>
     </a:lvl9pPr>
   </p:defaultTextStyle>
+  <p:extLst>
+    <p:ext uri="{EFAFB233-063F-42B5-8137-9DF3F51BA10A}">
+      <p15:sldGuideLst xmlns:p15="http://schemas.microsoft.com/office/powerpoint/2012/main"/>
+    </p:ext>
+  </p:extLst>
 </p:presentation>
 </file>
 
@@ -221,6 +226,7 @@
                 <a:latin typeface="微软雅黑" panose="020B0503020204020204" charset="-122"/>
                 <a:ea typeface="微软雅黑" panose="020B0503020204020204" charset="-122"/>
               </a:rPr>
+              <a:t>2019/6/23</a:t>
             </a:fld>
             <a:endParaRPr lang="zh-CN" altLang="en-US">
               <a:latin typeface="微软雅黑" panose="020B0503020204020204" charset="-122"/>
@@ -295,6 +301,7 @@
                 <a:latin typeface="微软雅黑" panose="020B0503020204020204" charset="-122"/>
                 <a:ea typeface="微软雅黑" panose="020B0503020204020204" charset="-122"/>
               </a:rPr>
+              <a:t>‹#›</a:t>
             </a:fld>
             <a:endParaRPr lang="zh-CN" altLang="en-US">
               <a:latin typeface="微软雅黑" panose="020B0503020204020204" charset="-122"/>
@@ -397,6 +404,7 @@
           <a:p>
             <a:fld id="{1AC49D05-6128-4D0D-A32A-06A5E73B386C}" type="datetimeFigureOut">
               <a:rPr lang="zh-CN" altLang="en-US" smtClean="0"/>
+              <a:t>2019/6/23</a:t>
             </a:fld>
             <a:endParaRPr lang="zh-CN" altLang="en-US"/>
           </a:p>
@@ -463,7 +471,6 @@
               <a:rPr lang="zh-CN" altLang="en-US"/>
               <a:t>单击此处编辑母版文本样式</a:t>
             </a:r>
-            <a:endParaRPr lang="zh-CN" altLang="en-US"/>
           </a:p>
           <a:p>
             <a:pPr lvl="1"/>
@@ -471,7 +478,6 @@
               <a:rPr lang="zh-CN" altLang="en-US"/>
               <a:t>第二级</a:t>
             </a:r>
-            <a:endParaRPr lang="zh-CN" altLang="en-US"/>
           </a:p>
           <a:p>
             <a:pPr lvl="2"/>
@@ -479,7 +485,6 @@
               <a:rPr lang="zh-CN" altLang="en-US"/>
               <a:t>第三级</a:t>
             </a:r>
-            <a:endParaRPr lang="zh-CN" altLang="en-US"/>
           </a:p>
           <a:p>
             <a:pPr lvl="3"/>
@@ -487,7 +492,6 @@
               <a:rPr lang="zh-CN" altLang="en-US"/>
               <a:t>第四级</a:t>
             </a:r>
-            <a:endParaRPr lang="zh-CN" altLang="en-US"/>
           </a:p>
           <a:p>
             <a:pPr lvl="4"/>
@@ -495,7 +499,6 @@
               <a:rPr lang="zh-CN" altLang="en-US"/>
               <a:t>第五级</a:t>
             </a:r>
-            <a:endParaRPr lang="zh-CN" altLang="en-US"/>
           </a:p>
         </p:txBody>
       </p:sp>
@@ -565,6 +568,7 @@
           <a:p>
             <a:fld id="{5849F42C-2DAE-424C-A4B8-3140182C3E9F}" type="slidenum">
               <a:rPr lang="zh-CN" altLang="en-US" smtClean="0"/>
+              <a:t>‹#›</a:t>
             </a:fld>
             <a:endParaRPr lang="zh-CN" altLang="en-US"/>
           </a:p>
@@ -691,7 +695,7 @@
           <p:cNvGrpSpPr/>
           <p:nvPr>
             <p:custDataLst>
-              <p:tags r:id="rId2"/>
+              <p:tags r:id="rId1"/>
             </p:custDataLst>
           </p:nvPr>
         </p:nvGrpSpPr>
@@ -711,12 +715,12 @@
             </p:cNvPicPr>
             <p:nvPr>
               <p:custDataLst>
-                <p:tags r:id="rId3"/>
+                <p:tags r:id="rId24"/>
               </p:custDataLst>
             </p:nvPr>
           </p:nvPicPr>
           <p:blipFill>
-            <a:blip r:embed="rId4" cstate="screen"/>
+            <a:blip r:embed="rId35" cstate="screen"/>
             <a:srcRect/>
             <a:stretch>
               <a:fillRect/>
@@ -783,12 +787,12 @@
             </p:cNvPicPr>
             <p:nvPr>
               <p:custDataLst>
-                <p:tags r:id="rId5"/>
+                <p:tags r:id="rId25"/>
               </p:custDataLst>
             </p:nvPr>
           </p:nvPicPr>
           <p:blipFill>
-            <a:blip r:embed="rId6" cstate="screen"/>
+            <a:blip r:embed="rId36" cstate="screen"/>
             <a:srcRect/>
             <a:stretch>
               <a:fillRect/>
@@ -855,12 +859,12 @@
             </p:cNvPicPr>
             <p:nvPr>
               <p:custDataLst>
-                <p:tags r:id="rId7"/>
+                <p:tags r:id="rId26"/>
               </p:custDataLst>
             </p:nvPr>
           </p:nvPicPr>
           <p:blipFill>
-            <a:blip r:embed="rId8" cstate="screen"/>
+            <a:blip r:embed="rId37" cstate="screen"/>
             <a:srcRect/>
             <a:stretch>
               <a:fillRect/>
@@ -927,12 +931,12 @@
             </p:cNvPicPr>
             <p:nvPr>
               <p:custDataLst>
-                <p:tags r:id="rId9"/>
+                <p:tags r:id="rId27"/>
               </p:custDataLst>
             </p:nvPr>
           </p:nvPicPr>
           <p:blipFill>
-            <a:blip r:embed="rId10" cstate="screen"/>
+            <a:blip r:embed="rId38" cstate="screen"/>
             <a:srcRect/>
             <a:stretch>
               <a:fillRect/>
@@ -999,12 +1003,12 @@
             </p:cNvPicPr>
             <p:nvPr>
               <p:custDataLst>
-                <p:tags r:id="rId11"/>
+                <p:tags r:id="rId28"/>
               </p:custDataLst>
             </p:nvPr>
           </p:nvPicPr>
           <p:blipFill>
-            <a:blip r:embed="rId12" cstate="screen"/>
+            <a:blip r:embed="rId39" cstate="screen"/>
             <a:srcRect/>
             <a:stretch>
               <a:fillRect/>
@@ -1071,12 +1075,12 @@
             </p:cNvPicPr>
             <p:nvPr>
               <p:custDataLst>
-                <p:tags r:id="rId13"/>
+                <p:tags r:id="rId29"/>
               </p:custDataLst>
             </p:nvPr>
           </p:nvPicPr>
           <p:blipFill>
-            <a:blip r:embed="rId14" cstate="screen"/>
+            <a:blip r:embed="rId40" cstate="screen"/>
             <a:srcRect/>
             <a:stretch>
               <a:fillRect/>
@@ -1143,12 +1147,12 @@
             </p:cNvPicPr>
             <p:nvPr>
               <p:custDataLst>
-                <p:tags r:id="rId15"/>
+                <p:tags r:id="rId30"/>
               </p:custDataLst>
             </p:nvPr>
           </p:nvPicPr>
           <p:blipFill>
-            <a:blip r:embed="rId16" cstate="screen"/>
+            <a:blip r:embed="rId41" cstate="screen"/>
             <a:srcRect/>
             <a:stretch>
               <a:fillRect/>
@@ -1215,12 +1219,12 @@
             </p:cNvPicPr>
             <p:nvPr>
               <p:custDataLst>
-                <p:tags r:id="rId17"/>
+                <p:tags r:id="rId31"/>
               </p:custDataLst>
             </p:nvPr>
           </p:nvPicPr>
           <p:blipFill>
-            <a:blip r:embed="rId18" cstate="screen"/>
+            <a:blip r:embed="rId42" cstate="screen"/>
             <a:srcRect/>
             <a:stretch>
               <a:fillRect/>
@@ -1287,12 +1291,12 @@
             </p:cNvPicPr>
             <p:nvPr>
               <p:custDataLst>
-                <p:tags r:id="rId19"/>
+                <p:tags r:id="rId32"/>
               </p:custDataLst>
             </p:nvPr>
           </p:nvPicPr>
           <p:blipFill>
-            <a:blip r:embed="rId20" cstate="screen"/>
+            <a:blip r:embed="rId43" cstate="screen"/>
             <a:srcRect/>
             <a:stretch>
               <a:fillRect/>
@@ -1359,12 +1363,12 @@
             </p:cNvPicPr>
             <p:nvPr>
               <p:custDataLst>
-                <p:tags r:id="rId21"/>
+                <p:tags r:id="rId33"/>
               </p:custDataLst>
             </p:nvPr>
           </p:nvPicPr>
           <p:blipFill>
-            <a:blip r:embed="rId22" cstate="screen"/>
+            <a:blip r:embed="rId44" cstate="screen"/>
             <a:srcRect/>
             <a:stretch>
               <a:fillRect/>
@@ -1430,7 +1434,7 @@
           <p:cNvGrpSpPr/>
           <p:nvPr>
             <p:custDataLst>
-              <p:tags r:id="rId23"/>
+              <p:tags r:id="rId2"/>
             </p:custDataLst>
           </p:nvPr>
         </p:nvGrpSpPr>
@@ -1450,12 +1454,12 @@
             </p:cNvPicPr>
             <p:nvPr>
               <p:custDataLst>
-                <p:tags r:id="rId24"/>
+                <p:tags r:id="rId9"/>
               </p:custDataLst>
             </p:nvPr>
           </p:nvPicPr>
           <p:blipFill>
-            <a:blip r:embed="rId25" cstate="screen"/>
+            <a:blip r:embed="rId45" cstate="screen"/>
             <a:srcRect/>
             <a:stretch>
               <a:fillRect/>
@@ -1522,12 +1526,12 @@
             </p:cNvPicPr>
             <p:nvPr>
               <p:custDataLst>
-                <p:tags r:id="rId26"/>
+                <p:tags r:id="rId10"/>
               </p:custDataLst>
             </p:nvPr>
           </p:nvPicPr>
           <p:blipFill>
-            <a:blip r:embed="rId27" cstate="screen"/>
+            <a:blip r:embed="rId46" cstate="screen"/>
             <a:srcRect/>
             <a:stretch>
               <a:fillRect/>
@@ -1594,12 +1598,12 @@
             </p:cNvPicPr>
             <p:nvPr>
               <p:custDataLst>
-                <p:tags r:id="rId28"/>
+                <p:tags r:id="rId11"/>
               </p:custDataLst>
             </p:nvPr>
           </p:nvPicPr>
           <p:blipFill>
-            <a:blip r:embed="rId29" cstate="screen"/>
+            <a:blip r:embed="rId47" cstate="screen"/>
             <a:srcRect/>
             <a:stretch>
               <a:fillRect/>
@@ -1666,12 +1670,12 @@
             </p:cNvPicPr>
             <p:nvPr>
               <p:custDataLst>
-                <p:tags r:id="rId30"/>
+                <p:tags r:id="rId12"/>
               </p:custDataLst>
             </p:nvPr>
           </p:nvPicPr>
           <p:blipFill>
-            <a:blip r:embed="rId31" cstate="screen"/>
+            <a:blip r:embed="rId48" cstate="screen"/>
             <a:srcRect/>
             <a:stretch>
               <a:fillRect/>
@@ -1738,12 +1742,12 @@
             </p:cNvPicPr>
             <p:nvPr>
               <p:custDataLst>
-                <p:tags r:id="rId32"/>
+                <p:tags r:id="rId13"/>
               </p:custDataLst>
             </p:nvPr>
           </p:nvPicPr>
           <p:blipFill>
-            <a:blip r:embed="rId33" cstate="screen"/>
+            <a:blip r:embed="rId49" cstate="screen"/>
             <a:srcRect/>
             <a:stretch>
               <a:fillRect/>
@@ -1826,12 +1830,12 @@
             </p:cNvPicPr>
             <p:nvPr>
               <p:custDataLst>
-                <p:tags r:id="rId34"/>
+                <p:tags r:id="rId14"/>
               </p:custDataLst>
             </p:nvPr>
           </p:nvPicPr>
           <p:blipFill>
-            <a:blip r:embed="rId35" cstate="screen"/>
+            <a:blip r:embed="rId50" cstate="screen"/>
             <a:srcRect/>
             <a:stretch>
               <a:fillRect/>
@@ -1914,12 +1918,12 @@
             </p:cNvPicPr>
             <p:nvPr>
               <p:custDataLst>
-                <p:tags r:id="rId36"/>
+                <p:tags r:id="rId15"/>
               </p:custDataLst>
             </p:nvPr>
           </p:nvPicPr>
           <p:blipFill>
-            <a:blip r:embed="rId37" cstate="screen"/>
+            <a:blip r:embed="rId51" cstate="screen"/>
             <a:srcRect/>
             <a:stretch>
               <a:fillRect/>
@@ -2018,12 +2022,12 @@
             </p:cNvPicPr>
             <p:nvPr>
               <p:custDataLst>
-                <p:tags r:id="rId38"/>
+                <p:tags r:id="rId16"/>
               </p:custDataLst>
             </p:nvPr>
           </p:nvPicPr>
           <p:blipFill>
-            <a:blip r:embed="rId39" cstate="screen"/>
+            <a:blip r:embed="rId52" cstate="screen"/>
             <a:srcRect/>
             <a:stretch>
               <a:fillRect/>
@@ -2090,12 +2094,12 @@
             </p:cNvPicPr>
             <p:nvPr>
               <p:custDataLst>
-                <p:tags r:id="rId40"/>
+                <p:tags r:id="rId17"/>
               </p:custDataLst>
             </p:nvPr>
           </p:nvPicPr>
           <p:blipFill>
-            <a:blip r:embed="rId41" cstate="screen"/>
+            <a:blip r:embed="rId53" cstate="screen"/>
             <a:srcRect/>
             <a:stretch>
               <a:fillRect/>
@@ -2162,12 +2166,12 @@
             </p:cNvPicPr>
             <p:nvPr>
               <p:custDataLst>
-                <p:tags r:id="rId42"/>
+                <p:tags r:id="rId18"/>
               </p:custDataLst>
             </p:nvPr>
           </p:nvPicPr>
           <p:blipFill>
-            <a:blip r:embed="rId43" cstate="screen"/>
+            <a:blip r:embed="rId54" cstate="screen"/>
             <a:srcRect/>
             <a:stretch>
               <a:fillRect/>
@@ -2234,12 +2238,12 @@
             </p:cNvPicPr>
             <p:nvPr>
               <p:custDataLst>
-                <p:tags r:id="rId44"/>
+                <p:tags r:id="rId19"/>
               </p:custDataLst>
             </p:nvPr>
           </p:nvPicPr>
           <p:blipFill>
-            <a:blip r:embed="rId45" cstate="screen"/>
+            <a:blip r:embed="rId55" cstate="screen"/>
             <a:srcRect/>
             <a:stretch>
               <a:fillRect/>
@@ -2306,12 +2310,12 @@
             </p:cNvPicPr>
             <p:nvPr>
               <p:custDataLst>
-                <p:tags r:id="rId46"/>
+                <p:tags r:id="rId20"/>
               </p:custDataLst>
             </p:nvPr>
           </p:nvPicPr>
           <p:blipFill>
-            <a:blip r:embed="rId47" cstate="screen"/>
+            <a:blip r:embed="rId56" cstate="screen"/>
             <a:srcRect/>
             <a:stretch>
               <a:fillRect/>
@@ -2378,12 +2382,12 @@
             </p:cNvPicPr>
             <p:nvPr>
               <p:custDataLst>
-                <p:tags r:id="rId48"/>
+                <p:tags r:id="rId21"/>
               </p:custDataLst>
             </p:nvPr>
           </p:nvPicPr>
           <p:blipFill>
-            <a:blip r:embed="rId49" cstate="screen"/>
+            <a:blip r:embed="rId57" cstate="screen"/>
             <a:srcRect/>
             <a:stretch>
               <a:fillRect/>
@@ -2450,12 +2454,12 @@
             </p:cNvPicPr>
             <p:nvPr>
               <p:custDataLst>
-                <p:tags r:id="rId50"/>
+                <p:tags r:id="rId22"/>
               </p:custDataLst>
             </p:nvPr>
           </p:nvPicPr>
           <p:blipFill>
-            <a:blip r:embed="rId51" cstate="screen"/>
+            <a:blip r:embed="rId58" cstate="screen"/>
             <a:srcRect/>
             <a:stretch>
               <a:fillRect/>
@@ -2522,12 +2526,12 @@
             </p:cNvPicPr>
             <p:nvPr>
               <p:custDataLst>
-                <p:tags r:id="rId52"/>
+                <p:tags r:id="rId23"/>
               </p:custDataLst>
             </p:nvPr>
           </p:nvPicPr>
           <p:blipFill>
-            <a:blip r:embed="rId53" cstate="screen"/>
+            <a:blip r:embed="rId59" cstate="screen"/>
             <a:srcRect/>
             <a:stretch>
               <a:fillRect/>
@@ -2596,7 +2600,7 @@
           <p:nvPr>
             <p:ph type="dt" sz="half" idx="10"/>
             <p:custDataLst>
-              <p:tags r:id="rId54"/>
+              <p:tags r:id="rId3"/>
             </p:custDataLst>
           </p:nvPr>
         </p:nvSpPr>
@@ -2607,6 +2611,7 @@
           <a:p>
             <a:fld id="{760FBDFE-C587-4B4C-A407-44438C67B59E}" type="datetimeFigureOut">
               <a:rPr lang="zh-CN" altLang="en-US" smtClean="0"/>
+              <a:t>2019/6/23</a:t>
             </a:fld>
             <a:endParaRPr lang="zh-CN" altLang="en-US"/>
           </a:p>
@@ -2621,7 +2626,7 @@
           <p:nvPr>
             <p:ph type="ftr" sz="quarter" idx="11"/>
             <p:custDataLst>
-              <p:tags r:id="rId55"/>
+              <p:tags r:id="rId4"/>
             </p:custDataLst>
           </p:nvPr>
         </p:nvSpPr>
@@ -2643,7 +2648,7 @@
           <p:nvPr>
             <p:ph type="sldNum" sz="quarter" idx="12"/>
             <p:custDataLst>
-              <p:tags r:id="rId56"/>
+              <p:tags r:id="rId5"/>
             </p:custDataLst>
           </p:nvPr>
         </p:nvSpPr>
@@ -2654,6 +2659,7 @@
           <a:p>
             <a:fld id="{49AE70B2-8BF9-45C0-BB95-33D1B9D3A854}" type="slidenum">
               <a:rPr lang="zh-CN" altLang="en-US" smtClean="0"/>
+              <a:t>‹#›</a:t>
             </a:fld>
             <a:endParaRPr lang="zh-CN" altLang="en-US" dirty="0"/>
           </a:p>
@@ -2665,7 +2671,7 @@
           <p:cNvCxnSpPr/>
           <p:nvPr>
             <p:custDataLst>
-              <p:tags r:id="rId57"/>
+              <p:tags r:id="rId6"/>
             </p:custDataLst>
           </p:nvPr>
         </p:nvCxnSpPr>
@@ -2707,7 +2713,7 @@
           <p:nvPr>
             <p:ph type="ctrTitle" hasCustomPrompt="1"/>
             <p:custDataLst>
-              <p:tags r:id="rId58"/>
+              <p:tags r:id="rId7"/>
             </p:custDataLst>
           </p:nvPr>
         </p:nvSpPr>
@@ -2738,7 +2744,6 @@
               <a:rPr lang="zh-CN" altLang="en-US" dirty="0"/>
               <a:t>编辑标题</a:t>
             </a:r>
-            <a:endParaRPr lang="zh-CN" altLang="en-US" dirty="0"/>
           </a:p>
         </p:txBody>
       </p:sp>
@@ -2751,7 +2756,7 @@
           <p:nvPr>
             <p:ph type="body" sz="quarter" idx="13" hasCustomPrompt="1"/>
             <p:custDataLst>
-              <p:tags r:id="rId59"/>
+              <p:tags r:id="rId8"/>
             </p:custDataLst>
           </p:nvPr>
         </p:nvSpPr>
@@ -2783,7 +2788,6 @@
               <a:rPr lang="zh-CN" altLang="en-US" dirty="0"/>
               <a:t>编辑文本</a:t>
             </a:r>
-            <a:endParaRPr lang="zh-CN" altLang="en-US" dirty="0"/>
           </a:p>
         </p:txBody>
       </p:sp>
@@ -2821,7 +2825,7 @@
           <p:nvPr>
             <p:ph type="dt" sz="half" idx="10"/>
             <p:custDataLst>
-              <p:tags r:id="rId2"/>
+              <p:tags r:id="rId1"/>
             </p:custDataLst>
           </p:nvPr>
         </p:nvSpPr>
@@ -2832,6 +2836,7 @@
           <a:p>
             <a:fld id="{760FBDFE-C587-4B4C-A407-44438C67B59E}" type="datetimeFigureOut">
               <a:rPr lang="zh-CN" altLang="en-US" smtClean="0"/>
+              <a:t>2019/6/23</a:t>
             </a:fld>
             <a:endParaRPr lang="zh-CN" altLang="en-US"/>
           </a:p>
@@ -2846,7 +2851,7 @@
           <p:nvPr>
             <p:ph type="ftr" sz="quarter" idx="11"/>
             <p:custDataLst>
-              <p:tags r:id="rId3"/>
+              <p:tags r:id="rId2"/>
             </p:custDataLst>
           </p:nvPr>
         </p:nvSpPr>
@@ -2868,7 +2873,7 @@
           <p:nvPr>
             <p:ph type="sldNum" sz="quarter" idx="12"/>
             <p:custDataLst>
-              <p:tags r:id="rId4"/>
+              <p:tags r:id="rId3"/>
             </p:custDataLst>
           </p:nvPr>
         </p:nvSpPr>
@@ -2879,6 +2884,7 @@
           <a:p>
             <a:fld id="{49AE70B2-8BF9-45C0-BB95-33D1B9D3A854}" type="slidenum">
               <a:rPr lang="zh-CN" altLang="en-US" smtClean="0"/>
+              <a:t>‹#›</a:t>
             </a:fld>
             <a:endParaRPr lang="zh-CN" altLang="en-US"/>
           </a:p>
@@ -2893,7 +2899,7 @@
           <p:nvPr>
             <p:ph sz="quarter" idx="13"/>
             <p:custDataLst>
-              <p:tags r:id="rId5"/>
+              <p:tags r:id="rId4"/>
             </p:custDataLst>
           </p:nvPr>
         </p:nvSpPr>
@@ -2912,7 +2918,6 @@
               <a:rPr lang="zh-CN" altLang="en-US" dirty="0"/>
               <a:t>单击此处编辑母版文本样式</a:t>
             </a:r>
-            <a:endParaRPr lang="zh-CN" altLang="en-US" dirty="0"/>
           </a:p>
           <a:p>
             <a:pPr lvl="1"/>
@@ -2920,7 +2925,6 @@
               <a:rPr lang="zh-CN" altLang="en-US" dirty="0"/>
               <a:t>第二级</a:t>
             </a:r>
-            <a:endParaRPr lang="zh-CN" altLang="en-US" dirty="0"/>
           </a:p>
           <a:p>
             <a:pPr lvl="2"/>
@@ -2928,7 +2932,6 @@
               <a:rPr lang="zh-CN" altLang="en-US" dirty="0"/>
               <a:t>第三级</a:t>
             </a:r>
-            <a:endParaRPr lang="zh-CN" altLang="en-US" dirty="0"/>
           </a:p>
           <a:p>
             <a:pPr lvl="3"/>
@@ -2936,7 +2939,6 @@
               <a:rPr lang="zh-CN" altLang="en-US" dirty="0"/>
               <a:t>第四级</a:t>
             </a:r>
-            <a:endParaRPr lang="zh-CN" altLang="en-US" dirty="0"/>
           </a:p>
           <a:p>
             <a:pPr lvl="4"/>
@@ -2944,7 +2946,6 @@
               <a:rPr lang="zh-CN" altLang="en-US" dirty="0"/>
               <a:t>第五级</a:t>
             </a:r>
-            <a:endParaRPr lang="zh-CN" altLang="en-US" dirty="0"/>
           </a:p>
         </p:txBody>
       </p:sp>
@@ -2979,7 +2980,7 @@
           <p:cNvSpPr/>
           <p:nvPr>
             <p:custDataLst>
-              <p:tags r:id="rId2"/>
+              <p:tags r:id="rId1"/>
             </p:custDataLst>
           </p:nvPr>
         </p:nvSpPr>
@@ -3117,7 +3118,7 @@
           <p:cNvSpPr/>
           <p:nvPr>
             <p:custDataLst>
-              <p:tags r:id="rId3"/>
+              <p:tags r:id="rId2"/>
             </p:custDataLst>
           </p:nvPr>
         </p:nvSpPr>
@@ -3255,7 +3256,7 @@
           <p:cNvSpPr/>
           <p:nvPr>
             <p:custDataLst>
-              <p:tags r:id="rId4"/>
+              <p:tags r:id="rId3"/>
             </p:custDataLst>
           </p:nvPr>
         </p:nvSpPr>
@@ -3393,7 +3394,7 @@
           <p:cNvSpPr/>
           <p:nvPr>
             <p:custDataLst>
-              <p:tags r:id="rId5"/>
+              <p:tags r:id="rId4"/>
             </p:custDataLst>
           </p:nvPr>
         </p:nvSpPr>
@@ -3531,7 +3532,7 @@
           <p:cNvSpPr/>
           <p:nvPr>
             <p:custDataLst>
-              <p:tags r:id="rId6"/>
+              <p:tags r:id="rId5"/>
             </p:custDataLst>
           </p:nvPr>
         </p:nvSpPr>
@@ -3669,7 +3670,7 @@
           <p:cNvSpPr/>
           <p:nvPr>
             <p:custDataLst>
-              <p:tags r:id="rId7"/>
+              <p:tags r:id="rId6"/>
             </p:custDataLst>
           </p:nvPr>
         </p:nvSpPr>
@@ -3807,7 +3808,7 @@
           <p:cNvSpPr/>
           <p:nvPr>
             <p:custDataLst>
-              <p:tags r:id="rId8"/>
+              <p:tags r:id="rId7"/>
             </p:custDataLst>
           </p:nvPr>
         </p:nvSpPr>
@@ -3945,7 +3946,7 @@
           <p:cNvSpPr/>
           <p:nvPr>
             <p:custDataLst>
-              <p:tags r:id="rId9"/>
+              <p:tags r:id="rId8"/>
             </p:custDataLst>
           </p:nvPr>
         </p:nvSpPr>
@@ -4083,7 +4084,7 @@
           <p:cNvSpPr/>
           <p:nvPr>
             <p:custDataLst>
-              <p:tags r:id="rId10"/>
+              <p:tags r:id="rId9"/>
             </p:custDataLst>
           </p:nvPr>
         </p:nvSpPr>
@@ -4221,7 +4222,7 @@
           <p:cNvSpPr/>
           <p:nvPr>
             <p:custDataLst>
-              <p:tags r:id="rId11"/>
+              <p:tags r:id="rId10"/>
             </p:custDataLst>
           </p:nvPr>
         </p:nvSpPr>
@@ -4359,7 +4360,7 @@
           <p:cNvSpPr/>
           <p:nvPr>
             <p:custDataLst>
-              <p:tags r:id="rId12"/>
+              <p:tags r:id="rId11"/>
             </p:custDataLst>
           </p:nvPr>
         </p:nvSpPr>
@@ -4497,7 +4498,7 @@
           <p:cNvSpPr/>
           <p:nvPr>
             <p:custDataLst>
-              <p:tags r:id="rId13"/>
+              <p:tags r:id="rId12"/>
             </p:custDataLst>
           </p:nvPr>
         </p:nvSpPr>
@@ -4635,7 +4636,7 @@
           <p:cNvSpPr/>
           <p:nvPr>
             <p:custDataLst>
-              <p:tags r:id="rId14"/>
+              <p:tags r:id="rId13"/>
             </p:custDataLst>
           </p:nvPr>
         </p:nvSpPr>
@@ -4783,7 +4784,7 @@
           <p:cNvSpPr/>
           <p:nvPr>
             <p:custDataLst>
-              <p:tags r:id="rId15"/>
+              <p:tags r:id="rId14"/>
             </p:custDataLst>
           </p:nvPr>
         </p:nvSpPr>
@@ -4931,7 +4932,7 @@
           <p:cNvSpPr/>
           <p:nvPr>
             <p:custDataLst>
-              <p:tags r:id="rId16"/>
+              <p:tags r:id="rId15"/>
             </p:custDataLst>
           </p:nvPr>
         </p:nvSpPr>
@@ -5087,7 +5088,7 @@
           <p:cNvSpPr/>
           <p:nvPr>
             <p:custDataLst>
-              <p:tags r:id="rId17"/>
+              <p:tags r:id="rId16"/>
             </p:custDataLst>
           </p:nvPr>
         </p:nvSpPr>
@@ -5243,7 +5244,7 @@
           <p:cNvSpPr/>
           <p:nvPr>
             <p:custDataLst>
-              <p:tags r:id="rId18"/>
+              <p:tags r:id="rId17"/>
             </p:custDataLst>
           </p:nvPr>
         </p:nvSpPr>
@@ -5390,7 +5391,7 @@
           <p:cNvSpPr/>
           <p:nvPr>
             <p:custDataLst>
-              <p:tags r:id="rId19"/>
+              <p:tags r:id="rId18"/>
             </p:custDataLst>
           </p:nvPr>
         </p:nvSpPr>
@@ -5537,7 +5538,7 @@
           <p:cNvSpPr/>
           <p:nvPr>
             <p:custDataLst>
-              <p:tags r:id="rId20"/>
+              <p:tags r:id="rId19"/>
             </p:custDataLst>
           </p:nvPr>
         </p:nvSpPr>
@@ -5684,7 +5685,7 @@
           <p:cNvSpPr/>
           <p:nvPr>
             <p:custDataLst>
-              <p:tags r:id="rId21"/>
+              <p:tags r:id="rId20"/>
             </p:custDataLst>
           </p:nvPr>
         </p:nvSpPr>
@@ -5831,7 +5832,7 @@
           <p:cNvSpPr/>
           <p:nvPr>
             <p:custDataLst>
-              <p:tags r:id="rId22"/>
+              <p:tags r:id="rId21"/>
             </p:custDataLst>
           </p:nvPr>
         </p:nvSpPr>
@@ -5978,7 +5979,7 @@
           <p:cNvSpPr/>
           <p:nvPr>
             <p:custDataLst>
-              <p:tags r:id="rId23"/>
+              <p:tags r:id="rId22"/>
             </p:custDataLst>
           </p:nvPr>
         </p:nvSpPr>
@@ -6117,7 +6118,7 @@
           <p:cNvSpPr/>
           <p:nvPr>
             <p:custDataLst>
-              <p:tags r:id="rId24"/>
+              <p:tags r:id="rId23"/>
             </p:custDataLst>
           </p:nvPr>
         </p:nvSpPr>
@@ -6256,7 +6257,7 @@
           <p:cNvSpPr/>
           <p:nvPr>
             <p:custDataLst>
-              <p:tags r:id="rId25"/>
+              <p:tags r:id="rId24"/>
             </p:custDataLst>
           </p:nvPr>
         </p:nvSpPr>
@@ -6395,7 +6396,7 @@
           <p:cNvSpPr/>
           <p:nvPr>
             <p:custDataLst>
-              <p:tags r:id="rId26"/>
+              <p:tags r:id="rId25"/>
             </p:custDataLst>
           </p:nvPr>
         </p:nvSpPr>
@@ -6534,7 +6535,7 @@
           <p:cNvSpPr/>
           <p:nvPr>
             <p:custDataLst>
-              <p:tags r:id="rId27"/>
+              <p:tags r:id="rId26"/>
             </p:custDataLst>
           </p:nvPr>
         </p:nvSpPr>
@@ -6681,7 +6682,7 @@
           <p:cNvSpPr/>
           <p:nvPr>
             <p:custDataLst>
-              <p:tags r:id="rId28"/>
+              <p:tags r:id="rId27"/>
             </p:custDataLst>
           </p:nvPr>
         </p:nvSpPr>
@@ -6828,7 +6829,7 @@
           <p:cNvSpPr/>
           <p:nvPr>
             <p:custDataLst>
-              <p:tags r:id="rId29"/>
+              <p:tags r:id="rId28"/>
             </p:custDataLst>
           </p:nvPr>
         </p:nvSpPr>
@@ -6975,7 +6976,7 @@
           <p:cNvSpPr/>
           <p:nvPr>
             <p:custDataLst>
-              <p:tags r:id="rId30"/>
+              <p:tags r:id="rId29"/>
             </p:custDataLst>
           </p:nvPr>
         </p:nvSpPr>
@@ -7122,7 +7123,7 @@
           <p:cNvSpPr/>
           <p:nvPr>
             <p:custDataLst>
-              <p:tags r:id="rId31"/>
+              <p:tags r:id="rId30"/>
             </p:custDataLst>
           </p:nvPr>
         </p:nvSpPr>
@@ -7269,7 +7270,7 @@
           <p:cNvSpPr/>
           <p:nvPr>
             <p:custDataLst>
-              <p:tags r:id="rId32"/>
+              <p:tags r:id="rId31"/>
             </p:custDataLst>
           </p:nvPr>
         </p:nvSpPr>
@@ -7416,7 +7417,7 @@
           <p:cNvSpPr/>
           <p:nvPr>
             <p:custDataLst>
-              <p:tags r:id="rId33"/>
+              <p:tags r:id="rId32"/>
             </p:custDataLst>
           </p:nvPr>
         </p:nvSpPr>
@@ -7566,7 +7567,7 @@
           <p:nvPr>
             <p:ph type="title" hasCustomPrompt="1"/>
             <p:custDataLst>
-              <p:tags r:id="rId34"/>
+              <p:tags r:id="rId33"/>
             </p:custDataLst>
           </p:nvPr>
         </p:nvSpPr>
@@ -7609,9 +7610,6 @@
               </a:rPr>
               <a:t>编辑标题</a:t>
             </a:r>
-            <a:endParaRPr dirty="0">
-              <a:sym typeface="+mn-ea"/>
-            </a:endParaRPr>
           </a:p>
         </p:txBody>
       </p:sp>
@@ -7624,7 +7622,7 @@
           <p:nvPr>
             <p:ph type="dt" sz="half" idx="10"/>
             <p:custDataLst>
-              <p:tags r:id="rId35"/>
+              <p:tags r:id="rId34"/>
             </p:custDataLst>
           </p:nvPr>
         </p:nvSpPr>
@@ -7635,6 +7633,7 @@
           <a:p>
             <a:fld id="{760FBDFE-C587-4B4C-A407-44438C67B59E}" type="datetimeFigureOut">
               <a:rPr lang="zh-CN" altLang="en-US" smtClean="0"/>
+              <a:t>2019/6/23</a:t>
             </a:fld>
             <a:endParaRPr lang="zh-CN" altLang="en-US"/>
           </a:p>
@@ -7649,7 +7648,7 @@
           <p:nvPr>
             <p:ph type="ftr" sz="quarter" idx="11"/>
             <p:custDataLst>
-              <p:tags r:id="rId36"/>
+              <p:tags r:id="rId35"/>
             </p:custDataLst>
           </p:nvPr>
         </p:nvSpPr>
@@ -7671,7 +7670,7 @@
           <p:nvPr>
             <p:ph type="sldNum" sz="quarter" idx="12"/>
             <p:custDataLst>
-              <p:tags r:id="rId37"/>
+              <p:tags r:id="rId36"/>
             </p:custDataLst>
           </p:nvPr>
         </p:nvSpPr>
@@ -7682,6 +7681,7 @@
           <a:p>
             <a:fld id="{49AE70B2-8BF9-45C0-BB95-33D1B9D3A854}" type="slidenum">
               <a:rPr lang="zh-CN" altLang="en-US" smtClean="0"/>
+              <a:t>‹#›</a:t>
             </a:fld>
             <a:endParaRPr lang="zh-CN" altLang="en-US"/>
           </a:p>
@@ -7718,7 +7718,7 @@
           <p:cNvSpPr/>
           <p:nvPr>
             <p:custDataLst>
-              <p:tags r:id="rId2"/>
+              <p:tags r:id="rId1"/>
             </p:custDataLst>
           </p:nvPr>
         </p:nvSpPr>
@@ -7864,7 +7864,7 @@
           <p:cNvSpPr/>
           <p:nvPr>
             <p:custDataLst>
-              <p:tags r:id="rId3"/>
+              <p:tags r:id="rId2"/>
             </p:custDataLst>
           </p:nvPr>
         </p:nvSpPr>
@@ -8010,7 +8010,7 @@
           <p:cNvSpPr/>
           <p:nvPr>
             <p:custDataLst>
-              <p:tags r:id="rId4"/>
+              <p:tags r:id="rId3"/>
             </p:custDataLst>
           </p:nvPr>
         </p:nvSpPr>
@@ -8156,7 +8156,7 @@
           <p:cNvSpPr/>
           <p:nvPr>
             <p:custDataLst>
-              <p:tags r:id="rId5"/>
+              <p:tags r:id="rId4"/>
             </p:custDataLst>
           </p:nvPr>
         </p:nvSpPr>
@@ -8302,7 +8302,7 @@
           <p:cNvSpPr/>
           <p:nvPr>
             <p:custDataLst>
-              <p:tags r:id="rId6"/>
+              <p:tags r:id="rId5"/>
             </p:custDataLst>
           </p:nvPr>
         </p:nvSpPr>
@@ -8448,7 +8448,7 @@
           <p:cNvSpPr/>
           <p:nvPr>
             <p:custDataLst>
-              <p:tags r:id="rId7"/>
+              <p:tags r:id="rId6"/>
             </p:custDataLst>
           </p:nvPr>
         </p:nvSpPr>
@@ -8594,7 +8594,7 @@
           <p:cNvSpPr/>
           <p:nvPr>
             <p:custDataLst>
-              <p:tags r:id="rId8"/>
+              <p:tags r:id="rId7"/>
             </p:custDataLst>
           </p:nvPr>
         </p:nvSpPr>
@@ -8740,7 +8740,7 @@
           <p:cNvSpPr/>
           <p:nvPr>
             <p:custDataLst>
-              <p:tags r:id="rId9"/>
+              <p:tags r:id="rId8"/>
             </p:custDataLst>
           </p:nvPr>
         </p:nvSpPr>
@@ -8886,7 +8886,7 @@
           <p:cNvSpPr/>
           <p:nvPr>
             <p:custDataLst>
-              <p:tags r:id="rId10"/>
+              <p:tags r:id="rId9"/>
             </p:custDataLst>
           </p:nvPr>
         </p:nvSpPr>
@@ -9032,7 +9032,7 @@
           <p:cNvSpPr/>
           <p:nvPr>
             <p:custDataLst>
-              <p:tags r:id="rId11"/>
+              <p:tags r:id="rId10"/>
             </p:custDataLst>
           </p:nvPr>
         </p:nvSpPr>
@@ -9178,7 +9178,7 @@
           <p:cNvSpPr/>
           <p:nvPr>
             <p:custDataLst>
-              <p:tags r:id="rId12"/>
+              <p:tags r:id="rId11"/>
             </p:custDataLst>
           </p:nvPr>
         </p:nvSpPr>
@@ -9324,7 +9324,7 @@
           <p:cNvSpPr/>
           <p:nvPr>
             <p:custDataLst>
-              <p:tags r:id="rId13"/>
+              <p:tags r:id="rId12"/>
             </p:custDataLst>
           </p:nvPr>
         </p:nvSpPr>
@@ -9470,7 +9470,7 @@
           <p:cNvSpPr/>
           <p:nvPr>
             <p:custDataLst>
-              <p:tags r:id="rId14"/>
+              <p:tags r:id="rId13"/>
             </p:custDataLst>
           </p:nvPr>
         </p:nvSpPr>
@@ -9616,7 +9616,7 @@
           <p:cNvSpPr/>
           <p:nvPr>
             <p:custDataLst>
-              <p:tags r:id="rId15"/>
+              <p:tags r:id="rId14"/>
             </p:custDataLst>
           </p:nvPr>
         </p:nvSpPr>
@@ -9762,7 +9762,7 @@
           <p:cNvSpPr/>
           <p:nvPr>
             <p:custDataLst>
-              <p:tags r:id="rId16"/>
+              <p:tags r:id="rId15"/>
             </p:custDataLst>
           </p:nvPr>
         </p:nvSpPr>
@@ -9908,7 +9908,7 @@
           <p:cNvSpPr/>
           <p:nvPr>
             <p:custDataLst>
-              <p:tags r:id="rId17"/>
+              <p:tags r:id="rId16"/>
             </p:custDataLst>
           </p:nvPr>
         </p:nvSpPr>
@@ -10054,7 +10054,7 @@
           <p:cNvSpPr/>
           <p:nvPr>
             <p:custDataLst>
-              <p:tags r:id="rId18"/>
+              <p:tags r:id="rId17"/>
             </p:custDataLst>
           </p:nvPr>
         </p:nvSpPr>
@@ -10201,7 +10201,7 @@
           <p:cNvSpPr/>
           <p:nvPr>
             <p:custDataLst>
-              <p:tags r:id="rId19"/>
+              <p:tags r:id="rId18"/>
             </p:custDataLst>
           </p:nvPr>
         </p:nvSpPr>
@@ -10348,7 +10348,7 @@
           <p:cNvSpPr/>
           <p:nvPr>
             <p:custDataLst>
-              <p:tags r:id="rId20"/>
+              <p:tags r:id="rId19"/>
             </p:custDataLst>
           </p:nvPr>
         </p:nvSpPr>
@@ -10495,7 +10495,7 @@
           <p:cNvSpPr/>
           <p:nvPr>
             <p:custDataLst>
-              <p:tags r:id="rId21"/>
+              <p:tags r:id="rId20"/>
             </p:custDataLst>
           </p:nvPr>
         </p:nvSpPr>
@@ -10642,7 +10642,7 @@
           <p:cNvSpPr/>
           <p:nvPr>
             <p:custDataLst>
-              <p:tags r:id="rId22"/>
+              <p:tags r:id="rId21"/>
             </p:custDataLst>
           </p:nvPr>
         </p:nvSpPr>
@@ -10789,7 +10789,7 @@
           <p:cNvSpPr/>
           <p:nvPr>
             <p:custDataLst>
-              <p:tags r:id="rId23"/>
+              <p:tags r:id="rId22"/>
             </p:custDataLst>
           </p:nvPr>
         </p:nvSpPr>
@@ -10936,7 +10936,7 @@
           <p:cNvSpPr/>
           <p:nvPr>
             <p:custDataLst>
-              <p:tags r:id="rId24"/>
+              <p:tags r:id="rId23"/>
             </p:custDataLst>
           </p:nvPr>
         </p:nvSpPr>
@@ -11083,7 +11083,7 @@
           <p:cNvSpPr/>
           <p:nvPr>
             <p:custDataLst>
-              <p:tags r:id="rId25"/>
+              <p:tags r:id="rId24"/>
             </p:custDataLst>
           </p:nvPr>
         </p:nvSpPr>
@@ -11230,7 +11230,7 @@
           <p:cNvSpPr/>
           <p:nvPr>
             <p:custDataLst>
-              <p:tags r:id="rId26"/>
+              <p:tags r:id="rId25"/>
             </p:custDataLst>
           </p:nvPr>
         </p:nvSpPr>
@@ -11377,7 +11377,7 @@
           <p:cNvSpPr/>
           <p:nvPr>
             <p:custDataLst>
-              <p:tags r:id="rId27"/>
+              <p:tags r:id="rId26"/>
             </p:custDataLst>
           </p:nvPr>
         </p:nvSpPr>
@@ -11524,7 +11524,7 @@
           <p:cNvSpPr/>
           <p:nvPr>
             <p:custDataLst>
-              <p:tags r:id="rId28"/>
+              <p:tags r:id="rId27"/>
             </p:custDataLst>
           </p:nvPr>
         </p:nvSpPr>
@@ -11661,7 +11661,7 @@
           <p:cNvSpPr/>
           <p:nvPr>
             <p:custDataLst>
-              <p:tags r:id="rId29"/>
+              <p:tags r:id="rId28"/>
             </p:custDataLst>
           </p:nvPr>
         </p:nvSpPr>
@@ -11798,7 +11798,7 @@
           <p:cNvSpPr/>
           <p:nvPr>
             <p:custDataLst>
-              <p:tags r:id="rId30"/>
+              <p:tags r:id="rId29"/>
             </p:custDataLst>
           </p:nvPr>
         </p:nvSpPr>
@@ -11935,7 +11935,7 @@
           <p:cNvSpPr/>
           <p:nvPr>
             <p:custDataLst>
-              <p:tags r:id="rId31"/>
+              <p:tags r:id="rId30"/>
             </p:custDataLst>
           </p:nvPr>
         </p:nvSpPr>
@@ -12072,7 +12072,7 @@
           <p:cNvSpPr/>
           <p:nvPr>
             <p:custDataLst>
-              <p:tags r:id="rId32"/>
+              <p:tags r:id="rId31"/>
             </p:custDataLst>
           </p:nvPr>
         </p:nvSpPr>
@@ -12202,7 +12202,7 @@
           <p:nvPr>
             <p:ph type="title"/>
             <p:custDataLst>
-              <p:tags r:id="rId33"/>
+              <p:tags r:id="rId32"/>
             </p:custDataLst>
           </p:nvPr>
         </p:nvSpPr>
@@ -12245,9 +12245,6 @@
               </a:rPr>
               <a:t>单击此处编辑母版标题样式</a:t>
             </a:r>
-            <a:endParaRPr dirty="0">
-              <a:sym typeface="+mn-ea"/>
-            </a:endParaRPr>
           </a:p>
         </p:txBody>
       </p:sp>
@@ -12260,7 +12257,7 @@
           <p:nvPr>
             <p:ph idx="1"/>
             <p:custDataLst>
-              <p:tags r:id="rId34"/>
+              <p:tags r:id="rId33"/>
             </p:custDataLst>
           </p:nvPr>
         </p:nvSpPr>
@@ -12417,9 +12414,6 @@
               </a:rPr>
               <a:t>单击此处编辑母版文本样式</a:t>
             </a:r>
-            <a:endParaRPr dirty="0">
-              <a:sym typeface="+mn-ea"/>
-            </a:endParaRPr>
           </a:p>
           <a:p>
             <a:pPr lvl="1"/>
@@ -12429,9 +12423,6 @@
               </a:rPr>
               <a:t>第二级</a:t>
             </a:r>
-            <a:endParaRPr dirty="0">
-              <a:sym typeface="+mn-ea"/>
-            </a:endParaRPr>
           </a:p>
           <a:p>
             <a:pPr lvl="2"/>
@@ -12441,9 +12432,6 @@
               </a:rPr>
               <a:t>第三级</a:t>
             </a:r>
-            <a:endParaRPr dirty="0">
-              <a:sym typeface="+mn-ea"/>
-            </a:endParaRPr>
           </a:p>
           <a:p>
             <a:pPr lvl="3"/>
@@ -12453,9 +12441,6 @@
               </a:rPr>
               <a:t>第四级</a:t>
             </a:r>
-            <a:endParaRPr dirty="0">
-              <a:sym typeface="+mn-ea"/>
-            </a:endParaRPr>
           </a:p>
           <a:p>
             <a:pPr lvl="4"/>
@@ -12465,9 +12450,6 @@
               </a:rPr>
               <a:t>第五级</a:t>
             </a:r>
-            <a:endParaRPr dirty="0">
-              <a:sym typeface="+mn-ea"/>
-            </a:endParaRPr>
           </a:p>
         </p:txBody>
       </p:sp>
@@ -12480,7 +12462,7 @@
           <p:nvPr>
             <p:ph type="dt" sz="half" idx="10"/>
             <p:custDataLst>
-              <p:tags r:id="rId35"/>
+              <p:tags r:id="rId34"/>
             </p:custDataLst>
           </p:nvPr>
         </p:nvSpPr>
@@ -12491,6 +12473,7 @@
           <a:p>
             <a:fld id="{760FBDFE-C587-4B4C-A407-44438C67B59E}" type="datetimeFigureOut">
               <a:rPr lang="zh-CN" altLang="en-US" smtClean="0"/>
+              <a:t>2019/6/23</a:t>
             </a:fld>
             <a:endParaRPr lang="zh-CN" altLang="en-US"/>
           </a:p>
@@ -12505,7 +12488,7 @@
           <p:nvPr>
             <p:ph type="ftr" sz="quarter" idx="11"/>
             <p:custDataLst>
-              <p:tags r:id="rId36"/>
+              <p:tags r:id="rId35"/>
             </p:custDataLst>
           </p:nvPr>
         </p:nvSpPr>
@@ -12527,7 +12510,7 @@
           <p:nvPr>
             <p:ph type="sldNum" sz="quarter" idx="12"/>
             <p:custDataLst>
-              <p:tags r:id="rId37"/>
+              <p:tags r:id="rId36"/>
             </p:custDataLst>
           </p:nvPr>
         </p:nvSpPr>
@@ -12538,6 +12521,7 @@
           <a:p>
             <a:fld id="{49AE70B2-8BF9-45C0-BB95-33D1B9D3A854}" type="slidenum">
               <a:rPr lang="zh-CN" altLang="en-US" smtClean="0"/>
+              <a:t>‹#›</a:t>
             </a:fld>
             <a:endParaRPr lang="zh-CN" altLang="en-US"/>
           </a:p>
@@ -12574,7 +12558,7 @@
           <p:cNvGrpSpPr/>
           <p:nvPr>
             <p:custDataLst>
-              <p:tags r:id="rId2"/>
+              <p:tags r:id="rId1"/>
             </p:custDataLst>
           </p:nvPr>
         </p:nvGrpSpPr>
@@ -12592,7 +12576,7 @@
             <p:cNvSpPr/>
             <p:nvPr>
               <p:custDataLst>
-                <p:tags r:id="rId3"/>
+                <p:tags r:id="rId7"/>
               </p:custDataLst>
             </p:nvPr>
           </p:nvSpPr>
@@ -12673,7 +12657,7 @@
             <p:cNvSpPr/>
             <p:nvPr>
               <p:custDataLst>
-                <p:tags r:id="rId4"/>
+                <p:tags r:id="rId8"/>
               </p:custDataLst>
             </p:nvPr>
           </p:nvSpPr>
@@ -12754,7 +12738,7 @@
             <p:cNvSpPr/>
             <p:nvPr>
               <p:custDataLst>
-                <p:tags r:id="rId5"/>
+                <p:tags r:id="rId9"/>
               </p:custDataLst>
             </p:nvPr>
           </p:nvSpPr>
@@ -12835,7 +12819,7 @@
             <p:cNvSpPr/>
             <p:nvPr>
               <p:custDataLst>
-                <p:tags r:id="rId6"/>
+                <p:tags r:id="rId10"/>
               </p:custDataLst>
             </p:nvPr>
           </p:nvSpPr>
@@ -12916,7 +12900,7 @@
             <p:cNvSpPr/>
             <p:nvPr>
               <p:custDataLst>
-                <p:tags r:id="rId7"/>
+                <p:tags r:id="rId11"/>
               </p:custDataLst>
             </p:nvPr>
           </p:nvSpPr>
@@ -13011,7 +12995,7 @@
               <p:cNvSpPr/>
               <p:nvPr>
                 <p:custDataLst>
-                  <p:tags r:id="rId8"/>
+                  <p:tags r:id="rId12"/>
                 </p:custDataLst>
               </p:nvPr>
             </p:nvSpPr>
@@ -13092,7 +13076,7 @@
               <p:cNvSpPr/>
               <p:nvPr>
                 <p:custDataLst>
-                  <p:tags r:id="rId9"/>
+                  <p:tags r:id="rId13"/>
                 </p:custDataLst>
               </p:nvPr>
             </p:nvSpPr>
@@ -13173,7 +13157,7 @@
               <p:cNvSpPr/>
               <p:nvPr>
                 <p:custDataLst>
-                  <p:tags r:id="rId10"/>
+                  <p:tags r:id="rId14"/>
                 </p:custDataLst>
               </p:nvPr>
             </p:nvSpPr>
@@ -13259,7 +13243,7 @@
           <p:nvPr>
             <p:ph type="title" hasCustomPrompt="1"/>
             <p:custDataLst>
-              <p:tags r:id="rId11"/>
+              <p:tags r:id="rId2"/>
             </p:custDataLst>
           </p:nvPr>
         </p:nvSpPr>
@@ -13293,7 +13277,6 @@
               <a:rPr lang="zh-CN" altLang="en-US" dirty="0"/>
               <a:t>单击此处编辑标题</a:t>
             </a:r>
-            <a:endParaRPr lang="zh-CN" altLang="en-US" dirty="0"/>
           </a:p>
         </p:txBody>
       </p:sp>
@@ -13306,7 +13289,7 @@
           <p:nvPr>
             <p:ph type="body" idx="1"/>
             <p:custDataLst>
-              <p:tags r:id="rId12"/>
+              <p:tags r:id="rId3"/>
             </p:custDataLst>
           </p:nvPr>
         </p:nvSpPr>
@@ -13424,7 +13407,6 @@
               <a:rPr lang="zh-CN" altLang="en-US" dirty="0"/>
               <a:t>单击此处编辑母版文本样式</a:t>
             </a:r>
-            <a:endParaRPr lang="zh-CN" altLang="en-US" dirty="0"/>
           </a:p>
         </p:txBody>
       </p:sp>
@@ -13437,7 +13419,7 @@
           <p:nvPr>
             <p:ph type="dt" sz="half" idx="10"/>
             <p:custDataLst>
-              <p:tags r:id="rId13"/>
+              <p:tags r:id="rId4"/>
             </p:custDataLst>
           </p:nvPr>
         </p:nvSpPr>
@@ -13448,6 +13430,7 @@
           <a:p>
             <a:fld id="{760FBDFE-C587-4B4C-A407-44438C67B59E}" type="datetimeFigureOut">
               <a:rPr lang="zh-CN" altLang="en-US" smtClean="0"/>
+              <a:t>2019/6/23</a:t>
             </a:fld>
             <a:endParaRPr lang="zh-CN" altLang="en-US"/>
           </a:p>
@@ -13462,7 +13445,7 @@
           <p:nvPr>
             <p:ph type="ftr" sz="quarter" idx="11"/>
             <p:custDataLst>
-              <p:tags r:id="rId14"/>
+              <p:tags r:id="rId5"/>
             </p:custDataLst>
           </p:nvPr>
         </p:nvSpPr>
@@ -13484,7 +13467,7 @@
           <p:nvPr>
             <p:ph type="sldNum" sz="quarter" idx="12"/>
             <p:custDataLst>
-              <p:tags r:id="rId15"/>
+              <p:tags r:id="rId6"/>
             </p:custDataLst>
           </p:nvPr>
         </p:nvSpPr>
@@ -13495,6 +13478,7 @@
           <a:p>
             <a:fld id="{49AE70B2-8BF9-45C0-BB95-33D1B9D3A854}" type="slidenum">
               <a:rPr lang="zh-CN" altLang="en-US" smtClean="0"/>
+              <a:t>‹#›</a:t>
             </a:fld>
             <a:endParaRPr lang="zh-CN" altLang="en-US"/>
           </a:p>
@@ -13534,7 +13518,7 @@
           <p:nvPr>
             <p:ph type="title"/>
             <p:custDataLst>
-              <p:tags r:id="rId2"/>
+              <p:tags r:id="rId1"/>
             </p:custDataLst>
           </p:nvPr>
         </p:nvSpPr>
@@ -13577,9 +13561,6 @@
               </a:rPr>
               <a:t>单击此处编辑母版标题样式</a:t>
             </a:r>
-            <a:endParaRPr>
-              <a:sym typeface="+mn-ea"/>
-            </a:endParaRPr>
           </a:p>
         </p:txBody>
       </p:sp>
@@ -13592,7 +13573,7 @@
           <p:nvPr>
             <p:ph sz="half" idx="1"/>
             <p:custDataLst>
-              <p:tags r:id="rId3"/>
+              <p:tags r:id="rId2"/>
             </p:custDataLst>
           </p:nvPr>
         </p:nvSpPr>
@@ -13749,9 +13730,6 @@
               </a:rPr>
               <a:t>单击此处编辑母版文本样式</a:t>
             </a:r>
-            <a:endParaRPr>
-              <a:sym typeface="+mn-ea"/>
-            </a:endParaRPr>
           </a:p>
           <a:p>
             <a:pPr lvl="1"/>
@@ -13761,9 +13739,6 @@
               </a:rPr>
               <a:t>第二级</a:t>
             </a:r>
-            <a:endParaRPr>
-              <a:sym typeface="+mn-ea"/>
-            </a:endParaRPr>
           </a:p>
           <a:p>
             <a:pPr lvl="2"/>
@@ -13773,9 +13748,6 @@
               </a:rPr>
               <a:t>第三级</a:t>
             </a:r>
-            <a:endParaRPr>
-              <a:sym typeface="+mn-ea"/>
-            </a:endParaRPr>
           </a:p>
           <a:p>
             <a:pPr lvl="3"/>
@@ -13785,9 +13757,6 @@
               </a:rPr>
               <a:t>第四级</a:t>
             </a:r>
-            <a:endParaRPr>
-              <a:sym typeface="+mn-ea"/>
-            </a:endParaRPr>
           </a:p>
           <a:p>
             <a:pPr lvl="4"/>
@@ -13797,9 +13766,6 @@
               </a:rPr>
               <a:t>第五级</a:t>
             </a:r>
-            <a:endParaRPr>
-              <a:sym typeface="+mn-ea"/>
-            </a:endParaRPr>
           </a:p>
         </p:txBody>
       </p:sp>
@@ -13812,7 +13778,7 @@
           <p:nvPr>
             <p:ph sz="half" idx="2"/>
             <p:custDataLst>
-              <p:tags r:id="rId4"/>
+              <p:tags r:id="rId3"/>
             </p:custDataLst>
           </p:nvPr>
         </p:nvSpPr>
@@ -13894,7 +13860,6 @@
               <a:rPr lang="zh-CN" altLang="en-US" dirty="0"/>
               <a:t>单击此处编辑母版文本样式</a:t>
             </a:r>
-            <a:endParaRPr lang="zh-CN" altLang="en-US" dirty="0"/>
           </a:p>
           <a:p>
             <a:pPr lvl="1"/>
@@ -13902,7 +13867,6 @@
               <a:rPr lang="zh-CN" altLang="en-US" dirty="0"/>
               <a:t>第二级</a:t>
             </a:r>
-            <a:endParaRPr lang="zh-CN" altLang="en-US" dirty="0"/>
           </a:p>
           <a:p>
             <a:pPr lvl="2"/>
@@ -13910,7 +13874,6 @@
               <a:rPr lang="zh-CN" altLang="en-US" dirty="0"/>
               <a:t>第三级</a:t>
             </a:r>
-            <a:endParaRPr lang="zh-CN" altLang="en-US" dirty="0"/>
           </a:p>
           <a:p>
             <a:pPr lvl="3"/>
@@ -13918,7 +13881,6 @@
               <a:rPr lang="zh-CN" altLang="en-US" dirty="0"/>
               <a:t>第四级</a:t>
             </a:r>
-            <a:endParaRPr lang="zh-CN" altLang="en-US" dirty="0"/>
           </a:p>
           <a:p>
             <a:pPr lvl="4"/>
@@ -13926,7 +13888,6 @@
               <a:rPr lang="zh-CN" altLang="en-US" dirty="0"/>
               <a:t>第五级</a:t>
             </a:r>
-            <a:endParaRPr lang="zh-CN" altLang="en-US" dirty="0"/>
           </a:p>
         </p:txBody>
       </p:sp>
@@ -13939,7 +13900,7 @@
           <p:nvPr>
             <p:ph type="dt" sz="half" idx="10"/>
             <p:custDataLst>
-              <p:tags r:id="rId5"/>
+              <p:tags r:id="rId4"/>
             </p:custDataLst>
           </p:nvPr>
         </p:nvSpPr>
@@ -13950,6 +13911,7 @@
           <a:p>
             <a:fld id="{760FBDFE-C587-4B4C-A407-44438C67B59E}" type="datetimeFigureOut">
               <a:rPr lang="zh-CN" altLang="en-US" smtClean="0"/>
+              <a:t>2019/6/23</a:t>
             </a:fld>
             <a:endParaRPr lang="zh-CN" altLang="en-US"/>
           </a:p>
@@ -13964,7 +13926,7 @@
           <p:nvPr>
             <p:ph type="ftr" sz="quarter" idx="11"/>
             <p:custDataLst>
-              <p:tags r:id="rId6"/>
+              <p:tags r:id="rId5"/>
             </p:custDataLst>
           </p:nvPr>
         </p:nvSpPr>
@@ -13986,7 +13948,7 @@
           <p:nvPr>
             <p:ph type="sldNum" sz="quarter" idx="12"/>
             <p:custDataLst>
-              <p:tags r:id="rId7"/>
+              <p:tags r:id="rId6"/>
             </p:custDataLst>
           </p:nvPr>
         </p:nvSpPr>
@@ -13997,6 +13959,7 @@
           <a:p>
             <a:fld id="{49AE70B2-8BF9-45C0-BB95-33D1B9D3A854}" type="slidenum">
               <a:rPr lang="zh-CN" altLang="en-US" smtClean="0"/>
+              <a:t>‹#›</a:t>
             </a:fld>
             <a:endParaRPr lang="zh-CN" altLang="en-US"/>
           </a:p>
@@ -14036,7 +13999,7 @@
           <p:nvPr>
             <p:ph type="title"/>
             <p:custDataLst>
-              <p:tags r:id="rId2"/>
+              <p:tags r:id="rId1"/>
             </p:custDataLst>
           </p:nvPr>
         </p:nvSpPr>
@@ -14079,9 +14042,6 @@
               </a:rPr>
               <a:t>单击此处编辑母版标题样式</a:t>
             </a:r>
-            <a:endParaRPr dirty="0">
-              <a:sym typeface="+mn-ea"/>
-            </a:endParaRPr>
           </a:p>
         </p:txBody>
       </p:sp>
@@ -14094,7 +14054,7 @@
           <p:nvPr>
             <p:ph type="body" idx="1" hasCustomPrompt="1"/>
             <p:custDataLst>
-              <p:tags r:id="rId3"/>
+              <p:tags r:id="rId2"/>
             </p:custDataLst>
           </p:nvPr>
         </p:nvSpPr>
@@ -14168,7 +14128,6 @@
               <a:rPr lang="zh-CN" altLang="en-US" dirty="0"/>
               <a:t>单击此处编辑文本</a:t>
             </a:r>
-            <a:endParaRPr lang="zh-CN" altLang="en-US" dirty="0"/>
           </a:p>
         </p:txBody>
       </p:sp>
@@ -14181,7 +14140,7 @@
           <p:nvPr>
             <p:ph sz="half" idx="2"/>
             <p:custDataLst>
-              <p:tags r:id="rId4"/>
+              <p:tags r:id="rId3"/>
             </p:custDataLst>
           </p:nvPr>
         </p:nvSpPr>
@@ -14338,9 +14297,6 @@
               </a:rPr>
               <a:t>单击此处编辑母版文本样式</a:t>
             </a:r>
-            <a:endParaRPr dirty="0">
-              <a:sym typeface="+mn-ea"/>
-            </a:endParaRPr>
           </a:p>
           <a:p>
             <a:pPr lvl="1"/>
@@ -14350,9 +14306,6 @@
               </a:rPr>
               <a:t>第二级</a:t>
             </a:r>
-            <a:endParaRPr dirty="0">
-              <a:sym typeface="+mn-ea"/>
-            </a:endParaRPr>
           </a:p>
           <a:p>
             <a:pPr lvl="2"/>
@@ -14362,9 +14315,6 @@
               </a:rPr>
               <a:t>第三级</a:t>
             </a:r>
-            <a:endParaRPr dirty="0">
-              <a:sym typeface="+mn-ea"/>
-            </a:endParaRPr>
           </a:p>
           <a:p>
             <a:pPr lvl="3"/>
@@ -14374,9 +14324,6 @@
               </a:rPr>
               <a:t>第四级</a:t>
             </a:r>
-            <a:endParaRPr dirty="0">
-              <a:sym typeface="+mn-ea"/>
-            </a:endParaRPr>
           </a:p>
           <a:p>
             <a:pPr lvl="4"/>
@@ -14386,9 +14333,6 @@
               </a:rPr>
               <a:t>第五级</a:t>
             </a:r>
-            <a:endParaRPr dirty="0">
-              <a:sym typeface="+mn-ea"/>
-            </a:endParaRPr>
           </a:p>
         </p:txBody>
       </p:sp>
@@ -14401,7 +14345,7 @@
           <p:nvPr>
             <p:ph type="body" sz="quarter" idx="3" hasCustomPrompt="1"/>
             <p:custDataLst>
-              <p:tags r:id="rId5"/>
+              <p:tags r:id="rId4"/>
             </p:custDataLst>
           </p:nvPr>
         </p:nvSpPr>
@@ -14483,9 +14427,6 @@
               </a:rPr>
               <a:t>单击此处编辑文本</a:t>
             </a:r>
-            <a:endParaRPr>
-              <a:sym typeface="+mn-ea"/>
-            </a:endParaRPr>
           </a:p>
         </p:txBody>
       </p:sp>
@@ -14498,7 +14439,7 @@
           <p:nvPr>
             <p:ph sz="quarter" idx="4"/>
             <p:custDataLst>
-              <p:tags r:id="rId6"/>
+              <p:tags r:id="rId5"/>
             </p:custDataLst>
           </p:nvPr>
         </p:nvSpPr>
@@ -14655,9 +14596,6 @@
               </a:rPr>
               <a:t>单击此处编辑母版文本样式</a:t>
             </a:r>
-            <a:endParaRPr dirty="0">
-              <a:sym typeface="+mn-ea"/>
-            </a:endParaRPr>
           </a:p>
           <a:p>
             <a:pPr lvl="1"/>
@@ -14667,9 +14605,6 @@
               </a:rPr>
               <a:t>第二级</a:t>
             </a:r>
-            <a:endParaRPr dirty="0">
-              <a:sym typeface="+mn-ea"/>
-            </a:endParaRPr>
           </a:p>
           <a:p>
             <a:pPr lvl="2"/>
@@ -14679,9 +14614,6 @@
               </a:rPr>
               <a:t>第三级</a:t>
             </a:r>
-            <a:endParaRPr dirty="0">
-              <a:sym typeface="+mn-ea"/>
-            </a:endParaRPr>
           </a:p>
           <a:p>
             <a:pPr lvl="3"/>
@@ -14691,9 +14623,6 @@
               </a:rPr>
               <a:t>第四级</a:t>
             </a:r>
-            <a:endParaRPr dirty="0">
-              <a:sym typeface="+mn-ea"/>
-            </a:endParaRPr>
           </a:p>
           <a:p>
             <a:pPr lvl="4"/>
@@ -14703,9 +14632,6 @@
               </a:rPr>
               <a:t>第五级</a:t>
             </a:r>
-            <a:endParaRPr dirty="0">
-              <a:sym typeface="+mn-ea"/>
-            </a:endParaRPr>
           </a:p>
         </p:txBody>
       </p:sp>
@@ -14718,7 +14644,7 @@
           <p:nvPr>
             <p:ph type="dt" sz="half" idx="10"/>
             <p:custDataLst>
-              <p:tags r:id="rId7"/>
+              <p:tags r:id="rId6"/>
             </p:custDataLst>
           </p:nvPr>
         </p:nvSpPr>
@@ -14729,6 +14655,7 @@
           <a:p>
             <a:fld id="{760FBDFE-C587-4B4C-A407-44438C67B59E}" type="datetimeFigureOut">
               <a:rPr lang="zh-CN" altLang="en-US" smtClean="0"/>
+              <a:t>2019/6/23</a:t>
             </a:fld>
             <a:endParaRPr lang="zh-CN" altLang="en-US"/>
           </a:p>
@@ -14743,7 +14670,7 @@
           <p:nvPr>
             <p:ph type="ftr" sz="quarter" idx="11"/>
             <p:custDataLst>
-              <p:tags r:id="rId8"/>
+              <p:tags r:id="rId7"/>
             </p:custDataLst>
           </p:nvPr>
         </p:nvSpPr>
@@ -14765,7 +14692,7 @@
           <p:nvPr>
             <p:ph type="sldNum" sz="quarter" idx="12"/>
             <p:custDataLst>
-              <p:tags r:id="rId9"/>
+              <p:tags r:id="rId8"/>
             </p:custDataLst>
           </p:nvPr>
         </p:nvSpPr>
@@ -14776,6 +14703,7 @@
           <a:p>
             <a:fld id="{49AE70B2-8BF9-45C0-BB95-33D1B9D3A854}" type="slidenum">
               <a:rPr lang="zh-CN" altLang="en-US" smtClean="0"/>
+              <a:t>‹#›</a:t>
             </a:fld>
             <a:endParaRPr lang="zh-CN" altLang="en-US"/>
           </a:p>
@@ -14815,7 +14743,7 @@
           <p:nvPr>
             <p:ph type="title"/>
             <p:custDataLst>
-              <p:tags r:id="rId2"/>
+              <p:tags r:id="rId1"/>
             </p:custDataLst>
           </p:nvPr>
         </p:nvSpPr>
@@ -14853,9 +14781,6 @@
               </a:rPr>
               <a:t>单击此处编辑母版标题样式</a:t>
             </a:r>
-            <a:endParaRPr>
-              <a:sym typeface="+mn-ea"/>
-            </a:endParaRPr>
           </a:p>
         </p:txBody>
       </p:sp>
@@ -14868,7 +14793,7 @@
           <p:nvPr>
             <p:ph type="dt" sz="half" idx="10"/>
             <p:custDataLst>
-              <p:tags r:id="rId3"/>
+              <p:tags r:id="rId2"/>
             </p:custDataLst>
           </p:nvPr>
         </p:nvSpPr>
@@ -14879,6 +14804,7 @@
           <a:p>
             <a:fld id="{760FBDFE-C587-4B4C-A407-44438C67B59E}" type="datetimeFigureOut">
               <a:rPr lang="zh-CN" altLang="en-US" smtClean="0"/>
+              <a:t>2019/6/23</a:t>
             </a:fld>
             <a:endParaRPr lang="zh-CN" altLang="en-US"/>
           </a:p>
@@ -14893,7 +14819,7 @@
           <p:nvPr>
             <p:ph type="ftr" sz="quarter" idx="11"/>
             <p:custDataLst>
-              <p:tags r:id="rId4"/>
+              <p:tags r:id="rId3"/>
             </p:custDataLst>
           </p:nvPr>
         </p:nvSpPr>
@@ -14915,7 +14841,7 @@
           <p:nvPr>
             <p:ph type="sldNum" sz="quarter" idx="12"/>
             <p:custDataLst>
-              <p:tags r:id="rId5"/>
+              <p:tags r:id="rId4"/>
             </p:custDataLst>
           </p:nvPr>
         </p:nvSpPr>
@@ -14926,6 +14852,7 @@
           <a:p>
             <a:fld id="{49AE70B2-8BF9-45C0-BB95-33D1B9D3A854}" type="slidenum">
               <a:rPr lang="zh-CN" altLang="en-US" smtClean="0"/>
+              <a:t>‹#›</a:t>
             </a:fld>
             <a:endParaRPr lang="zh-CN" altLang="en-US"/>
           </a:p>
@@ -14965,7 +14892,7 @@
           <p:nvPr>
             <p:ph type="dt" sz="half" idx="10"/>
             <p:custDataLst>
-              <p:tags r:id="rId2"/>
+              <p:tags r:id="rId1"/>
             </p:custDataLst>
           </p:nvPr>
         </p:nvSpPr>
@@ -14976,6 +14903,7 @@
           <a:p>
             <a:fld id="{760FBDFE-C587-4B4C-A407-44438C67B59E}" type="datetimeFigureOut">
               <a:rPr lang="zh-CN" altLang="en-US" smtClean="0"/>
+              <a:t>2019/6/23</a:t>
             </a:fld>
             <a:endParaRPr lang="zh-CN" altLang="en-US"/>
           </a:p>
@@ -14990,7 +14918,7 @@
           <p:nvPr>
             <p:ph type="ftr" sz="quarter" idx="11"/>
             <p:custDataLst>
-              <p:tags r:id="rId3"/>
+              <p:tags r:id="rId2"/>
             </p:custDataLst>
           </p:nvPr>
         </p:nvSpPr>
@@ -15012,7 +14940,7 @@
           <p:nvPr>
             <p:ph type="sldNum" sz="quarter" idx="12"/>
             <p:custDataLst>
-              <p:tags r:id="rId4"/>
+              <p:tags r:id="rId3"/>
             </p:custDataLst>
           </p:nvPr>
         </p:nvSpPr>
@@ -15023,6 +14951,7 @@
           <a:p>
             <a:fld id="{49AE70B2-8BF9-45C0-BB95-33D1B9D3A854}" type="slidenum">
               <a:rPr lang="zh-CN" altLang="en-US" smtClean="0"/>
+              <a:t>‹#›</a:t>
             </a:fld>
             <a:endParaRPr lang="zh-CN" altLang="en-US"/>
           </a:p>
@@ -15062,7 +14991,7 @@
           <p:nvPr>
             <p:ph type="title"/>
             <p:custDataLst>
-              <p:tags r:id="rId2"/>
+              <p:tags r:id="rId1"/>
             </p:custDataLst>
           </p:nvPr>
         </p:nvSpPr>
@@ -15105,9 +15034,6 @@
               </a:rPr>
               <a:t>单击此处编辑母版标题样式</a:t>
             </a:r>
-            <a:endParaRPr dirty="0">
-              <a:sym typeface="+mn-ea"/>
-            </a:endParaRPr>
           </a:p>
         </p:txBody>
       </p:sp>
@@ -15120,7 +15046,7 @@
           <p:nvPr>
             <p:ph type="pic" idx="1"/>
             <p:custDataLst>
-              <p:tags r:id="rId3"/>
+              <p:tags r:id="rId2"/>
             </p:custDataLst>
           </p:nvPr>
         </p:nvSpPr>
@@ -15274,7 +15200,7 @@
           <p:nvPr>
             <p:ph type="body" sz="half" idx="2"/>
             <p:custDataLst>
-              <p:tags r:id="rId4"/>
+              <p:tags r:id="rId3"/>
             </p:custDataLst>
           </p:nvPr>
         </p:nvSpPr>
@@ -15324,9 +15250,6 @@
               </a:rPr>
               <a:t>单击此处编辑母版文本样式</a:t>
             </a:r>
-            <a:endParaRPr>
-              <a:sym typeface="+mn-ea"/>
-            </a:endParaRPr>
           </a:p>
         </p:txBody>
       </p:sp>
@@ -15339,7 +15262,7 @@
           <p:nvPr>
             <p:ph type="dt" sz="half" idx="10"/>
             <p:custDataLst>
-              <p:tags r:id="rId5"/>
+              <p:tags r:id="rId4"/>
             </p:custDataLst>
           </p:nvPr>
         </p:nvSpPr>
@@ -15350,6 +15273,7 @@
           <a:p>
             <a:fld id="{9EFD9D74-47D9-4702-A33C-335B63B48DBF}" type="datetimeFigureOut">
               <a:rPr lang="zh-CN" altLang="en-US" smtClean="0"/>
+              <a:t>2019/6/23</a:t>
             </a:fld>
             <a:endParaRPr lang="zh-CN" altLang="en-US" dirty="0"/>
           </a:p>
@@ -15364,7 +15288,7 @@
           <p:nvPr>
             <p:ph type="ftr" sz="quarter" idx="11"/>
             <p:custDataLst>
-              <p:tags r:id="rId6"/>
+              <p:tags r:id="rId5"/>
             </p:custDataLst>
           </p:nvPr>
         </p:nvSpPr>
@@ -15386,7 +15310,7 @@
           <p:nvPr>
             <p:ph type="sldNum" sz="quarter" idx="12"/>
             <p:custDataLst>
-              <p:tags r:id="rId7"/>
+              <p:tags r:id="rId6"/>
             </p:custDataLst>
           </p:nvPr>
         </p:nvSpPr>
@@ -15397,6 +15321,7 @@
           <a:p>
             <a:fld id="{FABC47A4-756D-490B-A52F-7D9E2C9FC05F}" type="slidenum">
               <a:rPr lang="zh-CN" altLang="en-US" smtClean="0"/>
+              <a:t>‹#›</a:t>
             </a:fld>
             <a:endParaRPr lang="zh-CN" altLang="en-US"/>
           </a:p>
@@ -15436,7 +15361,7 @@
           <p:nvPr>
             <p:ph type="title" orient="vert"/>
             <p:custDataLst>
-              <p:tags r:id="rId2"/>
+              <p:tags r:id="rId1"/>
             </p:custDataLst>
           </p:nvPr>
         </p:nvSpPr>
@@ -15482,9 +15407,6 @@
               </a:rPr>
               <a:t>单击此处编辑母版标题样式</a:t>
             </a:r>
-            <a:endParaRPr>
-              <a:sym typeface="+mn-ea"/>
-            </a:endParaRPr>
           </a:p>
         </p:txBody>
       </p:sp>
@@ -15497,7 +15419,7 @@
           <p:nvPr>
             <p:ph type="body" orient="vert" idx="1"/>
             <p:custDataLst>
-              <p:tags r:id="rId3"/>
+              <p:tags r:id="rId2"/>
             </p:custDataLst>
           </p:nvPr>
         </p:nvSpPr>
@@ -15577,7 +15499,6 @@
               <a:rPr lang="zh-CN" altLang="en-US" dirty="0"/>
               <a:t>单击此处编辑母版文本样式</a:t>
             </a:r>
-            <a:endParaRPr lang="zh-CN" altLang="en-US" dirty="0"/>
           </a:p>
           <a:p>
             <a:pPr lvl="1"/>
@@ -15585,7 +15506,6 @@
               <a:rPr lang="zh-CN" altLang="en-US" dirty="0"/>
               <a:t>第二级</a:t>
             </a:r>
-            <a:endParaRPr lang="zh-CN" altLang="en-US" dirty="0"/>
           </a:p>
           <a:p>
             <a:pPr lvl="2"/>
@@ -15593,7 +15513,6 @@
               <a:rPr lang="zh-CN" altLang="en-US" dirty="0"/>
               <a:t>第三级</a:t>
             </a:r>
-            <a:endParaRPr lang="zh-CN" altLang="en-US" dirty="0"/>
           </a:p>
           <a:p>
             <a:pPr lvl="3"/>
@@ -15601,7 +15520,6 @@
               <a:rPr lang="zh-CN" altLang="en-US" dirty="0"/>
               <a:t>第四级</a:t>
             </a:r>
-            <a:endParaRPr lang="zh-CN" altLang="en-US" dirty="0"/>
           </a:p>
           <a:p>
             <a:pPr lvl="4"/>
@@ -15609,7 +15527,6 @@
               <a:rPr lang="zh-CN" altLang="en-US" dirty="0"/>
               <a:t>第五级</a:t>
             </a:r>
-            <a:endParaRPr lang="zh-CN" altLang="en-US" dirty="0"/>
           </a:p>
         </p:txBody>
       </p:sp>
@@ -15622,7 +15539,7 @@
           <p:nvPr>
             <p:ph type="dt" sz="half" idx="10"/>
             <p:custDataLst>
-              <p:tags r:id="rId4"/>
+              <p:tags r:id="rId3"/>
             </p:custDataLst>
           </p:nvPr>
         </p:nvSpPr>
@@ -15633,6 +15550,7 @@
           <a:p>
             <a:fld id="{760FBDFE-C587-4B4C-A407-44438C67B59E}" type="datetimeFigureOut">
               <a:rPr lang="zh-CN" altLang="en-US" smtClean="0"/>
+              <a:t>2019/6/23</a:t>
             </a:fld>
             <a:endParaRPr lang="zh-CN" altLang="en-US"/>
           </a:p>
@@ -15647,7 +15565,7 @@
           <p:nvPr>
             <p:ph type="ftr" sz="quarter" idx="11"/>
             <p:custDataLst>
-              <p:tags r:id="rId5"/>
+              <p:tags r:id="rId4"/>
             </p:custDataLst>
           </p:nvPr>
         </p:nvSpPr>
@@ -15669,7 +15587,7 @@
           <p:nvPr>
             <p:ph type="sldNum" sz="quarter" idx="12"/>
             <p:custDataLst>
-              <p:tags r:id="rId6"/>
+              <p:tags r:id="rId5"/>
             </p:custDataLst>
           </p:nvPr>
         </p:nvSpPr>
@@ -15680,6 +15598,7 @@
           <a:p>
             <a:fld id="{49AE70B2-8BF9-45C0-BB95-33D1B9D3A854}" type="slidenum">
               <a:rPr lang="zh-CN" altLang="en-US" smtClean="0"/>
+              <a:t>‹#›</a:t>
             </a:fld>
             <a:endParaRPr lang="zh-CN" altLang="en-US"/>
           </a:p>
@@ -15727,7 +15646,7 @@
           <p:nvPr>
             <p:ph type="title"/>
             <p:custDataLst>
-              <p:tags r:id="rId12"/>
+              <p:tags r:id="rId13"/>
             </p:custDataLst>
           </p:nvPr>
         </p:nvSpPr>
@@ -15750,7 +15669,6 @@
               <a:rPr lang="zh-CN" altLang="en-US" dirty="0"/>
               <a:t>单击此处编辑母版标题样式</a:t>
             </a:r>
-            <a:endParaRPr lang="zh-CN" altLang="en-US" dirty="0"/>
           </a:p>
         </p:txBody>
       </p:sp>
@@ -15763,7 +15681,7 @@
           <p:nvPr>
             <p:ph type="body" idx="1"/>
             <p:custDataLst>
-              <p:tags r:id="rId13"/>
+              <p:tags r:id="rId14"/>
             </p:custDataLst>
           </p:nvPr>
         </p:nvSpPr>
@@ -15787,7 +15705,6 @@
               <a:rPr lang="zh-CN" altLang="en-US" dirty="0"/>
               <a:t>单击此处编辑母版文本样式</a:t>
             </a:r>
-            <a:endParaRPr lang="zh-CN" altLang="en-US" dirty="0"/>
           </a:p>
           <a:p>
             <a:pPr lvl="1"/>
@@ -15795,7 +15712,6 @@
               <a:rPr lang="zh-CN" altLang="en-US" dirty="0"/>
               <a:t>第二级</a:t>
             </a:r>
-            <a:endParaRPr lang="zh-CN" altLang="en-US" dirty="0"/>
           </a:p>
           <a:p>
             <a:pPr lvl="2"/>
@@ -15803,7 +15719,6 @@
               <a:rPr lang="zh-CN" altLang="en-US" dirty="0"/>
               <a:t>第三级</a:t>
             </a:r>
-            <a:endParaRPr lang="zh-CN" altLang="en-US" dirty="0"/>
           </a:p>
           <a:p>
             <a:pPr lvl="3"/>
@@ -15811,7 +15726,6 @@
               <a:rPr lang="zh-CN" altLang="en-US" dirty="0"/>
               <a:t>第四级</a:t>
             </a:r>
-            <a:endParaRPr lang="zh-CN" altLang="en-US" dirty="0"/>
           </a:p>
           <a:p>
             <a:pPr lvl="4"/>
@@ -15819,7 +15733,6 @@
               <a:rPr lang="zh-CN" altLang="en-US" dirty="0"/>
               <a:t>第五级</a:t>
             </a:r>
-            <a:endParaRPr lang="zh-CN" altLang="en-US" dirty="0"/>
           </a:p>
         </p:txBody>
       </p:sp>
@@ -15832,7 +15745,7 @@
           <p:nvPr>
             <p:ph type="dt" sz="half" idx="2"/>
             <p:custDataLst>
-              <p:tags r:id="rId14"/>
+              <p:tags r:id="rId15"/>
             </p:custDataLst>
           </p:nvPr>
         </p:nvSpPr>
@@ -15866,6 +15779,7 @@
           <a:p>
             <a:fld id="{760FBDFE-C587-4B4C-A407-44438C67B59E}" type="datetimeFigureOut">
               <a:rPr lang="zh-CN" altLang="en-US" smtClean="0"/>
+              <a:t>2019/6/23</a:t>
             </a:fld>
             <a:endParaRPr lang="zh-CN" altLang="en-US"/>
           </a:p>
@@ -15880,7 +15794,7 @@
           <p:nvPr>
             <p:ph type="ftr" sz="quarter" idx="3"/>
             <p:custDataLst>
-              <p:tags r:id="rId15"/>
+              <p:tags r:id="rId16"/>
             </p:custDataLst>
           </p:nvPr>
         </p:nvSpPr>
@@ -15925,7 +15839,7 @@
           <p:nvPr>
             <p:ph type="sldNum" sz="quarter" idx="4"/>
             <p:custDataLst>
-              <p:tags r:id="rId16"/>
+              <p:tags r:id="rId17"/>
             </p:custDataLst>
           </p:nvPr>
         </p:nvSpPr>
@@ -15959,6 +15873,7 @@
           <a:p>
             <a:fld id="{49AE70B2-8BF9-45C0-BB95-33D1B9D3A854}" type="slidenum">
               <a:rPr lang="zh-CN" altLang="en-US" smtClean="0"/>
+              <a:t>‹#›</a:t>
             </a:fld>
             <a:endParaRPr lang="zh-CN" altLang="en-US" dirty="0"/>
           </a:p>
@@ -15970,7 +15885,7 @@
           <p:cNvSpPr/>
           <p:nvPr>
             <p:custDataLst>
-              <p:tags r:id="rId17"/>
+              <p:tags r:id="rId18"/>
             </p:custDataLst>
           </p:nvPr>
         </p:nvSpPr>
@@ -16362,7 +16277,14 @@
         <p:cNvGrpSpPr/>
         <p:nvPr/>
       </p:nvGrpSpPr>
-      <p:grpSpPr/>
+      <p:grpSpPr>
+        <a:xfrm>
+          <a:off x="0" y="0"/>
+          <a:ext cx="0" cy="0"/>
+          <a:chOff x="0" y="0"/>
+          <a:chExt cx="0" cy="0"/>
+        </a:xfrm>
+      </p:grpSpPr>
       <p:sp>
         <p:nvSpPr>
           <p:cNvPr id="2" name="标题 1"/>
@@ -16376,12 +16298,12 @@
         <p:spPr/>
         <p:txBody>
           <a:bodyPr/>
+          <a:lstStyle/>
           <a:p>
             <a:r>
               <a:rPr lang="zh-CN" altLang="en-US"/>
               <a:t>射击游戏</a:t>
             </a:r>
-            <a:endParaRPr lang="zh-CN" altLang="en-US"/>
           </a:p>
         </p:txBody>
       </p:sp>
@@ -16398,8 +16320,16 @@
         <p:spPr/>
         <p:txBody>
           <a:bodyPr/>
-          <a:p>
-            <a:endParaRPr lang="zh-CN" altLang="en-US"/>
+          <a:lstStyle/>
+          <a:p>
+            <a:r>
+              <a:rPr lang="en-US" altLang="zh-CN" dirty="0"/>
+              <a:t>19</a:t>
+            </a:r>
+            <a:r>
+              <a:rPr lang="zh-CN" altLang="en-US" dirty="0"/>
+              <a:t>组</a:t>
+            </a:r>
           </a:p>
         </p:txBody>
       </p:sp>
@@ -16423,7 +16353,14 @@
         <p:cNvGrpSpPr/>
         <p:nvPr/>
       </p:nvGrpSpPr>
-      <p:grpSpPr/>
+      <p:grpSpPr>
+        <a:xfrm>
+          <a:off x="0" y="0"/>
+          <a:ext cx="0" cy="0"/>
+          <a:chOff x="0" y="0"/>
+          <a:chExt cx="0" cy="0"/>
+        </a:xfrm>
+      </p:grpSpPr>
       <p:sp>
         <p:nvSpPr>
           <p:cNvPr id="2" name="标题 1"/>
@@ -16442,6 +16379,7 @@
         </p:spPr>
         <p:txBody>
           <a:bodyPr/>
+          <a:lstStyle/>
           <a:p>
             <a:r>
               <a:rPr sz="4800"/>
@@ -16455,7 +16393,6 @@
               <a:rPr sz="4800"/>
               <a:t>功能实现</a:t>
             </a:r>
-            <a:endParaRPr sz="4800"/>
           </a:p>
         </p:txBody>
       </p:sp>
@@ -16479,7 +16416,14 @@
         <p:cNvGrpSpPr/>
         <p:nvPr/>
       </p:nvGrpSpPr>
-      <p:grpSpPr/>
+      <p:grpSpPr>
+        <a:xfrm>
+          <a:off x="0" y="0"/>
+          <a:ext cx="0" cy="0"/>
+          <a:chOff x="0" y="0"/>
+          <a:chExt cx="0" cy="0"/>
+        </a:xfrm>
+      </p:grpSpPr>
       <p:sp>
         <p:nvSpPr>
           <p:cNvPr id="2" name="标题 1"/>
@@ -16493,6 +16437,7 @@
         <p:spPr/>
         <p:txBody>
           <a:bodyPr/>
+          <a:lstStyle/>
           <a:p>
             <a:r>
               <a:rPr lang="en-US" altLang="zh-CN"/>
@@ -16522,12 +16467,12 @@
         </p:spPr>
         <p:txBody>
           <a:bodyPr/>
+          <a:lstStyle/>
           <a:p>
             <a:r>
               <a:rPr lang="zh-CN" altLang="en-US"/>
               <a:t>使用立方体贴图技术，为正方体的六个面分别进行纹理的绑定</a:t>
             </a:r>
-            <a:endParaRPr lang="zh-CN" altLang="en-US"/>
           </a:p>
           <a:p>
             <a:endParaRPr lang="zh-CN" altLang="en-US"/>
@@ -16535,13 +16480,8 @@
           <a:p>
             <a:r>
               <a:rPr lang="zh-CN" altLang="en-US"/>
-              <a:t>同时</a:t>
+              <a:t>同时移除观察矩阵中的位移部分，让移动不会影响天空盒的位置向量</a:t>
             </a:r>
-            <a:r>
-              <a:rPr lang="zh-CN" altLang="en-US"/>
-              <a:t>移除观察矩阵中的位移部分，让移动不会影响天空盒的位置向量</a:t>
-            </a:r>
-            <a:endParaRPr lang="zh-CN" altLang="en-US"/>
           </a:p>
         </p:txBody>
       </p:sp>
@@ -16565,7 +16505,14 @@
         <p:cNvGrpSpPr/>
         <p:nvPr/>
       </p:nvGrpSpPr>
-      <p:grpSpPr/>
+      <p:grpSpPr>
+        <a:xfrm>
+          <a:off x="0" y="0"/>
+          <a:ext cx="0" cy="0"/>
+          <a:chOff x="0" y="0"/>
+          <a:chExt cx="0" cy="0"/>
+        </a:xfrm>
+      </p:grpSpPr>
       <p:sp>
         <p:nvSpPr>
           <p:cNvPr id="2" name="标题 1"/>
@@ -16579,16 +16526,14 @@
         <p:spPr/>
         <p:txBody>
           <a:bodyPr/>
+          <a:lstStyle/>
           <a:p>
             <a:r>
               <a:rPr lang="en-US" altLang="zh-CN"/>
               <a:t>2. </a:t>
             </a:r>
             <a:r>
-              <a:t>重力系统与</a:t>
-            </a:r>
-            <a:r>
-              <a:t>碰撞检测</a:t>
+              <a:t>重力系统与碰撞检测</a:t>
             </a:r>
           </a:p>
         </p:txBody>
@@ -16606,6 +16551,7 @@
         <p:spPr/>
         <p:txBody>
           <a:bodyPr/>
+          <a:lstStyle/>
           <a:p>
             <a:r>
               <a:rPr lang="en-US" altLang="zh-CN"/>
@@ -16625,7 +16571,7 @@
       <p:graphicFrame>
         <p:nvGraphicFramePr>
           <p:cNvPr id="4" name="对象 3">
-            <a:hlinkClick r:id="" action="ppaction://ole?verb="/>
+            <a:hlinkClick r:id="" action="ppaction://ole?verb=0"/>
           </p:cNvPr>
           <p:cNvGraphicFramePr>
             <a:graphicFrameLocks noChangeAspect="1"/>
@@ -16640,12 +16586,12 @@
           <a:graphicData uri="http://schemas.openxmlformats.org/presentationml/2006/ole">
             <mc:AlternateContent xmlns:mc="http://schemas.openxmlformats.org/markup-compatibility/2006">
               <mc:Choice xmlns:v="urn:schemas-microsoft-com:vml" Requires="v">
-                <p:oleObj spid="_x0000_s1025" name="" r:id="rId1" imgW="927100" imgH="482600" progId="Equation.KSEE3">
+                <p:oleObj spid="_x0000_s1029" r:id="rId4" imgW="927100" imgH="482600" progId="Equation.KSEE3">
                   <p:embed/>
                 </p:oleObj>
               </mc:Choice>
               <mc:Fallback>
-                <p:oleObj name="" r:id="rId1" imgW="927100" imgH="482600" progId="Equation.KSEE3">
+                <p:oleObj r:id="rId4" imgW="927100" imgH="482600" progId="Equation.KSEE3">
                   <p:embed/>
                   <p:pic>
                     <p:nvPicPr>
@@ -16654,7 +16600,7 @@
                       <p:nvPr/>
                     </p:nvPicPr>
                     <p:blipFill>
-                      <a:blip r:embed="rId2"/>
+                      <a:blip r:embed="rId5"/>
                       <a:stretch>
                         <a:fillRect/>
                       </a:stretch>
@@ -16677,7 +16623,7 @@
       </p:graphicFrame>
     </p:spTree>
     <p:custDataLst>
-      <p:tags r:id="rId3"/>
+      <p:tags r:id="rId2"/>
     </p:custDataLst>
   </p:cSld>
   <p:clrMapOvr>
@@ -16695,7 +16641,14 @@
         <p:cNvGrpSpPr/>
         <p:nvPr/>
       </p:nvGrpSpPr>
-      <p:grpSpPr/>
+      <p:grpSpPr>
+        <a:xfrm>
+          <a:off x="0" y="0"/>
+          <a:ext cx="0" cy="0"/>
+          <a:chOff x="0" y="0"/>
+          <a:chExt cx="0" cy="0"/>
+        </a:xfrm>
+      </p:grpSpPr>
       <p:sp>
         <p:nvSpPr>
           <p:cNvPr id="2" name="标题 1"/>
@@ -16709,16 +16662,14 @@
         <p:spPr/>
         <p:txBody>
           <a:bodyPr/>
+          <a:lstStyle/>
           <a:p>
             <a:r>
               <a:rPr lang="en-US" altLang="zh-CN"/>
               <a:t>2. </a:t>
             </a:r>
             <a:r>
-              <a:t>重力系统与</a:t>
-            </a:r>
-            <a:r>
-              <a:t>碰撞检测</a:t>
+              <a:t>重力系统与碰撞检测</a:t>
             </a:r>
           </a:p>
         </p:txBody>
@@ -16741,6 +16692,7 @@
         </p:spPr>
         <p:txBody>
           <a:bodyPr/>
+          <a:lstStyle/>
           <a:p>
             <a:r>
               <a:rPr lang="en-US" altLang="zh-CN"/>
@@ -16750,7 +16702,9 @@
               <a:t>碰撞检测</a:t>
             </a:r>
           </a:p>
-          <a:p/>
+          <a:p>
+            <a:endParaRPr/>
+          </a:p>
           <a:p>
             <a:r>
               <a:t>（</a:t>
@@ -16775,7 +16729,9 @@
               <a:t>平面的碰撞检测即可</a:t>
             </a:r>
           </a:p>
-          <a:p/>
+          <a:p>
+            <a:endParaRPr/>
+          </a:p>
           <a:p>
             <a:r>
               <a:t>（</a:t>
@@ -16815,7 +16771,14 @@
         <p:cNvGrpSpPr/>
         <p:nvPr/>
       </p:nvGrpSpPr>
-      <p:grpSpPr/>
+      <p:grpSpPr>
+        <a:xfrm>
+          <a:off x="0" y="0"/>
+          <a:ext cx="0" cy="0"/>
+          <a:chOff x="0" y="0"/>
+          <a:chExt cx="0" cy="0"/>
+        </a:xfrm>
+      </p:grpSpPr>
       <p:sp>
         <p:nvSpPr>
           <p:cNvPr id="2" name="标题 1"/>
@@ -16829,6 +16792,7 @@
         <p:spPr/>
         <p:txBody>
           <a:bodyPr/>
+          <a:lstStyle/>
           <a:p>
             <a:r>
               <a:rPr lang="en-US" altLang="zh-CN"/>
@@ -16858,12 +16822,12 @@
         </p:spPr>
         <p:txBody>
           <a:bodyPr/>
+          <a:lstStyle/>
           <a:p>
             <a:r>
               <a:rPr lang="zh-CN" altLang="en-US"/>
               <a:t>这部分使用几何着色器进行实现</a:t>
             </a:r>
-            <a:endParaRPr lang="zh-CN" altLang="en-US"/>
           </a:p>
           <a:p>
             <a:r>
@@ -16892,7 +16856,9 @@
               <a:t>将偏移后的顶点坐标向量作为新的坐标向量输出</a:t>
             </a:r>
           </a:p>
-          <a:p/>
+          <a:p>
+            <a:endParaRPr/>
+          </a:p>
         </p:txBody>
       </p:sp>
     </p:spTree>
@@ -16915,7 +16881,14 @@
         <p:cNvGrpSpPr/>
         <p:nvPr/>
       </p:nvGrpSpPr>
-      <p:grpSpPr/>
+      <p:grpSpPr>
+        <a:xfrm>
+          <a:off x="0" y="0"/>
+          <a:ext cx="0" cy="0"/>
+          <a:chOff x="0" y="0"/>
+          <a:chExt cx="0" cy="0"/>
+        </a:xfrm>
+      </p:grpSpPr>
       <p:sp>
         <p:nvSpPr>
           <p:cNvPr id="2" name="标题 1"/>
@@ -16929,6 +16902,7 @@
         <p:spPr/>
         <p:txBody>
           <a:bodyPr/>
+          <a:lstStyle/>
           <a:p>
             <a:r>
               <a:rPr lang="en-US" altLang="zh-CN"/>
@@ -16941,7 +16915,6 @@
               <a:rPr lang="en-US" altLang="zh-CN"/>
               <a:t> </a:t>
             </a:r>
-            <a:endParaRPr lang="en-US" altLang="zh-CN"/>
           </a:p>
         </p:txBody>
       </p:sp>
@@ -16958,6 +16931,7 @@
         <p:spPr/>
         <p:txBody>
           <a:bodyPr/>
+          <a:lstStyle/>
           <a:p>
             <a:endParaRPr lang="zh-CN" altLang="en-US"/>
           </a:p>
@@ -16983,7 +16957,14 @@
         <p:cNvGrpSpPr/>
         <p:nvPr/>
       </p:nvGrpSpPr>
-      <p:grpSpPr/>
+      <p:grpSpPr>
+        <a:xfrm>
+          <a:off x="0" y="0"/>
+          <a:ext cx="0" cy="0"/>
+          <a:chOff x="0" y="0"/>
+          <a:chExt cx="0" cy="0"/>
+        </a:xfrm>
+      </p:grpSpPr>
       <p:sp>
         <p:nvSpPr>
           <p:cNvPr id="2" name="标题 1"/>
@@ -16997,6 +16978,7 @@
         <p:spPr/>
         <p:txBody>
           <a:bodyPr/>
+          <a:lstStyle/>
           <a:p>
             <a:r>
               <a:rPr lang="en-US" altLang="zh-CN"/>
@@ -17026,6 +17008,7 @@
         </p:spPr>
         <p:txBody>
           <a:bodyPr/>
+          <a:lstStyle/>
           <a:p>
             <a:r>
               <a:rPr lang="zh-CN" altLang="en-US"/>
@@ -17061,7 +17044,14 @@
         <p:cNvGrpSpPr/>
         <p:nvPr/>
       </p:nvGrpSpPr>
-      <p:grpSpPr/>
+      <p:grpSpPr>
+        <a:xfrm>
+          <a:off x="0" y="0"/>
+          <a:ext cx="0" cy="0"/>
+          <a:chOff x="0" y="0"/>
+          <a:chExt cx="0" cy="0"/>
+        </a:xfrm>
+      </p:grpSpPr>
       <p:sp>
         <p:nvSpPr>
           <p:cNvPr id="2" name="标题 1"/>
@@ -17075,6 +17065,7 @@
         <p:spPr/>
         <p:txBody>
           <a:bodyPr/>
+          <a:lstStyle/>
           <a:p>
             <a:r>
               <a:rPr lang="en-US" altLang="zh-CN"/>
@@ -17099,6 +17090,7 @@
         <p:spPr/>
         <p:txBody>
           <a:bodyPr/>
+          <a:lstStyle/>
           <a:p>
             <a:endParaRPr lang="zh-CN" altLang="en-US"/>
           </a:p>
@@ -17124,7 +17116,14 @@
         <p:cNvGrpSpPr/>
         <p:nvPr/>
       </p:nvGrpSpPr>
-      <p:grpSpPr/>
+      <p:grpSpPr>
+        <a:xfrm>
+          <a:off x="0" y="0"/>
+          <a:ext cx="0" cy="0"/>
+          <a:chOff x="0" y="0"/>
+          <a:chExt cx="0" cy="0"/>
+        </a:xfrm>
+      </p:grpSpPr>
       <p:sp>
         <p:nvSpPr>
           <p:cNvPr id="2" name="标题 1"/>
@@ -17138,6 +17137,7 @@
         <p:spPr/>
         <p:txBody>
           <a:bodyPr/>
+          <a:lstStyle/>
           <a:p>
             <a:r>
               <a:rPr lang="en-US" altLang="zh-CN"/>
@@ -17167,6 +17167,7 @@
         </p:spPr>
         <p:txBody>
           <a:bodyPr/>
+          <a:lstStyle/>
           <a:p>
             <a:r>
               <a:rPr lang="zh-CN" altLang="en-US"/>
@@ -17187,7 +17188,9 @@
               <a:t>算法。</a:t>
             </a:r>
           </a:p>
-          <a:p/>
+          <a:p>
+            <a:endParaRPr/>
+          </a:p>
           <a:p>
             <a:r>
               <a:rPr lang="en-US" altLang="zh-CN"/>
@@ -17224,7 +17227,14 @@
         <p:cNvGrpSpPr/>
         <p:nvPr/>
       </p:nvGrpSpPr>
-      <p:grpSpPr/>
+      <p:grpSpPr>
+        <a:xfrm>
+          <a:off x="0" y="0"/>
+          <a:ext cx="0" cy="0"/>
+          <a:chOff x="0" y="0"/>
+          <a:chExt cx="0" cy="0"/>
+        </a:xfrm>
+      </p:grpSpPr>
       <p:sp>
         <p:nvSpPr>
           <p:cNvPr id="2" name="标题 1"/>
@@ -17238,6 +17248,7 @@
         <p:spPr/>
         <p:txBody>
           <a:bodyPr/>
+          <a:lstStyle/>
           <a:p>
             <a:r>
               <a:rPr lang="en-US" altLang="zh-CN"/>
@@ -17267,6 +17278,7 @@
         </p:spPr>
         <p:txBody>
           <a:bodyPr/>
+          <a:lstStyle/>
           <a:p>
             <a:r>
               <a:rPr lang="en-US" altLang="zh-CN"/>
@@ -17276,7 +17288,6 @@
               <a:rPr lang="zh-CN" altLang="en-US"/>
               <a:t>色彩校正</a:t>
             </a:r>
-            <a:endParaRPr lang="zh-CN" altLang="en-US"/>
           </a:p>
           <a:p>
             <a:r>
@@ -17291,7 +17302,6 @@
               <a:rPr lang="zh-CN" altLang="en-US"/>
               <a:t>曲线进行编辑，以对图像进行非线性色调编辑的方法，检出图像信号中的深色部分和浅色部分，并使两者比例增大，从而提高图像对比度效果。</a:t>
             </a:r>
-            <a:endParaRPr lang="zh-CN" altLang="en-US"/>
           </a:p>
           <a:p>
             <a:r>
@@ -17307,13 +17317,8 @@
             </a:r>
             <a:r>
               <a:rPr lang="zh-CN" altLang="en-US"/>
-              <a:t>gamma值一般为</a:t>
+              <a:t>gamma值一般为2.2</a:t>
             </a:r>
-            <a:r>
-              <a:rPr lang="zh-CN" altLang="en-US"/>
-              <a:t>2.2</a:t>
-            </a:r>
-            <a:endParaRPr lang="zh-CN" altLang="en-US"/>
           </a:p>
           <a:p>
             <a:endParaRPr lang="zh-CN" altLang="en-US"/>
@@ -17324,18 +17329,12 @@
               <a:t>2.</a:t>
             </a:r>
             <a:r>
-              <a:t>光照</a:t>
+              <a:t>光照衰减</a:t>
             </a:r>
+          </a:p>
+          <a:p>
             <a:r>
-              <a:t>衰减</a:t>
-            </a:r>
-          </a:p>
-          <a:p>
-            <a:r>
-              <a:t>模拟在真实的物理世界中，光照强度</a:t>
-            </a:r>
-            <a:r>
-              <a:t>和光源的距离成反比。</a:t>
+              <a:t>模拟在真实的物理世界中，光照强度和光源的距离成反比。</a:t>
             </a:r>
           </a:p>
         </p:txBody>
@@ -17360,7 +17359,14 @@
         <p:cNvGrpSpPr/>
         <p:nvPr/>
       </p:nvGrpSpPr>
-      <p:grpSpPr/>
+      <p:grpSpPr>
+        <a:xfrm>
+          <a:off x="0" y="0"/>
+          <a:ext cx="0" cy="0"/>
+          <a:chOff x="0" y="0"/>
+          <a:chExt cx="0" cy="0"/>
+        </a:xfrm>
+      </p:grpSpPr>
       <p:sp>
         <p:nvSpPr>
           <p:cNvPr id="2" name="标题 1"/>
@@ -17374,12 +17380,12 @@
         <p:spPr/>
         <p:txBody>
           <a:bodyPr/>
+          <a:lstStyle/>
           <a:p>
             <a:r>
               <a:rPr lang="zh-CN" altLang="en-US"/>
               <a:t>成员分工</a:t>
             </a:r>
-            <a:endParaRPr lang="zh-CN" altLang="en-US"/>
           </a:p>
         </p:txBody>
       </p:sp>
@@ -17393,11 +17399,784 @@
             <p:ph idx="1"/>
           </p:nvPr>
         </p:nvSpPr>
-        <p:spPr/>
+        <p:spPr>
+          <a:xfrm>
+            <a:off x="669883" y="952508"/>
+            <a:ext cx="4816518" cy="2175005"/>
+          </a:xfrm>
+        </p:spPr>
         <p:txBody>
           <a:bodyPr/>
-          <a:p>
-            <a:endParaRPr lang="zh-CN" altLang="en-US"/>
+          <a:lstStyle/>
+          <a:p>
+            <a:r>
+              <a:rPr lang="zh-CN" altLang="en-US" dirty="0"/>
+              <a:t>组员</a:t>
+            </a:r>
+            <a:r>
+              <a:rPr lang="en-US" altLang="zh-CN" dirty="0"/>
+              <a:t>1</a:t>
+            </a:r>
+            <a:endParaRPr lang="zh-CN" altLang="en-US" dirty="0"/>
+          </a:p>
+        </p:txBody>
+      </p:sp>
+      <p:sp>
+        <p:nvSpPr>
+          <p:cNvPr id="5" name="内容占位符 2">
+            <a:extLst>
+              <a:ext uri="{FF2B5EF4-FFF2-40B4-BE49-F238E27FC236}">
+                <a16:creationId xmlns:a16="http://schemas.microsoft.com/office/drawing/2014/main" id="{3CE8F1E8-51AC-4AFF-8B0E-646272437608}"/>
+              </a:ext>
+            </a:extLst>
+          </p:cNvPr>
+          <p:cNvSpPr txBox="1">
+            <a:spLocks/>
+          </p:cNvSpPr>
+          <p:nvPr/>
+        </p:nvSpPr>
+        <p:spPr>
+          <a:xfrm>
+            <a:off x="669883" y="3429000"/>
+            <a:ext cx="4816518" cy="2175005"/>
+          </a:xfrm>
+          <a:prstGeom prst="rect">
+            <a:avLst/>
+          </a:prstGeom>
+        </p:spPr>
+        <p:txBody>
+          <a:bodyPr vert="horz" lIns="101600" tIns="0" rIns="82550" bIns="0" rtlCol="0">
+            <a:noAutofit/>
+          </a:bodyPr>
+          <a:lstStyle>
+            <a:lvl1pPr marL="228600" marR="0" lvl="0" indent="-228600" algn="l" defTabSz="914400" rtl="0" eaLnBrk="1" fontAlgn="auto" latinLnBrk="0" hangingPunct="1">
+              <a:lnSpc>
+                <a:spcPct val="130000"/>
+              </a:lnSpc>
+              <a:spcBef>
+                <a:spcPts val="0"/>
+              </a:spcBef>
+              <a:spcAft>
+                <a:spcPts val="1000"/>
+              </a:spcAft>
+              <a:buFont typeface="Arial" panose="020B0604020202020204" pitchFamily="34" charset="0"/>
+              <a:buChar char="•"/>
+              <a:defRPr kumimoji="0" lang="zh-CN" altLang="en-US" sz="1600" b="0" i="0" u="none" strike="noStrike" kern="1200" cap="none" spc="150" normalizeH="0" baseline="0" noProof="1" dirty="0">
+                <a:solidFill>
+                  <a:schemeClr val="tx1">
+                    <a:lumMod val="85000"/>
+                    <a:lumOff val="15000"/>
+                  </a:schemeClr>
+                </a:solidFill>
+                <a:uFillTx/>
+                <a:latin typeface="微软雅黑" panose="020B0503020204020204" charset="-122"/>
+                <a:ea typeface="微软雅黑" panose="020B0503020204020204" charset="-122"/>
+                <a:cs typeface="微软雅黑" panose="020B0503020204020204" charset="-122"/>
+                <a:sym typeface="+mn-ea"/>
+              </a:defRPr>
+            </a:lvl1pPr>
+            <a:lvl2pPr marL="685800" marR="0" lvl="1" indent="-228600" algn="l" defTabSz="914400" rtl="0" eaLnBrk="1" fontAlgn="auto" latinLnBrk="0" hangingPunct="1">
+              <a:lnSpc>
+                <a:spcPct val="130000"/>
+              </a:lnSpc>
+              <a:spcBef>
+                <a:spcPts val="0"/>
+              </a:spcBef>
+              <a:spcAft>
+                <a:spcPts val="1000"/>
+              </a:spcAft>
+              <a:buFont typeface="Arial" panose="020B0604020202020204" pitchFamily="34" charset="0"/>
+              <a:buChar char="•"/>
+              <a:tabLst>
+                <a:tab pos="1609725" algn="l"/>
+              </a:tabLst>
+              <a:defRPr kumimoji="0" lang="zh-CN" altLang="en-US" sz="1600" b="0" i="0" u="none" strike="noStrike" kern="1200" cap="none" spc="150" normalizeH="0" baseline="0" noProof="1" dirty="0">
+                <a:solidFill>
+                  <a:schemeClr val="tx1">
+                    <a:lumMod val="85000"/>
+                    <a:lumOff val="15000"/>
+                  </a:schemeClr>
+                </a:solidFill>
+                <a:uFillTx/>
+                <a:latin typeface="微软雅黑" panose="020B0503020204020204" charset="-122"/>
+                <a:ea typeface="微软雅黑" panose="020B0503020204020204" charset="-122"/>
+                <a:cs typeface="微软雅黑" panose="020B0503020204020204" charset="-122"/>
+                <a:sym typeface="+mn-ea"/>
+              </a:defRPr>
+            </a:lvl2pPr>
+            <a:lvl3pPr marL="1143000" marR="0" lvl="2" indent="-228600" algn="l" defTabSz="914400" rtl="0" eaLnBrk="1" fontAlgn="auto" latinLnBrk="0" hangingPunct="1">
+              <a:lnSpc>
+                <a:spcPct val="130000"/>
+              </a:lnSpc>
+              <a:spcBef>
+                <a:spcPts val="0"/>
+              </a:spcBef>
+              <a:spcAft>
+                <a:spcPts val="1000"/>
+              </a:spcAft>
+              <a:buFont typeface="Arial" panose="020B0604020202020204" pitchFamily="34" charset="0"/>
+              <a:buChar char="•"/>
+              <a:defRPr kumimoji="0" lang="zh-CN" altLang="en-US" sz="1600" b="0" i="0" u="none" strike="noStrike" kern="1200" cap="none" spc="150" normalizeH="0" baseline="0" noProof="1" dirty="0">
+                <a:solidFill>
+                  <a:schemeClr val="tx1">
+                    <a:lumMod val="85000"/>
+                    <a:lumOff val="15000"/>
+                  </a:schemeClr>
+                </a:solidFill>
+                <a:uFillTx/>
+                <a:latin typeface="微软雅黑" panose="020B0503020204020204" charset="-122"/>
+                <a:ea typeface="微软雅黑" panose="020B0503020204020204" charset="-122"/>
+                <a:cs typeface="微软雅黑" panose="020B0503020204020204" charset="-122"/>
+                <a:sym typeface="+mn-ea"/>
+              </a:defRPr>
+            </a:lvl3pPr>
+            <a:lvl4pPr marL="1600200" marR="0" lvl="3" indent="-228600" algn="l" defTabSz="914400" rtl="0" eaLnBrk="1" fontAlgn="auto" latinLnBrk="0" hangingPunct="1">
+              <a:lnSpc>
+                <a:spcPct val="130000"/>
+              </a:lnSpc>
+              <a:spcBef>
+                <a:spcPts val="0"/>
+              </a:spcBef>
+              <a:spcAft>
+                <a:spcPts val="1000"/>
+              </a:spcAft>
+              <a:buFont typeface="Arial" panose="020B0604020202020204" pitchFamily="34" charset="0"/>
+              <a:buChar char="•"/>
+              <a:defRPr kumimoji="0" lang="zh-CN" altLang="en-US" sz="1600" b="0" i="0" u="none" strike="noStrike" kern="1200" cap="none" spc="150" normalizeH="0" baseline="0" noProof="1" dirty="0">
+                <a:solidFill>
+                  <a:schemeClr val="tx1">
+                    <a:lumMod val="85000"/>
+                    <a:lumOff val="15000"/>
+                  </a:schemeClr>
+                </a:solidFill>
+                <a:uFillTx/>
+                <a:latin typeface="微软雅黑" panose="020B0503020204020204" charset="-122"/>
+                <a:ea typeface="微软雅黑" panose="020B0503020204020204" charset="-122"/>
+                <a:cs typeface="微软雅黑" panose="020B0503020204020204" charset="-122"/>
+                <a:sym typeface="+mn-ea"/>
+              </a:defRPr>
+            </a:lvl4pPr>
+            <a:lvl5pPr marL="2057400" marR="0" lvl="4" indent="-228600" algn="l" defTabSz="914400" rtl="0" eaLnBrk="1" fontAlgn="auto" latinLnBrk="0" hangingPunct="1">
+              <a:lnSpc>
+                <a:spcPct val="130000"/>
+              </a:lnSpc>
+              <a:spcBef>
+                <a:spcPts val="0"/>
+              </a:spcBef>
+              <a:spcAft>
+                <a:spcPts val="1000"/>
+              </a:spcAft>
+              <a:buFont typeface="Arial" panose="020B0604020202020204" pitchFamily="34" charset="0"/>
+              <a:buChar char="•"/>
+              <a:defRPr kumimoji="0" lang="zh-CN" altLang="en-US" sz="1600" b="0" i="0" u="none" strike="noStrike" kern="1200" cap="none" spc="150" normalizeH="0" baseline="0" noProof="1" dirty="0">
+                <a:solidFill>
+                  <a:schemeClr val="tx1">
+                    <a:lumMod val="85000"/>
+                    <a:lumOff val="15000"/>
+                  </a:schemeClr>
+                </a:solidFill>
+                <a:uFillTx/>
+                <a:latin typeface="微软雅黑" panose="020B0503020204020204" charset="-122"/>
+                <a:ea typeface="微软雅黑" panose="020B0503020204020204" charset="-122"/>
+                <a:cs typeface="微软雅黑" panose="020B0503020204020204" charset="-122"/>
+                <a:sym typeface="+mn-ea"/>
+              </a:defRPr>
+            </a:lvl5pPr>
+            <a:lvl6pPr marL="2514600" indent="-228600" algn="l" defTabSz="914400" rtl="0" eaLnBrk="1" latinLnBrk="0" hangingPunct="1">
+              <a:lnSpc>
+                <a:spcPct val="90000"/>
+              </a:lnSpc>
+              <a:spcBef>
+                <a:spcPts val="500"/>
+              </a:spcBef>
+              <a:buFont typeface="Arial" panose="020B0604020202020204" pitchFamily="34" charset="0"/>
+              <a:buChar char="•"/>
+              <a:defRPr sz="1800" kern="1200">
+                <a:solidFill>
+                  <a:schemeClr val="tx1"/>
+                </a:solidFill>
+                <a:latin typeface="+mn-lt"/>
+                <a:ea typeface="+mn-ea"/>
+                <a:cs typeface="+mn-cs"/>
+              </a:defRPr>
+            </a:lvl6pPr>
+            <a:lvl7pPr marL="2971800" indent="-228600" algn="l" defTabSz="914400" rtl="0" eaLnBrk="1" latinLnBrk="0" hangingPunct="1">
+              <a:lnSpc>
+                <a:spcPct val="90000"/>
+              </a:lnSpc>
+              <a:spcBef>
+                <a:spcPts val="500"/>
+              </a:spcBef>
+              <a:buFont typeface="Arial" panose="020B0604020202020204" pitchFamily="34" charset="0"/>
+              <a:buChar char="•"/>
+              <a:defRPr sz="1800" kern="1200">
+                <a:solidFill>
+                  <a:schemeClr val="tx1"/>
+                </a:solidFill>
+                <a:latin typeface="+mn-lt"/>
+                <a:ea typeface="+mn-ea"/>
+                <a:cs typeface="+mn-cs"/>
+              </a:defRPr>
+            </a:lvl7pPr>
+            <a:lvl8pPr marL="3429000" indent="-228600" algn="l" defTabSz="914400" rtl="0" eaLnBrk="1" latinLnBrk="0" hangingPunct="1">
+              <a:lnSpc>
+                <a:spcPct val="90000"/>
+              </a:lnSpc>
+              <a:spcBef>
+                <a:spcPts val="500"/>
+              </a:spcBef>
+              <a:buFont typeface="Arial" panose="020B0604020202020204" pitchFamily="34" charset="0"/>
+              <a:buChar char="•"/>
+              <a:defRPr sz="1800" kern="1200">
+                <a:solidFill>
+                  <a:schemeClr val="tx1"/>
+                </a:solidFill>
+                <a:latin typeface="+mn-lt"/>
+                <a:ea typeface="+mn-ea"/>
+                <a:cs typeface="+mn-cs"/>
+              </a:defRPr>
+            </a:lvl8pPr>
+            <a:lvl9pPr marL="3886200" indent="-228600" algn="l" defTabSz="914400" rtl="0" eaLnBrk="1" latinLnBrk="0" hangingPunct="1">
+              <a:lnSpc>
+                <a:spcPct val="90000"/>
+              </a:lnSpc>
+              <a:spcBef>
+                <a:spcPts val="500"/>
+              </a:spcBef>
+              <a:buFont typeface="Arial" panose="020B0604020202020204" pitchFamily="34" charset="0"/>
+              <a:buChar char="•"/>
+              <a:defRPr sz="1800" kern="1200">
+                <a:solidFill>
+                  <a:schemeClr val="tx1"/>
+                </a:solidFill>
+                <a:latin typeface="+mn-lt"/>
+                <a:ea typeface="+mn-ea"/>
+                <a:cs typeface="+mn-cs"/>
+              </a:defRPr>
+            </a:lvl9pPr>
+          </a:lstStyle>
+          <a:p>
+            <a:r>
+              <a:rPr lang="zh-CN" altLang="en-US" dirty="0"/>
+              <a:t>组员</a:t>
+            </a:r>
+            <a:r>
+              <a:rPr lang="en-US" altLang="zh-CN" dirty="0"/>
+              <a:t>3</a:t>
+            </a:r>
+            <a:endParaRPr lang="zh-CN" altLang="en-US" dirty="0"/>
+          </a:p>
+        </p:txBody>
+      </p:sp>
+      <p:sp>
+        <p:nvSpPr>
+          <p:cNvPr id="6" name="内容占位符 2">
+            <a:extLst>
+              <a:ext uri="{FF2B5EF4-FFF2-40B4-BE49-F238E27FC236}">
+                <a16:creationId xmlns:a16="http://schemas.microsoft.com/office/drawing/2014/main" id="{EA7F2EC7-7D9D-4BBD-95CE-521E4E181B56}"/>
+              </a:ext>
+            </a:extLst>
+          </p:cNvPr>
+          <p:cNvSpPr txBox="1">
+            <a:spLocks/>
+          </p:cNvSpPr>
+          <p:nvPr/>
+        </p:nvSpPr>
+        <p:spPr>
+          <a:xfrm>
+            <a:off x="5950875" y="952507"/>
+            <a:ext cx="4816518" cy="2175005"/>
+          </a:xfrm>
+          <a:prstGeom prst="rect">
+            <a:avLst/>
+          </a:prstGeom>
+        </p:spPr>
+        <p:txBody>
+          <a:bodyPr vert="horz" lIns="101600" tIns="0" rIns="82550" bIns="0" rtlCol="0">
+            <a:noAutofit/>
+          </a:bodyPr>
+          <a:lstStyle>
+            <a:lvl1pPr marL="228600" marR="0" lvl="0" indent="-228600" algn="l" defTabSz="914400" rtl="0" eaLnBrk="1" fontAlgn="auto" latinLnBrk="0" hangingPunct="1">
+              <a:lnSpc>
+                <a:spcPct val="130000"/>
+              </a:lnSpc>
+              <a:spcBef>
+                <a:spcPts val="0"/>
+              </a:spcBef>
+              <a:spcAft>
+                <a:spcPts val="1000"/>
+              </a:spcAft>
+              <a:buFont typeface="Arial" panose="020B0604020202020204" pitchFamily="34" charset="0"/>
+              <a:buChar char="•"/>
+              <a:defRPr kumimoji="0" lang="zh-CN" altLang="en-US" sz="1600" b="0" i="0" u="none" strike="noStrike" kern="1200" cap="none" spc="150" normalizeH="0" baseline="0" noProof="1" dirty="0">
+                <a:solidFill>
+                  <a:schemeClr val="tx1">
+                    <a:lumMod val="85000"/>
+                    <a:lumOff val="15000"/>
+                  </a:schemeClr>
+                </a:solidFill>
+                <a:uFillTx/>
+                <a:latin typeface="微软雅黑" panose="020B0503020204020204" charset="-122"/>
+                <a:ea typeface="微软雅黑" panose="020B0503020204020204" charset="-122"/>
+                <a:cs typeface="微软雅黑" panose="020B0503020204020204" charset="-122"/>
+                <a:sym typeface="+mn-ea"/>
+              </a:defRPr>
+            </a:lvl1pPr>
+            <a:lvl2pPr marL="685800" marR="0" lvl="1" indent="-228600" algn="l" defTabSz="914400" rtl="0" eaLnBrk="1" fontAlgn="auto" latinLnBrk="0" hangingPunct="1">
+              <a:lnSpc>
+                <a:spcPct val="130000"/>
+              </a:lnSpc>
+              <a:spcBef>
+                <a:spcPts val="0"/>
+              </a:spcBef>
+              <a:spcAft>
+                <a:spcPts val="1000"/>
+              </a:spcAft>
+              <a:buFont typeface="Arial" panose="020B0604020202020204" pitchFamily="34" charset="0"/>
+              <a:buChar char="•"/>
+              <a:tabLst>
+                <a:tab pos="1609725" algn="l"/>
+              </a:tabLst>
+              <a:defRPr kumimoji="0" lang="zh-CN" altLang="en-US" sz="1600" b="0" i="0" u="none" strike="noStrike" kern="1200" cap="none" spc="150" normalizeH="0" baseline="0" noProof="1" dirty="0">
+                <a:solidFill>
+                  <a:schemeClr val="tx1">
+                    <a:lumMod val="85000"/>
+                    <a:lumOff val="15000"/>
+                  </a:schemeClr>
+                </a:solidFill>
+                <a:uFillTx/>
+                <a:latin typeface="微软雅黑" panose="020B0503020204020204" charset="-122"/>
+                <a:ea typeface="微软雅黑" panose="020B0503020204020204" charset="-122"/>
+                <a:cs typeface="微软雅黑" panose="020B0503020204020204" charset="-122"/>
+                <a:sym typeface="+mn-ea"/>
+              </a:defRPr>
+            </a:lvl2pPr>
+            <a:lvl3pPr marL="1143000" marR="0" lvl="2" indent="-228600" algn="l" defTabSz="914400" rtl="0" eaLnBrk="1" fontAlgn="auto" latinLnBrk="0" hangingPunct="1">
+              <a:lnSpc>
+                <a:spcPct val="130000"/>
+              </a:lnSpc>
+              <a:spcBef>
+                <a:spcPts val="0"/>
+              </a:spcBef>
+              <a:spcAft>
+                <a:spcPts val="1000"/>
+              </a:spcAft>
+              <a:buFont typeface="Arial" panose="020B0604020202020204" pitchFamily="34" charset="0"/>
+              <a:buChar char="•"/>
+              <a:defRPr kumimoji="0" lang="zh-CN" altLang="en-US" sz="1600" b="0" i="0" u="none" strike="noStrike" kern="1200" cap="none" spc="150" normalizeH="0" baseline="0" noProof="1" dirty="0">
+                <a:solidFill>
+                  <a:schemeClr val="tx1">
+                    <a:lumMod val="85000"/>
+                    <a:lumOff val="15000"/>
+                  </a:schemeClr>
+                </a:solidFill>
+                <a:uFillTx/>
+                <a:latin typeface="微软雅黑" panose="020B0503020204020204" charset="-122"/>
+                <a:ea typeface="微软雅黑" panose="020B0503020204020204" charset="-122"/>
+                <a:cs typeface="微软雅黑" panose="020B0503020204020204" charset="-122"/>
+                <a:sym typeface="+mn-ea"/>
+              </a:defRPr>
+            </a:lvl3pPr>
+            <a:lvl4pPr marL="1600200" marR="0" lvl="3" indent="-228600" algn="l" defTabSz="914400" rtl="0" eaLnBrk="1" fontAlgn="auto" latinLnBrk="0" hangingPunct="1">
+              <a:lnSpc>
+                <a:spcPct val="130000"/>
+              </a:lnSpc>
+              <a:spcBef>
+                <a:spcPts val="0"/>
+              </a:spcBef>
+              <a:spcAft>
+                <a:spcPts val="1000"/>
+              </a:spcAft>
+              <a:buFont typeface="Arial" panose="020B0604020202020204" pitchFamily="34" charset="0"/>
+              <a:buChar char="•"/>
+              <a:defRPr kumimoji="0" lang="zh-CN" altLang="en-US" sz="1600" b="0" i="0" u="none" strike="noStrike" kern="1200" cap="none" spc="150" normalizeH="0" baseline="0" noProof="1" dirty="0">
+                <a:solidFill>
+                  <a:schemeClr val="tx1">
+                    <a:lumMod val="85000"/>
+                    <a:lumOff val="15000"/>
+                  </a:schemeClr>
+                </a:solidFill>
+                <a:uFillTx/>
+                <a:latin typeface="微软雅黑" panose="020B0503020204020204" charset="-122"/>
+                <a:ea typeface="微软雅黑" panose="020B0503020204020204" charset="-122"/>
+                <a:cs typeface="微软雅黑" panose="020B0503020204020204" charset="-122"/>
+                <a:sym typeface="+mn-ea"/>
+              </a:defRPr>
+            </a:lvl4pPr>
+            <a:lvl5pPr marL="2057400" marR="0" lvl="4" indent="-228600" algn="l" defTabSz="914400" rtl="0" eaLnBrk="1" fontAlgn="auto" latinLnBrk="0" hangingPunct="1">
+              <a:lnSpc>
+                <a:spcPct val="130000"/>
+              </a:lnSpc>
+              <a:spcBef>
+                <a:spcPts val="0"/>
+              </a:spcBef>
+              <a:spcAft>
+                <a:spcPts val="1000"/>
+              </a:spcAft>
+              <a:buFont typeface="Arial" panose="020B0604020202020204" pitchFamily="34" charset="0"/>
+              <a:buChar char="•"/>
+              <a:defRPr kumimoji="0" lang="zh-CN" altLang="en-US" sz="1600" b="0" i="0" u="none" strike="noStrike" kern="1200" cap="none" spc="150" normalizeH="0" baseline="0" noProof="1" dirty="0">
+                <a:solidFill>
+                  <a:schemeClr val="tx1">
+                    <a:lumMod val="85000"/>
+                    <a:lumOff val="15000"/>
+                  </a:schemeClr>
+                </a:solidFill>
+                <a:uFillTx/>
+                <a:latin typeface="微软雅黑" panose="020B0503020204020204" charset="-122"/>
+                <a:ea typeface="微软雅黑" panose="020B0503020204020204" charset="-122"/>
+                <a:cs typeface="微软雅黑" panose="020B0503020204020204" charset="-122"/>
+                <a:sym typeface="+mn-ea"/>
+              </a:defRPr>
+            </a:lvl5pPr>
+            <a:lvl6pPr marL="2514600" indent="-228600" algn="l" defTabSz="914400" rtl="0" eaLnBrk="1" latinLnBrk="0" hangingPunct="1">
+              <a:lnSpc>
+                <a:spcPct val="90000"/>
+              </a:lnSpc>
+              <a:spcBef>
+                <a:spcPts val="500"/>
+              </a:spcBef>
+              <a:buFont typeface="Arial" panose="020B0604020202020204" pitchFamily="34" charset="0"/>
+              <a:buChar char="•"/>
+              <a:defRPr sz="1800" kern="1200">
+                <a:solidFill>
+                  <a:schemeClr val="tx1"/>
+                </a:solidFill>
+                <a:latin typeface="+mn-lt"/>
+                <a:ea typeface="+mn-ea"/>
+                <a:cs typeface="+mn-cs"/>
+              </a:defRPr>
+            </a:lvl6pPr>
+            <a:lvl7pPr marL="2971800" indent="-228600" algn="l" defTabSz="914400" rtl="0" eaLnBrk="1" latinLnBrk="0" hangingPunct="1">
+              <a:lnSpc>
+                <a:spcPct val="90000"/>
+              </a:lnSpc>
+              <a:spcBef>
+                <a:spcPts val="500"/>
+              </a:spcBef>
+              <a:buFont typeface="Arial" panose="020B0604020202020204" pitchFamily="34" charset="0"/>
+              <a:buChar char="•"/>
+              <a:defRPr sz="1800" kern="1200">
+                <a:solidFill>
+                  <a:schemeClr val="tx1"/>
+                </a:solidFill>
+                <a:latin typeface="+mn-lt"/>
+                <a:ea typeface="+mn-ea"/>
+                <a:cs typeface="+mn-cs"/>
+              </a:defRPr>
+            </a:lvl7pPr>
+            <a:lvl8pPr marL="3429000" indent="-228600" algn="l" defTabSz="914400" rtl="0" eaLnBrk="1" latinLnBrk="0" hangingPunct="1">
+              <a:lnSpc>
+                <a:spcPct val="90000"/>
+              </a:lnSpc>
+              <a:spcBef>
+                <a:spcPts val="500"/>
+              </a:spcBef>
+              <a:buFont typeface="Arial" panose="020B0604020202020204" pitchFamily="34" charset="0"/>
+              <a:buChar char="•"/>
+              <a:defRPr sz="1800" kern="1200">
+                <a:solidFill>
+                  <a:schemeClr val="tx1"/>
+                </a:solidFill>
+                <a:latin typeface="+mn-lt"/>
+                <a:ea typeface="+mn-ea"/>
+                <a:cs typeface="+mn-cs"/>
+              </a:defRPr>
+            </a:lvl8pPr>
+            <a:lvl9pPr marL="3886200" indent="-228600" algn="l" defTabSz="914400" rtl="0" eaLnBrk="1" latinLnBrk="0" hangingPunct="1">
+              <a:lnSpc>
+                <a:spcPct val="90000"/>
+              </a:lnSpc>
+              <a:spcBef>
+                <a:spcPts val="500"/>
+              </a:spcBef>
+              <a:buFont typeface="Arial" panose="020B0604020202020204" pitchFamily="34" charset="0"/>
+              <a:buChar char="•"/>
+              <a:defRPr sz="1800" kern="1200">
+                <a:solidFill>
+                  <a:schemeClr val="tx1"/>
+                </a:solidFill>
+                <a:latin typeface="+mn-lt"/>
+                <a:ea typeface="+mn-ea"/>
+                <a:cs typeface="+mn-cs"/>
+              </a:defRPr>
+            </a:lvl9pPr>
+          </a:lstStyle>
+          <a:p>
+            <a:r>
+              <a:rPr lang="zh-CN" altLang="en-US" dirty="0"/>
+              <a:t>组员</a:t>
+            </a:r>
+            <a:r>
+              <a:rPr lang="en-US" altLang="zh-CN" dirty="0"/>
+              <a:t>2</a:t>
+            </a:r>
+            <a:r>
+              <a:rPr lang="zh-CN" altLang="en-US" dirty="0"/>
+              <a:t>：黎浩良</a:t>
+            </a:r>
+            <a:endParaRPr lang="en-US" altLang="zh-CN" dirty="0"/>
+          </a:p>
+          <a:p>
+            <a:r>
+              <a:rPr lang="zh-CN" altLang="en-US" dirty="0"/>
+              <a:t>主要工作：负责天空盒的实现与布置；全局光照和阴影效果，以及相应的改进如</a:t>
+            </a:r>
+            <a:r>
+              <a:rPr lang="en-US" altLang="zh-CN" dirty="0"/>
+              <a:t>PCF</a:t>
+            </a:r>
+            <a:r>
+              <a:rPr lang="zh-CN" altLang="en-US" dirty="0"/>
+              <a:t>，抗锯齿等；粒子系统以及粒子模拟效果。</a:t>
+            </a:r>
+          </a:p>
+        </p:txBody>
+      </p:sp>
+      <p:sp>
+        <p:nvSpPr>
+          <p:cNvPr id="7" name="内容占位符 2">
+            <a:extLst>
+              <a:ext uri="{FF2B5EF4-FFF2-40B4-BE49-F238E27FC236}">
+                <a16:creationId xmlns:a16="http://schemas.microsoft.com/office/drawing/2014/main" id="{58893A24-0D88-4BC4-A8CF-51CAD68E044C}"/>
+              </a:ext>
+            </a:extLst>
+          </p:cNvPr>
+          <p:cNvSpPr txBox="1">
+            <a:spLocks/>
+          </p:cNvSpPr>
+          <p:nvPr/>
+        </p:nvSpPr>
+        <p:spPr>
+          <a:xfrm>
+            <a:off x="5950875" y="3429000"/>
+            <a:ext cx="4816518" cy="2175005"/>
+          </a:xfrm>
+          <a:prstGeom prst="rect">
+            <a:avLst/>
+          </a:prstGeom>
+        </p:spPr>
+        <p:txBody>
+          <a:bodyPr vert="horz" lIns="101600" tIns="0" rIns="82550" bIns="0" rtlCol="0">
+            <a:noAutofit/>
+          </a:bodyPr>
+          <a:lstStyle>
+            <a:lvl1pPr marL="228600" marR="0" lvl="0" indent="-228600" algn="l" defTabSz="914400" rtl="0" eaLnBrk="1" fontAlgn="auto" latinLnBrk="0" hangingPunct="1">
+              <a:lnSpc>
+                <a:spcPct val="130000"/>
+              </a:lnSpc>
+              <a:spcBef>
+                <a:spcPts val="0"/>
+              </a:spcBef>
+              <a:spcAft>
+                <a:spcPts val="1000"/>
+              </a:spcAft>
+              <a:buFont typeface="Arial" panose="020B0604020202020204" pitchFamily="34" charset="0"/>
+              <a:buChar char="•"/>
+              <a:defRPr kumimoji="0" lang="zh-CN" altLang="en-US" sz="1600" b="0" i="0" u="none" strike="noStrike" kern="1200" cap="none" spc="150" normalizeH="0" baseline="0" noProof="1" dirty="0">
+                <a:solidFill>
+                  <a:schemeClr val="tx1">
+                    <a:lumMod val="85000"/>
+                    <a:lumOff val="15000"/>
+                  </a:schemeClr>
+                </a:solidFill>
+                <a:uFillTx/>
+                <a:latin typeface="微软雅黑" panose="020B0503020204020204" charset="-122"/>
+                <a:ea typeface="微软雅黑" panose="020B0503020204020204" charset="-122"/>
+                <a:cs typeface="微软雅黑" panose="020B0503020204020204" charset="-122"/>
+                <a:sym typeface="+mn-ea"/>
+              </a:defRPr>
+            </a:lvl1pPr>
+            <a:lvl2pPr marL="685800" marR="0" lvl="1" indent="-228600" algn="l" defTabSz="914400" rtl="0" eaLnBrk="1" fontAlgn="auto" latinLnBrk="0" hangingPunct="1">
+              <a:lnSpc>
+                <a:spcPct val="130000"/>
+              </a:lnSpc>
+              <a:spcBef>
+                <a:spcPts val="0"/>
+              </a:spcBef>
+              <a:spcAft>
+                <a:spcPts val="1000"/>
+              </a:spcAft>
+              <a:buFont typeface="Arial" panose="020B0604020202020204" pitchFamily="34" charset="0"/>
+              <a:buChar char="•"/>
+              <a:tabLst>
+                <a:tab pos="1609725" algn="l"/>
+              </a:tabLst>
+              <a:defRPr kumimoji="0" lang="zh-CN" altLang="en-US" sz="1600" b="0" i="0" u="none" strike="noStrike" kern="1200" cap="none" spc="150" normalizeH="0" baseline="0" noProof="1" dirty="0">
+                <a:solidFill>
+                  <a:schemeClr val="tx1">
+                    <a:lumMod val="85000"/>
+                    <a:lumOff val="15000"/>
+                  </a:schemeClr>
+                </a:solidFill>
+                <a:uFillTx/>
+                <a:latin typeface="微软雅黑" panose="020B0503020204020204" charset="-122"/>
+                <a:ea typeface="微软雅黑" panose="020B0503020204020204" charset="-122"/>
+                <a:cs typeface="微软雅黑" panose="020B0503020204020204" charset="-122"/>
+                <a:sym typeface="+mn-ea"/>
+              </a:defRPr>
+            </a:lvl2pPr>
+            <a:lvl3pPr marL="1143000" marR="0" lvl="2" indent="-228600" algn="l" defTabSz="914400" rtl="0" eaLnBrk="1" fontAlgn="auto" latinLnBrk="0" hangingPunct="1">
+              <a:lnSpc>
+                <a:spcPct val="130000"/>
+              </a:lnSpc>
+              <a:spcBef>
+                <a:spcPts val="0"/>
+              </a:spcBef>
+              <a:spcAft>
+                <a:spcPts val="1000"/>
+              </a:spcAft>
+              <a:buFont typeface="Arial" panose="020B0604020202020204" pitchFamily="34" charset="0"/>
+              <a:buChar char="•"/>
+              <a:defRPr kumimoji="0" lang="zh-CN" altLang="en-US" sz="1600" b="0" i="0" u="none" strike="noStrike" kern="1200" cap="none" spc="150" normalizeH="0" baseline="0" noProof="1" dirty="0">
+                <a:solidFill>
+                  <a:schemeClr val="tx1">
+                    <a:lumMod val="85000"/>
+                    <a:lumOff val="15000"/>
+                  </a:schemeClr>
+                </a:solidFill>
+                <a:uFillTx/>
+                <a:latin typeface="微软雅黑" panose="020B0503020204020204" charset="-122"/>
+                <a:ea typeface="微软雅黑" panose="020B0503020204020204" charset="-122"/>
+                <a:cs typeface="微软雅黑" panose="020B0503020204020204" charset="-122"/>
+                <a:sym typeface="+mn-ea"/>
+              </a:defRPr>
+            </a:lvl3pPr>
+            <a:lvl4pPr marL="1600200" marR="0" lvl="3" indent="-228600" algn="l" defTabSz="914400" rtl="0" eaLnBrk="1" fontAlgn="auto" latinLnBrk="0" hangingPunct="1">
+              <a:lnSpc>
+                <a:spcPct val="130000"/>
+              </a:lnSpc>
+              <a:spcBef>
+                <a:spcPts val="0"/>
+              </a:spcBef>
+              <a:spcAft>
+                <a:spcPts val="1000"/>
+              </a:spcAft>
+              <a:buFont typeface="Arial" panose="020B0604020202020204" pitchFamily="34" charset="0"/>
+              <a:buChar char="•"/>
+              <a:defRPr kumimoji="0" lang="zh-CN" altLang="en-US" sz="1600" b="0" i="0" u="none" strike="noStrike" kern="1200" cap="none" spc="150" normalizeH="0" baseline="0" noProof="1" dirty="0">
+                <a:solidFill>
+                  <a:schemeClr val="tx1">
+                    <a:lumMod val="85000"/>
+                    <a:lumOff val="15000"/>
+                  </a:schemeClr>
+                </a:solidFill>
+                <a:uFillTx/>
+                <a:latin typeface="微软雅黑" panose="020B0503020204020204" charset="-122"/>
+                <a:ea typeface="微软雅黑" panose="020B0503020204020204" charset="-122"/>
+                <a:cs typeface="微软雅黑" panose="020B0503020204020204" charset="-122"/>
+                <a:sym typeface="+mn-ea"/>
+              </a:defRPr>
+            </a:lvl4pPr>
+            <a:lvl5pPr marL="2057400" marR="0" lvl="4" indent="-228600" algn="l" defTabSz="914400" rtl="0" eaLnBrk="1" fontAlgn="auto" latinLnBrk="0" hangingPunct="1">
+              <a:lnSpc>
+                <a:spcPct val="130000"/>
+              </a:lnSpc>
+              <a:spcBef>
+                <a:spcPts val="0"/>
+              </a:spcBef>
+              <a:spcAft>
+                <a:spcPts val="1000"/>
+              </a:spcAft>
+              <a:buFont typeface="Arial" panose="020B0604020202020204" pitchFamily="34" charset="0"/>
+              <a:buChar char="•"/>
+              <a:defRPr kumimoji="0" lang="zh-CN" altLang="en-US" sz="1600" b="0" i="0" u="none" strike="noStrike" kern="1200" cap="none" spc="150" normalizeH="0" baseline="0" noProof="1" dirty="0">
+                <a:solidFill>
+                  <a:schemeClr val="tx1">
+                    <a:lumMod val="85000"/>
+                    <a:lumOff val="15000"/>
+                  </a:schemeClr>
+                </a:solidFill>
+                <a:uFillTx/>
+                <a:latin typeface="微软雅黑" panose="020B0503020204020204" charset="-122"/>
+                <a:ea typeface="微软雅黑" panose="020B0503020204020204" charset="-122"/>
+                <a:cs typeface="微软雅黑" panose="020B0503020204020204" charset="-122"/>
+                <a:sym typeface="+mn-ea"/>
+              </a:defRPr>
+            </a:lvl5pPr>
+            <a:lvl6pPr marL="2514600" indent="-228600" algn="l" defTabSz="914400" rtl="0" eaLnBrk="1" latinLnBrk="0" hangingPunct="1">
+              <a:lnSpc>
+                <a:spcPct val="90000"/>
+              </a:lnSpc>
+              <a:spcBef>
+                <a:spcPts val="500"/>
+              </a:spcBef>
+              <a:buFont typeface="Arial" panose="020B0604020202020204" pitchFamily="34" charset="0"/>
+              <a:buChar char="•"/>
+              <a:defRPr sz="1800" kern="1200">
+                <a:solidFill>
+                  <a:schemeClr val="tx1"/>
+                </a:solidFill>
+                <a:latin typeface="+mn-lt"/>
+                <a:ea typeface="+mn-ea"/>
+                <a:cs typeface="+mn-cs"/>
+              </a:defRPr>
+            </a:lvl6pPr>
+            <a:lvl7pPr marL="2971800" indent="-228600" algn="l" defTabSz="914400" rtl="0" eaLnBrk="1" latinLnBrk="0" hangingPunct="1">
+              <a:lnSpc>
+                <a:spcPct val="90000"/>
+              </a:lnSpc>
+              <a:spcBef>
+                <a:spcPts val="500"/>
+              </a:spcBef>
+              <a:buFont typeface="Arial" panose="020B0604020202020204" pitchFamily="34" charset="0"/>
+              <a:buChar char="•"/>
+              <a:defRPr sz="1800" kern="1200">
+                <a:solidFill>
+                  <a:schemeClr val="tx1"/>
+                </a:solidFill>
+                <a:latin typeface="+mn-lt"/>
+                <a:ea typeface="+mn-ea"/>
+                <a:cs typeface="+mn-cs"/>
+              </a:defRPr>
+            </a:lvl7pPr>
+            <a:lvl8pPr marL="3429000" indent="-228600" algn="l" defTabSz="914400" rtl="0" eaLnBrk="1" latinLnBrk="0" hangingPunct="1">
+              <a:lnSpc>
+                <a:spcPct val="90000"/>
+              </a:lnSpc>
+              <a:spcBef>
+                <a:spcPts val="500"/>
+              </a:spcBef>
+              <a:buFont typeface="Arial" panose="020B0604020202020204" pitchFamily="34" charset="0"/>
+              <a:buChar char="•"/>
+              <a:defRPr sz="1800" kern="1200">
+                <a:solidFill>
+                  <a:schemeClr val="tx1"/>
+                </a:solidFill>
+                <a:latin typeface="+mn-lt"/>
+                <a:ea typeface="+mn-ea"/>
+                <a:cs typeface="+mn-cs"/>
+              </a:defRPr>
+            </a:lvl8pPr>
+            <a:lvl9pPr marL="3886200" indent="-228600" algn="l" defTabSz="914400" rtl="0" eaLnBrk="1" latinLnBrk="0" hangingPunct="1">
+              <a:lnSpc>
+                <a:spcPct val="90000"/>
+              </a:lnSpc>
+              <a:spcBef>
+                <a:spcPts val="500"/>
+              </a:spcBef>
+              <a:buFont typeface="Arial" panose="020B0604020202020204" pitchFamily="34" charset="0"/>
+              <a:buChar char="•"/>
+              <a:defRPr sz="1800" kern="1200">
+                <a:solidFill>
+                  <a:schemeClr val="tx1"/>
+                </a:solidFill>
+                <a:latin typeface="+mn-lt"/>
+                <a:ea typeface="+mn-ea"/>
+                <a:cs typeface="+mn-cs"/>
+              </a:defRPr>
+            </a:lvl9pPr>
+          </a:lstStyle>
+          <a:p>
+            <a:r>
+              <a:rPr lang="zh-CN" altLang="en-US" dirty="0"/>
+              <a:t>组员</a:t>
+            </a:r>
+            <a:r>
+              <a:rPr lang="en-US" altLang="zh-CN" dirty="0"/>
+              <a:t>4</a:t>
+            </a:r>
+            <a:endParaRPr lang="zh-CN" altLang="en-US" dirty="0"/>
           </a:p>
         </p:txBody>
       </p:sp>
@@ -17421,7 +18200,14 @@
         <p:cNvGrpSpPr/>
         <p:nvPr/>
       </p:nvGrpSpPr>
-      <p:grpSpPr/>
+      <p:grpSpPr>
+        <a:xfrm>
+          <a:off x="0" y="0"/>
+          <a:ext cx="0" cy="0"/>
+          <a:chOff x="0" y="0"/>
+          <a:chExt cx="0" cy="0"/>
+        </a:xfrm>
+      </p:grpSpPr>
       <p:sp>
         <p:nvSpPr>
           <p:cNvPr id="2" name="标题 1"/>
@@ -17435,6 +18221,7 @@
         <p:spPr/>
         <p:txBody>
           <a:bodyPr/>
+          <a:lstStyle/>
           <a:p>
             <a:r>
               <a:rPr lang="en-US" altLang="zh-CN"/>
@@ -17459,6 +18246,7 @@
         <p:spPr/>
         <p:txBody>
           <a:bodyPr/>
+          <a:lstStyle/>
           <a:p>
             <a:endParaRPr lang="zh-CN" altLang="en-US"/>
           </a:p>
@@ -17484,7 +18272,14 @@
         <p:cNvGrpSpPr/>
         <p:nvPr/>
       </p:nvGrpSpPr>
-      <p:grpSpPr/>
+      <p:grpSpPr>
+        <a:xfrm>
+          <a:off x="0" y="0"/>
+          <a:ext cx="0" cy="0"/>
+          <a:chOff x="0" y="0"/>
+          <a:chExt cx="0" cy="0"/>
+        </a:xfrm>
+      </p:grpSpPr>
       <p:sp>
         <p:nvSpPr>
           <p:cNvPr id="2" name="标题 1"/>
@@ -17498,6 +18293,7 @@
         <p:spPr/>
         <p:txBody>
           <a:bodyPr/>
+          <a:lstStyle/>
           <a:p>
             <a:r>
               <a:rPr lang="en-US" altLang="zh-CN"/>
@@ -17513,14 +18309,14 @@
         <p:nvPicPr>
           <p:cNvPr id="6" name="内容占位符 5"/>
           <p:cNvPicPr>
-            <a:picLocks noChangeAspect="1"/>
+            <a:picLocks noGrp="1" noChangeAspect="1"/>
           </p:cNvPicPr>
           <p:nvPr>
             <p:ph idx="1"/>
           </p:nvPr>
         </p:nvPicPr>
         <p:blipFill>
-          <a:blip r:embed="rId1"/>
+          <a:blip r:embed="rId3"/>
           <a:stretch>
             <a:fillRect/>
           </a:stretch>
@@ -17555,6 +18351,7 @@
           <a:bodyPr wrap="square" rtlCol="0">
             <a:spAutoFit/>
           </a:bodyPr>
+          <a:lstStyle/>
           <a:p>
             <a:pPr algn="l"/>
             <a:r>
@@ -17567,9 +18364,6 @@
               </a:rPr>
               <a:t>使用逆时针的顺序定义其顶点。</a:t>
             </a:r>
-            <a:endParaRPr lang="zh-CN" altLang="en-US">
-              <a:sym typeface="+mn-ea"/>
-            </a:endParaRPr>
           </a:p>
           <a:p>
             <a:pPr algn="l"/>
@@ -17579,15 +18373,12 @@
               </a:rPr>
               <a:t>使得从观察者的视角看，正面的三角形以逆时针的顺序渲染，而背面的三角形以顺时针的顺序渲染</a:t>
             </a:r>
-            <a:endParaRPr lang="zh-CN" altLang="en-US">
-              <a:sym typeface="+mn-ea"/>
-            </a:endParaRPr>
           </a:p>
         </p:txBody>
       </p:sp>
     </p:spTree>
     <p:custDataLst>
-      <p:tags r:id="rId2"/>
+      <p:tags r:id="rId1"/>
     </p:custDataLst>
   </p:cSld>
   <p:clrMapOvr>
@@ -17605,7 +18396,14 @@
         <p:cNvGrpSpPr/>
         <p:nvPr/>
       </p:nvGrpSpPr>
-      <p:grpSpPr/>
+      <p:grpSpPr>
+        <a:xfrm>
+          <a:off x="0" y="0"/>
+          <a:ext cx="0" cy="0"/>
+          <a:chOff x="0" y="0"/>
+          <a:chExt cx="0" cy="0"/>
+        </a:xfrm>
+      </p:grpSpPr>
       <p:sp>
         <p:nvSpPr>
           <p:cNvPr id="2" name="标题 1"/>
@@ -17619,12 +18417,12 @@
         <p:spPr/>
         <p:txBody>
           <a:bodyPr/>
+          <a:lstStyle/>
           <a:p>
             <a:r>
               <a:rPr lang="zh-CN" altLang="en-US"/>
               <a:t>功能预览</a:t>
             </a:r>
-            <a:endParaRPr lang="zh-CN" altLang="en-US"/>
           </a:p>
         </p:txBody>
       </p:sp>
@@ -17646,7 +18444,10 @@
         </p:spPr>
         <p:txBody>
           <a:bodyPr/>
-          <a:p/>
+          <a:lstStyle/>
+          <a:p>
+            <a:endParaRPr dirty="0"/>
+          </a:p>
         </p:txBody>
       </p:sp>
       <p:cxnSp>
@@ -17942,7 +18743,14 @@
         <p:cNvGrpSpPr/>
         <p:nvPr/>
       </p:nvGrpSpPr>
-      <p:grpSpPr/>
+      <p:grpSpPr>
+        <a:xfrm>
+          <a:off x="0" y="0"/>
+          <a:ext cx="0" cy="0"/>
+          <a:chOff x="0" y="0"/>
+          <a:chExt cx="0" cy="0"/>
+        </a:xfrm>
+      </p:grpSpPr>
       <p:sp>
         <p:nvSpPr>
           <p:cNvPr id="2" name="标题 1"/>
@@ -17961,6 +18769,7 @@
         </p:spPr>
         <p:txBody>
           <a:bodyPr/>
+          <a:lstStyle/>
           <a:p>
             <a:r>
               <a:rPr sz="4800"/>
@@ -17974,7 +18783,6 @@
               <a:rPr sz="4800"/>
               <a:t>功能实现</a:t>
             </a:r>
-            <a:endParaRPr sz="4800"/>
           </a:p>
         </p:txBody>
       </p:sp>
@@ -17998,7 +18806,14 @@
         <p:cNvGrpSpPr/>
         <p:nvPr/>
       </p:nvGrpSpPr>
-      <p:grpSpPr/>
+      <p:grpSpPr>
+        <a:xfrm>
+          <a:off x="0" y="0"/>
+          <a:ext cx="0" cy="0"/>
+          <a:chOff x="0" y="0"/>
+          <a:chExt cx="0" cy="0"/>
+        </a:xfrm>
+      </p:grpSpPr>
       <p:sp>
         <p:nvSpPr>
           <p:cNvPr id="2" name="标题 1"/>
@@ -18012,12 +18827,12 @@
         <p:spPr/>
         <p:txBody>
           <a:bodyPr/>
+          <a:lstStyle/>
           <a:p>
             <a:r>
               <a:rPr lang="en-US" altLang="zh-CN"/>
               <a:t>1. Camera Roaming</a:t>
             </a:r>
-            <a:endParaRPr lang="en-US" altLang="zh-CN"/>
           </a:p>
         </p:txBody>
       </p:sp>
@@ -18039,6 +18854,7 @@
         </p:spPr>
         <p:txBody>
           <a:bodyPr/>
+          <a:lstStyle/>
           <a:p>
             <a:r>
               <a:rPr lang="zh-CN" altLang="en-US"/>
@@ -18049,10 +18865,7 @@
               <a:t>WSAD</a:t>
             </a:r>
             <a:r>
-              <a:t>和空格输入控制人物的前进、后退、左右移动以及跳跃动作。同时可以通过移动鼠标实现人物</a:t>
-            </a:r>
-            <a:r>
-              <a:t>视角的旋转。</a:t>
+              <a:t>和空格输入控制人物的前进、后退、左右移动以及跳跃动作。同时可以通过移动鼠标实现人物视角的旋转。</a:t>
             </a:r>
           </a:p>
         </p:txBody>
@@ -18077,7 +18890,14 @@
         <p:cNvGrpSpPr/>
         <p:nvPr/>
       </p:nvGrpSpPr>
-      <p:grpSpPr/>
+      <p:grpSpPr>
+        <a:xfrm>
+          <a:off x="0" y="0"/>
+          <a:ext cx="0" cy="0"/>
+          <a:chOff x="0" y="0"/>
+          <a:chExt cx="0" cy="0"/>
+        </a:xfrm>
+      </p:grpSpPr>
       <p:sp>
         <p:nvSpPr>
           <p:cNvPr id="2" name="标题 1"/>
@@ -18091,12 +18911,12 @@
         <p:spPr/>
         <p:txBody>
           <a:bodyPr/>
+          <a:lstStyle/>
           <a:p>
             <a:r>
               <a:rPr lang="en-US" altLang="zh-CN"/>
               <a:t>2. Texture mapping</a:t>
             </a:r>
-            <a:endParaRPr lang="en-US" altLang="zh-CN"/>
           </a:p>
         </p:txBody>
       </p:sp>
@@ -18118,12 +18938,12 @@
         </p:spPr>
         <p:txBody>
           <a:bodyPr/>
+          <a:lstStyle/>
           <a:p>
             <a:r>
               <a:rPr lang="zh-CN" altLang="en-US"/>
               <a:t>作品中的所有物体均使用了贴图。</a:t>
             </a:r>
-            <a:endParaRPr lang="zh-CN" altLang="en-US"/>
           </a:p>
         </p:txBody>
       </p:sp>
@@ -18383,7 +19203,14 @@
         <p:cNvGrpSpPr/>
         <p:nvPr/>
       </p:nvGrpSpPr>
-      <p:grpSpPr/>
+      <p:grpSpPr>
+        <a:xfrm>
+          <a:off x="0" y="0"/>
+          <a:ext cx="0" cy="0"/>
+          <a:chOff x="0" y="0"/>
+          <a:chExt cx="0" cy="0"/>
+        </a:xfrm>
+      </p:grpSpPr>
       <p:sp>
         <p:nvSpPr>
           <p:cNvPr id="2" name="标题 1"/>
@@ -18397,12 +19224,12 @@
         <p:spPr/>
         <p:txBody>
           <a:bodyPr/>
+          <a:lstStyle/>
           <a:p>
             <a:r>
               <a:rPr lang="en-US" altLang="zh-CN"/>
               <a:t>3. Lighting</a:t>
             </a:r>
-            <a:endParaRPr lang="en-US" altLang="zh-CN"/>
           </a:p>
         </p:txBody>
       </p:sp>
@@ -18424,6 +19251,7 @@
         </p:spPr>
         <p:txBody>
           <a:bodyPr/>
+          <a:lstStyle/>
           <a:p>
             <a:r>
               <a:rPr lang="zh-CN" altLang="en-US"/>
@@ -18459,7 +19287,14 @@
         <p:cNvGrpSpPr/>
         <p:nvPr/>
       </p:nvGrpSpPr>
-      <p:grpSpPr/>
+      <p:grpSpPr>
+        <a:xfrm>
+          <a:off x="0" y="0"/>
+          <a:ext cx="0" cy="0"/>
+          <a:chOff x="0" y="0"/>
+          <a:chExt cx="0" cy="0"/>
+        </a:xfrm>
+      </p:grpSpPr>
       <p:sp>
         <p:nvSpPr>
           <p:cNvPr id="2" name="标题 1"/>
@@ -18473,12 +19308,12 @@
         <p:spPr/>
         <p:txBody>
           <a:bodyPr/>
+          <a:lstStyle/>
           <a:p>
             <a:r>
               <a:rPr lang="en-US" altLang="zh-CN"/>
               <a:t>4. Shadow mapping</a:t>
             </a:r>
-            <a:endParaRPr lang="en-US" altLang="zh-CN"/>
           </a:p>
         </p:txBody>
       </p:sp>
@@ -18500,12 +19335,12 @@
         </p:spPr>
         <p:txBody>
           <a:bodyPr/>
+          <a:lstStyle/>
           <a:p>
             <a:r>
               <a:rPr lang="zh-CN" altLang="en-US"/>
               <a:t>作品实现了阴影贴图效果，并做出改进。</a:t>
             </a:r>
-            <a:endParaRPr lang="zh-CN" altLang="en-US"/>
           </a:p>
         </p:txBody>
       </p:sp>
@@ -18529,7 +19364,14 @@
         <p:cNvGrpSpPr/>
         <p:nvPr/>
       </p:nvGrpSpPr>
-      <p:grpSpPr/>
+      <p:grpSpPr>
+        <a:xfrm>
+          <a:off x="0" y="0"/>
+          <a:ext cx="0" cy="0"/>
+          <a:chOff x="0" y="0"/>
+          <a:chExt cx="0" cy="0"/>
+        </a:xfrm>
+      </p:grpSpPr>
       <p:sp>
         <p:nvSpPr>
           <p:cNvPr id="2" name="标题 1"/>
@@ -18543,12 +19385,12 @@
         <p:spPr/>
         <p:txBody>
           <a:bodyPr/>
+          <a:lstStyle/>
           <a:p>
             <a:r>
               <a:rPr lang="en-US" altLang="zh-CN"/>
               <a:t>5. Model loading &amp; Mesh</a:t>
             </a:r>
-            <a:endParaRPr lang="en-US" altLang="zh-CN"/>
           </a:p>
         </p:txBody>
       </p:sp>
@@ -18570,6 +19412,7 @@
         </p:spPr>
         <p:txBody>
           <a:bodyPr/>
+          <a:lstStyle/>
           <a:p>
             <a:r>
               <a:rPr lang="zh-CN" altLang="en-US"/>
@@ -18597,826 +19440,7 @@
 </file>
 
 <file path=ppt/tags/tag1.xml><?xml version="1.0" encoding="utf-8"?>
-<p:tagLst xmlns:p="http://schemas.openxmlformats.org/presentationml/2006/main">
-  <p:tag name="KSO_WM_UNIT_HIGHLIGHT" val="0"/>
-  <p:tag name="KSO_WM_UNIT_COMPATIBLE" val="0"/>
-  <p:tag name="KSO_WM_UNIT_DIAGRAM_ISNUMVISUAL" val="0"/>
-  <p:tag name="KSO_WM_UNIT_DIAGRAM_ISREFERUNIT" val="0"/>
-  <p:tag name="KSO_WM_UNIT_ID" val="_1**"/>
-  <p:tag name="KSO_WM_UNIT_LAYERLEVEL" val="1"/>
-  <p:tag name="KSO_WM_TAG_VERSION" val="1.0"/>
-  <p:tag name="KSO_WM_BEAUTIFY_FLAG" val="#wm#"/>
-</p:tagLst>
-</file>
-
-<file path=ppt/tags/tag10.xml><?xml version="1.0" encoding="utf-8"?>
-<p:tagLst xmlns:p="http://schemas.openxmlformats.org/presentationml/2006/main">
-  <p:tag name="KSO_WM_UNIT_HIGHLIGHT" val="0"/>
-  <p:tag name="KSO_WM_UNIT_COMPATIBLE" val="0"/>
-  <p:tag name="KSO_WM_UNIT_DIAGRAM_ISNUMVISUAL" val="0"/>
-  <p:tag name="KSO_WM_UNIT_DIAGRAM_ISREFERUNIT" val="0"/>
-  <p:tag name="KSO_WM_UNIT_ID" val="_1**"/>
-  <p:tag name="KSO_WM_UNIT_LAYERLEVEL" val="1"/>
-  <p:tag name="KSO_WM_TAG_VERSION" val="1.0"/>
-  <p:tag name="KSO_WM_BEAUTIFY_FLAG" val="#wm#"/>
-</p:tagLst>
-</file>
-
-<file path=ppt/tags/tag100.xml><?xml version="1.0" encoding="utf-8"?>
-<p:tagLst xmlns:p="http://schemas.openxmlformats.org/presentationml/2006/main">
-  <p:tag name="KSO_WM_UNIT_HIGHLIGHT" val="0"/>
-  <p:tag name="KSO_WM_UNIT_COMPATIBLE" val="0"/>
-  <p:tag name="KSO_WM_UNIT_DIAGRAM_ISNUMVISUAL" val="0"/>
-  <p:tag name="KSO_WM_UNIT_DIAGRAM_ISREFERUNIT" val="0"/>
-  <p:tag name="KSO_WM_UNIT_ID" val="_6**"/>
-  <p:tag name="KSO_WM_UNIT_LAYERLEVEL" val="1"/>
-  <p:tag name="KSO_WM_TAG_VERSION" val="1.0"/>
-  <p:tag name="KSO_WM_BEAUTIFY_FLAG" val="#wm#"/>
-</p:tagLst>
-</file>
-
-<file path=ppt/tags/tag101.xml><?xml version="1.0" encoding="utf-8"?>
-<p:tagLst xmlns:p="http://schemas.openxmlformats.org/presentationml/2006/main">
-  <p:tag name="KSO_WM_UNIT_HIGHLIGHT" val="0"/>
-  <p:tag name="KSO_WM_UNIT_COMPATIBLE" val="0"/>
-  <p:tag name="KSO_WM_UNIT_DIAGRAM_ISNUMVISUAL" val="0"/>
-  <p:tag name="KSO_WM_UNIT_DIAGRAM_ISREFERUNIT" val="0"/>
-  <p:tag name="KSO_WM_UNIT_ID" val="_6**"/>
-  <p:tag name="KSO_WM_UNIT_LAYERLEVEL" val="1"/>
-  <p:tag name="KSO_WM_TAG_VERSION" val="1.0"/>
-  <p:tag name="KSO_WM_BEAUTIFY_FLAG" val="#wm#"/>
-</p:tagLst>
-</file>
-
-<file path=ppt/tags/tag102.xml><?xml version="1.0" encoding="utf-8"?>
-<p:tagLst xmlns:p="http://schemas.openxmlformats.org/presentationml/2006/main">
-  <p:tag name="KSO_WM_UNIT_HIGHLIGHT" val="0"/>
-  <p:tag name="KSO_WM_UNIT_COMPATIBLE" val="0"/>
-  <p:tag name="KSO_WM_UNIT_DIAGRAM_ISNUMVISUAL" val="0"/>
-  <p:tag name="KSO_WM_UNIT_DIAGRAM_ISREFERUNIT" val="0"/>
-  <p:tag name="KSO_WM_UNIT_ID" val="_7**"/>
-  <p:tag name="KSO_WM_UNIT_LAYERLEVEL" val="1"/>
-  <p:tag name="KSO_WM_TAG_VERSION" val="1.0"/>
-  <p:tag name="KSO_WM_BEAUTIFY_FLAG" val="#wm#"/>
-</p:tagLst>
-</file>
-
-<file path=ppt/tags/tag103.xml><?xml version="1.0" encoding="utf-8"?>
-<p:tagLst xmlns:p="http://schemas.openxmlformats.org/presentationml/2006/main">
-  <p:tag name="KSO_WM_UNIT_HIGHLIGHT" val="0"/>
-  <p:tag name="KSO_WM_UNIT_COMPATIBLE" val="0"/>
-  <p:tag name="KSO_WM_UNIT_DIAGRAM_ISNUMVISUAL" val="0"/>
-  <p:tag name="KSO_WM_UNIT_DIAGRAM_ISREFERUNIT" val="0"/>
-  <p:tag name="KSO_WM_UNIT_ID" val="_7**"/>
-  <p:tag name="KSO_WM_UNIT_LAYERLEVEL" val="1"/>
-  <p:tag name="KSO_WM_TAG_VERSION" val="1.0"/>
-  <p:tag name="KSO_WM_BEAUTIFY_FLAG" val="#wm#"/>
-</p:tagLst>
-</file>
-
-<file path=ppt/tags/tag104.xml><?xml version="1.0" encoding="utf-8"?>
-<p:tagLst xmlns:p="http://schemas.openxmlformats.org/presentationml/2006/main">
-  <p:tag name="KSO_WM_UNIT_HIGHLIGHT" val="0"/>
-  <p:tag name="KSO_WM_UNIT_COMPATIBLE" val="0"/>
-  <p:tag name="KSO_WM_UNIT_DIAGRAM_ISNUMVISUAL" val="0"/>
-  <p:tag name="KSO_WM_UNIT_DIAGRAM_ISREFERUNIT" val="0"/>
-  <p:tag name="KSO_WM_UNIT_ID" val="_7**"/>
-  <p:tag name="KSO_WM_UNIT_LAYERLEVEL" val="1"/>
-  <p:tag name="KSO_WM_TAG_VERSION" val="1.0"/>
-  <p:tag name="KSO_WM_BEAUTIFY_FLAG" val="#wm#"/>
-</p:tagLst>
-</file>
-
-<file path=ppt/tags/tag105.xml><?xml version="1.0" encoding="utf-8"?>
-<p:tagLst xmlns:p="http://schemas.openxmlformats.org/presentationml/2006/main">
-  <p:tag name="KSO_WM_UNIT_HIGHLIGHT" val="0"/>
-  <p:tag name="KSO_WM_UNIT_COMPATIBLE" val="0"/>
-  <p:tag name="KSO_WM_UNIT_DIAGRAM_ISNUMVISUAL" val="0"/>
-  <p:tag name="KSO_WM_UNIT_DIAGRAM_ISREFERUNIT" val="0"/>
-  <p:tag name="KSO_WM_UNIT_ID" val="_8**"/>
-  <p:tag name="KSO_WM_UNIT_LAYERLEVEL" val="1"/>
-  <p:tag name="KSO_WM_TAG_VERSION" val="1.0"/>
-  <p:tag name="KSO_WM_BEAUTIFY_FLAG" val="#wm#"/>
-</p:tagLst>
-</file>
-
-<file path=ppt/tags/tag106.xml><?xml version="1.0" encoding="utf-8"?>
-<p:tagLst xmlns:p="http://schemas.openxmlformats.org/presentationml/2006/main">
-  <p:tag name="KSO_WM_UNIT_HIGHLIGHT" val="0"/>
-  <p:tag name="KSO_WM_UNIT_COMPATIBLE" val="0"/>
-  <p:tag name="KSO_WM_UNIT_DIAGRAM_ISNUMVISUAL" val="0"/>
-  <p:tag name="KSO_WM_UNIT_DIAGRAM_ISREFERUNIT" val="0"/>
-  <p:tag name="KSO_WM_UNIT_ID" val="_8**"/>
-  <p:tag name="KSO_WM_UNIT_LAYERLEVEL" val="1"/>
-  <p:tag name="KSO_WM_TAG_VERSION" val="1.0"/>
-  <p:tag name="KSO_WM_BEAUTIFY_FLAG" val="#wm#"/>
-</p:tagLst>
-</file>
-
-<file path=ppt/tags/tag107.xml><?xml version="1.0" encoding="utf-8"?>
-<p:tagLst xmlns:p="http://schemas.openxmlformats.org/presentationml/2006/main">
-  <p:tag name="KSO_WM_UNIT_HIGHLIGHT" val="0"/>
-  <p:tag name="KSO_WM_UNIT_COMPATIBLE" val="0"/>
-  <p:tag name="KSO_WM_UNIT_DIAGRAM_ISNUMVISUAL" val="0"/>
-  <p:tag name="KSO_WM_UNIT_DIAGRAM_ISREFERUNIT" val="0"/>
-  <p:tag name="KSO_WM_UNIT_ID" val="_8**"/>
-  <p:tag name="KSO_WM_UNIT_LAYERLEVEL" val="1"/>
-  <p:tag name="KSO_WM_TAG_VERSION" val="1.0"/>
-  <p:tag name="KSO_WM_BEAUTIFY_FLAG" val="#wm#"/>
-</p:tagLst>
-</file>
-
-<file path=ppt/tags/tag108.xml><?xml version="1.0" encoding="utf-8"?>
-<p:tagLst xmlns:p="http://schemas.openxmlformats.org/presentationml/2006/main">
-  <p:tag name="KSO_WM_UNIT_HIGHLIGHT" val="0"/>
-  <p:tag name="KSO_WM_UNIT_COMPATIBLE" val="0"/>
-  <p:tag name="KSO_WM_UNIT_DIAGRAM_ISNUMVISUAL" val="0"/>
-  <p:tag name="KSO_WM_UNIT_DIAGRAM_ISREFERUNIT" val="0"/>
-  <p:tag name="KSO_WM_UNIT_ID" val="_8**"/>
-  <p:tag name="KSO_WM_UNIT_LAYERLEVEL" val="1"/>
-  <p:tag name="KSO_WM_TAG_VERSION" val="1.0"/>
-  <p:tag name="KSO_WM_BEAUTIFY_FLAG" val="#wm#"/>
-</p:tagLst>
-</file>
-
-<file path=ppt/tags/tag109.xml><?xml version="1.0" encoding="utf-8"?>
-<p:tagLst xmlns:p="http://schemas.openxmlformats.org/presentationml/2006/main">
-  <p:tag name="KSO_WM_UNIT_HIGHLIGHT" val="0"/>
-  <p:tag name="KSO_WM_UNIT_COMPATIBLE" val="0"/>
-  <p:tag name="KSO_WM_UNIT_DIAGRAM_ISNUMVISUAL" val="0"/>
-  <p:tag name="KSO_WM_UNIT_DIAGRAM_ISREFERUNIT" val="0"/>
-  <p:tag name="KSO_WM_UNIT_ID" val="_8**"/>
-  <p:tag name="KSO_WM_UNIT_LAYERLEVEL" val="1"/>
-  <p:tag name="KSO_WM_TAG_VERSION" val="1.0"/>
-  <p:tag name="KSO_WM_BEAUTIFY_FLAG" val="#wm#"/>
-</p:tagLst>
-</file>
-
-<file path=ppt/tags/tag11.xml><?xml version="1.0" encoding="utf-8"?>
-<p:tagLst xmlns:p="http://schemas.openxmlformats.org/presentationml/2006/main">
-  <p:tag name="KSO_WM_UNIT_HIGHLIGHT" val="0"/>
-  <p:tag name="KSO_WM_UNIT_COMPATIBLE" val="0"/>
-  <p:tag name="KSO_WM_UNIT_DIAGRAM_ISNUMVISUAL" val="0"/>
-  <p:tag name="KSO_WM_UNIT_DIAGRAM_ISREFERUNIT" val="0"/>
-  <p:tag name="KSO_WM_UNIT_ID" val="_1**"/>
-  <p:tag name="KSO_WM_UNIT_LAYERLEVEL" val="1"/>
-  <p:tag name="KSO_WM_TAG_VERSION" val="1.0"/>
-  <p:tag name="KSO_WM_BEAUTIFY_FLAG" val="#wm#"/>
-</p:tagLst>
-</file>
-
-<file path=ppt/tags/tag110.xml><?xml version="1.0" encoding="utf-8"?>
-<p:tagLst xmlns:p="http://schemas.openxmlformats.org/presentationml/2006/main">
-  <p:tag name="KSO_WM_UNIT_HIGHLIGHT" val="0"/>
-  <p:tag name="KSO_WM_UNIT_COMPATIBLE" val="0"/>
-  <p:tag name="KSO_WM_UNIT_DIAGRAM_ISNUMVISUAL" val="0"/>
-  <p:tag name="KSO_WM_UNIT_DIAGRAM_ISREFERUNIT" val="0"/>
-  <p:tag name="KSO_WM_UNIT_ID" val="_8**"/>
-  <p:tag name="KSO_WM_UNIT_LAYERLEVEL" val="1"/>
-  <p:tag name="KSO_WM_TAG_VERSION" val="1.0"/>
-  <p:tag name="KSO_WM_BEAUTIFY_FLAG" val="#wm#"/>
-</p:tagLst>
-</file>
-
-<file path=ppt/tags/tag111.xml><?xml version="1.0" encoding="utf-8"?>
-<p:tagLst xmlns:p="http://schemas.openxmlformats.org/presentationml/2006/main">
-  <p:tag name="KSO_WM_UNIT_HIGHLIGHT" val="0"/>
-  <p:tag name="KSO_WM_UNIT_COMPATIBLE" val="0"/>
-  <p:tag name="KSO_WM_UNIT_DIAGRAM_ISNUMVISUAL" val="0"/>
-  <p:tag name="KSO_WM_UNIT_DIAGRAM_ISREFERUNIT" val="0"/>
-  <p:tag name="KSO_WM_UNIT_ID" val="_9**"/>
-  <p:tag name="KSO_WM_UNIT_LAYERLEVEL" val="1"/>
-  <p:tag name="KSO_WM_TAG_VERSION" val="1.0"/>
-  <p:tag name="KSO_WM_BEAUTIFY_FLAG" val="#wm#"/>
-</p:tagLst>
-</file>
-
-<file path=ppt/tags/tag112.xml><?xml version="1.0" encoding="utf-8"?>
-<p:tagLst xmlns:p="http://schemas.openxmlformats.org/presentationml/2006/main">
-  <p:tag name="KSO_WM_UNIT_HIGHLIGHT" val="0"/>
-  <p:tag name="KSO_WM_UNIT_COMPATIBLE" val="0"/>
-  <p:tag name="KSO_WM_UNIT_DIAGRAM_ISNUMVISUAL" val="0"/>
-  <p:tag name="KSO_WM_UNIT_DIAGRAM_ISREFERUNIT" val="0"/>
-  <p:tag name="KSO_WM_UNIT_ID" val="_9**"/>
-  <p:tag name="KSO_WM_UNIT_LAYERLEVEL" val="1"/>
-  <p:tag name="KSO_WM_TAG_VERSION" val="1.0"/>
-  <p:tag name="KSO_WM_BEAUTIFY_FLAG" val="#wm#"/>
-</p:tagLst>
-</file>
-
-<file path=ppt/tags/tag113.xml><?xml version="1.0" encoding="utf-8"?>
-<p:tagLst xmlns:p="http://schemas.openxmlformats.org/presentationml/2006/main">
-  <p:tag name="KSO_WM_UNIT_HIGHLIGHT" val="0"/>
-  <p:tag name="KSO_WM_UNIT_COMPATIBLE" val="0"/>
-  <p:tag name="KSO_WM_UNIT_DIAGRAM_ISNUMVISUAL" val="0"/>
-  <p:tag name="KSO_WM_UNIT_DIAGRAM_ISREFERUNIT" val="0"/>
-  <p:tag name="KSO_WM_UNIT_ID" val="_9**"/>
-  <p:tag name="KSO_WM_UNIT_LAYERLEVEL" val="1"/>
-  <p:tag name="KSO_WM_TAG_VERSION" val="1.0"/>
-  <p:tag name="KSO_WM_BEAUTIFY_FLAG" val="#wm#"/>
-</p:tagLst>
-</file>
-
-<file path=ppt/tags/tag114.xml><?xml version="1.0" encoding="utf-8"?>
-<p:tagLst xmlns:p="http://schemas.openxmlformats.org/presentationml/2006/main">
-  <p:tag name="KSO_WM_UNIT_HIGHLIGHT" val="0"/>
-  <p:tag name="KSO_WM_UNIT_COMPATIBLE" val="0"/>
-  <p:tag name="KSO_WM_UNIT_DIAGRAM_ISNUMVISUAL" val="0"/>
-  <p:tag name="KSO_WM_UNIT_DIAGRAM_ISREFERUNIT" val="0"/>
-  <p:tag name="KSO_WM_UNIT_ID" val="_9**"/>
-  <p:tag name="KSO_WM_UNIT_LAYERLEVEL" val="1"/>
-  <p:tag name="KSO_WM_TAG_VERSION" val="1.0"/>
-  <p:tag name="KSO_WM_BEAUTIFY_FLAG" val="#wm#"/>
-</p:tagLst>
-</file>
-
-<file path=ppt/tags/tag115.xml><?xml version="1.0" encoding="utf-8"?>
-<p:tagLst xmlns:p="http://schemas.openxmlformats.org/presentationml/2006/main">
-  <p:tag name="KSO_WM_UNIT_HIGHLIGHT" val="0"/>
-  <p:tag name="KSO_WM_UNIT_COMPATIBLE" val="0"/>
-  <p:tag name="KSO_WM_UNIT_DIAGRAM_ISNUMVISUAL" val="0"/>
-  <p:tag name="KSO_WM_UNIT_DIAGRAM_ISREFERUNIT" val="0"/>
-  <p:tag name="KSO_WM_UNIT_ID" val="_9**"/>
-  <p:tag name="KSO_WM_UNIT_LAYERLEVEL" val="1"/>
-  <p:tag name="KSO_WM_TAG_VERSION" val="1.0"/>
-  <p:tag name="KSO_WM_BEAUTIFY_FLAG" val="#wm#"/>
-</p:tagLst>
-</file>
-
-<file path=ppt/tags/tag116.xml><?xml version="1.0" encoding="utf-8"?>
-<p:tagLst xmlns:p="http://schemas.openxmlformats.org/presentationml/2006/main">
-  <p:tag name="KSO_WM_UNIT_HIGHLIGHT" val="0"/>
-  <p:tag name="KSO_WM_UNIT_COMPATIBLE" val="0"/>
-  <p:tag name="KSO_WM_UNIT_DIAGRAM_ISNUMVISUAL" val="0"/>
-  <p:tag name="KSO_WM_UNIT_DIAGRAM_ISREFERUNIT" val="0"/>
-  <p:tag name="KSO_WM_UNIT_ID" val="_10**"/>
-  <p:tag name="KSO_WM_UNIT_LAYERLEVEL" val="1"/>
-  <p:tag name="KSO_WM_TAG_VERSION" val="1.0"/>
-  <p:tag name="KSO_WM_BEAUTIFY_FLAG" val="#wm#"/>
-</p:tagLst>
-</file>
-
-<file path=ppt/tags/tag117.xml><?xml version="1.0" encoding="utf-8"?>
-<p:tagLst xmlns:p="http://schemas.openxmlformats.org/presentationml/2006/main">
-  <p:tag name="KSO_WM_UNIT_HIGHLIGHT" val="0"/>
-  <p:tag name="KSO_WM_UNIT_COMPATIBLE" val="0"/>
-  <p:tag name="KSO_WM_UNIT_DIAGRAM_ISNUMVISUAL" val="0"/>
-  <p:tag name="KSO_WM_UNIT_DIAGRAM_ISREFERUNIT" val="0"/>
-  <p:tag name="KSO_WM_UNIT_ID" val="_10**"/>
-  <p:tag name="KSO_WM_UNIT_LAYERLEVEL" val="1"/>
-  <p:tag name="KSO_WM_TAG_VERSION" val="1.0"/>
-  <p:tag name="KSO_WM_BEAUTIFY_FLAG" val="#wm#"/>
-</p:tagLst>
-</file>
-
-<file path=ppt/tags/tag118.xml><?xml version="1.0" encoding="utf-8"?>
-<p:tagLst xmlns:p="http://schemas.openxmlformats.org/presentationml/2006/main">
-  <p:tag name="KSO_WM_UNIT_HIGHLIGHT" val="0"/>
-  <p:tag name="KSO_WM_UNIT_COMPATIBLE" val="0"/>
-  <p:tag name="KSO_WM_UNIT_DIAGRAM_ISNUMVISUAL" val="0"/>
-  <p:tag name="KSO_WM_UNIT_DIAGRAM_ISREFERUNIT" val="0"/>
-  <p:tag name="KSO_WM_UNIT_ID" val="_10**"/>
-  <p:tag name="KSO_WM_UNIT_LAYERLEVEL" val="1"/>
-  <p:tag name="KSO_WM_TAG_VERSION" val="1.0"/>
-  <p:tag name="KSO_WM_BEAUTIFY_FLAG" val="#wm#"/>
-</p:tagLst>
-</file>
-
-<file path=ppt/tags/tag119.xml><?xml version="1.0" encoding="utf-8"?>
-<p:tagLst xmlns:p="http://schemas.openxmlformats.org/presentationml/2006/main">
-  <p:tag name="KSO_WM_UNIT_HIGHLIGHT" val="0"/>
-  <p:tag name="KSO_WM_UNIT_COMPATIBLE" val="0"/>
-  <p:tag name="KSO_WM_UNIT_DIAGRAM_ISNUMVISUAL" val="0"/>
-  <p:tag name="KSO_WM_UNIT_DIAGRAM_ISREFERUNIT" val="0"/>
-  <p:tag name="KSO_WM_UNIT_ID" val="_10**"/>
-  <p:tag name="KSO_WM_UNIT_LAYERLEVEL" val="1"/>
-  <p:tag name="KSO_WM_TAG_VERSION" val="1.0"/>
-  <p:tag name="KSO_WM_BEAUTIFY_FLAG" val="#wm#"/>
-</p:tagLst>
-</file>
-
-<file path=ppt/tags/tag12.xml><?xml version="1.0" encoding="utf-8"?>
-<p:tagLst xmlns:p="http://schemas.openxmlformats.org/presentationml/2006/main">
-  <p:tag name="KSO_WM_UNIT_HIGHLIGHT" val="0"/>
-  <p:tag name="KSO_WM_UNIT_COMPATIBLE" val="0"/>
-  <p:tag name="KSO_WM_UNIT_DIAGRAM_ISNUMVISUAL" val="0"/>
-  <p:tag name="KSO_WM_UNIT_DIAGRAM_ISREFERUNIT" val="0"/>
-  <p:tag name="KSO_WM_UNIT_ID" val="_1**"/>
-  <p:tag name="KSO_WM_UNIT_LAYERLEVEL" val="1"/>
-  <p:tag name="KSO_WM_TAG_VERSION" val="1.0"/>
-  <p:tag name="KSO_WM_BEAUTIFY_FLAG" val="#wm#"/>
-</p:tagLst>
-</file>
-
-<file path=ppt/tags/tag120.xml><?xml version="1.0" encoding="utf-8"?>
-<p:tagLst xmlns:p="http://schemas.openxmlformats.org/presentationml/2006/main">
-  <p:tag name="KSO_WM_UNIT_HIGHLIGHT" val="0"/>
-  <p:tag name="KSO_WM_UNIT_COMPATIBLE" val="0"/>
-  <p:tag name="KSO_WM_UNIT_DIAGRAM_ISNUMVISUAL" val="0"/>
-  <p:tag name="KSO_WM_UNIT_DIAGRAM_ISREFERUNIT" val="0"/>
-  <p:tag name="KSO_WM_UNIT_ID" val="_11**"/>
-  <p:tag name="KSO_WM_UNIT_LAYERLEVEL" val="1"/>
-  <p:tag name="KSO_WM_TAG_VERSION" val="1.0"/>
-  <p:tag name="KSO_WM_BEAUTIFY_FLAG" val="#wm#"/>
-</p:tagLst>
-</file>
-
-<file path=ppt/tags/tag121.xml><?xml version="1.0" encoding="utf-8"?>
-<p:tagLst xmlns:p="http://schemas.openxmlformats.org/presentationml/2006/main">
-  <p:tag name="KSO_WM_UNIT_HIGHLIGHT" val="0"/>
-  <p:tag name="KSO_WM_UNIT_COMPATIBLE" val="0"/>
-  <p:tag name="KSO_WM_UNIT_DIAGRAM_ISNUMVISUAL" val="0"/>
-  <p:tag name="KSO_WM_UNIT_DIAGRAM_ISREFERUNIT" val="0"/>
-  <p:tag name="KSO_WM_UNIT_ID" val="_11**"/>
-  <p:tag name="KSO_WM_UNIT_LAYERLEVEL" val="1"/>
-  <p:tag name="KSO_WM_TAG_VERSION" val="1.0"/>
-  <p:tag name="KSO_WM_BEAUTIFY_FLAG" val="#wm#"/>
-</p:tagLst>
-</file>
-
-<file path=ppt/tags/tag122.xml><?xml version="1.0" encoding="utf-8"?>
-<p:tagLst xmlns:p="http://schemas.openxmlformats.org/presentationml/2006/main">
-  <p:tag name="KSO_WM_UNIT_HIGHLIGHT" val="0"/>
-  <p:tag name="KSO_WM_UNIT_COMPATIBLE" val="0"/>
-  <p:tag name="KSO_WM_UNIT_DIAGRAM_ISNUMVISUAL" val="0"/>
-  <p:tag name="KSO_WM_UNIT_DIAGRAM_ISREFERUNIT" val="0"/>
-  <p:tag name="KSO_WM_UNIT_ID" val="_11**"/>
-  <p:tag name="KSO_WM_UNIT_LAYERLEVEL" val="1"/>
-  <p:tag name="KSO_WM_TAG_VERSION" val="1.0"/>
-  <p:tag name="KSO_WM_BEAUTIFY_FLAG" val="#wm#"/>
-</p:tagLst>
-</file>
-
-<file path=ppt/tags/tag123.xml><?xml version="1.0" encoding="utf-8"?>
-<p:tagLst xmlns:p="http://schemas.openxmlformats.org/presentationml/2006/main">
-  <p:tag name="KSO_WM_UNIT_HIGHLIGHT" val="0"/>
-  <p:tag name="KSO_WM_UNIT_COMPATIBLE" val="0"/>
-  <p:tag name="KSO_WM_UNIT_DIAGRAM_ISNUMVISUAL" val="0"/>
-  <p:tag name="KSO_WM_UNIT_DIAGRAM_ISREFERUNIT" val="0"/>
-  <p:tag name="KSO_WM_UNIT_ID" val="_11**"/>
-  <p:tag name="KSO_WM_UNIT_LAYERLEVEL" val="1"/>
-  <p:tag name="KSO_WM_TAG_VERSION" val="1.0"/>
-  <p:tag name="KSO_WM_BEAUTIFY_FLAG" val="#wm#"/>
-</p:tagLst>
-</file>
-
-<file path=ppt/tags/tag124.xml><?xml version="1.0" encoding="utf-8"?>
-<p:tagLst xmlns:p="http://schemas.openxmlformats.org/presentationml/2006/main">
-  <p:tag name="KSO_WM_UNIT_HIGHLIGHT" val="0"/>
-  <p:tag name="KSO_WM_UNIT_COMPATIBLE" val="0"/>
-  <p:tag name="KSO_WM_UNIT_DIAGRAM_ISNUMVISUAL" val="0"/>
-  <p:tag name="KSO_WM_UNIT_DIAGRAM_ISREFERUNIT" val="0"/>
-  <p:tag name="KSO_WM_UNIT_ID" val="_11**"/>
-  <p:tag name="KSO_WM_UNIT_LAYERLEVEL" val="1"/>
-  <p:tag name="KSO_WM_TAG_VERSION" val="1.0"/>
-  <p:tag name="KSO_WM_BEAUTIFY_FLAG" val="#wm#"/>
-</p:tagLst>
-</file>
-
-<file path=ppt/tags/tag125.xml><?xml version="1.0" encoding="utf-8"?>
-<p:tagLst xmlns:p="http://schemas.openxmlformats.org/presentationml/2006/main">
-  <p:tag name="KSO_WM_UNIT_HIGHLIGHT" val="0"/>
-  <p:tag name="KSO_WM_UNIT_COMPATIBLE" val="0"/>
-  <p:tag name="KSO_WM_UNIT_DIAGRAM_ISNUMVISUAL" val="0"/>
-  <p:tag name="KSO_WM_UNIT_DIAGRAM_ISREFERUNIT" val="0"/>
-  <p:tag name="KSO_WM_UNIT_ID" val="_11**"/>
-  <p:tag name="KSO_WM_UNIT_LAYERLEVEL" val="1"/>
-  <p:tag name="KSO_WM_TAG_VERSION" val="1.0"/>
-  <p:tag name="KSO_WM_BEAUTIFY_FLAG" val="#wm#"/>
-</p:tagLst>
-</file>
-
-<file path=ppt/tags/tag126.xml><?xml version="1.0" encoding="utf-8"?>
-<p:tagLst xmlns:p="http://schemas.openxmlformats.org/presentationml/2006/main">
-  <p:tag name="KSO_WM_UNIT_HIGHLIGHT" val="0"/>
-  <p:tag name="KSO_WM_UNIT_COMPATIBLE" val="0"/>
-  <p:tag name="KSO_WM_UNIT_DIAGRAM_ISNUMVISUAL" val="0"/>
-  <p:tag name="KSO_WM_UNIT_DIAGRAM_ISREFERUNIT" val="0"/>
-  <p:tag name="KSO_WM_UNIT_ID" val="_11**"/>
-  <p:tag name="KSO_WM_UNIT_LAYERLEVEL" val="1"/>
-  <p:tag name="KSO_WM_TAG_VERSION" val="1.0"/>
-  <p:tag name="KSO_WM_BEAUTIFY_FLAG" val="#wm#"/>
-</p:tagLst>
-</file>
-
-<file path=ppt/tags/tag127.xml><?xml version="1.0" encoding="utf-8"?>
-<p:tagLst xmlns:p="http://schemas.openxmlformats.org/presentationml/2006/main">
-  <p:tag name="KSO_WM_UNIT_HIGHLIGHT" val="0"/>
-  <p:tag name="KSO_WM_UNIT_COMPATIBLE" val="0"/>
-  <p:tag name="KSO_WM_UNIT_DIAGRAM_ISNUMVISUAL" val="0"/>
-  <p:tag name="KSO_WM_UNIT_DIAGRAM_ISREFERUNIT" val="0"/>
-  <p:tag name="KSO_WM_UNIT_ID" val="_11**"/>
-  <p:tag name="KSO_WM_UNIT_LAYERLEVEL" val="1"/>
-  <p:tag name="KSO_WM_TAG_VERSION" val="1.0"/>
-  <p:tag name="KSO_WM_BEAUTIFY_FLAG" val="#wm#"/>
-</p:tagLst>
-</file>
-
-<file path=ppt/tags/tag128.xml><?xml version="1.0" encoding="utf-8"?>
-<p:tagLst xmlns:p="http://schemas.openxmlformats.org/presentationml/2006/main">
-  <p:tag name="KSO_WM_UNIT_HIGHLIGHT" val="0"/>
-  <p:tag name="KSO_WM_UNIT_COMPATIBLE" val="0"/>
-  <p:tag name="KSO_WM_UNIT_DIAGRAM_ISNUMVISUAL" val="0"/>
-  <p:tag name="KSO_WM_UNIT_DIAGRAM_ISREFERUNIT" val="0"/>
-  <p:tag name="KSO_WM_UNIT_ID" val="_11**"/>
-  <p:tag name="KSO_WM_UNIT_LAYERLEVEL" val="1"/>
-  <p:tag name="KSO_WM_TAG_VERSION" val="1.0"/>
-  <p:tag name="KSO_WM_BEAUTIFY_FLAG" val="#wm#"/>
-</p:tagLst>
-</file>
-
-<file path=ppt/tags/tag129.xml><?xml version="1.0" encoding="utf-8"?>
-<p:tagLst xmlns:p="http://schemas.openxmlformats.org/presentationml/2006/main">
-  <p:tag name="KSO_WM_UNIT_HIGHLIGHT" val="0"/>
-  <p:tag name="KSO_WM_UNIT_COMPATIBLE" val="0"/>
-  <p:tag name="KSO_WM_UNIT_DIAGRAM_ISNUMVISUAL" val="0"/>
-  <p:tag name="KSO_WM_UNIT_DIAGRAM_ISREFERUNIT" val="0"/>
-  <p:tag name="KSO_WM_UNIT_ID" val="_11**"/>
-  <p:tag name="KSO_WM_UNIT_LAYERLEVEL" val="1"/>
-  <p:tag name="KSO_WM_TAG_VERSION" val="1.0"/>
-  <p:tag name="KSO_WM_BEAUTIFY_FLAG" val="#wm#"/>
-</p:tagLst>
-</file>
-
-<file path=ppt/tags/tag13.xml><?xml version="1.0" encoding="utf-8"?>
-<p:tagLst xmlns:p="http://schemas.openxmlformats.org/presentationml/2006/main">
-  <p:tag name="KSO_WM_UNIT_HIGHLIGHT" val="0"/>
-  <p:tag name="KSO_WM_UNIT_COMPATIBLE" val="0"/>
-  <p:tag name="KSO_WM_UNIT_DIAGRAM_ISNUMVISUAL" val="0"/>
-  <p:tag name="KSO_WM_UNIT_DIAGRAM_ISREFERUNIT" val="0"/>
-  <p:tag name="KSO_WM_UNIT_ID" val="_1**"/>
-  <p:tag name="KSO_WM_UNIT_LAYERLEVEL" val="1"/>
-  <p:tag name="KSO_WM_TAG_VERSION" val="1.0"/>
-  <p:tag name="KSO_WM_BEAUTIFY_FLAG" val="#wm#"/>
-</p:tagLst>
-</file>
-
-<file path=ppt/tags/tag130.xml><?xml version="1.0" encoding="utf-8"?>
-<p:tagLst xmlns:p="http://schemas.openxmlformats.org/presentationml/2006/main">
-  <p:tag name="KSO_WM_UNIT_HIGHLIGHT" val="0"/>
-  <p:tag name="KSO_WM_UNIT_COMPATIBLE" val="0"/>
-  <p:tag name="KSO_WM_UNIT_DIAGRAM_ISNUMVISUAL" val="0"/>
-  <p:tag name="KSO_WM_UNIT_DIAGRAM_ISREFERUNIT" val="0"/>
-  <p:tag name="KSO_WM_UNIT_ID" val="_11**"/>
-  <p:tag name="KSO_WM_UNIT_LAYERLEVEL" val="1"/>
-  <p:tag name="KSO_WM_TAG_VERSION" val="1.0"/>
-  <p:tag name="KSO_WM_BEAUTIFY_FLAG" val="#wm#"/>
-</p:tagLst>
-</file>
-
-<file path=ppt/tags/tag131.xml><?xml version="1.0" encoding="utf-8"?>
-<p:tagLst xmlns:p="http://schemas.openxmlformats.org/presentationml/2006/main">
-  <p:tag name="KSO_WM_UNIT_HIGHLIGHT" val="0"/>
-  <p:tag name="KSO_WM_UNIT_COMPATIBLE" val="0"/>
-  <p:tag name="KSO_WM_UNIT_DIAGRAM_ISNUMVISUAL" val="0"/>
-  <p:tag name="KSO_WM_UNIT_DIAGRAM_ISREFERUNIT" val="0"/>
-  <p:tag name="KSO_WM_UNIT_ID" val="_11**"/>
-  <p:tag name="KSO_WM_UNIT_LAYERLEVEL" val="1"/>
-  <p:tag name="KSO_WM_TAG_VERSION" val="1.0"/>
-  <p:tag name="KSO_WM_BEAUTIFY_FLAG" val="#wm#"/>
-</p:tagLst>
-</file>
-
-<file path=ppt/tags/tag132.xml><?xml version="1.0" encoding="utf-8"?>
-<p:tagLst xmlns:p="http://schemas.openxmlformats.org/presentationml/2006/main">
-  <p:tag name="KSO_WM_UNIT_HIGHLIGHT" val="0"/>
-  <p:tag name="KSO_WM_UNIT_COMPATIBLE" val="0"/>
-  <p:tag name="KSO_WM_UNIT_DIAGRAM_ISNUMVISUAL" val="0"/>
-  <p:tag name="KSO_WM_UNIT_DIAGRAM_ISREFERUNIT" val="0"/>
-  <p:tag name="KSO_WM_UNIT_ID" val="_11**"/>
-  <p:tag name="KSO_WM_UNIT_LAYERLEVEL" val="1"/>
-  <p:tag name="KSO_WM_TAG_VERSION" val="1.0"/>
-  <p:tag name="KSO_WM_BEAUTIFY_FLAG" val="#wm#"/>
-</p:tagLst>
-</file>
-
-<file path=ppt/tags/tag133.xml><?xml version="1.0" encoding="utf-8"?>
-<p:tagLst xmlns:p="http://schemas.openxmlformats.org/presentationml/2006/main">
-  <p:tag name="KSO_WM_UNIT_HIGHLIGHT" val="0"/>
-  <p:tag name="KSO_WM_UNIT_COMPATIBLE" val="0"/>
-  <p:tag name="KSO_WM_UNIT_DIAGRAM_ISNUMVISUAL" val="0"/>
-  <p:tag name="KSO_WM_UNIT_DIAGRAM_ISREFERUNIT" val="0"/>
-  <p:tag name="KSO_WM_UNIT_ID" val="_11**"/>
-  <p:tag name="KSO_WM_UNIT_LAYERLEVEL" val="1"/>
-  <p:tag name="KSO_WM_TAG_VERSION" val="1.0"/>
-  <p:tag name="KSO_WM_BEAUTIFY_FLAG" val="#wm#"/>
-</p:tagLst>
-</file>
-
-<file path=ppt/tags/tag134.xml><?xml version="1.0" encoding="utf-8"?>
-<p:tagLst xmlns:p="http://schemas.openxmlformats.org/presentationml/2006/main">
-  <p:tag name="KSO_WM_UNIT_HIGHLIGHT" val="0"/>
-  <p:tag name="KSO_WM_UNIT_COMPATIBLE" val="0"/>
-  <p:tag name="KSO_WM_UNIT_DIAGRAM_ISNUMVISUAL" val="0"/>
-  <p:tag name="KSO_WM_UNIT_DIAGRAM_ISREFERUNIT" val="0"/>
-  <p:tag name="KSO_WM_UNIT_ID" val="_11**"/>
-  <p:tag name="KSO_WM_UNIT_LAYERLEVEL" val="1"/>
-  <p:tag name="KSO_WM_TAG_VERSION" val="1.0"/>
-  <p:tag name="KSO_WM_BEAUTIFY_FLAG" val="#wm#"/>
-</p:tagLst>
-</file>
-
-<file path=ppt/tags/tag135.xml><?xml version="1.0" encoding="utf-8"?>
-<p:tagLst xmlns:p="http://schemas.openxmlformats.org/presentationml/2006/main">
-  <p:tag name="KSO_WM_UNIT_HIGHLIGHT" val="0"/>
-  <p:tag name="KSO_WM_UNIT_COMPATIBLE" val="0"/>
-  <p:tag name="KSO_WM_UNIT_DIAGRAM_ISNUMVISUAL" val="0"/>
-  <p:tag name="KSO_WM_UNIT_DIAGRAM_ISREFERUNIT" val="0"/>
-  <p:tag name="KSO_WM_UNIT_ID" val="_11**"/>
-  <p:tag name="KSO_WM_UNIT_LAYERLEVEL" val="1"/>
-  <p:tag name="KSO_WM_TAG_VERSION" val="1.0"/>
-  <p:tag name="KSO_WM_BEAUTIFY_FLAG" val="#wm#"/>
-</p:tagLst>
-</file>
-
-<file path=ppt/tags/tag136.xml><?xml version="1.0" encoding="utf-8"?>
-<p:tagLst xmlns:p="http://schemas.openxmlformats.org/presentationml/2006/main">
-  <p:tag name="KSO_WM_UNIT_HIGHLIGHT" val="0"/>
-  <p:tag name="KSO_WM_UNIT_COMPATIBLE" val="0"/>
-  <p:tag name="KSO_WM_UNIT_DIAGRAM_ISNUMVISUAL" val="0"/>
-  <p:tag name="KSO_WM_UNIT_DIAGRAM_ISREFERUNIT" val="0"/>
-  <p:tag name="KSO_WM_UNIT_ID" val="_11**"/>
-  <p:tag name="KSO_WM_UNIT_LAYERLEVEL" val="1"/>
-  <p:tag name="KSO_WM_TAG_VERSION" val="1.0"/>
-  <p:tag name="KSO_WM_BEAUTIFY_FLAG" val="#wm#"/>
-</p:tagLst>
-</file>
-
-<file path=ppt/tags/tag137.xml><?xml version="1.0" encoding="utf-8"?>
-<p:tagLst xmlns:p="http://schemas.openxmlformats.org/presentationml/2006/main">
-  <p:tag name="KSO_WM_UNIT_HIGHLIGHT" val="0"/>
-  <p:tag name="KSO_WM_UNIT_COMPATIBLE" val="0"/>
-  <p:tag name="KSO_WM_UNIT_DIAGRAM_ISNUMVISUAL" val="0"/>
-  <p:tag name="KSO_WM_UNIT_DIAGRAM_ISREFERUNIT" val="0"/>
-  <p:tag name="KSO_WM_UNIT_ID" val="_11**"/>
-  <p:tag name="KSO_WM_UNIT_LAYERLEVEL" val="1"/>
-  <p:tag name="KSO_WM_TAG_VERSION" val="1.0"/>
-  <p:tag name="KSO_WM_BEAUTIFY_FLAG" val="#wm#"/>
-</p:tagLst>
-</file>
-
-<file path=ppt/tags/tag138.xml><?xml version="1.0" encoding="utf-8"?>
-<p:tagLst xmlns:p="http://schemas.openxmlformats.org/presentationml/2006/main">
-  <p:tag name="KSO_WM_UNIT_HIGHLIGHT" val="0"/>
-  <p:tag name="KSO_WM_UNIT_COMPATIBLE" val="0"/>
-  <p:tag name="KSO_WM_UNIT_DIAGRAM_ISNUMVISUAL" val="0"/>
-  <p:tag name="KSO_WM_UNIT_DIAGRAM_ISREFERUNIT" val="0"/>
-  <p:tag name="KSO_WM_UNIT_ID" val="_11**"/>
-  <p:tag name="KSO_WM_UNIT_LAYERLEVEL" val="1"/>
-  <p:tag name="KSO_WM_TAG_VERSION" val="1.0"/>
-  <p:tag name="KSO_WM_BEAUTIFY_FLAG" val="#wm#"/>
-</p:tagLst>
-</file>
-
-<file path=ppt/tags/tag139.xml><?xml version="1.0" encoding="utf-8"?>
-<p:tagLst xmlns:p="http://schemas.openxmlformats.org/presentationml/2006/main">
-  <p:tag name="KSO_WM_UNIT_HIGHLIGHT" val="0"/>
-  <p:tag name="KSO_WM_UNIT_COMPATIBLE" val="0"/>
-  <p:tag name="KSO_WM_UNIT_DIAGRAM_ISNUMVISUAL" val="0"/>
-  <p:tag name="KSO_WM_UNIT_DIAGRAM_ISREFERUNIT" val="0"/>
-  <p:tag name="KSO_WM_UNIT_ID" val="_11**"/>
-  <p:tag name="KSO_WM_UNIT_LAYERLEVEL" val="1"/>
-  <p:tag name="KSO_WM_TAG_VERSION" val="1.0"/>
-  <p:tag name="KSO_WM_BEAUTIFY_FLAG" val="#wm#"/>
-</p:tagLst>
-</file>
-
-<file path=ppt/tags/tag14.xml><?xml version="1.0" encoding="utf-8"?>
-<p:tagLst xmlns:p="http://schemas.openxmlformats.org/presentationml/2006/main">
-  <p:tag name="KSO_WM_UNIT_HIGHLIGHT" val="0"/>
-  <p:tag name="KSO_WM_UNIT_COMPATIBLE" val="0"/>
-  <p:tag name="KSO_WM_UNIT_DIAGRAM_ISNUMVISUAL" val="0"/>
-  <p:tag name="KSO_WM_UNIT_DIAGRAM_ISREFERUNIT" val="0"/>
-  <p:tag name="KSO_WM_UNIT_ID" val="_1**"/>
-  <p:tag name="KSO_WM_UNIT_LAYERLEVEL" val="1"/>
-  <p:tag name="KSO_WM_TAG_VERSION" val="1.0"/>
-  <p:tag name="KSO_WM_BEAUTIFY_FLAG" val="#wm#"/>
-</p:tagLst>
-</file>
-
-<file path=ppt/tags/tag140.xml><?xml version="1.0" encoding="utf-8"?>
-<p:tagLst xmlns:p="http://schemas.openxmlformats.org/presentationml/2006/main">
-  <p:tag name="KSO_WM_UNIT_HIGHLIGHT" val="0"/>
-  <p:tag name="KSO_WM_UNIT_COMPATIBLE" val="0"/>
-  <p:tag name="KSO_WM_UNIT_DIAGRAM_ISNUMVISUAL" val="0"/>
-  <p:tag name="KSO_WM_UNIT_DIAGRAM_ISREFERUNIT" val="0"/>
-  <p:tag name="KSO_WM_UNIT_ID" val="_11**"/>
-  <p:tag name="KSO_WM_UNIT_LAYERLEVEL" val="1"/>
-  <p:tag name="KSO_WM_TAG_VERSION" val="1.0"/>
-  <p:tag name="KSO_WM_BEAUTIFY_FLAG" val="#wm#"/>
-</p:tagLst>
-</file>
-
-<file path=ppt/tags/tag141.xml><?xml version="1.0" encoding="utf-8"?>
-<p:tagLst xmlns:p="http://schemas.openxmlformats.org/presentationml/2006/main">
-  <p:tag name="KSO_WM_UNIT_HIGHLIGHT" val="0"/>
-  <p:tag name="KSO_WM_UNIT_COMPATIBLE" val="0"/>
-  <p:tag name="KSO_WM_UNIT_DIAGRAM_ISNUMVISUAL" val="0"/>
-  <p:tag name="KSO_WM_UNIT_DIAGRAM_ISREFERUNIT" val="0"/>
-  <p:tag name="KSO_WM_UNIT_ID" val="_11**"/>
-  <p:tag name="KSO_WM_UNIT_LAYERLEVEL" val="1"/>
-  <p:tag name="KSO_WM_TAG_VERSION" val="1.0"/>
-  <p:tag name="KSO_WM_BEAUTIFY_FLAG" val="#wm#"/>
-</p:tagLst>
-</file>
-
-<file path=ppt/tags/tag142.xml><?xml version="1.0" encoding="utf-8"?>
-<p:tagLst xmlns:p="http://schemas.openxmlformats.org/presentationml/2006/main">
-  <p:tag name="KSO_WM_UNIT_HIGHLIGHT" val="0"/>
-  <p:tag name="KSO_WM_UNIT_COMPATIBLE" val="0"/>
-  <p:tag name="KSO_WM_UNIT_DIAGRAM_ISNUMVISUAL" val="0"/>
-  <p:tag name="KSO_WM_UNIT_DIAGRAM_ISREFERUNIT" val="0"/>
-  <p:tag name="KSO_WM_UNIT_ID" val="_11**"/>
-  <p:tag name="KSO_WM_UNIT_LAYERLEVEL" val="1"/>
-  <p:tag name="KSO_WM_TAG_VERSION" val="1.0"/>
-  <p:tag name="KSO_WM_BEAUTIFY_FLAG" val="#wm#"/>
-</p:tagLst>
-</file>
-
-<file path=ppt/tags/tag143.xml><?xml version="1.0" encoding="utf-8"?>
-<p:tagLst xmlns:p="http://schemas.openxmlformats.org/presentationml/2006/main">
-  <p:tag name="KSO_WM_UNIT_HIGHLIGHT" val="0"/>
-  <p:tag name="KSO_WM_UNIT_COMPATIBLE" val="0"/>
-  <p:tag name="KSO_WM_UNIT_DIAGRAM_ISNUMVISUAL" val="0"/>
-  <p:tag name="KSO_WM_UNIT_DIAGRAM_ISREFERUNIT" val="0"/>
-  <p:tag name="KSO_WM_UNIT_ID" val="_11**"/>
-  <p:tag name="KSO_WM_UNIT_LAYERLEVEL" val="1"/>
-  <p:tag name="KSO_WM_TAG_VERSION" val="1.0"/>
-  <p:tag name="KSO_WM_BEAUTIFY_FLAG" val="#wm#"/>
-</p:tagLst>
-</file>
-
-<file path=ppt/tags/tag144.xml><?xml version="1.0" encoding="utf-8"?>
-<p:tagLst xmlns:p="http://schemas.openxmlformats.org/presentationml/2006/main">
-  <p:tag name="KSO_WM_UNIT_HIGHLIGHT" val="0"/>
-  <p:tag name="KSO_WM_UNIT_COMPATIBLE" val="0"/>
-  <p:tag name="KSO_WM_UNIT_DIAGRAM_ISNUMVISUAL" val="0"/>
-  <p:tag name="KSO_WM_UNIT_DIAGRAM_ISREFERUNIT" val="0"/>
-  <p:tag name="KSO_WM_UNIT_ID" val="_11**"/>
-  <p:tag name="KSO_WM_UNIT_LAYERLEVEL" val="1"/>
-  <p:tag name="KSO_WM_TAG_VERSION" val="1.0"/>
-  <p:tag name="KSO_WM_BEAUTIFY_FLAG" val="#wm#"/>
-</p:tagLst>
-</file>
-
-<file path=ppt/tags/tag145.xml><?xml version="1.0" encoding="utf-8"?>
-<p:tagLst xmlns:p="http://schemas.openxmlformats.org/presentationml/2006/main">
-  <p:tag name="KSO_WM_UNIT_HIGHLIGHT" val="0"/>
-  <p:tag name="KSO_WM_UNIT_COMPATIBLE" val="0"/>
-  <p:tag name="KSO_WM_UNIT_DIAGRAM_ISNUMVISUAL" val="0"/>
-  <p:tag name="KSO_WM_UNIT_DIAGRAM_ISREFERUNIT" val="0"/>
-  <p:tag name="KSO_WM_UNIT_ID" val="_11**"/>
-  <p:tag name="KSO_WM_UNIT_LAYERLEVEL" val="1"/>
-  <p:tag name="KSO_WM_TAG_VERSION" val="1.0"/>
-  <p:tag name="KSO_WM_BEAUTIFY_FLAG" val="#wm#"/>
-</p:tagLst>
-</file>
-
-<file path=ppt/tags/tag146.xml><?xml version="1.0" encoding="utf-8"?>
-<p:tagLst xmlns:p="http://schemas.openxmlformats.org/presentationml/2006/main">
-  <p:tag name="KSO_WM_UNIT_HIGHLIGHT" val="0"/>
-  <p:tag name="KSO_WM_UNIT_COMPATIBLE" val="0"/>
-  <p:tag name="KSO_WM_UNIT_DIAGRAM_ISNUMVISUAL" val="0"/>
-  <p:tag name="KSO_WM_UNIT_DIAGRAM_ISREFERUNIT" val="0"/>
-  <p:tag name="KSO_WM_UNIT_ID" val="_11**"/>
-  <p:tag name="KSO_WM_UNIT_LAYERLEVEL" val="1"/>
-  <p:tag name="KSO_WM_TAG_VERSION" val="1.0"/>
-  <p:tag name="KSO_WM_BEAUTIFY_FLAG" val="#wm#"/>
-</p:tagLst>
-</file>
-
-<file path=ppt/tags/tag147.xml><?xml version="1.0" encoding="utf-8"?>
-<p:tagLst xmlns:p="http://schemas.openxmlformats.org/presentationml/2006/main">
-  <p:tag name="KSO_WM_UNIT_HIGHLIGHT" val="0"/>
-  <p:tag name="KSO_WM_UNIT_COMPATIBLE" val="0"/>
-  <p:tag name="KSO_WM_UNIT_DIAGRAM_ISNUMVISUAL" val="0"/>
-  <p:tag name="KSO_WM_UNIT_DIAGRAM_ISREFERUNIT" val="0"/>
-  <p:tag name="KSO_WM_UNIT_ID" val="_11**"/>
-  <p:tag name="KSO_WM_UNIT_LAYERLEVEL" val="1"/>
-  <p:tag name="KSO_WM_TAG_VERSION" val="1.0"/>
-  <p:tag name="KSO_WM_BEAUTIFY_FLAG" val="#wm#"/>
-</p:tagLst>
-</file>
-
-<file path=ppt/tags/tag148.xml><?xml version="1.0" encoding="utf-8"?>
-<p:tagLst xmlns:p="http://schemas.openxmlformats.org/presentationml/2006/main">
-  <p:tag name="KSO_WM_UNIT_HIGHLIGHT" val="0"/>
-  <p:tag name="KSO_WM_UNIT_COMPATIBLE" val="0"/>
-  <p:tag name="KSO_WM_UNIT_DIAGRAM_ISNUMVISUAL" val="0"/>
-  <p:tag name="KSO_WM_UNIT_DIAGRAM_ISREFERUNIT" val="0"/>
-  <p:tag name="KSO_WM_UNIT_ID" val="_11**"/>
-  <p:tag name="KSO_WM_UNIT_LAYERLEVEL" val="1"/>
-  <p:tag name="KSO_WM_TAG_VERSION" val="1.0"/>
-  <p:tag name="KSO_WM_BEAUTIFY_FLAG" val="#wm#"/>
-</p:tagLst>
-</file>
-
-<file path=ppt/tags/tag149.xml><?xml version="1.0" encoding="utf-8"?>
-<p:tagLst xmlns:p="http://schemas.openxmlformats.org/presentationml/2006/main">
-  <p:tag name="KSO_WM_UNIT_HIGHLIGHT" val="0"/>
-  <p:tag name="KSO_WM_UNIT_COMPATIBLE" val="0"/>
-  <p:tag name="KSO_WM_UNIT_DIAGRAM_ISNUMVISUAL" val="0"/>
-  <p:tag name="KSO_WM_UNIT_DIAGRAM_ISREFERUNIT" val="0"/>
-  <p:tag name="KSO_WM_UNIT_ID" val="_11**"/>
-  <p:tag name="KSO_WM_UNIT_LAYERLEVEL" val="1"/>
-  <p:tag name="KSO_WM_TAG_VERSION" val="1.0"/>
-  <p:tag name="KSO_WM_BEAUTIFY_FLAG" val="#wm#"/>
-</p:tagLst>
-</file>
-
-<file path=ppt/tags/tag15.xml><?xml version="1.0" encoding="utf-8"?>
-<p:tagLst xmlns:p="http://schemas.openxmlformats.org/presentationml/2006/main">
-  <p:tag name="KSO_WM_UNIT_HIGHLIGHT" val="0"/>
-  <p:tag name="KSO_WM_UNIT_COMPATIBLE" val="0"/>
-  <p:tag name="KSO_WM_UNIT_DIAGRAM_ISNUMVISUAL" val="0"/>
-  <p:tag name="KSO_WM_UNIT_DIAGRAM_ISREFERUNIT" val="0"/>
-  <p:tag name="KSO_WM_UNIT_ID" val="_1**"/>
-  <p:tag name="KSO_WM_UNIT_LAYERLEVEL" val="1"/>
-  <p:tag name="KSO_WM_TAG_VERSION" val="1.0"/>
-  <p:tag name="KSO_WM_BEAUTIFY_FLAG" val="#wm#"/>
-</p:tagLst>
-</file>
-
-<file path=ppt/tags/tag150.xml><?xml version="1.0" encoding="utf-8"?>
-<p:tagLst xmlns:p="http://schemas.openxmlformats.org/presentationml/2006/main">
-  <p:tag name="KSO_WM_UNIT_HIGHLIGHT" val="0"/>
-  <p:tag name="KSO_WM_UNIT_COMPATIBLE" val="0"/>
-  <p:tag name="KSO_WM_UNIT_DIAGRAM_ISNUMVISUAL" val="0"/>
-  <p:tag name="KSO_WM_UNIT_DIAGRAM_ISREFERUNIT" val="0"/>
-  <p:tag name="KSO_WM_UNIT_ID" val="_11**"/>
-  <p:tag name="KSO_WM_UNIT_LAYERLEVEL" val="1"/>
-  <p:tag name="KSO_WM_TAG_VERSION" val="1.0"/>
-  <p:tag name="KSO_WM_BEAUTIFY_FLAG" val="#wm#"/>
-</p:tagLst>
-</file>
-
-<file path=ppt/tags/tag151.xml><?xml version="1.0" encoding="utf-8"?>
-<p:tagLst xmlns:p="http://schemas.openxmlformats.org/presentationml/2006/main">
-  <p:tag name="KSO_WM_UNIT_HIGHLIGHT" val="0"/>
-  <p:tag name="KSO_WM_UNIT_COMPATIBLE" val="0"/>
-  <p:tag name="KSO_WM_UNIT_DIAGRAM_ISNUMVISUAL" val="0"/>
-  <p:tag name="KSO_WM_UNIT_DIAGRAM_ISREFERUNIT" val="0"/>
-  <p:tag name="KSO_WM_UNIT_ID" val="_11**"/>
-  <p:tag name="KSO_WM_UNIT_LAYERLEVEL" val="1"/>
-  <p:tag name="KSO_WM_TAG_VERSION" val="1.0"/>
-  <p:tag name="KSO_WM_BEAUTIFY_FLAG" val="#wm#"/>
-</p:tagLst>
-</file>
-
-<file path=ppt/tags/tag152.xml><?xml version="1.0" encoding="utf-8"?>
-<p:tagLst xmlns:p="http://schemas.openxmlformats.org/presentationml/2006/main">
-  <p:tag name="KSO_WM_UNIT_HIGHLIGHT" val="0"/>
-  <p:tag name="KSO_WM_UNIT_COMPATIBLE" val="0"/>
-  <p:tag name="KSO_WM_UNIT_DIAGRAM_ISNUMVISUAL" val="0"/>
-  <p:tag name="KSO_WM_UNIT_DIAGRAM_ISREFERUNIT" val="0"/>
-  <p:tag name="KSO_WM_UNIT_ID" val="_11**"/>
-  <p:tag name="KSO_WM_UNIT_LAYERLEVEL" val="1"/>
-  <p:tag name="KSO_WM_TAG_VERSION" val="1.0"/>
-  <p:tag name="KSO_WM_BEAUTIFY_FLAG" val="#wm#"/>
-</p:tagLst>
-</file>
-
-<file path=ppt/tags/tag153.xml><?xml version="1.0" encoding="utf-8"?>
-<p:tagLst xmlns:p="http://schemas.openxmlformats.org/presentationml/2006/main">
-  <p:tag name="KSO_WM_UNIT_HIGHLIGHT" val="0"/>
-  <p:tag name="KSO_WM_UNIT_COMPATIBLE" val="0"/>
-  <p:tag name="KSO_WM_UNIT_DIAGRAM_ISNUMVISUAL" val="0"/>
-  <p:tag name="KSO_WM_UNIT_DIAGRAM_ISREFERUNIT" val="0"/>
-  <p:tag name="KSO_WM_UNIT_ID" val="_11**"/>
-  <p:tag name="KSO_WM_UNIT_LAYERLEVEL" val="1"/>
-  <p:tag name="KSO_WM_TAG_VERSION" val="1.0"/>
-  <p:tag name="KSO_WM_BEAUTIFY_FLAG" val="#wm#"/>
-</p:tagLst>
-</file>
-
-<file path=ppt/tags/tag154.xml><?xml version="1.0" encoding="utf-8"?>
-<p:tagLst xmlns:p="http://schemas.openxmlformats.org/presentationml/2006/main">
-  <p:tag name="KSO_WM_UNIT_HIGHLIGHT" val="0"/>
-  <p:tag name="KSO_WM_UNIT_COMPATIBLE" val="0"/>
-  <p:tag name="KSO_WM_UNIT_DIAGRAM_ISNUMVISUAL" val="0"/>
-  <p:tag name="KSO_WM_UNIT_DIAGRAM_ISREFERUNIT" val="0"/>
-  <p:tag name="KSO_WM_UNIT_ID" val="_11**"/>
-  <p:tag name="KSO_WM_UNIT_LAYERLEVEL" val="1"/>
-  <p:tag name="KSO_WM_TAG_VERSION" val="1.0"/>
-  <p:tag name="KSO_WM_BEAUTIFY_FLAG" val="#wm#"/>
-</p:tagLst>
-</file>
-
-<file path=ppt/tags/tag155.xml><?xml version="1.0" encoding="utf-8"?>
-<p:tagLst xmlns:p="http://schemas.openxmlformats.org/presentationml/2006/main">
-  <p:tag name="KSO_WM_UNIT_HIGHLIGHT" val="0"/>
-  <p:tag name="KSO_WM_UNIT_COMPATIBLE" val="0"/>
-  <p:tag name="KSO_WM_UNIT_DIAGRAM_ISNUMVISUAL" val="0"/>
-  <p:tag name="KSO_WM_UNIT_DIAGRAM_ISREFERUNIT" val="0"/>
-  <p:tag name="KSO_WM_UNIT_ID" val="_11**"/>
-  <p:tag name="KSO_WM_UNIT_LAYERLEVEL" val="1"/>
-  <p:tag name="KSO_WM_TAG_VERSION" val="1.0"/>
-  <p:tag name="KSO_WM_BEAUTIFY_FLAG" val="#wm#"/>
-</p:tagLst>
-</file>
-
-<file path=ppt/tags/tag156.xml><?xml version="1.0" encoding="utf-8"?>
-<p:tagLst xmlns:p="http://schemas.openxmlformats.org/presentationml/2006/main">
+<p:tagLst xmlns:a="http://schemas.openxmlformats.org/drawingml/2006/main" xmlns:r="http://schemas.openxmlformats.org/officeDocument/2006/relationships" xmlns:p="http://schemas.openxmlformats.org/presentationml/2006/main">
   <p:tag name="KSO_WM_UNIT_HIGHLIGHT" val="0"/>
   <p:tag name="KSO_WM_UNIT_COMPATIBLE" val="0"/>
   <p:tag name="KSO_WM_UNIT_DIAGRAM_ISNUMVISUAL" val="0"/>
@@ -19430,8 +19454,1112 @@
 </p:tagLst>
 </file>
 
+<file path=ppt/tags/tag10.xml><?xml version="1.0" encoding="utf-8"?>
+<p:tagLst xmlns:a="http://schemas.openxmlformats.org/drawingml/2006/main" xmlns:r="http://schemas.openxmlformats.org/officeDocument/2006/relationships" xmlns:p="http://schemas.openxmlformats.org/presentationml/2006/main">
+  <p:tag name="KSO_WM_UNIT_HIGHLIGHT" val="0"/>
+  <p:tag name="KSO_WM_UNIT_COMPATIBLE" val="0"/>
+  <p:tag name="KSO_WM_UNIT_DIAGRAM_ISNUMVISUAL" val="0"/>
+  <p:tag name="KSO_WM_UNIT_DIAGRAM_ISREFERUNIT" val="0"/>
+  <p:tag name="KSO_WM_UNIT_ID" val="_1**"/>
+  <p:tag name="KSO_WM_UNIT_LAYERLEVEL" val="1"/>
+  <p:tag name="KSO_WM_TAG_VERSION" val="1.0"/>
+  <p:tag name="KSO_WM_BEAUTIFY_FLAG" val="#wm#"/>
+</p:tagLst>
+</file>
+
+<file path=ppt/tags/tag100.xml><?xml version="1.0" encoding="utf-8"?>
+<p:tagLst xmlns:a="http://schemas.openxmlformats.org/drawingml/2006/main" xmlns:r="http://schemas.openxmlformats.org/officeDocument/2006/relationships" xmlns:p="http://schemas.openxmlformats.org/presentationml/2006/main">
+  <p:tag name="KSO_WM_UNIT_HIGHLIGHT" val="0"/>
+  <p:tag name="KSO_WM_UNIT_COMPATIBLE" val="0"/>
+  <p:tag name="KSO_WM_UNIT_DIAGRAM_ISNUMVISUAL" val="0"/>
+  <p:tag name="KSO_WM_UNIT_DIAGRAM_ISREFERUNIT" val="0"/>
+  <p:tag name="KSO_WM_UNIT_ID" val="_5**"/>
+  <p:tag name="KSO_WM_UNIT_LAYERLEVEL" val="1"/>
+  <p:tag name="KSO_WM_TAG_VERSION" val="1.0"/>
+  <p:tag name="KSO_WM_BEAUTIFY_FLAG" val="#wm#"/>
+</p:tagLst>
+</file>
+
+<file path=ppt/tags/tag101.xml><?xml version="1.0" encoding="utf-8"?>
+<p:tagLst xmlns:a="http://schemas.openxmlformats.org/drawingml/2006/main" xmlns:r="http://schemas.openxmlformats.org/officeDocument/2006/relationships" xmlns:p="http://schemas.openxmlformats.org/presentationml/2006/main">
+  <p:tag name="KSO_WM_UNIT_HIGHLIGHT" val="0"/>
+  <p:tag name="KSO_WM_UNIT_COMPATIBLE" val="0"/>
+  <p:tag name="KSO_WM_UNIT_DIAGRAM_ISNUMVISUAL" val="0"/>
+  <p:tag name="KSO_WM_UNIT_DIAGRAM_ISREFERUNIT" val="0"/>
+  <p:tag name="KSO_WM_UNIT_ID" val="_5**"/>
+  <p:tag name="KSO_WM_UNIT_LAYERLEVEL" val="1"/>
+  <p:tag name="KSO_WM_TAG_VERSION" val="1.0"/>
+  <p:tag name="KSO_WM_BEAUTIFY_FLAG" val="#wm#"/>
+</p:tagLst>
+</file>
+
+<file path=ppt/tags/tag102.xml><?xml version="1.0" encoding="utf-8"?>
+<p:tagLst xmlns:a="http://schemas.openxmlformats.org/drawingml/2006/main" xmlns:r="http://schemas.openxmlformats.org/officeDocument/2006/relationships" xmlns:p="http://schemas.openxmlformats.org/presentationml/2006/main">
+  <p:tag name="KSO_WM_UNIT_HIGHLIGHT" val="0"/>
+  <p:tag name="KSO_WM_UNIT_COMPATIBLE" val="0"/>
+  <p:tag name="KSO_WM_UNIT_DIAGRAM_ISNUMVISUAL" val="0"/>
+  <p:tag name="KSO_WM_UNIT_DIAGRAM_ISREFERUNIT" val="0"/>
+  <p:tag name="KSO_WM_UNIT_ID" val="_5**"/>
+  <p:tag name="KSO_WM_UNIT_LAYERLEVEL" val="1"/>
+  <p:tag name="KSO_WM_TAG_VERSION" val="1.0"/>
+  <p:tag name="KSO_WM_BEAUTIFY_FLAG" val="#wm#"/>
+</p:tagLst>
+</file>
+
+<file path=ppt/tags/tag103.xml><?xml version="1.0" encoding="utf-8"?>
+<p:tagLst xmlns:a="http://schemas.openxmlformats.org/drawingml/2006/main" xmlns:r="http://schemas.openxmlformats.org/officeDocument/2006/relationships" xmlns:p="http://schemas.openxmlformats.org/presentationml/2006/main">
+  <p:tag name="KSO_WM_UNIT_HIGHLIGHT" val="0"/>
+  <p:tag name="KSO_WM_UNIT_COMPATIBLE" val="0"/>
+  <p:tag name="KSO_WM_UNIT_DIAGRAM_ISNUMVISUAL" val="0"/>
+  <p:tag name="KSO_WM_UNIT_DIAGRAM_ISREFERUNIT" val="0"/>
+  <p:tag name="KSO_WM_UNIT_ID" val="_5**"/>
+  <p:tag name="KSO_WM_UNIT_LAYERLEVEL" val="1"/>
+  <p:tag name="KSO_WM_TAG_VERSION" val="1.0"/>
+  <p:tag name="KSO_WM_BEAUTIFY_FLAG" val="#wm#"/>
+</p:tagLst>
+</file>
+
+<file path=ppt/tags/tag104.xml><?xml version="1.0" encoding="utf-8"?>
+<p:tagLst xmlns:a="http://schemas.openxmlformats.org/drawingml/2006/main" xmlns:r="http://schemas.openxmlformats.org/officeDocument/2006/relationships" xmlns:p="http://schemas.openxmlformats.org/presentationml/2006/main">
+  <p:tag name="KSO_WM_UNIT_HIGHLIGHT" val="0"/>
+  <p:tag name="KSO_WM_UNIT_COMPATIBLE" val="0"/>
+  <p:tag name="KSO_WM_UNIT_DIAGRAM_ISNUMVISUAL" val="0"/>
+  <p:tag name="KSO_WM_UNIT_DIAGRAM_ISREFERUNIT" val="0"/>
+  <p:tag name="KSO_WM_UNIT_ID" val="_6**"/>
+  <p:tag name="KSO_WM_UNIT_LAYERLEVEL" val="1"/>
+  <p:tag name="KSO_WM_TAG_VERSION" val="1.0"/>
+  <p:tag name="KSO_WM_BEAUTIFY_FLAG" val="#wm#"/>
+</p:tagLst>
+</file>
+
+<file path=ppt/tags/tag105.xml><?xml version="1.0" encoding="utf-8"?>
+<p:tagLst xmlns:a="http://schemas.openxmlformats.org/drawingml/2006/main" xmlns:r="http://schemas.openxmlformats.org/officeDocument/2006/relationships" xmlns:p="http://schemas.openxmlformats.org/presentationml/2006/main">
+  <p:tag name="KSO_WM_UNIT_HIGHLIGHT" val="0"/>
+  <p:tag name="KSO_WM_UNIT_COMPATIBLE" val="0"/>
+  <p:tag name="KSO_WM_UNIT_DIAGRAM_ISNUMVISUAL" val="0"/>
+  <p:tag name="KSO_WM_UNIT_DIAGRAM_ISREFERUNIT" val="0"/>
+  <p:tag name="KSO_WM_UNIT_ID" val="_6**"/>
+  <p:tag name="KSO_WM_UNIT_LAYERLEVEL" val="1"/>
+  <p:tag name="KSO_WM_TAG_VERSION" val="1.0"/>
+  <p:tag name="KSO_WM_BEAUTIFY_FLAG" val="#wm#"/>
+</p:tagLst>
+</file>
+
+<file path=ppt/tags/tag106.xml><?xml version="1.0" encoding="utf-8"?>
+<p:tagLst xmlns:a="http://schemas.openxmlformats.org/drawingml/2006/main" xmlns:r="http://schemas.openxmlformats.org/officeDocument/2006/relationships" xmlns:p="http://schemas.openxmlformats.org/presentationml/2006/main">
+  <p:tag name="KSO_WM_UNIT_HIGHLIGHT" val="0"/>
+  <p:tag name="KSO_WM_UNIT_COMPATIBLE" val="0"/>
+  <p:tag name="KSO_WM_UNIT_DIAGRAM_ISNUMVISUAL" val="0"/>
+  <p:tag name="KSO_WM_UNIT_DIAGRAM_ISREFERUNIT" val="0"/>
+  <p:tag name="KSO_WM_UNIT_ID" val="_6**"/>
+  <p:tag name="KSO_WM_UNIT_LAYERLEVEL" val="1"/>
+  <p:tag name="KSO_WM_TAG_VERSION" val="1.0"/>
+  <p:tag name="KSO_WM_BEAUTIFY_FLAG" val="#wm#"/>
+</p:tagLst>
+</file>
+
+<file path=ppt/tags/tag107.xml><?xml version="1.0" encoding="utf-8"?>
+<p:tagLst xmlns:a="http://schemas.openxmlformats.org/drawingml/2006/main" xmlns:r="http://schemas.openxmlformats.org/officeDocument/2006/relationships" xmlns:p="http://schemas.openxmlformats.org/presentationml/2006/main">
+  <p:tag name="KSO_WM_UNIT_HIGHLIGHT" val="0"/>
+  <p:tag name="KSO_WM_UNIT_COMPATIBLE" val="0"/>
+  <p:tag name="KSO_WM_UNIT_DIAGRAM_ISNUMVISUAL" val="0"/>
+  <p:tag name="KSO_WM_UNIT_DIAGRAM_ISREFERUNIT" val="0"/>
+  <p:tag name="KSO_WM_UNIT_ID" val="_6**"/>
+  <p:tag name="KSO_WM_UNIT_LAYERLEVEL" val="1"/>
+  <p:tag name="KSO_WM_TAG_VERSION" val="1.0"/>
+  <p:tag name="KSO_WM_BEAUTIFY_FLAG" val="#wm#"/>
+</p:tagLst>
+</file>
+
+<file path=ppt/tags/tag108.xml><?xml version="1.0" encoding="utf-8"?>
+<p:tagLst xmlns:a="http://schemas.openxmlformats.org/drawingml/2006/main" xmlns:r="http://schemas.openxmlformats.org/officeDocument/2006/relationships" xmlns:p="http://schemas.openxmlformats.org/presentationml/2006/main">
+  <p:tag name="KSO_WM_UNIT_HIGHLIGHT" val="0"/>
+  <p:tag name="KSO_WM_UNIT_COMPATIBLE" val="0"/>
+  <p:tag name="KSO_WM_UNIT_DIAGRAM_ISNUMVISUAL" val="0"/>
+  <p:tag name="KSO_WM_UNIT_DIAGRAM_ISREFERUNIT" val="0"/>
+  <p:tag name="KSO_WM_UNIT_ID" val="_7**"/>
+  <p:tag name="KSO_WM_UNIT_LAYERLEVEL" val="1"/>
+  <p:tag name="KSO_WM_TAG_VERSION" val="1.0"/>
+  <p:tag name="KSO_WM_BEAUTIFY_FLAG" val="#wm#"/>
+</p:tagLst>
+</file>
+
+<file path=ppt/tags/tag109.xml><?xml version="1.0" encoding="utf-8"?>
+<p:tagLst xmlns:a="http://schemas.openxmlformats.org/drawingml/2006/main" xmlns:r="http://schemas.openxmlformats.org/officeDocument/2006/relationships" xmlns:p="http://schemas.openxmlformats.org/presentationml/2006/main">
+  <p:tag name="KSO_WM_UNIT_HIGHLIGHT" val="0"/>
+  <p:tag name="KSO_WM_UNIT_COMPATIBLE" val="0"/>
+  <p:tag name="KSO_WM_UNIT_DIAGRAM_ISNUMVISUAL" val="0"/>
+  <p:tag name="KSO_WM_UNIT_DIAGRAM_ISREFERUNIT" val="0"/>
+  <p:tag name="KSO_WM_UNIT_ID" val="_7**"/>
+  <p:tag name="KSO_WM_UNIT_LAYERLEVEL" val="1"/>
+  <p:tag name="KSO_WM_TAG_VERSION" val="1.0"/>
+  <p:tag name="KSO_WM_BEAUTIFY_FLAG" val="#wm#"/>
+</p:tagLst>
+</file>
+
+<file path=ppt/tags/tag11.xml><?xml version="1.0" encoding="utf-8"?>
+<p:tagLst xmlns:a="http://schemas.openxmlformats.org/drawingml/2006/main" xmlns:r="http://schemas.openxmlformats.org/officeDocument/2006/relationships" xmlns:p="http://schemas.openxmlformats.org/presentationml/2006/main">
+  <p:tag name="KSO_WM_UNIT_HIGHLIGHT" val="0"/>
+  <p:tag name="KSO_WM_UNIT_COMPATIBLE" val="0"/>
+  <p:tag name="KSO_WM_UNIT_DIAGRAM_ISNUMVISUAL" val="0"/>
+  <p:tag name="KSO_WM_UNIT_DIAGRAM_ISREFERUNIT" val="0"/>
+  <p:tag name="KSO_WM_UNIT_ID" val="_1**"/>
+  <p:tag name="KSO_WM_UNIT_LAYERLEVEL" val="1"/>
+  <p:tag name="KSO_WM_TAG_VERSION" val="1.0"/>
+  <p:tag name="KSO_WM_BEAUTIFY_FLAG" val="#wm#"/>
+</p:tagLst>
+</file>
+
+<file path=ppt/tags/tag110.xml><?xml version="1.0" encoding="utf-8"?>
+<p:tagLst xmlns:a="http://schemas.openxmlformats.org/drawingml/2006/main" xmlns:r="http://schemas.openxmlformats.org/officeDocument/2006/relationships" xmlns:p="http://schemas.openxmlformats.org/presentationml/2006/main">
+  <p:tag name="KSO_WM_UNIT_HIGHLIGHT" val="0"/>
+  <p:tag name="KSO_WM_UNIT_COMPATIBLE" val="0"/>
+  <p:tag name="KSO_WM_UNIT_DIAGRAM_ISNUMVISUAL" val="0"/>
+  <p:tag name="KSO_WM_UNIT_DIAGRAM_ISREFERUNIT" val="0"/>
+  <p:tag name="KSO_WM_UNIT_ID" val="_7**"/>
+  <p:tag name="KSO_WM_UNIT_LAYERLEVEL" val="1"/>
+  <p:tag name="KSO_WM_TAG_VERSION" val="1.0"/>
+  <p:tag name="KSO_WM_BEAUTIFY_FLAG" val="#wm#"/>
+</p:tagLst>
+</file>
+
+<file path=ppt/tags/tag111.xml><?xml version="1.0" encoding="utf-8"?>
+<p:tagLst xmlns:a="http://schemas.openxmlformats.org/drawingml/2006/main" xmlns:r="http://schemas.openxmlformats.org/officeDocument/2006/relationships" xmlns:p="http://schemas.openxmlformats.org/presentationml/2006/main">
+  <p:tag name="KSO_WM_UNIT_HIGHLIGHT" val="0"/>
+  <p:tag name="KSO_WM_UNIT_COMPATIBLE" val="0"/>
+  <p:tag name="KSO_WM_UNIT_DIAGRAM_ISNUMVISUAL" val="0"/>
+  <p:tag name="KSO_WM_UNIT_DIAGRAM_ISREFERUNIT" val="0"/>
+  <p:tag name="KSO_WM_UNIT_ID" val="_8**"/>
+  <p:tag name="KSO_WM_UNIT_LAYERLEVEL" val="1"/>
+  <p:tag name="KSO_WM_TAG_VERSION" val="1.0"/>
+  <p:tag name="KSO_WM_BEAUTIFY_FLAG" val="#wm#"/>
+</p:tagLst>
+</file>
+
+<file path=ppt/tags/tag112.xml><?xml version="1.0" encoding="utf-8"?>
+<p:tagLst xmlns:a="http://schemas.openxmlformats.org/drawingml/2006/main" xmlns:r="http://schemas.openxmlformats.org/officeDocument/2006/relationships" xmlns:p="http://schemas.openxmlformats.org/presentationml/2006/main">
+  <p:tag name="KSO_WM_UNIT_HIGHLIGHT" val="0"/>
+  <p:tag name="KSO_WM_UNIT_COMPATIBLE" val="0"/>
+  <p:tag name="KSO_WM_UNIT_DIAGRAM_ISNUMVISUAL" val="0"/>
+  <p:tag name="KSO_WM_UNIT_DIAGRAM_ISREFERUNIT" val="0"/>
+  <p:tag name="KSO_WM_UNIT_ID" val="_8**"/>
+  <p:tag name="KSO_WM_UNIT_LAYERLEVEL" val="1"/>
+  <p:tag name="KSO_WM_TAG_VERSION" val="1.0"/>
+  <p:tag name="KSO_WM_BEAUTIFY_FLAG" val="#wm#"/>
+</p:tagLst>
+</file>
+
+<file path=ppt/tags/tag113.xml><?xml version="1.0" encoding="utf-8"?>
+<p:tagLst xmlns:a="http://schemas.openxmlformats.org/drawingml/2006/main" xmlns:r="http://schemas.openxmlformats.org/officeDocument/2006/relationships" xmlns:p="http://schemas.openxmlformats.org/presentationml/2006/main">
+  <p:tag name="KSO_WM_UNIT_HIGHLIGHT" val="0"/>
+  <p:tag name="KSO_WM_UNIT_COMPATIBLE" val="0"/>
+  <p:tag name="KSO_WM_UNIT_DIAGRAM_ISNUMVISUAL" val="0"/>
+  <p:tag name="KSO_WM_UNIT_DIAGRAM_ISREFERUNIT" val="0"/>
+  <p:tag name="KSO_WM_UNIT_ID" val="_8**"/>
+  <p:tag name="KSO_WM_UNIT_LAYERLEVEL" val="1"/>
+  <p:tag name="KSO_WM_TAG_VERSION" val="1.0"/>
+  <p:tag name="KSO_WM_BEAUTIFY_FLAG" val="#wm#"/>
+</p:tagLst>
+</file>
+
+<file path=ppt/tags/tag114.xml><?xml version="1.0" encoding="utf-8"?>
+<p:tagLst xmlns:a="http://schemas.openxmlformats.org/drawingml/2006/main" xmlns:r="http://schemas.openxmlformats.org/officeDocument/2006/relationships" xmlns:p="http://schemas.openxmlformats.org/presentationml/2006/main">
+  <p:tag name="KSO_WM_UNIT_HIGHLIGHT" val="0"/>
+  <p:tag name="KSO_WM_UNIT_COMPATIBLE" val="0"/>
+  <p:tag name="KSO_WM_UNIT_DIAGRAM_ISNUMVISUAL" val="0"/>
+  <p:tag name="KSO_WM_UNIT_DIAGRAM_ISREFERUNIT" val="0"/>
+  <p:tag name="KSO_WM_UNIT_ID" val="_8**"/>
+  <p:tag name="KSO_WM_UNIT_LAYERLEVEL" val="1"/>
+  <p:tag name="KSO_WM_TAG_VERSION" val="1.0"/>
+  <p:tag name="KSO_WM_BEAUTIFY_FLAG" val="#wm#"/>
+</p:tagLst>
+</file>
+
+<file path=ppt/tags/tag115.xml><?xml version="1.0" encoding="utf-8"?>
+<p:tagLst xmlns:a="http://schemas.openxmlformats.org/drawingml/2006/main" xmlns:r="http://schemas.openxmlformats.org/officeDocument/2006/relationships" xmlns:p="http://schemas.openxmlformats.org/presentationml/2006/main">
+  <p:tag name="KSO_WM_UNIT_HIGHLIGHT" val="0"/>
+  <p:tag name="KSO_WM_UNIT_COMPATIBLE" val="0"/>
+  <p:tag name="KSO_WM_UNIT_DIAGRAM_ISNUMVISUAL" val="0"/>
+  <p:tag name="KSO_WM_UNIT_DIAGRAM_ISREFERUNIT" val="0"/>
+  <p:tag name="KSO_WM_UNIT_ID" val="_8**"/>
+  <p:tag name="KSO_WM_UNIT_LAYERLEVEL" val="1"/>
+  <p:tag name="KSO_WM_TAG_VERSION" val="1.0"/>
+  <p:tag name="KSO_WM_BEAUTIFY_FLAG" val="#wm#"/>
+</p:tagLst>
+</file>
+
+<file path=ppt/tags/tag116.xml><?xml version="1.0" encoding="utf-8"?>
+<p:tagLst xmlns:a="http://schemas.openxmlformats.org/drawingml/2006/main" xmlns:r="http://schemas.openxmlformats.org/officeDocument/2006/relationships" xmlns:p="http://schemas.openxmlformats.org/presentationml/2006/main">
+  <p:tag name="KSO_WM_UNIT_HIGHLIGHT" val="0"/>
+  <p:tag name="KSO_WM_UNIT_COMPATIBLE" val="0"/>
+  <p:tag name="KSO_WM_UNIT_DIAGRAM_ISNUMVISUAL" val="0"/>
+  <p:tag name="KSO_WM_UNIT_DIAGRAM_ISREFERUNIT" val="0"/>
+  <p:tag name="KSO_WM_UNIT_ID" val="_8**"/>
+  <p:tag name="KSO_WM_UNIT_LAYERLEVEL" val="1"/>
+  <p:tag name="KSO_WM_TAG_VERSION" val="1.0"/>
+  <p:tag name="KSO_WM_BEAUTIFY_FLAG" val="#wm#"/>
+</p:tagLst>
+</file>
+
+<file path=ppt/tags/tag117.xml><?xml version="1.0" encoding="utf-8"?>
+<p:tagLst xmlns:a="http://schemas.openxmlformats.org/drawingml/2006/main" xmlns:r="http://schemas.openxmlformats.org/officeDocument/2006/relationships" xmlns:p="http://schemas.openxmlformats.org/presentationml/2006/main">
+  <p:tag name="KSO_WM_UNIT_HIGHLIGHT" val="0"/>
+  <p:tag name="KSO_WM_UNIT_COMPATIBLE" val="0"/>
+  <p:tag name="KSO_WM_UNIT_DIAGRAM_ISNUMVISUAL" val="0"/>
+  <p:tag name="KSO_WM_UNIT_DIAGRAM_ISREFERUNIT" val="0"/>
+  <p:tag name="KSO_WM_UNIT_ID" val="_9**"/>
+  <p:tag name="KSO_WM_UNIT_LAYERLEVEL" val="1"/>
+  <p:tag name="KSO_WM_TAG_VERSION" val="1.0"/>
+  <p:tag name="KSO_WM_BEAUTIFY_FLAG" val="#wm#"/>
+</p:tagLst>
+</file>
+
+<file path=ppt/tags/tag118.xml><?xml version="1.0" encoding="utf-8"?>
+<p:tagLst xmlns:a="http://schemas.openxmlformats.org/drawingml/2006/main" xmlns:r="http://schemas.openxmlformats.org/officeDocument/2006/relationships" xmlns:p="http://schemas.openxmlformats.org/presentationml/2006/main">
+  <p:tag name="KSO_WM_UNIT_HIGHLIGHT" val="0"/>
+  <p:tag name="KSO_WM_UNIT_COMPATIBLE" val="0"/>
+  <p:tag name="KSO_WM_UNIT_DIAGRAM_ISNUMVISUAL" val="0"/>
+  <p:tag name="KSO_WM_UNIT_DIAGRAM_ISREFERUNIT" val="0"/>
+  <p:tag name="KSO_WM_UNIT_ID" val="_9**"/>
+  <p:tag name="KSO_WM_UNIT_LAYERLEVEL" val="1"/>
+  <p:tag name="KSO_WM_TAG_VERSION" val="1.0"/>
+  <p:tag name="KSO_WM_BEAUTIFY_FLAG" val="#wm#"/>
+</p:tagLst>
+</file>
+
+<file path=ppt/tags/tag119.xml><?xml version="1.0" encoding="utf-8"?>
+<p:tagLst xmlns:a="http://schemas.openxmlformats.org/drawingml/2006/main" xmlns:r="http://schemas.openxmlformats.org/officeDocument/2006/relationships" xmlns:p="http://schemas.openxmlformats.org/presentationml/2006/main">
+  <p:tag name="KSO_WM_UNIT_HIGHLIGHT" val="0"/>
+  <p:tag name="KSO_WM_UNIT_COMPATIBLE" val="0"/>
+  <p:tag name="KSO_WM_UNIT_DIAGRAM_ISNUMVISUAL" val="0"/>
+  <p:tag name="KSO_WM_UNIT_DIAGRAM_ISREFERUNIT" val="0"/>
+  <p:tag name="KSO_WM_UNIT_ID" val="_9**"/>
+  <p:tag name="KSO_WM_UNIT_LAYERLEVEL" val="1"/>
+  <p:tag name="KSO_WM_TAG_VERSION" val="1.0"/>
+  <p:tag name="KSO_WM_BEAUTIFY_FLAG" val="#wm#"/>
+</p:tagLst>
+</file>
+
+<file path=ppt/tags/tag12.xml><?xml version="1.0" encoding="utf-8"?>
+<p:tagLst xmlns:a="http://schemas.openxmlformats.org/drawingml/2006/main" xmlns:r="http://schemas.openxmlformats.org/officeDocument/2006/relationships" xmlns:p="http://schemas.openxmlformats.org/presentationml/2006/main">
+  <p:tag name="KSO_WM_UNIT_HIGHLIGHT" val="0"/>
+  <p:tag name="KSO_WM_UNIT_COMPATIBLE" val="0"/>
+  <p:tag name="KSO_WM_UNIT_DIAGRAM_ISNUMVISUAL" val="0"/>
+  <p:tag name="KSO_WM_UNIT_DIAGRAM_ISREFERUNIT" val="0"/>
+  <p:tag name="KSO_WM_UNIT_ID" val="_1**"/>
+  <p:tag name="KSO_WM_UNIT_LAYERLEVEL" val="1"/>
+  <p:tag name="KSO_WM_TAG_VERSION" val="1.0"/>
+  <p:tag name="KSO_WM_BEAUTIFY_FLAG" val="#wm#"/>
+</p:tagLst>
+</file>
+
+<file path=ppt/tags/tag120.xml><?xml version="1.0" encoding="utf-8"?>
+<p:tagLst xmlns:a="http://schemas.openxmlformats.org/drawingml/2006/main" xmlns:r="http://schemas.openxmlformats.org/officeDocument/2006/relationships" xmlns:p="http://schemas.openxmlformats.org/presentationml/2006/main">
+  <p:tag name="KSO_WM_UNIT_HIGHLIGHT" val="0"/>
+  <p:tag name="KSO_WM_UNIT_COMPATIBLE" val="0"/>
+  <p:tag name="KSO_WM_UNIT_DIAGRAM_ISNUMVISUAL" val="0"/>
+  <p:tag name="KSO_WM_UNIT_DIAGRAM_ISREFERUNIT" val="0"/>
+  <p:tag name="KSO_WM_UNIT_ID" val="_9**"/>
+  <p:tag name="KSO_WM_UNIT_LAYERLEVEL" val="1"/>
+  <p:tag name="KSO_WM_TAG_VERSION" val="1.0"/>
+  <p:tag name="KSO_WM_BEAUTIFY_FLAG" val="#wm#"/>
+</p:tagLst>
+</file>
+
+<file path=ppt/tags/tag121.xml><?xml version="1.0" encoding="utf-8"?>
+<p:tagLst xmlns:a="http://schemas.openxmlformats.org/drawingml/2006/main" xmlns:r="http://schemas.openxmlformats.org/officeDocument/2006/relationships" xmlns:p="http://schemas.openxmlformats.org/presentationml/2006/main">
+  <p:tag name="KSO_WM_UNIT_HIGHLIGHT" val="0"/>
+  <p:tag name="KSO_WM_UNIT_COMPATIBLE" val="0"/>
+  <p:tag name="KSO_WM_UNIT_DIAGRAM_ISNUMVISUAL" val="0"/>
+  <p:tag name="KSO_WM_UNIT_DIAGRAM_ISREFERUNIT" val="0"/>
+  <p:tag name="KSO_WM_UNIT_ID" val="_9**"/>
+  <p:tag name="KSO_WM_UNIT_LAYERLEVEL" val="1"/>
+  <p:tag name="KSO_WM_TAG_VERSION" val="1.0"/>
+  <p:tag name="KSO_WM_BEAUTIFY_FLAG" val="#wm#"/>
+</p:tagLst>
+</file>
+
+<file path=ppt/tags/tag122.xml><?xml version="1.0" encoding="utf-8"?>
+<p:tagLst xmlns:a="http://schemas.openxmlformats.org/drawingml/2006/main" xmlns:r="http://schemas.openxmlformats.org/officeDocument/2006/relationships" xmlns:p="http://schemas.openxmlformats.org/presentationml/2006/main">
+  <p:tag name="KSO_WM_UNIT_HIGHLIGHT" val="0"/>
+  <p:tag name="KSO_WM_UNIT_COMPATIBLE" val="0"/>
+  <p:tag name="KSO_WM_UNIT_DIAGRAM_ISNUMVISUAL" val="0"/>
+  <p:tag name="KSO_WM_UNIT_DIAGRAM_ISREFERUNIT" val="0"/>
+  <p:tag name="KSO_WM_UNIT_ID" val="_10**"/>
+  <p:tag name="KSO_WM_UNIT_LAYERLEVEL" val="1"/>
+  <p:tag name="KSO_WM_TAG_VERSION" val="1.0"/>
+  <p:tag name="KSO_WM_BEAUTIFY_FLAG" val="#wm#"/>
+</p:tagLst>
+</file>
+
+<file path=ppt/tags/tag123.xml><?xml version="1.0" encoding="utf-8"?>
+<p:tagLst xmlns:a="http://schemas.openxmlformats.org/drawingml/2006/main" xmlns:r="http://schemas.openxmlformats.org/officeDocument/2006/relationships" xmlns:p="http://schemas.openxmlformats.org/presentationml/2006/main">
+  <p:tag name="KSO_WM_UNIT_HIGHLIGHT" val="0"/>
+  <p:tag name="KSO_WM_UNIT_COMPATIBLE" val="0"/>
+  <p:tag name="KSO_WM_UNIT_DIAGRAM_ISNUMVISUAL" val="0"/>
+  <p:tag name="KSO_WM_UNIT_DIAGRAM_ISREFERUNIT" val="0"/>
+  <p:tag name="KSO_WM_UNIT_ID" val="_10**"/>
+  <p:tag name="KSO_WM_UNIT_LAYERLEVEL" val="1"/>
+  <p:tag name="KSO_WM_TAG_VERSION" val="1.0"/>
+  <p:tag name="KSO_WM_BEAUTIFY_FLAG" val="#wm#"/>
+</p:tagLst>
+</file>
+
+<file path=ppt/tags/tag124.xml><?xml version="1.0" encoding="utf-8"?>
+<p:tagLst xmlns:a="http://schemas.openxmlformats.org/drawingml/2006/main" xmlns:r="http://schemas.openxmlformats.org/officeDocument/2006/relationships" xmlns:p="http://schemas.openxmlformats.org/presentationml/2006/main">
+  <p:tag name="KSO_WM_UNIT_HIGHLIGHT" val="0"/>
+  <p:tag name="KSO_WM_UNIT_COMPATIBLE" val="0"/>
+  <p:tag name="KSO_WM_UNIT_DIAGRAM_ISNUMVISUAL" val="0"/>
+  <p:tag name="KSO_WM_UNIT_DIAGRAM_ISREFERUNIT" val="0"/>
+  <p:tag name="KSO_WM_UNIT_ID" val="_10**"/>
+  <p:tag name="KSO_WM_UNIT_LAYERLEVEL" val="1"/>
+  <p:tag name="KSO_WM_TAG_VERSION" val="1.0"/>
+  <p:tag name="KSO_WM_BEAUTIFY_FLAG" val="#wm#"/>
+</p:tagLst>
+</file>
+
+<file path=ppt/tags/tag125.xml><?xml version="1.0" encoding="utf-8"?>
+<p:tagLst xmlns:a="http://schemas.openxmlformats.org/drawingml/2006/main" xmlns:r="http://schemas.openxmlformats.org/officeDocument/2006/relationships" xmlns:p="http://schemas.openxmlformats.org/presentationml/2006/main">
+  <p:tag name="KSO_WM_UNIT_HIGHLIGHT" val="0"/>
+  <p:tag name="KSO_WM_UNIT_COMPATIBLE" val="0"/>
+  <p:tag name="KSO_WM_UNIT_DIAGRAM_ISNUMVISUAL" val="0"/>
+  <p:tag name="KSO_WM_UNIT_DIAGRAM_ISREFERUNIT" val="0"/>
+  <p:tag name="KSO_WM_UNIT_ID" val="_10**"/>
+  <p:tag name="KSO_WM_UNIT_LAYERLEVEL" val="1"/>
+  <p:tag name="KSO_WM_TAG_VERSION" val="1.0"/>
+  <p:tag name="KSO_WM_BEAUTIFY_FLAG" val="#wm#"/>
+</p:tagLst>
+</file>
+
+<file path=ppt/tags/tag126.xml><?xml version="1.0" encoding="utf-8"?>
+<p:tagLst xmlns:a="http://schemas.openxmlformats.org/drawingml/2006/main" xmlns:r="http://schemas.openxmlformats.org/officeDocument/2006/relationships" xmlns:p="http://schemas.openxmlformats.org/presentationml/2006/main">
+  <p:tag name="KSO_WM_UNIT_HIGHLIGHT" val="0"/>
+  <p:tag name="KSO_WM_UNIT_COMPATIBLE" val="0"/>
+  <p:tag name="KSO_WM_UNIT_DIAGRAM_ISNUMVISUAL" val="0"/>
+  <p:tag name="KSO_WM_UNIT_DIAGRAM_ISREFERUNIT" val="0"/>
+  <p:tag name="KSO_WM_UNIT_ID" val="_11**"/>
+  <p:tag name="KSO_WM_UNIT_LAYERLEVEL" val="1"/>
+  <p:tag name="KSO_WM_TAG_VERSION" val="1.0"/>
+  <p:tag name="KSO_WM_BEAUTIFY_FLAG" val="#wm#"/>
+</p:tagLst>
+</file>
+
+<file path=ppt/tags/tag127.xml><?xml version="1.0" encoding="utf-8"?>
+<p:tagLst xmlns:a="http://schemas.openxmlformats.org/drawingml/2006/main" xmlns:r="http://schemas.openxmlformats.org/officeDocument/2006/relationships" xmlns:p="http://schemas.openxmlformats.org/presentationml/2006/main">
+  <p:tag name="KSO_WM_UNIT_HIGHLIGHT" val="0"/>
+  <p:tag name="KSO_WM_UNIT_COMPATIBLE" val="0"/>
+  <p:tag name="KSO_WM_UNIT_DIAGRAM_ISNUMVISUAL" val="0"/>
+  <p:tag name="KSO_WM_UNIT_DIAGRAM_ISREFERUNIT" val="0"/>
+  <p:tag name="KSO_WM_UNIT_ID" val="_11**"/>
+  <p:tag name="KSO_WM_UNIT_LAYERLEVEL" val="1"/>
+  <p:tag name="KSO_WM_TAG_VERSION" val="1.0"/>
+  <p:tag name="KSO_WM_BEAUTIFY_FLAG" val="#wm#"/>
+</p:tagLst>
+</file>
+
+<file path=ppt/tags/tag128.xml><?xml version="1.0" encoding="utf-8"?>
+<p:tagLst xmlns:a="http://schemas.openxmlformats.org/drawingml/2006/main" xmlns:r="http://schemas.openxmlformats.org/officeDocument/2006/relationships" xmlns:p="http://schemas.openxmlformats.org/presentationml/2006/main">
+  <p:tag name="KSO_WM_UNIT_HIGHLIGHT" val="0"/>
+  <p:tag name="KSO_WM_UNIT_COMPATIBLE" val="0"/>
+  <p:tag name="KSO_WM_UNIT_DIAGRAM_ISNUMVISUAL" val="0"/>
+  <p:tag name="KSO_WM_UNIT_DIAGRAM_ISREFERUNIT" val="0"/>
+  <p:tag name="KSO_WM_UNIT_ID" val="_11**"/>
+  <p:tag name="KSO_WM_UNIT_LAYERLEVEL" val="1"/>
+  <p:tag name="KSO_WM_TAG_VERSION" val="1.0"/>
+  <p:tag name="KSO_WM_BEAUTIFY_FLAG" val="#wm#"/>
+</p:tagLst>
+</file>
+
+<file path=ppt/tags/tag129.xml><?xml version="1.0" encoding="utf-8"?>
+<p:tagLst xmlns:a="http://schemas.openxmlformats.org/drawingml/2006/main" xmlns:r="http://schemas.openxmlformats.org/officeDocument/2006/relationships" xmlns:p="http://schemas.openxmlformats.org/presentationml/2006/main">
+  <p:tag name="KSO_WM_UNIT_HIGHLIGHT" val="0"/>
+  <p:tag name="KSO_WM_UNIT_COMPATIBLE" val="0"/>
+  <p:tag name="KSO_WM_UNIT_DIAGRAM_ISNUMVISUAL" val="0"/>
+  <p:tag name="KSO_WM_UNIT_DIAGRAM_ISREFERUNIT" val="0"/>
+  <p:tag name="KSO_WM_UNIT_ID" val="_11**"/>
+  <p:tag name="KSO_WM_UNIT_LAYERLEVEL" val="1"/>
+  <p:tag name="KSO_WM_TAG_VERSION" val="1.0"/>
+  <p:tag name="KSO_WM_BEAUTIFY_FLAG" val="#wm#"/>
+</p:tagLst>
+</file>
+
+<file path=ppt/tags/tag13.xml><?xml version="1.0" encoding="utf-8"?>
+<p:tagLst xmlns:a="http://schemas.openxmlformats.org/drawingml/2006/main" xmlns:r="http://schemas.openxmlformats.org/officeDocument/2006/relationships" xmlns:p="http://schemas.openxmlformats.org/presentationml/2006/main">
+  <p:tag name="KSO_WM_UNIT_HIGHLIGHT" val="0"/>
+  <p:tag name="KSO_WM_UNIT_COMPATIBLE" val="0"/>
+  <p:tag name="KSO_WM_UNIT_DIAGRAM_ISNUMVISUAL" val="0"/>
+  <p:tag name="KSO_WM_UNIT_DIAGRAM_ISREFERUNIT" val="0"/>
+  <p:tag name="KSO_WM_UNIT_ID" val="_1**"/>
+  <p:tag name="KSO_WM_UNIT_LAYERLEVEL" val="1"/>
+  <p:tag name="KSO_WM_TAG_VERSION" val="1.0"/>
+  <p:tag name="KSO_WM_BEAUTIFY_FLAG" val="#wm#"/>
+</p:tagLst>
+</file>
+
+<file path=ppt/tags/tag130.xml><?xml version="1.0" encoding="utf-8"?>
+<p:tagLst xmlns:a="http://schemas.openxmlformats.org/drawingml/2006/main" xmlns:r="http://schemas.openxmlformats.org/officeDocument/2006/relationships" xmlns:p="http://schemas.openxmlformats.org/presentationml/2006/main">
+  <p:tag name="KSO_WM_UNIT_HIGHLIGHT" val="0"/>
+  <p:tag name="KSO_WM_UNIT_COMPATIBLE" val="0"/>
+  <p:tag name="KSO_WM_UNIT_DIAGRAM_ISNUMVISUAL" val="0"/>
+  <p:tag name="KSO_WM_UNIT_DIAGRAM_ISREFERUNIT" val="0"/>
+  <p:tag name="KSO_WM_UNIT_ID" val="_11**"/>
+  <p:tag name="KSO_WM_UNIT_LAYERLEVEL" val="1"/>
+  <p:tag name="KSO_WM_TAG_VERSION" val="1.0"/>
+  <p:tag name="KSO_WM_BEAUTIFY_FLAG" val="#wm#"/>
+</p:tagLst>
+</file>
+
+<file path=ppt/tags/tag131.xml><?xml version="1.0" encoding="utf-8"?>
+<p:tagLst xmlns:a="http://schemas.openxmlformats.org/drawingml/2006/main" xmlns:r="http://schemas.openxmlformats.org/officeDocument/2006/relationships" xmlns:p="http://schemas.openxmlformats.org/presentationml/2006/main">
+  <p:tag name="KSO_WM_UNIT_HIGHLIGHT" val="0"/>
+  <p:tag name="KSO_WM_UNIT_COMPATIBLE" val="0"/>
+  <p:tag name="KSO_WM_UNIT_DIAGRAM_ISNUMVISUAL" val="0"/>
+  <p:tag name="KSO_WM_UNIT_DIAGRAM_ISREFERUNIT" val="0"/>
+  <p:tag name="KSO_WM_UNIT_ID" val="_11**"/>
+  <p:tag name="KSO_WM_UNIT_LAYERLEVEL" val="1"/>
+  <p:tag name="KSO_WM_TAG_VERSION" val="1.0"/>
+  <p:tag name="KSO_WM_BEAUTIFY_FLAG" val="#wm#"/>
+</p:tagLst>
+</file>
+
+<file path=ppt/tags/tag132.xml><?xml version="1.0" encoding="utf-8"?>
+<p:tagLst xmlns:a="http://schemas.openxmlformats.org/drawingml/2006/main" xmlns:r="http://schemas.openxmlformats.org/officeDocument/2006/relationships" xmlns:p="http://schemas.openxmlformats.org/presentationml/2006/main">
+  <p:tag name="KSO_WM_UNIT_HIGHLIGHT" val="0"/>
+  <p:tag name="KSO_WM_UNIT_COMPATIBLE" val="0"/>
+  <p:tag name="KSO_WM_UNIT_DIAGRAM_ISNUMVISUAL" val="0"/>
+  <p:tag name="KSO_WM_UNIT_DIAGRAM_ISREFERUNIT" val="0"/>
+  <p:tag name="KSO_WM_UNIT_ID" val="_11**"/>
+  <p:tag name="KSO_WM_UNIT_LAYERLEVEL" val="1"/>
+  <p:tag name="KSO_WM_TAG_VERSION" val="1.0"/>
+  <p:tag name="KSO_WM_BEAUTIFY_FLAG" val="#wm#"/>
+</p:tagLst>
+</file>
+
+<file path=ppt/tags/tag133.xml><?xml version="1.0" encoding="utf-8"?>
+<p:tagLst xmlns:a="http://schemas.openxmlformats.org/drawingml/2006/main" xmlns:r="http://schemas.openxmlformats.org/officeDocument/2006/relationships" xmlns:p="http://schemas.openxmlformats.org/presentationml/2006/main">
+  <p:tag name="KSO_WM_UNIT_HIGHLIGHT" val="0"/>
+  <p:tag name="KSO_WM_UNIT_COMPATIBLE" val="0"/>
+  <p:tag name="KSO_WM_UNIT_DIAGRAM_ISNUMVISUAL" val="0"/>
+  <p:tag name="KSO_WM_UNIT_DIAGRAM_ISREFERUNIT" val="0"/>
+  <p:tag name="KSO_WM_UNIT_ID" val="_11**"/>
+  <p:tag name="KSO_WM_UNIT_LAYERLEVEL" val="1"/>
+  <p:tag name="KSO_WM_TAG_VERSION" val="1.0"/>
+  <p:tag name="KSO_WM_BEAUTIFY_FLAG" val="#wm#"/>
+</p:tagLst>
+</file>
+
+<file path=ppt/tags/tag134.xml><?xml version="1.0" encoding="utf-8"?>
+<p:tagLst xmlns:a="http://schemas.openxmlformats.org/drawingml/2006/main" xmlns:r="http://schemas.openxmlformats.org/officeDocument/2006/relationships" xmlns:p="http://schemas.openxmlformats.org/presentationml/2006/main">
+  <p:tag name="KSO_WM_UNIT_HIGHLIGHT" val="0"/>
+  <p:tag name="KSO_WM_UNIT_COMPATIBLE" val="0"/>
+  <p:tag name="KSO_WM_UNIT_DIAGRAM_ISNUMVISUAL" val="0"/>
+  <p:tag name="KSO_WM_UNIT_DIAGRAM_ISREFERUNIT" val="0"/>
+  <p:tag name="KSO_WM_UNIT_ID" val="_11**"/>
+  <p:tag name="KSO_WM_UNIT_LAYERLEVEL" val="1"/>
+  <p:tag name="KSO_WM_TAG_VERSION" val="1.0"/>
+  <p:tag name="KSO_WM_BEAUTIFY_FLAG" val="#wm#"/>
+</p:tagLst>
+</file>
+
+<file path=ppt/tags/tag135.xml><?xml version="1.0" encoding="utf-8"?>
+<p:tagLst xmlns:a="http://schemas.openxmlformats.org/drawingml/2006/main" xmlns:r="http://schemas.openxmlformats.org/officeDocument/2006/relationships" xmlns:p="http://schemas.openxmlformats.org/presentationml/2006/main">
+  <p:tag name="KSO_WM_UNIT_HIGHLIGHT" val="0"/>
+  <p:tag name="KSO_WM_UNIT_COMPATIBLE" val="0"/>
+  <p:tag name="KSO_WM_UNIT_DIAGRAM_ISNUMVISUAL" val="0"/>
+  <p:tag name="KSO_WM_UNIT_DIAGRAM_ISREFERUNIT" val="0"/>
+  <p:tag name="KSO_WM_UNIT_ID" val="_11**"/>
+  <p:tag name="KSO_WM_UNIT_LAYERLEVEL" val="1"/>
+  <p:tag name="KSO_WM_TAG_VERSION" val="1.0"/>
+  <p:tag name="KSO_WM_BEAUTIFY_FLAG" val="#wm#"/>
+</p:tagLst>
+</file>
+
+<file path=ppt/tags/tag136.xml><?xml version="1.0" encoding="utf-8"?>
+<p:tagLst xmlns:a="http://schemas.openxmlformats.org/drawingml/2006/main" xmlns:r="http://schemas.openxmlformats.org/officeDocument/2006/relationships" xmlns:p="http://schemas.openxmlformats.org/presentationml/2006/main">
+  <p:tag name="KSO_WM_UNIT_HIGHLIGHT" val="0"/>
+  <p:tag name="KSO_WM_UNIT_COMPATIBLE" val="0"/>
+  <p:tag name="KSO_WM_UNIT_DIAGRAM_ISNUMVISUAL" val="0"/>
+  <p:tag name="KSO_WM_UNIT_DIAGRAM_ISREFERUNIT" val="0"/>
+  <p:tag name="KSO_WM_UNIT_ID" val="_11**"/>
+  <p:tag name="KSO_WM_UNIT_LAYERLEVEL" val="1"/>
+  <p:tag name="KSO_WM_TAG_VERSION" val="1.0"/>
+  <p:tag name="KSO_WM_BEAUTIFY_FLAG" val="#wm#"/>
+</p:tagLst>
+</file>
+
+<file path=ppt/tags/tag137.xml><?xml version="1.0" encoding="utf-8"?>
+<p:tagLst xmlns:a="http://schemas.openxmlformats.org/drawingml/2006/main" xmlns:r="http://schemas.openxmlformats.org/officeDocument/2006/relationships" xmlns:p="http://schemas.openxmlformats.org/presentationml/2006/main">
+  <p:tag name="KSO_WM_UNIT_HIGHLIGHT" val="0"/>
+  <p:tag name="KSO_WM_UNIT_COMPATIBLE" val="0"/>
+  <p:tag name="KSO_WM_UNIT_DIAGRAM_ISNUMVISUAL" val="0"/>
+  <p:tag name="KSO_WM_UNIT_DIAGRAM_ISREFERUNIT" val="0"/>
+  <p:tag name="KSO_WM_UNIT_ID" val="_11**"/>
+  <p:tag name="KSO_WM_UNIT_LAYERLEVEL" val="1"/>
+  <p:tag name="KSO_WM_TAG_VERSION" val="1.0"/>
+  <p:tag name="KSO_WM_BEAUTIFY_FLAG" val="#wm#"/>
+</p:tagLst>
+</file>
+
+<file path=ppt/tags/tag138.xml><?xml version="1.0" encoding="utf-8"?>
+<p:tagLst xmlns:a="http://schemas.openxmlformats.org/drawingml/2006/main" xmlns:r="http://schemas.openxmlformats.org/officeDocument/2006/relationships" xmlns:p="http://schemas.openxmlformats.org/presentationml/2006/main">
+  <p:tag name="KSO_WM_UNIT_HIGHLIGHT" val="0"/>
+  <p:tag name="KSO_WM_UNIT_COMPATIBLE" val="0"/>
+  <p:tag name="KSO_WM_UNIT_DIAGRAM_ISNUMVISUAL" val="0"/>
+  <p:tag name="KSO_WM_UNIT_DIAGRAM_ISREFERUNIT" val="0"/>
+  <p:tag name="KSO_WM_UNIT_ID" val="_11**"/>
+  <p:tag name="KSO_WM_UNIT_LAYERLEVEL" val="1"/>
+  <p:tag name="KSO_WM_TAG_VERSION" val="1.0"/>
+  <p:tag name="KSO_WM_BEAUTIFY_FLAG" val="#wm#"/>
+</p:tagLst>
+</file>
+
+<file path=ppt/tags/tag139.xml><?xml version="1.0" encoding="utf-8"?>
+<p:tagLst xmlns:a="http://schemas.openxmlformats.org/drawingml/2006/main" xmlns:r="http://schemas.openxmlformats.org/officeDocument/2006/relationships" xmlns:p="http://schemas.openxmlformats.org/presentationml/2006/main">
+  <p:tag name="KSO_WM_UNIT_HIGHLIGHT" val="0"/>
+  <p:tag name="KSO_WM_UNIT_COMPATIBLE" val="0"/>
+  <p:tag name="KSO_WM_UNIT_DIAGRAM_ISNUMVISUAL" val="0"/>
+  <p:tag name="KSO_WM_UNIT_DIAGRAM_ISREFERUNIT" val="0"/>
+  <p:tag name="KSO_WM_UNIT_ID" val="_11**"/>
+  <p:tag name="KSO_WM_UNIT_LAYERLEVEL" val="1"/>
+  <p:tag name="KSO_WM_TAG_VERSION" val="1.0"/>
+  <p:tag name="KSO_WM_BEAUTIFY_FLAG" val="#wm#"/>
+</p:tagLst>
+</file>
+
+<file path=ppt/tags/tag14.xml><?xml version="1.0" encoding="utf-8"?>
+<p:tagLst xmlns:a="http://schemas.openxmlformats.org/drawingml/2006/main" xmlns:r="http://schemas.openxmlformats.org/officeDocument/2006/relationships" xmlns:p="http://schemas.openxmlformats.org/presentationml/2006/main">
+  <p:tag name="KSO_WM_UNIT_HIGHLIGHT" val="0"/>
+  <p:tag name="KSO_WM_UNIT_COMPATIBLE" val="0"/>
+  <p:tag name="KSO_WM_UNIT_DIAGRAM_ISNUMVISUAL" val="0"/>
+  <p:tag name="KSO_WM_UNIT_DIAGRAM_ISREFERUNIT" val="0"/>
+  <p:tag name="KSO_WM_UNIT_ID" val="_1**"/>
+  <p:tag name="KSO_WM_UNIT_LAYERLEVEL" val="1"/>
+  <p:tag name="KSO_WM_TAG_VERSION" val="1.0"/>
+  <p:tag name="KSO_WM_BEAUTIFY_FLAG" val="#wm#"/>
+</p:tagLst>
+</file>
+
+<file path=ppt/tags/tag140.xml><?xml version="1.0" encoding="utf-8"?>
+<p:tagLst xmlns:a="http://schemas.openxmlformats.org/drawingml/2006/main" xmlns:r="http://schemas.openxmlformats.org/officeDocument/2006/relationships" xmlns:p="http://schemas.openxmlformats.org/presentationml/2006/main">
+  <p:tag name="KSO_WM_UNIT_HIGHLIGHT" val="0"/>
+  <p:tag name="KSO_WM_UNIT_COMPATIBLE" val="0"/>
+  <p:tag name="KSO_WM_UNIT_DIAGRAM_ISNUMVISUAL" val="0"/>
+  <p:tag name="KSO_WM_UNIT_DIAGRAM_ISREFERUNIT" val="0"/>
+  <p:tag name="KSO_WM_UNIT_ID" val="_11**"/>
+  <p:tag name="KSO_WM_UNIT_LAYERLEVEL" val="1"/>
+  <p:tag name="KSO_WM_TAG_VERSION" val="1.0"/>
+  <p:tag name="KSO_WM_BEAUTIFY_FLAG" val="#wm#"/>
+</p:tagLst>
+</file>
+
+<file path=ppt/tags/tag141.xml><?xml version="1.0" encoding="utf-8"?>
+<p:tagLst xmlns:a="http://schemas.openxmlformats.org/drawingml/2006/main" xmlns:r="http://schemas.openxmlformats.org/officeDocument/2006/relationships" xmlns:p="http://schemas.openxmlformats.org/presentationml/2006/main">
+  <p:tag name="KSO_WM_UNIT_HIGHLIGHT" val="0"/>
+  <p:tag name="KSO_WM_UNIT_COMPATIBLE" val="0"/>
+  <p:tag name="KSO_WM_UNIT_DIAGRAM_ISNUMVISUAL" val="0"/>
+  <p:tag name="KSO_WM_UNIT_DIAGRAM_ISREFERUNIT" val="0"/>
+  <p:tag name="KSO_WM_UNIT_ID" val="_11**"/>
+  <p:tag name="KSO_WM_UNIT_LAYERLEVEL" val="1"/>
+  <p:tag name="KSO_WM_TAG_VERSION" val="1.0"/>
+  <p:tag name="KSO_WM_BEAUTIFY_FLAG" val="#wm#"/>
+</p:tagLst>
+</file>
+
+<file path=ppt/tags/tag142.xml><?xml version="1.0" encoding="utf-8"?>
+<p:tagLst xmlns:a="http://schemas.openxmlformats.org/drawingml/2006/main" xmlns:r="http://schemas.openxmlformats.org/officeDocument/2006/relationships" xmlns:p="http://schemas.openxmlformats.org/presentationml/2006/main">
+  <p:tag name="KSO_WM_UNIT_HIGHLIGHT" val="0"/>
+  <p:tag name="KSO_WM_UNIT_COMPATIBLE" val="0"/>
+  <p:tag name="KSO_WM_UNIT_DIAGRAM_ISNUMVISUAL" val="0"/>
+  <p:tag name="KSO_WM_UNIT_DIAGRAM_ISREFERUNIT" val="0"/>
+  <p:tag name="KSO_WM_UNIT_ID" val="_11**"/>
+  <p:tag name="KSO_WM_UNIT_LAYERLEVEL" val="1"/>
+  <p:tag name="KSO_WM_TAG_VERSION" val="1.0"/>
+  <p:tag name="KSO_WM_BEAUTIFY_FLAG" val="#wm#"/>
+</p:tagLst>
+</file>
+
+<file path=ppt/tags/tag143.xml><?xml version="1.0" encoding="utf-8"?>
+<p:tagLst xmlns:a="http://schemas.openxmlformats.org/drawingml/2006/main" xmlns:r="http://schemas.openxmlformats.org/officeDocument/2006/relationships" xmlns:p="http://schemas.openxmlformats.org/presentationml/2006/main">
+  <p:tag name="KSO_WM_UNIT_HIGHLIGHT" val="0"/>
+  <p:tag name="KSO_WM_UNIT_COMPATIBLE" val="0"/>
+  <p:tag name="KSO_WM_UNIT_DIAGRAM_ISNUMVISUAL" val="0"/>
+  <p:tag name="KSO_WM_UNIT_DIAGRAM_ISREFERUNIT" val="0"/>
+  <p:tag name="KSO_WM_UNIT_ID" val="_11**"/>
+  <p:tag name="KSO_WM_UNIT_LAYERLEVEL" val="1"/>
+  <p:tag name="KSO_WM_TAG_VERSION" val="1.0"/>
+  <p:tag name="KSO_WM_BEAUTIFY_FLAG" val="#wm#"/>
+</p:tagLst>
+</file>
+
+<file path=ppt/tags/tag144.xml><?xml version="1.0" encoding="utf-8"?>
+<p:tagLst xmlns:a="http://schemas.openxmlformats.org/drawingml/2006/main" xmlns:r="http://schemas.openxmlformats.org/officeDocument/2006/relationships" xmlns:p="http://schemas.openxmlformats.org/presentationml/2006/main">
+  <p:tag name="KSO_WM_UNIT_HIGHLIGHT" val="0"/>
+  <p:tag name="KSO_WM_UNIT_COMPATIBLE" val="0"/>
+  <p:tag name="KSO_WM_UNIT_DIAGRAM_ISNUMVISUAL" val="0"/>
+  <p:tag name="KSO_WM_UNIT_DIAGRAM_ISREFERUNIT" val="0"/>
+  <p:tag name="KSO_WM_UNIT_ID" val="_11**"/>
+  <p:tag name="KSO_WM_UNIT_LAYERLEVEL" val="1"/>
+  <p:tag name="KSO_WM_TAG_VERSION" val="1.0"/>
+  <p:tag name="KSO_WM_BEAUTIFY_FLAG" val="#wm#"/>
+</p:tagLst>
+</file>
+
+<file path=ppt/tags/tag145.xml><?xml version="1.0" encoding="utf-8"?>
+<p:tagLst xmlns:a="http://schemas.openxmlformats.org/drawingml/2006/main" xmlns:r="http://schemas.openxmlformats.org/officeDocument/2006/relationships" xmlns:p="http://schemas.openxmlformats.org/presentationml/2006/main">
+  <p:tag name="KSO_WM_UNIT_HIGHLIGHT" val="0"/>
+  <p:tag name="KSO_WM_UNIT_COMPATIBLE" val="0"/>
+  <p:tag name="KSO_WM_UNIT_DIAGRAM_ISNUMVISUAL" val="0"/>
+  <p:tag name="KSO_WM_UNIT_DIAGRAM_ISREFERUNIT" val="0"/>
+  <p:tag name="KSO_WM_UNIT_ID" val="_11**"/>
+  <p:tag name="KSO_WM_UNIT_LAYERLEVEL" val="1"/>
+  <p:tag name="KSO_WM_TAG_VERSION" val="1.0"/>
+  <p:tag name="KSO_WM_BEAUTIFY_FLAG" val="#wm#"/>
+</p:tagLst>
+</file>
+
+<file path=ppt/tags/tag146.xml><?xml version="1.0" encoding="utf-8"?>
+<p:tagLst xmlns:a="http://schemas.openxmlformats.org/drawingml/2006/main" xmlns:r="http://schemas.openxmlformats.org/officeDocument/2006/relationships" xmlns:p="http://schemas.openxmlformats.org/presentationml/2006/main">
+  <p:tag name="KSO_WM_UNIT_HIGHLIGHT" val="0"/>
+  <p:tag name="KSO_WM_UNIT_COMPATIBLE" val="0"/>
+  <p:tag name="KSO_WM_UNIT_DIAGRAM_ISNUMVISUAL" val="0"/>
+  <p:tag name="KSO_WM_UNIT_DIAGRAM_ISREFERUNIT" val="0"/>
+  <p:tag name="KSO_WM_UNIT_ID" val="_11**"/>
+  <p:tag name="KSO_WM_UNIT_LAYERLEVEL" val="1"/>
+  <p:tag name="KSO_WM_TAG_VERSION" val="1.0"/>
+  <p:tag name="KSO_WM_BEAUTIFY_FLAG" val="#wm#"/>
+</p:tagLst>
+</file>
+
+<file path=ppt/tags/tag147.xml><?xml version="1.0" encoding="utf-8"?>
+<p:tagLst xmlns:a="http://schemas.openxmlformats.org/drawingml/2006/main" xmlns:r="http://schemas.openxmlformats.org/officeDocument/2006/relationships" xmlns:p="http://schemas.openxmlformats.org/presentationml/2006/main">
+  <p:tag name="KSO_WM_UNIT_HIGHLIGHT" val="0"/>
+  <p:tag name="KSO_WM_UNIT_COMPATIBLE" val="0"/>
+  <p:tag name="KSO_WM_UNIT_DIAGRAM_ISNUMVISUAL" val="0"/>
+  <p:tag name="KSO_WM_UNIT_DIAGRAM_ISREFERUNIT" val="0"/>
+  <p:tag name="KSO_WM_UNIT_ID" val="_11**"/>
+  <p:tag name="KSO_WM_UNIT_LAYERLEVEL" val="1"/>
+  <p:tag name="KSO_WM_TAG_VERSION" val="1.0"/>
+  <p:tag name="KSO_WM_BEAUTIFY_FLAG" val="#wm#"/>
+</p:tagLst>
+</file>
+
+<file path=ppt/tags/tag148.xml><?xml version="1.0" encoding="utf-8"?>
+<p:tagLst xmlns:a="http://schemas.openxmlformats.org/drawingml/2006/main" xmlns:r="http://schemas.openxmlformats.org/officeDocument/2006/relationships" xmlns:p="http://schemas.openxmlformats.org/presentationml/2006/main">
+  <p:tag name="KSO_WM_UNIT_HIGHLIGHT" val="0"/>
+  <p:tag name="KSO_WM_UNIT_COMPATIBLE" val="0"/>
+  <p:tag name="KSO_WM_UNIT_DIAGRAM_ISNUMVISUAL" val="0"/>
+  <p:tag name="KSO_WM_UNIT_DIAGRAM_ISREFERUNIT" val="0"/>
+  <p:tag name="KSO_WM_UNIT_ID" val="_11**"/>
+  <p:tag name="KSO_WM_UNIT_LAYERLEVEL" val="1"/>
+  <p:tag name="KSO_WM_TAG_VERSION" val="1.0"/>
+  <p:tag name="KSO_WM_BEAUTIFY_FLAG" val="#wm#"/>
+</p:tagLst>
+</file>
+
+<file path=ppt/tags/tag149.xml><?xml version="1.0" encoding="utf-8"?>
+<p:tagLst xmlns:a="http://schemas.openxmlformats.org/drawingml/2006/main" xmlns:r="http://schemas.openxmlformats.org/officeDocument/2006/relationships" xmlns:p="http://schemas.openxmlformats.org/presentationml/2006/main">
+  <p:tag name="KSO_WM_UNIT_HIGHLIGHT" val="0"/>
+  <p:tag name="KSO_WM_UNIT_COMPATIBLE" val="0"/>
+  <p:tag name="KSO_WM_UNIT_DIAGRAM_ISNUMVISUAL" val="0"/>
+  <p:tag name="KSO_WM_UNIT_DIAGRAM_ISREFERUNIT" val="0"/>
+  <p:tag name="KSO_WM_UNIT_ID" val="_11**"/>
+  <p:tag name="KSO_WM_UNIT_LAYERLEVEL" val="1"/>
+  <p:tag name="KSO_WM_TAG_VERSION" val="1.0"/>
+  <p:tag name="KSO_WM_BEAUTIFY_FLAG" val="#wm#"/>
+</p:tagLst>
+</file>
+
+<file path=ppt/tags/tag15.xml><?xml version="1.0" encoding="utf-8"?>
+<p:tagLst xmlns:a="http://schemas.openxmlformats.org/drawingml/2006/main" xmlns:r="http://schemas.openxmlformats.org/officeDocument/2006/relationships" xmlns:p="http://schemas.openxmlformats.org/presentationml/2006/main">
+  <p:tag name="KSO_WM_UNIT_HIGHLIGHT" val="0"/>
+  <p:tag name="KSO_WM_UNIT_COMPATIBLE" val="0"/>
+  <p:tag name="KSO_WM_UNIT_DIAGRAM_ISNUMVISUAL" val="0"/>
+  <p:tag name="KSO_WM_UNIT_DIAGRAM_ISREFERUNIT" val="0"/>
+  <p:tag name="KSO_WM_UNIT_ID" val="_1**"/>
+  <p:tag name="KSO_WM_UNIT_LAYERLEVEL" val="1"/>
+  <p:tag name="KSO_WM_TAG_VERSION" val="1.0"/>
+  <p:tag name="KSO_WM_BEAUTIFY_FLAG" val="#wm#"/>
+</p:tagLst>
+</file>
+
+<file path=ppt/tags/tag150.xml><?xml version="1.0" encoding="utf-8"?>
+<p:tagLst xmlns:a="http://schemas.openxmlformats.org/drawingml/2006/main" xmlns:r="http://schemas.openxmlformats.org/officeDocument/2006/relationships" xmlns:p="http://schemas.openxmlformats.org/presentationml/2006/main">
+  <p:tag name="KSO_WM_UNIT_HIGHLIGHT" val="0"/>
+  <p:tag name="KSO_WM_UNIT_COMPATIBLE" val="0"/>
+  <p:tag name="KSO_WM_UNIT_DIAGRAM_ISNUMVISUAL" val="0"/>
+  <p:tag name="KSO_WM_UNIT_DIAGRAM_ISREFERUNIT" val="0"/>
+  <p:tag name="KSO_WM_UNIT_ID" val="_11**"/>
+  <p:tag name="KSO_WM_UNIT_LAYERLEVEL" val="1"/>
+  <p:tag name="KSO_WM_TAG_VERSION" val="1.0"/>
+  <p:tag name="KSO_WM_BEAUTIFY_FLAG" val="#wm#"/>
+</p:tagLst>
+</file>
+
+<file path=ppt/tags/tag151.xml><?xml version="1.0" encoding="utf-8"?>
+<p:tagLst xmlns:a="http://schemas.openxmlformats.org/drawingml/2006/main" xmlns:r="http://schemas.openxmlformats.org/officeDocument/2006/relationships" xmlns:p="http://schemas.openxmlformats.org/presentationml/2006/main">
+  <p:tag name="KSO_WM_UNIT_HIGHLIGHT" val="0"/>
+  <p:tag name="KSO_WM_UNIT_COMPATIBLE" val="0"/>
+  <p:tag name="KSO_WM_UNIT_DIAGRAM_ISNUMVISUAL" val="0"/>
+  <p:tag name="KSO_WM_UNIT_DIAGRAM_ISREFERUNIT" val="0"/>
+  <p:tag name="KSO_WM_UNIT_ID" val="_11**"/>
+  <p:tag name="KSO_WM_UNIT_LAYERLEVEL" val="1"/>
+  <p:tag name="KSO_WM_TAG_VERSION" val="1.0"/>
+  <p:tag name="KSO_WM_BEAUTIFY_FLAG" val="#wm#"/>
+</p:tagLst>
+</file>
+
+<file path=ppt/tags/tag152.xml><?xml version="1.0" encoding="utf-8"?>
+<p:tagLst xmlns:a="http://schemas.openxmlformats.org/drawingml/2006/main" xmlns:r="http://schemas.openxmlformats.org/officeDocument/2006/relationships" xmlns:p="http://schemas.openxmlformats.org/presentationml/2006/main">
+  <p:tag name="KSO_WM_UNIT_HIGHLIGHT" val="0"/>
+  <p:tag name="KSO_WM_UNIT_COMPATIBLE" val="0"/>
+  <p:tag name="KSO_WM_UNIT_DIAGRAM_ISNUMVISUAL" val="0"/>
+  <p:tag name="KSO_WM_UNIT_DIAGRAM_ISREFERUNIT" val="0"/>
+  <p:tag name="KSO_WM_UNIT_ID" val="_11**"/>
+  <p:tag name="KSO_WM_UNIT_LAYERLEVEL" val="1"/>
+  <p:tag name="KSO_WM_TAG_VERSION" val="1.0"/>
+  <p:tag name="KSO_WM_BEAUTIFY_FLAG" val="#wm#"/>
+</p:tagLst>
+</file>
+
+<file path=ppt/tags/tag153.xml><?xml version="1.0" encoding="utf-8"?>
+<p:tagLst xmlns:a="http://schemas.openxmlformats.org/drawingml/2006/main" xmlns:r="http://schemas.openxmlformats.org/officeDocument/2006/relationships" xmlns:p="http://schemas.openxmlformats.org/presentationml/2006/main">
+  <p:tag name="KSO_WM_UNIT_HIGHLIGHT" val="0"/>
+  <p:tag name="KSO_WM_UNIT_COMPATIBLE" val="0"/>
+  <p:tag name="KSO_WM_UNIT_DIAGRAM_ISNUMVISUAL" val="0"/>
+  <p:tag name="KSO_WM_UNIT_DIAGRAM_ISREFERUNIT" val="0"/>
+  <p:tag name="KSO_WM_UNIT_ID" val="_11**"/>
+  <p:tag name="KSO_WM_UNIT_LAYERLEVEL" val="1"/>
+  <p:tag name="KSO_WM_TAG_VERSION" val="1.0"/>
+  <p:tag name="KSO_WM_BEAUTIFY_FLAG" val="#wm#"/>
+</p:tagLst>
+</file>
+
+<file path=ppt/tags/tag154.xml><?xml version="1.0" encoding="utf-8"?>
+<p:tagLst xmlns:a="http://schemas.openxmlformats.org/drawingml/2006/main" xmlns:r="http://schemas.openxmlformats.org/officeDocument/2006/relationships" xmlns:p="http://schemas.openxmlformats.org/presentationml/2006/main">
+  <p:tag name="KSO_WM_UNIT_HIGHLIGHT" val="0"/>
+  <p:tag name="KSO_WM_UNIT_COMPATIBLE" val="0"/>
+  <p:tag name="KSO_WM_UNIT_DIAGRAM_ISNUMVISUAL" val="0"/>
+  <p:tag name="KSO_WM_UNIT_DIAGRAM_ISREFERUNIT" val="0"/>
+  <p:tag name="KSO_WM_UNIT_ID" val="_11**"/>
+  <p:tag name="KSO_WM_UNIT_LAYERLEVEL" val="1"/>
+  <p:tag name="KSO_WM_TAG_VERSION" val="1.0"/>
+  <p:tag name="KSO_WM_BEAUTIFY_FLAG" val="#wm#"/>
+</p:tagLst>
+</file>
+
+<file path=ppt/tags/tag155.xml><?xml version="1.0" encoding="utf-8"?>
+<p:tagLst xmlns:a="http://schemas.openxmlformats.org/drawingml/2006/main" xmlns:r="http://schemas.openxmlformats.org/officeDocument/2006/relationships" xmlns:p="http://schemas.openxmlformats.org/presentationml/2006/main">
+  <p:tag name="KSO_WM_UNIT_HIGHLIGHT" val="0"/>
+  <p:tag name="KSO_WM_UNIT_COMPATIBLE" val="0"/>
+  <p:tag name="KSO_WM_UNIT_DIAGRAM_ISNUMVISUAL" val="0"/>
+  <p:tag name="KSO_WM_UNIT_DIAGRAM_ISREFERUNIT" val="0"/>
+  <p:tag name="KSO_WM_UNIT_ID" val="_11**"/>
+  <p:tag name="KSO_WM_UNIT_LAYERLEVEL" val="1"/>
+  <p:tag name="KSO_WM_TAG_VERSION" val="1.0"/>
+  <p:tag name="KSO_WM_BEAUTIFY_FLAG" val="#wm#"/>
+</p:tagLst>
+</file>
+
+<file path=ppt/tags/tag156.xml><?xml version="1.0" encoding="utf-8"?>
+<p:tagLst xmlns:a="http://schemas.openxmlformats.org/drawingml/2006/main" xmlns:r="http://schemas.openxmlformats.org/officeDocument/2006/relationships" xmlns:p="http://schemas.openxmlformats.org/presentationml/2006/main">
+  <p:tag name="KSO_WM_UNIT_HIGHLIGHT" val="0"/>
+  <p:tag name="KSO_WM_UNIT_COMPATIBLE" val="0"/>
+  <p:tag name="KSO_WM_UNIT_DIAGRAM_ISNUMVISUAL" val="0"/>
+  <p:tag name="KSO_WM_UNIT_DIAGRAM_ISREFERUNIT" val="0"/>
+  <p:tag name="KSO_WM_UNIT_ID" val="_11**"/>
+  <p:tag name="KSO_WM_UNIT_LAYERLEVEL" val="1"/>
+  <p:tag name="KSO_WM_TAG_VERSION" val="1.0"/>
+  <p:tag name="KSO_WM_BEAUTIFY_FLAG" val="#wm#"/>
+</p:tagLst>
+</file>
+
 <file path=ppt/tags/tag157.xml><?xml version="1.0" encoding="utf-8"?>
-<p:tagLst xmlns:p="http://schemas.openxmlformats.org/presentationml/2006/main">
+<p:tagLst xmlns:a="http://schemas.openxmlformats.org/drawingml/2006/main" xmlns:r="http://schemas.openxmlformats.org/officeDocument/2006/relationships" xmlns:p="http://schemas.openxmlformats.org/presentationml/2006/main">
+  <p:tag name="KSO_WM_UNIT_HIGHLIGHT" val="0"/>
+  <p:tag name="KSO_WM_UNIT_COMPATIBLE" val="0"/>
+  <p:tag name="KSO_WM_UNIT_DIAGRAM_ISNUMVISUAL" val="0"/>
+  <p:tag name="KSO_WM_UNIT_DIAGRAM_ISREFERUNIT" val="0"/>
+  <p:tag name="KSO_WM_UNIT_ID" val="_11**"/>
+  <p:tag name="KSO_WM_UNIT_LAYERLEVEL" val="1"/>
+  <p:tag name="KSO_WM_TAG_VERSION" val="1.0"/>
+  <p:tag name="KSO_WM_BEAUTIFY_FLAG" val="#wm#"/>
+</p:tagLst>
+</file>
+
+<file path=ppt/tags/tag158.xml><?xml version="1.0" encoding="utf-8"?>
+<p:tagLst xmlns:a="http://schemas.openxmlformats.org/drawingml/2006/main" xmlns:r="http://schemas.openxmlformats.org/officeDocument/2006/relationships" xmlns:p="http://schemas.openxmlformats.org/presentationml/2006/main">
+  <p:tag name="KSO_WM_UNIT_HIGHLIGHT" val="0"/>
+  <p:tag name="KSO_WM_UNIT_COMPATIBLE" val="0"/>
+  <p:tag name="KSO_WM_UNIT_DIAGRAM_ISNUMVISUAL" val="0"/>
+  <p:tag name="KSO_WM_UNIT_DIAGRAM_ISREFERUNIT" val="0"/>
+  <p:tag name="KSO_WM_UNIT_ID" val="_11**"/>
+  <p:tag name="KSO_WM_UNIT_LAYERLEVEL" val="1"/>
+  <p:tag name="KSO_WM_TAG_VERSION" val="1.0"/>
+  <p:tag name="KSO_WM_BEAUTIFY_FLAG" val="#wm#"/>
+</p:tagLst>
+</file>
+
+<file path=ppt/tags/tag159.xml><?xml version="1.0" encoding="utf-8"?>
+<p:tagLst xmlns:a="http://schemas.openxmlformats.org/drawingml/2006/main" xmlns:r="http://schemas.openxmlformats.org/officeDocument/2006/relationships" xmlns:p="http://schemas.openxmlformats.org/presentationml/2006/main">
+  <p:tag name="KSO_WM_UNIT_HIGHLIGHT" val="0"/>
+  <p:tag name="KSO_WM_UNIT_COMPATIBLE" val="0"/>
+  <p:tag name="KSO_WM_UNIT_DIAGRAM_ISNUMVISUAL" val="0"/>
+  <p:tag name="KSO_WM_UNIT_DIAGRAM_ISREFERUNIT" val="0"/>
+  <p:tag name="KSO_WM_UNIT_ID" val="_11**"/>
+  <p:tag name="KSO_WM_UNIT_LAYERLEVEL" val="1"/>
+  <p:tag name="KSO_WM_TAG_VERSION" val="1.0"/>
+  <p:tag name="KSO_WM_BEAUTIFY_FLAG" val="#wm#"/>
+</p:tagLst>
+</file>
+
+<file path=ppt/tags/tag16.xml><?xml version="1.0" encoding="utf-8"?>
+<p:tagLst xmlns:a="http://schemas.openxmlformats.org/drawingml/2006/main" xmlns:r="http://schemas.openxmlformats.org/officeDocument/2006/relationships" xmlns:p="http://schemas.openxmlformats.org/presentationml/2006/main">
+  <p:tag name="KSO_WM_UNIT_HIGHLIGHT" val="0"/>
+  <p:tag name="KSO_WM_UNIT_COMPATIBLE" val="0"/>
+  <p:tag name="KSO_WM_UNIT_DIAGRAM_ISNUMVISUAL" val="0"/>
+  <p:tag name="KSO_WM_UNIT_DIAGRAM_ISREFERUNIT" val="0"/>
+  <p:tag name="KSO_WM_UNIT_ID" val="_1**"/>
+  <p:tag name="KSO_WM_UNIT_LAYERLEVEL" val="1"/>
+  <p:tag name="KSO_WM_TAG_VERSION" val="1.0"/>
+  <p:tag name="KSO_WM_BEAUTIFY_FLAG" val="#wm#"/>
+</p:tagLst>
+</file>
+
+<file path=ppt/tags/tag160.xml><?xml version="1.0" encoding="utf-8"?>
+<p:tagLst xmlns:a="http://schemas.openxmlformats.org/drawingml/2006/main" xmlns:r="http://schemas.openxmlformats.org/officeDocument/2006/relationships" xmlns:p="http://schemas.openxmlformats.org/presentationml/2006/main">
+  <p:tag name="KSO_WM_UNIT_HIGHLIGHT" val="0"/>
+  <p:tag name="KSO_WM_UNIT_COMPATIBLE" val="0"/>
+  <p:tag name="KSO_WM_UNIT_DIAGRAM_ISNUMVISUAL" val="0"/>
+  <p:tag name="KSO_WM_UNIT_DIAGRAM_ISREFERUNIT" val="0"/>
+  <p:tag name="KSO_WM_UNIT_ID" val="_11**"/>
+  <p:tag name="KSO_WM_UNIT_LAYERLEVEL" val="1"/>
+  <p:tag name="KSO_WM_TAG_VERSION" val="1.0"/>
+  <p:tag name="KSO_WM_BEAUTIFY_FLAG" val="#wm#"/>
+</p:tagLst>
+</file>
+
+<file path=ppt/tags/tag161.xml><?xml version="1.0" encoding="utf-8"?>
+<p:tagLst xmlns:a="http://schemas.openxmlformats.org/drawingml/2006/main" xmlns:r="http://schemas.openxmlformats.org/officeDocument/2006/relationships" xmlns:p="http://schemas.openxmlformats.org/presentationml/2006/main">
+  <p:tag name="KSO_WM_UNIT_HIGHLIGHT" val="0"/>
+  <p:tag name="KSO_WM_UNIT_COMPATIBLE" val="0"/>
+  <p:tag name="KSO_WM_UNIT_DIAGRAM_ISNUMVISUAL" val="0"/>
+  <p:tag name="KSO_WM_UNIT_DIAGRAM_ISREFERUNIT" val="0"/>
+  <p:tag name="KSO_WM_UNIT_ID" val="_11**"/>
+  <p:tag name="KSO_WM_UNIT_LAYERLEVEL" val="1"/>
+  <p:tag name="KSO_WM_TAG_VERSION" val="1.0"/>
+  <p:tag name="KSO_WM_BEAUTIFY_FLAG" val="#wm#"/>
+</p:tagLst>
+</file>
+
+<file path=ppt/tags/tag162.xml><?xml version="1.0" encoding="utf-8"?>
+<p:tagLst xmlns:a="http://schemas.openxmlformats.org/drawingml/2006/main" xmlns:r="http://schemas.openxmlformats.org/officeDocument/2006/relationships" xmlns:p="http://schemas.openxmlformats.org/presentationml/2006/main">
+  <p:tag name="KSO_WM_BEAUTIFY_FLAG" val="#wm#"/>
+  <p:tag name="KSO_WM_TEMPLATE_CATEGORY" val="custom"/>
+  <p:tag name="KSO_WM_TEMPLATE_INDEX" val="20191705"/>
+</p:tagLst>
+</file>
+
+<file path=ppt/tags/tag163.xml><?xml version="1.0" encoding="utf-8"?>
+<p:tagLst xmlns:a="http://schemas.openxmlformats.org/drawingml/2006/main" xmlns:r="http://schemas.openxmlformats.org/officeDocument/2006/relationships" xmlns:p="http://schemas.openxmlformats.org/presentationml/2006/main">
+  <p:tag name="KSO_WM_BEAUTIFY_FLAG" val="#wm#"/>
+  <p:tag name="KSO_WM_TEMPLATE_CATEGORY" val="custom"/>
+  <p:tag name="KSO_WM_TEMPLATE_INDEX" val="20191705"/>
+</p:tagLst>
+</file>
+
+<file path=ppt/tags/tag164.xml><?xml version="1.0" encoding="utf-8"?>
+<p:tagLst xmlns:a="http://schemas.openxmlformats.org/drawingml/2006/main" xmlns:r="http://schemas.openxmlformats.org/officeDocument/2006/relationships" xmlns:p="http://schemas.openxmlformats.org/presentationml/2006/main">
+  <p:tag name="KSO_WM_BEAUTIFY_FLAG" val="#wm#"/>
+  <p:tag name="KSO_WM_TEMPLATE_CATEGORY" val="custom"/>
+  <p:tag name="KSO_WM_TEMPLATE_INDEX" val="20191705"/>
+</p:tagLst>
+</file>
+
+<file path=ppt/tags/tag165.xml><?xml version="1.0" encoding="utf-8"?>
+<p:tagLst xmlns:a="http://schemas.openxmlformats.org/drawingml/2006/main" xmlns:r="http://schemas.openxmlformats.org/officeDocument/2006/relationships" xmlns:p="http://schemas.openxmlformats.org/presentationml/2006/main">
+  <p:tag name="KSO_WM_BEAUTIFY_FLAG" val="#wm#"/>
+  <p:tag name="KSO_WM_TEMPLATE_CATEGORY" val="custom"/>
+  <p:tag name="KSO_WM_TEMPLATE_INDEX" val="20191705"/>
+</p:tagLst>
+</file>
+
+<file path=ppt/tags/tag166.xml><?xml version="1.0" encoding="utf-8"?>
+<p:tagLst xmlns:a="http://schemas.openxmlformats.org/drawingml/2006/main" xmlns:r="http://schemas.openxmlformats.org/officeDocument/2006/relationships" xmlns:p="http://schemas.openxmlformats.org/presentationml/2006/main">
+  <p:tag name="KSO_WM_BEAUTIFY_FLAG" val="#wm#"/>
+  <p:tag name="KSO_WM_TEMPLATE_CATEGORY" val="custom"/>
+  <p:tag name="KSO_WM_TEMPLATE_INDEX" val="20191705"/>
+</p:tagLst>
+</file>
+
+<file path=ppt/tags/tag167.xml><?xml version="1.0" encoding="utf-8"?>
+<p:tagLst xmlns:a="http://schemas.openxmlformats.org/drawingml/2006/main" xmlns:r="http://schemas.openxmlformats.org/officeDocument/2006/relationships" xmlns:p="http://schemas.openxmlformats.org/presentationml/2006/main">
+  <p:tag name="KSO_WM_BEAUTIFY_FLAG" val="#wm#"/>
+  <p:tag name="KSO_WM_TEMPLATE_CATEGORY" val="custom"/>
+  <p:tag name="KSO_WM_TEMPLATE_INDEX" val="20191705"/>
+</p:tagLst>
+</file>
+
+<file path=ppt/tags/tag168.xml><?xml version="1.0" encoding="utf-8"?>
+<p:tagLst xmlns:a="http://schemas.openxmlformats.org/drawingml/2006/main" xmlns:r="http://schemas.openxmlformats.org/officeDocument/2006/relationships" xmlns:p="http://schemas.openxmlformats.org/presentationml/2006/main">
+  <p:tag name="KSO_WM_BEAUTIFY_FLAG" val="#wm#"/>
+  <p:tag name="KSO_WM_TEMPLATE_CATEGORY" val="custom"/>
+  <p:tag name="KSO_WM_TEMPLATE_INDEX" val="20191705"/>
+</p:tagLst>
+</file>
+
+<file path=ppt/tags/tag169.xml><?xml version="1.0" encoding="utf-8"?>
+<p:tagLst xmlns:a="http://schemas.openxmlformats.org/drawingml/2006/main" xmlns:r="http://schemas.openxmlformats.org/officeDocument/2006/relationships" xmlns:p="http://schemas.openxmlformats.org/presentationml/2006/main">
+  <p:tag name="KSO_WM_BEAUTIFY_FLAG" val="#wm#"/>
+  <p:tag name="KSO_WM_TEMPLATE_CATEGORY" val="custom"/>
+  <p:tag name="KSO_WM_TEMPLATE_INDEX" val="20191705"/>
+</p:tagLst>
+</file>
+
+<file path=ppt/tags/tag17.xml><?xml version="1.0" encoding="utf-8"?>
+<p:tagLst xmlns:a="http://schemas.openxmlformats.org/drawingml/2006/main" xmlns:r="http://schemas.openxmlformats.org/officeDocument/2006/relationships" xmlns:p="http://schemas.openxmlformats.org/presentationml/2006/main">
+  <p:tag name="KSO_WM_UNIT_HIGHLIGHT" val="0"/>
+  <p:tag name="KSO_WM_UNIT_COMPATIBLE" val="0"/>
+  <p:tag name="KSO_WM_UNIT_DIAGRAM_ISNUMVISUAL" val="0"/>
+  <p:tag name="KSO_WM_UNIT_DIAGRAM_ISREFERUNIT" val="0"/>
+  <p:tag name="KSO_WM_UNIT_ID" val="_1**"/>
+  <p:tag name="KSO_WM_UNIT_LAYERLEVEL" val="1"/>
+  <p:tag name="KSO_WM_TAG_VERSION" val="1.0"/>
+  <p:tag name="KSO_WM_BEAUTIFY_FLAG" val="#wm#"/>
+</p:tagLst>
+</file>
+
+<file path=ppt/tags/tag170.xml><?xml version="1.0" encoding="utf-8"?>
+<p:tagLst xmlns:a="http://schemas.openxmlformats.org/drawingml/2006/main" xmlns:r="http://schemas.openxmlformats.org/officeDocument/2006/relationships" xmlns:p="http://schemas.openxmlformats.org/presentationml/2006/main">
+  <p:tag name="KSO_WM_BEAUTIFY_FLAG" val="#wm#"/>
+  <p:tag name="KSO_WM_TEMPLATE_CATEGORY" val="custom"/>
+  <p:tag name="KSO_WM_TEMPLATE_INDEX" val="20191705"/>
+</p:tagLst>
+</file>
+
+<file path=ppt/tags/tag171.xml><?xml version="1.0" encoding="utf-8"?>
+<p:tagLst xmlns:a="http://schemas.openxmlformats.org/drawingml/2006/main" xmlns:r="http://schemas.openxmlformats.org/officeDocument/2006/relationships" xmlns:p="http://schemas.openxmlformats.org/presentationml/2006/main">
+  <p:tag name="KSO_WM_BEAUTIFY_FLAG" val="#wm#"/>
+  <p:tag name="KSO_WM_TEMPLATE_CATEGORY" val="custom"/>
+  <p:tag name="KSO_WM_TEMPLATE_INDEX" val="20191705"/>
+</p:tagLst>
+</file>
+
+<file path=ppt/tags/tag172.xml><?xml version="1.0" encoding="utf-8"?>
+<p:tagLst xmlns:a="http://schemas.openxmlformats.org/drawingml/2006/main" xmlns:r="http://schemas.openxmlformats.org/officeDocument/2006/relationships" xmlns:p="http://schemas.openxmlformats.org/presentationml/2006/main">
+  <p:tag name="KSO_WM_BEAUTIFY_FLAG" val="#wm#"/>
+  <p:tag name="KSO_WM_TEMPLATE_CATEGORY" val="custom"/>
+  <p:tag name="KSO_WM_TEMPLATE_INDEX" val="20191705"/>
+</p:tagLst>
+</file>
+
+<file path=ppt/tags/tag173.xml><?xml version="1.0" encoding="utf-8"?>
+<p:tagLst xmlns:a="http://schemas.openxmlformats.org/drawingml/2006/main" xmlns:r="http://schemas.openxmlformats.org/officeDocument/2006/relationships" xmlns:p="http://schemas.openxmlformats.org/presentationml/2006/main">
+  <p:tag name="KSO_WM_BEAUTIFY_FLAG" val="#wm#"/>
+  <p:tag name="KSO_WM_TEMPLATE_CATEGORY" val="custom"/>
+  <p:tag name="KSO_WM_TEMPLATE_INDEX" val="20191705"/>
+</p:tagLst>
+</file>
+
+<file path=ppt/tags/tag174.xml><?xml version="1.0" encoding="utf-8"?>
+<p:tagLst xmlns:a="http://schemas.openxmlformats.org/drawingml/2006/main" xmlns:r="http://schemas.openxmlformats.org/officeDocument/2006/relationships" xmlns:p="http://schemas.openxmlformats.org/presentationml/2006/main">
+  <p:tag name="KSO_WM_BEAUTIFY_FLAG" val="#wm#"/>
+  <p:tag name="KSO_WM_TEMPLATE_CATEGORY" val="custom"/>
+  <p:tag name="KSO_WM_TEMPLATE_INDEX" val="20191705"/>
+</p:tagLst>
+</file>
+
+<file path=ppt/tags/tag175.xml><?xml version="1.0" encoding="utf-8"?>
+<p:tagLst xmlns:a="http://schemas.openxmlformats.org/drawingml/2006/main" xmlns:r="http://schemas.openxmlformats.org/officeDocument/2006/relationships" xmlns:p="http://schemas.openxmlformats.org/presentationml/2006/main">
+  <p:tag name="KSO_WM_BEAUTIFY_FLAG" val="#wm#"/>
+  <p:tag name="KSO_WM_TEMPLATE_CATEGORY" val="custom"/>
+  <p:tag name="KSO_WM_TEMPLATE_INDEX" val="20191705"/>
+</p:tagLst>
+</file>
+
+<file path=ppt/tags/tag176.xml><?xml version="1.0" encoding="utf-8"?>
+<p:tagLst xmlns:a="http://schemas.openxmlformats.org/drawingml/2006/main" xmlns:r="http://schemas.openxmlformats.org/officeDocument/2006/relationships" xmlns:p="http://schemas.openxmlformats.org/presentationml/2006/main">
+  <p:tag name="KSO_WM_BEAUTIFY_FLAG" val="#wm#"/>
+  <p:tag name="KSO_WM_TEMPLATE_CATEGORY" val="custom"/>
+  <p:tag name="KSO_WM_TEMPLATE_INDEX" val="20191705"/>
+</p:tagLst>
+</file>
+
+<file path=ppt/tags/tag177.xml><?xml version="1.0" encoding="utf-8"?>
+<p:tagLst xmlns:a="http://schemas.openxmlformats.org/drawingml/2006/main" xmlns:r="http://schemas.openxmlformats.org/officeDocument/2006/relationships" xmlns:p="http://schemas.openxmlformats.org/presentationml/2006/main">
+  <p:tag name="KSO_WM_BEAUTIFY_FLAG" val="#wm#"/>
+  <p:tag name="KSO_WM_TEMPLATE_CATEGORY" val="custom"/>
+  <p:tag name="KSO_WM_TEMPLATE_INDEX" val="20191705"/>
+</p:tagLst>
+</file>
+
+<file path=ppt/tags/tag178.xml><?xml version="1.0" encoding="utf-8"?>
+<p:tagLst xmlns:a="http://schemas.openxmlformats.org/drawingml/2006/main" xmlns:r="http://schemas.openxmlformats.org/officeDocument/2006/relationships" xmlns:p="http://schemas.openxmlformats.org/presentationml/2006/main">
+  <p:tag name="KSO_WM_BEAUTIFY_FLAG" val="#wm#"/>
+  <p:tag name="KSO_WM_TEMPLATE_CATEGORY" val="custom"/>
+  <p:tag name="KSO_WM_TEMPLATE_INDEX" val="20191705"/>
+</p:tagLst>
+</file>
+
+<file path=ppt/tags/tag179.xml><?xml version="1.0" encoding="utf-8"?>
+<p:tagLst xmlns:a="http://schemas.openxmlformats.org/drawingml/2006/main" xmlns:r="http://schemas.openxmlformats.org/officeDocument/2006/relationships" xmlns:p="http://schemas.openxmlformats.org/presentationml/2006/main">
+  <p:tag name="KSO_WM_BEAUTIFY_FLAG" val="#wm#"/>
+  <p:tag name="KSO_WM_TEMPLATE_CATEGORY" val="custom"/>
+  <p:tag name="KSO_WM_TEMPLATE_INDEX" val="20191705"/>
+</p:tagLst>
+</file>
+
+<file path=ppt/tags/tag18.xml><?xml version="1.0" encoding="utf-8"?>
+<p:tagLst xmlns:a="http://schemas.openxmlformats.org/drawingml/2006/main" xmlns:r="http://schemas.openxmlformats.org/officeDocument/2006/relationships" xmlns:p="http://schemas.openxmlformats.org/presentationml/2006/main">
+  <p:tag name="KSO_WM_UNIT_HIGHLIGHT" val="0"/>
+  <p:tag name="KSO_WM_UNIT_COMPATIBLE" val="0"/>
+  <p:tag name="KSO_WM_UNIT_DIAGRAM_ISNUMVISUAL" val="0"/>
+  <p:tag name="KSO_WM_UNIT_DIAGRAM_ISREFERUNIT" val="0"/>
+  <p:tag name="KSO_WM_UNIT_ID" val="_1**"/>
+  <p:tag name="KSO_WM_UNIT_LAYERLEVEL" val="1"/>
+  <p:tag name="KSO_WM_TAG_VERSION" val="1.0"/>
+  <p:tag name="KSO_WM_BEAUTIFY_FLAG" val="#wm#"/>
+</p:tagLst>
+</file>
+
+<file path=ppt/tags/tag180.xml><?xml version="1.0" encoding="utf-8"?>
+<p:tagLst xmlns:a="http://schemas.openxmlformats.org/drawingml/2006/main" xmlns:r="http://schemas.openxmlformats.org/officeDocument/2006/relationships" xmlns:p="http://schemas.openxmlformats.org/presentationml/2006/main">
+  <p:tag name="KSO_WM_BEAUTIFY_FLAG" val="#wm#"/>
+  <p:tag name="KSO_WM_TEMPLATE_CATEGORY" val="custom"/>
+  <p:tag name="KSO_WM_TEMPLATE_INDEX" val="20191705"/>
+</p:tagLst>
+</file>
+
+<file path=ppt/tags/tag181.xml><?xml version="1.0" encoding="utf-8"?>
+<p:tagLst xmlns:a="http://schemas.openxmlformats.org/drawingml/2006/main" xmlns:r="http://schemas.openxmlformats.org/officeDocument/2006/relationships" xmlns:p="http://schemas.openxmlformats.org/presentationml/2006/main">
+  <p:tag name="KSO_WM_BEAUTIFY_FLAG" val="#wm#"/>
+  <p:tag name="KSO_WM_TEMPLATE_CATEGORY" val="custom"/>
+  <p:tag name="KSO_WM_TEMPLATE_INDEX" val="20191705"/>
+</p:tagLst>
+</file>
+
+<file path=ppt/tags/tag182.xml><?xml version="1.0" encoding="utf-8"?>
+<p:tagLst xmlns:a="http://schemas.openxmlformats.org/drawingml/2006/main" xmlns:r="http://schemas.openxmlformats.org/officeDocument/2006/relationships" xmlns:p="http://schemas.openxmlformats.org/presentationml/2006/main">
+  <p:tag name="KSO_WM_BEAUTIFY_FLAG" val="#wm#"/>
+  <p:tag name="KSO_WM_TEMPLATE_CATEGORY" val="custom"/>
+  <p:tag name="KSO_WM_TEMPLATE_INDEX" val="20191705"/>
+</p:tagLst>
+</file>
+
+<file path=ppt/tags/tag19.xml><?xml version="1.0" encoding="utf-8"?>
+<p:tagLst xmlns:a="http://schemas.openxmlformats.org/drawingml/2006/main" xmlns:r="http://schemas.openxmlformats.org/officeDocument/2006/relationships" xmlns:p="http://schemas.openxmlformats.org/presentationml/2006/main">
+  <p:tag name="KSO_WM_UNIT_HIGHLIGHT" val="0"/>
+  <p:tag name="KSO_WM_UNIT_COMPATIBLE" val="0"/>
+  <p:tag name="KSO_WM_UNIT_DIAGRAM_ISNUMVISUAL" val="0"/>
+  <p:tag name="KSO_WM_UNIT_DIAGRAM_ISREFERUNIT" val="0"/>
+  <p:tag name="KSO_WM_UNIT_ID" val="_1**"/>
+  <p:tag name="KSO_WM_UNIT_LAYERLEVEL" val="1"/>
+  <p:tag name="KSO_WM_TAG_VERSION" val="1.0"/>
+  <p:tag name="KSO_WM_BEAUTIFY_FLAG" val="#wm#"/>
+</p:tagLst>
+</file>
+
+<file path=ppt/tags/tag2.xml><?xml version="1.0" encoding="utf-8"?>
+<p:tagLst xmlns:a="http://schemas.openxmlformats.org/drawingml/2006/main" xmlns:r="http://schemas.openxmlformats.org/officeDocument/2006/relationships" xmlns:p="http://schemas.openxmlformats.org/presentationml/2006/main">
   <p:tag name="KSO_WM_UNIT_HIGHLIGHT" val="0"/>
   <p:tag name="KSO_WM_UNIT_COMPATIBLE" val="0"/>
   <p:tag name="KSO_WM_UNIT_DIAGRAM_ISNUMVISUAL" val="0"/>
@@ -19445,291 +20573,8 @@
 </p:tagLst>
 </file>
 
-<file path=ppt/tags/tag158.xml><?xml version="1.0" encoding="utf-8"?>
-<p:tagLst xmlns:p="http://schemas.openxmlformats.org/presentationml/2006/main">
-  <p:tag name="KSO_WM_UNIT_HIGHLIGHT" val="0"/>
-  <p:tag name="KSO_WM_UNIT_COMPATIBLE" val="0"/>
-  <p:tag name="KSO_WM_UNIT_DIAGRAM_ISNUMVISUAL" val="0"/>
-  <p:tag name="KSO_WM_UNIT_DIAGRAM_ISREFERUNIT" val="0"/>
-  <p:tag name="KSO_WM_UNIT_ID" val="_0**"/>
-  <p:tag name="KSO_WM_UNIT_LAYERLEVEL" val="1"/>
-  <p:tag name="KSO_WM_TAG_VERSION" val="1.0"/>
-  <p:tag name="KSO_WM_BEAUTIFY_FLAG" val="#wm#"/>
-</p:tagLst>
-</file>
-
-<file path=ppt/tags/tag159.xml><?xml version="1.0" encoding="utf-8"?>
-<p:tagLst xmlns:p="http://schemas.openxmlformats.org/presentationml/2006/main">
-  <p:tag name="KSO_WM_UNIT_HIGHLIGHT" val="0"/>
-  <p:tag name="KSO_WM_UNIT_COMPATIBLE" val="0"/>
-  <p:tag name="KSO_WM_UNIT_DIAGRAM_ISNUMVISUAL" val="0"/>
-  <p:tag name="KSO_WM_UNIT_DIAGRAM_ISREFERUNIT" val="0"/>
-  <p:tag name="KSO_WM_UNIT_ID" val="_0**"/>
-  <p:tag name="KSO_WM_UNIT_LAYERLEVEL" val="1"/>
-  <p:tag name="KSO_WM_TAG_VERSION" val="1.0"/>
-  <p:tag name="KSO_WM_BEAUTIFY_FLAG" val="#wm#"/>
-</p:tagLst>
-</file>
-
-<file path=ppt/tags/tag16.xml><?xml version="1.0" encoding="utf-8"?>
-<p:tagLst xmlns:p="http://schemas.openxmlformats.org/presentationml/2006/main">
-  <p:tag name="KSO_WM_UNIT_HIGHLIGHT" val="0"/>
-  <p:tag name="KSO_WM_UNIT_COMPATIBLE" val="0"/>
-  <p:tag name="KSO_WM_UNIT_DIAGRAM_ISNUMVISUAL" val="0"/>
-  <p:tag name="KSO_WM_UNIT_DIAGRAM_ISREFERUNIT" val="0"/>
-  <p:tag name="KSO_WM_UNIT_ID" val="_1**"/>
-  <p:tag name="KSO_WM_UNIT_LAYERLEVEL" val="1"/>
-  <p:tag name="KSO_WM_TAG_VERSION" val="1.0"/>
-  <p:tag name="KSO_WM_BEAUTIFY_FLAG" val="#wm#"/>
-</p:tagLst>
-</file>
-
-<file path=ppt/tags/tag160.xml><?xml version="1.0" encoding="utf-8"?>
-<p:tagLst xmlns:p="http://schemas.openxmlformats.org/presentationml/2006/main">
-  <p:tag name="KSO_WM_UNIT_HIGHLIGHT" val="0"/>
-  <p:tag name="KSO_WM_UNIT_COMPATIBLE" val="0"/>
-  <p:tag name="KSO_WM_UNIT_DIAGRAM_ISNUMVISUAL" val="0"/>
-  <p:tag name="KSO_WM_UNIT_DIAGRAM_ISREFERUNIT" val="0"/>
-  <p:tag name="KSO_WM_UNIT_ID" val="_0**"/>
-  <p:tag name="KSO_WM_UNIT_LAYERLEVEL" val="1"/>
-  <p:tag name="KSO_WM_TAG_VERSION" val="1.0"/>
-  <p:tag name="KSO_WM_BEAUTIFY_FLAG" val="#wm#"/>
-</p:tagLst>
-</file>
-
-<file path=ppt/tags/tag161.xml><?xml version="1.0" encoding="utf-8"?>
-<p:tagLst xmlns:p="http://schemas.openxmlformats.org/presentationml/2006/main">
-  <p:tag name="KSO_WM_TEMPLATE_SUBCATEGORY" val="0"/>
-  <p:tag name="KSO_WM_TAG_VERSION" val="1.0"/>
-  <p:tag name="KSO_WM_BEAUTIFY_FLAG" val="#wm#"/>
-  <p:tag name="KSO_WM_TEMPLATE_CATEGORY" val="custom"/>
-  <p:tag name="KSO_WM_TEMPLATE_INDEX" val="20191705"/>
-  <p:tag name="KSO_WM_TEMPLATE_THUMBS_INDEX" val="1、2、3、4、5、6、7、8、9、10、11、12、13、14、15"/>
-</p:tagLst>
-</file>
-
-<file path=ppt/tags/tag162.xml><?xml version="1.0" encoding="utf-8"?>
-<p:tagLst xmlns:p="http://schemas.openxmlformats.org/presentationml/2006/main">
-  <p:tag name="KSO_WM_BEAUTIFY_FLAG" val="#wm#"/>
-  <p:tag name="KSO_WM_TEMPLATE_CATEGORY" val="custom"/>
-  <p:tag name="KSO_WM_TEMPLATE_INDEX" val="20191705"/>
-</p:tagLst>
-</file>
-
-<file path=ppt/tags/tag163.xml><?xml version="1.0" encoding="utf-8"?>
-<p:tagLst xmlns:p="http://schemas.openxmlformats.org/presentationml/2006/main">
-  <p:tag name="KSO_WM_BEAUTIFY_FLAG" val="#wm#"/>
-  <p:tag name="KSO_WM_TEMPLATE_CATEGORY" val="custom"/>
-  <p:tag name="KSO_WM_TEMPLATE_INDEX" val="20191705"/>
-</p:tagLst>
-</file>
-
-<file path=ppt/tags/tag164.xml><?xml version="1.0" encoding="utf-8"?>
-<p:tagLst xmlns:p="http://schemas.openxmlformats.org/presentationml/2006/main">
-  <p:tag name="KSO_WM_BEAUTIFY_FLAG" val="#wm#"/>
-  <p:tag name="KSO_WM_TEMPLATE_CATEGORY" val="custom"/>
-  <p:tag name="KSO_WM_TEMPLATE_INDEX" val="20191705"/>
-</p:tagLst>
-</file>
-
-<file path=ppt/tags/tag165.xml><?xml version="1.0" encoding="utf-8"?>
-<p:tagLst xmlns:p="http://schemas.openxmlformats.org/presentationml/2006/main">
-  <p:tag name="KSO_WM_BEAUTIFY_FLAG" val="#wm#"/>
-  <p:tag name="KSO_WM_TEMPLATE_CATEGORY" val="custom"/>
-  <p:tag name="KSO_WM_TEMPLATE_INDEX" val="20191705"/>
-</p:tagLst>
-</file>
-
-<file path=ppt/tags/tag166.xml><?xml version="1.0" encoding="utf-8"?>
-<p:tagLst xmlns:p="http://schemas.openxmlformats.org/presentationml/2006/main">
-  <p:tag name="KSO_WM_BEAUTIFY_FLAG" val="#wm#"/>
-  <p:tag name="KSO_WM_TEMPLATE_CATEGORY" val="custom"/>
-  <p:tag name="KSO_WM_TEMPLATE_INDEX" val="20191705"/>
-</p:tagLst>
-</file>
-
-<file path=ppt/tags/tag167.xml><?xml version="1.0" encoding="utf-8"?>
-<p:tagLst xmlns:p="http://schemas.openxmlformats.org/presentationml/2006/main">
-  <p:tag name="KSO_WM_BEAUTIFY_FLAG" val="#wm#"/>
-  <p:tag name="KSO_WM_TEMPLATE_CATEGORY" val="custom"/>
-  <p:tag name="KSO_WM_TEMPLATE_INDEX" val="20191705"/>
-</p:tagLst>
-</file>
-
-<file path=ppt/tags/tag168.xml><?xml version="1.0" encoding="utf-8"?>
-<p:tagLst xmlns:p="http://schemas.openxmlformats.org/presentationml/2006/main">
-  <p:tag name="KSO_WM_BEAUTIFY_FLAG" val="#wm#"/>
-  <p:tag name="KSO_WM_TEMPLATE_CATEGORY" val="custom"/>
-  <p:tag name="KSO_WM_TEMPLATE_INDEX" val="20191705"/>
-</p:tagLst>
-</file>
-
-<file path=ppt/tags/tag169.xml><?xml version="1.0" encoding="utf-8"?>
-<p:tagLst xmlns:p="http://schemas.openxmlformats.org/presentationml/2006/main">
-  <p:tag name="KSO_WM_BEAUTIFY_FLAG" val="#wm#"/>
-  <p:tag name="KSO_WM_TEMPLATE_CATEGORY" val="custom"/>
-  <p:tag name="KSO_WM_TEMPLATE_INDEX" val="20191705"/>
-</p:tagLst>
-</file>
-
-<file path=ppt/tags/tag17.xml><?xml version="1.0" encoding="utf-8"?>
-<p:tagLst xmlns:p="http://schemas.openxmlformats.org/presentationml/2006/main">
-  <p:tag name="KSO_WM_UNIT_HIGHLIGHT" val="0"/>
-  <p:tag name="KSO_WM_UNIT_COMPATIBLE" val="0"/>
-  <p:tag name="KSO_WM_UNIT_DIAGRAM_ISNUMVISUAL" val="0"/>
-  <p:tag name="KSO_WM_UNIT_DIAGRAM_ISREFERUNIT" val="0"/>
-  <p:tag name="KSO_WM_UNIT_ID" val="_1**"/>
-  <p:tag name="KSO_WM_UNIT_LAYERLEVEL" val="1"/>
-  <p:tag name="KSO_WM_TAG_VERSION" val="1.0"/>
-  <p:tag name="KSO_WM_BEAUTIFY_FLAG" val="#wm#"/>
-</p:tagLst>
-</file>
-
-<file path=ppt/tags/tag170.xml><?xml version="1.0" encoding="utf-8"?>
-<p:tagLst xmlns:p="http://schemas.openxmlformats.org/presentationml/2006/main">
-  <p:tag name="KSO_WM_BEAUTIFY_FLAG" val="#wm#"/>
-  <p:tag name="KSO_WM_TEMPLATE_CATEGORY" val="custom"/>
-  <p:tag name="KSO_WM_TEMPLATE_INDEX" val="20191705"/>
-</p:tagLst>
-</file>
-
-<file path=ppt/tags/tag171.xml><?xml version="1.0" encoding="utf-8"?>
-<p:tagLst xmlns:p="http://schemas.openxmlformats.org/presentationml/2006/main">
-  <p:tag name="KSO_WM_BEAUTIFY_FLAG" val="#wm#"/>
-  <p:tag name="KSO_WM_TEMPLATE_CATEGORY" val="custom"/>
-  <p:tag name="KSO_WM_TEMPLATE_INDEX" val="20191705"/>
-</p:tagLst>
-</file>
-
-<file path=ppt/tags/tag172.xml><?xml version="1.0" encoding="utf-8"?>
-<p:tagLst xmlns:p="http://schemas.openxmlformats.org/presentationml/2006/main">
-  <p:tag name="KSO_WM_BEAUTIFY_FLAG" val="#wm#"/>
-  <p:tag name="KSO_WM_TEMPLATE_CATEGORY" val="custom"/>
-  <p:tag name="KSO_WM_TEMPLATE_INDEX" val="20191705"/>
-</p:tagLst>
-</file>
-
-<file path=ppt/tags/tag173.xml><?xml version="1.0" encoding="utf-8"?>
-<p:tagLst xmlns:p="http://schemas.openxmlformats.org/presentationml/2006/main">
-  <p:tag name="KSO_WM_BEAUTIFY_FLAG" val="#wm#"/>
-  <p:tag name="KSO_WM_TEMPLATE_CATEGORY" val="custom"/>
-  <p:tag name="KSO_WM_TEMPLATE_INDEX" val="20191705"/>
-</p:tagLst>
-</file>
-
-<file path=ppt/tags/tag174.xml><?xml version="1.0" encoding="utf-8"?>
-<p:tagLst xmlns:p="http://schemas.openxmlformats.org/presentationml/2006/main">
-  <p:tag name="KSO_WM_BEAUTIFY_FLAG" val="#wm#"/>
-  <p:tag name="KSO_WM_TEMPLATE_CATEGORY" val="custom"/>
-  <p:tag name="KSO_WM_TEMPLATE_INDEX" val="20191705"/>
-</p:tagLst>
-</file>
-
-<file path=ppt/tags/tag175.xml><?xml version="1.0" encoding="utf-8"?>
-<p:tagLst xmlns:p="http://schemas.openxmlformats.org/presentationml/2006/main">
-  <p:tag name="KSO_WM_BEAUTIFY_FLAG" val="#wm#"/>
-  <p:tag name="KSO_WM_TEMPLATE_CATEGORY" val="custom"/>
-  <p:tag name="KSO_WM_TEMPLATE_INDEX" val="20191705"/>
-</p:tagLst>
-</file>
-
-<file path=ppt/tags/tag176.xml><?xml version="1.0" encoding="utf-8"?>
-<p:tagLst xmlns:p="http://schemas.openxmlformats.org/presentationml/2006/main">
-  <p:tag name="KSO_WM_BEAUTIFY_FLAG" val="#wm#"/>
-  <p:tag name="KSO_WM_TEMPLATE_CATEGORY" val="custom"/>
-  <p:tag name="KSO_WM_TEMPLATE_INDEX" val="20191705"/>
-</p:tagLst>
-</file>
-
-<file path=ppt/tags/tag177.xml><?xml version="1.0" encoding="utf-8"?>
-<p:tagLst xmlns:p="http://schemas.openxmlformats.org/presentationml/2006/main">
-  <p:tag name="KSO_WM_BEAUTIFY_FLAG" val="#wm#"/>
-  <p:tag name="KSO_WM_TEMPLATE_CATEGORY" val="custom"/>
-  <p:tag name="KSO_WM_TEMPLATE_INDEX" val="20191705"/>
-</p:tagLst>
-</file>
-
-<file path=ppt/tags/tag178.xml><?xml version="1.0" encoding="utf-8"?>
-<p:tagLst xmlns:p="http://schemas.openxmlformats.org/presentationml/2006/main">
-  <p:tag name="KSO_WM_BEAUTIFY_FLAG" val="#wm#"/>
-  <p:tag name="KSO_WM_TEMPLATE_CATEGORY" val="custom"/>
-  <p:tag name="KSO_WM_TEMPLATE_INDEX" val="20191705"/>
-</p:tagLst>
-</file>
-
-<file path=ppt/tags/tag179.xml><?xml version="1.0" encoding="utf-8"?>
-<p:tagLst xmlns:p="http://schemas.openxmlformats.org/presentationml/2006/main">
-  <p:tag name="KSO_WM_BEAUTIFY_FLAG" val="#wm#"/>
-  <p:tag name="KSO_WM_TEMPLATE_CATEGORY" val="custom"/>
-  <p:tag name="KSO_WM_TEMPLATE_INDEX" val="20191705"/>
-</p:tagLst>
-</file>
-
-<file path=ppt/tags/tag18.xml><?xml version="1.0" encoding="utf-8"?>
-<p:tagLst xmlns:p="http://schemas.openxmlformats.org/presentationml/2006/main">
-  <p:tag name="KSO_WM_UNIT_HIGHLIGHT" val="0"/>
-  <p:tag name="KSO_WM_UNIT_COMPATIBLE" val="0"/>
-  <p:tag name="KSO_WM_UNIT_DIAGRAM_ISNUMVISUAL" val="0"/>
-  <p:tag name="KSO_WM_UNIT_DIAGRAM_ISREFERUNIT" val="0"/>
-  <p:tag name="KSO_WM_UNIT_ID" val="_1**"/>
-  <p:tag name="KSO_WM_UNIT_LAYERLEVEL" val="1"/>
-  <p:tag name="KSO_WM_TAG_VERSION" val="1.0"/>
-  <p:tag name="KSO_WM_BEAUTIFY_FLAG" val="#wm#"/>
-</p:tagLst>
-</file>
-
-<file path=ppt/tags/tag180.xml><?xml version="1.0" encoding="utf-8"?>
-<p:tagLst xmlns:p="http://schemas.openxmlformats.org/presentationml/2006/main">
-  <p:tag name="KSO_WM_BEAUTIFY_FLAG" val="#wm#"/>
-  <p:tag name="KSO_WM_TEMPLATE_CATEGORY" val="custom"/>
-  <p:tag name="KSO_WM_TEMPLATE_INDEX" val="20191705"/>
-</p:tagLst>
-</file>
-
-<file path=ppt/tags/tag181.xml><?xml version="1.0" encoding="utf-8"?>
-<p:tagLst xmlns:p="http://schemas.openxmlformats.org/presentationml/2006/main">
-  <p:tag name="KSO_WM_BEAUTIFY_FLAG" val="#wm#"/>
-  <p:tag name="KSO_WM_TEMPLATE_CATEGORY" val="custom"/>
-  <p:tag name="KSO_WM_TEMPLATE_INDEX" val="20191705"/>
-</p:tagLst>
-</file>
-
-<file path=ppt/tags/tag182.xml><?xml version="1.0" encoding="utf-8"?>
-<p:tagLst xmlns:p="http://schemas.openxmlformats.org/presentationml/2006/main">
-  <p:tag name="KSO_WM_BEAUTIFY_FLAG" val="#wm#"/>
-  <p:tag name="KSO_WM_TEMPLATE_CATEGORY" val="custom"/>
-  <p:tag name="KSO_WM_TEMPLATE_INDEX" val="20191705"/>
-</p:tagLst>
-</file>
-
-<file path=ppt/tags/tag19.xml><?xml version="1.0" encoding="utf-8"?>
-<p:tagLst xmlns:p="http://schemas.openxmlformats.org/presentationml/2006/main">
-  <p:tag name="KSO_WM_UNIT_HIGHLIGHT" val="0"/>
-  <p:tag name="KSO_WM_UNIT_COMPATIBLE" val="0"/>
-  <p:tag name="KSO_WM_UNIT_DIAGRAM_ISNUMVISUAL" val="0"/>
-  <p:tag name="KSO_WM_UNIT_DIAGRAM_ISREFERUNIT" val="0"/>
-  <p:tag name="KSO_WM_UNIT_ID" val="_1**"/>
-  <p:tag name="KSO_WM_UNIT_LAYERLEVEL" val="1"/>
-  <p:tag name="KSO_WM_TAG_VERSION" val="1.0"/>
-  <p:tag name="KSO_WM_BEAUTIFY_FLAG" val="#wm#"/>
-</p:tagLst>
-</file>
-
-<file path=ppt/tags/tag2.xml><?xml version="1.0" encoding="utf-8"?>
-<p:tagLst xmlns:p="http://schemas.openxmlformats.org/presentationml/2006/main">
-  <p:tag name="KSO_WM_UNIT_HIGHLIGHT" val="0"/>
-  <p:tag name="KSO_WM_UNIT_COMPATIBLE" val="0"/>
-  <p:tag name="KSO_WM_UNIT_DIAGRAM_ISNUMVISUAL" val="0"/>
-  <p:tag name="KSO_WM_UNIT_DIAGRAM_ISREFERUNIT" val="0"/>
-  <p:tag name="KSO_WM_UNIT_ID" val="_1**"/>
-  <p:tag name="KSO_WM_UNIT_LAYERLEVEL" val="1"/>
-  <p:tag name="KSO_WM_TAG_VERSION" val="1.0"/>
-  <p:tag name="KSO_WM_BEAUTIFY_FLAG" val="#wm#"/>
-</p:tagLst>
-</file>
-
 <file path=ppt/tags/tag20.xml><?xml version="1.0" encoding="utf-8"?>
-<p:tagLst xmlns:p="http://schemas.openxmlformats.org/presentationml/2006/main">
+<p:tagLst xmlns:a="http://schemas.openxmlformats.org/drawingml/2006/main" xmlns:r="http://schemas.openxmlformats.org/officeDocument/2006/relationships" xmlns:p="http://schemas.openxmlformats.org/presentationml/2006/main">
   <p:tag name="KSO_WM_UNIT_HIGHLIGHT" val="0"/>
   <p:tag name="KSO_WM_UNIT_COMPATIBLE" val="0"/>
   <p:tag name="KSO_WM_UNIT_DIAGRAM_ISNUMVISUAL" val="0"/>
@@ -19742,7 +20587,7 @@
 </file>
 
 <file path=ppt/tags/tag21.xml><?xml version="1.0" encoding="utf-8"?>
-<p:tagLst xmlns:p="http://schemas.openxmlformats.org/presentationml/2006/main">
+<p:tagLst xmlns:a="http://schemas.openxmlformats.org/drawingml/2006/main" xmlns:r="http://schemas.openxmlformats.org/officeDocument/2006/relationships" xmlns:p="http://schemas.openxmlformats.org/presentationml/2006/main">
   <p:tag name="KSO_WM_UNIT_HIGHLIGHT" val="0"/>
   <p:tag name="KSO_WM_UNIT_COMPATIBLE" val="0"/>
   <p:tag name="KSO_WM_UNIT_DIAGRAM_ISNUMVISUAL" val="0"/>
@@ -19755,7 +20600,7 @@
 </file>
 
 <file path=ppt/tags/tag22.xml><?xml version="1.0" encoding="utf-8"?>
-<p:tagLst xmlns:p="http://schemas.openxmlformats.org/presentationml/2006/main">
+<p:tagLst xmlns:a="http://schemas.openxmlformats.org/drawingml/2006/main" xmlns:r="http://schemas.openxmlformats.org/officeDocument/2006/relationships" xmlns:p="http://schemas.openxmlformats.org/presentationml/2006/main">
   <p:tag name="KSO_WM_UNIT_HIGHLIGHT" val="0"/>
   <p:tag name="KSO_WM_UNIT_COMPATIBLE" val="0"/>
   <p:tag name="KSO_WM_UNIT_DIAGRAM_ISNUMVISUAL" val="0"/>
@@ -19768,7 +20613,7 @@
 </file>
 
 <file path=ppt/tags/tag23.xml><?xml version="1.0" encoding="utf-8"?>
-<p:tagLst xmlns:p="http://schemas.openxmlformats.org/presentationml/2006/main">
+<p:tagLst xmlns:a="http://schemas.openxmlformats.org/drawingml/2006/main" xmlns:r="http://schemas.openxmlformats.org/officeDocument/2006/relationships" xmlns:p="http://schemas.openxmlformats.org/presentationml/2006/main">
   <p:tag name="KSO_WM_UNIT_HIGHLIGHT" val="0"/>
   <p:tag name="KSO_WM_UNIT_COMPATIBLE" val="0"/>
   <p:tag name="KSO_WM_UNIT_DIAGRAM_ISNUMVISUAL" val="0"/>
@@ -19781,7 +20626,7 @@
 </file>
 
 <file path=ppt/tags/tag24.xml><?xml version="1.0" encoding="utf-8"?>
-<p:tagLst xmlns:p="http://schemas.openxmlformats.org/presentationml/2006/main">
+<p:tagLst xmlns:a="http://schemas.openxmlformats.org/drawingml/2006/main" xmlns:r="http://schemas.openxmlformats.org/officeDocument/2006/relationships" xmlns:p="http://schemas.openxmlformats.org/presentationml/2006/main">
   <p:tag name="KSO_WM_UNIT_HIGHLIGHT" val="0"/>
   <p:tag name="KSO_WM_UNIT_COMPATIBLE" val="0"/>
   <p:tag name="KSO_WM_UNIT_DIAGRAM_ISNUMVISUAL" val="0"/>
@@ -19794,7 +20639,7 @@
 </file>
 
 <file path=ppt/tags/tag25.xml><?xml version="1.0" encoding="utf-8"?>
-<p:tagLst xmlns:p="http://schemas.openxmlformats.org/presentationml/2006/main">
+<p:tagLst xmlns:a="http://schemas.openxmlformats.org/drawingml/2006/main" xmlns:r="http://schemas.openxmlformats.org/officeDocument/2006/relationships" xmlns:p="http://schemas.openxmlformats.org/presentationml/2006/main">
   <p:tag name="KSO_WM_UNIT_HIGHLIGHT" val="0"/>
   <p:tag name="KSO_WM_UNIT_COMPATIBLE" val="0"/>
   <p:tag name="KSO_WM_UNIT_DIAGRAM_ISNUMVISUAL" val="0"/>
@@ -19807,7 +20652,7 @@
 </file>
 
 <file path=ppt/tags/tag26.xml><?xml version="1.0" encoding="utf-8"?>
-<p:tagLst xmlns:p="http://schemas.openxmlformats.org/presentationml/2006/main">
+<p:tagLst xmlns:a="http://schemas.openxmlformats.org/drawingml/2006/main" xmlns:r="http://schemas.openxmlformats.org/officeDocument/2006/relationships" xmlns:p="http://schemas.openxmlformats.org/presentationml/2006/main">
   <p:tag name="KSO_WM_UNIT_HIGHLIGHT" val="0"/>
   <p:tag name="KSO_WM_UNIT_COMPATIBLE" val="0"/>
   <p:tag name="KSO_WM_UNIT_DIAGRAM_ISNUMVISUAL" val="0"/>
@@ -19820,7 +20665,7 @@
 </file>
 
 <file path=ppt/tags/tag27.xml><?xml version="1.0" encoding="utf-8"?>
-<p:tagLst xmlns:p="http://schemas.openxmlformats.org/presentationml/2006/main">
+<p:tagLst xmlns:a="http://schemas.openxmlformats.org/drawingml/2006/main" xmlns:r="http://schemas.openxmlformats.org/officeDocument/2006/relationships" xmlns:p="http://schemas.openxmlformats.org/presentationml/2006/main">
   <p:tag name="KSO_WM_UNIT_HIGHLIGHT" val="0"/>
   <p:tag name="KSO_WM_UNIT_COMPATIBLE" val="0"/>
   <p:tag name="KSO_WM_UNIT_DIAGRAM_ISNUMVISUAL" val="0"/>
@@ -19833,7 +20678,7 @@
 </file>
 
 <file path=ppt/tags/tag28.xml><?xml version="1.0" encoding="utf-8"?>
-<p:tagLst xmlns:p="http://schemas.openxmlformats.org/presentationml/2006/main">
+<p:tagLst xmlns:a="http://schemas.openxmlformats.org/drawingml/2006/main" xmlns:r="http://schemas.openxmlformats.org/officeDocument/2006/relationships" xmlns:p="http://schemas.openxmlformats.org/presentationml/2006/main">
   <p:tag name="KSO_WM_UNIT_HIGHLIGHT" val="0"/>
   <p:tag name="KSO_WM_UNIT_COMPATIBLE" val="0"/>
   <p:tag name="KSO_WM_UNIT_DIAGRAM_ISNUMVISUAL" val="0"/>
@@ -19846,7 +20691,7 @@
 </file>
 
 <file path=ppt/tags/tag29.xml><?xml version="1.0" encoding="utf-8"?>
-<p:tagLst xmlns:p="http://schemas.openxmlformats.org/presentationml/2006/main">
+<p:tagLst xmlns:a="http://schemas.openxmlformats.org/drawingml/2006/main" xmlns:r="http://schemas.openxmlformats.org/officeDocument/2006/relationships" xmlns:p="http://schemas.openxmlformats.org/presentationml/2006/main">
   <p:tag name="KSO_WM_UNIT_HIGHLIGHT" val="0"/>
   <p:tag name="KSO_WM_UNIT_COMPATIBLE" val="0"/>
   <p:tag name="KSO_WM_UNIT_DIAGRAM_ISNUMVISUAL" val="0"/>
@@ -19859,12 +20704,12 @@
 </file>
 
 <file path=ppt/tags/tag3.xml><?xml version="1.0" encoding="utf-8"?>
-<p:tagLst xmlns:p="http://schemas.openxmlformats.org/presentationml/2006/main">
+<p:tagLst xmlns:a="http://schemas.openxmlformats.org/drawingml/2006/main" xmlns:r="http://schemas.openxmlformats.org/officeDocument/2006/relationships" xmlns:p="http://schemas.openxmlformats.org/presentationml/2006/main">
   <p:tag name="KSO_WM_UNIT_HIGHLIGHT" val="0"/>
   <p:tag name="KSO_WM_UNIT_COMPATIBLE" val="0"/>
   <p:tag name="KSO_WM_UNIT_DIAGRAM_ISNUMVISUAL" val="0"/>
   <p:tag name="KSO_WM_UNIT_DIAGRAM_ISREFERUNIT" val="0"/>
-  <p:tag name="KSO_WM_UNIT_ID" val="_1**"/>
+  <p:tag name="KSO_WM_UNIT_ID" val="_0**"/>
   <p:tag name="KSO_WM_UNIT_LAYERLEVEL" val="1"/>
   <p:tag name="KSO_WM_TAG_VERSION" val="1.0"/>
   <p:tag name="KSO_WM_BEAUTIFY_FLAG" val="#wm#"/>
@@ -19872,7 +20717,7 @@
 </file>
 
 <file path=ppt/tags/tag30.xml><?xml version="1.0" encoding="utf-8"?>
-<p:tagLst xmlns:p="http://schemas.openxmlformats.org/presentationml/2006/main">
+<p:tagLst xmlns:a="http://schemas.openxmlformats.org/drawingml/2006/main" xmlns:r="http://schemas.openxmlformats.org/officeDocument/2006/relationships" xmlns:p="http://schemas.openxmlformats.org/presentationml/2006/main">
   <p:tag name="KSO_WM_UNIT_HIGHLIGHT" val="0"/>
   <p:tag name="KSO_WM_UNIT_COMPATIBLE" val="0"/>
   <p:tag name="KSO_WM_UNIT_DIAGRAM_ISNUMVISUAL" val="0"/>
@@ -19885,7 +20730,7 @@
 </file>
 
 <file path=ppt/tags/tag31.xml><?xml version="1.0" encoding="utf-8"?>
-<p:tagLst xmlns:p="http://schemas.openxmlformats.org/presentationml/2006/main">
+<p:tagLst xmlns:a="http://schemas.openxmlformats.org/drawingml/2006/main" xmlns:r="http://schemas.openxmlformats.org/officeDocument/2006/relationships" xmlns:p="http://schemas.openxmlformats.org/presentationml/2006/main">
   <p:tag name="KSO_WM_UNIT_HIGHLIGHT" val="0"/>
   <p:tag name="KSO_WM_UNIT_COMPATIBLE" val="0"/>
   <p:tag name="KSO_WM_UNIT_DIAGRAM_ISNUMVISUAL" val="0"/>
@@ -19898,7 +20743,7 @@
 </file>
 
 <file path=ppt/tags/tag32.xml><?xml version="1.0" encoding="utf-8"?>
-<p:tagLst xmlns:p="http://schemas.openxmlformats.org/presentationml/2006/main">
+<p:tagLst xmlns:a="http://schemas.openxmlformats.org/drawingml/2006/main" xmlns:r="http://schemas.openxmlformats.org/officeDocument/2006/relationships" xmlns:p="http://schemas.openxmlformats.org/presentationml/2006/main">
   <p:tag name="KSO_WM_UNIT_HIGHLIGHT" val="0"/>
   <p:tag name="KSO_WM_UNIT_COMPATIBLE" val="0"/>
   <p:tag name="KSO_WM_UNIT_DIAGRAM_ISNUMVISUAL" val="0"/>
@@ -19911,7 +20756,7 @@
 </file>
 
 <file path=ppt/tags/tag33.xml><?xml version="1.0" encoding="utf-8"?>
-<p:tagLst xmlns:p="http://schemas.openxmlformats.org/presentationml/2006/main">
+<p:tagLst xmlns:a="http://schemas.openxmlformats.org/drawingml/2006/main" xmlns:r="http://schemas.openxmlformats.org/officeDocument/2006/relationships" xmlns:p="http://schemas.openxmlformats.org/presentationml/2006/main">
   <p:tag name="KSO_WM_UNIT_HIGHLIGHT" val="0"/>
   <p:tag name="KSO_WM_UNIT_COMPATIBLE" val="0"/>
   <p:tag name="KSO_WM_UNIT_DIAGRAM_ISNUMVISUAL" val="0"/>
@@ -19924,85 +20769,7 @@
 </file>
 
 <file path=ppt/tags/tag34.xml><?xml version="1.0" encoding="utf-8"?>
-<p:tagLst xmlns:p="http://schemas.openxmlformats.org/presentationml/2006/main">
-  <p:tag name="KSO_WM_UNIT_HIGHLIGHT" val="0"/>
-  <p:tag name="KSO_WM_UNIT_COMPATIBLE" val="0"/>
-  <p:tag name="KSO_WM_UNIT_DIAGRAM_ISNUMVISUAL" val="0"/>
-  <p:tag name="KSO_WM_UNIT_DIAGRAM_ISREFERUNIT" val="0"/>
-  <p:tag name="KSO_WM_UNIT_ID" val="_2**"/>
-  <p:tag name="KSO_WM_UNIT_LAYERLEVEL" val="1"/>
-  <p:tag name="KSO_WM_TAG_VERSION" val="1.0"/>
-  <p:tag name="KSO_WM_BEAUTIFY_FLAG" val="#wm#"/>
-</p:tagLst>
-</file>
-
-<file path=ppt/tags/tag35.xml><?xml version="1.0" encoding="utf-8"?>
-<p:tagLst xmlns:p="http://schemas.openxmlformats.org/presentationml/2006/main">
-  <p:tag name="KSO_WM_UNIT_HIGHLIGHT" val="0"/>
-  <p:tag name="KSO_WM_UNIT_COMPATIBLE" val="0"/>
-  <p:tag name="KSO_WM_UNIT_DIAGRAM_ISNUMVISUAL" val="0"/>
-  <p:tag name="KSO_WM_UNIT_DIAGRAM_ISREFERUNIT" val="0"/>
-  <p:tag name="KSO_WM_UNIT_ID" val="_2**"/>
-  <p:tag name="KSO_WM_UNIT_LAYERLEVEL" val="1"/>
-  <p:tag name="KSO_WM_TAG_VERSION" val="1.0"/>
-  <p:tag name="KSO_WM_BEAUTIFY_FLAG" val="#wm#"/>
-</p:tagLst>
-</file>
-
-<file path=ppt/tags/tag36.xml><?xml version="1.0" encoding="utf-8"?>
-<p:tagLst xmlns:p="http://schemas.openxmlformats.org/presentationml/2006/main">
-  <p:tag name="KSO_WM_UNIT_HIGHLIGHT" val="0"/>
-  <p:tag name="KSO_WM_UNIT_COMPATIBLE" val="0"/>
-  <p:tag name="KSO_WM_UNIT_DIAGRAM_ISNUMVISUAL" val="0"/>
-  <p:tag name="KSO_WM_UNIT_DIAGRAM_ISREFERUNIT" val="0"/>
-  <p:tag name="KSO_WM_UNIT_ID" val="_2**"/>
-  <p:tag name="KSO_WM_UNIT_LAYERLEVEL" val="1"/>
-  <p:tag name="KSO_WM_TAG_VERSION" val="1.0"/>
-  <p:tag name="KSO_WM_BEAUTIFY_FLAG" val="#wm#"/>
-</p:tagLst>
-</file>
-
-<file path=ppt/tags/tag37.xml><?xml version="1.0" encoding="utf-8"?>
-<p:tagLst xmlns:p="http://schemas.openxmlformats.org/presentationml/2006/main">
-  <p:tag name="KSO_WM_UNIT_HIGHLIGHT" val="0"/>
-  <p:tag name="KSO_WM_UNIT_COMPATIBLE" val="0"/>
-  <p:tag name="KSO_WM_UNIT_DIAGRAM_ISNUMVISUAL" val="0"/>
-  <p:tag name="KSO_WM_UNIT_DIAGRAM_ISREFERUNIT" val="0"/>
-  <p:tag name="KSO_WM_UNIT_ID" val="_2**"/>
-  <p:tag name="KSO_WM_UNIT_LAYERLEVEL" val="1"/>
-  <p:tag name="KSO_WM_TAG_VERSION" val="1.0"/>
-  <p:tag name="KSO_WM_BEAUTIFY_FLAG" val="#wm#"/>
-</p:tagLst>
-</file>
-
-<file path=ppt/tags/tag38.xml><?xml version="1.0" encoding="utf-8"?>
-<p:tagLst xmlns:p="http://schemas.openxmlformats.org/presentationml/2006/main">
-  <p:tag name="KSO_WM_UNIT_HIGHLIGHT" val="0"/>
-  <p:tag name="KSO_WM_UNIT_COMPATIBLE" val="0"/>
-  <p:tag name="KSO_WM_UNIT_DIAGRAM_ISNUMVISUAL" val="0"/>
-  <p:tag name="KSO_WM_UNIT_DIAGRAM_ISREFERUNIT" val="0"/>
-  <p:tag name="KSO_WM_UNIT_ID" val="_2**"/>
-  <p:tag name="KSO_WM_UNIT_LAYERLEVEL" val="1"/>
-  <p:tag name="KSO_WM_TAG_VERSION" val="1.0"/>
-  <p:tag name="KSO_WM_BEAUTIFY_FLAG" val="#wm#"/>
-</p:tagLst>
-</file>
-
-<file path=ppt/tags/tag39.xml><?xml version="1.0" encoding="utf-8"?>
-<p:tagLst xmlns:p="http://schemas.openxmlformats.org/presentationml/2006/main">
-  <p:tag name="KSO_WM_UNIT_HIGHLIGHT" val="0"/>
-  <p:tag name="KSO_WM_UNIT_COMPATIBLE" val="0"/>
-  <p:tag name="KSO_WM_UNIT_DIAGRAM_ISNUMVISUAL" val="0"/>
-  <p:tag name="KSO_WM_UNIT_DIAGRAM_ISREFERUNIT" val="0"/>
-  <p:tag name="KSO_WM_UNIT_ID" val="_2**"/>
-  <p:tag name="KSO_WM_UNIT_LAYERLEVEL" val="1"/>
-  <p:tag name="KSO_WM_TAG_VERSION" val="1.0"/>
-  <p:tag name="KSO_WM_BEAUTIFY_FLAG" val="#wm#"/>
-</p:tagLst>
-</file>
-
-<file path=ppt/tags/tag4.xml><?xml version="1.0" encoding="utf-8"?>
-<p:tagLst xmlns:p="http://schemas.openxmlformats.org/presentationml/2006/main">
+<p:tagLst xmlns:a="http://schemas.openxmlformats.org/drawingml/2006/main" xmlns:r="http://schemas.openxmlformats.org/officeDocument/2006/relationships" xmlns:p="http://schemas.openxmlformats.org/presentationml/2006/main">
   <p:tag name="KSO_WM_UNIT_HIGHLIGHT" val="0"/>
   <p:tag name="KSO_WM_UNIT_COMPATIBLE" val="0"/>
   <p:tag name="KSO_WM_UNIT_DIAGRAM_ISNUMVISUAL" val="0"/>
@@ -20014,8 +20781,86 @@
 </p:tagLst>
 </file>
 
+<file path=ppt/tags/tag35.xml><?xml version="1.0" encoding="utf-8"?>
+<p:tagLst xmlns:a="http://schemas.openxmlformats.org/drawingml/2006/main" xmlns:r="http://schemas.openxmlformats.org/officeDocument/2006/relationships" xmlns:p="http://schemas.openxmlformats.org/presentationml/2006/main">
+  <p:tag name="KSO_WM_UNIT_HIGHLIGHT" val="0"/>
+  <p:tag name="KSO_WM_UNIT_COMPATIBLE" val="0"/>
+  <p:tag name="KSO_WM_UNIT_DIAGRAM_ISNUMVISUAL" val="0"/>
+  <p:tag name="KSO_WM_UNIT_DIAGRAM_ISREFERUNIT" val="0"/>
+  <p:tag name="KSO_WM_UNIT_ID" val="_1**"/>
+  <p:tag name="KSO_WM_UNIT_LAYERLEVEL" val="1"/>
+  <p:tag name="KSO_WM_TAG_VERSION" val="1.0"/>
+  <p:tag name="KSO_WM_BEAUTIFY_FLAG" val="#wm#"/>
+</p:tagLst>
+</file>
+
+<file path=ppt/tags/tag36.xml><?xml version="1.0" encoding="utf-8"?>
+<p:tagLst xmlns:a="http://schemas.openxmlformats.org/drawingml/2006/main" xmlns:r="http://schemas.openxmlformats.org/officeDocument/2006/relationships" xmlns:p="http://schemas.openxmlformats.org/presentationml/2006/main">
+  <p:tag name="KSO_WM_UNIT_HIGHLIGHT" val="0"/>
+  <p:tag name="KSO_WM_UNIT_COMPATIBLE" val="0"/>
+  <p:tag name="KSO_WM_UNIT_DIAGRAM_ISNUMVISUAL" val="0"/>
+  <p:tag name="KSO_WM_UNIT_DIAGRAM_ISREFERUNIT" val="0"/>
+  <p:tag name="KSO_WM_UNIT_ID" val="_1**"/>
+  <p:tag name="KSO_WM_UNIT_LAYERLEVEL" val="1"/>
+  <p:tag name="KSO_WM_TAG_VERSION" val="1.0"/>
+  <p:tag name="KSO_WM_BEAUTIFY_FLAG" val="#wm#"/>
+</p:tagLst>
+</file>
+
+<file path=ppt/tags/tag37.xml><?xml version="1.0" encoding="utf-8"?>
+<p:tagLst xmlns:a="http://schemas.openxmlformats.org/drawingml/2006/main" xmlns:r="http://schemas.openxmlformats.org/officeDocument/2006/relationships" xmlns:p="http://schemas.openxmlformats.org/presentationml/2006/main">
+  <p:tag name="KSO_WM_UNIT_HIGHLIGHT" val="0"/>
+  <p:tag name="KSO_WM_UNIT_COMPATIBLE" val="0"/>
+  <p:tag name="KSO_WM_UNIT_DIAGRAM_ISNUMVISUAL" val="0"/>
+  <p:tag name="KSO_WM_UNIT_DIAGRAM_ISREFERUNIT" val="0"/>
+  <p:tag name="KSO_WM_UNIT_ID" val="_1**"/>
+  <p:tag name="KSO_WM_UNIT_LAYERLEVEL" val="1"/>
+  <p:tag name="KSO_WM_TAG_VERSION" val="1.0"/>
+  <p:tag name="KSO_WM_BEAUTIFY_FLAG" val="#wm#"/>
+</p:tagLst>
+</file>
+
+<file path=ppt/tags/tag38.xml><?xml version="1.0" encoding="utf-8"?>
+<p:tagLst xmlns:a="http://schemas.openxmlformats.org/drawingml/2006/main" xmlns:r="http://schemas.openxmlformats.org/officeDocument/2006/relationships" xmlns:p="http://schemas.openxmlformats.org/presentationml/2006/main">
+  <p:tag name="KSO_WM_UNIT_HIGHLIGHT" val="0"/>
+  <p:tag name="KSO_WM_UNIT_COMPATIBLE" val="0"/>
+  <p:tag name="KSO_WM_UNIT_DIAGRAM_ISNUMVISUAL" val="0"/>
+  <p:tag name="KSO_WM_UNIT_DIAGRAM_ISREFERUNIT" val="0"/>
+  <p:tag name="KSO_WM_UNIT_ID" val="_1**"/>
+  <p:tag name="KSO_WM_UNIT_LAYERLEVEL" val="1"/>
+  <p:tag name="KSO_WM_TAG_VERSION" val="1.0"/>
+  <p:tag name="KSO_WM_BEAUTIFY_FLAG" val="#wm#"/>
+</p:tagLst>
+</file>
+
+<file path=ppt/tags/tag39.xml><?xml version="1.0" encoding="utf-8"?>
+<p:tagLst xmlns:a="http://schemas.openxmlformats.org/drawingml/2006/main" xmlns:r="http://schemas.openxmlformats.org/officeDocument/2006/relationships" xmlns:p="http://schemas.openxmlformats.org/presentationml/2006/main">
+  <p:tag name="KSO_WM_UNIT_HIGHLIGHT" val="0"/>
+  <p:tag name="KSO_WM_UNIT_COMPATIBLE" val="0"/>
+  <p:tag name="KSO_WM_UNIT_DIAGRAM_ISNUMVISUAL" val="0"/>
+  <p:tag name="KSO_WM_UNIT_DIAGRAM_ISREFERUNIT" val="0"/>
+  <p:tag name="KSO_WM_UNIT_ID" val="_1**"/>
+  <p:tag name="KSO_WM_UNIT_LAYERLEVEL" val="1"/>
+  <p:tag name="KSO_WM_TAG_VERSION" val="1.0"/>
+  <p:tag name="KSO_WM_BEAUTIFY_FLAG" val="#wm#"/>
+</p:tagLst>
+</file>
+
+<file path=ppt/tags/tag4.xml><?xml version="1.0" encoding="utf-8"?>
+<p:tagLst xmlns:a="http://schemas.openxmlformats.org/drawingml/2006/main" xmlns:r="http://schemas.openxmlformats.org/officeDocument/2006/relationships" xmlns:p="http://schemas.openxmlformats.org/presentationml/2006/main">
+  <p:tag name="KSO_WM_UNIT_HIGHLIGHT" val="0"/>
+  <p:tag name="KSO_WM_UNIT_COMPATIBLE" val="0"/>
+  <p:tag name="KSO_WM_UNIT_DIAGRAM_ISNUMVISUAL" val="0"/>
+  <p:tag name="KSO_WM_UNIT_DIAGRAM_ISREFERUNIT" val="0"/>
+  <p:tag name="KSO_WM_UNIT_ID" val="_0**"/>
+  <p:tag name="KSO_WM_UNIT_LAYERLEVEL" val="1"/>
+  <p:tag name="KSO_WM_TAG_VERSION" val="1.0"/>
+  <p:tag name="KSO_WM_BEAUTIFY_FLAG" val="#wm#"/>
+</p:tagLst>
+</file>
+
 <file path=ppt/tags/tag40.xml><?xml version="1.0" encoding="utf-8"?>
-<p:tagLst xmlns:p="http://schemas.openxmlformats.org/presentationml/2006/main">
+<p:tagLst xmlns:a="http://schemas.openxmlformats.org/drawingml/2006/main" xmlns:r="http://schemas.openxmlformats.org/officeDocument/2006/relationships" xmlns:p="http://schemas.openxmlformats.org/presentationml/2006/main">
   <p:tag name="KSO_WM_UNIT_HIGHLIGHT" val="0"/>
   <p:tag name="KSO_WM_UNIT_COMPATIBLE" val="0"/>
   <p:tag name="KSO_WM_UNIT_DIAGRAM_ISNUMVISUAL" val="0"/>
@@ -20028,7 +20873,7 @@
 </file>
 
 <file path=ppt/tags/tag41.xml><?xml version="1.0" encoding="utf-8"?>
-<p:tagLst xmlns:p="http://schemas.openxmlformats.org/presentationml/2006/main">
+<p:tagLst xmlns:a="http://schemas.openxmlformats.org/drawingml/2006/main" xmlns:r="http://schemas.openxmlformats.org/officeDocument/2006/relationships" xmlns:p="http://schemas.openxmlformats.org/presentationml/2006/main">
   <p:tag name="KSO_WM_UNIT_HIGHLIGHT" val="0"/>
   <p:tag name="KSO_WM_UNIT_COMPATIBLE" val="0"/>
   <p:tag name="KSO_WM_UNIT_DIAGRAM_ISNUMVISUAL" val="0"/>
@@ -20041,7 +20886,7 @@
 </file>
 
 <file path=ppt/tags/tag42.xml><?xml version="1.0" encoding="utf-8"?>
-<p:tagLst xmlns:p="http://schemas.openxmlformats.org/presentationml/2006/main">
+<p:tagLst xmlns:a="http://schemas.openxmlformats.org/drawingml/2006/main" xmlns:r="http://schemas.openxmlformats.org/officeDocument/2006/relationships" xmlns:p="http://schemas.openxmlformats.org/presentationml/2006/main">
   <p:tag name="KSO_WM_UNIT_HIGHLIGHT" val="0"/>
   <p:tag name="KSO_WM_UNIT_COMPATIBLE" val="0"/>
   <p:tag name="KSO_WM_UNIT_DIAGRAM_ISNUMVISUAL" val="0"/>
@@ -20054,7 +20899,7 @@
 </file>
 
 <file path=ppt/tags/tag43.xml><?xml version="1.0" encoding="utf-8"?>
-<p:tagLst xmlns:p="http://schemas.openxmlformats.org/presentationml/2006/main">
+<p:tagLst xmlns:a="http://schemas.openxmlformats.org/drawingml/2006/main" xmlns:r="http://schemas.openxmlformats.org/officeDocument/2006/relationships" xmlns:p="http://schemas.openxmlformats.org/presentationml/2006/main">
   <p:tag name="KSO_WM_UNIT_HIGHLIGHT" val="0"/>
   <p:tag name="KSO_WM_UNIT_COMPATIBLE" val="0"/>
   <p:tag name="KSO_WM_UNIT_DIAGRAM_ISNUMVISUAL" val="0"/>
@@ -20067,7 +20912,7 @@
 </file>
 
 <file path=ppt/tags/tag44.xml><?xml version="1.0" encoding="utf-8"?>
-<p:tagLst xmlns:p="http://schemas.openxmlformats.org/presentationml/2006/main">
+<p:tagLst xmlns:a="http://schemas.openxmlformats.org/drawingml/2006/main" xmlns:r="http://schemas.openxmlformats.org/officeDocument/2006/relationships" xmlns:p="http://schemas.openxmlformats.org/presentationml/2006/main">
   <p:tag name="KSO_WM_UNIT_HIGHLIGHT" val="0"/>
   <p:tag name="KSO_WM_UNIT_COMPATIBLE" val="0"/>
   <p:tag name="KSO_WM_UNIT_DIAGRAM_ISNUMVISUAL" val="0"/>
@@ -20080,7 +20925,7 @@
 </file>
 
 <file path=ppt/tags/tag45.xml><?xml version="1.0" encoding="utf-8"?>
-<p:tagLst xmlns:p="http://schemas.openxmlformats.org/presentationml/2006/main">
+<p:tagLst xmlns:a="http://schemas.openxmlformats.org/drawingml/2006/main" xmlns:r="http://schemas.openxmlformats.org/officeDocument/2006/relationships" xmlns:p="http://schemas.openxmlformats.org/presentationml/2006/main">
   <p:tag name="KSO_WM_UNIT_HIGHLIGHT" val="0"/>
   <p:tag name="KSO_WM_UNIT_COMPATIBLE" val="0"/>
   <p:tag name="KSO_WM_UNIT_DIAGRAM_ISNUMVISUAL" val="0"/>
@@ -20093,7 +20938,7 @@
 </file>
 
 <file path=ppt/tags/tag46.xml><?xml version="1.0" encoding="utf-8"?>
-<p:tagLst xmlns:p="http://schemas.openxmlformats.org/presentationml/2006/main">
+<p:tagLst xmlns:a="http://schemas.openxmlformats.org/drawingml/2006/main" xmlns:r="http://schemas.openxmlformats.org/officeDocument/2006/relationships" xmlns:p="http://schemas.openxmlformats.org/presentationml/2006/main">
   <p:tag name="KSO_WM_UNIT_HIGHLIGHT" val="0"/>
   <p:tag name="KSO_WM_UNIT_COMPATIBLE" val="0"/>
   <p:tag name="KSO_WM_UNIT_DIAGRAM_ISNUMVISUAL" val="0"/>
@@ -20106,7 +20951,7 @@
 </file>
 
 <file path=ppt/tags/tag47.xml><?xml version="1.0" encoding="utf-8"?>
-<p:tagLst xmlns:p="http://schemas.openxmlformats.org/presentationml/2006/main">
+<p:tagLst xmlns:a="http://schemas.openxmlformats.org/drawingml/2006/main" xmlns:r="http://schemas.openxmlformats.org/officeDocument/2006/relationships" xmlns:p="http://schemas.openxmlformats.org/presentationml/2006/main">
   <p:tag name="KSO_WM_UNIT_HIGHLIGHT" val="0"/>
   <p:tag name="KSO_WM_UNIT_COMPATIBLE" val="0"/>
   <p:tag name="KSO_WM_UNIT_DIAGRAM_ISNUMVISUAL" val="0"/>
@@ -20119,7 +20964,7 @@
 </file>
 
 <file path=ppt/tags/tag48.xml><?xml version="1.0" encoding="utf-8"?>
-<p:tagLst xmlns:p="http://schemas.openxmlformats.org/presentationml/2006/main">
+<p:tagLst xmlns:a="http://schemas.openxmlformats.org/drawingml/2006/main" xmlns:r="http://schemas.openxmlformats.org/officeDocument/2006/relationships" xmlns:p="http://schemas.openxmlformats.org/presentationml/2006/main">
   <p:tag name="KSO_WM_UNIT_HIGHLIGHT" val="0"/>
   <p:tag name="KSO_WM_UNIT_COMPATIBLE" val="0"/>
   <p:tag name="KSO_WM_UNIT_DIAGRAM_ISNUMVISUAL" val="0"/>
@@ -20132,7 +20977,7 @@
 </file>
 
 <file path=ppt/tags/tag49.xml><?xml version="1.0" encoding="utf-8"?>
-<p:tagLst xmlns:p="http://schemas.openxmlformats.org/presentationml/2006/main">
+<p:tagLst xmlns:a="http://schemas.openxmlformats.org/drawingml/2006/main" xmlns:r="http://schemas.openxmlformats.org/officeDocument/2006/relationships" xmlns:p="http://schemas.openxmlformats.org/presentationml/2006/main">
   <p:tag name="KSO_WM_UNIT_HIGHLIGHT" val="0"/>
   <p:tag name="KSO_WM_UNIT_COMPATIBLE" val="0"/>
   <p:tag name="KSO_WM_UNIT_DIAGRAM_ISNUMVISUAL" val="0"/>
@@ -20145,12 +20990,12 @@
 </file>
 
 <file path=ppt/tags/tag5.xml><?xml version="1.0" encoding="utf-8"?>
-<p:tagLst xmlns:p="http://schemas.openxmlformats.org/presentationml/2006/main">
+<p:tagLst xmlns:a="http://schemas.openxmlformats.org/drawingml/2006/main" xmlns:r="http://schemas.openxmlformats.org/officeDocument/2006/relationships" xmlns:p="http://schemas.openxmlformats.org/presentationml/2006/main">
   <p:tag name="KSO_WM_UNIT_HIGHLIGHT" val="0"/>
   <p:tag name="KSO_WM_UNIT_COMPATIBLE" val="0"/>
   <p:tag name="KSO_WM_UNIT_DIAGRAM_ISNUMVISUAL" val="0"/>
   <p:tag name="KSO_WM_UNIT_DIAGRAM_ISREFERUNIT" val="0"/>
-  <p:tag name="KSO_WM_UNIT_ID" val="_1**"/>
+  <p:tag name="KSO_WM_UNIT_ID" val="_0**"/>
   <p:tag name="KSO_WM_UNIT_LAYERLEVEL" val="1"/>
   <p:tag name="KSO_WM_TAG_VERSION" val="1.0"/>
   <p:tag name="KSO_WM_BEAUTIFY_FLAG" val="#wm#"/>
@@ -20158,7 +21003,7 @@
 </file>
 
 <file path=ppt/tags/tag50.xml><?xml version="1.0" encoding="utf-8"?>
-<p:tagLst xmlns:p="http://schemas.openxmlformats.org/presentationml/2006/main">
+<p:tagLst xmlns:a="http://schemas.openxmlformats.org/drawingml/2006/main" xmlns:r="http://schemas.openxmlformats.org/officeDocument/2006/relationships" xmlns:p="http://schemas.openxmlformats.org/presentationml/2006/main">
   <p:tag name="KSO_WM_UNIT_HIGHLIGHT" val="0"/>
   <p:tag name="KSO_WM_UNIT_COMPATIBLE" val="0"/>
   <p:tag name="KSO_WM_UNIT_DIAGRAM_ISNUMVISUAL" val="0"/>
@@ -20171,7 +21016,7 @@
 </file>
 
 <file path=ppt/tags/tag51.xml><?xml version="1.0" encoding="utf-8"?>
-<p:tagLst xmlns:p="http://schemas.openxmlformats.org/presentationml/2006/main">
+<p:tagLst xmlns:a="http://schemas.openxmlformats.org/drawingml/2006/main" xmlns:r="http://schemas.openxmlformats.org/officeDocument/2006/relationships" xmlns:p="http://schemas.openxmlformats.org/presentationml/2006/main">
   <p:tag name="KSO_WM_UNIT_HIGHLIGHT" val="0"/>
   <p:tag name="KSO_WM_UNIT_COMPATIBLE" val="0"/>
   <p:tag name="KSO_WM_UNIT_DIAGRAM_ISNUMVISUAL" val="0"/>
@@ -20184,7 +21029,7 @@
 </file>
 
 <file path=ppt/tags/tag52.xml><?xml version="1.0" encoding="utf-8"?>
-<p:tagLst xmlns:p="http://schemas.openxmlformats.org/presentationml/2006/main">
+<p:tagLst xmlns:a="http://schemas.openxmlformats.org/drawingml/2006/main" xmlns:r="http://schemas.openxmlformats.org/officeDocument/2006/relationships" xmlns:p="http://schemas.openxmlformats.org/presentationml/2006/main">
   <p:tag name="KSO_WM_UNIT_HIGHLIGHT" val="0"/>
   <p:tag name="KSO_WM_UNIT_COMPATIBLE" val="0"/>
   <p:tag name="KSO_WM_UNIT_DIAGRAM_ISNUMVISUAL" val="0"/>
@@ -20197,7 +21042,7 @@
 </file>
 
 <file path=ppt/tags/tag53.xml><?xml version="1.0" encoding="utf-8"?>
-<p:tagLst xmlns:p="http://schemas.openxmlformats.org/presentationml/2006/main">
+<p:tagLst xmlns:a="http://schemas.openxmlformats.org/drawingml/2006/main" xmlns:r="http://schemas.openxmlformats.org/officeDocument/2006/relationships" xmlns:p="http://schemas.openxmlformats.org/presentationml/2006/main">
   <p:tag name="KSO_WM_UNIT_HIGHLIGHT" val="0"/>
   <p:tag name="KSO_WM_UNIT_COMPATIBLE" val="0"/>
   <p:tag name="KSO_WM_UNIT_DIAGRAM_ISNUMVISUAL" val="0"/>
@@ -20210,7 +21055,7 @@
 </file>
 
 <file path=ppt/tags/tag54.xml><?xml version="1.0" encoding="utf-8"?>
-<p:tagLst xmlns:p="http://schemas.openxmlformats.org/presentationml/2006/main">
+<p:tagLst xmlns:a="http://schemas.openxmlformats.org/drawingml/2006/main" xmlns:r="http://schemas.openxmlformats.org/officeDocument/2006/relationships" xmlns:p="http://schemas.openxmlformats.org/presentationml/2006/main">
   <p:tag name="KSO_WM_UNIT_HIGHLIGHT" val="0"/>
   <p:tag name="KSO_WM_UNIT_COMPATIBLE" val="0"/>
   <p:tag name="KSO_WM_UNIT_DIAGRAM_ISNUMVISUAL" val="0"/>
@@ -20223,7 +21068,7 @@
 </file>
 
 <file path=ppt/tags/tag55.xml><?xml version="1.0" encoding="utf-8"?>
-<p:tagLst xmlns:p="http://schemas.openxmlformats.org/presentationml/2006/main">
+<p:tagLst xmlns:a="http://schemas.openxmlformats.org/drawingml/2006/main" xmlns:r="http://schemas.openxmlformats.org/officeDocument/2006/relationships" xmlns:p="http://schemas.openxmlformats.org/presentationml/2006/main">
   <p:tag name="KSO_WM_UNIT_HIGHLIGHT" val="0"/>
   <p:tag name="KSO_WM_UNIT_COMPATIBLE" val="0"/>
   <p:tag name="KSO_WM_UNIT_DIAGRAM_ISNUMVISUAL" val="0"/>
@@ -20236,7 +21081,7 @@
 </file>
 
 <file path=ppt/tags/tag56.xml><?xml version="1.0" encoding="utf-8"?>
-<p:tagLst xmlns:p="http://schemas.openxmlformats.org/presentationml/2006/main">
+<p:tagLst xmlns:a="http://schemas.openxmlformats.org/drawingml/2006/main" xmlns:r="http://schemas.openxmlformats.org/officeDocument/2006/relationships" xmlns:p="http://schemas.openxmlformats.org/presentationml/2006/main">
   <p:tag name="KSO_WM_UNIT_HIGHLIGHT" val="0"/>
   <p:tag name="KSO_WM_UNIT_COMPATIBLE" val="0"/>
   <p:tag name="KSO_WM_UNIT_DIAGRAM_ISNUMVISUAL" val="0"/>
@@ -20249,7 +21094,7 @@
 </file>
 
 <file path=ppt/tags/tag57.xml><?xml version="1.0" encoding="utf-8"?>
-<p:tagLst xmlns:p="http://schemas.openxmlformats.org/presentationml/2006/main">
+<p:tagLst xmlns:a="http://schemas.openxmlformats.org/drawingml/2006/main" xmlns:r="http://schemas.openxmlformats.org/officeDocument/2006/relationships" xmlns:p="http://schemas.openxmlformats.org/presentationml/2006/main">
   <p:tag name="KSO_WM_UNIT_HIGHLIGHT" val="0"/>
   <p:tag name="KSO_WM_UNIT_COMPATIBLE" val="0"/>
   <p:tag name="KSO_WM_UNIT_DIAGRAM_ISNUMVISUAL" val="0"/>
@@ -20262,7 +21107,7 @@
 </file>
 
 <file path=ppt/tags/tag58.xml><?xml version="1.0" encoding="utf-8"?>
-<p:tagLst xmlns:p="http://schemas.openxmlformats.org/presentationml/2006/main">
+<p:tagLst xmlns:a="http://schemas.openxmlformats.org/drawingml/2006/main" xmlns:r="http://schemas.openxmlformats.org/officeDocument/2006/relationships" xmlns:p="http://schemas.openxmlformats.org/presentationml/2006/main">
   <p:tag name="KSO_WM_UNIT_HIGHLIGHT" val="0"/>
   <p:tag name="KSO_WM_UNIT_COMPATIBLE" val="0"/>
   <p:tag name="KSO_WM_UNIT_DIAGRAM_ISNUMVISUAL" val="0"/>
@@ -20275,7 +21120,7 @@
 </file>
 
 <file path=ppt/tags/tag59.xml><?xml version="1.0" encoding="utf-8"?>
-<p:tagLst xmlns:p="http://schemas.openxmlformats.org/presentationml/2006/main">
+<p:tagLst xmlns:a="http://schemas.openxmlformats.org/drawingml/2006/main" xmlns:r="http://schemas.openxmlformats.org/officeDocument/2006/relationships" xmlns:p="http://schemas.openxmlformats.org/presentationml/2006/main">
   <p:tag name="KSO_WM_UNIT_HIGHLIGHT" val="0"/>
   <p:tag name="KSO_WM_UNIT_COMPATIBLE" val="0"/>
   <p:tag name="KSO_WM_UNIT_DIAGRAM_ISNUMVISUAL" val="0"/>
@@ -20288,20 +21133,18 @@
 </file>
 
 <file path=ppt/tags/tag6.xml><?xml version="1.0" encoding="utf-8"?>
-<p:tagLst xmlns:p="http://schemas.openxmlformats.org/presentationml/2006/main">
-  <p:tag name="KSO_WM_UNIT_HIGHLIGHT" val="0"/>
-  <p:tag name="KSO_WM_UNIT_COMPATIBLE" val="0"/>
-  <p:tag name="KSO_WM_UNIT_DIAGRAM_ISNUMVISUAL" val="0"/>
-  <p:tag name="KSO_WM_UNIT_DIAGRAM_ISREFERUNIT" val="0"/>
-  <p:tag name="KSO_WM_UNIT_ID" val="_1**"/>
-  <p:tag name="KSO_WM_UNIT_LAYERLEVEL" val="1"/>
+<p:tagLst xmlns:a="http://schemas.openxmlformats.org/drawingml/2006/main" xmlns:r="http://schemas.openxmlformats.org/officeDocument/2006/relationships" xmlns:p="http://schemas.openxmlformats.org/presentationml/2006/main">
+  <p:tag name="KSO_WM_TEMPLATE_SUBCATEGORY" val="0"/>
   <p:tag name="KSO_WM_TAG_VERSION" val="1.0"/>
   <p:tag name="KSO_WM_BEAUTIFY_FLAG" val="#wm#"/>
+  <p:tag name="KSO_WM_TEMPLATE_CATEGORY" val="custom"/>
+  <p:tag name="KSO_WM_TEMPLATE_INDEX" val="20191705"/>
+  <p:tag name="KSO_WM_TEMPLATE_THUMBS_INDEX" val="1、2、3、4、5、6、7、8、9、10、11、12、13、14、15"/>
 </p:tagLst>
 </file>
 
 <file path=ppt/tags/tag60.xml><?xml version="1.0" encoding="utf-8"?>
-<p:tagLst xmlns:p="http://schemas.openxmlformats.org/presentationml/2006/main">
+<p:tagLst xmlns:a="http://schemas.openxmlformats.org/drawingml/2006/main" xmlns:r="http://schemas.openxmlformats.org/officeDocument/2006/relationships" xmlns:p="http://schemas.openxmlformats.org/presentationml/2006/main">
   <p:tag name="KSO_WM_UNIT_HIGHLIGHT" val="0"/>
   <p:tag name="KSO_WM_UNIT_COMPATIBLE" val="0"/>
   <p:tag name="KSO_WM_UNIT_DIAGRAM_ISNUMVISUAL" val="0"/>
@@ -20314,7 +21157,7 @@
 </file>
 
 <file path=ppt/tags/tag61.xml><?xml version="1.0" encoding="utf-8"?>
-<p:tagLst xmlns:p="http://schemas.openxmlformats.org/presentationml/2006/main">
+<p:tagLst xmlns:a="http://schemas.openxmlformats.org/drawingml/2006/main" xmlns:r="http://schemas.openxmlformats.org/officeDocument/2006/relationships" xmlns:p="http://schemas.openxmlformats.org/presentationml/2006/main">
   <p:tag name="KSO_WM_UNIT_HIGHLIGHT" val="0"/>
   <p:tag name="KSO_WM_UNIT_COMPATIBLE" val="0"/>
   <p:tag name="KSO_WM_UNIT_DIAGRAM_ISNUMVISUAL" val="0"/>
@@ -20327,7 +21170,7 @@
 </file>
 
 <file path=ppt/tags/tag62.xml><?xml version="1.0" encoding="utf-8"?>
-<p:tagLst xmlns:p="http://schemas.openxmlformats.org/presentationml/2006/main">
+<p:tagLst xmlns:a="http://schemas.openxmlformats.org/drawingml/2006/main" xmlns:r="http://schemas.openxmlformats.org/officeDocument/2006/relationships" xmlns:p="http://schemas.openxmlformats.org/presentationml/2006/main">
   <p:tag name="KSO_WM_UNIT_HIGHLIGHT" val="0"/>
   <p:tag name="KSO_WM_UNIT_COMPATIBLE" val="0"/>
   <p:tag name="KSO_WM_UNIT_DIAGRAM_ISNUMVISUAL" val="0"/>
@@ -20340,7 +21183,7 @@
 </file>
 
 <file path=ppt/tags/tag63.xml><?xml version="1.0" encoding="utf-8"?>
-<p:tagLst xmlns:p="http://schemas.openxmlformats.org/presentationml/2006/main">
+<p:tagLst xmlns:a="http://schemas.openxmlformats.org/drawingml/2006/main" xmlns:r="http://schemas.openxmlformats.org/officeDocument/2006/relationships" xmlns:p="http://schemas.openxmlformats.org/presentationml/2006/main">
   <p:tag name="KSO_WM_UNIT_HIGHLIGHT" val="0"/>
   <p:tag name="KSO_WM_UNIT_COMPATIBLE" val="0"/>
   <p:tag name="KSO_WM_UNIT_DIAGRAM_ISNUMVISUAL" val="0"/>
@@ -20353,7 +21196,7 @@
 </file>
 
 <file path=ppt/tags/tag64.xml><?xml version="1.0" encoding="utf-8"?>
-<p:tagLst xmlns:p="http://schemas.openxmlformats.org/presentationml/2006/main">
+<p:tagLst xmlns:a="http://schemas.openxmlformats.org/drawingml/2006/main" xmlns:r="http://schemas.openxmlformats.org/officeDocument/2006/relationships" xmlns:p="http://schemas.openxmlformats.org/presentationml/2006/main">
   <p:tag name="KSO_WM_UNIT_HIGHLIGHT" val="0"/>
   <p:tag name="KSO_WM_UNIT_COMPATIBLE" val="0"/>
   <p:tag name="KSO_WM_UNIT_DIAGRAM_ISNUMVISUAL" val="0"/>
@@ -20366,7 +21209,7 @@
 </file>
 
 <file path=ppt/tags/tag65.xml><?xml version="1.0" encoding="utf-8"?>
-<p:tagLst xmlns:p="http://schemas.openxmlformats.org/presentationml/2006/main">
+<p:tagLst xmlns:a="http://schemas.openxmlformats.org/drawingml/2006/main" xmlns:r="http://schemas.openxmlformats.org/officeDocument/2006/relationships" xmlns:p="http://schemas.openxmlformats.org/presentationml/2006/main">
   <p:tag name="KSO_WM_UNIT_HIGHLIGHT" val="0"/>
   <p:tag name="KSO_WM_UNIT_COMPATIBLE" val="0"/>
   <p:tag name="KSO_WM_UNIT_DIAGRAM_ISNUMVISUAL" val="0"/>
@@ -20379,7 +21222,7 @@
 </file>
 
 <file path=ppt/tags/tag66.xml><?xml version="1.0" encoding="utf-8"?>
-<p:tagLst xmlns:p="http://schemas.openxmlformats.org/presentationml/2006/main">
+<p:tagLst xmlns:a="http://schemas.openxmlformats.org/drawingml/2006/main" xmlns:r="http://schemas.openxmlformats.org/officeDocument/2006/relationships" xmlns:p="http://schemas.openxmlformats.org/presentationml/2006/main">
   <p:tag name="KSO_WM_UNIT_HIGHLIGHT" val="0"/>
   <p:tag name="KSO_WM_UNIT_COMPATIBLE" val="0"/>
   <p:tag name="KSO_WM_UNIT_DIAGRAM_ISNUMVISUAL" val="0"/>
@@ -20392,7 +21235,7 @@
 </file>
 
 <file path=ppt/tags/tag67.xml><?xml version="1.0" encoding="utf-8"?>
-<p:tagLst xmlns:p="http://schemas.openxmlformats.org/presentationml/2006/main">
+<p:tagLst xmlns:a="http://schemas.openxmlformats.org/drawingml/2006/main" xmlns:r="http://schemas.openxmlformats.org/officeDocument/2006/relationships" xmlns:p="http://schemas.openxmlformats.org/presentationml/2006/main">
   <p:tag name="KSO_WM_UNIT_HIGHLIGHT" val="0"/>
   <p:tag name="KSO_WM_UNIT_COMPATIBLE" val="0"/>
   <p:tag name="KSO_WM_UNIT_DIAGRAM_ISNUMVISUAL" val="0"/>
@@ -20405,7 +21248,7 @@
 </file>
 
 <file path=ppt/tags/tag68.xml><?xml version="1.0" encoding="utf-8"?>
-<p:tagLst xmlns:p="http://schemas.openxmlformats.org/presentationml/2006/main">
+<p:tagLst xmlns:a="http://schemas.openxmlformats.org/drawingml/2006/main" xmlns:r="http://schemas.openxmlformats.org/officeDocument/2006/relationships" xmlns:p="http://schemas.openxmlformats.org/presentationml/2006/main">
   <p:tag name="KSO_WM_UNIT_HIGHLIGHT" val="0"/>
   <p:tag name="KSO_WM_UNIT_COMPATIBLE" val="0"/>
   <p:tag name="KSO_WM_UNIT_DIAGRAM_ISNUMVISUAL" val="0"/>
@@ -20418,7 +21261,7 @@
 </file>
 
 <file path=ppt/tags/tag69.xml><?xml version="1.0" encoding="utf-8"?>
-<p:tagLst xmlns:p="http://schemas.openxmlformats.org/presentationml/2006/main">
+<p:tagLst xmlns:a="http://schemas.openxmlformats.org/drawingml/2006/main" xmlns:r="http://schemas.openxmlformats.org/officeDocument/2006/relationships" xmlns:p="http://schemas.openxmlformats.org/presentationml/2006/main">
   <p:tag name="KSO_WM_UNIT_HIGHLIGHT" val="0"/>
   <p:tag name="KSO_WM_UNIT_COMPATIBLE" val="0"/>
   <p:tag name="KSO_WM_UNIT_DIAGRAM_ISNUMVISUAL" val="0"/>
@@ -20431,7 +21274,7 @@
 </file>
 
 <file path=ppt/tags/tag7.xml><?xml version="1.0" encoding="utf-8"?>
-<p:tagLst xmlns:p="http://schemas.openxmlformats.org/presentationml/2006/main">
+<p:tagLst xmlns:a="http://schemas.openxmlformats.org/drawingml/2006/main" xmlns:r="http://schemas.openxmlformats.org/officeDocument/2006/relationships" xmlns:p="http://schemas.openxmlformats.org/presentationml/2006/main">
   <p:tag name="KSO_WM_UNIT_HIGHLIGHT" val="0"/>
   <p:tag name="KSO_WM_UNIT_COMPATIBLE" val="0"/>
   <p:tag name="KSO_WM_UNIT_DIAGRAM_ISNUMVISUAL" val="0"/>
@@ -20444,12 +21287,12 @@
 </file>
 
 <file path=ppt/tags/tag70.xml><?xml version="1.0" encoding="utf-8"?>
-<p:tagLst xmlns:p="http://schemas.openxmlformats.org/presentationml/2006/main">
+<p:tagLst xmlns:a="http://schemas.openxmlformats.org/drawingml/2006/main" xmlns:r="http://schemas.openxmlformats.org/officeDocument/2006/relationships" xmlns:p="http://schemas.openxmlformats.org/presentationml/2006/main">
   <p:tag name="KSO_WM_UNIT_HIGHLIGHT" val="0"/>
   <p:tag name="KSO_WM_UNIT_COMPATIBLE" val="0"/>
   <p:tag name="KSO_WM_UNIT_DIAGRAM_ISNUMVISUAL" val="0"/>
   <p:tag name="KSO_WM_UNIT_DIAGRAM_ISREFERUNIT" val="0"/>
-  <p:tag name="KSO_WM_UNIT_ID" val="_3**"/>
+  <p:tag name="KSO_WM_UNIT_ID" val="_2**"/>
   <p:tag name="KSO_WM_UNIT_LAYERLEVEL" val="1"/>
   <p:tag name="KSO_WM_TAG_VERSION" val="1.0"/>
   <p:tag name="KSO_WM_BEAUTIFY_FLAG" val="#wm#"/>
@@ -20457,12 +21300,12 @@
 </file>
 
 <file path=ppt/tags/tag71.xml><?xml version="1.0" encoding="utf-8"?>
-<p:tagLst xmlns:p="http://schemas.openxmlformats.org/presentationml/2006/main">
+<p:tagLst xmlns:a="http://schemas.openxmlformats.org/drawingml/2006/main" xmlns:r="http://schemas.openxmlformats.org/officeDocument/2006/relationships" xmlns:p="http://schemas.openxmlformats.org/presentationml/2006/main">
   <p:tag name="KSO_WM_UNIT_HIGHLIGHT" val="0"/>
   <p:tag name="KSO_WM_UNIT_COMPATIBLE" val="0"/>
   <p:tag name="KSO_WM_UNIT_DIAGRAM_ISNUMVISUAL" val="0"/>
   <p:tag name="KSO_WM_UNIT_DIAGRAM_ISREFERUNIT" val="0"/>
-  <p:tag name="KSO_WM_UNIT_ID" val="_3**"/>
+  <p:tag name="KSO_WM_UNIT_ID" val="_2**"/>
   <p:tag name="KSO_WM_UNIT_LAYERLEVEL" val="1"/>
   <p:tag name="KSO_WM_TAG_VERSION" val="1.0"/>
   <p:tag name="KSO_WM_BEAUTIFY_FLAG" val="#wm#"/>
@@ -20470,12 +21313,12 @@
 </file>
 
 <file path=ppt/tags/tag72.xml><?xml version="1.0" encoding="utf-8"?>
-<p:tagLst xmlns:p="http://schemas.openxmlformats.org/presentationml/2006/main">
+<p:tagLst xmlns:a="http://schemas.openxmlformats.org/drawingml/2006/main" xmlns:r="http://schemas.openxmlformats.org/officeDocument/2006/relationships" xmlns:p="http://schemas.openxmlformats.org/presentationml/2006/main">
   <p:tag name="KSO_WM_UNIT_HIGHLIGHT" val="0"/>
   <p:tag name="KSO_WM_UNIT_COMPATIBLE" val="0"/>
   <p:tag name="KSO_WM_UNIT_DIAGRAM_ISNUMVISUAL" val="0"/>
   <p:tag name="KSO_WM_UNIT_DIAGRAM_ISREFERUNIT" val="0"/>
-  <p:tag name="KSO_WM_UNIT_ID" val="_3**"/>
+  <p:tag name="KSO_WM_UNIT_ID" val="_2**"/>
   <p:tag name="KSO_WM_UNIT_LAYERLEVEL" val="1"/>
   <p:tag name="KSO_WM_TAG_VERSION" val="1.0"/>
   <p:tag name="KSO_WM_BEAUTIFY_FLAG" val="#wm#"/>
@@ -20483,12 +21326,12 @@
 </file>
 
 <file path=ppt/tags/tag73.xml><?xml version="1.0" encoding="utf-8"?>
-<p:tagLst xmlns:p="http://schemas.openxmlformats.org/presentationml/2006/main">
+<p:tagLst xmlns:a="http://schemas.openxmlformats.org/drawingml/2006/main" xmlns:r="http://schemas.openxmlformats.org/officeDocument/2006/relationships" xmlns:p="http://schemas.openxmlformats.org/presentationml/2006/main">
   <p:tag name="KSO_WM_UNIT_HIGHLIGHT" val="0"/>
   <p:tag name="KSO_WM_UNIT_COMPATIBLE" val="0"/>
   <p:tag name="KSO_WM_UNIT_DIAGRAM_ISNUMVISUAL" val="0"/>
   <p:tag name="KSO_WM_UNIT_DIAGRAM_ISREFERUNIT" val="0"/>
-  <p:tag name="KSO_WM_UNIT_ID" val="_3**"/>
+  <p:tag name="KSO_WM_UNIT_ID" val="_2**"/>
   <p:tag name="KSO_WM_UNIT_LAYERLEVEL" val="1"/>
   <p:tag name="KSO_WM_TAG_VERSION" val="1.0"/>
   <p:tag name="KSO_WM_BEAUTIFY_FLAG" val="#wm#"/>
@@ -20496,12 +21339,12 @@
 </file>
 
 <file path=ppt/tags/tag74.xml><?xml version="1.0" encoding="utf-8"?>
-<p:tagLst xmlns:p="http://schemas.openxmlformats.org/presentationml/2006/main">
+<p:tagLst xmlns:a="http://schemas.openxmlformats.org/drawingml/2006/main" xmlns:r="http://schemas.openxmlformats.org/officeDocument/2006/relationships" xmlns:p="http://schemas.openxmlformats.org/presentationml/2006/main">
   <p:tag name="KSO_WM_UNIT_HIGHLIGHT" val="0"/>
   <p:tag name="KSO_WM_UNIT_COMPATIBLE" val="0"/>
   <p:tag name="KSO_WM_UNIT_DIAGRAM_ISNUMVISUAL" val="0"/>
   <p:tag name="KSO_WM_UNIT_DIAGRAM_ISREFERUNIT" val="0"/>
-  <p:tag name="KSO_WM_UNIT_ID" val="_3**"/>
+  <p:tag name="KSO_WM_UNIT_ID" val="_2**"/>
   <p:tag name="KSO_WM_UNIT_LAYERLEVEL" val="1"/>
   <p:tag name="KSO_WM_TAG_VERSION" val="1.0"/>
   <p:tag name="KSO_WM_BEAUTIFY_FLAG" val="#wm#"/>
@@ -20509,12 +21352,12 @@
 </file>
 
 <file path=ppt/tags/tag75.xml><?xml version="1.0" encoding="utf-8"?>
-<p:tagLst xmlns:p="http://schemas.openxmlformats.org/presentationml/2006/main">
+<p:tagLst xmlns:a="http://schemas.openxmlformats.org/drawingml/2006/main" xmlns:r="http://schemas.openxmlformats.org/officeDocument/2006/relationships" xmlns:p="http://schemas.openxmlformats.org/presentationml/2006/main">
   <p:tag name="KSO_WM_UNIT_HIGHLIGHT" val="0"/>
   <p:tag name="KSO_WM_UNIT_COMPATIBLE" val="0"/>
   <p:tag name="KSO_WM_UNIT_DIAGRAM_ISNUMVISUAL" val="0"/>
   <p:tag name="KSO_WM_UNIT_DIAGRAM_ISREFERUNIT" val="0"/>
-  <p:tag name="KSO_WM_UNIT_ID" val="_3**"/>
+  <p:tag name="KSO_WM_UNIT_ID" val="_2**"/>
   <p:tag name="KSO_WM_UNIT_LAYERLEVEL" val="1"/>
   <p:tag name="KSO_WM_TAG_VERSION" val="1.0"/>
   <p:tag name="KSO_WM_BEAUTIFY_FLAG" val="#wm#"/>
@@ -20522,7 +21365,7 @@
 </file>
 
 <file path=ppt/tags/tag76.xml><?xml version="1.0" encoding="utf-8"?>
-<p:tagLst xmlns:p="http://schemas.openxmlformats.org/presentationml/2006/main">
+<p:tagLst xmlns:a="http://schemas.openxmlformats.org/drawingml/2006/main" xmlns:r="http://schemas.openxmlformats.org/officeDocument/2006/relationships" xmlns:p="http://schemas.openxmlformats.org/presentationml/2006/main">
   <p:tag name="KSO_WM_UNIT_HIGHLIGHT" val="0"/>
   <p:tag name="KSO_WM_UNIT_COMPATIBLE" val="0"/>
   <p:tag name="KSO_WM_UNIT_DIAGRAM_ISNUMVISUAL" val="0"/>
@@ -20535,7 +21378,7 @@
 </file>
 
 <file path=ppt/tags/tag77.xml><?xml version="1.0" encoding="utf-8"?>
-<p:tagLst xmlns:p="http://schemas.openxmlformats.org/presentationml/2006/main">
+<p:tagLst xmlns:a="http://schemas.openxmlformats.org/drawingml/2006/main" xmlns:r="http://schemas.openxmlformats.org/officeDocument/2006/relationships" xmlns:p="http://schemas.openxmlformats.org/presentationml/2006/main">
   <p:tag name="KSO_WM_UNIT_HIGHLIGHT" val="0"/>
   <p:tag name="KSO_WM_UNIT_COMPATIBLE" val="0"/>
   <p:tag name="KSO_WM_UNIT_DIAGRAM_ISNUMVISUAL" val="0"/>
@@ -20548,7 +21391,7 @@
 </file>
 
 <file path=ppt/tags/tag78.xml><?xml version="1.0" encoding="utf-8"?>
-<p:tagLst xmlns:p="http://schemas.openxmlformats.org/presentationml/2006/main">
+<p:tagLst xmlns:a="http://schemas.openxmlformats.org/drawingml/2006/main" xmlns:r="http://schemas.openxmlformats.org/officeDocument/2006/relationships" xmlns:p="http://schemas.openxmlformats.org/presentationml/2006/main">
   <p:tag name="KSO_WM_UNIT_HIGHLIGHT" val="0"/>
   <p:tag name="KSO_WM_UNIT_COMPATIBLE" val="0"/>
   <p:tag name="KSO_WM_UNIT_DIAGRAM_ISNUMVISUAL" val="0"/>
@@ -20561,7 +21404,7 @@
 </file>
 
 <file path=ppt/tags/tag79.xml><?xml version="1.0" encoding="utf-8"?>
-<p:tagLst xmlns:p="http://schemas.openxmlformats.org/presentationml/2006/main">
+<p:tagLst xmlns:a="http://schemas.openxmlformats.org/drawingml/2006/main" xmlns:r="http://schemas.openxmlformats.org/officeDocument/2006/relationships" xmlns:p="http://schemas.openxmlformats.org/presentationml/2006/main">
   <p:tag name="KSO_WM_UNIT_HIGHLIGHT" val="0"/>
   <p:tag name="KSO_WM_UNIT_COMPATIBLE" val="0"/>
   <p:tag name="KSO_WM_UNIT_DIAGRAM_ISNUMVISUAL" val="0"/>
@@ -20574,7 +21417,7 @@
 </file>
 
 <file path=ppt/tags/tag8.xml><?xml version="1.0" encoding="utf-8"?>
-<p:tagLst xmlns:p="http://schemas.openxmlformats.org/presentationml/2006/main">
+<p:tagLst xmlns:a="http://schemas.openxmlformats.org/drawingml/2006/main" xmlns:r="http://schemas.openxmlformats.org/officeDocument/2006/relationships" xmlns:p="http://schemas.openxmlformats.org/presentationml/2006/main">
   <p:tag name="KSO_WM_UNIT_HIGHLIGHT" val="0"/>
   <p:tag name="KSO_WM_UNIT_COMPATIBLE" val="0"/>
   <p:tag name="KSO_WM_UNIT_DIAGRAM_ISNUMVISUAL" val="0"/>
@@ -20587,7 +21430,7 @@
 </file>
 
 <file path=ppt/tags/tag80.xml><?xml version="1.0" encoding="utf-8"?>
-<p:tagLst xmlns:p="http://schemas.openxmlformats.org/presentationml/2006/main">
+<p:tagLst xmlns:a="http://schemas.openxmlformats.org/drawingml/2006/main" xmlns:r="http://schemas.openxmlformats.org/officeDocument/2006/relationships" xmlns:p="http://schemas.openxmlformats.org/presentationml/2006/main">
   <p:tag name="KSO_WM_UNIT_HIGHLIGHT" val="0"/>
   <p:tag name="KSO_WM_UNIT_COMPATIBLE" val="0"/>
   <p:tag name="KSO_WM_UNIT_DIAGRAM_ISNUMVISUAL" val="0"/>
@@ -20600,7 +21443,7 @@
 </file>
 
 <file path=ppt/tags/tag81.xml><?xml version="1.0" encoding="utf-8"?>
-<p:tagLst xmlns:p="http://schemas.openxmlformats.org/presentationml/2006/main">
+<p:tagLst xmlns:a="http://schemas.openxmlformats.org/drawingml/2006/main" xmlns:r="http://schemas.openxmlformats.org/officeDocument/2006/relationships" xmlns:p="http://schemas.openxmlformats.org/presentationml/2006/main">
   <p:tag name="KSO_WM_UNIT_HIGHLIGHT" val="0"/>
   <p:tag name="KSO_WM_UNIT_COMPATIBLE" val="0"/>
   <p:tag name="KSO_WM_UNIT_DIAGRAM_ISNUMVISUAL" val="0"/>
@@ -20613,7 +21456,7 @@
 </file>
 
 <file path=ppt/tags/tag82.xml><?xml version="1.0" encoding="utf-8"?>
-<p:tagLst xmlns:p="http://schemas.openxmlformats.org/presentationml/2006/main">
+<p:tagLst xmlns:a="http://schemas.openxmlformats.org/drawingml/2006/main" xmlns:r="http://schemas.openxmlformats.org/officeDocument/2006/relationships" xmlns:p="http://schemas.openxmlformats.org/presentationml/2006/main">
   <p:tag name="KSO_WM_UNIT_HIGHLIGHT" val="0"/>
   <p:tag name="KSO_WM_UNIT_COMPATIBLE" val="0"/>
   <p:tag name="KSO_WM_UNIT_DIAGRAM_ISNUMVISUAL" val="0"/>
@@ -20626,7 +21469,7 @@
 </file>
 
 <file path=ppt/tags/tag83.xml><?xml version="1.0" encoding="utf-8"?>
-<p:tagLst xmlns:p="http://schemas.openxmlformats.org/presentationml/2006/main">
+<p:tagLst xmlns:a="http://schemas.openxmlformats.org/drawingml/2006/main" xmlns:r="http://schemas.openxmlformats.org/officeDocument/2006/relationships" xmlns:p="http://schemas.openxmlformats.org/presentationml/2006/main">
   <p:tag name="KSO_WM_UNIT_HIGHLIGHT" val="0"/>
   <p:tag name="KSO_WM_UNIT_COMPATIBLE" val="0"/>
   <p:tag name="KSO_WM_UNIT_DIAGRAM_ISNUMVISUAL" val="0"/>
@@ -20639,12 +21482,12 @@
 </file>
 
 <file path=ppt/tags/tag84.xml><?xml version="1.0" encoding="utf-8"?>
-<p:tagLst xmlns:p="http://schemas.openxmlformats.org/presentationml/2006/main">
+<p:tagLst xmlns:a="http://schemas.openxmlformats.org/drawingml/2006/main" xmlns:r="http://schemas.openxmlformats.org/officeDocument/2006/relationships" xmlns:p="http://schemas.openxmlformats.org/presentationml/2006/main">
   <p:tag name="KSO_WM_UNIT_HIGHLIGHT" val="0"/>
   <p:tag name="KSO_WM_UNIT_COMPATIBLE" val="0"/>
   <p:tag name="KSO_WM_UNIT_DIAGRAM_ISNUMVISUAL" val="0"/>
   <p:tag name="KSO_WM_UNIT_DIAGRAM_ISREFERUNIT" val="0"/>
-  <p:tag name="KSO_WM_UNIT_ID" val="_4**"/>
+  <p:tag name="KSO_WM_UNIT_ID" val="_3**"/>
   <p:tag name="KSO_WM_UNIT_LAYERLEVEL" val="1"/>
   <p:tag name="KSO_WM_TAG_VERSION" val="1.0"/>
   <p:tag name="KSO_WM_BEAUTIFY_FLAG" val="#wm#"/>
@@ -20652,12 +21495,12 @@
 </file>
 
 <file path=ppt/tags/tag85.xml><?xml version="1.0" encoding="utf-8"?>
-<p:tagLst xmlns:p="http://schemas.openxmlformats.org/presentationml/2006/main">
+<p:tagLst xmlns:a="http://schemas.openxmlformats.org/drawingml/2006/main" xmlns:r="http://schemas.openxmlformats.org/officeDocument/2006/relationships" xmlns:p="http://schemas.openxmlformats.org/presentationml/2006/main">
   <p:tag name="KSO_WM_UNIT_HIGHLIGHT" val="0"/>
   <p:tag name="KSO_WM_UNIT_COMPATIBLE" val="0"/>
   <p:tag name="KSO_WM_UNIT_DIAGRAM_ISNUMVISUAL" val="0"/>
   <p:tag name="KSO_WM_UNIT_DIAGRAM_ISREFERUNIT" val="0"/>
-  <p:tag name="KSO_WM_UNIT_ID" val="_4**"/>
+  <p:tag name="KSO_WM_UNIT_ID" val="_3**"/>
   <p:tag name="KSO_WM_UNIT_LAYERLEVEL" val="1"/>
   <p:tag name="KSO_WM_TAG_VERSION" val="1.0"/>
   <p:tag name="KSO_WM_BEAUTIFY_FLAG" val="#wm#"/>
@@ -20665,12 +21508,12 @@
 </file>
 
 <file path=ppt/tags/tag86.xml><?xml version="1.0" encoding="utf-8"?>
-<p:tagLst xmlns:p="http://schemas.openxmlformats.org/presentationml/2006/main">
+<p:tagLst xmlns:a="http://schemas.openxmlformats.org/drawingml/2006/main" xmlns:r="http://schemas.openxmlformats.org/officeDocument/2006/relationships" xmlns:p="http://schemas.openxmlformats.org/presentationml/2006/main">
   <p:tag name="KSO_WM_UNIT_HIGHLIGHT" val="0"/>
   <p:tag name="KSO_WM_UNIT_COMPATIBLE" val="0"/>
   <p:tag name="KSO_WM_UNIT_DIAGRAM_ISNUMVISUAL" val="0"/>
   <p:tag name="KSO_WM_UNIT_DIAGRAM_ISREFERUNIT" val="0"/>
-  <p:tag name="KSO_WM_UNIT_ID" val="_4**"/>
+  <p:tag name="KSO_WM_UNIT_ID" val="_3**"/>
   <p:tag name="KSO_WM_UNIT_LAYERLEVEL" val="1"/>
   <p:tag name="KSO_WM_TAG_VERSION" val="1.0"/>
   <p:tag name="KSO_WM_BEAUTIFY_FLAG" val="#wm#"/>
@@ -20678,12 +21521,12 @@
 </file>
 
 <file path=ppt/tags/tag87.xml><?xml version="1.0" encoding="utf-8"?>
-<p:tagLst xmlns:p="http://schemas.openxmlformats.org/presentationml/2006/main">
+<p:tagLst xmlns:a="http://schemas.openxmlformats.org/drawingml/2006/main" xmlns:r="http://schemas.openxmlformats.org/officeDocument/2006/relationships" xmlns:p="http://schemas.openxmlformats.org/presentationml/2006/main">
   <p:tag name="KSO_WM_UNIT_HIGHLIGHT" val="0"/>
   <p:tag name="KSO_WM_UNIT_COMPATIBLE" val="0"/>
   <p:tag name="KSO_WM_UNIT_DIAGRAM_ISNUMVISUAL" val="0"/>
   <p:tag name="KSO_WM_UNIT_DIAGRAM_ISREFERUNIT" val="0"/>
-  <p:tag name="KSO_WM_UNIT_ID" val="_4**"/>
+  <p:tag name="KSO_WM_UNIT_ID" val="_3**"/>
   <p:tag name="KSO_WM_UNIT_LAYERLEVEL" val="1"/>
   <p:tag name="KSO_WM_TAG_VERSION" val="1.0"/>
   <p:tag name="KSO_WM_BEAUTIFY_FLAG" val="#wm#"/>
@@ -20691,12 +21534,12 @@
 </file>
 
 <file path=ppt/tags/tag88.xml><?xml version="1.0" encoding="utf-8"?>
-<p:tagLst xmlns:p="http://schemas.openxmlformats.org/presentationml/2006/main">
+<p:tagLst xmlns:a="http://schemas.openxmlformats.org/drawingml/2006/main" xmlns:r="http://schemas.openxmlformats.org/officeDocument/2006/relationships" xmlns:p="http://schemas.openxmlformats.org/presentationml/2006/main">
   <p:tag name="KSO_WM_UNIT_HIGHLIGHT" val="0"/>
   <p:tag name="KSO_WM_UNIT_COMPATIBLE" val="0"/>
   <p:tag name="KSO_WM_UNIT_DIAGRAM_ISNUMVISUAL" val="0"/>
   <p:tag name="KSO_WM_UNIT_DIAGRAM_ISREFERUNIT" val="0"/>
-  <p:tag name="KSO_WM_UNIT_ID" val="_4**"/>
+  <p:tag name="KSO_WM_UNIT_ID" val="_3**"/>
   <p:tag name="KSO_WM_UNIT_LAYERLEVEL" val="1"/>
   <p:tag name="KSO_WM_TAG_VERSION" val="1.0"/>
   <p:tag name="KSO_WM_BEAUTIFY_FLAG" val="#wm#"/>
@@ -20704,12 +21547,12 @@
 </file>
 
 <file path=ppt/tags/tag89.xml><?xml version="1.0" encoding="utf-8"?>
-<p:tagLst xmlns:p="http://schemas.openxmlformats.org/presentationml/2006/main">
+<p:tagLst xmlns:a="http://schemas.openxmlformats.org/drawingml/2006/main" xmlns:r="http://schemas.openxmlformats.org/officeDocument/2006/relationships" xmlns:p="http://schemas.openxmlformats.org/presentationml/2006/main">
   <p:tag name="KSO_WM_UNIT_HIGHLIGHT" val="0"/>
   <p:tag name="KSO_WM_UNIT_COMPATIBLE" val="0"/>
   <p:tag name="KSO_WM_UNIT_DIAGRAM_ISNUMVISUAL" val="0"/>
   <p:tag name="KSO_WM_UNIT_DIAGRAM_ISREFERUNIT" val="0"/>
-  <p:tag name="KSO_WM_UNIT_ID" val="_4**"/>
+  <p:tag name="KSO_WM_UNIT_ID" val="_3**"/>
   <p:tag name="KSO_WM_UNIT_LAYERLEVEL" val="1"/>
   <p:tag name="KSO_WM_TAG_VERSION" val="1.0"/>
   <p:tag name="KSO_WM_BEAUTIFY_FLAG" val="#wm#"/>
@@ -20717,7 +21560,7 @@
 </file>
 
 <file path=ppt/tags/tag9.xml><?xml version="1.0" encoding="utf-8"?>
-<p:tagLst xmlns:p="http://schemas.openxmlformats.org/presentationml/2006/main">
+<p:tagLst xmlns:a="http://schemas.openxmlformats.org/drawingml/2006/main" xmlns:r="http://schemas.openxmlformats.org/officeDocument/2006/relationships" xmlns:p="http://schemas.openxmlformats.org/presentationml/2006/main">
   <p:tag name="KSO_WM_UNIT_HIGHLIGHT" val="0"/>
   <p:tag name="KSO_WM_UNIT_COMPATIBLE" val="0"/>
   <p:tag name="KSO_WM_UNIT_DIAGRAM_ISNUMVISUAL" val="0"/>
@@ -20730,12 +21573,12 @@
 </file>
 
 <file path=ppt/tags/tag90.xml><?xml version="1.0" encoding="utf-8"?>
-<p:tagLst xmlns:p="http://schemas.openxmlformats.org/presentationml/2006/main">
+<p:tagLst xmlns:a="http://schemas.openxmlformats.org/drawingml/2006/main" xmlns:r="http://schemas.openxmlformats.org/officeDocument/2006/relationships" xmlns:p="http://schemas.openxmlformats.org/presentationml/2006/main">
   <p:tag name="KSO_WM_UNIT_HIGHLIGHT" val="0"/>
   <p:tag name="KSO_WM_UNIT_COMPATIBLE" val="0"/>
   <p:tag name="KSO_WM_UNIT_DIAGRAM_ISNUMVISUAL" val="0"/>
   <p:tag name="KSO_WM_UNIT_DIAGRAM_ISREFERUNIT" val="0"/>
-  <p:tag name="KSO_WM_UNIT_ID" val="_5**"/>
+  <p:tag name="KSO_WM_UNIT_ID" val="_4**"/>
   <p:tag name="KSO_WM_UNIT_LAYERLEVEL" val="1"/>
   <p:tag name="KSO_WM_TAG_VERSION" val="1.0"/>
   <p:tag name="KSO_WM_BEAUTIFY_FLAG" val="#wm#"/>
@@ -20743,12 +21586,12 @@
 </file>
 
 <file path=ppt/tags/tag91.xml><?xml version="1.0" encoding="utf-8"?>
-<p:tagLst xmlns:p="http://schemas.openxmlformats.org/presentationml/2006/main">
+<p:tagLst xmlns:a="http://schemas.openxmlformats.org/drawingml/2006/main" xmlns:r="http://schemas.openxmlformats.org/officeDocument/2006/relationships" xmlns:p="http://schemas.openxmlformats.org/presentationml/2006/main">
   <p:tag name="KSO_WM_UNIT_HIGHLIGHT" val="0"/>
   <p:tag name="KSO_WM_UNIT_COMPATIBLE" val="0"/>
   <p:tag name="KSO_WM_UNIT_DIAGRAM_ISNUMVISUAL" val="0"/>
   <p:tag name="KSO_WM_UNIT_DIAGRAM_ISREFERUNIT" val="0"/>
-  <p:tag name="KSO_WM_UNIT_ID" val="_5**"/>
+  <p:tag name="KSO_WM_UNIT_ID" val="_4**"/>
   <p:tag name="KSO_WM_UNIT_LAYERLEVEL" val="1"/>
   <p:tag name="KSO_WM_TAG_VERSION" val="1.0"/>
   <p:tag name="KSO_WM_BEAUTIFY_FLAG" val="#wm#"/>
@@ -20756,12 +21599,12 @@
 </file>
 
 <file path=ppt/tags/tag92.xml><?xml version="1.0" encoding="utf-8"?>
-<p:tagLst xmlns:p="http://schemas.openxmlformats.org/presentationml/2006/main">
+<p:tagLst xmlns:a="http://schemas.openxmlformats.org/drawingml/2006/main" xmlns:r="http://schemas.openxmlformats.org/officeDocument/2006/relationships" xmlns:p="http://schemas.openxmlformats.org/presentationml/2006/main">
   <p:tag name="KSO_WM_UNIT_HIGHLIGHT" val="0"/>
   <p:tag name="KSO_WM_UNIT_COMPATIBLE" val="0"/>
   <p:tag name="KSO_WM_UNIT_DIAGRAM_ISNUMVISUAL" val="0"/>
   <p:tag name="KSO_WM_UNIT_DIAGRAM_ISREFERUNIT" val="0"/>
-  <p:tag name="KSO_WM_UNIT_ID" val="_5**"/>
+  <p:tag name="KSO_WM_UNIT_ID" val="_4**"/>
   <p:tag name="KSO_WM_UNIT_LAYERLEVEL" val="1"/>
   <p:tag name="KSO_WM_TAG_VERSION" val="1.0"/>
   <p:tag name="KSO_WM_BEAUTIFY_FLAG" val="#wm#"/>
@@ -20769,12 +21612,12 @@
 </file>
 
 <file path=ppt/tags/tag93.xml><?xml version="1.0" encoding="utf-8"?>
-<p:tagLst xmlns:p="http://schemas.openxmlformats.org/presentationml/2006/main">
+<p:tagLst xmlns:a="http://schemas.openxmlformats.org/drawingml/2006/main" xmlns:r="http://schemas.openxmlformats.org/officeDocument/2006/relationships" xmlns:p="http://schemas.openxmlformats.org/presentationml/2006/main">
   <p:tag name="KSO_WM_UNIT_HIGHLIGHT" val="0"/>
   <p:tag name="KSO_WM_UNIT_COMPATIBLE" val="0"/>
   <p:tag name="KSO_WM_UNIT_DIAGRAM_ISNUMVISUAL" val="0"/>
   <p:tag name="KSO_WM_UNIT_DIAGRAM_ISREFERUNIT" val="0"/>
-  <p:tag name="KSO_WM_UNIT_ID" val="_5**"/>
+  <p:tag name="KSO_WM_UNIT_ID" val="_4**"/>
   <p:tag name="KSO_WM_UNIT_LAYERLEVEL" val="1"/>
   <p:tag name="KSO_WM_TAG_VERSION" val="1.0"/>
   <p:tag name="KSO_WM_BEAUTIFY_FLAG" val="#wm#"/>
@@ -20782,12 +21625,12 @@
 </file>
 
 <file path=ppt/tags/tag94.xml><?xml version="1.0" encoding="utf-8"?>
-<p:tagLst xmlns:p="http://schemas.openxmlformats.org/presentationml/2006/main">
+<p:tagLst xmlns:a="http://schemas.openxmlformats.org/drawingml/2006/main" xmlns:r="http://schemas.openxmlformats.org/officeDocument/2006/relationships" xmlns:p="http://schemas.openxmlformats.org/presentationml/2006/main">
   <p:tag name="KSO_WM_UNIT_HIGHLIGHT" val="0"/>
   <p:tag name="KSO_WM_UNIT_COMPATIBLE" val="0"/>
   <p:tag name="KSO_WM_UNIT_DIAGRAM_ISNUMVISUAL" val="0"/>
   <p:tag name="KSO_WM_UNIT_DIAGRAM_ISREFERUNIT" val="0"/>
-  <p:tag name="KSO_WM_UNIT_ID" val="_5**"/>
+  <p:tag name="KSO_WM_UNIT_ID" val="_4**"/>
   <p:tag name="KSO_WM_UNIT_LAYERLEVEL" val="1"/>
   <p:tag name="KSO_WM_TAG_VERSION" val="1.0"/>
   <p:tag name="KSO_WM_BEAUTIFY_FLAG" val="#wm#"/>
@@ -20795,12 +21638,12 @@
 </file>
 
 <file path=ppt/tags/tag95.xml><?xml version="1.0" encoding="utf-8"?>
-<p:tagLst xmlns:p="http://schemas.openxmlformats.org/presentationml/2006/main">
+<p:tagLst xmlns:a="http://schemas.openxmlformats.org/drawingml/2006/main" xmlns:r="http://schemas.openxmlformats.org/officeDocument/2006/relationships" xmlns:p="http://schemas.openxmlformats.org/presentationml/2006/main">
   <p:tag name="KSO_WM_UNIT_HIGHLIGHT" val="0"/>
   <p:tag name="KSO_WM_UNIT_COMPATIBLE" val="0"/>
   <p:tag name="KSO_WM_UNIT_DIAGRAM_ISNUMVISUAL" val="0"/>
   <p:tag name="KSO_WM_UNIT_DIAGRAM_ISREFERUNIT" val="0"/>
-  <p:tag name="KSO_WM_UNIT_ID" val="_5**"/>
+  <p:tag name="KSO_WM_UNIT_ID" val="_4**"/>
   <p:tag name="KSO_WM_UNIT_LAYERLEVEL" val="1"/>
   <p:tag name="KSO_WM_TAG_VERSION" val="1.0"/>
   <p:tag name="KSO_WM_BEAUTIFY_FLAG" val="#wm#"/>
@@ -20808,7 +21651,7 @@
 </file>
 
 <file path=ppt/tags/tag96.xml><?xml version="1.0" encoding="utf-8"?>
-<p:tagLst xmlns:p="http://schemas.openxmlformats.org/presentationml/2006/main">
+<p:tagLst xmlns:a="http://schemas.openxmlformats.org/drawingml/2006/main" xmlns:r="http://schemas.openxmlformats.org/officeDocument/2006/relationships" xmlns:p="http://schemas.openxmlformats.org/presentationml/2006/main">
   <p:tag name="KSO_WM_UNIT_HIGHLIGHT" val="0"/>
   <p:tag name="KSO_WM_UNIT_COMPATIBLE" val="0"/>
   <p:tag name="KSO_WM_UNIT_DIAGRAM_ISNUMVISUAL" val="0"/>
@@ -20821,7 +21664,7 @@
 </file>
 
 <file path=ppt/tags/tag97.xml><?xml version="1.0" encoding="utf-8"?>
-<p:tagLst xmlns:p="http://schemas.openxmlformats.org/presentationml/2006/main">
+<p:tagLst xmlns:a="http://schemas.openxmlformats.org/drawingml/2006/main" xmlns:r="http://schemas.openxmlformats.org/officeDocument/2006/relationships" xmlns:p="http://schemas.openxmlformats.org/presentationml/2006/main">
   <p:tag name="KSO_WM_UNIT_HIGHLIGHT" val="0"/>
   <p:tag name="KSO_WM_UNIT_COMPATIBLE" val="0"/>
   <p:tag name="KSO_WM_UNIT_DIAGRAM_ISNUMVISUAL" val="0"/>
@@ -20834,12 +21677,12 @@
 </file>
 
 <file path=ppt/tags/tag98.xml><?xml version="1.0" encoding="utf-8"?>
-<p:tagLst xmlns:p="http://schemas.openxmlformats.org/presentationml/2006/main">
+<p:tagLst xmlns:a="http://schemas.openxmlformats.org/drawingml/2006/main" xmlns:r="http://schemas.openxmlformats.org/officeDocument/2006/relationships" xmlns:p="http://schemas.openxmlformats.org/presentationml/2006/main">
   <p:tag name="KSO_WM_UNIT_HIGHLIGHT" val="0"/>
   <p:tag name="KSO_WM_UNIT_COMPATIBLE" val="0"/>
   <p:tag name="KSO_WM_UNIT_DIAGRAM_ISNUMVISUAL" val="0"/>
   <p:tag name="KSO_WM_UNIT_DIAGRAM_ISREFERUNIT" val="0"/>
-  <p:tag name="KSO_WM_UNIT_ID" val="_6**"/>
+  <p:tag name="KSO_WM_UNIT_ID" val="_5**"/>
   <p:tag name="KSO_WM_UNIT_LAYERLEVEL" val="1"/>
   <p:tag name="KSO_WM_TAG_VERSION" val="1.0"/>
   <p:tag name="KSO_WM_BEAUTIFY_FLAG" val="#wm#"/>
@@ -20847,12 +21690,12 @@
 </file>
 
 <file path=ppt/tags/tag99.xml><?xml version="1.0" encoding="utf-8"?>
-<p:tagLst xmlns:p="http://schemas.openxmlformats.org/presentationml/2006/main">
+<p:tagLst xmlns:a="http://schemas.openxmlformats.org/drawingml/2006/main" xmlns:r="http://schemas.openxmlformats.org/officeDocument/2006/relationships" xmlns:p="http://schemas.openxmlformats.org/presentationml/2006/main">
   <p:tag name="KSO_WM_UNIT_HIGHLIGHT" val="0"/>
   <p:tag name="KSO_WM_UNIT_COMPATIBLE" val="0"/>
   <p:tag name="KSO_WM_UNIT_DIAGRAM_ISNUMVISUAL" val="0"/>
   <p:tag name="KSO_WM_UNIT_DIAGRAM_ISREFERUNIT" val="0"/>
-  <p:tag name="KSO_WM_UNIT_ID" val="_6**"/>
+  <p:tag name="KSO_WM_UNIT_ID" val="_5**"/>
   <p:tag name="KSO_WM_UNIT_LAYERLEVEL" val="1"/>
   <p:tag name="KSO_WM_TAG_VERSION" val="1.0"/>
   <p:tag name="KSO_WM_BEAUTIFY_FLAG" val="#wm#"/>
@@ -21050,6 +21893,8 @@
       </a:bgFillStyleLst>
     </a:fmtScheme>
   </a:themeElements>
+  <a:objectDefaults/>
+  <a:extraClrSchemeLst/>
   <a:extLst>
     <a:ext uri="{05A4C25C-085E-4340-85A3-A5531E510DB2}">
       <thm15:themeFamily xmlns:thm15="http://schemas.microsoft.com/office/thememl/2012/main" name="Office Theme" id="{62F939B6-93AF-4DB8-9C6B-D6C7DFDC589F}" vid="{4A3C46E8-61CC-4603-A589-7422A47A8E4A}"/>
@@ -21309,6 +22154,8 @@
       </a:bgFillStyleLst>
     </a:fmtScheme>
   </a:themeElements>
+  <a:objectDefaults/>
+  <a:extraClrSchemeLst/>
   <a:extLst>
     <a:ext uri="{05A4C25C-085E-4340-85A3-A5531E510DB2}">
       <thm15:themeFamily xmlns:thm15="http://schemas.microsoft.com/office/thememl/2012/main" name="Office Theme" id="{62F939B6-93AF-4DB8-9C6B-D6C7DFDC589F}" vid="{4A3C46E8-61CC-4603-A589-7422A47A8E4A}"/>
@@ -21568,6 +22415,8 @@
       </a:bgFillStyleLst>
     </a:fmtScheme>
   </a:themeElements>
+  <a:objectDefaults/>
+  <a:extraClrSchemeLst/>
   <a:extLst>
     <a:ext uri="{05A4C25C-085E-4340-85A3-A5531E510DB2}">
       <thm15:themeFamily xmlns:thm15="http://schemas.microsoft.com/office/thememl/2012/main" name="Office Theme" id="{62F939B6-93AF-4DB8-9C6B-D6C7DFDC589F}" vid="{4A3C46E8-61CC-4603-A589-7422A47A8E4A}"/>

--- a/CG_final.pptx
+++ b/CG_final.pptx
@@ -5,33 +5,40 @@
     <p:sldMasterId id="2147483648" r:id="rId1"/>
   </p:sldMasterIdLst>
   <p:notesMasterIdLst>
-    <p:notesMasterId r:id="rId23"/>
+    <p:notesMasterId r:id="rId30"/>
   </p:notesMasterIdLst>
   <p:handoutMasterIdLst>
-    <p:handoutMasterId r:id="rId24"/>
+    <p:handoutMasterId r:id="rId31"/>
   </p:handoutMasterIdLst>
   <p:sldIdLst>
     <p:sldId id="271" r:id="rId2"/>
-    <p:sldId id="272" r:id="rId3"/>
-    <p:sldId id="273" r:id="rId4"/>
-    <p:sldId id="274" r:id="rId5"/>
-    <p:sldId id="277" r:id="rId6"/>
-    <p:sldId id="285" r:id="rId7"/>
-    <p:sldId id="278" r:id="rId8"/>
-    <p:sldId id="279" r:id="rId9"/>
-    <p:sldId id="286" r:id="rId10"/>
-    <p:sldId id="276" r:id="rId11"/>
-    <p:sldId id="275" r:id="rId12"/>
-    <p:sldId id="281" r:id="rId13"/>
-    <p:sldId id="300" r:id="rId14"/>
-    <p:sldId id="280" r:id="rId15"/>
-    <p:sldId id="283" r:id="rId16"/>
-    <p:sldId id="284" r:id="rId17"/>
-    <p:sldId id="287" r:id="rId18"/>
-    <p:sldId id="288" r:id="rId19"/>
-    <p:sldId id="289" r:id="rId20"/>
-    <p:sldId id="290" r:id="rId21"/>
-    <p:sldId id="299" r:id="rId22"/>
+    <p:sldId id="301" r:id="rId3"/>
+    <p:sldId id="302" r:id="rId4"/>
+    <p:sldId id="272" r:id="rId5"/>
+    <p:sldId id="307" r:id="rId6"/>
+    <p:sldId id="303" r:id="rId7"/>
+    <p:sldId id="273" r:id="rId8"/>
+    <p:sldId id="277" r:id="rId9"/>
+    <p:sldId id="285" r:id="rId10"/>
+    <p:sldId id="278" r:id="rId11"/>
+    <p:sldId id="279" r:id="rId12"/>
+    <p:sldId id="286" r:id="rId13"/>
+    <p:sldId id="304" r:id="rId14"/>
+    <p:sldId id="306" r:id="rId15"/>
+    <p:sldId id="275" r:id="rId16"/>
+    <p:sldId id="281" r:id="rId17"/>
+    <p:sldId id="300" r:id="rId18"/>
+    <p:sldId id="280" r:id="rId19"/>
+    <p:sldId id="283" r:id="rId20"/>
+    <p:sldId id="284" r:id="rId21"/>
+    <p:sldId id="287" r:id="rId22"/>
+    <p:sldId id="288" r:id="rId23"/>
+    <p:sldId id="289" r:id="rId24"/>
+    <p:sldId id="290" r:id="rId25"/>
+    <p:sldId id="299" r:id="rId26"/>
+    <p:sldId id="305" r:id="rId27"/>
+    <p:sldId id="308" r:id="rId28"/>
+    <p:sldId id="309" r:id="rId29"/>
   </p:sldIdLst>
   <p:sldSz cx="12192000" cy="6858000"/>
   <p:notesSz cx="6858000" cy="9144000"/>
@@ -2796,6 +2803,18 @@
   <p:clrMapOvr>
     <a:masterClrMapping/>
   </p:clrMapOvr>
+  <mc:AlternateContent xmlns:mc="http://schemas.openxmlformats.org/markup-compatibility/2006" xmlns:p14="http://schemas.microsoft.com/office/powerpoint/2010/main">
+    <mc:Choice Requires="p14">
+      <p:transition spd="med" p14:dur="700">
+        <p:fade/>
+      </p:transition>
+    </mc:Choice>
+    <mc:Fallback xmlns="">
+      <p:transition spd="med">
+        <p:fade/>
+      </p:transition>
+    </mc:Fallback>
+  </mc:AlternateContent>
 </p:sldLayout>
 </file>
 
@@ -2954,6 +2973,18 @@
   <p:clrMapOvr>
     <a:masterClrMapping/>
   </p:clrMapOvr>
+  <mc:AlternateContent xmlns:mc="http://schemas.openxmlformats.org/markup-compatibility/2006" xmlns:p14="http://schemas.microsoft.com/office/powerpoint/2010/main">
+    <mc:Choice Requires="p14">
+      <p:transition spd="med" p14:dur="700">
+        <p:fade/>
+      </p:transition>
+    </mc:Choice>
+    <mc:Fallback xmlns="">
+      <p:transition spd="med">
+        <p:fade/>
+      </p:transition>
+    </mc:Fallback>
+  </mc:AlternateContent>
 </p:sldLayout>
 </file>
 
@@ -7692,6 +7723,18 @@
   <p:clrMapOvr>
     <a:masterClrMapping/>
   </p:clrMapOvr>
+  <mc:AlternateContent xmlns:mc="http://schemas.openxmlformats.org/markup-compatibility/2006" xmlns:p14="http://schemas.microsoft.com/office/powerpoint/2010/main">
+    <mc:Choice Requires="p14">
+      <p:transition spd="med" p14:dur="700">
+        <p:fade/>
+      </p:transition>
+    </mc:Choice>
+    <mc:Fallback xmlns="">
+      <p:transition spd="med">
+        <p:fade/>
+      </p:transition>
+    </mc:Fallback>
+  </mc:AlternateContent>
 </p:sldLayout>
 </file>
 
@@ -12532,6 +12575,18 @@
   <p:clrMapOvr>
     <a:masterClrMapping/>
   </p:clrMapOvr>
+  <mc:AlternateContent xmlns:mc="http://schemas.openxmlformats.org/markup-compatibility/2006" xmlns:p14="http://schemas.microsoft.com/office/powerpoint/2010/main">
+    <mc:Choice Requires="p14">
+      <p:transition spd="med" p14:dur="700">
+        <p:fade/>
+      </p:transition>
+    </mc:Choice>
+    <mc:Fallback xmlns="">
+      <p:transition spd="med">
+        <p:fade/>
+      </p:transition>
+    </mc:Fallback>
+  </mc:AlternateContent>
 </p:sldLayout>
 </file>
 
@@ -13489,6 +13544,18 @@
   <p:clrMapOvr>
     <a:masterClrMapping/>
   </p:clrMapOvr>
+  <mc:AlternateContent xmlns:mc="http://schemas.openxmlformats.org/markup-compatibility/2006" xmlns:p14="http://schemas.microsoft.com/office/powerpoint/2010/main">
+    <mc:Choice Requires="p14">
+      <p:transition spd="med" p14:dur="700">
+        <p:fade/>
+      </p:transition>
+    </mc:Choice>
+    <mc:Fallback xmlns="">
+      <p:transition spd="med">
+        <p:fade/>
+      </p:transition>
+    </mc:Fallback>
+  </mc:AlternateContent>
 </p:sldLayout>
 </file>
 
@@ -13970,6 +14037,18 @@
   <p:clrMapOvr>
     <a:masterClrMapping/>
   </p:clrMapOvr>
+  <mc:AlternateContent xmlns:mc="http://schemas.openxmlformats.org/markup-compatibility/2006" xmlns:p14="http://schemas.microsoft.com/office/powerpoint/2010/main">
+    <mc:Choice Requires="p14">
+      <p:transition spd="med" p14:dur="700">
+        <p:fade/>
+      </p:transition>
+    </mc:Choice>
+    <mc:Fallback xmlns="">
+      <p:transition spd="med">
+        <p:fade/>
+      </p:transition>
+    </mc:Fallback>
+  </mc:AlternateContent>
 </p:sldLayout>
 </file>
 
@@ -14714,6 +14793,18 @@
   <p:clrMapOvr>
     <a:masterClrMapping/>
   </p:clrMapOvr>
+  <mc:AlternateContent xmlns:mc="http://schemas.openxmlformats.org/markup-compatibility/2006" xmlns:p14="http://schemas.microsoft.com/office/powerpoint/2010/main">
+    <mc:Choice Requires="p14">
+      <p:transition spd="med" p14:dur="700">
+        <p:fade/>
+      </p:transition>
+    </mc:Choice>
+    <mc:Fallback xmlns="">
+      <p:transition spd="med">
+        <p:fade/>
+      </p:transition>
+    </mc:Fallback>
+  </mc:AlternateContent>
 </p:sldLayout>
 </file>
 
@@ -14863,6 +14954,18 @@
   <p:clrMapOvr>
     <a:masterClrMapping/>
   </p:clrMapOvr>
+  <mc:AlternateContent xmlns:mc="http://schemas.openxmlformats.org/markup-compatibility/2006" xmlns:p14="http://schemas.microsoft.com/office/powerpoint/2010/main">
+    <mc:Choice Requires="p14">
+      <p:transition spd="med" p14:dur="700">
+        <p:fade/>
+      </p:transition>
+    </mc:Choice>
+    <mc:Fallback xmlns="">
+      <p:transition spd="med">
+        <p:fade/>
+      </p:transition>
+    </mc:Fallback>
+  </mc:AlternateContent>
 </p:sldLayout>
 </file>
 
@@ -14962,6 +15065,18 @@
   <p:clrMapOvr>
     <a:masterClrMapping/>
   </p:clrMapOvr>
+  <mc:AlternateContent xmlns:mc="http://schemas.openxmlformats.org/markup-compatibility/2006" xmlns:p14="http://schemas.microsoft.com/office/powerpoint/2010/main">
+    <mc:Choice Requires="p14">
+      <p:transition spd="med" p14:dur="700">
+        <p:fade/>
+      </p:transition>
+    </mc:Choice>
+    <mc:Fallback xmlns="">
+      <p:transition spd="med">
+        <p:fade/>
+      </p:transition>
+    </mc:Fallback>
+  </mc:AlternateContent>
 </p:sldLayout>
 </file>
 
@@ -15332,6 +15447,18 @@
   <p:clrMapOvr>
     <a:masterClrMapping/>
   </p:clrMapOvr>
+  <mc:AlternateContent xmlns:mc="http://schemas.openxmlformats.org/markup-compatibility/2006" xmlns:p14="http://schemas.microsoft.com/office/powerpoint/2010/main">
+    <mc:Choice Requires="p14">
+      <p:transition spd="med" p14:dur="700">
+        <p:fade/>
+      </p:transition>
+    </mc:Choice>
+    <mc:Fallback xmlns="">
+      <p:transition spd="med">
+        <p:fade/>
+      </p:transition>
+    </mc:Fallback>
+  </mc:AlternateContent>
 </p:sldLayout>
 </file>
 
@@ -15609,6 +15736,18 @@
   <p:clrMapOvr>
     <a:masterClrMapping/>
   </p:clrMapOvr>
+  <mc:AlternateContent xmlns:mc="http://schemas.openxmlformats.org/markup-compatibility/2006" xmlns:p14="http://schemas.microsoft.com/office/powerpoint/2010/main">
+    <mc:Choice Requires="p14">
+      <p:transition spd="med" p14:dur="700">
+        <p:fade/>
+      </p:transition>
+    </mc:Choice>
+    <mc:Fallback xmlns="">
+      <p:transition spd="med">
+        <p:fade/>
+      </p:transition>
+    </mc:Fallback>
+  </mc:AlternateContent>
 </p:sldLayout>
 </file>
 
@@ -15943,6 +16082,18 @@
     <p:sldLayoutId id="2147483658" r:id="rId10"/>
     <p:sldLayoutId id="2147483659" r:id="rId11"/>
   </p:sldLayoutIdLst>
+  <mc:AlternateContent xmlns:mc="http://schemas.openxmlformats.org/markup-compatibility/2006" xmlns:p14="http://schemas.microsoft.com/office/powerpoint/2010/main">
+    <mc:Choice Requires="p14">
+      <p:transition spd="med" p14:dur="700">
+        <p:fade/>
+      </p:transition>
+    </mc:Choice>
+    <mc:Fallback xmlns="">
+      <p:transition spd="med">
+        <p:fade/>
+      </p:transition>
+    </mc:Fallback>
+  </mc:AlternateContent>
   <p:txStyles>
     <p:titleStyle>
       <a:lvl1pPr algn="l" defTabSz="914400" rtl="0" eaLnBrk="1" fontAlgn="auto" latinLnBrk="0" hangingPunct="1">
@@ -16301,8 +16452,8 @@
           <a:lstStyle/>
           <a:p>
             <a:r>
-              <a:rPr lang="zh-CN" altLang="en-US"/>
-              <a:t>射击游戏</a:t>
+              <a:rPr lang="zh-CN" altLang="en-US" dirty="0"/>
+              <a:t>户外射击游戏</a:t>
             </a:r>
           </a:p>
         </p:txBody>
@@ -16323,11 +16474,27 @@
           <a:lstStyle/>
           <a:p>
             <a:r>
-              <a:rPr lang="en-US" altLang="zh-CN" dirty="0"/>
+              <a:rPr lang="zh-CN" altLang="en-US" dirty="0">
+                <a:solidFill>
+                  <a:schemeClr val="tx1"/>
+                </a:solidFill>
+              </a:rPr>
+              <a:t>计算机图形学第</a:t>
+            </a:r>
+            <a:r>
+              <a:rPr lang="en-US" altLang="zh-CN" dirty="0">
+                <a:solidFill>
+                  <a:schemeClr val="tx1"/>
+                </a:solidFill>
+              </a:rPr>
               <a:t>19</a:t>
             </a:r>
             <a:r>
-              <a:rPr lang="zh-CN" altLang="en-US" dirty="0"/>
+              <a:rPr lang="zh-CN" altLang="en-US" dirty="0">
+                <a:solidFill>
+                  <a:schemeClr val="tx1"/>
+                </a:solidFill>
+              </a:rPr>
               <a:t>组</a:t>
             </a:r>
           </a:p>
@@ -16341,6 +16508,18 @@
   <p:clrMapOvr>
     <a:masterClrMapping/>
   </p:clrMapOvr>
+  <mc:AlternateContent xmlns:mc="http://schemas.openxmlformats.org/markup-compatibility/2006" xmlns:p14="http://schemas.microsoft.com/office/powerpoint/2010/main">
+    <mc:Choice Requires="p14">
+      <p:transition spd="med" p14:dur="700">
+        <p:fade/>
+      </p:transition>
+    </mc:Choice>
+    <mc:Fallback xmlns="">
+      <p:transition spd="med">
+        <p:fade/>
+      </p:transition>
+    </mc:Fallback>
+  </mc:AlternateContent>
 </p:sld>
 </file>
 
@@ -16371,28 +16550,79 @@
             <p:ph type="title"/>
           </p:nvPr>
         </p:nvSpPr>
+        <p:spPr/>
+        <p:txBody>
+          <a:bodyPr/>
+          <a:lstStyle/>
+          <a:p>
+            <a:r>
+              <a:rPr lang="en-US" altLang="zh-CN"/>
+              <a:t>3. Lighting</a:t>
+            </a:r>
+          </a:p>
+        </p:txBody>
+      </p:sp>
+      <p:sp>
+        <p:nvSpPr>
+          <p:cNvPr id="3" name="内容占位符 2"/>
+          <p:cNvSpPr>
+            <a:spLocks noGrp="1"/>
+          </p:cNvSpPr>
+          <p:nvPr>
+            <p:ph idx="1"/>
+          </p:nvPr>
+        </p:nvSpPr>
         <p:spPr>
           <a:xfrm>
-            <a:off x="2091690" y="3031490"/>
-            <a:ext cx="8008620" cy="795020"/>
+            <a:off x="669925" y="952500"/>
+            <a:ext cx="5315585" cy="5388610"/>
           </a:xfrm>
         </p:spPr>
         <p:txBody>
           <a:bodyPr/>
           <a:lstStyle/>
           <a:p>
+            <a:endParaRPr lang="en-US" altLang="zh-CN" dirty="0"/>
+          </a:p>
+          <a:p>
             <a:r>
-              <a:rPr sz="4800"/>
-              <a:t>第二部分：</a:t>
+              <a:rPr lang="zh-CN" altLang="en-US" dirty="0"/>
+              <a:t>作品实现了</a:t>
             </a:r>
             <a:r>
-              <a:rPr lang="en-US" altLang="zh-CN" sz="4800"/>
-              <a:t>Bonus</a:t>
+              <a:rPr lang="en-US" altLang="zh-CN" dirty="0" err="1"/>
+              <a:t>Phong</a:t>
             </a:r>
             <a:r>
-              <a:rPr sz="4800"/>
-              <a:t>功能实现</a:t>
+              <a:rPr dirty="0"/>
+              <a:t>光照模型</a:t>
             </a:r>
+            <a:endParaRPr lang="en-US" altLang="zh-CN" dirty="0"/>
+          </a:p>
+          <a:p>
+            <a:endParaRPr lang="en-US" altLang="zh-CN" dirty="0"/>
+          </a:p>
+          <a:p>
+            <a:r>
+              <a:rPr lang="zh-CN" altLang="en-US" dirty="0"/>
+              <a:t>使用</a:t>
+            </a:r>
+            <a:r>
+              <a:rPr lang="en-US" altLang="zh-CN" dirty="0"/>
+              <a:t>Blinn-</a:t>
+            </a:r>
+            <a:r>
+              <a:rPr lang="en-US" altLang="zh-CN" dirty="0" err="1"/>
+              <a:t>Phong</a:t>
+            </a:r>
+            <a:r>
+              <a:rPr lang="zh-CN" altLang="en-US" dirty="0"/>
+              <a:t>改进高光效果</a:t>
+            </a:r>
+            <a:endParaRPr lang="en-US" altLang="zh-CN" dirty="0"/>
+          </a:p>
+          <a:p>
+            <a:endParaRPr dirty="0"/>
           </a:p>
         </p:txBody>
       </p:sp>
@@ -16404,6 +16634,18 @@
   <p:clrMapOvr>
     <a:masterClrMapping/>
   </p:clrMapOvr>
+  <mc:AlternateContent xmlns:mc="http://schemas.openxmlformats.org/markup-compatibility/2006" xmlns:p14="http://schemas.microsoft.com/office/powerpoint/2010/main">
+    <mc:Choice Requires="p14">
+      <p:transition spd="med" p14:dur="700">
+        <p:fade/>
+      </p:transition>
+    </mc:Choice>
+    <mc:Fallback xmlns="">
+      <p:transition spd="med">
+        <p:fade/>
+      </p:transition>
+    </mc:Fallback>
+  </mc:AlternateContent>
 </p:sld>
 </file>
 
@@ -16440,11 +16682,8 @@
           <a:lstStyle/>
           <a:p>
             <a:r>
-              <a:rPr lang="en-US" altLang="zh-CN"/>
-              <a:t>1. Sky box </a:t>
-            </a:r>
-            <a:r>
-              <a:t>天空盒</a:t>
+              <a:rPr lang="en-US" altLang="zh-CN" dirty="0"/>
+              <a:t>4. Shadow Mapping</a:t>
             </a:r>
           </a:p>
         </p:txBody>
@@ -16462,25 +16701,19 @@
         <p:spPr>
           <a:xfrm>
             <a:off x="669925" y="952500"/>
-            <a:ext cx="5404485" cy="5388610"/>
+            <a:ext cx="5335270" cy="5388610"/>
           </a:xfrm>
         </p:spPr>
         <p:txBody>
           <a:bodyPr/>
           <a:lstStyle/>
           <a:p>
+            <a:endParaRPr lang="en-US" altLang="zh-CN" dirty="0"/>
+          </a:p>
+          <a:p>
             <a:r>
-              <a:rPr lang="zh-CN" altLang="en-US"/>
-              <a:t>使用立方体贴图技术，为正方体的六个面分别进行纹理的绑定</a:t>
-            </a:r>
-          </a:p>
-          <a:p>
-            <a:endParaRPr lang="zh-CN" altLang="en-US"/>
-          </a:p>
-          <a:p>
-            <a:r>
-              <a:rPr lang="zh-CN" altLang="en-US"/>
-              <a:t>同时移除观察矩阵中的位移部分，让移动不会影响天空盒的位置向量</a:t>
+              <a:rPr lang="zh-CN" altLang="en-US" dirty="0"/>
+              <a:t>作品实现了阴影贴图效果，并做出改进。</a:t>
             </a:r>
           </a:p>
         </p:txBody>
@@ -16493,6 +16726,18 @@
   <p:clrMapOvr>
     <a:masterClrMapping/>
   </p:clrMapOvr>
+  <mc:AlternateContent xmlns:mc="http://schemas.openxmlformats.org/markup-compatibility/2006" xmlns:p14="http://schemas.microsoft.com/office/powerpoint/2010/main">
+    <mc:Choice Requires="p14">
+      <p:transition spd="med" p14:dur="700">
+        <p:fade/>
+      </p:transition>
+    </mc:Choice>
+    <mc:Fallback xmlns="">
+      <p:transition spd="med">
+        <p:fade/>
+      </p:transition>
+    </mc:Fallback>
+  </mc:AlternateContent>
 </p:sld>
 </file>
 
@@ -16529,11 +16774,8 @@
           <a:lstStyle/>
           <a:p>
             <a:r>
-              <a:rPr lang="en-US" altLang="zh-CN"/>
-              <a:t>2. </a:t>
-            </a:r>
-            <a:r>
-              <a:t>重力系统与碰撞检测</a:t>
+              <a:rPr lang="en-US" altLang="zh-CN" dirty="0"/>
+              <a:t>5. Model Import &amp; Mesh Viewing</a:t>
             </a:r>
           </a:p>
         </p:txBody>
@@ -16548,87 +16790,54 @@
             <p:ph idx="1"/>
           </p:nvPr>
         </p:nvSpPr>
-        <p:spPr/>
+        <p:spPr>
+          <a:xfrm>
+            <a:off x="669925" y="952500"/>
+            <a:ext cx="4830445" cy="5388610"/>
+          </a:xfrm>
+        </p:spPr>
         <p:txBody>
           <a:bodyPr/>
           <a:lstStyle/>
           <a:p>
+            <a:endParaRPr lang="en-US" altLang="zh-CN" dirty="0"/>
+          </a:p>
+          <a:p>
             <a:r>
-              <a:rPr lang="en-US" altLang="zh-CN"/>
-              <a:t>2.1 </a:t>
+              <a:rPr lang="zh-CN" altLang="en-US" dirty="0"/>
+              <a:t>作品中主要使用</a:t>
             </a:r>
             <a:r>
-              <a:t>重力系统</a:t>
+              <a:rPr lang="en-US" altLang="zh-CN" dirty="0" err="1"/>
+              <a:t>Assimp</a:t>
             </a:r>
-          </a:p>
-          <a:p>
             <a:r>
-              <a:t>利用物理公式计算出玩家当前垂直方向的速度以及位移即可</a:t>
+              <a:rPr dirty="0"/>
+              <a:t>库进行模型的加载</a:t>
             </a:r>
           </a:p>
         </p:txBody>
       </p:sp>
-      <p:graphicFrame>
-        <p:nvGraphicFramePr>
-          <p:cNvPr id="4" name="对象 3">
-            <a:hlinkClick r:id="" action="ppaction://ole?verb=0"/>
-          </p:cNvPr>
-          <p:cNvGraphicFramePr>
-            <a:graphicFrameLocks noChangeAspect="1"/>
-          </p:cNvGraphicFramePr>
-          <p:nvPr/>
-        </p:nvGraphicFramePr>
-        <p:xfrm>
-          <a:off x="1101725" y="2038350"/>
-          <a:ext cx="2510155" cy="1306830"/>
-        </p:xfrm>
-        <a:graphic>
-          <a:graphicData uri="http://schemas.openxmlformats.org/presentationml/2006/ole">
-            <mc:AlternateContent xmlns:mc="http://schemas.openxmlformats.org/markup-compatibility/2006">
-              <mc:Choice xmlns:v="urn:schemas-microsoft-com:vml" Requires="v">
-                <p:oleObj spid="_x0000_s1029" r:id="rId4" imgW="927100" imgH="482600" progId="Equation.KSEE3">
-                  <p:embed/>
-                </p:oleObj>
-              </mc:Choice>
-              <mc:Fallback>
-                <p:oleObj r:id="rId4" imgW="927100" imgH="482600" progId="Equation.KSEE3">
-                  <p:embed/>
-                  <p:pic>
-                    <p:nvPicPr>
-                      <p:cNvPr id="0" name="图片 1024"/>
-                      <p:cNvPicPr/>
-                      <p:nvPr/>
-                    </p:nvPicPr>
-                    <p:blipFill>
-                      <a:blip r:embed="rId5"/>
-                      <a:stretch>
-                        <a:fillRect/>
-                      </a:stretch>
-                    </p:blipFill>
-                    <p:spPr>
-                      <a:xfrm>
-                        <a:off x="1101725" y="2038350"/>
-                        <a:ext cx="2510155" cy="1306830"/>
-                      </a:xfrm>
-                      <a:prstGeom prst="rect">
-                        <a:avLst/>
-                      </a:prstGeom>
-                    </p:spPr>
-                  </p:pic>
-                </p:oleObj>
-              </mc:Fallback>
-            </mc:AlternateContent>
-          </a:graphicData>
-        </a:graphic>
-      </p:graphicFrame>
     </p:spTree>
     <p:custDataLst>
-      <p:tags r:id="rId2"/>
+      <p:tags r:id="rId1"/>
     </p:custDataLst>
   </p:cSld>
   <p:clrMapOvr>
     <a:masterClrMapping/>
   </p:clrMapOvr>
+  <mc:AlternateContent xmlns:mc="http://schemas.openxmlformats.org/markup-compatibility/2006" xmlns:p14="http://schemas.microsoft.com/office/powerpoint/2010/main">
+    <mc:Choice Requires="p14">
+      <p:transition spd="med" p14:dur="700">
+        <p:fade/>
+      </p:transition>
+    </mc:Choice>
+    <mc:Fallback xmlns="">
+      <p:transition spd="med">
+        <p:fade/>
+      </p:transition>
+    </mc:Fallback>
+  </mc:AlternateContent>
 </p:sld>
 </file>
 
@@ -16656,97 +16865,31 @@
             <a:spLocks noGrp="1"/>
           </p:cNvSpPr>
           <p:nvPr>
-            <p:ph type="title"/>
-          </p:nvPr>
-        </p:nvSpPr>
-        <p:spPr/>
-        <p:txBody>
-          <a:bodyPr/>
-          <a:lstStyle/>
-          <a:p>
-            <a:r>
-              <a:rPr lang="en-US" altLang="zh-CN"/>
-              <a:t>2. </a:t>
-            </a:r>
-            <a:r>
-              <a:t>重力系统与碰撞检测</a:t>
-            </a:r>
-          </a:p>
-        </p:txBody>
-      </p:sp>
-      <p:sp>
-        <p:nvSpPr>
-          <p:cNvPr id="3" name="内容占位符 2"/>
-          <p:cNvSpPr>
-            <a:spLocks noGrp="1"/>
-          </p:cNvSpPr>
-          <p:nvPr>
-            <p:ph idx="1"/>
+            <p:ph type="ctrTitle"/>
           </p:nvPr>
         </p:nvSpPr>
         <p:spPr>
           <a:xfrm>
-            <a:off x="669925" y="952500"/>
-            <a:ext cx="5455285" cy="5388610"/>
+            <a:off x="857732" y="2307200"/>
+            <a:ext cx="7203192" cy="1004461"/>
           </a:xfrm>
         </p:spPr>
         <p:txBody>
           <a:bodyPr/>
           <a:lstStyle/>
           <a:p>
+            <a:pPr>
+              <a:lnSpc>
+                <a:spcPct val="120000"/>
+              </a:lnSpc>
+            </a:pPr>
             <a:r>
-              <a:rPr lang="en-US" altLang="zh-CN"/>
-              <a:t>2.2 </a:t>
+              <a:rPr lang="en-US" altLang="zh-CN" sz="4000" dirty="0"/>
+              <a:t>3. Bonus</a:t>
             </a:r>
             <a:r>
-              <a:t>碰撞检测</a:t>
-            </a:r>
-          </a:p>
-          <a:p>
-            <a:endParaRPr/>
-          </a:p>
-          <a:p>
-            <a:r>
-              <a:t>（</a:t>
-            </a:r>
-            <a:r>
-              <a:rPr lang="en-US" altLang="zh-CN"/>
-              <a:t>1</a:t>
-            </a:r>
-            <a:r>
-              <a:t>）场景外围边缘检测：</a:t>
-            </a:r>
-          </a:p>
-          <a:p>
-            <a:r>
-              <a:t>只进行</a:t>
-            </a:r>
-            <a:r>
-              <a:rPr lang="en-US" altLang="zh-CN"/>
-              <a:t>XZ</a:t>
-            </a:r>
-            <a:r>
-              <a:t>平面的碰撞检测即可</a:t>
-            </a:r>
-          </a:p>
-          <a:p>
-            <a:endParaRPr/>
-          </a:p>
-          <a:p>
-            <a:r>
-              <a:t>（</a:t>
-            </a:r>
-            <a:r>
-              <a:rPr lang="en-US" altLang="zh-CN"/>
-              <a:t>2</a:t>
-            </a:r>
-            <a:r>
-              <a:t>）场景内部物体检测：</a:t>
-            </a:r>
-          </a:p>
-          <a:p>
-            <a:r>
-              <a:t>只有当玩家身体处于碰撞体垂直区域范围内，才进行XZ平面的碰撞检测。</a:t>
+              <a:rPr lang="zh-CN" altLang="en-US" sz="4000" dirty="0"/>
+              <a:t>功能实现</a:t>
             </a:r>
           </a:p>
         </p:txBody>
@@ -16755,10 +16898,27 @@
     <p:custDataLst>
       <p:tags r:id="rId1"/>
     </p:custDataLst>
+    <p:extLst>
+      <p:ext uri="{BB962C8B-B14F-4D97-AF65-F5344CB8AC3E}">
+        <p14:creationId xmlns:p14="http://schemas.microsoft.com/office/powerpoint/2010/main" val="941969011"/>
+      </p:ext>
+    </p:extLst>
   </p:cSld>
   <p:clrMapOvr>
     <a:masterClrMapping/>
   </p:clrMapOvr>
+  <mc:AlternateContent xmlns:mc="http://schemas.openxmlformats.org/markup-compatibility/2006" xmlns:p14="http://schemas.microsoft.com/office/powerpoint/2010/main">
+    <mc:Choice Requires="p14">
+      <p:transition spd="med" p14:dur="700">
+        <p:fade/>
+      </p:transition>
+    </mc:Choice>
+    <mc:Fallback xmlns="">
+      <p:transition spd="med">
+        <p:fade/>
+      </p:transition>
+    </mc:Fallback>
+  </mc:AlternateContent>
 </p:sld>
 </file>
 
@@ -16795,11 +16955,12 @@
           <a:lstStyle/>
           <a:p>
             <a:r>
-              <a:rPr lang="en-US" altLang="zh-CN"/>
-              <a:t>3. </a:t>
+              <a:rPr lang="en-US" altLang="zh-CN" dirty="0"/>
+              <a:t>Bonus</a:t>
             </a:r>
             <a:r>
-              <a:t>爆炸效果</a:t>
+              <a:rPr lang="zh-CN" altLang="en-US" dirty="0"/>
+              <a:t>功能预览</a:t>
             </a:r>
           </a:p>
         </p:txBody>
@@ -16817,47 +16978,124 @@
         <p:spPr>
           <a:xfrm>
             <a:off x="669925" y="952500"/>
-            <a:ext cx="5375910" cy="2885440"/>
+            <a:ext cx="4927600" cy="5388610"/>
           </a:xfrm>
         </p:spPr>
         <p:txBody>
           <a:bodyPr/>
           <a:lstStyle/>
           <a:p>
+            <a:endParaRPr lang="en-US" altLang="zh-CN" dirty="0"/>
+          </a:p>
+          <a:p>
             <a:r>
-              <a:rPr lang="zh-CN" altLang="en-US"/>
-              <a:t>这部分使用几何着色器进行实现</a:t>
-            </a:r>
-          </a:p>
-          <a:p>
-            <a:r>
-              <a:rPr lang="en-US" altLang="zh-CN"/>
-              <a:t>1. </a:t>
+              <a:rPr lang="en-US" altLang="zh-CN" dirty="0"/>
+              <a:t>1. Sky box </a:t>
             </a:r>
             <a:r>
-              <a:t>首先通过一个面的三个顶点坐标计算出当前面的法线向量。</a:t>
+              <a:rPr lang="zh-CN" altLang="en-US" dirty="0"/>
+              <a:t>天空盒</a:t>
             </a:r>
+            <a:endParaRPr lang="en-US" altLang="zh-CN" dirty="0"/>
           </a:p>
           <a:p>
             <a:r>
-              <a:rPr lang="en-US" altLang="zh-CN"/>
+              <a:rPr lang="en-US" altLang="zh-CN" dirty="0"/>
               <a:t>2. </a:t>
             </a:r>
             <a:r>
-              <a:t>然后将这三个顶点同时沿法线向量偏移一段距离</a:t>
+              <a:rPr lang="zh-CN" altLang="en-US" dirty="0"/>
+              <a:t>重力系统与碰撞检测</a:t>
             </a:r>
+            <a:endParaRPr lang="en-US" altLang="zh-CN" dirty="0"/>
           </a:p>
           <a:p>
             <a:r>
-              <a:rPr lang="en-US" altLang="zh-CN"/>
+              <a:rPr lang="en-US" altLang="zh-CN" dirty="0"/>
               <a:t>3. </a:t>
             </a:r>
             <a:r>
-              <a:t>将偏移后的顶点坐标向量作为新的坐标向量输出</a:t>
+              <a:rPr lang="zh-CN" altLang="en-US" dirty="0"/>
+              <a:t>爆炸效果</a:t>
             </a:r>
-          </a:p>
-          <a:p>
-            <a:endParaRPr/>
+            <a:endParaRPr lang="en-US" altLang="zh-CN" dirty="0"/>
+          </a:p>
+          <a:p>
+            <a:r>
+              <a:rPr lang="en-US" altLang="zh-CN" dirty="0"/>
+              <a:t>4. </a:t>
+            </a:r>
+            <a:r>
+              <a:rPr lang="zh-CN" altLang="en-US" dirty="0"/>
+              <a:t>实例化数组</a:t>
+            </a:r>
+            <a:endParaRPr lang="en-US" altLang="zh-CN" dirty="0"/>
+          </a:p>
+          <a:p>
+            <a:r>
+              <a:rPr lang="en-US" altLang="zh-CN" dirty="0"/>
+              <a:t>5. </a:t>
+            </a:r>
+            <a:r>
+              <a:rPr lang="zh-CN" altLang="en-US" dirty="0"/>
+              <a:t>文字显示</a:t>
+            </a:r>
+            <a:endParaRPr lang="en-US" altLang="zh-CN" dirty="0"/>
+          </a:p>
+          <a:p>
+            <a:r>
+              <a:rPr lang="en-US" altLang="zh-CN" dirty="0"/>
+              <a:t>6. </a:t>
+            </a:r>
+            <a:r>
+              <a:rPr lang="zh-CN" altLang="en-US" dirty="0"/>
+              <a:t>粒子系统</a:t>
+            </a:r>
+            <a:endParaRPr lang="en-US" altLang="zh-CN" dirty="0"/>
+          </a:p>
+          <a:p>
+            <a:r>
+              <a:rPr lang="en-US" altLang="zh-CN" dirty="0"/>
+              <a:t>7. </a:t>
+            </a:r>
+            <a:r>
+              <a:rPr lang="zh-CN" altLang="en-US" dirty="0"/>
+              <a:t>抗锯齿</a:t>
+            </a:r>
+            <a:endParaRPr lang="en-US" altLang="zh-CN" dirty="0"/>
+          </a:p>
+          <a:p>
+            <a:r>
+              <a:rPr lang="en-US" altLang="zh-CN" dirty="0"/>
+              <a:t>8. Gamma </a:t>
+            </a:r>
+            <a:r>
+              <a:rPr lang="zh-CN" altLang="en-US" dirty="0"/>
+              <a:t>校正</a:t>
+            </a:r>
+            <a:endParaRPr lang="en-US" altLang="zh-CN" dirty="0"/>
+          </a:p>
+          <a:p>
+            <a:r>
+              <a:rPr lang="en-US" altLang="zh-CN" dirty="0"/>
+              <a:t>9. </a:t>
+            </a:r>
+            <a:r>
+              <a:rPr lang="zh-CN" altLang="en-US" dirty="0"/>
+              <a:t>法线贴图</a:t>
+            </a:r>
+            <a:endParaRPr lang="en-US" altLang="zh-CN" dirty="0"/>
+          </a:p>
+          <a:p>
+            <a:r>
+              <a:rPr lang="en-US" altLang="zh-CN" dirty="0"/>
+              <a:t>10. </a:t>
+            </a:r>
+            <a:r>
+              <a:rPr lang="zh-CN" altLang="en-US" dirty="0"/>
+              <a:t>面剔除</a:t>
+            </a:r>
+            <a:endParaRPr dirty="0"/>
           </a:p>
         </p:txBody>
       </p:sp>
@@ -16865,10 +17103,27 @@
     <p:custDataLst>
       <p:tags r:id="rId1"/>
     </p:custDataLst>
+    <p:extLst>
+      <p:ext uri="{BB962C8B-B14F-4D97-AF65-F5344CB8AC3E}">
+        <p14:creationId xmlns:p14="http://schemas.microsoft.com/office/powerpoint/2010/main" val="1146348754"/>
+      </p:ext>
+    </p:extLst>
   </p:cSld>
   <p:clrMapOvr>
     <a:masterClrMapping/>
   </p:clrMapOvr>
+  <mc:AlternateContent xmlns:mc="http://schemas.openxmlformats.org/markup-compatibility/2006" xmlns:p14="http://schemas.microsoft.com/office/powerpoint/2010/main">
+    <mc:Choice Requires="p14">
+      <p:transition spd="slow" p14:dur="800">
+        <p14:flythrough/>
+      </p:transition>
+    </mc:Choice>
+    <mc:Fallback xmlns="">
+      <p:transition spd="slow">
+        <p:fade/>
+      </p:transition>
+    </mc:Fallback>
+  </mc:AlternateContent>
 </p:sld>
 </file>
 
@@ -16905,15 +17160,12 @@
           <a:lstStyle/>
           <a:p>
             <a:r>
-              <a:rPr lang="en-US" altLang="zh-CN"/>
-              <a:t>4. </a:t>
+              <a:rPr lang="en-US" altLang="zh-CN" dirty="0"/>
+              <a:t>1. Sky box </a:t>
             </a:r>
             <a:r>
-              <a:t>实例化数组</a:t>
-            </a:r>
-            <a:r>
-              <a:rPr lang="en-US" altLang="zh-CN"/>
-              <a:t> </a:t>
+              <a:rPr dirty="0"/>
+              <a:t>天空盒</a:t>
             </a:r>
           </a:p>
         </p:txBody>
@@ -16928,12 +17180,32 @@
             <p:ph idx="1"/>
           </p:nvPr>
         </p:nvSpPr>
-        <p:spPr/>
+        <p:spPr>
+          <a:xfrm>
+            <a:off x="669925" y="952500"/>
+            <a:ext cx="5404485" cy="5388610"/>
+          </a:xfrm>
+        </p:spPr>
         <p:txBody>
           <a:bodyPr/>
           <a:lstStyle/>
           <a:p>
-            <a:endParaRPr lang="zh-CN" altLang="en-US"/>
+            <a:endParaRPr lang="en-US" altLang="zh-CN" dirty="0"/>
+          </a:p>
+          <a:p>
+            <a:r>
+              <a:rPr lang="zh-CN" altLang="en-US" dirty="0"/>
+              <a:t>使用立方体贴图技术，为正方体的六个面分别进行纹理的绑定</a:t>
+            </a:r>
+          </a:p>
+          <a:p>
+            <a:endParaRPr lang="zh-CN" altLang="en-US" dirty="0"/>
+          </a:p>
+          <a:p>
+            <a:r>
+              <a:rPr lang="zh-CN" altLang="en-US" dirty="0"/>
+              <a:t>同时移除观察矩阵中的位移部分，让移动不会影响天空盒的位置向量</a:t>
+            </a:r>
           </a:p>
         </p:txBody>
       </p:sp>
@@ -16945,6 +17217,18 @@
   <p:clrMapOvr>
     <a:masterClrMapping/>
   </p:clrMapOvr>
+  <mc:AlternateContent xmlns:mc="http://schemas.openxmlformats.org/markup-compatibility/2006" xmlns:p14="http://schemas.microsoft.com/office/powerpoint/2010/main">
+    <mc:Choice Requires="p14">
+      <p:transition spd="med" p14:dur="700">
+        <p:fade/>
+      </p:transition>
+    </mc:Choice>
+    <mc:Fallback xmlns="">
+      <p:transition spd="med">
+        <p:fade/>
+      </p:transition>
+    </mc:Fallback>
+  </mc:AlternateContent>
 </p:sld>
 </file>
 
@@ -16981,11 +17265,12 @@
           <a:lstStyle/>
           <a:p>
             <a:r>
-              <a:rPr lang="en-US" altLang="zh-CN"/>
-              <a:t>5. </a:t>
+              <a:rPr lang="en-US" altLang="zh-CN" dirty="0"/>
+              <a:t>2. </a:t>
             </a:r>
             <a:r>
-              <a:t>文字显示</a:t>
+              <a:rPr dirty="0"/>
+              <a:t>重力系统与碰撞检测</a:t>
             </a:r>
           </a:p>
         </p:txBody>
@@ -17000,38 +17285,113 @@
             <p:ph idx="1"/>
           </p:nvPr>
         </p:nvSpPr>
-        <p:spPr>
-          <a:xfrm>
-            <a:off x="669925" y="952500"/>
-            <a:ext cx="4836795" cy="5388610"/>
-          </a:xfrm>
-        </p:spPr>
+        <p:spPr/>
         <p:txBody>
           <a:bodyPr/>
           <a:lstStyle/>
           <a:p>
+            <a:endParaRPr lang="en-US" altLang="zh-CN" dirty="0"/>
+          </a:p>
+          <a:p>
             <a:r>
-              <a:rPr lang="zh-CN" altLang="en-US"/>
-              <a:t>这里使用了</a:t>
+              <a:rPr lang="en-US" altLang="zh-CN" dirty="0"/>
+              <a:t>2.1 </a:t>
             </a:r>
             <a:r>
-              <a:rPr lang="en-US" altLang="zh-CN"/>
-              <a:t>FreeType</a:t>
+              <a:rPr dirty="0"/>
+              <a:t>重力系统</a:t>
             </a:r>
+          </a:p>
+          <a:p>
+            <a:endParaRPr lang="en-US" altLang="zh-CN" dirty="0"/>
+          </a:p>
+          <a:p>
             <a:r>
-              <a:t>库</a:t>
+              <a:rPr dirty="0"/>
+              <a:t>利用物理公式计算出玩家当前垂直方向的速度以及位移即可</a:t>
             </a:r>
           </a:p>
         </p:txBody>
       </p:sp>
+      <p:graphicFrame>
+        <p:nvGraphicFramePr>
+          <p:cNvPr id="4" name="对象 3">
+            <a:hlinkClick r:id="" action="ppaction://ole?verb=0"/>
+          </p:cNvPr>
+          <p:cNvGraphicFramePr>
+            <a:graphicFrameLocks noChangeAspect="1"/>
+          </p:cNvGraphicFramePr>
+          <p:nvPr>
+            <p:extLst>
+              <p:ext uri="{D42A27DB-BD31-4B8C-83A1-F6EECF244321}">
+                <p14:modId xmlns:p14="http://schemas.microsoft.com/office/powerpoint/2010/main" val="680012039"/>
+              </p:ext>
+            </p:extLst>
+          </p:nvPr>
+        </p:nvGraphicFramePr>
+        <p:xfrm>
+          <a:off x="936211" y="2775585"/>
+          <a:ext cx="2510155" cy="1306830"/>
+        </p:xfrm>
+        <a:graphic>
+          <a:graphicData uri="http://schemas.openxmlformats.org/presentationml/2006/ole">
+            <mc:AlternateContent xmlns:mc="http://schemas.openxmlformats.org/markup-compatibility/2006">
+              <mc:Choice xmlns:v="urn:schemas-microsoft-com:vml" Requires="v">
+                <p:oleObj spid="_x0000_s1052" r:id="rId4" imgW="927100" imgH="482600" progId="Equation.KSEE3">
+                  <p:embed/>
+                </p:oleObj>
+              </mc:Choice>
+              <mc:Fallback>
+                <p:oleObj r:id="rId4" imgW="927100" imgH="482600" progId="Equation.KSEE3">
+                  <p:embed/>
+                  <p:pic>
+                    <p:nvPicPr>
+                      <p:cNvPr id="0" name="图片 1024"/>
+                      <p:cNvPicPr/>
+                      <p:nvPr/>
+                    </p:nvPicPr>
+                    <p:blipFill>
+                      <a:blip r:embed="rId5"/>
+                      <a:stretch>
+                        <a:fillRect/>
+                      </a:stretch>
+                    </p:blipFill>
+                    <p:spPr>
+                      <a:xfrm>
+                        <a:off x="936211" y="2775585"/>
+                        <a:ext cx="2510155" cy="1306830"/>
+                      </a:xfrm>
+                      <a:prstGeom prst="rect">
+                        <a:avLst/>
+                      </a:prstGeom>
+                    </p:spPr>
+                  </p:pic>
+                </p:oleObj>
+              </mc:Fallback>
+            </mc:AlternateContent>
+          </a:graphicData>
+        </a:graphic>
+      </p:graphicFrame>
     </p:spTree>
     <p:custDataLst>
-      <p:tags r:id="rId1"/>
+      <p:tags r:id="rId2"/>
     </p:custDataLst>
   </p:cSld>
   <p:clrMapOvr>
     <a:masterClrMapping/>
   </p:clrMapOvr>
+  <mc:AlternateContent xmlns:mc="http://schemas.openxmlformats.org/markup-compatibility/2006" xmlns:p14="http://schemas.microsoft.com/office/powerpoint/2010/main">
+    <mc:Choice Requires="p14">
+      <p:transition spd="med" p14:dur="700">
+        <p:fade/>
+      </p:transition>
+    </mc:Choice>
+    <mc:Fallback xmlns="">
+      <p:transition spd="med">
+        <p:fade/>
+      </p:transition>
+    </mc:Fallback>
+  </mc:AlternateContent>
 </p:sld>
 </file>
 
@@ -17069,10 +17429,10 @@
           <a:p>
             <a:r>
               <a:rPr lang="en-US" altLang="zh-CN"/>
-              <a:t>6. </a:t>
+              <a:t>2. </a:t>
             </a:r>
             <a:r>
-              <a:t>粒子系统</a:t>
+              <a:t>重力系统与碰撞检测</a:t>
             </a:r>
           </a:p>
         </p:txBody>
@@ -17087,12 +17447,81 @@
             <p:ph idx="1"/>
           </p:nvPr>
         </p:nvSpPr>
-        <p:spPr/>
+        <p:spPr>
+          <a:xfrm>
+            <a:off x="669925" y="952500"/>
+            <a:ext cx="5455285" cy="5388610"/>
+          </a:xfrm>
+        </p:spPr>
         <p:txBody>
           <a:bodyPr/>
           <a:lstStyle/>
           <a:p>
-            <a:endParaRPr lang="zh-CN" altLang="en-US"/>
+            <a:endParaRPr lang="en-US" altLang="zh-CN" dirty="0"/>
+          </a:p>
+          <a:p>
+            <a:r>
+              <a:rPr lang="en-US" altLang="zh-CN" dirty="0"/>
+              <a:t>2.2 </a:t>
+            </a:r>
+            <a:r>
+              <a:rPr dirty="0"/>
+              <a:t>碰撞检测</a:t>
+            </a:r>
+          </a:p>
+          <a:p>
+            <a:endParaRPr dirty="0"/>
+          </a:p>
+          <a:p>
+            <a:r>
+              <a:rPr dirty="0"/>
+              <a:t>（</a:t>
+            </a:r>
+            <a:r>
+              <a:rPr lang="en-US" altLang="zh-CN" dirty="0"/>
+              <a:t>1</a:t>
+            </a:r>
+            <a:r>
+              <a:rPr dirty="0"/>
+              <a:t>）场景外围边缘检测：</a:t>
+            </a:r>
+          </a:p>
+          <a:p>
+            <a:r>
+              <a:rPr dirty="0"/>
+              <a:t>只进行</a:t>
+            </a:r>
+            <a:r>
+              <a:rPr lang="en-US" altLang="zh-CN" dirty="0"/>
+              <a:t>XZ</a:t>
+            </a:r>
+            <a:r>
+              <a:rPr dirty="0"/>
+              <a:t>平面的碰撞检测即可</a:t>
+            </a:r>
+          </a:p>
+          <a:p>
+            <a:endParaRPr dirty="0"/>
+          </a:p>
+          <a:p>
+            <a:r>
+              <a:rPr dirty="0"/>
+              <a:t>（</a:t>
+            </a:r>
+            <a:r>
+              <a:rPr lang="en-US" altLang="zh-CN" dirty="0"/>
+              <a:t>2</a:t>
+            </a:r>
+            <a:r>
+              <a:rPr dirty="0"/>
+              <a:t>）场景内部物体检测：</a:t>
+            </a:r>
+          </a:p>
+          <a:p>
+            <a:r>
+              <a:rPr dirty="0"/>
+              <a:t>只有当玩家身体处于碰撞体垂直区域范围内，才进行XZ平面的碰撞检测。</a:t>
+            </a:r>
           </a:p>
         </p:txBody>
       </p:sp>
@@ -17104,6 +17533,18 @@
   <p:clrMapOvr>
     <a:masterClrMapping/>
   </p:clrMapOvr>
+  <mc:AlternateContent xmlns:mc="http://schemas.openxmlformats.org/markup-compatibility/2006" xmlns:p14="http://schemas.microsoft.com/office/powerpoint/2010/main">
+    <mc:Choice Requires="p14">
+      <p:transition spd="med" p14:dur="700">
+        <p:fade/>
+      </p:transition>
+    </mc:Choice>
+    <mc:Fallback xmlns="">
+      <p:transition spd="med">
+        <p:fade/>
+      </p:transition>
+    </mc:Fallback>
+  </mc:AlternateContent>
 </p:sld>
 </file>
 
@@ -17140,11 +17581,12 @@
           <a:lstStyle/>
           <a:p>
             <a:r>
-              <a:rPr lang="en-US" altLang="zh-CN"/>
-              <a:t>7. </a:t>
+              <a:rPr lang="en-US" altLang="zh-CN" dirty="0"/>
+              <a:t>3. </a:t>
             </a:r>
             <a:r>
-              <a:t>抗锯齿</a:t>
+              <a:rPr dirty="0"/>
+              <a:t>爆炸效果</a:t>
             </a:r>
           </a:p>
         </p:txBody>
@@ -17162,48 +17604,59 @@
         <p:spPr>
           <a:xfrm>
             <a:off x="669925" y="952500"/>
-            <a:ext cx="5250815" cy="5388610"/>
+            <a:ext cx="5375910" cy="2885440"/>
           </a:xfrm>
         </p:spPr>
         <p:txBody>
           <a:bodyPr/>
           <a:lstStyle/>
           <a:p>
+            <a:endParaRPr lang="en-US" altLang="zh-CN" dirty="0"/>
+          </a:p>
+          <a:p>
             <a:r>
-              <a:rPr lang="zh-CN" altLang="en-US"/>
-              <a:t>项目中主要使用了</a:t>
+              <a:rPr lang="zh-CN" altLang="en-US" dirty="0"/>
+              <a:t>这部分使用几何着色器进行实现</a:t>
+            </a:r>
+          </a:p>
+          <a:p>
+            <a:endParaRPr lang="en-US" altLang="zh-CN" dirty="0"/>
+          </a:p>
+          <a:p>
+            <a:r>
+              <a:rPr lang="en-US" altLang="zh-CN" dirty="0"/>
+              <a:t>1. </a:t>
             </a:r>
             <a:r>
-              <a:rPr lang="en-US" altLang="zh-CN"/>
-              <a:t>OpenGL</a:t>
+              <a:rPr dirty="0"/>
+              <a:t>首先通过一个面的三个顶点坐标计算出当前面的法线向量。</a:t>
+            </a:r>
+          </a:p>
+          <a:p>
+            <a:endParaRPr lang="en-US" altLang="zh-CN" dirty="0"/>
+          </a:p>
+          <a:p>
+            <a:r>
+              <a:rPr lang="en-US" altLang="zh-CN" dirty="0"/>
+              <a:t>2. </a:t>
             </a:r>
             <a:r>
-              <a:t>自带的</a:t>
+              <a:rPr dirty="0"/>
+              <a:t>然后将这三个顶点同时沿法线向量偏移一段距离</a:t>
+            </a:r>
+          </a:p>
+          <a:p>
+            <a:r>
+              <a:rPr lang="en-US" altLang="zh-CN" dirty="0"/>
+              <a:t>3. </a:t>
             </a:r>
             <a:r>
-              <a:rPr lang="en-US" altLang="zh-CN"/>
-              <a:t>MSAA</a:t>
+              <a:rPr dirty="0"/>
+              <a:t>将偏移后的顶点坐标向量作为新的坐标向量输出</a:t>
             </a:r>
-            <a:r>
-              <a:t>算法。</a:t>
-            </a:r>
-          </a:p>
-          <a:p>
-            <a:endParaRPr/>
-          </a:p>
-          <a:p>
-            <a:r>
-              <a:rPr lang="en-US" altLang="zh-CN"/>
-              <a:t>MSAA</a:t>
-            </a:r>
-            <a:r>
-              <a:t>工作方法：</a:t>
-            </a:r>
-          </a:p>
-          <a:p>
-            <a:r>
-              <a:t>无论三角形遮盖了多少个子采样点，（每个图元中）每个像素只运行一次片段着色器。片段着色器所使用的顶点数据会插值到每个像素的中心，所得到的结果颜色会被储存在每个被遮盖住的子采样点中。当颜色缓冲的子样本被图元的所有颜色填满时，所有的这些颜色将会在每个像素内部平均化。</a:t>
-            </a:r>
+          </a:p>
+          <a:p>
+            <a:endParaRPr dirty="0"/>
           </a:p>
         </p:txBody>
       </p:sp>
@@ -17215,6 +17668,18 @@
   <p:clrMapOvr>
     <a:masterClrMapping/>
   </p:clrMapOvr>
+  <mc:AlternateContent xmlns:mc="http://schemas.openxmlformats.org/markup-compatibility/2006" xmlns:p14="http://schemas.microsoft.com/office/powerpoint/2010/main">
+    <mc:Choice Requires="p14">
+      <p:transition spd="med" p14:dur="700">
+        <p:fade/>
+      </p:transition>
+    </mc:Choice>
+    <mc:Fallback xmlns="">
+      <p:transition spd="med">
+        <p:fade/>
+      </p:transition>
+    </mc:Fallback>
+  </mc:AlternateContent>
 </p:sld>
 </file>
 
@@ -17251,11 +17716,16 @@
           <a:lstStyle/>
           <a:p>
             <a:r>
-              <a:rPr lang="en-US" altLang="zh-CN"/>
-              <a:t>8. Gamma </a:t>
+              <a:rPr lang="en-US" altLang="zh-CN" dirty="0"/>
+              <a:t>4. </a:t>
             </a:r>
             <a:r>
-              <a:t>校正</a:t>
+              <a:rPr dirty="0"/>
+              <a:t>实例化数组</a:t>
+            </a:r>
+            <a:r>
+              <a:rPr lang="en-US" altLang="zh-CN" dirty="0"/>
+              <a:t> </a:t>
             </a:r>
           </a:p>
         </p:txBody>
@@ -17272,69 +17742,93 @@
         </p:nvSpPr>
         <p:spPr>
           <a:xfrm>
-            <a:off x="669925" y="952500"/>
-            <a:ext cx="6323330" cy="5388610"/>
+            <a:off x="669882" y="952508"/>
+            <a:ext cx="6219189" cy="5388907"/>
           </a:xfrm>
         </p:spPr>
         <p:txBody>
           <a:bodyPr/>
           <a:lstStyle/>
           <a:p>
+            <a:endParaRPr lang="en-US" altLang="zh-CN" dirty="0"/>
+          </a:p>
+          <a:p>
             <a:r>
-              <a:rPr lang="en-US" altLang="zh-CN"/>
-              <a:t>1.</a:t>
+              <a:rPr lang="en-US" altLang="zh-CN" dirty="0"/>
+              <a:t>1. </a:t>
             </a:r>
             <a:r>
-              <a:rPr lang="zh-CN" altLang="en-US"/>
-              <a:t>色彩校正</a:t>
-            </a:r>
-          </a:p>
-          <a:p>
-            <a:r>
-              <a:rPr lang="zh-CN" altLang="en-US"/>
-              <a:t>对图像的</a:t>
+              <a:rPr lang="zh-CN" altLang="en-US" dirty="0"/>
+              <a:t>在顶点着色器中增加一个</a:t>
             </a:r>
             <a:r>
-              <a:rPr lang="en-US" altLang="zh-CN"/>
-              <a:t>Gamma</a:t>
+              <a:rPr lang="en-US" altLang="zh-CN" dirty="0"/>
+              <a:t>mat4</a:t>
             </a:r>
             <a:r>
-              <a:rPr lang="zh-CN" altLang="en-US"/>
-              <a:t>曲线进行编辑，以对图像进行非线性色调编辑的方法，检出图像信号中的深色部分和浅色部分，并使两者比例增大，从而提高图像对比度效果。</a:t>
-            </a:r>
-          </a:p>
-          <a:p>
-            <a:r>
-              <a:rPr lang="zh-CN" altLang="en-US"/>
-              <a:t>一般显示器使用</a:t>
+              <a:rPr lang="zh-CN" altLang="en-US" dirty="0"/>
+              <a:t>顶点属性，存储一个实例化数组中的变换矩阵，代替原有的全局变量</a:t>
             </a:r>
             <a:r>
-              <a:rPr lang="en-US" altLang="zh-CN"/>
-              <a:t>sRGB</a:t>
+              <a:rPr lang="en-US" altLang="zh-CN" dirty="0"/>
+              <a:t>model</a:t>
+            </a:r>
+          </a:p>
+          <a:p>
+            <a:endParaRPr lang="en-US" altLang="zh-CN" dirty="0"/>
+          </a:p>
+          <a:p>
+            <a:r>
+              <a:rPr lang="en-US" altLang="zh-CN" dirty="0"/>
+              <a:t>2. </a:t>
             </a:r>
             <a:r>
-              <a:t>颜色空间，此时</a:t>
+              <a:rPr lang="zh-CN" altLang="en-US" dirty="0"/>
+              <a:t>将变换矩阵的实例化数组存到一个顶点缓冲对象中</a:t>
+            </a:r>
+            <a:endParaRPr lang="en-US" altLang="zh-CN" dirty="0"/>
+          </a:p>
+          <a:p>
+            <a:endParaRPr lang="en-US" altLang="zh-CN" dirty="0"/>
+          </a:p>
+          <a:p>
+            <a:r>
+              <a:rPr lang="en-US" altLang="zh-CN" dirty="0"/>
+              <a:t>3. </a:t>
             </a:r>
             <a:r>
-              <a:rPr lang="zh-CN" altLang="en-US"/>
-              <a:t>gamma值一般为2.2</a:t>
-            </a:r>
-          </a:p>
-          <a:p>
-            <a:endParaRPr lang="zh-CN" altLang="en-US"/>
-          </a:p>
-          <a:p>
-            <a:r>
-              <a:rPr lang="en-US" altLang="zh-CN"/>
-              <a:t>2.</a:t>
+              <a:rPr lang="zh-CN" altLang="en-US" dirty="0"/>
+              <a:t>设置顶点属性指针，并用</a:t>
             </a:r>
             <a:r>
-              <a:t>光照衰减</a:t>
+              <a:rPr lang="en-US" altLang="zh-CN" dirty="0" err="1"/>
+              <a:t>glVertexAttribDivisor</a:t>
             </a:r>
-          </a:p>
-          <a:p>
             <a:r>
-              <a:t>模拟在真实的物理世界中，光照强度和光源的距离成反比。</a:t>
+              <a:rPr lang="zh-CN" altLang="en-US" dirty="0"/>
+              <a:t>将顶点属性设置为实例化数组</a:t>
+            </a:r>
+            <a:endParaRPr lang="en-US" altLang="zh-CN" dirty="0"/>
+          </a:p>
+          <a:p>
+            <a:endParaRPr lang="en-US" altLang="zh-CN" dirty="0"/>
+          </a:p>
+          <a:p>
+            <a:r>
+              <a:rPr lang="en-US" altLang="zh-CN" dirty="0"/>
+              <a:t>4. </a:t>
+            </a:r>
+            <a:r>
+              <a:rPr lang="zh-CN" altLang="en-US" dirty="0"/>
+              <a:t>使用</a:t>
+            </a:r>
+            <a:r>
+              <a:rPr lang="en-US" altLang="zh-CN" dirty="0" err="1"/>
+              <a:t>glDrawElementsInstanced</a:t>
+            </a:r>
+            <a:r>
+              <a:rPr lang="zh-CN" altLang="en-US" dirty="0"/>
+              <a:t>绘制特定数量的实例</a:t>
             </a:r>
           </a:p>
         </p:txBody>
@@ -17347,10 +17841,1164 @@
   <p:clrMapOvr>
     <a:masterClrMapping/>
   </p:clrMapOvr>
+  <mc:AlternateContent xmlns:mc="http://schemas.openxmlformats.org/markup-compatibility/2006" xmlns:p14="http://schemas.microsoft.com/office/powerpoint/2010/main">
+    <mc:Choice Requires="p14">
+      <p:transition spd="med" p14:dur="700">
+        <p:fade/>
+      </p:transition>
+    </mc:Choice>
+    <mc:Fallback xmlns="">
+      <p:transition spd="med">
+        <p:fade/>
+      </p:transition>
+    </mc:Fallback>
+  </mc:AlternateContent>
 </p:sld>
 </file>
 
 <file path=ppt/slides/slide2.xml><?xml version="1.0" encoding="utf-8"?>
+<p:sld xmlns:a="http://schemas.openxmlformats.org/drawingml/2006/main" xmlns:r="http://schemas.openxmlformats.org/officeDocument/2006/relationships" xmlns:p="http://schemas.openxmlformats.org/presentationml/2006/main">
+  <p:cSld>
+    <p:spTree>
+      <p:nvGrpSpPr>
+        <p:cNvPr id="1" name=""/>
+        <p:cNvGrpSpPr/>
+        <p:nvPr/>
+      </p:nvGrpSpPr>
+      <p:grpSpPr>
+        <a:xfrm>
+          <a:off x="0" y="0"/>
+          <a:ext cx="0" cy="0"/>
+          <a:chOff x="0" y="0"/>
+          <a:chExt cx="0" cy="0"/>
+        </a:xfrm>
+      </p:grpSpPr>
+      <p:sp>
+        <p:nvSpPr>
+          <p:cNvPr id="2" name="标题 1">
+            <a:extLst>
+              <a:ext uri="{FF2B5EF4-FFF2-40B4-BE49-F238E27FC236}">
+                <a16:creationId xmlns:a16="http://schemas.microsoft.com/office/drawing/2014/main" id="{05AA8E17-A85D-4E66-89FE-192A2747B4C3}"/>
+              </a:ext>
+            </a:extLst>
+          </p:cNvPr>
+          <p:cNvSpPr>
+            <a:spLocks noGrp="1"/>
+          </p:cNvSpPr>
+          <p:nvPr>
+            <p:ph type="title"/>
+          </p:nvPr>
+        </p:nvSpPr>
+        <p:spPr/>
+        <p:txBody>
+          <a:bodyPr/>
+          <a:lstStyle/>
+          <a:p>
+            <a:r>
+              <a:rPr lang="zh-CN" altLang="en-US" dirty="0"/>
+              <a:t>内容概览</a:t>
+            </a:r>
+          </a:p>
+        </p:txBody>
+      </p:sp>
+      <p:cxnSp>
+        <p:nvCxnSpPr>
+          <p:cNvPr id="4" name="直接连接符 3">
+            <a:extLst>
+              <a:ext uri="{FF2B5EF4-FFF2-40B4-BE49-F238E27FC236}">
+                <a16:creationId xmlns:a16="http://schemas.microsoft.com/office/drawing/2014/main" id="{4F23B7D6-9F41-4F89-AD3B-2FAF7076F83F}"/>
+              </a:ext>
+            </a:extLst>
+          </p:cNvPr>
+          <p:cNvCxnSpPr/>
+          <p:nvPr>
+            <p:custDataLst>
+              <p:tags r:id="rId1"/>
+            </p:custDataLst>
+          </p:nvPr>
+        </p:nvCxnSpPr>
+        <p:spPr>
+          <a:xfrm>
+            <a:off x="1300798" y="1964144"/>
+            <a:ext cx="4626610" cy="0"/>
+          </a:xfrm>
+          <a:prstGeom prst="line">
+            <a:avLst/>
+          </a:prstGeom>
+          <a:ln>
+            <a:solidFill>
+              <a:schemeClr val="accent1">
+                <a:alpha val="44000"/>
+              </a:schemeClr>
+            </a:solidFill>
+          </a:ln>
+        </p:spPr>
+        <p:style>
+          <a:lnRef idx="1">
+            <a:schemeClr val="accent1"/>
+          </a:lnRef>
+          <a:fillRef idx="0">
+            <a:schemeClr val="accent1"/>
+          </a:fillRef>
+          <a:effectRef idx="0">
+            <a:schemeClr val="accent1"/>
+          </a:effectRef>
+          <a:fontRef idx="minor">
+            <a:schemeClr val="tx1"/>
+          </a:fontRef>
+        </p:style>
+      </p:cxnSp>
+      <p:sp>
+        <p:nvSpPr>
+          <p:cNvPr id="5" name="文本框 29">
+            <a:extLst>
+              <a:ext uri="{FF2B5EF4-FFF2-40B4-BE49-F238E27FC236}">
+                <a16:creationId xmlns:a16="http://schemas.microsoft.com/office/drawing/2014/main" id="{842D0A04-CAA6-4B13-9344-0232497DEE09}"/>
+              </a:ext>
+            </a:extLst>
+          </p:cNvPr>
+          <p:cNvSpPr txBox="1"/>
+          <p:nvPr>
+            <p:custDataLst>
+              <p:tags r:id="rId2"/>
+            </p:custDataLst>
+          </p:nvPr>
+        </p:nvSpPr>
+        <p:spPr>
+          <a:xfrm>
+            <a:off x="1300798" y="1518009"/>
+            <a:ext cx="4626609" cy="412485"/>
+          </a:xfrm>
+          <a:prstGeom prst="rect">
+            <a:avLst/>
+          </a:prstGeom>
+          <a:noFill/>
+        </p:spPr>
+        <p:txBody>
+          <a:bodyPr wrap="square" rtlCol="0">
+            <a:normAutofit lnSpcReduction="10000"/>
+          </a:bodyPr>
+          <a:lstStyle>
+            <a:defPPr>
+              <a:defRPr lang="zh-CN"/>
+            </a:defPPr>
+            <a:lvl1pPr marL="0" algn="l" defTabSz="913765" rtl="0" eaLnBrk="1" latinLnBrk="0" hangingPunct="1">
+              <a:defRPr sz="1800" kern="1200">
+                <a:solidFill>
+                  <a:schemeClr val="tx1"/>
+                </a:solidFill>
+                <a:latin typeface="+mn-lt"/>
+                <a:ea typeface="+mn-ea"/>
+                <a:cs typeface="+mn-cs"/>
+              </a:defRPr>
+            </a:lvl1pPr>
+            <a:lvl2pPr marL="457200" algn="l" defTabSz="913765" rtl="0" eaLnBrk="1" latinLnBrk="0" hangingPunct="1">
+              <a:defRPr sz="1800" kern="1200">
+                <a:solidFill>
+                  <a:schemeClr val="tx1"/>
+                </a:solidFill>
+                <a:latin typeface="+mn-lt"/>
+                <a:ea typeface="+mn-ea"/>
+                <a:cs typeface="+mn-cs"/>
+              </a:defRPr>
+            </a:lvl2pPr>
+            <a:lvl3pPr marL="914400" algn="l" defTabSz="913765" rtl="0" eaLnBrk="1" latinLnBrk="0" hangingPunct="1">
+              <a:defRPr sz="1800" kern="1200">
+                <a:solidFill>
+                  <a:schemeClr val="tx1"/>
+                </a:solidFill>
+                <a:latin typeface="+mn-lt"/>
+                <a:ea typeface="+mn-ea"/>
+                <a:cs typeface="+mn-cs"/>
+              </a:defRPr>
+            </a:lvl3pPr>
+            <a:lvl4pPr marL="1371600" algn="l" defTabSz="913765" rtl="0" eaLnBrk="1" latinLnBrk="0" hangingPunct="1">
+              <a:defRPr sz="1800" kern="1200">
+                <a:solidFill>
+                  <a:schemeClr val="tx1"/>
+                </a:solidFill>
+                <a:latin typeface="+mn-lt"/>
+                <a:ea typeface="+mn-ea"/>
+                <a:cs typeface="+mn-cs"/>
+              </a:defRPr>
+            </a:lvl4pPr>
+            <a:lvl5pPr marL="1828800" algn="l" defTabSz="913765" rtl="0" eaLnBrk="1" latinLnBrk="0" hangingPunct="1">
+              <a:defRPr sz="1800" kern="1200">
+                <a:solidFill>
+                  <a:schemeClr val="tx1"/>
+                </a:solidFill>
+                <a:latin typeface="+mn-lt"/>
+                <a:ea typeface="+mn-ea"/>
+                <a:cs typeface="+mn-cs"/>
+              </a:defRPr>
+            </a:lvl5pPr>
+            <a:lvl6pPr marL="2286000" algn="l" defTabSz="913765" rtl="0" eaLnBrk="1" latinLnBrk="0" hangingPunct="1">
+              <a:defRPr sz="1800" kern="1200">
+                <a:solidFill>
+                  <a:schemeClr val="tx1"/>
+                </a:solidFill>
+                <a:latin typeface="+mn-lt"/>
+                <a:ea typeface="+mn-ea"/>
+                <a:cs typeface="+mn-cs"/>
+              </a:defRPr>
+            </a:lvl6pPr>
+            <a:lvl7pPr marL="2743200" algn="l" defTabSz="913765" rtl="0" eaLnBrk="1" latinLnBrk="0" hangingPunct="1">
+              <a:defRPr sz="1800" kern="1200">
+                <a:solidFill>
+                  <a:schemeClr val="tx1"/>
+                </a:solidFill>
+                <a:latin typeface="+mn-lt"/>
+                <a:ea typeface="+mn-ea"/>
+                <a:cs typeface="+mn-cs"/>
+              </a:defRPr>
+            </a:lvl7pPr>
+            <a:lvl8pPr marL="3200400" algn="l" defTabSz="913765" rtl="0" eaLnBrk="1" latinLnBrk="0" hangingPunct="1">
+              <a:defRPr sz="1800" kern="1200">
+                <a:solidFill>
+                  <a:schemeClr val="tx1"/>
+                </a:solidFill>
+                <a:latin typeface="+mn-lt"/>
+                <a:ea typeface="+mn-ea"/>
+                <a:cs typeface="+mn-cs"/>
+              </a:defRPr>
+            </a:lvl8pPr>
+            <a:lvl9pPr marL="3657600" algn="l" defTabSz="913765" rtl="0" eaLnBrk="1" latinLnBrk="0" hangingPunct="1">
+              <a:defRPr sz="1800" kern="1200">
+                <a:solidFill>
+                  <a:schemeClr val="tx1"/>
+                </a:solidFill>
+                <a:latin typeface="+mn-lt"/>
+                <a:ea typeface="+mn-ea"/>
+                <a:cs typeface="+mn-cs"/>
+              </a:defRPr>
+            </a:lvl9pPr>
+          </a:lstStyle>
+          <a:p>
+            <a:pPr>
+              <a:lnSpc>
+                <a:spcPct val="120000"/>
+              </a:lnSpc>
+            </a:pPr>
+            <a:r>
+              <a:rPr lang="zh-CN" altLang="en-US" sz="2000" dirty="0">
+                <a:solidFill>
+                  <a:schemeClr val="tx1">
+                    <a:lumMod val="85000"/>
+                    <a:lumOff val="15000"/>
+                  </a:schemeClr>
+                </a:solidFill>
+                <a:latin typeface="微软雅黑" panose="020B0503020204020204" charset="-122"/>
+                <a:ea typeface="微软雅黑" panose="020B0503020204020204" charset="-122"/>
+                <a:cs typeface="微软雅黑" panose="020B0503020204020204" charset="-122"/>
+              </a:rPr>
+              <a:t>作品概述与成员分工</a:t>
+            </a:r>
+          </a:p>
+        </p:txBody>
+      </p:sp>
+      <p:sp>
+        <p:nvSpPr>
+          <p:cNvPr id="7" name="椭圆 6">
+            <a:extLst>
+              <a:ext uri="{FF2B5EF4-FFF2-40B4-BE49-F238E27FC236}">
+                <a16:creationId xmlns:a16="http://schemas.microsoft.com/office/drawing/2014/main" id="{F0C76752-4143-45E9-A9AA-63DD03527F5E}"/>
+              </a:ext>
+            </a:extLst>
+          </p:cNvPr>
+          <p:cNvSpPr/>
+          <p:nvPr>
+            <p:custDataLst>
+              <p:tags r:id="rId3"/>
+            </p:custDataLst>
+          </p:nvPr>
+        </p:nvSpPr>
+        <p:spPr>
+          <a:xfrm>
+            <a:off x="874713" y="1687919"/>
+            <a:ext cx="281940" cy="281940"/>
+          </a:xfrm>
+          <a:prstGeom prst="ellipse">
+            <a:avLst/>
+          </a:prstGeom>
+          <a:noFill/>
+          <a:ln>
+            <a:solidFill>
+              <a:schemeClr val="accent1"/>
+            </a:solidFill>
+          </a:ln>
+        </p:spPr>
+        <p:style>
+          <a:lnRef idx="2">
+            <a:schemeClr val="accent1">
+              <a:shade val="50000"/>
+            </a:schemeClr>
+          </a:lnRef>
+          <a:fillRef idx="1">
+            <a:schemeClr val="accent1"/>
+          </a:fillRef>
+          <a:effectRef idx="0">
+            <a:schemeClr val="accent1"/>
+          </a:effectRef>
+          <a:fontRef idx="minor">
+            <a:schemeClr val="lt1"/>
+          </a:fontRef>
+        </p:style>
+        <p:txBody>
+          <a:bodyPr rtlCol="0" anchor="ctr"/>
+          <a:lstStyle/>
+          <a:p>
+            <a:pPr algn="ctr"/>
+            <a:r>
+              <a:rPr lang="en-US" altLang="zh-CN" sz="1600" dirty="0">
+                <a:solidFill>
+                  <a:schemeClr val="accent1"/>
+                </a:solidFill>
+                <a:latin typeface="微软雅黑" panose="020B0503020204020204" charset="-122"/>
+                <a:ea typeface="微软雅黑" panose="020B0503020204020204" charset="-122"/>
+                <a:cs typeface="微软雅黑" panose="020B0503020204020204" charset="-122"/>
+              </a:rPr>
+              <a:t>1</a:t>
+            </a:r>
+          </a:p>
+        </p:txBody>
+      </p:sp>
+      <p:cxnSp>
+        <p:nvCxnSpPr>
+          <p:cNvPr id="8" name="直接连接符 7">
+            <a:extLst>
+              <a:ext uri="{FF2B5EF4-FFF2-40B4-BE49-F238E27FC236}">
+                <a16:creationId xmlns:a16="http://schemas.microsoft.com/office/drawing/2014/main" id="{A1B7B7DD-3326-431F-AD85-9EBDCCA0BC6D}"/>
+              </a:ext>
+            </a:extLst>
+          </p:cNvPr>
+          <p:cNvCxnSpPr/>
+          <p:nvPr>
+            <p:custDataLst>
+              <p:tags r:id="rId4"/>
+            </p:custDataLst>
+          </p:nvPr>
+        </p:nvCxnSpPr>
+        <p:spPr>
+          <a:xfrm>
+            <a:off x="1300798" y="3114288"/>
+            <a:ext cx="4626610" cy="0"/>
+          </a:xfrm>
+          <a:prstGeom prst="line">
+            <a:avLst/>
+          </a:prstGeom>
+          <a:ln>
+            <a:solidFill>
+              <a:schemeClr val="accent1">
+                <a:alpha val="44000"/>
+              </a:schemeClr>
+            </a:solidFill>
+          </a:ln>
+        </p:spPr>
+        <p:style>
+          <a:lnRef idx="1">
+            <a:schemeClr val="accent1"/>
+          </a:lnRef>
+          <a:fillRef idx="0">
+            <a:schemeClr val="accent1"/>
+          </a:fillRef>
+          <a:effectRef idx="0">
+            <a:schemeClr val="accent1"/>
+          </a:effectRef>
+          <a:fontRef idx="minor">
+            <a:schemeClr val="tx1"/>
+          </a:fontRef>
+        </p:style>
+      </p:cxnSp>
+      <p:sp>
+        <p:nvSpPr>
+          <p:cNvPr id="9" name="文本框 29">
+            <a:extLst>
+              <a:ext uri="{FF2B5EF4-FFF2-40B4-BE49-F238E27FC236}">
+                <a16:creationId xmlns:a16="http://schemas.microsoft.com/office/drawing/2014/main" id="{FDDEF83A-FC1A-4FDD-B897-05806E9BA21A}"/>
+              </a:ext>
+            </a:extLst>
+          </p:cNvPr>
+          <p:cNvSpPr txBox="1"/>
+          <p:nvPr>
+            <p:custDataLst>
+              <p:tags r:id="rId5"/>
+            </p:custDataLst>
+          </p:nvPr>
+        </p:nvSpPr>
+        <p:spPr>
+          <a:xfrm>
+            <a:off x="1300798" y="2668153"/>
+            <a:ext cx="4626609" cy="412485"/>
+          </a:xfrm>
+          <a:prstGeom prst="rect">
+            <a:avLst/>
+          </a:prstGeom>
+          <a:noFill/>
+        </p:spPr>
+        <p:txBody>
+          <a:bodyPr wrap="square" rtlCol="0">
+            <a:normAutofit lnSpcReduction="10000"/>
+          </a:bodyPr>
+          <a:lstStyle>
+            <a:defPPr>
+              <a:defRPr lang="zh-CN"/>
+            </a:defPPr>
+            <a:lvl1pPr marL="0" algn="l" defTabSz="913765" rtl="0" eaLnBrk="1" latinLnBrk="0" hangingPunct="1">
+              <a:defRPr sz="1800" kern="1200">
+                <a:solidFill>
+                  <a:schemeClr val="tx1"/>
+                </a:solidFill>
+                <a:latin typeface="+mn-lt"/>
+                <a:ea typeface="+mn-ea"/>
+                <a:cs typeface="+mn-cs"/>
+              </a:defRPr>
+            </a:lvl1pPr>
+            <a:lvl2pPr marL="457200" algn="l" defTabSz="913765" rtl="0" eaLnBrk="1" latinLnBrk="0" hangingPunct="1">
+              <a:defRPr sz="1800" kern="1200">
+                <a:solidFill>
+                  <a:schemeClr val="tx1"/>
+                </a:solidFill>
+                <a:latin typeface="+mn-lt"/>
+                <a:ea typeface="+mn-ea"/>
+                <a:cs typeface="+mn-cs"/>
+              </a:defRPr>
+            </a:lvl2pPr>
+            <a:lvl3pPr marL="914400" algn="l" defTabSz="913765" rtl="0" eaLnBrk="1" latinLnBrk="0" hangingPunct="1">
+              <a:defRPr sz="1800" kern="1200">
+                <a:solidFill>
+                  <a:schemeClr val="tx1"/>
+                </a:solidFill>
+                <a:latin typeface="+mn-lt"/>
+                <a:ea typeface="+mn-ea"/>
+                <a:cs typeface="+mn-cs"/>
+              </a:defRPr>
+            </a:lvl3pPr>
+            <a:lvl4pPr marL="1371600" algn="l" defTabSz="913765" rtl="0" eaLnBrk="1" latinLnBrk="0" hangingPunct="1">
+              <a:defRPr sz="1800" kern="1200">
+                <a:solidFill>
+                  <a:schemeClr val="tx1"/>
+                </a:solidFill>
+                <a:latin typeface="+mn-lt"/>
+                <a:ea typeface="+mn-ea"/>
+                <a:cs typeface="+mn-cs"/>
+              </a:defRPr>
+            </a:lvl4pPr>
+            <a:lvl5pPr marL="1828800" algn="l" defTabSz="913765" rtl="0" eaLnBrk="1" latinLnBrk="0" hangingPunct="1">
+              <a:defRPr sz="1800" kern="1200">
+                <a:solidFill>
+                  <a:schemeClr val="tx1"/>
+                </a:solidFill>
+                <a:latin typeface="+mn-lt"/>
+                <a:ea typeface="+mn-ea"/>
+                <a:cs typeface="+mn-cs"/>
+              </a:defRPr>
+            </a:lvl5pPr>
+            <a:lvl6pPr marL="2286000" algn="l" defTabSz="913765" rtl="0" eaLnBrk="1" latinLnBrk="0" hangingPunct="1">
+              <a:defRPr sz="1800" kern="1200">
+                <a:solidFill>
+                  <a:schemeClr val="tx1"/>
+                </a:solidFill>
+                <a:latin typeface="+mn-lt"/>
+                <a:ea typeface="+mn-ea"/>
+                <a:cs typeface="+mn-cs"/>
+              </a:defRPr>
+            </a:lvl6pPr>
+            <a:lvl7pPr marL="2743200" algn="l" defTabSz="913765" rtl="0" eaLnBrk="1" latinLnBrk="0" hangingPunct="1">
+              <a:defRPr sz="1800" kern="1200">
+                <a:solidFill>
+                  <a:schemeClr val="tx1"/>
+                </a:solidFill>
+                <a:latin typeface="+mn-lt"/>
+                <a:ea typeface="+mn-ea"/>
+                <a:cs typeface="+mn-cs"/>
+              </a:defRPr>
+            </a:lvl7pPr>
+            <a:lvl8pPr marL="3200400" algn="l" defTabSz="913765" rtl="0" eaLnBrk="1" latinLnBrk="0" hangingPunct="1">
+              <a:defRPr sz="1800" kern="1200">
+                <a:solidFill>
+                  <a:schemeClr val="tx1"/>
+                </a:solidFill>
+                <a:latin typeface="+mn-lt"/>
+                <a:ea typeface="+mn-ea"/>
+                <a:cs typeface="+mn-cs"/>
+              </a:defRPr>
+            </a:lvl8pPr>
+            <a:lvl9pPr marL="3657600" algn="l" defTabSz="913765" rtl="0" eaLnBrk="1" latinLnBrk="0" hangingPunct="1">
+              <a:defRPr sz="1800" kern="1200">
+                <a:solidFill>
+                  <a:schemeClr val="tx1"/>
+                </a:solidFill>
+                <a:latin typeface="+mn-lt"/>
+                <a:ea typeface="+mn-ea"/>
+                <a:cs typeface="+mn-cs"/>
+              </a:defRPr>
+            </a:lvl9pPr>
+          </a:lstStyle>
+          <a:p>
+            <a:pPr>
+              <a:lnSpc>
+                <a:spcPct val="120000"/>
+              </a:lnSpc>
+            </a:pPr>
+            <a:r>
+              <a:rPr lang="en-US" altLang="zh-CN" sz="2000" dirty="0">
+                <a:solidFill>
+                  <a:schemeClr val="tx1">
+                    <a:lumMod val="85000"/>
+                    <a:lumOff val="15000"/>
+                  </a:schemeClr>
+                </a:solidFill>
+                <a:latin typeface="微软雅黑" panose="020B0503020204020204" charset="-122"/>
+                <a:ea typeface="微软雅黑" panose="020B0503020204020204" charset="-122"/>
+                <a:cs typeface="微软雅黑" panose="020B0503020204020204" charset="-122"/>
+              </a:rPr>
+              <a:t>Basic</a:t>
+            </a:r>
+            <a:r>
+              <a:rPr lang="zh-CN" altLang="en-US" sz="2000" dirty="0">
+                <a:solidFill>
+                  <a:schemeClr val="tx1">
+                    <a:lumMod val="85000"/>
+                    <a:lumOff val="15000"/>
+                  </a:schemeClr>
+                </a:solidFill>
+                <a:latin typeface="微软雅黑" panose="020B0503020204020204" charset="-122"/>
+                <a:ea typeface="微软雅黑" panose="020B0503020204020204" charset="-122"/>
+                <a:cs typeface="微软雅黑" panose="020B0503020204020204" charset="-122"/>
+              </a:rPr>
+              <a:t>功能实现</a:t>
+            </a:r>
+          </a:p>
+        </p:txBody>
+      </p:sp>
+      <p:sp>
+        <p:nvSpPr>
+          <p:cNvPr id="11" name="椭圆 10">
+            <a:extLst>
+              <a:ext uri="{FF2B5EF4-FFF2-40B4-BE49-F238E27FC236}">
+                <a16:creationId xmlns:a16="http://schemas.microsoft.com/office/drawing/2014/main" id="{E563087B-1AAD-41DE-937E-D3137F508430}"/>
+              </a:ext>
+            </a:extLst>
+          </p:cNvPr>
+          <p:cNvSpPr/>
+          <p:nvPr>
+            <p:custDataLst>
+              <p:tags r:id="rId6"/>
+            </p:custDataLst>
+          </p:nvPr>
+        </p:nvSpPr>
+        <p:spPr>
+          <a:xfrm>
+            <a:off x="874713" y="2838063"/>
+            <a:ext cx="281940" cy="281940"/>
+          </a:xfrm>
+          <a:prstGeom prst="ellipse">
+            <a:avLst/>
+          </a:prstGeom>
+          <a:noFill/>
+          <a:ln>
+            <a:solidFill>
+              <a:schemeClr val="accent1"/>
+            </a:solidFill>
+          </a:ln>
+        </p:spPr>
+        <p:style>
+          <a:lnRef idx="2">
+            <a:schemeClr val="accent1">
+              <a:shade val="50000"/>
+            </a:schemeClr>
+          </a:lnRef>
+          <a:fillRef idx="1">
+            <a:schemeClr val="accent1"/>
+          </a:fillRef>
+          <a:effectRef idx="0">
+            <a:schemeClr val="accent1"/>
+          </a:effectRef>
+          <a:fontRef idx="minor">
+            <a:schemeClr val="lt1"/>
+          </a:fontRef>
+        </p:style>
+        <p:txBody>
+          <a:bodyPr rtlCol="0" anchor="ctr"/>
+          <a:lstStyle/>
+          <a:p>
+            <a:pPr algn="ctr"/>
+            <a:r>
+              <a:rPr lang="en-US" altLang="zh-CN" sz="1600" dirty="0">
+                <a:solidFill>
+                  <a:schemeClr val="accent1"/>
+                </a:solidFill>
+                <a:latin typeface="微软雅黑" panose="020B0503020204020204" charset="-122"/>
+                <a:ea typeface="微软雅黑" panose="020B0503020204020204" charset="-122"/>
+                <a:cs typeface="微软雅黑" panose="020B0503020204020204" charset="-122"/>
+              </a:rPr>
+              <a:t>2</a:t>
+            </a:r>
+          </a:p>
+        </p:txBody>
+      </p:sp>
+      <p:cxnSp>
+        <p:nvCxnSpPr>
+          <p:cNvPr id="12" name="直接连接符 11">
+            <a:extLst>
+              <a:ext uri="{FF2B5EF4-FFF2-40B4-BE49-F238E27FC236}">
+                <a16:creationId xmlns:a16="http://schemas.microsoft.com/office/drawing/2014/main" id="{843AF734-6A49-40C8-A66F-F6EFD16C8B54}"/>
+              </a:ext>
+            </a:extLst>
+          </p:cNvPr>
+          <p:cNvCxnSpPr/>
+          <p:nvPr>
+            <p:custDataLst>
+              <p:tags r:id="rId7"/>
+            </p:custDataLst>
+          </p:nvPr>
+        </p:nvCxnSpPr>
+        <p:spPr>
+          <a:xfrm>
+            <a:off x="1300797" y="4269282"/>
+            <a:ext cx="4626610" cy="0"/>
+          </a:xfrm>
+          <a:prstGeom prst="line">
+            <a:avLst/>
+          </a:prstGeom>
+          <a:ln>
+            <a:solidFill>
+              <a:schemeClr val="accent1">
+                <a:alpha val="44000"/>
+              </a:schemeClr>
+            </a:solidFill>
+          </a:ln>
+        </p:spPr>
+        <p:style>
+          <a:lnRef idx="1">
+            <a:schemeClr val="accent1"/>
+          </a:lnRef>
+          <a:fillRef idx="0">
+            <a:schemeClr val="accent1"/>
+          </a:fillRef>
+          <a:effectRef idx="0">
+            <a:schemeClr val="accent1"/>
+          </a:effectRef>
+          <a:fontRef idx="minor">
+            <a:schemeClr val="tx1"/>
+          </a:fontRef>
+        </p:style>
+      </p:cxnSp>
+      <p:sp>
+        <p:nvSpPr>
+          <p:cNvPr id="13" name="文本框 29">
+            <a:extLst>
+              <a:ext uri="{FF2B5EF4-FFF2-40B4-BE49-F238E27FC236}">
+                <a16:creationId xmlns:a16="http://schemas.microsoft.com/office/drawing/2014/main" id="{B7042895-B672-4276-8383-8B54673C9470}"/>
+              </a:ext>
+            </a:extLst>
+          </p:cNvPr>
+          <p:cNvSpPr txBox="1"/>
+          <p:nvPr>
+            <p:custDataLst>
+              <p:tags r:id="rId8"/>
+            </p:custDataLst>
+          </p:nvPr>
+        </p:nvSpPr>
+        <p:spPr>
+          <a:xfrm>
+            <a:off x="1300797" y="3823147"/>
+            <a:ext cx="4626609" cy="412485"/>
+          </a:xfrm>
+          <a:prstGeom prst="rect">
+            <a:avLst/>
+          </a:prstGeom>
+          <a:noFill/>
+        </p:spPr>
+        <p:txBody>
+          <a:bodyPr wrap="square" rtlCol="0">
+            <a:normAutofit lnSpcReduction="10000"/>
+          </a:bodyPr>
+          <a:lstStyle>
+            <a:defPPr>
+              <a:defRPr lang="zh-CN"/>
+            </a:defPPr>
+            <a:lvl1pPr marL="0" algn="l" defTabSz="913765" rtl="0" eaLnBrk="1" latinLnBrk="0" hangingPunct="1">
+              <a:defRPr sz="1800" kern="1200">
+                <a:solidFill>
+                  <a:schemeClr val="tx1"/>
+                </a:solidFill>
+                <a:latin typeface="+mn-lt"/>
+                <a:ea typeface="+mn-ea"/>
+                <a:cs typeface="+mn-cs"/>
+              </a:defRPr>
+            </a:lvl1pPr>
+            <a:lvl2pPr marL="457200" algn="l" defTabSz="913765" rtl="0" eaLnBrk="1" latinLnBrk="0" hangingPunct="1">
+              <a:defRPr sz="1800" kern="1200">
+                <a:solidFill>
+                  <a:schemeClr val="tx1"/>
+                </a:solidFill>
+                <a:latin typeface="+mn-lt"/>
+                <a:ea typeface="+mn-ea"/>
+                <a:cs typeface="+mn-cs"/>
+              </a:defRPr>
+            </a:lvl2pPr>
+            <a:lvl3pPr marL="914400" algn="l" defTabSz="913765" rtl="0" eaLnBrk="1" latinLnBrk="0" hangingPunct="1">
+              <a:defRPr sz="1800" kern="1200">
+                <a:solidFill>
+                  <a:schemeClr val="tx1"/>
+                </a:solidFill>
+                <a:latin typeface="+mn-lt"/>
+                <a:ea typeface="+mn-ea"/>
+                <a:cs typeface="+mn-cs"/>
+              </a:defRPr>
+            </a:lvl3pPr>
+            <a:lvl4pPr marL="1371600" algn="l" defTabSz="913765" rtl="0" eaLnBrk="1" latinLnBrk="0" hangingPunct="1">
+              <a:defRPr sz="1800" kern="1200">
+                <a:solidFill>
+                  <a:schemeClr val="tx1"/>
+                </a:solidFill>
+                <a:latin typeface="+mn-lt"/>
+                <a:ea typeface="+mn-ea"/>
+                <a:cs typeface="+mn-cs"/>
+              </a:defRPr>
+            </a:lvl4pPr>
+            <a:lvl5pPr marL="1828800" algn="l" defTabSz="913765" rtl="0" eaLnBrk="1" latinLnBrk="0" hangingPunct="1">
+              <a:defRPr sz="1800" kern="1200">
+                <a:solidFill>
+                  <a:schemeClr val="tx1"/>
+                </a:solidFill>
+                <a:latin typeface="+mn-lt"/>
+                <a:ea typeface="+mn-ea"/>
+                <a:cs typeface="+mn-cs"/>
+              </a:defRPr>
+            </a:lvl5pPr>
+            <a:lvl6pPr marL="2286000" algn="l" defTabSz="913765" rtl="0" eaLnBrk="1" latinLnBrk="0" hangingPunct="1">
+              <a:defRPr sz="1800" kern="1200">
+                <a:solidFill>
+                  <a:schemeClr val="tx1"/>
+                </a:solidFill>
+                <a:latin typeface="+mn-lt"/>
+                <a:ea typeface="+mn-ea"/>
+                <a:cs typeface="+mn-cs"/>
+              </a:defRPr>
+            </a:lvl6pPr>
+            <a:lvl7pPr marL="2743200" algn="l" defTabSz="913765" rtl="0" eaLnBrk="1" latinLnBrk="0" hangingPunct="1">
+              <a:defRPr sz="1800" kern="1200">
+                <a:solidFill>
+                  <a:schemeClr val="tx1"/>
+                </a:solidFill>
+                <a:latin typeface="+mn-lt"/>
+                <a:ea typeface="+mn-ea"/>
+                <a:cs typeface="+mn-cs"/>
+              </a:defRPr>
+            </a:lvl7pPr>
+            <a:lvl8pPr marL="3200400" algn="l" defTabSz="913765" rtl="0" eaLnBrk="1" latinLnBrk="0" hangingPunct="1">
+              <a:defRPr sz="1800" kern="1200">
+                <a:solidFill>
+                  <a:schemeClr val="tx1"/>
+                </a:solidFill>
+                <a:latin typeface="+mn-lt"/>
+                <a:ea typeface="+mn-ea"/>
+                <a:cs typeface="+mn-cs"/>
+              </a:defRPr>
+            </a:lvl8pPr>
+            <a:lvl9pPr marL="3657600" algn="l" defTabSz="913765" rtl="0" eaLnBrk="1" latinLnBrk="0" hangingPunct="1">
+              <a:defRPr sz="1800" kern="1200">
+                <a:solidFill>
+                  <a:schemeClr val="tx1"/>
+                </a:solidFill>
+                <a:latin typeface="+mn-lt"/>
+                <a:ea typeface="+mn-ea"/>
+                <a:cs typeface="+mn-cs"/>
+              </a:defRPr>
+            </a:lvl9pPr>
+          </a:lstStyle>
+          <a:p>
+            <a:pPr>
+              <a:lnSpc>
+                <a:spcPct val="120000"/>
+              </a:lnSpc>
+            </a:pPr>
+            <a:r>
+              <a:rPr lang="en-US" altLang="zh-CN" sz="2000" dirty="0">
+                <a:solidFill>
+                  <a:schemeClr val="tx1">
+                    <a:lumMod val="85000"/>
+                    <a:lumOff val="15000"/>
+                  </a:schemeClr>
+                </a:solidFill>
+                <a:latin typeface="微软雅黑" panose="020B0503020204020204" charset="-122"/>
+                <a:ea typeface="微软雅黑" panose="020B0503020204020204" charset="-122"/>
+                <a:cs typeface="微软雅黑" panose="020B0503020204020204" charset="-122"/>
+              </a:rPr>
+              <a:t>Bonus</a:t>
+            </a:r>
+            <a:r>
+              <a:rPr lang="zh-CN" altLang="en-US" sz="2000" dirty="0">
+                <a:solidFill>
+                  <a:schemeClr val="tx1">
+                    <a:lumMod val="85000"/>
+                    <a:lumOff val="15000"/>
+                  </a:schemeClr>
+                </a:solidFill>
+                <a:latin typeface="微软雅黑" panose="020B0503020204020204" charset="-122"/>
+                <a:ea typeface="微软雅黑" panose="020B0503020204020204" charset="-122"/>
+                <a:cs typeface="微软雅黑" panose="020B0503020204020204" charset="-122"/>
+              </a:rPr>
+              <a:t>功能实现</a:t>
+            </a:r>
+          </a:p>
+        </p:txBody>
+      </p:sp>
+      <p:sp>
+        <p:nvSpPr>
+          <p:cNvPr id="14" name="椭圆 13">
+            <a:extLst>
+              <a:ext uri="{FF2B5EF4-FFF2-40B4-BE49-F238E27FC236}">
+                <a16:creationId xmlns:a16="http://schemas.microsoft.com/office/drawing/2014/main" id="{1BB9BA27-7615-4771-894A-5B7D63DD3D43}"/>
+              </a:ext>
+            </a:extLst>
+          </p:cNvPr>
+          <p:cNvSpPr/>
+          <p:nvPr>
+            <p:custDataLst>
+              <p:tags r:id="rId9"/>
+            </p:custDataLst>
+          </p:nvPr>
+        </p:nvSpPr>
+        <p:spPr>
+          <a:xfrm>
+            <a:off x="874712" y="3993057"/>
+            <a:ext cx="281940" cy="281940"/>
+          </a:xfrm>
+          <a:prstGeom prst="ellipse">
+            <a:avLst/>
+          </a:prstGeom>
+          <a:noFill/>
+          <a:ln>
+            <a:solidFill>
+              <a:schemeClr val="accent1"/>
+            </a:solidFill>
+          </a:ln>
+        </p:spPr>
+        <p:style>
+          <a:lnRef idx="2">
+            <a:schemeClr val="accent1">
+              <a:shade val="50000"/>
+            </a:schemeClr>
+          </a:lnRef>
+          <a:fillRef idx="1">
+            <a:schemeClr val="accent1"/>
+          </a:fillRef>
+          <a:effectRef idx="0">
+            <a:schemeClr val="accent1"/>
+          </a:effectRef>
+          <a:fontRef idx="minor">
+            <a:schemeClr val="lt1"/>
+          </a:fontRef>
+        </p:style>
+        <p:txBody>
+          <a:bodyPr rtlCol="0" anchor="ctr"/>
+          <a:lstStyle/>
+          <a:p>
+            <a:pPr algn="ctr"/>
+            <a:r>
+              <a:rPr lang="en-US" altLang="zh-CN" sz="1600" dirty="0">
+                <a:solidFill>
+                  <a:schemeClr val="accent1"/>
+                </a:solidFill>
+                <a:latin typeface="微软雅黑" panose="020B0503020204020204" charset="-122"/>
+                <a:ea typeface="微软雅黑" panose="020B0503020204020204" charset="-122"/>
+                <a:cs typeface="微软雅黑" panose="020B0503020204020204" charset="-122"/>
+              </a:rPr>
+              <a:t>3</a:t>
+            </a:r>
+          </a:p>
+        </p:txBody>
+      </p:sp>
+      <p:cxnSp>
+        <p:nvCxnSpPr>
+          <p:cNvPr id="15" name="直接连接符 14">
+            <a:extLst>
+              <a:ext uri="{FF2B5EF4-FFF2-40B4-BE49-F238E27FC236}">
+                <a16:creationId xmlns:a16="http://schemas.microsoft.com/office/drawing/2014/main" id="{C7FEB002-D1C2-49BB-B54D-E0239149DD9E}"/>
+              </a:ext>
+            </a:extLst>
+          </p:cNvPr>
+          <p:cNvCxnSpPr/>
+          <p:nvPr>
+            <p:custDataLst>
+              <p:tags r:id="rId10"/>
+            </p:custDataLst>
+          </p:nvPr>
+        </p:nvCxnSpPr>
+        <p:spPr>
+          <a:xfrm>
+            <a:off x="1300798" y="5397769"/>
+            <a:ext cx="4626610" cy="0"/>
+          </a:xfrm>
+          <a:prstGeom prst="line">
+            <a:avLst/>
+          </a:prstGeom>
+          <a:ln>
+            <a:solidFill>
+              <a:schemeClr val="accent1">
+                <a:alpha val="44000"/>
+              </a:schemeClr>
+            </a:solidFill>
+          </a:ln>
+        </p:spPr>
+        <p:style>
+          <a:lnRef idx="1">
+            <a:schemeClr val="accent1"/>
+          </a:lnRef>
+          <a:fillRef idx="0">
+            <a:schemeClr val="accent1"/>
+          </a:fillRef>
+          <a:effectRef idx="0">
+            <a:schemeClr val="accent1"/>
+          </a:effectRef>
+          <a:fontRef idx="minor">
+            <a:schemeClr val="tx1"/>
+          </a:fontRef>
+        </p:style>
+      </p:cxnSp>
+      <p:sp>
+        <p:nvSpPr>
+          <p:cNvPr id="17" name="椭圆 16">
+            <a:extLst>
+              <a:ext uri="{FF2B5EF4-FFF2-40B4-BE49-F238E27FC236}">
+                <a16:creationId xmlns:a16="http://schemas.microsoft.com/office/drawing/2014/main" id="{78328CB4-FA75-41DE-8400-770CD2F9F299}"/>
+              </a:ext>
+            </a:extLst>
+          </p:cNvPr>
+          <p:cNvSpPr/>
+          <p:nvPr>
+            <p:custDataLst>
+              <p:tags r:id="rId11"/>
+            </p:custDataLst>
+          </p:nvPr>
+        </p:nvSpPr>
+        <p:spPr>
+          <a:xfrm>
+            <a:off x="874713" y="5121544"/>
+            <a:ext cx="281940" cy="281940"/>
+          </a:xfrm>
+          <a:prstGeom prst="ellipse">
+            <a:avLst/>
+          </a:prstGeom>
+          <a:noFill/>
+          <a:ln>
+            <a:solidFill>
+              <a:schemeClr val="accent1"/>
+            </a:solidFill>
+          </a:ln>
+        </p:spPr>
+        <p:style>
+          <a:lnRef idx="2">
+            <a:schemeClr val="accent1">
+              <a:shade val="50000"/>
+            </a:schemeClr>
+          </a:lnRef>
+          <a:fillRef idx="1">
+            <a:schemeClr val="accent1"/>
+          </a:fillRef>
+          <a:effectRef idx="0">
+            <a:schemeClr val="accent1"/>
+          </a:effectRef>
+          <a:fontRef idx="minor">
+            <a:schemeClr val="lt1"/>
+          </a:fontRef>
+        </p:style>
+        <p:txBody>
+          <a:bodyPr rtlCol="0" anchor="ctr"/>
+          <a:lstStyle/>
+          <a:p>
+            <a:pPr algn="ctr"/>
+            <a:r>
+              <a:rPr lang="en-US" altLang="zh-CN" sz="1600" dirty="0">
+                <a:solidFill>
+                  <a:schemeClr val="accent1"/>
+                </a:solidFill>
+                <a:latin typeface="微软雅黑" panose="020B0503020204020204" charset="-122"/>
+                <a:ea typeface="微软雅黑" panose="020B0503020204020204" charset="-122"/>
+                <a:cs typeface="微软雅黑" panose="020B0503020204020204" charset="-122"/>
+              </a:rPr>
+              <a:t>4</a:t>
+            </a:r>
+          </a:p>
+        </p:txBody>
+      </p:sp>
+      <p:sp>
+        <p:nvSpPr>
+          <p:cNvPr id="18" name="文本框 29">
+            <a:extLst>
+              <a:ext uri="{FF2B5EF4-FFF2-40B4-BE49-F238E27FC236}">
+                <a16:creationId xmlns:a16="http://schemas.microsoft.com/office/drawing/2014/main" id="{353534C2-EC66-43F8-940B-EA2BF23361D2}"/>
+              </a:ext>
+            </a:extLst>
+          </p:cNvPr>
+          <p:cNvSpPr txBox="1"/>
+          <p:nvPr>
+            <p:custDataLst>
+              <p:tags r:id="rId12"/>
+            </p:custDataLst>
+          </p:nvPr>
+        </p:nvSpPr>
+        <p:spPr>
+          <a:xfrm>
+            <a:off x="1300797" y="4985284"/>
+            <a:ext cx="4626609" cy="412485"/>
+          </a:xfrm>
+          <a:prstGeom prst="rect">
+            <a:avLst/>
+          </a:prstGeom>
+          <a:noFill/>
+        </p:spPr>
+        <p:txBody>
+          <a:bodyPr wrap="square" rtlCol="0">
+            <a:normAutofit lnSpcReduction="10000"/>
+          </a:bodyPr>
+          <a:lstStyle>
+            <a:defPPr>
+              <a:defRPr lang="zh-CN"/>
+            </a:defPPr>
+            <a:lvl1pPr marL="0" algn="l" defTabSz="913765" rtl="0" eaLnBrk="1" latinLnBrk="0" hangingPunct="1">
+              <a:defRPr sz="1800" kern="1200">
+                <a:solidFill>
+                  <a:schemeClr val="tx1"/>
+                </a:solidFill>
+                <a:latin typeface="+mn-lt"/>
+                <a:ea typeface="+mn-ea"/>
+                <a:cs typeface="+mn-cs"/>
+              </a:defRPr>
+            </a:lvl1pPr>
+            <a:lvl2pPr marL="457200" algn="l" defTabSz="913765" rtl="0" eaLnBrk="1" latinLnBrk="0" hangingPunct="1">
+              <a:defRPr sz="1800" kern="1200">
+                <a:solidFill>
+                  <a:schemeClr val="tx1"/>
+                </a:solidFill>
+                <a:latin typeface="+mn-lt"/>
+                <a:ea typeface="+mn-ea"/>
+                <a:cs typeface="+mn-cs"/>
+              </a:defRPr>
+            </a:lvl2pPr>
+            <a:lvl3pPr marL="914400" algn="l" defTabSz="913765" rtl="0" eaLnBrk="1" latinLnBrk="0" hangingPunct="1">
+              <a:defRPr sz="1800" kern="1200">
+                <a:solidFill>
+                  <a:schemeClr val="tx1"/>
+                </a:solidFill>
+                <a:latin typeface="+mn-lt"/>
+                <a:ea typeface="+mn-ea"/>
+                <a:cs typeface="+mn-cs"/>
+              </a:defRPr>
+            </a:lvl3pPr>
+            <a:lvl4pPr marL="1371600" algn="l" defTabSz="913765" rtl="0" eaLnBrk="1" latinLnBrk="0" hangingPunct="1">
+              <a:defRPr sz="1800" kern="1200">
+                <a:solidFill>
+                  <a:schemeClr val="tx1"/>
+                </a:solidFill>
+                <a:latin typeface="+mn-lt"/>
+                <a:ea typeface="+mn-ea"/>
+                <a:cs typeface="+mn-cs"/>
+              </a:defRPr>
+            </a:lvl4pPr>
+            <a:lvl5pPr marL="1828800" algn="l" defTabSz="913765" rtl="0" eaLnBrk="1" latinLnBrk="0" hangingPunct="1">
+              <a:defRPr sz="1800" kern="1200">
+                <a:solidFill>
+                  <a:schemeClr val="tx1"/>
+                </a:solidFill>
+                <a:latin typeface="+mn-lt"/>
+                <a:ea typeface="+mn-ea"/>
+                <a:cs typeface="+mn-cs"/>
+              </a:defRPr>
+            </a:lvl5pPr>
+            <a:lvl6pPr marL="2286000" algn="l" defTabSz="913765" rtl="0" eaLnBrk="1" latinLnBrk="0" hangingPunct="1">
+              <a:defRPr sz="1800" kern="1200">
+                <a:solidFill>
+                  <a:schemeClr val="tx1"/>
+                </a:solidFill>
+                <a:latin typeface="+mn-lt"/>
+                <a:ea typeface="+mn-ea"/>
+                <a:cs typeface="+mn-cs"/>
+              </a:defRPr>
+            </a:lvl6pPr>
+            <a:lvl7pPr marL="2743200" algn="l" defTabSz="913765" rtl="0" eaLnBrk="1" latinLnBrk="0" hangingPunct="1">
+              <a:defRPr sz="1800" kern="1200">
+                <a:solidFill>
+                  <a:schemeClr val="tx1"/>
+                </a:solidFill>
+                <a:latin typeface="+mn-lt"/>
+                <a:ea typeface="+mn-ea"/>
+                <a:cs typeface="+mn-cs"/>
+              </a:defRPr>
+            </a:lvl7pPr>
+            <a:lvl8pPr marL="3200400" algn="l" defTabSz="913765" rtl="0" eaLnBrk="1" latinLnBrk="0" hangingPunct="1">
+              <a:defRPr sz="1800" kern="1200">
+                <a:solidFill>
+                  <a:schemeClr val="tx1"/>
+                </a:solidFill>
+                <a:latin typeface="+mn-lt"/>
+                <a:ea typeface="+mn-ea"/>
+                <a:cs typeface="+mn-cs"/>
+              </a:defRPr>
+            </a:lvl8pPr>
+            <a:lvl9pPr marL="3657600" algn="l" defTabSz="913765" rtl="0" eaLnBrk="1" latinLnBrk="0" hangingPunct="1">
+              <a:defRPr sz="1800" kern="1200">
+                <a:solidFill>
+                  <a:schemeClr val="tx1"/>
+                </a:solidFill>
+                <a:latin typeface="+mn-lt"/>
+                <a:ea typeface="+mn-ea"/>
+                <a:cs typeface="+mn-cs"/>
+              </a:defRPr>
+            </a:lvl9pPr>
+          </a:lstStyle>
+          <a:p>
+            <a:pPr>
+              <a:lnSpc>
+                <a:spcPct val="120000"/>
+              </a:lnSpc>
+            </a:pPr>
+            <a:r>
+              <a:rPr lang="zh-CN" altLang="en-US" sz="2000" dirty="0">
+                <a:solidFill>
+                  <a:schemeClr val="tx1">
+                    <a:lumMod val="85000"/>
+                    <a:lumOff val="15000"/>
+                  </a:schemeClr>
+                </a:solidFill>
+                <a:latin typeface="微软雅黑" panose="020B0503020204020204" charset="-122"/>
+                <a:ea typeface="微软雅黑" panose="020B0503020204020204" charset="-122"/>
+                <a:cs typeface="微软雅黑" panose="020B0503020204020204" charset="-122"/>
+              </a:rPr>
+              <a:t>未来的改进</a:t>
+            </a:r>
+          </a:p>
+        </p:txBody>
+      </p:sp>
+    </p:spTree>
+    <p:extLst>
+      <p:ext uri="{BB962C8B-B14F-4D97-AF65-F5344CB8AC3E}">
+        <p14:creationId xmlns:p14="http://schemas.microsoft.com/office/powerpoint/2010/main" val="1302700620"/>
+      </p:ext>
+    </p:extLst>
+  </p:cSld>
+  <p:clrMapOvr>
+    <a:masterClrMapping/>
+  </p:clrMapOvr>
+  <mc:AlternateContent xmlns:mc="http://schemas.openxmlformats.org/markup-compatibility/2006" xmlns:p14="http://schemas.microsoft.com/office/powerpoint/2010/main">
+    <mc:Choice Requires="p14">
+      <p:transition spd="slow" p14:dur="800">
+        <p14:flythrough/>
+      </p:transition>
+    </mc:Choice>
+    <mc:Fallback xmlns="">
+      <p:transition spd="slow">
+        <p:fade/>
+      </p:transition>
+    </mc:Fallback>
+  </mc:AlternateContent>
+</p:sld>
+</file>
+
+<file path=ppt/slides/slide20.xml><?xml version="1.0" encoding="utf-8"?>
 <p:sld xmlns:a="http://schemas.openxmlformats.org/drawingml/2006/main" xmlns:r="http://schemas.openxmlformats.org/officeDocument/2006/relationships" xmlns:p="http://schemas.openxmlformats.org/presentationml/2006/main">
   <p:cSld>
     <p:spTree>
@@ -17383,8 +19031,12 @@
           <a:lstStyle/>
           <a:p>
             <a:r>
-              <a:rPr lang="zh-CN" altLang="en-US"/>
-              <a:t>成员分工</a:t>
+              <a:rPr lang="en-US" altLang="zh-CN" dirty="0"/>
+              <a:t>5. </a:t>
+            </a:r>
+            <a:r>
+              <a:rPr dirty="0"/>
+              <a:t>文字显示</a:t>
             </a:r>
           </a:p>
         </p:txBody>
@@ -17401,32 +19053,582 @@
         </p:nvSpPr>
         <p:spPr>
           <a:xfrm>
-            <a:off x="669883" y="952508"/>
-            <a:ext cx="4816518" cy="2175005"/>
+            <a:off x="669925" y="952500"/>
+            <a:ext cx="4836795" cy="5388610"/>
           </a:xfrm>
         </p:spPr>
         <p:txBody>
           <a:bodyPr/>
           <a:lstStyle/>
           <a:p>
+            <a:endParaRPr lang="en-US" altLang="zh-CN" dirty="0"/>
+          </a:p>
+          <a:p>
             <a:r>
               <a:rPr lang="zh-CN" altLang="en-US" dirty="0"/>
-              <a:t>组员</a:t>
+              <a:t>这里使用了</a:t>
             </a:r>
             <a:r>
+              <a:rPr lang="en-US" altLang="zh-CN" dirty="0" err="1"/>
+              <a:t>FreeType</a:t>
+            </a:r>
+            <a:r>
+              <a:rPr dirty="0"/>
+              <a:t>库</a:t>
+            </a:r>
+          </a:p>
+        </p:txBody>
+      </p:sp>
+    </p:spTree>
+    <p:custDataLst>
+      <p:tags r:id="rId1"/>
+    </p:custDataLst>
+  </p:cSld>
+  <p:clrMapOvr>
+    <a:masterClrMapping/>
+  </p:clrMapOvr>
+  <mc:AlternateContent xmlns:mc="http://schemas.openxmlformats.org/markup-compatibility/2006" xmlns:p14="http://schemas.microsoft.com/office/powerpoint/2010/main">
+    <mc:Choice Requires="p14">
+      <p:transition spd="med" p14:dur="700">
+        <p:fade/>
+      </p:transition>
+    </mc:Choice>
+    <mc:Fallback xmlns="">
+      <p:transition spd="med">
+        <p:fade/>
+      </p:transition>
+    </mc:Fallback>
+  </mc:AlternateContent>
+</p:sld>
+</file>
+
+<file path=ppt/slides/slide21.xml><?xml version="1.0" encoding="utf-8"?>
+<p:sld xmlns:a="http://schemas.openxmlformats.org/drawingml/2006/main" xmlns:r="http://schemas.openxmlformats.org/officeDocument/2006/relationships" xmlns:p="http://schemas.openxmlformats.org/presentationml/2006/main">
+  <p:cSld>
+    <p:spTree>
+      <p:nvGrpSpPr>
+        <p:cNvPr id="1" name=""/>
+        <p:cNvGrpSpPr/>
+        <p:nvPr/>
+      </p:nvGrpSpPr>
+      <p:grpSpPr>
+        <a:xfrm>
+          <a:off x="0" y="0"/>
+          <a:ext cx="0" cy="0"/>
+          <a:chOff x="0" y="0"/>
+          <a:chExt cx="0" cy="0"/>
+        </a:xfrm>
+      </p:grpSpPr>
+      <p:sp>
+        <p:nvSpPr>
+          <p:cNvPr id="2" name="标题 1"/>
+          <p:cNvSpPr>
+            <a:spLocks noGrp="1"/>
+          </p:cNvSpPr>
+          <p:nvPr>
+            <p:ph type="title"/>
+          </p:nvPr>
+        </p:nvSpPr>
+        <p:spPr/>
+        <p:txBody>
+          <a:bodyPr/>
+          <a:lstStyle/>
+          <a:p>
+            <a:r>
               <a:rPr lang="en-US" altLang="zh-CN" dirty="0"/>
-              <a:t>1</a:t>
+              <a:t>6. </a:t>
             </a:r>
-            <a:endParaRPr lang="zh-CN" altLang="en-US" dirty="0"/>
+            <a:r>
+              <a:rPr dirty="0"/>
+              <a:t>粒子系统</a:t>
+            </a:r>
           </a:p>
         </p:txBody>
       </p:sp>
       <p:sp>
         <p:nvSpPr>
-          <p:cNvPr id="5" name="内容占位符 2">
+          <p:cNvPr id="3" name="内容占位符 2"/>
+          <p:cNvSpPr>
+            <a:spLocks noGrp="1"/>
+          </p:cNvSpPr>
+          <p:nvPr>
+            <p:ph idx="1"/>
+          </p:nvPr>
+        </p:nvSpPr>
+        <p:spPr/>
+        <p:txBody>
+          <a:bodyPr/>
+          <a:lstStyle/>
+          <a:p>
+            <a:endParaRPr lang="zh-CN" altLang="en-US" dirty="0"/>
+          </a:p>
+        </p:txBody>
+      </p:sp>
+    </p:spTree>
+    <p:custDataLst>
+      <p:tags r:id="rId1"/>
+    </p:custDataLst>
+  </p:cSld>
+  <p:clrMapOvr>
+    <a:masterClrMapping/>
+  </p:clrMapOvr>
+  <mc:AlternateContent xmlns:mc="http://schemas.openxmlformats.org/markup-compatibility/2006" xmlns:p14="http://schemas.microsoft.com/office/powerpoint/2010/main">
+    <mc:Choice Requires="p14">
+      <p:transition spd="med" p14:dur="700">
+        <p:fade/>
+      </p:transition>
+    </mc:Choice>
+    <mc:Fallback xmlns="">
+      <p:transition spd="med">
+        <p:fade/>
+      </p:transition>
+    </mc:Fallback>
+  </mc:AlternateContent>
+</p:sld>
+</file>
+
+<file path=ppt/slides/slide22.xml><?xml version="1.0" encoding="utf-8"?>
+<p:sld xmlns:a="http://schemas.openxmlformats.org/drawingml/2006/main" xmlns:r="http://schemas.openxmlformats.org/officeDocument/2006/relationships" xmlns:p="http://schemas.openxmlformats.org/presentationml/2006/main">
+  <p:cSld>
+    <p:spTree>
+      <p:nvGrpSpPr>
+        <p:cNvPr id="1" name=""/>
+        <p:cNvGrpSpPr/>
+        <p:nvPr/>
+      </p:nvGrpSpPr>
+      <p:grpSpPr>
+        <a:xfrm>
+          <a:off x="0" y="0"/>
+          <a:ext cx="0" cy="0"/>
+          <a:chOff x="0" y="0"/>
+          <a:chExt cx="0" cy="0"/>
+        </a:xfrm>
+      </p:grpSpPr>
+      <p:sp>
+        <p:nvSpPr>
+          <p:cNvPr id="2" name="标题 1"/>
+          <p:cNvSpPr>
+            <a:spLocks noGrp="1"/>
+          </p:cNvSpPr>
+          <p:nvPr>
+            <p:ph type="title"/>
+          </p:nvPr>
+        </p:nvSpPr>
+        <p:spPr/>
+        <p:txBody>
+          <a:bodyPr/>
+          <a:lstStyle/>
+          <a:p>
+            <a:r>
+              <a:rPr lang="en-US" altLang="zh-CN" dirty="0"/>
+              <a:t>7. </a:t>
+            </a:r>
+            <a:r>
+              <a:rPr dirty="0"/>
+              <a:t>抗锯齿</a:t>
+            </a:r>
+          </a:p>
+        </p:txBody>
+      </p:sp>
+      <p:sp>
+        <p:nvSpPr>
+          <p:cNvPr id="3" name="内容占位符 2"/>
+          <p:cNvSpPr>
+            <a:spLocks noGrp="1"/>
+          </p:cNvSpPr>
+          <p:nvPr>
+            <p:ph idx="1"/>
+          </p:nvPr>
+        </p:nvSpPr>
+        <p:spPr>
+          <a:xfrm>
+            <a:off x="669925" y="952500"/>
+            <a:ext cx="5250815" cy="5388610"/>
+          </a:xfrm>
+        </p:spPr>
+        <p:txBody>
+          <a:bodyPr/>
+          <a:lstStyle/>
+          <a:p>
+            <a:endParaRPr lang="en-US" altLang="zh-CN" dirty="0"/>
+          </a:p>
+          <a:p>
+            <a:r>
+              <a:rPr lang="zh-CN" altLang="en-US" dirty="0"/>
+              <a:t>项目中主要使用了</a:t>
+            </a:r>
+            <a:r>
+              <a:rPr lang="en-US" altLang="zh-CN" dirty="0"/>
+              <a:t>OpenGL</a:t>
+            </a:r>
+            <a:r>
+              <a:rPr dirty="0"/>
+              <a:t>自带的</a:t>
+            </a:r>
+            <a:r>
+              <a:rPr lang="en-US" altLang="zh-CN" dirty="0"/>
+              <a:t>MSAA</a:t>
+            </a:r>
+            <a:r>
+              <a:rPr dirty="0"/>
+              <a:t>算法。</a:t>
+            </a:r>
+          </a:p>
+          <a:p>
+            <a:endParaRPr dirty="0"/>
+          </a:p>
+          <a:p>
+            <a:r>
+              <a:rPr lang="en-US" altLang="zh-CN" dirty="0"/>
+              <a:t>MSAA</a:t>
+            </a:r>
+            <a:r>
+              <a:rPr dirty="0"/>
+              <a:t>工作方法：</a:t>
+            </a:r>
+          </a:p>
+          <a:p>
+            <a:r>
+              <a:rPr dirty="0"/>
+              <a:t>无论三角形遮盖了多少个子采样点，（每个图元中）每个像素只运行一次片段着色器。片段着色器所使用的顶点数据会插值到每个像素的中心，所得到的结果颜色会被储存在每个被遮盖住的子采样点中。当颜色缓冲的子样本被图元的所有颜色填满时，所有的这些颜色将会在每个像素内部平均化。</a:t>
+            </a:r>
+          </a:p>
+        </p:txBody>
+      </p:sp>
+    </p:spTree>
+    <p:custDataLst>
+      <p:tags r:id="rId1"/>
+    </p:custDataLst>
+  </p:cSld>
+  <p:clrMapOvr>
+    <a:masterClrMapping/>
+  </p:clrMapOvr>
+  <mc:AlternateContent xmlns:mc="http://schemas.openxmlformats.org/markup-compatibility/2006" xmlns:p14="http://schemas.microsoft.com/office/powerpoint/2010/main">
+    <mc:Choice Requires="p14">
+      <p:transition spd="med" p14:dur="700">
+        <p:fade/>
+      </p:transition>
+    </mc:Choice>
+    <mc:Fallback xmlns="">
+      <p:transition spd="med">
+        <p:fade/>
+      </p:transition>
+    </mc:Fallback>
+  </mc:AlternateContent>
+</p:sld>
+</file>
+
+<file path=ppt/slides/slide23.xml><?xml version="1.0" encoding="utf-8"?>
+<p:sld xmlns:a="http://schemas.openxmlformats.org/drawingml/2006/main" xmlns:r="http://schemas.openxmlformats.org/officeDocument/2006/relationships" xmlns:p="http://schemas.openxmlformats.org/presentationml/2006/main">
+  <p:cSld>
+    <p:spTree>
+      <p:nvGrpSpPr>
+        <p:cNvPr id="1" name=""/>
+        <p:cNvGrpSpPr/>
+        <p:nvPr/>
+      </p:nvGrpSpPr>
+      <p:grpSpPr>
+        <a:xfrm>
+          <a:off x="0" y="0"/>
+          <a:ext cx="0" cy="0"/>
+          <a:chOff x="0" y="0"/>
+          <a:chExt cx="0" cy="0"/>
+        </a:xfrm>
+      </p:grpSpPr>
+      <p:sp>
+        <p:nvSpPr>
+          <p:cNvPr id="2" name="标题 1"/>
+          <p:cNvSpPr>
+            <a:spLocks noGrp="1"/>
+          </p:cNvSpPr>
+          <p:nvPr>
+            <p:ph type="title"/>
+          </p:nvPr>
+        </p:nvSpPr>
+        <p:spPr/>
+        <p:txBody>
+          <a:bodyPr/>
+          <a:lstStyle/>
+          <a:p>
+            <a:r>
+              <a:rPr lang="en-US" altLang="zh-CN" dirty="0"/>
+              <a:t>8. Gamma </a:t>
+            </a:r>
+            <a:r>
+              <a:rPr dirty="0"/>
+              <a:t>校正</a:t>
+            </a:r>
+          </a:p>
+        </p:txBody>
+      </p:sp>
+      <p:sp>
+        <p:nvSpPr>
+          <p:cNvPr id="3" name="内容占位符 2"/>
+          <p:cNvSpPr>
+            <a:spLocks noGrp="1"/>
+          </p:cNvSpPr>
+          <p:nvPr>
+            <p:ph idx="1"/>
+          </p:nvPr>
+        </p:nvSpPr>
+        <p:spPr>
+          <a:xfrm>
+            <a:off x="669925" y="952500"/>
+            <a:ext cx="6323330" cy="5388610"/>
+          </a:xfrm>
+        </p:spPr>
+        <p:txBody>
+          <a:bodyPr/>
+          <a:lstStyle/>
+          <a:p>
+            <a:endParaRPr lang="en-US" altLang="zh-CN" dirty="0"/>
+          </a:p>
+          <a:p>
+            <a:r>
+              <a:rPr lang="en-US" altLang="zh-CN" dirty="0"/>
+              <a:t>1. </a:t>
+            </a:r>
+            <a:r>
+              <a:rPr lang="zh-CN" altLang="en-US" dirty="0"/>
+              <a:t>色彩校正</a:t>
+            </a:r>
+          </a:p>
+          <a:p>
+            <a:r>
+              <a:rPr lang="zh-CN" altLang="en-US" dirty="0"/>
+              <a:t>对图像的</a:t>
+            </a:r>
+            <a:r>
+              <a:rPr lang="en-US" altLang="zh-CN" dirty="0"/>
+              <a:t>Gamma</a:t>
+            </a:r>
+            <a:r>
+              <a:rPr lang="zh-CN" altLang="en-US" dirty="0"/>
+              <a:t>曲线进行编辑，以对图像进行非线性色调编辑的方法，检出图像信号中的深色部分和浅色部分，并使两者比例增大，从而提高图像对比度效果。</a:t>
+            </a:r>
+          </a:p>
+          <a:p>
+            <a:r>
+              <a:rPr lang="zh-CN" altLang="en-US" dirty="0"/>
+              <a:t>一般显示器使用</a:t>
+            </a:r>
+            <a:r>
+              <a:rPr lang="en-US" altLang="zh-CN" dirty="0"/>
+              <a:t>sRGB</a:t>
+            </a:r>
+            <a:r>
+              <a:rPr dirty="0"/>
+              <a:t>颜色空间，此时</a:t>
+            </a:r>
+            <a:r>
+              <a:rPr lang="zh-CN" altLang="en-US" dirty="0"/>
+              <a:t>gamma值一般为2.2</a:t>
+            </a:r>
+          </a:p>
+          <a:p>
+            <a:endParaRPr lang="zh-CN" altLang="en-US" dirty="0"/>
+          </a:p>
+          <a:p>
+            <a:r>
+              <a:rPr lang="en-US" altLang="zh-CN" dirty="0"/>
+              <a:t>2. </a:t>
+            </a:r>
+            <a:r>
+              <a:rPr dirty="0"/>
+              <a:t>光照衰减</a:t>
+            </a:r>
+          </a:p>
+          <a:p>
+            <a:r>
+              <a:rPr dirty="0"/>
+              <a:t>模拟在真实的物理世界中，光照强度和光源的距离成反比。</a:t>
+            </a:r>
+          </a:p>
+        </p:txBody>
+      </p:sp>
+    </p:spTree>
+    <p:custDataLst>
+      <p:tags r:id="rId1"/>
+    </p:custDataLst>
+  </p:cSld>
+  <p:clrMapOvr>
+    <a:masterClrMapping/>
+  </p:clrMapOvr>
+  <mc:AlternateContent xmlns:mc="http://schemas.openxmlformats.org/markup-compatibility/2006" xmlns:p14="http://schemas.microsoft.com/office/powerpoint/2010/main">
+    <mc:Choice Requires="p14">
+      <p:transition spd="med" p14:dur="700">
+        <p:fade/>
+      </p:transition>
+    </mc:Choice>
+    <mc:Fallback xmlns="">
+      <p:transition spd="med">
+        <p:fade/>
+      </p:transition>
+    </mc:Fallback>
+  </mc:AlternateContent>
+</p:sld>
+</file>
+
+<file path=ppt/slides/slide24.xml><?xml version="1.0" encoding="utf-8"?>
+<p:sld xmlns:a="http://schemas.openxmlformats.org/drawingml/2006/main" xmlns:r="http://schemas.openxmlformats.org/officeDocument/2006/relationships" xmlns:p="http://schemas.openxmlformats.org/presentationml/2006/main">
+  <p:cSld>
+    <p:spTree>
+      <p:nvGrpSpPr>
+        <p:cNvPr id="1" name=""/>
+        <p:cNvGrpSpPr/>
+        <p:nvPr/>
+      </p:nvGrpSpPr>
+      <p:grpSpPr>
+        <a:xfrm>
+          <a:off x="0" y="0"/>
+          <a:ext cx="0" cy="0"/>
+          <a:chOff x="0" y="0"/>
+          <a:chExt cx="0" cy="0"/>
+        </a:xfrm>
+      </p:grpSpPr>
+      <p:sp>
+        <p:nvSpPr>
+          <p:cNvPr id="2" name="标题 1"/>
+          <p:cNvSpPr>
+            <a:spLocks noGrp="1"/>
+          </p:cNvSpPr>
+          <p:nvPr>
+            <p:ph type="title"/>
+          </p:nvPr>
+        </p:nvSpPr>
+        <p:spPr/>
+        <p:txBody>
+          <a:bodyPr/>
+          <a:lstStyle/>
+          <a:p>
+            <a:r>
+              <a:rPr lang="en-US" altLang="zh-CN" dirty="0"/>
+              <a:t>9. </a:t>
+            </a:r>
+            <a:r>
+              <a:rPr dirty="0"/>
+              <a:t>法线贴图</a:t>
+            </a:r>
+          </a:p>
+        </p:txBody>
+      </p:sp>
+      <p:sp>
+        <p:nvSpPr>
+          <p:cNvPr id="3" name="内容占位符 2"/>
+          <p:cNvSpPr>
+            <a:spLocks noGrp="1"/>
+          </p:cNvSpPr>
+          <p:nvPr>
+            <p:ph idx="1"/>
+          </p:nvPr>
+        </p:nvSpPr>
+        <p:spPr/>
+        <p:txBody>
+          <a:bodyPr/>
+          <a:lstStyle/>
+          <a:p>
+            <a:endParaRPr lang="zh-CN" altLang="en-US"/>
+          </a:p>
+        </p:txBody>
+      </p:sp>
+    </p:spTree>
+    <p:custDataLst>
+      <p:tags r:id="rId1"/>
+    </p:custDataLst>
+  </p:cSld>
+  <p:clrMapOvr>
+    <a:masterClrMapping/>
+  </p:clrMapOvr>
+  <mc:AlternateContent xmlns:mc="http://schemas.openxmlformats.org/markup-compatibility/2006" xmlns:p14="http://schemas.microsoft.com/office/powerpoint/2010/main">
+    <mc:Choice Requires="p14">
+      <p:transition spd="med" p14:dur="700">
+        <p:fade/>
+      </p:transition>
+    </mc:Choice>
+    <mc:Fallback xmlns="">
+      <p:transition spd="med">
+        <p:fade/>
+      </p:transition>
+    </mc:Fallback>
+  </mc:AlternateContent>
+</p:sld>
+</file>
+
+<file path=ppt/slides/slide25.xml><?xml version="1.0" encoding="utf-8"?>
+<p:sld xmlns:a="http://schemas.openxmlformats.org/drawingml/2006/main" xmlns:r="http://schemas.openxmlformats.org/officeDocument/2006/relationships" xmlns:p="http://schemas.openxmlformats.org/presentationml/2006/main">
+  <p:cSld>
+    <p:spTree>
+      <p:nvGrpSpPr>
+        <p:cNvPr id="1" name=""/>
+        <p:cNvGrpSpPr/>
+        <p:nvPr/>
+      </p:nvGrpSpPr>
+      <p:grpSpPr>
+        <a:xfrm>
+          <a:off x="0" y="0"/>
+          <a:ext cx="0" cy="0"/>
+          <a:chOff x="0" y="0"/>
+          <a:chExt cx="0" cy="0"/>
+        </a:xfrm>
+      </p:grpSpPr>
+      <p:sp>
+        <p:nvSpPr>
+          <p:cNvPr id="2" name="标题 1"/>
+          <p:cNvSpPr>
+            <a:spLocks noGrp="1"/>
+          </p:cNvSpPr>
+          <p:nvPr>
+            <p:ph type="title"/>
+          </p:nvPr>
+        </p:nvSpPr>
+        <p:spPr/>
+        <p:txBody>
+          <a:bodyPr/>
+          <a:lstStyle/>
+          <a:p>
+            <a:r>
+              <a:rPr lang="en-US" altLang="zh-CN" dirty="0"/>
+              <a:t>10. </a:t>
+            </a:r>
+            <a:r>
+              <a:rPr dirty="0"/>
+              <a:t>面剔除</a:t>
+            </a:r>
+          </a:p>
+        </p:txBody>
+      </p:sp>
+      <p:pic>
+        <p:nvPicPr>
+          <p:cNvPr id="6" name="内容占位符 5"/>
+          <p:cNvPicPr>
+            <a:picLocks noGrp="1" noChangeAspect="1"/>
+          </p:cNvPicPr>
+          <p:nvPr>
+            <p:ph idx="1"/>
+          </p:nvPr>
+        </p:nvPicPr>
+        <p:blipFill>
+          <a:blip r:embed="rId3"/>
+          <a:stretch>
+            <a:fillRect/>
+          </a:stretch>
+        </p:blipFill>
+        <p:spPr>
+          <a:xfrm>
+            <a:off x="6483350" y="2071370"/>
+            <a:ext cx="5038725" cy="2714625"/>
+          </a:xfrm>
+          <a:prstGeom prst="rect">
+            <a:avLst/>
+          </a:prstGeom>
+        </p:spPr>
+      </p:pic>
+      <p:sp>
+        <p:nvSpPr>
+          <p:cNvPr id="8" name="内容占位符 2">
             <a:extLst>
               <a:ext uri="{FF2B5EF4-FFF2-40B4-BE49-F238E27FC236}">
-                <a16:creationId xmlns:a16="http://schemas.microsoft.com/office/drawing/2014/main" id="{3CE8F1E8-51AC-4AFF-8B0E-646272437608}"/>
+                <a16:creationId xmlns:a16="http://schemas.microsoft.com/office/drawing/2014/main" id="{84721986-3F9E-481D-98FD-CA7E5A1038AB}"/>
               </a:ext>
             </a:extLst>
           </p:cNvPr>
@@ -17437,8 +19639,8 @@
         </p:nvSpPr>
         <p:spPr>
           <a:xfrm>
-            <a:off x="669883" y="3429000"/>
-            <a:ext cx="4816518" cy="2175005"/>
+            <a:off x="669925" y="952500"/>
+            <a:ext cx="6323330" cy="5388610"/>
           </a:xfrm>
           <a:prstGeom prst="rect">
             <a:avLst/>
@@ -17656,527 +19858,13 @@
             </a:lvl9pPr>
           </a:lstStyle>
           <a:p>
+            <a:endParaRPr lang="en-US" altLang="zh-CN" dirty="0"/>
+          </a:p>
+          <a:p>
             <a:r>
               <a:rPr lang="zh-CN" altLang="en-US" dirty="0"/>
-              <a:t>组员</a:t>
+              <a:t>定义每个面时，使用逆时针的顺序定义其顶点。使得从观察者的视角看，正面的三角形以逆时针的顺序渲染，而背面的三角形以顺时针的顺序渲染</a:t>
             </a:r>
-            <a:r>
-              <a:rPr lang="en-US" altLang="zh-CN" dirty="0"/>
-              <a:t>3</a:t>
-            </a:r>
-            <a:endParaRPr lang="zh-CN" altLang="en-US" dirty="0"/>
-          </a:p>
-        </p:txBody>
-      </p:sp>
-      <p:sp>
-        <p:nvSpPr>
-          <p:cNvPr id="6" name="内容占位符 2">
-            <a:extLst>
-              <a:ext uri="{FF2B5EF4-FFF2-40B4-BE49-F238E27FC236}">
-                <a16:creationId xmlns:a16="http://schemas.microsoft.com/office/drawing/2014/main" id="{EA7F2EC7-7D9D-4BBD-95CE-521E4E181B56}"/>
-              </a:ext>
-            </a:extLst>
-          </p:cNvPr>
-          <p:cNvSpPr txBox="1">
-            <a:spLocks/>
-          </p:cNvSpPr>
-          <p:nvPr/>
-        </p:nvSpPr>
-        <p:spPr>
-          <a:xfrm>
-            <a:off x="5950875" y="952507"/>
-            <a:ext cx="4816518" cy="2175005"/>
-          </a:xfrm>
-          <a:prstGeom prst="rect">
-            <a:avLst/>
-          </a:prstGeom>
-        </p:spPr>
-        <p:txBody>
-          <a:bodyPr vert="horz" lIns="101600" tIns="0" rIns="82550" bIns="0" rtlCol="0">
-            <a:noAutofit/>
-          </a:bodyPr>
-          <a:lstStyle>
-            <a:lvl1pPr marL="228600" marR="0" lvl="0" indent="-228600" algn="l" defTabSz="914400" rtl="0" eaLnBrk="1" fontAlgn="auto" latinLnBrk="0" hangingPunct="1">
-              <a:lnSpc>
-                <a:spcPct val="130000"/>
-              </a:lnSpc>
-              <a:spcBef>
-                <a:spcPts val="0"/>
-              </a:spcBef>
-              <a:spcAft>
-                <a:spcPts val="1000"/>
-              </a:spcAft>
-              <a:buFont typeface="Arial" panose="020B0604020202020204" pitchFamily="34" charset="0"/>
-              <a:buChar char="•"/>
-              <a:defRPr kumimoji="0" lang="zh-CN" altLang="en-US" sz="1600" b="0" i="0" u="none" strike="noStrike" kern="1200" cap="none" spc="150" normalizeH="0" baseline="0" noProof="1" dirty="0">
-                <a:solidFill>
-                  <a:schemeClr val="tx1">
-                    <a:lumMod val="85000"/>
-                    <a:lumOff val="15000"/>
-                  </a:schemeClr>
-                </a:solidFill>
-                <a:uFillTx/>
-                <a:latin typeface="微软雅黑" panose="020B0503020204020204" charset="-122"/>
-                <a:ea typeface="微软雅黑" panose="020B0503020204020204" charset="-122"/>
-                <a:cs typeface="微软雅黑" panose="020B0503020204020204" charset="-122"/>
-                <a:sym typeface="+mn-ea"/>
-              </a:defRPr>
-            </a:lvl1pPr>
-            <a:lvl2pPr marL="685800" marR="0" lvl="1" indent="-228600" algn="l" defTabSz="914400" rtl="0" eaLnBrk="1" fontAlgn="auto" latinLnBrk="0" hangingPunct="1">
-              <a:lnSpc>
-                <a:spcPct val="130000"/>
-              </a:lnSpc>
-              <a:spcBef>
-                <a:spcPts val="0"/>
-              </a:spcBef>
-              <a:spcAft>
-                <a:spcPts val="1000"/>
-              </a:spcAft>
-              <a:buFont typeface="Arial" panose="020B0604020202020204" pitchFamily="34" charset="0"/>
-              <a:buChar char="•"/>
-              <a:tabLst>
-                <a:tab pos="1609725" algn="l"/>
-              </a:tabLst>
-              <a:defRPr kumimoji="0" lang="zh-CN" altLang="en-US" sz="1600" b="0" i="0" u="none" strike="noStrike" kern="1200" cap="none" spc="150" normalizeH="0" baseline="0" noProof="1" dirty="0">
-                <a:solidFill>
-                  <a:schemeClr val="tx1">
-                    <a:lumMod val="85000"/>
-                    <a:lumOff val="15000"/>
-                  </a:schemeClr>
-                </a:solidFill>
-                <a:uFillTx/>
-                <a:latin typeface="微软雅黑" panose="020B0503020204020204" charset="-122"/>
-                <a:ea typeface="微软雅黑" panose="020B0503020204020204" charset="-122"/>
-                <a:cs typeface="微软雅黑" panose="020B0503020204020204" charset="-122"/>
-                <a:sym typeface="+mn-ea"/>
-              </a:defRPr>
-            </a:lvl2pPr>
-            <a:lvl3pPr marL="1143000" marR="0" lvl="2" indent="-228600" algn="l" defTabSz="914400" rtl="0" eaLnBrk="1" fontAlgn="auto" latinLnBrk="0" hangingPunct="1">
-              <a:lnSpc>
-                <a:spcPct val="130000"/>
-              </a:lnSpc>
-              <a:spcBef>
-                <a:spcPts val="0"/>
-              </a:spcBef>
-              <a:spcAft>
-                <a:spcPts val="1000"/>
-              </a:spcAft>
-              <a:buFont typeface="Arial" panose="020B0604020202020204" pitchFamily="34" charset="0"/>
-              <a:buChar char="•"/>
-              <a:defRPr kumimoji="0" lang="zh-CN" altLang="en-US" sz="1600" b="0" i="0" u="none" strike="noStrike" kern="1200" cap="none" spc="150" normalizeH="0" baseline="0" noProof="1" dirty="0">
-                <a:solidFill>
-                  <a:schemeClr val="tx1">
-                    <a:lumMod val="85000"/>
-                    <a:lumOff val="15000"/>
-                  </a:schemeClr>
-                </a:solidFill>
-                <a:uFillTx/>
-                <a:latin typeface="微软雅黑" panose="020B0503020204020204" charset="-122"/>
-                <a:ea typeface="微软雅黑" panose="020B0503020204020204" charset="-122"/>
-                <a:cs typeface="微软雅黑" panose="020B0503020204020204" charset="-122"/>
-                <a:sym typeface="+mn-ea"/>
-              </a:defRPr>
-            </a:lvl3pPr>
-            <a:lvl4pPr marL="1600200" marR="0" lvl="3" indent="-228600" algn="l" defTabSz="914400" rtl="0" eaLnBrk="1" fontAlgn="auto" latinLnBrk="0" hangingPunct="1">
-              <a:lnSpc>
-                <a:spcPct val="130000"/>
-              </a:lnSpc>
-              <a:spcBef>
-                <a:spcPts val="0"/>
-              </a:spcBef>
-              <a:spcAft>
-                <a:spcPts val="1000"/>
-              </a:spcAft>
-              <a:buFont typeface="Arial" panose="020B0604020202020204" pitchFamily="34" charset="0"/>
-              <a:buChar char="•"/>
-              <a:defRPr kumimoji="0" lang="zh-CN" altLang="en-US" sz="1600" b="0" i="0" u="none" strike="noStrike" kern="1200" cap="none" spc="150" normalizeH="0" baseline="0" noProof="1" dirty="0">
-                <a:solidFill>
-                  <a:schemeClr val="tx1">
-                    <a:lumMod val="85000"/>
-                    <a:lumOff val="15000"/>
-                  </a:schemeClr>
-                </a:solidFill>
-                <a:uFillTx/>
-                <a:latin typeface="微软雅黑" panose="020B0503020204020204" charset="-122"/>
-                <a:ea typeface="微软雅黑" panose="020B0503020204020204" charset="-122"/>
-                <a:cs typeface="微软雅黑" panose="020B0503020204020204" charset="-122"/>
-                <a:sym typeface="+mn-ea"/>
-              </a:defRPr>
-            </a:lvl4pPr>
-            <a:lvl5pPr marL="2057400" marR="0" lvl="4" indent="-228600" algn="l" defTabSz="914400" rtl="0" eaLnBrk="1" fontAlgn="auto" latinLnBrk="0" hangingPunct="1">
-              <a:lnSpc>
-                <a:spcPct val="130000"/>
-              </a:lnSpc>
-              <a:spcBef>
-                <a:spcPts val="0"/>
-              </a:spcBef>
-              <a:spcAft>
-                <a:spcPts val="1000"/>
-              </a:spcAft>
-              <a:buFont typeface="Arial" panose="020B0604020202020204" pitchFamily="34" charset="0"/>
-              <a:buChar char="•"/>
-              <a:defRPr kumimoji="0" lang="zh-CN" altLang="en-US" sz="1600" b="0" i="0" u="none" strike="noStrike" kern="1200" cap="none" spc="150" normalizeH="0" baseline="0" noProof="1" dirty="0">
-                <a:solidFill>
-                  <a:schemeClr val="tx1">
-                    <a:lumMod val="85000"/>
-                    <a:lumOff val="15000"/>
-                  </a:schemeClr>
-                </a:solidFill>
-                <a:uFillTx/>
-                <a:latin typeface="微软雅黑" panose="020B0503020204020204" charset="-122"/>
-                <a:ea typeface="微软雅黑" panose="020B0503020204020204" charset="-122"/>
-                <a:cs typeface="微软雅黑" panose="020B0503020204020204" charset="-122"/>
-                <a:sym typeface="+mn-ea"/>
-              </a:defRPr>
-            </a:lvl5pPr>
-            <a:lvl6pPr marL="2514600" indent="-228600" algn="l" defTabSz="914400" rtl="0" eaLnBrk="1" latinLnBrk="0" hangingPunct="1">
-              <a:lnSpc>
-                <a:spcPct val="90000"/>
-              </a:lnSpc>
-              <a:spcBef>
-                <a:spcPts val="500"/>
-              </a:spcBef>
-              <a:buFont typeface="Arial" panose="020B0604020202020204" pitchFamily="34" charset="0"/>
-              <a:buChar char="•"/>
-              <a:defRPr sz="1800" kern="1200">
-                <a:solidFill>
-                  <a:schemeClr val="tx1"/>
-                </a:solidFill>
-                <a:latin typeface="+mn-lt"/>
-                <a:ea typeface="+mn-ea"/>
-                <a:cs typeface="+mn-cs"/>
-              </a:defRPr>
-            </a:lvl6pPr>
-            <a:lvl7pPr marL="2971800" indent="-228600" algn="l" defTabSz="914400" rtl="0" eaLnBrk="1" latinLnBrk="0" hangingPunct="1">
-              <a:lnSpc>
-                <a:spcPct val="90000"/>
-              </a:lnSpc>
-              <a:spcBef>
-                <a:spcPts val="500"/>
-              </a:spcBef>
-              <a:buFont typeface="Arial" panose="020B0604020202020204" pitchFamily="34" charset="0"/>
-              <a:buChar char="•"/>
-              <a:defRPr sz="1800" kern="1200">
-                <a:solidFill>
-                  <a:schemeClr val="tx1"/>
-                </a:solidFill>
-                <a:latin typeface="+mn-lt"/>
-                <a:ea typeface="+mn-ea"/>
-                <a:cs typeface="+mn-cs"/>
-              </a:defRPr>
-            </a:lvl7pPr>
-            <a:lvl8pPr marL="3429000" indent="-228600" algn="l" defTabSz="914400" rtl="0" eaLnBrk="1" latinLnBrk="0" hangingPunct="1">
-              <a:lnSpc>
-                <a:spcPct val="90000"/>
-              </a:lnSpc>
-              <a:spcBef>
-                <a:spcPts val="500"/>
-              </a:spcBef>
-              <a:buFont typeface="Arial" panose="020B0604020202020204" pitchFamily="34" charset="0"/>
-              <a:buChar char="•"/>
-              <a:defRPr sz="1800" kern="1200">
-                <a:solidFill>
-                  <a:schemeClr val="tx1"/>
-                </a:solidFill>
-                <a:latin typeface="+mn-lt"/>
-                <a:ea typeface="+mn-ea"/>
-                <a:cs typeface="+mn-cs"/>
-              </a:defRPr>
-            </a:lvl8pPr>
-            <a:lvl9pPr marL="3886200" indent="-228600" algn="l" defTabSz="914400" rtl="0" eaLnBrk="1" latinLnBrk="0" hangingPunct="1">
-              <a:lnSpc>
-                <a:spcPct val="90000"/>
-              </a:lnSpc>
-              <a:spcBef>
-                <a:spcPts val="500"/>
-              </a:spcBef>
-              <a:buFont typeface="Arial" panose="020B0604020202020204" pitchFamily="34" charset="0"/>
-              <a:buChar char="•"/>
-              <a:defRPr sz="1800" kern="1200">
-                <a:solidFill>
-                  <a:schemeClr val="tx1"/>
-                </a:solidFill>
-                <a:latin typeface="+mn-lt"/>
-                <a:ea typeface="+mn-ea"/>
-                <a:cs typeface="+mn-cs"/>
-              </a:defRPr>
-            </a:lvl9pPr>
-          </a:lstStyle>
-          <a:p>
-            <a:r>
-              <a:rPr lang="zh-CN" altLang="en-US" dirty="0"/>
-              <a:t>组员</a:t>
-            </a:r>
-            <a:r>
-              <a:rPr lang="en-US" altLang="zh-CN" dirty="0"/>
-              <a:t>2</a:t>
-            </a:r>
-            <a:r>
-              <a:rPr lang="zh-CN" altLang="en-US" dirty="0"/>
-              <a:t>：黎浩良</a:t>
-            </a:r>
-            <a:endParaRPr lang="en-US" altLang="zh-CN" dirty="0"/>
-          </a:p>
-          <a:p>
-            <a:r>
-              <a:rPr lang="zh-CN" altLang="en-US" dirty="0"/>
-              <a:t>主要工作：负责天空盒的实现与布置；全局光照和阴影效果，以及相应的改进如</a:t>
-            </a:r>
-            <a:r>
-              <a:rPr lang="en-US" altLang="zh-CN" dirty="0"/>
-              <a:t>PCF</a:t>
-            </a:r>
-            <a:r>
-              <a:rPr lang="zh-CN" altLang="en-US" dirty="0"/>
-              <a:t>，抗锯齿等；粒子系统以及粒子模拟效果。</a:t>
-            </a:r>
-          </a:p>
-        </p:txBody>
-      </p:sp>
-      <p:sp>
-        <p:nvSpPr>
-          <p:cNvPr id="7" name="内容占位符 2">
-            <a:extLst>
-              <a:ext uri="{FF2B5EF4-FFF2-40B4-BE49-F238E27FC236}">
-                <a16:creationId xmlns:a16="http://schemas.microsoft.com/office/drawing/2014/main" id="{58893A24-0D88-4BC4-A8CF-51CAD68E044C}"/>
-              </a:ext>
-            </a:extLst>
-          </p:cNvPr>
-          <p:cNvSpPr txBox="1">
-            <a:spLocks/>
-          </p:cNvSpPr>
-          <p:nvPr/>
-        </p:nvSpPr>
-        <p:spPr>
-          <a:xfrm>
-            <a:off x="5950875" y="3429000"/>
-            <a:ext cx="4816518" cy="2175005"/>
-          </a:xfrm>
-          <a:prstGeom prst="rect">
-            <a:avLst/>
-          </a:prstGeom>
-        </p:spPr>
-        <p:txBody>
-          <a:bodyPr vert="horz" lIns="101600" tIns="0" rIns="82550" bIns="0" rtlCol="0">
-            <a:noAutofit/>
-          </a:bodyPr>
-          <a:lstStyle>
-            <a:lvl1pPr marL="228600" marR="0" lvl="0" indent="-228600" algn="l" defTabSz="914400" rtl="0" eaLnBrk="1" fontAlgn="auto" latinLnBrk="0" hangingPunct="1">
-              <a:lnSpc>
-                <a:spcPct val="130000"/>
-              </a:lnSpc>
-              <a:spcBef>
-                <a:spcPts val="0"/>
-              </a:spcBef>
-              <a:spcAft>
-                <a:spcPts val="1000"/>
-              </a:spcAft>
-              <a:buFont typeface="Arial" panose="020B0604020202020204" pitchFamily="34" charset="0"/>
-              <a:buChar char="•"/>
-              <a:defRPr kumimoji="0" lang="zh-CN" altLang="en-US" sz="1600" b="0" i="0" u="none" strike="noStrike" kern="1200" cap="none" spc="150" normalizeH="0" baseline="0" noProof="1" dirty="0">
-                <a:solidFill>
-                  <a:schemeClr val="tx1">
-                    <a:lumMod val="85000"/>
-                    <a:lumOff val="15000"/>
-                  </a:schemeClr>
-                </a:solidFill>
-                <a:uFillTx/>
-                <a:latin typeface="微软雅黑" panose="020B0503020204020204" charset="-122"/>
-                <a:ea typeface="微软雅黑" panose="020B0503020204020204" charset="-122"/>
-                <a:cs typeface="微软雅黑" panose="020B0503020204020204" charset="-122"/>
-                <a:sym typeface="+mn-ea"/>
-              </a:defRPr>
-            </a:lvl1pPr>
-            <a:lvl2pPr marL="685800" marR="0" lvl="1" indent="-228600" algn="l" defTabSz="914400" rtl="0" eaLnBrk="1" fontAlgn="auto" latinLnBrk="0" hangingPunct="1">
-              <a:lnSpc>
-                <a:spcPct val="130000"/>
-              </a:lnSpc>
-              <a:spcBef>
-                <a:spcPts val="0"/>
-              </a:spcBef>
-              <a:spcAft>
-                <a:spcPts val="1000"/>
-              </a:spcAft>
-              <a:buFont typeface="Arial" panose="020B0604020202020204" pitchFamily="34" charset="0"/>
-              <a:buChar char="•"/>
-              <a:tabLst>
-                <a:tab pos="1609725" algn="l"/>
-              </a:tabLst>
-              <a:defRPr kumimoji="0" lang="zh-CN" altLang="en-US" sz="1600" b="0" i="0" u="none" strike="noStrike" kern="1200" cap="none" spc="150" normalizeH="0" baseline="0" noProof="1" dirty="0">
-                <a:solidFill>
-                  <a:schemeClr val="tx1">
-                    <a:lumMod val="85000"/>
-                    <a:lumOff val="15000"/>
-                  </a:schemeClr>
-                </a:solidFill>
-                <a:uFillTx/>
-                <a:latin typeface="微软雅黑" panose="020B0503020204020204" charset="-122"/>
-                <a:ea typeface="微软雅黑" panose="020B0503020204020204" charset="-122"/>
-                <a:cs typeface="微软雅黑" panose="020B0503020204020204" charset="-122"/>
-                <a:sym typeface="+mn-ea"/>
-              </a:defRPr>
-            </a:lvl2pPr>
-            <a:lvl3pPr marL="1143000" marR="0" lvl="2" indent="-228600" algn="l" defTabSz="914400" rtl="0" eaLnBrk="1" fontAlgn="auto" latinLnBrk="0" hangingPunct="1">
-              <a:lnSpc>
-                <a:spcPct val="130000"/>
-              </a:lnSpc>
-              <a:spcBef>
-                <a:spcPts val="0"/>
-              </a:spcBef>
-              <a:spcAft>
-                <a:spcPts val="1000"/>
-              </a:spcAft>
-              <a:buFont typeface="Arial" panose="020B0604020202020204" pitchFamily="34" charset="0"/>
-              <a:buChar char="•"/>
-              <a:defRPr kumimoji="0" lang="zh-CN" altLang="en-US" sz="1600" b="0" i="0" u="none" strike="noStrike" kern="1200" cap="none" spc="150" normalizeH="0" baseline="0" noProof="1" dirty="0">
-                <a:solidFill>
-                  <a:schemeClr val="tx1">
-                    <a:lumMod val="85000"/>
-                    <a:lumOff val="15000"/>
-                  </a:schemeClr>
-                </a:solidFill>
-                <a:uFillTx/>
-                <a:latin typeface="微软雅黑" panose="020B0503020204020204" charset="-122"/>
-                <a:ea typeface="微软雅黑" panose="020B0503020204020204" charset="-122"/>
-                <a:cs typeface="微软雅黑" panose="020B0503020204020204" charset="-122"/>
-                <a:sym typeface="+mn-ea"/>
-              </a:defRPr>
-            </a:lvl3pPr>
-            <a:lvl4pPr marL="1600200" marR="0" lvl="3" indent="-228600" algn="l" defTabSz="914400" rtl="0" eaLnBrk="1" fontAlgn="auto" latinLnBrk="0" hangingPunct="1">
-              <a:lnSpc>
-                <a:spcPct val="130000"/>
-              </a:lnSpc>
-              <a:spcBef>
-                <a:spcPts val="0"/>
-              </a:spcBef>
-              <a:spcAft>
-                <a:spcPts val="1000"/>
-              </a:spcAft>
-              <a:buFont typeface="Arial" panose="020B0604020202020204" pitchFamily="34" charset="0"/>
-              <a:buChar char="•"/>
-              <a:defRPr kumimoji="0" lang="zh-CN" altLang="en-US" sz="1600" b="0" i="0" u="none" strike="noStrike" kern="1200" cap="none" spc="150" normalizeH="0" baseline="0" noProof="1" dirty="0">
-                <a:solidFill>
-                  <a:schemeClr val="tx1">
-                    <a:lumMod val="85000"/>
-                    <a:lumOff val="15000"/>
-                  </a:schemeClr>
-                </a:solidFill>
-                <a:uFillTx/>
-                <a:latin typeface="微软雅黑" panose="020B0503020204020204" charset="-122"/>
-                <a:ea typeface="微软雅黑" panose="020B0503020204020204" charset="-122"/>
-                <a:cs typeface="微软雅黑" panose="020B0503020204020204" charset="-122"/>
-                <a:sym typeface="+mn-ea"/>
-              </a:defRPr>
-            </a:lvl4pPr>
-            <a:lvl5pPr marL="2057400" marR="0" lvl="4" indent="-228600" algn="l" defTabSz="914400" rtl="0" eaLnBrk="1" fontAlgn="auto" latinLnBrk="0" hangingPunct="1">
-              <a:lnSpc>
-                <a:spcPct val="130000"/>
-              </a:lnSpc>
-              <a:spcBef>
-                <a:spcPts val="0"/>
-              </a:spcBef>
-              <a:spcAft>
-                <a:spcPts val="1000"/>
-              </a:spcAft>
-              <a:buFont typeface="Arial" panose="020B0604020202020204" pitchFamily="34" charset="0"/>
-              <a:buChar char="•"/>
-              <a:defRPr kumimoji="0" lang="zh-CN" altLang="en-US" sz="1600" b="0" i="0" u="none" strike="noStrike" kern="1200" cap="none" spc="150" normalizeH="0" baseline="0" noProof="1" dirty="0">
-                <a:solidFill>
-                  <a:schemeClr val="tx1">
-                    <a:lumMod val="85000"/>
-                    <a:lumOff val="15000"/>
-                  </a:schemeClr>
-                </a:solidFill>
-                <a:uFillTx/>
-                <a:latin typeface="微软雅黑" panose="020B0503020204020204" charset="-122"/>
-                <a:ea typeface="微软雅黑" panose="020B0503020204020204" charset="-122"/>
-                <a:cs typeface="微软雅黑" panose="020B0503020204020204" charset="-122"/>
-                <a:sym typeface="+mn-ea"/>
-              </a:defRPr>
-            </a:lvl5pPr>
-            <a:lvl6pPr marL="2514600" indent="-228600" algn="l" defTabSz="914400" rtl="0" eaLnBrk="1" latinLnBrk="0" hangingPunct="1">
-              <a:lnSpc>
-                <a:spcPct val="90000"/>
-              </a:lnSpc>
-              <a:spcBef>
-                <a:spcPts val="500"/>
-              </a:spcBef>
-              <a:buFont typeface="Arial" panose="020B0604020202020204" pitchFamily="34" charset="0"/>
-              <a:buChar char="•"/>
-              <a:defRPr sz="1800" kern="1200">
-                <a:solidFill>
-                  <a:schemeClr val="tx1"/>
-                </a:solidFill>
-                <a:latin typeface="+mn-lt"/>
-                <a:ea typeface="+mn-ea"/>
-                <a:cs typeface="+mn-cs"/>
-              </a:defRPr>
-            </a:lvl6pPr>
-            <a:lvl7pPr marL="2971800" indent="-228600" algn="l" defTabSz="914400" rtl="0" eaLnBrk="1" latinLnBrk="0" hangingPunct="1">
-              <a:lnSpc>
-                <a:spcPct val="90000"/>
-              </a:lnSpc>
-              <a:spcBef>
-                <a:spcPts val="500"/>
-              </a:spcBef>
-              <a:buFont typeface="Arial" panose="020B0604020202020204" pitchFamily="34" charset="0"/>
-              <a:buChar char="•"/>
-              <a:defRPr sz="1800" kern="1200">
-                <a:solidFill>
-                  <a:schemeClr val="tx1"/>
-                </a:solidFill>
-                <a:latin typeface="+mn-lt"/>
-                <a:ea typeface="+mn-ea"/>
-                <a:cs typeface="+mn-cs"/>
-              </a:defRPr>
-            </a:lvl7pPr>
-            <a:lvl8pPr marL="3429000" indent="-228600" algn="l" defTabSz="914400" rtl="0" eaLnBrk="1" latinLnBrk="0" hangingPunct="1">
-              <a:lnSpc>
-                <a:spcPct val="90000"/>
-              </a:lnSpc>
-              <a:spcBef>
-                <a:spcPts val="500"/>
-              </a:spcBef>
-              <a:buFont typeface="Arial" panose="020B0604020202020204" pitchFamily="34" charset="0"/>
-              <a:buChar char="•"/>
-              <a:defRPr sz="1800" kern="1200">
-                <a:solidFill>
-                  <a:schemeClr val="tx1"/>
-                </a:solidFill>
-                <a:latin typeface="+mn-lt"/>
-                <a:ea typeface="+mn-ea"/>
-                <a:cs typeface="+mn-cs"/>
-              </a:defRPr>
-            </a:lvl8pPr>
-            <a:lvl9pPr marL="3886200" indent="-228600" algn="l" defTabSz="914400" rtl="0" eaLnBrk="1" latinLnBrk="0" hangingPunct="1">
-              <a:lnSpc>
-                <a:spcPct val="90000"/>
-              </a:lnSpc>
-              <a:spcBef>
-                <a:spcPts val="500"/>
-              </a:spcBef>
-              <a:buFont typeface="Arial" panose="020B0604020202020204" pitchFamily="34" charset="0"/>
-              <a:buChar char="•"/>
-              <a:defRPr sz="1800" kern="1200">
-                <a:solidFill>
-                  <a:schemeClr val="tx1"/>
-                </a:solidFill>
-                <a:latin typeface="+mn-lt"/>
-                <a:ea typeface="+mn-ea"/>
-                <a:cs typeface="+mn-cs"/>
-              </a:defRPr>
-            </a:lvl9pPr>
-          </a:lstStyle>
-          <a:p>
-            <a:r>
-              <a:rPr lang="zh-CN" altLang="en-US" dirty="0"/>
-              <a:t>组员</a:t>
-            </a:r>
-            <a:r>
-              <a:rPr lang="en-US" altLang="zh-CN" dirty="0"/>
-              <a:t>4</a:t>
-            </a:r>
-            <a:endParaRPr lang="zh-CN" altLang="en-US" dirty="0"/>
           </a:p>
         </p:txBody>
       </p:sp>
@@ -18188,10 +19876,385 @@
   <p:clrMapOvr>
     <a:masterClrMapping/>
   </p:clrMapOvr>
+  <mc:AlternateContent xmlns:mc="http://schemas.openxmlformats.org/markup-compatibility/2006" xmlns:p14="http://schemas.microsoft.com/office/powerpoint/2010/main">
+    <mc:Choice Requires="p14">
+      <p:transition spd="med" p14:dur="700">
+        <p:fade/>
+      </p:transition>
+    </mc:Choice>
+    <mc:Fallback xmlns="">
+      <p:transition spd="med">
+        <p:fade/>
+      </p:transition>
+    </mc:Fallback>
+  </mc:AlternateContent>
 </p:sld>
 </file>
 
-<file path=ppt/slides/slide20.xml><?xml version="1.0" encoding="utf-8"?>
+<file path=ppt/slides/slide26.xml><?xml version="1.0" encoding="utf-8"?>
+<p:sld xmlns:a="http://schemas.openxmlformats.org/drawingml/2006/main" xmlns:r="http://schemas.openxmlformats.org/officeDocument/2006/relationships" xmlns:p="http://schemas.openxmlformats.org/presentationml/2006/main">
+  <p:cSld>
+    <p:spTree>
+      <p:nvGrpSpPr>
+        <p:cNvPr id="1" name=""/>
+        <p:cNvGrpSpPr/>
+        <p:nvPr/>
+      </p:nvGrpSpPr>
+      <p:grpSpPr>
+        <a:xfrm>
+          <a:off x="0" y="0"/>
+          <a:ext cx="0" cy="0"/>
+          <a:chOff x="0" y="0"/>
+          <a:chExt cx="0" cy="0"/>
+        </a:xfrm>
+      </p:grpSpPr>
+      <p:sp>
+        <p:nvSpPr>
+          <p:cNvPr id="2" name="标题 1"/>
+          <p:cNvSpPr>
+            <a:spLocks noGrp="1"/>
+          </p:cNvSpPr>
+          <p:nvPr>
+            <p:ph type="ctrTitle"/>
+          </p:nvPr>
+        </p:nvSpPr>
+        <p:spPr>
+          <a:xfrm>
+            <a:off x="857732" y="2307200"/>
+            <a:ext cx="7203192" cy="1004461"/>
+          </a:xfrm>
+        </p:spPr>
+        <p:txBody>
+          <a:bodyPr/>
+          <a:lstStyle/>
+          <a:p>
+            <a:pPr>
+              <a:lnSpc>
+                <a:spcPct val="120000"/>
+              </a:lnSpc>
+            </a:pPr>
+            <a:r>
+              <a:rPr lang="en-US" altLang="zh-CN" sz="4000" dirty="0"/>
+              <a:t>4. </a:t>
+            </a:r>
+            <a:r>
+              <a:rPr lang="zh-CN" altLang="en-US" sz="4000" dirty="0"/>
+              <a:t>未来的改进</a:t>
+            </a:r>
+          </a:p>
+        </p:txBody>
+      </p:sp>
+    </p:spTree>
+    <p:custDataLst>
+      <p:tags r:id="rId1"/>
+    </p:custDataLst>
+    <p:extLst>
+      <p:ext uri="{BB962C8B-B14F-4D97-AF65-F5344CB8AC3E}">
+        <p14:creationId xmlns:p14="http://schemas.microsoft.com/office/powerpoint/2010/main" val="2921911432"/>
+      </p:ext>
+    </p:extLst>
+  </p:cSld>
+  <p:clrMapOvr>
+    <a:masterClrMapping/>
+  </p:clrMapOvr>
+  <mc:AlternateContent xmlns:mc="http://schemas.openxmlformats.org/markup-compatibility/2006" xmlns:p14="http://schemas.microsoft.com/office/powerpoint/2010/main">
+    <mc:Choice Requires="p14">
+      <p:transition spd="med" p14:dur="700">
+        <p:fade/>
+      </p:transition>
+    </mc:Choice>
+    <mc:Fallback xmlns="">
+      <p:transition spd="med">
+        <p:fade/>
+      </p:transition>
+    </mc:Fallback>
+  </mc:AlternateContent>
+</p:sld>
+</file>
+
+<file path=ppt/slides/slide27.xml><?xml version="1.0" encoding="utf-8"?>
+<p:sld xmlns:a="http://schemas.openxmlformats.org/drawingml/2006/main" xmlns:r="http://schemas.openxmlformats.org/officeDocument/2006/relationships" xmlns:p="http://schemas.openxmlformats.org/presentationml/2006/main">
+  <p:cSld>
+    <p:spTree>
+      <p:nvGrpSpPr>
+        <p:cNvPr id="1" name=""/>
+        <p:cNvGrpSpPr/>
+        <p:nvPr/>
+      </p:nvGrpSpPr>
+      <p:grpSpPr>
+        <a:xfrm>
+          <a:off x="0" y="0"/>
+          <a:ext cx="0" cy="0"/>
+          <a:chOff x="0" y="0"/>
+          <a:chExt cx="0" cy="0"/>
+        </a:xfrm>
+      </p:grpSpPr>
+      <p:sp>
+        <p:nvSpPr>
+          <p:cNvPr id="2" name="标题 1">
+            <a:extLst>
+              <a:ext uri="{FF2B5EF4-FFF2-40B4-BE49-F238E27FC236}">
+                <a16:creationId xmlns:a16="http://schemas.microsoft.com/office/drawing/2014/main" id="{5FD09BC6-2F8B-4F64-83E3-B17706C70C54}"/>
+              </a:ext>
+            </a:extLst>
+          </p:cNvPr>
+          <p:cNvSpPr>
+            <a:spLocks noGrp="1"/>
+          </p:cNvSpPr>
+          <p:nvPr>
+            <p:ph type="title"/>
+          </p:nvPr>
+        </p:nvSpPr>
+        <p:spPr/>
+        <p:txBody>
+          <a:bodyPr/>
+          <a:lstStyle/>
+          <a:p>
+            <a:endParaRPr lang="zh-CN" altLang="en-US"/>
+          </a:p>
+        </p:txBody>
+      </p:sp>
+      <p:sp>
+        <p:nvSpPr>
+          <p:cNvPr id="3" name="内容占位符 2">
+            <a:extLst>
+              <a:ext uri="{FF2B5EF4-FFF2-40B4-BE49-F238E27FC236}">
+                <a16:creationId xmlns:a16="http://schemas.microsoft.com/office/drawing/2014/main" id="{3409D983-9101-4097-BCA5-411EE84F60E4}"/>
+              </a:ext>
+            </a:extLst>
+          </p:cNvPr>
+          <p:cNvSpPr>
+            <a:spLocks noGrp="1"/>
+          </p:cNvSpPr>
+          <p:nvPr>
+            <p:ph idx="1"/>
+          </p:nvPr>
+        </p:nvSpPr>
+        <p:spPr/>
+        <p:txBody>
+          <a:bodyPr/>
+          <a:lstStyle/>
+          <a:p>
+            <a:endParaRPr lang="zh-CN" altLang="en-US"/>
+          </a:p>
+        </p:txBody>
+      </p:sp>
+    </p:spTree>
+    <p:extLst>
+      <p:ext uri="{BB962C8B-B14F-4D97-AF65-F5344CB8AC3E}">
+        <p14:creationId xmlns:p14="http://schemas.microsoft.com/office/powerpoint/2010/main" val="2870974327"/>
+      </p:ext>
+    </p:extLst>
+  </p:cSld>
+  <p:clrMapOvr>
+    <a:masterClrMapping/>
+  </p:clrMapOvr>
+  <mc:AlternateContent xmlns:mc="http://schemas.openxmlformats.org/markup-compatibility/2006" xmlns:p14="http://schemas.microsoft.com/office/powerpoint/2010/main">
+    <mc:Choice Requires="p14">
+      <p:transition spd="slow" p14:dur="800">
+        <p14:flythrough/>
+      </p:transition>
+    </mc:Choice>
+    <mc:Fallback xmlns="">
+      <p:transition spd="slow">
+        <p:fade/>
+      </p:transition>
+    </mc:Fallback>
+  </mc:AlternateContent>
+</p:sld>
+</file>
+
+<file path=ppt/slides/slide28.xml><?xml version="1.0" encoding="utf-8"?>
+<p:sld xmlns:a="http://schemas.openxmlformats.org/drawingml/2006/main" xmlns:r="http://schemas.openxmlformats.org/officeDocument/2006/relationships" xmlns:p="http://schemas.openxmlformats.org/presentationml/2006/main">
+  <p:cSld>
+    <p:spTree>
+      <p:nvGrpSpPr>
+        <p:cNvPr id="1" name=""/>
+        <p:cNvGrpSpPr/>
+        <p:nvPr/>
+      </p:nvGrpSpPr>
+      <p:grpSpPr>
+        <a:xfrm>
+          <a:off x="0" y="0"/>
+          <a:ext cx="0" cy="0"/>
+          <a:chOff x="0" y="0"/>
+          <a:chExt cx="0" cy="0"/>
+        </a:xfrm>
+      </p:grpSpPr>
+      <p:sp>
+        <p:nvSpPr>
+          <p:cNvPr id="2" name="标题 1"/>
+          <p:cNvSpPr>
+            <a:spLocks noGrp="1"/>
+          </p:cNvSpPr>
+          <p:nvPr>
+            <p:ph type="ctrTitle"/>
+          </p:nvPr>
+        </p:nvSpPr>
+        <p:spPr/>
+        <p:txBody>
+          <a:bodyPr/>
+          <a:lstStyle/>
+          <a:p>
+            <a:r>
+              <a:rPr lang="zh-CN" altLang="en-US" dirty="0"/>
+              <a:t>谢谢！</a:t>
+            </a:r>
+          </a:p>
+        </p:txBody>
+      </p:sp>
+      <p:sp>
+        <p:nvSpPr>
+          <p:cNvPr id="3" name="文本占位符 2"/>
+          <p:cNvSpPr>
+            <a:spLocks noGrp="1"/>
+          </p:cNvSpPr>
+          <p:nvPr>
+            <p:ph type="body" sz="quarter" idx="13"/>
+          </p:nvPr>
+        </p:nvSpPr>
+        <p:spPr/>
+        <p:txBody>
+          <a:bodyPr/>
+          <a:lstStyle/>
+          <a:p>
+            <a:r>
+              <a:rPr lang="zh-CN" altLang="en-US" dirty="0">
+                <a:solidFill>
+                  <a:schemeClr val="tx1"/>
+                </a:solidFill>
+              </a:rPr>
+              <a:t>计算机图形学第</a:t>
+            </a:r>
+            <a:r>
+              <a:rPr lang="en-US" altLang="zh-CN" dirty="0">
+                <a:solidFill>
+                  <a:schemeClr val="tx1"/>
+                </a:solidFill>
+              </a:rPr>
+              <a:t>19</a:t>
+            </a:r>
+            <a:r>
+              <a:rPr lang="zh-CN" altLang="en-US" dirty="0">
+                <a:solidFill>
+                  <a:schemeClr val="tx1"/>
+                </a:solidFill>
+              </a:rPr>
+              <a:t>组</a:t>
+            </a:r>
+          </a:p>
+        </p:txBody>
+      </p:sp>
+    </p:spTree>
+    <p:custDataLst>
+      <p:tags r:id="rId1"/>
+    </p:custDataLst>
+    <p:extLst>
+      <p:ext uri="{BB962C8B-B14F-4D97-AF65-F5344CB8AC3E}">
+        <p14:creationId xmlns:p14="http://schemas.microsoft.com/office/powerpoint/2010/main" val="1173846601"/>
+      </p:ext>
+    </p:extLst>
+  </p:cSld>
+  <p:clrMapOvr>
+    <a:masterClrMapping/>
+  </p:clrMapOvr>
+  <mc:AlternateContent xmlns:mc="http://schemas.openxmlformats.org/markup-compatibility/2006" xmlns:p14="http://schemas.microsoft.com/office/powerpoint/2010/main">
+    <mc:Choice Requires="p14">
+      <p:transition spd="med" p14:dur="700">
+        <p:fade/>
+      </p:transition>
+    </mc:Choice>
+    <mc:Fallback xmlns="">
+      <p:transition spd="med">
+        <p:fade/>
+      </p:transition>
+    </mc:Fallback>
+  </mc:AlternateContent>
+</p:sld>
+</file>
+
+<file path=ppt/slides/slide3.xml><?xml version="1.0" encoding="utf-8"?>
+<p:sld xmlns:a="http://schemas.openxmlformats.org/drawingml/2006/main" xmlns:r="http://schemas.openxmlformats.org/officeDocument/2006/relationships" xmlns:p="http://schemas.openxmlformats.org/presentationml/2006/main">
+  <p:cSld>
+    <p:spTree>
+      <p:nvGrpSpPr>
+        <p:cNvPr id="1" name=""/>
+        <p:cNvGrpSpPr/>
+        <p:nvPr/>
+      </p:nvGrpSpPr>
+      <p:grpSpPr>
+        <a:xfrm>
+          <a:off x="0" y="0"/>
+          <a:ext cx="0" cy="0"/>
+          <a:chOff x="0" y="0"/>
+          <a:chExt cx="0" cy="0"/>
+        </a:xfrm>
+      </p:grpSpPr>
+      <p:sp>
+        <p:nvSpPr>
+          <p:cNvPr id="2" name="标题 1"/>
+          <p:cNvSpPr>
+            <a:spLocks noGrp="1"/>
+          </p:cNvSpPr>
+          <p:nvPr>
+            <p:ph type="ctrTitle"/>
+          </p:nvPr>
+        </p:nvSpPr>
+        <p:spPr>
+          <a:xfrm>
+            <a:off x="857732" y="2307200"/>
+            <a:ext cx="7203192" cy="1004461"/>
+          </a:xfrm>
+        </p:spPr>
+        <p:txBody>
+          <a:bodyPr/>
+          <a:lstStyle/>
+          <a:p>
+            <a:pPr>
+              <a:lnSpc>
+                <a:spcPct val="120000"/>
+              </a:lnSpc>
+            </a:pPr>
+            <a:r>
+              <a:rPr lang="en-US" altLang="zh-CN" sz="4000" dirty="0"/>
+              <a:t>1. </a:t>
+            </a:r>
+            <a:r>
+              <a:rPr lang="zh-CN" altLang="en-US" sz="4000" dirty="0"/>
+              <a:t>作品概述与成员分工</a:t>
+            </a:r>
+          </a:p>
+        </p:txBody>
+      </p:sp>
+    </p:spTree>
+    <p:custDataLst>
+      <p:tags r:id="rId1"/>
+    </p:custDataLst>
+    <p:extLst>
+      <p:ext uri="{BB962C8B-B14F-4D97-AF65-F5344CB8AC3E}">
+        <p14:creationId xmlns:p14="http://schemas.microsoft.com/office/powerpoint/2010/main" val="3588747096"/>
+      </p:ext>
+    </p:extLst>
+  </p:cSld>
+  <p:clrMapOvr>
+    <a:masterClrMapping/>
+  </p:clrMapOvr>
+  <mc:AlternateContent xmlns:mc="http://schemas.openxmlformats.org/markup-compatibility/2006" xmlns:p14="http://schemas.microsoft.com/office/powerpoint/2010/main">
+    <mc:Choice Requires="p14">
+      <p:transition spd="med" p14:dur="700">
+        <p:fade/>
+      </p:transition>
+    </mc:Choice>
+    <mc:Fallback xmlns="">
+      <p:transition spd="med">
+        <p:fade/>
+      </p:transition>
+    </mc:Fallback>
+  </mc:AlternateContent>
+</p:sld>
+</file>
+
+<file path=ppt/slides/slide4.xml><?xml version="1.0" encoding="utf-8"?>
 <p:sld xmlns:a="http://schemas.openxmlformats.org/drawingml/2006/main" xmlns:r="http://schemas.openxmlformats.org/officeDocument/2006/relationships" xmlns:p="http://schemas.openxmlformats.org/presentationml/2006/main">
   <p:cSld>
     <p:spTree>
@@ -18224,11 +20287,8 @@
           <a:lstStyle/>
           <a:p>
             <a:r>
-              <a:rPr lang="en-US" altLang="zh-CN"/>
-              <a:t>9. </a:t>
-            </a:r>
-            <a:r>
-              <a:t>法线贴图</a:t>
+              <a:rPr lang="zh-CN" altLang="en-US" dirty="0"/>
+              <a:t>作品概述</a:t>
             </a:r>
           </a:p>
         </p:txBody>
@@ -18248,7 +20308,41 @@
           <a:bodyPr/>
           <a:lstStyle/>
           <a:p>
-            <a:endParaRPr lang="zh-CN" altLang="en-US"/>
+            <a:endParaRPr lang="en-US" altLang="zh-CN" dirty="0"/>
+          </a:p>
+          <a:p>
+            <a:r>
+              <a:rPr lang="zh-CN" altLang="en-US" dirty="0"/>
+              <a:t>户外射击游戏</a:t>
+            </a:r>
+            <a:endParaRPr lang="en-US" altLang="zh-CN" dirty="0"/>
+          </a:p>
+          <a:p>
+            <a:r>
+              <a:rPr lang="zh-CN" altLang="en-US" dirty="0"/>
+              <a:t>第一人称射击视角</a:t>
+            </a:r>
+            <a:endParaRPr lang="en-US" altLang="zh-CN" dirty="0"/>
+          </a:p>
+          <a:p>
+            <a:r>
+              <a:rPr lang="zh-CN" altLang="en-US" dirty="0"/>
+              <a:t>通过鼠标和键盘自由移动</a:t>
+            </a:r>
+            <a:endParaRPr lang="en-US" altLang="zh-CN" dirty="0"/>
+          </a:p>
+          <a:p>
+            <a:r>
+              <a:rPr lang="zh-CN" altLang="en-US" dirty="0"/>
+              <a:t>使用瞄准镜瞄准和射击</a:t>
+            </a:r>
+            <a:endParaRPr lang="en-US" altLang="zh-CN" dirty="0"/>
+          </a:p>
+          <a:p>
+            <a:r>
+              <a:rPr lang="zh-CN" altLang="en-US" dirty="0"/>
+              <a:t>击中靶子得分</a:t>
+            </a:r>
           </a:p>
         </p:txBody>
       </p:sp>
@@ -18260,10 +20354,251 @@
   <p:clrMapOvr>
     <a:masterClrMapping/>
   </p:clrMapOvr>
+  <mc:AlternateContent xmlns:mc="http://schemas.openxmlformats.org/markup-compatibility/2006" xmlns:p14="http://schemas.microsoft.com/office/powerpoint/2010/main">
+    <mc:Choice Requires="p14">
+      <p:transition spd="slow" p14:dur="800">
+        <p14:flythrough/>
+      </p:transition>
+    </mc:Choice>
+    <mc:Fallback xmlns="">
+      <p:transition spd="slow">
+        <p:fade/>
+      </p:transition>
+    </mc:Fallback>
+  </mc:AlternateContent>
 </p:sld>
 </file>
 
-<file path=ppt/slides/slide21.xml><?xml version="1.0" encoding="utf-8"?>
+<file path=ppt/slides/slide5.xml><?xml version="1.0" encoding="utf-8"?>
+<p:sld xmlns:a="http://schemas.openxmlformats.org/drawingml/2006/main" xmlns:r="http://schemas.openxmlformats.org/officeDocument/2006/relationships" xmlns:p="http://schemas.openxmlformats.org/presentationml/2006/main">
+  <p:cSld>
+    <p:spTree>
+      <p:nvGrpSpPr>
+        <p:cNvPr id="1" name=""/>
+        <p:cNvGrpSpPr/>
+        <p:nvPr/>
+      </p:nvGrpSpPr>
+      <p:grpSpPr>
+        <a:xfrm>
+          <a:off x="0" y="0"/>
+          <a:ext cx="0" cy="0"/>
+          <a:chOff x="0" y="0"/>
+          <a:chExt cx="0" cy="0"/>
+        </a:xfrm>
+      </p:grpSpPr>
+      <p:sp>
+        <p:nvSpPr>
+          <p:cNvPr id="2" name="标题 1">
+            <a:extLst>
+              <a:ext uri="{FF2B5EF4-FFF2-40B4-BE49-F238E27FC236}">
+                <a16:creationId xmlns:a16="http://schemas.microsoft.com/office/drawing/2014/main" id="{29F0ED99-4930-4FB3-941E-EBFE3340AF17}"/>
+              </a:ext>
+            </a:extLst>
+          </p:cNvPr>
+          <p:cNvSpPr>
+            <a:spLocks noGrp="1"/>
+          </p:cNvSpPr>
+          <p:nvPr>
+            <p:ph type="title"/>
+          </p:nvPr>
+        </p:nvSpPr>
+        <p:spPr/>
+        <p:txBody>
+          <a:bodyPr/>
+          <a:lstStyle/>
+          <a:p>
+            <a:r>
+              <a:rPr lang="zh-CN" altLang="en-US" dirty="0"/>
+              <a:t>成员分工</a:t>
+            </a:r>
+          </a:p>
+        </p:txBody>
+      </p:sp>
+      <p:sp>
+        <p:nvSpPr>
+          <p:cNvPr id="3" name="内容占位符 2">
+            <a:extLst>
+              <a:ext uri="{FF2B5EF4-FFF2-40B4-BE49-F238E27FC236}">
+                <a16:creationId xmlns:a16="http://schemas.microsoft.com/office/drawing/2014/main" id="{03E86EBE-D271-4981-A1AF-2896FCC8A8BE}"/>
+              </a:ext>
+            </a:extLst>
+          </p:cNvPr>
+          <p:cNvSpPr>
+            <a:spLocks noGrp="1"/>
+          </p:cNvSpPr>
+          <p:nvPr>
+            <p:ph idx="1"/>
+          </p:nvPr>
+        </p:nvSpPr>
+        <p:spPr/>
+        <p:txBody>
+          <a:bodyPr/>
+          <a:lstStyle/>
+          <a:p>
+            <a:endParaRPr lang="en-US" altLang="zh-CN" dirty="0"/>
+          </a:p>
+          <a:p>
+            <a:r>
+              <a:rPr lang="zh-CN" altLang="en-US" dirty="0"/>
+              <a:t>黄铸韬</a:t>
+            </a:r>
+            <a:endParaRPr lang="en-US" altLang="zh-CN" dirty="0"/>
+          </a:p>
+          <a:p>
+            <a:endParaRPr lang="en-US" altLang="zh-CN" dirty="0"/>
+          </a:p>
+          <a:p>
+            <a:r>
+              <a:rPr lang="zh-CN" altLang="en-US" dirty="0"/>
+              <a:t>江炎鸿</a:t>
+            </a:r>
+            <a:endParaRPr lang="en-US" altLang="zh-CN" dirty="0"/>
+          </a:p>
+          <a:p>
+            <a:endParaRPr lang="en-US" altLang="zh-CN" dirty="0"/>
+          </a:p>
+          <a:p>
+            <a:r>
+              <a:rPr lang="zh-CN" altLang="en-US" dirty="0"/>
+              <a:t>黎浩良：天空盒的实现与布置；全局光照和阴影效果，以及相应的改进如</a:t>
+            </a:r>
+            <a:r>
+              <a:rPr lang="en-US" altLang="zh-CN" dirty="0"/>
+              <a:t>PCF</a:t>
+            </a:r>
+            <a:r>
+              <a:rPr lang="zh-CN" altLang="en-US" dirty="0"/>
+              <a:t>，抗锯齿等；粒子系统以及粒子模拟效果。</a:t>
+            </a:r>
+            <a:endParaRPr lang="en-US" altLang="zh-CN" dirty="0"/>
+          </a:p>
+          <a:p>
+            <a:endParaRPr lang="en-US" altLang="zh-CN" dirty="0"/>
+          </a:p>
+          <a:p>
+            <a:r>
+              <a:rPr lang="zh-CN" altLang="en-US" dirty="0"/>
+              <a:t>黎汛言：基础</a:t>
+            </a:r>
+            <a:r>
+              <a:rPr lang="en-US" altLang="zh-CN" dirty="0" err="1"/>
+              <a:t>Phong</a:t>
+            </a:r>
+            <a:r>
+              <a:rPr lang="zh-CN" altLang="en-US" dirty="0"/>
+              <a:t>光照；阴影映射；实例化数组渲染；场景模型布置。</a:t>
+            </a:r>
+            <a:endParaRPr lang="en-US" altLang="zh-CN" dirty="0"/>
+          </a:p>
+        </p:txBody>
+      </p:sp>
+    </p:spTree>
+    <p:extLst>
+      <p:ext uri="{BB962C8B-B14F-4D97-AF65-F5344CB8AC3E}">
+        <p14:creationId xmlns:p14="http://schemas.microsoft.com/office/powerpoint/2010/main" val="4100734976"/>
+      </p:ext>
+    </p:extLst>
+  </p:cSld>
+  <p:clrMapOvr>
+    <a:masterClrMapping/>
+  </p:clrMapOvr>
+  <mc:AlternateContent xmlns:mc="http://schemas.openxmlformats.org/markup-compatibility/2006" xmlns:p14="http://schemas.microsoft.com/office/powerpoint/2010/main">
+    <mc:Choice Requires="p14">
+      <p:transition spd="med" p14:dur="700">
+        <p:fade/>
+      </p:transition>
+    </mc:Choice>
+    <mc:Fallback xmlns="">
+      <p:transition spd="med">
+        <p:fade/>
+      </p:transition>
+    </mc:Fallback>
+  </mc:AlternateContent>
+</p:sld>
+</file>
+
+<file path=ppt/slides/slide6.xml><?xml version="1.0" encoding="utf-8"?>
+<p:sld xmlns:a="http://schemas.openxmlformats.org/drawingml/2006/main" xmlns:r="http://schemas.openxmlformats.org/officeDocument/2006/relationships" xmlns:p="http://schemas.openxmlformats.org/presentationml/2006/main">
+  <p:cSld>
+    <p:spTree>
+      <p:nvGrpSpPr>
+        <p:cNvPr id="1" name=""/>
+        <p:cNvGrpSpPr/>
+        <p:nvPr/>
+      </p:nvGrpSpPr>
+      <p:grpSpPr>
+        <a:xfrm>
+          <a:off x="0" y="0"/>
+          <a:ext cx="0" cy="0"/>
+          <a:chOff x="0" y="0"/>
+          <a:chExt cx="0" cy="0"/>
+        </a:xfrm>
+      </p:grpSpPr>
+      <p:sp>
+        <p:nvSpPr>
+          <p:cNvPr id="2" name="标题 1"/>
+          <p:cNvSpPr>
+            <a:spLocks noGrp="1"/>
+          </p:cNvSpPr>
+          <p:nvPr>
+            <p:ph type="ctrTitle"/>
+          </p:nvPr>
+        </p:nvSpPr>
+        <p:spPr>
+          <a:xfrm>
+            <a:off x="857732" y="2307200"/>
+            <a:ext cx="7203192" cy="1004461"/>
+          </a:xfrm>
+        </p:spPr>
+        <p:txBody>
+          <a:bodyPr/>
+          <a:lstStyle/>
+          <a:p>
+            <a:pPr>
+              <a:lnSpc>
+                <a:spcPct val="120000"/>
+              </a:lnSpc>
+            </a:pPr>
+            <a:r>
+              <a:rPr lang="en-US" altLang="zh-CN" sz="4000" dirty="0"/>
+              <a:t>2. Basic</a:t>
+            </a:r>
+            <a:r>
+              <a:rPr lang="zh-CN" altLang="en-US" sz="4000" dirty="0"/>
+              <a:t>功能实现</a:t>
+            </a:r>
+          </a:p>
+        </p:txBody>
+      </p:sp>
+    </p:spTree>
+    <p:custDataLst>
+      <p:tags r:id="rId1"/>
+    </p:custDataLst>
+    <p:extLst>
+      <p:ext uri="{BB962C8B-B14F-4D97-AF65-F5344CB8AC3E}">
+        <p14:creationId xmlns:p14="http://schemas.microsoft.com/office/powerpoint/2010/main" val="1044972078"/>
+      </p:ext>
+    </p:extLst>
+  </p:cSld>
+  <p:clrMapOvr>
+    <a:masterClrMapping/>
+  </p:clrMapOvr>
+  <mc:AlternateContent xmlns:mc="http://schemas.openxmlformats.org/markup-compatibility/2006" xmlns:p14="http://schemas.microsoft.com/office/powerpoint/2010/main">
+    <mc:Choice Requires="p14">
+      <p:transition spd="med" p14:dur="700">
+        <p:fade/>
+      </p:transition>
+    </mc:Choice>
+    <mc:Fallback xmlns="">
+      <p:transition spd="med">
+        <p:fade/>
+      </p:transition>
+    </mc:Fallback>
+  </mc:AlternateContent>
+</p:sld>
+</file>
+
+<file path=ppt/slides/slide7.xml><?xml version="1.0" encoding="utf-8"?>
 <p:sld xmlns:a="http://schemas.openxmlformats.org/drawingml/2006/main" xmlns:r="http://schemas.openxmlformats.org/officeDocument/2006/relationships" xmlns:p="http://schemas.openxmlformats.org/presentationml/2006/main">
   <p:cSld>
     <p:spTree>
@@ -18296,83 +20631,68 @@
           <a:lstStyle/>
           <a:p>
             <a:r>
-              <a:rPr lang="en-US" altLang="zh-CN"/>
-              <a:t>10. </a:t>
+              <a:rPr lang="en-US" altLang="zh-CN" dirty="0"/>
+              <a:t>Basic</a:t>
             </a:r>
             <a:r>
-              <a:t>面剔除</a:t>
+              <a:rPr lang="zh-CN" altLang="en-US" dirty="0"/>
+              <a:t>功能预览</a:t>
             </a:r>
           </a:p>
         </p:txBody>
       </p:sp>
-      <p:pic>
-        <p:nvPicPr>
-          <p:cNvPr id="6" name="内容占位符 5"/>
-          <p:cNvPicPr>
-            <a:picLocks noGrp="1" noChangeAspect="1"/>
-          </p:cNvPicPr>
+      <p:sp>
+        <p:nvSpPr>
+          <p:cNvPr id="3" name="内容占位符 2"/>
+          <p:cNvSpPr>
+            <a:spLocks noGrp="1"/>
+          </p:cNvSpPr>
           <p:nvPr>
             <p:ph idx="1"/>
           </p:nvPr>
-        </p:nvPicPr>
-        <p:blipFill>
-          <a:blip r:embed="rId3"/>
-          <a:stretch>
-            <a:fillRect/>
-          </a:stretch>
-        </p:blipFill>
-        <p:spPr>
-          <a:xfrm>
-            <a:off x="6483350" y="2071370"/>
-            <a:ext cx="5038725" cy="2714625"/>
-          </a:xfrm>
-          <a:prstGeom prst="rect">
-            <a:avLst/>
-          </a:prstGeom>
-        </p:spPr>
-      </p:pic>
-      <p:sp>
-        <p:nvSpPr>
-          <p:cNvPr id="7" name="文本框 6"/>
-          <p:cNvSpPr txBox="1"/>
-          <p:nvPr/>
         </p:nvSpPr>
         <p:spPr>
           <a:xfrm>
-            <a:off x="669925" y="1352550"/>
-            <a:ext cx="5088890" cy="1198880"/>
+            <a:off x="669925" y="952500"/>
+            <a:ext cx="4927600" cy="5388610"/>
           </a:xfrm>
-          <a:prstGeom prst="rect">
-            <a:avLst/>
-          </a:prstGeom>
-          <a:noFill/>
         </p:spPr>
         <p:txBody>
-          <a:bodyPr wrap="square" rtlCol="0">
-            <a:spAutoFit/>
-          </a:bodyPr>
+          <a:bodyPr/>
           <a:lstStyle/>
           <a:p>
-            <a:pPr algn="l"/>
+            <a:endParaRPr lang="en-US" altLang="zh-CN" dirty="0"/>
+          </a:p>
+          <a:p>
             <a:r>
-              <a:rPr lang="zh-CN" altLang="en-US"/>
-              <a:t>定义每个面时，</a:t>
+              <a:rPr lang="en-US" altLang="zh-CN" dirty="0"/>
+              <a:t>1. Camera Roaming</a:t>
             </a:r>
+          </a:p>
+          <a:p>
             <a:r>
-              <a:rPr lang="zh-CN" altLang="en-US">
-                <a:sym typeface="+mn-ea"/>
-              </a:rPr>
-              <a:t>使用逆时针的顺序定义其顶点。</a:t>
+              <a:rPr lang="en-US" altLang="zh-CN" dirty="0"/>
+              <a:t>2. Texture Mapping</a:t>
             </a:r>
           </a:p>
           <a:p>
-            <a:pPr algn="l"/>
             <a:r>
-              <a:rPr lang="zh-CN" altLang="en-US">
-                <a:sym typeface="+mn-ea"/>
-              </a:rPr>
-              <a:t>使得从观察者的视角看，正面的三角形以逆时针的顺序渲染，而背面的三角形以顺时针的顺序渲染</a:t>
+              <a:rPr lang="en-US" altLang="zh-CN" dirty="0"/>
+              <a:t>3. Lighting</a:t>
             </a:r>
+          </a:p>
+          <a:p>
+            <a:r>
+              <a:rPr lang="en-US" altLang="zh-CN" dirty="0"/>
+              <a:t>4. Shadow Mapping</a:t>
+            </a:r>
+          </a:p>
+          <a:p>
+            <a:r>
+              <a:rPr lang="en-US" altLang="zh-CN" dirty="0"/>
+              <a:t>5. Model Import &amp; Mesh Viewing</a:t>
+            </a:r>
+            <a:endParaRPr dirty="0"/>
           </a:p>
         </p:txBody>
       </p:sp>
@@ -18384,10 +20704,22 @@
   <p:clrMapOvr>
     <a:masterClrMapping/>
   </p:clrMapOvr>
+  <mc:AlternateContent xmlns:mc="http://schemas.openxmlformats.org/markup-compatibility/2006" xmlns:p14="http://schemas.microsoft.com/office/powerpoint/2010/main">
+    <mc:Choice Requires="p14">
+      <p:transition spd="slow" p14:dur="800">
+        <p14:flythrough/>
+      </p:transition>
+    </mc:Choice>
+    <mc:Fallback xmlns="">
+      <p:transition spd="slow">
+        <p:fade/>
+      </p:transition>
+    </mc:Fallback>
+  </mc:AlternateContent>
 </p:sld>
 </file>
 
-<file path=ppt/slides/slide3.xml><?xml version="1.0" encoding="utf-8"?>
+<file path=ppt/slides/slide8.xml><?xml version="1.0" encoding="utf-8"?>
 <p:sld xmlns:a="http://schemas.openxmlformats.org/drawingml/2006/main" xmlns:r="http://schemas.openxmlformats.org/officeDocument/2006/relationships" xmlns:p="http://schemas.openxmlformats.org/presentationml/2006/main">
   <p:cSld>
     <p:spTree>
@@ -18420,81 +20752,29 @@
           <a:lstStyle/>
           <a:p>
             <a:r>
-              <a:rPr lang="zh-CN" altLang="en-US"/>
-              <a:t>功能预览</a:t>
+              <a:rPr lang="en-US" altLang="zh-CN"/>
+              <a:t>1. Camera Roaming</a:t>
             </a:r>
           </a:p>
         </p:txBody>
       </p:sp>
       <p:sp>
         <p:nvSpPr>
-          <p:cNvPr id="3" name="内容占位符 2"/>
-          <p:cNvSpPr>
-            <a:spLocks noGrp="1"/>
-          </p:cNvSpPr>
-          <p:nvPr>
-            <p:ph idx="1"/>
-          </p:nvPr>
-        </p:nvSpPr>
-        <p:spPr>
-          <a:xfrm>
-            <a:off x="669925" y="952500"/>
-            <a:ext cx="4927600" cy="5388610"/>
-          </a:xfrm>
-        </p:spPr>
-        <p:txBody>
-          <a:bodyPr/>
-          <a:lstStyle/>
-          <a:p>
-            <a:endParaRPr dirty="0"/>
-          </a:p>
-        </p:txBody>
-      </p:sp>
-      <p:cxnSp>
-        <p:nvCxnSpPr>
-          <p:cNvPr id="4" name="直接连接符 3"/>
-          <p:cNvCxnSpPr>
-            <a:stCxn id="2" idx="2"/>
-          </p:cNvCxnSpPr>
-          <p:nvPr/>
-        </p:nvCxnSpPr>
-        <p:spPr>
-          <a:xfrm flipH="1">
-            <a:off x="6066155" y="885190"/>
-            <a:ext cx="29845" cy="5532755"/>
-          </a:xfrm>
-          <a:prstGeom prst="line">
-            <a:avLst/>
-          </a:prstGeom>
-          <a:ln w="38100"/>
-          <a:effectLst/>
-        </p:spPr>
-        <p:style>
-          <a:lnRef idx="1">
-            <a:schemeClr val="accent1"/>
-          </a:lnRef>
-          <a:fillRef idx="0">
-            <a:schemeClr val="accent1"/>
-          </a:fillRef>
-          <a:effectRef idx="0">
-            <a:schemeClr val="accent1"/>
-          </a:effectRef>
-          <a:fontRef idx="minor">
-            <a:schemeClr val="tx1"/>
-          </a:fontRef>
-        </p:style>
-      </p:cxnSp>
-      <p:sp>
-        <p:nvSpPr>
-          <p:cNvPr id="6" name="内容占位符 2"/>
-          <p:cNvSpPr>
-            <a:spLocks noGrp="1"/>
+          <p:cNvPr id="4" name="内容占位符 2">
+            <a:extLst>
+              <a:ext uri="{FF2B5EF4-FFF2-40B4-BE49-F238E27FC236}">
+                <a16:creationId xmlns:a16="http://schemas.microsoft.com/office/drawing/2014/main" id="{052AA3D0-1D60-4705-A349-EE61EAFDC851}"/>
+              </a:ext>
+            </a:extLst>
+          </p:cNvPr>
+          <p:cNvSpPr txBox="1">
+            <a:spLocks/>
           </p:cNvSpPr>
           <p:nvPr/>
         </p:nvSpPr>
         <p:spPr>
           <a:xfrm>
-            <a:off x="6594475" y="952500"/>
+            <a:off x="669925" y="952500"/>
             <a:ext cx="4927600" cy="5388610"/>
           </a:xfrm>
           <a:prstGeom prst="rect">
@@ -18713,12 +20993,20 @@
             </a:lvl9pPr>
           </a:lstStyle>
           <a:p>
+            <a:endParaRPr lang="en-US" altLang="zh-CN" dirty="0"/>
+          </a:p>
+          <a:p>
             <a:r>
-              <a:rPr lang="en-US" altLang="zh-CN"/>
-              <a:t>Bonus</a:t>
+              <a:rPr lang="zh-CN" altLang="en-US" dirty="0"/>
+              <a:t>作品中使用了第一人称视角进行游戏，玩家可以通过键盘上的</a:t>
             </a:r>
             <a:r>
-              <a:t>功能</a:t>
+              <a:rPr lang="en-US" altLang="zh-CN" dirty="0"/>
+              <a:t>WSAD</a:t>
+            </a:r>
+            <a:r>
+              <a:rPr lang="zh-CN" altLang="en-US" dirty="0"/>
+              <a:t>和空格输入控制人物的前进、后退、左右移动以及跳跃动作。同时可以通过移动鼠标实现人物视角的旋转。</a:t>
             </a:r>
           </a:p>
         </p:txBody>
@@ -18731,73 +21019,22 @@
   <p:clrMapOvr>
     <a:masterClrMapping/>
   </p:clrMapOvr>
+  <mc:AlternateContent xmlns:mc="http://schemas.openxmlformats.org/markup-compatibility/2006" xmlns:p14="http://schemas.microsoft.com/office/powerpoint/2010/main">
+    <mc:Choice Requires="p14">
+      <p:transition spd="med" p14:dur="700">
+        <p:fade/>
+      </p:transition>
+    </mc:Choice>
+    <mc:Fallback xmlns="">
+      <p:transition spd="med">
+        <p:fade/>
+      </p:transition>
+    </mc:Fallback>
+  </mc:AlternateContent>
 </p:sld>
 </file>
 
-<file path=ppt/slides/slide4.xml><?xml version="1.0" encoding="utf-8"?>
-<p:sld xmlns:a="http://schemas.openxmlformats.org/drawingml/2006/main" xmlns:r="http://schemas.openxmlformats.org/officeDocument/2006/relationships" xmlns:p="http://schemas.openxmlformats.org/presentationml/2006/main">
-  <p:cSld>
-    <p:spTree>
-      <p:nvGrpSpPr>
-        <p:cNvPr id="1" name=""/>
-        <p:cNvGrpSpPr/>
-        <p:nvPr/>
-      </p:nvGrpSpPr>
-      <p:grpSpPr>
-        <a:xfrm>
-          <a:off x="0" y="0"/>
-          <a:ext cx="0" cy="0"/>
-          <a:chOff x="0" y="0"/>
-          <a:chExt cx="0" cy="0"/>
-        </a:xfrm>
-      </p:grpSpPr>
-      <p:sp>
-        <p:nvSpPr>
-          <p:cNvPr id="2" name="标题 1"/>
-          <p:cNvSpPr>
-            <a:spLocks noGrp="1"/>
-          </p:cNvSpPr>
-          <p:nvPr>
-            <p:ph type="title"/>
-          </p:nvPr>
-        </p:nvSpPr>
-        <p:spPr>
-          <a:xfrm>
-            <a:off x="2259330" y="3031490"/>
-            <a:ext cx="7673340" cy="795020"/>
-          </a:xfrm>
-        </p:spPr>
-        <p:txBody>
-          <a:bodyPr/>
-          <a:lstStyle/>
-          <a:p>
-            <a:r>
-              <a:rPr sz="4800"/>
-              <a:t>第一部分：</a:t>
-            </a:r>
-            <a:r>
-              <a:rPr lang="en-US" altLang="zh-CN" sz="4800"/>
-              <a:t>Basic</a:t>
-            </a:r>
-            <a:r>
-              <a:rPr sz="4800"/>
-              <a:t>功能实现</a:t>
-            </a:r>
-          </a:p>
-        </p:txBody>
-      </p:sp>
-    </p:spTree>
-    <p:custDataLst>
-      <p:tags r:id="rId1"/>
-    </p:custDataLst>
-  </p:cSld>
-  <p:clrMapOvr>
-    <a:masterClrMapping/>
-  </p:clrMapOvr>
-</p:sld>
-</file>
-
-<file path=ppt/slides/slide5.xml><?xml version="1.0" encoding="utf-8"?>
+<file path=ppt/slides/slide9.xml><?xml version="1.0" encoding="utf-8"?>
 <p:sld xmlns:a="http://schemas.openxmlformats.org/drawingml/2006/main" xmlns:r="http://schemas.openxmlformats.org/officeDocument/2006/relationships" xmlns:p="http://schemas.openxmlformats.org/presentationml/2006/main">
   <p:cSld>
     <p:spTree>
@@ -18830,92 +21067,8 @@
           <a:lstStyle/>
           <a:p>
             <a:r>
-              <a:rPr lang="en-US" altLang="zh-CN"/>
-              <a:t>1. Camera Roaming</a:t>
-            </a:r>
-          </a:p>
-        </p:txBody>
-      </p:sp>
-      <p:sp>
-        <p:nvSpPr>
-          <p:cNvPr id="3" name="内容占位符 2"/>
-          <p:cNvSpPr>
-            <a:spLocks noGrp="1"/>
-          </p:cNvSpPr>
-          <p:nvPr>
-            <p:ph idx="1"/>
-          </p:nvPr>
-        </p:nvSpPr>
-        <p:spPr>
-          <a:xfrm>
-            <a:off x="669925" y="1367790"/>
-            <a:ext cx="4396740" cy="4973320"/>
-          </a:xfrm>
-        </p:spPr>
-        <p:txBody>
-          <a:bodyPr/>
-          <a:lstStyle/>
-          <a:p>
-            <a:r>
-              <a:rPr lang="zh-CN" altLang="en-US"/>
-              <a:t>作品中使用了第一人称视角进行游戏，玩家可以通过键盘上的</a:t>
-            </a:r>
-            <a:r>
-              <a:rPr lang="en-US" altLang="zh-CN"/>
-              <a:t>WSAD</a:t>
-            </a:r>
-            <a:r>
-              <a:t>和空格输入控制人物的前进、后退、左右移动以及跳跃动作。同时可以通过移动鼠标实现人物视角的旋转。</a:t>
-            </a:r>
-          </a:p>
-        </p:txBody>
-      </p:sp>
-    </p:spTree>
-    <p:custDataLst>
-      <p:tags r:id="rId1"/>
-    </p:custDataLst>
-  </p:cSld>
-  <p:clrMapOvr>
-    <a:masterClrMapping/>
-  </p:clrMapOvr>
-</p:sld>
-</file>
-
-<file path=ppt/slides/slide6.xml><?xml version="1.0" encoding="utf-8"?>
-<p:sld xmlns:a="http://schemas.openxmlformats.org/drawingml/2006/main" xmlns:r="http://schemas.openxmlformats.org/officeDocument/2006/relationships" xmlns:p="http://schemas.openxmlformats.org/presentationml/2006/main">
-  <p:cSld>
-    <p:spTree>
-      <p:nvGrpSpPr>
-        <p:cNvPr id="1" name=""/>
-        <p:cNvGrpSpPr/>
-        <p:nvPr/>
-      </p:nvGrpSpPr>
-      <p:grpSpPr>
-        <a:xfrm>
-          <a:off x="0" y="0"/>
-          <a:ext cx="0" cy="0"/>
-          <a:chOff x="0" y="0"/>
-          <a:chExt cx="0" cy="0"/>
-        </a:xfrm>
-      </p:grpSpPr>
-      <p:sp>
-        <p:nvSpPr>
-          <p:cNvPr id="2" name="标题 1"/>
-          <p:cNvSpPr>
-            <a:spLocks noGrp="1"/>
-          </p:cNvSpPr>
-          <p:nvPr>
-            <p:ph type="title"/>
-          </p:nvPr>
-        </p:nvSpPr>
-        <p:spPr/>
-        <p:txBody>
-          <a:bodyPr/>
-          <a:lstStyle/>
-          <a:p>
-            <a:r>
-              <a:rPr lang="en-US" altLang="zh-CN"/>
-              <a:t>2. Texture mapping</a:t>
+              <a:rPr lang="en-US" altLang="zh-CN" dirty="0"/>
+              <a:t>2. Texture Mapping</a:t>
             </a:r>
           </a:p>
         </p:txBody>
@@ -18940,8 +21093,11 @@
           <a:bodyPr/>
           <a:lstStyle/>
           <a:p>
+            <a:endParaRPr lang="en-US" altLang="zh-CN" dirty="0"/>
+          </a:p>
+          <a:p>
             <a:r>
-              <a:rPr lang="zh-CN" altLang="en-US"/>
+              <a:rPr lang="zh-CN" altLang="en-US" dirty="0"/>
               <a:t>作品中的所有物体均使用了贴图。</a:t>
             </a:r>
           </a:p>
@@ -19191,251 +21347,18 @@
   <p:clrMapOvr>
     <a:masterClrMapping/>
   </p:clrMapOvr>
-</p:sld>
-</file>
-
-<file path=ppt/slides/slide7.xml><?xml version="1.0" encoding="utf-8"?>
-<p:sld xmlns:a="http://schemas.openxmlformats.org/drawingml/2006/main" xmlns:r="http://schemas.openxmlformats.org/officeDocument/2006/relationships" xmlns:p="http://schemas.openxmlformats.org/presentationml/2006/main">
-  <p:cSld>
-    <p:spTree>
-      <p:nvGrpSpPr>
-        <p:cNvPr id="1" name=""/>
-        <p:cNvGrpSpPr/>
-        <p:nvPr/>
-      </p:nvGrpSpPr>
-      <p:grpSpPr>
-        <a:xfrm>
-          <a:off x="0" y="0"/>
-          <a:ext cx="0" cy="0"/>
-          <a:chOff x="0" y="0"/>
-          <a:chExt cx="0" cy="0"/>
-        </a:xfrm>
-      </p:grpSpPr>
-      <p:sp>
-        <p:nvSpPr>
-          <p:cNvPr id="2" name="标题 1"/>
-          <p:cNvSpPr>
-            <a:spLocks noGrp="1"/>
-          </p:cNvSpPr>
-          <p:nvPr>
-            <p:ph type="title"/>
-          </p:nvPr>
-        </p:nvSpPr>
-        <p:spPr/>
-        <p:txBody>
-          <a:bodyPr/>
-          <a:lstStyle/>
-          <a:p>
-            <a:r>
-              <a:rPr lang="en-US" altLang="zh-CN"/>
-              <a:t>3. Lighting</a:t>
-            </a:r>
-          </a:p>
-        </p:txBody>
-      </p:sp>
-      <p:sp>
-        <p:nvSpPr>
-          <p:cNvPr id="3" name="内容占位符 2"/>
-          <p:cNvSpPr>
-            <a:spLocks noGrp="1"/>
-          </p:cNvSpPr>
-          <p:nvPr>
-            <p:ph idx="1"/>
-          </p:nvPr>
-        </p:nvSpPr>
-        <p:spPr>
-          <a:xfrm>
-            <a:off x="669925" y="952500"/>
-            <a:ext cx="5315585" cy="5388610"/>
-          </a:xfrm>
-        </p:spPr>
-        <p:txBody>
-          <a:bodyPr/>
-          <a:lstStyle/>
-          <a:p>
-            <a:r>
-              <a:rPr lang="zh-CN" altLang="en-US"/>
-              <a:t>作品实现了</a:t>
-            </a:r>
-            <a:r>
-              <a:rPr lang="en-US" altLang="zh-CN"/>
-              <a:t>Phong</a:t>
-            </a:r>
-            <a:r>
-              <a:t>光照模型</a:t>
-            </a:r>
-          </a:p>
-        </p:txBody>
-      </p:sp>
-    </p:spTree>
-    <p:custDataLst>
-      <p:tags r:id="rId1"/>
-    </p:custDataLst>
-  </p:cSld>
-  <p:clrMapOvr>
-    <a:masterClrMapping/>
-  </p:clrMapOvr>
-</p:sld>
-</file>
-
-<file path=ppt/slides/slide8.xml><?xml version="1.0" encoding="utf-8"?>
-<p:sld xmlns:a="http://schemas.openxmlformats.org/drawingml/2006/main" xmlns:r="http://schemas.openxmlformats.org/officeDocument/2006/relationships" xmlns:p="http://schemas.openxmlformats.org/presentationml/2006/main">
-  <p:cSld>
-    <p:spTree>
-      <p:nvGrpSpPr>
-        <p:cNvPr id="1" name=""/>
-        <p:cNvGrpSpPr/>
-        <p:nvPr/>
-      </p:nvGrpSpPr>
-      <p:grpSpPr>
-        <a:xfrm>
-          <a:off x="0" y="0"/>
-          <a:ext cx="0" cy="0"/>
-          <a:chOff x="0" y="0"/>
-          <a:chExt cx="0" cy="0"/>
-        </a:xfrm>
-      </p:grpSpPr>
-      <p:sp>
-        <p:nvSpPr>
-          <p:cNvPr id="2" name="标题 1"/>
-          <p:cNvSpPr>
-            <a:spLocks noGrp="1"/>
-          </p:cNvSpPr>
-          <p:nvPr>
-            <p:ph type="title"/>
-          </p:nvPr>
-        </p:nvSpPr>
-        <p:spPr/>
-        <p:txBody>
-          <a:bodyPr/>
-          <a:lstStyle/>
-          <a:p>
-            <a:r>
-              <a:rPr lang="en-US" altLang="zh-CN"/>
-              <a:t>4. Shadow mapping</a:t>
-            </a:r>
-          </a:p>
-        </p:txBody>
-      </p:sp>
-      <p:sp>
-        <p:nvSpPr>
-          <p:cNvPr id="3" name="内容占位符 2"/>
-          <p:cNvSpPr>
-            <a:spLocks noGrp="1"/>
-          </p:cNvSpPr>
-          <p:nvPr>
-            <p:ph idx="1"/>
-          </p:nvPr>
-        </p:nvSpPr>
-        <p:spPr>
-          <a:xfrm>
-            <a:off x="669925" y="952500"/>
-            <a:ext cx="5335270" cy="5388610"/>
-          </a:xfrm>
-        </p:spPr>
-        <p:txBody>
-          <a:bodyPr/>
-          <a:lstStyle/>
-          <a:p>
-            <a:r>
-              <a:rPr lang="zh-CN" altLang="en-US"/>
-              <a:t>作品实现了阴影贴图效果，并做出改进。</a:t>
-            </a:r>
-          </a:p>
-        </p:txBody>
-      </p:sp>
-    </p:spTree>
-    <p:custDataLst>
-      <p:tags r:id="rId1"/>
-    </p:custDataLst>
-  </p:cSld>
-  <p:clrMapOvr>
-    <a:masterClrMapping/>
-  </p:clrMapOvr>
-</p:sld>
-</file>
-
-<file path=ppt/slides/slide9.xml><?xml version="1.0" encoding="utf-8"?>
-<p:sld xmlns:a="http://schemas.openxmlformats.org/drawingml/2006/main" xmlns:r="http://schemas.openxmlformats.org/officeDocument/2006/relationships" xmlns:p="http://schemas.openxmlformats.org/presentationml/2006/main">
-  <p:cSld>
-    <p:spTree>
-      <p:nvGrpSpPr>
-        <p:cNvPr id="1" name=""/>
-        <p:cNvGrpSpPr/>
-        <p:nvPr/>
-      </p:nvGrpSpPr>
-      <p:grpSpPr>
-        <a:xfrm>
-          <a:off x="0" y="0"/>
-          <a:ext cx="0" cy="0"/>
-          <a:chOff x="0" y="0"/>
-          <a:chExt cx="0" cy="0"/>
-        </a:xfrm>
-      </p:grpSpPr>
-      <p:sp>
-        <p:nvSpPr>
-          <p:cNvPr id="2" name="标题 1"/>
-          <p:cNvSpPr>
-            <a:spLocks noGrp="1"/>
-          </p:cNvSpPr>
-          <p:nvPr>
-            <p:ph type="title"/>
-          </p:nvPr>
-        </p:nvSpPr>
-        <p:spPr/>
-        <p:txBody>
-          <a:bodyPr/>
-          <a:lstStyle/>
-          <a:p>
-            <a:r>
-              <a:rPr lang="en-US" altLang="zh-CN"/>
-              <a:t>5. Model loading &amp; Mesh</a:t>
-            </a:r>
-          </a:p>
-        </p:txBody>
-      </p:sp>
-      <p:sp>
-        <p:nvSpPr>
-          <p:cNvPr id="3" name="内容占位符 2"/>
-          <p:cNvSpPr>
-            <a:spLocks noGrp="1"/>
-          </p:cNvSpPr>
-          <p:nvPr>
-            <p:ph idx="1"/>
-          </p:nvPr>
-        </p:nvSpPr>
-        <p:spPr>
-          <a:xfrm>
-            <a:off x="669925" y="952500"/>
-            <a:ext cx="4830445" cy="5388610"/>
-          </a:xfrm>
-        </p:spPr>
-        <p:txBody>
-          <a:bodyPr/>
-          <a:lstStyle/>
-          <a:p>
-            <a:r>
-              <a:rPr lang="zh-CN" altLang="en-US"/>
-              <a:t>作品中主要使用</a:t>
-            </a:r>
-            <a:r>
-              <a:rPr lang="en-US" altLang="zh-CN"/>
-              <a:t>Assimp</a:t>
-            </a:r>
-            <a:r>
-              <a:t>库进行模型的加载</a:t>
-            </a:r>
-          </a:p>
-        </p:txBody>
-      </p:sp>
-    </p:spTree>
-    <p:custDataLst>
-      <p:tags r:id="rId1"/>
-    </p:custDataLst>
-  </p:cSld>
-  <p:clrMapOvr>
-    <a:masterClrMapping/>
-  </p:clrMapOvr>
+  <mc:AlternateContent xmlns:mc="http://schemas.openxmlformats.org/markup-compatibility/2006" xmlns:p14="http://schemas.microsoft.com/office/powerpoint/2010/main">
+    <mc:Choice Requires="p14">
+      <p:transition spd="med" p14:dur="700">
+        <p:fade/>
+      </p:transition>
+    </mc:Choice>
+    <mc:Fallback xmlns="">
+      <p:transition spd="med">
+        <p:fade/>
+      </p:transition>
+    </mc:Fallback>
+  </mc:AlternateContent>
 </p:sld>
 </file>
 
@@ -20361,57 +22284,160 @@
 
 <file path=ppt/tags/tag163.xml><?xml version="1.0" encoding="utf-8"?>
 <p:tagLst xmlns:a="http://schemas.openxmlformats.org/drawingml/2006/main" xmlns:r="http://schemas.openxmlformats.org/officeDocument/2006/relationships" xmlns:p="http://schemas.openxmlformats.org/presentationml/2006/main">
-  <p:tag name="KSO_WM_BEAUTIFY_FLAG" val="#wm#"/>
   <p:tag name="KSO_WM_TEMPLATE_CATEGORY" val="custom"/>
   <p:tag name="KSO_WM_TEMPLATE_INDEX" val="20191705"/>
+  <p:tag name="KSO_WM_UNIT_TYPE" val="m_h_i"/>
+  <p:tag name="KSO_WM_UNIT_INDEX" val="1_1_2"/>
+  <p:tag name="KSO_WM_UNIT_ID" val="custom20191705_6*m_h_i*1_1_2"/>
+  <p:tag name="KSO_WM_UNIT_LAYERLEVEL" val="1_1_1"/>
+  <p:tag name="KSO_WM_BEAUTIFY_FLAG" val="#wm#"/>
+  <p:tag name="KSO_WM_TAG_VERSION" val="1.0"/>
+  <p:tag name="KSO_WM_DIAGRAM_GROUP_CODE" val="m1-2"/>
+  <p:tag name="KSO_WM_UNIT_HIGHLIGHT" val="0"/>
+  <p:tag name="KSO_WM_UNIT_COMPATIBLE" val="0"/>
+  <p:tag name="KSO_WM_UNIT_DIAGRAM_ISNUMVISUAL" val="0"/>
+  <p:tag name="KSO_WM_UNIT_DIAGRAM_ISREFERUNIT" val="0"/>
+  <p:tag name="KSO_WM_UNIT_LINE_FORE_SCHEMECOLOR_INDEX" val="5"/>
+  <p:tag name="KSO_WM_UNIT_LINE_FILL_TYPE" val="2"/>
+  <p:tag name="KSO_WM_UNIT_USESOURCEFORMAT_APPLY" val="1"/>
 </p:tagLst>
 </file>
 
 <file path=ppt/tags/tag164.xml><?xml version="1.0" encoding="utf-8"?>
 <p:tagLst xmlns:a="http://schemas.openxmlformats.org/drawingml/2006/main" xmlns:r="http://schemas.openxmlformats.org/officeDocument/2006/relationships" xmlns:p="http://schemas.openxmlformats.org/presentationml/2006/main">
-  <p:tag name="KSO_WM_BEAUTIFY_FLAG" val="#wm#"/>
   <p:tag name="KSO_WM_TEMPLATE_CATEGORY" val="custom"/>
   <p:tag name="KSO_WM_TEMPLATE_INDEX" val="20191705"/>
+  <p:tag name="KSO_WM_UNIT_TYPE" val="m_h_a"/>
+  <p:tag name="KSO_WM_UNIT_INDEX" val="1_1_1"/>
+  <p:tag name="KSO_WM_UNIT_ID" val="custom20191705_6*m_h_a*1_1_1"/>
+  <p:tag name="KSO_WM_UNIT_LAYERLEVEL" val="1_1_1"/>
+  <p:tag name="KSO_WM_UNIT_VALUE" val="20"/>
+  <p:tag name="KSO_WM_UNIT_HIGHLIGHT" val="0"/>
+  <p:tag name="KSO_WM_UNIT_COMPATIBLE" val="0"/>
+  <p:tag name="KSO_WM_BEAUTIFY_FLAG" val="#wm#"/>
+  <p:tag name="KSO_WM_TAG_VERSION" val="1.0"/>
+  <p:tag name="KSO_WM_DIAGRAM_GROUP_CODE" val="m1-2"/>
+  <p:tag name="KSO_WM_UNIT_PRESET_TEXT" val="单击此处添加标题"/>
+  <p:tag name="KSO_WM_UNIT_ISCONTENTSTITLE" val="0"/>
+  <p:tag name="KSO_WM_UNIT_DIAGRAM_ISNUMVISUAL" val="0"/>
+  <p:tag name="KSO_WM_UNIT_DIAGRAM_ISREFERUNIT" val="0"/>
+  <p:tag name="KSO_WM_UNIT_NOCLEAR" val="0"/>
+  <p:tag name="KSO_WM_UNIT_TEXT_FILL_FORE_SCHEMECOLOR_INDEX" val="13"/>
+  <p:tag name="KSO_WM_UNIT_TEXT_FILL_TYPE" val="1"/>
+  <p:tag name="KSO_WM_UNIT_USESOURCEFORMAT_APPLY" val="1"/>
 </p:tagLst>
 </file>
 
 <file path=ppt/tags/tag165.xml><?xml version="1.0" encoding="utf-8"?>
 <p:tagLst xmlns:a="http://schemas.openxmlformats.org/drawingml/2006/main" xmlns:r="http://schemas.openxmlformats.org/officeDocument/2006/relationships" xmlns:p="http://schemas.openxmlformats.org/presentationml/2006/main">
-  <p:tag name="KSO_WM_BEAUTIFY_FLAG" val="#wm#"/>
   <p:tag name="KSO_WM_TEMPLATE_CATEGORY" val="custom"/>
   <p:tag name="KSO_WM_TEMPLATE_INDEX" val="20191705"/>
+  <p:tag name="KSO_WM_UNIT_TYPE" val="m_h_i"/>
+  <p:tag name="KSO_WM_UNIT_INDEX" val="1_1_1"/>
+  <p:tag name="KSO_WM_UNIT_ID" val="custom20191705_6*m_h_i*1_1_1"/>
+  <p:tag name="KSO_WM_UNIT_LAYERLEVEL" val="1_1_1"/>
+  <p:tag name="KSO_WM_BEAUTIFY_FLAG" val="#wm#"/>
+  <p:tag name="KSO_WM_TAG_VERSION" val="1.0"/>
+  <p:tag name="KSO_WM_DIAGRAM_GROUP_CODE" val="m1-2"/>
+  <p:tag name="KSO_WM_UNIT_HIGHLIGHT" val="0"/>
+  <p:tag name="KSO_WM_UNIT_COMPATIBLE" val="0"/>
+  <p:tag name="KSO_WM_UNIT_DIAGRAM_ISNUMVISUAL" val="0"/>
+  <p:tag name="KSO_WM_UNIT_DIAGRAM_ISREFERUNIT" val="0"/>
+  <p:tag name="KSO_WM_UNIT_LINE_FORE_SCHEMECOLOR_INDEX" val="5"/>
+  <p:tag name="KSO_WM_UNIT_LINE_FILL_TYPE" val="2"/>
+  <p:tag name="KSO_WM_UNIT_TEXT_FILL_FORE_SCHEMECOLOR_INDEX" val="5"/>
+  <p:tag name="KSO_WM_UNIT_TEXT_FILL_TYPE" val="1"/>
+  <p:tag name="KSO_WM_UNIT_USESOURCEFORMAT_APPLY" val="1"/>
 </p:tagLst>
 </file>
 
 <file path=ppt/tags/tag166.xml><?xml version="1.0" encoding="utf-8"?>
 <p:tagLst xmlns:a="http://schemas.openxmlformats.org/drawingml/2006/main" xmlns:r="http://schemas.openxmlformats.org/officeDocument/2006/relationships" xmlns:p="http://schemas.openxmlformats.org/presentationml/2006/main">
-  <p:tag name="KSO_WM_BEAUTIFY_FLAG" val="#wm#"/>
   <p:tag name="KSO_WM_TEMPLATE_CATEGORY" val="custom"/>
   <p:tag name="KSO_WM_TEMPLATE_INDEX" val="20191705"/>
+  <p:tag name="KSO_WM_UNIT_TYPE" val="m_h_i"/>
+  <p:tag name="KSO_WM_UNIT_INDEX" val="1_1_2"/>
+  <p:tag name="KSO_WM_UNIT_ID" val="custom20191705_6*m_h_i*1_1_2"/>
+  <p:tag name="KSO_WM_UNIT_LAYERLEVEL" val="1_1_1"/>
+  <p:tag name="KSO_WM_BEAUTIFY_FLAG" val="#wm#"/>
+  <p:tag name="KSO_WM_TAG_VERSION" val="1.0"/>
+  <p:tag name="KSO_WM_DIAGRAM_GROUP_CODE" val="m1-2"/>
+  <p:tag name="KSO_WM_UNIT_HIGHLIGHT" val="0"/>
+  <p:tag name="KSO_WM_UNIT_COMPATIBLE" val="0"/>
+  <p:tag name="KSO_WM_UNIT_DIAGRAM_ISNUMVISUAL" val="0"/>
+  <p:tag name="KSO_WM_UNIT_DIAGRAM_ISREFERUNIT" val="0"/>
+  <p:tag name="KSO_WM_UNIT_LINE_FORE_SCHEMECOLOR_INDEX" val="5"/>
+  <p:tag name="KSO_WM_UNIT_LINE_FILL_TYPE" val="2"/>
+  <p:tag name="KSO_WM_UNIT_USESOURCEFORMAT_APPLY" val="1"/>
 </p:tagLst>
 </file>
 
 <file path=ppt/tags/tag167.xml><?xml version="1.0" encoding="utf-8"?>
 <p:tagLst xmlns:a="http://schemas.openxmlformats.org/drawingml/2006/main" xmlns:r="http://schemas.openxmlformats.org/officeDocument/2006/relationships" xmlns:p="http://schemas.openxmlformats.org/presentationml/2006/main">
-  <p:tag name="KSO_WM_BEAUTIFY_FLAG" val="#wm#"/>
   <p:tag name="KSO_WM_TEMPLATE_CATEGORY" val="custom"/>
   <p:tag name="KSO_WM_TEMPLATE_INDEX" val="20191705"/>
+  <p:tag name="KSO_WM_UNIT_TYPE" val="m_h_a"/>
+  <p:tag name="KSO_WM_UNIT_INDEX" val="1_1_1"/>
+  <p:tag name="KSO_WM_UNIT_ID" val="custom20191705_6*m_h_a*1_1_1"/>
+  <p:tag name="KSO_WM_UNIT_LAYERLEVEL" val="1_1_1"/>
+  <p:tag name="KSO_WM_UNIT_VALUE" val="20"/>
+  <p:tag name="KSO_WM_UNIT_HIGHLIGHT" val="0"/>
+  <p:tag name="KSO_WM_UNIT_COMPATIBLE" val="0"/>
+  <p:tag name="KSO_WM_BEAUTIFY_FLAG" val="#wm#"/>
+  <p:tag name="KSO_WM_TAG_VERSION" val="1.0"/>
+  <p:tag name="KSO_WM_DIAGRAM_GROUP_CODE" val="m1-2"/>
+  <p:tag name="KSO_WM_UNIT_PRESET_TEXT" val="单击此处添加标题"/>
+  <p:tag name="KSO_WM_UNIT_ISCONTENTSTITLE" val="0"/>
+  <p:tag name="KSO_WM_UNIT_DIAGRAM_ISNUMVISUAL" val="0"/>
+  <p:tag name="KSO_WM_UNIT_DIAGRAM_ISREFERUNIT" val="0"/>
+  <p:tag name="KSO_WM_UNIT_NOCLEAR" val="0"/>
+  <p:tag name="KSO_WM_UNIT_TEXT_FILL_FORE_SCHEMECOLOR_INDEX" val="13"/>
+  <p:tag name="KSO_WM_UNIT_TEXT_FILL_TYPE" val="1"/>
+  <p:tag name="KSO_WM_UNIT_USESOURCEFORMAT_APPLY" val="1"/>
 </p:tagLst>
 </file>
 
 <file path=ppt/tags/tag168.xml><?xml version="1.0" encoding="utf-8"?>
 <p:tagLst xmlns:a="http://schemas.openxmlformats.org/drawingml/2006/main" xmlns:r="http://schemas.openxmlformats.org/officeDocument/2006/relationships" xmlns:p="http://schemas.openxmlformats.org/presentationml/2006/main">
-  <p:tag name="KSO_WM_BEAUTIFY_FLAG" val="#wm#"/>
   <p:tag name="KSO_WM_TEMPLATE_CATEGORY" val="custom"/>
   <p:tag name="KSO_WM_TEMPLATE_INDEX" val="20191705"/>
+  <p:tag name="KSO_WM_UNIT_TYPE" val="m_h_i"/>
+  <p:tag name="KSO_WM_UNIT_INDEX" val="1_1_1"/>
+  <p:tag name="KSO_WM_UNIT_ID" val="custom20191705_6*m_h_i*1_1_1"/>
+  <p:tag name="KSO_WM_UNIT_LAYERLEVEL" val="1_1_1"/>
+  <p:tag name="KSO_WM_BEAUTIFY_FLAG" val="#wm#"/>
+  <p:tag name="KSO_WM_TAG_VERSION" val="1.0"/>
+  <p:tag name="KSO_WM_DIAGRAM_GROUP_CODE" val="m1-2"/>
+  <p:tag name="KSO_WM_UNIT_HIGHLIGHT" val="0"/>
+  <p:tag name="KSO_WM_UNIT_COMPATIBLE" val="0"/>
+  <p:tag name="KSO_WM_UNIT_DIAGRAM_ISNUMVISUAL" val="0"/>
+  <p:tag name="KSO_WM_UNIT_DIAGRAM_ISREFERUNIT" val="0"/>
+  <p:tag name="KSO_WM_UNIT_LINE_FORE_SCHEMECOLOR_INDEX" val="5"/>
+  <p:tag name="KSO_WM_UNIT_LINE_FILL_TYPE" val="2"/>
+  <p:tag name="KSO_WM_UNIT_TEXT_FILL_FORE_SCHEMECOLOR_INDEX" val="5"/>
+  <p:tag name="KSO_WM_UNIT_TEXT_FILL_TYPE" val="1"/>
+  <p:tag name="KSO_WM_UNIT_USESOURCEFORMAT_APPLY" val="1"/>
 </p:tagLst>
 </file>
 
 <file path=ppt/tags/tag169.xml><?xml version="1.0" encoding="utf-8"?>
 <p:tagLst xmlns:a="http://schemas.openxmlformats.org/drawingml/2006/main" xmlns:r="http://schemas.openxmlformats.org/officeDocument/2006/relationships" xmlns:p="http://schemas.openxmlformats.org/presentationml/2006/main">
-  <p:tag name="KSO_WM_BEAUTIFY_FLAG" val="#wm#"/>
   <p:tag name="KSO_WM_TEMPLATE_CATEGORY" val="custom"/>
   <p:tag name="KSO_WM_TEMPLATE_INDEX" val="20191705"/>
+  <p:tag name="KSO_WM_UNIT_TYPE" val="m_h_i"/>
+  <p:tag name="KSO_WM_UNIT_INDEX" val="1_1_2"/>
+  <p:tag name="KSO_WM_UNIT_ID" val="custom20191705_6*m_h_i*1_1_2"/>
+  <p:tag name="KSO_WM_UNIT_LAYERLEVEL" val="1_1_1"/>
+  <p:tag name="KSO_WM_BEAUTIFY_FLAG" val="#wm#"/>
+  <p:tag name="KSO_WM_TAG_VERSION" val="1.0"/>
+  <p:tag name="KSO_WM_DIAGRAM_GROUP_CODE" val="m1-2"/>
+  <p:tag name="KSO_WM_UNIT_HIGHLIGHT" val="0"/>
+  <p:tag name="KSO_WM_UNIT_COMPATIBLE" val="0"/>
+  <p:tag name="KSO_WM_UNIT_DIAGRAM_ISNUMVISUAL" val="0"/>
+  <p:tag name="KSO_WM_UNIT_DIAGRAM_ISREFERUNIT" val="0"/>
+  <p:tag name="KSO_WM_UNIT_LINE_FORE_SCHEMECOLOR_INDEX" val="5"/>
+  <p:tag name="KSO_WM_UNIT_LINE_FILL_TYPE" val="2"/>
+  <p:tag name="KSO_WM_UNIT_USESOURCEFORMAT_APPLY" val="1"/>
 </p:tagLst>
 </file>
 
@@ -20430,41 +22456,118 @@
 
 <file path=ppt/tags/tag170.xml><?xml version="1.0" encoding="utf-8"?>
 <p:tagLst xmlns:a="http://schemas.openxmlformats.org/drawingml/2006/main" xmlns:r="http://schemas.openxmlformats.org/officeDocument/2006/relationships" xmlns:p="http://schemas.openxmlformats.org/presentationml/2006/main">
-  <p:tag name="KSO_WM_BEAUTIFY_FLAG" val="#wm#"/>
   <p:tag name="KSO_WM_TEMPLATE_CATEGORY" val="custom"/>
   <p:tag name="KSO_WM_TEMPLATE_INDEX" val="20191705"/>
+  <p:tag name="KSO_WM_UNIT_TYPE" val="m_h_a"/>
+  <p:tag name="KSO_WM_UNIT_INDEX" val="1_1_1"/>
+  <p:tag name="KSO_WM_UNIT_ID" val="custom20191705_6*m_h_a*1_1_1"/>
+  <p:tag name="KSO_WM_UNIT_LAYERLEVEL" val="1_1_1"/>
+  <p:tag name="KSO_WM_UNIT_VALUE" val="20"/>
+  <p:tag name="KSO_WM_UNIT_HIGHLIGHT" val="0"/>
+  <p:tag name="KSO_WM_UNIT_COMPATIBLE" val="0"/>
+  <p:tag name="KSO_WM_BEAUTIFY_FLAG" val="#wm#"/>
+  <p:tag name="KSO_WM_TAG_VERSION" val="1.0"/>
+  <p:tag name="KSO_WM_DIAGRAM_GROUP_CODE" val="m1-2"/>
+  <p:tag name="KSO_WM_UNIT_PRESET_TEXT" val="单击此处添加标题"/>
+  <p:tag name="KSO_WM_UNIT_ISCONTENTSTITLE" val="0"/>
+  <p:tag name="KSO_WM_UNIT_DIAGRAM_ISNUMVISUAL" val="0"/>
+  <p:tag name="KSO_WM_UNIT_DIAGRAM_ISREFERUNIT" val="0"/>
+  <p:tag name="KSO_WM_UNIT_NOCLEAR" val="0"/>
+  <p:tag name="KSO_WM_UNIT_TEXT_FILL_FORE_SCHEMECOLOR_INDEX" val="13"/>
+  <p:tag name="KSO_WM_UNIT_TEXT_FILL_TYPE" val="1"/>
+  <p:tag name="KSO_WM_UNIT_USESOURCEFORMAT_APPLY" val="1"/>
 </p:tagLst>
 </file>
 
 <file path=ppt/tags/tag171.xml><?xml version="1.0" encoding="utf-8"?>
 <p:tagLst xmlns:a="http://schemas.openxmlformats.org/drawingml/2006/main" xmlns:r="http://schemas.openxmlformats.org/officeDocument/2006/relationships" xmlns:p="http://schemas.openxmlformats.org/presentationml/2006/main">
-  <p:tag name="KSO_WM_BEAUTIFY_FLAG" val="#wm#"/>
   <p:tag name="KSO_WM_TEMPLATE_CATEGORY" val="custom"/>
   <p:tag name="KSO_WM_TEMPLATE_INDEX" val="20191705"/>
+  <p:tag name="KSO_WM_UNIT_TYPE" val="m_h_i"/>
+  <p:tag name="KSO_WM_UNIT_INDEX" val="1_1_1"/>
+  <p:tag name="KSO_WM_UNIT_ID" val="custom20191705_6*m_h_i*1_1_1"/>
+  <p:tag name="KSO_WM_UNIT_LAYERLEVEL" val="1_1_1"/>
+  <p:tag name="KSO_WM_BEAUTIFY_FLAG" val="#wm#"/>
+  <p:tag name="KSO_WM_TAG_VERSION" val="1.0"/>
+  <p:tag name="KSO_WM_DIAGRAM_GROUP_CODE" val="m1-2"/>
+  <p:tag name="KSO_WM_UNIT_HIGHLIGHT" val="0"/>
+  <p:tag name="KSO_WM_UNIT_COMPATIBLE" val="0"/>
+  <p:tag name="KSO_WM_UNIT_DIAGRAM_ISNUMVISUAL" val="0"/>
+  <p:tag name="KSO_WM_UNIT_DIAGRAM_ISREFERUNIT" val="0"/>
+  <p:tag name="KSO_WM_UNIT_LINE_FORE_SCHEMECOLOR_INDEX" val="5"/>
+  <p:tag name="KSO_WM_UNIT_LINE_FILL_TYPE" val="2"/>
+  <p:tag name="KSO_WM_UNIT_TEXT_FILL_FORE_SCHEMECOLOR_INDEX" val="5"/>
+  <p:tag name="KSO_WM_UNIT_TEXT_FILL_TYPE" val="1"/>
+  <p:tag name="KSO_WM_UNIT_USESOURCEFORMAT_APPLY" val="1"/>
 </p:tagLst>
 </file>
 
 <file path=ppt/tags/tag172.xml><?xml version="1.0" encoding="utf-8"?>
 <p:tagLst xmlns:a="http://schemas.openxmlformats.org/drawingml/2006/main" xmlns:r="http://schemas.openxmlformats.org/officeDocument/2006/relationships" xmlns:p="http://schemas.openxmlformats.org/presentationml/2006/main">
-  <p:tag name="KSO_WM_BEAUTIFY_FLAG" val="#wm#"/>
   <p:tag name="KSO_WM_TEMPLATE_CATEGORY" val="custom"/>
   <p:tag name="KSO_WM_TEMPLATE_INDEX" val="20191705"/>
+  <p:tag name="KSO_WM_UNIT_TYPE" val="m_h_i"/>
+  <p:tag name="KSO_WM_UNIT_INDEX" val="1_1_2"/>
+  <p:tag name="KSO_WM_UNIT_ID" val="custom20191705_6*m_h_i*1_1_2"/>
+  <p:tag name="KSO_WM_UNIT_LAYERLEVEL" val="1_1_1"/>
+  <p:tag name="KSO_WM_BEAUTIFY_FLAG" val="#wm#"/>
+  <p:tag name="KSO_WM_TAG_VERSION" val="1.0"/>
+  <p:tag name="KSO_WM_DIAGRAM_GROUP_CODE" val="m1-2"/>
+  <p:tag name="KSO_WM_UNIT_HIGHLIGHT" val="0"/>
+  <p:tag name="KSO_WM_UNIT_COMPATIBLE" val="0"/>
+  <p:tag name="KSO_WM_UNIT_DIAGRAM_ISNUMVISUAL" val="0"/>
+  <p:tag name="KSO_WM_UNIT_DIAGRAM_ISREFERUNIT" val="0"/>
+  <p:tag name="KSO_WM_UNIT_LINE_FORE_SCHEMECOLOR_INDEX" val="5"/>
+  <p:tag name="KSO_WM_UNIT_LINE_FILL_TYPE" val="2"/>
+  <p:tag name="KSO_WM_UNIT_USESOURCEFORMAT_APPLY" val="1"/>
 </p:tagLst>
 </file>
 
 <file path=ppt/tags/tag173.xml><?xml version="1.0" encoding="utf-8"?>
 <p:tagLst xmlns:a="http://schemas.openxmlformats.org/drawingml/2006/main" xmlns:r="http://schemas.openxmlformats.org/officeDocument/2006/relationships" xmlns:p="http://schemas.openxmlformats.org/presentationml/2006/main">
-  <p:tag name="KSO_WM_BEAUTIFY_FLAG" val="#wm#"/>
   <p:tag name="KSO_WM_TEMPLATE_CATEGORY" val="custom"/>
   <p:tag name="KSO_WM_TEMPLATE_INDEX" val="20191705"/>
+  <p:tag name="KSO_WM_UNIT_TYPE" val="m_h_i"/>
+  <p:tag name="KSO_WM_UNIT_INDEX" val="1_1_1"/>
+  <p:tag name="KSO_WM_UNIT_ID" val="custom20191705_6*m_h_i*1_1_1"/>
+  <p:tag name="KSO_WM_UNIT_LAYERLEVEL" val="1_1_1"/>
+  <p:tag name="KSO_WM_BEAUTIFY_FLAG" val="#wm#"/>
+  <p:tag name="KSO_WM_TAG_VERSION" val="1.0"/>
+  <p:tag name="KSO_WM_DIAGRAM_GROUP_CODE" val="m1-2"/>
+  <p:tag name="KSO_WM_UNIT_HIGHLIGHT" val="0"/>
+  <p:tag name="KSO_WM_UNIT_COMPATIBLE" val="0"/>
+  <p:tag name="KSO_WM_UNIT_DIAGRAM_ISNUMVISUAL" val="0"/>
+  <p:tag name="KSO_WM_UNIT_DIAGRAM_ISREFERUNIT" val="0"/>
+  <p:tag name="KSO_WM_UNIT_LINE_FORE_SCHEMECOLOR_INDEX" val="5"/>
+  <p:tag name="KSO_WM_UNIT_LINE_FILL_TYPE" val="2"/>
+  <p:tag name="KSO_WM_UNIT_TEXT_FILL_FORE_SCHEMECOLOR_INDEX" val="5"/>
+  <p:tag name="KSO_WM_UNIT_TEXT_FILL_TYPE" val="1"/>
+  <p:tag name="KSO_WM_UNIT_USESOURCEFORMAT_APPLY" val="1"/>
 </p:tagLst>
 </file>
 
 <file path=ppt/tags/tag174.xml><?xml version="1.0" encoding="utf-8"?>
 <p:tagLst xmlns:a="http://schemas.openxmlformats.org/drawingml/2006/main" xmlns:r="http://schemas.openxmlformats.org/officeDocument/2006/relationships" xmlns:p="http://schemas.openxmlformats.org/presentationml/2006/main">
-  <p:tag name="KSO_WM_BEAUTIFY_FLAG" val="#wm#"/>
   <p:tag name="KSO_WM_TEMPLATE_CATEGORY" val="custom"/>
   <p:tag name="KSO_WM_TEMPLATE_INDEX" val="20191705"/>
+  <p:tag name="KSO_WM_UNIT_TYPE" val="m_h_a"/>
+  <p:tag name="KSO_WM_UNIT_INDEX" val="1_1_1"/>
+  <p:tag name="KSO_WM_UNIT_ID" val="custom20191705_6*m_h_a*1_1_1"/>
+  <p:tag name="KSO_WM_UNIT_LAYERLEVEL" val="1_1_1"/>
+  <p:tag name="KSO_WM_UNIT_VALUE" val="20"/>
+  <p:tag name="KSO_WM_UNIT_HIGHLIGHT" val="0"/>
+  <p:tag name="KSO_WM_UNIT_COMPATIBLE" val="0"/>
+  <p:tag name="KSO_WM_BEAUTIFY_FLAG" val="#wm#"/>
+  <p:tag name="KSO_WM_TAG_VERSION" val="1.0"/>
+  <p:tag name="KSO_WM_DIAGRAM_GROUP_CODE" val="m1-2"/>
+  <p:tag name="KSO_WM_UNIT_PRESET_TEXT" val="单击此处添加标题"/>
+  <p:tag name="KSO_WM_UNIT_ISCONTENTSTITLE" val="0"/>
+  <p:tag name="KSO_WM_UNIT_DIAGRAM_ISNUMVISUAL" val="0"/>
+  <p:tag name="KSO_WM_UNIT_DIAGRAM_ISREFERUNIT" val="0"/>
+  <p:tag name="KSO_WM_UNIT_NOCLEAR" val="0"/>
+  <p:tag name="KSO_WM_UNIT_TEXT_FILL_FORE_SCHEMECOLOR_INDEX" val="13"/>
+  <p:tag name="KSO_WM_UNIT_TEXT_FILL_TYPE" val="1"/>
+  <p:tag name="KSO_WM_UNIT_USESOURCEFORMAT_APPLY" val="1"/>
 </p:tagLst>
 </file>
 
@@ -20545,6 +22648,62 @@
 </p:tagLst>
 </file>
 
+<file path=ppt/tags/tag183.xml><?xml version="1.0" encoding="utf-8"?>
+<p:tagLst xmlns:a="http://schemas.openxmlformats.org/drawingml/2006/main" xmlns:r="http://schemas.openxmlformats.org/officeDocument/2006/relationships" xmlns:p="http://schemas.openxmlformats.org/presentationml/2006/main">
+  <p:tag name="KSO_WM_BEAUTIFY_FLAG" val="#wm#"/>
+  <p:tag name="KSO_WM_TEMPLATE_CATEGORY" val="custom"/>
+  <p:tag name="KSO_WM_TEMPLATE_INDEX" val="20191705"/>
+</p:tagLst>
+</file>
+
+<file path=ppt/tags/tag184.xml><?xml version="1.0" encoding="utf-8"?>
+<p:tagLst xmlns:a="http://schemas.openxmlformats.org/drawingml/2006/main" xmlns:r="http://schemas.openxmlformats.org/officeDocument/2006/relationships" xmlns:p="http://schemas.openxmlformats.org/presentationml/2006/main">
+  <p:tag name="KSO_WM_BEAUTIFY_FLAG" val="#wm#"/>
+  <p:tag name="KSO_WM_TEMPLATE_CATEGORY" val="custom"/>
+  <p:tag name="KSO_WM_TEMPLATE_INDEX" val="20191705"/>
+</p:tagLst>
+</file>
+
+<file path=ppt/tags/tag185.xml><?xml version="1.0" encoding="utf-8"?>
+<p:tagLst xmlns:a="http://schemas.openxmlformats.org/drawingml/2006/main" xmlns:r="http://schemas.openxmlformats.org/officeDocument/2006/relationships" xmlns:p="http://schemas.openxmlformats.org/presentationml/2006/main">
+  <p:tag name="KSO_WM_BEAUTIFY_FLAG" val="#wm#"/>
+  <p:tag name="KSO_WM_TEMPLATE_CATEGORY" val="custom"/>
+  <p:tag name="KSO_WM_TEMPLATE_INDEX" val="20191705"/>
+</p:tagLst>
+</file>
+
+<file path=ppt/tags/tag186.xml><?xml version="1.0" encoding="utf-8"?>
+<p:tagLst xmlns:a="http://schemas.openxmlformats.org/drawingml/2006/main" xmlns:r="http://schemas.openxmlformats.org/officeDocument/2006/relationships" xmlns:p="http://schemas.openxmlformats.org/presentationml/2006/main">
+  <p:tag name="KSO_WM_BEAUTIFY_FLAG" val="#wm#"/>
+  <p:tag name="KSO_WM_TEMPLATE_CATEGORY" val="custom"/>
+  <p:tag name="KSO_WM_TEMPLATE_INDEX" val="20191705"/>
+</p:tagLst>
+</file>
+
+<file path=ppt/tags/tag187.xml><?xml version="1.0" encoding="utf-8"?>
+<p:tagLst xmlns:a="http://schemas.openxmlformats.org/drawingml/2006/main" xmlns:r="http://schemas.openxmlformats.org/officeDocument/2006/relationships" xmlns:p="http://schemas.openxmlformats.org/presentationml/2006/main">
+  <p:tag name="KSO_WM_BEAUTIFY_FLAG" val="#wm#"/>
+  <p:tag name="KSO_WM_TEMPLATE_CATEGORY" val="custom"/>
+  <p:tag name="KSO_WM_TEMPLATE_INDEX" val="20191705"/>
+</p:tagLst>
+</file>
+
+<file path=ppt/tags/tag188.xml><?xml version="1.0" encoding="utf-8"?>
+<p:tagLst xmlns:a="http://schemas.openxmlformats.org/drawingml/2006/main" xmlns:r="http://schemas.openxmlformats.org/officeDocument/2006/relationships" xmlns:p="http://schemas.openxmlformats.org/presentationml/2006/main">
+  <p:tag name="KSO_WM_BEAUTIFY_FLAG" val="#wm#"/>
+  <p:tag name="KSO_WM_TEMPLATE_CATEGORY" val="custom"/>
+  <p:tag name="KSO_WM_TEMPLATE_INDEX" val="20191705"/>
+</p:tagLst>
+</file>
+
+<file path=ppt/tags/tag189.xml><?xml version="1.0" encoding="utf-8"?>
+<p:tagLst xmlns:a="http://schemas.openxmlformats.org/drawingml/2006/main" xmlns:r="http://schemas.openxmlformats.org/officeDocument/2006/relationships" xmlns:p="http://schemas.openxmlformats.org/presentationml/2006/main">
+  <p:tag name="KSO_WM_BEAUTIFY_FLAG" val="#wm#"/>
+  <p:tag name="KSO_WM_TEMPLATE_CATEGORY" val="custom"/>
+  <p:tag name="KSO_WM_TEMPLATE_INDEX" val="20191705"/>
+</p:tagLst>
+</file>
+
 <file path=ppt/tags/tag19.xml><?xml version="1.0" encoding="utf-8"?>
 <p:tagLst xmlns:a="http://schemas.openxmlformats.org/drawingml/2006/main" xmlns:r="http://schemas.openxmlformats.org/officeDocument/2006/relationships" xmlns:p="http://schemas.openxmlformats.org/presentationml/2006/main">
   <p:tag name="KSO_WM_UNIT_HIGHLIGHT" val="0"/>
@@ -20555,6 +22714,78 @@
   <p:tag name="KSO_WM_UNIT_LAYERLEVEL" val="1"/>
   <p:tag name="KSO_WM_TAG_VERSION" val="1.0"/>
   <p:tag name="KSO_WM_BEAUTIFY_FLAG" val="#wm#"/>
+</p:tagLst>
+</file>
+
+<file path=ppt/tags/tag190.xml><?xml version="1.0" encoding="utf-8"?>
+<p:tagLst xmlns:a="http://schemas.openxmlformats.org/drawingml/2006/main" xmlns:r="http://schemas.openxmlformats.org/officeDocument/2006/relationships" xmlns:p="http://schemas.openxmlformats.org/presentationml/2006/main">
+  <p:tag name="KSO_WM_BEAUTIFY_FLAG" val="#wm#"/>
+  <p:tag name="KSO_WM_TEMPLATE_CATEGORY" val="custom"/>
+  <p:tag name="KSO_WM_TEMPLATE_INDEX" val="20191705"/>
+</p:tagLst>
+</file>
+
+<file path=ppt/tags/tag191.xml><?xml version="1.0" encoding="utf-8"?>
+<p:tagLst xmlns:a="http://schemas.openxmlformats.org/drawingml/2006/main" xmlns:r="http://schemas.openxmlformats.org/officeDocument/2006/relationships" xmlns:p="http://schemas.openxmlformats.org/presentationml/2006/main">
+  <p:tag name="KSO_WM_BEAUTIFY_FLAG" val="#wm#"/>
+  <p:tag name="KSO_WM_TEMPLATE_CATEGORY" val="custom"/>
+  <p:tag name="KSO_WM_TEMPLATE_INDEX" val="20191705"/>
+</p:tagLst>
+</file>
+
+<file path=ppt/tags/tag192.xml><?xml version="1.0" encoding="utf-8"?>
+<p:tagLst xmlns:a="http://schemas.openxmlformats.org/drawingml/2006/main" xmlns:r="http://schemas.openxmlformats.org/officeDocument/2006/relationships" xmlns:p="http://schemas.openxmlformats.org/presentationml/2006/main">
+  <p:tag name="KSO_WM_BEAUTIFY_FLAG" val="#wm#"/>
+  <p:tag name="KSO_WM_TEMPLATE_CATEGORY" val="custom"/>
+  <p:tag name="KSO_WM_TEMPLATE_INDEX" val="20191705"/>
+</p:tagLst>
+</file>
+
+<file path=ppt/tags/tag193.xml><?xml version="1.0" encoding="utf-8"?>
+<p:tagLst xmlns:a="http://schemas.openxmlformats.org/drawingml/2006/main" xmlns:r="http://schemas.openxmlformats.org/officeDocument/2006/relationships" xmlns:p="http://schemas.openxmlformats.org/presentationml/2006/main">
+  <p:tag name="KSO_WM_BEAUTIFY_FLAG" val="#wm#"/>
+  <p:tag name="KSO_WM_TEMPLATE_CATEGORY" val="custom"/>
+  <p:tag name="KSO_WM_TEMPLATE_INDEX" val="20191705"/>
+</p:tagLst>
+</file>
+
+<file path=ppt/tags/tag194.xml><?xml version="1.0" encoding="utf-8"?>
+<p:tagLst xmlns:a="http://schemas.openxmlformats.org/drawingml/2006/main" xmlns:r="http://schemas.openxmlformats.org/officeDocument/2006/relationships" xmlns:p="http://schemas.openxmlformats.org/presentationml/2006/main">
+  <p:tag name="KSO_WM_BEAUTIFY_FLAG" val="#wm#"/>
+  <p:tag name="KSO_WM_TEMPLATE_CATEGORY" val="custom"/>
+  <p:tag name="KSO_WM_TEMPLATE_INDEX" val="20191705"/>
+</p:tagLst>
+</file>
+
+<file path=ppt/tags/tag195.xml><?xml version="1.0" encoding="utf-8"?>
+<p:tagLst xmlns:a="http://schemas.openxmlformats.org/drawingml/2006/main" xmlns:r="http://schemas.openxmlformats.org/officeDocument/2006/relationships" xmlns:p="http://schemas.openxmlformats.org/presentationml/2006/main">
+  <p:tag name="KSO_WM_BEAUTIFY_FLAG" val="#wm#"/>
+  <p:tag name="KSO_WM_TEMPLATE_CATEGORY" val="custom"/>
+  <p:tag name="KSO_WM_TEMPLATE_INDEX" val="20191705"/>
+</p:tagLst>
+</file>
+
+<file path=ppt/tags/tag196.xml><?xml version="1.0" encoding="utf-8"?>
+<p:tagLst xmlns:a="http://schemas.openxmlformats.org/drawingml/2006/main" xmlns:r="http://schemas.openxmlformats.org/officeDocument/2006/relationships" xmlns:p="http://schemas.openxmlformats.org/presentationml/2006/main">
+  <p:tag name="KSO_WM_BEAUTIFY_FLAG" val="#wm#"/>
+  <p:tag name="KSO_WM_TEMPLATE_CATEGORY" val="custom"/>
+  <p:tag name="KSO_WM_TEMPLATE_INDEX" val="20191705"/>
+</p:tagLst>
+</file>
+
+<file path=ppt/tags/tag197.xml><?xml version="1.0" encoding="utf-8"?>
+<p:tagLst xmlns:a="http://schemas.openxmlformats.org/drawingml/2006/main" xmlns:r="http://schemas.openxmlformats.org/officeDocument/2006/relationships" xmlns:p="http://schemas.openxmlformats.org/presentationml/2006/main">
+  <p:tag name="KSO_WM_BEAUTIFY_FLAG" val="#wm#"/>
+  <p:tag name="KSO_WM_TEMPLATE_CATEGORY" val="custom"/>
+  <p:tag name="KSO_WM_TEMPLATE_INDEX" val="20191705"/>
+</p:tagLst>
+</file>
+
+<file path=ppt/tags/tag198.xml><?xml version="1.0" encoding="utf-8"?>
+<p:tagLst xmlns:a="http://schemas.openxmlformats.org/drawingml/2006/main" xmlns:r="http://schemas.openxmlformats.org/officeDocument/2006/relationships" xmlns:p="http://schemas.openxmlformats.org/presentationml/2006/main">
+  <p:tag name="KSO_WM_BEAUTIFY_FLAG" val="#wm#"/>
+  <p:tag name="KSO_WM_TEMPLATE_CATEGORY" val="custom"/>
+  <p:tag name="KSO_WM_TEMPLATE_INDEX" val="20191705"/>
 </p:tagLst>
 </file>
 

--- a/CG_final.pptx
+++ b/CG_final.pptx
@@ -5,40 +5,40 @@
     <p:sldMasterId id="2147483648" r:id="rId1"/>
   </p:sldMasterIdLst>
   <p:notesMasterIdLst>
-    <p:notesMasterId r:id="rId30"/>
+    <p:notesMasterId r:id="rId31"/>
   </p:notesMasterIdLst>
   <p:handoutMasterIdLst>
-    <p:handoutMasterId r:id="rId31"/>
+    <p:handoutMasterId r:id="rId32"/>
   </p:handoutMasterIdLst>
   <p:sldIdLst>
-    <p:sldId id="271" r:id="rId2"/>
-    <p:sldId id="301" r:id="rId3"/>
-    <p:sldId id="302" r:id="rId4"/>
-    <p:sldId id="272" r:id="rId5"/>
-    <p:sldId id="307" r:id="rId6"/>
-    <p:sldId id="303" r:id="rId7"/>
-    <p:sldId id="273" r:id="rId8"/>
-    <p:sldId id="277" r:id="rId9"/>
-    <p:sldId id="285" r:id="rId10"/>
-    <p:sldId id="278" r:id="rId11"/>
-    <p:sldId id="279" r:id="rId12"/>
-    <p:sldId id="286" r:id="rId13"/>
-    <p:sldId id="304" r:id="rId14"/>
-    <p:sldId id="306" r:id="rId15"/>
-    <p:sldId id="275" r:id="rId16"/>
-    <p:sldId id="281" r:id="rId17"/>
-    <p:sldId id="300" r:id="rId18"/>
-    <p:sldId id="280" r:id="rId19"/>
-    <p:sldId id="283" r:id="rId20"/>
-    <p:sldId id="284" r:id="rId21"/>
-    <p:sldId id="287" r:id="rId22"/>
-    <p:sldId id="288" r:id="rId23"/>
-    <p:sldId id="289" r:id="rId24"/>
-    <p:sldId id="290" r:id="rId25"/>
-    <p:sldId id="299" r:id="rId26"/>
-    <p:sldId id="305" r:id="rId27"/>
-    <p:sldId id="308" r:id="rId28"/>
-    <p:sldId id="309" r:id="rId29"/>
+    <p:sldId id="271" r:id="rId3"/>
+    <p:sldId id="301" r:id="rId4"/>
+    <p:sldId id="302" r:id="rId5"/>
+    <p:sldId id="272" r:id="rId6"/>
+    <p:sldId id="307" r:id="rId7"/>
+    <p:sldId id="303" r:id="rId8"/>
+    <p:sldId id="273" r:id="rId9"/>
+    <p:sldId id="277" r:id="rId10"/>
+    <p:sldId id="285" r:id="rId11"/>
+    <p:sldId id="278" r:id="rId12"/>
+    <p:sldId id="279" r:id="rId13"/>
+    <p:sldId id="286" r:id="rId14"/>
+    <p:sldId id="304" r:id="rId15"/>
+    <p:sldId id="306" r:id="rId16"/>
+    <p:sldId id="275" r:id="rId17"/>
+    <p:sldId id="281" r:id="rId18"/>
+    <p:sldId id="300" r:id="rId19"/>
+    <p:sldId id="280" r:id="rId20"/>
+    <p:sldId id="283" r:id="rId21"/>
+    <p:sldId id="284" r:id="rId22"/>
+    <p:sldId id="287" r:id="rId23"/>
+    <p:sldId id="288" r:id="rId24"/>
+    <p:sldId id="289" r:id="rId25"/>
+    <p:sldId id="290" r:id="rId26"/>
+    <p:sldId id="299" r:id="rId27"/>
+    <p:sldId id="305" r:id="rId28"/>
+    <p:sldId id="308" r:id="rId29"/>
+    <p:sldId id="309" r:id="rId30"/>
   </p:sldIdLst>
   <p:sldSz cx="12192000" cy="6858000"/>
   <p:notesSz cx="6858000" cy="9144000"/>
@@ -137,11 +137,6 @@
       </a:defRPr>
     </a:lvl9pPr>
   </p:defaultTextStyle>
-  <p:extLst>
-    <p:ext uri="{EFAFB233-063F-42B5-8137-9DF3F51BA10A}">
-      <p15:sldGuideLst xmlns:p15="http://schemas.microsoft.com/office/powerpoint/2012/main"/>
-    </p:ext>
-  </p:extLst>
 </p:presentation>
 </file>
 
@@ -233,7 +228,6 @@
                 <a:latin typeface="微软雅黑" panose="020B0503020204020204" charset="-122"/>
                 <a:ea typeface="微软雅黑" panose="020B0503020204020204" charset="-122"/>
               </a:rPr>
-              <a:t>2019/6/23</a:t>
             </a:fld>
             <a:endParaRPr lang="zh-CN" altLang="en-US">
               <a:latin typeface="微软雅黑" panose="020B0503020204020204" charset="-122"/>
@@ -308,7 +302,6 @@
                 <a:latin typeface="微软雅黑" panose="020B0503020204020204" charset="-122"/>
                 <a:ea typeface="微软雅黑" panose="020B0503020204020204" charset="-122"/>
               </a:rPr>
-              <a:t>‹#›</a:t>
             </a:fld>
             <a:endParaRPr lang="zh-CN" altLang="en-US">
               <a:latin typeface="微软雅黑" panose="020B0503020204020204" charset="-122"/>
@@ -411,7 +404,6 @@
           <a:p>
             <a:fld id="{1AC49D05-6128-4D0D-A32A-06A5E73B386C}" type="datetimeFigureOut">
               <a:rPr lang="zh-CN" altLang="en-US" smtClean="0"/>
-              <a:t>2019/6/23</a:t>
             </a:fld>
             <a:endParaRPr lang="zh-CN" altLang="en-US"/>
           </a:p>
@@ -478,6 +470,7 @@
               <a:rPr lang="zh-CN" altLang="en-US"/>
               <a:t>单击此处编辑母版文本样式</a:t>
             </a:r>
+            <a:endParaRPr lang="zh-CN" altLang="en-US"/>
           </a:p>
           <a:p>
             <a:pPr lvl="1"/>
@@ -485,6 +478,7 @@
               <a:rPr lang="zh-CN" altLang="en-US"/>
               <a:t>第二级</a:t>
             </a:r>
+            <a:endParaRPr lang="zh-CN" altLang="en-US"/>
           </a:p>
           <a:p>
             <a:pPr lvl="2"/>
@@ -492,6 +486,7 @@
               <a:rPr lang="zh-CN" altLang="en-US"/>
               <a:t>第三级</a:t>
             </a:r>
+            <a:endParaRPr lang="zh-CN" altLang="en-US"/>
           </a:p>
           <a:p>
             <a:pPr lvl="3"/>
@@ -499,6 +494,7 @@
               <a:rPr lang="zh-CN" altLang="en-US"/>
               <a:t>第四级</a:t>
             </a:r>
+            <a:endParaRPr lang="zh-CN" altLang="en-US"/>
           </a:p>
           <a:p>
             <a:pPr lvl="4"/>
@@ -506,6 +502,7 @@
               <a:rPr lang="zh-CN" altLang="en-US"/>
               <a:t>第五级</a:t>
             </a:r>
+            <a:endParaRPr lang="zh-CN" altLang="en-US"/>
           </a:p>
         </p:txBody>
       </p:sp>
@@ -575,7 +572,6 @@
           <a:p>
             <a:fld id="{5849F42C-2DAE-424C-A4B8-3140182C3E9F}" type="slidenum">
               <a:rPr lang="zh-CN" altLang="en-US" smtClean="0"/>
-              <a:t>‹#›</a:t>
             </a:fld>
             <a:endParaRPr lang="zh-CN" altLang="en-US"/>
           </a:p>
@@ -702,7 +698,7 @@
           <p:cNvGrpSpPr/>
           <p:nvPr>
             <p:custDataLst>
-              <p:tags r:id="rId1"/>
+              <p:tags r:id="rId2"/>
             </p:custDataLst>
           </p:nvPr>
         </p:nvGrpSpPr>
@@ -722,12 +718,12 @@
             </p:cNvPicPr>
             <p:nvPr>
               <p:custDataLst>
-                <p:tags r:id="rId24"/>
+                <p:tags r:id="rId3"/>
               </p:custDataLst>
             </p:nvPr>
           </p:nvPicPr>
           <p:blipFill>
-            <a:blip r:embed="rId35" cstate="screen"/>
+            <a:blip r:embed="rId4" cstate="screen"/>
             <a:srcRect/>
             <a:stretch>
               <a:fillRect/>
@@ -794,12 +790,12 @@
             </p:cNvPicPr>
             <p:nvPr>
               <p:custDataLst>
-                <p:tags r:id="rId25"/>
+                <p:tags r:id="rId5"/>
               </p:custDataLst>
             </p:nvPr>
           </p:nvPicPr>
           <p:blipFill>
-            <a:blip r:embed="rId36" cstate="screen"/>
+            <a:blip r:embed="rId6" cstate="screen"/>
             <a:srcRect/>
             <a:stretch>
               <a:fillRect/>
@@ -866,12 +862,12 @@
             </p:cNvPicPr>
             <p:nvPr>
               <p:custDataLst>
-                <p:tags r:id="rId26"/>
+                <p:tags r:id="rId7"/>
               </p:custDataLst>
             </p:nvPr>
           </p:nvPicPr>
           <p:blipFill>
-            <a:blip r:embed="rId37" cstate="screen"/>
+            <a:blip r:embed="rId8" cstate="screen"/>
             <a:srcRect/>
             <a:stretch>
               <a:fillRect/>
@@ -938,12 +934,12 @@
             </p:cNvPicPr>
             <p:nvPr>
               <p:custDataLst>
-                <p:tags r:id="rId27"/>
+                <p:tags r:id="rId9"/>
               </p:custDataLst>
             </p:nvPr>
           </p:nvPicPr>
           <p:blipFill>
-            <a:blip r:embed="rId38" cstate="screen"/>
+            <a:blip r:embed="rId10" cstate="screen"/>
             <a:srcRect/>
             <a:stretch>
               <a:fillRect/>
@@ -1010,12 +1006,12 @@
             </p:cNvPicPr>
             <p:nvPr>
               <p:custDataLst>
-                <p:tags r:id="rId28"/>
+                <p:tags r:id="rId11"/>
               </p:custDataLst>
             </p:nvPr>
           </p:nvPicPr>
           <p:blipFill>
-            <a:blip r:embed="rId39" cstate="screen"/>
+            <a:blip r:embed="rId12" cstate="screen"/>
             <a:srcRect/>
             <a:stretch>
               <a:fillRect/>
@@ -1082,12 +1078,12 @@
             </p:cNvPicPr>
             <p:nvPr>
               <p:custDataLst>
-                <p:tags r:id="rId29"/>
+                <p:tags r:id="rId13"/>
               </p:custDataLst>
             </p:nvPr>
           </p:nvPicPr>
           <p:blipFill>
-            <a:blip r:embed="rId40" cstate="screen"/>
+            <a:blip r:embed="rId14" cstate="screen"/>
             <a:srcRect/>
             <a:stretch>
               <a:fillRect/>
@@ -1154,12 +1150,12 @@
             </p:cNvPicPr>
             <p:nvPr>
               <p:custDataLst>
-                <p:tags r:id="rId30"/>
+                <p:tags r:id="rId15"/>
               </p:custDataLst>
             </p:nvPr>
           </p:nvPicPr>
           <p:blipFill>
-            <a:blip r:embed="rId41" cstate="screen"/>
+            <a:blip r:embed="rId16" cstate="screen"/>
             <a:srcRect/>
             <a:stretch>
               <a:fillRect/>
@@ -1226,12 +1222,12 @@
             </p:cNvPicPr>
             <p:nvPr>
               <p:custDataLst>
-                <p:tags r:id="rId31"/>
+                <p:tags r:id="rId17"/>
               </p:custDataLst>
             </p:nvPr>
           </p:nvPicPr>
           <p:blipFill>
-            <a:blip r:embed="rId42" cstate="screen"/>
+            <a:blip r:embed="rId18" cstate="screen"/>
             <a:srcRect/>
             <a:stretch>
               <a:fillRect/>
@@ -1298,12 +1294,12 @@
             </p:cNvPicPr>
             <p:nvPr>
               <p:custDataLst>
-                <p:tags r:id="rId32"/>
+                <p:tags r:id="rId19"/>
               </p:custDataLst>
             </p:nvPr>
           </p:nvPicPr>
           <p:blipFill>
-            <a:blip r:embed="rId43" cstate="screen"/>
+            <a:blip r:embed="rId20" cstate="screen"/>
             <a:srcRect/>
             <a:stretch>
               <a:fillRect/>
@@ -1370,12 +1366,12 @@
             </p:cNvPicPr>
             <p:nvPr>
               <p:custDataLst>
-                <p:tags r:id="rId33"/>
+                <p:tags r:id="rId21"/>
               </p:custDataLst>
             </p:nvPr>
           </p:nvPicPr>
           <p:blipFill>
-            <a:blip r:embed="rId44" cstate="screen"/>
+            <a:blip r:embed="rId22" cstate="screen"/>
             <a:srcRect/>
             <a:stretch>
               <a:fillRect/>
@@ -1441,7 +1437,7 @@
           <p:cNvGrpSpPr/>
           <p:nvPr>
             <p:custDataLst>
-              <p:tags r:id="rId2"/>
+              <p:tags r:id="rId23"/>
             </p:custDataLst>
           </p:nvPr>
         </p:nvGrpSpPr>
@@ -1461,12 +1457,12 @@
             </p:cNvPicPr>
             <p:nvPr>
               <p:custDataLst>
-                <p:tags r:id="rId9"/>
+                <p:tags r:id="rId24"/>
               </p:custDataLst>
             </p:nvPr>
           </p:nvPicPr>
           <p:blipFill>
-            <a:blip r:embed="rId45" cstate="screen"/>
+            <a:blip r:embed="rId25" cstate="screen"/>
             <a:srcRect/>
             <a:stretch>
               <a:fillRect/>
@@ -1533,12 +1529,12 @@
             </p:cNvPicPr>
             <p:nvPr>
               <p:custDataLst>
-                <p:tags r:id="rId10"/>
+                <p:tags r:id="rId26"/>
               </p:custDataLst>
             </p:nvPr>
           </p:nvPicPr>
           <p:blipFill>
-            <a:blip r:embed="rId46" cstate="screen"/>
+            <a:blip r:embed="rId27" cstate="screen"/>
             <a:srcRect/>
             <a:stretch>
               <a:fillRect/>
@@ -1605,12 +1601,12 @@
             </p:cNvPicPr>
             <p:nvPr>
               <p:custDataLst>
-                <p:tags r:id="rId11"/>
+                <p:tags r:id="rId28"/>
               </p:custDataLst>
             </p:nvPr>
           </p:nvPicPr>
           <p:blipFill>
-            <a:blip r:embed="rId47" cstate="screen"/>
+            <a:blip r:embed="rId29" cstate="screen"/>
             <a:srcRect/>
             <a:stretch>
               <a:fillRect/>
@@ -1677,12 +1673,12 @@
             </p:cNvPicPr>
             <p:nvPr>
               <p:custDataLst>
-                <p:tags r:id="rId12"/>
+                <p:tags r:id="rId30"/>
               </p:custDataLst>
             </p:nvPr>
           </p:nvPicPr>
           <p:blipFill>
-            <a:blip r:embed="rId48" cstate="screen"/>
+            <a:blip r:embed="rId31" cstate="screen"/>
             <a:srcRect/>
             <a:stretch>
               <a:fillRect/>
@@ -1749,12 +1745,12 @@
             </p:cNvPicPr>
             <p:nvPr>
               <p:custDataLst>
-                <p:tags r:id="rId13"/>
+                <p:tags r:id="rId32"/>
               </p:custDataLst>
             </p:nvPr>
           </p:nvPicPr>
           <p:blipFill>
-            <a:blip r:embed="rId49" cstate="screen"/>
+            <a:blip r:embed="rId33" cstate="screen"/>
             <a:srcRect/>
             <a:stretch>
               <a:fillRect/>
@@ -1837,12 +1833,12 @@
             </p:cNvPicPr>
             <p:nvPr>
               <p:custDataLst>
-                <p:tags r:id="rId14"/>
+                <p:tags r:id="rId34"/>
               </p:custDataLst>
             </p:nvPr>
           </p:nvPicPr>
           <p:blipFill>
-            <a:blip r:embed="rId50" cstate="screen"/>
+            <a:blip r:embed="rId35" cstate="screen"/>
             <a:srcRect/>
             <a:stretch>
               <a:fillRect/>
@@ -1925,12 +1921,12 @@
             </p:cNvPicPr>
             <p:nvPr>
               <p:custDataLst>
-                <p:tags r:id="rId15"/>
+                <p:tags r:id="rId36"/>
               </p:custDataLst>
             </p:nvPr>
           </p:nvPicPr>
           <p:blipFill>
-            <a:blip r:embed="rId51" cstate="screen"/>
+            <a:blip r:embed="rId37" cstate="screen"/>
             <a:srcRect/>
             <a:stretch>
               <a:fillRect/>
@@ -2029,12 +2025,12 @@
             </p:cNvPicPr>
             <p:nvPr>
               <p:custDataLst>
-                <p:tags r:id="rId16"/>
+                <p:tags r:id="rId38"/>
               </p:custDataLst>
             </p:nvPr>
           </p:nvPicPr>
           <p:blipFill>
-            <a:blip r:embed="rId52" cstate="screen"/>
+            <a:blip r:embed="rId39" cstate="screen"/>
             <a:srcRect/>
             <a:stretch>
               <a:fillRect/>
@@ -2101,12 +2097,12 @@
             </p:cNvPicPr>
             <p:nvPr>
               <p:custDataLst>
-                <p:tags r:id="rId17"/>
+                <p:tags r:id="rId40"/>
               </p:custDataLst>
             </p:nvPr>
           </p:nvPicPr>
           <p:blipFill>
-            <a:blip r:embed="rId53" cstate="screen"/>
+            <a:blip r:embed="rId41" cstate="screen"/>
             <a:srcRect/>
             <a:stretch>
               <a:fillRect/>
@@ -2173,12 +2169,12 @@
             </p:cNvPicPr>
             <p:nvPr>
               <p:custDataLst>
-                <p:tags r:id="rId18"/>
+                <p:tags r:id="rId42"/>
               </p:custDataLst>
             </p:nvPr>
           </p:nvPicPr>
           <p:blipFill>
-            <a:blip r:embed="rId54" cstate="screen"/>
+            <a:blip r:embed="rId43" cstate="screen"/>
             <a:srcRect/>
             <a:stretch>
               <a:fillRect/>
@@ -2245,12 +2241,12 @@
             </p:cNvPicPr>
             <p:nvPr>
               <p:custDataLst>
-                <p:tags r:id="rId19"/>
+                <p:tags r:id="rId44"/>
               </p:custDataLst>
             </p:nvPr>
           </p:nvPicPr>
           <p:blipFill>
-            <a:blip r:embed="rId55" cstate="screen"/>
+            <a:blip r:embed="rId45" cstate="screen"/>
             <a:srcRect/>
             <a:stretch>
               <a:fillRect/>
@@ -2317,12 +2313,12 @@
             </p:cNvPicPr>
             <p:nvPr>
               <p:custDataLst>
-                <p:tags r:id="rId20"/>
+                <p:tags r:id="rId46"/>
               </p:custDataLst>
             </p:nvPr>
           </p:nvPicPr>
           <p:blipFill>
-            <a:blip r:embed="rId56" cstate="screen"/>
+            <a:blip r:embed="rId47" cstate="screen"/>
             <a:srcRect/>
             <a:stretch>
               <a:fillRect/>
@@ -2389,12 +2385,12 @@
             </p:cNvPicPr>
             <p:nvPr>
               <p:custDataLst>
-                <p:tags r:id="rId21"/>
+                <p:tags r:id="rId48"/>
               </p:custDataLst>
             </p:nvPr>
           </p:nvPicPr>
           <p:blipFill>
-            <a:blip r:embed="rId57" cstate="screen"/>
+            <a:blip r:embed="rId49" cstate="screen"/>
             <a:srcRect/>
             <a:stretch>
               <a:fillRect/>
@@ -2461,12 +2457,12 @@
             </p:cNvPicPr>
             <p:nvPr>
               <p:custDataLst>
-                <p:tags r:id="rId22"/>
+                <p:tags r:id="rId50"/>
               </p:custDataLst>
             </p:nvPr>
           </p:nvPicPr>
           <p:blipFill>
-            <a:blip r:embed="rId58" cstate="screen"/>
+            <a:blip r:embed="rId51" cstate="screen"/>
             <a:srcRect/>
             <a:stretch>
               <a:fillRect/>
@@ -2533,12 +2529,12 @@
             </p:cNvPicPr>
             <p:nvPr>
               <p:custDataLst>
-                <p:tags r:id="rId23"/>
+                <p:tags r:id="rId52"/>
               </p:custDataLst>
             </p:nvPr>
           </p:nvPicPr>
           <p:blipFill>
-            <a:blip r:embed="rId59" cstate="screen"/>
+            <a:blip r:embed="rId53" cstate="screen"/>
             <a:srcRect/>
             <a:stretch>
               <a:fillRect/>
@@ -2607,7 +2603,7 @@
           <p:nvPr>
             <p:ph type="dt" sz="half" idx="10"/>
             <p:custDataLst>
-              <p:tags r:id="rId3"/>
+              <p:tags r:id="rId54"/>
             </p:custDataLst>
           </p:nvPr>
         </p:nvSpPr>
@@ -2618,7 +2614,6 @@
           <a:p>
             <a:fld id="{760FBDFE-C587-4B4C-A407-44438C67B59E}" type="datetimeFigureOut">
               <a:rPr lang="zh-CN" altLang="en-US" smtClean="0"/>
-              <a:t>2019/6/23</a:t>
             </a:fld>
             <a:endParaRPr lang="zh-CN" altLang="en-US"/>
           </a:p>
@@ -2633,7 +2628,7 @@
           <p:nvPr>
             <p:ph type="ftr" sz="quarter" idx="11"/>
             <p:custDataLst>
-              <p:tags r:id="rId4"/>
+              <p:tags r:id="rId55"/>
             </p:custDataLst>
           </p:nvPr>
         </p:nvSpPr>
@@ -2655,7 +2650,7 @@
           <p:nvPr>
             <p:ph type="sldNum" sz="quarter" idx="12"/>
             <p:custDataLst>
-              <p:tags r:id="rId5"/>
+              <p:tags r:id="rId56"/>
             </p:custDataLst>
           </p:nvPr>
         </p:nvSpPr>
@@ -2666,7 +2661,6 @@
           <a:p>
             <a:fld id="{49AE70B2-8BF9-45C0-BB95-33D1B9D3A854}" type="slidenum">
               <a:rPr lang="zh-CN" altLang="en-US" smtClean="0"/>
-              <a:t>‹#›</a:t>
             </a:fld>
             <a:endParaRPr lang="zh-CN" altLang="en-US" dirty="0"/>
           </a:p>
@@ -2678,7 +2672,7 @@
           <p:cNvCxnSpPr/>
           <p:nvPr>
             <p:custDataLst>
-              <p:tags r:id="rId6"/>
+              <p:tags r:id="rId57"/>
             </p:custDataLst>
           </p:nvPr>
         </p:nvCxnSpPr>
@@ -2720,7 +2714,7 @@
           <p:nvPr>
             <p:ph type="ctrTitle" hasCustomPrompt="1"/>
             <p:custDataLst>
-              <p:tags r:id="rId7"/>
+              <p:tags r:id="rId58"/>
             </p:custDataLst>
           </p:nvPr>
         </p:nvSpPr>
@@ -2751,6 +2745,7 @@
               <a:rPr lang="zh-CN" altLang="en-US" dirty="0"/>
               <a:t>编辑标题</a:t>
             </a:r>
+            <a:endParaRPr lang="zh-CN" altLang="en-US" dirty="0"/>
           </a:p>
         </p:txBody>
       </p:sp>
@@ -2763,7 +2758,7 @@
           <p:nvPr>
             <p:ph type="body" sz="quarter" idx="13" hasCustomPrompt="1"/>
             <p:custDataLst>
-              <p:tags r:id="rId8"/>
+              <p:tags r:id="rId59"/>
             </p:custDataLst>
           </p:nvPr>
         </p:nvSpPr>
@@ -2795,6 +2790,7 @@
               <a:rPr lang="zh-CN" altLang="en-US" dirty="0"/>
               <a:t>编辑文本</a:t>
             </a:r>
+            <a:endParaRPr lang="zh-CN" altLang="en-US" dirty="0"/>
           </a:p>
         </p:txBody>
       </p:sp>
@@ -2803,13 +2799,13 @@
   <p:clrMapOvr>
     <a:masterClrMapping/>
   </p:clrMapOvr>
-  <mc:AlternateContent xmlns:mc="http://schemas.openxmlformats.org/markup-compatibility/2006" xmlns:p14="http://schemas.microsoft.com/office/powerpoint/2010/main">
-    <mc:Choice Requires="p14">
+  <mc:AlternateContent xmlns:mc="http://schemas.openxmlformats.org/markup-compatibility/2006">
+    <mc:Choice xmlns:p14="http://schemas.microsoft.com/office/powerpoint/2010/main" Requires="p14">
       <p:transition spd="med" p14:dur="700">
         <p:fade/>
       </p:transition>
     </mc:Choice>
-    <mc:Fallback xmlns="">
+    <mc:Fallback>
       <p:transition spd="med">
         <p:fade/>
       </p:transition>
@@ -2844,7 +2840,7 @@
           <p:nvPr>
             <p:ph type="dt" sz="half" idx="10"/>
             <p:custDataLst>
-              <p:tags r:id="rId1"/>
+              <p:tags r:id="rId2"/>
             </p:custDataLst>
           </p:nvPr>
         </p:nvSpPr>
@@ -2855,7 +2851,6 @@
           <a:p>
             <a:fld id="{760FBDFE-C587-4B4C-A407-44438C67B59E}" type="datetimeFigureOut">
               <a:rPr lang="zh-CN" altLang="en-US" smtClean="0"/>
-              <a:t>2019/6/23</a:t>
             </a:fld>
             <a:endParaRPr lang="zh-CN" altLang="en-US"/>
           </a:p>
@@ -2870,7 +2865,7 @@
           <p:nvPr>
             <p:ph type="ftr" sz="quarter" idx="11"/>
             <p:custDataLst>
-              <p:tags r:id="rId2"/>
+              <p:tags r:id="rId3"/>
             </p:custDataLst>
           </p:nvPr>
         </p:nvSpPr>
@@ -2892,7 +2887,7 @@
           <p:nvPr>
             <p:ph type="sldNum" sz="quarter" idx="12"/>
             <p:custDataLst>
-              <p:tags r:id="rId3"/>
+              <p:tags r:id="rId4"/>
             </p:custDataLst>
           </p:nvPr>
         </p:nvSpPr>
@@ -2903,7 +2898,6 @@
           <a:p>
             <a:fld id="{49AE70B2-8BF9-45C0-BB95-33D1B9D3A854}" type="slidenum">
               <a:rPr lang="zh-CN" altLang="en-US" smtClean="0"/>
-              <a:t>‹#›</a:t>
             </a:fld>
             <a:endParaRPr lang="zh-CN" altLang="en-US"/>
           </a:p>
@@ -2918,7 +2912,7 @@
           <p:nvPr>
             <p:ph sz="quarter" idx="13"/>
             <p:custDataLst>
-              <p:tags r:id="rId4"/>
+              <p:tags r:id="rId5"/>
             </p:custDataLst>
           </p:nvPr>
         </p:nvSpPr>
@@ -2937,6 +2931,7 @@
               <a:rPr lang="zh-CN" altLang="en-US" dirty="0"/>
               <a:t>单击此处编辑母版文本样式</a:t>
             </a:r>
+            <a:endParaRPr lang="zh-CN" altLang="en-US" dirty="0"/>
           </a:p>
           <a:p>
             <a:pPr lvl="1"/>
@@ -2944,6 +2939,7 @@
               <a:rPr lang="zh-CN" altLang="en-US" dirty="0"/>
               <a:t>第二级</a:t>
             </a:r>
+            <a:endParaRPr lang="zh-CN" altLang="en-US" dirty="0"/>
           </a:p>
           <a:p>
             <a:pPr lvl="2"/>
@@ -2951,6 +2947,7 @@
               <a:rPr lang="zh-CN" altLang="en-US" dirty="0"/>
               <a:t>第三级</a:t>
             </a:r>
+            <a:endParaRPr lang="zh-CN" altLang="en-US" dirty="0"/>
           </a:p>
           <a:p>
             <a:pPr lvl="3"/>
@@ -2958,6 +2955,7 @@
               <a:rPr lang="zh-CN" altLang="en-US" dirty="0"/>
               <a:t>第四级</a:t>
             </a:r>
+            <a:endParaRPr lang="zh-CN" altLang="en-US" dirty="0"/>
           </a:p>
           <a:p>
             <a:pPr lvl="4"/>
@@ -2965,6 +2963,7 @@
               <a:rPr lang="zh-CN" altLang="en-US" dirty="0"/>
               <a:t>第五级</a:t>
             </a:r>
+            <a:endParaRPr lang="zh-CN" altLang="en-US" dirty="0"/>
           </a:p>
         </p:txBody>
       </p:sp>
@@ -2973,13 +2972,13 @@
   <p:clrMapOvr>
     <a:masterClrMapping/>
   </p:clrMapOvr>
-  <mc:AlternateContent xmlns:mc="http://schemas.openxmlformats.org/markup-compatibility/2006" xmlns:p14="http://schemas.microsoft.com/office/powerpoint/2010/main">
-    <mc:Choice Requires="p14">
+  <mc:AlternateContent xmlns:mc="http://schemas.openxmlformats.org/markup-compatibility/2006">
+    <mc:Choice xmlns:p14="http://schemas.microsoft.com/office/powerpoint/2010/main" Requires="p14">
       <p:transition spd="med" p14:dur="700">
         <p:fade/>
       </p:transition>
     </mc:Choice>
-    <mc:Fallback xmlns="">
+    <mc:Fallback>
       <p:transition spd="med">
         <p:fade/>
       </p:transition>
@@ -3011,7 +3010,7 @@
           <p:cNvSpPr/>
           <p:nvPr>
             <p:custDataLst>
-              <p:tags r:id="rId1"/>
+              <p:tags r:id="rId2"/>
             </p:custDataLst>
           </p:nvPr>
         </p:nvSpPr>
@@ -3149,7 +3148,7 @@
           <p:cNvSpPr/>
           <p:nvPr>
             <p:custDataLst>
-              <p:tags r:id="rId2"/>
+              <p:tags r:id="rId3"/>
             </p:custDataLst>
           </p:nvPr>
         </p:nvSpPr>
@@ -3287,7 +3286,7 @@
           <p:cNvSpPr/>
           <p:nvPr>
             <p:custDataLst>
-              <p:tags r:id="rId3"/>
+              <p:tags r:id="rId4"/>
             </p:custDataLst>
           </p:nvPr>
         </p:nvSpPr>
@@ -3425,7 +3424,7 @@
           <p:cNvSpPr/>
           <p:nvPr>
             <p:custDataLst>
-              <p:tags r:id="rId4"/>
+              <p:tags r:id="rId5"/>
             </p:custDataLst>
           </p:nvPr>
         </p:nvSpPr>
@@ -3563,7 +3562,7 @@
           <p:cNvSpPr/>
           <p:nvPr>
             <p:custDataLst>
-              <p:tags r:id="rId5"/>
+              <p:tags r:id="rId6"/>
             </p:custDataLst>
           </p:nvPr>
         </p:nvSpPr>
@@ -3701,7 +3700,7 @@
           <p:cNvSpPr/>
           <p:nvPr>
             <p:custDataLst>
-              <p:tags r:id="rId6"/>
+              <p:tags r:id="rId7"/>
             </p:custDataLst>
           </p:nvPr>
         </p:nvSpPr>
@@ -3839,7 +3838,7 @@
           <p:cNvSpPr/>
           <p:nvPr>
             <p:custDataLst>
-              <p:tags r:id="rId7"/>
+              <p:tags r:id="rId8"/>
             </p:custDataLst>
           </p:nvPr>
         </p:nvSpPr>
@@ -3977,7 +3976,7 @@
           <p:cNvSpPr/>
           <p:nvPr>
             <p:custDataLst>
-              <p:tags r:id="rId8"/>
+              <p:tags r:id="rId9"/>
             </p:custDataLst>
           </p:nvPr>
         </p:nvSpPr>
@@ -4115,7 +4114,7 @@
           <p:cNvSpPr/>
           <p:nvPr>
             <p:custDataLst>
-              <p:tags r:id="rId9"/>
+              <p:tags r:id="rId10"/>
             </p:custDataLst>
           </p:nvPr>
         </p:nvSpPr>
@@ -4253,7 +4252,7 @@
           <p:cNvSpPr/>
           <p:nvPr>
             <p:custDataLst>
-              <p:tags r:id="rId10"/>
+              <p:tags r:id="rId11"/>
             </p:custDataLst>
           </p:nvPr>
         </p:nvSpPr>
@@ -4391,7 +4390,7 @@
           <p:cNvSpPr/>
           <p:nvPr>
             <p:custDataLst>
-              <p:tags r:id="rId11"/>
+              <p:tags r:id="rId12"/>
             </p:custDataLst>
           </p:nvPr>
         </p:nvSpPr>
@@ -4529,7 +4528,7 @@
           <p:cNvSpPr/>
           <p:nvPr>
             <p:custDataLst>
-              <p:tags r:id="rId12"/>
+              <p:tags r:id="rId13"/>
             </p:custDataLst>
           </p:nvPr>
         </p:nvSpPr>
@@ -4667,7 +4666,7 @@
           <p:cNvSpPr/>
           <p:nvPr>
             <p:custDataLst>
-              <p:tags r:id="rId13"/>
+              <p:tags r:id="rId14"/>
             </p:custDataLst>
           </p:nvPr>
         </p:nvSpPr>
@@ -4815,7 +4814,7 @@
           <p:cNvSpPr/>
           <p:nvPr>
             <p:custDataLst>
-              <p:tags r:id="rId14"/>
+              <p:tags r:id="rId15"/>
             </p:custDataLst>
           </p:nvPr>
         </p:nvSpPr>
@@ -4963,7 +4962,7 @@
           <p:cNvSpPr/>
           <p:nvPr>
             <p:custDataLst>
-              <p:tags r:id="rId15"/>
+              <p:tags r:id="rId16"/>
             </p:custDataLst>
           </p:nvPr>
         </p:nvSpPr>
@@ -5119,7 +5118,7 @@
           <p:cNvSpPr/>
           <p:nvPr>
             <p:custDataLst>
-              <p:tags r:id="rId16"/>
+              <p:tags r:id="rId17"/>
             </p:custDataLst>
           </p:nvPr>
         </p:nvSpPr>
@@ -5275,7 +5274,7 @@
           <p:cNvSpPr/>
           <p:nvPr>
             <p:custDataLst>
-              <p:tags r:id="rId17"/>
+              <p:tags r:id="rId18"/>
             </p:custDataLst>
           </p:nvPr>
         </p:nvSpPr>
@@ -5422,7 +5421,7 @@
           <p:cNvSpPr/>
           <p:nvPr>
             <p:custDataLst>
-              <p:tags r:id="rId18"/>
+              <p:tags r:id="rId19"/>
             </p:custDataLst>
           </p:nvPr>
         </p:nvSpPr>
@@ -5569,7 +5568,7 @@
           <p:cNvSpPr/>
           <p:nvPr>
             <p:custDataLst>
-              <p:tags r:id="rId19"/>
+              <p:tags r:id="rId20"/>
             </p:custDataLst>
           </p:nvPr>
         </p:nvSpPr>
@@ -5716,7 +5715,7 @@
           <p:cNvSpPr/>
           <p:nvPr>
             <p:custDataLst>
-              <p:tags r:id="rId20"/>
+              <p:tags r:id="rId21"/>
             </p:custDataLst>
           </p:nvPr>
         </p:nvSpPr>
@@ -5863,7 +5862,7 @@
           <p:cNvSpPr/>
           <p:nvPr>
             <p:custDataLst>
-              <p:tags r:id="rId21"/>
+              <p:tags r:id="rId22"/>
             </p:custDataLst>
           </p:nvPr>
         </p:nvSpPr>
@@ -6010,7 +6009,7 @@
           <p:cNvSpPr/>
           <p:nvPr>
             <p:custDataLst>
-              <p:tags r:id="rId22"/>
+              <p:tags r:id="rId23"/>
             </p:custDataLst>
           </p:nvPr>
         </p:nvSpPr>
@@ -6149,7 +6148,7 @@
           <p:cNvSpPr/>
           <p:nvPr>
             <p:custDataLst>
-              <p:tags r:id="rId23"/>
+              <p:tags r:id="rId24"/>
             </p:custDataLst>
           </p:nvPr>
         </p:nvSpPr>
@@ -6288,7 +6287,7 @@
           <p:cNvSpPr/>
           <p:nvPr>
             <p:custDataLst>
-              <p:tags r:id="rId24"/>
+              <p:tags r:id="rId25"/>
             </p:custDataLst>
           </p:nvPr>
         </p:nvSpPr>
@@ -6427,7 +6426,7 @@
           <p:cNvSpPr/>
           <p:nvPr>
             <p:custDataLst>
-              <p:tags r:id="rId25"/>
+              <p:tags r:id="rId26"/>
             </p:custDataLst>
           </p:nvPr>
         </p:nvSpPr>
@@ -6566,7 +6565,7 @@
           <p:cNvSpPr/>
           <p:nvPr>
             <p:custDataLst>
-              <p:tags r:id="rId26"/>
+              <p:tags r:id="rId27"/>
             </p:custDataLst>
           </p:nvPr>
         </p:nvSpPr>
@@ -6713,7 +6712,7 @@
           <p:cNvSpPr/>
           <p:nvPr>
             <p:custDataLst>
-              <p:tags r:id="rId27"/>
+              <p:tags r:id="rId28"/>
             </p:custDataLst>
           </p:nvPr>
         </p:nvSpPr>
@@ -6860,7 +6859,7 @@
           <p:cNvSpPr/>
           <p:nvPr>
             <p:custDataLst>
-              <p:tags r:id="rId28"/>
+              <p:tags r:id="rId29"/>
             </p:custDataLst>
           </p:nvPr>
         </p:nvSpPr>
@@ -7007,7 +7006,7 @@
           <p:cNvSpPr/>
           <p:nvPr>
             <p:custDataLst>
-              <p:tags r:id="rId29"/>
+              <p:tags r:id="rId30"/>
             </p:custDataLst>
           </p:nvPr>
         </p:nvSpPr>
@@ -7154,7 +7153,7 @@
           <p:cNvSpPr/>
           <p:nvPr>
             <p:custDataLst>
-              <p:tags r:id="rId30"/>
+              <p:tags r:id="rId31"/>
             </p:custDataLst>
           </p:nvPr>
         </p:nvSpPr>
@@ -7301,7 +7300,7 @@
           <p:cNvSpPr/>
           <p:nvPr>
             <p:custDataLst>
-              <p:tags r:id="rId31"/>
+              <p:tags r:id="rId32"/>
             </p:custDataLst>
           </p:nvPr>
         </p:nvSpPr>
@@ -7448,7 +7447,7 @@
           <p:cNvSpPr/>
           <p:nvPr>
             <p:custDataLst>
-              <p:tags r:id="rId32"/>
+              <p:tags r:id="rId33"/>
             </p:custDataLst>
           </p:nvPr>
         </p:nvSpPr>
@@ -7598,7 +7597,7 @@
           <p:nvPr>
             <p:ph type="title" hasCustomPrompt="1"/>
             <p:custDataLst>
-              <p:tags r:id="rId33"/>
+              <p:tags r:id="rId34"/>
             </p:custDataLst>
           </p:nvPr>
         </p:nvSpPr>
@@ -7641,6 +7640,9 @@
               </a:rPr>
               <a:t>编辑标题</a:t>
             </a:r>
+            <a:endParaRPr dirty="0">
+              <a:sym typeface="+mn-ea"/>
+            </a:endParaRPr>
           </a:p>
         </p:txBody>
       </p:sp>
@@ -7653,7 +7655,7 @@
           <p:nvPr>
             <p:ph type="dt" sz="half" idx="10"/>
             <p:custDataLst>
-              <p:tags r:id="rId34"/>
+              <p:tags r:id="rId35"/>
             </p:custDataLst>
           </p:nvPr>
         </p:nvSpPr>
@@ -7664,7 +7666,6 @@
           <a:p>
             <a:fld id="{760FBDFE-C587-4B4C-A407-44438C67B59E}" type="datetimeFigureOut">
               <a:rPr lang="zh-CN" altLang="en-US" smtClean="0"/>
-              <a:t>2019/6/23</a:t>
             </a:fld>
             <a:endParaRPr lang="zh-CN" altLang="en-US"/>
           </a:p>
@@ -7679,7 +7680,7 @@
           <p:nvPr>
             <p:ph type="ftr" sz="quarter" idx="11"/>
             <p:custDataLst>
-              <p:tags r:id="rId35"/>
+              <p:tags r:id="rId36"/>
             </p:custDataLst>
           </p:nvPr>
         </p:nvSpPr>
@@ -7701,7 +7702,7 @@
           <p:nvPr>
             <p:ph type="sldNum" sz="quarter" idx="12"/>
             <p:custDataLst>
-              <p:tags r:id="rId36"/>
+              <p:tags r:id="rId37"/>
             </p:custDataLst>
           </p:nvPr>
         </p:nvSpPr>
@@ -7712,7 +7713,6 @@
           <a:p>
             <a:fld id="{49AE70B2-8BF9-45C0-BB95-33D1B9D3A854}" type="slidenum">
               <a:rPr lang="zh-CN" altLang="en-US" smtClean="0"/>
-              <a:t>‹#›</a:t>
             </a:fld>
             <a:endParaRPr lang="zh-CN" altLang="en-US"/>
           </a:p>
@@ -7723,13 +7723,13 @@
   <p:clrMapOvr>
     <a:masterClrMapping/>
   </p:clrMapOvr>
-  <mc:AlternateContent xmlns:mc="http://schemas.openxmlformats.org/markup-compatibility/2006" xmlns:p14="http://schemas.microsoft.com/office/powerpoint/2010/main">
-    <mc:Choice Requires="p14">
+  <mc:AlternateContent xmlns:mc="http://schemas.openxmlformats.org/markup-compatibility/2006">
+    <mc:Choice xmlns:p14="http://schemas.microsoft.com/office/powerpoint/2010/main" Requires="p14">
       <p:transition spd="med" p14:dur="700">
         <p:fade/>
       </p:transition>
     </mc:Choice>
-    <mc:Fallback xmlns="">
+    <mc:Fallback>
       <p:transition spd="med">
         <p:fade/>
       </p:transition>
@@ -7761,7 +7761,7 @@
           <p:cNvSpPr/>
           <p:nvPr>
             <p:custDataLst>
-              <p:tags r:id="rId1"/>
+              <p:tags r:id="rId2"/>
             </p:custDataLst>
           </p:nvPr>
         </p:nvSpPr>
@@ -7907,7 +7907,7 @@
           <p:cNvSpPr/>
           <p:nvPr>
             <p:custDataLst>
-              <p:tags r:id="rId2"/>
+              <p:tags r:id="rId3"/>
             </p:custDataLst>
           </p:nvPr>
         </p:nvSpPr>
@@ -8053,7 +8053,7 @@
           <p:cNvSpPr/>
           <p:nvPr>
             <p:custDataLst>
-              <p:tags r:id="rId3"/>
+              <p:tags r:id="rId4"/>
             </p:custDataLst>
           </p:nvPr>
         </p:nvSpPr>
@@ -8199,7 +8199,7 @@
           <p:cNvSpPr/>
           <p:nvPr>
             <p:custDataLst>
-              <p:tags r:id="rId4"/>
+              <p:tags r:id="rId5"/>
             </p:custDataLst>
           </p:nvPr>
         </p:nvSpPr>
@@ -8345,7 +8345,7 @@
           <p:cNvSpPr/>
           <p:nvPr>
             <p:custDataLst>
-              <p:tags r:id="rId5"/>
+              <p:tags r:id="rId6"/>
             </p:custDataLst>
           </p:nvPr>
         </p:nvSpPr>
@@ -8491,7 +8491,7 @@
           <p:cNvSpPr/>
           <p:nvPr>
             <p:custDataLst>
-              <p:tags r:id="rId6"/>
+              <p:tags r:id="rId7"/>
             </p:custDataLst>
           </p:nvPr>
         </p:nvSpPr>
@@ -8637,7 +8637,7 @@
           <p:cNvSpPr/>
           <p:nvPr>
             <p:custDataLst>
-              <p:tags r:id="rId7"/>
+              <p:tags r:id="rId8"/>
             </p:custDataLst>
           </p:nvPr>
         </p:nvSpPr>
@@ -8783,7 +8783,7 @@
           <p:cNvSpPr/>
           <p:nvPr>
             <p:custDataLst>
-              <p:tags r:id="rId8"/>
+              <p:tags r:id="rId9"/>
             </p:custDataLst>
           </p:nvPr>
         </p:nvSpPr>
@@ -8929,7 +8929,7 @@
           <p:cNvSpPr/>
           <p:nvPr>
             <p:custDataLst>
-              <p:tags r:id="rId9"/>
+              <p:tags r:id="rId10"/>
             </p:custDataLst>
           </p:nvPr>
         </p:nvSpPr>
@@ -9075,7 +9075,7 @@
           <p:cNvSpPr/>
           <p:nvPr>
             <p:custDataLst>
-              <p:tags r:id="rId10"/>
+              <p:tags r:id="rId11"/>
             </p:custDataLst>
           </p:nvPr>
         </p:nvSpPr>
@@ -9221,7 +9221,7 @@
           <p:cNvSpPr/>
           <p:nvPr>
             <p:custDataLst>
-              <p:tags r:id="rId11"/>
+              <p:tags r:id="rId12"/>
             </p:custDataLst>
           </p:nvPr>
         </p:nvSpPr>
@@ -9367,7 +9367,7 @@
           <p:cNvSpPr/>
           <p:nvPr>
             <p:custDataLst>
-              <p:tags r:id="rId12"/>
+              <p:tags r:id="rId13"/>
             </p:custDataLst>
           </p:nvPr>
         </p:nvSpPr>
@@ -9513,7 +9513,7 @@
           <p:cNvSpPr/>
           <p:nvPr>
             <p:custDataLst>
-              <p:tags r:id="rId13"/>
+              <p:tags r:id="rId14"/>
             </p:custDataLst>
           </p:nvPr>
         </p:nvSpPr>
@@ -9659,7 +9659,7 @@
           <p:cNvSpPr/>
           <p:nvPr>
             <p:custDataLst>
-              <p:tags r:id="rId14"/>
+              <p:tags r:id="rId15"/>
             </p:custDataLst>
           </p:nvPr>
         </p:nvSpPr>
@@ -9805,7 +9805,7 @@
           <p:cNvSpPr/>
           <p:nvPr>
             <p:custDataLst>
-              <p:tags r:id="rId15"/>
+              <p:tags r:id="rId16"/>
             </p:custDataLst>
           </p:nvPr>
         </p:nvSpPr>
@@ -9951,7 +9951,7 @@
           <p:cNvSpPr/>
           <p:nvPr>
             <p:custDataLst>
-              <p:tags r:id="rId16"/>
+              <p:tags r:id="rId17"/>
             </p:custDataLst>
           </p:nvPr>
         </p:nvSpPr>
@@ -10097,7 +10097,7 @@
           <p:cNvSpPr/>
           <p:nvPr>
             <p:custDataLst>
-              <p:tags r:id="rId17"/>
+              <p:tags r:id="rId18"/>
             </p:custDataLst>
           </p:nvPr>
         </p:nvSpPr>
@@ -10244,7 +10244,7 @@
           <p:cNvSpPr/>
           <p:nvPr>
             <p:custDataLst>
-              <p:tags r:id="rId18"/>
+              <p:tags r:id="rId19"/>
             </p:custDataLst>
           </p:nvPr>
         </p:nvSpPr>
@@ -10391,7 +10391,7 @@
           <p:cNvSpPr/>
           <p:nvPr>
             <p:custDataLst>
-              <p:tags r:id="rId19"/>
+              <p:tags r:id="rId20"/>
             </p:custDataLst>
           </p:nvPr>
         </p:nvSpPr>
@@ -10538,7 +10538,7 @@
           <p:cNvSpPr/>
           <p:nvPr>
             <p:custDataLst>
-              <p:tags r:id="rId20"/>
+              <p:tags r:id="rId21"/>
             </p:custDataLst>
           </p:nvPr>
         </p:nvSpPr>
@@ -10685,7 +10685,7 @@
           <p:cNvSpPr/>
           <p:nvPr>
             <p:custDataLst>
-              <p:tags r:id="rId21"/>
+              <p:tags r:id="rId22"/>
             </p:custDataLst>
           </p:nvPr>
         </p:nvSpPr>
@@ -10832,7 +10832,7 @@
           <p:cNvSpPr/>
           <p:nvPr>
             <p:custDataLst>
-              <p:tags r:id="rId22"/>
+              <p:tags r:id="rId23"/>
             </p:custDataLst>
           </p:nvPr>
         </p:nvSpPr>
@@ -10979,7 +10979,7 @@
           <p:cNvSpPr/>
           <p:nvPr>
             <p:custDataLst>
-              <p:tags r:id="rId23"/>
+              <p:tags r:id="rId24"/>
             </p:custDataLst>
           </p:nvPr>
         </p:nvSpPr>
@@ -11126,7 +11126,7 @@
           <p:cNvSpPr/>
           <p:nvPr>
             <p:custDataLst>
-              <p:tags r:id="rId24"/>
+              <p:tags r:id="rId25"/>
             </p:custDataLst>
           </p:nvPr>
         </p:nvSpPr>
@@ -11273,7 +11273,7 @@
           <p:cNvSpPr/>
           <p:nvPr>
             <p:custDataLst>
-              <p:tags r:id="rId25"/>
+              <p:tags r:id="rId26"/>
             </p:custDataLst>
           </p:nvPr>
         </p:nvSpPr>
@@ -11420,7 +11420,7 @@
           <p:cNvSpPr/>
           <p:nvPr>
             <p:custDataLst>
-              <p:tags r:id="rId26"/>
+              <p:tags r:id="rId27"/>
             </p:custDataLst>
           </p:nvPr>
         </p:nvSpPr>
@@ -11567,7 +11567,7 @@
           <p:cNvSpPr/>
           <p:nvPr>
             <p:custDataLst>
-              <p:tags r:id="rId27"/>
+              <p:tags r:id="rId28"/>
             </p:custDataLst>
           </p:nvPr>
         </p:nvSpPr>
@@ -11704,7 +11704,7 @@
           <p:cNvSpPr/>
           <p:nvPr>
             <p:custDataLst>
-              <p:tags r:id="rId28"/>
+              <p:tags r:id="rId29"/>
             </p:custDataLst>
           </p:nvPr>
         </p:nvSpPr>
@@ -11841,7 +11841,7 @@
           <p:cNvSpPr/>
           <p:nvPr>
             <p:custDataLst>
-              <p:tags r:id="rId29"/>
+              <p:tags r:id="rId30"/>
             </p:custDataLst>
           </p:nvPr>
         </p:nvSpPr>
@@ -11978,7 +11978,7 @@
           <p:cNvSpPr/>
           <p:nvPr>
             <p:custDataLst>
-              <p:tags r:id="rId30"/>
+              <p:tags r:id="rId31"/>
             </p:custDataLst>
           </p:nvPr>
         </p:nvSpPr>
@@ -12115,7 +12115,7 @@
           <p:cNvSpPr/>
           <p:nvPr>
             <p:custDataLst>
-              <p:tags r:id="rId31"/>
+              <p:tags r:id="rId32"/>
             </p:custDataLst>
           </p:nvPr>
         </p:nvSpPr>
@@ -12245,7 +12245,7 @@
           <p:nvPr>
             <p:ph type="title"/>
             <p:custDataLst>
-              <p:tags r:id="rId32"/>
+              <p:tags r:id="rId33"/>
             </p:custDataLst>
           </p:nvPr>
         </p:nvSpPr>
@@ -12288,6 +12288,9 @@
               </a:rPr>
               <a:t>单击此处编辑母版标题样式</a:t>
             </a:r>
+            <a:endParaRPr dirty="0">
+              <a:sym typeface="+mn-ea"/>
+            </a:endParaRPr>
           </a:p>
         </p:txBody>
       </p:sp>
@@ -12300,7 +12303,7 @@
           <p:nvPr>
             <p:ph idx="1"/>
             <p:custDataLst>
-              <p:tags r:id="rId33"/>
+              <p:tags r:id="rId34"/>
             </p:custDataLst>
           </p:nvPr>
         </p:nvSpPr>
@@ -12457,6 +12460,9 @@
               </a:rPr>
               <a:t>单击此处编辑母版文本样式</a:t>
             </a:r>
+            <a:endParaRPr dirty="0">
+              <a:sym typeface="+mn-ea"/>
+            </a:endParaRPr>
           </a:p>
           <a:p>
             <a:pPr lvl="1"/>
@@ -12466,6 +12472,9 @@
               </a:rPr>
               <a:t>第二级</a:t>
             </a:r>
+            <a:endParaRPr dirty="0">
+              <a:sym typeface="+mn-ea"/>
+            </a:endParaRPr>
           </a:p>
           <a:p>
             <a:pPr lvl="2"/>
@@ -12475,6 +12484,9 @@
               </a:rPr>
               <a:t>第三级</a:t>
             </a:r>
+            <a:endParaRPr dirty="0">
+              <a:sym typeface="+mn-ea"/>
+            </a:endParaRPr>
           </a:p>
           <a:p>
             <a:pPr lvl="3"/>
@@ -12484,6 +12496,9 @@
               </a:rPr>
               <a:t>第四级</a:t>
             </a:r>
+            <a:endParaRPr dirty="0">
+              <a:sym typeface="+mn-ea"/>
+            </a:endParaRPr>
           </a:p>
           <a:p>
             <a:pPr lvl="4"/>
@@ -12493,6 +12508,9 @@
               </a:rPr>
               <a:t>第五级</a:t>
             </a:r>
+            <a:endParaRPr dirty="0">
+              <a:sym typeface="+mn-ea"/>
+            </a:endParaRPr>
           </a:p>
         </p:txBody>
       </p:sp>
@@ -12505,7 +12523,7 @@
           <p:nvPr>
             <p:ph type="dt" sz="half" idx="10"/>
             <p:custDataLst>
-              <p:tags r:id="rId34"/>
+              <p:tags r:id="rId35"/>
             </p:custDataLst>
           </p:nvPr>
         </p:nvSpPr>
@@ -12516,7 +12534,6 @@
           <a:p>
             <a:fld id="{760FBDFE-C587-4B4C-A407-44438C67B59E}" type="datetimeFigureOut">
               <a:rPr lang="zh-CN" altLang="en-US" smtClean="0"/>
-              <a:t>2019/6/23</a:t>
             </a:fld>
             <a:endParaRPr lang="zh-CN" altLang="en-US"/>
           </a:p>
@@ -12531,7 +12548,7 @@
           <p:nvPr>
             <p:ph type="ftr" sz="quarter" idx="11"/>
             <p:custDataLst>
-              <p:tags r:id="rId35"/>
+              <p:tags r:id="rId36"/>
             </p:custDataLst>
           </p:nvPr>
         </p:nvSpPr>
@@ -12553,7 +12570,7 @@
           <p:nvPr>
             <p:ph type="sldNum" sz="quarter" idx="12"/>
             <p:custDataLst>
-              <p:tags r:id="rId36"/>
+              <p:tags r:id="rId37"/>
             </p:custDataLst>
           </p:nvPr>
         </p:nvSpPr>
@@ -12564,7 +12581,6 @@
           <a:p>
             <a:fld id="{49AE70B2-8BF9-45C0-BB95-33D1B9D3A854}" type="slidenum">
               <a:rPr lang="zh-CN" altLang="en-US" smtClean="0"/>
-              <a:t>‹#›</a:t>
             </a:fld>
             <a:endParaRPr lang="zh-CN" altLang="en-US"/>
           </a:p>
@@ -12575,13 +12591,13 @@
   <p:clrMapOvr>
     <a:masterClrMapping/>
   </p:clrMapOvr>
-  <mc:AlternateContent xmlns:mc="http://schemas.openxmlformats.org/markup-compatibility/2006" xmlns:p14="http://schemas.microsoft.com/office/powerpoint/2010/main">
-    <mc:Choice Requires="p14">
+  <mc:AlternateContent xmlns:mc="http://schemas.openxmlformats.org/markup-compatibility/2006">
+    <mc:Choice xmlns:p14="http://schemas.microsoft.com/office/powerpoint/2010/main" Requires="p14">
       <p:transition spd="med" p14:dur="700">
         <p:fade/>
       </p:transition>
     </mc:Choice>
-    <mc:Fallback xmlns="">
+    <mc:Fallback>
       <p:transition spd="med">
         <p:fade/>
       </p:transition>
@@ -12613,7 +12629,7 @@
           <p:cNvGrpSpPr/>
           <p:nvPr>
             <p:custDataLst>
-              <p:tags r:id="rId1"/>
+              <p:tags r:id="rId2"/>
             </p:custDataLst>
           </p:nvPr>
         </p:nvGrpSpPr>
@@ -12631,7 +12647,7 @@
             <p:cNvSpPr/>
             <p:nvPr>
               <p:custDataLst>
-                <p:tags r:id="rId7"/>
+                <p:tags r:id="rId3"/>
               </p:custDataLst>
             </p:nvPr>
           </p:nvSpPr>
@@ -12712,7 +12728,7 @@
             <p:cNvSpPr/>
             <p:nvPr>
               <p:custDataLst>
-                <p:tags r:id="rId8"/>
+                <p:tags r:id="rId4"/>
               </p:custDataLst>
             </p:nvPr>
           </p:nvSpPr>
@@ -12793,7 +12809,7 @@
             <p:cNvSpPr/>
             <p:nvPr>
               <p:custDataLst>
-                <p:tags r:id="rId9"/>
+                <p:tags r:id="rId5"/>
               </p:custDataLst>
             </p:nvPr>
           </p:nvSpPr>
@@ -12874,7 +12890,7 @@
             <p:cNvSpPr/>
             <p:nvPr>
               <p:custDataLst>
-                <p:tags r:id="rId10"/>
+                <p:tags r:id="rId6"/>
               </p:custDataLst>
             </p:nvPr>
           </p:nvSpPr>
@@ -12955,7 +12971,7 @@
             <p:cNvSpPr/>
             <p:nvPr>
               <p:custDataLst>
-                <p:tags r:id="rId11"/>
+                <p:tags r:id="rId7"/>
               </p:custDataLst>
             </p:nvPr>
           </p:nvSpPr>
@@ -13050,7 +13066,7 @@
               <p:cNvSpPr/>
               <p:nvPr>
                 <p:custDataLst>
-                  <p:tags r:id="rId12"/>
+                  <p:tags r:id="rId8"/>
                 </p:custDataLst>
               </p:nvPr>
             </p:nvSpPr>
@@ -13131,7 +13147,7 @@
               <p:cNvSpPr/>
               <p:nvPr>
                 <p:custDataLst>
-                  <p:tags r:id="rId13"/>
+                  <p:tags r:id="rId9"/>
                 </p:custDataLst>
               </p:nvPr>
             </p:nvSpPr>
@@ -13212,7 +13228,7 @@
               <p:cNvSpPr/>
               <p:nvPr>
                 <p:custDataLst>
-                  <p:tags r:id="rId14"/>
+                  <p:tags r:id="rId10"/>
                 </p:custDataLst>
               </p:nvPr>
             </p:nvSpPr>
@@ -13298,7 +13314,7 @@
           <p:nvPr>
             <p:ph type="title" hasCustomPrompt="1"/>
             <p:custDataLst>
-              <p:tags r:id="rId2"/>
+              <p:tags r:id="rId11"/>
             </p:custDataLst>
           </p:nvPr>
         </p:nvSpPr>
@@ -13332,6 +13348,7 @@
               <a:rPr lang="zh-CN" altLang="en-US" dirty="0"/>
               <a:t>单击此处编辑标题</a:t>
             </a:r>
+            <a:endParaRPr lang="zh-CN" altLang="en-US" dirty="0"/>
           </a:p>
         </p:txBody>
       </p:sp>
@@ -13344,7 +13361,7 @@
           <p:nvPr>
             <p:ph type="body" idx="1"/>
             <p:custDataLst>
-              <p:tags r:id="rId3"/>
+              <p:tags r:id="rId12"/>
             </p:custDataLst>
           </p:nvPr>
         </p:nvSpPr>
@@ -13462,6 +13479,7 @@
               <a:rPr lang="zh-CN" altLang="en-US" dirty="0"/>
               <a:t>单击此处编辑母版文本样式</a:t>
             </a:r>
+            <a:endParaRPr lang="zh-CN" altLang="en-US" dirty="0"/>
           </a:p>
         </p:txBody>
       </p:sp>
@@ -13474,7 +13492,7 @@
           <p:nvPr>
             <p:ph type="dt" sz="half" idx="10"/>
             <p:custDataLst>
-              <p:tags r:id="rId4"/>
+              <p:tags r:id="rId13"/>
             </p:custDataLst>
           </p:nvPr>
         </p:nvSpPr>
@@ -13485,7 +13503,6 @@
           <a:p>
             <a:fld id="{760FBDFE-C587-4B4C-A407-44438C67B59E}" type="datetimeFigureOut">
               <a:rPr lang="zh-CN" altLang="en-US" smtClean="0"/>
-              <a:t>2019/6/23</a:t>
             </a:fld>
             <a:endParaRPr lang="zh-CN" altLang="en-US"/>
           </a:p>
@@ -13500,7 +13517,7 @@
           <p:nvPr>
             <p:ph type="ftr" sz="quarter" idx="11"/>
             <p:custDataLst>
-              <p:tags r:id="rId5"/>
+              <p:tags r:id="rId14"/>
             </p:custDataLst>
           </p:nvPr>
         </p:nvSpPr>
@@ -13522,7 +13539,7 @@
           <p:nvPr>
             <p:ph type="sldNum" sz="quarter" idx="12"/>
             <p:custDataLst>
-              <p:tags r:id="rId6"/>
+              <p:tags r:id="rId15"/>
             </p:custDataLst>
           </p:nvPr>
         </p:nvSpPr>
@@ -13533,7 +13550,6 @@
           <a:p>
             <a:fld id="{49AE70B2-8BF9-45C0-BB95-33D1B9D3A854}" type="slidenum">
               <a:rPr lang="zh-CN" altLang="en-US" smtClean="0"/>
-              <a:t>‹#›</a:t>
             </a:fld>
             <a:endParaRPr lang="zh-CN" altLang="en-US"/>
           </a:p>
@@ -13544,13 +13560,13 @@
   <p:clrMapOvr>
     <a:masterClrMapping/>
   </p:clrMapOvr>
-  <mc:AlternateContent xmlns:mc="http://schemas.openxmlformats.org/markup-compatibility/2006" xmlns:p14="http://schemas.microsoft.com/office/powerpoint/2010/main">
-    <mc:Choice Requires="p14">
+  <mc:AlternateContent xmlns:mc="http://schemas.openxmlformats.org/markup-compatibility/2006">
+    <mc:Choice xmlns:p14="http://schemas.microsoft.com/office/powerpoint/2010/main" Requires="p14">
       <p:transition spd="med" p14:dur="700">
         <p:fade/>
       </p:transition>
     </mc:Choice>
-    <mc:Fallback xmlns="">
+    <mc:Fallback>
       <p:transition spd="med">
         <p:fade/>
       </p:transition>
@@ -13585,7 +13601,7 @@
           <p:nvPr>
             <p:ph type="title"/>
             <p:custDataLst>
-              <p:tags r:id="rId1"/>
+              <p:tags r:id="rId2"/>
             </p:custDataLst>
           </p:nvPr>
         </p:nvSpPr>
@@ -13628,6 +13644,9 @@
               </a:rPr>
               <a:t>单击此处编辑母版标题样式</a:t>
             </a:r>
+            <a:endParaRPr>
+              <a:sym typeface="+mn-ea"/>
+            </a:endParaRPr>
           </a:p>
         </p:txBody>
       </p:sp>
@@ -13640,7 +13659,7 @@
           <p:nvPr>
             <p:ph sz="half" idx="1"/>
             <p:custDataLst>
-              <p:tags r:id="rId2"/>
+              <p:tags r:id="rId3"/>
             </p:custDataLst>
           </p:nvPr>
         </p:nvSpPr>
@@ -13797,6 +13816,9 @@
               </a:rPr>
               <a:t>单击此处编辑母版文本样式</a:t>
             </a:r>
+            <a:endParaRPr>
+              <a:sym typeface="+mn-ea"/>
+            </a:endParaRPr>
           </a:p>
           <a:p>
             <a:pPr lvl="1"/>
@@ -13806,6 +13828,9 @@
               </a:rPr>
               <a:t>第二级</a:t>
             </a:r>
+            <a:endParaRPr>
+              <a:sym typeface="+mn-ea"/>
+            </a:endParaRPr>
           </a:p>
           <a:p>
             <a:pPr lvl="2"/>
@@ -13815,6 +13840,9 @@
               </a:rPr>
               <a:t>第三级</a:t>
             </a:r>
+            <a:endParaRPr>
+              <a:sym typeface="+mn-ea"/>
+            </a:endParaRPr>
           </a:p>
           <a:p>
             <a:pPr lvl="3"/>
@@ -13824,6 +13852,9 @@
               </a:rPr>
               <a:t>第四级</a:t>
             </a:r>
+            <a:endParaRPr>
+              <a:sym typeface="+mn-ea"/>
+            </a:endParaRPr>
           </a:p>
           <a:p>
             <a:pPr lvl="4"/>
@@ -13833,6 +13864,9 @@
               </a:rPr>
               <a:t>第五级</a:t>
             </a:r>
+            <a:endParaRPr>
+              <a:sym typeface="+mn-ea"/>
+            </a:endParaRPr>
           </a:p>
         </p:txBody>
       </p:sp>
@@ -13845,7 +13879,7 @@
           <p:nvPr>
             <p:ph sz="half" idx="2"/>
             <p:custDataLst>
-              <p:tags r:id="rId3"/>
+              <p:tags r:id="rId4"/>
             </p:custDataLst>
           </p:nvPr>
         </p:nvSpPr>
@@ -13927,6 +13961,7 @@
               <a:rPr lang="zh-CN" altLang="en-US" dirty="0"/>
               <a:t>单击此处编辑母版文本样式</a:t>
             </a:r>
+            <a:endParaRPr lang="zh-CN" altLang="en-US" dirty="0"/>
           </a:p>
           <a:p>
             <a:pPr lvl="1"/>
@@ -13934,6 +13969,7 @@
               <a:rPr lang="zh-CN" altLang="en-US" dirty="0"/>
               <a:t>第二级</a:t>
             </a:r>
+            <a:endParaRPr lang="zh-CN" altLang="en-US" dirty="0"/>
           </a:p>
           <a:p>
             <a:pPr lvl="2"/>
@@ -13941,6 +13977,7 @@
               <a:rPr lang="zh-CN" altLang="en-US" dirty="0"/>
               <a:t>第三级</a:t>
             </a:r>
+            <a:endParaRPr lang="zh-CN" altLang="en-US" dirty="0"/>
           </a:p>
           <a:p>
             <a:pPr lvl="3"/>
@@ -13948,6 +13985,7 @@
               <a:rPr lang="zh-CN" altLang="en-US" dirty="0"/>
               <a:t>第四级</a:t>
             </a:r>
+            <a:endParaRPr lang="zh-CN" altLang="en-US" dirty="0"/>
           </a:p>
           <a:p>
             <a:pPr lvl="4"/>
@@ -13955,6 +13993,7 @@
               <a:rPr lang="zh-CN" altLang="en-US" dirty="0"/>
               <a:t>第五级</a:t>
             </a:r>
+            <a:endParaRPr lang="zh-CN" altLang="en-US" dirty="0"/>
           </a:p>
         </p:txBody>
       </p:sp>
@@ -13967,7 +14006,7 @@
           <p:nvPr>
             <p:ph type="dt" sz="half" idx="10"/>
             <p:custDataLst>
-              <p:tags r:id="rId4"/>
+              <p:tags r:id="rId5"/>
             </p:custDataLst>
           </p:nvPr>
         </p:nvSpPr>
@@ -13978,7 +14017,6 @@
           <a:p>
             <a:fld id="{760FBDFE-C587-4B4C-A407-44438C67B59E}" type="datetimeFigureOut">
               <a:rPr lang="zh-CN" altLang="en-US" smtClean="0"/>
-              <a:t>2019/6/23</a:t>
             </a:fld>
             <a:endParaRPr lang="zh-CN" altLang="en-US"/>
           </a:p>
@@ -13993,7 +14031,7 @@
           <p:nvPr>
             <p:ph type="ftr" sz="quarter" idx="11"/>
             <p:custDataLst>
-              <p:tags r:id="rId5"/>
+              <p:tags r:id="rId6"/>
             </p:custDataLst>
           </p:nvPr>
         </p:nvSpPr>
@@ -14015,7 +14053,7 @@
           <p:nvPr>
             <p:ph type="sldNum" sz="quarter" idx="12"/>
             <p:custDataLst>
-              <p:tags r:id="rId6"/>
+              <p:tags r:id="rId7"/>
             </p:custDataLst>
           </p:nvPr>
         </p:nvSpPr>
@@ -14026,7 +14064,6 @@
           <a:p>
             <a:fld id="{49AE70B2-8BF9-45C0-BB95-33D1B9D3A854}" type="slidenum">
               <a:rPr lang="zh-CN" altLang="en-US" smtClean="0"/>
-              <a:t>‹#›</a:t>
             </a:fld>
             <a:endParaRPr lang="zh-CN" altLang="en-US"/>
           </a:p>
@@ -14037,13 +14074,13 @@
   <p:clrMapOvr>
     <a:masterClrMapping/>
   </p:clrMapOvr>
-  <mc:AlternateContent xmlns:mc="http://schemas.openxmlformats.org/markup-compatibility/2006" xmlns:p14="http://schemas.microsoft.com/office/powerpoint/2010/main">
-    <mc:Choice Requires="p14">
+  <mc:AlternateContent xmlns:mc="http://schemas.openxmlformats.org/markup-compatibility/2006">
+    <mc:Choice xmlns:p14="http://schemas.microsoft.com/office/powerpoint/2010/main" Requires="p14">
       <p:transition spd="med" p14:dur="700">
         <p:fade/>
       </p:transition>
     </mc:Choice>
-    <mc:Fallback xmlns="">
+    <mc:Fallback>
       <p:transition spd="med">
         <p:fade/>
       </p:transition>
@@ -14078,7 +14115,7 @@
           <p:nvPr>
             <p:ph type="title"/>
             <p:custDataLst>
-              <p:tags r:id="rId1"/>
+              <p:tags r:id="rId2"/>
             </p:custDataLst>
           </p:nvPr>
         </p:nvSpPr>
@@ -14121,6 +14158,9 @@
               </a:rPr>
               <a:t>单击此处编辑母版标题样式</a:t>
             </a:r>
+            <a:endParaRPr dirty="0">
+              <a:sym typeface="+mn-ea"/>
+            </a:endParaRPr>
           </a:p>
         </p:txBody>
       </p:sp>
@@ -14133,7 +14173,7 @@
           <p:nvPr>
             <p:ph type="body" idx="1" hasCustomPrompt="1"/>
             <p:custDataLst>
-              <p:tags r:id="rId2"/>
+              <p:tags r:id="rId3"/>
             </p:custDataLst>
           </p:nvPr>
         </p:nvSpPr>
@@ -14207,6 +14247,7 @@
               <a:rPr lang="zh-CN" altLang="en-US" dirty="0"/>
               <a:t>单击此处编辑文本</a:t>
             </a:r>
+            <a:endParaRPr lang="zh-CN" altLang="en-US" dirty="0"/>
           </a:p>
         </p:txBody>
       </p:sp>
@@ -14219,7 +14260,7 @@
           <p:nvPr>
             <p:ph sz="half" idx="2"/>
             <p:custDataLst>
-              <p:tags r:id="rId3"/>
+              <p:tags r:id="rId4"/>
             </p:custDataLst>
           </p:nvPr>
         </p:nvSpPr>
@@ -14376,6 +14417,9 @@
               </a:rPr>
               <a:t>单击此处编辑母版文本样式</a:t>
             </a:r>
+            <a:endParaRPr dirty="0">
+              <a:sym typeface="+mn-ea"/>
+            </a:endParaRPr>
           </a:p>
           <a:p>
             <a:pPr lvl="1"/>
@@ -14385,6 +14429,9 @@
               </a:rPr>
               <a:t>第二级</a:t>
             </a:r>
+            <a:endParaRPr dirty="0">
+              <a:sym typeface="+mn-ea"/>
+            </a:endParaRPr>
           </a:p>
           <a:p>
             <a:pPr lvl="2"/>
@@ -14394,6 +14441,9 @@
               </a:rPr>
               <a:t>第三级</a:t>
             </a:r>
+            <a:endParaRPr dirty="0">
+              <a:sym typeface="+mn-ea"/>
+            </a:endParaRPr>
           </a:p>
           <a:p>
             <a:pPr lvl="3"/>
@@ -14403,6 +14453,9 @@
               </a:rPr>
               <a:t>第四级</a:t>
             </a:r>
+            <a:endParaRPr dirty="0">
+              <a:sym typeface="+mn-ea"/>
+            </a:endParaRPr>
           </a:p>
           <a:p>
             <a:pPr lvl="4"/>
@@ -14412,6 +14465,9 @@
               </a:rPr>
               <a:t>第五级</a:t>
             </a:r>
+            <a:endParaRPr dirty="0">
+              <a:sym typeface="+mn-ea"/>
+            </a:endParaRPr>
           </a:p>
         </p:txBody>
       </p:sp>
@@ -14424,7 +14480,7 @@
           <p:nvPr>
             <p:ph type="body" sz="quarter" idx="3" hasCustomPrompt="1"/>
             <p:custDataLst>
-              <p:tags r:id="rId4"/>
+              <p:tags r:id="rId5"/>
             </p:custDataLst>
           </p:nvPr>
         </p:nvSpPr>
@@ -14506,6 +14562,9 @@
               </a:rPr>
               <a:t>单击此处编辑文本</a:t>
             </a:r>
+            <a:endParaRPr>
+              <a:sym typeface="+mn-ea"/>
+            </a:endParaRPr>
           </a:p>
         </p:txBody>
       </p:sp>
@@ -14518,7 +14577,7 @@
           <p:nvPr>
             <p:ph sz="quarter" idx="4"/>
             <p:custDataLst>
-              <p:tags r:id="rId5"/>
+              <p:tags r:id="rId6"/>
             </p:custDataLst>
           </p:nvPr>
         </p:nvSpPr>
@@ -14675,6 +14734,9 @@
               </a:rPr>
               <a:t>单击此处编辑母版文本样式</a:t>
             </a:r>
+            <a:endParaRPr dirty="0">
+              <a:sym typeface="+mn-ea"/>
+            </a:endParaRPr>
           </a:p>
           <a:p>
             <a:pPr lvl="1"/>
@@ -14684,6 +14746,9 @@
               </a:rPr>
               <a:t>第二级</a:t>
             </a:r>
+            <a:endParaRPr dirty="0">
+              <a:sym typeface="+mn-ea"/>
+            </a:endParaRPr>
           </a:p>
           <a:p>
             <a:pPr lvl="2"/>
@@ -14693,6 +14758,9 @@
               </a:rPr>
               <a:t>第三级</a:t>
             </a:r>
+            <a:endParaRPr dirty="0">
+              <a:sym typeface="+mn-ea"/>
+            </a:endParaRPr>
           </a:p>
           <a:p>
             <a:pPr lvl="3"/>
@@ -14702,6 +14770,9 @@
               </a:rPr>
               <a:t>第四级</a:t>
             </a:r>
+            <a:endParaRPr dirty="0">
+              <a:sym typeface="+mn-ea"/>
+            </a:endParaRPr>
           </a:p>
           <a:p>
             <a:pPr lvl="4"/>
@@ -14711,6 +14782,9 @@
               </a:rPr>
               <a:t>第五级</a:t>
             </a:r>
+            <a:endParaRPr dirty="0">
+              <a:sym typeface="+mn-ea"/>
+            </a:endParaRPr>
           </a:p>
         </p:txBody>
       </p:sp>
@@ -14723,7 +14797,7 @@
           <p:nvPr>
             <p:ph type="dt" sz="half" idx="10"/>
             <p:custDataLst>
-              <p:tags r:id="rId6"/>
+              <p:tags r:id="rId7"/>
             </p:custDataLst>
           </p:nvPr>
         </p:nvSpPr>
@@ -14734,7 +14808,6 @@
           <a:p>
             <a:fld id="{760FBDFE-C587-4B4C-A407-44438C67B59E}" type="datetimeFigureOut">
               <a:rPr lang="zh-CN" altLang="en-US" smtClean="0"/>
-              <a:t>2019/6/23</a:t>
             </a:fld>
             <a:endParaRPr lang="zh-CN" altLang="en-US"/>
           </a:p>
@@ -14749,7 +14822,7 @@
           <p:nvPr>
             <p:ph type="ftr" sz="quarter" idx="11"/>
             <p:custDataLst>
-              <p:tags r:id="rId7"/>
+              <p:tags r:id="rId8"/>
             </p:custDataLst>
           </p:nvPr>
         </p:nvSpPr>
@@ -14771,7 +14844,7 @@
           <p:nvPr>
             <p:ph type="sldNum" sz="quarter" idx="12"/>
             <p:custDataLst>
-              <p:tags r:id="rId8"/>
+              <p:tags r:id="rId9"/>
             </p:custDataLst>
           </p:nvPr>
         </p:nvSpPr>
@@ -14782,7 +14855,6 @@
           <a:p>
             <a:fld id="{49AE70B2-8BF9-45C0-BB95-33D1B9D3A854}" type="slidenum">
               <a:rPr lang="zh-CN" altLang="en-US" smtClean="0"/>
-              <a:t>‹#›</a:t>
             </a:fld>
             <a:endParaRPr lang="zh-CN" altLang="en-US"/>
           </a:p>
@@ -14793,13 +14865,13 @@
   <p:clrMapOvr>
     <a:masterClrMapping/>
   </p:clrMapOvr>
-  <mc:AlternateContent xmlns:mc="http://schemas.openxmlformats.org/markup-compatibility/2006" xmlns:p14="http://schemas.microsoft.com/office/powerpoint/2010/main">
-    <mc:Choice Requires="p14">
+  <mc:AlternateContent xmlns:mc="http://schemas.openxmlformats.org/markup-compatibility/2006">
+    <mc:Choice xmlns:p14="http://schemas.microsoft.com/office/powerpoint/2010/main" Requires="p14">
       <p:transition spd="med" p14:dur="700">
         <p:fade/>
       </p:transition>
     </mc:Choice>
-    <mc:Fallback xmlns="">
+    <mc:Fallback>
       <p:transition spd="med">
         <p:fade/>
       </p:transition>
@@ -14834,7 +14906,7 @@
           <p:nvPr>
             <p:ph type="title"/>
             <p:custDataLst>
-              <p:tags r:id="rId1"/>
+              <p:tags r:id="rId2"/>
             </p:custDataLst>
           </p:nvPr>
         </p:nvSpPr>
@@ -14872,6 +14944,9 @@
               </a:rPr>
               <a:t>单击此处编辑母版标题样式</a:t>
             </a:r>
+            <a:endParaRPr>
+              <a:sym typeface="+mn-ea"/>
+            </a:endParaRPr>
           </a:p>
         </p:txBody>
       </p:sp>
@@ -14884,7 +14959,7 @@
           <p:nvPr>
             <p:ph type="dt" sz="half" idx="10"/>
             <p:custDataLst>
-              <p:tags r:id="rId2"/>
+              <p:tags r:id="rId3"/>
             </p:custDataLst>
           </p:nvPr>
         </p:nvSpPr>
@@ -14895,7 +14970,6 @@
           <a:p>
             <a:fld id="{760FBDFE-C587-4B4C-A407-44438C67B59E}" type="datetimeFigureOut">
               <a:rPr lang="zh-CN" altLang="en-US" smtClean="0"/>
-              <a:t>2019/6/23</a:t>
             </a:fld>
             <a:endParaRPr lang="zh-CN" altLang="en-US"/>
           </a:p>
@@ -14910,7 +14984,7 @@
           <p:nvPr>
             <p:ph type="ftr" sz="quarter" idx="11"/>
             <p:custDataLst>
-              <p:tags r:id="rId3"/>
+              <p:tags r:id="rId4"/>
             </p:custDataLst>
           </p:nvPr>
         </p:nvSpPr>
@@ -14932,7 +15006,7 @@
           <p:nvPr>
             <p:ph type="sldNum" sz="quarter" idx="12"/>
             <p:custDataLst>
-              <p:tags r:id="rId4"/>
+              <p:tags r:id="rId5"/>
             </p:custDataLst>
           </p:nvPr>
         </p:nvSpPr>
@@ -14943,7 +15017,6 @@
           <a:p>
             <a:fld id="{49AE70B2-8BF9-45C0-BB95-33D1B9D3A854}" type="slidenum">
               <a:rPr lang="zh-CN" altLang="en-US" smtClean="0"/>
-              <a:t>‹#›</a:t>
             </a:fld>
             <a:endParaRPr lang="zh-CN" altLang="en-US"/>
           </a:p>
@@ -14954,13 +15027,13 @@
   <p:clrMapOvr>
     <a:masterClrMapping/>
   </p:clrMapOvr>
-  <mc:AlternateContent xmlns:mc="http://schemas.openxmlformats.org/markup-compatibility/2006" xmlns:p14="http://schemas.microsoft.com/office/powerpoint/2010/main">
-    <mc:Choice Requires="p14">
+  <mc:AlternateContent xmlns:mc="http://schemas.openxmlformats.org/markup-compatibility/2006">
+    <mc:Choice xmlns:p14="http://schemas.microsoft.com/office/powerpoint/2010/main" Requires="p14">
       <p:transition spd="med" p14:dur="700">
         <p:fade/>
       </p:transition>
     </mc:Choice>
-    <mc:Fallback xmlns="">
+    <mc:Fallback>
       <p:transition spd="med">
         <p:fade/>
       </p:transition>
@@ -14995,7 +15068,7 @@
           <p:nvPr>
             <p:ph type="dt" sz="half" idx="10"/>
             <p:custDataLst>
-              <p:tags r:id="rId1"/>
+              <p:tags r:id="rId2"/>
             </p:custDataLst>
           </p:nvPr>
         </p:nvSpPr>
@@ -15006,7 +15079,6 @@
           <a:p>
             <a:fld id="{760FBDFE-C587-4B4C-A407-44438C67B59E}" type="datetimeFigureOut">
               <a:rPr lang="zh-CN" altLang="en-US" smtClean="0"/>
-              <a:t>2019/6/23</a:t>
             </a:fld>
             <a:endParaRPr lang="zh-CN" altLang="en-US"/>
           </a:p>
@@ -15021,7 +15093,7 @@
           <p:nvPr>
             <p:ph type="ftr" sz="quarter" idx="11"/>
             <p:custDataLst>
-              <p:tags r:id="rId2"/>
+              <p:tags r:id="rId3"/>
             </p:custDataLst>
           </p:nvPr>
         </p:nvSpPr>
@@ -15043,7 +15115,7 @@
           <p:nvPr>
             <p:ph type="sldNum" sz="quarter" idx="12"/>
             <p:custDataLst>
-              <p:tags r:id="rId3"/>
+              <p:tags r:id="rId4"/>
             </p:custDataLst>
           </p:nvPr>
         </p:nvSpPr>
@@ -15054,7 +15126,6 @@
           <a:p>
             <a:fld id="{49AE70B2-8BF9-45C0-BB95-33D1B9D3A854}" type="slidenum">
               <a:rPr lang="zh-CN" altLang="en-US" smtClean="0"/>
-              <a:t>‹#›</a:t>
             </a:fld>
             <a:endParaRPr lang="zh-CN" altLang="en-US"/>
           </a:p>
@@ -15065,13 +15136,13 @@
   <p:clrMapOvr>
     <a:masterClrMapping/>
   </p:clrMapOvr>
-  <mc:AlternateContent xmlns:mc="http://schemas.openxmlformats.org/markup-compatibility/2006" xmlns:p14="http://schemas.microsoft.com/office/powerpoint/2010/main">
-    <mc:Choice Requires="p14">
+  <mc:AlternateContent xmlns:mc="http://schemas.openxmlformats.org/markup-compatibility/2006">
+    <mc:Choice xmlns:p14="http://schemas.microsoft.com/office/powerpoint/2010/main" Requires="p14">
       <p:transition spd="med" p14:dur="700">
         <p:fade/>
       </p:transition>
     </mc:Choice>
-    <mc:Fallback xmlns="">
+    <mc:Fallback>
       <p:transition spd="med">
         <p:fade/>
       </p:transition>
@@ -15106,7 +15177,7 @@
           <p:nvPr>
             <p:ph type="title"/>
             <p:custDataLst>
-              <p:tags r:id="rId1"/>
+              <p:tags r:id="rId2"/>
             </p:custDataLst>
           </p:nvPr>
         </p:nvSpPr>
@@ -15149,6 +15220,9 @@
               </a:rPr>
               <a:t>单击此处编辑母版标题样式</a:t>
             </a:r>
+            <a:endParaRPr dirty="0">
+              <a:sym typeface="+mn-ea"/>
+            </a:endParaRPr>
           </a:p>
         </p:txBody>
       </p:sp>
@@ -15161,7 +15235,7 @@
           <p:nvPr>
             <p:ph type="pic" idx="1"/>
             <p:custDataLst>
-              <p:tags r:id="rId2"/>
+              <p:tags r:id="rId3"/>
             </p:custDataLst>
           </p:nvPr>
         </p:nvSpPr>
@@ -15315,7 +15389,7 @@
           <p:nvPr>
             <p:ph type="body" sz="half" idx="2"/>
             <p:custDataLst>
-              <p:tags r:id="rId3"/>
+              <p:tags r:id="rId4"/>
             </p:custDataLst>
           </p:nvPr>
         </p:nvSpPr>
@@ -15365,6 +15439,9 @@
               </a:rPr>
               <a:t>单击此处编辑母版文本样式</a:t>
             </a:r>
+            <a:endParaRPr>
+              <a:sym typeface="+mn-ea"/>
+            </a:endParaRPr>
           </a:p>
         </p:txBody>
       </p:sp>
@@ -15377,7 +15454,7 @@
           <p:nvPr>
             <p:ph type="dt" sz="half" idx="10"/>
             <p:custDataLst>
-              <p:tags r:id="rId4"/>
+              <p:tags r:id="rId5"/>
             </p:custDataLst>
           </p:nvPr>
         </p:nvSpPr>
@@ -15388,7 +15465,6 @@
           <a:p>
             <a:fld id="{9EFD9D74-47D9-4702-A33C-335B63B48DBF}" type="datetimeFigureOut">
               <a:rPr lang="zh-CN" altLang="en-US" smtClean="0"/>
-              <a:t>2019/6/23</a:t>
             </a:fld>
             <a:endParaRPr lang="zh-CN" altLang="en-US" dirty="0"/>
           </a:p>
@@ -15403,7 +15479,7 @@
           <p:nvPr>
             <p:ph type="ftr" sz="quarter" idx="11"/>
             <p:custDataLst>
-              <p:tags r:id="rId5"/>
+              <p:tags r:id="rId6"/>
             </p:custDataLst>
           </p:nvPr>
         </p:nvSpPr>
@@ -15425,7 +15501,7 @@
           <p:nvPr>
             <p:ph type="sldNum" sz="quarter" idx="12"/>
             <p:custDataLst>
-              <p:tags r:id="rId6"/>
+              <p:tags r:id="rId7"/>
             </p:custDataLst>
           </p:nvPr>
         </p:nvSpPr>
@@ -15436,7 +15512,6 @@
           <a:p>
             <a:fld id="{FABC47A4-756D-490B-A52F-7D9E2C9FC05F}" type="slidenum">
               <a:rPr lang="zh-CN" altLang="en-US" smtClean="0"/>
-              <a:t>‹#›</a:t>
             </a:fld>
             <a:endParaRPr lang="zh-CN" altLang="en-US"/>
           </a:p>
@@ -15447,13 +15522,13 @@
   <p:clrMapOvr>
     <a:masterClrMapping/>
   </p:clrMapOvr>
-  <mc:AlternateContent xmlns:mc="http://schemas.openxmlformats.org/markup-compatibility/2006" xmlns:p14="http://schemas.microsoft.com/office/powerpoint/2010/main">
-    <mc:Choice Requires="p14">
+  <mc:AlternateContent xmlns:mc="http://schemas.openxmlformats.org/markup-compatibility/2006">
+    <mc:Choice xmlns:p14="http://schemas.microsoft.com/office/powerpoint/2010/main" Requires="p14">
       <p:transition spd="med" p14:dur="700">
         <p:fade/>
       </p:transition>
     </mc:Choice>
-    <mc:Fallback xmlns="">
+    <mc:Fallback>
       <p:transition spd="med">
         <p:fade/>
       </p:transition>
@@ -15488,7 +15563,7 @@
           <p:nvPr>
             <p:ph type="title" orient="vert"/>
             <p:custDataLst>
-              <p:tags r:id="rId1"/>
+              <p:tags r:id="rId2"/>
             </p:custDataLst>
           </p:nvPr>
         </p:nvSpPr>
@@ -15534,6 +15609,9 @@
               </a:rPr>
               <a:t>单击此处编辑母版标题样式</a:t>
             </a:r>
+            <a:endParaRPr>
+              <a:sym typeface="+mn-ea"/>
+            </a:endParaRPr>
           </a:p>
         </p:txBody>
       </p:sp>
@@ -15546,7 +15624,7 @@
           <p:nvPr>
             <p:ph type="body" orient="vert" idx="1"/>
             <p:custDataLst>
-              <p:tags r:id="rId2"/>
+              <p:tags r:id="rId3"/>
             </p:custDataLst>
           </p:nvPr>
         </p:nvSpPr>
@@ -15626,6 +15704,7 @@
               <a:rPr lang="zh-CN" altLang="en-US" dirty="0"/>
               <a:t>单击此处编辑母版文本样式</a:t>
             </a:r>
+            <a:endParaRPr lang="zh-CN" altLang="en-US" dirty="0"/>
           </a:p>
           <a:p>
             <a:pPr lvl="1"/>
@@ -15633,6 +15712,7 @@
               <a:rPr lang="zh-CN" altLang="en-US" dirty="0"/>
               <a:t>第二级</a:t>
             </a:r>
+            <a:endParaRPr lang="zh-CN" altLang="en-US" dirty="0"/>
           </a:p>
           <a:p>
             <a:pPr lvl="2"/>
@@ -15640,6 +15720,7 @@
               <a:rPr lang="zh-CN" altLang="en-US" dirty="0"/>
               <a:t>第三级</a:t>
             </a:r>
+            <a:endParaRPr lang="zh-CN" altLang="en-US" dirty="0"/>
           </a:p>
           <a:p>
             <a:pPr lvl="3"/>
@@ -15647,6 +15728,7 @@
               <a:rPr lang="zh-CN" altLang="en-US" dirty="0"/>
               <a:t>第四级</a:t>
             </a:r>
+            <a:endParaRPr lang="zh-CN" altLang="en-US" dirty="0"/>
           </a:p>
           <a:p>
             <a:pPr lvl="4"/>
@@ -15654,6 +15736,7 @@
               <a:rPr lang="zh-CN" altLang="en-US" dirty="0"/>
               <a:t>第五级</a:t>
             </a:r>
+            <a:endParaRPr lang="zh-CN" altLang="en-US" dirty="0"/>
           </a:p>
         </p:txBody>
       </p:sp>
@@ -15666,7 +15749,7 @@
           <p:nvPr>
             <p:ph type="dt" sz="half" idx="10"/>
             <p:custDataLst>
-              <p:tags r:id="rId3"/>
+              <p:tags r:id="rId4"/>
             </p:custDataLst>
           </p:nvPr>
         </p:nvSpPr>
@@ -15677,7 +15760,6 @@
           <a:p>
             <a:fld id="{760FBDFE-C587-4B4C-A407-44438C67B59E}" type="datetimeFigureOut">
               <a:rPr lang="zh-CN" altLang="en-US" smtClean="0"/>
-              <a:t>2019/6/23</a:t>
             </a:fld>
             <a:endParaRPr lang="zh-CN" altLang="en-US"/>
           </a:p>
@@ -15692,7 +15774,7 @@
           <p:nvPr>
             <p:ph type="ftr" sz="quarter" idx="11"/>
             <p:custDataLst>
-              <p:tags r:id="rId4"/>
+              <p:tags r:id="rId5"/>
             </p:custDataLst>
           </p:nvPr>
         </p:nvSpPr>
@@ -15714,7 +15796,7 @@
           <p:nvPr>
             <p:ph type="sldNum" sz="quarter" idx="12"/>
             <p:custDataLst>
-              <p:tags r:id="rId5"/>
+              <p:tags r:id="rId6"/>
             </p:custDataLst>
           </p:nvPr>
         </p:nvSpPr>
@@ -15725,7 +15807,6 @@
           <a:p>
             <a:fld id="{49AE70B2-8BF9-45C0-BB95-33D1B9D3A854}" type="slidenum">
               <a:rPr lang="zh-CN" altLang="en-US" smtClean="0"/>
-              <a:t>‹#›</a:t>
             </a:fld>
             <a:endParaRPr lang="zh-CN" altLang="en-US"/>
           </a:p>
@@ -15736,13 +15817,13 @@
   <p:clrMapOvr>
     <a:masterClrMapping/>
   </p:clrMapOvr>
-  <mc:AlternateContent xmlns:mc="http://schemas.openxmlformats.org/markup-compatibility/2006" xmlns:p14="http://schemas.microsoft.com/office/powerpoint/2010/main">
-    <mc:Choice Requires="p14">
+  <mc:AlternateContent xmlns:mc="http://schemas.openxmlformats.org/markup-compatibility/2006">
+    <mc:Choice xmlns:p14="http://schemas.microsoft.com/office/powerpoint/2010/main" Requires="p14">
       <p:transition spd="med" p14:dur="700">
         <p:fade/>
       </p:transition>
     </mc:Choice>
-    <mc:Fallback xmlns="">
+    <mc:Fallback>
       <p:transition spd="med">
         <p:fade/>
       </p:transition>
@@ -15785,7 +15866,7 @@
           <p:nvPr>
             <p:ph type="title"/>
             <p:custDataLst>
-              <p:tags r:id="rId13"/>
+              <p:tags r:id="rId12"/>
             </p:custDataLst>
           </p:nvPr>
         </p:nvSpPr>
@@ -15808,6 +15889,7 @@
               <a:rPr lang="zh-CN" altLang="en-US" dirty="0"/>
               <a:t>单击此处编辑母版标题样式</a:t>
             </a:r>
+            <a:endParaRPr lang="zh-CN" altLang="en-US" dirty="0"/>
           </a:p>
         </p:txBody>
       </p:sp>
@@ -15820,7 +15902,7 @@
           <p:nvPr>
             <p:ph type="body" idx="1"/>
             <p:custDataLst>
-              <p:tags r:id="rId14"/>
+              <p:tags r:id="rId13"/>
             </p:custDataLst>
           </p:nvPr>
         </p:nvSpPr>
@@ -15844,6 +15926,7 @@
               <a:rPr lang="zh-CN" altLang="en-US" dirty="0"/>
               <a:t>单击此处编辑母版文本样式</a:t>
             </a:r>
+            <a:endParaRPr lang="zh-CN" altLang="en-US" dirty="0"/>
           </a:p>
           <a:p>
             <a:pPr lvl="1"/>
@@ -15851,6 +15934,7 @@
               <a:rPr lang="zh-CN" altLang="en-US" dirty="0"/>
               <a:t>第二级</a:t>
             </a:r>
+            <a:endParaRPr lang="zh-CN" altLang="en-US" dirty="0"/>
           </a:p>
           <a:p>
             <a:pPr lvl="2"/>
@@ -15858,6 +15942,7 @@
               <a:rPr lang="zh-CN" altLang="en-US" dirty="0"/>
               <a:t>第三级</a:t>
             </a:r>
+            <a:endParaRPr lang="zh-CN" altLang="en-US" dirty="0"/>
           </a:p>
           <a:p>
             <a:pPr lvl="3"/>
@@ -15865,6 +15950,7 @@
               <a:rPr lang="zh-CN" altLang="en-US" dirty="0"/>
               <a:t>第四级</a:t>
             </a:r>
+            <a:endParaRPr lang="zh-CN" altLang="en-US" dirty="0"/>
           </a:p>
           <a:p>
             <a:pPr lvl="4"/>
@@ -15872,6 +15958,7 @@
               <a:rPr lang="zh-CN" altLang="en-US" dirty="0"/>
               <a:t>第五级</a:t>
             </a:r>
+            <a:endParaRPr lang="zh-CN" altLang="en-US" dirty="0"/>
           </a:p>
         </p:txBody>
       </p:sp>
@@ -15884,7 +15971,7 @@
           <p:nvPr>
             <p:ph type="dt" sz="half" idx="2"/>
             <p:custDataLst>
-              <p:tags r:id="rId15"/>
+              <p:tags r:id="rId14"/>
             </p:custDataLst>
           </p:nvPr>
         </p:nvSpPr>
@@ -15918,7 +16005,6 @@
           <a:p>
             <a:fld id="{760FBDFE-C587-4B4C-A407-44438C67B59E}" type="datetimeFigureOut">
               <a:rPr lang="zh-CN" altLang="en-US" smtClean="0"/>
-              <a:t>2019/6/23</a:t>
             </a:fld>
             <a:endParaRPr lang="zh-CN" altLang="en-US"/>
           </a:p>
@@ -15933,7 +16019,7 @@
           <p:nvPr>
             <p:ph type="ftr" sz="quarter" idx="3"/>
             <p:custDataLst>
-              <p:tags r:id="rId16"/>
+              <p:tags r:id="rId15"/>
             </p:custDataLst>
           </p:nvPr>
         </p:nvSpPr>
@@ -15978,7 +16064,7 @@
           <p:nvPr>
             <p:ph type="sldNum" sz="quarter" idx="4"/>
             <p:custDataLst>
-              <p:tags r:id="rId17"/>
+              <p:tags r:id="rId16"/>
             </p:custDataLst>
           </p:nvPr>
         </p:nvSpPr>
@@ -16012,7 +16098,6 @@
           <a:p>
             <a:fld id="{49AE70B2-8BF9-45C0-BB95-33D1B9D3A854}" type="slidenum">
               <a:rPr lang="zh-CN" altLang="en-US" smtClean="0"/>
-              <a:t>‹#›</a:t>
             </a:fld>
             <a:endParaRPr lang="zh-CN" altLang="en-US" dirty="0"/>
           </a:p>
@@ -16024,7 +16109,7 @@
           <p:cNvSpPr/>
           <p:nvPr>
             <p:custDataLst>
-              <p:tags r:id="rId18"/>
+              <p:tags r:id="rId17"/>
             </p:custDataLst>
           </p:nvPr>
         </p:nvSpPr>
@@ -16082,13 +16167,13 @@
     <p:sldLayoutId id="2147483658" r:id="rId10"/>
     <p:sldLayoutId id="2147483659" r:id="rId11"/>
   </p:sldLayoutIdLst>
-  <mc:AlternateContent xmlns:mc="http://schemas.openxmlformats.org/markup-compatibility/2006" xmlns:p14="http://schemas.microsoft.com/office/powerpoint/2010/main">
-    <mc:Choice Requires="p14">
+  <mc:AlternateContent xmlns:mc="http://schemas.openxmlformats.org/markup-compatibility/2006">
+    <mc:Choice xmlns:p14="http://schemas.microsoft.com/office/powerpoint/2010/main" Requires="p14">
       <p:transition spd="med" p14:dur="700">
         <p:fade/>
       </p:transition>
     </mc:Choice>
-    <mc:Fallback xmlns="">
+    <mc:Fallback>
       <p:transition spd="med">
         <p:fade/>
       </p:transition>
@@ -16455,6 +16540,7 @@
               <a:rPr lang="zh-CN" altLang="en-US" dirty="0"/>
               <a:t>户外射击游戏</a:t>
             </a:r>
+            <a:endParaRPr lang="zh-CN" altLang="en-US" dirty="0"/>
           </a:p>
         </p:txBody>
       </p:sp>
@@ -16497,6 +16583,11 @@
               </a:rPr>
               <a:t>组</a:t>
             </a:r>
+            <a:endParaRPr lang="zh-CN" altLang="en-US" dirty="0">
+              <a:solidFill>
+                <a:schemeClr val="tx1"/>
+              </a:solidFill>
+            </a:endParaRPr>
           </a:p>
         </p:txBody>
       </p:sp>
@@ -16508,13 +16599,13 @@
   <p:clrMapOvr>
     <a:masterClrMapping/>
   </p:clrMapOvr>
-  <mc:AlternateContent xmlns:mc="http://schemas.openxmlformats.org/markup-compatibility/2006" xmlns:p14="http://schemas.microsoft.com/office/powerpoint/2010/main">
-    <mc:Choice Requires="p14">
+  <mc:AlternateContent xmlns:mc="http://schemas.openxmlformats.org/markup-compatibility/2006">
+    <mc:Choice xmlns:p14="http://schemas.microsoft.com/office/powerpoint/2010/main" Requires="p14">
       <p:transition spd="med" p14:dur="700">
         <p:fade/>
       </p:transition>
     </mc:Choice>
-    <mc:Fallback xmlns="">
+    <mc:Fallback>
       <p:transition spd="med">
         <p:fade/>
       </p:transition>
@@ -16557,8 +16648,15 @@
           <a:p>
             <a:r>
               <a:rPr lang="en-US" altLang="zh-CN"/>
-              <a:t>3. Lighting</a:t>
+              <a:t>3. </a:t>
             </a:r>
+            <a:r>
+              <a:rPr lang="en-US" altLang="zh-CN">
+                <a:sym typeface="+mn-ea"/>
+              </a:rPr>
+              <a:t>Simple lighting and shading</a:t>
+            </a:r>
+            <a:endParaRPr lang="en-US" altLang="zh-CN"/>
           </a:p>
         </p:txBody>
       </p:sp>
@@ -16634,13 +16732,13 @@
   <p:clrMapOvr>
     <a:masterClrMapping/>
   </p:clrMapOvr>
-  <mc:AlternateContent xmlns:mc="http://schemas.openxmlformats.org/markup-compatibility/2006" xmlns:p14="http://schemas.microsoft.com/office/powerpoint/2010/main">
-    <mc:Choice Requires="p14">
+  <mc:AlternateContent xmlns:mc="http://schemas.openxmlformats.org/markup-compatibility/2006">
+    <mc:Choice xmlns:p14="http://schemas.microsoft.com/office/powerpoint/2010/main" Requires="p14">
       <p:transition spd="med" p14:dur="700">
         <p:fade/>
       </p:transition>
     </mc:Choice>
-    <mc:Fallback xmlns="">
+    <mc:Fallback>
       <p:transition spd="med">
         <p:fade/>
       </p:transition>
@@ -16685,6 +16783,7 @@
               <a:rPr lang="en-US" altLang="zh-CN" dirty="0"/>
               <a:t>4. Shadow Mapping</a:t>
             </a:r>
+            <a:endParaRPr lang="en-US" altLang="zh-CN" dirty="0"/>
           </a:p>
         </p:txBody>
       </p:sp>
@@ -16715,6 +16814,7 @@
               <a:rPr lang="zh-CN" altLang="en-US" dirty="0"/>
               <a:t>作品实现了阴影贴图效果，并做出改进。</a:t>
             </a:r>
+            <a:endParaRPr lang="zh-CN" altLang="en-US" dirty="0"/>
           </a:p>
         </p:txBody>
       </p:sp>
@@ -16726,13 +16826,13 @@
   <p:clrMapOvr>
     <a:masterClrMapping/>
   </p:clrMapOvr>
-  <mc:AlternateContent xmlns:mc="http://schemas.openxmlformats.org/markup-compatibility/2006" xmlns:p14="http://schemas.microsoft.com/office/powerpoint/2010/main">
-    <mc:Choice Requires="p14">
+  <mc:AlternateContent xmlns:mc="http://schemas.openxmlformats.org/markup-compatibility/2006">
+    <mc:Choice xmlns:p14="http://schemas.microsoft.com/office/powerpoint/2010/main" Requires="p14">
       <p:transition spd="med" p14:dur="700">
         <p:fade/>
       </p:transition>
     </mc:Choice>
-    <mc:Fallback xmlns="">
+    <mc:Fallback>
       <p:transition spd="med">
         <p:fade/>
       </p:transition>
@@ -16777,6 +16877,7 @@
               <a:rPr lang="en-US" altLang="zh-CN" dirty="0"/>
               <a:t>5. Model Import &amp; Mesh Viewing</a:t>
             </a:r>
+            <a:endParaRPr lang="en-US" altLang="zh-CN" dirty="0"/>
           </a:p>
         </p:txBody>
       </p:sp>
@@ -16815,6 +16916,7 @@
               <a:rPr dirty="0"/>
               <a:t>库进行模型的加载</a:t>
             </a:r>
+            <a:endParaRPr dirty="0"/>
           </a:p>
         </p:txBody>
       </p:sp>
@@ -16826,13 +16928,13 @@
   <p:clrMapOvr>
     <a:masterClrMapping/>
   </p:clrMapOvr>
-  <mc:AlternateContent xmlns:mc="http://schemas.openxmlformats.org/markup-compatibility/2006" xmlns:p14="http://schemas.microsoft.com/office/powerpoint/2010/main">
-    <mc:Choice Requires="p14">
+  <mc:AlternateContent xmlns:mc="http://schemas.openxmlformats.org/markup-compatibility/2006">
+    <mc:Choice xmlns:p14="http://schemas.microsoft.com/office/powerpoint/2010/main" Requires="p14">
       <p:transition spd="med" p14:dur="700">
         <p:fade/>
       </p:transition>
     </mc:Choice>
-    <mc:Fallback xmlns="">
+    <mc:Fallback>
       <p:transition spd="med">
         <p:fade/>
       </p:transition>
@@ -16891,6 +16993,7 @@
               <a:rPr lang="zh-CN" altLang="en-US" sz="4000" dirty="0"/>
               <a:t>功能实现</a:t>
             </a:r>
+            <a:endParaRPr lang="zh-CN" altLang="en-US" sz="4000" dirty="0"/>
           </a:p>
         </p:txBody>
       </p:sp>
@@ -16898,22 +17001,17 @@
     <p:custDataLst>
       <p:tags r:id="rId1"/>
     </p:custDataLst>
-    <p:extLst>
-      <p:ext uri="{BB962C8B-B14F-4D97-AF65-F5344CB8AC3E}">
-        <p14:creationId xmlns:p14="http://schemas.microsoft.com/office/powerpoint/2010/main" val="941969011"/>
-      </p:ext>
-    </p:extLst>
   </p:cSld>
   <p:clrMapOvr>
     <a:masterClrMapping/>
   </p:clrMapOvr>
-  <mc:AlternateContent xmlns:mc="http://schemas.openxmlformats.org/markup-compatibility/2006" xmlns:p14="http://schemas.microsoft.com/office/powerpoint/2010/main">
-    <mc:Choice Requires="p14">
+  <mc:AlternateContent xmlns:mc="http://schemas.openxmlformats.org/markup-compatibility/2006">
+    <mc:Choice xmlns:p14="http://schemas.microsoft.com/office/powerpoint/2010/main" Requires="p14">
       <p:transition spd="med" p14:dur="700">
         <p:fade/>
       </p:transition>
     </mc:Choice>
-    <mc:Fallback xmlns="">
+    <mc:Fallback>
       <p:transition spd="med">
         <p:fade/>
       </p:transition>
@@ -16962,6 +17060,7 @@
               <a:rPr lang="zh-CN" altLang="en-US" dirty="0"/>
               <a:t>功能预览</a:t>
             </a:r>
+            <a:endParaRPr lang="zh-CN" altLang="en-US" dirty="0"/>
           </a:p>
         </p:txBody>
       </p:sp>
@@ -17103,22 +17202,17 @@
     <p:custDataLst>
       <p:tags r:id="rId1"/>
     </p:custDataLst>
-    <p:extLst>
-      <p:ext uri="{BB962C8B-B14F-4D97-AF65-F5344CB8AC3E}">
-        <p14:creationId xmlns:p14="http://schemas.microsoft.com/office/powerpoint/2010/main" val="1146348754"/>
-      </p:ext>
-    </p:extLst>
   </p:cSld>
   <p:clrMapOvr>
     <a:masterClrMapping/>
   </p:clrMapOvr>
-  <mc:AlternateContent xmlns:mc="http://schemas.openxmlformats.org/markup-compatibility/2006" xmlns:p14="http://schemas.microsoft.com/office/powerpoint/2010/main">
-    <mc:Choice Requires="p14">
+  <mc:AlternateContent xmlns:mc="http://schemas.openxmlformats.org/markup-compatibility/2006">
+    <mc:Choice xmlns:p14="http://schemas.microsoft.com/office/powerpoint/2010/main" Requires="p14">
       <p:transition spd="slow" p14:dur="800">
         <p14:flythrough/>
       </p:transition>
     </mc:Choice>
-    <mc:Fallback xmlns="">
+    <mc:Fallback>
       <p:transition spd="slow">
         <p:fade/>
       </p:transition>
@@ -17167,6 +17261,7 @@
               <a:rPr dirty="0"/>
               <a:t>天空盒</a:t>
             </a:r>
+            <a:endParaRPr dirty="0"/>
           </a:p>
         </p:txBody>
       </p:sp>
@@ -17197,6 +17292,7 @@
               <a:rPr lang="zh-CN" altLang="en-US" dirty="0"/>
               <a:t>使用立方体贴图技术，为正方体的六个面分别进行纹理的绑定</a:t>
             </a:r>
+            <a:endParaRPr lang="zh-CN" altLang="en-US" dirty="0"/>
           </a:p>
           <a:p>
             <a:endParaRPr lang="zh-CN" altLang="en-US" dirty="0"/>
@@ -17206,6 +17302,7 @@
               <a:rPr lang="zh-CN" altLang="en-US" dirty="0"/>
               <a:t>同时移除观察矩阵中的位移部分，让移动不会影响天空盒的位置向量</a:t>
             </a:r>
+            <a:endParaRPr lang="zh-CN" altLang="en-US" dirty="0"/>
           </a:p>
         </p:txBody>
       </p:sp>
@@ -17217,13 +17314,13 @@
   <p:clrMapOvr>
     <a:masterClrMapping/>
   </p:clrMapOvr>
-  <mc:AlternateContent xmlns:mc="http://schemas.openxmlformats.org/markup-compatibility/2006" xmlns:p14="http://schemas.microsoft.com/office/powerpoint/2010/main">
-    <mc:Choice Requires="p14">
+  <mc:AlternateContent xmlns:mc="http://schemas.openxmlformats.org/markup-compatibility/2006">
+    <mc:Choice xmlns:p14="http://schemas.microsoft.com/office/powerpoint/2010/main" Requires="p14">
       <p:transition spd="med" p14:dur="700">
         <p:fade/>
       </p:transition>
     </mc:Choice>
-    <mc:Fallback xmlns="">
+    <mc:Fallback>
       <p:transition spd="med">
         <p:fade/>
       </p:transition>
@@ -17272,6 +17369,7 @@
               <a:rPr dirty="0"/>
               <a:t>重力系统与碰撞检测</a:t>
             </a:r>
+            <a:endParaRPr dirty="0"/>
           </a:p>
         </p:txBody>
       </p:sp>
@@ -17301,6 +17399,7 @@
               <a:rPr dirty="0"/>
               <a:t>重力系统</a:t>
             </a:r>
+            <a:endParaRPr dirty="0"/>
           </a:p>
           <a:p>
             <a:endParaRPr lang="en-US" altLang="zh-CN" dirty="0"/>
@@ -17310,6 +17409,7 @@
               <a:rPr dirty="0"/>
               <a:t>利用物理公式计算出玩家当前垂直方向的速度以及位移即可</a:t>
             </a:r>
+            <a:endParaRPr dirty="0"/>
           </a:p>
         </p:txBody>
       </p:sp>
@@ -17321,13 +17421,7 @@
           <p:cNvGraphicFramePr>
             <a:graphicFrameLocks noChangeAspect="1"/>
           </p:cNvGraphicFramePr>
-          <p:nvPr>
-            <p:extLst>
-              <p:ext uri="{D42A27DB-BD31-4B8C-83A1-F6EECF244321}">
-                <p14:modId xmlns:p14="http://schemas.microsoft.com/office/powerpoint/2010/main" val="680012039"/>
-              </p:ext>
-            </p:extLst>
-          </p:nvPr>
+          <p:nvPr/>
         </p:nvGraphicFramePr>
         <p:xfrm>
           <a:off x="936211" y="2775585"/>
@@ -17337,12 +17431,12 @@
           <a:graphicData uri="http://schemas.openxmlformats.org/presentationml/2006/ole">
             <mc:AlternateContent xmlns:mc="http://schemas.openxmlformats.org/markup-compatibility/2006">
               <mc:Choice xmlns:v="urn:schemas-microsoft-com:vml" Requires="v">
-                <p:oleObj spid="_x0000_s1052" r:id="rId4" imgW="927100" imgH="482600" progId="Equation.KSEE3">
+                <p:oleObj spid="_x0000_s1052" name="" r:id="rId1" imgW="927100" imgH="482600" progId="Equation.KSEE3">
                   <p:embed/>
                 </p:oleObj>
               </mc:Choice>
               <mc:Fallback>
-                <p:oleObj r:id="rId4" imgW="927100" imgH="482600" progId="Equation.KSEE3">
+                <p:oleObj name="" r:id="rId1" imgW="927100" imgH="482600" progId="Equation.KSEE3">
                   <p:embed/>
                   <p:pic>
                     <p:nvPicPr>
@@ -17351,7 +17445,7 @@
                       <p:nvPr/>
                     </p:nvPicPr>
                     <p:blipFill>
-                      <a:blip r:embed="rId5"/>
+                      <a:blip r:embed="rId2"/>
                       <a:stretch>
                         <a:fillRect/>
                       </a:stretch>
@@ -17374,19 +17468,19 @@
       </p:graphicFrame>
     </p:spTree>
     <p:custDataLst>
-      <p:tags r:id="rId2"/>
+      <p:tags r:id="rId3"/>
     </p:custDataLst>
   </p:cSld>
   <p:clrMapOvr>
     <a:masterClrMapping/>
   </p:clrMapOvr>
-  <mc:AlternateContent xmlns:mc="http://schemas.openxmlformats.org/markup-compatibility/2006" xmlns:p14="http://schemas.microsoft.com/office/powerpoint/2010/main">
-    <mc:Choice Requires="p14">
+  <mc:AlternateContent xmlns:mc="http://schemas.openxmlformats.org/markup-compatibility/2006">
+    <mc:Choice xmlns:p14="http://schemas.microsoft.com/office/powerpoint/2010/main" Requires="p14">
       <p:transition spd="med" p14:dur="700">
         <p:fade/>
       </p:transition>
     </mc:Choice>
-    <mc:Fallback xmlns="">
+    <mc:Fallback>
       <p:transition spd="med">
         <p:fade/>
       </p:transition>
@@ -17468,6 +17562,7 @@
               <a:rPr dirty="0"/>
               <a:t>碰撞检测</a:t>
             </a:r>
+            <a:endParaRPr dirty="0"/>
           </a:p>
           <a:p>
             <a:endParaRPr dirty="0"/>
@@ -17485,6 +17580,7 @@
               <a:rPr dirty="0"/>
               <a:t>）场景外围边缘检测：</a:t>
             </a:r>
+            <a:endParaRPr dirty="0"/>
           </a:p>
           <a:p>
             <a:r>
@@ -17499,6 +17595,7 @@
               <a:rPr dirty="0"/>
               <a:t>平面的碰撞检测即可</a:t>
             </a:r>
+            <a:endParaRPr dirty="0"/>
           </a:p>
           <a:p>
             <a:endParaRPr dirty="0"/>
@@ -17516,12 +17613,14 @@
               <a:rPr dirty="0"/>
               <a:t>）场景内部物体检测：</a:t>
             </a:r>
+            <a:endParaRPr dirty="0"/>
           </a:p>
           <a:p>
             <a:r>
               <a:rPr dirty="0"/>
               <a:t>只有当玩家身体处于碰撞体垂直区域范围内，才进行XZ平面的碰撞检测。</a:t>
             </a:r>
+            <a:endParaRPr dirty="0"/>
           </a:p>
         </p:txBody>
       </p:sp>
@@ -17533,13 +17632,13 @@
   <p:clrMapOvr>
     <a:masterClrMapping/>
   </p:clrMapOvr>
-  <mc:AlternateContent xmlns:mc="http://schemas.openxmlformats.org/markup-compatibility/2006" xmlns:p14="http://schemas.microsoft.com/office/powerpoint/2010/main">
-    <mc:Choice Requires="p14">
+  <mc:AlternateContent xmlns:mc="http://schemas.openxmlformats.org/markup-compatibility/2006">
+    <mc:Choice xmlns:p14="http://schemas.microsoft.com/office/powerpoint/2010/main" Requires="p14">
       <p:transition spd="med" p14:dur="700">
         <p:fade/>
       </p:transition>
     </mc:Choice>
-    <mc:Fallback xmlns="">
+    <mc:Fallback>
       <p:transition spd="med">
         <p:fade/>
       </p:transition>
@@ -17588,6 +17687,7 @@
               <a:rPr dirty="0"/>
               <a:t>爆炸效果</a:t>
             </a:r>
+            <a:endParaRPr dirty="0"/>
           </a:p>
         </p:txBody>
       </p:sp>
@@ -17618,6 +17718,7 @@
               <a:rPr lang="zh-CN" altLang="en-US" dirty="0"/>
               <a:t>这部分使用几何着色器进行实现</a:t>
             </a:r>
+            <a:endParaRPr lang="zh-CN" altLang="en-US" dirty="0"/>
           </a:p>
           <a:p>
             <a:endParaRPr lang="en-US" altLang="zh-CN" dirty="0"/>
@@ -17631,6 +17732,7 @@
               <a:rPr dirty="0"/>
               <a:t>首先通过一个面的三个顶点坐标计算出当前面的法线向量。</a:t>
             </a:r>
+            <a:endParaRPr dirty="0"/>
           </a:p>
           <a:p>
             <a:endParaRPr lang="en-US" altLang="zh-CN" dirty="0"/>
@@ -17644,6 +17746,7 @@
               <a:rPr dirty="0"/>
               <a:t>然后将这三个顶点同时沿法线向量偏移一段距离</a:t>
             </a:r>
+            <a:endParaRPr dirty="0"/>
           </a:p>
           <a:p>
             <a:r>
@@ -17654,6 +17757,7 @@
               <a:rPr dirty="0"/>
               <a:t>将偏移后的顶点坐标向量作为新的坐标向量输出</a:t>
             </a:r>
+            <a:endParaRPr dirty="0"/>
           </a:p>
           <a:p>
             <a:endParaRPr dirty="0"/>
@@ -17668,13 +17772,13 @@
   <p:clrMapOvr>
     <a:masterClrMapping/>
   </p:clrMapOvr>
-  <mc:AlternateContent xmlns:mc="http://schemas.openxmlformats.org/markup-compatibility/2006" xmlns:p14="http://schemas.microsoft.com/office/powerpoint/2010/main">
-    <mc:Choice Requires="p14">
+  <mc:AlternateContent xmlns:mc="http://schemas.openxmlformats.org/markup-compatibility/2006">
+    <mc:Choice xmlns:p14="http://schemas.microsoft.com/office/powerpoint/2010/main" Requires="p14">
       <p:transition spd="med" p14:dur="700">
         <p:fade/>
       </p:transition>
     </mc:Choice>
-    <mc:Fallback xmlns="">
+    <mc:Fallback>
       <p:transition spd="med">
         <p:fade/>
       </p:transition>
@@ -17727,6 +17831,7 @@
               <a:rPr lang="en-US" altLang="zh-CN" dirty="0"/>
               <a:t> </a:t>
             </a:r>
+            <a:endParaRPr lang="en-US" altLang="zh-CN" dirty="0"/>
           </a:p>
         </p:txBody>
       </p:sp>
@@ -17773,6 +17878,7 @@
               <a:rPr lang="en-US" altLang="zh-CN" dirty="0"/>
               <a:t>model</a:t>
             </a:r>
+            <a:endParaRPr lang="en-US" altLang="zh-CN" dirty="0"/>
           </a:p>
           <a:p>
             <a:endParaRPr lang="en-US" altLang="zh-CN" dirty="0"/>
@@ -17830,6 +17936,7 @@
               <a:rPr lang="zh-CN" altLang="en-US" dirty="0"/>
               <a:t>绘制特定数量的实例</a:t>
             </a:r>
+            <a:endParaRPr lang="zh-CN" altLang="en-US" dirty="0"/>
           </a:p>
         </p:txBody>
       </p:sp>
@@ -17841,13 +17948,13 @@
   <p:clrMapOvr>
     <a:masterClrMapping/>
   </p:clrMapOvr>
-  <mc:AlternateContent xmlns:mc="http://schemas.openxmlformats.org/markup-compatibility/2006" xmlns:p14="http://schemas.microsoft.com/office/powerpoint/2010/main">
-    <mc:Choice Requires="p14">
+  <mc:AlternateContent xmlns:mc="http://schemas.openxmlformats.org/markup-compatibility/2006">
+    <mc:Choice xmlns:p14="http://schemas.microsoft.com/office/powerpoint/2010/main" Requires="p14">
       <p:transition spd="med" p14:dur="700">
         <p:fade/>
       </p:transition>
     </mc:Choice>
-    <mc:Fallback xmlns="">
+    <mc:Fallback>
       <p:transition spd="med">
         <p:fade/>
       </p:transition>
@@ -17875,13 +17982,7 @@
       </p:grpSpPr>
       <p:sp>
         <p:nvSpPr>
-          <p:cNvPr id="2" name="标题 1">
-            <a:extLst>
-              <a:ext uri="{FF2B5EF4-FFF2-40B4-BE49-F238E27FC236}">
-                <a16:creationId xmlns:a16="http://schemas.microsoft.com/office/drawing/2014/main" id="{05AA8E17-A85D-4E66-89FE-192A2747B4C3}"/>
-              </a:ext>
-            </a:extLst>
-          </p:cNvPr>
+          <p:cNvPr id="2" name="标题 1"/>
           <p:cNvSpPr>
             <a:spLocks noGrp="1"/>
           </p:cNvSpPr>
@@ -17898,18 +17999,13 @@
               <a:rPr lang="zh-CN" altLang="en-US" dirty="0"/>
               <a:t>内容概览</a:t>
             </a:r>
+            <a:endParaRPr lang="zh-CN" altLang="en-US" dirty="0"/>
           </a:p>
         </p:txBody>
       </p:sp>
       <p:cxnSp>
         <p:nvCxnSpPr>
-          <p:cNvPr id="4" name="直接连接符 3">
-            <a:extLst>
-              <a:ext uri="{FF2B5EF4-FFF2-40B4-BE49-F238E27FC236}">
-                <a16:creationId xmlns:a16="http://schemas.microsoft.com/office/drawing/2014/main" id="{4F23B7D6-9F41-4F89-AD3B-2FAF7076F83F}"/>
-              </a:ext>
-            </a:extLst>
-          </p:cNvPr>
+          <p:cNvPr id="4" name="直接连接符 3"/>
           <p:cNvCxnSpPr/>
           <p:nvPr>
             <p:custDataLst>
@@ -17950,13 +18046,7 @@
       </p:cxnSp>
       <p:sp>
         <p:nvSpPr>
-          <p:cNvPr id="5" name="文本框 29">
-            <a:extLst>
-              <a:ext uri="{FF2B5EF4-FFF2-40B4-BE49-F238E27FC236}">
-                <a16:creationId xmlns:a16="http://schemas.microsoft.com/office/drawing/2014/main" id="{842D0A04-CAA6-4B13-9344-0232497DEE09}"/>
-              </a:ext>
-            </a:extLst>
-          </p:cNvPr>
+          <p:cNvPr id="5" name="文本框 29"/>
           <p:cNvSpPr txBox="1"/>
           <p:nvPr>
             <p:custDataLst>
@@ -18093,18 +18183,23 @@
               </a:rPr>
               <a:t>作品概述与成员分工</a:t>
             </a:r>
+            <a:endParaRPr lang="zh-CN" altLang="en-US" sz="2000" dirty="0">
+              <a:solidFill>
+                <a:schemeClr val="tx1">
+                  <a:lumMod val="85000"/>
+                  <a:lumOff val="15000"/>
+                </a:schemeClr>
+              </a:solidFill>
+              <a:latin typeface="微软雅黑" panose="020B0503020204020204" charset="-122"/>
+              <a:ea typeface="微软雅黑" panose="020B0503020204020204" charset="-122"/>
+              <a:cs typeface="微软雅黑" panose="020B0503020204020204" charset="-122"/>
+            </a:endParaRPr>
           </a:p>
         </p:txBody>
       </p:sp>
       <p:sp>
         <p:nvSpPr>
-          <p:cNvPr id="7" name="椭圆 6">
-            <a:extLst>
-              <a:ext uri="{FF2B5EF4-FFF2-40B4-BE49-F238E27FC236}">
-                <a16:creationId xmlns:a16="http://schemas.microsoft.com/office/drawing/2014/main" id="{F0C76752-4143-45E9-A9AA-63DD03527F5E}"/>
-              </a:ext>
-            </a:extLst>
-          </p:cNvPr>
+          <p:cNvPr id="7" name="椭圆 6"/>
           <p:cNvSpPr/>
           <p:nvPr>
             <p:custDataLst>
@@ -18159,18 +18254,20 @@
               </a:rPr>
               <a:t>1</a:t>
             </a:r>
+            <a:endParaRPr lang="en-US" altLang="zh-CN" sz="1600" dirty="0">
+              <a:solidFill>
+                <a:schemeClr val="accent1"/>
+              </a:solidFill>
+              <a:latin typeface="微软雅黑" panose="020B0503020204020204" charset="-122"/>
+              <a:ea typeface="微软雅黑" panose="020B0503020204020204" charset="-122"/>
+              <a:cs typeface="微软雅黑" panose="020B0503020204020204" charset="-122"/>
+            </a:endParaRPr>
           </a:p>
         </p:txBody>
       </p:sp>
       <p:cxnSp>
         <p:nvCxnSpPr>
-          <p:cNvPr id="8" name="直接连接符 7">
-            <a:extLst>
-              <a:ext uri="{FF2B5EF4-FFF2-40B4-BE49-F238E27FC236}">
-                <a16:creationId xmlns:a16="http://schemas.microsoft.com/office/drawing/2014/main" id="{A1B7B7DD-3326-431F-AD85-9EBDCCA0BC6D}"/>
-              </a:ext>
-            </a:extLst>
-          </p:cNvPr>
+          <p:cNvPr id="8" name="直接连接符 7"/>
           <p:cNvCxnSpPr/>
           <p:nvPr>
             <p:custDataLst>
@@ -18211,13 +18308,7 @@
       </p:cxnSp>
       <p:sp>
         <p:nvSpPr>
-          <p:cNvPr id="9" name="文本框 29">
-            <a:extLst>
-              <a:ext uri="{FF2B5EF4-FFF2-40B4-BE49-F238E27FC236}">
-                <a16:creationId xmlns:a16="http://schemas.microsoft.com/office/drawing/2014/main" id="{FDDEF83A-FC1A-4FDD-B897-05806E9BA21A}"/>
-              </a:ext>
-            </a:extLst>
-          </p:cNvPr>
+          <p:cNvPr id="9" name="文本框 29"/>
           <p:cNvSpPr txBox="1"/>
           <p:nvPr>
             <p:custDataLst>
@@ -18368,18 +18459,23 @@
               </a:rPr>
               <a:t>功能实现</a:t>
             </a:r>
+            <a:endParaRPr lang="zh-CN" altLang="en-US" sz="2000" dirty="0">
+              <a:solidFill>
+                <a:schemeClr val="tx1">
+                  <a:lumMod val="85000"/>
+                  <a:lumOff val="15000"/>
+                </a:schemeClr>
+              </a:solidFill>
+              <a:latin typeface="微软雅黑" panose="020B0503020204020204" charset="-122"/>
+              <a:ea typeface="微软雅黑" panose="020B0503020204020204" charset="-122"/>
+              <a:cs typeface="微软雅黑" panose="020B0503020204020204" charset="-122"/>
+            </a:endParaRPr>
           </a:p>
         </p:txBody>
       </p:sp>
       <p:sp>
         <p:nvSpPr>
-          <p:cNvPr id="11" name="椭圆 10">
-            <a:extLst>
-              <a:ext uri="{FF2B5EF4-FFF2-40B4-BE49-F238E27FC236}">
-                <a16:creationId xmlns:a16="http://schemas.microsoft.com/office/drawing/2014/main" id="{E563087B-1AAD-41DE-937E-D3137F508430}"/>
-              </a:ext>
-            </a:extLst>
-          </p:cNvPr>
+          <p:cNvPr id="11" name="椭圆 10"/>
           <p:cNvSpPr/>
           <p:nvPr>
             <p:custDataLst>
@@ -18434,18 +18530,20 @@
               </a:rPr>
               <a:t>2</a:t>
             </a:r>
+            <a:endParaRPr lang="en-US" altLang="zh-CN" sz="1600" dirty="0">
+              <a:solidFill>
+                <a:schemeClr val="accent1"/>
+              </a:solidFill>
+              <a:latin typeface="微软雅黑" panose="020B0503020204020204" charset="-122"/>
+              <a:ea typeface="微软雅黑" panose="020B0503020204020204" charset="-122"/>
+              <a:cs typeface="微软雅黑" panose="020B0503020204020204" charset="-122"/>
+            </a:endParaRPr>
           </a:p>
         </p:txBody>
       </p:sp>
       <p:cxnSp>
         <p:nvCxnSpPr>
-          <p:cNvPr id="12" name="直接连接符 11">
-            <a:extLst>
-              <a:ext uri="{FF2B5EF4-FFF2-40B4-BE49-F238E27FC236}">
-                <a16:creationId xmlns:a16="http://schemas.microsoft.com/office/drawing/2014/main" id="{843AF734-6A49-40C8-A66F-F6EFD16C8B54}"/>
-              </a:ext>
-            </a:extLst>
-          </p:cNvPr>
+          <p:cNvPr id="12" name="直接连接符 11"/>
           <p:cNvCxnSpPr/>
           <p:nvPr>
             <p:custDataLst>
@@ -18486,13 +18584,7 @@
       </p:cxnSp>
       <p:sp>
         <p:nvSpPr>
-          <p:cNvPr id="13" name="文本框 29">
-            <a:extLst>
-              <a:ext uri="{FF2B5EF4-FFF2-40B4-BE49-F238E27FC236}">
-                <a16:creationId xmlns:a16="http://schemas.microsoft.com/office/drawing/2014/main" id="{B7042895-B672-4276-8383-8B54673C9470}"/>
-              </a:ext>
-            </a:extLst>
-          </p:cNvPr>
+          <p:cNvPr id="13" name="文本框 29"/>
           <p:cNvSpPr txBox="1"/>
           <p:nvPr>
             <p:custDataLst>
@@ -18643,18 +18735,23 @@
               </a:rPr>
               <a:t>功能实现</a:t>
             </a:r>
+            <a:endParaRPr lang="zh-CN" altLang="en-US" sz="2000" dirty="0">
+              <a:solidFill>
+                <a:schemeClr val="tx1">
+                  <a:lumMod val="85000"/>
+                  <a:lumOff val="15000"/>
+                </a:schemeClr>
+              </a:solidFill>
+              <a:latin typeface="微软雅黑" panose="020B0503020204020204" charset="-122"/>
+              <a:ea typeface="微软雅黑" panose="020B0503020204020204" charset="-122"/>
+              <a:cs typeface="微软雅黑" panose="020B0503020204020204" charset="-122"/>
+            </a:endParaRPr>
           </a:p>
         </p:txBody>
       </p:sp>
       <p:sp>
         <p:nvSpPr>
-          <p:cNvPr id="14" name="椭圆 13">
-            <a:extLst>
-              <a:ext uri="{FF2B5EF4-FFF2-40B4-BE49-F238E27FC236}">
-                <a16:creationId xmlns:a16="http://schemas.microsoft.com/office/drawing/2014/main" id="{1BB9BA27-7615-4771-894A-5B7D63DD3D43}"/>
-              </a:ext>
-            </a:extLst>
-          </p:cNvPr>
+          <p:cNvPr id="14" name="椭圆 13"/>
           <p:cNvSpPr/>
           <p:nvPr>
             <p:custDataLst>
@@ -18709,18 +18806,20 @@
               </a:rPr>
               <a:t>3</a:t>
             </a:r>
+            <a:endParaRPr lang="en-US" altLang="zh-CN" sz="1600" dirty="0">
+              <a:solidFill>
+                <a:schemeClr val="accent1"/>
+              </a:solidFill>
+              <a:latin typeface="微软雅黑" panose="020B0503020204020204" charset="-122"/>
+              <a:ea typeface="微软雅黑" panose="020B0503020204020204" charset="-122"/>
+              <a:cs typeface="微软雅黑" panose="020B0503020204020204" charset="-122"/>
+            </a:endParaRPr>
           </a:p>
         </p:txBody>
       </p:sp>
       <p:cxnSp>
         <p:nvCxnSpPr>
-          <p:cNvPr id="15" name="直接连接符 14">
-            <a:extLst>
-              <a:ext uri="{FF2B5EF4-FFF2-40B4-BE49-F238E27FC236}">
-                <a16:creationId xmlns:a16="http://schemas.microsoft.com/office/drawing/2014/main" id="{C7FEB002-D1C2-49BB-B54D-E0239149DD9E}"/>
-              </a:ext>
-            </a:extLst>
-          </p:cNvPr>
+          <p:cNvPr id="15" name="直接连接符 14"/>
           <p:cNvCxnSpPr/>
           <p:nvPr>
             <p:custDataLst>
@@ -18761,13 +18860,7 @@
       </p:cxnSp>
       <p:sp>
         <p:nvSpPr>
-          <p:cNvPr id="17" name="椭圆 16">
-            <a:extLst>
-              <a:ext uri="{FF2B5EF4-FFF2-40B4-BE49-F238E27FC236}">
-                <a16:creationId xmlns:a16="http://schemas.microsoft.com/office/drawing/2014/main" id="{78328CB4-FA75-41DE-8400-770CD2F9F299}"/>
-              </a:ext>
-            </a:extLst>
-          </p:cNvPr>
+          <p:cNvPr id="17" name="椭圆 16"/>
           <p:cNvSpPr/>
           <p:nvPr>
             <p:custDataLst>
@@ -18822,18 +18915,20 @@
               </a:rPr>
               <a:t>4</a:t>
             </a:r>
+            <a:endParaRPr lang="en-US" altLang="zh-CN" sz="1600" dirty="0">
+              <a:solidFill>
+                <a:schemeClr val="accent1"/>
+              </a:solidFill>
+              <a:latin typeface="微软雅黑" panose="020B0503020204020204" charset="-122"/>
+              <a:ea typeface="微软雅黑" panose="020B0503020204020204" charset="-122"/>
+              <a:cs typeface="微软雅黑" panose="020B0503020204020204" charset="-122"/>
+            </a:endParaRPr>
           </a:p>
         </p:txBody>
       </p:sp>
       <p:sp>
         <p:nvSpPr>
-          <p:cNvPr id="18" name="文本框 29">
-            <a:extLst>
-              <a:ext uri="{FF2B5EF4-FFF2-40B4-BE49-F238E27FC236}">
-                <a16:creationId xmlns:a16="http://schemas.microsoft.com/office/drawing/2014/main" id="{353534C2-EC66-43F8-940B-EA2BF23361D2}"/>
-              </a:ext>
-            </a:extLst>
-          </p:cNvPr>
+          <p:cNvPr id="18" name="文本框 29"/>
           <p:cNvSpPr txBox="1"/>
           <p:nvPr>
             <p:custDataLst>
@@ -18970,26 +19065,32 @@
               </a:rPr>
               <a:t>未来的改进</a:t>
             </a:r>
+            <a:endParaRPr lang="zh-CN" altLang="en-US" sz="2000" dirty="0">
+              <a:solidFill>
+                <a:schemeClr val="tx1">
+                  <a:lumMod val="85000"/>
+                  <a:lumOff val="15000"/>
+                </a:schemeClr>
+              </a:solidFill>
+              <a:latin typeface="微软雅黑" panose="020B0503020204020204" charset="-122"/>
+              <a:ea typeface="微软雅黑" panose="020B0503020204020204" charset="-122"/>
+              <a:cs typeface="微软雅黑" panose="020B0503020204020204" charset="-122"/>
+            </a:endParaRPr>
           </a:p>
         </p:txBody>
       </p:sp>
     </p:spTree>
-    <p:extLst>
-      <p:ext uri="{BB962C8B-B14F-4D97-AF65-F5344CB8AC3E}">
-        <p14:creationId xmlns:p14="http://schemas.microsoft.com/office/powerpoint/2010/main" val="1302700620"/>
-      </p:ext>
-    </p:extLst>
   </p:cSld>
   <p:clrMapOvr>
     <a:masterClrMapping/>
   </p:clrMapOvr>
-  <mc:AlternateContent xmlns:mc="http://schemas.openxmlformats.org/markup-compatibility/2006" xmlns:p14="http://schemas.microsoft.com/office/powerpoint/2010/main">
-    <mc:Choice Requires="p14">
+  <mc:AlternateContent xmlns:mc="http://schemas.openxmlformats.org/markup-compatibility/2006">
+    <mc:Choice xmlns:p14="http://schemas.microsoft.com/office/powerpoint/2010/main" Requires="p14">
       <p:transition spd="slow" p14:dur="800">
         <p14:flythrough/>
       </p:transition>
     </mc:Choice>
-    <mc:Fallback xmlns="">
+    <mc:Fallback>
       <p:transition spd="slow">
         <p:fade/>
       </p:transition>
@@ -19038,6 +19139,7 @@
               <a:rPr dirty="0"/>
               <a:t>文字显示</a:t>
             </a:r>
+            <a:endParaRPr dirty="0"/>
           </a:p>
         </p:txBody>
       </p:sp>
@@ -19076,6 +19178,7 @@
               <a:rPr dirty="0"/>
               <a:t>库</a:t>
             </a:r>
+            <a:endParaRPr dirty="0"/>
           </a:p>
         </p:txBody>
       </p:sp>
@@ -19087,13 +19190,13 @@
   <p:clrMapOvr>
     <a:masterClrMapping/>
   </p:clrMapOvr>
-  <mc:AlternateContent xmlns:mc="http://schemas.openxmlformats.org/markup-compatibility/2006" xmlns:p14="http://schemas.microsoft.com/office/powerpoint/2010/main">
-    <mc:Choice Requires="p14">
+  <mc:AlternateContent xmlns:mc="http://schemas.openxmlformats.org/markup-compatibility/2006">
+    <mc:Choice xmlns:p14="http://schemas.microsoft.com/office/powerpoint/2010/main" Requires="p14">
       <p:transition spd="med" p14:dur="700">
         <p:fade/>
       </p:transition>
     </mc:Choice>
-    <mc:Fallback xmlns="">
+    <mc:Fallback>
       <p:transition spd="med">
         <p:fade/>
       </p:transition>
@@ -19142,6 +19245,7 @@
               <a:rPr dirty="0"/>
               <a:t>粒子系统</a:t>
             </a:r>
+            <a:endParaRPr dirty="0"/>
           </a:p>
         </p:txBody>
       </p:sp>
@@ -19172,13 +19276,13 @@
   <p:clrMapOvr>
     <a:masterClrMapping/>
   </p:clrMapOvr>
-  <mc:AlternateContent xmlns:mc="http://schemas.openxmlformats.org/markup-compatibility/2006" xmlns:p14="http://schemas.microsoft.com/office/powerpoint/2010/main">
-    <mc:Choice Requires="p14">
+  <mc:AlternateContent xmlns:mc="http://schemas.openxmlformats.org/markup-compatibility/2006">
+    <mc:Choice xmlns:p14="http://schemas.microsoft.com/office/powerpoint/2010/main" Requires="p14">
       <p:transition spd="med" p14:dur="700">
         <p:fade/>
       </p:transition>
     </mc:Choice>
-    <mc:Fallback xmlns="">
+    <mc:Fallback>
       <p:transition spd="med">
         <p:fade/>
       </p:transition>
@@ -19227,6 +19331,7 @@
               <a:rPr dirty="0"/>
               <a:t>抗锯齿</a:t>
             </a:r>
+            <a:endParaRPr dirty="0"/>
           </a:p>
         </p:txBody>
       </p:sp>
@@ -19273,6 +19378,7 @@
               <a:rPr dirty="0"/>
               <a:t>算法。</a:t>
             </a:r>
+            <a:endParaRPr dirty="0"/>
           </a:p>
           <a:p>
             <a:endParaRPr dirty="0"/>
@@ -19286,12 +19392,14 @@
               <a:rPr dirty="0"/>
               <a:t>工作方法：</a:t>
             </a:r>
+            <a:endParaRPr dirty="0"/>
           </a:p>
           <a:p>
             <a:r>
               <a:rPr dirty="0"/>
               <a:t>无论三角形遮盖了多少个子采样点，（每个图元中）每个像素只运行一次片段着色器。片段着色器所使用的顶点数据会插值到每个像素的中心，所得到的结果颜色会被储存在每个被遮盖住的子采样点中。当颜色缓冲的子样本被图元的所有颜色填满时，所有的这些颜色将会在每个像素内部平均化。</a:t>
             </a:r>
+            <a:endParaRPr dirty="0"/>
           </a:p>
         </p:txBody>
       </p:sp>
@@ -19303,13 +19411,13 @@
   <p:clrMapOvr>
     <a:masterClrMapping/>
   </p:clrMapOvr>
-  <mc:AlternateContent xmlns:mc="http://schemas.openxmlformats.org/markup-compatibility/2006" xmlns:p14="http://schemas.microsoft.com/office/powerpoint/2010/main">
-    <mc:Choice Requires="p14">
+  <mc:AlternateContent xmlns:mc="http://schemas.openxmlformats.org/markup-compatibility/2006">
+    <mc:Choice xmlns:p14="http://schemas.microsoft.com/office/powerpoint/2010/main" Requires="p14">
       <p:transition spd="med" p14:dur="700">
         <p:fade/>
       </p:transition>
     </mc:Choice>
-    <mc:Fallback xmlns="">
+    <mc:Fallback>
       <p:transition spd="med">
         <p:fade/>
       </p:transition>
@@ -19358,6 +19466,7 @@
               <a:rPr dirty="0"/>
               <a:t>校正</a:t>
             </a:r>
+            <a:endParaRPr dirty="0"/>
           </a:p>
         </p:txBody>
       </p:sp>
@@ -19392,6 +19501,7 @@
               <a:rPr lang="zh-CN" altLang="en-US" dirty="0"/>
               <a:t>色彩校正</a:t>
             </a:r>
+            <a:endParaRPr lang="zh-CN" altLang="en-US" dirty="0"/>
           </a:p>
           <a:p>
             <a:r>
@@ -19406,6 +19516,7 @@
               <a:rPr lang="zh-CN" altLang="en-US" dirty="0"/>
               <a:t>曲线进行编辑，以对图像进行非线性色调编辑的方法，检出图像信号中的深色部分和浅色部分，并使两者比例增大，从而提高图像对比度效果。</a:t>
             </a:r>
+            <a:endParaRPr lang="zh-CN" altLang="en-US" dirty="0"/>
           </a:p>
           <a:p>
             <a:r>
@@ -19424,6 +19535,7 @@
               <a:rPr lang="zh-CN" altLang="en-US" dirty="0"/>
               <a:t>gamma值一般为2.2</a:t>
             </a:r>
+            <a:endParaRPr lang="zh-CN" altLang="en-US" dirty="0"/>
           </a:p>
           <a:p>
             <a:endParaRPr lang="zh-CN" altLang="en-US" dirty="0"/>
@@ -19437,12 +19549,14 @@
               <a:rPr dirty="0"/>
               <a:t>光照衰减</a:t>
             </a:r>
+            <a:endParaRPr dirty="0"/>
           </a:p>
           <a:p>
             <a:r>
               <a:rPr dirty="0"/>
               <a:t>模拟在真实的物理世界中，光照强度和光源的距离成反比。</a:t>
             </a:r>
+            <a:endParaRPr dirty="0"/>
           </a:p>
         </p:txBody>
       </p:sp>
@@ -19454,13 +19568,13 @@
   <p:clrMapOvr>
     <a:masterClrMapping/>
   </p:clrMapOvr>
-  <mc:AlternateContent xmlns:mc="http://schemas.openxmlformats.org/markup-compatibility/2006" xmlns:p14="http://schemas.microsoft.com/office/powerpoint/2010/main">
-    <mc:Choice Requires="p14">
+  <mc:AlternateContent xmlns:mc="http://schemas.openxmlformats.org/markup-compatibility/2006">
+    <mc:Choice xmlns:p14="http://schemas.microsoft.com/office/powerpoint/2010/main" Requires="p14">
       <p:transition spd="med" p14:dur="700">
         <p:fade/>
       </p:transition>
     </mc:Choice>
-    <mc:Fallback xmlns="">
+    <mc:Fallback>
       <p:transition spd="med">
         <p:fade/>
       </p:transition>
@@ -19509,6 +19623,7 @@
               <a:rPr dirty="0"/>
               <a:t>法线贴图</a:t>
             </a:r>
+            <a:endParaRPr dirty="0"/>
           </a:p>
         </p:txBody>
       </p:sp>
@@ -19539,13 +19654,13 @@
   <p:clrMapOvr>
     <a:masterClrMapping/>
   </p:clrMapOvr>
-  <mc:AlternateContent xmlns:mc="http://schemas.openxmlformats.org/markup-compatibility/2006" xmlns:p14="http://schemas.microsoft.com/office/powerpoint/2010/main">
-    <mc:Choice Requires="p14">
+  <mc:AlternateContent xmlns:mc="http://schemas.openxmlformats.org/markup-compatibility/2006">
+    <mc:Choice xmlns:p14="http://schemas.microsoft.com/office/powerpoint/2010/main" Requires="p14">
       <p:transition spd="med" p14:dur="700">
         <p:fade/>
       </p:transition>
     </mc:Choice>
-    <mc:Fallback xmlns="">
+    <mc:Fallback>
       <p:transition spd="med">
         <p:fade/>
       </p:transition>
@@ -19594,6 +19709,7 @@
               <a:rPr dirty="0"/>
               <a:t>面剔除</a:t>
             </a:r>
+            <a:endParaRPr dirty="0"/>
           </a:p>
         </p:txBody>
       </p:sp>
@@ -19608,7 +19724,7 @@
           </p:nvPr>
         </p:nvPicPr>
         <p:blipFill>
-          <a:blip r:embed="rId3"/>
+          <a:blip r:embed="rId1"/>
           <a:stretch>
             <a:fillRect/>
           </a:stretch>
@@ -19625,16 +19741,8 @@
       </p:pic>
       <p:sp>
         <p:nvSpPr>
-          <p:cNvPr id="8" name="内容占位符 2">
-            <a:extLst>
-              <a:ext uri="{FF2B5EF4-FFF2-40B4-BE49-F238E27FC236}">
-                <a16:creationId xmlns:a16="http://schemas.microsoft.com/office/drawing/2014/main" id="{84721986-3F9E-481D-98FD-CA7E5A1038AB}"/>
-              </a:ext>
-            </a:extLst>
-          </p:cNvPr>
-          <p:cNvSpPr txBox="1">
-            <a:spLocks/>
-          </p:cNvSpPr>
+          <p:cNvPr id="8" name="内容占位符 2"/>
+          <p:cNvSpPr txBox="1"/>
           <p:nvPr/>
         </p:nvSpPr>
         <p:spPr>
@@ -19863,26 +19971,49 @@
           <a:p>
             <a:r>
               <a:rPr lang="zh-CN" altLang="en-US" dirty="0"/>
-              <a:t>定义每个面时，使用逆时针的顺序定义其顶点。使得从观察者的视角看，正面的三角形以逆时针的顺序渲染，而背面的三角形以顺时针的顺序渲染</a:t>
+              <a:t>定义每个面时，使用逆时针的顺序定义其顶点。使得从观察者的视角看，正面的三角形以逆时针的顺序渲染，而背面的三角形以顺时针的顺序渲染。</a:t>
             </a:r>
+            <a:endParaRPr lang="zh-CN" altLang="en-US" dirty="0"/>
+          </a:p>
+          <a:p>
+            <a:endParaRPr lang="zh-CN" altLang="en-US" dirty="0"/>
+          </a:p>
+          <a:p>
+            <a:r>
+              <a:rPr lang="zh-CN" altLang="en-US" dirty="0"/>
+              <a:t>通过定义正向面的渲染顺序，可以</a:t>
+            </a:r>
+            <a:r>
+              <a:rPr lang="zh-CN" altLang="en-US" dirty="0"/>
+              <a:t>控制</a:t>
+            </a:r>
+            <a:r>
+              <a:rPr lang="en-US" altLang="zh-CN" dirty="0"/>
+              <a:t>OpenGL</a:t>
+            </a:r>
+            <a:r>
+              <a:rPr dirty="0"/>
+              <a:t>剔除的面的类型。</a:t>
+            </a:r>
+            <a:endParaRPr dirty="0"/>
           </a:p>
         </p:txBody>
       </p:sp>
     </p:spTree>
     <p:custDataLst>
-      <p:tags r:id="rId1"/>
+      <p:tags r:id="rId2"/>
     </p:custDataLst>
   </p:cSld>
   <p:clrMapOvr>
     <a:masterClrMapping/>
   </p:clrMapOvr>
-  <mc:AlternateContent xmlns:mc="http://schemas.openxmlformats.org/markup-compatibility/2006" xmlns:p14="http://schemas.microsoft.com/office/powerpoint/2010/main">
-    <mc:Choice Requires="p14">
+  <mc:AlternateContent xmlns:mc="http://schemas.openxmlformats.org/markup-compatibility/2006">
+    <mc:Choice xmlns:p14="http://schemas.microsoft.com/office/powerpoint/2010/main" Requires="p14">
       <p:transition spd="med" p14:dur="700">
         <p:fade/>
       </p:transition>
     </mc:Choice>
-    <mc:Fallback xmlns="">
+    <mc:Fallback>
       <p:transition spd="med">
         <p:fade/>
       </p:transition>
@@ -19941,6 +20072,7 @@
               <a:rPr lang="zh-CN" altLang="en-US" sz="4000" dirty="0"/>
               <a:t>未来的改进</a:t>
             </a:r>
+            <a:endParaRPr lang="zh-CN" altLang="en-US" sz="4000" dirty="0"/>
           </a:p>
         </p:txBody>
       </p:sp>
@@ -19948,22 +20080,17 @@
     <p:custDataLst>
       <p:tags r:id="rId1"/>
     </p:custDataLst>
-    <p:extLst>
-      <p:ext uri="{BB962C8B-B14F-4D97-AF65-F5344CB8AC3E}">
-        <p14:creationId xmlns:p14="http://schemas.microsoft.com/office/powerpoint/2010/main" val="2921911432"/>
-      </p:ext>
-    </p:extLst>
   </p:cSld>
   <p:clrMapOvr>
     <a:masterClrMapping/>
   </p:clrMapOvr>
-  <mc:AlternateContent xmlns:mc="http://schemas.openxmlformats.org/markup-compatibility/2006" xmlns:p14="http://schemas.microsoft.com/office/powerpoint/2010/main">
-    <mc:Choice Requires="p14">
+  <mc:AlternateContent xmlns:mc="http://schemas.openxmlformats.org/markup-compatibility/2006">
+    <mc:Choice xmlns:p14="http://schemas.microsoft.com/office/powerpoint/2010/main" Requires="p14">
       <p:transition spd="med" p14:dur="700">
         <p:fade/>
       </p:transition>
     </mc:Choice>
-    <mc:Fallback xmlns="">
+    <mc:Fallback>
       <p:transition spd="med">
         <p:fade/>
       </p:transition>
@@ -19991,13 +20118,7 @@
       </p:grpSpPr>
       <p:sp>
         <p:nvSpPr>
-          <p:cNvPr id="2" name="标题 1">
-            <a:extLst>
-              <a:ext uri="{FF2B5EF4-FFF2-40B4-BE49-F238E27FC236}">
-                <a16:creationId xmlns:a16="http://schemas.microsoft.com/office/drawing/2014/main" id="{5FD09BC6-2F8B-4F64-83E3-B17706C70C54}"/>
-              </a:ext>
-            </a:extLst>
-          </p:cNvPr>
+          <p:cNvPr id="2" name="标题 1"/>
           <p:cNvSpPr>
             <a:spLocks noGrp="1"/>
           </p:cNvSpPr>
@@ -20016,13 +20137,7 @@
       </p:sp>
       <p:sp>
         <p:nvSpPr>
-          <p:cNvPr id="3" name="内容占位符 2">
-            <a:extLst>
-              <a:ext uri="{FF2B5EF4-FFF2-40B4-BE49-F238E27FC236}">
-                <a16:creationId xmlns:a16="http://schemas.microsoft.com/office/drawing/2014/main" id="{3409D983-9101-4097-BCA5-411EE84F60E4}"/>
-              </a:ext>
-            </a:extLst>
-          </p:cNvPr>
+          <p:cNvPr id="3" name="内容占位符 2"/>
           <p:cNvSpPr>
             <a:spLocks noGrp="1"/>
           </p:cNvSpPr>
@@ -20040,22 +20155,17 @@
         </p:txBody>
       </p:sp>
     </p:spTree>
-    <p:extLst>
-      <p:ext uri="{BB962C8B-B14F-4D97-AF65-F5344CB8AC3E}">
-        <p14:creationId xmlns:p14="http://schemas.microsoft.com/office/powerpoint/2010/main" val="2870974327"/>
-      </p:ext>
-    </p:extLst>
   </p:cSld>
   <p:clrMapOvr>
     <a:masterClrMapping/>
   </p:clrMapOvr>
-  <mc:AlternateContent xmlns:mc="http://schemas.openxmlformats.org/markup-compatibility/2006" xmlns:p14="http://schemas.microsoft.com/office/powerpoint/2010/main">
-    <mc:Choice Requires="p14">
+  <mc:AlternateContent xmlns:mc="http://schemas.openxmlformats.org/markup-compatibility/2006">
+    <mc:Choice xmlns:p14="http://schemas.microsoft.com/office/powerpoint/2010/main" Requires="p14">
       <p:transition spd="slow" p14:dur="800">
         <p14:flythrough/>
       </p:transition>
     </mc:Choice>
-    <mc:Fallback xmlns="">
+    <mc:Fallback>
       <p:transition spd="slow">
         <p:fade/>
       </p:transition>
@@ -20100,6 +20210,7 @@
               <a:rPr lang="zh-CN" altLang="en-US" dirty="0"/>
               <a:t>谢谢！</a:t>
             </a:r>
+            <a:endParaRPr lang="zh-CN" altLang="en-US" dirty="0"/>
           </a:p>
         </p:txBody>
       </p:sp>
@@ -20142,6 +20253,11 @@
               </a:rPr>
               <a:t>组</a:t>
             </a:r>
+            <a:endParaRPr lang="zh-CN" altLang="en-US" dirty="0">
+              <a:solidFill>
+                <a:schemeClr val="tx1"/>
+              </a:solidFill>
+            </a:endParaRPr>
           </a:p>
         </p:txBody>
       </p:sp>
@@ -20149,22 +20265,17 @@
     <p:custDataLst>
       <p:tags r:id="rId1"/>
     </p:custDataLst>
-    <p:extLst>
-      <p:ext uri="{BB962C8B-B14F-4D97-AF65-F5344CB8AC3E}">
-        <p14:creationId xmlns:p14="http://schemas.microsoft.com/office/powerpoint/2010/main" val="1173846601"/>
-      </p:ext>
-    </p:extLst>
   </p:cSld>
   <p:clrMapOvr>
     <a:masterClrMapping/>
   </p:clrMapOvr>
-  <mc:AlternateContent xmlns:mc="http://schemas.openxmlformats.org/markup-compatibility/2006" xmlns:p14="http://schemas.microsoft.com/office/powerpoint/2010/main">
-    <mc:Choice Requires="p14">
+  <mc:AlternateContent xmlns:mc="http://schemas.openxmlformats.org/markup-compatibility/2006">
+    <mc:Choice xmlns:p14="http://schemas.microsoft.com/office/powerpoint/2010/main" Requires="p14">
       <p:transition spd="med" p14:dur="700">
         <p:fade/>
       </p:transition>
     </mc:Choice>
-    <mc:Fallback xmlns="">
+    <mc:Fallback>
       <p:transition spd="med">
         <p:fade/>
       </p:transition>
@@ -20223,6 +20334,7 @@
               <a:rPr lang="zh-CN" altLang="en-US" sz="4000" dirty="0"/>
               <a:t>作品概述与成员分工</a:t>
             </a:r>
+            <a:endParaRPr lang="zh-CN" altLang="en-US" sz="4000" dirty="0"/>
           </a:p>
         </p:txBody>
       </p:sp>
@@ -20230,22 +20342,17 @@
     <p:custDataLst>
       <p:tags r:id="rId1"/>
     </p:custDataLst>
-    <p:extLst>
-      <p:ext uri="{BB962C8B-B14F-4D97-AF65-F5344CB8AC3E}">
-        <p14:creationId xmlns:p14="http://schemas.microsoft.com/office/powerpoint/2010/main" val="3588747096"/>
-      </p:ext>
-    </p:extLst>
   </p:cSld>
   <p:clrMapOvr>
     <a:masterClrMapping/>
   </p:clrMapOvr>
-  <mc:AlternateContent xmlns:mc="http://schemas.openxmlformats.org/markup-compatibility/2006" xmlns:p14="http://schemas.microsoft.com/office/powerpoint/2010/main">
-    <mc:Choice Requires="p14">
+  <mc:AlternateContent xmlns:mc="http://schemas.openxmlformats.org/markup-compatibility/2006">
+    <mc:Choice xmlns:p14="http://schemas.microsoft.com/office/powerpoint/2010/main" Requires="p14">
       <p:transition spd="med" p14:dur="700">
         <p:fade/>
       </p:transition>
     </mc:Choice>
-    <mc:Fallback xmlns="">
+    <mc:Fallback>
       <p:transition spd="med">
         <p:fade/>
       </p:transition>
@@ -20290,6 +20397,7 @@
               <a:rPr lang="zh-CN" altLang="en-US" dirty="0"/>
               <a:t>作品概述</a:t>
             </a:r>
+            <a:endParaRPr lang="zh-CN" altLang="en-US" dirty="0"/>
           </a:p>
         </p:txBody>
       </p:sp>
@@ -20343,6 +20451,7 @@
               <a:rPr lang="zh-CN" altLang="en-US" dirty="0"/>
               <a:t>击中靶子得分</a:t>
             </a:r>
+            <a:endParaRPr lang="zh-CN" altLang="en-US" dirty="0"/>
           </a:p>
         </p:txBody>
       </p:sp>
@@ -20354,13 +20463,13 @@
   <p:clrMapOvr>
     <a:masterClrMapping/>
   </p:clrMapOvr>
-  <mc:AlternateContent xmlns:mc="http://schemas.openxmlformats.org/markup-compatibility/2006" xmlns:p14="http://schemas.microsoft.com/office/powerpoint/2010/main">
-    <mc:Choice Requires="p14">
+  <mc:AlternateContent xmlns:mc="http://schemas.openxmlformats.org/markup-compatibility/2006">
+    <mc:Choice xmlns:p14="http://schemas.microsoft.com/office/powerpoint/2010/main" Requires="p14">
       <p:transition spd="slow" p14:dur="800">
         <p14:flythrough/>
       </p:transition>
     </mc:Choice>
-    <mc:Fallback xmlns="">
+    <mc:Fallback>
       <p:transition spd="slow">
         <p:fade/>
       </p:transition>
@@ -20388,13 +20497,7 @@
       </p:grpSpPr>
       <p:sp>
         <p:nvSpPr>
-          <p:cNvPr id="2" name="标题 1">
-            <a:extLst>
-              <a:ext uri="{FF2B5EF4-FFF2-40B4-BE49-F238E27FC236}">
-                <a16:creationId xmlns:a16="http://schemas.microsoft.com/office/drawing/2014/main" id="{29F0ED99-4930-4FB3-941E-EBFE3340AF17}"/>
-              </a:ext>
-            </a:extLst>
-          </p:cNvPr>
+          <p:cNvPr id="2" name="标题 1"/>
           <p:cNvSpPr>
             <a:spLocks noGrp="1"/>
           </p:cNvSpPr>
@@ -20411,18 +20514,13 @@
               <a:rPr lang="zh-CN" altLang="en-US" dirty="0"/>
               <a:t>成员分工</a:t>
             </a:r>
+            <a:endParaRPr lang="zh-CN" altLang="en-US" dirty="0"/>
           </a:p>
         </p:txBody>
       </p:sp>
       <p:sp>
         <p:nvSpPr>
-          <p:cNvPr id="3" name="内容占位符 2">
-            <a:extLst>
-              <a:ext uri="{FF2B5EF4-FFF2-40B4-BE49-F238E27FC236}">
-                <a16:creationId xmlns:a16="http://schemas.microsoft.com/office/drawing/2014/main" id="{03E86EBE-D271-4981-A1AF-2896FCC8A8BE}"/>
-              </a:ext>
-            </a:extLst>
-          </p:cNvPr>
+          <p:cNvPr id="3" name="内容占位符 2"/>
           <p:cNvSpPr>
             <a:spLocks noGrp="1"/>
           </p:cNvSpPr>
@@ -20440,7 +20538,15 @@
           <a:p>
             <a:r>
               <a:rPr lang="zh-CN" altLang="en-US" dirty="0"/>
-              <a:t>黄铸韬</a:t>
+              <a:t>黄铸韬：重力系统与碰撞检测，文字渲染，</a:t>
+            </a:r>
+            <a:r>
+              <a:rPr lang="en-US" altLang="zh-CN" dirty="0"/>
+              <a:t>Gamma</a:t>
+            </a:r>
+            <a:r>
+              <a:rPr dirty="0"/>
+              <a:t>校正，模型加载，多重采样抗锯齿</a:t>
             </a:r>
             <a:endParaRPr lang="en-US" altLang="zh-CN" dirty="0"/>
           </a:p>
@@ -20493,22 +20599,17 @@
         </p:txBody>
       </p:sp>
     </p:spTree>
-    <p:extLst>
-      <p:ext uri="{BB962C8B-B14F-4D97-AF65-F5344CB8AC3E}">
-        <p14:creationId xmlns:p14="http://schemas.microsoft.com/office/powerpoint/2010/main" val="4100734976"/>
-      </p:ext>
-    </p:extLst>
   </p:cSld>
   <p:clrMapOvr>
     <a:masterClrMapping/>
   </p:clrMapOvr>
-  <mc:AlternateContent xmlns:mc="http://schemas.openxmlformats.org/markup-compatibility/2006" xmlns:p14="http://schemas.microsoft.com/office/powerpoint/2010/main">
-    <mc:Choice Requires="p14">
+  <mc:AlternateContent xmlns:mc="http://schemas.openxmlformats.org/markup-compatibility/2006">
+    <mc:Choice xmlns:p14="http://schemas.microsoft.com/office/powerpoint/2010/main" Requires="p14">
       <p:transition spd="med" p14:dur="700">
         <p:fade/>
       </p:transition>
     </mc:Choice>
-    <mc:Fallback xmlns="">
+    <mc:Fallback>
       <p:transition spd="med">
         <p:fade/>
       </p:transition>
@@ -20567,6 +20668,7 @@
               <a:rPr lang="zh-CN" altLang="en-US" sz="4000" dirty="0"/>
               <a:t>功能实现</a:t>
             </a:r>
+            <a:endParaRPr lang="zh-CN" altLang="en-US" sz="4000" dirty="0"/>
           </a:p>
         </p:txBody>
       </p:sp>
@@ -20574,22 +20676,17 @@
     <p:custDataLst>
       <p:tags r:id="rId1"/>
     </p:custDataLst>
-    <p:extLst>
-      <p:ext uri="{BB962C8B-B14F-4D97-AF65-F5344CB8AC3E}">
-        <p14:creationId xmlns:p14="http://schemas.microsoft.com/office/powerpoint/2010/main" val="1044972078"/>
-      </p:ext>
-    </p:extLst>
   </p:cSld>
   <p:clrMapOvr>
     <a:masterClrMapping/>
   </p:clrMapOvr>
-  <mc:AlternateContent xmlns:mc="http://schemas.openxmlformats.org/markup-compatibility/2006" xmlns:p14="http://schemas.microsoft.com/office/powerpoint/2010/main">
-    <mc:Choice Requires="p14">
+  <mc:AlternateContent xmlns:mc="http://schemas.openxmlformats.org/markup-compatibility/2006">
+    <mc:Choice xmlns:p14="http://schemas.microsoft.com/office/powerpoint/2010/main" Requires="p14">
       <p:transition spd="med" p14:dur="700">
         <p:fade/>
       </p:transition>
     </mc:Choice>
-    <mc:Fallback xmlns="">
+    <mc:Fallback>
       <p:transition spd="med">
         <p:fade/>
       </p:transition>
@@ -20638,6 +20735,7 @@
               <a:rPr lang="zh-CN" altLang="en-US" dirty="0"/>
               <a:t>功能预览</a:t>
             </a:r>
+            <a:endParaRPr lang="zh-CN" altLang="en-US" dirty="0"/>
           </a:p>
         </p:txBody>
       </p:sp>
@@ -20668,24 +20766,28 @@
               <a:rPr lang="en-US" altLang="zh-CN" dirty="0"/>
               <a:t>1. Camera Roaming</a:t>
             </a:r>
+            <a:endParaRPr lang="en-US" altLang="zh-CN" dirty="0"/>
           </a:p>
           <a:p>
             <a:r>
               <a:rPr lang="en-US" altLang="zh-CN" dirty="0"/>
               <a:t>2. Texture Mapping</a:t>
             </a:r>
+            <a:endParaRPr lang="en-US" altLang="zh-CN" dirty="0"/>
           </a:p>
           <a:p>
             <a:r>
               <a:rPr lang="en-US" altLang="zh-CN" dirty="0"/>
-              <a:t>3. Lighting</a:t>
+              <a:t>3. Simple lighting and shading</a:t>
             </a:r>
+            <a:endParaRPr lang="en-US" altLang="zh-CN" dirty="0"/>
           </a:p>
           <a:p>
             <a:r>
               <a:rPr lang="en-US" altLang="zh-CN" dirty="0"/>
               <a:t>4. Shadow Mapping</a:t>
             </a:r>
+            <a:endParaRPr lang="en-US" altLang="zh-CN" dirty="0"/>
           </a:p>
           <a:p>
             <a:r>
@@ -20704,13 +20806,13 @@
   <p:clrMapOvr>
     <a:masterClrMapping/>
   </p:clrMapOvr>
-  <mc:AlternateContent xmlns:mc="http://schemas.openxmlformats.org/markup-compatibility/2006" xmlns:p14="http://schemas.microsoft.com/office/powerpoint/2010/main">
-    <mc:Choice Requires="p14">
+  <mc:AlternateContent xmlns:mc="http://schemas.openxmlformats.org/markup-compatibility/2006">
+    <mc:Choice xmlns:p14="http://schemas.microsoft.com/office/powerpoint/2010/main" Requires="p14">
       <p:transition spd="slow" p14:dur="800">
         <p14:flythrough/>
       </p:transition>
     </mc:Choice>
-    <mc:Fallback xmlns="">
+    <mc:Fallback>
       <p:transition spd="slow">
         <p:fade/>
       </p:transition>
@@ -20755,21 +20857,14 @@
               <a:rPr lang="en-US" altLang="zh-CN"/>
               <a:t>1. Camera Roaming</a:t>
             </a:r>
+            <a:endParaRPr lang="en-US" altLang="zh-CN"/>
           </a:p>
         </p:txBody>
       </p:sp>
       <p:sp>
         <p:nvSpPr>
-          <p:cNvPr id="4" name="内容占位符 2">
-            <a:extLst>
-              <a:ext uri="{FF2B5EF4-FFF2-40B4-BE49-F238E27FC236}">
-                <a16:creationId xmlns:a16="http://schemas.microsoft.com/office/drawing/2014/main" id="{052AA3D0-1D60-4705-A349-EE61EAFDC851}"/>
-              </a:ext>
-            </a:extLst>
-          </p:cNvPr>
-          <p:cNvSpPr txBox="1">
-            <a:spLocks/>
-          </p:cNvSpPr>
+          <p:cNvPr id="4" name="内容占位符 2"/>
+          <p:cNvSpPr txBox="1"/>
           <p:nvPr/>
         </p:nvSpPr>
         <p:spPr>
@@ -21008,6 +21103,7 @@
               <a:rPr lang="zh-CN" altLang="en-US" dirty="0"/>
               <a:t>和空格输入控制人物的前进、后退、左右移动以及跳跃动作。同时可以通过移动鼠标实现人物视角的旋转。</a:t>
             </a:r>
+            <a:endParaRPr lang="zh-CN" altLang="en-US" dirty="0"/>
           </a:p>
         </p:txBody>
       </p:sp>
@@ -21019,13 +21115,13 @@
   <p:clrMapOvr>
     <a:masterClrMapping/>
   </p:clrMapOvr>
-  <mc:AlternateContent xmlns:mc="http://schemas.openxmlformats.org/markup-compatibility/2006" xmlns:p14="http://schemas.microsoft.com/office/powerpoint/2010/main">
-    <mc:Choice Requires="p14">
+  <mc:AlternateContent xmlns:mc="http://schemas.openxmlformats.org/markup-compatibility/2006">
+    <mc:Choice xmlns:p14="http://schemas.microsoft.com/office/powerpoint/2010/main" Requires="p14">
       <p:transition spd="med" p14:dur="700">
         <p:fade/>
       </p:transition>
     </mc:Choice>
-    <mc:Fallback xmlns="">
+    <mc:Fallback>
       <p:transition spd="med">
         <p:fade/>
       </p:transition>
@@ -21070,6 +21166,7 @@
               <a:rPr lang="en-US" altLang="zh-CN" dirty="0"/>
               <a:t>2. Texture Mapping</a:t>
             </a:r>
+            <a:endParaRPr lang="en-US" altLang="zh-CN" dirty="0"/>
           </a:p>
         </p:txBody>
       </p:sp>
@@ -21100,6 +21197,7 @@
               <a:rPr lang="zh-CN" altLang="en-US" dirty="0"/>
               <a:t>作品中的所有物体均使用了贴图。</a:t>
             </a:r>
+            <a:endParaRPr lang="zh-CN" altLang="en-US" dirty="0"/>
           </a:p>
         </p:txBody>
       </p:sp>
@@ -21347,13 +21445,13 @@
   <p:clrMapOvr>
     <a:masterClrMapping/>
   </p:clrMapOvr>
-  <mc:AlternateContent xmlns:mc="http://schemas.openxmlformats.org/markup-compatibility/2006" xmlns:p14="http://schemas.microsoft.com/office/powerpoint/2010/main">
-    <mc:Choice Requires="p14">
+  <mc:AlternateContent xmlns:mc="http://schemas.openxmlformats.org/markup-compatibility/2006">
+    <mc:Choice xmlns:p14="http://schemas.microsoft.com/office/powerpoint/2010/main" Requires="p14">
       <p:transition spd="med" p14:dur="700">
         <p:fade/>
       </p:transition>
     </mc:Choice>
-    <mc:Fallback xmlns="">
+    <mc:Fallback>
       <p:transition spd="med">
         <p:fade/>
       </p:transition>
@@ -21363,7 +21461,826 @@
 </file>
 
 <file path=ppt/tags/tag1.xml><?xml version="1.0" encoding="utf-8"?>
-<p:tagLst xmlns:a="http://schemas.openxmlformats.org/drawingml/2006/main" xmlns:r="http://schemas.openxmlformats.org/officeDocument/2006/relationships" xmlns:p="http://schemas.openxmlformats.org/presentationml/2006/main">
+<p:tagLst xmlns:p="http://schemas.openxmlformats.org/presentationml/2006/main">
+  <p:tag name="KSO_WM_UNIT_HIGHLIGHT" val="0"/>
+  <p:tag name="KSO_WM_UNIT_COMPATIBLE" val="0"/>
+  <p:tag name="KSO_WM_UNIT_DIAGRAM_ISNUMVISUAL" val="0"/>
+  <p:tag name="KSO_WM_UNIT_DIAGRAM_ISREFERUNIT" val="0"/>
+  <p:tag name="KSO_WM_UNIT_ID" val="_1**"/>
+  <p:tag name="KSO_WM_UNIT_LAYERLEVEL" val="1"/>
+  <p:tag name="KSO_WM_TAG_VERSION" val="1.0"/>
+  <p:tag name="KSO_WM_BEAUTIFY_FLAG" val="#wm#"/>
+</p:tagLst>
+</file>
+
+<file path=ppt/tags/tag10.xml><?xml version="1.0" encoding="utf-8"?>
+<p:tagLst xmlns:p="http://schemas.openxmlformats.org/presentationml/2006/main">
+  <p:tag name="KSO_WM_UNIT_HIGHLIGHT" val="0"/>
+  <p:tag name="KSO_WM_UNIT_COMPATIBLE" val="0"/>
+  <p:tag name="KSO_WM_UNIT_DIAGRAM_ISNUMVISUAL" val="0"/>
+  <p:tag name="KSO_WM_UNIT_DIAGRAM_ISREFERUNIT" val="0"/>
+  <p:tag name="KSO_WM_UNIT_ID" val="_1**"/>
+  <p:tag name="KSO_WM_UNIT_LAYERLEVEL" val="1"/>
+  <p:tag name="KSO_WM_TAG_VERSION" val="1.0"/>
+  <p:tag name="KSO_WM_BEAUTIFY_FLAG" val="#wm#"/>
+</p:tagLst>
+</file>
+
+<file path=ppt/tags/tag100.xml><?xml version="1.0" encoding="utf-8"?>
+<p:tagLst xmlns:p="http://schemas.openxmlformats.org/presentationml/2006/main">
+  <p:tag name="KSO_WM_UNIT_HIGHLIGHT" val="0"/>
+  <p:tag name="KSO_WM_UNIT_COMPATIBLE" val="0"/>
+  <p:tag name="KSO_WM_UNIT_DIAGRAM_ISNUMVISUAL" val="0"/>
+  <p:tag name="KSO_WM_UNIT_DIAGRAM_ISREFERUNIT" val="0"/>
+  <p:tag name="KSO_WM_UNIT_ID" val="_6**"/>
+  <p:tag name="KSO_WM_UNIT_LAYERLEVEL" val="1"/>
+  <p:tag name="KSO_WM_TAG_VERSION" val="1.0"/>
+  <p:tag name="KSO_WM_BEAUTIFY_FLAG" val="#wm#"/>
+</p:tagLst>
+</file>
+
+<file path=ppt/tags/tag101.xml><?xml version="1.0" encoding="utf-8"?>
+<p:tagLst xmlns:p="http://schemas.openxmlformats.org/presentationml/2006/main">
+  <p:tag name="KSO_WM_UNIT_HIGHLIGHT" val="0"/>
+  <p:tag name="KSO_WM_UNIT_COMPATIBLE" val="0"/>
+  <p:tag name="KSO_WM_UNIT_DIAGRAM_ISNUMVISUAL" val="0"/>
+  <p:tag name="KSO_WM_UNIT_DIAGRAM_ISREFERUNIT" val="0"/>
+  <p:tag name="KSO_WM_UNIT_ID" val="_6**"/>
+  <p:tag name="KSO_WM_UNIT_LAYERLEVEL" val="1"/>
+  <p:tag name="KSO_WM_TAG_VERSION" val="1.0"/>
+  <p:tag name="KSO_WM_BEAUTIFY_FLAG" val="#wm#"/>
+</p:tagLst>
+</file>
+
+<file path=ppt/tags/tag102.xml><?xml version="1.0" encoding="utf-8"?>
+<p:tagLst xmlns:p="http://schemas.openxmlformats.org/presentationml/2006/main">
+  <p:tag name="KSO_WM_UNIT_HIGHLIGHT" val="0"/>
+  <p:tag name="KSO_WM_UNIT_COMPATIBLE" val="0"/>
+  <p:tag name="KSO_WM_UNIT_DIAGRAM_ISNUMVISUAL" val="0"/>
+  <p:tag name="KSO_WM_UNIT_DIAGRAM_ISREFERUNIT" val="0"/>
+  <p:tag name="KSO_WM_UNIT_ID" val="_7**"/>
+  <p:tag name="KSO_WM_UNIT_LAYERLEVEL" val="1"/>
+  <p:tag name="KSO_WM_TAG_VERSION" val="1.0"/>
+  <p:tag name="KSO_WM_BEAUTIFY_FLAG" val="#wm#"/>
+</p:tagLst>
+</file>
+
+<file path=ppt/tags/tag103.xml><?xml version="1.0" encoding="utf-8"?>
+<p:tagLst xmlns:p="http://schemas.openxmlformats.org/presentationml/2006/main">
+  <p:tag name="KSO_WM_UNIT_HIGHLIGHT" val="0"/>
+  <p:tag name="KSO_WM_UNIT_COMPATIBLE" val="0"/>
+  <p:tag name="KSO_WM_UNIT_DIAGRAM_ISNUMVISUAL" val="0"/>
+  <p:tag name="KSO_WM_UNIT_DIAGRAM_ISREFERUNIT" val="0"/>
+  <p:tag name="KSO_WM_UNIT_ID" val="_7**"/>
+  <p:tag name="KSO_WM_UNIT_LAYERLEVEL" val="1"/>
+  <p:tag name="KSO_WM_TAG_VERSION" val="1.0"/>
+  <p:tag name="KSO_WM_BEAUTIFY_FLAG" val="#wm#"/>
+</p:tagLst>
+</file>
+
+<file path=ppt/tags/tag104.xml><?xml version="1.0" encoding="utf-8"?>
+<p:tagLst xmlns:p="http://schemas.openxmlformats.org/presentationml/2006/main">
+  <p:tag name="KSO_WM_UNIT_HIGHLIGHT" val="0"/>
+  <p:tag name="KSO_WM_UNIT_COMPATIBLE" val="0"/>
+  <p:tag name="KSO_WM_UNIT_DIAGRAM_ISNUMVISUAL" val="0"/>
+  <p:tag name="KSO_WM_UNIT_DIAGRAM_ISREFERUNIT" val="0"/>
+  <p:tag name="KSO_WM_UNIT_ID" val="_7**"/>
+  <p:tag name="KSO_WM_UNIT_LAYERLEVEL" val="1"/>
+  <p:tag name="KSO_WM_TAG_VERSION" val="1.0"/>
+  <p:tag name="KSO_WM_BEAUTIFY_FLAG" val="#wm#"/>
+</p:tagLst>
+</file>
+
+<file path=ppt/tags/tag105.xml><?xml version="1.0" encoding="utf-8"?>
+<p:tagLst xmlns:p="http://schemas.openxmlformats.org/presentationml/2006/main">
+  <p:tag name="KSO_WM_UNIT_HIGHLIGHT" val="0"/>
+  <p:tag name="KSO_WM_UNIT_COMPATIBLE" val="0"/>
+  <p:tag name="KSO_WM_UNIT_DIAGRAM_ISNUMVISUAL" val="0"/>
+  <p:tag name="KSO_WM_UNIT_DIAGRAM_ISREFERUNIT" val="0"/>
+  <p:tag name="KSO_WM_UNIT_ID" val="_8**"/>
+  <p:tag name="KSO_WM_UNIT_LAYERLEVEL" val="1"/>
+  <p:tag name="KSO_WM_TAG_VERSION" val="1.0"/>
+  <p:tag name="KSO_WM_BEAUTIFY_FLAG" val="#wm#"/>
+</p:tagLst>
+</file>
+
+<file path=ppt/tags/tag106.xml><?xml version="1.0" encoding="utf-8"?>
+<p:tagLst xmlns:p="http://schemas.openxmlformats.org/presentationml/2006/main">
+  <p:tag name="KSO_WM_UNIT_HIGHLIGHT" val="0"/>
+  <p:tag name="KSO_WM_UNIT_COMPATIBLE" val="0"/>
+  <p:tag name="KSO_WM_UNIT_DIAGRAM_ISNUMVISUAL" val="0"/>
+  <p:tag name="KSO_WM_UNIT_DIAGRAM_ISREFERUNIT" val="0"/>
+  <p:tag name="KSO_WM_UNIT_ID" val="_8**"/>
+  <p:tag name="KSO_WM_UNIT_LAYERLEVEL" val="1"/>
+  <p:tag name="KSO_WM_TAG_VERSION" val="1.0"/>
+  <p:tag name="KSO_WM_BEAUTIFY_FLAG" val="#wm#"/>
+</p:tagLst>
+</file>
+
+<file path=ppt/tags/tag107.xml><?xml version="1.0" encoding="utf-8"?>
+<p:tagLst xmlns:p="http://schemas.openxmlformats.org/presentationml/2006/main">
+  <p:tag name="KSO_WM_UNIT_HIGHLIGHT" val="0"/>
+  <p:tag name="KSO_WM_UNIT_COMPATIBLE" val="0"/>
+  <p:tag name="KSO_WM_UNIT_DIAGRAM_ISNUMVISUAL" val="0"/>
+  <p:tag name="KSO_WM_UNIT_DIAGRAM_ISREFERUNIT" val="0"/>
+  <p:tag name="KSO_WM_UNIT_ID" val="_8**"/>
+  <p:tag name="KSO_WM_UNIT_LAYERLEVEL" val="1"/>
+  <p:tag name="KSO_WM_TAG_VERSION" val="1.0"/>
+  <p:tag name="KSO_WM_BEAUTIFY_FLAG" val="#wm#"/>
+</p:tagLst>
+</file>
+
+<file path=ppt/tags/tag108.xml><?xml version="1.0" encoding="utf-8"?>
+<p:tagLst xmlns:p="http://schemas.openxmlformats.org/presentationml/2006/main">
+  <p:tag name="KSO_WM_UNIT_HIGHLIGHT" val="0"/>
+  <p:tag name="KSO_WM_UNIT_COMPATIBLE" val="0"/>
+  <p:tag name="KSO_WM_UNIT_DIAGRAM_ISNUMVISUAL" val="0"/>
+  <p:tag name="KSO_WM_UNIT_DIAGRAM_ISREFERUNIT" val="0"/>
+  <p:tag name="KSO_WM_UNIT_ID" val="_8**"/>
+  <p:tag name="KSO_WM_UNIT_LAYERLEVEL" val="1"/>
+  <p:tag name="KSO_WM_TAG_VERSION" val="1.0"/>
+  <p:tag name="KSO_WM_BEAUTIFY_FLAG" val="#wm#"/>
+</p:tagLst>
+</file>
+
+<file path=ppt/tags/tag109.xml><?xml version="1.0" encoding="utf-8"?>
+<p:tagLst xmlns:p="http://schemas.openxmlformats.org/presentationml/2006/main">
+  <p:tag name="KSO_WM_UNIT_HIGHLIGHT" val="0"/>
+  <p:tag name="KSO_WM_UNIT_COMPATIBLE" val="0"/>
+  <p:tag name="KSO_WM_UNIT_DIAGRAM_ISNUMVISUAL" val="0"/>
+  <p:tag name="KSO_WM_UNIT_DIAGRAM_ISREFERUNIT" val="0"/>
+  <p:tag name="KSO_WM_UNIT_ID" val="_8**"/>
+  <p:tag name="KSO_WM_UNIT_LAYERLEVEL" val="1"/>
+  <p:tag name="KSO_WM_TAG_VERSION" val="1.0"/>
+  <p:tag name="KSO_WM_BEAUTIFY_FLAG" val="#wm#"/>
+</p:tagLst>
+</file>
+
+<file path=ppt/tags/tag11.xml><?xml version="1.0" encoding="utf-8"?>
+<p:tagLst xmlns:p="http://schemas.openxmlformats.org/presentationml/2006/main">
+  <p:tag name="KSO_WM_UNIT_HIGHLIGHT" val="0"/>
+  <p:tag name="KSO_WM_UNIT_COMPATIBLE" val="0"/>
+  <p:tag name="KSO_WM_UNIT_DIAGRAM_ISNUMVISUAL" val="0"/>
+  <p:tag name="KSO_WM_UNIT_DIAGRAM_ISREFERUNIT" val="0"/>
+  <p:tag name="KSO_WM_UNIT_ID" val="_1**"/>
+  <p:tag name="KSO_WM_UNIT_LAYERLEVEL" val="1"/>
+  <p:tag name="KSO_WM_TAG_VERSION" val="1.0"/>
+  <p:tag name="KSO_WM_BEAUTIFY_FLAG" val="#wm#"/>
+</p:tagLst>
+</file>
+
+<file path=ppt/tags/tag110.xml><?xml version="1.0" encoding="utf-8"?>
+<p:tagLst xmlns:p="http://schemas.openxmlformats.org/presentationml/2006/main">
+  <p:tag name="KSO_WM_UNIT_HIGHLIGHT" val="0"/>
+  <p:tag name="KSO_WM_UNIT_COMPATIBLE" val="0"/>
+  <p:tag name="KSO_WM_UNIT_DIAGRAM_ISNUMVISUAL" val="0"/>
+  <p:tag name="KSO_WM_UNIT_DIAGRAM_ISREFERUNIT" val="0"/>
+  <p:tag name="KSO_WM_UNIT_ID" val="_8**"/>
+  <p:tag name="KSO_WM_UNIT_LAYERLEVEL" val="1"/>
+  <p:tag name="KSO_WM_TAG_VERSION" val="1.0"/>
+  <p:tag name="KSO_WM_BEAUTIFY_FLAG" val="#wm#"/>
+</p:tagLst>
+</file>
+
+<file path=ppt/tags/tag111.xml><?xml version="1.0" encoding="utf-8"?>
+<p:tagLst xmlns:p="http://schemas.openxmlformats.org/presentationml/2006/main">
+  <p:tag name="KSO_WM_UNIT_HIGHLIGHT" val="0"/>
+  <p:tag name="KSO_WM_UNIT_COMPATIBLE" val="0"/>
+  <p:tag name="KSO_WM_UNIT_DIAGRAM_ISNUMVISUAL" val="0"/>
+  <p:tag name="KSO_WM_UNIT_DIAGRAM_ISREFERUNIT" val="0"/>
+  <p:tag name="KSO_WM_UNIT_ID" val="_9**"/>
+  <p:tag name="KSO_WM_UNIT_LAYERLEVEL" val="1"/>
+  <p:tag name="KSO_WM_TAG_VERSION" val="1.0"/>
+  <p:tag name="KSO_WM_BEAUTIFY_FLAG" val="#wm#"/>
+</p:tagLst>
+</file>
+
+<file path=ppt/tags/tag112.xml><?xml version="1.0" encoding="utf-8"?>
+<p:tagLst xmlns:p="http://schemas.openxmlformats.org/presentationml/2006/main">
+  <p:tag name="KSO_WM_UNIT_HIGHLIGHT" val="0"/>
+  <p:tag name="KSO_WM_UNIT_COMPATIBLE" val="0"/>
+  <p:tag name="KSO_WM_UNIT_DIAGRAM_ISNUMVISUAL" val="0"/>
+  <p:tag name="KSO_WM_UNIT_DIAGRAM_ISREFERUNIT" val="0"/>
+  <p:tag name="KSO_WM_UNIT_ID" val="_9**"/>
+  <p:tag name="KSO_WM_UNIT_LAYERLEVEL" val="1"/>
+  <p:tag name="KSO_WM_TAG_VERSION" val="1.0"/>
+  <p:tag name="KSO_WM_BEAUTIFY_FLAG" val="#wm#"/>
+</p:tagLst>
+</file>
+
+<file path=ppt/tags/tag113.xml><?xml version="1.0" encoding="utf-8"?>
+<p:tagLst xmlns:p="http://schemas.openxmlformats.org/presentationml/2006/main">
+  <p:tag name="KSO_WM_UNIT_HIGHLIGHT" val="0"/>
+  <p:tag name="KSO_WM_UNIT_COMPATIBLE" val="0"/>
+  <p:tag name="KSO_WM_UNIT_DIAGRAM_ISNUMVISUAL" val="0"/>
+  <p:tag name="KSO_WM_UNIT_DIAGRAM_ISREFERUNIT" val="0"/>
+  <p:tag name="KSO_WM_UNIT_ID" val="_9**"/>
+  <p:tag name="KSO_WM_UNIT_LAYERLEVEL" val="1"/>
+  <p:tag name="KSO_WM_TAG_VERSION" val="1.0"/>
+  <p:tag name="KSO_WM_BEAUTIFY_FLAG" val="#wm#"/>
+</p:tagLst>
+</file>
+
+<file path=ppt/tags/tag114.xml><?xml version="1.0" encoding="utf-8"?>
+<p:tagLst xmlns:p="http://schemas.openxmlformats.org/presentationml/2006/main">
+  <p:tag name="KSO_WM_UNIT_HIGHLIGHT" val="0"/>
+  <p:tag name="KSO_WM_UNIT_COMPATIBLE" val="0"/>
+  <p:tag name="KSO_WM_UNIT_DIAGRAM_ISNUMVISUAL" val="0"/>
+  <p:tag name="KSO_WM_UNIT_DIAGRAM_ISREFERUNIT" val="0"/>
+  <p:tag name="KSO_WM_UNIT_ID" val="_9**"/>
+  <p:tag name="KSO_WM_UNIT_LAYERLEVEL" val="1"/>
+  <p:tag name="KSO_WM_TAG_VERSION" val="1.0"/>
+  <p:tag name="KSO_WM_BEAUTIFY_FLAG" val="#wm#"/>
+</p:tagLst>
+</file>
+
+<file path=ppt/tags/tag115.xml><?xml version="1.0" encoding="utf-8"?>
+<p:tagLst xmlns:p="http://schemas.openxmlformats.org/presentationml/2006/main">
+  <p:tag name="KSO_WM_UNIT_HIGHLIGHT" val="0"/>
+  <p:tag name="KSO_WM_UNIT_COMPATIBLE" val="0"/>
+  <p:tag name="KSO_WM_UNIT_DIAGRAM_ISNUMVISUAL" val="0"/>
+  <p:tag name="KSO_WM_UNIT_DIAGRAM_ISREFERUNIT" val="0"/>
+  <p:tag name="KSO_WM_UNIT_ID" val="_9**"/>
+  <p:tag name="KSO_WM_UNIT_LAYERLEVEL" val="1"/>
+  <p:tag name="KSO_WM_TAG_VERSION" val="1.0"/>
+  <p:tag name="KSO_WM_BEAUTIFY_FLAG" val="#wm#"/>
+</p:tagLst>
+</file>
+
+<file path=ppt/tags/tag116.xml><?xml version="1.0" encoding="utf-8"?>
+<p:tagLst xmlns:p="http://schemas.openxmlformats.org/presentationml/2006/main">
+  <p:tag name="KSO_WM_UNIT_HIGHLIGHT" val="0"/>
+  <p:tag name="KSO_WM_UNIT_COMPATIBLE" val="0"/>
+  <p:tag name="KSO_WM_UNIT_DIAGRAM_ISNUMVISUAL" val="0"/>
+  <p:tag name="KSO_WM_UNIT_DIAGRAM_ISREFERUNIT" val="0"/>
+  <p:tag name="KSO_WM_UNIT_ID" val="_10**"/>
+  <p:tag name="KSO_WM_UNIT_LAYERLEVEL" val="1"/>
+  <p:tag name="KSO_WM_TAG_VERSION" val="1.0"/>
+  <p:tag name="KSO_WM_BEAUTIFY_FLAG" val="#wm#"/>
+</p:tagLst>
+</file>
+
+<file path=ppt/tags/tag117.xml><?xml version="1.0" encoding="utf-8"?>
+<p:tagLst xmlns:p="http://schemas.openxmlformats.org/presentationml/2006/main">
+  <p:tag name="KSO_WM_UNIT_HIGHLIGHT" val="0"/>
+  <p:tag name="KSO_WM_UNIT_COMPATIBLE" val="0"/>
+  <p:tag name="KSO_WM_UNIT_DIAGRAM_ISNUMVISUAL" val="0"/>
+  <p:tag name="KSO_WM_UNIT_DIAGRAM_ISREFERUNIT" val="0"/>
+  <p:tag name="KSO_WM_UNIT_ID" val="_10**"/>
+  <p:tag name="KSO_WM_UNIT_LAYERLEVEL" val="1"/>
+  <p:tag name="KSO_WM_TAG_VERSION" val="1.0"/>
+  <p:tag name="KSO_WM_BEAUTIFY_FLAG" val="#wm#"/>
+</p:tagLst>
+</file>
+
+<file path=ppt/tags/tag118.xml><?xml version="1.0" encoding="utf-8"?>
+<p:tagLst xmlns:p="http://schemas.openxmlformats.org/presentationml/2006/main">
+  <p:tag name="KSO_WM_UNIT_HIGHLIGHT" val="0"/>
+  <p:tag name="KSO_WM_UNIT_COMPATIBLE" val="0"/>
+  <p:tag name="KSO_WM_UNIT_DIAGRAM_ISNUMVISUAL" val="0"/>
+  <p:tag name="KSO_WM_UNIT_DIAGRAM_ISREFERUNIT" val="0"/>
+  <p:tag name="KSO_WM_UNIT_ID" val="_10**"/>
+  <p:tag name="KSO_WM_UNIT_LAYERLEVEL" val="1"/>
+  <p:tag name="KSO_WM_TAG_VERSION" val="1.0"/>
+  <p:tag name="KSO_WM_BEAUTIFY_FLAG" val="#wm#"/>
+</p:tagLst>
+</file>
+
+<file path=ppt/tags/tag119.xml><?xml version="1.0" encoding="utf-8"?>
+<p:tagLst xmlns:p="http://schemas.openxmlformats.org/presentationml/2006/main">
+  <p:tag name="KSO_WM_UNIT_HIGHLIGHT" val="0"/>
+  <p:tag name="KSO_WM_UNIT_COMPATIBLE" val="0"/>
+  <p:tag name="KSO_WM_UNIT_DIAGRAM_ISNUMVISUAL" val="0"/>
+  <p:tag name="KSO_WM_UNIT_DIAGRAM_ISREFERUNIT" val="0"/>
+  <p:tag name="KSO_WM_UNIT_ID" val="_10**"/>
+  <p:tag name="KSO_WM_UNIT_LAYERLEVEL" val="1"/>
+  <p:tag name="KSO_WM_TAG_VERSION" val="1.0"/>
+  <p:tag name="KSO_WM_BEAUTIFY_FLAG" val="#wm#"/>
+</p:tagLst>
+</file>
+
+<file path=ppt/tags/tag12.xml><?xml version="1.0" encoding="utf-8"?>
+<p:tagLst xmlns:p="http://schemas.openxmlformats.org/presentationml/2006/main">
+  <p:tag name="KSO_WM_UNIT_HIGHLIGHT" val="0"/>
+  <p:tag name="KSO_WM_UNIT_COMPATIBLE" val="0"/>
+  <p:tag name="KSO_WM_UNIT_DIAGRAM_ISNUMVISUAL" val="0"/>
+  <p:tag name="KSO_WM_UNIT_DIAGRAM_ISREFERUNIT" val="0"/>
+  <p:tag name="KSO_WM_UNIT_ID" val="_1**"/>
+  <p:tag name="KSO_WM_UNIT_LAYERLEVEL" val="1"/>
+  <p:tag name="KSO_WM_TAG_VERSION" val="1.0"/>
+  <p:tag name="KSO_WM_BEAUTIFY_FLAG" val="#wm#"/>
+</p:tagLst>
+</file>
+
+<file path=ppt/tags/tag120.xml><?xml version="1.0" encoding="utf-8"?>
+<p:tagLst xmlns:p="http://schemas.openxmlformats.org/presentationml/2006/main">
+  <p:tag name="KSO_WM_UNIT_HIGHLIGHT" val="0"/>
+  <p:tag name="KSO_WM_UNIT_COMPATIBLE" val="0"/>
+  <p:tag name="KSO_WM_UNIT_DIAGRAM_ISNUMVISUAL" val="0"/>
+  <p:tag name="KSO_WM_UNIT_DIAGRAM_ISREFERUNIT" val="0"/>
+  <p:tag name="KSO_WM_UNIT_ID" val="_11**"/>
+  <p:tag name="KSO_WM_UNIT_LAYERLEVEL" val="1"/>
+  <p:tag name="KSO_WM_TAG_VERSION" val="1.0"/>
+  <p:tag name="KSO_WM_BEAUTIFY_FLAG" val="#wm#"/>
+</p:tagLst>
+</file>
+
+<file path=ppt/tags/tag121.xml><?xml version="1.0" encoding="utf-8"?>
+<p:tagLst xmlns:p="http://schemas.openxmlformats.org/presentationml/2006/main">
+  <p:tag name="KSO_WM_UNIT_HIGHLIGHT" val="0"/>
+  <p:tag name="KSO_WM_UNIT_COMPATIBLE" val="0"/>
+  <p:tag name="KSO_WM_UNIT_DIAGRAM_ISNUMVISUAL" val="0"/>
+  <p:tag name="KSO_WM_UNIT_DIAGRAM_ISREFERUNIT" val="0"/>
+  <p:tag name="KSO_WM_UNIT_ID" val="_11**"/>
+  <p:tag name="KSO_WM_UNIT_LAYERLEVEL" val="1"/>
+  <p:tag name="KSO_WM_TAG_VERSION" val="1.0"/>
+  <p:tag name="KSO_WM_BEAUTIFY_FLAG" val="#wm#"/>
+</p:tagLst>
+</file>
+
+<file path=ppt/tags/tag122.xml><?xml version="1.0" encoding="utf-8"?>
+<p:tagLst xmlns:p="http://schemas.openxmlformats.org/presentationml/2006/main">
+  <p:tag name="KSO_WM_UNIT_HIGHLIGHT" val="0"/>
+  <p:tag name="KSO_WM_UNIT_COMPATIBLE" val="0"/>
+  <p:tag name="KSO_WM_UNIT_DIAGRAM_ISNUMVISUAL" val="0"/>
+  <p:tag name="KSO_WM_UNIT_DIAGRAM_ISREFERUNIT" val="0"/>
+  <p:tag name="KSO_WM_UNIT_ID" val="_11**"/>
+  <p:tag name="KSO_WM_UNIT_LAYERLEVEL" val="1"/>
+  <p:tag name="KSO_WM_TAG_VERSION" val="1.0"/>
+  <p:tag name="KSO_WM_BEAUTIFY_FLAG" val="#wm#"/>
+</p:tagLst>
+</file>
+
+<file path=ppt/tags/tag123.xml><?xml version="1.0" encoding="utf-8"?>
+<p:tagLst xmlns:p="http://schemas.openxmlformats.org/presentationml/2006/main">
+  <p:tag name="KSO_WM_UNIT_HIGHLIGHT" val="0"/>
+  <p:tag name="KSO_WM_UNIT_COMPATIBLE" val="0"/>
+  <p:tag name="KSO_WM_UNIT_DIAGRAM_ISNUMVISUAL" val="0"/>
+  <p:tag name="KSO_WM_UNIT_DIAGRAM_ISREFERUNIT" val="0"/>
+  <p:tag name="KSO_WM_UNIT_ID" val="_11**"/>
+  <p:tag name="KSO_WM_UNIT_LAYERLEVEL" val="1"/>
+  <p:tag name="KSO_WM_TAG_VERSION" val="1.0"/>
+  <p:tag name="KSO_WM_BEAUTIFY_FLAG" val="#wm#"/>
+</p:tagLst>
+</file>
+
+<file path=ppt/tags/tag124.xml><?xml version="1.0" encoding="utf-8"?>
+<p:tagLst xmlns:p="http://schemas.openxmlformats.org/presentationml/2006/main">
+  <p:tag name="KSO_WM_UNIT_HIGHLIGHT" val="0"/>
+  <p:tag name="KSO_WM_UNIT_COMPATIBLE" val="0"/>
+  <p:tag name="KSO_WM_UNIT_DIAGRAM_ISNUMVISUAL" val="0"/>
+  <p:tag name="KSO_WM_UNIT_DIAGRAM_ISREFERUNIT" val="0"/>
+  <p:tag name="KSO_WM_UNIT_ID" val="_11**"/>
+  <p:tag name="KSO_WM_UNIT_LAYERLEVEL" val="1"/>
+  <p:tag name="KSO_WM_TAG_VERSION" val="1.0"/>
+  <p:tag name="KSO_WM_BEAUTIFY_FLAG" val="#wm#"/>
+</p:tagLst>
+</file>
+
+<file path=ppt/tags/tag125.xml><?xml version="1.0" encoding="utf-8"?>
+<p:tagLst xmlns:p="http://schemas.openxmlformats.org/presentationml/2006/main">
+  <p:tag name="KSO_WM_UNIT_HIGHLIGHT" val="0"/>
+  <p:tag name="KSO_WM_UNIT_COMPATIBLE" val="0"/>
+  <p:tag name="KSO_WM_UNIT_DIAGRAM_ISNUMVISUAL" val="0"/>
+  <p:tag name="KSO_WM_UNIT_DIAGRAM_ISREFERUNIT" val="0"/>
+  <p:tag name="KSO_WM_UNIT_ID" val="_11**"/>
+  <p:tag name="KSO_WM_UNIT_LAYERLEVEL" val="1"/>
+  <p:tag name="KSO_WM_TAG_VERSION" val="1.0"/>
+  <p:tag name="KSO_WM_BEAUTIFY_FLAG" val="#wm#"/>
+</p:tagLst>
+</file>
+
+<file path=ppt/tags/tag126.xml><?xml version="1.0" encoding="utf-8"?>
+<p:tagLst xmlns:p="http://schemas.openxmlformats.org/presentationml/2006/main">
+  <p:tag name="KSO_WM_UNIT_HIGHLIGHT" val="0"/>
+  <p:tag name="KSO_WM_UNIT_COMPATIBLE" val="0"/>
+  <p:tag name="KSO_WM_UNIT_DIAGRAM_ISNUMVISUAL" val="0"/>
+  <p:tag name="KSO_WM_UNIT_DIAGRAM_ISREFERUNIT" val="0"/>
+  <p:tag name="KSO_WM_UNIT_ID" val="_11**"/>
+  <p:tag name="KSO_WM_UNIT_LAYERLEVEL" val="1"/>
+  <p:tag name="KSO_WM_TAG_VERSION" val="1.0"/>
+  <p:tag name="KSO_WM_BEAUTIFY_FLAG" val="#wm#"/>
+</p:tagLst>
+</file>
+
+<file path=ppt/tags/tag127.xml><?xml version="1.0" encoding="utf-8"?>
+<p:tagLst xmlns:p="http://schemas.openxmlformats.org/presentationml/2006/main">
+  <p:tag name="KSO_WM_UNIT_HIGHLIGHT" val="0"/>
+  <p:tag name="KSO_WM_UNIT_COMPATIBLE" val="0"/>
+  <p:tag name="KSO_WM_UNIT_DIAGRAM_ISNUMVISUAL" val="0"/>
+  <p:tag name="KSO_WM_UNIT_DIAGRAM_ISREFERUNIT" val="0"/>
+  <p:tag name="KSO_WM_UNIT_ID" val="_11**"/>
+  <p:tag name="KSO_WM_UNIT_LAYERLEVEL" val="1"/>
+  <p:tag name="KSO_WM_TAG_VERSION" val="1.0"/>
+  <p:tag name="KSO_WM_BEAUTIFY_FLAG" val="#wm#"/>
+</p:tagLst>
+</file>
+
+<file path=ppt/tags/tag128.xml><?xml version="1.0" encoding="utf-8"?>
+<p:tagLst xmlns:p="http://schemas.openxmlformats.org/presentationml/2006/main">
+  <p:tag name="KSO_WM_UNIT_HIGHLIGHT" val="0"/>
+  <p:tag name="KSO_WM_UNIT_COMPATIBLE" val="0"/>
+  <p:tag name="KSO_WM_UNIT_DIAGRAM_ISNUMVISUAL" val="0"/>
+  <p:tag name="KSO_WM_UNIT_DIAGRAM_ISREFERUNIT" val="0"/>
+  <p:tag name="KSO_WM_UNIT_ID" val="_11**"/>
+  <p:tag name="KSO_WM_UNIT_LAYERLEVEL" val="1"/>
+  <p:tag name="KSO_WM_TAG_VERSION" val="1.0"/>
+  <p:tag name="KSO_WM_BEAUTIFY_FLAG" val="#wm#"/>
+</p:tagLst>
+</file>
+
+<file path=ppt/tags/tag129.xml><?xml version="1.0" encoding="utf-8"?>
+<p:tagLst xmlns:p="http://schemas.openxmlformats.org/presentationml/2006/main">
+  <p:tag name="KSO_WM_UNIT_HIGHLIGHT" val="0"/>
+  <p:tag name="KSO_WM_UNIT_COMPATIBLE" val="0"/>
+  <p:tag name="KSO_WM_UNIT_DIAGRAM_ISNUMVISUAL" val="0"/>
+  <p:tag name="KSO_WM_UNIT_DIAGRAM_ISREFERUNIT" val="0"/>
+  <p:tag name="KSO_WM_UNIT_ID" val="_11**"/>
+  <p:tag name="KSO_WM_UNIT_LAYERLEVEL" val="1"/>
+  <p:tag name="KSO_WM_TAG_VERSION" val="1.0"/>
+  <p:tag name="KSO_WM_BEAUTIFY_FLAG" val="#wm#"/>
+</p:tagLst>
+</file>
+
+<file path=ppt/tags/tag13.xml><?xml version="1.0" encoding="utf-8"?>
+<p:tagLst xmlns:p="http://schemas.openxmlformats.org/presentationml/2006/main">
+  <p:tag name="KSO_WM_UNIT_HIGHLIGHT" val="0"/>
+  <p:tag name="KSO_WM_UNIT_COMPATIBLE" val="0"/>
+  <p:tag name="KSO_WM_UNIT_DIAGRAM_ISNUMVISUAL" val="0"/>
+  <p:tag name="KSO_WM_UNIT_DIAGRAM_ISREFERUNIT" val="0"/>
+  <p:tag name="KSO_WM_UNIT_ID" val="_1**"/>
+  <p:tag name="KSO_WM_UNIT_LAYERLEVEL" val="1"/>
+  <p:tag name="KSO_WM_TAG_VERSION" val="1.0"/>
+  <p:tag name="KSO_WM_BEAUTIFY_FLAG" val="#wm#"/>
+</p:tagLst>
+</file>
+
+<file path=ppt/tags/tag130.xml><?xml version="1.0" encoding="utf-8"?>
+<p:tagLst xmlns:p="http://schemas.openxmlformats.org/presentationml/2006/main">
+  <p:tag name="KSO_WM_UNIT_HIGHLIGHT" val="0"/>
+  <p:tag name="KSO_WM_UNIT_COMPATIBLE" val="0"/>
+  <p:tag name="KSO_WM_UNIT_DIAGRAM_ISNUMVISUAL" val="0"/>
+  <p:tag name="KSO_WM_UNIT_DIAGRAM_ISREFERUNIT" val="0"/>
+  <p:tag name="KSO_WM_UNIT_ID" val="_11**"/>
+  <p:tag name="KSO_WM_UNIT_LAYERLEVEL" val="1"/>
+  <p:tag name="KSO_WM_TAG_VERSION" val="1.0"/>
+  <p:tag name="KSO_WM_BEAUTIFY_FLAG" val="#wm#"/>
+</p:tagLst>
+</file>
+
+<file path=ppt/tags/tag131.xml><?xml version="1.0" encoding="utf-8"?>
+<p:tagLst xmlns:p="http://schemas.openxmlformats.org/presentationml/2006/main">
+  <p:tag name="KSO_WM_UNIT_HIGHLIGHT" val="0"/>
+  <p:tag name="KSO_WM_UNIT_COMPATIBLE" val="0"/>
+  <p:tag name="KSO_WM_UNIT_DIAGRAM_ISNUMVISUAL" val="0"/>
+  <p:tag name="KSO_WM_UNIT_DIAGRAM_ISREFERUNIT" val="0"/>
+  <p:tag name="KSO_WM_UNIT_ID" val="_11**"/>
+  <p:tag name="KSO_WM_UNIT_LAYERLEVEL" val="1"/>
+  <p:tag name="KSO_WM_TAG_VERSION" val="1.0"/>
+  <p:tag name="KSO_WM_BEAUTIFY_FLAG" val="#wm#"/>
+</p:tagLst>
+</file>
+
+<file path=ppt/tags/tag132.xml><?xml version="1.0" encoding="utf-8"?>
+<p:tagLst xmlns:p="http://schemas.openxmlformats.org/presentationml/2006/main">
+  <p:tag name="KSO_WM_UNIT_HIGHLIGHT" val="0"/>
+  <p:tag name="KSO_WM_UNIT_COMPATIBLE" val="0"/>
+  <p:tag name="KSO_WM_UNIT_DIAGRAM_ISNUMVISUAL" val="0"/>
+  <p:tag name="KSO_WM_UNIT_DIAGRAM_ISREFERUNIT" val="0"/>
+  <p:tag name="KSO_WM_UNIT_ID" val="_11**"/>
+  <p:tag name="KSO_WM_UNIT_LAYERLEVEL" val="1"/>
+  <p:tag name="KSO_WM_TAG_VERSION" val="1.0"/>
+  <p:tag name="KSO_WM_BEAUTIFY_FLAG" val="#wm#"/>
+</p:tagLst>
+</file>
+
+<file path=ppt/tags/tag133.xml><?xml version="1.0" encoding="utf-8"?>
+<p:tagLst xmlns:p="http://schemas.openxmlformats.org/presentationml/2006/main">
+  <p:tag name="KSO_WM_UNIT_HIGHLIGHT" val="0"/>
+  <p:tag name="KSO_WM_UNIT_COMPATIBLE" val="0"/>
+  <p:tag name="KSO_WM_UNIT_DIAGRAM_ISNUMVISUAL" val="0"/>
+  <p:tag name="KSO_WM_UNIT_DIAGRAM_ISREFERUNIT" val="0"/>
+  <p:tag name="KSO_WM_UNIT_ID" val="_11**"/>
+  <p:tag name="KSO_WM_UNIT_LAYERLEVEL" val="1"/>
+  <p:tag name="KSO_WM_TAG_VERSION" val="1.0"/>
+  <p:tag name="KSO_WM_BEAUTIFY_FLAG" val="#wm#"/>
+</p:tagLst>
+</file>
+
+<file path=ppt/tags/tag134.xml><?xml version="1.0" encoding="utf-8"?>
+<p:tagLst xmlns:p="http://schemas.openxmlformats.org/presentationml/2006/main">
+  <p:tag name="KSO_WM_UNIT_HIGHLIGHT" val="0"/>
+  <p:tag name="KSO_WM_UNIT_COMPATIBLE" val="0"/>
+  <p:tag name="KSO_WM_UNIT_DIAGRAM_ISNUMVISUAL" val="0"/>
+  <p:tag name="KSO_WM_UNIT_DIAGRAM_ISREFERUNIT" val="0"/>
+  <p:tag name="KSO_WM_UNIT_ID" val="_11**"/>
+  <p:tag name="KSO_WM_UNIT_LAYERLEVEL" val="1"/>
+  <p:tag name="KSO_WM_TAG_VERSION" val="1.0"/>
+  <p:tag name="KSO_WM_BEAUTIFY_FLAG" val="#wm#"/>
+</p:tagLst>
+</file>
+
+<file path=ppt/tags/tag135.xml><?xml version="1.0" encoding="utf-8"?>
+<p:tagLst xmlns:p="http://schemas.openxmlformats.org/presentationml/2006/main">
+  <p:tag name="KSO_WM_UNIT_HIGHLIGHT" val="0"/>
+  <p:tag name="KSO_WM_UNIT_COMPATIBLE" val="0"/>
+  <p:tag name="KSO_WM_UNIT_DIAGRAM_ISNUMVISUAL" val="0"/>
+  <p:tag name="KSO_WM_UNIT_DIAGRAM_ISREFERUNIT" val="0"/>
+  <p:tag name="KSO_WM_UNIT_ID" val="_11**"/>
+  <p:tag name="KSO_WM_UNIT_LAYERLEVEL" val="1"/>
+  <p:tag name="KSO_WM_TAG_VERSION" val="1.0"/>
+  <p:tag name="KSO_WM_BEAUTIFY_FLAG" val="#wm#"/>
+</p:tagLst>
+</file>
+
+<file path=ppt/tags/tag136.xml><?xml version="1.0" encoding="utf-8"?>
+<p:tagLst xmlns:p="http://schemas.openxmlformats.org/presentationml/2006/main">
+  <p:tag name="KSO_WM_UNIT_HIGHLIGHT" val="0"/>
+  <p:tag name="KSO_WM_UNIT_COMPATIBLE" val="0"/>
+  <p:tag name="KSO_WM_UNIT_DIAGRAM_ISNUMVISUAL" val="0"/>
+  <p:tag name="KSO_WM_UNIT_DIAGRAM_ISREFERUNIT" val="0"/>
+  <p:tag name="KSO_WM_UNIT_ID" val="_11**"/>
+  <p:tag name="KSO_WM_UNIT_LAYERLEVEL" val="1"/>
+  <p:tag name="KSO_WM_TAG_VERSION" val="1.0"/>
+  <p:tag name="KSO_WM_BEAUTIFY_FLAG" val="#wm#"/>
+</p:tagLst>
+</file>
+
+<file path=ppt/tags/tag137.xml><?xml version="1.0" encoding="utf-8"?>
+<p:tagLst xmlns:p="http://schemas.openxmlformats.org/presentationml/2006/main">
+  <p:tag name="KSO_WM_UNIT_HIGHLIGHT" val="0"/>
+  <p:tag name="KSO_WM_UNIT_COMPATIBLE" val="0"/>
+  <p:tag name="KSO_WM_UNIT_DIAGRAM_ISNUMVISUAL" val="0"/>
+  <p:tag name="KSO_WM_UNIT_DIAGRAM_ISREFERUNIT" val="0"/>
+  <p:tag name="KSO_WM_UNIT_ID" val="_11**"/>
+  <p:tag name="KSO_WM_UNIT_LAYERLEVEL" val="1"/>
+  <p:tag name="KSO_WM_TAG_VERSION" val="1.0"/>
+  <p:tag name="KSO_WM_BEAUTIFY_FLAG" val="#wm#"/>
+</p:tagLst>
+</file>
+
+<file path=ppt/tags/tag138.xml><?xml version="1.0" encoding="utf-8"?>
+<p:tagLst xmlns:p="http://schemas.openxmlformats.org/presentationml/2006/main">
+  <p:tag name="KSO_WM_UNIT_HIGHLIGHT" val="0"/>
+  <p:tag name="KSO_WM_UNIT_COMPATIBLE" val="0"/>
+  <p:tag name="KSO_WM_UNIT_DIAGRAM_ISNUMVISUAL" val="0"/>
+  <p:tag name="KSO_WM_UNIT_DIAGRAM_ISREFERUNIT" val="0"/>
+  <p:tag name="KSO_WM_UNIT_ID" val="_11**"/>
+  <p:tag name="KSO_WM_UNIT_LAYERLEVEL" val="1"/>
+  <p:tag name="KSO_WM_TAG_VERSION" val="1.0"/>
+  <p:tag name="KSO_WM_BEAUTIFY_FLAG" val="#wm#"/>
+</p:tagLst>
+</file>
+
+<file path=ppt/tags/tag139.xml><?xml version="1.0" encoding="utf-8"?>
+<p:tagLst xmlns:p="http://schemas.openxmlformats.org/presentationml/2006/main">
+  <p:tag name="KSO_WM_UNIT_HIGHLIGHT" val="0"/>
+  <p:tag name="KSO_WM_UNIT_COMPATIBLE" val="0"/>
+  <p:tag name="KSO_WM_UNIT_DIAGRAM_ISNUMVISUAL" val="0"/>
+  <p:tag name="KSO_WM_UNIT_DIAGRAM_ISREFERUNIT" val="0"/>
+  <p:tag name="KSO_WM_UNIT_ID" val="_11**"/>
+  <p:tag name="KSO_WM_UNIT_LAYERLEVEL" val="1"/>
+  <p:tag name="KSO_WM_TAG_VERSION" val="1.0"/>
+  <p:tag name="KSO_WM_BEAUTIFY_FLAG" val="#wm#"/>
+</p:tagLst>
+</file>
+
+<file path=ppt/tags/tag14.xml><?xml version="1.0" encoding="utf-8"?>
+<p:tagLst xmlns:p="http://schemas.openxmlformats.org/presentationml/2006/main">
+  <p:tag name="KSO_WM_UNIT_HIGHLIGHT" val="0"/>
+  <p:tag name="KSO_WM_UNIT_COMPATIBLE" val="0"/>
+  <p:tag name="KSO_WM_UNIT_DIAGRAM_ISNUMVISUAL" val="0"/>
+  <p:tag name="KSO_WM_UNIT_DIAGRAM_ISREFERUNIT" val="0"/>
+  <p:tag name="KSO_WM_UNIT_ID" val="_1**"/>
+  <p:tag name="KSO_WM_UNIT_LAYERLEVEL" val="1"/>
+  <p:tag name="KSO_WM_TAG_VERSION" val="1.0"/>
+  <p:tag name="KSO_WM_BEAUTIFY_FLAG" val="#wm#"/>
+</p:tagLst>
+</file>
+
+<file path=ppt/tags/tag140.xml><?xml version="1.0" encoding="utf-8"?>
+<p:tagLst xmlns:p="http://schemas.openxmlformats.org/presentationml/2006/main">
+  <p:tag name="KSO_WM_UNIT_HIGHLIGHT" val="0"/>
+  <p:tag name="KSO_WM_UNIT_COMPATIBLE" val="0"/>
+  <p:tag name="KSO_WM_UNIT_DIAGRAM_ISNUMVISUAL" val="0"/>
+  <p:tag name="KSO_WM_UNIT_DIAGRAM_ISREFERUNIT" val="0"/>
+  <p:tag name="KSO_WM_UNIT_ID" val="_11**"/>
+  <p:tag name="KSO_WM_UNIT_LAYERLEVEL" val="1"/>
+  <p:tag name="KSO_WM_TAG_VERSION" val="1.0"/>
+  <p:tag name="KSO_WM_BEAUTIFY_FLAG" val="#wm#"/>
+</p:tagLst>
+</file>
+
+<file path=ppt/tags/tag141.xml><?xml version="1.0" encoding="utf-8"?>
+<p:tagLst xmlns:p="http://schemas.openxmlformats.org/presentationml/2006/main">
+  <p:tag name="KSO_WM_UNIT_HIGHLIGHT" val="0"/>
+  <p:tag name="KSO_WM_UNIT_COMPATIBLE" val="0"/>
+  <p:tag name="KSO_WM_UNIT_DIAGRAM_ISNUMVISUAL" val="0"/>
+  <p:tag name="KSO_WM_UNIT_DIAGRAM_ISREFERUNIT" val="0"/>
+  <p:tag name="KSO_WM_UNIT_ID" val="_11**"/>
+  <p:tag name="KSO_WM_UNIT_LAYERLEVEL" val="1"/>
+  <p:tag name="KSO_WM_TAG_VERSION" val="1.0"/>
+  <p:tag name="KSO_WM_BEAUTIFY_FLAG" val="#wm#"/>
+</p:tagLst>
+</file>
+
+<file path=ppt/tags/tag142.xml><?xml version="1.0" encoding="utf-8"?>
+<p:tagLst xmlns:p="http://schemas.openxmlformats.org/presentationml/2006/main">
+  <p:tag name="KSO_WM_UNIT_HIGHLIGHT" val="0"/>
+  <p:tag name="KSO_WM_UNIT_COMPATIBLE" val="0"/>
+  <p:tag name="KSO_WM_UNIT_DIAGRAM_ISNUMVISUAL" val="0"/>
+  <p:tag name="KSO_WM_UNIT_DIAGRAM_ISREFERUNIT" val="0"/>
+  <p:tag name="KSO_WM_UNIT_ID" val="_11**"/>
+  <p:tag name="KSO_WM_UNIT_LAYERLEVEL" val="1"/>
+  <p:tag name="KSO_WM_TAG_VERSION" val="1.0"/>
+  <p:tag name="KSO_WM_BEAUTIFY_FLAG" val="#wm#"/>
+</p:tagLst>
+</file>
+
+<file path=ppt/tags/tag143.xml><?xml version="1.0" encoding="utf-8"?>
+<p:tagLst xmlns:p="http://schemas.openxmlformats.org/presentationml/2006/main">
+  <p:tag name="KSO_WM_UNIT_HIGHLIGHT" val="0"/>
+  <p:tag name="KSO_WM_UNIT_COMPATIBLE" val="0"/>
+  <p:tag name="KSO_WM_UNIT_DIAGRAM_ISNUMVISUAL" val="0"/>
+  <p:tag name="KSO_WM_UNIT_DIAGRAM_ISREFERUNIT" val="0"/>
+  <p:tag name="KSO_WM_UNIT_ID" val="_11**"/>
+  <p:tag name="KSO_WM_UNIT_LAYERLEVEL" val="1"/>
+  <p:tag name="KSO_WM_TAG_VERSION" val="1.0"/>
+  <p:tag name="KSO_WM_BEAUTIFY_FLAG" val="#wm#"/>
+</p:tagLst>
+</file>
+
+<file path=ppt/tags/tag144.xml><?xml version="1.0" encoding="utf-8"?>
+<p:tagLst xmlns:p="http://schemas.openxmlformats.org/presentationml/2006/main">
+  <p:tag name="KSO_WM_UNIT_HIGHLIGHT" val="0"/>
+  <p:tag name="KSO_WM_UNIT_COMPATIBLE" val="0"/>
+  <p:tag name="KSO_WM_UNIT_DIAGRAM_ISNUMVISUAL" val="0"/>
+  <p:tag name="KSO_WM_UNIT_DIAGRAM_ISREFERUNIT" val="0"/>
+  <p:tag name="KSO_WM_UNIT_ID" val="_11**"/>
+  <p:tag name="KSO_WM_UNIT_LAYERLEVEL" val="1"/>
+  <p:tag name="KSO_WM_TAG_VERSION" val="1.0"/>
+  <p:tag name="KSO_WM_BEAUTIFY_FLAG" val="#wm#"/>
+</p:tagLst>
+</file>
+
+<file path=ppt/tags/tag145.xml><?xml version="1.0" encoding="utf-8"?>
+<p:tagLst xmlns:p="http://schemas.openxmlformats.org/presentationml/2006/main">
+  <p:tag name="KSO_WM_UNIT_HIGHLIGHT" val="0"/>
+  <p:tag name="KSO_WM_UNIT_COMPATIBLE" val="0"/>
+  <p:tag name="KSO_WM_UNIT_DIAGRAM_ISNUMVISUAL" val="0"/>
+  <p:tag name="KSO_WM_UNIT_DIAGRAM_ISREFERUNIT" val="0"/>
+  <p:tag name="KSO_WM_UNIT_ID" val="_11**"/>
+  <p:tag name="KSO_WM_UNIT_LAYERLEVEL" val="1"/>
+  <p:tag name="KSO_WM_TAG_VERSION" val="1.0"/>
+  <p:tag name="KSO_WM_BEAUTIFY_FLAG" val="#wm#"/>
+</p:tagLst>
+</file>
+
+<file path=ppt/tags/tag146.xml><?xml version="1.0" encoding="utf-8"?>
+<p:tagLst xmlns:p="http://schemas.openxmlformats.org/presentationml/2006/main">
+  <p:tag name="KSO_WM_UNIT_HIGHLIGHT" val="0"/>
+  <p:tag name="KSO_WM_UNIT_COMPATIBLE" val="0"/>
+  <p:tag name="KSO_WM_UNIT_DIAGRAM_ISNUMVISUAL" val="0"/>
+  <p:tag name="KSO_WM_UNIT_DIAGRAM_ISREFERUNIT" val="0"/>
+  <p:tag name="KSO_WM_UNIT_ID" val="_11**"/>
+  <p:tag name="KSO_WM_UNIT_LAYERLEVEL" val="1"/>
+  <p:tag name="KSO_WM_TAG_VERSION" val="1.0"/>
+  <p:tag name="KSO_WM_BEAUTIFY_FLAG" val="#wm#"/>
+</p:tagLst>
+</file>
+
+<file path=ppt/tags/tag147.xml><?xml version="1.0" encoding="utf-8"?>
+<p:tagLst xmlns:p="http://schemas.openxmlformats.org/presentationml/2006/main">
+  <p:tag name="KSO_WM_UNIT_HIGHLIGHT" val="0"/>
+  <p:tag name="KSO_WM_UNIT_COMPATIBLE" val="0"/>
+  <p:tag name="KSO_WM_UNIT_DIAGRAM_ISNUMVISUAL" val="0"/>
+  <p:tag name="KSO_WM_UNIT_DIAGRAM_ISREFERUNIT" val="0"/>
+  <p:tag name="KSO_WM_UNIT_ID" val="_11**"/>
+  <p:tag name="KSO_WM_UNIT_LAYERLEVEL" val="1"/>
+  <p:tag name="KSO_WM_TAG_VERSION" val="1.0"/>
+  <p:tag name="KSO_WM_BEAUTIFY_FLAG" val="#wm#"/>
+</p:tagLst>
+</file>
+
+<file path=ppt/tags/tag148.xml><?xml version="1.0" encoding="utf-8"?>
+<p:tagLst xmlns:p="http://schemas.openxmlformats.org/presentationml/2006/main">
+  <p:tag name="KSO_WM_UNIT_HIGHLIGHT" val="0"/>
+  <p:tag name="KSO_WM_UNIT_COMPATIBLE" val="0"/>
+  <p:tag name="KSO_WM_UNIT_DIAGRAM_ISNUMVISUAL" val="0"/>
+  <p:tag name="KSO_WM_UNIT_DIAGRAM_ISREFERUNIT" val="0"/>
+  <p:tag name="KSO_WM_UNIT_ID" val="_11**"/>
+  <p:tag name="KSO_WM_UNIT_LAYERLEVEL" val="1"/>
+  <p:tag name="KSO_WM_TAG_VERSION" val="1.0"/>
+  <p:tag name="KSO_WM_BEAUTIFY_FLAG" val="#wm#"/>
+</p:tagLst>
+</file>
+
+<file path=ppt/tags/tag149.xml><?xml version="1.0" encoding="utf-8"?>
+<p:tagLst xmlns:p="http://schemas.openxmlformats.org/presentationml/2006/main">
+  <p:tag name="KSO_WM_UNIT_HIGHLIGHT" val="0"/>
+  <p:tag name="KSO_WM_UNIT_COMPATIBLE" val="0"/>
+  <p:tag name="KSO_WM_UNIT_DIAGRAM_ISNUMVISUAL" val="0"/>
+  <p:tag name="KSO_WM_UNIT_DIAGRAM_ISREFERUNIT" val="0"/>
+  <p:tag name="KSO_WM_UNIT_ID" val="_11**"/>
+  <p:tag name="KSO_WM_UNIT_LAYERLEVEL" val="1"/>
+  <p:tag name="KSO_WM_TAG_VERSION" val="1.0"/>
+  <p:tag name="KSO_WM_BEAUTIFY_FLAG" val="#wm#"/>
+</p:tagLst>
+</file>
+
+<file path=ppt/tags/tag15.xml><?xml version="1.0" encoding="utf-8"?>
+<p:tagLst xmlns:p="http://schemas.openxmlformats.org/presentationml/2006/main">
+  <p:tag name="KSO_WM_UNIT_HIGHLIGHT" val="0"/>
+  <p:tag name="KSO_WM_UNIT_COMPATIBLE" val="0"/>
+  <p:tag name="KSO_WM_UNIT_DIAGRAM_ISNUMVISUAL" val="0"/>
+  <p:tag name="KSO_WM_UNIT_DIAGRAM_ISREFERUNIT" val="0"/>
+  <p:tag name="KSO_WM_UNIT_ID" val="_1**"/>
+  <p:tag name="KSO_WM_UNIT_LAYERLEVEL" val="1"/>
+  <p:tag name="KSO_WM_TAG_VERSION" val="1.0"/>
+  <p:tag name="KSO_WM_BEAUTIFY_FLAG" val="#wm#"/>
+</p:tagLst>
+</file>
+
+<file path=ppt/tags/tag150.xml><?xml version="1.0" encoding="utf-8"?>
+<p:tagLst xmlns:p="http://schemas.openxmlformats.org/presentationml/2006/main">
+  <p:tag name="KSO_WM_UNIT_HIGHLIGHT" val="0"/>
+  <p:tag name="KSO_WM_UNIT_COMPATIBLE" val="0"/>
+  <p:tag name="KSO_WM_UNIT_DIAGRAM_ISNUMVISUAL" val="0"/>
+  <p:tag name="KSO_WM_UNIT_DIAGRAM_ISREFERUNIT" val="0"/>
+  <p:tag name="KSO_WM_UNIT_ID" val="_11**"/>
+  <p:tag name="KSO_WM_UNIT_LAYERLEVEL" val="1"/>
+  <p:tag name="KSO_WM_TAG_VERSION" val="1.0"/>
+  <p:tag name="KSO_WM_BEAUTIFY_FLAG" val="#wm#"/>
+</p:tagLst>
+</file>
+
+<file path=ppt/tags/tag151.xml><?xml version="1.0" encoding="utf-8"?>
+<p:tagLst xmlns:p="http://schemas.openxmlformats.org/presentationml/2006/main">
+  <p:tag name="KSO_WM_UNIT_HIGHLIGHT" val="0"/>
+  <p:tag name="KSO_WM_UNIT_COMPATIBLE" val="0"/>
+  <p:tag name="KSO_WM_UNIT_DIAGRAM_ISNUMVISUAL" val="0"/>
+  <p:tag name="KSO_WM_UNIT_DIAGRAM_ISREFERUNIT" val="0"/>
+  <p:tag name="KSO_WM_UNIT_ID" val="_11**"/>
+  <p:tag name="KSO_WM_UNIT_LAYERLEVEL" val="1"/>
+  <p:tag name="KSO_WM_TAG_VERSION" val="1.0"/>
+  <p:tag name="KSO_WM_BEAUTIFY_FLAG" val="#wm#"/>
+</p:tagLst>
+</file>
+
+<file path=ppt/tags/tag152.xml><?xml version="1.0" encoding="utf-8"?>
+<p:tagLst xmlns:p="http://schemas.openxmlformats.org/presentationml/2006/main">
+  <p:tag name="KSO_WM_UNIT_HIGHLIGHT" val="0"/>
+  <p:tag name="KSO_WM_UNIT_COMPATIBLE" val="0"/>
+  <p:tag name="KSO_WM_UNIT_DIAGRAM_ISNUMVISUAL" val="0"/>
+  <p:tag name="KSO_WM_UNIT_DIAGRAM_ISREFERUNIT" val="0"/>
+  <p:tag name="KSO_WM_UNIT_ID" val="_11**"/>
+  <p:tag name="KSO_WM_UNIT_LAYERLEVEL" val="1"/>
+  <p:tag name="KSO_WM_TAG_VERSION" val="1.0"/>
+  <p:tag name="KSO_WM_BEAUTIFY_FLAG" val="#wm#"/>
+</p:tagLst>
+</file>
+
+<file path=ppt/tags/tag153.xml><?xml version="1.0" encoding="utf-8"?>
+<p:tagLst xmlns:p="http://schemas.openxmlformats.org/presentationml/2006/main">
+  <p:tag name="KSO_WM_UNIT_HIGHLIGHT" val="0"/>
+  <p:tag name="KSO_WM_UNIT_COMPATIBLE" val="0"/>
+  <p:tag name="KSO_WM_UNIT_DIAGRAM_ISNUMVISUAL" val="0"/>
+  <p:tag name="KSO_WM_UNIT_DIAGRAM_ISREFERUNIT" val="0"/>
+  <p:tag name="KSO_WM_UNIT_ID" val="_11**"/>
+  <p:tag name="KSO_WM_UNIT_LAYERLEVEL" val="1"/>
+  <p:tag name="KSO_WM_TAG_VERSION" val="1.0"/>
+  <p:tag name="KSO_WM_BEAUTIFY_FLAG" val="#wm#"/>
+</p:tagLst>
+</file>
+
+<file path=ppt/tags/tag154.xml><?xml version="1.0" encoding="utf-8"?>
+<p:tagLst xmlns:p="http://schemas.openxmlformats.org/presentationml/2006/main">
+  <p:tag name="KSO_WM_UNIT_HIGHLIGHT" val="0"/>
+  <p:tag name="KSO_WM_UNIT_COMPATIBLE" val="0"/>
+  <p:tag name="KSO_WM_UNIT_DIAGRAM_ISNUMVISUAL" val="0"/>
+  <p:tag name="KSO_WM_UNIT_DIAGRAM_ISREFERUNIT" val="0"/>
+  <p:tag name="KSO_WM_UNIT_ID" val="_11**"/>
+  <p:tag name="KSO_WM_UNIT_LAYERLEVEL" val="1"/>
+  <p:tag name="KSO_WM_TAG_VERSION" val="1.0"/>
+  <p:tag name="KSO_WM_BEAUTIFY_FLAG" val="#wm#"/>
+</p:tagLst>
+</file>
+
+<file path=ppt/tags/tag155.xml><?xml version="1.0" encoding="utf-8"?>
+<p:tagLst xmlns:p="http://schemas.openxmlformats.org/presentationml/2006/main">
+  <p:tag name="KSO_WM_UNIT_HIGHLIGHT" val="0"/>
+  <p:tag name="KSO_WM_UNIT_COMPATIBLE" val="0"/>
+  <p:tag name="KSO_WM_UNIT_DIAGRAM_ISNUMVISUAL" val="0"/>
+  <p:tag name="KSO_WM_UNIT_DIAGRAM_ISREFERUNIT" val="0"/>
+  <p:tag name="KSO_WM_UNIT_ID" val="_11**"/>
+  <p:tag name="KSO_WM_UNIT_LAYERLEVEL" val="1"/>
+  <p:tag name="KSO_WM_TAG_VERSION" val="1.0"/>
+  <p:tag name="KSO_WM_BEAUTIFY_FLAG" val="#wm#"/>
+</p:tagLst>
+</file>
+
+<file path=ppt/tags/tag156.xml><?xml version="1.0" encoding="utf-8"?>
+<p:tagLst xmlns:p="http://schemas.openxmlformats.org/presentationml/2006/main">
   <p:tag name="KSO_WM_UNIT_HIGHLIGHT" val="0"/>
   <p:tag name="KSO_WM_UNIT_COMPATIBLE" val="0"/>
   <p:tag name="KSO_WM_UNIT_DIAGRAM_ISNUMVISUAL" val="0"/>
@@ -21377,845 +22294,28 @@
 </p:tagLst>
 </file>
 
-<file path=ppt/tags/tag10.xml><?xml version="1.0" encoding="utf-8"?>
-<p:tagLst xmlns:a="http://schemas.openxmlformats.org/drawingml/2006/main" xmlns:r="http://schemas.openxmlformats.org/officeDocument/2006/relationships" xmlns:p="http://schemas.openxmlformats.org/presentationml/2006/main">
+<file path=ppt/tags/tag157.xml><?xml version="1.0" encoding="utf-8"?>
+<p:tagLst xmlns:p="http://schemas.openxmlformats.org/presentationml/2006/main">
   <p:tag name="KSO_WM_UNIT_HIGHLIGHT" val="0"/>
   <p:tag name="KSO_WM_UNIT_COMPATIBLE" val="0"/>
   <p:tag name="KSO_WM_UNIT_DIAGRAM_ISNUMVISUAL" val="0"/>
   <p:tag name="KSO_WM_UNIT_DIAGRAM_ISREFERUNIT" val="0"/>
-  <p:tag name="KSO_WM_UNIT_ID" val="_1**"/>
+  <p:tag name="KSO_WM_UNIT_ID" val="_0**"/>
   <p:tag name="KSO_WM_UNIT_LAYERLEVEL" val="1"/>
   <p:tag name="KSO_WM_TAG_VERSION" val="1.0"/>
   <p:tag name="KSO_WM_BEAUTIFY_FLAG" val="#wm#"/>
+  <p:tag name="KSO_WM_TEMPLATE_CATEGORY" val="custom"/>
+  <p:tag name="KSO_WM_TEMPLATE_INDEX" val="20191705"/>
 </p:tagLst>
 </file>
 
-<file path=ppt/tags/tag100.xml><?xml version="1.0" encoding="utf-8"?>
-<p:tagLst xmlns:a="http://schemas.openxmlformats.org/drawingml/2006/main" xmlns:r="http://schemas.openxmlformats.org/officeDocument/2006/relationships" xmlns:p="http://schemas.openxmlformats.org/presentationml/2006/main">
+<file path=ppt/tags/tag158.xml><?xml version="1.0" encoding="utf-8"?>
+<p:tagLst xmlns:p="http://schemas.openxmlformats.org/presentationml/2006/main">
   <p:tag name="KSO_WM_UNIT_HIGHLIGHT" val="0"/>
   <p:tag name="KSO_WM_UNIT_COMPATIBLE" val="0"/>
   <p:tag name="KSO_WM_UNIT_DIAGRAM_ISNUMVISUAL" val="0"/>
   <p:tag name="KSO_WM_UNIT_DIAGRAM_ISREFERUNIT" val="0"/>
-  <p:tag name="KSO_WM_UNIT_ID" val="_5**"/>
-  <p:tag name="KSO_WM_UNIT_LAYERLEVEL" val="1"/>
-  <p:tag name="KSO_WM_TAG_VERSION" val="1.0"/>
-  <p:tag name="KSO_WM_BEAUTIFY_FLAG" val="#wm#"/>
-</p:tagLst>
-</file>
-
-<file path=ppt/tags/tag101.xml><?xml version="1.0" encoding="utf-8"?>
-<p:tagLst xmlns:a="http://schemas.openxmlformats.org/drawingml/2006/main" xmlns:r="http://schemas.openxmlformats.org/officeDocument/2006/relationships" xmlns:p="http://schemas.openxmlformats.org/presentationml/2006/main">
-  <p:tag name="KSO_WM_UNIT_HIGHLIGHT" val="0"/>
-  <p:tag name="KSO_WM_UNIT_COMPATIBLE" val="0"/>
-  <p:tag name="KSO_WM_UNIT_DIAGRAM_ISNUMVISUAL" val="0"/>
-  <p:tag name="KSO_WM_UNIT_DIAGRAM_ISREFERUNIT" val="0"/>
-  <p:tag name="KSO_WM_UNIT_ID" val="_5**"/>
-  <p:tag name="KSO_WM_UNIT_LAYERLEVEL" val="1"/>
-  <p:tag name="KSO_WM_TAG_VERSION" val="1.0"/>
-  <p:tag name="KSO_WM_BEAUTIFY_FLAG" val="#wm#"/>
-</p:tagLst>
-</file>
-
-<file path=ppt/tags/tag102.xml><?xml version="1.0" encoding="utf-8"?>
-<p:tagLst xmlns:a="http://schemas.openxmlformats.org/drawingml/2006/main" xmlns:r="http://schemas.openxmlformats.org/officeDocument/2006/relationships" xmlns:p="http://schemas.openxmlformats.org/presentationml/2006/main">
-  <p:tag name="KSO_WM_UNIT_HIGHLIGHT" val="0"/>
-  <p:tag name="KSO_WM_UNIT_COMPATIBLE" val="0"/>
-  <p:tag name="KSO_WM_UNIT_DIAGRAM_ISNUMVISUAL" val="0"/>
-  <p:tag name="KSO_WM_UNIT_DIAGRAM_ISREFERUNIT" val="0"/>
-  <p:tag name="KSO_WM_UNIT_ID" val="_5**"/>
-  <p:tag name="KSO_WM_UNIT_LAYERLEVEL" val="1"/>
-  <p:tag name="KSO_WM_TAG_VERSION" val="1.0"/>
-  <p:tag name="KSO_WM_BEAUTIFY_FLAG" val="#wm#"/>
-</p:tagLst>
-</file>
-
-<file path=ppt/tags/tag103.xml><?xml version="1.0" encoding="utf-8"?>
-<p:tagLst xmlns:a="http://schemas.openxmlformats.org/drawingml/2006/main" xmlns:r="http://schemas.openxmlformats.org/officeDocument/2006/relationships" xmlns:p="http://schemas.openxmlformats.org/presentationml/2006/main">
-  <p:tag name="KSO_WM_UNIT_HIGHLIGHT" val="0"/>
-  <p:tag name="KSO_WM_UNIT_COMPATIBLE" val="0"/>
-  <p:tag name="KSO_WM_UNIT_DIAGRAM_ISNUMVISUAL" val="0"/>
-  <p:tag name="KSO_WM_UNIT_DIAGRAM_ISREFERUNIT" val="0"/>
-  <p:tag name="KSO_WM_UNIT_ID" val="_5**"/>
-  <p:tag name="KSO_WM_UNIT_LAYERLEVEL" val="1"/>
-  <p:tag name="KSO_WM_TAG_VERSION" val="1.0"/>
-  <p:tag name="KSO_WM_BEAUTIFY_FLAG" val="#wm#"/>
-</p:tagLst>
-</file>
-
-<file path=ppt/tags/tag104.xml><?xml version="1.0" encoding="utf-8"?>
-<p:tagLst xmlns:a="http://schemas.openxmlformats.org/drawingml/2006/main" xmlns:r="http://schemas.openxmlformats.org/officeDocument/2006/relationships" xmlns:p="http://schemas.openxmlformats.org/presentationml/2006/main">
-  <p:tag name="KSO_WM_UNIT_HIGHLIGHT" val="0"/>
-  <p:tag name="KSO_WM_UNIT_COMPATIBLE" val="0"/>
-  <p:tag name="KSO_WM_UNIT_DIAGRAM_ISNUMVISUAL" val="0"/>
-  <p:tag name="KSO_WM_UNIT_DIAGRAM_ISREFERUNIT" val="0"/>
-  <p:tag name="KSO_WM_UNIT_ID" val="_6**"/>
-  <p:tag name="KSO_WM_UNIT_LAYERLEVEL" val="1"/>
-  <p:tag name="KSO_WM_TAG_VERSION" val="1.0"/>
-  <p:tag name="KSO_WM_BEAUTIFY_FLAG" val="#wm#"/>
-</p:tagLst>
-</file>
-
-<file path=ppt/tags/tag105.xml><?xml version="1.0" encoding="utf-8"?>
-<p:tagLst xmlns:a="http://schemas.openxmlformats.org/drawingml/2006/main" xmlns:r="http://schemas.openxmlformats.org/officeDocument/2006/relationships" xmlns:p="http://schemas.openxmlformats.org/presentationml/2006/main">
-  <p:tag name="KSO_WM_UNIT_HIGHLIGHT" val="0"/>
-  <p:tag name="KSO_WM_UNIT_COMPATIBLE" val="0"/>
-  <p:tag name="KSO_WM_UNIT_DIAGRAM_ISNUMVISUAL" val="0"/>
-  <p:tag name="KSO_WM_UNIT_DIAGRAM_ISREFERUNIT" val="0"/>
-  <p:tag name="KSO_WM_UNIT_ID" val="_6**"/>
-  <p:tag name="KSO_WM_UNIT_LAYERLEVEL" val="1"/>
-  <p:tag name="KSO_WM_TAG_VERSION" val="1.0"/>
-  <p:tag name="KSO_WM_BEAUTIFY_FLAG" val="#wm#"/>
-</p:tagLst>
-</file>
-
-<file path=ppt/tags/tag106.xml><?xml version="1.0" encoding="utf-8"?>
-<p:tagLst xmlns:a="http://schemas.openxmlformats.org/drawingml/2006/main" xmlns:r="http://schemas.openxmlformats.org/officeDocument/2006/relationships" xmlns:p="http://schemas.openxmlformats.org/presentationml/2006/main">
-  <p:tag name="KSO_WM_UNIT_HIGHLIGHT" val="0"/>
-  <p:tag name="KSO_WM_UNIT_COMPATIBLE" val="0"/>
-  <p:tag name="KSO_WM_UNIT_DIAGRAM_ISNUMVISUAL" val="0"/>
-  <p:tag name="KSO_WM_UNIT_DIAGRAM_ISREFERUNIT" val="0"/>
-  <p:tag name="KSO_WM_UNIT_ID" val="_6**"/>
-  <p:tag name="KSO_WM_UNIT_LAYERLEVEL" val="1"/>
-  <p:tag name="KSO_WM_TAG_VERSION" val="1.0"/>
-  <p:tag name="KSO_WM_BEAUTIFY_FLAG" val="#wm#"/>
-</p:tagLst>
-</file>
-
-<file path=ppt/tags/tag107.xml><?xml version="1.0" encoding="utf-8"?>
-<p:tagLst xmlns:a="http://schemas.openxmlformats.org/drawingml/2006/main" xmlns:r="http://schemas.openxmlformats.org/officeDocument/2006/relationships" xmlns:p="http://schemas.openxmlformats.org/presentationml/2006/main">
-  <p:tag name="KSO_WM_UNIT_HIGHLIGHT" val="0"/>
-  <p:tag name="KSO_WM_UNIT_COMPATIBLE" val="0"/>
-  <p:tag name="KSO_WM_UNIT_DIAGRAM_ISNUMVISUAL" val="0"/>
-  <p:tag name="KSO_WM_UNIT_DIAGRAM_ISREFERUNIT" val="0"/>
-  <p:tag name="KSO_WM_UNIT_ID" val="_6**"/>
-  <p:tag name="KSO_WM_UNIT_LAYERLEVEL" val="1"/>
-  <p:tag name="KSO_WM_TAG_VERSION" val="1.0"/>
-  <p:tag name="KSO_WM_BEAUTIFY_FLAG" val="#wm#"/>
-</p:tagLst>
-</file>
-
-<file path=ppt/tags/tag108.xml><?xml version="1.0" encoding="utf-8"?>
-<p:tagLst xmlns:a="http://schemas.openxmlformats.org/drawingml/2006/main" xmlns:r="http://schemas.openxmlformats.org/officeDocument/2006/relationships" xmlns:p="http://schemas.openxmlformats.org/presentationml/2006/main">
-  <p:tag name="KSO_WM_UNIT_HIGHLIGHT" val="0"/>
-  <p:tag name="KSO_WM_UNIT_COMPATIBLE" val="0"/>
-  <p:tag name="KSO_WM_UNIT_DIAGRAM_ISNUMVISUAL" val="0"/>
-  <p:tag name="KSO_WM_UNIT_DIAGRAM_ISREFERUNIT" val="0"/>
-  <p:tag name="KSO_WM_UNIT_ID" val="_7**"/>
-  <p:tag name="KSO_WM_UNIT_LAYERLEVEL" val="1"/>
-  <p:tag name="KSO_WM_TAG_VERSION" val="1.0"/>
-  <p:tag name="KSO_WM_BEAUTIFY_FLAG" val="#wm#"/>
-</p:tagLst>
-</file>
-
-<file path=ppt/tags/tag109.xml><?xml version="1.0" encoding="utf-8"?>
-<p:tagLst xmlns:a="http://schemas.openxmlformats.org/drawingml/2006/main" xmlns:r="http://schemas.openxmlformats.org/officeDocument/2006/relationships" xmlns:p="http://schemas.openxmlformats.org/presentationml/2006/main">
-  <p:tag name="KSO_WM_UNIT_HIGHLIGHT" val="0"/>
-  <p:tag name="KSO_WM_UNIT_COMPATIBLE" val="0"/>
-  <p:tag name="KSO_WM_UNIT_DIAGRAM_ISNUMVISUAL" val="0"/>
-  <p:tag name="KSO_WM_UNIT_DIAGRAM_ISREFERUNIT" val="0"/>
-  <p:tag name="KSO_WM_UNIT_ID" val="_7**"/>
-  <p:tag name="KSO_WM_UNIT_LAYERLEVEL" val="1"/>
-  <p:tag name="KSO_WM_TAG_VERSION" val="1.0"/>
-  <p:tag name="KSO_WM_BEAUTIFY_FLAG" val="#wm#"/>
-</p:tagLst>
-</file>
-
-<file path=ppt/tags/tag11.xml><?xml version="1.0" encoding="utf-8"?>
-<p:tagLst xmlns:a="http://schemas.openxmlformats.org/drawingml/2006/main" xmlns:r="http://schemas.openxmlformats.org/officeDocument/2006/relationships" xmlns:p="http://schemas.openxmlformats.org/presentationml/2006/main">
-  <p:tag name="KSO_WM_UNIT_HIGHLIGHT" val="0"/>
-  <p:tag name="KSO_WM_UNIT_COMPATIBLE" val="0"/>
-  <p:tag name="KSO_WM_UNIT_DIAGRAM_ISNUMVISUAL" val="0"/>
-  <p:tag name="KSO_WM_UNIT_DIAGRAM_ISREFERUNIT" val="0"/>
-  <p:tag name="KSO_WM_UNIT_ID" val="_1**"/>
-  <p:tag name="KSO_WM_UNIT_LAYERLEVEL" val="1"/>
-  <p:tag name="KSO_WM_TAG_VERSION" val="1.0"/>
-  <p:tag name="KSO_WM_BEAUTIFY_FLAG" val="#wm#"/>
-</p:tagLst>
-</file>
-
-<file path=ppt/tags/tag110.xml><?xml version="1.0" encoding="utf-8"?>
-<p:tagLst xmlns:a="http://schemas.openxmlformats.org/drawingml/2006/main" xmlns:r="http://schemas.openxmlformats.org/officeDocument/2006/relationships" xmlns:p="http://schemas.openxmlformats.org/presentationml/2006/main">
-  <p:tag name="KSO_WM_UNIT_HIGHLIGHT" val="0"/>
-  <p:tag name="KSO_WM_UNIT_COMPATIBLE" val="0"/>
-  <p:tag name="KSO_WM_UNIT_DIAGRAM_ISNUMVISUAL" val="0"/>
-  <p:tag name="KSO_WM_UNIT_DIAGRAM_ISREFERUNIT" val="0"/>
-  <p:tag name="KSO_WM_UNIT_ID" val="_7**"/>
-  <p:tag name="KSO_WM_UNIT_LAYERLEVEL" val="1"/>
-  <p:tag name="KSO_WM_TAG_VERSION" val="1.0"/>
-  <p:tag name="KSO_WM_BEAUTIFY_FLAG" val="#wm#"/>
-</p:tagLst>
-</file>
-
-<file path=ppt/tags/tag111.xml><?xml version="1.0" encoding="utf-8"?>
-<p:tagLst xmlns:a="http://schemas.openxmlformats.org/drawingml/2006/main" xmlns:r="http://schemas.openxmlformats.org/officeDocument/2006/relationships" xmlns:p="http://schemas.openxmlformats.org/presentationml/2006/main">
-  <p:tag name="KSO_WM_UNIT_HIGHLIGHT" val="0"/>
-  <p:tag name="KSO_WM_UNIT_COMPATIBLE" val="0"/>
-  <p:tag name="KSO_WM_UNIT_DIAGRAM_ISNUMVISUAL" val="0"/>
-  <p:tag name="KSO_WM_UNIT_DIAGRAM_ISREFERUNIT" val="0"/>
-  <p:tag name="KSO_WM_UNIT_ID" val="_8**"/>
-  <p:tag name="KSO_WM_UNIT_LAYERLEVEL" val="1"/>
-  <p:tag name="KSO_WM_TAG_VERSION" val="1.0"/>
-  <p:tag name="KSO_WM_BEAUTIFY_FLAG" val="#wm#"/>
-</p:tagLst>
-</file>
-
-<file path=ppt/tags/tag112.xml><?xml version="1.0" encoding="utf-8"?>
-<p:tagLst xmlns:a="http://schemas.openxmlformats.org/drawingml/2006/main" xmlns:r="http://schemas.openxmlformats.org/officeDocument/2006/relationships" xmlns:p="http://schemas.openxmlformats.org/presentationml/2006/main">
-  <p:tag name="KSO_WM_UNIT_HIGHLIGHT" val="0"/>
-  <p:tag name="KSO_WM_UNIT_COMPATIBLE" val="0"/>
-  <p:tag name="KSO_WM_UNIT_DIAGRAM_ISNUMVISUAL" val="0"/>
-  <p:tag name="KSO_WM_UNIT_DIAGRAM_ISREFERUNIT" val="0"/>
-  <p:tag name="KSO_WM_UNIT_ID" val="_8**"/>
-  <p:tag name="KSO_WM_UNIT_LAYERLEVEL" val="1"/>
-  <p:tag name="KSO_WM_TAG_VERSION" val="1.0"/>
-  <p:tag name="KSO_WM_BEAUTIFY_FLAG" val="#wm#"/>
-</p:tagLst>
-</file>
-
-<file path=ppt/tags/tag113.xml><?xml version="1.0" encoding="utf-8"?>
-<p:tagLst xmlns:a="http://schemas.openxmlformats.org/drawingml/2006/main" xmlns:r="http://schemas.openxmlformats.org/officeDocument/2006/relationships" xmlns:p="http://schemas.openxmlformats.org/presentationml/2006/main">
-  <p:tag name="KSO_WM_UNIT_HIGHLIGHT" val="0"/>
-  <p:tag name="KSO_WM_UNIT_COMPATIBLE" val="0"/>
-  <p:tag name="KSO_WM_UNIT_DIAGRAM_ISNUMVISUAL" val="0"/>
-  <p:tag name="KSO_WM_UNIT_DIAGRAM_ISREFERUNIT" val="0"/>
-  <p:tag name="KSO_WM_UNIT_ID" val="_8**"/>
-  <p:tag name="KSO_WM_UNIT_LAYERLEVEL" val="1"/>
-  <p:tag name="KSO_WM_TAG_VERSION" val="1.0"/>
-  <p:tag name="KSO_WM_BEAUTIFY_FLAG" val="#wm#"/>
-</p:tagLst>
-</file>
-
-<file path=ppt/tags/tag114.xml><?xml version="1.0" encoding="utf-8"?>
-<p:tagLst xmlns:a="http://schemas.openxmlformats.org/drawingml/2006/main" xmlns:r="http://schemas.openxmlformats.org/officeDocument/2006/relationships" xmlns:p="http://schemas.openxmlformats.org/presentationml/2006/main">
-  <p:tag name="KSO_WM_UNIT_HIGHLIGHT" val="0"/>
-  <p:tag name="KSO_WM_UNIT_COMPATIBLE" val="0"/>
-  <p:tag name="KSO_WM_UNIT_DIAGRAM_ISNUMVISUAL" val="0"/>
-  <p:tag name="KSO_WM_UNIT_DIAGRAM_ISREFERUNIT" val="0"/>
-  <p:tag name="KSO_WM_UNIT_ID" val="_8**"/>
-  <p:tag name="KSO_WM_UNIT_LAYERLEVEL" val="1"/>
-  <p:tag name="KSO_WM_TAG_VERSION" val="1.0"/>
-  <p:tag name="KSO_WM_BEAUTIFY_FLAG" val="#wm#"/>
-</p:tagLst>
-</file>
-
-<file path=ppt/tags/tag115.xml><?xml version="1.0" encoding="utf-8"?>
-<p:tagLst xmlns:a="http://schemas.openxmlformats.org/drawingml/2006/main" xmlns:r="http://schemas.openxmlformats.org/officeDocument/2006/relationships" xmlns:p="http://schemas.openxmlformats.org/presentationml/2006/main">
-  <p:tag name="KSO_WM_UNIT_HIGHLIGHT" val="0"/>
-  <p:tag name="KSO_WM_UNIT_COMPATIBLE" val="0"/>
-  <p:tag name="KSO_WM_UNIT_DIAGRAM_ISNUMVISUAL" val="0"/>
-  <p:tag name="KSO_WM_UNIT_DIAGRAM_ISREFERUNIT" val="0"/>
-  <p:tag name="KSO_WM_UNIT_ID" val="_8**"/>
-  <p:tag name="KSO_WM_UNIT_LAYERLEVEL" val="1"/>
-  <p:tag name="KSO_WM_TAG_VERSION" val="1.0"/>
-  <p:tag name="KSO_WM_BEAUTIFY_FLAG" val="#wm#"/>
-</p:tagLst>
-</file>
-
-<file path=ppt/tags/tag116.xml><?xml version="1.0" encoding="utf-8"?>
-<p:tagLst xmlns:a="http://schemas.openxmlformats.org/drawingml/2006/main" xmlns:r="http://schemas.openxmlformats.org/officeDocument/2006/relationships" xmlns:p="http://schemas.openxmlformats.org/presentationml/2006/main">
-  <p:tag name="KSO_WM_UNIT_HIGHLIGHT" val="0"/>
-  <p:tag name="KSO_WM_UNIT_COMPATIBLE" val="0"/>
-  <p:tag name="KSO_WM_UNIT_DIAGRAM_ISNUMVISUAL" val="0"/>
-  <p:tag name="KSO_WM_UNIT_DIAGRAM_ISREFERUNIT" val="0"/>
-  <p:tag name="KSO_WM_UNIT_ID" val="_8**"/>
-  <p:tag name="KSO_WM_UNIT_LAYERLEVEL" val="1"/>
-  <p:tag name="KSO_WM_TAG_VERSION" val="1.0"/>
-  <p:tag name="KSO_WM_BEAUTIFY_FLAG" val="#wm#"/>
-</p:tagLst>
-</file>
-
-<file path=ppt/tags/tag117.xml><?xml version="1.0" encoding="utf-8"?>
-<p:tagLst xmlns:a="http://schemas.openxmlformats.org/drawingml/2006/main" xmlns:r="http://schemas.openxmlformats.org/officeDocument/2006/relationships" xmlns:p="http://schemas.openxmlformats.org/presentationml/2006/main">
-  <p:tag name="KSO_WM_UNIT_HIGHLIGHT" val="0"/>
-  <p:tag name="KSO_WM_UNIT_COMPATIBLE" val="0"/>
-  <p:tag name="KSO_WM_UNIT_DIAGRAM_ISNUMVISUAL" val="0"/>
-  <p:tag name="KSO_WM_UNIT_DIAGRAM_ISREFERUNIT" val="0"/>
-  <p:tag name="KSO_WM_UNIT_ID" val="_9**"/>
-  <p:tag name="KSO_WM_UNIT_LAYERLEVEL" val="1"/>
-  <p:tag name="KSO_WM_TAG_VERSION" val="1.0"/>
-  <p:tag name="KSO_WM_BEAUTIFY_FLAG" val="#wm#"/>
-</p:tagLst>
-</file>
-
-<file path=ppt/tags/tag118.xml><?xml version="1.0" encoding="utf-8"?>
-<p:tagLst xmlns:a="http://schemas.openxmlformats.org/drawingml/2006/main" xmlns:r="http://schemas.openxmlformats.org/officeDocument/2006/relationships" xmlns:p="http://schemas.openxmlformats.org/presentationml/2006/main">
-  <p:tag name="KSO_WM_UNIT_HIGHLIGHT" val="0"/>
-  <p:tag name="KSO_WM_UNIT_COMPATIBLE" val="0"/>
-  <p:tag name="KSO_WM_UNIT_DIAGRAM_ISNUMVISUAL" val="0"/>
-  <p:tag name="KSO_WM_UNIT_DIAGRAM_ISREFERUNIT" val="0"/>
-  <p:tag name="KSO_WM_UNIT_ID" val="_9**"/>
-  <p:tag name="KSO_WM_UNIT_LAYERLEVEL" val="1"/>
-  <p:tag name="KSO_WM_TAG_VERSION" val="1.0"/>
-  <p:tag name="KSO_WM_BEAUTIFY_FLAG" val="#wm#"/>
-</p:tagLst>
-</file>
-
-<file path=ppt/tags/tag119.xml><?xml version="1.0" encoding="utf-8"?>
-<p:tagLst xmlns:a="http://schemas.openxmlformats.org/drawingml/2006/main" xmlns:r="http://schemas.openxmlformats.org/officeDocument/2006/relationships" xmlns:p="http://schemas.openxmlformats.org/presentationml/2006/main">
-  <p:tag name="KSO_WM_UNIT_HIGHLIGHT" val="0"/>
-  <p:tag name="KSO_WM_UNIT_COMPATIBLE" val="0"/>
-  <p:tag name="KSO_WM_UNIT_DIAGRAM_ISNUMVISUAL" val="0"/>
-  <p:tag name="KSO_WM_UNIT_DIAGRAM_ISREFERUNIT" val="0"/>
-  <p:tag name="KSO_WM_UNIT_ID" val="_9**"/>
-  <p:tag name="KSO_WM_UNIT_LAYERLEVEL" val="1"/>
-  <p:tag name="KSO_WM_TAG_VERSION" val="1.0"/>
-  <p:tag name="KSO_WM_BEAUTIFY_FLAG" val="#wm#"/>
-</p:tagLst>
-</file>
-
-<file path=ppt/tags/tag12.xml><?xml version="1.0" encoding="utf-8"?>
-<p:tagLst xmlns:a="http://schemas.openxmlformats.org/drawingml/2006/main" xmlns:r="http://schemas.openxmlformats.org/officeDocument/2006/relationships" xmlns:p="http://schemas.openxmlformats.org/presentationml/2006/main">
-  <p:tag name="KSO_WM_UNIT_HIGHLIGHT" val="0"/>
-  <p:tag name="KSO_WM_UNIT_COMPATIBLE" val="0"/>
-  <p:tag name="KSO_WM_UNIT_DIAGRAM_ISNUMVISUAL" val="0"/>
-  <p:tag name="KSO_WM_UNIT_DIAGRAM_ISREFERUNIT" val="0"/>
-  <p:tag name="KSO_WM_UNIT_ID" val="_1**"/>
-  <p:tag name="KSO_WM_UNIT_LAYERLEVEL" val="1"/>
-  <p:tag name="KSO_WM_TAG_VERSION" val="1.0"/>
-  <p:tag name="KSO_WM_BEAUTIFY_FLAG" val="#wm#"/>
-</p:tagLst>
-</file>
-
-<file path=ppt/tags/tag120.xml><?xml version="1.0" encoding="utf-8"?>
-<p:tagLst xmlns:a="http://schemas.openxmlformats.org/drawingml/2006/main" xmlns:r="http://schemas.openxmlformats.org/officeDocument/2006/relationships" xmlns:p="http://schemas.openxmlformats.org/presentationml/2006/main">
-  <p:tag name="KSO_WM_UNIT_HIGHLIGHT" val="0"/>
-  <p:tag name="KSO_WM_UNIT_COMPATIBLE" val="0"/>
-  <p:tag name="KSO_WM_UNIT_DIAGRAM_ISNUMVISUAL" val="0"/>
-  <p:tag name="KSO_WM_UNIT_DIAGRAM_ISREFERUNIT" val="0"/>
-  <p:tag name="KSO_WM_UNIT_ID" val="_9**"/>
-  <p:tag name="KSO_WM_UNIT_LAYERLEVEL" val="1"/>
-  <p:tag name="KSO_WM_TAG_VERSION" val="1.0"/>
-  <p:tag name="KSO_WM_BEAUTIFY_FLAG" val="#wm#"/>
-</p:tagLst>
-</file>
-
-<file path=ppt/tags/tag121.xml><?xml version="1.0" encoding="utf-8"?>
-<p:tagLst xmlns:a="http://schemas.openxmlformats.org/drawingml/2006/main" xmlns:r="http://schemas.openxmlformats.org/officeDocument/2006/relationships" xmlns:p="http://schemas.openxmlformats.org/presentationml/2006/main">
-  <p:tag name="KSO_WM_UNIT_HIGHLIGHT" val="0"/>
-  <p:tag name="KSO_WM_UNIT_COMPATIBLE" val="0"/>
-  <p:tag name="KSO_WM_UNIT_DIAGRAM_ISNUMVISUAL" val="0"/>
-  <p:tag name="KSO_WM_UNIT_DIAGRAM_ISREFERUNIT" val="0"/>
-  <p:tag name="KSO_WM_UNIT_ID" val="_9**"/>
-  <p:tag name="KSO_WM_UNIT_LAYERLEVEL" val="1"/>
-  <p:tag name="KSO_WM_TAG_VERSION" val="1.0"/>
-  <p:tag name="KSO_WM_BEAUTIFY_FLAG" val="#wm#"/>
-</p:tagLst>
-</file>
-
-<file path=ppt/tags/tag122.xml><?xml version="1.0" encoding="utf-8"?>
-<p:tagLst xmlns:a="http://schemas.openxmlformats.org/drawingml/2006/main" xmlns:r="http://schemas.openxmlformats.org/officeDocument/2006/relationships" xmlns:p="http://schemas.openxmlformats.org/presentationml/2006/main">
-  <p:tag name="KSO_WM_UNIT_HIGHLIGHT" val="0"/>
-  <p:tag name="KSO_WM_UNIT_COMPATIBLE" val="0"/>
-  <p:tag name="KSO_WM_UNIT_DIAGRAM_ISNUMVISUAL" val="0"/>
-  <p:tag name="KSO_WM_UNIT_DIAGRAM_ISREFERUNIT" val="0"/>
-  <p:tag name="KSO_WM_UNIT_ID" val="_10**"/>
-  <p:tag name="KSO_WM_UNIT_LAYERLEVEL" val="1"/>
-  <p:tag name="KSO_WM_TAG_VERSION" val="1.0"/>
-  <p:tag name="KSO_WM_BEAUTIFY_FLAG" val="#wm#"/>
-</p:tagLst>
-</file>
-
-<file path=ppt/tags/tag123.xml><?xml version="1.0" encoding="utf-8"?>
-<p:tagLst xmlns:a="http://schemas.openxmlformats.org/drawingml/2006/main" xmlns:r="http://schemas.openxmlformats.org/officeDocument/2006/relationships" xmlns:p="http://schemas.openxmlformats.org/presentationml/2006/main">
-  <p:tag name="KSO_WM_UNIT_HIGHLIGHT" val="0"/>
-  <p:tag name="KSO_WM_UNIT_COMPATIBLE" val="0"/>
-  <p:tag name="KSO_WM_UNIT_DIAGRAM_ISNUMVISUAL" val="0"/>
-  <p:tag name="KSO_WM_UNIT_DIAGRAM_ISREFERUNIT" val="0"/>
-  <p:tag name="KSO_WM_UNIT_ID" val="_10**"/>
-  <p:tag name="KSO_WM_UNIT_LAYERLEVEL" val="1"/>
-  <p:tag name="KSO_WM_TAG_VERSION" val="1.0"/>
-  <p:tag name="KSO_WM_BEAUTIFY_FLAG" val="#wm#"/>
-</p:tagLst>
-</file>
-
-<file path=ppt/tags/tag124.xml><?xml version="1.0" encoding="utf-8"?>
-<p:tagLst xmlns:a="http://schemas.openxmlformats.org/drawingml/2006/main" xmlns:r="http://schemas.openxmlformats.org/officeDocument/2006/relationships" xmlns:p="http://schemas.openxmlformats.org/presentationml/2006/main">
-  <p:tag name="KSO_WM_UNIT_HIGHLIGHT" val="0"/>
-  <p:tag name="KSO_WM_UNIT_COMPATIBLE" val="0"/>
-  <p:tag name="KSO_WM_UNIT_DIAGRAM_ISNUMVISUAL" val="0"/>
-  <p:tag name="KSO_WM_UNIT_DIAGRAM_ISREFERUNIT" val="0"/>
-  <p:tag name="KSO_WM_UNIT_ID" val="_10**"/>
-  <p:tag name="KSO_WM_UNIT_LAYERLEVEL" val="1"/>
-  <p:tag name="KSO_WM_TAG_VERSION" val="1.0"/>
-  <p:tag name="KSO_WM_BEAUTIFY_FLAG" val="#wm#"/>
-</p:tagLst>
-</file>
-
-<file path=ppt/tags/tag125.xml><?xml version="1.0" encoding="utf-8"?>
-<p:tagLst xmlns:a="http://schemas.openxmlformats.org/drawingml/2006/main" xmlns:r="http://schemas.openxmlformats.org/officeDocument/2006/relationships" xmlns:p="http://schemas.openxmlformats.org/presentationml/2006/main">
-  <p:tag name="KSO_WM_UNIT_HIGHLIGHT" val="0"/>
-  <p:tag name="KSO_WM_UNIT_COMPATIBLE" val="0"/>
-  <p:tag name="KSO_WM_UNIT_DIAGRAM_ISNUMVISUAL" val="0"/>
-  <p:tag name="KSO_WM_UNIT_DIAGRAM_ISREFERUNIT" val="0"/>
-  <p:tag name="KSO_WM_UNIT_ID" val="_10**"/>
-  <p:tag name="KSO_WM_UNIT_LAYERLEVEL" val="1"/>
-  <p:tag name="KSO_WM_TAG_VERSION" val="1.0"/>
-  <p:tag name="KSO_WM_BEAUTIFY_FLAG" val="#wm#"/>
-</p:tagLst>
-</file>
-
-<file path=ppt/tags/tag126.xml><?xml version="1.0" encoding="utf-8"?>
-<p:tagLst xmlns:a="http://schemas.openxmlformats.org/drawingml/2006/main" xmlns:r="http://schemas.openxmlformats.org/officeDocument/2006/relationships" xmlns:p="http://schemas.openxmlformats.org/presentationml/2006/main">
-  <p:tag name="KSO_WM_UNIT_HIGHLIGHT" val="0"/>
-  <p:tag name="KSO_WM_UNIT_COMPATIBLE" val="0"/>
-  <p:tag name="KSO_WM_UNIT_DIAGRAM_ISNUMVISUAL" val="0"/>
-  <p:tag name="KSO_WM_UNIT_DIAGRAM_ISREFERUNIT" val="0"/>
-  <p:tag name="KSO_WM_UNIT_ID" val="_11**"/>
-  <p:tag name="KSO_WM_UNIT_LAYERLEVEL" val="1"/>
-  <p:tag name="KSO_WM_TAG_VERSION" val="1.0"/>
-  <p:tag name="KSO_WM_BEAUTIFY_FLAG" val="#wm#"/>
-</p:tagLst>
-</file>
-
-<file path=ppt/tags/tag127.xml><?xml version="1.0" encoding="utf-8"?>
-<p:tagLst xmlns:a="http://schemas.openxmlformats.org/drawingml/2006/main" xmlns:r="http://schemas.openxmlformats.org/officeDocument/2006/relationships" xmlns:p="http://schemas.openxmlformats.org/presentationml/2006/main">
-  <p:tag name="KSO_WM_UNIT_HIGHLIGHT" val="0"/>
-  <p:tag name="KSO_WM_UNIT_COMPATIBLE" val="0"/>
-  <p:tag name="KSO_WM_UNIT_DIAGRAM_ISNUMVISUAL" val="0"/>
-  <p:tag name="KSO_WM_UNIT_DIAGRAM_ISREFERUNIT" val="0"/>
-  <p:tag name="KSO_WM_UNIT_ID" val="_11**"/>
-  <p:tag name="KSO_WM_UNIT_LAYERLEVEL" val="1"/>
-  <p:tag name="KSO_WM_TAG_VERSION" val="1.0"/>
-  <p:tag name="KSO_WM_BEAUTIFY_FLAG" val="#wm#"/>
-</p:tagLst>
-</file>
-
-<file path=ppt/tags/tag128.xml><?xml version="1.0" encoding="utf-8"?>
-<p:tagLst xmlns:a="http://schemas.openxmlformats.org/drawingml/2006/main" xmlns:r="http://schemas.openxmlformats.org/officeDocument/2006/relationships" xmlns:p="http://schemas.openxmlformats.org/presentationml/2006/main">
-  <p:tag name="KSO_WM_UNIT_HIGHLIGHT" val="0"/>
-  <p:tag name="KSO_WM_UNIT_COMPATIBLE" val="0"/>
-  <p:tag name="KSO_WM_UNIT_DIAGRAM_ISNUMVISUAL" val="0"/>
-  <p:tag name="KSO_WM_UNIT_DIAGRAM_ISREFERUNIT" val="0"/>
-  <p:tag name="KSO_WM_UNIT_ID" val="_11**"/>
-  <p:tag name="KSO_WM_UNIT_LAYERLEVEL" val="1"/>
-  <p:tag name="KSO_WM_TAG_VERSION" val="1.0"/>
-  <p:tag name="KSO_WM_BEAUTIFY_FLAG" val="#wm#"/>
-</p:tagLst>
-</file>
-
-<file path=ppt/tags/tag129.xml><?xml version="1.0" encoding="utf-8"?>
-<p:tagLst xmlns:a="http://schemas.openxmlformats.org/drawingml/2006/main" xmlns:r="http://schemas.openxmlformats.org/officeDocument/2006/relationships" xmlns:p="http://schemas.openxmlformats.org/presentationml/2006/main">
-  <p:tag name="KSO_WM_UNIT_HIGHLIGHT" val="0"/>
-  <p:tag name="KSO_WM_UNIT_COMPATIBLE" val="0"/>
-  <p:tag name="KSO_WM_UNIT_DIAGRAM_ISNUMVISUAL" val="0"/>
-  <p:tag name="KSO_WM_UNIT_DIAGRAM_ISREFERUNIT" val="0"/>
-  <p:tag name="KSO_WM_UNIT_ID" val="_11**"/>
-  <p:tag name="KSO_WM_UNIT_LAYERLEVEL" val="1"/>
-  <p:tag name="KSO_WM_TAG_VERSION" val="1.0"/>
-  <p:tag name="KSO_WM_BEAUTIFY_FLAG" val="#wm#"/>
-</p:tagLst>
-</file>
-
-<file path=ppt/tags/tag13.xml><?xml version="1.0" encoding="utf-8"?>
-<p:tagLst xmlns:a="http://schemas.openxmlformats.org/drawingml/2006/main" xmlns:r="http://schemas.openxmlformats.org/officeDocument/2006/relationships" xmlns:p="http://schemas.openxmlformats.org/presentationml/2006/main">
-  <p:tag name="KSO_WM_UNIT_HIGHLIGHT" val="0"/>
-  <p:tag name="KSO_WM_UNIT_COMPATIBLE" val="0"/>
-  <p:tag name="KSO_WM_UNIT_DIAGRAM_ISNUMVISUAL" val="0"/>
-  <p:tag name="KSO_WM_UNIT_DIAGRAM_ISREFERUNIT" val="0"/>
-  <p:tag name="KSO_WM_UNIT_ID" val="_1**"/>
-  <p:tag name="KSO_WM_UNIT_LAYERLEVEL" val="1"/>
-  <p:tag name="KSO_WM_TAG_VERSION" val="1.0"/>
-  <p:tag name="KSO_WM_BEAUTIFY_FLAG" val="#wm#"/>
-</p:tagLst>
-</file>
-
-<file path=ppt/tags/tag130.xml><?xml version="1.0" encoding="utf-8"?>
-<p:tagLst xmlns:a="http://schemas.openxmlformats.org/drawingml/2006/main" xmlns:r="http://schemas.openxmlformats.org/officeDocument/2006/relationships" xmlns:p="http://schemas.openxmlformats.org/presentationml/2006/main">
-  <p:tag name="KSO_WM_UNIT_HIGHLIGHT" val="0"/>
-  <p:tag name="KSO_WM_UNIT_COMPATIBLE" val="0"/>
-  <p:tag name="KSO_WM_UNIT_DIAGRAM_ISNUMVISUAL" val="0"/>
-  <p:tag name="KSO_WM_UNIT_DIAGRAM_ISREFERUNIT" val="0"/>
-  <p:tag name="KSO_WM_UNIT_ID" val="_11**"/>
-  <p:tag name="KSO_WM_UNIT_LAYERLEVEL" val="1"/>
-  <p:tag name="KSO_WM_TAG_VERSION" val="1.0"/>
-  <p:tag name="KSO_WM_BEAUTIFY_FLAG" val="#wm#"/>
-</p:tagLst>
-</file>
-
-<file path=ppt/tags/tag131.xml><?xml version="1.0" encoding="utf-8"?>
-<p:tagLst xmlns:a="http://schemas.openxmlformats.org/drawingml/2006/main" xmlns:r="http://schemas.openxmlformats.org/officeDocument/2006/relationships" xmlns:p="http://schemas.openxmlformats.org/presentationml/2006/main">
-  <p:tag name="KSO_WM_UNIT_HIGHLIGHT" val="0"/>
-  <p:tag name="KSO_WM_UNIT_COMPATIBLE" val="0"/>
-  <p:tag name="KSO_WM_UNIT_DIAGRAM_ISNUMVISUAL" val="0"/>
-  <p:tag name="KSO_WM_UNIT_DIAGRAM_ISREFERUNIT" val="0"/>
-  <p:tag name="KSO_WM_UNIT_ID" val="_11**"/>
-  <p:tag name="KSO_WM_UNIT_LAYERLEVEL" val="1"/>
-  <p:tag name="KSO_WM_TAG_VERSION" val="1.0"/>
-  <p:tag name="KSO_WM_BEAUTIFY_FLAG" val="#wm#"/>
-</p:tagLst>
-</file>
-
-<file path=ppt/tags/tag132.xml><?xml version="1.0" encoding="utf-8"?>
-<p:tagLst xmlns:a="http://schemas.openxmlformats.org/drawingml/2006/main" xmlns:r="http://schemas.openxmlformats.org/officeDocument/2006/relationships" xmlns:p="http://schemas.openxmlformats.org/presentationml/2006/main">
-  <p:tag name="KSO_WM_UNIT_HIGHLIGHT" val="0"/>
-  <p:tag name="KSO_WM_UNIT_COMPATIBLE" val="0"/>
-  <p:tag name="KSO_WM_UNIT_DIAGRAM_ISNUMVISUAL" val="0"/>
-  <p:tag name="KSO_WM_UNIT_DIAGRAM_ISREFERUNIT" val="0"/>
-  <p:tag name="KSO_WM_UNIT_ID" val="_11**"/>
-  <p:tag name="KSO_WM_UNIT_LAYERLEVEL" val="1"/>
-  <p:tag name="KSO_WM_TAG_VERSION" val="1.0"/>
-  <p:tag name="KSO_WM_BEAUTIFY_FLAG" val="#wm#"/>
-</p:tagLst>
-</file>
-
-<file path=ppt/tags/tag133.xml><?xml version="1.0" encoding="utf-8"?>
-<p:tagLst xmlns:a="http://schemas.openxmlformats.org/drawingml/2006/main" xmlns:r="http://schemas.openxmlformats.org/officeDocument/2006/relationships" xmlns:p="http://schemas.openxmlformats.org/presentationml/2006/main">
-  <p:tag name="KSO_WM_UNIT_HIGHLIGHT" val="0"/>
-  <p:tag name="KSO_WM_UNIT_COMPATIBLE" val="0"/>
-  <p:tag name="KSO_WM_UNIT_DIAGRAM_ISNUMVISUAL" val="0"/>
-  <p:tag name="KSO_WM_UNIT_DIAGRAM_ISREFERUNIT" val="0"/>
-  <p:tag name="KSO_WM_UNIT_ID" val="_11**"/>
-  <p:tag name="KSO_WM_UNIT_LAYERLEVEL" val="1"/>
-  <p:tag name="KSO_WM_TAG_VERSION" val="1.0"/>
-  <p:tag name="KSO_WM_BEAUTIFY_FLAG" val="#wm#"/>
-</p:tagLst>
-</file>
-
-<file path=ppt/tags/tag134.xml><?xml version="1.0" encoding="utf-8"?>
-<p:tagLst xmlns:a="http://schemas.openxmlformats.org/drawingml/2006/main" xmlns:r="http://schemas.openxmlformats.org/officeDocument/2006/relationships" xmlns:p="http://schemas.openxmlformats.org/presentationml/2006/main">
-  <p:tag name="KSO_WM_UNIT_HIGHLIGHT" val="0"/>
-  <p:tag name="KSO_WM_UNIT_COMPATIBLE" val="0"/>
-  <p:tag name="KSO_WM_UNIT_DIAGRAM_ISNUMVISUAL" val="0"/>
-  <p:tag name="KSO_WM_UNIT_DIAGRAM_ISREFERUNIT" val="0"/>
-  <p:tag name="KSO_WM_UNIT_ID" val="_11**"/>
-  <p:tag name="KSO_WM_UNIT_LAYERLEVEL" val="1"/>
-  <p:tag name="KSO_WM_TAG_VERSION" val="1.0"/>
-  <p:tag name="KSO_WM_BEAUTIFY_FLAG" val="#wm#"/>
-</p:tagLst>
-</file>
-
-<file path=ppt/tags/tag135.xml><?xml version="1.0" encoding="utf-8"?>
-<p:tagLst xmlns:a="http://schemas.openxmlformats.org/drawingml/2006/main" xmlns:r="http://schemas.openxmlformats.org/officeDocument/2006/relationships" xmlns:p="http://schemas.openxmlformats.org/presentationml/2006/main">
-  <p:tag name="KSO_WM_UNIT_HIGHLIGHT" val="0"/>
-  <p:tag name="KSO_WM_UNIT_COMPATIBLE" val="0"/>
-  <p:tag name="KSO_WM_UNIT_DIAGRAM_ISNUMVISUAL" val="0"/>
-  <p:tag name="KSO_WM_UNIT_DIAGRAM_ISREFERUNIT" val="0"/>
-  <p:tag name="KSO_WM_UNIT_ID" val="_11**"/>
-  <p:tag name="KSO_WM_UNIT_LAYERLEVEL" val="1"/>
-  <p:tag name="KSO_WM_TAG_VERSION" val="1.0"/>
-  <p:tag name="KSO_WM_BEAUTIFY_FLAG" val="#wm#"/>
-</p:tagLst>
-</file>
-
-<file path=ppt/tags/tag136.xml><?xml version="1.0" encoding="utf-8"?>
-<p:tagLst xmlns:a="http://schemas.openxmlformats.org/drawingml/2006/main" xmlns:r="http://schemas.openxmlformats.org/officeDocument/2006/relationships" xmlns:p="http://schemas.openxmlformats.org/presentationml/2006/main">
-  <p:tag name="KSO_WM_UNIT_HIGHLIGHT" val="0"/>
-  <p:tag name="KSO_WM_UNIT_COMPATIBLE" val="0"/>
-  <p:tag name="KSO_WM_UNIT_DIAGRAM_ISNUMVISUAL" val="0"/>
-  <p:tag name="KSO_WM_UNIT_DIAGRAM_ISREFERUNIT" val="0"/>
-  <p:tag name="KSO_WM_UNIT_ID" val="_11**"/>
-  <p:tag name="KSO_WM_UNIT_LAYERLEVEL" val="1"/>
-  <p:tag name="KSO_WM_TAG_VERSION" val="1.0"/>
-  <p:tag name="KSO_WM_BEAUTIFY_FLAG" val="#wm#"/>
-</p:tagLst>
-</file>
-
-<file path=ppt/tags/tag137.xml><?xml version="1.0" encoding="utf-8"?>
-<p:tagLst xmlns:a="http://schemas.openxmlformats.org/drawingml/2006/main" xmlns:r="http://schemas.openxmlformats.org/officeDocument/2006/relationships" xmlns:p="http://schemas.openxmlformats.org/presentationml/2006/main">
-  <p:tag name="KSO_WM_UNIT_HIGHLIGHT" val="0"/>
-  <p:tag name="KSO_WM_UNIT_COMPATIBLE" val="0"/>
-  <p:tag name="KSO_WM_UNIT_DIAGRAM_ISNUMVISUAL" val="0"/>
-  <p:tag name="KSO_WM_UNIT_DIAGRAM_ISREFERUNIT" val="0"/>
-  <p:tag name="KSO_WM_UNIT_ID" val="_11**"/>
-  <p:tag name="KSO_WM_UNIT_LAYERLEVEL" val="1"/>
-  <p:tag name="KSO_WM_TAG_VERSION" val="1.0"/>
-  <p:tag name="KSO_WM_BEAUTIFY_FLAG" val="#wm#"/>
-</p:tagLst>
-</file>
-
-<file path=ppt/tags/tag138.xml><?xml version="1.0" encoding="utf-8"?>
-<p:tagLst xmlns:a="http://schemas.openxmlformats.org/drawingml/2006/main" xmlns:r="http://schemas.openxmlformats.org/officeDocument/2006/relationships" xmlns:p="http://schemas.openxmlformats.org/presentationml/2006/main">
-  <p:tag name="KSO_WM_UNIT_HIGHLIGHT" val="0"/>
-  <p:tag name="KSO_WM_UNIT_COMPATIBLE" val="0"/>
-  <p:tag name="KSO_WM_UNIT_DIAGRAM_ISNUMVISUAL" val="0"/>
-  <p:tag name="KSO_WM_UNIT_DIAGRAM_ISREFERUNIT" val="0"/>
-  <p:tag name="KSO_WM_UNIT_ID" val="_11**"/>
-  <p:tag name="KSO_WM_UNIT_LAYERLEVEL" val="1"/>
-  <p:tag name="KSO_WM_TAG_VERSION" val="1.0"/>
-  <p:tag name="KSO_WM_BEAUTIFY_FLAG" val="#wm#"/>
-</p:tagLst>
-</file>
-
-<file path=ppt/tags/tag139.xml><?xml version="1.0" encoding="utf-8"?>
-<p:tagLst xmlns:a="http://schemas.openxmlformats.org/drawingml/2006/main" xmlns:r="http://schemas.openxmlformats.org/officeDocument/2006/relationships" xmlns:p="http://schemas.openxmlformats.org/presentationml/2006/main">
-  <p:tag name="KSO_WM_UNIT_HIGHLIGHT" val="0"/>
-  <p:tag name="KSO_WM_UNIT_COMPATIBLE" val="0"/>
-  <p:tag name="KSO_WM_UNIT_DIAGRAM_ISNUMVISUAL" val="0"/>
-  <p:tag name="KSO_WM_UNIT_DIAGRAM_ISREFERUNIT" val="0"/>
-  <p:tag name="KSO_WM_UNIT_ID" val="_11**"/>
-  <p:tag name="KSO_WM_UNIT_LAYERLEVEL" val="1"/>
-  <p:tag name="KSO_WM_TAG_VERSION" val="1.0"/>
-  <p:tag name="KSO_WM_BEAUTIFY_FLAG" val="#wm#"/>
-</p:tagLst>
-</file>
-
-<file path=ppt/tags/tag14.xml><?xml version="1.0" encoding="utf-8"?>
-<p:tagLst xmlns:a="http://schemas.openxmlformats.org/drawingml/2006/main" xmlns:r="http://schemas.openxmlformats.org/officeDocument/2006/relationships" xmlns:p="http://schemas.openxmlformats.org/presentationml/2006/main">
-  <p:tag name="KSO_WM_UNIT_HIGHLIGHT" val="0"/>
-  <p:tag name="KSO_WM_UNIT_COMPATIBLE" val="0"/>
-  <p:tag name="KSO_WM_UNIT_DIAGRAM_ISNUMVISUAL" val="0"/>
-  <p:tag name="KSO_WM_UNIT_DIAGRAM_ISREFERUNIT" val="0"/>
-  <p:tag name="KSO_WM_UNIT_ID" val="_1**"/>
-  <p:tag name="KSO_WM_UNIT_LAYERLEVEL" val="1"/>
-  <p:tag name="KSO_WM_TAG_VERSION" val="1.0"/>
-  <p:tag name="KSO_WM_BEAUTIFY_FLAG" val="#wm#"/>
-</p:tagLst>
-</file>
-
-<file path=ppt/tags/tag140.xml><?xml version="1.0" encoding="utf-8"?>
-<p:tagLst xmlns:a="http://schemas.openxmlformats.org/drawingml/2006/main" xmlns:r="http://schemas.openxmlformats.org/officeDocument/2006/relationships" xmlns:p="http://schemas.openxmlformats.org/presentationml/2006/main">
-  <p:tag name="KSO_WM_UNIT_HIGHLIGHT" val="0"/>
-  <p:tag name="KSO_WM_UNIT_COMPATIBLE" val="0"/>
-  <p:tag name="KSO_WM_UNIT_DIAGRAM_ISNUMVISUAL" val="0"/>
-  <p:tag name="KSO_WM_UNIT_DIAGRAM_ISREFERUNIT" val="0"/>
-  <p:tag name="KSO_WM_UNIT_ID" val="_11**"/>
-  <p:tag name="KSO_WM_UNIT_LAYERLEVEL" val="1"/>
-  <p:tag name="KSO_WM_TAG_VERSION" val="1.0"/>
-  <p:tag name="KSO_WM_BEAUTIFY_FLAG" val="#wm#"/>
-</p:tagLst>
-</file>
-
-<file path=ppt/tags/tag141.xml><?xml version="1.0" encoding="utf-8"?>
-<p:tagLst xmlns:a="http://schemas.openxmlformats.org/drawingml/2006/main" xmlns:r="http://schemas.openxmlformats.org/officeDocument/2006/relationships" xmlns:p="http://schemas.openxmlformats.org/presentationml/2006/main">
-  <p:tag name="KSO_WM_UNIT_HIGHLIGHT" val="0"/>
-  <p:tag name="KSO_WM_UNIT_COMPATIBLE" val="0"/>
-  <p:tag name="KSO_WM_UNIT_DIAGRAM_ISNUMVISUAL" val="0"/>
-  <p:tag name="KSO_WM_UNIT_DIAGRAM_ISREFERUNIT" val="0"/>
-  <p:tag name="KSO_WM_UNIT_ID" val="_11**"/>
-  <p:tag name="KSO_WM_UNIT_LAYERLEVEL" val="1"/>
-  <p:tag name="KSO_WM_TAG_VERSION" val="1.0"/>
-  <p:tag name="KSO_WM_BEAUTIFY_FLAG" val="#wm#"/>
-</p:tagLst>
-</file>
-
-<file path=ppt/tags/tag142.xml><?xml version="1.0" encoding="utf-8"?>
-<p:tagLst xmlns:a="http://schemas.openxmlformats.org/drawingml/2006/main" xmlns:r="http://schemas.openxmlformats.org/officeDocument/2006/relationships" xmlns:p="http://schemas.openxmlformats.org/presentationml/2006/main">
-  <p:tag name="KSO_WM_UNIT_HIGHLIGHT" val="0"/>
-  <p:tag name="KSO_WM_UNIT_COMPATIBLE" val="0"/>
-  <p:tag name="KSO_WM_UNIT_DIAGRAM_ISNUMVISUAL" val="0"/>
-  <p:tag name="KSO_WM_UNIT_DIAGRAM_ISREFERUNIT" val="0"/>
-  <p:tag name="KSO_WM_UNIT_ID" val="_11**"/>
-  <p:tag name="KSO_WM_UNIT_LAYERLEVEL" val="1"/>
-  <p:tag name="KSO_WM_TAG_VERSION" val="1.0"/>
-  <p:tag name="KSO_WM_BEAUTIFY_FLAG" val="#wm#"/>
-</p:tagLst>
-</file>
-
-<file path=ppt/tags/tag143.xml><?xml version="1.0" encoding="utf-8"?>
-<p:tagLst xmlns:a="http://schemas.openxmlformats.org/drawingml/2006/main" xmlns:r="http://schemas.openxmlformats.org/officeDocument/2006/relationships" xmlns:p="http://schemas.openxmlformats.org/presentationml/2006/main">
-  <p:tag name="KSO_WM_UNIT_HIGHLIGHT" val="0"/>
-  <p:tag name="KSO_WM_UNIT_COMPATIBLE" val="0"/>
-  <p:tag name="KSO_WM_UNIT_DIAGRAM_ISNUMVISUAL" val="0"/>
-  <p:tag name="KSO_WM_UNIT_DIAGRAM_ISREFERUNIT" val="0"/>
-  <p:tag name="KSO_WM_UNIT_ID" val="_11**"/>
-  <p:tag name="KSO_WM_UNIT_LAYERLEVEL" val="1"/>
-  <p:tag name="KSO_WM_TAG_VERSION" val="1.0"/>
-  <p:tag name="KSO_WM_BEAUTIFY_FLAG" val="#wm#"/>
-</p:tagLst>
-</file>
-
-<file path=ppt/tags/tag144.xml><?xml version="1.0" encoding="utf-8"?>
-<p:tagLst xmlns:a="http://schemas.openxmlformats.org/drawingml/2006/main" xmlns:r="http://schemas.openxmlformats.org/officeDocument/2006/relationships" xmlns:p="http://schemas.openxmlformats.org/presentationml/2006/main">
-  <p:tag name="KSO_WM_UNIT_HIGHLIGHT" val="0"/>
-  <p:tag name="KSO_WM_UNIT_COMPATIBLE" val="0"/>
-  <p:tag name="KSO_WM_UNIT_DIAGRAM_ISNUMVISUAL" val="0"/>
-  <p:tag name="KSO_WM_UNIT_DIAGRAM_ISREFERUNIT" val="0"/>
-  <p:tag name="KSO_WM_UNIT_ID" val="_11**"/>
-  <p:tag name="KSO_WM_UNIT_LAYERLEVEL" val="1"/>
-  <p:tag name="KSO_WM_TAG_VERSION" val="1.0"/>
-  <p:tag name="KSO_WM_BEAUTIFY_FLAG" val="#wm#"/>
-</p:tagLst>
-</file>
-
-<file path=ppt/tags/tag145.xml><?xml version="1.0" encoding="utf-8"?>
-<p:tagLst xmlns:a="http://schemas.openxmlformats.org/drawingml/2006/main" xmlns:r="http://schemas.openxmlformats.org/officeDocument/2006/relationships" xmlns:p="http://schemas.openxmlformats.org/presentationml/2006/main">
-  <p:tag name="KSO_WM_UNIT_HIGHLIGHT" val="0"/>
-  <p:tag name="KSO_WM_UNIT_COMPATIBLE" val="0"/>
-  <p:tag name="KSO_WM_UNIT_DIAGRAM_ISNUMVISUAL" val="0"/>
-  <p:tag name="KSO_WM_UNIT_DIAGRAM_ISREFERUNIT" val="0"/>
-  <p:tag name="KSO_WM_UNIT_ID" val="_11**"/>
-  <p:tag name="KSO_WM_UNIT_LAYERLEVEL" val="1"/>
-  <p:tag name="KSO_WM_TAG_VERSION" val="1.0"/>
-  <p:tag name="KSO_WM_BEAUTIFY_FLAG" val="#wm#"/>
-</p:tagLst>
-</file>
-
-<file path=ppt/tags/tag146.xml><?xml version="1.0" encoding="utf-8"?>
-<p:tagLst xmlns:a="http://schemas.openxmlformats.org/drawingml/2006/main" xmlns:r="http://schemas.openxmlformats.org/officeDocument/2006/relationships" xmlns:p="http://schemas.openxmlformats.org/presentationml/2006/main">
-  <p:tag name="KSO_WM_UNIT_HIGHLIGHT" val="0"/>
-  <p:tag name="KSO_WM_UNIT_COMPATIBLE" val="0"/>
-  <p:tag name="KSO_WM_UNIT_DIAGRAM_ISNUMVISUAL" val="0"/>
-  <p:tag name="KSO_WM_UNIT_DIAGRAM_ISREFERUNIT" val="0"/>
-  <p:tag name="KSO_WM_UNIT_ID" val="_11**"/>
-  <p:tag name="KSO_WM_UNIT_LAYERLEVEL" val="1"/>
-  <p:tag name="KSO_WM_TAG_VERSION" val="1.0"/>
-  <p:tag name="KSO_WM_BEAUTIFY_FLAG" val="#wm#"/>
-</p:tagLst>
-</file>
-
-<file path=ppt/tags/tag147.xml><?xml version="1.0" encoding="utf-8"?>
-<p:tagLst xmlns:a="http://schemas.openxmlformats.org/drawingml/2006/main" xmlns:r="http://schemas.openxmlformats.org/officeDocument/2006/relationships" xmlns:p="http://schemas.openxmlformats.org/presentationml/2006/main">
-  <p:tag name="KSO_WM_UNIT_HIGHLIGHT" val="0"/>
-  <p:tag name="KSO_WM_UNIT_COMPATIBLE" val="0"/>
-  <p:tag name="KSO_WM_UNIT_DIAGRAM_ISNUMVISUAL" val="0"/>
-  <p:tag name="KSO_WM_UNIT_DIAGRAM_ISREFERUNIT" val="0"/>
-  <p:tag name="KSO_WM_UNIT_ID" val="_11**"/>
-  <p:tag name="KSO_WM_UNIT_LAYERLEVEL" val="1"/>
-  <p:tag name="KSO_WM_TAG_VERSION" val="1.0"/>
-  <p:tag name="KSO_WM_BEAUTIFY_FLAG" val="#wm#"/>
-</p:tagLst>
-</file>
-
-<file path=ppt/tags/tag148.xml><?xml version="1.0" encoding="utf-8"?>
-<p:tagLst xmlns:a="http://schemas.openxmlformats.org/drawingml/2006/main" xmlns:r="http://schemas.openxmlformats.org/officeDocument/2006/relationships" xmlns:p="http://schemas.openxmlformats.org/presentationml/2006/main">
-  <p:tag name="KSO_WM_UNIT_HIGHLIGHT" val="0"/>
-  <p:tag name="KSO_WM_UNIT_COMPATIBLE" val="0"/>
-  <p:tag name="KSO_WM_UNIT_DIAGRAM_ISNUMVISUAL" val="0"/>
-  <p:tag name="KSO_WM_UNIT_DIAGRAM_ISREFERUNIT" val="0"/>
-  <p:tag name="KSO_WM_UNIT_ID" val="_11**"/>
-  <p:tag name="KSO_WM_UNIT_LAYERLEVEL" val="1"/>
-  <p:tag name="KSO_WM_TAG_VERSION" val="1.0"/>
-  <p:tag name="KSO_WM_BEAUTIFY_FLAG" val="#wm#"/>
-</p:tagLst>
-</file>
-
-<file path=ppt/tags/tag149.xml><?xml version="1.0" encoding="utf-8"?>
-<p:tagLst xmlns:a="http://schemas.openxmlformats.org/drawingml/2006/main" xmlns:r="http://schemas.openxmlformats.org/officeDocument/2006/relationships" xmlns:p="http://schemas.openxmlformats.org/presentationml/2006/main">
-  <p:tag name="KSO_WM_UNIT_HIGHLIGHT" val="0"/>
-  <p:tag name="KSO_WM_UNIT_COMPATIBLE" val="0"/>
-  <p:tag name="KSO_WM_UNIT_DIAGRAM_ISNUMVISUAL" val="0"/>
-  <p:tag name="KSO_WM_UNIT_DIAGRAM_ISREFERUNIT" val="0"/>
-  <p:tag name="KSO_WM_UNIT_ID" val="_11**"/>
-  <p:tag name="KSO_WM_UNIT_LAYERLEVEL" val="1"/>
-  <p:tag name="KSO_WM_TAG_VERSION" val="1.0"/>
-  <p:tag name="KSO_WM_BEAUTIFY_FLAG" val="#wm#"/>
-</p:tagLst>
-</file>
-
-<file path=ppt/tags/tag15.xml><?xml version="1.0" encoding="utf-8"?>
-<p:tagLst xmlns:a="http://schemas.openxmlformats.org/drawingml/2006/main" xmlns:r="http://schemas.openxmlformats.org/officeDocument/2006/relationships" xmlns:p="http://schemas.openxmlformats.org/presentationml/2006/main">
-  <p:tag name="KSO_WM_UNIT_HIGHLIGHT" val="0"/>
-  <p:tag name="KSO_WM_UNIT_COMPATIBLE" val="0"/>
-  <p:tag name="KSO_WM_UNIT_DIAGRAM_ISNUMVISUAL" val="0"/>
-  <p:tag name="KSO_WM_UNIT_DIAGRAM_ISREFERUNIT" val="0"/>
-  <p:tag name="KSO_WM_UNIT_ID" val="_1**"/>
-  <p:tag name="KSO_WM_UNIT_LAYERLEVEL" val="1"/>
-  <p:tag name="KSO_WM_TAG_VERSION" val="1.0"/>
-  <p:tag name="KSO_WM_BEAUTIFY_FLAG" val="#wm#"/>
-</p:tagLst>
-</file>
-
-<file path=ppt/tags/tag150.xml><?xml version="1.0" encoding="utf-8"?>
-<p:tagLst xmlns:a="http://schemas.openxmlformats.org/drawingml/2006/main" xmlns:r="http://schemas.openxmlformats.org/officeDocument/2006/relationships" xmlns:p="http://schemas.openxmlformats.org/presentationml/2006/main">
-  <p:tag name="KSO_WM_UNIT_HIGHLIGHT" val="0"/>
-  <p:tag name="KSO_WM_UNIT_COMPATIBLE" val="0"/>
-  <p:tag name="KSO_WM_UNIT_DIAGRAM_ISNUMVISUAL" val="0"/>
-  <p:tag name="KSO_WM_UNIT_DIAGRAM_ISREFERUNIT" val="0"/>
-  <p:tag name="KSO_WM_UNIT_ID" val="_11**"/>
-  <p:tag name="KSO_WM_UNIT_LAYERLEVEL" val="1"/>
-  <p:tag name="KSO_WM_TAG_VERSION" val="1.0"/>
-  <p:tag name="KSO_WM_BEAUTIFY_FLAG" val="#wm#"/>
-</p:tagLst>
-</file>
-
-<file path=ppt/tags/tag151.xml><?xml version="1.0" encoding="utf-8"?>
-<p:tagLst xmlns:a="http://schemas.openxmlformats.org/drawingml/2006/main" xmlns:r="http://schemas.openxmlformats.org/officeDocument/2006/relationships" xmlns:p="http://schemas.openxmlformats.org/presentationml/2006/main">
-  <p:tag name="KSO_WM_UNIT_HIGHLIGHT" val="0"/>
-  <p:tag name="KSO_WM_UNIT_COMPATIBLE" val="0"/>
-  <p:tag name="KSO_WM_UNIT_DIAGRAM_ISNUMVISUAL" val="0"/>
-  <p:tag name="KSO_WM_UNIT_DIAGRAM_ISREFERUNIT" val="0"/>
-  <p:tag name="KSO_WM_UNIT_ID" val="_11**"/>
-  <p:tag name="KSO_WM_UNIT_LAYERLEVEL" val="1"/>
-  <p:tag name="KSO_WM_TAG_VERSION" val="1.0"/>
-  <p:tag name="KSO_WM_BEAUTIFY_FLAG" val="#wm#"/>
-</p:tagLst>
-</file>
-
-<file path=ppt/tags/tag152.xml><?xml version="1.0" encoding="utf-8"?>
-<p:tagLst xmlns:a="http://schemas.openxmlformats.org/drawingml/2006/main" xmlns:r="http://schemas.openxmlformats.org/officeDocument/2006/relationships" xmlns:p="http://schemas.openxmlformats.org/presentationml/2006/main">
-  <p:tag name="KSO_WM_UNIT_HIGHLIGHT" val="0"/>
-  <p:tag name="KSO_WM_UNIT_COMPATIBLE" val="0"/>
-  <p:tag name="KSO_WM_UNIT_DIAGRAM_ISNUMVISUAL" val="0"/>
-  <p:tag name="KSO_WM_UNIT_DIAGRAM_ISREFERUNIT" val="0"/>
-  <p:tag name="KSO_WM_UNIT_ID" val="_11**"/>
-  <p:tag name="KSO_WM_UNIT_LAYERLEVEL" val="1"/>
-  <p:tag name="KSO_WM_TAG_VERSION" val="1.0"/>
-  <p:tag name="KSO_WM_BEAUTIFY_FLAG" val="#wm#"/>
-</p:tagLst>
-</file>
-
-<file path=ppt/tags/tag153.xml><?xml version="1.0" encoding="utf-8"?>
-<p:tagLst xmlns:a="http://schemas.openxmlformats.org/drawingml/2006/main" xmlns:r="http://schemas.openxmlformats.org/officeDocument/2006/relationships" xmlns:p="http://schemas.openxmlformats.org/presentationml/2006/main">
-  <p:tag name="KSO_WM_UNIT_HIGHLIGHT" val="0"/>
-  <p:tag name="KSO_WM_UNIT_COMPATIBLE" val="0"/>
-  <p:tag name="KSO_WM_UNIT_DIAGRAM_ISNUMVISUAL" val="0"/>
-  <p:tag name="KSO_WM_UNIT_DIAGRAM_ISREFERUNIT" val="0"/>
-  <p:tag name="KSO_WM_UNIT_ID" val="_11**"/>
-  <p:tag name="KSO_WM_UNIT_LAYERLEVEL" val="1"/>
-  <p:tag name="KSO_WM_TAG_VERSION" val="1.0"/>
-  <p:tag name="KSO_WM_BEAUTIFY_FLAG" val="#wm#"/>
-</p:tagLst>
-</file>
-
-<file path=ppt/tags/tag154.xml><?xml version="1.0" encoding="utf-8"?>
-<p:tagLst xmlns:a="http://schemas.openxmlformats.org/drawingml/2006/main" xmlns:r="http://schemas.openxmlformats.org/officeDocument/2006/relationships" xmlns:p="http://schemas.openxmlformats.org/presentationml/2006/main">
-  <p:tag name="KSO_WM_UNIT_HIGHLIGHT" val="0"/>
-  <p:tag name="KSO_WM_UNIT_COMPATIBLE" val="0"/>
-  <p:tag name="KSO_WM_UNIT_DIAGRAM_ISNUMVISUAL" val="0"/>
-  <p:tag name="KSO_WM_UNIT_DIAGRAM_ISREFERUNIT" val="0"/>
-  <p:tag name="KSO_WM_UNIT_ID" val="_11**"/>
-  <p:tag name="KSO_WM_UNIT_LAYERLEVEL" val="1"/>
-  <p:tag name="KSO_WM_TAG_VERSION" val="1.0"/>
-  <p:tag name="KSO_WM_BEAUTIFY_FLAG" val="#wm#"/>
-</p:tagLst>
-</file>
-
-<file path=ppt/tags/tag155.xml><?xml version="1.0" encoding="utf-8"?>
-<p:tagLst xmlns:a="http://schemas.openxmlformats.org/drawingml/2006/main" xmlns:r="http://schemas.openxmlformats.org/officeDocument/2006/relationships" xmlns:p="http://schemas.openxmlformats.org/presentationml/2006/main">
-  <p:tag name="KSO_WM_UNIT_HIGHLIGHT" val="0"/>
-  <p:tag name="KSO_WM_UNIT_COMPATIBLE" val="0"/>
-  <p:tag name="KSO_WM_UNIT_DIAGRAM_ISNUMVISUAL" val="0"/>
-  <p:tag name="KSO_WM_UNIT_DIAGRAM_ISREFERUNIT" val="0"/>
-  <p:tag name="KSO_WM_UNIT_ID" val="_11**"/>
-  <p:tag name="KSO_WM_UNIT_LAYERLEVEL" val="1"/>
-  <p:tag name="KSO_WM_TAG_VERSION" val="1.0"/>
-  <p:tag name="KSO_WM_BEAUTIFY_FLAG" val="#wm#"/>
-</p:tagLst>
-</file>
-
-<file path=ppt/tags/tag156.xml><?xml version="1.0" encoding="utf-8"?>
-<p:tagLst xmlns:a="http://schemas.openxmlformats.org/drawingml/2006/main" xmlns:r="http://schemas.openxmlformats.org/officeDocument/2006/relationships" xmlns:p="http://schemas.openxmlformats.org/presentationml/2006/main">
-  <p:tag name="KSO_WM_UNIT_HIGHLIGHT" val="0"/>
-  <p:tag name="KSO_WM_UNIT_COMPATIBLE" val="0"/>
-  <p:tag name="KSO_WM_UNIT_DIAGRAM_ISNUMVISUAL" val="0"/>
-  <p:tag name="KSO_WM_UNIT_DIAGRAM_ISREFERUNIT" val="0"/>
-  <p:tag name="KSO_WM_UNIT_ID" val="_11**"/>
-  <p:tag name="KSO_WM_UNIT_LAYERLEVEL" val="1"/>
-  <p:tag name="KSO_WM_TAG_VERSION" val="1.0"/>
-  <p:tag name="KSO_WM_BEAUTIFY_FLAG" val="#wm#"/>
-</p:tagLst>
-</file>
-
-<file path=ppt/tags/tag157.xml><?xml version="1.0" encoding="utf-8"?>
-<p:tagLst xmlns:a="http://schemas.openxmlformats.org/drawingml/2006/main" xmlns:r="http://schemas.openxmlformats.org/officeDocument/2006/relationships" xmlns:p="http://schemas.openxmlformats.org/presentationml/2006/main">
-  <p:tag name="KSO_WM_UNIT_HIGHLIGHT" val="0"/>
-  <p:tag name="KSO_WM_UNIT_COMPATIBLE" val="0"/>
-  <p:tag name="KSO_WM_UNIT_DIAGRAM_ISNUMVISUAL" val="0"/>
-  <p:tag name="KSO_WM_UNIT_DIAGRAM_ISREFERUNIT" val="0"/>
-  <p:tag name="KSO_WM_UNIT_ID" val="_11**"/>
-  <p:tag name="KSO_WM_UNIT_LAYERLEVEL" val="1"/>
-  <p:tag name="KSO_WM_TAG_VERSION" val="1.0"/>
-  <p:tag name="KSO_WM_BEAUTIFY_FLAG" val="#wm#"/>
-</p:tagLst>
-</file>
-
-<file path=ppt/tags/tag158.xml><?xml version="1.0" encoding="utf-8"?>
-<p:tagLst xmlns:a="http://schemas.openxmlformats.org/drawingml/2006/main" xmlns:r="http://schemas.openxmlformats.org/officeDocument/2006/relationships" xmlns:p="http://schemas.openxmlformats.org/presentationml/2006/main">
-  <p:tag name="KSO_WM_UNIT_HIGHLIGHT" val="0"/>
-  <p:tag name="KSO_WM_UNIT_COMPATIBLE" val="0"/>
-  <p:tag name="KSO_WM_UNIT_DIAGRAM_ISNUMVISUAL" val="0"/>
-  <p:tag name="KSO_WM_UNIT_DIAGRAM_ISREFERUNIT" val="0"/>
-  <p:tag name="KSO_WM_UNIT_ID" val="_11**"/>
+  <p:tag name="KSO_WM_UNIT_ID" val="_0**"/>
   <p:tag name="KSO_WM_UNIT_LAYERLEVEL" val="1"/>
   <p:tag name="KSO_WM_TAG_VERSION" val="1.0"/>
   <p:tag name="KSO_WM_BEAUTIFY_FLAG" val="#wm#"/>
@@ -22223,12 +22323,12 @@
 </file>
 
 <file path=ppt/tags/tag159.xml><?xml version="1.0" encoding="utf-8"?>
-<p:tagLst xmlns:a="http://schemas.openxmlformats.org/drawingml/2006/main" xmlns:r="http://schemas.openxmlformats.org/officeDocument/2006/relationships" xmlns:p="http://schemas.openxmlformats.org/presentationml/2006/main">
+<p:tagLst xmlns:p="http://schemas.openxmlformats.org/presentationml/2006/main">
   <p:tag name="KSO_WM_UNIT_HIGHLIGHT" val="0"/>
   <p:tag name="KSO_WM_UNIT_COMPATIBLE" val="0"/>
   <p:tag name="KSO_WM_UNIT_DIAGRAM_ISNUMVISUAL" val="0"/>
   <p:tag name="KSO_WM_UNIT_DIAGRAM_ISREFERUNIT" val="0"/>
-  <p:tag name="KSO_WM_UNIT_ID" val="_11**"/>
+  <p:tag name="KSO_WM_UNIT_ID" val="_0**"/>
   <p:tag name="KSO_WM_UNIT_LAYERLEVEL" val="1"/>
   <p:tag name="KSO_WM_TAG_VERSION" val="1.0"/>
   <p:tag name="KSO_WM_BEAUTIFY_FLAG" val="#wm#"/>
@@ -22236,7 +22336,7 @@
 </file>
 
 <file path=ppt/tags/tag16.xml><?xml version="1.0" encoding="utf-8"?>
-<p:tagLst xmlns:a="http://schemas.openxmlformats.org/drawingml/2006/main" xmlns:r="http://schemas.openxmlformats.org/officeDocument/2006/relationships" xmlns:p="http://schemas.openxmlformats.org/presentationml/2006/main">
+<p:tagLst xmlns:p="http://schemas.openxmlformats.org/presentationml/2006/main">
   <p:tag name="KSO_WM_UNIT_HIGHLIGHT" val="0"/>
   <p:tag name="KSO_WM_UNIT_COMPATIBLE" val="0"/>
   <p:tag name="KSO_WM_UNIT_DIAGRAM_ISNUMVISUAL" val="0"/>
@@ -22249,12 +22349,12 @@
 </file>
 
 <file path=ppt/tags/tag160.xml><?xml version="1.0" encoding="utf-8"?>
-<p:tagLst xmlns:a="http://schemas.openxmlformats.org/drawingml/2006/main" xmlns:r="http://schemas.openxmlformats.org/officeDocument/2006/relationships" xmlns:p="http://schemas.openxmlformats.org/presentationml/2006/main">
+<p:tagLst xmlns:p="http://schemas.openxmlformats.org/presentationml/2006/main">
   <p:tag name="KSO_WM_UNIT_HIGHLIGHT" val="0"/>
   <p:tag name="KSO_WM_UNIT_COMPATIBLE" val="0"/>
   <p:tag name="KSO_WM_UNIT_DIAGRAM_ISNUMVISUAL" val="0"/>
   <p:tag name="KSO_WM_UNIT_DIAGRAM_ISREFERUNIT" val="0"/>
-  <p:tag name="KSO_WM_UNIT_ID" val="_11**"/>
+  <p:tag name="KSO_WM_UNIT_ID" val="_0**"/>
   <p:tag name="KSO_WM_UNIT_LAYERLEVEL" val="1"/>
   <p:tag name="KSO_WM_TAG_VERSION" val="1.0"/>
   <p:tag name="KSO_WM_BEAUTIFY_FLAG" val="#wm#"/>
@@ -22262,20 +22362,18 @@
 </file>
 
 <file path=ppt/tags/tag161.xml><?xml version="1.0" encoding="utf-8"?>
-<p:tagLst xmlns:a="http://schemas.openxmlformats.org/drawingml/2006/main" xmlns:r="http://schemas.openxmlformats.org/officeDocument/2006/relationships" xmlns:p="http://schemas.openxmlformats.org/presentationml/2006/main">
-  <p:tag name="KSO_WM_UNIT_HIGHLIGHT" val="0"/>
-  <p:tag name="KSO_WM_UNIT_COMPATIBLE" val="0"/>
-  <p:tag name="KSO_WM_UNIT_DIAGRAM_ISNUMVISUAL" val="0"/>
-  <p:tag name="KSO_WM_UNIT_DIAGRAM_ISREFERUNIT" val="0"/>
-  <p:tag name="KSO_WM_UNIT_ID" val="_11**"/>
-  <p:tag name="KSO_WM_UNIT_LAYERLEVEL" val="1"/>
+<p:tagLst xmlns:p="http://schemas.openxmlformats.org/presentationml/2006/main">
+  <p:tag name="KSO_WM_TEMPLATE_SUBCATEGORY" val="0"/>
   <p:tag name="KSO_WM_TAG_VERSION" val="1.0"/>
   <p:tag name="KSO_WM_BEAUTIFY_FLAG" val="#wm#"/>
+  <p:tag name="KSO_WM_TEMPLATE_CATEGORY" val="custom"/>
+  <p:tag name="KSO_WM_TEMPLATE_INDEX" val="20191705"/>
+  <p:tag name="KSO_WM_TEMPLATE_THUMBS_INDEX" val="1、2、3、4、5、6、7、8、9、10、11、12、13、14、15"/>
 </p:tagLst>
 </file>
 
 <file path=ppt/tags/tag162.xml><?xml version="1.0" encoding="utf-8"?>
-<p:tagLst xmlns:a="http://schemas.openxmlformats.org/drawingml/2006/main" xmlns:r="http://schemas.openxmlformats.org/officeDocument/2006/relationships" xmlns:p="http://schemas.openxmlformats.org/presentationml/2006/main">
+<p:tagLst xmlns:p="http://schemas.openxmlformats.org/presentationml/2006/main">
   <p:tag name="KSO_WM_BEAUTIFY_FLAG" val="#wm#"/>
   <p:tag name="KSO_WM_TEMPLATE_CATEGORY" val="custom"/>
   <p:tag name="KSO_WM_TEMPLATE_INDEX" val="20191705"/>
@@ -22283,7 +22381,7 @@
 </file>
 
 <file path=ppt/tags/tag163.xml><?xml version="1.0" encoding="utf-8"?>
-<p:tagLst xmlns:a="http://schemas.openxmlformats.org/drawingml/2006/main" xmlns:r="http://schemas.openxmlformats.org/officeDocument/2006/relationships" xmlns:p="http://schemas.openxmlformats.org/presentationml/2006/main">
+<p:tagLst xmlns:p="http://schemas.openxmlformats.org/presentationml/2006/main">
   <p:tag name="KSO_WM_TEMPLATE_CATEGORY" val="custom"/>
   <p:tag name="KSO_WM_TEMPLATE_INDEX" val="20191705"/>
   <p:tag name="KSO_WM_UNIT_TYPE" val="m_h_i"/>
@@ -22304,7 +22402,7 @@
 </file>
 
 <file path=ppt/tags/tag164.xml><?xml version="1.0" encoding="utf-8"?>
-<p:tagLst xmlns:a="http://schemas.openxmlformats.org/drawingml/2006/main" xmlns:r="http://schemas.openxmlformats.org/officeDocument/2006/relationships" xmlns:p="http://schemas.openxmlformats.org/presentationml/2006/main">
+<p:tagLst xmlns:p="http://schemas.openxmlformats.org/presentationml/2006/main">
   <p:tag name="KSO_WM_TEMPLATE_CATEGORY" val="custom"/>
   <p:tag name="KSO_WM_TEMPLATE_INDEX" val="20191705"/>
   <p:tag name="KSO_WM_UNIT_TYPE" val="m_h_a"/>
@@ -22329,7 +22427,7 @@
 </file>
 
 <file path=ppt/tags/tag165.xml><?xml version="1.0" encoding="utf-8"?>
-<p:tagLst xmlns:a="http://schemas.openxmlformats.org/drawingml/2006/main" xmlns:r="http://schemas.openxmlformats.org/officeDocument/2006/relationships" xmlns:p="http://schemas.openxmlformats.org/presentationml/2006/main">
+<p:tagLst xmlns:p="http://schemas.openxmlformats.org/presentationml/2006/main">
   <p:tag name="KSO_WM_TEMPLATE_CATEGORY" val="custom"/>
   <p:tag name="KSO_WM_TEMPLATE_INDEX" val="20191705"/>
   <p:tag name="KSO_WM_UNIT_TYPE" val="m_h_i"/>
@@ -22352,7 +22450,7 @@
 </file>
 
 <file path=ppt/tags/tag166.xml><?xml version="1.0" encoding="utf-8"?>
-<p:tagLst xmlns:a="http://schemas.openxmlformats.org/drawingml/2006/main" xmlns:r="http://schemas.openxmlformats.org/officeDocument/2006/relationships" xmlns:p="http://schemas.openxmlformats.org/presentationml/2006/main">
+<p:tagLst xmlns:p="http://schemas.openxmlformats.org/presentationml/2006/main">
   <p:tag name="KSO_WM_TEMPLATE_CATEGORY" val="custom"/>
   <p:tag name="KSO_WM_TEMPLATE_INDEX" val="20191705"/>
   <p:tag name="KSO_WM_UNIT_TYPE" val="m_h_i"/>
@@ -22373,7 +22471,7 @@
 </file>
 
 <file path=ppt/tags/tag167.xml><?xml version="1.0" encoding="utf-8"?>
-<p:tagLst xmlns:a="http://schemas.openxmlformats.org/drawingml/2006/main" xmlns:r="http://schemas.openxmlformats.org/officeDocument/2006/relationships" xmlns:p="http://schemas.openxmlformats.org/presentationml/2006/main">
+<p:tagLst xmlns:p="http://schemas.openxmlformats.org/presentationml/2006/main">
   <p:tag name="KSO_WM_TEMPLATE_CATEGORY" val="custom"/>
   <p:tag name="KSO_WM_TEMPLATE_INDEX" val="20191705"/>
   <p:tag name="KSO_WM_UNIT_TYPE" val="m_h_a"/>
@@ -22398,7 +22496,7 @@
 </file>
 
 <file path=ppt/tags/tag168.xml><?xml version="1.0" encoding="utf-8"?>
-<p:tagLst xmlns:a="http://schemas.openxmlformats.org/drawingml/2006/main" xmlns:r="http://schemas.openxmlformats.org/officeDocument/2006/relationships" xmlns:p="http://schemas.openxmlformats.org/presentationml/2006/main">
+<p:tagLst xmlns:p="http://schemas.openxmlformats.org/presentationml/2006/main">
   <p:tag name="KSO_WM_TEMPLATE_CATEGORY" val="custom"/>
   <p:tag name="KSO_WM_TEMPLATE_INDEX" val="20191705"/>
   <p:tag name="KSO_WM_UNIT_TYPE" val="m_h_i"/>
@@ -22421,7 +22519,7 @@
 </file>
 
 <file path=ppt/tags/tag169.xml><?xml version="1.0" encoding="utf-8"?>
-<p:tagLst xmlns:a="http://schemas.openxmlformats.org/drawingml/2006/main" xmlns:r="http://schemas.openxmlformats.org/officeDocument/2006/relationships" xmlns:p="http://schemas.openxmlformats.org/presentationml/2006/main">
+<p:tagLst xmlns:p="http://schemas.openxmlformats.org/presentationml/2006/main">
   <p:tag name="KSO_WM_TEMPLATE_CATEGORY" val="custom"/>
   <p:tag name="KSO_WM_TEMPLATE_INDEX" val="20191705"/>
   <p:tag name="KSO_WM_UNIT_TYPE" val="m_h_i"/>
@@ -22442,7 +22540,7 @@
 </file>
 
 <file path=ppt/tags/tag17.xml><?xml version="1.0" encoding="utf-8"?>
-<p:tagLst xmlns:a="http://schemas.openxmlformats.org/drawingml/2006/main" xmlns:r="http://schemas.openxmlformats.org/officeDocument/2006/relationships" xmlns:p="http://schemas.openxmlformats.org/presentationml/2006/main">
+<p:tagLst xmlns:p="http://schemas.openxmlformats.org/presentationml/2006/main">
   <p:tag name="KSO_WM_UNIT_HIGHLIGHT" val="0"/>
   <p:tag name="KSO_WM_UNIT_COMPATIBLE" val="0"/>
   <p:tag name="KSO_WM_UNIT_DIAGRAM_ISNUMVISUAL" val="0"/>
@@ -22455,7 +22553,7 @@
 </file>
 
 <file path=ppt/tags/tag170.xml><?xml version="1.0" encoding="utf-8"?>
-<p:tagLst xmlns:a="http://schemas.openxmlformats.org/drawingml/2006/main" xmlns:r="http://schemas.openxmlformats.org/officeDocument/2006/relationships" xmlns:p="http://schemas.openxmlformats.org/presentationml/2006/main">
+<p:tagLst xmlns:p="http://schemas.openxmlformats.org/presentationml/2006/main">
   <p:tag name="KSO_WM_TEMPLATE_CATEGORY" val="custom"/>
   <p:tag name="KSO_WM_TEMPLATE_INDEX" val="20191705"/>
   <p:tag name="KSO_WM_UNIT_TYPE" val="m_h_a"/>
@@ -22480,7 +22578,7 @@
 </file>
 
 <file path=ppt/tags/tag171.xml><?xml version="1.0" encoding="utf-8"?>
-<p:tagLst xmlns:a="http://schemas.openxmlformats.org/drawingml/2006/main" xmlns:r="http://schemas.openxmlformats.org/officeDocument/2006/relationships" xmlns:p="http://schemas.openxmlformats.org/presentationml/2006/main">
+<p:tagLst xmlns:p="http://schemas.openxmlformats.org/presentationml/2006/main">
   <p:tag name="KSO_WM_TEMPLATE_CATEGORY" val="custom"/>
   <p:tag name="KSO_WM_TEMPLATE_INDEX" val="20191705"/>
   <p:tag name="KSO_WM_UNIT_TYPE" val="m_h_i"/>
@@ -22503,7 +22601,7 @@
 </file>
 
 <file path=ppt/tags/tag172.xml><?xml version="1.0" encoding="utf-8"?>
-<p:tagLst xmlns:a="http://schemas.openxmlformats.org/drawingml/2006/main" xmlns:r="http://schemas.openxmlformats.org/officeDocument/2006/relationships" xmlns:p="http://schemas.openxmlformats.org/presentationml/2006/main">
+<p:tagLst xmlns:p="http://schemas.openxmlformats.org/presentationml/2006/main">
   <p:tag name="KSO_WM_TEMPLATE_CATEGORY" val="custom"/>
   <p:tag name="KSO_WM_TEMPLATE_INDEX" val="20191705"/>
   <p:tag name="KSO_WM_UNIT_TYPE" val="m_h_i"/>
@@ -22524,7 +22622,7 @@
 </file>
 
 <file path=ppt/tags/tag173.xml><?xml version="1.0" encoding="utf-8"?>
-<p:tagLst xmlns:a="http://schemas.openxmlformats.org/drawingml/2006/main" xmlns:r="http://schemas.openxmlformats.org/officeDocument/2006/relationships" xmlns:p="http://schemas.openxmlformats.org/presentationml/2006/main">
+<p:tagLst xmlns:p="http://schemas.openxmlformats.org/presentationml/2006/main">
   <p:tag name="KSO_WM_TEMPLATE_CATEGORY" val="custom"/>
   <p:tag name="KSO_WM_TEMPLATE_INDEX" val="20191705"/>
   <p:tag name="KSO_WM_UNIT_TYPE" val="m_h_i"/>
@@ -22547,7 +22645,7 @@
 </file>
 
 <file path=ppt/tags/tag174.xml><?xml version="1.0" encoding="utf-8"?>
-<p:tagLst xmlns:a="http://schemas.openxmlformats.org/drawingml/2006/main" xmlns:r="http://schemas.openxmlformats.org/officeDocument/2006/relationships" xmlns:p="http://schemas.openxmlformats.org/presentationml/2006/main">
+<p:tagLst xmlns:p="http://schemas.openxmlformats.org/presentationml/2006/main">
   <p:tag name="KSO_WM_TEMPLATE_CATEGORY" val="custom"/>
   <p:tag name="KSO_WM_TEMPLATE_INDEX" val="20191705"/>
   <p:tag name="KSO_WM_UNIT_TYPE" val="m_h_a"/>
@@ -22572,7 +22670,7 @@
 </file>
 
 <file path=ppt/tags/tag175.xml><?xml version="1.0" encoding="utf-8"?>
-<p:tagLst xmlns:a="http://schemas.openxmlformats.org/drawingml/2006/main" xmlns:r="http://schemas.openxmlformats.org/officeDocument/2006/relationships" xmlns:p="http://schemas.openxmlformats.org/presentationml/2006/main">
+<p:tagLst xmlns:p="http://schemas.openxmlformats.org/presentationml/2006/main">
   <p:tag name="KSO_WM_BEAUTIFY_FLAG" val="#wm#"/>
   <p:tag name="KSO_WM_TEMPLATE_CATEGORY" val="custom"/>
   <p:tag name="KSO_WM_TEMPLATE_INDEX" val="20191705"/>
@@ -22580,7 +22678,7 @@
 </file>
 
 <file path=ppt/tags/tag176.xml><?xml version="1.0" encoding="utf-8"?>
-<p:tagLst xmlns:a="http://schemas.openxmlformats.org/drawingml/2006/main" xmlns:r="http://schemas.openxmlformats.org/officeDocument/2006/relationships" xmlns:p="http://schemas.openxmlformats.org/presentationml/2006/main">
+<p:tagLst xmlns:p="http://schemas.openxmlformats.org/presentationml/2006/main">
   <p:tag name="KSO_WM_BEAUTIFY_FLAG" val="#wm#"/>
   <p:tag name="KSO_WM_TEMPLATE_CATEGORY" val="custom"/>
   <p:tag name="KSO_WM_TEMPLATE_INDEX" val="20191705"/>
@@ -22588,7 +22686,7 @@
 </file>
 
 <file path=ppt/tags/tag177.xml><?xml version="1.0" encoding="utf-8"?>
-<p:tagLst xmlns:a="http://schemas.openxmlformats.org/drawingml/2006/main" xmlns:r="http://schemas.openxmlformats.org/officeDocument/2006/relationships" xmlns:p="http://schemas.openxmlformats.org/presentationml/2006/main">
+<p:tagLst xmlns:p="http://schemas.openxmlformats.org/presentationml/2006/main">
   <p:tag name="KSO_WM_BEAUTIFY_FLAG" val="#wm#"/>
   <p:tag name="KSO_WM_TEMPLATE_CATEGORY" val="custom"/>
   <p:tag name="KSO_WM_TEMPLATE_INDEX" val="20191705"/>
@@ -22596,7 +22694,7 @@
 </file>
 
 <file path=ppt/tags/tag178.xml><?xml version="1.0" encoding="utf-8"?>
-<p:tagLst xmlns:a="http://schemas.openxmlformats.org/drawingml/2006/main" xmlns:r="http://schemas.openxmlformats.org/officeDocument/2006/relationships" xmlns:p="http://schemas.openxmlformats.org/presentationml/2006/main">
+<p:tagLst xmlns:p="http://schemas.openxmlformats.org/presentationml/2006/main">
   <p:tag name="KSO_WM_BEAUTIFY_FLAG" val="#wm#"/>
   <p:tag name="KSO_WM_TEMPLATE_CATEGORY" val="custom"/>
   <p:tag name="KSO_WM_TEMPLATE_INDEX" val="20191705"/>
@@ -22604,7 +22702,7 @@
 </file>
 
 <file path=ppt/tags/tag179.xml><?xml version="1.0" encoding="utf-8"?>
-<p:tagLst xmlns:a="http://schemas.openxmlformats.org/drawingml/2006/main" xmlns:r="http://schemas.openxmlformats.org/officeDocument/2006/relationships" xmlns:p="http://schemas.openxmlformats.org/presentationml/2006/main">
+<p:tagLst xmlns:p="http://schemas.openxmlformats.org/presentationml/2006/main">
   <p:tag name="KSO_WM_BEAUTIFY_FLAG" val="#wm#"/>
   <p:tag name="KSO_WM_TEMPLATE_CATEGORY" val="custom"/>
   <p:tag name="KSO_WM_TEMPLATE_INDEX" val="20191705"/>
@@ -22612,7 +22710,7 @@
 </file>
 
 <file path=ppt/tags/tag18.xml><?xml version="1.0" encoding="utf-8"?>
-<p:tagLst xmlns:a="http://schemas.openxmlformats.org/drawingml/2006/main" xmlns:r="http://schemas.openxmlformats.org/officeDocument/2006/relationships" xmlns:p="http://schemas.openxmlformats.org/presentationml/2006/main">
+<p:tagLst xmlns:p="http://schemas.openxmlformats.org/presentationml/2006/main">
   <p:tag name="KSO_WM_UNIT_HIGHLIGHT" val="0"/>
   <p:tag name="KSO_WM_UNIT_COMPATIBLE" val="0"/>
   <p:tag name="KSO_WM_UNIT_DIAGRAM_ISNUMVISUAL" val="0"/>
@@ -22625,7 +22723,7 @@
 </file>
 
 <file path=ppt/tags/tag180.xml><?xml version="1.0" encoding="utf-8"?>
-<p:tagLst xmlns:a="http://schemas.openxmlformats.org/drawingml/2006/main" xmlns:r="http://schemas.openxmlformats.org/officeDocument/2006/relationships" xmlns:p="http://schemas.openxmlformats.org/presentationml/2006/main">
+<p:tagLst xmlns:p="http://schemas.openxmlformats.org/presentationml/2006/main">
   <p:tag name="KSO_WM_BEAUTIFY_FLAG" val="#wm#"/>
   <p:tag name="KSO_WM_TEMPLATE_CATEGORY" val="custom"/>
   <p:tag name="KSO_WM_TEMPLATE_INDEX" val="20191705"/>
@@ -22633,7 +22731,7 @@
 </file>
 
 <file path=ppt/tags/tag181.xml><?xml version="1.0" encoding="utf-8"?>
-<p:tagLst xmlns:a="http://schemas.openxmlformats.org/drawingml/2006/main" xmlns:r="http://schemas.openxmlformats.org/officeDocument/2006/relationships" xmlns:p="http://schemas.openxmlformats.org/presentationml/2006/main">
+<p:tagLst xmlns:p="http://schemas.openxmlformats.org/presentationml/2006/main">
   <p:tag name="KSO_WM_BEAUTIFY_FLAG" val="#wm#"/>
   <p:tag name="KSO_WM_TEMPLATE_CATEGORY" val="custom"/>
   <p:tag name="KSO_WM_TEMPLATE_INDEX" val="20191705"/>
@@ -22641,7 +22739,7 @@
 </file>
 
 <file path=ppt/tags/tag182.xml><?xml version="1.0" encoding="utf-8"?>
-<p:tagLst xmlns:a="http://schemas.openxmlformats.org/drawingml/2006/main" xmlns:r="http://schemas.openxmlformats.org/officeDocument/2006/relationships" xmlns:p="http://schemas.openxmlformats.org/presentationml/2006/main">
+<p:tagLst xmlns:p="http://schemas.openxmlformats.org/presentationml/2006/main">
   <p:tag name="KSO_WM_BEAUTIFY_FLAG" val="#wm#"/>
   <p:tag name="KSO_WM_TEMPLATE_CATEGORY" val="custom"/>
   <p:tag name="KSO_WM_TEMPLATE_INDEX" val="20191705"/>
@@ -22649,7 +22747,7 @@
 </file>
 
 <file path=ppt/tags/tag183.xml><?xml version="1.0" encoding="utf-8"?>
-<p:tagLst xmlns:a="http://schemas.openxmlformats.org/drawingml/2006/main" xmlns:r="http://schemas.openxmlformats.org/officeDocument/2006/relationships" xmlns:p="http://schemas.openxmlformats.org/presentationml/2006/main">
+<p:tagLst xmlns:p="http://schemas.openxmlformats.org/presentationml/2006/main">
   <p:tag name="KSO_WM_BEAUTIFY_FLAG" val="#wm#"/>
   <p:tag name="KSO_WM_TEMPLATE_CATEGORY" val="custom"/>
   <p:tag name="KSO_WM_TEMPLATE_INDEX" val="20191705"/>
@@ -22657,7 +22755,7 @@
 </file>
 
 <file path=ppt/tags/tag184.xml><?xml version="1.0" encoding="utf-8"?>
-<p:tagLst xmlns:a="http://schemas.openxmlformats.org/drawingml/2006/main" xmlns:r="http://schemas.openxmlformats.org/officeDocument/2006/relationships" xmlns:p="http://schemas.openxmlformats.org/presentationml/2006/main">
+<p:tagLst xmlns:p="http://schemas.openxmlformats.org/presentationml/2006/main">
   <p:tag name="KSO_WM_BEAUTIFY_FLAG" val="#wm#"/>
   <p:tag name="KSO_WM_TEMPLATE_CATEGORY" val="custom"/>
   <p:tag name="KSO_WM_TEMPLATE_INDEX" val="20191705"/>
@@ -22665,7 +22763,7 @@
 </file>
 
 <file path=ppt/tags/tag185.xml><?xml version="1.0" encoding="utf-8"?>
-<p:tagLst xmlns:a="http://schemas.openxmlformats.org/drawingml/2006/main" xmlns:r="http://schemas.openxmlformats.org/officeDocument/2006/relationships" xmlns:p="http://schemas.openxmlformats.org/presentationml/2006/main">
+<p:tagLst xmlns:p="http://schemas.openxmlformats.org/presentationml/2006/main">
   <p:tag name="KSO_WM_BEAUTIFY_FLAG" val="#wm#"/>
   <p:tag name="KSO_WM_TEMPLATE_CATEGORY" val="custom"/>
   <p:tag name="KSO_WM_TEMPLATE_INDEX" val="20191705"/>
@@ -22673,7 +22771,7 @@
 </file>
 
 <file path=ppt/tags/tag186.xml><?xml version="1.0" encoding="utf-8"?>
-<p:tagLst xmlns:a="http://schemas.openxmlformats.org/drawingml/2006/main" xmlns:r="http://schemas.openxmlformats.org/officeDocument/2006/relationships" xmlns:p="http://schemas.openxmlformats.org/presentationml/2006/main">
+<p:tagLst xmlns:p="http://schemas.openxmlformats.org/presentationml/2006/main">
   <p:tag name="KSO_WM_BEAUTIFY_FLAG" val="#wm#"/>
   <p:tag name="KSO_WM_TEMPLATE_CATEGORY" val="custom"/>
   <p:tag name="KSO_WM_TEMPLATE_INDEX" val="20191705"/>
@@ -22681,7 +22779,7 @@
 </file>
 
 <file path=ppt/tags/tag187.xml><?xml version="1.0" encoding="utf-8"?>
-<p:tagLst xmlns:a="http://schemas.openxmlformats.org/drawingml/2006/main" xmlns:r="http://schemas.openxmlformats.org/officeDocument/2006/relationships" xmlns:p="http://schemas.openxmlformats.org/presentationml/2006/main">
+<p:tagLst xmlns:p="http://schemas.openxmlformats.org/presentationml/2006/main">
   <p:tag name="KSO_WM_BEAUTIFY_FLAG" val="#wm#"/>
   <p:tag name="KSO_WM_TEMPLATE_CATEGORY" val="custom"/>
   <p:tag name="KSO_WM_TEMPLATE_INDEX" val="20191705"/>
@@ -22689,7 +22787,7 @@
 </file>
 
 <file path=ppt/tags/tag188.xml><?xml version="1.0" encoding="utf-8"?>
-<p:tagLst xmlns:a="http://schemas.openxmlformats.org/drawingml/2006/main" xmlns:r="http://schemas.openxmlformats.org/officeDocument/2006/relationships" xmlns:p="http://schemas.openxmlformats.org/presentationml/2006/main">
+<p:tagLst xmlns:p="http://schemas.openxmlformats.org/presentationml/2006/main">
   <p:tag name="KSO_WM_BEAUTIFY_FLAG" val="#wm#"/>
   <p:tag name="KSO_WM_TEMPLATE_CATEGORY" val="custom"/>
   <p:tag name="KSO_WM_TEMPLATE_INDEX" val="20191705"/>
@@ -22697,7 +22795,7 @@
 </file>
 
 <file path=ppt/tags/tag189.xml><?xml version="1.0" encoding="utf-8"?>
-<p:tagLst xmlns:a="http://schemas.openxmlformats.org/drawingml/2006/main" xmlns:r="http://schemas.openxmlformats.org/officeDocument/2006/relationships" xmlns:p="http://schemas.openxmlformats.org/presentationml/2006/main">
+<p:tagLst xmlns:p="http://schemas.openxmlformats.org/presentationml/2006/main">
   <p:tag name="KSO_WM_BEAUTIFY_FLAG" val="#wm#"/>
   <p:tag name="KSO_WM_TEMPLATE_CATEGORY" val="custom"/>
   <p:tag name="KSO_WM_TEMPLATE_INDEX" val="20191705"/>
@@ -22705,7 +22803,7 @@
 </file>
 
 <file path=ppt/tags/tag19.xml><?xml version="1.0" encoding="utf-8"?>
-<p:tagLst xmlns:a="http://schemas.openxmlformats.org/drawingml/2006/main" xmlns:r="http://schemas.openxmlformats.org/officeDocument/2006/relationships" xmlns:p="http://schemas.openxmlformats.org/presentationml/2006/main">
+<p:tagLst xmlns:p="http://schemas.openxmlformats.org/presentationml/2006/main">
   <p:tag name="KSO_WM_UNIT_HIGHLIGHT" val="0"/>
   <p:tag name="KSO_WM_UNIT_COMPATIBLE" val="0"/>
   <p:tag name="KSO_WM_UNIT_DIAGRAM_ISNUMVISUAL" val="0"/>
@@ -22718,7 +22816,7 @@
 </file>
 
 <file path=ppt/tags/tag190.xml><?xml version="1.0" encoding="utf-8"?>
-<p:tagLst xmlns:a="http://schemas.openxmlformats.org/drawingml/2006/main" xmlns:r="http://schemas.openxmlformats.org/officeDocument/2006/relationships" xmlns:p="http://schemas.openxmlformats.org/presentationml/2006/main">
+<p:tagLst xmlns:p="http://schemas.openxmlformats.org/presentationml/2006/main">
   <p:tag name="KSO_WM_BEAUTIFY_FLAG" val="#wm#"/>
   <p:tag name="KSO_WM_TEMPLATE_CATEGORY" val="custom"/>
   <p:tag name="KSO_WM_TEMPLATE_INDEX" val="20191705"/>
@@ -22726,7 +22824,7 @@
 </file>
 
 <file path=ppt/tags/tag191.xml><?xml version="1.0" encoding="utf-8"?>
-<p:tagLst xmlns:a="http://schemas.openxmlformats.org/drawingml/2006/main" xmlns:r="http://schemas.openxmlformats.org/officeDocument/2006/relationships" xmlns:p="http://schemas.openxmlformats.org/presentationml/2006/main">
+<p:tagLst xmlns:p="http://schemas.openxmlformats.org/presentationml/2006/main">
   <p:tag name="KSO_WM_BEAUTIFY_FLAG" val="#wm#"/>
   <p:tag name="KSO_WM_TEMPLATE_CATEGORY" val="custom"/>
   <p:tag name="KSO_WM_TEMPLATE_INDEX" val="20191705"/>
@@ -22734,7 +22832,7 @@
 </file>
 
 <file path=ppt/tags/tag192.xml><?xml version="1.0" encoding="utf-8"?>
-<p:tagLst xmlns:a="http://schemas.openxmlformats.org/drawingml/2006/main" xmlns:r="http://schemas.openxmlformats.org/officeDocument/2006/relationships" xmlns:p="http://schemas.openxmlformats.org/presentationml/2006/main">
+<p:tagLst xmlns:p="http://schemas.openxmlformats.org/presentationml/2006/main">
   <p:tag name="KSO_WM_BEAUTIFY_FLAG" val="#wm#"/>
   <p:tag name="KSO_WM_TEMPLATE_CATEGORY" val="custom"/>
   <p:tag name="KSO_WM_TEMPLATE_INDEX" val="20191705"/>
@@ -22742,7 +22840,7 @@
 </file>
 
 <file path=ppt/tags/tag193.xml><?xml version="1.0" encoding="utf-8"?>
-<p:tagLst xmlns:a="http://schemas.openxmlformats.org/drawingml/2006/main" xmlns:r="http://schemas.openxmlformats.org/officeDocument/2006/relationships" xmlns:p="http://schemas.openxmlformats.org/presentationml/2006/main">
+<p:tagLst xmlns:p="http://schemas.openxmlformats.org/presentationml/2006/main">
   <p:tag name="KSO_WM_BEAUTIFY_FLAG" val="#wm#"/>
   <p:tag name="KSO_WM_TEMPLATE_CATEGORY" val="custom"/>
   <p:tag name="KSO_WM_TEMPLATE_INDEX" val="20191705"/>
@@ -22750,7 +22848,7 @@
 </file>
 
 <file path=ppt/tags/tag194.xml><?xml version="1.0" encoding="utf-8"?>
-<p:tagLst xmlns:a="http://schemas.openxmlformats.org/drawingml/2006/main" xmlns:r="http://schemas.openxmlformats.org/officeDocument/2006/relationships" xmlns:p="http://schemas.openxmlformats.org/presentationml/2006/main">
+<p:tagLst xmlns:p="http://schemas.openxmlformats.org/presentationml/2006/main">
   <p:tag name="KSO_WM_BEAUTIFY_FLAG" val="#wm#"/>
   <p:tag name="KSO_WM_TEMPLATE_CATEGORY" val="custom"/>
   <p:tag name="KSO_WM_TEMPLATE_INDEX" val="20191705"/>
@@ -22758,7 +22856,7 @@
 </file>
 
 <file path=ppt/tags/tag195.xml><?xml version="1.0" encoding="utf-8"?>
-<p:tagLst xmlns:a="http://schemas.openxmlformats.org/drawingml/2006/main" xmlns:r="http://schemas.openxmlformats.org/officeDocument/2006/relationships" xmlns:p="http://schemas.openxmlformats.org/presentationml/2006/main">
+<p:tagLst xmlns:p="http://schemas.openxmlformats.org/presentationml/2006/main">
   <p:tag name="KSO_WM_BEAUTIFY_FLAG" val="#wm#"/>
   <p:tag name="KSO_WM_TEMPLATE_CATEGORY" val="custom"/>
   <p:tag name="KSO_WM_TEMPLATE_INDEX" val="20191705"/>
@@ -22766,7 +22864,7 @@
 </file>
 
 <file path=ppt/tags/tag196.xml><?xml version="1.0" encoding="utf-8"?>
-<p:tagLst xmlns:a="http://schemas.openxmlformats.org/drawingml/2006/main" xmlns:r="http://schemas.openxmlformats.org/officeDocument/2006/relationships" xmlns:p="http://schemas.openxmlformats.org/presentationml/2006/main">
+<p:tagLst xmlns:p="http://schemas.openxmlformats.org/presentationml/2006/main">
   <p:tag name="KSO_WM_BEAUTIFY_FLAG" val="#wm#"/>
   <p:tag name="KSO_WM_TEMPLATE_CATEGORY" val="custom"/>
   <p:tag name="KSO_WM_TEMPLATE_INDEX" val="20191705"/>
@@ -22774,7 +22872,7 @@
 </file>
 
 <file path=ppt/tags/tag197.xml><?xml version="1.0" encoding="utf-8"?>
-<p:tagLst xmlns:a="http://schemas.openxmlformats.org/drawingml/2006/main" xmlns:r="http://schemas.openxmlformats.org/officeDocument/2006/relationships" xmlns:p="http://schemas.openxmlformats.org/presentationml/2006/main">
+<p:tagLst xmlns:p="http://schemas.openxmlformats.org/presentationml/2006/main">
   <p:tag name="KSO_WM_BEAUTIFY_FLAG" val="#wm#"/>
   <p:tag name="KSO_WM_TEMPLATE_CATEGORY" val="custom"/>
   <p:tag name="KSO_WM_TEMPLATE_INDEX" val="20191705"/>
@@ -22782,7 +22880,7 @@
 </file>
 
 <file path=ppt/tags/tag198.xml><?xml version="1.0" encoding="utf-8"?>
-<p:tagLst xmlns:a="http://schemas.openxmlformats.org/drawingml/2006/main" xmlns:r="http://schemas.openxmlformats.org/officeDocument/2006/relationships" xmlns:p="http://schemas.openxmlformats.org/presentationml/2006/main">
+<p:tagLst xmlns:p="http://schemas.openxmlformats.org/presentationml/2006/main">
   <p:tag name="KSO_WM_BEAUTIFY_FLAG" val="#wm#"/>
   <p:tag name="KSO_WM_TEMPLATE_CATEGORY" val="custom"/>
   <p:tag name="KSO_WM_TEMPLATE_INDEX" val="20191705"/>
@@ -22790,22 +22888,20 @@
 </file>
 
 <file path=ppt/tags/tag2.xml><?xml version="1.0" encoding="utf-8"?>
-<p:tagLst xmlns:a="http://schemas.openxmlformats.org/drawingml/2006/main" xmlns:r="http://schemas.openxmlformats.org/officeDocument/2006/relationships" xmlns:p="http://schemas.openxmlformats.org/presentationml/2006/main">
+<p:tagLst xmlns:p="http://schemas.openxmlformats.org/presentationml/2006/main">
   <p:tag name="KSO_WM_UNIT_HIGHLIGHT" val="0"/>
   <p:tag name="KSO_WM_UNIT_COMPATIBLE" val="0"/>
   <p:tag name="KSO_WM_UNIT_DIAGRAM_ISNUMVISUAL" val="0"/>
   <p:tag name="KSO_WM_UNIT_DIAGRAM_ISREFERUNIT" val="0"/>
-  <p:tag name="KSO_WM_UNIT_ID" val="_0**"/>
+  <p:tag name="KSO_WM_UNIT_ID" val="_1**"/>
   <p:tag name="KSO_WM_UNIT_LAYERLEVEL" val="1"/>
   <p:tag name="KSO_WM_TAG_VERSION" val="1.0"/>
   <p:tag name="KSO_WM_BEAUTIFY_FLAG" val="#wm#"/>
-  <p:tag name="KSO_WM_TEMPLATE_CATEGORY" val="custom"/>
-  <p:tag name="KSO_WM_TEMPLATE_INDEX" val="20191705"/>
 </p:tagLst>
 </file>
 
 <file path=ppt/tags/tag20.xml><?xml version="1.0" encoding="utf-8"?>
-<p:tagLst xmlns:a="http://schemas.openxmlformats.org/drawingml/2006/main" xmlns:r="http://schemas.openxmlformats.org/officeDocument/2006/relationships" xmlns:p="http://schemas.openxmlformats.org/presentationml/2006/main">
+<p:tagLst xmlns:p="http://schemas.openxmlformats.org/presentationml/2006/main">
   <p:tag name="KSO_WM_UNIT_HIGHLIGHT" val="0"/>
   <p:tag name="KSO_WM_UNIT_COMPATIBLE" val="0"/>
   <p:tag name="KSO_WM_UNIT_DIAGRAM_ISNUMVISUAL" val="0"/>
@@ -22818,7 +22914,7 @@
 </file>
 
 <file path=ppt/tags/tag21.xml><?xml version="1.0" encoding="utf-8"?>
-<p:tagLst xmlns:a="http://schemas.openxmlformats.org/drawingml/2006/main" xmlns:r="http://schemas.openxmlformats.org/officeDocument/2006/relationships" xmlns:p="http://schemas.openxmlformats.org/presentationml/2006/main">
+<p:tagLst xmlns:p="http://schemas.openxmlformats.org/presentationml/2006/main">
   <p:tag name="KSO_WM_UNIT_HIGHLIGHT" val="0"/>
   <p:tag name="KSO_WM_UNIT_COMPATIBLE" val="0"/>
   <p:tag name="KSO_WM_UNIT_DIAGRAM_ISNUMVISUAL" val="0"/>
@@ -22831,7 +22927,7 @@
 </file>
 
 <file path=ppt/tags/tag22.xml><?xml version="1.0" encoding="utf-8"?>
-<p:tagLst xmlns:a="http://schemas.openxmlformats.org/drawingml/2006/main" xmlns:r="http://schemas.openxmlformats.org/officeDocument/2006/relationships" xmlns:p="http://schemas.openxmlformats.org/presentationml/2006/main">
+<p:tagLst xmlns:p="http://schemas.openxmlformats.org/presentationml/2006/main">
   <p:tag name="KSO_WM_UNIT_HIGHLIGHT" val="0"/>
   <p:tag name="KSO_WM_UNIT_COMPATIBLE" val="0"/>
   <p:tag name="KSO_WM_UNIT_DIAGRAM_ISNUMVISUAL" val="0"/>
@@ -22844,7 +22940,7 @@
 </file>
 
 <file path=ppt/tags/tag23.xml><?xml version="1.0" encoding="utf-8"?>
-<p:tagLst xmlns:a="http://schemas.openxmlformats.org/drawingml/2006/main" xmlns:r="http://schemas.openxmlformats.org/officeDocument/2006/relationships" xmlns:p="http://schemas.openxmlformats.org/presentationml/2006/main">
+<p:tagLst xmlns:p="http://schemas.openxmlformats.org/presentationml/2006/main">
   <p:tag name="KSO_WM_UNIT_HIGHLIGHT" val="0"/>
   <p:tag name="KSO_WM_UNIT_COMPATIBLE" val="0"/>
   <p:tag name="KSO_WM_UNIT_DIAGRAM_ISNUMVISUAL" val="0"/>
@@ -22857,7 +22953,7 @@
 </file>
 
 <file path=ppt/tags/tag24.xml><?xml version="1.0" encoding="utf-8"?>
-<p:tagLst xmlns:a="http://schemas.openxmlformats.org/drawingml/2006/main" xmlns:r="http://schemas.openxmlformats.org/officeDocument/2006/relationships" xmlns:p="http://schemas.openxmlformats.org/presentationml/2006/main">
+<p:tagLst xmlns:p="http://schemas.openxmlformats.org/presentationml/2006/main">
   <p:tag name="KSO_WM_UNIT_HIGHLIGHT" val="0"/>
   <p:tag name="KSO_WM_UNIT_COMPATIBLE" val="0"/>
   <p:tag name="KSO_WM_UNIT_DIAGRAM_ISNUMVISUAL" val="0"/>
@@ -22870,7 +22966,7 @@
 </file>
 
 <file path=ppt/tags/tag25.xml><?xml version="1.0" encoding="utf-8"?>
-<p:tagLst xmlns:a="http://schemas.openxmlformats.org/drawingml/2006/main" xmlns:r="http://schemas.openxmlformats.org/officeDocument/2006/relationships" xmlns:p="http://schemas.openxmlformats.org/presentationml/2006/main">
+<p:tagLst xmlns:p="http://schemas.openxmlformats.org/presentationml/2006/main">
   <p:tag name="KSO_WM_UNIT_HIGHLIGHT" val="0"/>
   <p:tag name="KSO_WM_UNIT_COMPATIBLE" val="0"/>
   <p:tag name="KSO_WM_UNIT_DIAGRAM_ISNUMVISUAL" val="0"/>
@@ -22883,7 +22979,7 @@
 </file>
 
 <file path=ppt/tags/tag26.xml><?xml version="1.0" encoding="utf-8"?>
-<p:tagLst xmlns:a="http://schemas.openxmlformats.org/drawingml/2006/main" xmlns:r="http://schemas.openxmlformats.org/officeDocument/2006/relationships" xmlns:p="http://schemas.openxmlformats.org/presentationml/2006/main">
+<p:tagLst xmlns:p="http://schemas.openxmlformats.org/presentationml/2006/main">
   <p:tag name="KSO_WM_UNIT_HIGHLIGHT" val="0"/>
   <p:tag name="KSO_WM_UNIT_COMPATIBLE" val="0"/>
   <p:tag name="KSO_WM_UNIT_DIAGRAM_ISNUMVISUAL" val="0"/>
@@ -22896,7 +22992,7 @@
 </file>
 
 <file path=ppt/tags/tag27.xml><?xml version="1.0" encoding="utf-8"?>
-<p:tagLst xmlns:a="http://schemas.openxmlformats.org/drawingml/2006/main" xmlns:r="http://schemas.openxmlformats.org/officeDocument/2006/relationships" xmlns:p="http://schemas.openxmlformats.org/presentationml/2006/main">
+<p:tagLst xmlns:p="http://schemas.openxmlformats.org/presentationml/2006/main">
   <p:tag name="KSO_WM_UNIT_HIGHLIGHT" val="0"/>
   <p:tag name="KSO_WM_UNIT_COMPATIBLE" val="0"/>
   <p:tag name="KSO_WM_UNIT_DIAGRAM_ISNUMVISUAL" val="0"/>
@@ -22909,7 +23005,7 @@
 </file>
 
 <file path=ppt/tags/tag28.xml><?xml version="1.0" encoding="utf-8"?>
-<p:tagLst xmlns:a="http://schemas.openxmlformats.org/drawingml/2006/main" xmlns:r="http://schemas.openxmlformats.org/officeDocument/2006/relationships" xmlns:p="http://schemas.openxmlformats.org/presentationml/2006/main">
+<p:tagLst xmlns:p="http://schemas.openxmlformats.org/presentationml/2006/main">
   <p:tag name="KSO_WM_UNIT_HIGHLIGHT" val="0"/>
   <p:tag name="KSO_WM_UNIT_COMPATIBLE" val="0"/>
   <p:tag name="KSO_WM_UNIT_DIAGRAM_ISNUMVISUAL" val="0"/>
@@ -22922,7 +23018,7 @@
 </file>
 
 <file path=ppt/tags/tag29.xml><?xml version="1.0" encoding="utf-8"?>
-<p:tagLst xmlns:a="http://schemas.openxmlformats.org/drawingml/2006/main" xmlns:r="http://schemas.openxmlformats.org/officeDocument/2006/relationships" xmlns:p="http://schemas.openxmlformats.org/presentationml/2006/main">
+<p:tagLst xmlns:p="http://schemas.openxmlformats.org/presentationml/2006/main">
   <p:tag name="KSO_WM_UNIT_HIGHLIGHT" val="0"/>
   <p:tag name="KSO_WM_UNIT_COMPATIBLE" val="0"/>
   <p:tag name="KSO_WM_UNIT_DIAGRAM_ISNUMVISUAL" val="0"/>
@@ -22935,12 +23031,12 @@
 </file>
 
 <file path=ppt/tags/tag3.xml><?xml version="1.0" encoding="utf-8"?>
-<p:tagLst xmlns:a="http://schemas.openxmlformats.org/drawingml/2006/main" xmlns:r="http://schemas.openxmlformats.org/officeDocument/2006/relationships" xmlns:p="http://schemas.openxmlformats.org/presentationml/2006/main">
+<p:tagLst xmlns:p="http://schemas.openxmlformats.org/presentationml/2006/main">
   <p:tag name="KSO_WM_UNIT_HIGHLIGHT" val="0"/>
   <p:tag name="KSO_WM_UNIT_COMPATIBLE" val="0"/>
   <p:tag name="KSO_WM_UNIT_DIAGRAM_ISNUMVISUAL" val="0"/>
   <p:tag name="KSO_WM_UNIT_DIAGRAM_ISREFERUNIT" val="0"/>
-  <p:tag name="KSO_WM_UNIT_ID" val="_0**"/>
+  <p:tag name="KSO_WM_UNIT_ID" val="_1**"/>
   <p:tag name="KSO_WM_UNIT_LAYERLEVEL" val="1"/>
   <p:tag name="KSO_WM_TAG_VERSION" val="1.0"/>
   <p:tag name="KSO_WM_BEAUTIFY_FLAG" val="#wm#"/>
@@ -22948,7 +23044,7 @@
 </file>
 
 <file path=ppt/tags/tag30.xml><?xml version="1.0" encoding="utf-8"?>
-<p:tagLst xmlns:a="http://schemas.openxmlformats.org/drawingml/2006/main" xmlns:r="http://schemas.openxmlformats.org/officeDocument/2006/relationships" xmlns:p="http://schemas.openxmlformats.org/presentationml/2006/main">
+<p:tagLst xmlns:p="http://schemas.openxmlformats.org/presentationml/2006/main">
   <p:tag name="KSO_WM_UNIT_HIGHLIGHT" val="0"/>
   <p:tag name="KSO_WM_UNIT_COMPATIBLE" val="0"/>
   <p:tag name="KSO_WM_UNIT_DIAGRAM_ISNUMVISUAL" val="0"/>
@@ -22961,7 +23057,7 @@
 </file>
 
 <file path=ppt/tags/tag31.xml><?xml version="1.0" encoding="utf-8"?>
-<p:tagLst xmlns:a="http://schemas.openxmlformats.org/drawingml/2006/main" xmlns:r="http://schemas.openxmlformats.org/officeDocument/2006/relationships" xmlns:p="http://schemas.openxmlformats.org/presentationml/2006/main">
+<p:tagLst xmlns:p="http://schemas.openxmlformats.org/presentationml/2006/main">
   <p:tag name="KSO_WM_UNIT_HIGHLIGHT" val="0"/>
   <p:tag name="KSO_WM_UNIT_COMPATIBLE" val="0"/>
   <p:tag name="KSO_WM_UNIT_DIAGRAM_ISNUMVISUAL" val="0"/>
@@ -22974,7 +23070,7 @@
 </file>
 
 <file path=ppt/tags/tag32.xml><?xml version="1.0" encoding="utf-8"?>
-<p:tagLst xmlns:a="http://schemas.openxmlformats.org/drawingml/2006/main" xmlns:r="http://schemas.openxmlformats.org/officeDocument/2006/relationships" xmlns:p="http://schemas.openxmlformats.org/presentationml/2006/main">
+<p:tagLst xmlns:p="http://schemas.openxmlformats.org/presentationml/2006/main">
   <p:tag name="KSO_WM_UNIT_HIGHLIGHT" val="0"/>
   <p:tag name="KSO_WM_UNIT_COMPATIBLE" val="0"/>
   <p:tag name="KSO_WM_UNIT_DIAGRAM_ISNUMVISUAL" val="0"/>
@@ -22987,7 +23083,7 @@
 </file>
 
 <file path=ppt/tags/tag33.xml><?xml version="1.0" encoding="utf-8"?>
-<p:tagLst xmlns:a="http://schemas.openxmlformats.org/drawingml/2006/main" xmlns:r="http://schemas.openxmlformats.org/officeDocument/2006/relationships" xmlns:p="http://schemas.openxmlformats.org/presentationml/2006/main">
+<p:tagLst xmlns:p="http://schemas.openxmlformats.org/presentationml/2006/main">
   <p:tag name="KSO_WM_UNIT_HIGHLIGHT" val="0"/>
   <p:tag name="KSO_WM_UNIT_COMPATIBLE" val="0"/>
   <p:tag name="KSO_WM_UNIT_DIAGRAM_ISNUMVISUAL" val="0"/>
@@ -23000,7 +23096,85 @@
 </file>
 
 <file path=ppt/tags/tag34.xml><?xml version="1.0" encoding="utf-8"?>
-<p:tagLst xmlns:a="http://schemas.openxmlformats.org/drawingml/2006/main" xmlns:r="http://schemas.openxmlformats.org/officeDocument/2006/relationships" xmlns:p="http://schemas.openxmlformats.org/presentationml/2006/main">
+<p:tagLst xmlns:p="http://schemas.openxmlformats.org/presentationml/2006/main">
+  <p:tag name="KSO_WM_UNIT_HIGHLIGHT" val="0"/>
+  <p:tag name="KSO_WM_UNIT_COMPATIBLE" val="0"/>
+  <p:tag name="KSO_WM_UNIT_DIAGRAM_ISNUMVISUAL" val="0"/>
+  <p:tag name="KSO_WM_UNIT_DIAGRAM_ISREFERUNIT" val="0"/>
+  <p:tag name="KSO_WM_UNIT_ID" val="_2**"/>
+  <p:tag name="KSO_WM_UNIT_LAYERLEVEL" val="1"/>
+  <p:tag name="KSO_WM_TAG_VERSION" val="1.0"/>
+  <p:tag name="KSO_WM_BEAUTIFY_FLAG" val="#wm#"/>
+</p:tagLst>
+</file>
+
+<file path=ppt/tags/tag35.xml><?xml version="1.0" encoding="utf-8"?>
+<p:tagLst xmlns:p="http://schemas.openxmlformats.org/presentationml/2006/main">
+  <p:tag name="KSO_WM_UNIT_HIGHLIGHT" val="0"/>
+  <p:tag name="KSO_WM_UNIT_COMPATIBLE" val="0"/>
+  <p:tag name="KSO_WM_UNIT_DIAGRAM_ISNUMVISUAL" val="0"/>
+  <p:tag name="KSO_WM_UNIT_DIAGRAM_ISREFERUNIT" val="0"/>
+  <p:tag name="KSO_WM_UNIT_ID" val="_2**"/>
+  <p:tag name="KSO_WM_UNIT_LAYERLEVEL" val="1"/>
+  <p:tag name="KSO_WM_TAG_VERSION" val="1.0"/>
+  <p:tag name="KSO_WM_BEAUTIFY_FLAG" val="#wm#"/>
+</p:tagLst>
+</file>
+
+<file path=ppt/tags/tag36.xml><?xml version="1.0" encoding="utf-8"?>
+<p:tagLst xmlns:p="http://schemas.openxmlformats.org/presentationml/2006/main">
+  <p:tag name="KSO_WM_UNIT_HIGHLIGHT" val="0"/>
+  <p:tag name="KSO_WM_UNIT_COMPATIBLE" val="0"/>
+  <p:tag name="KSO_WM_UNIT_DIAGRAM_ISNUMVISUAL" val="0"/>
+  <p:tag name="KSO_WM_UNIT_DIAGRAM_ISREFERUNIT" val="0"/>
+  <p:tag name="KSO_WM_UNIT_ID" val="_2**"/>
+  <p:tag name="KSO_WM_UNIT_LAYERLEVEL" val="1"/>
+  <p:tag name="KSO_WM_TAG_VERSION" val="1.0"/>
+  <p:tag name="KSO_WM_BEAUTIFY_FLAG" val="#wm#"/>
+</p:tagLst>
+</file>
+
+<file path=ppt/tags/tag37.xml><?xml version="1.0" encoding="utf-8"?>
+<p:tagLst xmlns:p="http://schemas.openxmlformats.org/presentationml/2006/main">
+  <p:tag name="KSO_WM_UNIT_HIGHLIGHT" val="0"/>
+  <p:tag name="KSO_WM_UNIT_COMPATIBLE" val="0"/>
+  <p:tag name="KSO_WM_UNIT_DIAGRAM_ISNUMVISUAL" val="0"/>
+  <p:tag name="KSO_WM_UNIT_DIAGRAM_ISREFERUNIT" val="0"/>
+  <p:tag name="KSO_WM_UNIT_ID" val="_2**"/>
+  <p:tag name="KSO_WM_UNIT_LAYERLEVEL" val="1"/>
+  <p:tag name="KSO_WM_TAG_VERSION" val="1.0"/>
+  <p:tag name="KSO_WM_BEAUTIFY_FLAG" val="#wm#"/>
+</p:tagLst>
+</file>
+
+<file path=ppt/tags/tag38.xml><?xml version="1.0" encoding="utf-8"?>
+<p:tagLst xmlns:p="http://schemas.openxmlformats.org/presentationml/2006/main">
+  <p:tag name="KSO_WM_UNIT_HIGHLIGHT" val="0"/>
+  <p:tag name="KSO_WM_UNIT_COMPATIBLE" val="0"/>
+  <p:tag name="KSO_WM_UNIT_DIAGRAM_ISNUMVISUAL" val="0"/>
+  <p:tag name="KSO_WM_UNIT_DIAGRAM_ISREFERUNIT" val="0"/>
+  <p:tag name="KSO_WM_UNIT_ID" val="_2**"/>
+  <p:tag name="KSO_WM_UNIT_LAYERLEVEL" val="1"/>
+  <p:tag name="KSO_WM_TAG_VERSION" val="1.0"/>
+  <p:tag name="KSO_WM_BEAUTIFY_FLAG" val="#wm#"/>
+</p:tagLst>
+</file>
+
+<file path=ppt/tags/tag39.xml><?xml version="1.0" encoding="utf-8"?>
+<p:tagLst xmlns:p="http://schemas.openxmlformats.org/presentationml/2006/main">
+  <p:tag name="KSO_WM_UNIT_HIGHLIGHT" val="0"/>
+  <p:tag name="KSO_WM_UNIT_COMPATIBLE" val="0"/>
+  <p:tag name="KSO_WM_UNIT_DIAGRAM_ISNUMVISUAL" val="0"/>
+  <p:tag name="KSO_WM_UNIT_DIAGRAM_ISREFERUNIT" val="0"/>
+  <p:tag name="KSO_WM_UNIT_ID" val="_2**"/>
+  <p:tag name="KSO_WM_UNIT_LAYERLEVEL" val="1"/>
+  <p:tag name="KSO_WM_TAG_VERSION" val="1.0"/>
+  <p:tag name="KSO_WM_BEAUTIFY_FLAG" val="#wm#"/>
+</p:tagLst>
+</file>
+
+<file path=ppt/tags/tag4.xml><?xml version="1.0" encoding="utf-8"?>
+<p:tagLst xmlns:p="http://schemas.openxmlformats.org/presentationml/2006/main">
   <p:tag name="KSO_WM_UNIT_HIGHLIGHT" val="0"/>
   <p:tag name="KSO_WM_UNIT_COMPATIBLE" val="0"/>
   <p:tag name="KSO_WM_UNIT_DIAGRAM_ISNUMVISUAL" val="0"/>
@@ -23012,86 +23186,8 @@
 </p:tagLst>
 </file>
 
-<file path=ppt/tags/tag35.xml><?xml version="1.0" encoding="utf-8"?>
-<p:tagLst xmlns:a="http://schemas.openxmlformats.org/drawingml/2006/main" xmlns:r="http://schemas.openxmlformats.org/officeDocument/2006/relationships" xmlns:p="http://schemas.openxmlformats.org/presentationml/2006/main">
-  <p:tag name="KSO_WM_UNIT_HIGHLIGHT" val="0"/>
-  <p:tag name="KSO_WM_UNIT_COMPATIBLE" val="0"/>
-  <p:tag name="KSO_WM_UNIT_DIAGRAM_ISNUMVISUAL" val="0"/>
-  <p:tag name="KSO_WM_UNIT_DIAGRAM_ISREFERUNIT" val="0"/>
-  <p:tag name="KSO_WM_UNIT_ID" val="_1**"/>
-  <p:tag name="KSO_WM_UNIT_LAYERLEVEL" val="1"/>
-  <p:tag name="KSO_WM_TAG_VERSION" val="1.0"/>
-  <p:tag name="KSO_WM_BEAUTIFY_FLAG" val="#wm#"/>
-</p:tagLst>
-</file>
-
-<file path=ppt/tags/tag36.xml><?xml version="1.0" encoding="utf-8"?>
-<p:tagLst xmlns:a="http://schemas.openxmlformats.org/drawingml/2006/main" xmlns:r="http://schemas.openxmlformats.org/officeDocument/2006/relationships" xmlns:p="http://schemas.openxmlformats.org/presentationml/2006/main">
-  <p:tag name="KSO_WM_UNIT_HIGHLIGHT" val="0"/>
-  <p:tag name="KSO_WM_UNIT_COMPATIBLE" val="0"/>
-  <p:tag name="KSO_WM_UNIT_DIAGRAM_ISNUMVISUAL" val="0"/>
-  <p:tag name="KSO_WM_UNIT_DIAGRAM_ISREFERUNIT" val="0"/>
-  <p:tag name="KSO_WM_UNIT_ID" val="_1**"/>
-  <p:tag name="KSO_WM_UNIT_LAYERLEVEL" val="1"/>
-  <p:tag name="KSO_WM_TAG_VERSION" val="1.0"/>
-  <p:tag name="KSO_WM_BEAUTIFY_FLAG" val="#wm#"/>
-</p:tagLst>
-</file>
-
-<file path=ppt/tags/tag37.xml><?xml version="1.0" encoding="utf-8"?>
-<p:tagLst xmlns:a="http://schemas.openxmlformats.org/drawingml/2006/main" xmlns:r="http://schemas.openxmlformats.org/officeDocument/2006/relationships" xmlns:p="http://schemas.openxmlformats.org/presentationml/2006/main">
-  <p:tag name="KSO_WM_UNIT_HIGHLIGHT" val="0"/>
-  <p:tag name="KSO_WM_UNIT_COMPATIBLE" val="0"/>
-  <p:tag name="KSO_WM_UNIT_DIAGRAM_ISNUMVISUAL" val="0"/>
-  <p:tag name="KSO_WM_UNIT_DIAGRAM_ISREFERUNIT" val="0"/>
-  <p:tag name="KSO_WM_UNIT_ID" val="_1**"/>
-  <p:tag name="KSO_WM_UNIT_LAYERLEVEL" val="1"/>
-  <p:tag name="KSO_WM_TAG_VERSION" val="1.0"/>
-  <p:tag name="KSO_WM_BEAUTIFY_FLAG" val="#wm#"/>
-</p:tagLst>
-</file>
-
-<file path=ppt/tags/tag38.xml><?xml version="1.0" encoding="utf-8"?>
-<p:tagLst xmlns:a="http://schemas.openxmlformats.org/drawingml/2006/main" xmlns:r="http://schemas.openxmlformats.org/officeDocument/2006/relationships" xmlns:p="http://schemas.openxmlformats.org/presentationml/2006/main">
-  <p:tag name="KSO_WM_UNIT_HIGHLIGHT" val="0"/>
-  <p:tag name="KSO_WM_UNIT_COMPATIBLE" val="0"/>
-  <p:tag name="KSO_WM_UNIT_DIAGRAM_ISNUMVISUAL" val="0"/>
-  <p:tag name="KSO_WM_UNIT_DIAGRAM_ISREFERUNIT" val="0"/>
-  <p:tag name="KSO_WM_UNIT_ID" val="_1**"/>
-  <p:tag name="KSO_WM_UNIT_LAYERLEVEL" val="1"/>
-  <p:tag name="KSO_WM_TAG_VERSION" val="1.0"/>
-  <p:tag name="KSO_WM_BEAUTIFY_FLAG" val="#wm#"/>
-</p:tagLst>
-</file>
-
-<file path=ppt/tags/tag39.xml><?xml version="1.0" encoding="utf-8"?>
-<p:tagLst xmlns:a="http://schemas.openxmlformats.org/drawingml/2006/main" xmlns:r="http://schemas.openxmlformats.org/officeDocument/2006/relationships" xmlns:p="http://schemas.openxmlformats.org/presentationml/2006/main">
-  <p:tag name="KSO_WM_UNIT_HIGHLIGHT" val="0"/>
-  <p:tag name="KSO_WM_UNIT_COMPATIBLE" val="0"/>
-  <p:tag name="KSO_WM_UNIT_DIAGRAM_ISNUMVISUAL" val="0"/>
-  <p:tag name="KSO_WM_UNIT_DIAGRAM_ISREFERUNIT" val="0"/>
-  <p:tag name="KSO_WM_UNIT_ID" val="_1**"/>
-  <p:tag name="KSO_WM_UNIT_LAYERLEVEL" val="1"/>
-  <p:tag name="KSO_WM_TAG_VERSION" val="1.0"/>
-  <p:tag name="KSO_WM_BEAUTIFY_FLAG" val="#wm#"/>
-</p:tagLst>
-</file>
-
-<file path=ppt/tags/tag4.xml><?xml version="1.0" encoding="utf-8"?>
-<p:tagLst xmlns:a="http://schemas.openxmlformats.org/drawingml/2006/main" xmlns:r="http://schemas.openxmlformats.org/officeDocument/2006/relationships" xmlns:p="http://schemas.openxmlformats.org/presentationml/2006/main">
-  <p:tag name="KSO_WM_UNIT_HIGHLIGHT" val="0"/>
-  <p:tag name="KSO_WM_UNIT_COMPATIBLE" val="0"/>
-  <p:tag name="KSO_WM_UNIT_DIAGRAM_ISNUMVISUAL" val="0"/>
-  <p:tag name="KSO_WM_UNIT_DIAGRAM_ISREFERUNIT" val="0"/>
-  <p:tag name="KSO_WM_UNIT_ID" val="_0**"/>
-  <p:tag name="KSO_WM_UNIT_LAYERLEVEL" val="1"/>
-  <p:tag name="KSO_WM_TAG_VERSION" val="1.0"/>
-  <p:tag name="KSO_WM_BEAUTIFY_FLAG" val="#wm#"/>
-</p:tagLst>
-</file>
-
 <file path=ppt/tags/tag40.xml><?xml version="1.0" encoding="utf-8"?>
-<p:tagLst xmlns:a="http://schemas.openxmlformats.org/drawingml/2006/main" xmlns:r="http://schemas.openxmlformats.org/officeDocument/2006/relationships" xmlns:p="http://schemas.openxmlformats.org/presentationml/2006/main">
+<p:tagLst xmlns:p="http://schemas.openxmlformats.org/presentationml/2006/main">
   <p:tag name="KSO_WM_UNIT_HIGHLIGHT" val="0"/>
   <p:tag name="KSO_WM_UNIT_COMPATIBLE" val="0"/>
   <p:tag name="KSO_WM_UNIT_DIAGRAM_ISNUMVISUAL" val="0"/>
@@ -23104,7 +23200,7 @@
 </file>
 
 <file path=ppt/tags/tag41.xml><?xml version="1.0" encoding="utf-8"?>
-<p:tagLst xmlns:a="http://schemas.openxmlformats.org/drawingml/2006/main" xmlns:r="http://schemas.openxmlformats.org/officeDocument/2006/relationships" xmlns:p="http://schemas.openxmlformats.org/presentationml/2006/main">
+<p:tagLst xmlns:p="http://schemas.openxmlformats.org/presentationml/2006/main">
   <p:tag name="KSO_WM_UNIT_HIGHLIGHT" val="0"/>
   <p:tag name="KSO_WM_UNIT_COMPATIBLE" val="0"/>
   <p:tag name="KSO_WM_UNIT_DIAGRAM_ISNUMVISUAL" val="0"/>
@@ -23117,7 +23213,7 @@
 </file>
 
 <file path=ppt/tags/tag42.xml><?xml version="1.0" encoding="utf-8"?>
-<p:tagLst xmlns:a="http://schemas.openxmlformats.org/drawingml/2006/main" xmlns:r="http://schemas.openxmlformats.org/officeDocument/2006/relationships" xmlns:p="http://schemas.openxmlformats.org/presentationml/2006/main">
+<p:tagLst xmlns:p="http://schemas.openxmlformats.org/presentationml/2006/main">
   <p:tag name="KSO_WM_UNIT_HIGHLIGHT" val="0"/>
   <p:tag name="KSO_WM_UNIT_COMPATIBLE" val="0"/>
   <p:tag name="KSO_WM_UNIT_DIAGRAM_ISNUMVISUAL" val="0"/>
@@ -23130,7 +23226,7 @@
 </file>
 
 <file path=ppt/tags/tag43.xml><?xml version="1.0" encoding="utf-8"?>
-<p:tagLst xmlns:a="http://schemas.openxmlformats.org/drawingml/2006/main" xmlns:r="http://schemas.openxmlformats.org/officeDocument/2006/relationships" xmlns:p="http://schemas.openxmlformats.org/presentationml/2006/main">
+<p:tagLst xmlns:p="http://schemas.openxmlformats.org/presentationml/2006/main">
   <p:tag name="KSO_WM_UNIT_HIGHLIGHT" val="0"/>
   <p:tag name="KSO_WM_UNIT_COMPATIBLE" val="0"/>
   <p:tag name="KSO_WM_UNIT_DIAGRAM_ISNUMVISUAL" val="0"/>
@@ -23143,7 +23239,7 @@
 </file>
 
 <file path=ppt/tags/tag44.xml><?xml version="1.0" encoding="utf-8"?>
-<p:tagLst xmlns:a="http://schemas.openxmlformats.org/drawingml/2006/main" xmlns:r="http://schemas.openxmlformats.org/officeDocument/2006/relationships" xmlns:p="http://schemas.openxmlformats.org/presentationml/2006/main">
+<p:tagLst xmlns:p="http://schemas.openxmlformats.org/presentationml/2006/main">
   <p:tag name="KSO_WM_UNIT_HIGHLIGHT" val="0"/>
   <p:tag name="KSO_WM_UNIT_COMPATIBLE" val="0"/>
   <p:tag name="KSO_WM_UNIT_DIAGRAM_ISNUMVISUAL" val="0"/>
@@ -23156,7 +23252,7 @@
 </file>
 
 <file path=ppt/tags/tag45.xml><?xml version="1.0" encoding="utf-8"?>
-<p:tagLst xmlns:a="http://schemas.openxmlformats.org/drawingml/2006/main" xmlns:r="http://schemas.openxmlformats.org/officeDocument/2006/relationships" xmlns:p="http://schemas.openxmlformats.org/presentationml/2006/main">
+<p:tagLst xmlns:p="http://schemas.openxmlformats.org/presentationml/2006/main">
   <p:tag name="KSO_WM_UNIT_HIGHLIGHT" val="0"/>
   <p:tag name="KSO_WM_UNIT_COMPATIBLE" val="0"/>
   <p:tag name="KSO_WM_UNIT_DIAGRAM_ISNUMVISUAL" val="0"/>
@@ -23169,7 +23265,7 @@
 </file>
 
 <file path=ppt/tags/tag46.xml><?xml version="1.0" encoding="utf-8"?>
-<p:tagLst xmlns:a="http://schemas.openxmlformats.org/drawingml/2006/main" xmlns:r="http://schemas.openxmlformats.org/officeDocument/2006/relationships" xmlns:p="http://schemas.openxmlformats.org/presentationml/2006/main">
+<p:tagLst xmlns:p="http://schemas.openxmlformats.org/presentationml/2006/main">
   <p:tag name="KSO_WM_UNIT_HIGHLIGHT" val="0"/>
   <p:tag name="KSO_WM_UNIT_COMPATIBLE" val="0"/>
   <p:tag name="KSO_WM_UNIT_DIAGRAM_ISNUMVISUAL" val="0"/>
@@ -23182,7 +23278,7 @@
 </file>
 
 <file path=ppt/tags/tag47.xml><?xml version="1.0" encoding="utf-8"?>
-<p:tagLst xmlns:a="http://schemas.openxmlformats.org/drawingml/2006/main" xmlns:r="http://schemas.openxmlformats.org/officeDocument/2006/relationships" xmlns:p="http://schemas.openxmlformats.org/presentationml/2006/main">
+<p:tagLst xmlns:p="http://schemas.openxmlformats.org/presentationml/2006/main">
   <p:tag name="KSO_WM_UNIT_HIGHLIGHT" val="0"/>
   <p:tag name="KSO_WM_UNIT_COMPATIBLE" val="0"/>
   <p:tag name="KSO_WM_UNIT_DIAGRAM_ISNUMVISUAL" val="0"/>
@@ -23195,7 +23291,7 @@
 </file>
 
 <file path=ppt/tags/tag48.xml><?xml version="1.0" encoding="utf-8"?>
-<p:tagLst xmlns:a="http://schemas.openxmlformats.org/drawingml/2006/main" xmlns:r="http://schemas.openxmlformats.org/officeDocument/2006/relationships" xmlns:p="http://schemas.openxmlformats.org/presentationml/2006/main">
+<p:tagLst xmlns:p="http://schemas.openxmlformats.org/presentationml/2006/main">
   <p:tag name="KSO_WM_UNIT_HIGHLIGHT" val="0"/>
   <p:tag name="KSO_WM_UNIT_COMPATIBLE" val="0"/>
   <p:tag name="KSO_WM_UNIT_DIAGRAM_ISNUMVISUAL" val="0"/>
@@ -23208,7 +23304,7 @@
 </file>
 
 <file path=ppt/tags/tag49.xml><?xml version="1.0" encoding="utf-8"?>
-<p:tagLst xmlns:a="http://schemas.openxmlformats.org/drawingml/2006/main" xmlns:r="http://schemas.openxmlformats.org/officeDocument/2006/relationships" xmlns:p="http://schemas.openxmlformats.org/presentationml/2006/main">
+<p:tagLst xmlns:p="http://schemas.openxmlformats.org/presentationml/2006/main">
   <p:tag name="KSO_WM_UNIT_HIGHLIGHT" val="0"/>
   <p:tag name="KSO_WM_UNIT_COMPATIBLE" val="0"/>
   <p:tag name="KSO_WM_UNIT_DIAGRAM_ISNUMVISUAL" val="0"/>
@@ -23221,12 +23317,12 @@
 </file>
 
 <file path=ppt/tags/tag5.xml><?xml version="1.0" encoding="utf-8"?>
-<p:tagLst xmlns:a="http://schemas.openxmlformats.org/drawingml/2006/main" xmlns:r="http://schemas.openxmlformats.org/officeDocument/2006/relationships" xmlns:p="http://schemas.openxmlformats.org/presentationml/2006/main">
+<p:tagLst xmlns:p="http://schemas.openxmlformats.org/presentationml/2006/main">
   <p:tag name="KSO_WM_UNIT_HIGHLIGHT" val="0"/>
   <p:tag name="KSO_WM_UNIT_COMPATIBLE" val="0"/>
   <p:tag name="KSO_WM_UNIT_DIAGRAM_ISNUMVISUAL" val="0"/>
   <p:tag name="KSO_WM_UNIT_DIAGRAM_ISREFERUNIT" val="0"/>
-  <p:tag name="KSO_WM_UNIT_ID" val="_0**"/>
+  <p:tag name="KSO_WM_UNIT_ID" val="_1**"/>
   <p:tag name="KSO_WM_UNIT_LAYERLEVEL" val="1"/>
   <p:tag name="KSO_WM_TAG_VERSION" val="1.0"/>
   <p:tag name="KSO_WM_BEAUTIFY_FLAG" val="#wm#"/>
@@ -23234,7 +23330,7 @@
 </file>
 
 <file path=ppt/tags/tag50.xml><?xml version="1.0" encoding="utf-8"?>
-<p:tagLst xmlns:a="http://schemas.openxmlformats.org/drawingml/2006/main" xmlns:r="http://schemas.openxmlformats.org/officeDocument/2006/relationships" xmlns:p="http://schemas.openxmlformats.org/presentationml/2006/main">
+<p:tagLst xmlns:p="http://schemas.openxmlformats.org/presentationml/2006/main">
   <p:tag name="KSO_WM_UNIT_HIGHLIGHT" val="0"/>
   <p:tag name="KSO_WM_UNIT_COMPATIBLE" val="0"/>
   <p:tag name="KSO_WM_UNIT_DIAGRAM_ISNUMVISUAL" val="0"/>
@@ -23247,7 +23343,7 @@
 </file>
 
 <file path=ppt/tags/tag51.xml><?xml version="1.0" encoding="utf-8"?>
-<p:tagLst xmlns:a="http://schemas.openxmlformats.org/drawingml/2006/main" xmlns:r="http://schemas.openxmlformats.org/officeDocument/2006/relationships" xmlns:p="http://schemas.openxmlformats.org/presentationml/2006/main">
+<p:tagLst xmlns:p="http://schemas.openxmlformats.org/presentationml/2006/main">
   <p:tag name="KSO_WM_UNIT_HIGHLIGHT" val="0"/>
   <p:tag name="KSO_WM_UNIT_COMPATIBLE" val="0"/>
   <p:tag name="KSO_WM_UNIT_DIAGRAM_ISNUMVISUAL" val="0"/>
@@ -23260,7 +23356,7 @@
 </file>
 
 <file path=ppt/tags/tag52.xml><?xml version="1.0" encoding="utf-8"?>
-<p:tagLst xmlns:a="http://schemas.openxmlformats.org/drawingml/2006/main" xmlns:r="http://schemas.openxmlformats.org/officeDocument/2006/relationships" xmlns:p="http://schemas.openxmlformats.org/presentationml/2006/main">
+<p:tagLst xmlns:p="http://schemas.openxmlformats.org/presentationml/2006/main">
   <p:tag name="KSO_WM_UNIT_HIGHLIGHT" val="0"/>
   <p:tag name="KSO_WM_UNIT_COMPATIBLE" val="0"/>
   <p:tag name="KSO_WM_UNIT_DIAGRAM_ISNUMVISUAL" val="0"/>
@@ -23273,7 +23369,7 @@
 </file>
 
 <file path=ppt/tags/tag53.xml><?xml version="1.0" encoding="utf-8"?>
-<p:tagLst xmlns:a="http://schemas.openxmlformats.org/drawingml/2006/main" xmlns:r="http://schemas.openxmlformats.org/officeDocument/2006/relationships" xmlns:p="http://schemas.openxmlformats.org/presentationml/2006/main">
+<p:tagLst xmlns:p="http://schemas.openxmlformats.org/presentationml/2006/main">
   <p:tag name="KSO_WM_UNIT_HIGHLIGHT" val="0"/>
   <p:tag name="KSO_WM_UNIT_COMPATIBLE" val="0"/>
   <p:tag name="KSO_WM_UNIT_DIAGRAM_ISNUMVISUAL" val="0"/>
@@ -23286,7 +23382,7 @@
 </file>
 
 <file path=ppt/tags/tag54.xml><?xml version="1.0" encoding="utf-8"?>
-<p:tagLst xmlns:a="http://schemas.openxmlformats.org/drawingml/2006/main" xmlns:r="http://schemas.openxmlformats.org/officeDocument/2006/relationships" xmlns:p="http://schemas.openxmlformats.org/presentationml/2006/main">
+<p:tagLst xmlns:p="http://schemas.openxmlformats.org/presentationml/2006/main">
   <p:tag name="KSO_WM_UNIT_HIGHLIGHT" val="0"/>
   <p:tag name="KSO_WM_UNIT_COMPATIBLE" val="0"/>
   <p:tag name="KSO_WM_UNIT_DIAGRAM_ISNUMVISUAL" val="0"/>
@@ -23299,7 +23395,7 @@
 </file>
 
 <file path=ppt/tags/tag55.xml><?xml version="1.0" encoding="utf-8"?>
-<p:tagLst xmlns:a="http://schemas.openxmlformats.org/drawingml/2006/main" xmlns:r="http://schemas.openxmlformats.org/officeDocument/2006/relationships" xmlns:p="http://schemas.openxmlformats.org/presentationml/2006/main">
+<p:tagLst xmlns:p="http://schemas.openxmlformats.org/presentationml/2006/main">
   <p:tag name="KSO_WM_UNIT_HIGHLIGHT" val="0"/>
   <p:tag name="KSO_WM_UNIT_COMPATIBLE" val="0"/>
   <p:tag name="KSO_WM_UNIT_DIAGRAM_ISNUMVISUAL" val="0"/>
@@ -23312,7 +23408,7 @@
 </file>
 
 <file path=ppt/tags/tag56.xml><?xml version="1.0" encoding="utf-8"?>
-<p:tagLst xmlns:a="http://schemas.openxmlformats.org/drawingml/2006/main" xmlns:r="http://schemas.openxmlformats.org/officeDocument/2006/relationships" xmlns:p="http://schemas.openxmlformats.org/presentationml/2006/main">
+<p:tagLst xmlns:p="http://schemas.openxmlformats.org/presentationml/2006/main">
   <p:tag name="KSO_WM_UNIT_HIGHLIGHT" val="0"/>
   <p:tag name="KSO_WM_UNIT_COMPATIBLE" val="0"/>
   <p:tag name="KSO_WM_UNIT_DIAGRAM_ISNUMVISUAL" val="0"/>
@@ -23325,7 +23421,7 @@
 </file>
 
 <file path=ppt/tags/tag57.xml><?xml version="1.0" encoding="utf-8"?>
-<p:tagLst xmlns:a="http://schemas.openxmlformats.org/drawingml/2006/main" xmlns:r="http://schemas.openxmlformats.org/officeDocument/2006/relationships" xmlns:p="http://schemas.openxmlformats.org/presentationml/2006/main">
+<p:tagLst xmlns:p="http://schemas.openxmlformats.org/presentationml/2006/main">
   <p:tag name="KSO_WM_UNIT_HIGHLIGHT" val="0"/>
   <p:tag name="KSO_WM_UNIT_COMPATIBLE" val="0"/>
   <p:tag name="KSO_WM_UNIT_DIAGRAM_ISNUMVISUAL" val="0"/>
@@ -23338,7 +23434,7 @@
 </file>
 
 <file path=ppt/tags/tag58.xml><?xml version="1.0" encoding="utf-8"?>
-<p:tagLst xmlns:a="http://schemas.openxmlformats.org/drawingml/2006/main" xmlns:r="http://schemas.openxmlformats.org/officeDocument/2006/relationships" xmlns:p="http://schemas.openxmlformats.org/presentationml/2006/main">
+<p:tagLst xmlns:p="http://schemas.openxmlformats.org/presentationml/2006/main">
   <p:tag name="KSO_WM_UNIT_HIGHLIGHT" val="0"/>
   <p:tag name="KSO_WM_UNIT_COMPATIBLE" val="0"/>
   <p:tag name="KSO_WM_UNIT_DIAGRAM_ISNUMVISUAL" val="0"/>
@@ -23351,7 +23447,7 @@
 </file>
 
 <file path=ppt/tags/tag59.xml><?xml version="1.0" encoding="utf-8"?>
-<p:tagLst xmlns:a="http://schemas.openxmlformats.org/drawingml/2006/main" xmlns:r="http://schemas.openxmlformats.org/officeDocument/2006/relationships" xmlns:p="http://schemas.openxmlformats.org/presentationml/2006/main">
+<p:tagLst xmlns:p="http://schemas.openxmlformats.org/presentationml/2006/main">
   <p:tag name="KSO_WM_UNIT_HIGHLIGHT" val="0"/>
   <p:tag name="KSO_WM_UNIT_COMPATIBLE" val="0"/>
   <p:tag name="KSO_WM_UNIT_DIAGRAM_ISNUMVISUAL" val="0"/>
@@ -23364,18 +23460,20 @@
 </file>
 
 <file path=ppt/tags/tag6.xml><?xml version="1.0" encoding="utf-8"?>
-<p:tagLst xmlns:a="http://schemas.openxmlformats.org/drawingml/2006/main" xmlns:r="http://schemas.openxmlformats.org/officeDocument/2006/relationships" xmlns:p="http://schemas.openxmlformats.org/presentationml/2006/main">
-  <p:tag name="KSO_WM_TEMPLATE_SUBCATEGORY" val="0"/>
+<p:tagLst xmlns:p="http://schemas.openxmlformats.org/presentationml/2006/main">
+  <p:tag name="KSO_WM_UNIT_HIGHLIGHT" val="0"/>
+  <p:tag name="KSO_WM_UNIT_COMPATIBLE" val="0"/>
+  <p:tag name="KSO_WM_UNIT_DIAGRAM_ISNUMVISUAL" val="0"/>
+  <p:tag name="KSO_WM_UNIT_DIAGRAM_ISREFERUNIT" val="0"/>
+  <p:tag name="KSO_WM_UNIT_ID" val="_1**"/>
+  <p:tag name="KSO_WM_UNIT_LAYERLEVEL" val="1"/>
   <p:tag name="KSO_WM_TAG_VERSION" val="1.0"/>
   <p:tag name="KSO_WM_BEAUTIFY_FLAG" val="#wm#"/>
-  <p:tag name="KSO_WM_TEMPLATE_CATEGORY" val="custom"/>
-  <p:tag name="KSO_WM_TEMPLATE_INDEX" val="20191705"/>
-  <p:tag name="KSO_WM_TEMPLATE_THUMBS_INDEX" val="1、2、3、4、5、6、7、8、9、10、11、12、13、14、15"/>
 </p:tagLst>
 </file>
 
 <file path=ppt/tags/tag60.xml><?xml version="1.0" encoding="utf-8"?>
-<p:tagLst xmlns:a="http://schemas.openxmlformats.org/drawingml/2006/main" xmlns:r="http://schemas.openxmlformats.org/officeDocument/2006/relationships" xmlns:p="http://schemas.openxmlformats.org/presentationml/2006/main">
+<p:tagLst xmlns:p="http://schemas.openxmlformats.org/presentationml/2006/main">
   <p:tag name="KSO_WM_UNIT_HIGHLIGHT" val="0"/>
   <p:tag name="KSO_WM_UNIT_COMPATIBLE" val="0"/>
   <p:tag name="KSO_WM_UNIT_DIAGRAM_ISNUMVISUAL" val="0"/>
@@ -23388,7 +23486,7 @@
 </file>
 
 <file path=ppt/tags/tag61.xml><?xml version="1.0" encoding="utf-8"?>
-<p:tagLst xmlns:a="http://schemas.openxmlformats.org/drawingml/2006/main" xmlns:r="http://schemas.openxmlformats.org/officeDocument/2006/relationships" xmlns:p="http://schemas.openxmlformats.org/presentationml/2006/main">
+<p:tagLst xmlns:p="http://schemas.openxmlformats.org/presentationml/2006/main">
   <p:tag name="KSO_WM_UNIT_HIGHLIGHT" val="0"/>
   <p:tag name="KSO_WM_UNIT_COMPATIBLE" val="0"/>
   <p:tag name="KSO_WM_UNIT_DIAGRAM_ISNUMVISUAL" val="0"/>
@@ -23401,7 +23499,7 @@
 </file>
 
 <file path=ppt/tags/tag62.xml><?xml version="1.0" encoding="utf-8"?>
-<p:tagLst xmlns:a="http://schemas.openxmlformats.org/drawingml/2006/main" xmlns:r="http://schemas.openxmlformats.org/officeDocument/2006/relationships" xmlns:p="http://schemas.openxmlformats.org/presentationml/2006/main">
+<p:tagLst xmlns:p="http://schemas.openxmlformats.org/presentationml/2006/main">
   <p:tag name="KSO_WM_UNIT_HIGHLIGHT" val="0"/>
   <p:tag name="KSO_WM_UNIT_COMPATIBLE" val="0"/>
   <p:tag name="KSO_WM_UNIT_DIAGRAM_ISNUMVISUAL" val="0"/>
@@ -23414,7 +23512,7 @@
 </file>
 
 <file path=ppt/tags/tag63.xml><?xml version="1.0" encoding="utf-8"?>
-<p:tagLst xmlns:a="http://schemas.openxmlformats.org/drawingml/2006/main" xmlns:r="http://schemas.openxmlformats.org/officeDocument/2006/relationships" xmlns:p="http://schemas.openxmlformats.org/presentationml/2006/main">
+<p:tagLst xmlns:p="http://schemas.openxmlformats.org/presentationml/2006/main">
   <p:tag name="KSO_WM_UNIT_HIGHLIGHT" val="0"/>
   <p:tag name="KSO_WM_UNIT_COMPATIBLE" val="0"/>
   <p:tag name="KSO_WM_UNIT_DIAGRAM_ISNUMVISUAL" val="0"/>
@@ -23427,7 +23525,7 @@
 </file>
 
 <file path=ppt/tags/tag64.xml><?xml version="1.0" encoding="utf-8"?>
-<p:tagLst xmlns:a="http://schemas.openxmlformats.org/drawingml/2006/main" xmlns:r="http://schemas.openxmlformats.org/officeDocument/2006/relationships" xmlns:p="http://schemas.openxmlformats.org/presentationml/2006/main">
+<p:tagLst xmlns:p="http://schemas.openxmlformats.org/presentationml/2006/main">
   <p:tag name="KSO_WM_UNIT_HIGHLIGHT" val="0"/>
   <p:tag name="KSO_WM_UNIT_COMPATIBLE" val="0"/>
   <p:tag name="KSO_WM_UNIT_DIAGRAM_ISNUMVISUAL" val="0"/>
@@ -23440,7 +23538,7 @@
 </file>
 
 <file path=ppt/tags/tag65.xml><?xml version="1.0" encoding="utf-8"?>
-<p:tagLst xmlns:a="http://schemas.openxmlformats.org/drawingml/2006/main" xmlns:r="http://schemas.openxmlformats.org/officeDocument/2006/relationships" xmlns:p="http://schemas.openxmlformats.org/presentationml/2006/main">
+<p:tagLst xmlns:p="http://schemas.openxmlformats.org/presentationml/2006/main">
   <p:tag name="KSO_WM_UNIT_HIGHLIGHT" val="0"/>
   <p:tag name="KSO_WM_UNIT_COMPATIBLE" val="0"/>
   <p:tag name="KSO_WM_UNIT_DIAGRAM_ISNUMVISUAL" val="0"/>
@@ -23453,7 +23551,7 @@
 </file>
 
 <file path=ppt/tags/tag66.xml><?xml version="1.0" encoding="utf-8"?>
-<p:tagLst xmlns:a="http://schemas.openxmlformats.org/drawingml/2006/main" xmlns:r="http://schemas.openxmlformats.org/officeDocument/2006/relationships" xmlns:p="http://schemas.openxmlformats.org/presentationml/2006/main">
+<p:tagLst xmlns:p="http://schemas.openxmlformats.org/presentationml/2006/main">
   <p:tag name="KSO_WM_UNIT_HIGHLIGHT" val="0"/>
   <p:tag name="KSO_WM_UNIT_COMPATIBLE" val="0"/>
   <p:tag name="KSO_WM_UNIT_DIAGRAM_ISNUMVISUAL" val="0"/>
@@ -23466,7 +23564,7 @@
 </file>
 
 <file path=ppt/tags/tag67.xml><?xml version="1.0" encoding="utf-8"?>
-<p:tagLst xmlns:a="http://schemas.openxmlformats.org/drawingml/2006/main" xmlns:r="http://schemas.openxmlformats.org/officeDocument/2006/relationships" xmlns:p="http://schemas.openxmlformats.org/presentationml/2006/main">
+<p:tagLst xmlns:p="http://schemas.openxmlformats.org/presentationml/2006/main">
   <p:tag name="KSO_WM_UNIT_HIGHLIGHT" val="0"/>
   <p:tag name="KSO_WM_UNIT_COMPATIBLE" val="0"/>
   <p:tag name="KSO_WM_UNIT_DIAGRAM_ISNUMVISUAL" val="0"/>
@@ -23479,7 +23577,7 @@
 </file>
 
 <file path=ppt/tags/tag68.xml><?xml version="1.0" encoding="utf-8"?>
-<p:tagLst xmlns:a="http://schemas.openxmlformats.org/drawingml/2006/main" xmlns:r="http://schemas.openxmlformats.org/officeDocument/2006/relationships" xmlns:p="http://schemas.openxmlformats.org/presentationml/2006/main">
+<p:tagLst xmlns:p="http://schemas.openxmlformats.org/presentationml/2006/main">
   <p:tag name="KSO_WM_UNIT_HIGHLIGHT" val="0"/>
   <p:tag name="KSO_WM_UNIT_COMPATIBLE" val="0"/>
   <p:tag name="KSO_WM_UNIT_DIAGRAM_ISNUMVISUAL" val="0"/>
@@ -23492,7 +23590,7 @@
 </file>
 
 <file path=ppt/tags/tag69.xml><?xml version="1.0" encoding="utf-8"?>
-<p:tagLst xmlns:a="http://schemas.openxmlformats.org/drawingml/2006/main" xmlns:r="http://schemas.openxmlformats.org/officeDocument/2006/relationships" xmlns:p="http://schemas.openxmlformats.org/presentationml/2006/main">
+<p:tagLst xmlns:p="http://schemas.openxmlformats.org/presentationml/2006/main">
   <p:tag name="KSO_WM_UNIT_HIGHLIGHT" val="0"/>
   <p:tag name="KSO_WM_UNIT_COMPATIBLE" val="0"/>
   <p:tag name="KSO_WM_UNIT_DIAGRAM_ISNUMVISUAL" val="0"/>
@@ -23505,7 +23603,7 @@
 </file>
 
 <file path=ppt/tags/tag7.xml><?xml version="1.0" encoding="utf-8"?>
-<p:tagLst xmlns:a="http://schemas.openxmlformats.org/drawingml/2006/main" xmlns:r="http://schemas.openxmlformats.org/officeDocument/2006/relationships" xmlns:p="http://schemas.openxmlformats.org/presentationml/2006/main">
+<p:tagLst xmlns:p="http://schemas.openxmlformats.org/presentationml/2006/main">
   <p:tag name="KSO_WM_UNIT_HIGHLIGHT" val="0"/>
   <p:tag name="KSO_WM_UNIT_COMPATIBLE" val="0"/>
   <p:tag name="KSO_WM_UNIT_DIAGRAM_ISNUMVISUAL" val="0"/>
@@ -23518,12 +23616,12 @@
 </file>
 
 <file path=ppt/tags/tag70.xml><?xml version="1.0" encoding="utf-8"?>
-<p:tagLst xmlns:a="http://schemas.openxmlformats.org/drawingml/2006/main" xmlns:r="http://schemas.openxmlformats.org/officeDocument/2006/relationships" xmlns:p="http://schemas.openxmlformats.org/presentationml/2006/main">
+<p:tagLst xmlns:p="http://schemas.openxmlformats.org/presentationml/2006/main">
   <p:tag name="KSO_WM_UNIT_HIGHLIGHT" val="0"/>
   <p:tag name="KSO_WM_UNIT_COMPATIBLE" val="0"/>
   <p:tag name="KSO_WM_UNIT_DIAGRAM_ISNUMVISUAL" val="0"/>
   <p:tag name="KSO_WM_UNIT_DIAGRAM_ISREFERUNIT" val="0"/>
-  <p:tag name="KSO_WM_UNIT_ID" val="_2**"/>
+  <p:tag name="KSO_WM_UNIT_ID" val="_3**"/>
   <p:tag name="KSO_WM_UNIT_LAYERLEVEL" val="1"/>
   <p:tag name="KSO_WM_TAG_VERSION" val="1.0"/>
   <p:tag name="KSO_WM_BEAUTIFY_FLAG" val="#wm#"/>
@@ -23531,12 +23629,12 @@
 </file>
 
 <file path=ppt/tags/tag71.xml><?xml version="1.0" encoding="utf-8"?>
-<p:tagLst xmlns:a="http://schemas.openxmlformats.org/drawingml/2006/main" xmlns:r="http://schemas.openxmlformats.org/officeDocument/2006/relationships" xmlns:p="http://schemas.openxmlformats.org/presentationml/2006/main">
+<p:tagLst xmlns:p="http://schemas.openxmlformats.org/presentationml/2006/main">
   <p:tag name="KSO_WM_UNIT_HIGHLIGHT" val="0"/>
   <p:tag name="KSO_WM_UNIT_COMPATIBLE" val="0"/>
   <p:tag name="KSO_WM_UNIT_DIAGRAM_ISNUMVISUAL" val="0"/>
   <p:tag name="KSO_WM_UNIT_DIAGRAM_ISREFERUNIT" val="0"/>
-  <p:tag name="KSO_WM_UNIT_ID" val="_2**"/>
+  <p:tag name="KSO_WM_UNIT_ID" val="_3**"/>
   <p:tag name="KSO_WM_UNIT_LAYERLEVEL" val="1"/>
   <p:tag name="KSO_WM_TAG_VERSION" val="1.0"/>
   <p:tag name="KSO_WM_BEAUTIFY_FLAG" val="#wm#"/>
@@ -23544,12 +23642,12 @@
 </file>
 
 <file path=ppt/tags/tag72.xml><?xml version="1.0" encoding="utf-8"?>
-<p:tagLst xmlns:a="http://schemas.openxmlformats.org/drawingml/2006/main" xmlns:r="http://schemas.openxmlformats.org/officeDocument/2006/relationships" xmlns:p="http://schemas.openxmlformats.org/presentationml/2006/main">
+<p:tagLst xmlns:p="http://schemas.openxmlformats.org/presentationml/2006/main">
   <p:tag name="KSO_WM_UNIT_HIGHLIGHT" val="0"/>
   <p:tag name="KSO_WM_UNIT_COMPATIBLE" val="0"/>
   <p:tag name="KSO_WM_UNIT_DIAGRAM_ISNUMVISUAL" val="0"/>
   <p:tag name="KSO_WM_UNIT_DIAGRAM_ISREFERUNIT" val="0"/>
-  <p:tag name="KSO_WM_UNIT_ID" val="_2**"/>
+  <p:tag name="KSO_WM_UNIT_ID" val="_3**"/>
   <p:tag name="KSO_WM_UNIT_LAYERLEVEL" val="1"/>
   <p:tag name="KSO_WM_TAG_VERSION" val="1.0"/>
   <p:tag name="KSO_WM_BEAUTIFY_FLAG" val="#wm#"/>
@@ -23557,12 +23655,12 @@
 </file>
 
 <file path=ppt/tags/tag73.xml><?xml version="1.0" encoding="utf-8"?>
-<p:tagLst xmlns:a="http://schemas.openxmlformats.org/drawingml/2006/main" xmlns:r="http://schemas.openxmlformats.org/officeDocument/2006/relationships" xmlns:p="http://schemas.openxmlformats.org/presentationml/2006/main">
+<p:tagLst xmlns:p="http://schemas.openxmlformats.org/presentationml/2006/main">
   <p:tag name="KSO_WM_UNIT_HIGHLIGHT" val="0"/>
   <p:tag name="KSO_WM_UNIT_COMPATIBLE" val="0"/>
   <p:tag name="KSO_WM_UNIT_DIAGRAM_ISNUMVISUAL" val="0"/>
   <p:tag name="KSO_WM_UNIT_DIAGRAM_ISREFERUNIT" val="0"/>
-  <p:tag name="KSO_WM_UNIT_ID" val="_2**"/>
+  <p:tag name="KSO_WM_UNIT_ID" val="_3**"/>
   <p:tag name="KSO_WM_UNIT_LAYERLEVEL" val="1"/>
   <p:tag name="KSO_WM_TAG_VERSION" val="1.0"/>
   <p:tag name="KSO_WM_BEAUTIFY_FLAG" val="#wm#"/>
@@ -23570,12 +23668,12 @@
 </file>
 
 <file path=ppt/tags/tag74.xml><?xml version="1.0" encoding="utf-8"?>
-<p:tagLst xmlns:a="http://schemas.openxmlformats.org/drawingml/2006/main" xmlns:r="http://schemas.openxmlformats.org/officeDocument/2006/relationships" xmlns:p="http://schemas.openxmlformats.org/presentationml/2006/main">
+<p:tagLst xmlns:p="http://schemas.openxmlformats.org/presentationml/2006/main">
   <p:tag name="KSO_WM_UNIT_HIGHLIGHT" val="0"/>
   <p:tag name="KSO_WM_UNIT_COMPATIBLE" val="0"/>
   <p:tag name="KSO_WM_UNIT_DIAGRAM_ISNUMVISUAL" val="0"/>
   <p:tag name="KSO_WM_UNIT_DIAGRAM_ISREFERUNIT" val="0"/>
-  <p:tag name="KSO_WM_UNIT_ID" val="_2**"/>
+  <p:tag name="KSO_WM_UNIT_ID" val="_3**"/>
   <p:tag name="KSO_WM_UNIT_LAYERLEVEL" val="1"/>
   <p:tag name="KSO_WM_TAG_VERSION" val="1.0"/>
   <p:tag name="KSO_WM_BEAUTIFY_FLAG" val="#wm#"/>
@@ -23583,12 +23681,12 @@
 </file>
 
 <file path=ppt/tags/tag75.xml><?xml version="1.0" encoding="utf-8"?>
-<p:tagLst xmlns:a="http://schemas.openxmlformats.org/drawingml/2006/main" xmlns:r="http://schemas.openxmlformats.org/officeDocument/2006/relationships" xmlns:p="http://schemas.openxmlformats.org/presentationml/2006/main">
+<p:tagLst xmlns:p="http://schemas.openxmlformats.org/presentationml/2006/main">
   <p:tag name="KSO_WM_UNIT_HIGHLIGHT" val="0"/>
   <p:tag name="KSO_WM_UNIT_COMPATIBLE" val="0"/>
   <p:tag name="KSO_WM_UNIT_DIAGRAM_ISNUMVISUAL" val="0"/>
   <p:tag name="KSO_WM_UNIT_DIAGRAM_ISREFERUNIT" val="0"/>
-  <p:tag name="KSO_WM_UNIT_ID" val="_2**"/>
+  <p:tag name="KSO_WM_UNIT_ID" val="_3**"/>
   <p:tag name="KSO_WM_UNIT_LAYERLEVEL" val="1"/>
   <p:tag name="KSO_WM_TAG_VERSION" val="1.0"/>
   <p:tag name="KSO_WM_BEAUTIFY_FLAG" val="#wm#"/>
@@ -23596,7 +23694,7 @@
 </file>
 
 <file path=ppt/tags/tag76.xml><?xml version="1.0" encoding="utf-8"?>
-<p:tagLst xmlns:a="http://schemas.openxmlformats.org/drawingml/2006/main" xmlns:r="http://schemas.openxmlformats.org/officeDocument/2006/relationships" xmlns:p="http://schemas.openxmlformats.org/presentationml/2006/main">
+<p:tagLst xmlns:p="http://schemas.openxmlformats.org/presentationml/2006/main">
   <p:tag name="KSO_WM_UNIT_HIGHLIGHT" val="0"/>
   <p:tag name="KSO_WM_UNIT_COMPATIBLE" val="0"/>
   <p:tag name="KSO_WM_UNIT_DIAGRAM_ISNUMVISUAL" val="0"/>
@@ -23609,7 +23707,7 @@
 </file>
 
 <file path=ppt/tags/tag77.xml><?xml version="1.0" encoding="utf-8"?>
-<p:tagLst xmlns:a="http://schemas.openxmlformats.org/drawingml/2006/main" xmlns:r="http://schemas.openxmlformats.org/officeDocument/2006/relationships" xmlns:p="http://schemas.openxmlformats.org/presentationml/2006/main">
+<p:tagLst xmlns:p="http://schemas.openxmlformats.org/presentationml/2006/main">
   <p:tag name="KSO_WM_UNIT_HIGHLIGHT" val="0"/>
   <p:tag name="KSO_WM_UNIT_COMPATIBLE" val="0"/>
   <p:tag name="KSO_WM_UNIT_DIAGRAM_ISNUMVISUAL" val="0"/>
@@ -23622,7 +23720,7 @@
 </file>
 
 <file path=ppt/tags/tag78.xml><?xml version="1.0" encoding="utf-8"?>
-<p:tagLst xmlns:a="http://schemas.openxmlformats.org/drawingml/2006/main" xmlns:r="http://schemas.openxmlformats.org/officeDocument/2006/relationships" xmlns:p="http://schemas.openxmlformats.org/presentationml/2006/main">
+<p:tagLst xmlns:p="http://schemas.openxmlformats.org/presentationml/2006/main">
   <p:tag name="KSO_WM_UNIT_HIGHLIGHT" val="0"/>
   <p:tag name="KSO_WM_UNIT_COMPATIBLE" val="0"/>
   <p:tag name="KSO_WM_UNIT_DIAGRAM_ISNUMVISUAL" val="0"/>
@@ -23635,7 +23733,7 @@
 </file>
 
 <file path=ppt/tags/tag79.xml><?xml version="1.0" encoding="utf-8"?>
-<p:tagLst xmlns:a="http://schemas.openxmlformats.org/drawingml/2006/main" xmlns:r="http://schemas.openxmlformats.org/officeDocument/2006/relationships" xmlns:p="http://schemas.openxmlformats.org/presentationml/2006/main">
+<p:tagLst xmlns:p="http://schemas.openxmlformats.org/presentationml/2006/main">
   <p:tag name="KSO_WM_UNIT_HIGHLIGHT" val="0"/>
   <p:tag name="KSO_WM_UNIT_COMPATIBLE" val="0"/>
   <p:tag name="KSO_WM_UNIT_DIAGRAM_ISNUMVISUAL" val="0"/>
@@ -23648,7 +23746,7 @@
 </file>
 
 <file path=ppt/tags/tag8.xml><?xml version="1.0" encoding="utf-8"?>
-<p:tagLst xmlns:a="http://schemas.openxmlformats.org/drawingml/2006/main" xmlns:r="http://schemas.openxmlformats.org/officeDocument/2006/relationships" xmlns:p="http://schemas.openxmlformats.org/presentationml/2006/main">
+<p:tagLst xmlns:p="http://schemas.openxmlformats.org/presentationml/2006/main">
   <p:tag name="KSO_WM_UNIT_HIGHLIGHT" val="0"/>
   <p:tag name="KSO_WM_UNIT_COMPATIBLE" val="0"/>
   <p:tag name="KSO_WM_UNIT_DIAGRAM_ISNUMVISUAL" val="0"/>
@@ -23661,7 +23759,7 @@
 </file>
 
 <file path=ppt/tags/tag80.xml><?xml version="1.0" encoding="utf-8"?>
-<p:tagLst xmlns:a="http://schemas.openxmlformats.org/drawingml/2006/main" xmlns:r="http://schemas.openxmlformats.org/officeDocument/2006/relationships" xmlns:p="http://schemas.openxmlformats.org/presentationml/2006/main">
+<p:tagLst xmlns:p="http://schemas.openxmlformats.org/presentationml/2006/main">
   <p:tag name="KSO_WM_UNIT_HIGHLIGHT" val="0"/>
   <p:tag name="KSO_WM_UNIT_COMPATIBLE" val="0"/>
   <p:tag name="KSO_WM_UNIT_DIAGRAM_ISNUMVISUAL" val="0"/>
@@ -23674,7 +23772,7 @@
 </file>
 
 <file path=ppt/tags/tag81.xml><?xml version="1.0" encoding="utf-8"?>
-<p:tagLst xmlns:a="http://schemas.openxmlformats.org/drawingml/2006/main" xmlns:r="http://schemas.openxmlformats.org/officeDocument/2006/relationships" xmlns:p="http://schemas.openxmlformats.org/presentationml/2006/main">
+<p:tagLst xmlns:p="http://schemas.openxmlformats.org/presentationml/2006/main">
   <p:tag name="KSO_WM_UNIT_HIGHLIGHT" val="0"/>
   <p:tag name="KSO_WM_UNIT_COMPATIBLE" val="0"/>
   <p:tag name="KSO_WM_UNIT_DIAGRAM_ISNUMVISUAL" val="0"/>
@@ -23687,7 +23785,7 @@
 </file>
 
 <file path=ppt/tags/tag82.xml><?xml version="1.0" encoding="utf-8"?>
-<p:tagLst xmlns:a="http://schemas.openxmlformats.org/drawingml/2006/main" xmlns:r="http://schemas.openxmlformats.org/officeDocument/2006/relationships" xmlns:p="http://schemas.openxmlformats.org/presentationml/2006/main">
+<p:tagLst xmlns:p="http://schemas.openxmlformats.org/presentationml/2006/main">
   <p:tag name="KSO_WM_UNIT_HIGHLIGHT" val="0"/>
   <p:tag name="KSO_WM_UNIT_COMPATIBLE" val="0"/>
   <p:tag name="KSO_WM_UNIT_DIAGRAM_ISNUMVISUAL" val="0"/>
@@ -23700,7 +23798,7 @@
 </file>
 
 <file path=ppt/tags/tag83.xml><?xml version="1.0" encoding="utf-8"?>
-<p:tagLst xmlns:a="http://schemas.openxmlformats.org/drawingml/2006/main" xmlns:r="http://schemas.openxmlformats.org/officeDocument/2006/relationships" xmlns:p="http://schemas.openxmlformats.org/presentationml/2006/main">
+<p:tagLst xmlns:p="http://schemas.openxmlformats.org/presentationml/2006/main">
   <p:tag name="KSO_WM_UNIT_HIGHLIGHT" val="0"/>
   <p:tag name="KSO_WM_UNIT_COMPATIBLE" val="0"/>
   <p:tag name="KSO_WM_UNIT_DIAGRAM_ISNUMVISUAL" val="0"/>
@@ -23713,12 +23811,12 @@
 </file>
 
 <file path=ppt/tags/tag84.xml><?xml version="1.0" encoding="utf-8"?>
-<p:tagLst xmlns:a="http://schemas.openxmlformats.org/drawingml/2006/main" xmlns:r="http://schemas.openxmlformats.org/officeDocument/2006/relationships" xmlns:p="http://schemas.openxmlformats.org/presentationml/2006/main">
+<p:tagLst xmlns:p="http://schemas.openxmlformats.org/presentationml/2006/main">
   <p:tag name="KSO_WM_UNIT_HIGHLIGHT" val="0"/>
   <p:tag name="KSO_WM_UNIT_COMPATIBLE" val="0"/>
   <p:tag name="KSO_WM_UNIT_DIAGRAM_ISNUMVISUAL" val="0"/>
   <p:tag name="KSO_WM_UNIT_DIAGRAM_ISREFERUNIT" val="0"/>
-  <p:tag name="KSO_WM_UNIT_ID" val="_3**"/>
+  <p:tag name="KSO_WM_UNIT_ID" val="_4**"/>
   <p:tag name="KSO_WM_UNIT_LAYERLEVEL" val="1"/>
   <p:tag name="KSO_WM_TAG_VERSION" val="1.0"/>
   <p:tag name="KSO_WM_BEAUTIFY_FLAG" val="#wm#"/>
@@ -23726,12 +23824,12 @@
 </file>
 
 <file path=ppt/tags/tag85.xml><?xml version="1.0" encoding="utf-8"?>
-<p:tagLst xmlns:a="http://schemas.openxmlformats.org/drawingml/2006/main" xmlns:r="http://schemas.openxmlformats.org/officeDocument/2006/relationships" xmlns:p="http://schemas.openxmlformats.org/presentationml/2006/main">
+<p:tagLst xmlns:p="http://schemas.openxmlformats.org/presentationml/2006/main">
   <p:tag name="KSO_WM_UNIT_HIGHLIGHT" val="0"/>
   <p:tag name="KSO_WM_UNIT_COMPATIBLE" val="0"/>
   <p:tag name="KSO_WM_UNIT_DIAGRAM_ISNUMVISUAL" val="0"/>
   <p:tag name="KSO_WM_UNIT_DIAGRAM_ISREFERUNIT" val="0"/>
-  <p:tag name="KSO_WM_UNIT_ID" val="_3**"/>
+  <p:tag name="KSO_WM_UNIT_ID" val="_4**"/>
   <p:tag name="KSO_WM_UNIT_LAYERLEVEL" val="1"/>
   <p:tag name="KSO_WM_TAG_VERSION" val="1.0"/>
   <p:tag name="KSO_WM_BEAUTIFY_FLAG" val="#wm#"/>
@@ -23739,12 +23837,12 @@
 </file>
 
 <file path=ppt/tags/tag86.xml><?xml version="1.0" encoding="utf-8"?>
-<p:tagLst xmlns:a="http://schemas.openxmlformats.org/drawingml/2006/main" xmlns:r="http://schemas.openxmlformats.org/officeDocument/2006/relationships" xmlns:p="http://schemas.openxmlformats.org/presentationml/2006/main">
+<p:tagLst xmlns:p="http://schemas.openxmlformats.org/presentationml/2006/main">
   <p:tag name="KSO_WM_UNIT_HIGHLIGHT" val="0"/>
   <p:tag name="KSO_WM_UNIT_COMPATIBLE" val="0"/>
   <p:tag name="KSO_WM_UNIT_DIAGRAM_ISNUMVISUAL" val="0"/>
   <p:tag name="KSO_WM_UNIT_DIAGRAM_ISREFERUNIT" val="0"/>
-  <p:tag name="KSO_WM_UNIT_ID" val="_3**"/>
+  <p:tag name="KSO_WM_UNIT_ID" val="_4**"/>
   <p:tag name="KSO_WM_UNIT_LAYERLEVEL" val="1"/>
   <p:tag name="KSO_WM_TAG_VERSION" val="1.0"/>
   <p:tag name="KSO_WM_BEAUTIFY_FLAG" val="#wm#"/>
@@ -23752,12 +23850,12 @@
 </file>
 
 <file path=ppt/tags/tag87.xml><?xml version="1.0" encoding="utf-8"?>
-<p:tagLst xmlns:a="http://schemas.openxmlformats.org/drawingml/2006/main" xmlns:r="http://schemas.openxmlformats.org/officeDocument/2006/relationships" xmlns:p="http://schemas.openxmlformats.org/presentationml/2006/main">
+<p:tagLst xmlns:p="http://schemas.openxmlformats.org/presentationml/2006/main">
   <p:tag name="KSO_WM_UNIT_HIGHLIGHT" val="0"/>
   <p:tag name="KSO_WM_UNIT_COMPATIBLE" val="0"/>
   <p:tag name="KSO_WM_UNIT_DIAGRAM_ISNUMVISUAL" val="0"/>
   <p:tag name="KSO_WM_UNIT_DIAGRAM_ISREFERUNIT" val="0"/>
-  <p:tag name="KSO_WM_UNIT_ID" val="_3**"/>
+  <p:tag name="KSO_WM_UNIT_ID" val="_4**"/>
   <p:tag name="KSO_WM_UNIT_LAYERLEVEL" val="1"/>
   <p:tag name="KSO_WM_TAG_VERSION" val="1.0"/>
   <p:tag name="KSO_WM_BEAUTIFY_FLAG" val="#wm#"/>
@@ -23765,12 +23863,12 @@
 </file>
 
 <file path=ppt/tags/tag88.xml><?xml version="1.0" encoding="utf-8"?>
-<p:tagLst xmlns:a="http://schemas.openxmlformats.org/drawingml/2006/main" xmlns:r="http://schemas.openxmlformats.org/officeDocument/2006/relationships" xmlns:p="http://schemas.openxmlformats.org/presentationml/2006/main">
+<p:tagLst xmlns:p="http://schemas.openxmlformats.org/presentationml/2006/main">
   <p:tag name="KSO_WM_UNIT_HIGHLIGHT" val="0"/>
   <p:tag name="KSO_WM_UNIT_COMPATIBLE" val="0"/>
   <p:tag name="KSO_WM_UNIT_DIAGRAM_ISNUMVISUAL" val="0"/>
   <p:tag name="KSO_WM_UNIT_DIAGRAM_ISREFERUNIT" val="0"/>
-  <p:tag name="KSO_WM_UNIT_ID" val="_3**"/>
+  <p:tag name="KSO_WM_UNIT_ID" val="_4**"/>
   <p:tag name="KSO_WM_UNIT_LAYERLEVEL" val="1"/>
   <p:tag name="KSO_WM_TAG_VERSION" val="1.0"/>
   <p:tag name="KSO_WM_BEAUTIFY_FLAG" val="#wm#"/>
@@ -23778,12 +23876,12 @@
 </file>
 
 <file path=ppt/tags/tag89.xml><?xml version="1.0" encoding="utf-8"?>
-<p:tagLst xmlns:a="http://schemas.openxmlformats.org/drawingml/2006/main" xmlns:r="http://schemas.openxmlformats.org/officeDocument/2006/relationships" xmlns:p="http://schemas.openxmlformats.org/presentationml/2006/main">
+<p:tagLst xmlns:p="http://schemas.openxmlformats.org/presentationml/2006/main">
   <p:tag name="KSO_WM_UNIT_HIGHLIGHT" val="0"/>
   <p:tag name="KSO_WM_UNIT_COMPATIBLE" val="0"/>
   <p:tag name="KSO_WM_UNIT_DIAGRAM_ISNUMVISUAL" val="0"/>
   <p:tag name="KSO_WM_UNIT_DIAGRAM_ISREFERUNIT" val="0"/>
-  <p:tag name="KSO_WM_UNIT_ID" val="_3**"/>
+  <p:tag name="KSO_WM_UNIT_ID" val="_4**"/>
   <p:tag name="KSO_WM_UNIT_LAYERLEVEL" val="1"/>
   <p:tag name="KSO_WM_TAG_VERSION" val="1.0"/>
   <p:tag name="KSO_WM_BEAUTIFY_FLAG" val="#wm#"/>
@@ -23791,7 +23889,7 @@
 </file>
 
 <file path=ppt/tags/tag9.xml><?xml version="1.0" encoding="utf-8"?>
-<p:tagLst xmlns:a="http://schemas.openxmlformats.org/drawingml/2006/main" xmlns:r="http://schemas.openxmlformats.org/officeDocument/2006/relationships" xmlns:p="http://schemas.openxmlformats.org/presentationml/2006/main">
+<p:tagLst xmlns:p="http://schemas.openxmlformats.org/presentationml/2006/main">
   <p:tag name="KSO_WM_UNIT_HIGHLIGHT" val="0"/>
   <p:tag name="KSO_WM_UNIT_COMPATIBLE" val="0"/>
   <p:tag name="KSO_WM_UNIT_DIAGRAM_ISNUMVISUAL" val="0"/>
@@ -23804,12 +23902,12 @@
 </file>
 
 <file path=ppt/tags/tag90.xml><?xml version="1.0" encoding="utf-8"?>
-<p:tagLst xmlns:a="http://schemas.openxmlformats.org/drawingml/2006/main" xmlns:r="http://schemas.openxmlformats.org/officeDocument/2006/relationships" xmlns:p="http://schemas.openxmlformats.org/presentationml/2006/main">
+<p:tagLst xmlns:p="http://schemas.openxmlformats.org/presentationml/2006/main">
   <p:tag name="KSO_WM_UNIT_HIGHLIGHT" val="0"/>
   <p:tag name="KSO_WM_UNIT_COMPATIBLE" val="0"/>
   <p:tag name="KSO_WM_UNIT_DIAGRAM_ISNUMVISUAL" val="0"/>
   <p:tag name="KSO_WM_UNIT_DIAGRAM_ISREFERUNIT" val="0"/>
-  <p:tag name="KSO_WM_UNIT_ID" val="_4**"/>
+  <p:tag name="KSO_WM_UNIT_ID" val="_5**"/>
   <p:tag name="KSO_WM_UNIT_LAYERLEVEL" val="1"/>
   <p:tag name="KSO_WM_TAG_VERSION" val="1.0"/>
   <p:tag name="KSO_WM_BEAUTIFY_FLAG" val="#wm#"/>
@@ -23817,12 +23915,12 @@
 </file>
 
 <file path=ppt/tags/tag91.xml><?xml version="1.0" encoding="utf-8"?>
-<p:tagLst xmlns:a="http://schemas.openxmlformats.org/drawingml/2006/main" xmlns:r="http://schemas.openxmlformats.org/officeDocument/2006/relationships" xmlns:p="http://schemas.openxmlformats.org/presentationml/2006/main">
+<p:tagLst xmlns:p="http://schemas.openxmlformats.org/presentationml/2006/main">
   <p:tag name="KSO_WM_UNIT_HIGHLIGHT" val="0"/>
   <p:tag name="KSO_WM_UNIT_COMPATIBLE" val="0"/>
   <p:tag name="KSO_WM_UNIT_DIAGRAM_ISNUMVISUAL" val="0"/>
   <p:tag name="KSO_WM_UNIT_DIAGRAM_ISREFERUNIT" val="0"/>
-  <p:tag name="KSO_WM_UNIT_ID" val="_4**"/>
+  <p:tag name="KSO_WM_UNIT_ID" val="_5**"/>
   <p:tag name="KSO_WM_UNIT_LAYERLEVEL" val="1"/>
   <p:tag name="KSO_WM_TAG_VERSION" val="1.0"/>
   <p:tag name="KSO_WM_BEAUTIFY_FLAG" val="#wm#"/>
@@ -23830,12 +23928,12 @@
 </file>
 
 <file path=ppt/tags/tag92.xml><?xml version="1.0" encoding="utf-8"?>
-<p:tagLst xmlns:a="http://schemas.openxmlformats.org/drawingml/2006/main" xmlns:r="http://schemas.openxmlformats.org/officeDocument/2006/relationships" xmlns:p="http://schemas.openxmlformats.org/presentationml/2006/main">
+<p:tagLst xmlns:p="http://schemas.openxmlformats.org/presentationml/2006/main">
   <p:tag name="KSO_WM_UNIT_HIGHLIGHT" val="0"/>
   <p:tag name="KSO_WM_UNIT_COMPATIBLE" val="0"/>
   <p:tag name="KSO_WM_UNIT_DIAGRAM_ISNUMVISUAL" val="0"/>
   <p:tag name="KSO_WM_UNIT_DIAGRAM_ISREFERUNIT" val="0"/>
-  <p:tag name="KSO_WM_UNIT_ID" val="_4**"/>
+  <p:tag name="KSO_WM_UNIT_ID" val="_5**"/>
   <p:tag name="KSO_WM_UNIT_LAYERLEVEL" val="1"/>
   <p:tag name="KSO_WM_TAG_VERSION" val="1.0"/>
   <p:tag name="KSO_WM_BEAUTIFY_FLAG" val="#wm#"/>
@@ -23843,12 +23941,12 @@
 </file>
 
 <file path=ppt/tags/tag93.xml><?xml version="1.0" encoding="utf-8"?>
-<p:tagLst xmlns:a="http://schemas.openxmlformats.org/drawingml/2006/main" xmlns:r="http://schemas.openxmlformats.org/officeDocument/2006/relationships" xmlns:p="http://schemas.openxmlformats.org/presentationml/2006/main">
+<p:tagLst xmlns:p="http://schemas.openxmlformats.org/presentationml/2006/main">
   <p:tag name="KSO_WM_UNIT_HIGHLIGHT" val="0"/>
   <p:tag name="KSO_WM_UNIT_COMPATIBLE" val="0"/>
   <p:tag name="KSO_WM_UNIT_DIAGRAM_ISNUMVISUAL" val="0"/>
   <p:tag name="KSO_WM_UNIT_DIAGRAM_ISREFERUNIT" val="0"/>
-  <p:tag name="KSO_WM_UNIT_ID" val="_4**"/>
+  <p:tag name="KSO_WM_UNIT_ID" val="_5**"/>
   <p:tag name="KSO_WM_UNIT_LAYERLEVEL" val="1"/>
   <p:tag name="KSO_WM_TAG_VERSION" val="1.0"/>
   <p:tag name="KSO_WM_BEAUTIFY_FLAG" val="#wm#"/>
@@ -23856,12 +23954,12 @@
 </file>
 
 <file path=ppt/tags/tag94.xml><?xml version="1.0" encoding="utf-8"?>
-<p:tagLst xmlns:a="http://schemas.openxmlformats.org/drawingml/2006/main" xmlns:r="http://schemas.openxmlformats.org/officeDocument/2006/relationships" xmlns:p="http://schemas.openxmlformats.org/presentationml/2006/main">
+<p:tagLst xmlns:p="http://schemas.openxmlformats.org/presentationml/2006/main">
   <p:tag name="KSO_WM_UNIT_HIGHLIGHT" val="0"/>
   <p:tag name="KSO_WM_UNIT_COMPATIBLE" val="0"/>
   <p:tag name="KSO_WM_UNIT_DIAGRAM_ISNUMVISUAL" val="0"/>
   <p:tag name="KSO_WM_UNIT_DIAGRAM_ISREFERUNIT" val="0"/>
-  <p:tag name="KSO_WM_UNIT_ID" val="_4**"/>
+  <p:tag name="KSO_WM_UNIT_ID" val="_5**"/>
   <p:tag name="KSO_WM_UNIT_LAYERLEVEL" val="1"/>
   <p:tag name="KSO_WM_TAG_VERSION" val="1.0"/>
   <p:tag name="KSO_WM_BEAUTIFY_FLAG" val="#wm#"/>
@@ -23869,12 +23967,12 @@
 </file>
 
 <file path=ppt/tags/tag95.xml><?xml version="1.0" encoding="utf-8"?>
-<p:tagLst xmlns:a="http://schemas.openxmlformats.org/drawingml/2006/main" xmlns:r="http://schemas.openxmlformats.org/officeDocument/2006/relationships" xmlns:p="http://schemas.openxmlformats.org/presentationml/2006/main">
+<p:tagLst xmlns:p="http://schemas.openxmlformats.org/presentationml/2006/main">
   <p:tag name="KSO_WM_UNIT_HIGHLIGHT" val="0"/>
   <p:tag name="KSO_WM_UNIT_COMPATIBLE" val="0"/>
   <p:tag name="KSO_WM_UNIT_DIAGRAM_ISNUMVISUAL" val="0"/>
   <p:tag name="KSO_WM_UNIT_DIAGRAM_ISREFERUNIT" val="0"/>
-  <p:tag name="KSO_WM_UNIT_ID" val="_4**"/>
+  <p:tag name="KSO_WM_UNIT_ID" val="_5**"/>
   <p:tag name="KSO_WM_UNIT_LAYERLEVEL" val="1"/>
   <p:tag name="KSO_WM_TAG_VERSION" val="1.0"/>
   <p:tag name="KSO_WM_BEAUTIFY_FLAG" val="#wm#"/>
@@ -23882,7 +23980,7 @@
 </file>
 
 <file path=ppt/tags/tag96.xml><?xml version="1.0" encoding="utf-8"?>
-<p:tagLst xmlns:a="http://schemas.openxmlformats.org/drawingml/2006/main" xmlns:r="http://schemas.openxmlformats.org/officeDocument/2006/relationships" xmlns:p="http://schemas.openxmlformats.org/presentationml/2006/main">
+<p:tagLst xmlns:p="http://schemas.openxmlformats.org/presentationml/2006/main">
   <p:tag name="KSO_WM_UNIT_HIGHLIGHT" val="0"/>
   <p:tag name="KSO_WM_UNIT_COMPATIBLE" val="0"/>
   <p:tag name="KSO_WM_UNIT_DIAGRAM_ISNUMVISUAL" val="0"/>
@@ -23895,7 +23993,7 @@
 </file>
 
 <file path=ppt/tags/tag97.xml><?xml version="1.0" encoding="utf-8"?>
-<p:tagLst xmlns:a="http://schemas.openxmlformats.org/drawingml/2006/main" xmlns:r="http://schemas.openxmlformats.org/officeDocument/2006/relationships" xmlns:p="http://schemas.openxmlformats.org/presentationml/2006/main">
+<p:tagLst xmlns:p="http://schemas.openxmlformats.org/presentationml/2006/main">
   <p:tag name="KSO_WM_UNIT_HIGHLIGHT" val="0"/>
   <p:tag name="KSO_WM_UNIT_COMPATIBLE" val="0"/>
   <p:tag name="KSO_WM_UNIT_DIAGRAM_ISNUMVISUAL" val="0"/>
@@ -23908,12 +24006,12 @@
 </file>
 
 <file path=ppt/tags/tag98.xml><?xml version="1.0" encoding="utf-8"?>
-<p:tagLst xmlns:a="http://schemas.openxmlformats.org/drawingml/2006/main" xmlns:r="http://schemas.openxmlformats.org/officeDocument/2006/relationships" xmlns:p="http://schemas.openxmlformats.org/presentationml/2006/main">
+<p:tagLst xmlns:p="http://schemas.openxmlformats.org/presentationml/2006/main">
   <p:tag name="KSO_WM_UNIT_HIGHLIGHT" val="0"/>
   <p:tag name="KSO_WM_UNIT_COMPATIBLE" val="0"/>
   <p:tag name="KSO_WM_UNIT_DIAGRAM_ISNUMVISUAL" val="0"/>
   <p:tag name="KSO_WM_UNIT_DIAGRAM_ISREFERUNIT" val="0"/>
-  <p:tag name="KSO_WM_UNIT_ID" val="_5**"/>
+  <p:tag name="KSO_WM_UNIT_ID" val="_6**"/>
   <p:tag name="KSO_WM_UNIT_LAYERLEVEL" val="1"/>
   <p:tag name="KSO_WM_TAG_VERSION" val="1.0"/>
   <p:tag name="KSO_WM_BEAUTIFY_FLAG" val="#wm#"/>
@@ -23921,12 +24019,12 @@
 </file>
 
 <file path=ppt/tags/tag99.xml><?xml version="1.0" encoding="utf-8"?>
-<p:tagLst xmlns:a="http://schemas.openxmlformats.org/drawingml/2006/main" xmlns:r="http://schemas.openxmlformats.org/officeDocument/2006/relationships" xmlns:p="http://schemas.openxmlformats.org/presentationml/2006/main">
+<p:tagLst xmlns:p="http://schemas.openxmlformats.org/presentationml/2006/main">
   <p:tag name="KSO_WM_UNIT_HIGHLIGHT" val="0"/>
   <p:tag name="KSO_WM_UNIT_COMPATIBLE" val="0"/>
   <p:tag name="KSO_WM_UNIT_DIAGRAM_ISNUMVISUAL" val="0"/>
   <p:tag name="KSO_WM_UNIT_DIAGRAM_ISREFERUNIT" val="0"/>
-  <p:tag name="KSO_WM_UNIT_ID" val="_5**"/>
+  <p:tag name="KSO_WM_UNIT_ID" val="_6**"/>
   <p:tag name="KSO_WM_UNIT_LAYERLEVEL" val="1"/>
   <p:tag name="KSO_WM_TAG_VERSION" val="1.0"/>
   <p:tag name="KSO_WM_BEAUTIFY_FLAG" val="#wm#"/>
@@ -24124,8 +24222,6 @@
       </a:bgFillStyleLst>
     </a:fmtScheme>
   </a:themeElements>
-  <a:objectDefaults/>
-  <a:extraClrSchemeLst/>
   <a:extLst>
     <a:ext uri="{05A4C25C-085E-4340-85A3-A5531E510DB2}">
       <thm15:themeFamily xmlns:thm15="http://schemas.microsoft.com/office/thememl/2012/main" name="Office Theme" id="{62F939B6-93AF-4DB8-9C6B-D6C7DFDC589F}" vid="{4A3C46E8-61CC-4603-A589-7422A47A8E4A}"/>
@@ -24385,8 +24481,6 @@
       </a:bgFillStyleLst>
     </a:fmtScheme>
   </a:themeElements>
-  <a:objectDefaults/>
-  <a:extraClrSchemeLst/>
   <a:extLst>
     <a:ext uri="{05A4C25C-085E-4340-85A3-A5531E510DB2}">
       <thm15:themeFamily xmlns:thm15="http://schemas.microsoft.com/office/thememl/2012/main" name="Office Theme" id="{62F939B6-93AF-4DB8-9C6B-D6C7DFDC589F}" vid="{4A3C46E8-61CC-4603-A589-7422A47A8E4A}"/>
@@ -24646,8 +24740,6 @@
       </a:bgFillStyleLst>
     </a:fmtScheme>
   </a:themeElements>
-  <a:objectDefaults/>
-  <a:extraClrSchemeLst/>
   <a:extLst>
     <a:ext uri="{05A4C25C-085E-4340-85A3-A5531E510DB2}">
       <thm15:themeFamily xmlns:thm15="http://schemas.microsoft.com/office/thememl/2012/main" name="Office Theme" id="{62F939B6-93AF-4DB8-9C6B-D6C7DFDC589F}" vid="{4A3C46E8-61CC-4603-A589-7422A47A8E4A}"/>

--- a/CG_final.pptx
+++ b/CG_final.pptx
@@ -5,40 +5,40 @@
     <p:sldMasterId id="2147483648" r:id="rId1"/>
   </p:sldMasterIdLst>
   <p:notesMasterIdLst>
-    <p:notesMasterId r:id="rId31"/>
+    <p:notesMasterId r:id="rId30"/>
   </p:notesMasterIdLst>
   <p:handoutMasterIdLst>
-    <p:handoutMasterId r:id="rId32"/>
+    <p:handoutMasterId r:id="rId31"/>
   </p:handoutMasterIdLst>
   <p:sldIdLst>
-    <p:sldId id="271" r:id="rId3"/>
-    <p:sldId id="301" r:id="rId4"/>
-    <p:sldId id="302" r:id="rId5"/>
-    <p:sldId id="272" r:id="rId6"/>
-    <p:sldId id="307" r:id="rId7"/>
-    <p:sldId id="303" r:id="rId8"/>
-    <p:sldId id="273" r:id="rId9"/>
-    <p:sldId id="277" r:id="rId10"/>
-    <p:sldId id="285" r:id="rId11"/>
-    <p:sldId id="278" r:id="rId12"/>
-    <p:sldId id="279" r:id="rId13"/>
-    <p:sldId id="286" r:id="rId14"/>
-    <p:sldId id="304" r:id="rId15"/>
-    <p:sldId id="306" r:id="rId16"/>
-    <p:sldId id="275" r:id="rId17"/>
-    <p:sldId id="281" r:id="rId18"/>
-    <p:sldId id="300" r:id="rId19"/>
-    <p:sldId id="280" r:id="rId20"/>
-    <p:sldId id="283" r:id="rId21"/>
-    <p:sldId id="284" r:id="rId22"/>
-    <p:sldId id="287" r:id="rId23"/>
-    <p:sldId id="288" r:id="rId24"/>
-    <p:sldId id="289" r:id="rId25"/>
-    <p:sldId id="290" r:id="rId26"/>
-    <p:sldId id="299" r:id="rId27"/>
-    <p:sldId id="305" r:id="rId28"/>
-    <p:sldId id="308" r:id="rId29"/>
-    <p:sldId id="309" r:id="rId30"/>
+    <p:sldId id="271" r:id="rId2"/>
+    <p:sldId id="301" r:id="rId3"/>
+    <p:sldId id="302" r:id="rId4"/>
+    <p:sldId id="272" r:id="rId5"/>
+    <p:sldId id="307" r:id="rId6"/>
+    <p:sldId id="303" r:id="rId7"/>
+    <p:sldId id="273" r:id="rId8"/>
+    <p:sldId id="277" r:id="rId9"/>
+    <p:sldId id="285" r:id="rId10"/>
+    <p:sldId id="278" r:id="rId11"/>
+    <p:sldId id="279" r:id="rId12"/>
+    <p:sldId id="286" r:id="rId13"/>
+    <p:sldId id="304" r:id="rId14"/>
+    <p:sldId id="306" r:id="rId15"/>
+    <p:sldId id="275" r:id="rId16"/>
+    <p:sldId id="281" r:id="rId17"/>
+    <p:sldId id="300" r:id="rId18"/>
+    <p:sldId id="280" r:id="rId19"/>
+    <p:sldId id="283" r:id="rId20"/>
+    <p:sldId id="284" r:id="rId21"/>
+    <p:sldId id="287" r:id="rId22"/>
+    <p:sldId id="288" r:id="rId23"/>
+    <p:sldId id="289" r:id="rId24"/>
+    <p:sldId id="290" r:id="rId25"/>
+    <p:sldId id="299" r:id="rId26"/>
+    <p:sldId id="305" r:id="rId27"/>
+    <p:sldId id="308" r:id="rId28"/>
+    <p:sldId id="309" r:id="rId29"/>
   </p:sldIdLst>
   <p:sldSz cx="12192000" cy="6858000"/>
   <p:notesSz cx="6858000" cy="9144000"/>
@@ -137,6 +137,11 @@
       </a:defRPr>
     </a:lvl9pPr>
   </p:defaultTextStyle>
+  <p:extLst>
+    <p:ext uri="{EFAFB233-063F-42B5-8137-9DF3F51BA10A}">
+      <p15:sldGuideLst xmlns:p15="http://schemas.microsoft.com/office/powerpoint/2012/main"/>
+    </p:ext>
+  </p:extLst>
 </p:presentation>
 </file>
 
@@ -228,6 +233,7 @@
                 <a:latin typeface="微软雅黑" panose="020B0503020204020204" charset="-122"/>
                 <a:ea typeface="微软雅黑" panose="020B0503020204020204" charset="-122"/>
               </a:rPr>
+              <a:t>2019/6/23</a:t>
             </a:fld>
             <a:endParaRPr lang="zh-CN" altLang="en-US">
               <a:latin typeface="微软雅黑" panose="020B0503020204020204" charset="-122"/>
@@ -302,6 +308,7 @@
                 <a:latin typeface="微软雅黑" panose="020B0503020204020204" charset="-122"/>
                 <a:ea typeface="微软雅黑" panose="020B0503020204020204" charset="-122"/>
               </a:rPr>
+              <a:t>‹#›</a:t>
             </a:fld>
             <a:endParaRPr lang="zh-CN" altLang="en-US">
               <a:latin typeface="微软雅黑" panose="020B0503020204020204" charset="-122"/>
@@ -404,6 +411,7 @@
           <a:p>
             <a:fld id="{1AC49D05-6128-4D0D-A32A-06A5E73B386C}" type="datetimeFigureOut">
               <a:rPr lang="zh-CN" altLang="en-US" smtClean="0"/>
+              <a:t>2019/6/23</a:t>
             </a:fld>
             <a:endParaRPr lang="zh-CN" altLang="en-US"/>
           </a:p>
@@ -470,7 +478,6 @@
               <a:rPr lang="zh-CN" altLang="en-US"/>
               <a:t>单击此处编辑母版文本样式</a:t>
             </a:r>
-            <a:endParaRPr lang="zh-CN" altLang="en-US"/>
           </a:p>
           <a:p>
             <a:pPr lvl="1"/>
@@ -478,7 +485,6 @@
               <a:rPr lang="zh-CN" altLang="en-US"/>
               <a:t>第二级</a:t>
             </a:r>
-            <a:endParaRPr lang="zh-CN" altLang="en-US"/>
           </a:p>
           <a:p>
             <a:pPr lvl="2"/>
@@ -486,7 +492,6 @@
               <a:rPr lang="zh-CN" altLang="en-US"/>
               <a:t>第三级</a:t>
             </a:r>
-            <a:endParaRPr lang="zh-CN" altLang="en-US"/>
           </a:p>
           <a:p>
             <a:pPr lvl="3"/>
@@ -494,7 +499,6 @@
               <a:rPr lang="zh-CN" altLang="en-US"/>
               <a:t>第四级</a:t>
             </a:r>
-            <a:endParaRPr lang="zh-CN" altLang="en-US"/>
           </a:p>
           <a:p>
             <a:pPr lvl="4"/>
@@ -502,7 +506,6 @@
               <a:rPr lang="zh-CN" altLang="en-US"/>
               <a:t>第五级</a:t>
             </a:r>
-            <a:endParaRPr lang="zh-CN" altLang="en-US"/>
           </a:p>
         </p:txBody>
       </p:sp>
@@ -572,6 +575,7 @@
           <a:p>
             <a:fld id="{5849F42C-2DAE-424C-A4B8-3140182C3E9F}" type="slidenum">
               <a:rPr lang="zh-CN" altLang="en-US" smtClean="0"/>
+              <a:t>‹#›</a:t>
             </a:fld>
             <a:endParaRPr lang="zh-CN" altLang="en-US"/>
           </a:p>
@@ -698,7 +702,7 @@
           <p:cNvGrpSpPr/>
           <p:nvPr>
             <p:custDataLst>
-              <p:tags r:id="rId2"/>
+              <p:tags r:id="rId1"/>
             </p:custDataLst>
           </p:nvPr>
         </p:nvGrpSpPr>
@@ -718,12 +722,12 @@
             </p:cNvPicPr>
             <p:nvPr>
               <p:custDataLst>
-                <p:tags r:id="rId3"/>
+                <p:tags r:id="rId24"/>
               </p:custDataLst>
             </p:nvPr>
           </p:nvPicPr>
           <p:blipFill>
-            <a:blip r:embed="rId4" cstate="screen"/>
+            <a:blip r:embed="rId35" cstate="screen"/>
             <a:srcRect/>
             <a:stretch>
               <a:fillRect/>
@@ -790,12 +794,12 @@
             </p:cNvPicPr>
             <p:nvPr>
               <p:custDataLst>
-                <p:tags r:id="rId5"/>
+                <p:tags r:id="rId25"/>
               </p:custDataLst>
             </p:nvPr>
           </p:nvPicPr>
           <p:blipFill>
-            <a:blip r:embed="rId6" cstate="screen"/>
+            <a:blip r:embed="rId36" cstate="screen"/>
             <a:srcRect/>
             <a:stretch>
               <a:fillRect/>
@@ -862,12 +866,12 @@
             </p:cNvPicPr>
             <p:nvPr>
               <p:custDataLst>
-                <p:tags r:id="rId7"/>
+                <p:tags r:id="rId26"/>
               </p:custDataLst>
             </p:nvPr>
           </p:nvPicPr>
           <p:blipFill>
-            <a:blip r:embed="rId8" cstate="screen"/>
+            <a:blip r:embed="rId37" cstate="screen"/>
             <a:srcRect/>
             <a:stretch>
               <a:fillRect/>
@@ -934,12 +938,12 @@
             </p:cNvPicPr>
             <p:nvPr>
               <p:custDataLst>
-                <p:tags r:id="rId9"/>
+                <p:tags r:id="rId27"/>
               </p:custDataLst>
             </p:nvPr>
           </p:nvPicPr>
           <p:blipFill>
-            <a:blip r:embed="rId10" cstate="screen"/>
+            <a:blip r:embed="rId38" cstate="screen"/>
             <a:srcRect/>
             <a:stretch>
               <a:fillRect/>
@@ -1006,12 +1010,12 @@
             </p:cNvPicPr>
             <p:nvPr>
               <p:custDataLst>
-                <p:tags r:id="rId11"/>
+                <p:tags r:id="rId28"/>
               </p:custDataLst>
             </p:nvPr>
           </p:nvPicPr>
           <p:blipFill>
-            <a:blip r:embed="rId12" cstate="screen"/>
+            <a:blip r:embed="rId39" cstate="screen"/>
             <a:srcRect/>
             <a:stretch>
               <a:fillRect/>
@@ -1078,12 +1082,12 @@
             </p:cNvPicPr>
             <p:nvPr>
               <p:custDataLst>
-                <p:tags r:id="rId13"/>
+                <p:tags r:id="rId29"/>
               </p:custDataLst>
             </p:nvPr>
           </p:nvPicPr>
           <p:blipFill>
-            <a:blip r:embed="rId14" cstate="screen"/>
+            <a:blip r:embed="rId40" cstate="screen"/>
             <a:srcRect/>
             <a:stretch>
               <a:fillRect/>
@@ -1150,12 +1154,12 @@
             </p:cNvPicPr>
             <p:nvPr>
               <p:custDataLst>
-                <p:tags r:id="rId15"/>
+                <p:tags r:id="rId30"/>
               </p:custDataLst>
             </p:nvPr>
           </p:nvPicPr>
           <p:blipFill>
-            <a:blip r:embed="rId16" cstate="screen"/>
+            <a:blip r:embed="rId41" cstate="screen"/>
             <a:srcRect/>
             <a:stretch>
               <a:fillRect/>
@@ -1222,12 +1226,12 @@
             </p:cNvPicPr>
             <p:nvPr>
               <p:custDataLst>
-                <p:tags r:id="rId17"/>
+                <p:tags r:id="rId31"/>
               </p:custDataLst>
             </p:nvPr>
           </p:nvPicPr>
           <p:blipFill>
-            <a:blip r:embed="rId18" cstate="screen"/>
+            <a:blip r:embed="rId42" cstate="screen"/>
             <a:srcRect/>
             <a:stretch>
               <a:fillRect/>
@@ -1294,12 +1298,12 @@
             </p:cNvPicPr>
             <p:nvPr>
               <p:custDataLst>
-                <p:tags r:id="rId19"/>
+                <p:tags r:id="rId32"/>
               </p:custDataLst>
             </p:nvPr>
           </p:nvPicPr>
           <p:blipFill>
-            <a:blip r:embed="rId20" cstate="screen"/>
+            <a:blip r:embed="rId43" cstate="screen"/>
             <a:srcRect/>
             <a:stretch>
               <a:fillRect/>
@@ -1366,12 +1370,12 @@
             </p:cNvPicPr>
             <p:nvPr>
               <p:custDataLst>
-                <p:tags r:id="rId21"/>
+                <p:tags r:id="rId33"/>
               </p:custDataLst>
             </p:nvPr>
           </p:nvPicPr>
           <p:blipFill>
-            <a:blip r:embed="rId22" cstate="screen"/>
+            <a:blip r:embed="rId44" cstate="screen"/>
             <a:srcRect/>
             <a:stretch>
               <a:fillRect/>
@@ -1437,7 +1441,7 @@
           <p:cNvGrpSpPr/>
           <p:nvPr>
             <p:custDataLst>
-              <p:tags r:id="rId23"/>
+              <p:tags r:id="rId2"/>
             </p:custDataLst>
           </p:nvPr>
         </p:nvGrpSpPr>
@@ -1457,12 +1461,12 @@
             </p:cNvPicPr>
             <p:nvPr>
               <p:custDataLst>
-                <p:tags r:id="rId24"/>
+                <p:tags r:id="rId9"/>
               </p:custDataLst>
             </p:nvPr>
           </p:nvPicPr>
           <p:blipFill>
-            <a:blip r:embed="rId25" cstate="screen"/>
+            <a:blip r:embed="rId45" cstate="screen"/>
             <a:srcRect/>
             <a:stretch>
               <a:fillRect/>
@@ -1529,12 +1533,12 @@
             </p:cNvPicPr>
             <p:nvPr>
               <p:custDataLst>
-                <p:tags r:id="rId26"/>
+                <p:tags r:id="rId10"/>
               </p:custDataLst>
             </p:nvPr>
           </p:nvPicPr>
           <p:blipFill>
-            <a:blip r:embed="rId27" cstate="screen"/>
+            <a:blip r:embed="rId46" cstate="screen"/>
             <a:srcRect/>
             <a:stretch>
               <a:fillRect/>
@@ -1601,12 +1605,12 @@
             </p:cNvPicPr>
             <p:nvPr>
               <p:custDataLst>
-                <p:tags r:id="rId28"/>
+                <p:tags r:id="rId11"/>
               </p:custDataLst>
             </p:nvPr>
           </p:nvPicPr>
           <p:blipFill>
-            <a:blip r:embed="rId29" cstate="screen"/>
+            <a:blip r:embed="rId47" cstate="screen"/>
             <a:srcRect/>
             <a:stretch>
               <a:fillRect/>
@@ -1673,12 +1677,12 @@
             </p:cNvPicPr>
             <p:nvPr>
               <p:custDataLst>
-                <p:tags r:id="rId30"/>
+                <p:tags r:id="rId12"/>
               </p:custDataLst>
             </p:nvPr>
           </p:nvPicPr>
           <p:blipFill>
-            <a:blip r:embed="rId31" cstate="screen"/>
+            <a:blip r:embed="rId48" cstate="screen"/>
             <a:srcRect/>
             <a:stretch>
               <a:fillRect/>
@@ -1745,12 +1749,12 @@
             </p:cNvPicPr>
             <p:nvPr>
               <p:custDataLst>
-                <p:tags r:id="rId32"/>
+                <p:tags r:id="rId13"/>
               </p:custDataLst>
             </p:nvPr>
           </p:nvPicPr>
           <p:blipFill>
-            <a:blip r:embed="rId33" cstate="screen"/>
+            <a:blip r:embed="rId49" cstate="screen"/>
             <a:srcRect/>
             <a:stretch>
               <a:fillRect/>
@@ -1833,12 +1837,12 @@
             </p:cNvPicPr>
             <p:nvPr>
               <p:custDataLst>
-                <p:tags r:id="rId34"/>
+                <p:tags r:id="rId14"/>
               </p:custDataLst>
             </p:nvPr>
           </p:nvPicPr>
           <p:blipFill>
-            <a:blip r:embed="rId35" cstate="screen"/>
+            <a:blip r:embed="rId50" cstate="screen"/>
             <a:srcRect/>
             <a:stretch>
               <a:fillRect/>
@@ -1921,12 +1925,12 @@
             </p:cNvPicPr>
             <p:nvPr>
               <p:custDataLst>
-                <p:tags r:id="rId36"/>
+                <p:tags r:id="rId15"/>
               </p:custDataLst>
             </p:nvPr>
           </p:nvPicPr>
           <p:blipFill>
-            <a:blip r:embed="rId37" cstate="screen"/>
+            <a:blip r:embed="rId51" cstate="screen"/>
             <a:srcRect/>
             <a:stretch>
               <a:fillRect/>
@@ -2025,12 +2029,12 @@
             </p:cNvPicPr>
             <p:nvPr>
               <p:custDataLst>
-                <p:tags r:id="rId38"/>
+                <p:tags r:id="rId16"/>
               </p:custDataLst>
             </p:nvPr>
           </p:nvPicPr>
           <p:blipFill>
-            <a:blip r:embed="rId39" cstate="screen"/>
+            <a:blip r:embed="rId52" cstate="screen"/>
             <a:srcRect/>
             <a:stretch>
               <a:fillRect/>
@@ -2097,12 +2101,12 @@
             </p:cNvPicPr>
             <p:nvPr>
               <p:custDataLst>
-                <p:tags r:id="rId40"/>
+                <p:tags r:id="rId17"/>
               </p:custDataLst>
             </p:nvPr>
           </p:nvPicPr>
           <p:blipFill>
-            <a:blip r:embed="rId41" cstate="screen"/>
+            <a:blip r:embed="rId53" cstate="screen"/>
             <a:srcRect/>
             <a:stretch>
               <a:fillRect/>
@@ -2169,12 +2173,12 @@
             </p:cNvPicPr>
             <p:nvPr>
               <p:custDataLst>
-                <p:tags r:id="rId42"/>
+                <p:tags r:id="rId18"/>
               </p:custDataLst>
             </p:nvPr>
           </p:nvPicPr>
           <p:blipFill>
-            <a:blip r:embed="rId43" cstate="screen"/>
+            <a:blip r:embed="rId54" cstate="screen"/>
             <a:srcRect/>
             <a:stretch>
               <a:fillRect/>
@@ -2241,12 +2245,12 @@
             </p:cNvPicPr>
             <p:nvPr>
               <p:custDataLst>
-                <p:tags r:id="rId44"/>
+                <p:tags r:id="rId19"/>
               </p:custDataLst>
             </p:nvPr>
           </p:nvPicPr>
           <p:blipFill>
-            <a:blip r:embed="rId45" cstate="screen"/>
+            <a:blip r:embed="rId55" cstate="screen"/>
             <a:srcRect/>
             <a:stretch>
               <a:fillRect/>
@@ -2313,12 +2317,12 @@
             </p:cNvPicPr>
             <p:nvPr>
               <p:custDataLst>
-                <p:tags r:id="rId46"/>
+                <p:tags r:id="rId20"/>
               </p:custDataLst>
             </p:nvPr>
           </p:nvPicPr>
           <p:blipFill>
-            <a:blip r:embed="rId47" cstate="screen"/>
+            <a:blip r:embed="rId56" cstate="screen"/>
             <a:srcRect/>
             <a:stretch>
               <a:fillRect/>
@@ -2385,12 +2389,12 @@
             </p:cNvPicPr>
             <p:nvPr>
               <p:custDataLst>
-                <p:tags r:id="rId48"/>
+                <p:tags r:id="rId21"/>
               </p:custDataLst>
             </p:nvPr>
           </p:nvPicPr>
           <p:blipFill>
-            <a:blip r:embed="rId49" cstate="screen"/>
+            <a:blip r:embed="rId57" cstate="screen"/>
             <a:srcRect/>
             <a:stretch>
               <a:fillRect/>
@@ -2457,12 +2461,12 @@
             </p:cNvPicPr>
             <p:nvPr>
               <p:custDataLst>
-                <p:tags r:id="rId50"/>
+                <p:tags r:id="rId22"/>
               </p:custDataLst>
             </p:nvPr>
           </p:nvPicPr>
           <p:blipFill>
-            <a:blip r:embed="rId51" cstate="screen"/>
+            <a:blip r:embed="rId58" cstate="screen"/>
             <a:srcRect/>
             <a:stretch>
               <a:fillRect/>
@@ -2529,12 +2533,12 @@
             </p:cNvPicPr>
             <p:nvPr>
               <p:custDataLst>
-                <p:tags r:id="rId52"/>
+                <p:tags r:id="rId23"/>
               </p:custDataLst>
             </p:nvPr>
           </p:nvPicPr>
           <p:blipFill>
-            <a:blip r:embed="rId53" cstate="screen"/>
+            <a:blip r:embed="rId59" cstate="screen"/>
             <a:srcRect/>
             <a:stretch>
               <a:fillRect/>
@@ -2603,7 +2607,7 @@
           <p:nvPr>
             <p:ph type="dt" sz="half" idx="10"/>
             <p:custDataLst>
-              <p:tags r:id="rId54"/>
+              <p:tags r:id="rId3"/>
             </p:custDataLst>
           </p:nvPr>
         </p:nvSpPr>
@@ -2614,6 +2618,7 @@
           <a:p>
             <a:fld id="{760FBDFE-C587-4B4C-A407-44438C67B59E}" type="datetimeFigureOut">
               <a:rPr lang="zh-CN" altLang="en-US" smtClean="0"/>
+              <a:t>2019/6/23</a:t>
             </a:fld>
             <a:endParaRPr lang="zh-CN" altLang="en-US"/>
           </a:p>
@@ -2628,7 +2633,7 @@
           <p:nvPr>
             <p:ph type="ftr" sz="quarter" idx="11"/>
             <p:custDataLst>
-              <p:tags r:id="rId55"/>
+              <p:tags r:id="rId4"/>
             </p:custDataLst>
           </p:nvPr>
         </p:nvSpPr>
@@ -2650,7 +2655,7 @@
           <p:nvPr>
             <p:ph type="sldNum" sz="quarter" idx="12"/>
             <p:custDataLst>
-              <p:tags r:id="rId56"/>
+              <p:tags r:id="rId5"/>
             </p:custDataLst>
           </p:nvPr>
         </p:nvSpPr>
@@ -2661,6 +2666,7 @@
           <a:p>
             <a:fld id="{49AE70B2-8BF9-45C0-BB95-33D1B9D3A854}" type="slidenum">
               <a:rPr lang="zh-CN" altLang="en-US" smtClean="0"/>
+              <a:t>‹#›</a:t>
             </a:fld>
             <a:endParaRPr lang="zh-CN" altLang="en-US" dirty="0"/>
           </a:p>
@@ -2672,7 +2678,7 @@
           <p:cNvCxnSpPr/>
           <p:nvPr>
             <p:custDataLst>
-              <p:tags r:id="rId57"/>
+              <p:tags r:id="rId6"/>
             </p:custDataLst>
           </p:nvPr>
         </p:nvCxnSpPr>
@@ -2714,7 +2720,7 @@
           <p:nvPr>
             <p:ph type="ctrTitle" hasCustomPrompt="1"/>
             <p:custDataLst>
-              <p:tags r:id="rId58"/>
+              <p:tags r:id="rId7"/>
             </p:custDataLst>
           </p:nvPr>
         </p:nvSpPr>
@@ -2745,7 +2751,6 @@
               <a:rPr lang="zh-CN" altLang="en-US" dirty="0"/>
               <a:t>编辑标题</a:t>
             </a:r>
-            <a:endParaRPr lang="zh-CN" altLang="en-US" dirty="0"/>
           </a:p>
         </p:txBody>
       </p:sp>
@@ -2758,7 +2763,7 @@
           <p:nvPr>
             <p:ph type="body" sz="quarter" idx="13" hasCustomPrompt="1"/>
             <p:custDataLst>
-              <p:tags r:id="rId59"/>
+              <p:tags r:id="rId8"/>
             </p:custDataLst>
           </p:nvPr>
         </p:nvSpPr>
@@ -2790,7 +2795,6 @@
               <a:rPr lang="zh-CN" altLang="en-US" dirty="0"/>
               <a:t>编辑文本</a:t>
             </a:r>
-            <a:endParaRPr lang="zh-CN" altLang="en-US" dirty="0"/>
           </a:p>
         </p:txBody>
       </p:sp>
@@ -2799,13 +2803,13 @@
   <p:clrMapOvr>
     <a:masterClrMapping/>
   </p:clrMapOvr>
-  <mc:AlternateContent xmlns:mc="http://schemas.openxmlformats.org/markup-compatibility/2006">
-    <mc:Choice xmlns:p14="http://schemas.microsoft.com/office/powerpoint/2010/main" Requires="p14">
+  <mc:AlternateContent xmlns:mc="http://schemas.openxmlformats.org/markup-compatibility/2006" xmlns:p14="http://schemas.microsoft.com/office/powerpoint/2010/main">
+    <mc:Choice Requires="p14">
       <p:transition spd="med" p14:dur="700">
         <p:fade/>
       </p:transition>
     </mc:Choice>
-    <mc:Fallback>
+    <mc:Fallback xmlns="">
       <p:transition spd="med">
         <p:fade/>
       </p:transition>
@@ -2840,7 +2844,7 @@
           <p:nvPr>
             <p:ph type="dt" sz="half" idx="10"/>
             <p:custDataLst>
-              <p:tags r:id="rId2"/>
+              <p:tags r:id="rId1"/>
             </p:custDataLst>
           </p:nvPr>
         </p:nvSpPr>
@@ -2851,6 +2855,7 @@
           <a:p>
             <a:fld id="{760FBDFE-C587-4B4C-A407-44438C67B59E}" type="datetimeFigureOut">
               <a:rPr lang="zh-CN" altLang="en-US" smtClean="0"/>
+              <a:t>2019/6/23</a:t>
             </a:fld>
             <a:endParaRPr lang="zh-CN" altLang="en-US"/>
           </a:p>
@@ -2865,7 +2870,7 @@
           <p:nvPr>
             <p:ph type="ftr" sz="quarter" idx="11"/>
             <p:custDataLst>
-              <p:tags r:id="rId3"/>
+              <p:tags r:id="rId2"/>
             </p:custDataLst>
           </p:nvPr>
         </p:nvSpPr>
@@ -2887,7 +2892,7 @@
           <p:nvPr>
             <p:ph type="sldNum" sz="quarter" idx="12"/>
             <p:custDataLst>
-              <p:tags r:id="rId4"/>
+              <p:tags r:id="rId3"/>
             </p:custDataLst>
           </p:nvPr>
         </p:nvSpPr>
@@ -2898,6 +2903,7 @@
           <a:p>
             <a:fld id="{49AE70B2-8BF9-45C0-BB95-33D1B9D3A854}" type="slidenum">
               <a:rPr lang="zh-CN" altLang="en-US" smtClean="0"/>
+              <a:t>‹#›</a:t>
             </a:fld>
             <a:endParaRPr lang="zh-CN" altLang="en-US"/>
           </a:p>
@@ -2912,7 +2918,7 @@
           <p:nvPr>
             <p:ph sz="quarter" idx="13"/>
             <p:custDataLst>
-              <p:tags r:id="rId5"/>
+              <p:tags r:id="rId4"/>
             </p:custDataLst>
           </p:nvPr>
         </p:nvSpPr>
@@ -2931,7 +2937,6 @@
               <a:rPr lang="zh-CN" altLang="en-US" dirty="0"/>
               <a:t>单击此处编辑母版文本样式</a:t>
             </a:r>
-            <a:endParaRPr lang="zh-CN" altLang="en-US" dirty="0"/>
           </a:p>
           <a:p>
             <a:pPr lvl="1"/>
@@ -2939,7 +2944,6 @@
               <a:rPr lang="zh-CN" altLang="en-US" dirty="0"/>
               <a:t>第二级</a:t>
             </a:r>
-            <a:endParaRPr lang="zh-CN" altLang="en-US" dirty="0"/>
           </a:p>
           <a:p>
             <a:pPr lvl="2"/>
@@ -2947,7 +2951,6 @@
               <a:rPr lang="zh-CN" altLang="en-US" dirty="0"/>
               <a:t>第三级</a:t>
             </a:r>
-            <a:endParaRPr lang="zh-CN" altLang="en-US" dirty="0"/>
           </a:p>
           <a:p>
             <a:pPr lvl="3"/>
@@ -2955,7 +2958,6 @@
               <a:rPr lang="zh-CN" altLang="en-US" dirty="0"/>
               <a:t>第四级</a:t>
             </a:r>
-            <a:endParaRPr lang="zh-CN" altLang="en-US" dirty="0"/>
           </a:p>
           <a:p>
             <a:pPr lvl="4"/>
@@ -2963,7 +2965,6 @@
               <a:rPr lang="zh-CN" altLang="en-US" dirty="0"/>
               <a:t>第五级</a:t>
             </a:r>
-            <a:endParaRPr lang="zh-CN" altLang="en-US" dirty="0"/>
           </a:p>
         </p:txBody>
       </p:sp>
@@ -2972,13 +2973,13 @@
   <p:clrMapOvr>
     <a:masterClrMapping/>
   </p:clrMapOvr>
-  <mc:AlternateContent xmlns:mc="http://schemas.openxmlformats.org/markup-compatibility/2006">
-    <mc:Choice xmlns:p14="http://schemas.microsoft.com/office/powerpoint/2010/main" Requires="p14">
+  <mc:AlternateContent xmlns:mc="http://schemas.openxmlformats.org/markup-compatibility/2006" xmlns:p14="http://schemas.microsoft.com/office/powerpoint/2010/main">
+    <mc:Choice Requires="p14">
       <p:transition spd="med" p14:dur="700">
         <p:fade/>
       </p:transition>
     </mc:Choice>
-    <mc:Fallback>
+    <mc:Fallback xmlns="">
       <p:transition spd="med">
         <p:fade/>
       </p:transition>
@@ -3010,7 +3011,7 @@
           <p:cNvSpPr/>
           <p:nvPr>
             <p:custDataLst>
-              <p:tags r:id="rId2"/>
+              <p:tags r:id="rId1"/>
             </p:custDataLst>
           </p:nvPr>
         </p:nvSpPr>
@@ -3148,7 +3149,7 @@
           <p:cNvSpPr/>
           <p:nvPr>
             <p:custDataLst>
-              <p:tags r:id="rId3"/>
+              <p:tags r:id="rId2"/>
             </p:custDataLst>
           </p:nvPr>
         </p:nvSpPr>
@@ -3286,7 +3287,7 @@
           <p:cNvSpPr/>
           <p:nvPr>
             <p:custDataLst>
-              <p:tags r:id="rId4"/>
+              <p:tags r:id="rId3"/>
             </p:custDataLst>
           </p:nvPr>
         </p:nvSpPr>
@@ -3424,7 +3425,7 @@
           <p:cNvSpPr/>
           <p:nvPr>
             <p:custDataLst>
-              <p:tags r:id="rId5"/>
+              <p:tags r:id="rId4"/>
             </p:custDataLst>
           </p:nvPr>
         </p:nvSpPr>
@@ -3562,7 +3563,7 @@
           <p:cNvSpPr/>
           <p:nvPr>
             <p:custDataLst>
-              <p:tags r:id="rId6"/>
+              <p:tags r:id="rId5"/>
             </p:custDataLst>
           </p:nvPr>
         </p:nvSpPr>
@@ -3700,7 +3701,7 @@
           <p:cNvSpPr/>
           <p:nvPr>
             <p:custDataLst>
-              <p:tags r:id="rId7"/>
+              <p:tags r:id="rId6"/>
             </p:custDataLst>
           </p:nvPr>
         </p:nvSpPr>
@@ -3838,7 +3839,7 @@
           <p:cNvSpPr/>
           <p:nvPr>
             <p:custDataLst>
-              <p:tags r:id="rId8"/>
+              <p:tags r:id="rId7"/>
             </p:custDataLst>
           </p:nvPr>
         </p:nvSpPr>
@@ -3976,7 +3977,7 @@
           <p:cNvSpPr/>
           <p:nvPr>
             <p:custDataLst>
-              <p:tags r:id="rId9"/>
+              <p:tags r:id="rId8"/>
             </p:custDataLst>
           </p:nvPr>
         </p:nvSpPr>
@@ -4114,7 +4115,7 @@
           <p:cNvSpPr/>
           <p:nvPr>
             <p:custDataLst>
-              <p:tags r:id="rId10"/>
+              <p:tags r:id="rId9"/>
             </p:custDataLst>
           </p:nvPr>
         </p:nvSpPr>
@@ -4252,7 +4253,7 @@
           <p:cNvSpPr/>
           <p:nvPr>
             <p:custDataLst>
-              <p:tags r:id="rId11"/>
+              <p:tags r:id="rId10"/>
             </p:custDataLst>
           </p:nvPr>
         </p:nvSpPr>
@@ -4390,7 +4391,7 @@
           <p:cNvSpPr/>
           <p:nvPr>
             <p:custDataLst>
-              <p:tags r:id="rId12"/>
+              <p:tags r:id="rId11"/>
             </p:custDataLst>
           </p:nvPr>
         </p:nvSpPr>
@@ -4528,7 +4529,7 @@
           <p:cNvSpPr/>
           <p:nvPr>
             <p:custDataLst>
-              <p:tags r:id="rId13"/>
+              <p:tags r:id="rId12"/>
             </p:custDataLst>
           </p:nvPr>
         </p:nvSpPr>
@@ -4666,7 +4667,7 @@
           <p:cNvSpPr/>
           <p:nvPr>
             <p:custDataLst>
-              <p:tags r:id="rId14"/>
+              <p:tags r:id="rId13"/>
             </p:custDataLst>
           </p:nvPr>
         </p:nvSpPr>
@@ -4814,7 +4815,7 @@
           <p:cNvSpPr/>
           <p:nvPr>
             <p:custDataLst>
-              <p:tags r:id="rId15"/>
+              <p:tags r:id="rId14"/>
             </p:custDataLst>
           </p:nvPr>
         </p:nvSpPr>
@@ -4962,7 +4963,7 @@
           <p:cNvSpPr/>
           <p:nvPr>
             <p:custDataLst>
-              <p:tags r:id="rId16"/>
+              <p:tags r:id="rId15"/>
             </p:custDataLst>
           </p:nvPr>
         </p:nvSpPr>
@@ -5118,7 +5119,7 @@
           <p:cNvSpPr/>
           <p:nvPr>
             <p:custDataLst>
-              <p:tags r:id="rId17"/>
+              <p:tags r:id="rId16"/>
             </p:custDataLst>
           </p:nvPr>
         </p:nvSpPr>
@@ -5274,7 +5275,7 @@
           <p:cNvSpPr/>
           <p:nvPr>
             <p:custDataLst>
-              <p:tags r:id="rId18"/>
+              <p:tags r:id="rId17"/>
             </p:custDataLst>
           </p:nvPr>
         </p:nvSpPr>
@@ -5421,7 +5422,7 @@
           <p:cNvSpPr/>
           <p:nvPr>
             <p:custDataLst>
-              <p:tags r:id="rId19"/>
+              <p:tags r:id="rId18"/>
             </p:custDataLst>
           </p:nvPr>
         </p:nvSpPr>
@@ -5568,7 +5569,7 @@
           <p:cNvSpPr/>
           <p:nvPr>
             <p:custDataLst>
-              <p:tags r:id="rId20"/>
+              <p:tags r:id="rId19"/>
             </p:custDataLst>
           </p:nvPr>
         </p:nvSpPr>
@@ -5715,7 +5716,7 @@
           <p:cNvSpPr/>
           <p:nvPr>
             <p:custDataLst>
-              <p:tags r:id="rId21"/>
+              <p:tags r:id="rId20"/>
             </p:custDataLst>
           </p:nvPr>
         </p:nvSpPr>
@@ -5862,7 +5863,7 @@
           <p:cNvSpPr/>
           <p:nvPr>
             <p:custDataLst>
-              <p:tags r:id="rId22"/>
+              <p:tags r:id="rId21"/>
             </p:custDataLst>
           </p:nvPr>
         </p:nvSpPr>
@@ -6009,7 +6010,7 @@
           <p:cNvSpPr/>
           <p:nvPr>
             <p:custDataLst>
-              <p:tags r:id="rId23"/>
+              <p:tags r:id="rId22"/>
             </p:custDataLst>
           </p:nvPr>
         </p:nvSpPr>
@@ -6148,7 +6149,7 @@
           <p:cNvSpPr/>
           <p:nvPr>
             <p:custDataLst>
-              <p:tags r:id="rId24"/>
+              <p:tags r:id="rId23"/>
             </p:custDataLst>
           </p:nvPr>
         </p:nvSpPr>
@@ -6287,7 +6288,7 @@
           <p:cNvSpPr/>
           <p:nvPr>
             <p:custDataLst>
-              <p:tags r:id="rId25"/>
+              <p:tags r:id="rId24"/>
             </p:custDataLst>
           </p:nvPr>
         </p:nvSpPr>
@@ -6426,7 +6427,7 @@
           <p:cNvSpPr/>
           <p:nvPr>
             <p:custDataLst>
-              <p:tags r:id="rId26"/>
+              <p:tags r:id="rId25"/>
             </p:custDataLst>
           </p:nvPr>
         </p:nvSpPr>
@@ -6565,7 +6566,7 @@
           <p:cNvSpPr/>
           <p:nvPr>
             <p:custDataLst>
-              <p:tags r:id="rId27"/>
+              <p:tags r:id="rId26"/>
             </p:custDataLst>
           </p:nvPr>
         </p:nvSpPr>
@@ -6712,7 +6713,7 @@
           <p:cNvSpPr/>
           <p:nvPr>
             <p:custDataLst>
-              <p:tags r:id="rId28"/>
+              <p:tags r:id="rId27"/>
             </p:custDataLst>
           </p:nvPr>
         </p:nvSpPr>
@@ -6859,7 +6860,7 @@
           <p:cNvSpPr/>
           <p:nvPr>
             <p:custDataLst>
-              <p:tags r:id="rId29"/>
+              <p:tags r:id="rId28"/>
             </p:custDataLst>
           </p:nvPr>
         </p:nvSpPr>
@@ -7006,7 +7007,7 @@
           <p:cNvSpPr/>
           <p:nvPr>
             <p:custDataLst>
-              <p:tags r:id="rId30"/>
+              <p:tags r:id="rId29"/>
             </p:custDataLst>
           </p:nvPr>
         </p:nvSpPr>
@@ -7153,7 +7154,7 @@
           <p:cNvSpPr/>
           <p:nvPr>
             <p:custDataLst>
-              <p:tags r:id="rId31"/>
+              <p:tags r:id="rId30"/>
             </p:custDataLst>
           </p:nvPr>
         </p:nvSpPr>
@@ -7300,7 +7301,7 @@
           <p:cNvSpPr/>
           <p:nvPr>
             <p:custDataLst>
-              <p:tags r:id="rId32"/>
+              <p:tags r:id="rId31"/>
             </p:custDataLst>
           </p:nvPr>
         </p:nvSpPr>
@@ -7447,7 +7448,7 @@
           <p:cNvSpPr/>
           <p:nvPr>
             <p:custDataLst>
-              <p:tags r:id="rId33"/>
+              <p:tags r:id="rId32"/>
             </p:custDataLst>
           </p:nvPr>
         </p:nvSpPr>
@@ -7597,7 +7598,7 @@
           <p:nvPr>
             <p:ph type="title" hasCustomPrompt="1"/>
             <p:custDataLst>
-              <p:tags r:id="rId34"/>
+              <p:tags r:id="rId33"/>
             </p:custDataLst>
           </p:nvPr>
         </p:nvSpPr>
@@ -7640,9 +7641,6 @@
               </a:rPr>
               <a:t>编辑标题</a:t>
             </a:r>
-            <a:endParaRPr dirty="0">
-              <a:sym typeface="+mn-ea"/>
-            </a:endParaRPr>
           </a:p>
         </p:txBody>
       </p:sp>
@@ -7655,7 +7653,7 @@
           <p:nvPr>
             <p:ph type="dt" sz="half" idx="10"/>
             <p:custDataLst>
-              <p:tags r:id="rId35"/>
+              <p:tags r:id="rId34"/>
             </p:custDataLst>
           </p:nvPr>
         </p:nvSpPr>
@@ -7666,6 +7664,7 @@
           <a:p>
             <a:fld id="{760FBDFE-C587-4B4C-A407-44438C67B59E}" type="datetimeFigureOut">
               <a:rPr lang="zh-CN" altLang="en-US" smtClean="0"/>
+              <a:t>2019/6/23</a:t>
             </a:fld>
             <a:endParaRPr lang="zh-CN" altLang="en-US"/>
           </a:p>
@@ -7680,7 +7679,7 @@
           <p:nvPr>
             <p:ph type="ftr" sz="quarter" idx="11"/>
             <p:custDataLst>
-              <p:tags r:id="rId36"/>
+              <p:tags r:id="rId35"/>
             </p:custDataLst>
           </p:nvPr>
         </p:nvSpPr>
@@ -7702,7 +7701,7 @@
           <p:nvPr>
             <p:ph type="sldNum" sz="quarter" idx="12"/>
             <p:custDataLst>
-              <p:tags r:id="rId37"/>
+              <p:tags r:id="rId36"/>
             </p:custDataLst>
           </p:nvPr>
         </p:nvSpPr>
@@ -7713,6 +7712,7 @@
           <a:p>
             <a:fld id="{49AE70B2-8BF9-45C0-BB95-33D1B9D3A854}" type="slidenum">
               <a:rPr lang="zh-CN" altLang="en-US" smtClean="0"/>
+              <a:t>‹#›</a:t>
             </a:fld>
             <a:endParaRPr lang="zh-CN" altLang="en-US"/>
           </a:p>
@@ -7723,13 +7723,13 @@
   <p:clrMapOvr>
     <a:masterClrMapping/>
   </p:clrMapOvr>
-  <mc:AlternateContent xmlns:mc="http://schemas.openxmlformats.org/markup-compatibility/2006">
-    <mc:Choice xmlns:p14="http://schemas.microsoft.com/office/powerpoint/2010/main" Requires="p14">
+  <mc:AlternateContent xmlns:mc="http://schemas.openxmlformats.org/markup-compatibility/2006" xmlns:p14="http://schemas.microsoft.com/office/powerpoint/2010/main">
+    <mc:Choice Requires="p14">
       <p:transition spd="med" p14:dur="700">
         <p:fade/>
       </p:transition>
     </mc:Choice>
-    <mc:Fallback>
+    <mc:Fallback xmlns="">
       <p:transition spd="med">
         <p:fade/>
       </p:transition>
@@ -7761,7 +7761,7 @@
           <p:cNvSpPr/>
           <p:nvPr>
             <p:custDataLst>
-              <p:tags r:id="rId2"/>
+              <p:tags r:id="rId1"/>
             </p:custDataLst>
           </p:nvPr>
         </p:nvSpPr>
@@ -7907,7 +7907,7 @@
           <p:cNvSpPr/>
           <p:nvPr>
             <p:custDataLst>
-              <p:tags r:id="rId3"/>
+              <p:tags r:id="rId2"/>
             </p:custDataLst>
           </p:nvPr>
         </p:nvSpPr>
@@ -8053,7 +8053,7 @@
           <p:cNvSpPr/>
           <p:nvPr>
             <p:custDataLst>
-              <p:tags r:id="rId4"/>
+              <p:tags r:id="rId3"/>
             </p:custDataLst>
           </p:nvPr>
         </p:nvSpPr>
@@ -8199,7 +8199,7 @@
           <p:cNvSpPr/>
           <p:nvPr>
             <p:custDataLst>
-              <p:tags r:id="rId5"/>
+              <p:tags r:id="rId4"/>
             </p:custDataLst>
           </p:nvPr>
         </p:nvSpPr>
@@ -8345,7 +8345,7 @@
           <p:cNvSpPr/>
           <p:nvPr>
             <p:custDataLst>
-              <p:tags r:id="rId6"/>
+              <p:tags r:id="rId5"/>
             </p:custDataLst>
           </p:nvPr>
         </p:nvSpPr>
@@ -8491,7 +8491,7 @@
           <p:cNvSpPr/>
           <p:nvPr>
             <p:custDataLst>
-              <p:tags r:id="rId7"/>
+              <p:tags r:id="rId6"/>
             </p:custDataLst>
           </p:nvPr>
         </p:nvSpPr>
@@ -8637,7 +8637,7 @@
           <p:cNvSpPr/>
           <p:nvPr>
             <p:custDataLst>
-              <p:tags r:id="rId8"/>
+              <p:tags r:id="rId7"/>
             </p:custDataLst>
           </p:nvPr>
         </p:nvSpPr>
@@ -8783,7 +8783,7 @@
           <p:cNvSpPr/>
           <p:nvPr>
             <p:custDataLst>
-              <p:tags r:id="rId9"/>
+              <p:tags r:id="rId8"/>
             </p:custDataLst>
           </p:nvPr>
         </p:nvSpPr>
@@ -8929,7 +8929,7 @@
           <p:cNvSpPr/>
           <p:nvPr>
             <p:custDataLst>
-              <p:tags r:id="rId10"/>
+              <p:tags r:id="rId9"/>
             </p:custDataLst>
           </p:nvPr>
         </p:nvSpPr>
@@ -9075,7 +9075,7 @@
           <p:cNvSpPr/>
           <p:nvPr>
             <p:custDataLst>
-              <p:tags r:id="rId11"/>
+              <p:tags r:id="rId10"/>
             </p:custDataLst>
           </p:nvPr>
         </p:nvSpPr>
@@ -9221,7 +9221,7 @@
           <p:cNvSpPr/>
           <p:nvPr>
             <p:custDataLst>
-              <p:tags r:id="rId12"/>
+              <p:tags r:id="rId11"/>
             </p:custDataLst>
           </p:nvPr>
         </p:nvSpPr>
@@ -9367,7 +9367,7 @@
           <p:cNvSpPr/>
           <p:nvPr>
             <p:custDataLst>
-              <p:tags r:id="rId13"/>
+              <p:tags r:id="rId12"/>
             </p:custDataLst>
           </p:nvPr>
         </p:nvSpPr>
@@ -9513,7 +9513,7 @@
           <p:cNvSpPr/>
           <p:nvPr>
             <p:custDataLst>
-              <p:tags r:id="rId14"/>
+              <p:tags r:id="rId13"/>
             </p:custDataLst>
           </p:nvPr>
         </p:nvSpPr>
@@ -9659,7 +9659,7 @@
           <p:cNvSpPr/>
           <p:nvPr>
             <p:custDataLst>
-              <p:tags r:id="rId15"/>
+              <p:tags r:id="rId14"/>
             </p:custDataLst>
           </p:nvPr>
         </p:nvSpPr>
@@ -9805,7 +9805,7 @@
           <p:cNvSpPr/>
           <p:nvPr>
             <p:custDataLst>
-              <p:tags r:id="rId16"/>
+              <p:tags r:id="rId15"/>
             </p:custDataLst>
           </p:nvPr>
         </p:nvSpPr>
@@ -9951,7 +9951,7 @@
           <p:cNvSpPr/>
           <p:nvPr>
             <p:custDataLst>
-              <p:tags r:id="rId17"/>
+              <p:tags r:id="rId16"/>
             </p:custDataLst>
           </p:nvPr>
         </p:nvSpPr>
@@ -10097,7 +10097,7 @@
           <p:cNvSpPr/>
           <p:nvPr>
             <p:custDataLst>
-              <p:tags r:id="rId18"/>
+              <p:tags r:id="rId17"/>
             </p:custDataLst>
           </p:nvPr>
         </p:nvSpPr>
@@ -10244,7 +10244,7 @@
           <p:cNvSpPr/>
           <p:nvPr>
             <p:custDataLst>
-              <p:tags r:id="rId19"/>
+              <p:tags r:id="rId18"/>
             </p:custDataLst>
           </p:nvPr>
         </p:nvSpPr>
@@ -10391,7 +10391,7 @@
           <p:cNvSpPr/>
           <p:nvPr>
             <p:custDataLst>
-              <p:tags r:id="rId20"/>
+              <p:tags r:id="rId19"/>
             </p:custDataLst>
           </p:nvPr>
         </p:nvSpPr>
@@ -10538,7 +10538,7 @@
           <p:cNvSpPr/>
           <p:nvPr>
             <p:custDataLst>
-              <p:tags r:id="rId21"/>
+              <p:tags r:id="rId20"/>
             </p:custDataLst>
           </p:nvPr>
         </p:nvSpPr>
@@ -10685,7 +10685,7 @@
           <p:cNvSpPr/>
           <p:nvPr>
             <p:custDataLst>
-              <p:tags r:id="rId22"/>
+              <p:tags r:id="rId21"/>
             </p:custDataLst>
           </p:nvPr>
         </p:nvSpPr>
@@ -10832,7 +10832,7 @@
           <p:cNvSpPr/>
           <p:nvPr>
             <p:custDataLst>
-              <p:tags r:id="rId23"/>
+              <p:tags r:id="rId22"/>
             </p:custDataLst>
           </p:nvPr>
         </p:nvSpPr>
@@ -10979,7 +10979,7 @@
           <p:cNvSpPr/>
           <p:nvPr>
             <p:custDataLst>
-              <p:tags r:id="rId24"/>
+              <p:tags r:id="rId23"/>
             </p:custDataLst>
           </p:nvPr>
         </p:nvSpPr>
@@ -11126,7 +11126,7 @@
           <p:cNvSpPr/>
           <p:nvPr>
             <p:custDataLst>
-              <p:tags r:id="rId25"/>
+              <p:tags r:id="rId24"/>
             </p:custDataLst>
           </p:nvPr>
         </p:nvSpPr>
@@ -11273,7 +11273,7 @@
           <p:cNvSpPr/>
           <p:nvPr>
             <p:custDataLst>
-              <p:tags r:id="rId26"/>
+              <p:tags r:id="rId25"/>
             </p:custDataLst>
           </p:nvPr>
         </p:nvSpPr>
@@ -11420,7 +11420,7 @@
           <p:cNvSpPr/>
           <p:nvPr>
             <p:custDataLst>
-              <p:tags r:id="rId27"/>
+              <p:tags r:id="rId26"/>
             </p:custDataLst>
           </p:nvPr>
         </p:nvSpPr>
@@ -11567,7 +11567,7 @@
           <p:cNvSpPr/>
           <p:nvPr>
             <p:custDataLst>
-              <p:tags r:id="rId28"/>
+              <p:tags r:id="rId27"/>
             </p:custDataLst>
           </p:nvPr>
         </p:nvSpPr>
@@ -11704,7 +11704,7 @@
           <p:cNvSpPr/>
           <p:nvPr>
             <p:custDataLst>
-              <p:tags r:id="rId29"/>
+              <p:tags r:id="rId28"/>
             </p:custDataLst>
           </p:nvPr>
         </p:nvSpPr>
@@ -11841,7 +11841,7 @@
           <p:cNvSpPr/>
           <p:nvPr>
             <p:custDataLst>
-              <p:tags r:id="rId30"/>
+              <p:tags r:id="rId29"/>
             </p:custDataLst>
           </p:nvPr>
         </p:nvSpPr>
@@ -11978,7 +11978,7 @@
           <p:cNvSpPr/>
           <p:nvPr>
             <p:custDataLst>
-              <p:tags r:id="rId31"/>
+              <p:tags r:id="rId30"/>
             </p:custDataLst>
           </p:nvPr>
         </p:nvSpPr>
@@ -12115,7 +12115,7 @@
           <p:cNvSpPr/>
           <p:nvPr>
             <p:custDataLst>
-              <p:tags r:id="rId32"/>
+              <p:tags r:id="rId31"/>
             </p:custDataLst>
           </p:nvPr>
         </p:nvSpPr>
@@ -12245,7 +12245,7 @@
           <p:nvPr>
             <p:ph type="title"/>
             <p:custDataLst>
-              <p:tags r:id="rId33"/>
+              <p:tags r:id="rId32"/>
             </p:custDataLst>
           </p:nvPr>
         </p:nvSpPr>
@@ -12288,9 +12288,6 @@
               </a:rPr>
               <a:t>单击此处编辑母版标题样式</a:t>
             </a:r>
-            <a:endParaRPr dirty="0">
-              <a:sym typeface="+mn-ea"/>
-            </a:endParaRPr>
           </a:p>
         </p:txBody>
       </p:sp>
@@ -12303,7 +12300,7 @@
           <p:nvPr>
             <p:ph idx="1"/>
             <p:custDataLst>
-              <p:tags r:id="rId34"/>
+              <p:tags r:id="rId33"/>
             </p:custDataLst>
           </p:nvPr>
         </p:nvSpPr>
@@ -12460,9 +12457,6 @@
               </a:rPr>
               <a:t>单击此处编辑母版文本样式</a:t>
             </a:r>
-            <a:endParaRPr dirty="0">
-              <a:sym typeface="+mn-ea"/>
-            </a:endParaRPr>
           </a:p>
           <a:p>
             <a:pPr lvl="1"/>
@@ -12472,9 +12466,6 @@
               </a:rPr>
               <a:t>第二级</a:t>
             </a:r>
-            <a:endParaRPr dirty="0">
-              <a:sym typeface="+mn-ea"/>
-            </a:endParaRPr>
           </a:p>
           <a:p>
             <a:pPr lvl="2"/>
@@ -12484,9 +12475,6 @@
               </a:rPr>
               <a:t>第三级</a:t>
             </a:r>
-            <a:endParaRPr dirty="0">
-              <a:sym typeface="+mn-ea"/>
-            </a:endParaRPr>
           </a:p>
           <a:p>
             <a:pPr lvl="3"/>
@@ -12496,9 +12484,6 @@
               </a:rPr>
               <a:t>第四级</a:t>
             </a:r>
-            <a:endParaRPr dirty="0">
-              <a:sym typeface="+mn-ea"/>
-            </a:endParaRPr>
           </a:p>
           <a:p>
             <a:pPr lvl="4"/>
@@ -12508,9 +12493,6 @@
               </a:rPr>
               <a:t>第五级</a:t>
             </a:r>
-            <a:endParaRPr dirty="0">
-              <a:sym typeface="+mn-ea"/>
-            </a:endParaRPr>
           </a:p>
         </p:txBody>
       </p:sp>
@@ -12523,7 +12505,7 @@
           <p:nvPr>
             <p:ph type="dt" sz="half" idx="10"/>
             <p:custDataLst>
-              <p:tags r:id="rId35"/>
+              <p:tags r:id="rId34"/>
             </p:custDataLst>
           </p:nvPr>
         </p:nvSpPr>
@@ -12534,6 +12516,7 @@
           <a:p>
             <a:fld id="{760FBDFE-C587-4B4C-A407-44438C67B59E}" type="datetimeFigureOut">
               <a:rPr lang="zh-CN" altLang="en-US" smtClean="0"/>
+              <a:t>2019/6/23</a:t>
             </a:fld>
             <a:endParaRPr lang="zh-CN" altLang="en-US"/>
           </a:p>
@@ -12548,7 +12531,7 @@
           <p:nvPr>
             <p:ph type="ftr" sz="quarter" idx="11"/>
             <p:custDataLst>
-              <p:tags r:id="rId36"/>
+              <p:tags r:id="rId35"/>
             </p:custDataLst>
           </p:nvPr>
         </p:nvSpPr>
@@ -12570,7 +12553,7 @@
           <p:nvPr>
             <p:ph type="sldNum" sz="quarter" idx="12"/>
             <p:custDataLst>
-              <p:tags r:id="rId37"/>
+              <p:tags r:id="rId36"/>
             </p:custDataLst>
           </p:nvPr>
         </p:nvSpPr>
@@ -12581,6 +12564,7 @@
           <a:p>
             <a:fld id="{49AE70B2-8BF9-45C0-BB95-33D1B9D3A854}" type="slidenum">
               <a:rPr lang="zh-CN" altLang="en-US" smtClean="0"/>
+              <a:t>‹#›</a:t>
             </a:fld>
             <a:endParaRPr lang="zh-CN" altLang="en-US"/>
           </a:p>
@@ -12591,13 +12575,13 @@
   <p:clrMapOvr>
     <a:masterClrMapping/>
   </p:clrMapOvr>
-  <mc:AlternateContent xmlns:mc="http://schemas.openxmlformats.org/markup-compatibility/2006">
-    <mc:Choice xmlns:p14="http://schemas.microsoft.com/office/powerpoint/2010/main" Requires="p14">
+  <mc:AlternateContent xmlns:mc="http://schemas.openxmlformats.org/markup-compatibility/2006" xmlns:p14="http://schemas.microsoft.com/office/powerpoint/2010/main">
+    <mc:Choice Requires="p14">
       <p:transition spd="med" p14:dur="700">
         <p:fade/>
       </p:transition>
     </mc:Choice>
-    <mc:Fallback>
+    <mc:Fallback xmlns="">
       <p:transition spd="med">
         <p:fade/>
       </p:transition>
@@ -12629,7 +12613,7 @@
           <p:cNvGrpSpPr/>
           <p:nvPr>
             <p:custDataLst>
-              <p:tags r:id="rId2"/>
+              <p:tags r:id="rId1"/>
             </p:custDataLst>
           </p:nvPr>
         </p:nvGrpSpPr>
@@ -12647,7 +12631,7 @@
             <p:cNvSpPr/>
             <p:nvPr>
               <p:custDataLst>
-                <p:tags r:id="rId3"/>
+                <p:tags r:id="rId7"/>
               </p:custDataLst>
             </p:nvPr>
           </p:nvSpPr>
@@ -12728,7 +12712,7 @@
             <p:cNvSpPr/>
             <p:nvPr>
               <p:custDataLst>
-                <p:tags r:id="rId4"/>
+                <p:tags r:id="rId8"/>
               </p:custDataLst>
             </p:nvPr>
           </p:nvSpPr>
@@ -12809,7 +12793,7 @@
             <p:cNvSpPr/>
             <p:nvPr>
               <p:custDataLst>
-                <p:tags r:id="rId5"/>
+                <p:tags r:id="rId9"/>
               </p:custDataLst>
             </p:nvPr>
           </p:nvSpPr>
@@ -12890,7 +12874,7 @@
             <p:cNvSpPr/>
             <p:nvPr>
               <p:custDataLst>
-                <p:tags r:id="rId6"/>
+                <p:tags r:id="rId10"/>
               </p:custDataLst>
             </p:nvPr>
           </p:nvSpPr>
@@ -12971,7 +12955,7 @@
             <p:cNvSpPr/>
             <p:nvPr>
               <p:custDataLst>
-                <p:tags r:id="rId7"/>
+                <p:tags r:id="rId11"/>
               </p:custDataLst>
             </p:nvPr>
           </p:nvSpPr>
@@ -13066,7 +13050,7 @@
               <p:cNvSpPr/>
               <p:nvPr>
                 <p:custDataLst>
-                  <p:tags r:id="rId8"/>
+                  <p:tags r:id="rId12"/>
                 </p:custDataLst>
               </p:nvPr>
             </p:nvSpPr>
@@ -13147,7 +13131,7 @@
               <p:cNvSpPr/>
               <p:nvPr>
                 <p:custDataLst>
-                  <p:tags r:id="rId9"/>
+                  <p:tags r:id="rId13"/>
                 </p:custDataLst>
               </p:nvPr>
             </p:nvSpPr>
@@ -13228,7 +13212,7 @@
               <p:cNvSpPr/>
               <p:nvPr>
                 <p:custDataLst>
-                  <p:tags r:id="rId10"/>
+                  <p:tags r:id="rId14"/>
                 </p:custDataLst>
               </p:nvPr>
             </p:nvSpPr>
@@ -13314,7 +13298,7 @@
           <p:nvPr>
             <p:ph type="title" hasCustomPrompt="1"/>
             <p:custDataLst>
-              <p:tags r:id="rId11"/>
+              <p:tags r:id="rId2"/>
             </p:custDataLst>
           </p:nvPr>
         </p:nvSpPr>
@@ -13348,7 +13332,6 @@
               <a:rPr lang="zh-CN" altLang="en-US" dirty="0"/>
               <a:t>单击此处编辑标题</a:t>
             </a:r>
-            <a:endParaRPr lang="zh-CN" altLang="en-US" dirty="0"/>
           </a:p>
         </p:txBody>
       </p:sp>
@@ -13361,7 +13344,7 @@
           <p:nvPr>
             <p:ph type="body" idx="1"/>
             <p:custDataLst>
-              <p:tags r:id="rId12"/>
+              <p:tags r:id="rId3"/>
             </p:custDataLst>
           </p:nvPr>
         </p:nvSpPr>
@@ -13479,7 +13462,6 @@
               <a:rPr lang="zh-CN" altLang="en-US" dirty="0"/>
               <a:t>单击此处编辑母版文本样式</a:t>
             </a:r>
-            <a:endParaRPr lang="zh-CN" altLang="en-US" dirty="0"/>
           </a:p>
         </p:txBody>
       </p:sp>
@@ -13492,7 +13474,7 @@
           <p:nvPr>
             <p:ph type="dt" sz="half" idx="10"/>
             <p:custDataLst>
-              <p:tags r:id="rId13"/>
+              <p:tags r:id="rId4"/>
             </p:custDataLst>
           </p:nvPr>
         </p:nvSpPr>
@@ -13503,6 +13485,7 @@
           <a:p>
             <a:fld id="{760FBDFE-C587-4B4C-A407-44438C67B59E}" type="datetimeFigureOut">
               <a:rPr lang="zh-CN" altLang="en-US" smtClean="0"/>
+              <a:t>2019/6/23</a:t>
             </a:fld>
             <a:endParaRPr lang="zh-CN" altLang="en-US"/>
           </a:p>
@@ -13517,7 +13500,7 @@
           <p:nvPr>
             <p:ph type="ftr" sz="quarter" idx="11"/>
             <p:custDataLst>
-              <p:tags r:id="rId14"/>
+              <p:tags r:id="rId5"/>
             </p:custDataLst>
           </p:nvPr>
         </p:nvSpPr>
@@ -13539,7 +13522,7 @@
           <p:nvPr>
             <p:ph type="sldNum" sz="quarter" idx="12"/>
             <p:custDataLst>
-              <p:tags r:id="rId15"/>
+              <p:tags r:id="rId6"/>
             </p:custDataLst>
           </p:nvPr>
         </p:nvSpPr>
@@ -13550,6 +13533,7 @@
           <a:p>
             <a:fld id="{49AE70B2-8BF9-45C0-BB95-33D1B9D3A854}" type="slidenum">
               <a:rPr lang="zh-CN" altLang="en-US" smtClean="0"/>
+              <a:t>‹#›</a:t>
             </a:fld>
             <a:endParaRPr lang="zh-CN" altLang="en-US"/>
           </a:p>
@@ -13560,13 +13544,13 @@
   <p:clrMapOvr>
     <a:masterClrMapping/>
   </p:clrMapOvr>
-  <mc:AlternateContent xmlns:mc="http://schemas.openxmlformats.org/markup-compatibility/2006">
-    <mc:Choice xmlns:p14="http://schemas.microsoft.com/office/powerpoint/2010/main" Requires="p14">
+  <mc:AlternateContent xmlns:mc="http://schemas.openxmlformats.org/markup-compatibility/2006" xmlns:p14="http://schemas.microsoft.com/office/powerpoint/2010/main">
+    <mc:Choice Requires="p14">
       <p:transition spd="med" p14:dur="700">
         <p:fade/>
       </p:transition>
     </mc:Choice>
-    <mc:Fallback>
+    <mc:Fallback xmlns="">
       <p:transition spd="med">
         <p:fade/>
       </p:transition>
@@ -13601,7 +13585,7 @@
           <p:nvPr>
             <p:ph type="title"/>
             <p:custDataLst>
-              <p:tags r:id="rId2"/>
+              <p:tags r:id="rId1"/>
             </p:custDataLst>
           </p:nvPr>
         </p:nvSpPr>
@@ -13644,9 +13628,6 @@
               </a:rPr>
               <a:t>单击此处编辑母版标题样式</a:t>
             </a:r>
-            <a:endParaRPr>
-              <a:sym typeface="+mn-ea"/>
-            </a:endParaRPr>
           </a:p>
         </p:txBody>
       </p:sp>
@@ -13659,7 +13640,7 @@
           <p:nvPr>
             <p:ph sz="half" idx="1"/>
             <p:custDataLst>
-              <p:tags r:id="rId3"/>
+              <p:tags r:id="rId2"/>
             </p:custDataLst>
           </p:nvPr>
         </p:nvSpPr>
@@ -13816,9 +13797,6 @@
               </a:rPr>
               <a:t>单击此处编辑母版文本样式</a:t>
             </a:r>
-            <a:endParaRPr>
-              <a:sym typeface="+mn-ea"/>
-            </a:endParaRPr>
           </a:p>
           <a:p>
             <a:pPr lvl="1"/>
@@ -13828,9 +13806,6 @@
               </a:rPr>
               <a:t>第二级</a:t>
             </a:r>
-            <a:endParaRPr>
-              <a:sym typeface="+mn-ea"/>
-            </a:endParaRPr>
           </a:p>
           <a:p>
             <a:pPr lvl="2"/>
@@ -13840,9 +13815,6 @@
               </a:rPr>
               <a:t>第三级</a:t>
             </a:r>
-            <a:endParaRPr>
-              <a:sym typeface="+mn-ea"/>
-            </a:endParaRPr>
           </a:p>
           <a:p>
             <a:pPr lvl="3"/>
@@ -13852,9 +13824,6 @@
               </a:rPr>
               <a:t>第四级</a:t>
             </a:r>
-            <a:endParaRPr>
-              <a:sym typeface="+mn-ea"/>
-            </a:endParaRPr>
           </a:p>
           <a:p>
             <a:pPr lvl="4"/>
@@ -13864,9 +13833,6 @@
               </a:rPr>
               <a:t>第五级</a:t>
             </a:r>
-            <a:endParaRPr>
-              <a:sym typeface="+mn-ea"/>
-            </a:endParaRPr>
           </a:p>
         </p:txBody>
       </p:sp>
@@ -13879,7 +13845,7 @@
           <p:nvPr>
             <p:ph sz="half" idx="2"/>
             <p:custDataLst>
-              <p:tags r:id="rId4"/>
+              <p:tags r:id="rId3"/>
             </p:custDataLst>
           </p:nvPr>
         </p:nvSpPr>
@@ -13961,7 +13927,6 @@
               <a:rPr lang="zh-CN" altLang="en-US" dirty="0"/>
               <a:t>单击此处编辑母版文本样式</a:t>
             </a:r>
-            <a:endParaRPr lang="zh-CN" altLang="en-US" dirty="0"/>
           </a:p>
           <a:p>
             <a:pPr lvl="1"/>
@@ -13969,7 +13934,6 @@
               <a:rPr lang="zh-CN" altLang="en-US" dirty="0"/>
               <a:t>第二级</a:t>
             </a:r>
-            <a:endParaRPr lang="zh-CN" altLang="en-US" dirty="0"/>
           </a:p>
           <a:p>
             <a:pPr lvl="2"/>
@@ -13977,7 +13941,6 @@
               <a:rPr lang="zh-CN" altLang="en-US" dirty="0"/>
               <a:t>第三级</a:t>
             </a:r>
-            <a:endParaRPr lang="zh-CN" altLang="en-US" dirty="0"/>
           </a:p>
           <a:p>
             <a:pPr lvl="3"/>
@@ -13985,7 +13948,6 @@
               <a:rPr lang="zh-CN" altLang="en-US" dirty="0"/>
               <a:t>第四级</a:t>
             </a:r>
-            <a:endParaRPr lang="zh-CN" altLang="en-US" dirty="0"/>
           </a:p>
           <a:p>
             <a:pPr lvl="4"/>
@@ -13993,7 +13955,6 @@
               <a:rPr lang="zh-CN" altLang="en-US" dirty="0"/>
               <a:t>第五级</a:t>
             </a:r>
-            <a:endParaRPr lang="zh-CN" altLang="en-US" dirty="0"/>
           </a:p>
         </p:txBody>
       </p:sp>
@@ -14006,7 +13967,7 @@
           <p:nvPr>
             <p:ph type="dt" sz="half" idx="10"/>
             <p:custDataLst>
-              <p:tags r:id="rId5"/>
+              <p:tags r:id="rId4"/>
             </p:custDataLst>
           </p:nvPr>
         </p:nvSpPr>
@@ -14017,6 +13978,7 @@
           <a:p>
             <a:fld id="{760FBDFE-C587-4B4C-A407-44438C67B59E}" type="datetimeFigureOut">
               <a:rPr lang="zh-CN" altLang="en-US" smtClean="0"/>
+              <a:t>2019/6/23</a:t>
             </a:fld>
             <a:endParaRPr lang="zh-CN" altLang="en-US"/>
           </a:p>
@@ -14031,7 +13993,7 @@
           <p:nvPr>
             <p:ph type="ftr" sz="quarter" idx="11"/>
             <p:custDataLst>
-              <p:tags r:id="rId6"/>
+              <p:tags r:id="rId5"/>
             </p:custDataLst>
           </p:nvPr>
         </p:nvSpPr>
@@ -14053,7 +14015,7 @@
           <p:nvPr>
             <p:ph type="sldNum" sz="quarter" idx="12"/>
             <p:custDataLst>
-              <p:tags r:id="rId7"/>
+              <p:tags r:id="rId6"/>
             </p:custDataLst>
           </p:nvPr>
         </p:nvSpPr>
@@ -14064,6 +14026,7 @@
           <a:p>
             <a:fld id="{49AE70B2-8BF9-45C0-BB95-33D1B9D3A854}" type="slidenum">
               <a:rPr lang="zh-CN" altLang="en-US" smtClean="0"/>
+              <a:t>‹#›</a:t>
             </a:fld>
             <a:endParaRPr lang="zh-CN" altLang="en-US"/>
           </a:p>
@@ -14074,13 +14037,13 @@
   <p:clrMapOvr>
     <a:masterClrMapping/>
   </p:clrMapOvr>
-  <mc:AlternateContent xmlns:mc="http://schemas.openxmlformats.org/markup-compatibility/2006">
-    <mc:Choice xmlns:p14="http://schemas.microsoft.com/office/powerpoint/2010/main" Requires="p14">
+  <mc:AlternateContent xmlns:mc="http://schemas.openxmlformats.org/markup-compatibility/2006" xmlns:p14="http://schemas.microsoft.com/office/powerpoint/2010/main">
+    <mc:Choice Requires="p14">
       <p:transition spd="med" p14:dur="700">
         <p:fade/>
       </p:transition>
     </mc:Choice>
-    <mc:Fallback>
+    <mc:Fallback xmlns="">
       <p:transition spd="med">
         <p:fade/>
       </p:transition>
@@ -14115,7 +14078,7 @@
           <p:nvPr>
             <p:ph type="title"/>
             <p:custDataLst>
-              <p:tags r:id="rId2"/>
+              <p:tags r:id="rId1"/>
             </p:custDataLst>
           </p:nvPr>
         </p:nvSpPr>
@@ -14158,9 +14121,6 @@
               </a:rPr>
               <a:t>单击此处编辑母版标题样式</a:t>
             </a:r>
-            <a:endParaRPr dirty="0">
-              <a:sym typeface="+mn-ea"/>
-            </a:endParaRPr>
           </a:p>
         </p:txBody>
       </p:sp>
@@ -14173,7 +14133,7 @@
           <p:nvPr>
             <p:ph type="body" idx="1" hasCustomPrompt="1"/>
             <p:custDataLst>
-              <p:tags r:id="rId3"/>
+              <p:tags r:id="rId2"/>
             </p:custDataLst>
           </p:nvPr>
         </p:nvSpPr>
@@ -14247,7 +14207,6 @@
               <a:rPr lang="zh-CN" altLang="en-US" dirty="0"/>
               <a:t>单击此处编辑文本</a:t>
             </a:r>
-            <a:endParaRPr lang="zh-CN" altLang="en-US" dirty="0"/>
           </a:p>
         </p:txBody>
       </p:sp>
@@ -14260,7 +14219,7 @@
           <p:nvPr>
             <p:ph sz="half" idx="2"/>
             <p:custDataLst>
-              <p:tags r:id="rId4"/>
+              <p:tags r:id="rId3"/>
             </p:custDataLst>
           </p:nvPr>
         </p:nvSpPr>
@@ -14417,9 +14376,6 @@
               </a:rPr>
               <a:t>单击此处编辑母版文本样式</a:t>
             </a:r>
-            <a:endParaRPr dirty="0">
-              <a:sym typeface="+mn-ea"/>
-            </a:endParaRPr>
           </a:p>
           <a:p>
             <a:pPr lvl="1"/>
@@ -14429,9 +14385,6 @@
               </a:rPr>
               <a:t>第二级</a:t>
             </a:r>
-            <a:endParaRPr dirty="0">
-              <a:sym typeface="+mn-ea"/>
-            </a:endParaRPr>
           </a:p>
           <a:p>
             <a:pPr lvl="2"/>
@@ -14441,9 +14394,6 @@
               </a:rPr>
               <a:t>第三级</a:t>
             </a:r>
-            <a:endParaRPr dirty="0">
-              <a:sym typeface="+mn-ea"/>
-            </a:endParaRPr>
           </a:p>
           <a:p>
             <a:pPr lvl="3"/>
@@ -14453,9 +14403,6 @@
               </a:rPr>
               <a:t>第四级</a:t>
             </a:r>
-            <a:endParaRPr dirty="0">
-              <a:sym typeface="+mn-ea"/>
-            </a:endParaRPr>
           </a:p>
           <a:p>
             <a:pPr lvl="4"/>
@@ -14465,9 +14412,6 @@
               </a:rPr>
               <a:t>第五级</a:t>
             </a:r>
-            <a:endParaRPr dirty="0">
-              <a:sym typeface="+mn-ea"/>
-            </a:endParaRPr>
           </a:p>
         </p:txBody>
       </p:sp>
@@ -14480,7 +14424,7 @@
           <p:nvPr>
             <p:ph type="body" sz="quarter" idx="3" hasCustomPrompt="1"/>
             <p:custDataLst>
-              <p:tags r:id="rId5"/>
+              <p:tags r:id="rId4"/>
             </p:custDataLst>
           </p:nvPr>
         </p:nvSpPr>
@@ -14562,9 +14506,6 @@
               </a:rPr>
               <a:t>单击此处编辑文本</a:t>
             </a:r>
-            <a:endParaRPr>
-              <a:sym typeface="+mn-ea"/>
-            </a:endParaRPr>
           </a:p>
         </p:txBody>
       </p:sp>
@@ -14577,7 +14518,7 @@
           <p:nvPr>
             <p:ph sz="quarter" idx="4"/>
             <p:custDataLst>
-              <p:tags r:id="rId6"/>
+              <p:tags r:id="rId5"/>
             </p:custDataLst>
           </p:nvPr>
         </p:nvSpPr>
@@ -14734,9 +14675,6 @@
               </a:rPr>
               <a:t>单击此处编辑母版文本样式</a:t>
             </a:r>
-            <a:endParaRPr dirty="0">
-              <a:sym typeface="+mn-ea"/>
-            </a:endParaRPr>
           </a:p>
           <a:p>
             <a:pPr lvl="1"/>
@@ -14746,9 +14684,6 @@
               </a:rPr>
               <a:t>第二级</a:t>
             </a:r>
-            <a:endParaRPr dirty="0">
-              <a:sym typeface="+mn-ea"/>
-            </a:endParaRPr>
           </a:p>
           <a:p>
             <a:pPr lvl="2"/>
@@ -14758,9 +14693,6 @@
               </a:rPr>
               <a:t>第三级</a:t>
             </a:r>
-            <a:endParaRPr dirty="0">
-              <a:sym typeface="+mn-ea"/>
-            </a:endParaRPr>
           </a:p>
           <a:p>
             <a:pPr lvl="3"/>
@@ -14770,9 +14702,6 @@
               </a:rPr>
               <a:t>第四级</a:t>
             </a:r>
-            <a:endParaRPr dirty="0">
-              <a:sym typeface="+mn-ea"/>
-            </a:endParaRPr>
           </a:p>
           <a:p>
             <a:pPr lvl="4"/>
@@ -14782,9 +14711,6 @@
               </a:rPr>
               <a:t>第五级</a:t>
             </a:r>
-            <a:endParaRPr dirty="0">
-              <a:sym typeface="+mn-ea"/>
-            </a:endParaRPr>
           </a:p>
         </p:txBody>
       </p:sp>
@@ -14797,7 +14723,7 @@
           <p:nvPr>
             <p:ph type="dt" sz="half" idx="10"/>
             <p:custDataLst>
-              <p:tags r:id="rId7"/>
+              <p:tags r:id="rId6"/>
             </p:custDataLst>
           </p:nvPr>
         </p:nvSpPr>
@@ -14808,6 +14734,7 @@
           <a:p>
             <a:fld id="{760FBDFE-C587-4B4C-A407-44438C67B59E}" type="datetimeFigureOut">
               <a:rPr lang="zh-CN" altLang="en-US" smtClean="0"/>
+              <a:t>2019/6/23</a:t>
             </a:fld>
             <a:endParaRPr lang="zh-CN" altLang="en-US"/>
           </a:p>
@@ -14822,7 +14749,7 @@
           <p:nvPr>
             <p:ph type="ftr" sz="quarter" idx="11"/>
             <p:custDataLst>
-              <p:tags r:id="rId8"/>
+              <p:tags r:id="rId7"/>
             </p:custDataLst>
           </p:nvPr>
         </p:nvSpPr>
@@ -14844,7 +14771,7 @@
           <p:nvPr>
             <p:ph type="sldNum" sz="quarter" idx="12"/>
             <p:custDataLst>
-              <p:tags r:id="rId9"/>
+              <p:tags r:id="rId8"/>
             </p:custDataLst>
           </p:nvPr>
         </p:nvSpPr>
@@ -14855,6 +14782,7 @@
           <a:p>
             <a:fld id="{49AE70B2-8BF9-45C0-BB95-33D1B9D3A854}" type="slidenum">
               <a:rPr lang="zh-CN" altLang="en-US" smtClean="0"/>
+              <a:t>‹#›</a:t>
             </a:fld>
             <a:endParaRPr lang="zh-CN" altLang="en-US"/>
           </a:p>
@@ -14865,13 +14793,13 @@
   <p:clrMapOvr>
     <a:masterClrMapping/>
   </p:clrMapOvr>
-  <mc:AlternateContent xmlns:mc="http://schemas.openxmlformats.org/markup-compatibility/2006">
-    <mc:Choice xmlns:p14="http://schemas.microsoft.com/office/powerpoint/2010/main" Requires="p14">
+  <mc:AlternateContent xmlns:mc="http://schemas.openxmlformats.org/markup-compatibility/2006" xmlns:p14="http://schemas.microsoft.com/office/powerpoint/2010/main">
+    <mc:Choice Requires="p14">
       <p:transition spd="med" p14:dur="700">
         <p:fade/>
       </p:transition>
     </mc:Choice>
-    <mc:Fallback>
+    <mc:Fallback xmlns="">
       <p:transition spd="med">
         <p:fade/>
       </p:transition>
@@ -14906,7 +14834,7 @@
           <p:nvPr>
             <p:ph type="title"/>
             <p:custDataLst>
-              <p:tags r:id="rId2"/>
+              <p:tags r:id="rId1"/>
             </p:custDataLst>
           </p:nvPr>
         </p:nvSpPr>
@@ -14944,9 +14872,6 @@
               </a:rPr>
               <a:t>单击此处编辑母版标题样式</a:t>
             </a:r>
-            <a:endParaRPr>
-              <a:sym typeface="+mn-ea"/>
-            </a:endParaRPr>
           </a:p>
         </p:txBody>
       </p:sp>
@@ -14959,7 +14884,7 @@
           <p:nvPr>
             <p:ph type="dt" sz="half" idx="10"/>
             <p:custDataLst>
-              <p:tags r:id="rId3"/>
+              <p:tags r:id="rId2"/>
             </p:custDataLst>
           </p:nvPr>
         </p:nvSpPr>
@@ -14970,6 +14895,7 @@
           <a:p>
             <a:fld id="{760FBDFE-C587-4B4C-A407-44438C67B59E}" type="datetimeFigureOut">
               <a:rPr lang="zh-CN" altLang="en-US" smtClean="0"/>
+              <a:t>2019/6/23</a:t>
             </a:fld>
             <a:endParaRPr lang="zh-CN" altLang="en-US"/>
           </a:p>
@@ -14984,7 +14910,7 @@
           <p:nvPr>
             <p:ph type="ftr" sz="quarter" idx="11"/>
             <p:custDataLst>
-              <p:tags r:id="rId4"/>
+              <p:tags r:id="rId3"/>
             </p:custDataLst>
           </p:nvPr>
         </p:nvSpPr>
@@ -15006,7 +14932,7 @@
           <p:nvPr>
             <p:ph type="sldNum" sz="quarter" idx="12"/>
             <p:custDataLst>
-              <p:tags r:id="rId5"/>
+              <p:tags r:id="rId4"/>
             </p:custDataLst>
           </p:nvPr>
         </p:nvSpPr>
@@ -15017,6 +14943,7 @@
           <a:p>
             <a:fld id="{49AE70B2-8BF9-45C0-BB95-33D1B9D3A854}" type="slidenum">
               <a:rPr lang="zh-CN" altLang="en-US" smtClean="0"/>
+              <a:t>‹#›</a:t>
             </a:fld>
             <a:endParaRPr lang="zh-CN" altLang="en-US"/>
           </a:p>
@@ -15027,13 +14954,13 @@
   <p:clrMapOvr>
     <a:masterClrMapping/>
   </p:clrMapOvr>
-  <mc:AlternateContent xmlns:mc="http://schemas.openxmlformats.org/markup-compatibility/2006">
-    <mc:Choice xmlns:p14="http://schemas.microsoft.com/office/powerpoint/2010/main" Requires="p14">
+  <mc:AlternateContent xmlns:mc="http://schemas.openxmlformats.org/markup-compatibility/2006" xmlns:p14="http://schemas.microsoft.com/office/powerpoint/2010/main">
+    <mc:Choice Requires="p14">
       <p:transition spd="med" p14:dur="700">
         <p:fade/>
       </p:transition>
     </mc:Choice>
-    <mc:Fallback>
+    <mc:Fallback xmlns="">
       <p:transition spd="med">
         <p:fade/>
       </p:transition>
@@ -15068,7 +14995,7 @@
           <p:nvPr>
             <p:ph type="dt" sz="half" idx="10"/>
             <p:custDataLst>
-              <p:tags r:id="rId2"/>
+              <p:tags r:id="rId1"/>
             </p:custDataLst>
           </p:nvPr>
         </p:nvSpPr>
@@ -15079,6 +15006,7 @@
           <a:p>
             <a:fld id="{760FBDFE-C587-4B4C-A407-44438C67B59E}" type="datetimeFigureOut">
               <a:rPr lang="zh-CN" altLang="en-US" smtClean="0"/>
+              <a:t>2019/6/23</a:t>
             </a:fld>
             <a:endParaRPr lang="zh-CN" altLang="en-US"/>
           </a:p>
@@ -15093,7 +15021,7 @@
           <p:nvPr>
             <p:ph type="ftr" sz="quarter" idx="11"/>
             <p:custDataLst>
-              <p:tags r:id="rId3"/>
+              <p:tags r:id="rId2"/>
             </p:custDataLst>
           </p:nvPr>
         </p:nvSpPr>
@@ -15115,7 +15043,7 @@
           <p:nvPr>
             <p:ph type="sldNum" sz="quarter" idx="12"/>
             <p:custDataLst>
-              <p:tags r:id="rId4"/>
+              <p:tags r:id="rId3"/>
             </p:custDataLst>
           </p:nvPr>
         </p:nvSpPr>
@@ -15126,6 +15054,7 @@
           <a:p>
             <a:fld id="{49AE70B2-8BF9-45C0-BB95-33D1B9D3A854}" type="slidenum">
               <a:rPr lang="zh-CN" altLang="en-US" smtClean="0"/>
+              <a:t>‹#›</a:t>
             </a:fld>
             <a:endParaRPr lang="zh-CN" altLang="en-US"/>
           </a:p>
@@ -15136,13 +15065,13 @@
   <p:clrMapOvr>
     <a:masterClrMapping/>
   </p:clrMapOvr>
-  <mc:AlternateContent xmlns:mc="http://schemas.openxmlformats.org/markup-compatibility/2006">
-    <mc:Choice xmlns:p14="http://schemas.microsoft.com/office/powerpoint/2010/main" Requires="p14">
+  <mc:AlternateContent xmlns:mc="http://schemas.openxmlformats.org/markup-compatibility/2006" xmlns:p14="http://schemas.microsoft.com/office/powerpoint/2010/main">
+    <mc:Choice Requires="p14">
       <p:transition spd="med" p14:dur="700">
         <p:fade/>
       </p:transition>
     </mc:Choice>
-    <mc:Fallback>
+    <mc:Fallback xmlns="">
       <p:transition spd="med">
         <p:fade/>
       </p:transition>
@@ -15177,7 +15106,7 @@
           <p:nvPr>
             <p:ph type="title"/>
             <p:custDataLst>
-              <p:tags r:id="rId2"/>
+              <p:tags r:id="rId1"/>
             </p:custDataLst>
           </p:nvPr>
         </p:nvSpPr>
@@ -15220,9 +15149,6 @@
               </a:rPr>
               <a:t>单击此处编辑母版标题样式</a:t>
             </a:r>
-            <a:endParaRPr dirty="0">
-              <a:sym typeface="+mn-ea"/>
-            </a:endParaRPr>
           </a:p>
         </p:txBody>
       </p:sp>
@@ -15235,7 +15161,7 @@
           <p:nvPr>
             <p:ph type="pic" idx="1"/>
             <p:custDataLst>
-              <p:tags r:id="rId3"/>
+              <p:tags r:id="rId2"/>
             </p:custDataLst>
           </p:nvPr>
         </p:nvSpPr>
@@ -15389,7 +15315,7 @@
           <p:nvPr>
             <p:ph type="body" sz="half" idx="2"/>
             <p:custDataLst>
-              <p:tags r:id="rId4"/>
+              <p:tags r:id="rId3"/>
             </p:custDataLst>
           </p:nvPr>
         </p:nvSpPr>
@@ -15439,9 +15365,6 @@
               </a:rPr>
               <a:t>单击此处编辑母版文本样式</a:t>
             </a:r>
-            <a:endParaRPr>
-              <a:sym typeface="+mn-ea"/>
-            </a:endParaRPr>
           </a:p>
         </p:txBody>
       </p:sp>
@@ -15454,7 +15377,7 @@
           <p:nvPr>
             <p:ph type="dt" sz="half" idx="10"/>
             <p:custDataLst>
-              <p:tags r:id="rId5"/>
+              <p:tags r:id="rId4"/>
             </p:custDataLst>
           </p:nvPr>
         </p:nvSpPr>
@@ -15465,6 +15388,7 @@
           <a:p>
             <a:fld id="{9EFD9D74-47D9-4702-A33C-335B63B48DBF}" type="datetimeFigureOut">
               <a:rPr lang="zh-CN" altLang="en-US" smtClean="0"/>
+              <a:t>2019/6/23</a:t>
             </a:fld>
             <a:endParaRPr lang="zh-CN" altLang="en-US" dirty="0"/>
           </a:p>
@@ -15479,7 +15403,7 @@
           <p:nvPr>
             <p:ph type="ftr" sz="quarter" idx="11"/>
             <p:custDataLst>
-              <p:tags r:id="rId6"/>
+              <p:tags r:id="rId5"/>
             </p:custDataLst>
           </p:nvPr>
         </p:nvSpPr>
@@ -15501,7 +15425,7 @@
           <p:nvPr>
             <p:ph type="sldNum" sz="quarter" idx="12"/>
             <p:custDataLst>
-              <p:tags r:id="rId7"/>
+              <p:tags r:id="rId6"/>
             </p:custDataLst>
           </p:nvPr>
         </p:nvSpPr>
@@ -15512,6 +15436,7 @@
           <a:p>
             <a:fld id="{FABC47A4-756D-490B-A52F-7D9E2C9FC05F}" type="slidenum">
               <a:rPr lang="zh-CN" altLang="en-US" smtClean="0"/>
+              <a:t>‹#›</a:t>
             </a:fld>
             <a:endParaRPr lang="zh-CN" altLang="en-US"/>
           </a:p>
@@ -15522,13 +15447,13 @@
   <p:clrMapOvr>
     <a:masterClrMapping/>
   </p:clrMapOvr>
-  <mc:AlternateContent xmlns:mc="http://schemas.openxmlformats.org/markup-compatibility/2006">
-    <mc:Choice xmlns:p14="http://schemas.microsoft.com/office/powerpoint/2010/main" Requires="p14">
+  <mc:AlternateContent xmlns:mc="http://schemas.openxmlformats.org/markup-compatibility/2006" xmlns:p14="http://schemas.microsoft.com/office/powerpoint/2010/main">
+    <mc:Choice Requires="p14">
       <p:transition spd="med" p14:dur="700">
         <p:fade/>
       </p:transition>
     </mc:Choice>
-    <mc:Fallback>
+    <mc:Fallback xmlns="">
       <p:transition spd="med">
         <p:fade/>
       </p:transition>
@@ -15563,7 +15488,7 @@
           <p:nvPr>
             <p:ph type="title" orient="vert"/>
             <p:custDataLst>
-              <p:tags r:id="rId2"/>
+              <p:tags r:id="rId1"/>
             </p:custDataLst>
           </p:nvPr>
         </p:nvSpPr>
@@ -15609,9 +15534,6 @@
               </a:rPr>
               <a:t>单击此处编辑母版标题样式</a:t>
             </a:r>
-            <a:endParaRPr>
-              <a:sym typeface="+mn-ea"/>
-            </a:endParaRPr>
           </a:p>
         </p:txBody>
       </p:sp>
@@ -15624,7 +15546,7 @@
           <p:nvPr>
             <p:ph type="body" orient="vert" idx="1"/>
             <p:custDataLst>
-              <p:tags r:id="rId3"/>
+              <p:tags r:id="rId2"/>
             </p:custDataLst>
           </p:nvPr>
         </p:nvSpPr>
@@ -15704,7 +15626,6 @@
               <a:rPr lang="zh-CN" altLang="en-US" dirty="0"/>
               <a:t>单击此处编辑母版文本样式</a:t>
             </a:r>
-            <a:endParaRPr lang="zh-CN" altLang="en-US" dirty="0"/>
           </a:p>
           <a:p>
             <a:pPr lvl="1"/>
@@ -15712,7 +15633,6 @@
               <a:rPr lang="zh-CN" altLang="en-US" dirty="0"/>
               <a:t>第二级</a:t>
             </a:r>
-            <a:endParaRPr lang="zh-CN" altLang="en-US" dirty="0"/>
           </a:p>
           <a:p>
             <a:pPr lvl="2"/>
@@ -15720,7 +15640,6 @@
               <a:rPr lang="zh-CN" altLang="en-US" dirty="0"/>
               <a:t>第三级</a:t>
             </a:r>
-            <a:endParaRPr lang="zh-CN" altLang="en-US" dirty="0"/>
           </a:p>
           <a:p>
             <a:pPr lvl="3"/>
@@ -15728,7 +15647,6 @@
               <a:rPr lang="zh-CN" altLang="en-US" dirty="0"/>
               <a:t>第四级</a:t>
             </a:r>
-            <a:endParaRPr lang="zh-CN" altLang="en-US" dirty="0"/>
           </a:p>
           <a:p>
             <a:pPr lvl="4"/>
@@ -15736,7 +15654,6 @@
               <a:rPr lang="zh-CN" altLang="en-US" dirty="0"/>
               <a:t>第五级</a:t>
             </a:r>
-            <a:endParaRPr lang="zh-CN" altLang="en-US" dirty="0"/>
           </a:p>
         </p:txBody>
       </p:sp>
@@ -15749,7 +15666,7 @@
           <p:nvPr>
             <p:ph type="dt" sz="half" idx="10"/>
             <p:custDataLst>
-              <p:tags r:id="rId4"/>
+              <p:tags r:id="rId3"/>
             </p:custDataLst>
           </p:nvPr>
         </p:nvSpPr>
@@ -15760,6 +15677,7 @@
           <a:p>
             <a:fld id="{760FBDFE-C587-4B4C-A407-44438C67B59E}" type="datetimeFigureOut">
               <a:rPr lang="zh-CN" altLang="en-US" smtClean="0"/>
+              <a:t>2019/6/23</a:t>
             </a:fld>
             <a:endParaRPr lang="zh-CN" altLang="en-US"/>
           </a:p>
@@ -15774,7 +15692,7 @@
           <p:nvPr>
             <p:ph type="ftr" sz="quarter" idx="11"/>
             <p:custDataLst>
-              <p:tags r:id="rId5"/>
+              <p:tags r:id="rId4"/>
             </p:custDataLst>
           </p:nvPr>
         </p:nvSpPr>
@@ -15796,7 +15714,7 @@
           <p:nvPr>
             <p:ph type="sldNum" sz="quarter" idx="12"/>
             <p:custDataLst>
-              <p:tags r:id="rId6"/>
+              <p:tags r:id="rId5"/>
             </p:custDataLst>
           </p:nvPr>
         </p:nvSpPr>
@@ -15807,6 +15725,7 @@
           <a:p>
             <a:fld id="{49AE70B2-8BF9-45C0-BB95-33D1B9D3A854}" type="slidenum">
               <a:rPr lang="zh-CN" altLang="en-US" smtClean="0"/>
+              <a:t>‹#›</a:t>
             </a:fld>
             <a:endParaRPr lang="zh-CN" altLang="en-US"/>
           </a:p>
@@ -15817,13 +15736,13 @@
   <p:clrMapOvr>
     <a:masterClrMapping/>
   </p:clrMapOvr>
-  <mc:AlternateContent xmlns:mc="http://schemas.openxmlformats.org/markup-compatibility/2006">
-    <mc:Choice xmlns:p14="http://schemas.microsoft.com/office/powerpoint/2010/main" Requires="p14">
+  <mc:AlternateContent xmlns:mc="http://schemas.openxmlformats.org/markup-compatibility/2006" xmlns:p14="http://schemas.microsoft.com/office/powerpoint/2010/main">
+    <mc:Choice Requires="p14">
       <p:transition spd="med" p14:dur="700">
         <p:fade/>
       </p:transition>
     </mc:Choice>
-    <mc:Fallback>
+    <mc:Fallback xmlns="">
       <p:transition spd="med">
         <p:fade/>
       </p:transition>
@@ -15866,7 +15785,7 @@
           <p:nvPr>
             <p:ph type="title"/>
             <p:custDataLst>
-              <p:tags r:id="rId12"/>
+              <p:tags r:id="rId13"/>
             </p:custDataLst>
           </p:nvPr>
         </p:nvSpPr>
@@ -15889,7 +15808,6 @@
               <a:rPr lang="zh-CN" altLang="en-US" dirty="0"/>
               <a:t>单击此处编辑母版标题样式</a:t>
             </a:r>
-            <a:endParaRPr lang="zh-CN" altLang="en-US" dirty="0"/>
           </a:p>
         </p:txBody>
       </p:sp>
@@ -15902,7 +15820,7 @@
           <p:nvPr>
             <p:ph type="body" idx="1"/>
             <p:custDataLst>
-              <p:tags r:id="rId13"/>
+              <p:tags r:id="rId14"/>
             </p:custDataLst>
           </p:nvPr>
         </p:nvSpPr>
@@ -15926,7 +15844,6 @@
               <a:rPr lang="zh-CN" altLang="en-US" dirty="0"/>
               <a:t>单击此处编辑母版文本样式</a:t>
             </a:r>
-            <a:endParaRPr lang="zh-CN" altLang="en-US" dirty="0"/>
           </a:p>
           <a:p>
             <a:pPr lvl="1"/>
@@ -15934,7 +15851,6 @@
               <a:rPr lang="zh-CN" altLang="en-US" dirty="0"/>
               <a:t>第二级</a:t>
             </a:r>
-            <a:endParaRPr lang="zh-CN" altLang="en-US" dirty="0"/>
           </a:p>
           <a:p>
             <a:pPr lvl="2"/>
@@ -15942,7 +15858,6 @@
               <a:rPr lang="zh-CN" altLang="en-US" dirty="0"/>
               <a:t>第三级</a:t>
             </a:r>
-            <a:endParaRPr lang="zh-CN" altLang="en-US" dirty="0"/>
           </a:p>
           <a:p>
             <a:pPr lvl="3"/>
@@ -15950,7 +15865,6 @@
               <a:rPr lang="zh-CN" altLang="en-US" dirty="0"/>
               <a:t>第四级</a:t>
             </a:r>
-            <a:endParaRPr lang="zh-CN" altLang="en-US" dirty="0"/>
           </a:p>
           <a:p>
             <a:pPr lvl="4"/>
@@ -15958,7 +15872,6 @@
               <a:rPr lang="zh-CN" altLang="en-US" dirty="0"/>
               <a:t>第五级</a:t>
             </a:r>
-            <a:endParaRPr lang="zh-CN" altLang="en-US" dirty="0"/>
           </a:p>
         </p:txBody>
       </p:sp>
@@ -15971,7 +15884,7 @@
           <p:nvPr>
             <p:ph type="dt" sz="half" idx="2"/>
             <p:custDataLst>
-              <p:tags r:id="rId14"/>
+              <p:tags r:id="rId15"/>
             </p:custDataLst>
           </p:nvPr>
         </p:nvSpPr>
@@ -16005,6 +15918,7 @@
           <a:p>
             <a:fld id="{760FBDFE-C587-4B4C-A407-44438C67B59E}" type="datetimeFigureOut">
               <a:rPr lang="zh-CN" altLang="en-US" smtClean="0"/>
+              <a:t>2019/6/23</a:t>
             </a:fld>
             <a:endParaRPr lang="zh-CN" altLang="en-US"/>
           </a:p>
@@ -16019,7 +15933,7 @@
           <p:nvPr>
             <p:ph type="ftr" sz="quarter" idx="3"/>
             <p:custDataLst>
-              <p:tags r:id="rId15"/>
+              <p:tags r:id="rId16"/>
             </p:custDataLst>
           </p:nvPr>
         </p:nvSpPr>
@@ -16064,7 +15978,7 @@
           <p:nvPr>
             <p:ph type="sldNum" sz="quarter" idx="4"/>
             <p:custDataLst>
-              <p:tags r:id="rId16"/>
+              <p:tags r:id="rId17"/>
             </p:custDataLst>
           </p:nvPr>
         </p:nvSpPr>
@@ -16098,6 +16012,7 @@
           <a:p>
             <a:fld id="{49AE70B2-8BF9-45C0-BB95-33D1B9D3A854}" type="slidenum">
               <a:rPr lang="zh-CN" altLang="en-US" smtClean="0"/>
+              <a:t>‹#›</a:t>
             </a:fld>
             <a:endParaRPr lang="zh-CN" altLang="en-US" dirty="0"/>
           </a:p>
@@ -16109,7 +16024,7 @@
           <p:cNvSpPr/>
           <p:nvPr>
             <p:custDataLst>
-              <p:tags r:id="rId17"/>
+              <p:tags r:id="rId18"/>
             </p:custDataLst>
           </p:nvPr>
         </p:nvSpPr>
@@ -16167,13 +16082,13 @@
     <p:sldLayoutId id="2147483658" r:id="rId10"/>
     <p:sldLayoutId id="2147483659" r:id="rId11"/>
   </p:sldLayoutIdLst>
-  <mc:AlternateContent xmlns:mc="http://schemas.openxmlformats.org/markup-compatibility/2006">
-    <mc:Choice xmlns:p14="http://schemas.microsoft.com/office/powerpoint/2010/main" Requires="p14">
+  <mc:AlternateContent xmlns:mc="http://schemas.openxmlformats.org/markup-compatibility/2006" xmlns:p14="http://schemas.microsoft.com/office/powerpoint/2010/main">
+    <mc:Choice Requires="p14">
       <p:transition spd="med" p14:dur="700">
         <p:fade/>
       </p:transition>
     </mc:Choice>
-    <mc:Fallback>
+    <mc:Fallback xmlns="">
       <p:transition spd="med">
         <p:fade/>
       </p:transition>
@@ -16540,7 +16455,6 @@
               <a:rPr lang="zh-CN" altLang="en-US" dirty="0"/>
               <a:t>户外射击游戏</a:t>
             </a:r>
-            <a:endParaRPr lang="zh-CN" altLang="en-US" dirty="0"/>
           </a:p>
         </p:txBody>
       </p:sp>
@@ -16583,11 +16497,6 @@
               </a:rPr>
               <a:t>组</a:t>
             </a:r>
-            <a:endParaRPr lang="zh-CN" altLang="en-US" dirty="0">
-              <a:solidFill>
-                <a:schemeClr val="tx1"/>
-              </a:solidFill>
-            </a:endParaRPr>
           </a:p>
         </p:txBody>
       </p:sp>
@@ -16599,13 +16508,13 @@
   <p:clrMapOvr>
     <a:masterClrMapping/>
   </p:clrMapOvr>
-  <mc:AlternateContent xmlns:mc="http://schemas.openxmlformats.org/markup-compatibility/2006">
-    <mc:Choice xmlns:p14="http://schemas.microsoft.com/office/powerpoint/2010/main" Requires="p14">
+  <mc:AlternateContent xmlns:mc="http://schemas.openxmlformats.org/markup-compatibility/2006" xmlns:p14="http://schemas.microsoft.com/office/powerpoint/2010/main">
+    <mc:Choice Requires="p14">
       <p:transition spd="med" p14:dur="700">
         <p:fade/>
       </p:transition>
     </mc:Choice>
-    <mc:Fallback>
+    <mc:Fallback xmlns="">
       <p:transition spd="med">
         <p:fade/>
       </p:transition>
@@ -16732,13 +16641,13 @@
   <p:clrMapOvr>
     <a:masterClrMapping/>
   </p:clrMapOvr>
-  <mc:AlternateContent xmlns:mc="http://schemas.openxmlformats.org/markup-compatibility/2006">
-    <mc:Choice xmlns:p14="http://schemas.microsoft.com/office/powerpoint/2010/main" Requires="p14">
+  <mc:AlternateContent xmlns:mc="http://schemas.openxmlformats.org/markup-compatibility/2006" xmlns:p14="http://schemas.microsoft.com/office/powerpoint/2010/main">
+    <mc:Choice Requires="p14">
       <p:transition spd="med" p14:dur="700">
         <p:fade/>
       </p:transition>
     </mc:Choice>
-    <mc:Fallback>
+    <mc:Fallback xmlns="">
       <p:transition spd="med">
         <p:fade/>
       </p:transition>
@@ -16783,7 +16692,6 @@
               <a:rPr lang="en-US" altLang="zh-CN" dirty="0"/>
               <a:t>4. Shadow Mapping</a:t>
             </a:r>
-            <a:endParaRPr lang="en-US" altLang="zh-CN" dirty="0"/>
           </a:p>
         </p:txBody>
       </p:sp>
@@ -16814,7 +16722,6 @@
               <a:rPr lang="zh-CN" altLang="en-US" dirty="0"/>
               <a:t>作品实现了阴影贴图效果，并做出改进。</a:t>
             </a:r>
-            <a:endParaRPr lang="zh-CN" altLang="en-US" dirty="0"/>
           </a:p>
         </p:txBody>
       </p:sp>
@@ -16826,13 +16733,13 @@
   <p:clrMapOvr>
     <a:masterClrMapping/>
   </p:clrMapOvr>
-  <mc:AlternateContent xmlns:mc="http://schemas.openxmlformats.org/markup-compatibility/2006">
-    <mc:Choice xmlns:p14="http://schemas.microsoft.com/office/powerpoint/2010/main" Requires="p14">
+  <mc:AlternateContent xmlns:mc="http://schemas.openxmlformats.org/markup-compatibility/2006" xmlns:p14="http://schemas.microsoft.com/office/powerpoint/2010/main">
+    <mc:Choice Requires="p14">
       <p:transition spd="med" p14:dur="700">
         <p:fade/>
       </p:transition>
     </mc:Choice>
-    <mc:Fallback>
+    <mc:Fallback xmlns="">
       <p:transition spd="med">
         <p:fade/>
       </p:transition>
@@ -16877,7 +16784,6 @@
               <a:rPr lang="en-US" altLang="zh-CN" dirty="0"/>
               <a:t>5. Model Import &amp; Mesh Viewing</a:t>
             </a:r>
-            <a:endParaRPr lang="en-US" altLang="zh-CN" dirty="0"/>
           </a:p>
         </p:txBody>
       </p:sp>
@@ -16916,7 +16822,6 @@
               <a:rPr dirty="0"/>
               <a:t>库进行模型的加载</a:t>
             </a:r>
-            <a:endParaRPr dirty="0"/>
           </a:p>
         </p:txBody>
       </p:sp>
@@ -16928,13 +16833,13 @@
   <p:clrMapOvr>
     <a:masterClrMapping/>
   </p:clrMapOvr>
-  <mc:AlternateContent xmlns:mc="http://schemas.openxmlformats.org/markup-compatibility/2006">
-    <mc:Choice xmlns:p14="http://schemas.microsoft.com/office/powerpoint/2010/main" Requires="p14">
+  <mc:AlternateContent xmlns:mc="http://schemas.openxmlformats.org/markup-compatibility/2006" xmlns:p14="http://schemas.microsoft.com/office/powerpoint/2010/main">
+    <mc:Choice Requires="p14">
       <p:transition spd="med" p14:dur="700">
         <p:fade/>
       </p:transition>
     </mc:Choice>
-    <mc:Fallback>
+    <mc:Fallback xmlns="">
       <p:transition spd="med">
         <p:fade/>
       </p:transition>
@@ -16993,7 +16898,6 @@
               <a:rPr lang="zh-CN" altLang="en-US" sz="4000" dirty="0"/>
               <a:t>功能实现</a:t>
             </a:r>
-            <a:endParaRPr lang="zh-CN" altLang="en-US" sz="4000" dirty="0"/>
           </a:p>
         </p:txBody>
       </p:sp>
@@ -17005,13 +16909,13 @@
   <p:clrMapOvr>
     <a:masterClrMapping/>
   </p:clrMapOvr>
-  <mc:AlternateContent xmlns:mc="http://schemas.openxmlformats.org/markup-compatibility/2006">
-    <mc:Choice xmlns:p14="http://schemas.microsoft.com/office/powerpoint/2010/main" Requires="p14">
+  <mc:AlternateContent xmlns:mc="http://schemas.openxmlformats.org/markup-compatibility/2006" xmlns:p14="http://schemas.microsoft.com/office/powerpoint/2010/main">
+    <mc:Choice Requires="p14">
       <p:transition spd="med" p14:dur="700">
         <p:fade/>
       </p:transition>
     </mc:Choice>
-    <mc:Fallback>
+    <mc:Fallback xmlns="">
       <p:transition spd="med">
         <p:fade/>
       </p:transition>
@@ -17060,7 +16964,6 @@
               <a:rPr lang="zh-CN" altLang="en-US" dirty="0"/>
               <a:t>功能预览</a:t>
             </a:r>
-            <a:endParaRPr lang="zh-CN" altLang="en-US" dirty="0"/>
           </a:p>
         </p:txBody>
       </p:sp>
@@ -17206,13 +17109,13 @@
   <p:clrMapOvr>
     <a:masterClrMapping/>
   </p:clrMapOvr>
-  <mc:AlternateContent xmlns:mc="http://schemas.openxmlformats.org/markup-compatibility/2006">
-    <mc:Choice xmlns:p14="http://schemas.microsoft.com/office/powerpoint/2010/main" Requires="p14">
+  <mc:AlternateContent xmlns:mc="http://schemas.openxmlformats.org/markup-compatibility/2006" xmlns:p14="http://schemas.microsoft.com/office/powerpoint/2010/main">
+    <mc:Choice Requires="p14">
       <p:transition spd="slow" p14:dur="800">
         <p14:flythrough/>
       </p:transition>
     </mc:Choice>
-    <mc:Fallback>
+    <mc:Fallback xmlns="">
       <p:transition spd="slow">
         <p:fade/>
       </p:transition>
@@ -17261,7 +17164,6 @@
               <a:rPr dirty="0"/>
               <a:t>天空盒</a:t>
             </a:r>
-            <a:endParaRPr dirty="0"/>
           </a:p>
         </p:txBody>
       </p:sp>
@@ -17292,7 +17194,6 @@
               <a:rPr lang="zh-CN" altLang="en-US" dirty="0"/>
               <a:t>使用立方体贴图技术，为正方体的六个面分别进行纹理的绑定</a:t>
             </a:r>
-            <a:endParaRPr lang="zh-CN" altLang="en-US" dirty="0"/>
           </a:p>
           <a:p>
             <a:endParaRPr lang="zh-CN" altLang="en-US" dirty="0"/>
@@ -17302,10 +17203,45 @@
               <a:rPr lang="zh-CN" altLang="en-US" dirty="0"/>
               <a:t>同时移除观察矩阵中的位移部分，让移动不会影响天空盒的位置向量</a:t>
             </a:r>
-            <a:endParaRPr lang="zh-CN" altLang="en-US" dirty="0"/>
           </a:p>
         </p:txBody>
       </p:sp>
+      <p:pic>
+        <p:nvPicPr>
+          <p:cNvPr id="5" name="图片 4">
+            <a:extLst>
+              <a:ext uri="{FF2B5EF4-FFF2-40B4-BE49-F238E27FC236}">
+                <a16:creationId xmlns:a16="http://schemas.microsoft.com/office/drawing/2014/main" id="{FED13022-6808-47A1-9DDC-52E03C2159B4}"/>
+              </a:ext>
+            </a:extLst>
+          </p:cNvPr>
+          <p:cNvPicPr>
+            <a:picLocks noChangeAspect="1"/>
+          </p:cNvPicPr>
+          <p:nvPr/>
+        </p:nvPicPr>
+        <p:blipFill>
+          <a:blip r:embed="rId3">
+            <a:extLst>
+              <a:ext uri="{28A0092B-C50C-407E-A947-70E740481C1C}">
+                <a14:useLocalDpi xmlns:a14="http://schemas.microsoft.com/office/drawing/2010/main" val="0"/>
+              </a:ext>
+            </a:extLst>
+          </a:blip>
+          <a:stretch>
+            <a:fillRect/>
+          </a:stretch>
+        </p:blipFill>
+        <p:spPr>
+          <a:xfrm>
+            <a:off x="6536183" y="1246729"/>
+            <a:ext cx="4652507" cy="3643324"/>
+          </a:xfrm>
+          <a:prstGeom prst="rect">
+            <a:avLst/>
+          </a:prstGeom>
+        </p:spPr>
+      </p:pic>
     </p:spTree>
     <p:custDataLst>
       <p:tags r:id="rId1"/>
@@ -17314,13 +17250,13 @@
   <p:clrMapOvr>
     <a:masterClrMapping/>
   </p:clrMapOvr>
-  <mc:AlternateContent xmlns:mc="http://schemas.openxmlformats.org/markup-compatibility/2006">
-    <mc:Choice xmlns:p14="http://schemas.microsoft.com/office/powerpoint/2010/main" Requires="p14">
+  <mc:AlternateContent xmlns:mc="http://schemas.openxmlformats.org/markup-compatibility/2006" xmlns:p14="http://schemas.microsoft.com/office/powerpoint/2010/main">
+    <mc:Choice Requires="p14">
       <p:transition spd="med" p14:dur="700">
         <p:fade/>
       </p:transition>
     </mc:Choice>
-    <mc:Fallback>
+    <mc:Fallback xmlns="">
       <p:transition spd="med">
         <p:fade/>
       </p:transition>
@@ -17369,7 +17305,6 @@
               <a:rPr dirty="0"/>
               <a:t>重力系统与碰撞检测</a:t>
             </a:r>
-            <a:endParaRPr dirty="0"/>
           </a:p>
         </p:txBody>
       </p:sp>
@@ -17399,7 +17334,6 @@
               <a:rPr dirty="0"/>
               <a:t>重力系统</a:t>
             </a:r>
-            <a:endParaRPr dirty="0"/>
           </a:p>
           <a:p>
             <a:endParaRPr lang="en-US" altLang="zh-CN" dirty="0"/>
@@ -17409,7 +17343,6 @@
               <a:rPr dirty="0"/>
               <a:t>利用物理公式计算出玩家当前垂直方向的速度以及位移即可</a:t>
             </a:r>
-            <a:endParaRPr dirty="0"/>
           </a:p>
         </p:txBody>
       </p:sp>
@@ -17431,12 +17364,12 @@
           <a:graphicData uri="http://schemas.openxmlformats.org/presentationml/2006/ole">
             <mc:AlternateContent xmlns:mc="http://schemas.openxmlformats.org/markup-compatibility/2006">
               <mc:Choice xmlns:v="urn:schemas-microsoft-com:vml" Requires="v">
-                <p:oleObj spid="_x0000_s1052" name="" r:id="rId1" imgW="927100" imgH="482600" progId="Equation.KSEE3">
+                <p:oleObj spid="_x0000_s1058" r:id="rId4" imgW="927100" imgH="482600" progId="Equation.KSEE3">
                   <p:embed/>
                 </p:oleObj>
               </mc:Choice>
               <mc:Fallback>
-                <p:oleObj name="" r:id="rId1" imgW="927100" imgH="482600" progId="Equation.KSEE3">
+                <p:oleObj r:id="rId4" imgW="927100" imgH="482600" progId="Equation.KSEE3">
                   <p:embed/>
                   <p:pic>
                     <p:nvPicPr>
@@ -17445,7 +17378,7 @@
                       <p:nvPr/>
                     </p:nvPicPr>
                     <p:blipFill>
-                      <a:blip r:embed="rId2"/>
+                      <a:blip r:embed="rId5"/>
                       <a:stretch>
                         <a:fillRect/>
                       </a:stretch>
@@ -17468,19 +17401,19 @@
       </p:graphicFrame>
     </p:spTree>
     <p:custDataLst>
-      <p:tags r:id="rId3"/>
+      <p:tags r:id="rId2"/>
     </p:custDataLst>
   </p:cSld>
   <p:clrMapOvr>
     <a:masterClrMapping/>
   </p:clrMapOvr>
-  <mc:AlternateContent xmlns:mc="http://schemas.openxmlformats.org/markup-compatibility/2006">
-    <mc:Choice xmlns:p14="http://schemas.microsoft.com/office/powerpoint/2010/main" Requires="p14">
+  <mc:AlternateContent xmlns:mc="http://schemas.openxmlformats.org/markup-compatibility/2006" xmlns:p14="http://schemas.microsoft.com/office/powerpoint/2010/main">
+    <mc:Choice Requires="p14">
       <p:transition spd="med" p14:dur="700">
         <p:fade/>
       </p:transition>
     </mc:Choice>
-    <mc:Fallback>
+    <mc:Fallback xmlns="">
       <p:transition spd="med">
         <p:fade/>
       </p:transition>
@@ -17562,7 +17495,6 @@
               <a:rPr dirty="0"/>
               <a:t>碰撞检测</a:t>
             </a:r>
-            <a:endParaRPr dirty="0"/>
           </a:p>
           <a:p>
             <a:endParaRPr dirty="0"/>
@@ -17580,7 +17512,6 @@
               <a:rPr dirty="0"/>
               <a:t>）场景外围边缘检测：</a:t>
             </a:r>
-            <a:endParaRPr dirty="0"/>
           </a:p>
           <a:p>
             <a:r>
@@ -17595,7 +17526,6 @@
               <a:rPr dirty="0"/>
               <a:t>平面的碰撞检测即可</a:t>
             </a:r>
-            <a:endParaRPr dirty="0"/>
           </a:p>
           <a:p>
             <a:endParaRPr dirty="0"/>
@@ -17613,14 +17543,12 @@
               <a:rPr dirty="0"/>
               <a:t>）场景内部物体检测：</a:t>
             </a:r>
-            <a:endParaRPr dirty="0"/>
           </a:p>
           <a:p>
             <a:r>
               <a:rPr dirty="0"/>
               <a:t>只有当玩家身体处于碰撞体垂直区域范围内，才进行XZ平面的碰撞检测。</a:t>
             </a:r>
-            <a:endParaRPr dirty="0"/>
           </a:p>
         </p:txBody>
       </p:sp>
@@ -17632,13 +17560,13 @@
   <p:clrMapOvr>
     <a:masterClrMapping/>
   </p:clrMapOvr>
-  <mc:AlternateContent xmlns:mc="http://schemas.openxmlformats.org/markup-compatibility/2006">
-    <mc:Choice xmlns:p14="http://schemas.microsoft.com/office/powerpoint/2010/main" Requires="p14">
+  <mc:AlternateContent xmlns:mc="http://schemas.openxmlformats.org/markup-compatibility/2006" xmlns:p14="http://schemas.microsoft.com/office/powerpoint/2010/main">
+    <mc:Choice Requires="p14">
       <p:transition spd="med" p14:dur="700">
         <p:fade/>
       </p:transition>
     </mc:Choice>
-    <mc:Fallback>
+    <mc:Fallback xmlns="">
       <p:transition spd="med">
         <p:fade/>
       </p:transition>
@@ -17687,7 +17615,6 @@
               <a:rPr dirty="0"/>
               <a:t>爆炸效果</a:t>
             </a:r>
-            <a:endParaRPr dirty="0"/>
           </a:p>
         </p:txBody>
       </p:sp>
@@ -17718,7 +17645,6 @@
               <a:rPr lang="zh-CN" altLang="en-US" dirty="0"/>
               <a:t>这部分使用几何着色器进行实现</a:t>
             </a:r>
-            <a:endParaRPr lang="zh-CN" altLang="en-US" dirty="0"/>
           </a:p>
           <a:p>
             <a:endParaRPr lang="en-US" altLang="zh-CN" dirty="0"/>
@@ -17732,7 +17658,6 @@
               <a:rPr dirty="0"/>
               <a:t>首先通过一个面的三个顶点坐标计算出当前面的法线向量。</a:t>
             </a:r>
-            <a:endParaRPr dirty="0"/>
           </a:p>
           <a:p>
             <a:endParaRPr lang="en-US" altLang="zh-CN" dirty="0"/>
@@ -17746,7 +17671,6 @@
               <a:rPr dirty="0"/>
               <a:t>然后将这三个顶点同时沿法线向量偏移一段距离</a:t>
             </a:r>
-            <a:endParaRPr dirty="0"/>
           </a:p>
           <a:p>
             <a:r>
@@ -17757,7 +17681,6 @@
               <a:rPr dirty="0"/>
               <a:t>将偏移后的顶点坐标向量作为新的坐标向量输出</a:t>
             </a:r>
-            <a:endParaRPr dirty="0"/>
           </a:p>
           <a:p>
             <a:endParaRPr dirty="0"/>
@@ -17772,13 +17695,13 @@
   <p:clrMapOvr>
     <a:masterClrMapping/>
   </p:clrMapOvr>
-  <mc:AlternateContent xmlns:mc="http://schemas.openxmlformats.org/markup-compatibility/2006">
-    <mc:Choice xmlns:p14="http://schemas.microsoft.com/office/powerpoint/2010/main" Requires="p14">
+  <mc:AlternateContent xmlns:mc="http://schemas.openxmlformats.org/markup-compatibility/2006" xmlns:p14="http://schemas.microsoft.com/office/powerpoint/2010/main">
+    <mc:Choice Requires="p14">
       <p:transition spd="med" p14:dur="700">
         <p:fade/>
       </p:transition>
     </mc:Choice>
-    <mc:Fallback>
+    <mc:Fallback xmlns="">
       <p:transition spd="med">
         <p:fade/>
       </p:transition>
@@ -17831,7 +17754,6 @@
               <a:rPr lang="en-US" altLang="zh-CN" dirty="0"/>
               <a:t> </a:t>
             </a:r>
-            <a:endParaRPr lang="en-US" altLang="zh-CN" dirty="0"/>
           </a:p>
         </p:txBody>
       </p:sp>
@@ -17878,7 +17800,6 @@
               <a:rPr lang="en-US" altLang="zh-CN" dirty="0"/>
               <a:t>model</a:t>
             </a:r>
-            <a:endParaRPr lang="en-US" altLang="zh-CN" dirty="0"/>
           </a:p>
           <a:p>
             <a:endParaRPr lang="en-US" altLang="zh-CN" dirty="0"/>
@@ -17936,7 +17857,6 @@
               <a:rPr lang="zh-CN" altLang="en-US" dirty="0"/>
               <a:t>绘制特定数量的实例</a:t>
             </a:r>
-            <a:endParaRPr lang="zh-CN" altLang="en-US" dirty="0"/>
           </a:p>
         </p:txBody>
       </p:sp>
@@ -17948,13 +17868,13 @@
   <p:clrMapOvr>
     <a:masterClrMapping/>
   </p:clrMapOvr>
-  <mc:AlternateContent xmlns:mc="http://schemas.openxmlformats.org/markup-compatibility/2006">
-    <mc:Choice xmlns:p14="http://schemas.microsoft.com/office/powerpoint/2010/main" Requires="p14">
+  <mc:AlternateContent xmlns:mc="http://schemas.openxmlformats.org/markup-compatibility/2006" xmlns:p14="http://schemas.microsoft.com/office/powerpoint/2010/main">
+    <mc:Choice Requires="p14">
       <p:transition spd="med" p14:dur="700">
         <p:fade/>
       </p:transition>
     </mc:Choice>
-    <mc:Fallback>
+    <mc:Fallback xmlns="">
       <p:transition spd="med">
         <p:fade/>
       </p:transition>
@@ -17999,7 +17919,6 @@
               <a:rPr lang="zh-CN" altLang="en-US" dirty="0"/>
               <a:t>内容概览</a:t>
             </a:r>
-            <a:endParaRPr lang="zh-CN" altLang="en-US" dirty="0"/>
           </a:p>
         </p:txBody>
       </p:sp>
@@ -18183,17 +18102,6 @@
               </a:rPr>
               <a:t>作品概述与成员分工</a:t>
             </a:r>
-            <a:endParaRPr lang="zh-CN" altLang="en-US" sz="2000" dirty="0">
-              <a:solidFill>
-                <a:schemeClr val="tx1">
-                  <a:lumMod val="85000"/>
-                  <a:lumOff val="15000"/>
-                </a:schemeClr>
-              </a:solidFill>
-              <a:latin typeface="微软雅黑" panose="020B0503020204020204" charset="-122"/>
-              <a:ea typeface="微软雅黑" panose="020B0503020204020204" charset="-122"/>
-              <a:cs typeface="微软雅黑" panose="020B0503020204020204" charset="-122"/>
-            </a:endParaRPr>
           </a:p>
         </p:txBody>
       </p:sp>
@@ -18254,14 +18162,6 @@
               </a:rPr>
               <a:t>1</a:t>
             </a:r>
-            <a:endParaRPr lang="en-US" altLang="zh-CN" sz="1600" dirty="0">
-              <a:solidFill>
-                <a:schemeClr val="accent1"/>
-              </a:solidFill>
-              <a:latin typeface="微软雅黑" panose="020B0503020204020204" charset="-122"/>
-              <a:ea typeface="微软雅黑" panose="020B0503020204020204" charset="-122"/>
-              <a:cs typeface="微软雅黑" panose="020B0503020204020204" charset="-122"/>
-            </a:endParaRPr>
           </a:p>
         </p:txBody>
       </p:sp>
@@ -18459,17 +18359,6 @@
               </a:rPr>
               <a:t>功能实现</a:t>
             </a:r>
-            <a:endParaRPr lang="zh-CN" altLang="en-US" sz="2000" dirty="0">
-              <a:solidFill>
-                <a:schemeClr val="tx1">
-                  <a:lumMod val="85000"/>
-                  <a:lumOff val="15000"/>
-                </a:schemeClr>
-              </a:solidFill>
-              <a:latin typeface="微软雅黑" panose="020B0503020204020204" charset="-122"/>
-              <a:ea typeface="微软雅黑" panose="020B0503020204020204" charset="-122"/>
-              <a:cs typeface="微软雅黑" panose="020B0503020204020204" charset="-122"/>
-            </a:endParaRPr>
           </a:p>
         </p:txBody>
       </p:sp>
@@ -18530,14 +18419,6 @@
               </a:rPr>
               <a:t>2</a:t>
             </a:r>
-            <a:endParaRPr lang="en-US" altLang="zh-CN" sz="1600" dirty="0">
-              <a:solidFill>
-                <a:schemeClr val="accent1"/>
-              </a:solidFill>
-              <a:latin typeface="微软雅黑" panose="020B0503020204020204" charset="-122"/>
-              <a:ea typeface="微软雅黑" panose="020B0503020204020204" charset="-122"/>
-              <a:cs typeface="微软雅黑" panose="020B0503020204020204" charset="-122"/>
-            </a:endParaRPr>
           </a:p>
         </p:txBody>
       </p:sp>
@@ -18735,17 +18616,6 @@
               </a:rPr>
               <a:t>功能实现</a:t>
             </a:r>
-            <a:endParaRPr lang="zh-CN" altLang="en-US" sz="2000" dirty="0">
-              <a:solidFill>
-                <a:schemeClr val="tx1">
-                  <a:lumMod val="85000"/>
-                  <a:lumOff val="15000"/>
-                </a:schemeClr>
-              </a:solidFill>
-              <a:latin typeface="微软雅黑" panose="020B0503020204020204" charset="-122"/>
-              <a:ea typeface="微软雅黑" panose="020B0503020204020204" charset="-122"/>
-              <a:cs typeface="微软雅黑" panose="020B0503020204020204" charset="-122"/>
-            </a:endParaRPr>
           </a:p>
         </p:txBody>
       </p:sp>
@@ -18806,14 +18676,6 @@
               </a:rPr>
               <a:t>3</a:t>
             </a:r>
-            <a:endParaRPr lang="en-US" altLang="zh-CN" sz="1600" dirty="0">
-              <a:solidFill>
-                <a:schemeClr val="accent1"/>
-              </a:solidFill>
-              <a:latin typeface="微软雅黑" panose="020B0503020204020204" charset="-122"/>
-              <a:ea typeface="微软雅黑" panose="020B0503020204020204" charset="-122"/>
-              <a:cs typeface="微软雅黑" panose="020B0503020204020204" charset="-122"/>
-            </a:endParaRPr>
           </a:p>
         </p:txBody>
       </p:sp>
@@ -18915,14 +18777,6 @@
               </a:rPr>
               <a:t>4</a:t>
             </a:r>
-            <a:endParaRPr lang="en-US" altLang="zh-CN" sz="1600" dirty="0">
-              <a:solidFill>
-                <a:schemeClr val="accent1"/>
-              </a:solidFill>
-              <a:latin typeface="微软雅黑" panose="020B0503020204020204" charset="-122"/>
-              <a:ea typeface="微软雅黑" panose="020B0503020204020204" charset="-122"/>
-              <a:cs typeface="微软雅黑" panose="020B0503020204020204" charset="-122"/>
-            </a:endParaRPr>
           </a:p>
         </p:txBody>
       </p:sp>
@@ -19065,17 +18919,6 @@
               </a:rPr>
               <a:t>未来的改进</a:t>
             </a:r>
-            <a:endParaRPr lang="zh-CN" altLang="en-US" sz="2000" dirty="0">
-              <a:solidFill>
-                <a:schemeClr val="tx1">
-                  <a:lumMod val="85000"/>
-                  <a:lumOff val="15000"/>
-                </a:schemeClr>
-              </a:solidFill>
-              <a:latin typeface="微软雅黑" panose="020B0503020204020204" charset="-122"/>
-              <a:ea typeface="微软雅黑" panose="020B0503020204020204" charset="-122"/>
-              <a:cs typeface="微软雅黑" panose="020B0503020204020204" charset="-122"/>
-            </a:endParaRPr>
           </a:p>
         </p:txBody>
       </p:sp>
@@ -19084,13 +18927,13 @@
   <p:clrMapOvr>
     <a:masterClrMapping/>
   </p:clrMapOvr>
-  <mc:AlternateContent xmlns:mc="http://schemas.openxmlformats.org/markup-compatibility/2006">
-    <mc:Choice xmlns:p14="http://schemas.microsoft.com/office/powerpoint/2010/main" Requires="p14">
+  <mc:AlternateContent xmlns:mc="http://schemas.openxmlformats.org/markup-compatibility/2006" xmlns:p14="http://schemas.microsoft.com/office/powerpoint/2010/main">
+    <mc:Choice Requires="p14">
       <p:transition spd="slow" p14:dur="800">
         <p14:flythrough/>
       </p:transition>
     </mc:Choice>
-    <mc:Fallback>
+    <mc:Fallback xmlns="">
       <p:transition spd="slow">
         <p:fade/>
       </p:transition>
@@ -19139,7 +18982,6 @@
               <a:rPr dirty="0"/>
               <a:t>文字显示</a:t>
             </a:r>
-            <a:endParaRPr dirty="0"/>
           </a:p>
         </p:txBody>
       </p:sp>
@@ -19178,7 +19020,6 @@
               <a:rPr dirty="0"/>
               <a:t>库</a:t>
             </a:r>
-            <a:endParaRPr dirty="0"/>
           </a:p>
         </p:txBody>
       </p:sp>
@@ -19190,13 +19031,13 @@
   <p:clrMapOvr>
     <a:masterClrMapping/>
   </p:clrMapOvr>
-  <mc:AlternateContent xmlns:mc="http://schemas.openxmlformats.org/markup-compatibility/2006">
-    <mc:Choice xmlns:p14="http://schemas.microsoft.com/office/powerpoint/2010/main" Requires="p14">
+  <mc:AlternateContent xmlns:mc="http://schemas.openxmlformats.org/markup-compatibility/2006" xmlns:p14="http://schemas.microsoft.com/office/powerpoint/2010/main">
+    <mc:Choice Requires="p14">
       <p:transition spd="med" p14:dur="700">
         <p:fade/>
       </p:transition>
     </mc:Choice>
-    <mc:Fallback>
+    <mc:Fallback xmlns="">
       <p:transition spd="med">
         <p:fade/>
       </p:transition>
@@ -19245,6 +19086,10 @@
               <a:rPr dirty="0"/>
               <a:t>粒子系统</a:t>
             </a:r>
+            <a:r>
+              <a:rPr lang="zh-CN" altLang="en-US" dirty="0"/>
+              <a:t>与粒子效果</a:t>
+            </a:r>
             <a:endParaRPr dirty="0"/>
           </a:p>
         </p:txBody>
@@ -19259,15 +19104,169 @@
             <p:ph idx="1"/>
           </p:nvPr>
         </p:nvSpPr>
-        <p:spPr/>
+        <p:spPr>
+          <a:xfrm>
+            <a:off x="669883" y="952508"/>
+            <a:ext cx="4445456" cy="5388907"/>
+          </a:xfrm>
+        </p:spPr>
         <p:txBody>
           <a:bodyPr/>
           <a:lstStyle/>
           <a:p>
-            <a:endParaRPr lang="zh-CN" altLang="en-US" dirty="0"/>
+            <a:r>
+              <a:rPr lang="zh-CN" altLang="en-US"/>
+              <a:t>粒子系统</a:t>
+            </a:r>
+            <a:endParaRPr lang="en-US" altLang="zh-CN" dirty="0"/>
+          </a:p>
+          <a:p>
+            <a:pPr marL="0" indent="0">
+              <a:buNone/>
+            </a:pPr>
+            <a:r>
+              <a:rPr lang="zh-CN" altLang="en-US" dirty="0"/>
+              <a:t>粒子发射器作为一个点，持续的产生新的微粒设置速度、颜色、声明周期等属性，旧的微粒随着时间逐渐消亡。</a:t>
+            </a:r>
+            <a:endParaRPr lang="en-US" altLang="zh-CN" dirty="0"/>
+          </a:p>
+          <a:p>
+            <a:r>
+              <a:rPr lang="zh-CN" altLang="en-US" dirty="0"/>
+              <a:t>火焰模拟</a:t>
+            </a:r>
+            <a:endParaRPr lang="en-US" altLang="zh-CN" dirty="0"/>
+          </a:p>
+          <a:p>
+            <a:pPr marL="0" indent="0">
+              <a:buNone/>
+            </a:pPr>
+            <a:r>
+              <a:rPr lang="en-US" altLang="zh-CN" dirty="0"/>
+              <a:t>1.</a:t>
+            </a:r>
+            <a:r>
+              <a:rPr lang="zh-CN" altLang="en-US" dirty="0"/>
+              <a:t>火焰粒子材质贴图</a:t>
+            </a:r>
+            <a:endParaRPr lang="en-US" altLang="zh-CN" dirty="0"/>
+          </a:p>
+          <a:p>
+            <a:pPr marL="0" indent="0">
+              <a:buNone/>
+            </a:pPr>
+            <a:r>
+              <a:rPr lang="en-US" altLang="zh-CN" dirty="0"/>
+              <a:t>2.</a:t>
+            </a:r>
+            <a:r>
+              <a:rPr lang="zh-CN" altLang="en-US" dirty="0"/>
+              <a:t>颜色模拟：火焰粒子生命周期颜色由白到黄到红的渐变</a:t>
+            </a:r>
+            <a:endParaRPr lang="en-US" altLang="zh-CN" dirty="0"/>
+          </a:p>
+          <a:p>
+            <a:pPr marL="0" indent="0">
+              <a:buNone/>
+            </a:pPr>
+            <a:r>
+              <a:rPr lang="en-US" altLang="zh-CN" dirty="0"/>
+              <a:t>3.</a:t>
+            </a:r>
+            <a:r>
+              <a:rPr lang="zh-CN" altLang="en-US" dirty="0"/>
+              <a:t>形状：随机在火焰中心区域生成粒子，速度由一个背向中心的向量和一个向上的向量以一定比例组成。</a:t>
+            </a:r>
+            <a:endParaRPr lang="en-US" altLang="zh-CN" dirty="0"/>
+          </a:p>
+          <a:p>
+            <a:pPr marL="0" indent="0">
+              <a:buNone/>
+            </a:pPr>
+            <a:r>
+              <a:rPr lang="en-US" altLang="zh-CN" dirty="0"/>
+              <a:t>4.</a:t>
+            </a:r>
+            <a:r>
+              <a:rPr lang="zh-CN" altLang="en-US" dirty="0"/>
+              <a:t>随机旋转粒子贴图，使得火焰效果可以立体化观测。</a:t>
+            </a:r>
+            <a:endParaRPr lang="en-US" altLang="zh-CN" dirty="0"/>
           </a:p>
         </p:txBody>
       </p:sp>
+      <p:pic>
+        <p:nvPicPr>
+          <p:cNvPr id="5" name="图片 4">
+            <a:extLst>
+              <a:ext uri="{FF2B5EF4-FFF2-40B4-BE49-F238E27FC236}">
+                <a16:creationId xmlns:a16="http://schemas.microsoft.com/office/drawing/2014/main" id="{7FC0E854-854A-4954-BBED-0F034544CE76}"/>
+              </a:ext>
+            </a:extLst>
+          </p:cNvPr>
+          <p:cNvPicPr>
+            <a:picLocks noChangeAspect="1"/>
+          </p:cNvPicPr>
+          <p:nvPr/>
+        </p:nvPicPr>
+        <p:blipFill>
+          <a:blip r:embed="rId3">
+            <a:extLst>
+              <a:ext uri="{28A0092B-C50C-407E-A947-70E740481C1C}">
+                <a14:useLocalDpi xmlns:a14="http://schemas.microsoft.com/office/drawing/2010/main" val="0"/>
+              </a:ext>
+            </a:extLst>
+          </a:blip>
+          <a:stretch>
+            <a:fillRect/>
+          </a:stretch>
+        </p:blipFill>
+        <p:spPr>
+          <a:xfrm>
+            <a:off x="3949187" y="2421911"/>
+            <a:ext cx="609524" cy="609524"/>
+          </a:xfrm>
+          <a:prstGeom prst="rect">
+            <a:avLst/>
+          </a:prstGeom>
+        </p:spPr>
+      </p:pic>
+      <p:pic>
+        <p:nvPicPr>
+          <p:cNvPr id="7" name="图片 6">
+            <a:extLst>
+              <a:ext uri="{FF2B5EF4-FFF2-40B4-BE49-F238E27FC236}">
+                <a16:creationId xmlns:a16="http://schemas.microsoft.com/office/drawing/2014/main" id="{D6A18B06-F294-4138-82A7-67B9FA002802}"/>
+              </a:ext>
+            </a:extLst>
+          </p:cNvPr>
+          <p:cNvPicPr>
+            <a:picLocks noChangeAspect="1"/>
+          </p:cNvPicPr>
+          <p:nvPr/>
+        </p:nvPicPr>
+        <p:blipFill>
+          <a:blip r:embed="rId4">
+            <a:extLst>
+              <a:ext uri="{28A0092B-C50C-407E-A947-70E740481C1C}">
+                <a14:useLocalDpi xmlns:a14="http://schemas.microsoft.com/office/drawing/2010/main" val="0"/>
+              </a:ext>
+            </a:extLst>
+          </a:blip>
+          <a:stretch>
+            <a:fillRect/>
+          </a:stretch>
+        </p:blipFill>
+        <p:spPr>
+          <a:xfrm>
+            <a:off x="5711056" y="885198"/>
+            <a:ext cx="5811061" cy="4401165"/>
+          </a:xfrm>
+          <a:prstGeom prst="rect">
+            <a:avLst/>
+          </a:prstGeom>
+        </p:spPr>
+      </p:pic>
     </p:spTree>
     <p:custDataLst>
       <p:tags r:id="rId1"/>
@@ -19276,13 +19275,13 @@
   <p:clrMapOvr>
     <a:masterClrMapping/>
   </p:clrMapOvr>
-  <mc:AlternateContent xmlns:mc="http://schemas.openxmlformats.org/markup-compatibility/2006">
-    <mc:Choice xmlns:p14="http://schemas.microsoft.com/office/powerpoint/2010/main" Requires="p14">
+  <mc:AlternateContent xmlns:mc="http://schemas.openxmlformats.org/markup-compatibility/2006" xmlns:p14="http://schemas.microsoft.com/office/powerpoint/2010/main">
+    <mc:Choice Requires="p14">
       <p:transition spd="med" p14:dur="700">
         <p:fade/>
       </p:transition>
     </mc:Choice>
-    <mc:Fallback>
+    <mc:Fallback xmlns="">
       <p:transition spd="med">
         <p:fade/>
       </p:transition>
@@ -19331,7 +19330,6 @@
               <a:rPr dirty="0"/>
               <a:t>抗锯齿</a:t>
             </a:r>
-            <a:endParaRPr dirty="0"/>
           </a:p>
         </p:txBody>
       </p:sp>
@@ -19378,7 +19376,6 @@
               <a:rPr dirty="0"/>
               <a:t>算法。</a:t>
             </a:r>
-            <a:endParaRPr dirty="0"/>
           </a:p>
           <a:p>
             <a:endParaRPr dirty="0"/>
@@ -19392,14 +19389,12 @@
               <a:rPr dirty="0"/>
               <a:t>工作方法：</a:t>
             </a:r>
-            <a:endParaRPr dirty="0"/>
           </a:p>
           <a:p>
             <a:r>
               <a:rPr dirty="0"/>
               <a:t>无论三角形遮盖了多少个子采样点，（每个图元中）每个像素只运行一次片段着色器。片段着色器所使用的顶点数据会插值到每个像素的中心，所得到的结果颜色会被储存在每个被遮盖住的子采样点中。当颜色缓冲的子样本被图元的所有颜色填满时，所有的这些颜色将会在每个像素内部平均化。</a:t>
             </a:r>
-            <a:endParaRPr dirty="0"/>
           </a:p>
         </p:txBody>
       </p:sp>
@@ -19411,13 +19406,13 @@
   <p:clrMapOvr>
     <a:masterClrMapping/>
   </p:clrMapOvr>
-  <mc:AlternateContent xmlns:mc="http://schemas.openxmlformats.org/markup-compatibility/2006">
-    <mc:Choice xmlns:p14="http://schemas.microsoft.com/office/powerpoint/2010/main" Requires="p14">
+  <mc:AlternateContent xmlns:mc="http://schemas.openxmlformats.org/markup-compatibility/2006" xmlns:p14="http://schemas.microsoft.com/office/powerpoint/2010/main">
+    <mc:Choice Requires="p14">
       <p:transition spd="med" p14:dur="700">
         <p:fade/>
       </p:transition>
     </mc:Choice>
-    <mc:Fallback>
+    <mc:Fallback xmlns="">
       <p:transition spd="med">
         <p:fade/>
       </p:transition>
@@ -19466,7 +19461,6 @@
               <a:rPr dirty="0"/>
               <a:t>校正</a:t>
             </a:r>
-            <a:endParaRPr dirty="0"/>
           </a:p>
         </p:txBody>
       </p:sp>
@@ -19501,7 +19495,6 @@
               <a:rPr lang="zh-CN" altLang="en-US" dirty="0"/>
               <a:t>色彩校正</a:t>
             </a:r>
-            <a:endParaRPr lang="zh-CN" altLang="en-US" dirty="0"/>
           </a:p>
           <a:p>
             <a:r>
@@ -19516,7 +19509,6 @@
               <a:rPr lang="zh-CN" altLang="en-US" dirty="0"/>
               <a:t>曲线进行编辑，以对图像进行非线性色调编辑的方法，检出图像信号中的深色部分和浅色部分，并使两者比例增大，从而提高图像对比度效果。</a:t>
             </a:r>
-            <a:endParaRPr lang="zh-CN" altLang="en-US" dirty="0"/>
           </a:p>
           <a:p>
             <a:r>
@@ -19535,7 +19527,6 @@
               <a:rPr lang="zh-CN" altLang="en-US" dirty="0"/>
               <a:t>gamma值一般为2.2</a:t>
             </a:r>
-            <a:endParaRPr lang="zh-CN" altLang="en-US" dirty="0"/>
           </a:p>
           <a:p>
             <a:endParaRPr lang="zh-CN" altLang="en-US" dirty="0"/>
@@ -19549,14 +19540,12 @@
               <a:rPr dirty="0"/>
               <a:t>光照衰减</a:t>
             </a:r>
-            <a:endParaRPr dirty="0"/>
           </a:p>
           <a:p>
             <a:r>
               <a:rPr dirty="0"/>
               <a:t>模拟在真实的物理世界中，光照强度和光源的距离成反比。</a:t>
             </a:r>
-            <a:endParaRPr dirty="0"/>
           </a:p>
         </p:txBody>
       </p:sp>
@@ -19568,13 +19557,13 @@
   <p:clrMapOvr>
     <a:masterClrMapping/>
   </p:clrMapOvr>
-  <mc:AlternateContent xmlns:mc="http://schemas.openxmlformats.org/markup-compatibility/2006">
-    <mc:Choice xmlns:p14="http://schemas.microsoft.com/office/powerpoint/2010/main" Requires="p14">
+  <mc:AlternateContent xmlns:mc="http://schemas.openxmlformats.org/markup-compatibility/2006" xmlns:p14="http://schemas.microsoft.com/office/powerpoint/2010/main">
+    <mc:Choice Requires="p14">
       <p:transition spd="med" p14:dur="700">
         <p:fade/>
       </p:transition>
     </mc:Choice>
-    <mc:Fallback>
+    <mc:Fallback xmlns="">
       <p:transition spd="med">
         <p:fade/>
       </p:transition>
@@ -19623,7 +19612,6 @@
               <a:rPr dirty="0"/>
               <a:t>法线贴图</a:t>
             </a:r>
-            <a:endParaRPr dirty="0"/>
           </a:p>
         </p:txBody>
       </p:sp>
@@ -19654,13 +19642,13 @@
   <p:clrMapOvr>
     <a:masterClrMapping/>
   </p:clrMapOvr>
-  <mc:AlternateContent xmlns:mc="http://schemas.openxmlformats.org/markup-compatibility/2006">
-    <mc:Choice xmlns:p14="http://schemas.microsoft.com/office/powerpoint/2010/main" Requires="p14">
+  <mc:AlternateContent xmlns:mc="http://schemas.openxmlformats.org/markup-compatibility/2006" xmlns:p14="http://schemas.microsoft.com/office/powerpoint/2010/main">
+    <mc:Choice Requires="p14">
       <p:transition spd="med" p14:dur="700">
         <p:fade/>
       </p:transition>
     </mc:Choice>
-    <mc:Fallback>
+    <mc:Fallback xmlns="">
       <p:transition spd="med">
         <p:fade/>
       </p:transition>
@@ -19709,7 +19697,6 @@
               <a:rPr dirty="0"/>
               <a:t>面剔除</a:t>
             </a:r>
-            <a:endParaRPr dirty="0"/>
           </a:p>
         </p:txBody>
       </p:sp>
@@ -19724,7 +19711,7 @@
           </p:nvPr>
         </p:nvPicPr>
         <p:blipFill>
-          <a:blip r:embed="rId1"/>
+          <a:blip r:embed="rId3"/>
           <a:stretch>
             <a:fillRect/>
           </a:stretch>
@@ -19973,19 +19960,14 @@
               <a:rPr lang="zh-CN" altLang="en-US" dirty="0"/>
               <a:t>定义每个面时，使用逆时针的顺序定义其顶点。使得从观察者的视角看，正面的三角形以逆时针的顺序渲染，而背面的三角形以顺时针的顺序渲染。</a:t>
             </a:r>
+          </a:p>
+          <a:p>
             <a:endParaRPr lang="zh-CN" altLang="en-US" dirty="0"/>
           </a:p>
           <a:p>
-            <a:endParaRPr lang="zh-CN" altLang="en-US" dirty="0"/>
-          </a:p>
-          <a:p>
             <a:r>
               <a:rPr lang="zh-CN" altLang="en-US" dirty="0"/>
-              <a:t>通过定义正向面的渲染顺序，可以</a:t>
-            </a:r>
-            <a:r>
-              <a:rPr lang="zh-CN" altLang="en-US" dirty="0"/>
-              <a:t>控制</a:t>
+              <a:t>通过定义正向面的渲染顺序，可以控制</a:t>
             </a:r>
             <a:r>
               <a:rPr lang="en-US" altLang="zh-CN" dirty="0"/>
@@ -19995,25 +19977,24 @@
               <a:rPr dirty="0"/>
               <a:t>剔除的面的类型。</a:t>
             </a:r>
-            <a:endParaRPr dirty="0"/>
           </a:p>
         </p:txBody>
       </p:sp>
     </p:spTree>
     <p:custDataLst>
-      <p:tags r:id="rId2"/>
+      <p:tags r:id="rId1"/>
     </p:custDataLst>
   </p:cSld>
   <p:clrMapOvr>
     <a:masterClrMapping/>
   </p:clrMapOvr>
-  <mc:AlternateContent xmlns:mc="http://schemas.openxmlformats.org/markup-compatibility/2006">
-    <mc:Choice xmlns:p14="http://schemas.microsoft.com/office/powerpoint/2010/main" Requires="p14">
+  <mc:AlternateContent xmlns:mc="http://schemas.openxmlformats.org/markup-compatibility/2006" xmlns:p14="http://schemas.microsoft.com/office/powerpoint/2010/main">
+    <mc:Choice Requires="p14">
       <p:transition spd="med" p14:dur="700">
         <p:fade/>
       </p:transition>
     </mc:Choice>
-    <mc:Fallback>
+    <mc:Fallback xmlns="">
       <p:transition spd="med">
         <p:fade/>
       </p:transition>
@@ -20072,7 +20053,6 @@
               <a:rPr lang="zh-CN" altLang="en-US" sz="4000" dirty="0"/>
               <a:t>未来的改进</a:t>
             </a:r>
-            <a:endParaRPr lang="zh-CN" altLang="en-US" sz="4000" dirty="0"/>
           </a:p>
         </p:txBody>
       </p:sp>
@@ -20084,13 +20064,13 @@
   <p:clrMapOvr>
     <a:masterClrMapping/>
   </p:clrMapOvr>
-  <mc:AlternateContent xmlns:mc="http://schemas.openxmlformats.org/markup-compatibility/2006">
-    <mc:Choice xmlns:p14="http://schemas.microsoft.com/office/powerpoint/2010/main" Requires="p14">
+  <mc:AlternateContent xmlns:mc="http://schemas.openxmlformats.org/markup-compatibility/2006" xmlns:p14="http://schemas.microsoft.com/office/powerpoint/2010/main">
+    <mc:Choice Requires="p14">
       <p:transition spd="med" p14:dur="700">
         <p:fade/>
       </p:transition>
     </mc:Choice>
-    <mc:Fallback>
+    <mc:Fallback xmlns="">
       <p:transition spd="med">
         <p:fade/>
       </p:transition>
@@ -20159,13 +20139,13 @@
   <p:clrMapOvr>
     <a:masterClrMapping/>
   </p:clrMapOvr>
-  <mc:AlternateContent xmlns:mc="http://schemas.openxmlformats.org/markup-compatibility/2006">
-    <mc:Choice xmlns:p14="http://schemas.microsoft.com/office/powerpoint/2010/main" Requires="p14">
+  <mc:AlternateContent xmlns:mc="http://schemas.openxmlformats.org/markup-compatibility/2006" xmlns:p14="http://schemas.microsoft.com/office/powerpoint/2010/main">
+    <mc:Choice Requires="p14">
       <p:transition spd="slow" p14:dur="800">
         <p14:flythrough/>
       </p:transition>
     </mc:Choice>
-    <mc:Fallback>
+    <mc:Fallback xmlns="">
       <p:transition spd="slow">
         <p:fade/>
       </p:transition>
@@ -20210,7 +20190,6 @@
               <a:rPr lang="zh-CN" altLang="en-US" dirty="0"/>
               <a:t>谢谢！</a:t>
             </a:r>
-            <a:endParaRPr lang="zh-CN" altLang="en-US" dirty="0"/>
           </a:p>
         </p:txBody>
       </p:sp>
@@ -20253,11 +20232,6 @@
               </a:rPr>
               <a:t>组</a:t>
             </a:r>
-            <a:endParaRPr lang="zh-CN" altLang="en-US" dirty="0">
-              <a:solidFill>
-                <a:schemeClr val="tx1"/>
-              </a:solidFill>
-            </a:endParaRPr>
           </a:p>
         </p:txBody>
       </p:sp>
@@ -20269,13 +20243,13 @@
   <p:clrMapOvr>
     <a:masterClrMapping/>
   </p:clrMapOvr>
-  <mc:AlternateContent xmlns:mc="http://schemas.openxmlformats.org/markup-compatibility/2006">
-    <mc:Choice xmlns:p14="http://schemas.microsoft.com/office/powerpoint/2010/main" Requires="p14">
+  <mc:AlternateContent xmlns:mc="http://schemas.openxmlformats.org/markup-compatibility/2006" xmlns:p14="http://schemas.microsoft.com/office/powerpoint/2010/main">
+    <mc:Choice Requires="p14">
       <p:transition spd="med" p14:dur="700">
         <p:fade/>
       </p:transition>
     </mc:Choice>
-    <mc:Fallback>
+    <mc:Fallback xmlns="">
       <p:transition spd="med">
         <p:fade/>
       </p:transition>
@@ -20334,7 +20308,6 @@
               <a:rPr lang="zh-CN" altLang="en-US" sz="4000" dirty="0"/>
               <a:t>作品概述与成员分工</a:t>
             </a:r>
-            <a:endParaRPr lang="zh-CN" altLang="en-US" sz="4000" dirty="0"/>
           </a:p>
         </p:txBody>
       </p:sp>
@@ -20346,13 +20319,13 @@
   <p:clrMapOvr>
     <a:masterClrMapping/>
   </p:clrMapOvr>
-  <mc:AlternateContent xmlns:mc="http://schemas.openxmlformats.org/markup-compatibility/2006">
-    <mc:Choice xmlns:p14="http://schemas.microsoft.com/office/powerpoint/2010/main" Requires="p14">
+  <mc:AlternateContent xmlns:mc="http://schemas.openxmlformats.org/markup-compatibility/2006" xmlns:p14="http://schemas.microsoft.com/office/powerpoint/2010/main">
+    <mc:Choice Requires="p14">
       <p:transition spd="med" p14:dur="700">
         <p:fade/>
       </p:transition>
     </mc:Choice>
-    <mc:Fallback>
+    <mc:Fallback xmlns="">
       <p:transition spd="med">
         <p:fade/>
       </p:transition>
@@ -20397,7 +20370,6 @@
               <a:rPr lang="zh-CN" altLang="en-US" dirty="0"/>
               <a:t>作品概述</a:t>
             </a:r>
-            <a:endParaRPr lang="zh-CN" altLang="en-US" dirty="0"/>
           </a:p>
         </p:txBody>
       </p:sp>
@@ -20451,7 +20423,6 @@
               <a:rPr lang="zh-CN" altLang="en-US" dirty="0"/>
               <a:t>击中靶子得分</a:t>
             </a:r>
-            <a:endParaRPr lang="zh-CN" altLang="en-US" dirty="0"/>
           </a:p>
         </p:txBody>
       </p:sp>
@@ -20463,13 +20434,13 @@
   <p:clrMapOvr>
     <a:masterClrMapping/>
   </p:clrMapOvr>
-  <mc:AlternateContent xmlns:mc="http://schemas.openxmlformats.org/markup-compatibility/2006">
-    <mc:Choice xmlns:p14="http://schemas.microsoft.com/office/powerpoint/2010/main" Requires="p14">
+  <mc:AlternateContent xmlns:mc="http://schemas.openxmlformats.org/markup-compatibility/2006" xmlns:p14="http://schemas.microsoft.com/office/powerpoint/2010/main">
+    <mc:Choice Requires="p14">
       <p:transition spd="slow" p14:dur="800">
         <p14:flythrough/>
       </p:transition>
     </mc:Choice>
-    <mc:Fallback>
+    <mc:Fallback xmlns="">
       <p:transition spd="slow">
         <p:fade/>
       </p:transition>
@@ -20514,7 +20485,6 @@
               <a:rPr lang="zh-CN" altLang="en-US" dirty="0"/>
               <a:t>成员分工</a:t>
             </a:r>
-            <a:endParaRPr lang="zh-CN" altLang="en-US" dirty="0"/>
           </a:p>
         </p:txBody>
       </p:sp>
@@ -20566,7 +20536,7 @@
           <a:p>
             <a:r>
               <a:rPr lang="zh-CN" altLang="en-US" dirty="0"/>
-              <a:t>黎浩良：天空盒的实现与布置；全局光照和阴影效果，以及相应的改进如</a:t>
+              <a:t>黎浩良：天空盒的实现与布置；全局光照和全局阴影效果，以及相应的改进如</a:t>
             </a:r>
             <a:r>
               <a:rPr lang="en-US" altLang="zh-CN" dirty="0"/>
@@ -20574,7 +20544,7 @@
             </a:r>
             <a:r>
               <a:rPr lang="zh-CN" altLang="en-US" dirty="0"/>
-              <a:t>，抗锯齿等；粒子系统以及粒子模拟效果。</a:t>
+              <a:t>，抗锯齿等；昼夜场景模拟；粒子系统的实现以及粒子模拟火焰的效果。</a:t>
             </a:r>
             <a:endParaRPr lang="en-US" altLang="zh-CN" dirty="0"/>
           </a:p>
@@ -20603,13 +20573,13 @@
   <p:clrMapOvr>
     <a:masterClrMapping/>
   </p:clrMapOvr>
-  <mc:AlternateContent xmlns:mc="http://schemas.openxmlformats.org/markup-compatibility/2006">
-    <mc:Choice xmlns:p14="http://schemas.microsoft.com/office/powerpoint/2010/main" Requires="p14">
+  <mc:AlternateContent xmlns:mc="http://schemas.openxmlformats.org/markup-compatibility/2006" xmlns:p14="http://schemas.microsoft.com/office/powerpoint/2010/main">
+    <mc:Choice Requires="p14">
       <p:transition spd="med" p14:dur="700">
         <p:fade/>
       </p:transition>
     </mc:Choice>
-    <mc:Fallback>
+    <mc:Fallback xmlns="">
       <p:transition spd="med">
         <p:fade/>
       </p:transition>
@@ -20668,7 +20638,6 @@
               <a:rPr lang="zh-CN" altLang="en-US" sz="4000" dirty="0"/>
               <a:t>功能实现</a:t>
             </a:r>
-            <a:endParaRPr lang="zh-CN" altLang="en-US" sz="4000" dirty="0"/>
           </a:p>
         </p:txBody>
       </p:sp>
@@ -20680,13 +20649,13 @@
   <p:clrMapOvr>
     <a:masterClrMapping/>
   </p:clrMapOvr>
-  <mc:AlternateContent xmlns:mc="http://schemas.openxmlformats.org/markup-compatibility/2006">
-    <mc:Choice xmlns:p14="http://schemas.microsoft.com/office/powerpoint/2010/main" Requires="p14">
+  <mc:AlternateContent xmlns:mc="http://schemas.openxmlformats.org/markup-compatibility/2006" xmlns:p14="http://schemas.microsoft.com/office/powerpoint/2010/main">
+    <mc:Choice Requires="p14">
       <p:transition spd="med" p14:dur="700">
         <p:fade/>
       </p:transition>
     </mc:Choice>
-    <mc:Fallback>
+    <mc:Fallback xmlns="">
       <p:transition spd="med">
         <p:fade/>
       </p:transition>
@@ -20735,7 +20704,6 @@
               <a:rPr lang="zh-CN" altLang="en-US" dirty="0"/>
               <a:t>功能预览</a:t>
             </a:r>
-            <a:endParaRPr lang="zh-CN" altLang="en-US" dirty="0"/>
           </a:p>
         </p:txBody>
       </p:sp>
@@ -20766,28 +20734,24 @@
               <a:rPr lang="en-US" altLang="zh-CN" dirty="0"/>
               <a:t>1. Camera Roaming</a:t>
             </a:r>
-            <a:endParaRPr lang="en-US" altLang="zh-CN" dirty="0"/>
           </a:p>
           <a:p>
             <a:r>
               <a:rPr lang="en-US" altLang="zh-CN" dirty="0"/>
               <a:t>2. Texture Mapping</a:t>
             </a:r>
-            <a:endParaRPr lang="en-US" altLang="zh-CN" dirty="0"/>
           </a:p>
           <a:p>
             <a:r>
               <a:rPr lang="en-US" altLang="zh-CN" dirty="0"/>
               <a:t>3. Simple lighting and shading</a:t>
             </a:r>
-            <a:endParaRPr lang="en-US" altLang="zh-CN" dirty="0"/>
           </a:p>
           <a:p>
             <a:r>
               <a:rPr lang="en-US" altLang="zh-CN" dirty="0"/>
               <a:t>4. Shadow Mapping</a:t>
             </a:r>
-            <a:endParaRPr lang="en-US" altLang="zh-CN" dirty="0"/>
           </a:p>
           <a:p>
             <a:r>
@@ -20806,13 +20770,13 @@
   <p:clrMapOvr>
     <a:masterClrMapping/>
   </p:clrMapOvr>
-  <mc:AlternateContent xmlns:mc="http://schemas.openxmlformats.org/markup-compatibility/2006">
-    <mc:Choice xmlns:p14="http://schemas.microsoft.com/office/powerpoint/2010/main" Requires="p14">
+  <mc:AlternateContent xmlns:mc="http://schemas.openxmlformats.org/markup-compatibility/2006" xmlns:p14="http://schemas.microsoft.com/office/powerpoint/2010/main">
+    <mc:Choice Requires="p14">
       <p:transition spd="slow" p14:dur="800">
         <p14:flythrough/>
       </p:transition>
     </mc:Choice>
-    <mc:Fallback>
+    <mc:Fallback xmlns="">
       <p:transition spd="slow">
         <p:fade/>
       </p:transition>
@@ -20857,7 +20821,6 @@
               <a:rPr lang="en-US" altLang="zh-CN"/>
               <a:t>1. Camera Roaming</a:t>
             </a:r>
-            <a:endParaRPr lang="en-US" altLang="zh-CN"/>
           </a:p>
         </p:txBody>
       </p:sp>
@@ -21103,7 +21066,6 @@
               <a:rPr lang="zh-CN" altLang="en-US" dirty="0"/>
               <a:t>和空格输入控制人物的前进、后退、左右移动以及跳跃动作。同时可以通过移动鼠标实现人物视角的旋转。</a:t>
             </a:r>
-            <a:endParaRPr lang="zh-CN" altLang="en-US" dirty="0"/>
           </a:p>
         </p:txBody>
       </p:sp>
@@ -21115,13 +21077,13 @@
   <p:clrMapOvr>
     <a:masterClrMapping/>
   </p:clrMapOvr>
-  <mc:AlternateContent xmlns:mc="http://schemas.openxmlformats.org/markup-compatibility/2006">
-    <mc:Choice xmlns:p14="http://schemas.microsoft.com/office/powerpoint/2010/main" Requires="p14">
+  <mc:AlternateContent xmlns:mc="http://schemas.openxmlformats.org/markup-compatibility/2006" xmlns:p14="http://schemas.microsoft.com/office/powerpoint/2010/main">
+    <mc:Choice Requires="p14">
       <p:transition spd="med" p14:dur="700">
         <p:fade/>
       </p:transition>
     </mc:Choice>
-    <mc:Fallback>
+    <mc:Fallback xmlns="">
       <p:transition spd="med">
         <p:fade/>
       </p:transition>
@@ -21166,7 +21128,6 @@
               <a:rPr lang="en-US" altLang="zh-CN" dirty="0"/>
               <a:t>2. Texture Mapping</a:t>
             </a:r>
-            <a:endParaRPr lang="en-US" altLang="zh-CN" dirty="0"/>
           </a:p>
         </p:txBody>
       </p:sp>
@@ -21197,7 +21158,6 @@
               <a:rPr lang="zh-CN" altLang="en-US" dirty="0"/>
               <a:t>作品中的所有物体均使用了贴图。</a:t>
             </a:r>
-            <a:endParaRPr lang="zh-CN" altLang="en-US" dirty="0"/>
           </a:p>
         </p:txBody>
       </p:sp>
@@ -21445,13 +21405,13 @@
   <p:clrMapOvr>
     <a:masterClrMapping/>
   </p:clrMapOvr>
-  <mc:AlternateContent xmlns:mc="http://schemas.openxmlformats.org/markup-compatibility/2006">
-    <mc:Choice xmlns:p14="http://schemas.microsoft.com/office/powerpoint/2010/main" Requires="p14">
+  <mc:AlternateContent xmlns:mc="http://schemas.openxmlformats.org/markup-compatibility/2006" xmlns:p14="http://schemas.microsoft.com/office/powerpoint/2010/main">
+    <mc:Choice Requires="p14">
       <p:transition spd="med" p14:dur="700">
         <p:fade/>
       </p:transition>
     </mc:Choice>
-    <mc:Fallback>
+    <mc:Fallback xmlns="">
       <p:transition spd="med">
         <p:fade/>
       </p:transition>
@@ -21461,826 +21421,7 @@
 </file>
 
 <file path=ppt/tags/tag1.xml><?xml version="1.0" encoding="utf-8"?>
-<p:tagLst xmlns:p="http://schemas.openxmlformats.org/presentationml/2006/main">
-  <p:tag name="KSO_WM_UNIT_HIGHLIGHT" val="0"/>
-  <p:tag name="KSO_WM_UNIT_COMPATIBLE" val="0"/>
-  <p:tag name="KSO_WM_UNIT_DIAGRAM_ISNUMVISUAL" val="0"/>
-  <p:tag name="KSO_WM_UNIT_DIAGRAM_ISREFERUNIT" val="0"/>
-  <p:tag name="KSO_WM_UNIT_ID" val="_1**"/>
-  <p:tag name="KSO_WM_UNIT_LAYERLEVEL" val="1"/>
-  <p:tag name="KSO_WM_TAG_VERSION" val="1.0"/>
-  <p:tag name="KSO_WM_BEAUTIFY_FLAG" val="#wm#"/>
-</p:tagLst>
-</file>
-
-<file path=ppt/tags/tag10.xml><?xml version="1.0" encoding="utf-8"?>
-<p:tagLst xmlns:p="http://schemas.openxmlformats.org/presentationml/2006/main">
-  <p:tag name="KSO_WM_UNIT_HIGHLIGHT" val="0"/>
-  <p:tag name="KSO_WM_UNIT_COMPATIBLE" val="0"/>
-  <p:tag name="KSO_WM_UNIT_DIAGRAM_ISNUMVISUAL" val="0"/>
-  <p:tag name="KSO_WM_UNIT_DIAGRAM_ISREFERUNIT" val="0"/>
-  <p:tag name="KSO_WM_UNIT_ID" val="_1**"/>
-  <p:tag name="KSO_WM_UNIT_LAYERLEVEL" val="1"/>
-  <p:tag name="KSO_WM_TAG_VERSION" val="1.0"/>
-  <p:tag name="KSO_WM_BEAUTIFY_FLAG" val="#wm#"/>
-</p:tagLst>
-</file>
-
-<file path=ppt/tags/tag100.xml><?xml version="1.0" encoding="utf-8"?>
-<p:tagLst xmlns:p="http://schemas.openxmlformats.org/presentationml/2006/main">
-  <p:tag name="KSO_WM_UNIT_HIGHLIGHT" val="0"/>
-  <p:tag name="KSO_WM_UNIT_COMPATIBLE" val="0"/>
-  <p:tag name="KSO_WM_UNIT_DIAGRAM_ISNUMVISUAL" val="0"/>
-  <p:tag name="KSO_WM_UNIT_DIAGRAM_ISREFERUNIT" val="0"/>
-  <p:tag name="KSO_WM_UNIT_ID" val="_6**"/>
-  <p:tag name="KSO_WM_UNIT_LAYERLEVEL" val="1"/>
-  <p:tag name="KSO_WM_TAG_VERSION" val="1.0"/>
-  <p:tag name="KSO_WM_BEAUTIFY_FLAG" val="#wm#"/>
-</p:tagLst>
-</file>
-
-<file path=ppt/tags/tag101.xml><?xml version="1.0" encoding="utf-8"?>
-<p:tagLst xmlns:p="http://schemas.openxmlformats.org/presentationml/2006/main">
-  <p:tag name="KSO_WM_UNIT_HIGHLIGHT" val="0"/>
-  <p:tag name="KSO_WM_UNIT_COMPATIBLE" val="0"/>
-  <p:tag name="KSO_WM_UNIT_DIAGRAM_ISNUMVISUAL" val="0"/>
-  <p:tag name="KSO_WM_UNIT_DIAGRAM_ISREFERUNIT" val="0"/>
-  <p:tag name="KSO_WM_UNIT_ID" val="_6**"/>
-  <p:tag name="KSO_WM_UNIT_LAYERLEVEL" val="1"/>
-  <p:tag name="KSO_WM_TAG_VERSION" val="1.0"/>
-  <p:tag name="KSO_WM_BEAUTIFY_FLAG" val="#wm#"/>
-</p:tagLst>
-</file>
-
-<file path=ppt/tags/tag102.xml><?xml version="1.0" encoding="utf-8"?>
-<p:tagLst xmlns:p="http://schemas.openxmlformats.org/presentationml/2006/main">
-  <p:tag name="KSO_WM_UNIT_HIGHLIGHT" val="0"/>
-  <p:tag name="KSO_WM_UNIT_COMPATIBLE" val="0"/>
-  <p:tag name="KSO_WM_UNIT_DIAGRAM_ISNUMVISUAL" val="0"/>
-  <p:tag name="KSO_WM_UNIT_DIAGRAM_ISREFERUNIT" val="0"/>
-  <p:tag name="KSO_WM_UNIT_ID" val="_7**"/>
-  <p:tag name="KSO_WM_UNIT_LAYERLEVEL" val="1"/>
-  <p:tag name="KSO_WM_TAG_VERSION" val="1.0"/>
-  <p:tag name="KSO_WM_BEAUTIFY_FLAG" val="#wm#"/>
-</p:tagLst>
-</file>
-
-<file path=ppt/tags/tag103.xml><?xml version="1.0" encoding="utf-8"?>
-<p:tagLst xmlns:p="http://schemas.openxmlformats.org/presentationml/2006/main">
-  <p:tag name="KSO_WM_UNIT_HIGHLIGHT" val="0"/>
-  <p:tag name="KSO_WM_UNIT_COMPATIBLE" val="0"/>
-  <p:tag name="KSO_WM_UNIT_DIAGRAM_ISNUMVISUAL" val="0"/>
-  <p:tag name="KSO_WM_UNIT_DIAGRAM_ISREFERUNIT" val="0"/>
-  <p:tag name="KSO_WM_UNIT_ID" val="_7**"/>
-  <p:tag name="KSO_WM_UNIT_LAYERLEVEL" val="1"/>
-  <p:tag name="KSO_WM_TAG_VERSION" val="1.0"/>
-  <p:tag name="KSO_WM_BEAUTIFY_FLAG" val="#wm#"/>
-</p:tagLst>
-</file>
-
-<file path=ppt/tags/tag104.xml><?xml version="1.0" encoding="utf-8"?>
-<p:tagLst xmlns:p="http://schemas.openxmlformats.org/presentationml/2006/main">
-  <p:tag name="KSO_WM_UNIT_HIGHLIGHT" val="0"/>
-  <p:tag name="KSO_WM_UNIT_COMPATIBLE" val="0"/>
-  <p:tag name="KSO_WM_UNIT_DIAGRAM_ISNUMVISUAL" val="0"/>
-  <p:tag name="KSO_WM_UNIT_DIAGRAM_ISREFERUNIT" val="0"/>
-  <p:tag name="KSO_WM_UNIT_ID" val="_7**"/>
-  <p:tag name="KSO_WM_UNIT_LAYERLEVEL" val="1"/>
-  <p:tag name="KSO_WM_TAG_VERSION" val="1.0"/>
-  <p:tag name="KSO_WM_BEAUTIFY_FLAG" val="#wm#"/>
-</p:tagLst>
-</file>
-
-<file path=ppt/tags/tag105.xml><?xml version="1.0" encoding="utf-8"?>
-<p:tagLst xmlns:p="http://schemas.openxmlformats.org/presentationml/2006/main">
-  <p:tag name="KSO_WM_UNIT_HIGHLIGHT" val="0"/>
-  <p:tag name="KSO_WM_UNIT_COMPATIBLE" val="0"/>
-  <p:tag name="KSO_WM_UNIT_DIAGRAM_ISNUMVISUAL" val="0"/>
-  <p:tag name="KSO_WM_UNIT_DIAGRAM_ISREFERUNIT" val="0"/>
-  <p:tag name="KSO_WM_UNIT_ID" val="_8**"/>
-  <p:tag name="KSO_WM_UNIT_LAYERLEVEL" val="1"/>
-  <p:tag name="KSO_WM_TAG_VERSION" val="1.0"/>
-  <p:tag name="KSO_WM_BEAUTIFY_FLAG" val="#wm#"/>
-</p:tagLst>
-</file>
-
-<file path=ppt/tags/tag106.xml><?xml version="1.0" encoding="utf-8"?>
-<p:tagLst xmlns:p="http://schemas.openxmlformats.org/presentationml/2006/main">
-  <p:tag name="KSO_WM_UNIT_HIGHLIGHT" val="0"/>
-  <p:tag name="KSO_WM_UNIT_COMPATIBLE" val="0"/>
-  <p:tag name="KSO_WM_UNIT_DIAGRAM_ISNUMVISUAL" val="0"/>
-  <p:tag name="KSO_WM_UNIT_DIAGRAM_ISREFERUNIT" val="0"/>
-  <p:tag name="KSO_WM_UNIT_ID" val="_8**"/>
-  <p:tag name="KSO_WM_UNIT_LAYERLEVEL" val="1"/>
-  <p:tag name="KSO_WM_TAG_VERSION" val="1.0"/>
-  <p:tag name="KSO_WM_BEAUTIFY_FLAG" val="#wm#"/>
-</p:tagLst>
-</file>
-
-<file path=ppt/tags/tag107.xml><?xml version="1.0" encoding="utf-8"?>
-<p:tagLst xmlns:p="http://schemas.openxmlformats.org/presentationml/2006/main">
-  <p:tag name="KSO_WM_UNIT_HIGHLIGHT" val="0"/>
-  <p:tag name="KSO_WM_UNIT_COMPATIBLE" val="0"/>
-  <p:tag name="KSO_WM_UNIT_DIAGRAM_ISNUMVISUAL" val="0"/>
-  <p:tag name="KSO_WM_UNIT_DIAGRAM_ISREFERUNIT" val="0"/>
-  <p:tag name="KSO_WM_UNIT_ID" val="_8**"/>
-  <p:tag name="KSO_WM_UNIT_LAYERLEVEL" val="1"/>
-  <p:tag name="KSO_WM_TAG_VERSION" val="1.0"/>
-  <p:tag name="KSO_WM_BEAUTIFY_FLAG" val="#wm#"/>
-</p:tagLst>
-</file>
-
-<file path=ppt/tags/tag108.xml><?xml version="1.0" encoding="utf-8"?>
-<p:tagLst xmlns:p="http://schemas.openxmlformats.org/presentationml/2006/main">
-  <p:tag name="KSO_WM_UNIT_HIGHLIGHT" val="0"/>
-  <p:tag name="KSO_WM_UNIT_COMPATIBLE" val="0"/>
-  <p:tag name="KSO_WM_UNIT_DIAGRAM_ISNUMVISUAL" val="0"/>
-  <p:tag name="KSO_WM_UNIT_DIAGRAM_ISREFERUNIT" val="0"/>
-  <p:tag name="KSO_WM_UNIT_ID" val="_8**"/>
-  <p:tag name="KSO_WM_UNIT_LAYERLEVEL" val="1"/>
-  <p:tag name="KSO_WM_TAG_VERSION" val="1.0"/>
-  <p:tag name="KSO_WM_BEAUTIFY_FLAG" val="#wm#"/>
-</p:tagLst>
-</file>
-
-<file path=ppt/tags/tag109.xml><?xml version="1.0" encoding="utf-8"?>
-<p:tagLst xmlns:p="http://schemas.openxmlformats.org/presentationml/2006/main">
-  <p:tag name="KSO_WM_UNIT_HIGHLIGHT" val="0"/>
-  <p:tag name="KSO_WM_UNIT_COMPATIBLE" val="0"/>
-  <p:tag name="KSO_WM_UNIT_DIAGRAM_ISNUMVISUAL" val="0"/>
-  <p:tag name="KSO_WM_UNIT_DIAGRAM_ISREFERUNIT" val="0"/>
-  <p:tag name="KSO_WM_UNIT_ID" val="_8**"/>
-  <p:tag name="KSO_WM_UNIT_LAYERLEVEL" val="1"/>
-  <p:tag name="KSO_WM_TAG_VERSION" val="1.0"/>
-  <p:tag name="KSO_WM_BEAUTIFY_FLAG" val="#wm#"/>
-</p:tagLst>
-</file>
-
-<file path=ppt/tags/tag11.xml><?xml version="1.0" encoding="utf-8"?>
-<p:tagLst xmlns:p="http://schemas.openxmlformats.org/presentationml/2006/main">
-  <p:tag name="KSO_WM_UNIT_HIGHLIGHT" val="0"/>
-  <p:tag name="KSO_WM_UNIT_COMPATIBLE" val="0"/>
-  <p:tag name="KSO_WM_UNIT_DIAGRAM_ISNUMVISUAL" val="0"/>
-  <p:tag name="KSO_WM_UNIT_DIAGRAM_ISREFERUNIT" val="0"/>
-  <p:tag name="KSO_WM_UNIT_ID" val="_1**"/>
-  <p:tag name="KSO_WM_UNIT_LAYERLEVEL" val="1"/>
-  <p:tag name="KSO_WM_TAG_VERSION" val="1.0"/>
-  <p:tag name="KSO_WM_BEAUTIFY_FLAG" val="#wm#"/>
-</p:tagLst>
-</file>
-
-<file path=ppt/tags/tag110.xml><?xml version="1.0" encoding="utf-8"?>
-<p:tagLst xmlns:p="http://schemas.openxmlformats.org/presentationml/2006/main">
-  <p:tag name="KSO_WM_UNIT_HIGHLIGHT" val="0"/>
-  <p:tag name="KSO_WM_UNIT_COMPATIBLE" val="0"/>
-  <p:tag name="KSO_WM_UNIT_DIAGRAM_ISNUMVISUAL" val="0"/>
-  <p:tag name="KSO_WM_UNIT_DIAGRAM_ISREFERUNIT" val="0"/>
-  <p:tag name="KSO_WM_UNIT_ID" val="_8**"/>
-  <p:tag name="KSO_WM_UNIT_LAYERLEVEL" val="1"/>
-  <p:tag name="KSO_WM_TAG_VERSION" val="1.0"/>
-  <p:tag name="KSO_WM_BEAUTIFY_FLAG" val="#wm#"/>
-</p:tagLst>
-</file>
-
-<file path=ppt/tags/tag111.xml><?xml version="1.0" encoding="utf-8"?>
-<p:tagLst xmlns:p="http://schemas.openxmlformats.org/presentationml/2006/main">
-  <p:tag name="KSO_WM_UNIT_HIGHLIGHT" val="0"/>
-  <p:tag name="KSO_WM_UNIT_COMPATIBLE" val="0"/>
-  <p:tag name="KSO_WM_UNIT_DIAGRAM_ISNUMVISUAL" val="0"/>
-  <p:tag name="KSO_WM_UNIT_DIAGRAM_ISREFERUNIT" val="0"/>
-  <p:tag name="KSO_WM_UNIT_ID" val="_9**"/>
-  <p:tag name="KSO_WM_UNIT_LAYERLEVEL" val="1"/>
-  <p:tag name="KSO_WM_TAG_VERSION" val="1.0"/>
-  <p:tag name="KSO_WM_BEAUTIFY_FLAG" val="#wm#"/>
-</p:tagLst>
-</file>
-
-<file path=ppt/tags/tag112.xml><?xml version="1.0" encoding="utf-8"?>
-<p:tagLst xmlns:p="http://schemas.openxmlformats.org/presentationml/2006/main">
-  <p:tag name="KSO_WM_UNIT_HIGHLIGHT" val="0"/>
-  <p:tag name="KSO_WM_UNIT_COMPATIBLE" val="0"/>
-  <p:tag name="KSO_WM_UNIT_DIAGRAM_ISNUMVISUAL" val="0"/>
-  <p:tag name="KSO_WM_UNIT_DIAGRAM_ISREFERUNIT" val="0"/>
-  <p:tag name="KSO_WM_UNIT_ID" val="_9**"/>
-  <p:tag name="KSO_WM_UNIT_LAYERLEVEL" val="1"/>
-  <p:tag name="KSO_WM_TAG_VERSION" val="1.0"/>
-  <p:tag name="KSO_WM_BEAUTIFY_FLAG" val="#wm#"/>
-</p:tagLst>
-</file>
-
-<file path=ppt/tags/tag113.xml><?xml version="1.0" encoding="utf-8"?>
-<p:tagLst xmlns:p="http://schemas.openxmlformats.org/presentationml/2006/main">
-  <p:tag name="KSO_WM_UNIT_HIGHLIGHT" val="0"/>
-  <p:tag name="KSO_WM_UNIT_COMPATIBLE" val="0"/>
-  <p:tag name="KSO_WM_UNIT_DIAGRAM_ISNUMVISUAL" val="0"/>
-  <p:tag name="KSO_WM_UNIT_DIAGRAM_ISREFERUNIT" val="0"/>
-  <p:tag name="KSO_WM_UNIT_ID" val="_9**"/>
-  <p:tag name="KSO_WM_UNIT_LAYERLEVEL" val="1"/>
-  <p:tag name="KSO_WM_TAG_VERSION" val="1.0"/>
-  <p:tag name="KSO_WM_BEAUTIFY_FLAG" val="#wm#"/>
-</p:tagLst>
-</file>
-
-<file path=ppt/tags/tag114.xml><?xml version="1.0" encoding="utf-8"?>
-<p:tagLst xmlns:p="http://schemas.openxmlformats.org/presentationml/2006/main">
-  <p:tag name="KSO_WM_UNIT_HIGHLIGHT" val="0"/>
-  <p:tag name="KSO_WM_UNIT_COMPATIBLE" val="0"/>
-  <p:tag name="KSO_WM_UNIT_DIAGRAM_ISNUMVISUAL" val="0"/>
-  <p:tag name="KSO_WM_UNIT_DIAGRAM_ISREFERUNIT" val="0"/>
-  <p:tag name="KSO_WM_UNIT_ID" val="_9**"/>
-  <p:tag name="KSO_WM_UNIT_LAYERLEVEL" val="1"/>
-  <p:tag name="KSO_WM_TAG_VERSION" val="1.0"/>
-  <p:tag name="KSO_WM_BEAUTIFY_FLAG" val="#wm#"/>
-</p:tagLst>
-</file>
-
-<file path=ppt/tags/tag115.xml><?xml version="1.0" encoding="utf-8"?>
-<p:tagLst xmlns:p="http://schemas.openxmlformats.org/presentationml/2006/main">
-  <p:tag name="KSO_WM_UNIT_HIGHLIGHT" val="0"/>
-  <p:tag name="KSO_WM_UNIT_COMPATIBLE" val="0"/>
-  <p:tag name="KSO_WM_UNIT_DIAGRAM_ISNUMVISUAL" val="0"/>
-  <p:tag name="KSO_WM_UNIT_DIAGRAM_ISREFERUNIT" val="0"/>
-  <p:tag name="KSO_WM_UNIT_ID" val="_9**"/>
-  <p:tag name="KSO_WM_UNIT_LAYERLEVEL" val="1"/>
-  <p:tag name="KSO_WM_TAG_VERSION" val="1.0"/>
-  <p:tag name="KSO_WM_BEAUTIFY_FLAG" val="#wm#"/>
-</p:tagLst>
-</file>
-
-<file path=ppt/tags/tag116.xml><?xml version="1.0" encoding="utf-8"?>
-<p:tagLst xmlns:p="http://schemas.openxmlformats.org/presentationml/2006/main">
-  <p:tag name="KSO_WM_UNIT_HIGHLIGHT" val="0"/>
-  <p:tag name="KSO_WM_UNIT_COMPATIBLE" val="0"/>
-  <p:tag name="KSO_WM_UNIT_DIAGRAM_ISNUMVISUAL" val="0"/>
-  <p:tag name="KSO_WM_UNIT_DIAGRAM_ISREFERUNIT" val="0"/>
-  <p:tag name="KSO_WM_UNIT_ID" val="_10**"/>
-  <p:tag name="KSO_WM_UNIT_LAYERLEVEL" val="1"/>
-  <p:tag name="KSO_WM_TAG_VERSION" val="1.0"/>
-  <p:tag name="KSO_WM_BEAUTIFY_FLAG" val="#wm#"/>
-</p:tagLst>
-</file>
-
-<file path=ppt/tags/tag117.xml><?xml version="1.0" encoding="utf-8"?>
-<p:tagLst xmlns:p="http://schemas.openxmlformats.org/presentationml/2006/main">
-  <p:tag name="KSO_WM_UNIT_HIGHLIGHT" val="0"/>
-  <p:tag name="KSO_WM_UNIT_COMPATIBLE" val="0"/>
-  <p:tag name="KSO_WM_UNIT_DIAGRAM_ISNUMVISUAL" val="0"/>
-  <p:tag name="KSO_WM_UNIT_DIAGRAM_ISREFERUNIT" val="0"/>
-  <p:tag name="KSO_WM_UNIT_ID" val="_10**"/>
-  <p:tag name="KSO_WM_UNIT_LAYERLEVEL" val="1"/>
-  <p:tag name="KSO_WM_TAG_VERSION" val="1.0"/>
-  <p:tag name="KSO_WM_BEAUTIFY_FLAG" val="#wm#"/>
-</p:tagLst>
-</file>
-
-<file path=ppt/tags/tag118.xml><?xml version="1.0" encoding="utf-8"?>
-<p:tagLst xmlns:p="http://schemas.openxmlformats.org/presentationml/2006/main">
-  <p:tag name="KSO_WM_UNIT_HIGHLIGHT" val="0"/>
-  <p:tag name="KSO_WM_UNIT_COMPATIBLE" val="0"/>
-  <p:tag name="KSO_WM_UNIT_DIAGRAM_ISNUMVISUAL" val="0"/>
-  <p:tag name="KSO_WM_UNIT_DIAGRAM_ISREFERUNIT" val="0"/>
-  <p:tag name="KSO_WM_UNIT_ID" val="_10**"/>
-  <p:tag name="KSO_WM_UNIT_LAYERLEVEL" val="1"/>
-  <p:tag name="KSO_WM_TAG_VERSION" val="1.0"/>
-  <p:tag name="KSO_WM_BEAUTIFY_FLAG" val="#wm#"/>
-</p:tagLst>
-</file>
-
-<file path=ppt/tags/tag119.xml><?xml version="1.0" encoding="utf-8"?>
-<p:tagLst xmlns:p="http://schemas.openxmlformats.org/presentationml/2006/main">
-  <p:tag name="KSO_WM_UNIT_HIGHLIGHT" val="0"/>
-  <p:tag name="KSO_WM_UNIT_COMPATIBLE" val="0"/>
-  <p:tag name="KSO_WM_UNIT_DIAGRAM_ISNUMVISUAL" val="0"/>
-  <p:tag name="KSO_WM_UNIT_DIAGRAM_ISREFERUNIT" val="0"/>
-  <p:tag name="KSO_WM_UNIT_ID" val="_10**"/>
-  <p:tag name="KSO_WM_UNIT_LAYERLEVEL" val="1"/>
-  <p:tag name="KSO_WM_TAG_VERSION" val="1.0"/>
-  <p:tag name="KSO_WM_BEAUTIFY_FLAG" val="#wm#"/>
-</p:tagLst>
-</file>
-
-<file path=ppt/tags/tag12.xml><?xml version="1.0" encoding="utf-8"?>
-<p:tagLst xmlns:p="http://schemas.openxmlformats.org/presentationml/2006/main">
-  <p:tag name="KSO_WM_UNIT_HIGHLIGHT" val="0"/>
-  <p:tag name="KSO_WM_UNIT_COMPATIBLE" val="0"/>
-  <p:tag name="KSO_WM_UNIT_DIAGRAM_ISNUMVISUAL" val="0"/>
-  <p:tag name="KSO_WM_UNIT_DIAGRAM_ISREFERUNIT" val="0"/>
-  <p:tag name="KSO_WM_UNIT_ID" val="_1**"/>
-  <p:tag name="KSO_WM_UNIT_LAYERLEVEL" val="1"/>
-  <p:tag name="KSO_WM_TAG_VERSION" val="1.0"/>
-  <p:tag name="KSO_WM_BEAUTIFY_FLAG" val="#wm#"/>
-</p:tagLst>
-</file>
-
-<file path=ppt/tags/tag120.xml><?xml version="1.0" encoding="utf-8"?>
-<p:tagLst xmlns:p="http://schemas.openxmlformats.org/presentationml/2006/main">
-  <p:tag name="KSO_WM_UNIT_HIGHLIGHT" val="0"/>
-  <p:tag name="KSO_WM_UNIT_COMPATIBLE" val="0"/>
-  <p:tag name="KSO_WM_UNIT_DIAGRAM_ISNUMVISUAL" val="0"/>
-  <p:tag name="KSO_WM_UNIT_DIAGRAM_ISREFERUNIT" val="0"/>
-  <p:tag name="KSO_WM_UNIT_ID" val="_11**"/>
-  <p:tag name="KSO_WM_UNIT_LAYERLEVEL" val="1"/>
-  <p:tag name="KSO_WM_TAG_VERSION" val="1.0"/>
-  <p:tag name="KSO_WM_BEAUTIFY_FLAG" val="#wm#"/>
-</p:tagLst>
-</file>
-
-<file path=ppt/tags/tag121.xml><?xml version="1.0" encoding="utf-8"?>
-<p:tagLst xmlns:p="http://schemas.openxmlformats.org/presentationml/2006/main">
-  <p:tag name="KSO_WM_UNIT_HIGHLIGHT" val="0"/>
-  <p:tag name="KSO_WM_UNIT_COMPATIBLE" val="0"/>
-  <p:tag name="KSO_WM_UNIT_DIAGRAM_ISNUMVISUAL" val="0"/>
-  <p:tag name="KSO_WM_UNIT_DIAGRAM_ISREFERUNIT" val="0"/>
-  <p:tag name="KSO_WM_UNIT_ID" val="_11**"/>
-  <p:tag name="KSO_WM_UNIT_LAYERLEVEL" val="1"/>
-  <p:tag name="KSO_WM_TAG_VERSION" val="1.0"/>
-  <p:tag name="KSO_WM_BEAUTIFY_FLAG" val="#wm#"/>
-</p:tagLst>
-</file>
-
-<file path=ppt/tags/tag122.xml><?xml version="1.0" encoding="utf-8"?>
-<p:tagLst xmlns:p="http://schemas.openxmlformats.org/presentationml/2006/main">
-  <p:tag name="KSO_WM_UNIT_HIGHLIGHT" val="0"/>
-  <p:tag name="KSO_WM_UNIT_COMPATIBLE" val="0"/>
-  <p:tag name="KSO_WM_UNIT_DIAGRAM_ISNUMVISUAL" val="0"/>
-  <p:tag name="KSO_WM_UNIT_DIAGRAM_ISREFERUNIT" val="0"/>
-  <p:tag name="KSO_WM_UNIT_ID" val="_11**"/>
-  <p:tag name="KSO_WM_UNIT_LAYERLEVEL" val="1"/>
-  <p:tag name="KSO_WM_TAG_VERSION" val="1.0"/>
-  <p:tag name="KSO_WM_BEAUTIFY_FLAG" val="#wm#"/>
-</p:tagLst>
-</file>
-
-<file path=ppt/tags/tag123.xml><?xml version="1.0" encoding="utf-8"?>
-<p:tagLst xmlns:p="http://schemas.openxmlformats.org/presentationml/2006/main">
-  <p:tag name="KSO_WM_UNIT_HIGHLIGHT" val="0"/>
-  <p:tag name="KSO_WM_UNIT_COMPATIBLE" val="0"/>
-  <p:tag name="KSO_WM_UNIT_DIAGRAM_ISNUMVISUAL" val="0"/>
-  <p:tag name="KSO_WM_UNIT_DIAGRAM_ISREFERUNIT" val="0"/>
-  <p:tag name="KSO_WM_UNIT_ID" val="_11**"/>
-  <p:tag name="KSO_WM_UNIT_LAYERLEVEL" val="1"/>
-  <p:tag name="KSO_WM_TAG_VERSION" val="1.0"/>
-  <p:tag name="KSO_WM_BEAUTIFY_FLAG" val="#wm#"/>
-</p:tagLst>
-</file>
-
-<file path=ppt/tags/tag124.xml><?xml version="1.0" encoding="utf-8"?>
-<p:tagLst xmlns:p="http://schemas.openxmlformats.org/presentationml/2006/main">
-  <p:tag name="KSO_WM_UNIT_HIGHLIGHT" val="0"/>
-  <p:tag name="KSO_WM_UNIT_COMPATIBLE" val="0"/>
-  <p:tag name="KSO_WM_UNIT_DIAGRAM_ISNUMVISUAL" val="0"/>
-  <p:tag name="KSO_WM_UNIT_DIAGRAM_ISREFERUNIT" val="0"/>
-  <p:tag name="KSO_WM_UNIT_ID" val="_11**"/>
-  <p:tag name="KSO_WM_UNIT_LAYERLEVEL" val="1"/>
-  <p:tag name="KSO_WM_TAG_VERSION" val="1.0"/>
-  <p:tag name="KSO_WM_BEAUTIFY_FLAG" val="#wm#"/>
-</p:tagLst>
-</file>
-
-<file path=ppt/tags/tag125.xml><?xml version="1.0" encoding="utf-8"?>
-<p:tagLst xmlns:p="http://schemas.openxmlformats.org/presentationml/2006/main">
-  <p:tag name="KSO_WM_UNIT_HIGHLIGHT" val="0"/>
-  <p:tag name="KSO_WM_UNIT_COMPATIBLE" val="0"/>
-  <p:tag name="KSO_WM_UNIT_DIAGRAM_ISNUMVISUAL" val="0"/>
-  <p:tag name="KSO_WM_UNIT_DIAGRAM_ISREFERUNIT" val="0"/>
-  <p:tag name="KSO_WM_UNIT_ID" val="_11**"/>
-  <p:tag name="KSO_WM_UNIT_LAYERLEVEL" val="1"/>
-  <p:tag name="KSO_WM_TAG_VERSION" val="1.0"/>
-  <p:tag name="KSO_WM_BEAUTIFY_FLAG" val="#wm#"/>
-</p:tagLst>
-</file>
-
-<file path=ppt/tags/tag126.xml><?xml version="1.0" encoding="utf-8"?>
-<p:tagLst xmlns:p="http://schemas.openxmlformats.org/presentationml/2006/main">
-  <p:tag name="KSO_WM_UNIT_HIGHLIGHT" val="0"/>
-  <p:tag name="KSO_WM_UNIT_COMPATIBLE" val="0"/>
-  <p:tag name="KSO_WM_UNIT_DIAGRAM_ISNUMVISUAL" val="0"/>
-  <p:tag name="KSO_WM_UNIT_DIAGRAM_ISREFERUNIT" val="0"/>
-  <p:tag name="KSO_WM_UNIT_ID" val="_11**"/>
-  <p:tag name="KSO_WM_UNIT_LAYERLEVEL" val="1"/>
-  <p:tag name="KSO_WM_TAG_VERSION" val="1.0"/>
-  <p:tag name="KSO_WM_BEAUTIFY_FLAG" val="#wm#"/>
-</p:tagLst>
-</file>
-
-<file path=ppt/tags/tag127.xml><?xml version="1.0" encoding="utf-8"?>
-<p:tagLst xmlns:p="http://schemas.openxmlformats.org/presentationml/2006/main">
-  <p:tag name="KSO_WM_UNIT_HIGHLIGHT" val="0"/>
-  <p:tag name="KSO_WM_UNIT_COMPATIBLE" val="0"/>
-  <p:tag name="KSO_WM_UNIT_DIAGRAM_ISNUMVISUAL" val="0"/>
-  <p:tag name="KSO_WM_UNIT_DIAGRAM_ISREFERUNIT" val="0"/>
-  <p:tag name="KSO_WM_UNIT_ID" val="_11**"/>
-  <p:tag name="KSO_WM_UNIT_LAYERLEVEL" val="1"/>
-  <p:tag name="KSO_WM_TAG_VERSION" val="1.0"/>
-  <p:tag name="KSO_WM_BEAUTIFY_FLAG" val="#wm#"/>
-</p:tagLst>
-</file>
-
-<file path=ppt/tags/tag128.xml><?xml version="1.0" encoding="utf-8"?>
-<p:tagLst xmlns:p="http://schemas.openxmlformats.org/presentationml/2006/main">
-  <p:tag name="KSO_WM_UNIT_HIGHLIGHT" val="0"/>
-  <p:tag name="KSO_WM_UNIT_COMPATIBLE" val="0"/>
-  <p:tag name="KSO_WM_UNIT_DIAGRAM_ISNUMVISUAL" val="0"/>
-  <p:tag name="KSO_WM_UNIT_DIAGRAM_ISREFERUNIT" val="0"/>
-  <p:tag name="KSO_WM_UNIT_ID" val="_11**"/>
-  <p:tag name="KSO_WM_UNIT_LAYERLEVEL" val="1"/>
-  <p:tag name="KSO_WM_TAG_VERSION" val="1.0"/>
-  <p:tag name="KSO_WM_BEAUTIFY_FLAG" val="#wm#"/>
-</p:tagLst>
-</file>
-
-<file path=ppt/tags/tag129.xml><?xml version="1.0" encoding="utf-8"?>
-<p:tagLst xmlns:p="http://schemas.openxmlformats.org/presentationml/2006/main">
-  <p:tag name="KSO_WM_UNIT_HIGHLIGHT" val="0"/>
-  <p:tag name="KSO_WM_UNIT_COMPATIBLE" val="0"/>
-  <p:tag name="KSO_WM_UNIT_DIAGRAM_ISNUMVISUAL" val="0"/>
-  <p:tag name="KSO_WM_UNIT_DIAGRAM_ISREFERUNIT" val="0"/>
-  <p:tag name="KSO_WM_UNIT_ID" val="_11**"/>
-  <p:tag name="KSO_WM_UNIT_LAYERLEVEL" val="1"/>
-  <p:tag name="KSO_WM_TAG_VERSION" val="1.0"/>
-  <p:tag name="KSO_WM_BEAUTIFY_FLAG" val="#wm#"/>
-</p:tagLst>
-</file>
-
-<file path=ppt/tags/tag13.xml><?xml version="1.0" encoding="utf-8"?>
-<p:tagLst xmlns:p="http://schemas.openxmlformats.org/presentationml/2006/main">
-  <p:tag name="KSO_WM_UNIT_HIGHLIGHT" val="0"/>
-  <p:tag name="KSO_WM_UNIT_COMPATIBLE" val="0"/>
-  <p:tag name="KSO_WM_UNIT_DIAGRAM_ISNUMVISUAL" val="0"/>
-  <p:tag name="KSO_WM_UNIT_DIAGRAM_ISREFERUNIT" val="0"/>
-  <p:tag name="KSO_WM_UNIT_ID" val="_1**"/>
-  <p:tag name="KSO_WM_UNIT_LAYERLEVEL" val="1"/>
-  <p:tag name="KSO_WM_TAG_VERSION" val="1.0"/>
-  <p:tag name="KSO_WM_BEAUTIFY_FLAG" val="#wm#"/>
-</p:tagLst>
-</file>
-
-<file path=ppt/tags/tag130.xml><?xml version="1.0" encoding="utf-8"?>
-<p:tagLst xmlns:p="http://schemas.openxmlformats.org/presentationml/2006/main">
-  <p:tag name="KSO_WM_UNIT_HIGHLIGHT" val="0"/>
-  <p:tag name="KSO_WM_UNIT_COMPATIBLE" val="0"/>
-  <p:tag name="KSO_WM_UNIT_DIAGRAM_ISNUMVISUAL" val="0"/>
-  <p:tag name="KSO_WM_UNIT_DIAGRAM_ISREFERUNIT" val="0"/>
-  <p:tag name="KSO_WM_UNIT_ID" val="_11**"/>
-  <p:tag name="KSO_WM_UNIT_LAYERLEVEL" val="1"/>
-  <p:tag name="KSO_WM_TAG_VERSION" val="1.0"/>
-  <p:tag name="KSO_WM_BEAUTIFY_FLAG" val="#wm#"/>
-</p:tagLst>
-</file>
-
-<file path=ppt/tags/tag131.xml><?xml version="1.0" encoding="utf-8"?>
-<p:tagLst xmlns:p="http://schemas.openxmlformats.org/presentationml/2006/main">
-  <p:tag name="KSO_WM_UNIT_HIGHLIGHT" val="0"/>
-  <p:tag name="KSO_WM_UNIT_COMPATIBLE" val="0"/>
-  <p:tag name="KSO_WM_UNIT_DIAGRAM_ISNUMVISUAL" val="0"/>
-  <p:tag name="KSO_WM_UNIT_DIAGRAM_ISREFERUNIT" val="0"/>
-  <p:tag name="KSO_WM_UNIT_ID" val="_11**"/>
-  <p:tag name="KSO_WM_UNIT_LAYERLEVEL" val="1"/>
-  <p:tag name="KSO_WM_TAG_VERSION" val="1.0"/>
-  <p:tag name="KSO_WM_BEAUTIFY_FLAG" val="#wm#"/>
-</p:tagLst>
-</file>
-
-<file path=ppt/tags/tag132.xml><?xml version="1.0" encoding="utf-8"?>
-<p:tagLst xmlns:p="http://schemas.openxmlformats.org/presentationml/2006/main">
-  <p:tag name="KSO_WM_UNIT_HIGHLIGHT" val="0"/>
-  <p:tag name="KSO_WM_UNIT_COMPATIBLE" val="0"/>
-  <p:tag name="KSO_WM_UNIT_DIAGRAM_ISNUMVISUAL" val="0"/>
-  <p:tag name="KSO_WM_UNIT_DIAGRAM_ISREFERUNIT" val="0"/>
-  <p:tag name="KSO_WM_UNIT_ID" val="_11**"/>
-  <p:tag name="KSO_WM_UNIT_LAYERLEVEL" val="1"/>
-  <p:tag name="KSO_WM_TAG_VERSION" val="1.0"/>
-  <p:tag name="KSO_WM_BEAUTIFY_FLAG" val="#wm#"/>
-</p:tagLst>
-</file>
-
-<file path=ppt/tags/tag133.xml><?xml version="1.0" encoding="utf-8"?>
-<p:tagLst xmlns:p="http://schemas.openxmlformats.org/presentationml/2006/main">
-  <p:tag name="KSO_WM_UNIT_HIGHLIGHT" val="0"/>
-  <p:tag name="KSO_WM_UNIT_COMPATIBLE" val="0"/>
-  <p:tag name="KSO_WM_UNIT_DIAGRAM_ISNUMVISUAL" val="0"/>
-  <p:tag name="KSO_WM_UNIT_DIAGRAM_ISREFERUNIT" val="0"/>
-  <p:tag name="KSO_WM_UNIT_ID" val="_11**"/>
-  <p:tag name="KSO_WM_UNIT_LAYERLEVEL" val="1"/>
-  <p:tag name="KSO_WM_TAG_VERSION" val="1.0"/>
-  <p:tag name="KSO_WM_BEAUTIFY_FLAG" val="#wm#"/>
-</p:tagLst>
-</file>
-
-<file path=ppt/tags/tag134.xml><?xml version="1.0" encoding="utf-8"?>
-<p:tagLst xmlns:p="http://schemas.openxmlformats.org/presentationml/2006/main">
-  <p:tag name="KSO_WM_UNIT_HIGHLIGHT" val="0"/>
-  <p:tag name="KSO_WM_UNIT_COMPATIBLE" val="0"/>
-  <p:tag name="KSO_WM_UNIT_DIAGRAM_ISNUMVISUAL" val="0"/>
-  <p:tag name="KSO_WM_UNIT_DIAGRAM_ISREFERUNIT" val="0"/>
-  <p:tag name="KSO_WM_UNIT_ID" val="_11**"/>
-  <p:tag name="KSO_WM_UNIT_LAYERLEVEL" val="1"/>
-  <p:tag name="KSO_WM_TAG_VERSION" val="1.0"/>
-  <p:tag name="KSO_WM_BEAUTIFY_FLAG" val="#wm#"/>
-</p:tagLst>
-</file>
-
-<file path=ppt/tags/tag135.xml><?xml version="1.0" encoding="utf-8"?>
-<p:tagLst xmlns:p="http://schemas.openxmlformats.org/presentationml/2006/main">
-  <p:tag name="KSO_WM_UNIT_HIGHLIGHT" val="0"/>
-  <p:tag name="KSO_WM_UNIT_COMPATIBLE" val="0"/>
-  <p:tag name="KSO_WM_UNIT_DIAGRAM_ISNUMVISUAL" val="0"/>
-  <p:tag name="KSO_WM_UNIT_DIAGRAM_ISREFERUNIT" val="0"/>
-  <p:tag name="KSO_WM_UNIT_ID" val="_11**"/>
-  <p:tag name="KSO_WM_UNIT_LAYERLEVEL" val="1"/>
-  <p:tag name="KSO_WM_TAG_VERSION" val="1.0"/>
-  <p:tag name="KSO_WM_BEAUTIFY_FLAG" val="#wm#"/>
-</p:tagLst>
-</file>
-
-<file path=ppt/tags/tag136.xml><?xml version="1.0" encoding="utf-8"?>
-<p:tagLst xmlns:p="http://schemas.openxmlformats.org/presentationml/2006/main">
-  <p:tag name="KSO_WM_UNIT_HIGHLIGHT" val="0"/>
-  <p:tag name="KSO_WM_UNIT_COMPATIBLE" val="0"/>
-  <p:tag name="KSO_WM_UNIT_DIAGRAM_ISNUMVISUAL" val="0"/>
-  <p:tag name="KSO_WM_UNIT_DIAGRAM_ISREFERUNIT" val="0"/>
-  <p:tag name="KSO_WM_UNIT_ID" val="_11**"/>
-  <p:tag name="KSO_WM_UNIT_LAYERLEVEL" val="1"/>
-  <p:tag name="KSO_WM_TAG_VERSION" val="1.0"/>
-  <p:tag name="KSO_WM_BEAUTIFY_FLAG" val="#wm#"/>
-</p:tagLst>
-</file>
-
-<file path=ppt/tags/tag137.xml><?xml version="1.0" encoding="utf-8"?>
-<p:tagLst xmlns:p="http://schemas.openxmlformats.org/presentationml/2006/main">
-  <p:tag name="KSO_WM_UNIT_HIGHLIGHT" val="0"/>
-  <p:tag name="KSO_WM_UNIT_COMPATIBLE" val="0"/>
-  <p:tag name="KSO_WM_UNIT_DIAGRAM_ISNUMVISUAL" val="0"/>
-  <p:tag name="KSO_WM_UNIT_DIAGRAM_ISREFERUNIT" val="0"/>
-  <p:tag name="KSO_WM_UNIT_ID" val="_11**"/>
-  <p:tag name="KSO_WM_UNIT_LAYERLEVEL" val="1"/>
-  <p:tag name="KSO_WM_TAG_VERSION" val="1.0"/>
-  <p:tag name="KSO_WM_BEAUTIFY_FLAG" val="#wm#"/>
-</p:tagLst>
-</file>
-
-<file path=ppt/tags/tag138.xml><?xml version="1.0" encoding="utf-8"?>
-<p:tagLst xmlns:p="http://schemas.openxmlformats.org/presentationml/2006/main">
-  <p:tag name="KSO_WM_UNIT_HIGHLIGHT" val="0"/>
-  <p:tag name="KSO_WM_UNIT_COMPATIBLE" val="0"/>
-  <p:tag name="KSO_WM_UNIT_DIAGRAM_ISNUMVISUAL" val="0"/>
-  <p:tag name="KSO_WM_UNIT_DIAGRAM_ISREFERUNIT" val="0"/>
-  <p:tag name="KSO_WM_UNIT_ID" val="_11**"/>
-  <p:tag name="KSO_WM_UNIT_LAYERLEVEL" val="1"/>
-  <p:tag name="KSO_WM_TAG_VERSION" val="1.0"/>
-  <p:tag name="KSO_WM_BEAUTIFY_FLAG" val="#wm#"/>
-</p:tagLst>
-</file>
-
-<file path=ppt/tags/tag139.xml><?xml version="1.0" encoding="utf-8"?>
-<p:tagLst xmlns:p="http://schemas.openxmlformats.org/presentationml/2006/main">
-  <p:tag name="KSO_WM_UNIT_HIGHLIGHT" val="0"/>
-  <p:tag name="KSO_WM_UNIT_COMPATIBLE" val="0"/>
-  <p:tag name="KSO_WM_UNIT_DIAGRAM_ISNUMVISUAL" val="0"/>
-  <p:tag name="KSO_WM_UNIT_DIAGRAM_ISREFERUNIT" val="0"/>
-  <p:tag name="KSO_WM_UNIT_ID" val="_11**"/>
-  <p:tag name="KSO_WM_UNIT_LAYERLEVEL" val="1"/>
-  <p:tag name="KSO_WM_TAG_VERSION" val="1.0"/>
-  <p:tag name="KSO_WM_BEAUTIFY_FLAG" val="#wm#"/>
-</p:tagLst>
-</file>
-
-<file path=ppt/tags/tag14.xml><?xml version="1.0" encoding="utf-8"?>
-<p:tagLst xmlns:p="http://schemas.openxmlformats.org/presentationml/2006/main">
-  <p:tag name="KSO_WM_UNIT_HIGHLIGHT" val="0"/>
-  <p:tag name="KSO_WM_UNIT_COMPATIBLE" val="0"/>
-  <p:tag name="KSO_WM_UNIT_DIAGRAM_ISNUMVISUAL" val="0"/>
-  <p:tag name="KSO_WM_UNIT_DIAGRAM_ISREFERUNIT" val="0"/>
-  <p:tag name="KSO_WM_UNIT_ID" val="_1**"/>
-  <p:tag name="KSO_WM_UNIT_LAYERLEVEL" val="1"/>
-  <p:tag name="KSO_WM_TAG_VERSION" val="1.0"/>
-  <p:tag name="KSO_WM_BEAUTIFY_FLAG" val="#wm#"/>
-</p:tagLst>
-</file>
-
-<file path=ppt/tags/tag140.xml><?xml version="1.0" encoding="utf-8"?>
-<p:tagLst xmlns:p="http://schemas.openxmlformats.org/presentationml/2006/main">
-  <p:tag name="KSO_WM_UNIT_HIGHLIGHT" val="0"/>
-  <p:tag name="KSO_WM_UNIT_COMPATIBLE" val="0"/>
-  <p:tag name="KSO_WM_UNIT_DIAGRAM_ISNUMVISUAL" val="0"/>
-  <p:tag name="KSO_WM_UNIT_DIAGRAM_ISREFERUNIT" val="0"/>
-  <p:tag name="KSO_WM_UNIT_ID" val="_11**"/>
-  <p:tag name="KSO_WM_UNIT_LAYERLEVEL" val="1"/>
-  <p:tag name="KSO_WM_TAG_VERSION" val="1.0"/>
-  <p:tag name="KSO_WM_BEAUTIFY_FLAG" val="#wm#"/>
-</p:tagLst>
-</file>
-
-<file path=ppt/tags/tag141.xml><?xml version="1.0" encoding="utf-8"?>
-<p:tagLst xmlns:p="http://schemas.openxmlformats.org/presentationml/2006/main">
-  <p:tag name="KSO_WM_UNIT_HIGHLIGHT" val="0"/>
-  <p:tag name="KSO_WM_UNIT_COMPATIBLE" val="0"/>
-  <p:tag name="KSO_WM_UNIT_DIAGRAM_ISNUMVISUAL" val="0"/>
-  <p:tag name="KSO_WM_UNIT_DIAGRAM_ISREFERUNIT" val="0"/>
-  <p:tag name="KSO_WM_UNIT_ID" val="_11**"/>
-  <p:tag name="KSO_WM_UNIT_LAYERLEVEL" val="1"/>
-  <p:tag name="KSO_WM_TAG_VERSION" val="1.0"/>
-  <p:tag name="KSO_WM_BEAUTIFY_FLAG" val="#wm#"/>
-</p:tagLst>
-</file>
-
-<file path=ppt/tags/tag142.xml><?xml version="1.0" encoding="utf-8"?>
-<p:tagLst xmlns:p="http://schemas.openxmlformats.org/presentationml/2006/main">
-  <p:tag name="KSO_WM_UNIT_HIGHLIGHT" val="0"/>
-  <p:tag name="KSO_WM_UNIT_COMPATIBLE" val="0"/>
-  <p:tag name="KSO_WM_UNIT_DIAGRAM_ISNUMVISUAL" val="0"/>
-  <p:tag name="KSO_WM_UNIT_DIAGRAM_ISREFERUNIT" val="0"/>
-  <p:tag name="KSO_WM_UNIT_ID" val="_11**"/>
-  <p:tag name="KSO_WM_UNIT_LAYERLEVEL" val="1"/>
-  <p:tag name="KSO_WM_TAG_VERSION" val="1.0"/>
-  <p:tag name="KSO_WM_BEAUTIFY_FLAG" val="#wm#"/>
-</p:tagLst>
-</file>
-
-<file path=ppt/tags/tag143.xml><?xml version="1.0" encoding="utf-8"?>
-<p:tagLst xmlns:p="http://schemas.openxmlformats.org/presentationml/2006/main">
-  <p:tag name="KSO_WM_UNIT_HIGHLIGHT" val="0"/>
-  <p:tag name="KSO_WM_UNIT_COMPATIBLE" val="0"/>
-  <p:tag name="KSO_WM_UNIT_DIAGRAM_ISNUMVISUAL" val="0"/>
-  <p:tag name="KSO_WM_UNIT_DIAGRAM_ISREFERUNIT" val="0"/>
-  <p:tag name="KSO_WM_UNIT_ID" val="_11**"/>
-  <p:tag name="KSO_WM_UNIT_LAYERLEVEL" val="1"/>
-  <p:tag name="KSO_WM_TAG_VERSION" val="1.0"/>
-  <p:tag name="KSO_WM_BEAUTIFY_FLAG" val="#wm#"/>
-</p:tagLst>
-</file>
-
-<file path=ppt/tags/tag144.xml><?xml version="1.0" encoding="utf-8"?>
-<p:tagLst xmlns:p="http://schemas.openxmlformats.org/presentationml/2006/main">
-  <p:tag name="KSO_WM_UNIT_HIGHLIGHT" val="0"/>
-  <p:tag name="KSO_WM_UNIT_COMPATIBLE" val="0"/>
-  <p:tag name="KSO_WM_UNIT_DIAGRAM_ISNUMVISUAL" val="0"/>
-  <p:tag name="KSO_WM_UNIT_DIAGRAM_ISREFERUNIT" val="0"/>
-  <p:tag name="KSO_WM_UNIT_ID" val="_11**"/>
-  <p:tag name="KSO_WM_UNIT_LAYERLEVEL" val="1"/>
-  <p:tag name="KSO_WM_TAG_VERSION" val="1.0"/>
-  <p:tag name="KSO_WM_BEAUTIFY_FLAG" val="#wm#"/>
-</p:tagLst>
-</file>
-
-<file path=ppt/tags/tag145.xml><?xml version="1.0" encoding="utf-8"?>
-<p:tagLst xmlns:p="http://schemas.openxmlformats.org/presentationml/2006/main">
-  <p:tag name="KSO_WM_UNIT_HIGHLIGHT" val="0"/>
-  <p:tag name="KSO_WM_UNIT_COMPATIBLE" val="0"/>
-  <p:tag name="KSO_WM_UNIT_DIAGRAM_ISNUMVISUAL" val="0"/>
-  <p:tag name="KSO_WM_UNIT_DIAGRAM_ISREFERUNIT" val="0"/>
-  <p:tag name="KSO_WM_UNIT_ID" val="_11**"/>
-  <p:tag name="KSO_WM_UNIT_LAYERLEVEL" val="1"/>
-  <p:tag name="KSO_WM_TAG_VERSION" val="1.0"/>
-  <p:tag name="KSO_WM_BEAUTIFY_FLAG" val="#wm#"/>
-</p:tagLst>
-</file>
-
-<file path=ppt/tags/tag146.xml><?xml version="1.0" encoding="utf-8"?>
-<p:tagLst xmlns:p="http://schemas.openxmlformats.org/presentationml/2006/main">
-  <p:tag name="KSO_WM_UNIT_HIGHLIGHT" val="0"/>
-  <p:tag name="KSO_WM_UNIT_COMPATIBLE" val="0"/>
-  <p:tag name="KSO_WM_UNIT_DIAGRAM_ISNUMVISUAL" val="0"/>
-  <p:tag name="KSO_WM_UNIT_DIAGRAM_ISREFERUNIT" val="0"/>
-  <p:tag name="KSO_WM_UNIT_ID" val="_11**"/>
-  <p:tag name="KSO_WM_UNIT_LAYERLEVEL" val="1"/>
-  <p:tag name="KSO_WM_TAG_VERSION" val="1.0"/>
-  <p:tag name="KSO_WM_BEAUTIFY_FLAG" val="#wm#"/>
-</p:tagLst>
-</file>
-
-<file path=ppt/tags/tag147.xml><?xml version="1.0" encoding="utf-8"?>
-<p:tagLst xmlns:p="http://schemas.openxmlformats.org/presentationml/2006/main">
-  <p:tag name="KSO_WM_UNIT_HIGHLIGHT" val="0"/>
-  <p:tag name="KSO_WM_UNIT_COMPATIBLE" val="0"/>
-  <p:tag name="KSO_WM_UNIT_DIAGRAM_ISNUMVISUAL" val="0"/>
-  <p:tag name="KSO_WM_UNIT_DIAGRAM_ISREFERUNIT" val="0"/>
-  <p:tag name="KSO_WM_UNIT_ID" val="_11**"/>
-  <p:tag name="KSO_WM_UNIT_LAYERLEVEL" val="1"/>
-  <p:tag name="KSO_WM_TAG_VERSION" val="1.0"/>
-  <p:tag name="KSO_WM_BEAUTIFY_FLAG" val="#wm#"/>
-</p:tagLst>
-</file>
-
-<file path=ppt/tags/tag148.xml><?xml version="1.0" encoding="utf-8"?>
-<p:tagLst xmlns:p="http://schemas.openxmlformats.org/presentationml/2006/main">
-  <p:tag name="KSO_WM_UNIT_HIGHLIGHT" val="0"/>
-  <p:tag name="KSO_WM_UNIT_COMPATIBLE" val="0"/>
-  <p:tag name="KSO_WM_UNIT_DIAGRAM_ISNUMVISUAL" val="0"/>
-  <p:tag name="KSO_WM_UNIT_DIAGRAM_ISREFERUNIT" val="0"/>
-  <p:tag name="KSO_WM_UNIT_ID" val="_11**"/>
-  <p:tag name="KSO_WM_UNIT_LAYERLEVEL" val="1"/>
-  <p:tag name="KSO_WM_TAG_VERSION" val="1.0"/>
-  <p:tag name="KSO_WM_BEAUTIFY_FLAG" val="#wm#"/>
-</p:tagLst>
-</file>
-
-<file path=ppt/tags/tag149.xml><?xml version="1.0" encoding="utf-8"?>
-<p:tagLst xmlns:p="http://schemas.openxmlformats.org/presentationml/2006/main">
-  <p:tag name="KSO_WM_UNIT_HIGHLIGHT" val="0"/>
-  <p:tag name="KSO_WM_UNIT_COMPATIBLE" val="0"/>
-  <p:tag name="KSO_WM_UNIT_DIAGRAM_ISNUMVISUAL" val="0"/>
-  <p:tag name="KSO_WM_UNIT_DIAGRAM_ISREFERUNIT" val="0"/>
-  <p:tag name="KSO_WM_UNIT_ID" val="_11**"/>
-  <p:tag name="KSO_WM_UNIT_LAYERLEVEL" val="1"/>
-  <p:tag name="KSO_WM_TAG_VERSION" val="1.0"/>
-  <p:tag name="KSO_WM_BEAUTIFY_FLAG" val="#wm#"/>
-</p:tagLst>
-</file>
-
-<file path=ppt/tags/tag15.xml><?xml version="1.0" encoding="utf-8"?>
-<p:tagLst xmlns:p="http://schemas.openxmlformats.org/presentationml/2006/main">
-  <p:tag name="KSO_WM_UNIT_HIGHLIGHT" val="0"/>
-  <p:tag name="KSO_WM_UNIT_COMPATIBLE" val="0"/>
-  <p:tag name="KSO_WM_UNIT_DIAGRAM_ISNUMVISUAL" val="0"/>
-  <p:tag name="KSO_WM_UNIT_DIAGRAM_ISREFERUNIT" val="0"/>
-  <p:tag name="KSO_WM_UNIT_ID" val="_1**"/>
-  <p:tag name="KSO_WM_UNIT_LAYERLEVEL" val="1"/>
-  <p:tag name="KSO_WM_TAG_VERSION" val="1.0"/>
-  <p:tag name="KSO_WM_BEAUTIFY_FLAG" val="#wm#"/>
-</p:tagLst>
-</file>
-
-<file path=ppt/tags/tag150.xml><?xml version="1.0" encoding="utf-8"?>
-<p:tagLst xmlns:p="http://schemas.openxmlformats.org/presentationml/2006/main">
-  <p:tag name="KSO_WM_UNIT_HIGHLIGHT" val="0"/>
-  <p:tag name="KSO_WM_UNIT_COMPATIBLE" val="0"/>
-  <p:tag name="KSO_WM_UNIT_DIAGRAM_ISNUMVISUAL" val="0"/>
-  <p:tag name="KSO_WM_UNIT_DIAGRAM_ISREFERUNIT" val="0"/>
-  <p:tag name="KSO_WM_UNIT_ID" val="_11**"/>
-  <p:tag name="KSO_WM_UNIT_LAYERLEVEL" val="1"/>
-  <p:tag name="KSO_WM_TAG_VERSION" val="1.0"/>
-  <p:tag name="KSO_WM_BEAUTIFY_FLAG" val="#wm#"/>
-</p:tagLst>
-</file>
-
-<file path=ppt/tags/tag151.xml><?xml version="1.0" encoding="utf-8"?>
-<p:tagLst xmlns:p="http://schemas.openxmlformats.org/presentationml/2006/main">
-  <p:tag name="KSO_WM_UNIT_HIGHLIGHT" val="0"/>
-  <p:tag name="KSO_WM_UNIT_COMPATIBLE" val="0"/>
-  <p:tag name="KSO_WM_UNIT_DIAGRAM_ISNUMVISUAL" val="0"/>
-  <p:tag name="KSO_WM_UNIT_DIAGRAM_ISREFERUNIT" val="0"/>
-  <p:tag name="KSO_WM_UNIT_ID" val="_11**"/>
-  <p:tag name="KSO_WM_UNIT_LAYERLEVEL" val="1"/>
-  <p:tag name="KSO_WM_TAG_VERSION" val="1.0"/>
-  <p:tag name="KSO_WM_BEAUTIFY_FLAG" val="#wm#"/>
-</p:tagLst>
-</file>
-
-<file path=ppt/tags/tag152.xml><?xml version="1.0" encoding="utf-8"?>
-<p:tagLst xmlns:p="http://schemas.openxmlformats.org/presentationml/2006/main">
-  <p:tag name="KSO_WM_UNIT_HIGHLIGHT" val="0"/>
-  <p:tag name="KSO_WM_UNIT_COMPATIBLE" val="0"/>
-  <p:tag name="KSO_WM_UNIT_DIAGRAM_ISNUMVISUAL" val="0"/>
-  <p:tag name="KSO_WM_UNIT_DIAGRAM_ISREFERUNIT" val="0"/>
-  <p:tag name="KSO_WM_UNIT_ID" val="_11**"/>
-  <p:tag name="KSO_WM_UNIT_LAYERLEVEL" val="1"/>
-  <p:tag name="KSO_WM_TAG_VERSION" val="1.0"/>
-  <p:tag name="KSO_WM_BEAUTIFY_FLAG" val="#wm#"/>
-</p:tagLst>
-</file>
-
-<file path=ppt/tags/tag153.xml><?xml version="1.0" encoding="utf-8"?>
-<p:tagLst xmlns:p="http://schemas.openxmlformats.org/presentationml/2006/main">
-  <p:tag name="KSO_WM_UNIT_HIGHLIGHT" val="0"/>
-  <p:tag name="KSO_WM_UNIT_COMPATIBLE" val="0"/>
-  <p:tag name="KSO_WM_UNIT_DIAGRAM_ISNUMVISUAL" val="0"/>
-  <p:tag name="KSO_WM_UNIT_DIAGRAM_ISREFERUNIT" val="0"/>
-  <p:tag name="KSO_WM_UNIT_ID" val="_11**"/>
-  <p:tag name="KSO_WM_UNIT_LAYERLEVEL" val="1"/>
-  <p:tag name="KSO_WM_TAG_VERSION" val="1.0"/>
-  <p:tag name="KSO_WM_BEAUTIFY_FLAG" val="#wm#"/>
-</p:tagLst>
-</file>
-
-<file path=ppt/tags/tag154.xml><?xml version="1.0" encoding="utf-8"?>
-<p:tagLst xmlns:p="http://schemas.openxmlformats.org/presentationml/2006/main">
-  <p:tag name="KSO_WM_UNIT_HIGHLIGHT" val="0"/>
-  <p:tag name="KSO_WM_UNIT_COMPATIBLE" val="0"/>
-  <p:tag name="KSO_WM_UNIT_DIAGRAM_ISNUMVISUAL" val="0"/>
-  <p:tag name="KSO_WM_UNIT_DIAGRAM_ISREFERUNIT" val="0"/>
-  <p:tag name="KSO_WM_UNIT_ID" val="_11**"/>
-  <p:tag name="KSO_WM_UNIT_LAYERLEVEL" val="1"/>
-  <p:tag name="KSO_WM_TAG_VERSION" val="1.0"/>
-  <p:tag name="KSO_WM_BEAUTIFY_FLAG" val="#wm#"/>
-</p:tagLst>
-</file>
-
-<file path=ppt/tags/tag155.xml><?xml version="1.0" encoding="utf-8"?>
-<p:tagLst xmlns:p="http://schemas.openxmlformats.org/presentationml/2006/main">
-  <p:tag name="KSO_WM_UNIT_HIGHLIGHT" val="0"/>
-  <p:tag name="KSO_WM_UNIT_COMPATIBLE" val="0"/>
-  <p:tag name="KSO_WM_UNIT_DIAGRAM_ISNUMVISUAL" val="0"/>
-  <p:tag name="KSO_WM_UNIT_DIAGRAM_ISREFERUNIT" val="0"/>
-  <p:tag name="KSO_WM_UNIT_ID" val="_11**"/>
-  <p:tag name="KSO_WM_UNIT_LAYERLEVEL" val="1"/>
-  <p:tag name="KSO_WM_TAG_VERSION" val="1.0"/>
-  <p:tag name="KSO_WM_BEAUTIFY_FLAG" val="#wm#"/>
-</p:tagLst>
-</file>
-
-<file path=ppt/tags/tag156.xml><?xml version="1.0" encoding="utf-8"?>
-<p:tagLst xmlns:p="http://schemas.openxmlformats.org/presentationml/2006/main">
+<p:tagLst xmlns:a="http://schemas.openxmlformats.org/drawingml/2006/main" xmlns:r="http://schemas.openxmlformats.org/officeDocument/2006/relationships" xmlns:p="http://schemas.openxmlformats.org/presentationml/2006/main">
   <p:tag name="KSO_WM_UNIT_HIGHLIGHT" val="0"/>
   <p:tag name="KSO_WM_UNIT_COMPATIBLE" val="0"/>
   <p:tag name="KSO_WM_UNIT_DIAGRAM_ISNUMVISUAL" val="0"/>
@@ -22294,28 +21435,845 @@
 </p:tagLst>
 </file>
 
-<file path=ppt/tags/tag157.xml><?xml version="1.0" encoding="utf-8"?>
-<p:tagLst xmlns:p="http://schemas.openxmlformats.org/presentationml/2006/main">
+<file path=ppt/tags/tag10.xml><?xml version="1.0" encoding="utf-8"?>
+<p:tagLst xmlns:a="http://schemas.openxmlformats.org/drawingml/2006/main" xmlns:r="http://schemas.openxmlformats.org/officeDocument/2006/relationships" xmlns:p="http://schemas.openxmlformats.org/presentationml/2006/main">
   <p:tag name="KSO_WM_UNIT_HIGHLIGHT" val="0"/>
   <p:tag name="KSO_WM_UNIT_COMPATIBLE" val="0"/>
   <p:tag name="KSO_WM_UNIT_DIAGRAM_ISNUMVISUAL" val="0"/>
   <p:tag name="KSO_WM_UNIT_DIAGRAM_ISREFERUNIT" val="0"/>
-  <p:tag name="KSO_WM_UNIT_ID" val="_0**"/>
+  <p:tag name="KSO_WM_UNIT_ID" val="_1**"/>
   <p:tag name="KSO_WM_UNIT_LAYERLEVEL" val="1"/>
   <p:tag name="KSO_WM_TAG_VERSION" val="1.0"/>
   <p:tag name="KSO_WM_BEAUTIFY_FLAG" val="#wm#"/>
-  <p:tag name="KSO_WM_TEMPLATE_CATEGORY" val="custom"/>
-  <p:tag name="KSO_WM_TEMPLATE_INDEX" val="20191705"/>
+</p:tagLst>
+</file>
+
+<file path=ppt/tags/tag100.xml><?xml version="1.0" encoding="utf-8"?>
+<p:tagLst xmlns:a="http://schemas.openxmlformats.org/drawingml/2006/main" xmlns:r="http://schemas.openxmlformats.org/officeDocument/2006/relationships" xmlns:p="http://schemas.openxmlformats.org/presentationml/2006/main">
+  <p:tag name="KSO_WM_UNIT_HIGHLIGHT" val="0"/>
+  <p:tag name="KSO_WM_UNIT_COMPATIBLE" val="0"/>
+  <p:tag name="KSO_WM_UNIT_DIAGRAM_ISNUMVISUAL" val="0"/>
+  <p:tag name="KSO_WM_UNIT_DIAGRAM_ISREFERUNIT" val="0"/>
+  <p:tag name="KSO_WM_UNIT_ID" val="_5**"/>
+  <p:tag name="KSO_WM_UNIT_LAYERLEVEL" val="1"/>
+  <p:tag name="KSO_WM_TAG_VERSION" val="1.0"/>
+  <p:tag name="KSO_WM_BEAUTIFY_FLAG" val="#wm#"/>
+</p:tagLst>
+</file>
+
+<file path=ppt/tags/tag101.xml><?xml version="1.0" encoding="utf-8"?>
+<p:tagLst xmlns:a="http://schemas.openxmlformats.org/drawingml/2006/main" xmlns:r="http://schemas.openxmlformats.org/officeDocument/2006/relationships" xmlns:p="http://schemas.openxmlformats.org/presentationml/2006/main">
+  <p:tag name="KSO_WM_UNIT_HIGHLIGHT" val="0"/>
+  <p:tag name="KSO_WM_UNIT_COMPATIBLE" val="0"/>
+  <p:tag name="KSO_WM_UNIT_DIAGRAM_ISNUMVISUAL" val="0"/>
+  <p:tag name="KSO_WM_UNIT_DIAGRAM_ISREFERUNIT" val="0"/>
+  <p:tag name="KSO_WM_UNIT_ID" val="_5**"/>
+  <p:tag name="KSO_WM_UNIT_LAYERLEVEL" val="1"/>
+  <p:tag name="KSO_WM_TAG_VERSION" val="1.0"/>
+  <p:tag name="KSO_WM_BEAUTIFY_FLAG" val="#wm#"/>
+</p:tagLst>
+</file>
+
+<file path=ppt/tags/tag102.xml><?xml version="1.0" encoding="utf-8"?>
+<p:tagLst xmlns:a="http://schemas.openxmlformats.org/drawingml/2006/main" xmlns:r="http://schemas.openxmlformats.org/officeDocument/2006/relationships" xmlns:p="http://schemas.openxmlformats.org/presentationml/2006/main">
+  <p:tag name="KSO_WM_UNIT_HIGHLIGHT" val="0"/>
+  <p:tag name="KSO_WM_UNIT_COMPATIBLE" val="0"/>
+  <p:tag name="KSO_WM_UNIT_DIAGRAM_ISNUMVISUAL" val="0"/>
+  <p:tag name="KSO_WM_UNIT_DIAGRAM_ISREFERUNIT" val="0"/>
+  <p:tag name="KSO_WM_UNIT_ID" val="_5**"/>
+  <p:tag name="KSO_WM_UNIT_LAYERLEVEL" val="1"/>
+  <p:tag name="KSO_WM_TAG_VERSION" val="1.0"/>
+  <p:tag name="KSO_WM_BEAUTIFY_FLAG" val="#wm#"/>
+</p:tagLst>
+</file>
+
+<file path=ppt/tags/tag103.xml><?xml version="1.0" encoding="utf-8"?>
+<p:tagLst xmlns:a="http://schemas.openxmlformats.org/drawingml/2006/main" xmlns:r="http://schemas.openxmlformats.org/officeDocument/2006/relationships" xmlns:p="http://schemas.openxmlformats.org/presentationml/2006/main">
+  <p:tag name="KSO_WM_UNIT_HIGHLIGHT" val="0"/>
+  <p:tag name="KSO_WM_UNIT_COMPATIBLE" val="0"/>
+  <p:tag name="KSO_WM_UNIT_DIAGRAM_ISNUMVISUAL" val="0"/>
+  <p:tag name="KSO_WM_UNIT_DIAGRAM_ISREFERUNIT" val="0"/>
+  <p:tag name="KSO_WM_UNIT_ID" val="_5**"/>
+  <p:tag name="KSO_WM_UNIT_LAYERLEVEL" val="1"/>
+  <p:tag name="KSO_WM_TAG_VERSION" val="1.0"/>
+  <p:tag name="KSO_WM_BEAUTIFY_FLAG" val="#wm#"/>
+</p:tagLst>
+</file>
+
+<file path=ppt/tags/tag104.xml><?xml version="1.0" encoding="utf-8"?>
+<p:tagLst xmlns:a="http://schemas.openxmlformats.org/drawingml/2006/main" xmlns:r="http://schemas.openxmlformats.org/officeDocument/2006/relationships" xmlns:p="http://schemas.openxmlformats.org/presentationml/2006/main">
+  <p:tag name="KSO_WM_UNIT_HIGHLIGHT" val="0"/>
+  <p:tag name="KSO_WM_UNIT_COMPATIBLE" val="0"/>
+  <p:tag name="KSO_WM_UNIT_DIAGRAM_ISNUMVISUAL" val="0"/>
+  <p:tag name="KSO_WM_UNIT_DIAGRAM_ISREFERUNIT" val="0"/>
+  <p:tag name="KSO_WM_UNIT_ID" val="_6**"/>
+  <p:tag name="KSO_WM_UNIT_LAYERLEVEL" val="1"/>
+  <p:tag name="KSO_WM_TAG_VERSION" val="1.0"/>
+  <p:tag name="KSO_WM_BEAUTIFY_FLAG" val="#wm#"/>
+</p:tagLst>
+</file>
+
+<file path=ppt/tags/tag105.xml><?xml version="1.0" encoding="utf-8"?>
+<p:tagLst xmlns:a="http://schemas.openxmlformats.org/drawingml/2006/main" xmlns:r="http://schemas.openxmlformats.org/officeDocument/2006/relationships" xmlns:p="http://schemas.openxmlformats.org/presentationml/2006/main">
+  <p:tag name="KSO_WM_UNIT_HIGHLIGHT" val="0"/>
+  <p:tag name="KSO_WM_UNIT_COMPATIBLE" val="0"/>
+  <p:tag name="KSO_WM_UNIT_DIAGRAM_ISNUMVISUAL" val="0"/>
+  <p:tag name="KSO_WM_UNIT_DIAGRAM_ISREFERUNIT" val="0"/>
+  <p:tag name="KSO_WM_UNIT_ID" val="_6**"/>
+  <p:tag name="KSO_WM_UNIT_LAYERLEVEL" val="1"/>
+  <p:tag name="KSO_WM_TAG_VERSION" val="1.0"/>
+  <p:tag name="KSO_WM_BEAUTIFY_FLAG" val="#wm#"/>
+</p:tagLst>
+</file>
+
+<file path=ppt/tags/tag106.xml><?xml version="1.0" encoding="utf-8"?>
+<p:tagLst xmlns:a="http://schemas.openxmlformats.org/drawingml/2006/main" xmlns:r="http://schemas.openxmlformats.org/officeDocument/2006/relationships" xmlns:p="http://schemas.openxmlformats.org/presentationml/2006/main">
+  <p:tag name="KSO_WM_UNIT_HIGHLIGHT" val="0"/>
+  <p:tag name="KSO_WM_UNIT_COMPATIBLE" val="0"/>
+  <p:tag name="KSO_WM_UNIT_DIAGRAM_ISNUMVISUAL" val="0"/>
+  <p:tag name="KSO_WM_UNIT_DIAGRAM_ISREFERUNIT" val="0"/>
+  <p:tag name="KSO_WM_UNIT_ID" val="_6**"/>
+  <p:tag name="KSO_WM_UNIT_LAYERLEVEL" val="1"/>
+  <p:tag name="KSO_WM_TAG_VERSION" val="1.0"/>
+  <p:tag name="KSO_WM_BEAUTIFY_FLAG" val="#wm#"/>
+</p:tagLst>
+</file>
+
+<file path=ppt/tags/tag107.xml><?xml version="1.0" encoding="utf-8"?>
+<p:tagLst xmlns:a="http://schemas.openxmlformats.org/drawingml/2006/main" xmlns:r="http://schemas.openxmlformats.org/officeDocument/2006/relationships" xmlns:p="http://schemas.openxmlformats.org/presentationml/2006/main">
+  <p:tag name="KSO_WM_UNIT_HIGHLIGHT" val="0"/>
+  <p:tag name="KSO_WM_UNIT_COMPATIBLE" val="0"/>
+  <p:tag name="KSO_WM_UNIT_DIAGRAM_ISNUMVISUAL" val="0"/>
+  <p:tag name="KSO_WM_UNIT_DIAGRAM_ISREFERUNIT" val="0"/>
+  <p:tag name="KSO_WM_UNIT_ID" val="_6**"/>
+  <p:tag name="KSO_WM_UNIT_LAYERLEVEL" val="1"/>
+  <p:tag name="KSO_WM_TAG_VERSION" val="1.0"/>
+  <p:tag name="KSO_WM_BEAUTIFY_FLAG" val="#wm#"/>
+</p:tagLst>
+</file>
+
+<file path=ppt/tags/tag108.xml><?xml version="1.0" encoding="utf-8"?>
+<p:tagLst xmlns:a="http://schemas.openxmlformats.org/drawingml/2006/main" xmlns:r="http://schemas.openxmlformats.org/officeDocument/2006/relationships" xmlns:p="http://schemas.openxmlformats.org/presentationml/2006/main">
+  <p:tag name="KSO_WM_UNIT_HIGHLIGHT" val="0"/>
+  <p:tag name="KSO_WM_UNIT_COMPATIBLE" val="0"/>
+  <p:tag name="KSO_WM_UNIT_DIAGRAM_ISNUMVISUAL" val="0"/>
+  <p:tag name="KSO_WM_UNIT_DIAGRAM_ISREFERUNIT" val="0"/>
+  <p:tag name="KSO_WM_UNIT_ID" val="_7**"/>
+  <p:tag name="KSO_WM_UNIT_LAYERLEVEL" val="1"/>
+  <p:tag name="KSO_WM_TAG_VERSION" val="1.0"/>
+  <p:tag name="KSO_WM_BEAUTIFY_FLAG" val="#wm#"/>
+</p:tagLst>
+</file>
+
+<file path=ppt/tags/tag109.xml><?xml version="1.0" encoding="utf-8"?>
+<p:tagLst xmlns:a="http://schemas.openxmlformats.org/drawingml/2006/main" xmlns:r="http://schemas.openxmlformats.org/officeDocument/2006/relationships" xmlns:p="http://schemas.openxmlformats.org/presentationml/2006/main">
+  <p:tag name="KSO_WM_UNIT_HIGHLIGHT" val="0"/>
+  <p:tag name="KSO_WM_UNIT_COMPATIBLE" val="0"/>
+  <p:tag name="KSO_WM_UNIT_DIAGRAM_ISNUMVISUAL" val="0"/>
+  <p:tag name="KSO_WM_UNIT_DIAGRAM_ISREFERUNIT" val="0"/>
+  <p:tag name="KSO_WM_UNIT_ID" val="_7**"/>
+  <p:tag name="KSO_WM_UNIT_LAYERLEVEL" val="1"/>
+  <p:tag name="KSO_WM_TAG_VERSION" val="1.0"/>
+  <p:tag name="KSO_WM_BEAUTIFY_FLAG" val="#wm#"/>
+</p:tagLst>
+</file>
+
+<file path=ppt/tags/tag11.xml><?xml version="1.0" encoding="utf-8"?>
+<p:tagLst xmlns:a="http://schemas.openxmlformats.org/drawingml/2006/main" xmlns:r="http://schemas.openxmlformats.org/officeDocument/2006/relationships" xmlns:p="http://schemas.openxmlformats.org/presentationml/2006/main">
+  <p:tag name="KSO_WM_UNIT_HIGHLIGHT" val="0"/>
+  <p:tag name="KSO_WM_UNIT_COMPATIBLE" val="0"/>
+  <p:tag name="KSO_WM_UNIT_DIAGRAM_ISNUMVISUAL" val="0"/>
+  <p:tag name="KSO_WM_UNIT_DIAGRAM_ISREFERUNIT" val="0"/>
+  <p:tag name="KSO_WM_UNIT_ID" val="_1**"/>
+  <p:tag name="KSO_WM_UNIT_LAYERLEVEL" val="1"/>
+  <p:tag name="KSO_WM_TAG_VERSION" val="1.0"/>
+  <p:tag name="KSO_WM_BEAUTIFY_FLAG" val="#wm#"/>
+</p:tagLst>
+</file>
+
+<file path=ppt/tags/tag110.xml><?xml version="1.0" encoding="utf-8"?>
+<p:tagLst xmlns:a="http://schemas.openxmlformats.org/drawingml/2006/main" xmlns:r="http://schemas.openxmlformats.org/officeDocument/2006/relationships" xmlns:p="http://schemas.openxmlformats.org/presentationml/2006/main">
+  <p:tag name="KSO_WM_UNIT_HIGHLIGHT" val="0"/>
+  <p:tag name="KSO_WM_UNIT_COMPATIBLE" val="0"/>
+  <p:tag name="KSO_WM_UNIT_DIAGRAM_ISNUMVISUAL" val="0"/>
+  <p:tag name="KSO_WM_UNIT_DIAGRAM_ISREFERUNIT" val="0"/>
+  <p:tag name="KSO_WM_UNIT_ID" val="_7**"/>
+  <p:tag name="KSO_WM_UNIT_LAYERLEVEL" val="1"/>
+  <p:tag name="KSO_WM_TAG_VERSION" val="1.0"/>
+  <p:tag name="KSO_WM_BEAUTIFY_FLAG" val="#wm#"/>
+</p:tagLst>
+</file>
+
+<file path=ppt/tags/tag111.xml><?xml version="1.0" encoding="utf-8"?>
+<p:tagLst xmlns:a="http://schemas.openxmlformats.org/drawingml/2006/main" xmlns:r="http://schemas.openxmlformats.org/officeDocument/2006/relationships" xmlns:p="http://schemas.openxmlformats.org/presentationml/2006/main">
+  <p:tag name="KSO_WM_UNIT_HIGHLIGHT" val="0"/>
+  <p:tag name="KSO_WM_UNIT_COMPATIBLE" val="0"/>
+  <p:tag name="KSO_WM_UNIT_DIAGRAM_ISNUMVISUAL" val="0"/>
+  <p:tag name="KSO_WM_UNIT_DIAGRAM_ISREFERUNIT" val="0"/>
+  <p:tag name="KSO_WM_UNIT_ID" val="_8**"/>
+  <p:tag name="KSO_WM_UNIT_LAYERLEVEL" val="1"/>
+  <p:tag name="KSO_WM_TAG_VERSION" val="1.0"/>
+  <p:tag name="KSO_WM_BEAUTIFY_FLAG" val="#wm#"/>
+</p:tagLst>
+</file>
+
+<file path=ppt/tags/tag112.xml><?xml version="1.0" encoding="utf-8"?>
+<p:tagLst xmlns:a="http://schemas.openxmlformats.org/drawingml/2006/main" xmlns:r="http://schemas.openxmlformats.org/officeDocument/2006/relationships" xmlns:p="http://schemas.openxmlformats.org/presentationml/2006/main">
+  <p:tag name="KSO_WM_UNIT_HIGHLIGHT" val="0"/>
+  <p:tag name="KSO_WM_UNIT_COMPATIBLE" val="0"/>
+  <p:tag name="KSO_WM_UNIT_DIAGRAM_ISNUMVISUAL" val="0"/>
+  <p:tag name="KSO_WM_UNIT_DIAGRAM_ISREFERUNIT" val="0"/>
+  <p:tag name="KSO_WM_UNIT_ID" val="_8**"/>
+  <p:tag name="KSO_WM_UNIT_LAYERLEVEL" val="1"/>
+  <p:tag name="KSO_WM_TAG_VERSION" val="1.0"/>
+  <p:tag name="KSO_WM_BEAUTIFY_FLAG" val="#wm#"/>
+</p:tagLst>
+</file>
+
+<file path=ppt/tags/tag113.xml><?xml version="1.0" encoding="utf-8"?>
+<p:tagLst xmlns:a="http://schemas.openxmlformats.org/drawingml/2006/main" xmlns:r="http://schemas.openxmlformats.org/officeDocument/2006/relationships" xmlns:p="http://schemas.openxmlformats.org/presentationml/2006/main">
+  <p:tag name="KSO_WM_UNIT_HIGHLIGHT" val="0"/>
+  <p:tag name="KSO_WM_UNIT_COMPATIBLE" val="0"/>
+  <p:tag name="KSO_WM_UNIT_DIAGRAM_ISNUMVISUAL" val="0"/>
+  <p:tag name="KSO_WM_UNIT_DIAGRAM_ISREFERUNIT" val="0"/>
+  <p:tag name="KSO_WM_UNIT_ID" val="_8**"/>
+  <p:tag name="KSO_WM_UNIT_LAYERLEVEL" val="1"/>
+  <p:tag name="KSO_WM_TAG_VERSION" val="1.0"/>
+  <p:tag name="KSO_WM_BEAUTIFY_FLAG" val="#wm#"/>
+</p:tagLst>
+</file>
+
+<file path=ppt/tags/tag114.xml><?xml version="1.0" encoding="utf-8"?>
+<p:tagLst xmlns:a="http://schemas.openxmlformats.org/drawingml/2006/main" xmlns:r="http://schemas.openxmlformats.org/officeDocument/2006/relationships" xmlns:p="http://schemas.openxmlformats.org/presentationml/2006/main">
+  <p:tag name="KSO_WM_UNIT_HIGHLIGHT" val="0"/>
+  <p:tag name="KSO_WM_UNIT_COMPATIBLE" val="0"/>
+  <p:tag name="KSO_WM_UNIT_DIAGRAM_ISNUMVISUAL" val="0"/>
+  <p:tag name="KSO_WM_UNIT_DIAGRAM_ISREFERUNIT" val="0"/>
+  <p:tag name="KSO_WM_UNIT_ID" val="_8**"/>
+  <p:tag name="KSO_WM_UNIT_LAYERLEVEL" val="1"/>
+  <p:tag name="KSO_WM_TAG_VERSION" val="1.0"/>
+  <p:tag name="KSO_WM_BEAUTIFY_FLAG" val="#wm#"/>
+</p:tagLst>
+</file>
+
+<file path=ppt/tags/tag115.xml><?xml version="1.0" encoding="utf-8"?>
+<p:tagLst xmlns:a="http://schemas.openxmlformats.org/drawingml/2006/main" xmlns:r="http://schemas.openxmlformats.org/officeDocument/2006/relationships" xmlns:p="http://schemas.openxmlformats.org/presentationml/2006/main">
+  <p:tag name="KSO_WM_UNIT_HIGHLIGHT" val="0"/>
+  <p:tag name="KSO_WM_UNIT_COMPATIBLE" val="0"/>
+  <p:tag name="KSO_WM_UNIT_DIAGRAM_ISNUMVISUAL" val="0"/>
+  <p:tag name="KSO_WM_UNIT_DIAGRAM_ISREFERUNIT" val="0"/>
+  <p:tag name="KSO_WM_UNIT_ID" val="_8**"/>
+  <p:tag name="KSO_WM_UNIT_LAYERLEVEL" val="1"/>
+  <p:tag name="KSO_WM_TAG_VERSION" val="1.0"/>
+  <p:tag name="KSO_WM_BEAUTIFY_FLAG" val="#wm#"/>
+</p:tagLst>
+</file>
+
+<file path=ppt/tags/tag116.xml><?xml version="1.0" encoding="utf-8"?>
+<p:tagLst xmlns:a="http://schemas.openxmlformats.org/drawingml/2006/main" xmlns:r="http://schemas.openxmlformats.org/officeDocument/2006/relationships" xmlns:p="http://schemas.openxmlformats.org/presentationml/2006/main">
+  <p:tag name="KSO_WM_UNIT_HIGHLIGHT" val="0"/>
+  <p:tag name="KSO_WM_UNIT_COMPATIBLE" val="0"/>
+  <p:tag name="KSO_WM_UNIT_DIAGRAM_ISNUMVISUAL" val="0"/>
+  <p:tag name="KSO_WM_UNIT_DIAGRAM_ISREFERUNIT" val="0"/>
+  <p:tag name="KSO_WM_UNIT_ID" val="_8**"/>
+  <p:tag name="KSO_WM_UNIT_LAYERLEVEL" val="1"/>
+  <p:tag name="KSO_WM_TAG_VERSION" val="1.0"/>
+  <p:tag name="KSO_WM_BEAUTIFY_FLAG" val="#wm#"/>
+</p:tagLst>
+</file>
+
+<file path=ppt/tags/tag117.xml><?xml version="1.0" encoding="utf-8"?>
+<p:tagLst xmlns:a="http://schemas.openxmlformats.org/drawingml/2006/main" xmlns:r="http://schemas.openxmlformats.org/officeDocument/2006/relationships" xmlns:p="http://schemas.openxmlformats.org/presentationml/2006/main">
+  <p:tag name="KSO_WM_UNIT_HIGHLIGHT" val="0"/>
+  <p:tag name="KSO_WM_UNIT_COMPATIBLE" val="0"/>
+  <p:tag name="KSO_WM_UNIT_DIAGRAM_ISNUMVISUAL" val="0"/>
+  <p:tag name="KSO_WM_UNIT_DIAGRAM_ISREFERUNIT" val="0"/>
+  <p:tag name="KSO_WM_UNIT_ID" val="_9**"/>
+  <p:tag name="KSO_WM_UNIT_LAYERLEVEL" val="1"/>
+  <p:tag name="KSO_WM_TAG_VERSION" val="1.0"/>
+  <p:tag name="KSO_WM_BEAUTIFY_FLAG" val="#wm#"/>
+</p:tagLst>
+</file>
+
+<file path=ppt/tags/tag118.xml><?xml version="1.0" encoding="utf-8"?>
+<p:tagLst xmlns:a="http://schemas.openxmlformats.org/drawingml/2006/main" xmlns:r="http://schemas.openxmlformats.org/officeDocument/2006/relationships" xmlns:p="http://schemas.openxmlformats.org/presentationml/2006/main">
+  <p:tag name="KSO_WM_UNIT_HIGHLIGHT" val="0"/>
+  <p:tag name="KSO_WM_UNIT_COMPATIBLE" val="0"/>
+  <p:tag name="KSO_WM_UNIT_DIAGRAM_ISNUMVISUAL" val="0"/>
+  <p:tag name="KSO_WM_UNIT_DIAGRAM_ISREFERUNIT" val="0"/>
+  <p:tag name="KSO_WM_UNIT_ID" val="_9**"/>
+  <p:tag name="KSO_WM_UNIT_LAYERLEVEL" val="1"/>
+  <p:tag name="KSO_WM_TAG_VERSION" val="1.0"/>
+  <p:tag name="KSO_WM_BEAUTIFY_FLAG" val="#wm#"/>
+</p:tagLst>
+</file>
+
+<file path=ppt/tags/tag119.xml><?xml version="1.0" encoding="utf-8"?>
+<p:tagLst xmlns:a="http://schemas.openxmlformats.org/drawingml/2006/main" xmlns:r="http://schemas.openxmlformats.org/officeDocument/2006/relationships" xmlns:p="http://schemas.openxmlformats.org/presentationml/2006/main">
+  <p:tag name="KSO_WM_UNIT_HIGHLIGHT" val="0"/>
+  <p:tag name="KSO_WM_UNIT_COMPATIBLE" val="0"/>
+  <p:tag name="KSO_WM_UNIT_DIAGRAM_ISNUMVISUAL" val="0"/>
+  <p:tag name="KSO_WM_UNIT_DIAGRAM_ISREFERUNIT" val="0"/>
+  <p:tag name="KSO_WM_UNIT_ID" val="_9**"/>
+  <p:tag name="KSO_WM_UNIT_LAYERLEVEL" val="1"/>
+  <p:tag name="KSO_WM_TAG_VERSION" val="1.0"/>
+  <p:tag name="KSO_WM_BEAUTIFY_FLAG" val="#wm#"/>
+</p:tagLst>
+</file>
+
+<file path=ppt/tags/tag12.xml><?xml version="1.0" encoding="utf-8"?>
+<p:tagLst xmlns:a="http://schemas.openxmlformats.org/drawingml/2006/main" xmlns:r="http://schemas.openxmlformats.org/officeDocument/2006/relationships" xmlns:p="http://schemas.openxmlformats.org/presentationml/2006/main">
+  <p:tag name="KSO_WM_UNIT_HIGHLIGHT" val="0"/>
+  <p:tag name="KSO_WM_UNIT_COMPATIBLE" val="0"/>
+  <p:tag name="KSO_WM_UNIT_DIAGRAM_ISNUMVISUAL" val="0"/>
+  <p:tag name="KSO_WM_UNIT_DIAGRAM_ISREFERUNIT" val="0"/>
+  <p:tag name="KSO_WM_UNIT_ID" val="_1**"/>
+  <p:tag name="KSO_WM_UNIT_LAYERLEVEL" val="1"/>
+  <p:tag name="KSO_WM_TAG_VERSION" val="1.0"/>
+  <p:tag name="KSO_WM_BEAUTIFY_FLAG" val="#wm#"/>
+</p:tagLst>
+</file>
+
+<file path=ppt/tags/tag120.xml><?xml version="1.0" encoding="utf-8"?>
+<p:tagLst xmlns:a="http://schemas.openxmlformats.org/drawingml/2006/main" xmlns:r="http://schemas.openxmlformats.org/officeDocument/2006/relationships" xmlns:p="http://schemas.openxmlformats.org/presentationml/2006/main">
+  <p:tag name="KSO_WM_UNIT_HIGHLIGHT" val="0"/>
+  <p:tag name="KSO_WM_UNIT_COMPATIBLE" val="0"/>
+  <p:tag name="KSO_WM_UNIT_DIAGRAM_ISNUMVISUAL" val="0"/>
+  <p:tag name="KSO_WM_UNIT_DIAGRAM_ISREFERUNIT" val="0"/>
+  <p:tag name="KSO_WM_UNIT_ID" val="_9**"/>
+  <p:tag name="KSO_WM_UNIT_LAYERLEVEL" val="1"/>
+  <p:tag name="KSO_WM_TAG_VERSION" val="1.0"/>
+  <p:tag name="KSO_WM_BEAUTIFY_FLAG" val="#wm#"/>
+</p:tagLst>
+</file>
+
+<file path=ppt/tags/tag121.xml><?xml version="1.0" encoding="utf-8"?>
+<p:tagLst xmlns:a="http://schemas.openxmlformats.org/drawingml/2006/main" xmlns:r="http://schemas.openxmlformats.org/officeDocument/2006/relationships" xmlns:p="http://schemas.openxmlformats.org/presentationml/2006/main">
+  <p:tag name="KSO_WM_UNIT_HIGHLIGHT" val="0"/>
+  <p:tag name="KSO_WM_UNIT_COMPATIBLE" val="0"/>
+  <p:tag name="KSO_WM_UNIT_DIAGRAM_ISNUMVISUAL" val="0"/>
+  <p:tag name="KSO_WM_UNIT_DIAGRAM_ISREFERUNIT" val="0"/>
+  <p:tag name="KSO_WM_UNIT_ID" val="_9**"/>
+  <p:tag name="KSO_WM_UNIT_LAYERLEVEL" val="1"/>
+  <p:tag name="KSO_WM_TAG_VERSION" val="1.0"/>
+  <p:tag name="KSO_WM_BEAUTIFY_FLAG" val="#wm#"/>
+</p:tagLst>
+</file>
+
+<file path=ppt/tags/tag122.xml><?xml version="1.0" encoding="utf-8"?>
+<p:tagLst xmlns:a="http://schemas.openxmlformats.org/drawingml/2006/main" xmlns:r="http://schemas.openxmlformats.org/officeDocument/2006/relationships" xmlns:p="http://schemas.openxmlformats.org/presentationml/2006/main">
+  <p:tag name="KSO_WM_UNIT_HIGHLIGHT" val="0"/>
+  <p:tag name="KSO_WM_UNIT_COMPATIBLE" val="0"/>
+  <p:tag name="KSO_WM_UNIT_DIAGRAM_ISNUMVISUAL" val="0"/>
+  <p:tag name="KSO_WM_UNIT_DIAGRAM_ISREFERUNIT" val="0"/>
+  <p:tag name="KSO_WM_UNIT_ID" val="_10**"/>
+  <p:tag name="KSO_WM_UNIT_LAYERLEVEL" val="1"/>
+  <p:tag name="KSO_WM_TAG_VERSION" val="1.0"/>
+  <p:tag name="KSO_WM_BEAUTIFY_FLAG" val="#wm#"/>
+</p:tagLst>
+</file>
+
+<file path=ppt/tags/tag123.xml><?xml version="1.0" encoding="utf-8"?>
+<p:tagLst xmlns:a="http://schemas.openxmlformats.org/drawingml/2006/main" xmlns:r="http://schemas.openxmlformats.org/officeDocument/2006/relationships" xmlns:p="http://schemas.openxmlformats.org/presentationml/2006/main">
+  <p:tag name="KSO_WM_UNIT_HIGHLIGHT" val="0"/>
+  <p:tag name="KSO_WM_UNIT_COMPATIBLE" val="0"/>
+  <p:tag name="KSO_WM_UNIT_DIAGRAM_ISNUMVISUAL" val="0"/>
+  <p:tag name="KSO_WM_UNIT_DIAGRAM_ISREFERUNIT" val="0"/>
+  <p:tag name="KSO_WM_UNIT_ID" val="_10**"/>
+  <p:tag name="KSO_WM_UNIT_LAYERLEVEL" val="1"/>
+  <p:tag name="KSO_WM_TAG_VERSION" val="1.0"/>
+  <p:tag name="KSO_WM_BEAUTIFY_FLAG" val="#wm#"/>
+</p:tagLst>
+</file>
+
+<file path=ppt/tags/tag124.xml><?xml version="1.0" encoding="utf-8"?>
+<p:tagLst xmlns:a="http://schemas.openxmlformats.org/drawingml/2006/main" xmlns:r="http://schemas.openxmlformats.org/officeDocument/2006/relationships" xmlns:p="http://schemas.openxmlformats.org/presentationml/2006/main">
+  <p:tag name="KSO_WM_UNIT_HIGHLIGHT" val="0"/>
+  <p:tag name="KSO_WM_UNIT_COMPATIBLE" val="0"/>
+  <p:tag name="KSO_WM_UNIT_DIAGRAM_ISNUMVISUAL" val="0"/>
+  <p:tag name="KSO_WM_UNIT_DIAGRAM_ISREFERUNIT" val="0"/>
+  <p:tag name="KSO_WM_UNIT_ID" val="_10**"/>
+  <p:tag name="KSO_WM_UNIT_LAYERLEVEL" val="1"/>
+  <p:tag name="KSO_WM_TAG_VERSION" val="1.0"/>
+  <p:tag name="KSO_WM_BEAUTIFY_FLAG" val="#wm#"/>
+</p:tagLst>
+</file>
+
+<file path=ppt/tags/tag125.xml><?xml version="1.0" encoding="utf-8"?>
+<p:tagLst xmlns:a="http://schemas.openxmlformats.org/drawingml/2006/main" xmlns:r="http://schemas.openxmlformats.org/officeDocument/2006/relationships" xmlns:p="http://schemas.openxmlformats.org/presentationml/2006/main">
+  <p:tag name="KSO_WM_UNIT_HIGHLIGHT" val="0"/>
+  <p:tag name="KSO_WM_UNIT_COMPATIBLE" val="0"/>
+  <p:tag name="KSO_WM_UNIT_DIAGRAM_ISNUMVISUAL" val="0"/>
+  <p:tag name="KSO_WM_UNIT_DIAGRAM_ISREFERUNIT" val="0"/>
+  <p:tag name="KSO_WM_UNIT_ID" val="_10**"/>
+  <p:tag name="KSO_WM_UNIT_LAYERLEVEL" val="1"/>
+  <p:tag name="KSO_WM_TAG_VERSION" val="1.0"/>
+  <p:tag name="KSO_WM_BEAUTIFY_FLAG" val="#wm#"/>
+</p:tagLst>
+</file>
+
+<file path=ppt/tags/tag126.xml><?xml version="1.0" encoding="utf-8"?>
+<p:tagLst xmlns:a="http://schemas.openxmlformats.org/drawingml/2006/main" xmlns:r="http://schemas.openxmlformats.org/officeDocument/2006/relationships" xmlns:p="http://schemas.openxmlformats.org/presentationml/2006/main">
+  <p:tag name="KSO_WM_UNIT_HIGHLIGHT" val="0"/>
+  <p:tag name="KSO_WM_UNIT_COMPATIBLE" val="0"/>
+  <p:tag name="KSO_WM_UNIT_DIAGRAM_ISNUMVISUAL" val="0"/>
+  <p:tag name="KSO_WM_UNIT_DIAGRAM_ISREFERUNIT" val="0"/>
+  <p:tag name="KSO_WM_UNIT_ID" val="_11**"/>
+  <p:tag name="KSO_WM_UNIT_LAYERLEVEL" val="1"/>
+  <p:tag name="KSO_WM_TAG_VERSION" val="1.0"/>
+  <p:tag name="KSO_WM_BEAUTIFY_FLAG" val="#wm#"/>
+</p:tagLst>
+</file>
+
+<file path=ppt/tags/tag127.xml><?xml version="1.0" encoding="utf-8"?>
+<p:tagLst xmlns:a="http://schemas.openxmlformats.org/drawingml/2006/main" xmlns:r="http://schemas.openxmlformats.org/officeDocument/2006/relationships" xmlns:p="http://schemas.openxmlformats.org/presentationml/2006/main">
+  <p:tag name="KSO_WM_UNIT_HIGHLIGHT" val="0"/>
+  <p:tag name="KSO_WM_UNIT_COMPATIBLE" val="0"/>
+  <p:tag name="KSO_WM_UNIT_DIAGRAM_ISNUMVISUAL" val="0"/>
+  <p:tag name="KSO_WM_UNIT_DIAGRAM_ISREFERUNIT" val="0"/>
+  <p:tag name="KSO_WM_UNIT_ID" val="_11**"/>
+  <p:tag name="KSO_WM_UNIT_LAYERLEVEL" val="1"/>
+  <p:tag name="KSO_WM_TAG_VERSION" val="1.0"/>
+  <p:tag name="KSO_WM_BEAUTIFY_FLAG" val="#wm#"/>
+</p:tagLst>
+</file>
+
+<file path=ppt/tags/tag128.xml><?xml version="1.0" encoding="utf-8"?>
+<p:tagLst xmlns:a="http://schemas.openxmlformats.org/drawingml/2006/main" xmlns:r="http://schemas.openxmlformats.org/officeDocument/2006/relationships" xmlns:p="http://schemas.openxmlformats.org/presentationml/2006/main">
+  <p:tag name="KSO_WM_UNIT_HIGHLIGHT" val="0"/>
+  <p:tag name="KSO_WM_UNIT_COMPATIBLE" val="0"/>
+  <p:tag name="KSO_WM_UNIT_DIAGRAM_ISNUMVISUAL" val="0"/>
+  <p:tag name="KSO_WM_UNIT_DIAGRAM_ISREFERUNIT" val="0"/>
+  <p:tag name="KSO_WM_UNIT_ID" val="_11**"/>
+  <p:tag name="KSO_WM_UNIT_LAYERLEVEL" val="1"/>
+  <p:tag name="KSO_WM_TAG_VERSION" val="1.0"/>
+  <p:tag name="KSO_WM_BEAUTIFY_FLAG" val="#wm#"/>
+</p:tagLst>
+</file>
+
+<file path=ppt/tags/tag129.xml><?xml version="1.0" encoding="utf-8"?>
+<p:tagLst xmlns:a="http://schemas.openxmlformats.org/drawingml/2006/main" xmlns:r="http://schemas.openxmlformats.org/officeDocument/2006/relationships" xmlns:p="http://schemas.openxmlformats.org/presentationml/2006/main">
+  <p:tag name="KSO_WM_UNIT_HIGHLIGHT" val="0"/>
+  <p:tag name="KSO_WM_UNIT_COMPATIBLE" val="0"/>
+  <p:tag name="KSO_WM_UNIT_DIAGRAM_ISNUMVISUAL" val="0"/>
+  <p:tag name="KSO_WM_UNIT_DIAGRAM_ISREFERUNIT" val="0"/>
+  <p:tag name="KSO_WM_UNIT_ID" val="_11**"/>
+  <p:tag name="KSO_WM_UNIT_LAYERLEVEL" val="1"/>
+  <p:tag name="KSO_WM_TAG_VERSION" val="1.0"/>
+  <p:tag name="KSO_WM_BEAUTIFY_FLAG" val="#wm#"/>
+</p:tagLst>
+</file>
+
+<file path=ppt/tags/tag13.xml><?xml version="1.0" encoding="utf-8"?>
+<p:tagLst xmlns:a="http://schemas.openxmlformats.org/drawingml/2006/main" xmlns:r="http://schemas.openxmlformats.org/officeDocument/2006/relationships" xmlns:p="http://schemas.openxmlformats.org/presentationml/2006/main">
+  <p:tag name="KSO_WM_UNIT_HIGHLIGHT" val="0"/>
+  <p:tag name="KSO_WM_UNIT_COMPATIBLE" val="0"/>
+  <p:tag name="KSO_WM_UNIT_DIAGRAM_ISNUMVISUAL" val="0"/>
+  <p:tag name="KSO_WM_UNIT_DIAGRAM_ISREFERUNIT" val="0"/>
+  <p:tag name="KSO_WM_UNIT_ID" val="_1**"/>
+  <p:tag name="KSO_WM_UNIT_LAYERLEVEL" val="1"/>
+  <p:tag name="KSO_WM_TAG_VERSION" val="1.0"/>
+  <p:tag name="KSO_WM_BEAUTIFY_FLAG" val="#wm#"/>
+</p:tagLst>
+</file>
+
+<file path=ppt/tags/tag130.xml><?xml version="1.0" encoding="utf-8"?>
+<p:tagLst xmlns:a="http://schemas.openxmlformats.org/drawingml/2006/main" xmlns:r="http://schemas.openxmlformats.org/officeDocument/2006/relationships" xmlns:p="http://schemas.openxmlformats.org/presentationml/2006/main">
+  <p:tag name="KSO_WM_UNIT_HIGHLIGHT" val="0"/>
+  <p:tag name="KSO_WM_UNIT_COMPATIBLE" val="0"/>
+  <p:tag name="KSO_WM_UNIT_DIAGRAM_ISNUMVISUAL" val="0"/>
+  <p:tag name="KSO_WM_UNIT_DIAGRAM_ISREFERUNIT" val="0"/>
+  <p:tag name="KSO_WM_UNIT_ID" val="_11**"/>
+  <p:tag name="KSO_WM_UNIT_LAYERLEVEL" val="1"/>
+  <p:tag name="KSO_WM_TAG_VERSION" val="1.0"/>
+  <p:tag name="KSO_WM_BEAUTIFY_FLAG" val="#wm#"/>
+</p:tagLst>
+</file>
+
+<file path=ppt/tags/tag131.xml><?xml version="1.0" encoding="utf-8"?>
+<p:tagLst xmlns:a="http://schemas.openxmlformats.org/drawingml/2006/main" xmlns:r="http://schemas.openxmlformats.org/officeDocument/2006/relationships" xmlns:p="http://schemas.openxmlformats.org/presentationml/2006/main">
+  <p:tag name="KSO_WM_UNIT_HIGHLIGHT" val="0"/>
+  <p:tag name="KSO_WM_UNIT_COMPATIBLE" val="0"/>
+  <p:tag name="KSO_WM_UNIT_DIAGRAM_ISNUMVISUAL" val="0"/>
+  <p:tag name="KSO_WM_UNIT_DIAGRAM_ISREFERUNIT" val="0"/>
+  <p:tag name="KSO_WM_UNIT_ID" val="_11**"/>
+  <p:tag name="KSO_WM_UNIT_LAYERLEVEL" val="1"/>
+  <p:tag name="KSO_WM_TAG_VERSION" val="1.0"/>
+  <p:tag name="KSO_WM_BEAUTIFY_FLAG" val="#wm#"/>
+</p:tagLst>
+</file>
+
+<file path=ppt/tags/tag132.xml><?xml version="1.0" encoding="utf-8"?>
+<p:tagLst xmlns:a="http://schemas.openxmlformats.org/drawingml/2006/main" xmlns:r="http://schemas.openxmlformats.org/officeDocument/2006/relationships" xmlns:p="http://schemas.openxmlformats.org/presentationml/2006/main">
+  <p:tag name="KSO_WM_UNIT_HIGHLIGHT" val="0"/>
+  <p:tag name="KSO_WM_UNIT_COMPATIBLE" val="0"/>
+  <p:tag name="KSO_WM_UNIT_DIAGRAM_ISNUMVISUAL" val="0"/>
+  <p:tag name="KSO_WM_UNIT_DIAGRAM_ISREFERUNIT" val="0"/>
+  <p:tag name="KSO_WM_UNIT_ID" val="_11**"/>
+  <p:tag name="KSO_WM_UNIT_LAYERLEVEL" val="1"/>
+  <p:tag name="KSO_WM_TAG_VERSION" val="1.0"/>
+  <p:tag name="KSO_WM_BEAUTIFY_FLAG" val="#wm#"/>
+</p:tagLst>
+</file>
+
+<file path=ppt/tags/tag133.xml><?xml version="1.0" encoding="utf-8"?>
+<p:tagLst xmlns:a="http://schemas.openxmlformats.org/drawingml/2006/main" xmlns:r="http://schemas.openxmlformats.org/officeDocument/2006/relationships" xmlns:p="http://schemas.openxmlformats.org/presentationml/2006/main">
+  <p:tag name="KSO_WM_UNIT_HIGHLIGHT" val="0"/>
+  <p:tag name="KSO_WM_UNIT_COMPATIBLE" val="0"/>
+  <p:tag name="KSO_WM_UNIT_DIAGRAM_ISNUMVISUAL" val="0"/>
+  <p:tag name="KSO_WM_UNIT_DIAGRAM_ISREFERUNIT" val="0"/>
+  <p:tag name="KSO_WM_UNIT_ID" val="_11**"/>
+  <p:tag name="KSO_WM_UNIT_LAYERLEVEL" val="1"/>
+  <p:tag name="KSO_WM_TAG_VERSION" val="1.0"/>
+  <p:tag name="KSO_WM_BEAUTIFY_FLAG" val="#wm#"/>
+</p:tagLst>
+</file>
+
+<file path=ppt/tags/tag134.xml><?xml version="1.0" encoding="utf-8"?>
+<p:tagLst xmlns:a="http://schemas.openxmlformats.org/drawingml/2006/main" xmlns:r="http://schemas.openxmlformats.org/officeDocument/2006/relationships" xmlns:p="http://schemas.openxmlformats.org/presentationml/2006/main">
+  <p:tag name="KSO_WM_UNIT_HIGHLIGHT" val="0"/>
+  <p:tag name="KSO_WM_UNIT_COMPATIBLE" val="0"/>
+  <p:tag name="KSO_WM_UNIT_DIAGRAM_ISNUMVISUAL" val="0"/>
+  <p:tag name="KSO_WM_UNIT_DIAGRAM_ISREFERUNIT" val="0"/>
+  <p:tag name="KSO_WM_UNIT_ID" val="_11**"/>
+  <p:tag name="KSO_WM_UNIT_LAYERLEVEL" val="1"/>
+  <p:tag name="KSO_WM_TAG_VERSION" val="1.0"/>
+  <p:tag name="KSO_WM_BEAUTIFY_FLAG" val="#wm#"/>
+</p:tagLst>
+</file>
+
+<file path=ppt/tags/tag135.xml><?xml version="1.0" encoding="utf-8"?>
+<p:tagLst xmlns:a="http://schemas.openxmlformats.org/drawingml/2006/main" xmlns:r="http://schemas.openxmlformats.org/officeDocument/2006/relationships" xmlns:p="http://schemas.openxmlformats.org/presentationml/2006/main">
+  <p:tag name="KSO_WM_UNIT_HIGHLIGHT" val="0"/>
+  <p:tag name="KSO_WM_UNIT_COMPATIBLE" val="0"/>
+  <p:tag name="KSO_WM_UNIT_DIAGRAM_ISNUMVISUAL" val="0"/>
+  <p:tag name="KSO_WM_UNIT_DIAGRAM_ISREFERUNIT" val="0"/>
+  <p:tag name="KSO_WM_UNIT_ID" val="_11**"/>
+  <p:tag name="KSO_WM_UNIT_LAYERLEVEL" val="1"/>
+  <p:tag name="KSO_WM_TAG_VERSION" val="1.0"/>
+  <p:tag name="KSO_WM_BEAUTIFY_FLAG" val="#wm#"/>
+</p:tagLst>
+</file>
+
+<file path=ppt/tags/tag136.xml><?xml version="1.0" encoding="utf-8"?>
+<p:tagLst xmlns:a="http://schemas.openxmlformats.org/drawingml/2006/main" xmlns:r="http://schemas.openxmlformats.org/officeDocument/2006/relationships" xmlns:p="http://schemas.openxmlformats.org/presentationml/2006/main">
+  <p:tag name="KSO_WM_UNIT_HIGHLIGHT" val="0"/>
+  <p:tag name="KSO_WM_UNIT_COMPATIBLE" val="0"/>
+  <p:tag name="KSO_WM_UNIT_DIAGRAM_ISNUMVISUAL" val="0"/>
+  <p:tag name="KSO_WM_UNIT_DIAGRAM_ISREFERUNIT" val="0"/>
+  <p:tag name="KSO_WM_UNIT_ID" val="_11**"/>
+  <p:tag name="KSO_WM_UNIT_LAYERLEVEL" val="1"/>
+  <p:tag name="KSO_WM_TAG_VERSION" val="1.0"/>
+  <p:tag name="KSO_WM_BEAUTIFY_FLAG" val="#wm#"/>
+</p:tagLst>
+</file>
+
+<file path=ppt/tags/tag137.xml><?xml version="1.0" encoding="utf-8"?>
+<p:tagLst xmlns:a="http://schemas.openxmlformats.org/drawingml/2006/main" xmlns:r="http://schemas.openxmlformats.org/officeDocument/2006/relationships" xmlns:p="http://schemas.openxmlformats.org/presentationml/2006/main">
+  <p:tag name="KSO_WM_UNIT_HIGHLIGHT" val="0"/>
+  <p:tag name="KSO_WM_UNIT_COMPATIBLE" val="0"/>
+  <p:tag name="KSO_WM_UNIT_DIAGRAM_ISNUMVISUAL" val="0"/>
+  <p:tag name="KSO_WM_UNIT_DIAGRAM_ISREFERUNIT" val="0"/>
+  <p:tag name="KSO_WM_UNIT_ID" val="_11**"/>
+  <p:tag name="KSO_WM_UNIT_LAYERLEVEL" val="1"/>
+  <p:tag name="KSO_WM_TAG_VERSION" val="1.0"/>
+  <p:tag name="KSO_WM_BEAUTIFY_FLAG" val="#wm#"/>
+</p:tagLst>
+</file>
+
+<file path=ppt/tags/tag138.xml><?xml version="1.0" encoding="utf-8"?>
+<p:tagLst xmlns:a="http://schemas.openxmlformats.org/drawingml/2006/main" xmlns:r="http://schemas.openxmlformats.org/officeDocument/2006/relationships" xmlns:p="http://schemas.openxmlformats.org/presentationml/2006/main">
+  <p:tag name="KSO_WM_UNIT_HIGHLIGHT" val="0"/>
+  <p:tag name="KSO_WM_UNIT_COMPATIBLE" val="0"/>
+  <p:tag name="KSO_WM_UNIT_DIAGRAM_ISNUMVISUAL" val="0"/>
+  <p:tag name="KSO_WM_UNIT_DIAGRAM_ISREFERUNIT" val="0"/>
+  <p:tag name="KSO_WM_UNIT_ID" val="_11**"/>
+  <p:tag name="KSO_WM_UNIT_LAYERLEVEL" val="1"/>
+  <p:tag name="KSO_WM_TAG_VERSION" val="1.0"/>
+  <p:tag name="KSO_WM_BEAUTIFY_FLAG" val="#wm#"/>
+</p:tagLst>
+</file>
+
+<file path=ppt/tags/tag139.xml><?xml version="1.0" encoding="utf-8"?>
+<p:tagLst xmlns:a="http://schemas.openxmlformats.org/drawingml/2006/main" xmlns:r="http://schemas.openxmlformats.org/officeDocument/2006/relationships" xmlns:p="http://schemas.openxmlformats.org/presentationml/2006/main">
+  <p:tag name="KSO_WM_UNIT_HIGHLIGHT" val="0"/>
+  <p:tag name="KSO_WM_UNIT_COMPATIBLE" val="0"/>
+  <p:tag name="KSO_WM_UNIT_DIAGRAM_ISNUMVISUAL" val="0"/>
+  <p:tag name="KSO_WM_UNIT_DIAGRAM_ISREFERUNIT" val="0"/>
+  <p:tag name="KSO_WM_UNIT_ID" val="_11**"/>
+  <p:tag name="KSO_WM_UNIT_LAYERLEVEL" val="1"/>
+  <p:tag name="KSO_WM_TAG_VERSION" val="1.0"/>
+  <p:tag name="KSO_WM_BEAUTIFY_FLAG" val="#wm#"/>
+</p:tagLst>
+</file>
+
+<file path=ppt/tags/tag14.xml><?xml version="1.0" encoding="utf-8"?>
+<p:tagLst xmlns:a="http://schemas.openxmlformats.org/drawingml/2006/main" xmlns:r="http://schemas.openxmlformats.org/officeDocument/2006/relationships" xmlns:p="http://schemas.openxmlformats.org/presentationml/2006/main">
+  <p:tag name="KSO_WM_UNIT_HIGHLIGHT" val="0"/>
+  <p:tag name="KSO_WM_UNIT_COMPATIBLE" val="0"/>
+  <p:tag name="KSO_WM_UNIT_DIAGRAM_ISNUMVISUAL" val="0"/>
+  <p:tag name="KSO_WM_UNIT_DIAGRAM_ISREFERUNIT" val="0"/>
+  <p:tag name="KSO_WM_UNIT_ID" val="_1**"/>
+  <p:tag name="KSO_WM_UNIT_LAYERLEVEL" val="1"/>
+  <p:tag name="KSO_WM_TAG_VERSION" val="1.0"/>
+  <p:tag name="KSO_WM_BEAUTIFY_FLAG" val="#wm#"/>
+</p:tagLst>
+</file>
+
+<file path=ppt/tags/tag140.xml><?xml version="1.0" encoding="utf-8"?>
+<p:tagLst xmlns:a="http://schemas.openxmlformats.org/drawingml/2006/main" xmlns:r="http://schemas.openxmlformats.org/officeDocument/2006/relationships" xmlns:p="http://schemas.openxmlformats.org/presentationml/2006/main">
+  <p:tag name="KSO_WM_UNIT_HIGHLIGHT" val="0"/>
+  <p:tag name="KSO_WM_UNIT_COMPATIBLE" val="0"/>
+  <p:tag name="KSO_WM_UNIT_DIAGRAM_ISNUMVISUAL" val="0"/>
+  <p:tag name="KSO_WM_UNIT_DIAGRAM_ISREFERUNIT" val="0"/>
+  <p:tag name="KSO_WM_UNIT_ID" val="_11**"/>
+  <p:tag name="KSO_WM_UNIT_LAYERLEVEL" val="1"/>
+  <p:tag name="KSO_WM_TAG_VERSION" val="1.0"/>
+  <p:tag name="KSO_WM_BEAUTIFY_FLAG" val="#wm#"/>
+</p:tagLst>
+</file>
+
+<file path=ppt/tags/tag141.xml><?xml version="1.0" encoding="utf-8"?>
+<p:tagLst xmlns:a="http://schemas.openxmlformats.org/drawingml/2006/main" xmlns:r="http://schemas.openxmlformats.org/officeDocument/2006/relationships" xmlns:p="http://schemas.openxmlformats.org/presentationml/2006/main">
+  <p:tag name="KSO_WM_UNIT_HIGHLIGHT" val="0"/>
+  <p:tag name="KSO_WM_UNIT_COMPATIBLE" val="0"/>
+  <p:tag name="KSO_WM_UNIT_DIAGRAM_ISNUMVISUAL" val="0"/>
+  <p:tag name="KSO_WM_UNIT_DIAGRAM_ISREFERUNIT" val="0"/>
+  <p:tag name="KSO_WM_UNIT_ID" val="_11**"/>
+  <p:tag name="KSO_WM_UNIT_LAYERLEVEL" val="1"/>
+  <p:tag name="KSO_WM_TAG_VERSION" val="1.0"/>
+  <p:tag name="KSO_WM_BEAUTIFY_FLAG" val="#wm#"/>
+</p:tagLst>
+</file>
+
+<file path=ppt/tags/tag142.xml><?xml version="1.0" encoding="utf-8"?>
+<p:tagLst xmlns:a="http://schemas.openxmlformats.org/drawingml/2006/main" xmlns:r="http://schemas.openxmlformats.org/officeDocument/2006/relationships" xmlns:p="http://schemas.openxmlformats.org/presentationml/2006/main">
+  <p:tag name="KSO_WM_UNIT_HIGHLIGHT" val="0"/>
+  <p:tag name="KSO_WM_UNIT_COMPATIBLE" val="0"/>
+  <p:tag name="KSO_WM_UNIT_DIAGRAM_ISNUMVISUAL" val="0"/>
+  <p:tag name="KSO_WM_UNIT_DIAGRAM_ISREFERUNIT" val="0"/>
+  <p:tag name="KSO_WM_UNIT_ID" val="_11**"/>
+  <p:tag name="KSO_WM_UNIT_LAYERLEVEL" val="1"/>
+  <p:tag name="KSO_WM_TAG_VERSION" val="1.0"/>
+  <p:tag name="KSO_WM_BEAUTIFY_FLAG" val="#wm#"/>
+</p:tagLst>
+</file>
+
+<file path=ppt/tags/tag143.xml><?xml version="1.0" encoding="utf-8"?>
+<p:tagLst xmlns:a="http://schemas.openxmlformats.org/drawingml/2006/main" xmlns:r="http://schemas.openxmlformats.org/officeDocument/2006/relationships" xmlns:p="http://schemas.openxmlformats.org/presentationml/2006/main">
+  <p:tag name="KSO_WM_UNIT_HIGHLIGHT" val="0"/>
+  <p:tag name="KSO_WM_UNIT_COMPATIBLE" val="0"/>
+  <p:tag name="KSO_WM_UNIT_DIAGRAM_ISNUMVISUAL" val="0"/>
+  <p:tag name="KSO_WM_UNIT_DIAGRAM_ISREFERUNIT" val="0"/>
+  <p:tag name="KSO_WM_UNIT_ID" val="_11**"/>
+  <p:tag name="KSO_WM_UNIT_LAYERLEVEL" val="1"/>
+  <p:tag name="KSO_WM_TAG_VERSION" val="1.0"/>
+  <p:tag name="KSO_WM_BEAUTIFY_FLAG" val="#wm#"/>
+</p:tagLst>
+</file>
+
+<file path=ppt/tags/tag144.xml><?xml version="1.0" encoding="utf-8"?>
+<p:tagLst xmlns:a="http://schemas.openxmlformats.org/drawingml/2006/main" xmlns:r="http://schemas.openxmlformats.org/officeDocument/2006/relationships" xmlns:p="http://schemas.openxmlformats.org/presentationml/2006/main">
+  <p:tag name="KSO_WM_UNIT_HIGHLIGHT" val="0"/>
+  <p:tag name="KSO_WM_UNIT_COMPATIBLE" val="0"/>
+  <p:tag name="KSO_WM_UNIT_DIAGRAM_ISNUMVISUAL" val="0"/>
+  <p:tag name="KSO_WM_UNIT_DIAGRAM_ISREFERUNIT" val="0"/>
+  <p:tag name="KSO_WM_UNIT_ID" val="_11**"/>
+  <p:tag name="KSO_WM_UNIT_LAYERLEVEL" val="1"/>
+  <p:tag name="KSO_WM_TAG_VERSION" val="1.0"/>
+  <p:tag name="KSO_WM_BEAUTIFY_FLAG" val="#wm#"/>
+</p:tagLst>
+</file>
+
+<file path=ppt/tags/tag145.xml><?xml version="1.0" encoding="utf-8"?>
+<p:tagLst xmlns:a="http://schemas.openxmlformats.org/drawingml/2006/main" xmlns:r="http://schemas.openxmlformats.org/officeDocument/2006/relationships" xmlns:p="http://schemas.openxmlformats.org/presentationml/2006/main">
+  <p:tag name="KSO_WM_UNIT_HIGHLIGHT" val="0"/>
+  <p:tag name="KSO_WM_UNIT_COMPATIBLE" val="0"/>
+  <p:tag name="KSO_WM_UNIT_DIAGRAM_ISNUMVISUAL" val="0"/>
+  <p:tag name="KSO_WM_UNIT_DIAGRAM_ISREFERUNIT" val="0"/>
+  <p:tag name="KSO_WM_UNIT_ID" val="_11**"/>
+  <p:tag name="KSO_WM_UNIT_LAYERLEVEL" val="1"/>
+  <p:tag name="KSO_WM_TAG_VERSION" val="1.0"/>
+  <p:tag name="KSO_WM_BEAUTIFY_FLAG" val="#wm#"/>
+</p:tagLst>
+</file>
+
+<file path=ppt/tags/tag146.xml><?xml version="1.0" encoding="utf-8"?>
+<p:tagLst xmlns:a="http://schemas.openxmlformats.org/drawingml/2006/main" xmlns:r="http://schemas.openxmlformats.org/officeDocument/2006/relationships" xmlns:p="http://schemas.openxmlformats.org/presentationml/2006/main">
+  <p:tag name="KSO_WM_UNIT_HIGHLIGHT" val="0"/>
+  <p:tag name="KSO_WM_UNIT_COMPATIBLE" val="0"/>
+  <p:tag name="KSO_WM_UNIT_DIAGRAM_ISNUMVISUAL" val="0"/>
+  <p:tag name="KSO_WM_UNIT_DIAGRAM_ISREFERUNIT" val="0"/>
+  <p:tag name="KSO_WM_UNIT_ID" val="_11**"/>
+  <p:tag name="KSO_WM_UNIT_LAYERLEVEL" val="1"/>
+  <p:tag name="KSO_WM_TAG_VERSION" val="1.0"/>
+  <p:tag name="KSO_WM_BEAUTIFY_FLAG" val="#wm#"/>
+</p:tagLst>
+</file>
+
+<file path=ppt/tags/tag147.xml><?xml version="1.0" encoding="utf-8"?>
+<p:tagLst xmlns:a="http://schemas.openxmlformats.org/drawingml/2006/main" xmlns:r="http://schemas.openxmlformats.org/officeDocument/2006/relationships" xmlns:p="http://schemas.openxmlformats.org/presentationml/2006/main">
+  <p:tag name="KSO_WM_UNIT_HIGHLIGHT" val="0"/>
+  <p:tag name="KSO_WM_UNIT_COMPATIBLE" val="0"/>
+  <p:tag name="KSO_WM_UNIT_DIAGRAM_ISNUMVISUAL" val="0"/>
+  <p:tag name="KSO_WM_UNIT_DIAGRAM_ISREFERUNIT" val="0"/>
+  <p:tag name="KSO_WM_UNIT_ID" val="_11**"/>
+  <p:tag name="KSO_WM_UNIT_LAYERLEVEL" val="1"/>
+  <p:tag name="KSO_WM_TAG_VERSION" val="1.0"/>
+  <p:tag name="KSO_WM_BEAUTIFY_FLAG" val="#wm#"/>
+</p:tagLst>
+</file>
+
+<file path=ppt/tags/tag148.xml><?xml version="1.0" encoding="utf-8"?>
+<p:tagLst xmlns:a="http://schemas.openxmlformats.org/drawingml/2006/main" xmlns:r="http://schemas.openxmlformats.org/officeDocument/2006/relationships" xmlns:p="http://schemas.openxmlformats.org/presentationml/2006/main">
+  <p:tag name="KSO_WM_UNIT_HIGHLIGHT" val="0"/>
+  <p:tag name="KSO_WM_UNIT_COMPATIBLE" val="0"/>
+  <p:tag name="KSO_WM_UNIT_DIAGRAM_ISNUMVISUAL" val="0"/>
+  <p:tag name="KSO_WM_UNIT_DIAGRAM_ISREFERUNIT" val="0"/>
+  <p:tag name="KSO_WM_UNIT_ID" val="_11**"/>
+  <p:tag name="KSO_WM_UNIT_LAYERLEVEL" val="1"/>
+  <p:tag name="KSO_WM_TAG_VERSION" val="1.0"/>
+  <p:tag name="KSO_WM_BEAUTIFY_FLAG" val="#wm#"/>
+</p:tagLst>
+</file>
+
+<file path=ppt/tags/tag149.xml><?xml version="1.0" encoding="utf-8"?>
+<p:tagLst xmlns:a="http://schemas.openxmlformats.org/drawingml/2006/main" xmlns:r="http://schemas.openxmlformats.org/officeDocument/2006/relationships" xmlns:p="http://schemas.openxmlformats.org/presentationml/2006/main">
+  <p:tag name="KSO_WM_UNIT_HIGHLIGHT" val="0"/>
+  <p:tag name="KSO_WM_UNIT_COMPATIBLE" val="0"/>
+  <p:tag name="KSO_WM_UNIT_DIAGRAM_ISNUMVISUAL" val="0"/>
+  <p:tag name="KSO_WM_UNIT_DIAGRAM_ISREFERUNIT" val="0"/>
+  <p:tag name="KSO_WM_UNIT_ID" val="_11**"/>
+  <p:tag name="KSO_WM_UNIT_LAYERLEVEL" val="1"/>
+  <p:tag name="KSO_WM_TAG_VERSION" val="1.0"/>
+  <p:tag name="KSO_WM_BEAUTIFY_FLAG" val="#wm#"/>
+</p:tagLst>
+</file>
+
+<file path=ppt/tags/tag15.xml><?xml version="1.0" encoding="utf-8"?>
+<p:tagLst xmlns:a="http://schemas.openxmlformats.org/drawingml/2006/main" xmlns:r="http://schemas.openxmlformats.org/officeDocument/2006/relationships" xmlns:p="http://schemas.openxmlformats.org/presentationml/2006/main">
+  <p:tag name="KSO_WM_UNIT_HIGHLIGHT" val="0"/>
+  <p:tag name="KSO_WM_UNIT_COMPATIBLE" val="0"/>
+  <p:tag name="KSO_WM_UNIT_DIAGRAM_ISNUMVISUAL" val="0"/>
+  <p:tag name="KSO_WM_UNIT_DIAGRAM_ISREFERUNIT" val="0"/>
+  <p:tag name="KSO_WM_UNIT_ID" val="_1**"/>
+  <p:tag name="KSO_WM_UNIT_LAYERLEVEL" val="1"/>
+  <p:tag name="KSO_WM_TAG_VERSION" val="1.0"/>
+  <p:tag name="KSO_WM_BEAUTIFY_FLAG" val="#wm#"/>
+</p:tagLst>
+</file>
+
+<file path=ppt/tags/tag150.xml><?xml version="1.0" encoding="utf-8"?>
+<p:tagLst xmlns:a="http://schemas.openxmlformats.org/drawingml/2006/main" xmlns:r="http://schemas.openxmlformats.org/officeDocument/2006/relationships" xmlns:p="http://schemas.openxmlformats.org/presentationml/2006/main">
+  <p:tag name="KSO_WM_UNIT_HIGHLIGHT" val="0"/>
+  <p:tag name="KSO_WM_UNIT_COMPATIBLE" val="0"/>
+  <p:tag name="KSO_WM_UNIT_DIAGRAM_ISNUMVISUAL" val="0"/>
+  <p:tag name="KSO_WM_UNIT_DIAGRAM_ISREFERUNIT" val="0"/>
+  <p:tag name="KSO_WM_UNIT_ID" val="_11**"/>
+  <p:tag name="KSO_WM_UNIT_LAYERLEVEL" val="1"/>
+  <p:tag name="KSO_WM_TAG_VERSION" val="1.0"/>
+  <p:tag name="KSO_WM_BEAUTIFY_FLAG" val="#wm#"/>
+</p:tagLst>
+</file>
+
+<file path=ppt/tags/tag151.xml><?xml version="1.0" encoding="utf-8"?>
+<p:tagLst xmlns:a="http://schemas.openxmlformats.org/drawingml/2006/main" xmlns:r="http://schemas.openxmlformats.org/officeDocument/2006/relationships" xmlns:p="http://schemas.openxmlformats.org/presentationml/2006/main">
+  <p:tag name="KSO_WM_UNIT_HIGHLIGHT" val="0"/>
+  <p:tag name="KSO_WM_UNIT_COMPATIBLE" val="0"/>
+  <p:tag name="KSO_WM_UNIT_DIAGRAM_ISNUMVISUAL" val="0"/>
+  <p:tag name="KSO_WM_UNIT_DIAGRAM_ISREFERUNIT" val="0"/>
+  <p:tag name="KSO_WM_UNIT_ID" val="_11**"/>
+  <p:tag name="KSO_WM_UNIT_LAYERLEVEL" val="1"/>
+  <p:tag name="KSO_WM_TAG_VERSION" val="1.0"/>
+  <p:tag name="KSO_WM_BEAUTIFY_FLAG" val="#wm#"/>
+</p:tagLst>
+</file>
+
+<file path=ppt/tags/tag152.xml><?xml version="1.0" encoding="utf-8"?>
+<p:tagLst xmlns:a="http://schemas.openxmlformats.org/drawingml/2006/main" xmlns:r="http://schemas.openxmlformats.org/officeDocument/2006/relationships" xmlns:p="http://schemas.openxmlformats.org/presentationml/2006/main">
+  <p:tag name="KSO_WM_UNIT_HIGHLIGHT" val="0"/>
+  <p:tag name="KSO_WM_UNIT_COMPATIBLE" val="0"/>
+  <p:tag name="KSO_WM_UNIT_DIAGRAM_ISNUMVISUAL" val="0"/>
+  <p:tag name="KSO_WM_UNIT_DIAGRAM_ISREFERUNIT" val="0"/>
+  <p:tag name="KSO_WM_UNIT_ID" val="_11**"/>
+  <p:tag name="KSO_WM_UNIT_LAYERLEVEL" val="1"/>
+  <p:tag name="KSO_WM_TAG_VERSION" val="1.0"/>
+  <p:tag name="KSO_WM_BEAUTIFY_FLAG" val="#wm#"/>
+</p:tagLst>
+</file>
+
+<file path=ppt/tags/tag153.xml><?xml version="1.0" encoding="utf-8"?>
+<p:tagLst xmlns:a="http://schemas.openxmlformats.org/drawingml/2006/main" xmlns:r="http://schemas.openxmlformats.org/officeDocument/2006/relationships" xmlns:p="http://schemas.openxmlformats.org/presentationml/2006/main">
+  <p:tag name="KSO_WM_UNIT_HIGHLIGHT" val="0"/>
+  <p:tag name="KSO_WM_UNIT_COMPATIBLE" val="0"/>
+  <p:tag name="KSO_WM_UNIT_DIAGRAM_ISNUMVISUAL" val="0"/>
+  <p:tag name="KSO_WM_UNIT_DIAGRAM_ISREFERUNIT" val="0"/>
+  <p:tag name="KSO_WM_UNIT_ID" val="_11**"/>
+  <p:tag name="KSO_WM_UNIT_LAYERLEVEL" val="1"/>
+  <p:tag name="KSO_WM_TAG_VERSION" val="1.0"/>
+  <p:tag name="KSO_WM_BEAUTIFY_FLAG" val="#wm#"/>
+</p:tagLst>
+</file>
+
+<file path=ppt/tags/tag154.xml><?xml version="1.0" encoding="utf-8"?>
+<p:tagLst xmlns:a="http://schemas.openxmlformats.org/drawingml/2006/main" xmlns:r="http://schemas.openxmlformats.org/officeDocument/2006/relationships" xmlns:p="http://schemas.openxmlformats.org/presentationml/2006/main">
+  <p:tag name="KSO_WM_UNIT_HIGHLIGHT" val="0"/>
+  <p:tag name="KSO_WM_UNIT_COMPATIBLE" val="0"/>
+  <p:tag name="KSO_WM_UNIT_DIAGRAM_ISNUMVISUAL" val="0"/>
+  <p:tag name="KSO_WM_UNIT_DIAGRAM_ISREFERUNIT" val="0"/>
+  <p:tag name="KSO_WM_UNIT_ID" val="_11**"/>
+  <p:tag name="KSO_WM_UNIT_LAYERLEVEL" val="1"/>
+  <p:tag name="KSO_WM_TAG_VERSION" val="1.0"/>
+  <p:tag name="KSO_WM_BEAUTIFY_FLAG" val="#wm#"/>
+</p:tagLst>
+</file>
+
+<file path=ppt/tags/tag155.xml><?xml version="1.0" encoding="utf-8"?>
+<p:tagLst xmlns:a="http://schemas.openxmlformats.org/drawingml/2006/main" xmlns:r="http://schemas.openxmlformats.org/officeDocument/2006/relationships" xmlns:p="http://schemas.openxmlformats.org/presentationml/2006/main">
+  <p:tag name="KSO_WM_UNIT_HIGHLIGHT" val="0"/>
+  <p:tag name="KSO_WM_UNIT_COMPATIBLE" val="0"/>
+  <p:tag name="KSO_WM_UNIT_DIAGRAM_ISNUMVISUAL" val="0"/>
+  <p:tag name="KSO_WM_UNIT_DIAGRAM_ISREFERUNIT" val="0"/>
+  <p:tag name="KSO_WM_UNIT_ID" val="_11**"/>
+  <p:tag name="KSO_WM_UNIT_LAYERLEVEL" val="1"/>
+  <p:tag name="KSO_WM_TAG_VERSION" val="1.0"/>
+  <p:tag name="KSO_WM_BEAUTIFY_FLAG" val="#wm#"/>
+</p:tagLst>
+</file>
+
+<file path=ppt/tags/tag156.xml><?xml version="1.0" encoding="utf-8"?>
+<p:tagLst xmlns:a="http://schemas.openxmlformats.org/drawingml/2006/main" xmlns:r="http://schemas.openxmlformats.org/officeDocument/2006/relationships" xmlns:p="http://schemas.openxmlformats.org/presentationml/2006/main">
+  <p:tag name="KSO_WM_UNIT_HIGHLIGHT" val="0"/>
+  <p:tag name="KSO_WM_UNIT_COMPATIBLE" val="0"/>
+  <p:tag name="KSO_WM_UNIT_DIAGRAM_ISNUMVISUAL" val="0"/>
+  <p:tag name="KSO_WM_UNIT_DIAGRAM_ISREFERUNIT" val="0"/>
+  <p:tag name="KSO_WM_UNIT_ID" val="_11**"/>
+  <p:tag name="KSO_WM_UNIT_LAYERLEVEL" val="1"/>
+  <p:tag name="KSO_WM_TAG_VERSION" val="1.0"/>
+  <p:tag name="KSO_WM_BEAUTIFY_FLAG" val="#wm#"/>
+</p:tagLst>
+</file>
+
+<file path=ppt/tags/tag157.xml><?xml version="1.0" encoding="utf-8"?>
+<p:tagLst xmlns:a="http://schemas.openxmlformats.org/drawingml/2006/main" xmlns:r="http://schemas.openxmlformats.org/officeDocument/2006/relationships" xmlns:p="http://schemas.openxmlformats.org/presentationml/2006/main">
+  <p:tag name="KSO_WM_UNIT_HIGHLIGHT" val="0"/>
+  <p:tag name="KSO_WM_UNIT_COMPATIBLE" val="0"/>
+  <p:tag name="KSO_WM_UNIT_DIAGRAM_ISNUMVISUAL" val="0"/>
+  <p:tag name="KSO_WM_UNIT_DIAGRAM_ISREFERUNIT" val="0"/>
+  <p:tag name="KSO_WM_UNIT_ID" val="_11**"/>
+  <p:tag name="KSO_WM_UNIT_LAYERLEVEL" val="1"/>
+  <p:tag name="KSO_WM_TAG_VERSION" val="1.0"/>
+  <p:tag name="KSO_WM_BEAUTIFY_FLAG" val="#wm#"/>
 </p:tagLst>
 </file>
 
 <file path=ppt/tags/tag158.xml><?xml version="1.0" encoding="utf-8"?>
-<p:tagLst xmlns:p="http://schemas.openxmlformats.org/presentationml/2006/main">
+<p:tagLst xmlns:a="http://schemas.openxmlformats.org/drawingml/2006/main" xmlns:r="http://schemas.openxmlformats.org/officeDocument/2006/relationships" xmlns:p="http://schemas.openxmlformats.org/presentationml/2006/main">
   <p:tag name="KSO_WM_UNIT_HIGHLIGHT" val="0"/>
   <p:tag name="KSO_WM_UNIT_COMPATIBLE" val="0"/>
   <p:tag name="KSO_WM_UNIT_DIAGRAM_ISNUMVISUAL" val="0"/>
   <p:tag name="KSO_WM_UNIT_DIAGRAM_ISREFERUNIT" val="0"/>
-  <p:tag name="KSO_WM_UNIT_ID" val="_0**"/>
+  <p:tag name="KSO_WM_UNIT_ID" val="_11**"/>
   <p:tag name="KSO_WM_UNIT_LAYERLEVEL" val="1"/>
   <p:tag name="KSO_WM_TAG_VERSION" val="1.0"/>
   <p:tag name="KSO_WM_BEAUTIFY_FLAG" val="#wm#"/>
@@ -22323,12 +22281,12 @@
 </file>
 
 <file path=ppt/tags/tag159.xml><?xml version="1.0" encoding="utf-8"?>
-<p:tagLst xmlns:p="http://schemas.openxmlformats.org/presentationml/2006/main">
+<p:tagLst xmlns:a="http://schemas.openxmlformats.org/drawingml/2006/main" xmlns:r="http://schemas.openxmlformats.org/officeDocument/2006/relationships" xmlns:p="http://schemas.openxmlformats.org/presentationml/2006/main">
   <p:tag name="KSO_WM_UNIT_HIGHLIGHT" val="0"/>
   <p:tag name="KSO_WM_UNIT_COMPATIBLE" val="0"/>
   <p:tag name="KSO_WM_UNIT_DIAGRAM_ISNUMVISUAL" val="0"/>
   <p:tag name="KSO_WM_UNIT_DIAGRAM_ISREFERUNIT" val="0"/>
-  <p:tag name="KSO_WM_UNIT_ID" val="_0**"/>
+  <p:tag name="KSO_WM_UNIT_ID" val="_11**"/>
   <p:tag name="KSO_WM_UNIT_LAYERLEVEL" val="1"/>
   <p:tag name="KSO_WM_TAG_VERSION" val="1.0"/>
   <p:tag name="KSO_WM_BEAUTIFY_FLAG" val="#wm#"/>
@@ -22336,7 +22294,7 @@
 </file>
 
 <file path=ppt/tags/tag16.xml><?xml version="1.0" encoding="utf-8"?>
-<p:tagLst xmlns:p="http://schemas.openxmlformats.org/presentationml/2006/main">
+<p:tagLst xmlns:a="http://schemas.openxmlformats.org/drawingml/2006/main" xmlns:r="http://schemas.openxmlformats.org/officeDocument/2006/relationships" xmlns:p="http://schemas.openxmlformats.org/presentationml/2006/main">
   <p:tag name="KSO_WM_UNIT_HIGHLIGHT" val="0"/>
   <p:tag name="KSO_WM_UNIT_COMPATIBLE" val="0"/>
   <p:tag name="KSO_WM_UNIT_DIAGRAM_ISNUMVISUAL" val="0"/>
@@ -22349,12 +22307,12 @@
 </file>
 
 <file path=ppt/tags/tag160.xml><?xml version="1.0" encoding="utf-8"?>
-<p:tagLst xmlns:p="http://schemas.openxmlformats.org/presentationml/2006/main">
+<p:tagLst xmlns:a="http://schemas.openxmlformats.org/drawingml/2006/main" xmlns:r="http://schemas.openxmlformats.org/officeDocument/2006/relationships" xmlns:p="http://schemas.openxmlformats.org/presentationml/2006/main">
   <p:tag name="KSO_WM_UNIT_HIGHLIGHT" val="0"/>
   <p:tag name="KSO_WM_UNIT_COMPATIBLE" val="0"/>
   <p:tag name="KSO_WM_UNIT_DIAGRAM_ISNUMVISUAL" val="0"/>
   <p:tag name="KSO_WM_UNIT_DIAGRAM_ISREFERUNIT" val="0"/>
-  <p:tag name="KSO_WM_UNIT_ID" val="_0**"/>
+  <p:tag name="KSO_WM_UNIT_ID" val="_11**"/>
   <p:tag name="KSO_WM_UNIT_LAYERLEVEL" val="1"/>
   <p:tag name="KSO_WM_TAG_VERSION" val="1.0"/>
   <p:tag name="KSO_WM_BEAUTIFY_FLAG" val="#wm#"/>
@@ -22362,18 +22320,20 @@
 </file>
 
 <file path=ppt/tags/tag161.xml><?xml version="1.0" encoding="utf-8"?>
-<p:tagLst xmlns:p="http://schemas.openxmlformats.org/presentationml/2006/main">
-  <p:tag name="KSO_WM_TEMPLATE_SUBCATEGORY" val="0"/>
+<p:tagLst xmlns:a="http://schemas.openxmlformats.org/drawingml/2006/main" xmlns:r="http://schemas.openxmlformats.org/officeDocument/2006/relationships" xmlns:p="http://schemas.openxmlformats.org/presentationml/2006/main">
+  <p:tag name="KSO_WM_UNIT_HIGHLIGHT" val="0"/>
+  <p:tag name="KSO_WM_UNIT_COMPATIBLE" val="0"/>
+  <p:tag name="KSO_WM_UNIT_DIAGRAM_ISNUMVISUAL" val="0"/>
+  <p:tag name="KSO_WM_UNIT_DIAGRAM_ISREFERUNIT" val="0"/>
+  <p:tag name="KSO_WM_UNIT_ID" val="_11**"/>
+  <p:tag name="KSO_WM_UNIT_LAYERLEVEL" val="1"/>
   <p:tag name="KSO_WM_TAG_VERSION" val="1.0"/>
   <p:tag name="KSO_WM_BEAUTIFY_FLAG" val="#wm#"/>
-  <p:tag name="KSO_WM_TEMPLATE_CATEGORY" val="custom"/>
-  <p:tag name="KSO_WM_TEMPLATE_INDEX" val="20191705"/>
-  <p:tag name="KSO_WM_TEMPLATE_THUMBS_INDEX" val="1、2、3、4、5、6、7、8、9、10、11、12、13、14、15"/>
 </p:tagLst>
 </file>
 
 <file path=ppt/tags/tag162.xml><?xml version="1.0" encoding="utf-8"?>
-<p:tagLst xmlns:p="http://schemas.openxmlformats.org/presentationml/2006/main">
+<p:tagLst xmlns:a="http://schemas.openxmlformats.org/drawingml/2006/main" xmlns:r="http://schemas.openxmlformats.org/officeDocument/2006/relationships" xmlns:p="http://schemas.openxmlformats.org/presentationml/2006/main">
   <p:tag name="KSO_WM_BEAUTIFY_FLAG" val="#wm#"/>
   <p:tag name="KSO_WM_TEMPLATE_CATEGORY" val="custom"/>
   <p:tag name="KSO_WM_TEMPLATE_INDEX" val="20191705"/>
@@ -22381,7 +22341,7 @@
 </file>
 
 <file path=ppt/tags/tag163.xml><?xml version="1.0" encoding="utf-8"?>
-<p:tagLst xmlns:p="http://schemas.openxmlformats.org/presentationml/2006/main">
+<p:tagLst xmlns:a="http://schemas.openxmlformats.org/drawingml/2006/main" xmlns:r="http://schemas.openxmlformats.org/officeDocument/2006/relationships" xmlns:p="http://schemas.openxmlformats.org/presentationml/2006/main">
   <p:tag name="KSO_WM_TEMPLATE_CATEGORY" val="custom"/>
   <p:tag name="KSO_WM_TEMPLATE_INDEX" val="20191705"/>
   <p:tag name="KSO_WM_UNIT_TYPE" val="m_h_i"/>
@@ -22402,7 +22362,7 @@
 </file>
 
 <file path=ppt/tags/tag164.xml><?xml version="1.0" encoding="utf-8"?>
-<p:tagLst xmlns:p="http://schemas.openxmlformats.org/presentationml/2006/main">
+<p:tagLst xmlns:a="http://schemas.openxmlformats.org/drawingml/2006/main" xmlns:r="http://schemas.openxmlformats.org/officeDocument/2006/relationships" xmlns:p="http://schemas.openxmlformats.org/presentationml/2006/main">
   <p:tag name="KSO_WM_TEMPLATE_CATEGORY" val="custom"/>
   <p:tag name="KSO_WM_TEMPLATE_INDEX" val="20191705"/>
   <p:tag name="KSO_WM_UNIT_TYPE" val="m_h_a"/>
@@ -22427,7 +22387,7 @@
 </file>
 
 <file path=ppt/tags/tag165.xml><?xml version="1.0" encoding="utf-8"?>
-<p:tagLst xmlns:p="http://schemas.openxmlformats.org/presentationml/2006/main">
+<p:tagLst xmlns:a="http://schemas.openxmlformats.org/drawingml/2006/main" xmlns:r="http://schemas.openxmlformats.org/officeDocument/2006/relationships" xmlns:p="http://schemas.openxmlformats.org/presentationml/2006/main">
   <p:tag name="KSO_WM_TEMPLATE_CATEGORY" val="custom"/>
   <p:tag name="KSO_WM_TEMPLATE_INDEX" val="20191705"/>
   <p:tag name="KSO_WM_UNIT_TYPE" val="m_h_i"/>
@@ -22450,7 +22410,7 @@
 </file>
 
 <file path=ppt/tags/tag166.xml><?xml version="1.0" encoding="utf-8"?>
-<p:tagLst xmlns:p="http://schemas.openxmlformats.org/presentationml/2006/main">
+<p:tagLst xmlns:a="http://schemas.openxmlformats.org/drawingml/2006/main" xmlns:r="http://schemas.openxmlformats.org/officeDocument/2006/relationships" xmlns:p="http://schemas.openxmlformats.org/presentationml/2006/main">
   <p:tag name="KSO_WM_TEMPLATE_CATEGORY" val="custom"/>
   <p:tag name="KSO_WM_TEMPLATE_INDEX" val="20191705"/>
   <p:tag name="KSO_WM_UNIT_TYPE" val="m_h_i"/>
@@ -22471,7 +22431,7 @@
 </file>
 
 <file path=ppt/tags/tag167.xml><?xml version="1.0" encoding="utf-8"?>
-<p:tagLst xmlns:p="http://schemas.openxmlformats.org/presentationml/2006/main">
+<p:tagLst xmlns:a="http://schemas.openxmlformats.org/drawingml/2006/main" xmlns:r="http://schemas.openxmlformats.org/officeDocument/2006/relationships" xmlns:p="http://schemas.openxmlformats.org/presentationml/2006/main">
   <p:tag name="KSO_WM_TEMPLATE_CATEGORY" val="custom"/>
   <p:tag name="KSO_WM_TEMPLATE_INDEX" val="20191705"/>
   <p:tag name="KSO_WM_UNIT_TYPE" val="m_h_a"/>
@@ -22496,7 +22456,7 @@
 </file>
 
 <file path=ppt/tags/tag168.xml><?xml version="1.0" encoding="utf-8"?>
-<p:tagLst xmlns:p="http://schemas.openxmlformats.org/presentationml/2006/main">
+<p:tagLst xmlns:a="http://schemas.openxmlformats.org/drawingml/2006/main" xmlns:r="http://schemas.openxmlformats.org/officeDocument/2006/relationships" xmlns:p="http://schemas.openxmlformats.org/presentationml/2006/main">
   <p:tag name="KSO_WM_TEMPLATE_CATEGORY" val="custom"/>
   <p:tag name="KSO_WM_TEMPLATE_INDEX" val="20191705"/>
   <p:tag name="KSO_WM_UNIT_TYPE" val="m_h_i"/>
@@ -22519,7 +22479,7 @@
 </file>
 
 <file path=ppt/tags/tag169.xml><?xml version="1.0" encoding="utf-8"?>
-<p:tagLst xmlns:p="http://schemas.openxmlformats.org/presentationml/2006/main">
+<p:tagLst xmlns:a="http://schemas.openxmlformats.org/drawingml/2006/main" xmlns:r="http://schemas.openxmlformats.org/officeDocument/2006/relationships" xmlns:p="http://schemas.openxmlformats.org/presentationml/2006/main">
   <p:tag name="KSO_WM_TEMPLATE_CATEGORY" val="custom"/>
   <p:tag name="KSO_WM_TEMPLATE_INDEX" val="20191705"/>
   <p:tag name="KSO_WM_UNIT_TYPE" val="m_h_i"/>
@@ -22540,7 +22500,7 @@
 </file>
 
 <file path=ppt/tags/tag17.xml><?xml version="1.0" encoding="utf-8"?>
-<p:tagLst xmlns:p="http://schemas.openxmlformats.org/presentationml/2006/main">
+<p:tagLst xmlns:a="http://schemas.openxmlformats.org/drawingml/2006/main" xmlns:r="http://schemas.openxmlformats.org/officeDocument/2006/relationships" xmlns:p="http://schemas.openxmlformats.org/presentationml/2006/main">
   <p:tag name="KSO_WM_UNIT_HIGHLIGHT" val="0"/>
   <p:tag name="KSO_WM_UNIT_COMPATIBLE" val="0"/>
   <p:tag name="KSO_WM_UNIT_DIAGRAM_ISNUMVISUAL" val="0"/>
@@ -22553,7 +22513,7 @@
 </file>
 
 <file path=ppt/tags/tag170.xml><?xml version="1.0" encoding="utf-8"?>
-<p:tagLst xmlns:p="http://schemas.openxmlformats.org/presentationml/2006/main">
+<p:tagLst xmlns:a="http://schemas.openxmlformats.org/drawingml/2006/main" xmlns:r="http://schemas.openxmlformats.org/officeDocument/2006/relationships" xmlns:p="http://schemas.openxmlformats.org/presentationml/2006/main">
   <p:tag name="KSO_WM_TEMPLATE_CATEGORY" val="custom"/>
   <p:tag name="KSO_WM_TEMPLATE_INDEX" val="20191705"/>
   <p:tag name="KSO_WM_UNIT_TYPE" val="m_h_a"/>
@@ -22578,7 +22538,7 @@
 </file>
 
 <file path=ppt/tags/tag171.xml><?xml version="1.0" encoding="utf-8"?>
-<p:tagLst xmlns:p="http://schemas.openxmlformats.org/presentationml/2006/main">
+<p:tagLst xmlns:a="http://schemas.openxmlformats.org/drawingml/2006/main" xmlns:r="http://schemas.openxmlformats.org/officeDocument/2006/relationships" xmlns:p="http://schemas.openxmlformats.org/presentationml/2006/main">
   <p:tag name="KSO_WM_TEMPLATE_CATEGORY" val="custom"/>
   <p:tag name="KSO_WM_TEMPLATE_INDEX" val="20191705"/>
   <p:tag name="KSO_WM_UNIT_TYPE" val="m_h_i"/>
@@ -22601,7 +22561,7 @@
 </file>
 
 <file path=ppt/tags/tag172.xml><?xml version="1.0" encoding="utf-8"?>
-<p:tagLst xmlns:p="http://schemas.openxmlformats.org/presentationml/2006/main">
+<p:tagLst xmlns:a="http://schemas.openxmlformats.org/drawingml/2006/main" xmlns:r="http://schemas.openxmlformats.org/officeDocument/2006/relationships" xmlns:p="http://schemas.openxmlformats.org/presentationml/2006/main">
   <p:tag name="KSO_WM_TEMPLATE_CATEGORY" val="custom"/>
   <p:tag name="KSO_WM_TEMPLATE_INDEX" val="20191705"/>
   <p:tag name="KSO_WM_UNIT_TYPE" val="m_h_i"/>
@@ -22622,7 +22582,7 @@
 </file>
 
 <file path=ppt/tags/tag173.xml><?xml version="1.0" encoding="utf-8"?>
-<p:tagLst xmlns:p="http://schemas.openxmlformats.org/presentationml/2006/main">
+<p:tagLst xmlns:a="http://schemas.openxmlformats.org/drawingml/2006/main" xmlns:r="http://schemas.openxmlformats.org/officeDocument/2006/relationships" xmlns:p="http://schemas.openxmlformats.org/presentationml/2006/main">
   <p:tag name="KSO_WM_TEMPLATE_CATEGORY" val="custom"/>
   <p:tag name="KSO_WM_TEMPLATE_INDEX" val="20191705"/>
   <p:tag name="KSO_WM_UNIT_TYPE" val="m_h_i"/>
@@ -22645,7 +22605,7 @@
 </file>
 
 <file path=ppt/tags/tag174.xml><?xml version="1.0" encoding="utf-8"?>
-<p:tagLst xmlns:p="http://schemas.openxmlformats.org/presentationml/2006/main">
+<p:tagLst xmlns:a="http://schemas.openxmlformats.org/drawingml/2006/main" xmlns:r="http://schemas.openxmlformats.org/officeDocument/2006/relationships" xmlns:p="http://schemas.openxmlformats.org/presentationml/2006/main">
   <p:tag name="KSO_WM_TEMPLATE_CATEGORY" val="custom"/>
   <p:tag name="KSO_WM_TEMPLATE_INDEX" val="20191705"/>
   <p:tag name="KSO_WM_UNIT_TYPE" val="m_h_a"/>
@@ -22670,7 +22630,7 @@
 </file>
 
 <file path=ppt/tags/tag175.xml><?xml version="1.0" encoding="utf-8"?>
-<p:tagLst xmlns:p="http://schemas.openxmlformats.org/presentationml/2006/main">
+<p:tagLst xmlns:a="http://schemas.openxmlformats.org/drawingml/2006/main" xmlns:r="http://schemas.openxmlformats.org/officeDocument/2006/relationships" xmlns:p="http://schemas.openxmlformats.org/presentationml/2006/main">
   <p:tag name="KSO_WM_BEAUTIFY_FLAG" val="#wm#"/>
   <p:tag name="KSO_WM_TEMPLATE_CATEGORY" val="custom"/>
   <p:tag name="KSO_WM_TEMPLATE_INDEX" val="20191705"/>
@@ -22678,7 +22638,7 @@
 </file>
 
 <file path=ppt/tags/tag176.xml><?xml version="1.0" encoding="utf-8"?>
-<p:tagLst xmlns:p="http://schemas.openxmlformats.org/presentationml/2006/main">
+<p:tagLst xmlns:a="http://schemas.openxmlformats.org/drawingml/2006/main" xmlns:r="http://schemas.openxmlformats.org/officeDocument/2006/relationships" xmlns:p="http://schemas.openxmlformats.org/presentationml/2006/main">
   <p:tag name="KSO_WM_BEAUTIFY_FLAG" val="#wm#"/>
   <p:tag name="KSO_WM_TEMPLATE_CATEGORY" val="custom"/>
   <p:tag name="KSO_WM_TEMPLATE_INDEX" val="20191705"/>
@@ -22686,7 +22646,7 @@
 </file>
 
 <file path=ppt/tags/tag177.xml><?xml version="1.0" encoding="utf-8"?>
-<p:tagLst xmlns:p="http://schemas.openxmlformats.org/presentationml/2006/main">
+<p:tagLst xmlns:a="http://schemas.openxmlformats.org/drawingml/2006/main" xmlns:r="http://schemas.openxmlformats.org/officeDocument/2006/relationships" xmlns:p="http://schemas.openxmlformats.org/presentationml/2006/main">
   <p:tag name="KSO_WM_BEAUTIFY_FLAG" val="#wm#"/>
   <p:tag name="KSO_WM_TEMPLATE_CATEGORY" val="custom"/>
   <p:tag name="KSO_WM_TEMPLATE_INDEX" val="20191705"/>
@@ -22694,7 +22654,7 @@
 </file>
 
 <file path=ppt/tags/tag178.xml><?xml version="1.0" encoding="utf-8"?>
-<p:tagLst xmlns:p="http://schemas.openxmlformats.org/presentationml/2006/main">
+<p:tagLst xmlns:a="http://schemas.openxmlformats.org/drawingml/2006/main" xmlns:r="http://schemas.openxmlformats.org/officeDocument/2006/relationships" xmlns:p="http://schemas.openxmlformats.org/presentationml/2006/main">
   <p:tag name="KSO_WM_BEAUTIFY_FLAG" val="#wm#"/>
   <p:tag name="KSO_WM_TEMPLATE_CATEGORY" val="custom"/>
   <p:tag name="KSO_WM_TEMPLATE_INDEX" val="20191705"/>
@@ -22702,7 +22662,7 @@
 </file>
 
 <file path=ppt/tags/tag179.xml><?xml version="1.0" encoding="utf-8"?>
-<p:tagLst xmlns:p="http://schemas.openxmlformats.org/presentationml/2006/main">
+<p:tagLst xmlns:a="http://schemas.openxmlformats.org/drawingml/2006/main" xmlns:r="http://schemas.openxmlformats.org/officeDocument/2006/relationships" xmlns:p="http://schemas.openxmlformats.org/presentationml/2006/main">
   <p:tag name="KSO_WM_BEAUTIFY_FLAG" val="#wm#"/>
   <p:tag name="KSO_WM_TEMPLATE_CATEGORY" val="custom"/>
   <p:tag name="KSO_WM_TEMPLATE_INDEX" val="20191705"/>
@@ -22710,7 +22670,7 @@
 </file>
 
 <file path=ppt/tags/tag18.xml><?xml version="1.0" encoding="utf-8"?>
-<p:tagLst xmlns:p="http://schemas.openxmlformats.org/presentationml/2006/main">
+<p:tagLst xmlns:a="http://schemas.openxmlformats.org/drawingml/2006/main" xmlns:r="http://schemas.openxmlformats.org/officeDocument/2006/relationships" xmlns:p="http://schemas.openxmlformats.org/presentationml/2006/main">
   <p:tag name="KSO_WM_UNIT_HIGHLIGHT" val="0"/>
   <p:tag name="KSO_WM_UNIT_COMPATIBLE" val="0"/>
   <p:tag name="KSO_WM_UNIT_DIAGRAM_ISNUMVISUAL" val="0"/>
@@ -22723,7 +22683,7 @@
 </file>
 
 <file path=ppt/tags/tag180.xml><?xml version="1.0" encoding="utf-8"?>
-<p:tagLst xmlns:p="http://schemas.openxmlformats.org/presentationml/2006/main">
+<p:tagLst xmlns:a="http://schemas.openxmlformats.org/drawingml/2006/main" xmlns:r="http://schemas.openxmlformats.org/officeDocument/2006/relationships" xmlns:p="http://schemas.openxmlformats.org/presentationml/2006/main">
   <p:tag name="KSO_WM_BEAUTIFY_FLAG" val="#wm#"/>
   <p:tag name="KSO_WM_TEMPLATE_CATEGORY" val="custom"/>
   <p:tag name="KSO_WM_TEMPLATE_INDEX" val="20191705"/>
@@ -22731,7 +22691,7 @@
 </file>
 
 <file path=ppt/tags/tag181.xml><?xml version="1.0" encoding="utf-8"?>
-<p:tagLst xmlns:p="http://schemas.openxmlformats.org/presentationml/2006/main">
+<p:tagLst xmlns:a="http://schemas.openxmlformats.org/drawingml/2006/main" xmlns:r="http://schemas.openxmlformats.org/officeDocument/2006/relationships" xmlns:p="http://schemas.openxmlformats.org/presentationml/2006/main">
   <p:tag name="KSO_WM_BEAUTIFY_FLAG" val="#wm#"/>
   <p:tag name="KSO_WM_TEMPLATE_CATEGORY" val="custom"/>
   <p:tag name="KSO_WM_TEMPLATE_INDEX" val="20191705"/>
@@ -22739,7 +22699,7 @@
 </file>
 
 <file path=ppt/tags/tag182.xml><?xml version="1.0" encoding="utf-8"?>
-<p:tagLst xmlns:p="http://schemas.openxmlformats.org/presentationml/2006/main">
+<p:tagLst xmlns:a="http://schemas.openxmlformats.org/drawingml/2006/main" xmlns:r="http://schemas.openxmlformats.org/officeDocument/2006/relationships" xmlns:p="http://schemas.openxmlformats.org/presentationml/2006/main">
   <p:tag name="KSO_WM_BEAUTIFY_FLAG" val="#wm#"/>
   <p:tag name="KSO_WM_TEMPLATE_CATEGORY" val="custom"/>
   <p:tag name="KSO_WM_TEMPLATE_INDEX" val="20191705"/>
@@ -22747,7 +22707,7 @@
 </file>
 
 <file path=ppt/tags/tag183.xml><?xml version="1.0" encoding="utf-8"?>
-<p:tagLst xmlns:p="http://schemas.openxmlformats.org/presentationml/2006/main">
+<p:tagLst xmlns:a="http://schemas.openxmlformats.org/drawingml/2006/main" xmlns:r="http://schemas.openxmlformats.org/officeDocument/2006/relationships" xmlns:p="http://schemas.openxmlformats.org/presentationml/2006/main">
   <p:tag name="KSO_WM_BEAUTIFY_FLAG" val="#wm#"/>
   <p:tag name="KSO_WM_TEMPLATE_CATEGORY" val="custom"/>
   <p:tag name="KSO_WM_TEMPLATE_INDEX" val="20191705"/>
@@ -22755,7 +22715,7 @@
 </file>
 
 <file path=ppt/tags/tag184.xml><?xml version="1.0" encoding="utf-8"?>
-<p:tagLst xmlns:p="http://schemas.openxmlformats.org/presentationml/2006/main">
+<p:tagLst xmlns:a="http://schemas.openxmlformats.org/drawingml/2006/main" xmlns:r="http://schemas.openxmlformats.org/officeDocument/2006/relationships" xmlns:p="http://schemas.openxmlformats.org/presentationml/2006/main">
   <p:tag name="KSO_WM_BEAUTIFY_FLAG" val="#wm#"/>
   <p:tag name="KSO_WM_TEMPLATE_CATEGORY" val="custom"/>
   <p:tag name="KSO_WM_TEMPLATE_INDEX" val="20191705"/>
@@ -22763,7 +22723,7 @@
 </file>
 
 <file path=ppt/tags/tag185.xml><?xml version="1.0" encoding="utf-8"?>
-<p:tagLst xmlns:p="http://schemas.openxmlformats.org/presentationml/2006/main">
+<p:tagLst xmlns:a="http://schemas.openxmlformats.org/drawingml/2006/main" xmlns:r="http://schemas.openxmlformats.org/officeDocument/2006/relationships" xmlns:p="http://schemas.openxmlformats.org/presentationml/2006/main">
   <p:tag name="KSO_WM_BEAUTIFY_FLAG" val="#wm#"/>
   <p:tag name="KSO_WM_TEMPLATE_CATEGORY" val="custom"/>
   <p:tag name="KSO_WM_TEMPLATE_INDEX" val="20191705"/>
@@ -22771,7 +22731,7 @@
 </file>
 
 <file path=ppt/tags/tag186.xml><?xml version="1.0" encoding="utf-8"?>
-<p:tagLst xmlns:p="http://schemas.openxmlformats.org/presentationml/2006/main">
+<p:tagLst xmlns:a="http://schemas.openxmlformats.org/drawingml/2006/main" xmlns:r="http://schemas.openxmlformats.org/officeDocument/2006/relationships" xmlns:p="http://schemas.openxmlformats.org/presentationml/2006/main">
   <p:tag name="KSO_WM_BEAUTIFY_FLAG" val="#wm#"/>
   <p:tag name="KSO_WM_TEMPLATE_CATEGORY" val="custom"/>
   <p:tag name="KSO_WM_TEMPLATE_INDEX" val="20191705"/>
@@ -22779,7 +22739,7 @@
 </file>
 
 <file path=ppt/tags/tag187.xml><?xml version="1.0" encoding="utf-8"?>
-<p:tagLst xmlns:p="http://schemas.openxmlformats.org/presentationml/2006/main">
+<p:tagLst xmlns:a="http://schemas.openxmlformats.org/drawingml/2006/main" xmlns:r="http://schemas.openxmlformats.org/officeDocument/2006/relationships" xmlns:p="http://schemas.openxmlformats.org/presentationml/2006/main">
   <p:tag name="KSO_WM_BEAUTIFY_FLAG" val="#wm#"/>
   <p:tag name="KSO_WM_TEMPLATE_CATEGORY" val="custom"/>
   <p:tag name="KSO_WM_TEMPLATE_INDEX" val="20191705"/>
@@ -22787,7 +22747,7 @@
 </file>
 
 <file path=ppt/tags/tag188.xml><?xml version="1.0" encoding="utf-8"?>
-<p:tagLst xmlns:p="http://schemas.openxmlformats.org/presentationml/2006/main">
+<p:tagLst xmlns:a="http://schemas.openxmlformats.org/drawingml/2006/main" xmlns:r="http://schemas.openxmlformats.org/officeDocument/2006/relationships" xmlns:p="http://schemas.openxmlformats.org/presentationml/2006/main">
   <p:tag name="KSO_WM_BEAUTIFY_FLAG" val="#wm#"/>
   <p:tag name="KSO_WM_TEMPLATE_CATEGORY" val="custom"/>
   <p:tag name="KSO_WM_TEMPLATE_INDEX" val="20191705"/>
@@ -22795,7 +22755,7 @@
 </file>
 
 <file path=ppt/tags/tag189.xml><?xml version="1.0" encoding="utf-8"?>
-<p:tagLst xmlns:p="http://schemas.openxmlformats.org/presentationml/2006/main">
+<p:tagLst xmlns:a="http://schemas.openxmlformats.org/drawingml/2006/main" xmlns:r="http://schemas.openxmlformats.org/officeDocument/2006/relationships" xmlns:p="http://schemas.openxmlformats.org/presentationml/2006/main">
   <p:tag name="KSO_WM_BEAUTIFY_FLAG" val="#wm#"/>
   <p:tag name="KSO_WM_TEMPLATE_CATEGORY" val="custom"/>
   <p:tag name="KSO_WM_TEMPLATE_INDEX" val="20191705"/>
@@ -22803,7 +22763,7 @@
 </file>
 
 <file path=ppt/tags/tag19.xml><?xml version="1.0" encoding="utf-8"?>
-<p:tagLst xmlns:p="http://schemas.openxmlformats.org/presentationml/2006/main">
+<p:tagLst xmlns:a="http://schemas.openxmlformats.org/drawingml/2006/main" xmlns:r="http://schemas.openxmlformats.org/officeDocument/2006/relationships" xmlns:p="http://schemas.openxmlformats.org/presentationml/2006/main">
   <p:tag name="KSO_WM_UNIT_HIGHLIGHT" val="0"/>
   <p:tag name="KSO_WM_UNIT_COMPATIBLE" val="0"/>
   <p:tag name="KSO_WM_UNIT_DIAGRAM_ISNUMVISUAL" val="0"/>
@@ -22816,7 +22776,7 @@
 </file>
 
 <file path=ppt/tags/tag190.xml><?xml version="1.0" encoding="utf-8"?>
-<p:tagLst xmlns:p="http://schemas.openxmlformats.org/presentationml/2006/main">
+<p:tagLst xmlns:a="http://schemas.openxmlformats.org/drawingml/2006/main" xmlns:r="http://schemas.openxmlformats.org/officeDocument/2006/relationships" xmlns:p="http://schemas.openxmlformats.org/presentationml/2006/main">
   <p:tag name="KSO_WM_BEAUTIFY_FLAG" val="#wm#"/>
   <p:tag name="KSO_WM_TEMPLATE_CATEGORY" val="custom"/>
   <p:tag name="KSO_WM_TEMPLATE_INDEX" val="20191705"/>
@@ -22824,7 +22784,7 @@
 </file>
 
 <file path=ppt/tags/tag191.xml><?xml version="1.0" encoding="utf-8"?>
-<p:tagLst xmlns:p="http://schemas.openxmlformats.org/presentationml/2006/main">
+<p:tagLst xmlns:a="http://schemas.openxmlformats.org/drawingml/2006/main" xmlns:r="http://schemas.openxmlformats.org/officeDocument/2006/relationships" xmlns:p="http://schemas.openxmlformats.org/presentationml/2006/main">
   <p:tag name="KSO_WM_BEAUTIFY_FLAG" val="#wm#"/>
   <p:tag name="KSO_WM_TEMPLATE_CATEGORY" val="custom"/>
   <p:tag name="KSO_WM_TEMPLATE_INDEX" val="20191705"/>
@@ -22832,7 +22792,7 @@
 </file>
 
 <file path=ppt/tags/tag192.xml><?xml version="1.0" encoding="utf-8"?>
-<p:tagLst xmlns:p="http://schemas.openxmlformats.org/presentationml/2006/main">
+<p:tagLst xmlns:a="http://schemas.openxmlformats.org/drawingml/2006/main" xmlns:r="http://schemas.openxmlformats.org/officeDocument/2006/relationships" xmlns:p="http://schemas.openxmlformats.org/presentationml/2006/main">
   <p:tag name="KSO_WM_BEAUTIFY_FLAG" val="#wm#"/>
   <p:tag name="KSO_WM_TEMPLATE_CATEGORY" val="custom"/>
   <p:tag name="KSO_WM_TEMPLATE_INDEX" val="20191705"/>
@@ -22840,7 +22800,7 @@
 </file>
 
 <file path=ppt/tags/tag193.xml><?xml version="1.0" encoding="utf-8"?>
-<p:tagLst xmlns:p="http://schemas.openxmlformats.org/presentationml/2006/main">
+<p:tagLst xmlns:a="http://schemas.openxmlformats.org/drawingml/2006/main" xmlns:r="http://schemas.openxmlformats.org/officeDocument/2006/relationships" xmlns:p="http://schemas.openxmlformats.org/presentationml/2006/main">
   <p:tag name="KSO_WM_BEAUTIFY_FLAG" val="#wm#"/>
   <p:tag name="KSO_WM_TEMPLATE_CATEGORY" val="custom"/>
   <p:tag name="KSO_WM_TEMPLATE_INDEX" val="20191705"/>
@@ -22848,7 +22808,7 @@
 </file>
 
 <file path=ppt/tags/tag194.xml><?xml version="1.0" encoding="utf-8"?>
-<p:tagLst xmlns:p="http://schemas.openxmlformats.org/presentationml/2006/main">
+<p:tagLst xmlns:a="http://schemas.openxmlformats.org/drawingml/2006/main" xmlns:r="http://schemas.openxmlformats.org/officeDocument/2006/relationships" xmlns:p="http://schemas.openxmlformats.org/presentationml/2006/main">
   <p:tag name="KSO_WM_BEAUTIFY_FLAG" val="#wm#"/>
   <p:tag name="KSO_WM_TEMPLATE_CATEGORY" val="custom"/>
   <p:tag name="KSO_WM_TEMPLATE_INDEX" val="20191705"/>
@@ -22856,7 +22816,7 @@
 </file>
 
 <file path=ppt/tags/tag195.xml><?xml version="1.0" encoding="utf-8"?>
-<p:tagLst xmlns:p="http://schemas.openxmlformats.org/presentationml/2006/main">
+<p:tagLst xmlns:a="http://schemas.openxmlformats.org/drawingml/2006/main" xmlns:r="http://schemas.openxmlformats.org/officeDocument/2006/relationships" xmlns:p="http://schemas.openxmlformats.org/presentationml/2006/main">
   <p:tag name="KSO_WM_BEAUTIFY_FLAG" val="#wm#"/>
   <p:tag name="KSO_WM_TEMPLATE_CATEGORY" val="custom"/>
   <p:tag name="KSO_WM_TEMPLATE_INDEX" val="20191705"/>
@@ -22864,7 +22824,7 @@
 </file>
 
 <file path=ppt/tags/tag196.xml><?xml version="1.0" encoding="utf-8"?>
-<p:tagLst xmlns:p="http://schemas.openxmlformats.org/presentationml/2006/main">
+<p:tagLst xmlns:a="http://schemas.openxmlformats.org/drawingml/2006/main" xmlns:r="http://schemas.openxmlformats.org/officeDocument/2006/relationships" xmlns:p="http://schemas.openxmlformats.org/presentationml/2006/main">
   <p:tag name="KSO_WM_BEAUTIFY_FLAG" val="#wm#"/>
   <p:tag name="KSO_WM_TEMPLATE_CATEGORY" val="custom"/>
   <p:tag name="KSO_WM_TEMPLATE_INDEX" val="20191705"/>
@@ -22872,7 +22832,7 @@
 </file>
 
 <file path=ppt/tags/tag197.xml><?xml version="1.0" encoding="utf-8"?>
-<p:tagLst xmlns:p="http://schemas.openxmlformats.org/presentationml/2006/main">
+<p:tagLst xmlns:a="http://schemas.openxmlformats.org/drawingml/2006/main" xmlns:r="http://schemas.openxmlformats.org/officeDocument/2006/relationships" xmlns:p="http://schemas.openxmlformats.org/presentationml/2006/main">
   <p:tag name="KSO_WM_BEAUTIFY_FLAG" val="#wm#"/>
   <p:tag name="KSO_WM_TEMPLATE_CATEGORY" val="custom"/>
   <p:tag name="KSO_WM_TEMPLATE_INDEX" val="20191705"/>
@@ -22880,7 +22840,7 @@
 </file>
 
 <file path=ppt/tags/tag198.xml><?xml version="1.0" encoding="utf-8"?>
-<p:tagLst xmlns:p="http://schemas.openxmlformats.org/presentationml/2006/main">
+<p:tagLst xmlns:a="http://schemas.openxmlformats.org/drawingml/2006/main" xmlns:r="http://schemas.openxmlformats.org/officeDocument/2006/relationships" xmlns:p="http://schemas.openxmlformats.org/presentationml/2006/main">
   <p:tag name="KSO_WM_BEAUTIFY_FLAG" val="#wm#"/>
   <p:tag name="KSO_WM_TEMPLATE_CATEGORY" val="custom"/>
   <p:tag name="KSO_WM_TEMPLATE_INDEX" val="20191705"/>
@@ -22888,20 +22848,22 @@
 </file>
 
 <file path=ppt/tags/tag2.xml><?xml version="1.0" encoding="utf-8"?>
-<p:tagLst xmlns:p="http://schemas.openxmlformats.org/presentationml/2006/main">
+<p:tagLst xmlns:a="http://schemas.openxmlformats.org/drawingml/2006/main" xmlns:r="http://schemas.openxmlformats.org/officeDocument/2006/relationships" xmlns:p="http://schemas.openxmlformats.org/presentationml/2006/main">
   <p:tag name="KSO_WM_UNIT_HIGHLIGHT" val="0"/>
   <p:tag name="KSO_WM_UNIT_COMPATIBLE" val="0"/>
   <p:tag name="KSO_WM_UNIT_DIAGRAM_ISNUMVISUAL" val="0"/>
   <p:tag name="KSO_WM_UNIT_DIAGRAM_ISREFERUNIT" val="0"/>
-  <p:tag name="KSO_WM_UNIT_ID" val="_1**"/>
+  <p:tag name="KSO_WM_UNIT_ID" val="_0**"/>
   <p:tag name="KSO_WM_UNIT_LAYERLEVEL" val="1"/>
   <p:tag name="KSO_WM_TAG_VERSION" val="1.0"/>
   <p:tag name="KSO_WM_BEAUTIFY_FLAG" val="#wm#"/>
+  <p:tag name="KSO_WM_TEMPLATE_CATEGORY" val="custom"/>
+  <p:tag name="KSO_WM_TEMPLATE_INDEX" val="20191705"/>
 </p:tagLst>
 </file>
 
 <file path=ppt/tags/tag20.xml><?xml version="1.0" encoding="utf-8"?>
-<p:tagLst xmlns:p="http://schemas.openxmlformats.org/presentationml/2006/main">
+<p:tagLst xmlns:a="http://schemas.openxmlformats.org/drawingml/2006/main" xmlns:r="http://schemas.openxmlformats.org/officeDocument/2006/relationships" xmlns:p="http://schemas.openxmlformats.org/presentationml/2006/main">
   <p:tag name="KSO_WM_UNIT_HIGHLIGHT" val="0"/>
   <p:tag name="KSO_WM_UNIT_COMPATIBLE" val="0"/>
   <p:tag name="KSO_WM_UNIT_DIAGRAM_ISNUMVISUAL" val="0"/>
@@ -22914,7 +22876,7 @@
 </file>
 
 <file path=ppt/tags/tag21.xml><?xml version="1.0" encoding="utf-8"?>
-<p:tagLst xmlns:p="http://schemas.openxmlformats.org/presentationml/2006/main">
+<p:tagLst xmlns:a="http://schemas.openxmlformats.org/drawingml/2006/main" xmlns:r="http://schemas.openxmlformats.org/officeDocument/2006/relationships" xmlns:p="http://schemas.openxmlformats.org/presentationml/2006/main">
   <p:tag name="KSO_WM_UNIT_HIGHLIGHT" val="0"/>
   <p:tag name="KSO_WM_UNIT_COMPATIBLE" val="0"/>
   <p:tag name="KSO_WM_UNIT_DIAGRAM_ISNUMVISUAL" val="0"/>
@@ -22927,7 +22889,7 @@
 </file>
 
 <file path=ppt/tags/tag22.xml><?xml version="1.0" encoding="utf-8"?>
-<p:tagLst xmlns:p="http://schemas.openxmlformats.org/presentationml/2006/main">
+<p:tagLst xmlns:a="http://schemas.openxmlformats.org/drawingml/2006/main" xmlns:r="http://schemas.openxmlformats.org/officeDocument/2006/relationships" xmlns:p="http://schemas.openxmlformats.org/presentationml/2006/main">
   <p:tag name="KSO_WM_UNIT_HIGHLIGHT" val="0"/>
   <p:tag name="KSO_WM_UNIT_COMPATIBLE" val="0"/>
   <p:tag name="KSO_WM_UNIT_DIAGRAM_ISNUMVISUAL" val="0"/>
@@ -22940,7 +22902,7 @@
 </file>
 
 <file path=ppt/tags/tag23.xml><?xml version="1.0" encoding="utf-8"?>
-<p:tagLst xmlns:p="http://schemas.openxmlformats.org/presentationml/2006/main">
+<p:tagLst xmlns:a="http://schemas.openxmlformats.org/drawingml/2006/main" xmlns:r="http://schemas.openxmlformats.org/officeDocument/2006/relationships" xmlns:p="http://schemas.openxmlformats.org/presentationml/2006/main">
   <p:tag name="KSO_WM_UNIT_HIGHLIGHT" val="0"/>
   <p:tag name="KSO_WM_UNIT_COMPATIBLE" val="0"/>
   <p:tag name="KSO_WM_UNIT_DIAGRAM_ISNUMVISUAL" val="0"/>
@@ -22953,7 +22915,7 @@
 </file>
 
 <file path=ppt/tags/tag24.xml><?xml version="1.0" encoding="utf-8"?>
-<p:tagLst xmlns:p="http://schemas.openxmlformats.org/presentationml/2006/main">
+<p:tagLst xmlns:a="http://schemas.openxmlformats.org/drawingml/2006/main" xmlns:r="http://schemas.openxmlformats.org/officeDocument/2006/relationships" xmlns:p="http://schemas.openxmlformats.org/presentationml/2006/main">
   <p:tag name="KSO_WM_UNIT_HIGHLIGHT" val="0"/>
   <p:tag name="KSO_WM_UNIT_COMPATIBLE" val="0"/>
   <p:tag name="KSO_WM_UNIT_DIAGRAM_ISNUMVISUAL" val="0"/>
@@ -22966,7 +22928,7 @@
 </file>
 
 <file path=ppt/tags/tag25.xml><?xml version="1.0" encoding="utf-8"?>
-<p:tagLst xmlns:p="http://schemas.openxmlformats.org/presentationml/2006/main">
+<p:tagLst xmlns:a="http://schemas.openxmlformats.org/drawingml/2006/main" xmlns:r="http://schemas.openxmlformats.org/officeDocument/2006/relationships" xmlns:p="http://schemas.openxmlformats.org/presentationml/2006/main">
   <p:tag name="KSO_WM_UNIT_HIGHLIGHT" val="0"/>
   <p:tag name="KSO_WM_UNIT_COMPATIBLE" val="0"/>
   <p:tag name="KSO_WM_UNIT_DIAGRAM_ISNUMVISUAL" val="0"/>
@@ -22979,7 +22941,7 @@
 </file>
 
 <file path=ppt/tags/tag26.xml><?xml version="1.0" encoding="utf-8"?>
-<p:tagLst xmlns:p="http://schemas.openxmlformats.org/presentationml/2006/main">
+<p:tagLst xmlns:a="http://schemas.openxmlformats.org/drawingml/2006/main" xmlns:r="http://schemas.openxmlformats.org/officeDocument/2006/relationships" xmlns:p="http://schemas.openxmlformats.org/presentationml/2006/main">
   <p:tag name="KSO_WM_UNIT_HIGHLIGHT" val="0"/>
   <p:tag name="KSO_WM_UNIT_COMPATIBLE" val="0"/>
   <p:tag name="KSO_WM_UNIT_DIAGRAM_ISNUMVISUAL" val="0"/>
@@ -22992,7 +22954,7 @@
 </file>
 
 <file path=ppt/tags/tag27.xml><?xml version="1.0" encoding="utf-8"?>
-<p:tagLst xmlns:p="http://schemas.openxmlformats.org/presentationml/2006/main">
+<p:tagLst xmlns:a="http://schemas.openxmlformats.org/drawingml/2006/main" xmlns:r="http://schemas.openxmlformats.org/officeDocument/2006/relationships" xmlns:p="http://schemas.openxmlformats.org/presentationml/2006/main">
   <p:tag name="KSO_WM_UNIT_HIGHLIGHT" val="0"/>
   <p:tag name="KSO_WM_UNIT_COMPATIBLE" val="0"/>
   <p:tag name="KSO_WM_UNIT_DIAGRAM_ISNUMVISUAL" val="0"/>
@@ -23005,7 +22967,7 @@
 </file>
 
 <file path=ppt/tags/tag28.xml><?xml version="1.0" encoding="utf-8"?>
-<p:tagLst xmlns:p="http://schemas.openxmlformats.org/presentationml/2006/main">
+<p:tagLst xmlns:a="http://schemas.openxmlformats.org/drawingml/2006/main" xmlns:r="http://schemas.openxmlformats.org/officeDocument/2006/relationships" xmlns:p="http://schemas.openxmlformats.org/presentationml/2006/main">
   <p:tag name="KSO_WM_UNIT_HIGHLIGHT" val="0"/>
   <p:tag name="KSO_WM_UNIT_COMPATIBLE" val="0"/>
   <p:tag name="KSO_WM_UNIT_DIAGRAM_ISNUMVISUAL" val="0"/>
@@ -23018,7 +22980,7 @@
 </file>
 
 <file path=ppt/tags/tag29.xml><?xml version="1.0" encoding="utf-8"?>
-<p:tagLst xmlns:p="http://schemas.openxmlformats.org/presentationml/2006/main">
+<p:tagLst xmlns:a="http://schemas.openxmlformats.org/drawingml/2006/main" xmlns:r="http://schemas.openxmlformats.org/officeDocument/2006/relationships" xmlns:p="http://schemas.openxmlformats.org/presentationml/2006/main">
   <p:tag name="KSO_WM_UNIT_HIGHLIGHT" val="0"/>
   <p:tag name="KSO_WM_UNIT_COMPATIBLE" val="0"/>
   <p:tag name="KSO_WM_UNIT_DIAGRAM_ISNUMVISUAL" val="0"/>
@@ -23031,12 +22993,12 @@
 </file>
 
 <file path=ppt/tags/tag3.xml><?xml version="1.0" encoding="utf-8"?>
-<p:tagLst xmlns:p="http://schemas.openxmlformats.org/presentationml/2006/main">
+<p:tagLst xmlns:a="http://schemas.openxmlformats.org/drawingml/2006/main" xmlns:r="http://schemas.openxmlformats.org/officeDocument/2006/relationships" xmlns:p="http://schemas.openxmlformats.org/presentationml/2006/main">
   <p:tag name="KSO_WM_UNIT_HIGHLIGHT" val="0"/>
   <p:tag name="KSO_WM_UNIT_COMPATIBLE" val="0"/>
   <p:tag name="KSO_WM_UNIT_DIAGRAM_ISNUMVISUAL" val="0"/>
   <p:tag name="KSO_WM_UNIT_DIAGRAM_ISREFERUNIT" val="0"/>
-  <p:tag name="KSO_WM_UNIT_ID" val="_1**"/>
+  <p:tag name="KSO_WM_UNIT_ID" val="_0**"/>
   <p:tag name="KSO_WM_UNIT_LAYERLEVEL" val="1"/>
   <p:tag name="KSO_WM_TAG_VERSION" val="1.0"/>
   <p:tag name="KSO_WM_BEAUTIFY_FLAG" val="#wm#"/>
@@ -23044,7 +23006,7 @@
 </file>
 
 <file path=ppt/tags/tag30.xml><?xml version="1.0" encoding="utf-8"?>
-<p:tagLst xmlns:p="http://schemas.openxmlformats.org/presentationml/2006/main">
+<p:tagLst xmlns:a="http://schemas.openxmlformats.org/drawingml/2006/main" xmlns:r="http://schemas.openxmlformats.org/officeDocument/2006/relationships" xmlns:p="http://schemas.openxmlformats.org/presentationml/2006/main">
   <p:tag name="KSO_WM_UNIT_HIGHLIGHT" val="0"/>
   <p:tag name="KSO_WM_UNIT_COMPATIBLE" val="0"/>
   <p:tag name="KSO_WM_UNIT_DIAGRAM_ISNUMVISUAL" val="0"/>
@@ -23057,7 +23019,7 @@
 </file>
 
 <file path=ppt/tags/tag31.xml><?xml version="1.0" encoding="utf-8"?>
-<p:tagLst xmlns:p="http://schemas.openxmlformats.org/presentationml/2006/main">
+<p:tagLst xmlns:a="http://schemas.openxmlformats.org/drawingml/2006/main" xmlns:r="http://schemas.openxmlformats.org/officeDocument/2006/relationships" xmlns:p="http://schemas.openxmlformats.org/presentationml/2006/main">
   <p:tag name="KSO_WM_UNIT_HIGHLIGHT" val="0"/>
   <p:tag name="KSO_WM_UNIT_COMPATIBLE" val="0"/>
   <p:tag name="KSO_WM_UNIT_DIAGRAM_ISNUMVISUAL" val="0"/>
@@ -23070,7 +23032,7 @@
 </file>
 
 <file path=ppt/tags/tag32.xml><?xml version="1.0" encoding="utf-8"?>
-<p:tagLst xmlns:p="http://schemas.openxmlformats.org/presentationml/2006/main">
+<p:tagLst xmlns:a="http://schemas.openxmlformats.org/drawingml/2006/main" xmlns:r="http://schemas.openxmlformats.org/officeDocument/2006/relationships" xmlns:p="http://schemas.openxmlformats.org/presentationml/2006/main">
   <p:tag name="KSO_WM_UNIT_HIGHLIGHT" val="0"/>
   <p:tag name="KSO_WM_UNIT_COMPATIBLE" val="0"/>
   <p:tag name="KSO_WM_UNIT_DIAGRAM_ISNUMVISUAL" val="0"/>
@@ -23083,7 +23045,7 @@
 </file>
 
 <file path=ppt/tags/tag33.xml><?xml version="1.0" encoding="utf-8"?>
-<p:tagLst xmlns:p="http://schemas.openxmlformats.org/presentationml/2006/main">
+<p:tagLst xmlns:a="http://schemas.openxmlformats.org/drawingml/2006/main" xmlns:r="http://schemas.openxmlformats.org/officeDocument/2006/relationships" xmlns:p="http://schemas.openxmlformats.org/presentationml/2006/main">
   <p:tag name="KSO_WM_UNIT_HIGHLIGHT" val="0"/>
   <p:tag name="KSO_WM_UNIT_COMPATIBLE" val="0"/>
   <p:tag name="KSO_WM_UNIT_DIAGRAM_ISNUMVISUAL" val="0"/>
@@ -23096,85 +23058,7 @@
 </file>
 
 <file path=ppt/tags/tag34.xml><?xml version="1.0" encoding="utf-8"?>
-<p:tagLst xmlns:p="http://schemas.openxmlformats.org/presentationml/2006/main">
-  <p:tag name="KSO_WM_UNIT_HIGHLIGHT" val="0"/>
-  <p:tag name="KSO_WM_UNIT_COMPATIBLE" val="0"/>
-  <p:tag name="KSO_WM_UNIT_DIAGRAM_ISNUMVISUAL" val="0"/>
-  <p:tag name="KSO_WM_UNIT_DIAGRAM_ISREFERUNIT" val="0"/>
-  <p:tag name="KSO_WM_UNIT_ID" val="_2**"/>
-  <p:tag name="KSO_WM_UNIT_LAYERLEVEL" val="1"/>
-  <p:tag name="KSO_WM_TAG_VERSION" val="1.0"/>
-  <p:tag name="KSO_WM_BEAUTIFY_FLAG" val="#wm#"/>
-</p:tagLst>
-</file>
-
-<file path=ppt/tags/tag35.xml><?xml version="1.0" encoding="utf-8"?>
-<p:tagLst xmlns:p="http://schemas.openxmlformats.org/presentationml/2006/main">
-  <p:tag name="KSO_WM_UNIT_HIGHLIGHT" val="0"/>
-  <p:tag name="KSO_WM_UNIT_COMPATIBLE" val="0"/>
-  <p:tag name="KSO_WM_UNIT_DIAGRAM_ISNUMVISUAL" val="0"/>
-  <p:tag name="KSO_WM_UNIT_DIAGRAM_ISREFERUNIT" val="0"/>
-  <p:tag name="KSO_WM_UNIT_ID" val="_2**"/>
-  <p:tag name="KSO_WM_UNIT_LAYERLEVEL" val="1"/>
-  <p:tag name="KSO_WM_TAG_VERSION" val="1.0"/>
-  <p:tag name="KSO_WM_BEAUTIFY_FLAG" val="#wm#"/>
-</p:tagLst>
-</file>
-
-<file path=ppt/tags/tag36.xml><?xml version="1.0" encoding="utf-8"?>
-<p:tagLst xmlns:p="http://schemas.openxmlformats.org/presentationml/2006/main">
-  <p:tag name="KSO_WM_UNIT_HIGHLIGHT" val="0"/>
-  <p:tag name="KSO_WM_UNIT_COMPATIBLE" val="0"/>
-  <p:tag name="KSO_WM_UNIT_DIAGRAM_ISNUMVISUAL" val="0"/>
-  <p:tag name="KSO_WM_UNIT_DIAGRAM_ISREFERUNIT" val="0"/>
-  <p:tag name="KSO_WM_UNIT_ID" val="_2**"/>
-  <p:tag name="KSO_WM_UNIT_LAYERLEVEL" val="1"/>
-  <p:tag name="KSO_WM_TAG_VERSION" val="1.0"/>
-  <p:tag name="KSO_WM_BEAUTIFY_FLAG" val="#wm#"/>
-</p:tagLst>
-</file>
-
-<file path=ppt/tags/tag37.xml><?xml version="1.0" encoding="utf-8"?>
-<p:tagLst xmlns:p="http://schemas.openxmlformats.org/presentationml/2006/main">
-  <p:tag name="KSO_WM_UNIT_HIGHLIGHT" val="0"/>
-  <p:tag name="KSO_WM_UNIT_COMPATIBLE" val="0"/>
-  <p:tag name="KSO_WM_UNIT_DIAGRAM_ISNUMVISUAL" val="0"/>
-  <p:tag name="KSO_WM_UNIT_DIAGRAM_ISREFERUNIT" val="0"/>
-  <p:tag name="KSO_WM_UNIT_ID" val="_2**"/>
-  <p:tag name="KSO_WM_UNIT_LAYERLEVEL" val="1"/>
-  <p:tag name="KSO_WM_TAG_VERSION" val="1.0"/>
-  <p:tag name="KSO_WM_BEAUTIFY_FLAG" val="#wm#"/>
-</p:tagLst>
-</file>
-
-<file path=ppt/tags/tag38.xml><?xml version="1.0" encoding="utf-8"?>
-<p:tagLst xmlns:p="http://schemas.openxmlformats.org/presentationml/2006/main">
-  <p:tag name="KSO_WM_UNIT_HIGHLIGHT" val="0"/>
-  <p:tag name="KSO_WM_UNIT_COMPATIBLE" val="0"/>
-  <p:tag name="KSO_WM_UNIT_DIAGRAM_ISNUMVISUAL" val="0"/>
-  <p:tag name="KSO_WM_UNIT_DIAGRAM_ISREFERUNIT" val="0"/>
-  <p:tag name="KSO_WM_UNIT_ID" val="_2**"/>
-  <p:tag name="KSO_WM_UNIT_LAYERLEVEL" val="1"/>
-  <p:tag name="KSO_WM_TAG_VERSION" val="1.0"/>
-  <p:tag name="KSO_WM_BEAUTIFY_FLAG" val="#wm#"/>
-</p:tagLst>
-</file>
-
-<file path=ppt/tags/tag39.xml><?xml version="1.0" encoding="utf-8"?>
-<p:tagLst xmlns:p="http://schemas.openxmlformats.org/presentationml/2006/main">
-  <p:tag name="KSO_WM_UNIT_HIGHLIGHT" val="0"/>
-  <p:tag name="KSO_WM_UNIT_COMPATIBLE" val="0"/>
-  <p:tag name="KSO_WM_UNIT_DIAGRAM_ISNUMVISUAL" val="0"/>
-  <p:tag name="KSO_WM_UNIT_DIAGRAM_ISREFERUNIT" val="0"/>
-  <p:tag name="KSO_WM_UNIT_ID" val="_2**"/>
-  <p:tag name="KSO_WM_UNIT_LAYERLEVEL" val="1"/>
-  <p:tag name="KSO_WM_TAG_VERSION" val="1.0"/>
-  <p:tag name="KSO_WM_BEAUTIFY_FLAG" val="#wm#"/>
-</p:tagLst>
-</file>
-
-<file path=ppt/tags/tag4.xml><?xml version="1.0" encoding="utf-8"?>
-<p:tagLst xmlns:p="http://schemas.openxmlformats.org/presentationml/2006/main">
+<p:tagLst xmlns:a="http://schemas.openxmlformats.org/drawingml/2006/main" xmlns:r="http://schemas.openxmlformats.org/officeDocument/2006/relationships" xmlns:p="http://schemas.openxmlformats.org/presentationml/2006/main">
   <p:tag name="KSO_WM_UNIT_HIGHLIGHT" val="0"/>
   <p:tag name="KSO_WM_UNIT_COMPATIBLE" val="0"/>
   <p:tag name="KSO_WM_UNIT_DIAGRAM_ISNUMVISUAL" val="0"/>
@@ -23186,8 +23070,86 @@
 </p:tagLst>
 </file>
 
+<file path=ppt/tags/tag35.xml><?xml version="1.0" encoding="utf-8"?>
+<p:tagLst xmlns:a="http://schemas.openxmlformats.org/drawingml/2006/main" xmlns:r="http://schemas.openxmlformats.org/officeDocument/2006/relationships" xmlns:p="http://schemas.openxmlformats.org/presentationml/2006/main">
+  <p:tag name="KSO_WM_UNIT_HIGHLIGHT" val="0"/>
+  <p:tag name="KSO_WM_UNIT_COMPATIBLE" val="0"/>
+  <p:tag name="KSO_WM_UNIT_DIAGRAM_ISNUMVISUAL" val="0"/>
+  <p:tag name="KSO_WM_UNIT_DIAGRAM_ISREFERUNIT" val="0"/>
+  <p:tag name="KSO_WM_UNIT_ID" val="_1**"/>
+  <p:tag name="KSO_WM_UNIT_LAYERLEVEL" val="1"/>
+  <p:tag name="KSO_WM_TAG_VERSION" val="1.0"/>
+  <p:tag name="KSO_WM_BEAUTIFY_FLAG" val="#wm#"/>
+</p:tagLst>
+</file>
+
+<file path=ppt/tags/tag36.xml><?xml version="1.0" encoding="utf-8"?>
+<p:tagLst xmlns:a="http://schemas.openxmlformats.org/drawingml/2006/main" xmlns:r="http://schemas.openxmlformats.org/officeDocument/2006/relationships" xmlns:p="http://schemas.openxmlformats.org/presentationml/2006/main">
+  <p:tag name="KSO_WM_UNIT_HIGHLIGHT" val="0"/>
+  <p:tag name="KSO_WM_UNIT_COMPATIBLE" val="0"/>
+  <p:tag name="KSO_WM_UNIT_DIAGRAM_ISNUMVISUAL" val="0"/>
+  <p:tag name="KSO_WM_UNIT_DIAGRAM_ISREFERUNIT" val="0"/>
+  <p:tag name="KSO_WM_UNIT_ID" val="_1**"/>
+  <p:tag name="KSO_WM_UNIT_LAYERLEVEL" val="1"/>
+  <p:tag name="KSO_WM_TAG_VERSION" val="1.0"/>
+  <p:tag name="KSO_WM_BEAUTIFY_FLAG" val="#wm#"/>
+</p:tagLst>
+</file>
+
+<file path=ppt/tags/tag37.xml><?xml version="1.0" encoding="utf-8"?>
+<p:tagLst xmlns:a="http://schemas.openxmlformats.org/drawingml/2006/main" xmlns:r="http://schemas.openxmlformats.org/officeDocument/2006/relationships" xmlns:p="http://schemas.openxmlformats.org/presentationml/2006/main">
+  <p:tag name="KSO_WM_UNIT_HIGHLIGHT" val="0"/>
+  <p:tag name="KSO_WM_UNIT_COMPATIBLE" val="0"/>
+  <p:tag name="KSO_WM_UNIT_DIAGRAM_ISNUMVISUAL" val="0"/>
+  <p:tag name="KSO_WM_UNIT_DIAGRAM_ISREFERUNIT" val="0"/>
+  <p:tag name="KSO_WM_UNIT_ID" val="_1**"/>
+  <p:tag name="KSO_WM_UNIT_LAYERLEVEL" val="1"/>
+  <p:tag name="KSO_WM_TAG_VERSION" val="1.0"/>
+  <p:tag name="KSO_WM_BEAUTIFY_FLAG" val="#wm#"/>
+</p:tagLst>
+</file>
+
+<file path=ppt/tags/tag38.xml><?xml version="1.0" encoding="utf-8"?>
+<p:tagLst xmlns:a="http://schemas.openxmlformats.org/drawingml/2006/main" xmlns:r="http://schemas.openxmlformats.org/officeDocument/2006/relationships" xmlns:p="http://schemas.openxmlformats.org/presentationml/2006/main">
+  <p:tag name="KSO_WM_UNIT_HIGHLIGHT" val="0"/>
+  <p:tag name="KSO_WM_UNIT_COMPATIBLE" val="0"/>
+  <p:tag name="KSO_WM_UNIT_DIAGRAM_ISNUMVISUAL" val="0"/>
+  <p:tag name="KSO_WM_UNIT_DIAGRAM_ISREFERUNIT" val="0"/>
+  <p:tag name="KSO_WM_UNIT_ID" val="_1**"/>
+  <p:tag name="KSO_WM_UNIT_LAYERLEVEL" val="1"/>
+  <p:tag name="KSO_WM_TAG_VERSION" val="1.0"/>
+  <p:tag name="KSO_WM_BEAUTIFY_FLAG" val="#wm#"/>
+</p:tagLst>
+</file>
+
+<file path=ppt/tags/tag39.xml><?xml version="1.0" encoding="utf-8"?>
+<p:tagLst xmlns:a="http://schemas.openxmlformats.org/drawingml/2006/main" xmlns:r="http://schemas.openxmlformats.org/officeDocument/2006/relationships" xmlns:p="http://schemas.openxmlformats.org/presentationml/2006/main">
+  <p:tag name="KSO_WM_UNIT_HIGHLIGHT" val="0"/>
+  <p:tag name="KSO_WM_UNIT_COMPATIBLE" val="0"/>
+  <p:tag name="KSO_WM_UNIT_DIAGRAM_ISNUMVISUAL" val="0"/>
+  <p:tag name="KSO_WM_UNIT_DIAGRAM_ISREFERUNIT" val="0"/>
+  <p:tag name="KSO_WM_UNIT_ID" val="_1**"/>
+  <p:tag name="KSO_WM_UNIT_LAYERLEVEL" val="1"/>
+  <p:tag name="KSO_WM_TAG_VERSION" val="1.0"/>
+  <p:tag name="KSO_WM_BEAUTIFY_FLAG" val="#wm#"/>
+</p:tagLst>
+</file>
+
+<file path=ppt/tags/tag4.xml><?xml version="1.0" encoding="utf-8"?>
+<p:tagLst xmlns:a="http://schemas.openxmlformats.org/drawingml/2006/main" xmlns:r="http://schemas.openxmlformats.org/officeDocument/2006/relationships" xmlns:p="http://schemas.openxmlformats.org/presentationml/2006/main">
+  <p:tag name="KSO_WM_UNIT_HIGHLIGHT" val="0"/>
+  <p:tag name="KSO_WM_UNIT_COMPATIBLE" val="0"/>
+  <p:tag name="KSO_WM_UNIT_DIAGRAM_ISNUMVISUAL" val="0"/>
+  <p:tag name="KSO_WM_UNIT_DIAGRAM_ISREFERUNIT" val="0"/>
+  <p:tag name="KSO_WM_UNIT_ID" val="_0**"/>
+  <p:tag name="KSO_WM_UNIT_LAYERLEVEL" val="1"/>
+  <p:tag name="KSO_WM_TAG_VERSION" val="1.0"/>
+  <p:tag name="KSO_WM_BEAUTIFY_FLAG" val="#wm#"/>
+</p:tagLst>
+</file>
+
 <file path=ppt/tags/tag40.xml><?xml version="1.0" encoding="utf-8"?>
-<p:tagLst xmlns:p="http://schemas.openxmlformats.org/presentationml/2006/main">
+<p:tagLst xmlns:a="http://schemas.openxmlformats.org/drawingml/2006/main" xmlns:r="http://schemas.openxmlformats.org/officeDocument/2006/relationships" xmlns:p="http://schemas.openxmlformats.org/presentationml/2006/main">
   <p:tag name="KSO_WM_UNIT_HIGHLIGHT" val="0"/>
   <p:tag name="KSO_WM_UNIT_COMPATIBLE" val="0"/>
   <p:tag name="KSO_WM_UNIT_DIAGRAM_ISNUMVISUAL" val="0"/>
@@ -23200,7 +23162,7 @@
 </file>
 
 <file path=ppt/tags/tag41.xml><?xml version="1.0" encoding="utf-8"?>
-<p:tagLst xmlns:p="http://schemas.openxmlformats.org/presentationml/2006/main">
+<p:tagLst xmlns:a="http://schemas.openxmlformats.org/drawingml/2006/main" xmlns:r="http://schemas.openxmlformats.org/officeDocument/2006/relationships" xmlns:p="http://schemas.openxmlformats.org/presentationml/2006/main">
   <p:tag name="KSO_WM_UNIT_HIGHLIGHT" val="0"/>
   <p:tag name="KSO_WM_UNIT_COMPATIBLE" val="0"/>
   <p:tag name="KSO_WM_UNIT_DIAGRAM_ISNUMVISUAL" val="0"/>
@@ -23213,7 +23175,7 @@
 </file>
 
 <file path=ppt/tags/tag42.xml><?xml version="1.0" encoding="utf-8"?>
-<p:tagLst xmlns:p="http://schemas.openxmlformats.org/presentationml/2006/main">
+<p:tagLst xmlns:a="http://schemas.openxmlformats.org/drawingml/2006/main" xmlns:r="http://schemas.openxmlformats.org/officeDocument/2006/relationships" xmlns:p="http://schemas.openxmlformats.org/presentationml/2006/main">
   <p:tag name="KSO_WM_UNIT_HIGHLIGHT" val="0"/>
   <p:tag name="KSO_WM_UNIT_COMPATIBLE" val="0"/>
   <p:tag name="KSO_WM_UNIT_DIAGRAM_ISNUMVISUAL" val="0"/>
@@ -23226,7 +23188,7 @@
 </file>
 
 <file path=ppt/tags/tag43.xml><?xml version="1.0" encoding="utf-8"?>
-<p:tagLst xmlns:p="http://schemas.openxmlformats.org/presentationml/2006/main">
+<p:tagLst xmlns:a="http://schemas.openxmlformats.org/drawingml/2006/main" xmlns:r="http://schemas.openxmlformats.org/officeDocument/2006/relationships" xmlns:p="http://schemas.openxmlformats.org/presentationml/2006/main">
   <p:tag name="KSO_WM_UNIT_HIGHLIGHT" val="0"/>
   <p:tag name="KSO_WM_UNIT_COMPATIBLE" val="0"/>
   <p:tag name="KSO_WM_UNIT_DIAGRAM_ISNUMVISUAL" val="0"/>
@@ -23239,7 +23201,7 @@
 </file>
 
 <file path=ppt/tags/tag44.xml><?xml version="1.0" encoding="utf-8"?>
-<p:tagLst xmlns:p="http://schemas.openxmlformats.org/presentationml/2006/main">
+<p:tagLst xmlns:a="http://schemas.openxmlformats.org/drawingml/2006/main" xmlns:r="http://schemas.openxmlformats.org/officeDocument/2006/relationships" xmlns:p="http://schemas.openxmlformats.org/presentationml/2006/main">
   <p:tag name="KSO_WM_UNIT_HIGHLIGHT" val="0"/>
   <p:tag name="KSO_WM_UNIT_COMPATIBLE" val="0"/>
   <p:tag name="KSO_WM_UNIT_DIAGRAM_ISNUMVISUAL" val="0"/>
@@ -23252,7 +23214,7 @@
 </file>
 
 <file path=ppt/tags/tag45.xml><?xml version="1.0" encoding="utf-8"?>
-<p:tagLst xmlns:p="http://schemas.openxmlformats.org/presentationml/2006/main">
+<p:tagLst xmlns:a="http://schemas.openxmlformats.org/drawingml/2006/main" xmlns:r="http://schemas.openxmlformats.org/officeDocument/2006/relationships" xmlns:p="http://schemas.openxmlformats.org/presentationml/2006/main">
   <p:tag name="KSO_WM_UNIT_HIGHLIGHT" val="0"/>
   <p:tag name="KSO_WM_UNIT_COMPATIBLE" val="0"/>
   <p:tag name="KSO_WM_UNIT_DIAGRAM_ISNUMVISUAL" val="0"/>
@@ -23265,7 +23227,7 @@
 </file>
 
 <file path=ppt/tags/tag46.xml><?xml version="1.0" encoding="utf-8"?>
-<p:tagLst xmlns:p="http://schemas.openxmlformats.org/presentationml/2006/main">
+<p:tagLst xmlns:a="http://schemas.openxmlformats.org/drawingml/2006/main" xmlns:r="http://schemas.openxmlformats.org/officeDocument/2006/relationships" xmlns:p="http://schemas.openxmlformats.org/presentationml/2006/main">
   <p:tag name="KSO_WM_UNIT_HIGHLIGHT" val="0"/>
   <p:tag name="KSO_WM_UNIT_COMPATIBLE" val="0"/>
   <p:tag name="KSO_WM_UNIT_DIAGRAM_ISNUMVISUAL" val="0"/>
@@ -23278,7 +23240,7 @@
 </file>
 
 <file path=ppt/tags/tag47.xml><?xml version="1.0" encoding="utf-8"?>
-<p:tagLst xmlns:p="http://schemas.openxmlformats.org/presentationml/2006/main">
+<p:tagLst xmlns:a="http://schemas.openxmlformats.org/drawingml/2006/main" xmlns:r="http://schemas.openxmlformats.org/officeDocument/2006/relationships" xmlns:p="http://schemas.openxmlformats.org/presentationml/2006/main">
   <p:tag name="KSO_WM_UNIT_HIGHLIGHT" val="0"/>
   <p:tag name="KSO_WM_UNIT_COMPATIBLE" val="0"/>
   <p:tag name="KSO_WM_UNIT_DIAGRAM_ISNUMVISUAL" val="0"/>
@@ -23291,7 +23253,7 @@
 </file>
 
 <file path=ppt/tags/tag48.xml><?xml version="1.0" encoding="utf-8"?>
-<p:tagLst xmlns:p="http://schemas.openxmlformats.org/presentationml/2006/main">
+<p:tagLst xmlns:a="http://schemas.openxmlformats.org/drawingml/2006/main" xmlns:r="http://schemas.openxmlformats.org/officeDocument/2006/relationships" xmlns:p="http://schemas.openxmlformats.org/presentationml/2006/main">
   <p:tag name="KSO_WM_UNIT_HIGHLIGHT" val="0"/>
   <p:tag name="KSO_WM_UNIT_COMPATIBLE" val="0"/>
   <p:tag name="KSO_WM_UNIT_DIAGRAM_ISNUMVISUAL" val="0"/>
@@ -23304,7 +23266,7 @@
 </file>
 
 <file path=ppt/tags/tag49.xml><?xml version="1.0" encoding="utf-8"?>
-<p:tagLst xmlns:p="http://schemas.openxmlformats.org/presentationml/2006/main">
+<p:tagLst xmlns:a="http://schemas.openxmlformats.org/drawingml/2006/main" xmlns:r="http://schemas.openxmlformats.org/officeDocument/2006/relationships" xmlns:p="http://schemas.openxmlformats.org/presentationml/2006/main">
   <p:tag name="KSO_WM_UNIT_HIGHLIGHT" val="0"/>
   <p:tag name="KSO_WM_UNIT_COMPATIBLE" val="0"/>
   <p:tag name="KSO_WM_UNIT_DIAGRAM_ISNUMVISUAL" val="0"/>
@@ -23317,12 +23279,12 @@
 </file>
 
 <file path=ppt/tags/tag5.xml><?xml version="1.0" encoding="utf-8"?>
-<p:tagLst xmlns:p="http://schemas.openxmlformats.org/presentationml/2006/main">
+<p:tagLst xmlns:a="http://schemas.openxmlformats.org/drawingml/2006/main" xmlns:r="http://schemas.openxmlformats.org/officeDocument/2006/relationships" xmlns:p="http://schemas.openxmlformats.org/presentationml/2006/main">
   <p:tag name="KSO_WM_UNIT_HIGHLIGHT" val="0"/>
   <p:tag name="KSO_WM_UNIT_COMPATIBLE" val="0"/>
   <p:tag name="KSO_WM_UNIT_DIAGRAM_ISNUMVISUAL" val="0"/>
   <p:tag name="KSO_WM_UNIT_DIAGRAM_ISREFERUNIT" val="0"/>
-  <p:tag name="KSO_WM_UNIT_ID" val="_1**"/>
+  <p:tag name="KSO_WM_UNIT_ID" val="_0**"/>
   <p:tag name="KSO_WM_UNIT_LAYERLEVEL" val="1"/>
   <p:tag name="KSO_WM_TAG_VERSION" val="1.0"/>
   <p:tag name="KSO_WM_BEAUTIFY_FLAG" val="#wm#"/>
@@ -23330,7 +23292,7 @@
 </file>
 
 <file path=ppt/tags/tag50.xml><?xml version="1.0" encoding="utf-8"?>
-<p:tagLst xmlns:p="http://schemas.openxmlformats.org/presentationml/2006/main">
+<p:tagLst xmlns:a="http://schemas.openxmlformats.org/drawingml/2006/main" xmlns:r="http://schemas.openxmlformats.org/officeDocument/2006/relationships" xmlns:p="http://schemas.openxmlformats.org/presentationml/2006/main">
   <p:tag name="KSO_WM_UNIT_HIGHLIGHT" val="0"/>
   <p:tag name="KSO_WM_UNIT_COMPATIBLE" val="0"/>
   <p:tag name="KSO_WM_UNIT_DIAGRAM_ISNUMVISUAL" val="0"/>
@@ -23343,7 +23305,7 @@
 </file>
 
 <file path=ppt/tags/tag51.xml><?xml version="1.0" encoding="utf-8"?>
-<p:tagLst xmlns:p="http://schemas.openxmlformats.org/presentationml/2006/main">
+<p:tagLst xmlns:a="http://schemas.openxmlformats.org/drawingml/2006/main" xmlns:r="http://schemas.openxmlformats.org/officeDocument/2006/relationships" xmlns:p="http://schemas.openxmlformats.org/presentationml/2006/main">
   <p:tag name="KSO_WM_UNIT_HIGHLIGHT" val="0"/>
   <p:tag name="KSO_WM_UNIT_COMPATIBLE" val="0"/>
   <p:tag name="KSO_WM_UNIT_DIAGRAM_ISNUMVISUAL" val="0"/>
@@ -23356,7 +23318,7 @@
 </file>
 
 <file path=ppt/tags/tag52.xml><?xml version="1.0" encoding="utf-8"?>
-<p:tagLst xmlns:p="http://schemas.openxmlformats.org/presentationml/2006/main">
+<p:tagLst xmlns:a="http://schemas.openxmlformats.org/drawingml/2006/main" xmlns:r="http://schemas.openxmlformats.org/officeDocument/2006/relationships" xmlns:p="http://schemas.openxmlformats.org/presentationml/2006/main">
   <p:tag name="KSO_WM_UNIT_HIGHLIGHT" val="0"/>
   <p:tag name="KSO_WM_UNIT_COMPATIBLE" val="0"/>
   <p:tag name="KSO_WM_UNIT_DIAGRAM_ISNUMVISUAL" val="0"/>
@@ -23369,7 +23331,7 @@
 </file>
 
 <file path=ppt/tags/tag53.xml><?xml version="1.0" encoding="utf-8"?>
-<p:tagLst xmlns:p="http://schemas.openxmlformats.org/presentationml/2006/main">
+<p:tagLst xmlns:a="http://schemas.openxmlformats.org/drawingml/2006/main" xmlns:r="http://schemas.openxmlformats.org/officeDocument/2006/relationships" xmlns:p="http://schemas.openxmlformats.org/presentationml/2006/main">
   <p:tag name="KSO_WM_UNIT_HIGHLIGHT" val="0"/>
   <p:tag name="KSO_WM_UNIT_COMPATIBLE" val="0"/>
   <p:tag name="KSO_WM_UNIT_DIAGRAM_ISNUMVISUAL" val="0"/>
@@ -23382,7 +23344,7 @@
 </file>
 
 <file path=ppt/tags/tag54.xml><?xml version="1.0" encoding="utf-8"?>
-<p:tagLst xmlns:p="http://schemas.openxmlformats.org/presentationml/2006/main">
+<p:tagLst xmlns:a="http://schemas.openxmlformats.org/drawingml/2006/main" xmlns:r="http://schemas.openxmlformats.org/officeDocument/2006/relationships" xmlns:p="http://schemas.openxmlformats.org/presentationml/2006/main">
   <p:tag name="KSO_WM_UNIT_HIGHLIGHT" val="0"/>
   <p:tag name="KSO_WM_UNIT_COMPATIBLE" val="0"/>
   <p:tag name="KSO_WM_UNIT_DIAGRAM_ISNUMVISUAL" val="0"/>
@@ -23395,7 +23357,7 @@
 </file>
 
 <file path=ppt/tags/tag55.xml><?xml version="1.0" encoding="utf-8"?>
-<p:tagLst xmlns:p="http://schemas.openxmlformats.org/presentationml/2006/main">
+<p:tagLst xmlns:a="http://schemas.openxmlformats.org/drawingml/2006/main" xmlns:r="http://schemas.openxmlformats.org/officeDocument/2006/relationships" xmlns:p="http://schemas.openxmlformats.org/presentationml/2006/main">
   <p:tag name="KSO_WM_UNIT_HIGHLIGHT" val="0"/>
   <p:tag name="KSO_WM_UNIT_COMPATIBLE" val="0"/>
   <p:tag name="KSO_WM_UNIT_DIAGRAM_ISNUMVISUAL" val="0"/>
@@ -23408,7 +23370,7 @@
 </file>
 
 <file path=ppt/tags/tag56.xml><?xml version="1.0" encoding="utf-8"?>
-<p:tagLst xmlns:p="http://schemas.openxmlformats.org/presentationml/2006/main">
+<p:tagLst xmlns:a="http://schemas.openxmlformats.org/drawingml/2006/main" xmlns:r="http://schemas.openxmlformats.org/officeDocument/2006/relationships" xmlns:p="http://schemas.openxmlformats.org/presentationml/2006/main">
   <p:tag name="KSO_WM_UNIT_HIGHLIGHT" val="0"/>
   <p:tag name="KSO_WM_UNIT_COMPATIBLE" val="0"/>
   <p:tag name="KSO_WM_UNIT_DIAGRAM_ISNUMVISUAL" val="0"/>
@@ -23421,7 +23383,7 @@
 </file>
 
 <file path=ppt/tags/tag57.xml><?xml version="1.0" encoding="utf-8"?>
-<p:tagLst xmlns:p="http://schemas.openxmlformats.org/presentationml/2006/main">
+<p:tagLst xmlns:a="http://schemas.openxmlformats.org/drawingml/2006/main" xmlns:r="http://schemas.openxmlformats.org/officeDocument/2006/relationships" xmlns:p="http://schemas.openxmlformats.org/presentationml/2006/main">
   <p:tag name="KSO_WM_UNIT_HIGHLIGHT" val="0"/>
   <p:tag name="KSO_WM_UNIT_COMPATIBLE" val="0"/>
   <p:tag name="KSO_WM_UNIT_DIAGRAM_ISNUMVISUAL" val="0"/>
@@ -23434,7 +23396,7 @@
 </file>
 
 <file path=ppt/tags/tag58.xml><?xml version="1.0" encoding="utf-8"?>
-<p:tagLst xmlns:p="http://schemas.openxmlformats.org/presentationml/2006/main">
+<p:tagLst xmlns:a="http://schemas.openxmlformats.org/drawingml/2006/main" xmlns:r="http://schemas.openxmlformats.org/officeDocument/2006/relationships" xmlns:p="http://schemas.openxmlformats.org/presentationml/2006/main">
   <p:tag name="KSO_WM_UNIT_HIGHLIGHT" val="0"/>
   <p:tag name="KSO_WM_UNIT_COMPATIBLE" val="0"/>
   <p:tag name="KSO_WM_UNIT_DIAGRAM_ISNUMVISUAL" val="0"/>
@@ -23447,7 +23409,7 @@
 </file>
 
 <file path=ppt/tags/tag59.xml><?xml version="1.0" encoding="utf-8"?>
-<p:tagLst xmlns:p="http://schemas.openxmlformats.org/presentationml/2006/main">
+<p:tagLst xmlns:a="http://schemas.openxmlformats.org/drawingml/2006/main" xmlns:r="http://schemas.openxmlformats.org/officeDocument/2006/relationships" xmlns:p="http://schemas.openxmlformats.org/presentationml/2006/main">
   <p:tag name="KSO_WM_UNIT_HIGHLIGHT" val="0"/>
   <p:tag name="KSO_WM_UNIT_COMPATIBLE" val="0"/>
   <p:tag name="KSO_WM_UNIT_DIAGRAM_ISNUMVISUAL" val="0"/>
@@ -23460,20 +23422,18 @@
 </file>
 
 <file path=ppt/tags/tag6.xml><?xml version="1.0" encoding="utf-8"?>
-<p:tagLst xmlns:p="http://schemas.openxmlformats.org/presentationml/2006/main">
-  <p:tag name="KSO_WM_UNIT_HIGHLIGHT" val="0"/>
-  <p:tag name="KSO_WM_UNIT_COMPATIBLE" val="0"/>
-  <p:tag name="KSO_WM_UNIT_DIAGRAM_ISNUMVISUAL" val="0"/>
-  <p:tag name="KSO_WM_UNIT_DIAGRAM_ISREFERUNIT" val="0"/>
-  <p:tag name="KSO_WM_UNIT_ID" val="_1**"/>
-  <p:tag name="KSO_WM_UNIT_LAYERLEVEL" val="1"/>
+<p:tagLst xmlns:a="http://schemas.openxmlformats.org/drawingml/2006/main" xmlns:r="http://schemas.openxmlformats.org/officeDocument/2006/relationships" xmlns:p="http://schemas.openxmlformats.org/presentationml/2006/main">
+  <p:tag name="KSO_WM_TEMPLATE_SUBCATEGORY" val="0"/>
   <p:tag name="KSO_WM_TAG_VERSION" val="1.0"/>
   <p:tag name="KSO_WM_BEAUTIFY_FLAG" val="#wm#"/>
+  <p:tag name="KSO_WM_TEMPLATE_CATEGORY" val="custom"/>
+  <p:tag name="KSO_WM_TEMPLATE_INDEX" val="20191705"/>
+  <p:tag name="KSO_WM_TEMPLATE_THUMBS_INDEX" val="1、2、3、4、5、6、7、8、9、10、11、12、13、14、15"/>
 </p:tagLst>
 </file>
 
 <file path=ppt/tags/tag60.xml><?xml version="1.0" encoding="utf-8"?>
-<p:tagLst xmlns:p="http://schemas.openxmlformats.org/presentationml/2006/main">
+<p:tagLst xmlns:a="http://schemas.openxmlformats.org/drawingml/2006/main" xmlns:r="http://schemas.openxmlformats.org/officeDocument/2006/relationships" xmlns:p="http://schemas.openxmlformats.org/presentationml/2006/main">
   <p:tag name="KSO_WM_UNIT_HIGHLIGHT" val="0"/>
   <p:tag name="KSO_WM_UNIT_COMPATIBLE" val="0"/>
   <p:tag name="KSO_WM_UNIT_DIAGRAM_ISNUMVISUAL" val="0"/>
@@ -23486,7 +23446,7 @@
 </file>
 
 <file path=ppt/tags/tag61.xml><?xml version="1.0" encoding="utf-8"?>
-<p:tagLst xmlns:p="http://schemas.openxmlformats.org/presentationml/2006/main">
+<p:tagLst xmlns:a="http://schemas.openxmlformats.org/drawingml/2006/main" xmlns:r="http://schemas.openxmlformats.org/officeDocument/2006/relationships" xmlns:p="http://schemas.openxmlformats.org/presentationml/2006/main">
   <p:tag name="KSO_WM_UNIT_HIGHLIGHT" val="0"/>
   <p:tag name="KSO_WM_UNIT_COMPATIBLE" val="0"/>
   <p:tag name="KSO_WM_UNIT_DIAGRAM_ISNUMVISUAL" val="0"/>
@@ -23499,7 +23459,7 @@
 </file>
 
 <file path=ppt/tags/tag62.xml><?xml version="1.0" encoding="utf-8"?>
-<p:tagLst xmlns:p="http://schemas.openxmlformats.org/presentationml/2006/main">
+<p:tagLst xmlns:a="http://schemas.openxmlformats.org/drawingml/2006/main" xmlns:r="http://schemas.openxmlformats.org/officeDocument/2006/relationships" xmlns:p="http://schemas.openxmlformats.org/presentationml/2006/main">
   <p:tag name="KSO_WM_UNIT_HIGHLIGHT" val="0"/>
   <p:tag name="KSO_WM_UNIT_COMPATIBLE" val="0"/>
   <p:tag name="KSO_WM_UNIT_DIAGRAM_ISNUMVISUAL" val="0"/>
@@ -23512,7 +23472,7 @@
 </file>
 
 <file path=ppt/tags/tag63.xml><?xml version="1.0" encoding="utf-8"?>
-<p:tagLst xmlns:p="http://schemas.openxmlformats.org/presentationml/2006/main">
+<p:tagLst xmlns:a="http://schemas.openxmlformats.org/drawingml/2006/main" xmlns:r="http://schemas.openxmlformats.org/officeDocument/2006/relationships" xmlns:p="http://schemas.openxmlformats.org/presentationml/2006/main">
   <p:tag name="KSO_WM_UNIT_HIGHLIGHT" val="0"/>
   <p:tag name="KSO_WM_UNIT_COMPATIBLE" val="0"/>
   <p:tag name="KSO_WM_UNIT_DIAGRAM_ISNUMVISUAL" val="0"/>
@@ -23525,7 +23485,7 @@
 </file>
 
 <file path=ppt/tags/tag64.xml><?xml version="1.0" encoding="utf-8"?>
-<p:tagLst xmlns:p="http://schemas.openxmlformats.org/presentationml/2006/main">
+<p:tagLst xmlns:a="http://schemas.openxmlformats.org/drawingml/2006/main" xmlns:r="http://schemas.openxmlformats.org/officeDocument/2006/relationships" xmlns:p="http://schemas.openxmlformats.org/presentationml/2006/main">
   <p:tag name="KSO_WM_UNIT_HIGHLIGHT" val="0"/>
   <p:tag name="KSO_WM_UNIT_COMPATIBLE" val="0"/>
   <p:tag name="KSO_WM_UNIT_DIAGRAM_ISNUMVISUAL" val="0"/>
@@ -23538,7 +23498,7 @@
 </file>
 
 <file path=ppt/tags/tag65.xml><?xml version="1.0" encoding="utf-8"?>
-<p:tagLst xmlns:p="http://schemas.openxmlformats.org/presentationml/2006/main">
+<p:tagLst xmlns:a="http://schemas.openxmlformats.org/drawingml/2006/main" xmlns:r="http://schemas.openxmlformats.org/officeDocument/2006/relationships" xmlns:p="http://schemas.openxmlformats.org/presentationml/2006/main">
   <p:tag name="KSO_WM_UNIT_HIGHLIGHT" val="0"/>
   <p:tag name="KSO_WM_UNIT_COMPATIBLE" val="0"/>
   <p:tag name="KSO_WM_UNIT_DIAGRAM_ISNUMVISUAL" val="0"/>
@@ -23551,7 +23511,7 @@
 </file>
 
 <file path=ppt/tags/tag66.xml><?xml version="1.0" encoding="utf-8"?>
-<p:tagLst xmlns:p="http://schemas.openxmlformats.org/presentationml/2006/main">
+<p:tagLst xmlns:a="http://schemas.openxmlformats.org/drawingml/2006/main" xmlns:r="http://schemas.openxmlformats.org/officeDocument/2006/relationships" xmlns:p="http://schemas.openxmlformats.org/presentationml/2006/main">
   <p:tag name="KSO_WM_UNIT_HIGHLIGHT" val="0"/>
   <p:tag name="KSO_WM_UNIT_COMPATIBLE" val="0"/>
   <p:tag name="KSO_WM_UNIT_DIAGRAM_ISNUMVISUAL" val="0"/>
@@ -23564,7 +23524,7 @@
 </file>
 
 <file path=ppt/tags/tag67.xml><?xml version="1.0" encoding="utf-8"?>
-<p:tagLst xmlns:p="http://schemas.openxmlformats.org/presentationml/2006/main">
+<p:tagLst xmlns:a="http://schemas.openxmlformats.org/drawingml/2006/main" xmlns:r="http://schemas.openxmlformats.org/officeDocument/2006/relationships" xmlns:p="http://schemas.openxmlformats.org/presentationml/2006/main">
   <p:tag name="KSO_WM_UNIT_HIGHLIGHT" val="0"/>
   <p:tag name="KSO_WM_UNIT_COMPATIBLE" val="0"/>
   <p:tag name="KSO_WM_UNIT_DIAGRAM_ISNUMVISUAL" val="0"/>
@@ -23577,7 +23537,7 @@
 </file>
 
 <file path=ppt/tags/tag68.xml><?xml version="1.0" encoding="utf-8"?>
-<p:tagLst xmlns:p="http://schemas.openxmlformats.org/presentationml/2006/main">
+<p:tagLst xmlns:a="http://schemas.openxmlformats.org/drawingml/2006/main" xmlns:r="http://schemas.openxmlformats.org/officeDocument/2006/relationships" xmlns:p="http://schemas.openxmlformats.org/presentationml/2006/main">
   <p:tag name="KSO_WM_UNIT_HIGHLIGHT" val="0"/>
   <p:tag name="KSO_WM_UNIT_COMPATIBLE" val="0"/>
   <p:tag name="KSO_WM_UNIT_DIAGRAM_ISNUMVISUAL" val="0"/>
@@ -23590,7 +23550,7 @@
 </file>
 
 <file path=ppt/tags/tag69.xml><?xml version="1.0" encoding="utf-8"?>
-<p:tagLst xmlns:p="http://schemas.openxmlformats.org/presentationml/2006/main">
+<p:tagLst xmlns:a="http://schemas.openxmlformats.org/drawingml/2006/main" xmlns:r="http://schemas.openxmlformats.org/officeDocument/2006/relationships" xmlns:p="http://schemas.openxmlformats.org/presentationml/2006/main">
   <p:tag name="KSO_WM_UNIT_HIGHLIGHT" val="0"/>
   <p:tag name="KSO_WM_UNIT_COMPATIBLE" val="0"/>
   <p:tag name="KSO_WM_UNIT_DIAGRAM_ISNUMVISUAL" val="0"/>
@@ -23603,7 +23563,7 @@
 </file>
 
 <file path=ppt/tags/tag7.xml><?xml version="1.0" encoding="utf-8"?>
-<p:tagLst xmlns:p="http://schemas.openxmlformats.org/presentationml/2006/main">
+<p:tagLst xmlns:a="http://schemas.openxmlformats.org/drawingml/2006/main" xmlns:r="http://schemas.openxmlformats.org/officeDocument/2006/relationships" xmlns:p="http://schemas.openxmlformats.org/presentationml/2006/main">
   <p:tag name="KSO_WM_UNIT_HIGHLIGHT" val="0"/>
   <p:tag name="KSO_WM_UNIT_COMPATIBLE" val="0"/>
   <p:tag name="KSO_WM_UNIT_DIAGRAM_ISNUMVISUAL" val="0"/>
@@ -23616,12 +23576,12 @@
 </file>
 
 <file path=ppt/tags/tag70.xml><?xml version="1.0" encoding="utf-8"?>
-<p:tagLst xmlns:p="http://schemas.openxmlformats.org/presentationml/2006/main">
+<p:tagLst xmlns:a="http://schemas.openxmlformats.org/drawingml/2006/main" xmlns:r="http://schemas.openxmlformats.org/officeDocument/2006/relationships" xmlns:p="http://schemas.openxmlformats.org/presentationml/2006/main">
   <p:tag name="KSO_WM_UNIT_HIGHLIGHT" val="0"/>
   <p:tag name="KSO_WM_UNIT_COMPATIBLE" val="0"/>
   <p:tag name="KSO_WM_UNIT_DIAGRAM_ISNUMVISUAL" val="0"/>
   <p:tag name="KSO_WM_UNIT_DIAGRAM_ISREFERUNIT" val="0"/>
-  <p:tag name="KSO_WM_UNIT_ID" val="_3**"/>
+  <p:tag name="KSO_WM_UNIT_ID" val="_2**"/>
   <p:tag name="KSO_WM_UNIT_LAYERLEVEL" val="1"/>
   <p:tag name="KSO_WM_TAG_VERSION" val="1.0"/>
   <p:tag name="KSO_WM_BEAUTIFY_FLAG" val="#wm#"/>
@@ -23629,12 +23589,12 @@
 </file>
 
 <file path=ppt/tags/tag71.xml><?xml version="1.0" encoding="utf-8"?>
-<p:tagLst xmlns:p="http://schemas.openxmlformats.org/presentationml/2006/main">
+<p:tagLst xmlns:a="http://schemas.openxmlformats.org/drawingml/2006/main" xmlns:r="http://schemas.openxmlformats.org/officeDocument/2006/relationships" xmlns:p="http://schemas.openxmlformats.org/presentationml/2006/main">
   <p:tag name="KSO_WM_UNIT_HIGHLIGHT" val="0"/>
   <p:tag name="KSO_WM_UNIT_COMPATIBLE" val="0"/>
   <p:tag name="KSO_WM_UNIT_DIAGRAM_ISNUMVISUAL" val="0"/>
   <p:tag name="KSO_WM_UNIT_DIAGRAM_ISREFERUNIT" val="0"/>
-  <p:tag name="KSO_WM_UNIT_ID" val="_3**"/>
+  <p:tag name="KSO_WM_UNIT_ID" val="_2**"/>
   <p:tag name="KSO_WM_UNIT_LAYERLEVEL" val="1"/>
   <p:tag name="KSO_WM_TAG_VERSION" val="1.0"/>
   <p:tag name="KSO_WM_BEAUTIFY_FLAG" val="#wm#"/>
@@ -23642,12 +23602,12 @@
 </file>
 
 <file path=ppt/tags/tag72.xml><?xml version="1.0" encoding="utf-8"?>
-<p:tagLst xmlns:p="http://schemas.openxmlformats.org/presentationml/2006/main">
+<p:tagLst xmlns:a="http://schemas.openxmlformats.org/drawingml/2006/main" xmlns:r="http://schemas.openxmlformats.org/officeDocument/2006/relationships" xmlns:p="http://schemas.openxmlformats.org/presentationml/2006/main">
   <p:tag name="KSO_WM_UNIT_HIGHLIGHT" val="0"/>
   <p:tag name="KSO_WM_UNIT_COMPATIBLE" val="0"/>
   <p:tag name="KSO_WM_UNIT_DIAGRAM_ISNUMVISUAL" val="0"/>
   <p:tag name="KSO_WM_UNIT_DIAGRAM_ISREFERUNIT" val="0"/>
-  <p:tag name="KSO_WM_UNIT_ID" val="_3**"/>
+  <p:tag name="KSO_WM_UNIT_ID" val="_2**"/>
   <p:tag name="KSO_WM_UNIT_LAYERLEVEL" val="1"/>
   <p:tag name="KSO_WM_TAG_VERSION" val="1.0"/>
   <p:tag name="KSO_WM_BEAUTIFY_FLAG" val="#wm#"/>
@@ -23655,12 +23615,12 @@
 </file>
 
 <file path=ppt/tags/tag73.xml><?xml version="1.0" encoding="utf-8"?>
-<p:tagLst xmlns:p="http://schemas.openxmlformats.org/presentationml/2006/main">
+<p:tagLst xmlns:a="http://schemas.openxmlformats.org/drawingml/2006/main" xmlns:r="http://schemas.openxmlformats.org/officeDocument/2006/relationships" xmlns:p="http://schemas.openxmlformats.org/presentationml/2006/main">
   <p:tag name="KSO_WM_UNIT_HIGHLIGHT" val="0"/>
   <p:tag name="KSO_WM_UNIT_COMPATIBLE" val="0"/>
   <p:tag name="KSO_WM_UNIT_DIAGRAM_ISNUMVISUAL" val="0"/>
   <p:tag name="KSO_WM_UNIT_DIAGRAM_ISREFERUNIT" val="0"/>
-  <p:tag name="KSO_WM_UNIT_ID" val="_3**"/>
+  <p:tag name="KSO_WM_UNIT_ID" val="_2**"/>
   <p:tag name="KSO_WM_UNIT_LAYERLEVEL" val="1"/>
   <p:tag name="KSO_WM_TAG_VERSION" val="1.0"/>
   <p:tag name="KSO_WM_BEAUTIFY_FLAG" val="#wm#"/>
@@ -23668,12 +23628,12 @@
 </file>
 
 <file path=ppt/tags/tag74.xml><?xml version="1.0" encoding="utf-8"?>
-<p:tagLst xmlns:p="http://schemas.openxmlformats.org/presentationml/2006/main">
+<p:tagLst xmlns:a="http://schemas.openxmlformats.org/drawingml/2006/main" xmlns:r="http://schemas.openxmlformats.org/officeDocument/2006/relationships" xmlns:p="http://schemas.openxmlformats.org/presentationml/2006/main">
   <p:tag name="KSO_WM_UNIT_HIGHLIGHT" val="0"/>
   <p:tag name="KSO_WM_UNIT_COMPATIBLE" val="0"/>
   <p:tag name="KSO_WM_UNIT_DIAGRAM_ISNUMVISUAL" val="0"/>
   <p:tag name="KSO_WM_UNIT_DIAGRAM_ISREFERUNIT" val="0"/>
-  <p:tag name="KSO_WM_UNIT_ID" val="_3**"/>
+  <p:tag name="KSO_WM_UNIT_ID" val="_2**"/>
   <p:tag name="KSO_WM_UNIT_LAYERLEVEL" val="1"/>
   <p:tag name="KSO_WM_TAG_VERSION" val="1.0"/>
   <p:tag name="KSO_WM_BEAUTIFY_FLAG" val="#wm#"/>
@@ -23681,12 +23641,12 @@
 </file>
 
 <file path=ppt/tags/tag75.xml><?xml version="1.0" encoding="utf-8"?>
-<p:tagLst xmlns:p="http://schemas.openxmlformats.org/presentationml/2006/main">
+<p:tagLst xmlns:a="http://schemas.openxmlformats.org/drawingml/2006/main" xmlns:r="http://schemas.openxmlformats.org/officeDocument/2006/relationships" xmlns:p="http://schemas.openxmlformats.org/presentationml/2006/main">
   <p:tag name="KSO_WM_UNIT_HIGHLIGHT" val="0"/>
   <p:tag name="KSO_WM_UNIT_COMPATIBLE" val="0"/>
   <p:tag name="KSO_WM_UNIT_DIAGRAM_ISNUMVISUAL" val="0"/>
   <p:tag name="KSO_WM_UNIT_DIAGRAM_ISREFERUNIT" val="0"/>
-  <p:tag name="KSO_WM_UNIT_ID" val="_3**"/>
+  <p:tag name="KSO_WM_UNIT_ID" val="_2**"/>
   <p:tag name="KSO_WM_UNIT_LAYERLEVEL" val="1"/>
   <p:tag name="KSO_WM_TAG_VERSION" val="1.0"/>
   <p:tag name="KSO_WM_BEAUTIFY_FLAG" val="#wm#"/>
@@ -23694,7 +23654,7 @@
 </file>
 
 <file path=ppt/tags/tag76.xml><?xml version="1.0" encoding="utf-8"?>
-<p:tagLst xmlns:p="http://schemas.openxmlformats.org/presentationml/2006/main">
+<p:tagLst xmlns:a="http://schemas.openxmlformats.org/drawingml/2006/main" xmlns:r="http://schemas.openxmlformats.org/officeDocument/2006/relationships" xmlns:p="http://schemas.openxmlformats.org/presentationml/2006/main">
   <p:tag name="KSO_WM_UNIT_HIGHLIGHT" val="0"/>
   <p:tag name="KSO_WM_UNIT_COMPATIBLE" val="0"/>
   <p:tag name="KSO_WM_UNIT_DIAGRAM_ISNUMVISUAL" val="0"/>
@@ -23707,7 +23667,7 @@
 </file>
 
 <file path=ppt/tags/tag77.xml><?xml version="1.0" encoding="utf-8"?>
-<p:tagLst xmlns:p="http://schemas.openxmlformats.org/presentationml/2006/main">
+<p:tagLst xmlns:a="http://schemas.openxmlformats.org/drawingml/2006/main" xmlns:r="http://schemas.openxmlformats.org/officeDocument/2006/relationships" xmlns:p="http://schemas.openxmlformats.org/presentationml/2006/main">
   <p:tag name="KSO_WM_UNIT_HIGHLIGHT" val="0"/>
   <p:tag name="KSO_WM_UNIT_COMPATIBLE" val="0"/>
   <p:tag name="KSO_WM_UNIT_DIAGRAM_ISNUMVISUAL" val="0"/>
@@ -23720,7 +23680,7 @@
 </file>
 
 <file path=ppt/tags/tag78.xml><?xml version="1.0" encoding="utf-8"?>
-<p:tagLst xmlns:p="http://schemas.openxmlformats.org/presentationml/2006/main">
+<p:tagLst xmlns:a="http://schemas.openxmlformats.org/drawingml/2006/main" xmlns:r="http://schemas.openxmlformats.org/officeDocument/2006/relationships" xmlns:p="http://schemas.openxmlformats.org/presentationml/2006/main">
   <p:tag name="KSO_WM_UNIT_HIGHLIGHT" val="0"/>
   <p:tag name="KSO_WM_UNIT_COMPATIBLE" val="0"/>
   <p:tag name="KSO_WM_UNIT_DIAGRAM_ISNUMVISUAL" val="0"/>
@@ -23733,7 +23693,7 @@
 </file>
 
 <file path=ppt/tags/tag79.xml><?xml version="1.0" encoding="utf-8"?>
-<p:tagLst xmlns:p="http://schemas.openxmlformats.org/presentationml/2006/main">
+<p:tagLst xmlns:a="http://schemas.openxmlformats.org/drawingml/2006/main" xmlns:r="http://schemas.openxmlformats.org/officeDocument/2006/relationships" xmlns:p="http://schemas.openxmlformats.org/presentationml/2006/main">
   <p:tag name="KSO_WM_UNIT_HIGHLIGHT" val="0"/>
   <p:tag name="KSO_WM_UNIT_COMPATIBLE" val="0"/>
   <p:tag name="KSO_WM_UNIT_DIAGRAM_ISNUMVISUAL" val="0"/>
@@ -23746,7 +23706,7 @@
 </file>
 
 <file path=ppt/tags/tag8.xml><?xml version="1.0" encoding="utf-8"?>
-<p:tagLst xmlns:p="http://schemas.openxmlformats.org/presentationml/2006/main">
+<p:tagLst xmlns:a="http://schemas.openxmlformats.org/drawingml/2006/main" xmlns:r="http://schemas.openxmlformats.org/officeDocument/2006/relationships" xmlns:p="http://schemas.openxmlformats.org/presentationml/2006/main">
   <p:tag name="KSO_WM_UNIT_HIGHLIGHT" val="0"/>
   <p:tag name="KSO_WM_UNIT_COMPATIBLE" val="0"/>
   <p:tag name="KSO_WM_UNIT_DIAGRAM_ISNUMVISUAL" val="0"/>
@@ -23759,7 +23719,7 @@
 </file>
 
 <file path=ppt/tags/tag80.xml><?xml version="1.0" encoding="utf-8"?>
-<p:tagLst xmlns:p="http://schemas.openxmlformats.org/presentationml/2006/main">
+<p:tagLst xmlns:a="http://schemas.openxmlformats.org/drawingml/2006/main" xmlns:r="http://schemas.openxmlformats.org/officeDocument/2006/relationships" xmlns:p="http://schemas.openxmlformats.org/presentationml/2006/main">
   <p:tag name="KSO_WM_UNIT_HIGHLIGHT" val="0"/>
   <p:tag name="KSO_WM_UNIT_COMPATIBLE" val="0"/>
   <p:tag name="KSO_WM_UNIT_DIAGRAM_ISNUMVISUAL" val="0"/>
@@ -23772,7 +23732,7 @@
 </file>
 
 <file path=ppt/tags/tag81.xml><?xml version="1.0" encoding="utf-8"?>
-<p:tagLst xmlns:p="http://schemas.openxmlformats.org/presentationml/2006/main">
+<p:tagLst xmlns:a="http://schemas.openxmlformats.org/drawingml/2006/main" xmlns:r="http://schemas.openxmlformats.org/officeDocument/2006/relationships" xmlns:p="http://schemas.openxmlformats.org/presentationml/2006/main">
   <p:tag name="KSO_WM_UNIT_HIGHLIGHT" val="0"/>
   <p:tag name="KSO_WM_UNIT_COMPATIBLE" val="0"/>
   <p:tag name="KSO_WM_UNIT_DIAGRAM_ISNUMVISUAL" val="0"/>
@@ -23785,7 +23745,7 @@
 </file>
 
 <file path=ppt/tags/tag82.xml><?xml version="1.0" encoding="utf-8"?>
-<p:tagLst xmlns:p="http://schemas.openxmlformats.org/presentationml/2006/main">
+<p:tagLst xmlns:a="http://schemas.openxmlformats.org/drawingml/2006/main" xmlns:r="http://schemas.openxmlformats.org/officeDocument/2006/relationships" xmlns:p="http://schemas.openxmlformats.org/presentationml/2006/main">
   <p:tag name="KSO_WM_UNIT_HIGHLIGHT" val="0"/>
   <p:tag name="KSO_WM_UNIT_COMPATIBLE" val="0"/>
   <p:tag name="KSO_WM_UNIT_DIAGRAM_ISNUMVISUAL" val="0"/>
@@ -23798,7 +23758,7 @@
 </file>
 
 <file path=ppt/tags/tag83.xml><?xml version="1.0" encoding="utf-8"?>
-<p:tagLst xmlns:p="http://schemas.openxmlformats.org/presentationml/2006/main">
+<p:tagLst xmlns:a="http://schemas.openxmlformats.org/drawingml/2006/main" xmlns:r="http://schemas.openxmlformats.org/officeDocument/2006/relationships" xmlns:p="http://schemas.openxmlformats.org/presentationml/2006/main">
   <p:tag name="KSO_WM_UNIT_HIGHLIGHT" val="0"/>
   <p:tag name="KSO_WM_UNIT_COMPATIBLE" val="0"/>
   <p:tag name="KSO_WM_UNIT_DIAGRAM_ISNUMVISUAL" val="0"/>
@@ -23811,12 +23771,12 @@
 </file>
 
 <file path=ppt/tags/tag84.xml><?xml version="1.0" encoding="utf-8"?>
-<p:tagLst xmlns:p="http://schemas.openxmlformats.org/presentationml/2006/main">
+<p:tagLst xmlns:a="http://schemas.openxmlformats.org/drawingml/2006/main" xmlns:r="http://schemas.openxmlformats.org/officeDocument/2006/relationships" xmlns:p="http://schemas.openxmlformats.org/presentationml/2006/main">
   <p:tag name="KSO_WM_UNIT_HIGHLIGHT" val="0"/>
   <p:tag name="KSO_WM_UNIT_COMPATIBLE" val="0"/>
   <p:tag name="KSO_WM_UNIT_DIAGRAM_ISNUMVISUAL" val="0"/>
   <p:tag name="KSO_WM_UNIT_DIAGRAM_ISREFERUNIT" val="0"/>
-  <p:tag name="KSO_WM_UNIT_ID" val="_4**"/>
+  <p:tag name="KSO_WM_UNIT_ID" val="_3**"/>
   <p:tag name="KSO_WM_UNIT_LAYERLEVEL" val="1"/>
   <p:tag name="KSO_WM_TAG_VERSION" val="1.0"/>
   <p:tag name="KSO_WM_BEAUTIFY_FLAG" val="#wm#"/>
@@ -23824,12 +23784,12 @@
 </file>
 
 <file path=ppt/tags/tag85.xml><?xml version="1.0" encoding="utf-8"?>
-<p:tagLst xmlns:p="http://schemas.openxmlformats.org/presentationml/2006/main">
+<p:tagLst xmlns:a="http://schemas.openxmlformats.org/drawingml/2006/main" xmlns:r="http://schemas.openxmlformats.org/officeDocument/2006/relationships" xmlns:p="http://schemas.openxmlformats.org/presentationml/2006/main">
   <p:tag name="KSO_WM_UNIT_HIGHLIGHT" val="0"/>
   <p:tag name="KSO_WM_UNIT_COMPATIBLE" val="0"/>
   <p:tag name="KSO_WM_UNIT_DIAGRAM_ISNUMVISUAL" val="0"/>
   <p:tag name="KSO_WM_UNIT_DIAGRAM_ISREFERUNIT" val="0"/>
-  <p:tag name="KSO_WM_UNIT_ID" val="_4**"/>
+  <p:tag name="KSO_WM_UNIT_ID" val="_3**"/>
   <p:tag name="KSO_WM_UNIT_LAYERLEVEL" val="1"/>
   <p:tag name="KSO_WM_TAG_VERSION" val="1.0"/>
   <p:tag name="KSO_WM_BEAUTIFY_FLAG" val="#wm#"/>
@@ -23837,12 +23797,12 @@
 </file>
 
 <file path=ppt/tags/tag86.xml><?xml version="1.0" encoding="utf-8"?>
-<p:tagLst xmlns:p="http://schemas.openxmlformats.org/presentationml/2006/main">
+<p:tagLst xmlns:a="http://schemas.openxmlformats.org/drawingml/2006/main" xmlns:r="http://schemas.openxmlformats.org/officeDocument/2006/relationships" xmlns:p="http://schemas.openxmlformats.org/presentationml/2006/main">
   <p:tag name="KSO_WM_UNIT_HIGHLIGHT" val="0"/>
   <p:tag name="KSO_WM_UNIT_COMPATIBLE" val="0"/>
   <p:tag name="KSO_WM_UNIT_DIAGRAM_ISNUMVISUAL" val="0"/>
   <p:tag name="KSO_WM_UNIT_DIAGRAM_ISREFERUNIT" val="0"/>
-  <p:tag name="KSO_WM_UNIT_ID" val="_4**"/>
+  <p:tag name="KSO_WM_UNIT_ID" val="_3**"/>
   <p:tag name="KSO_WM_UNIT_LAYERLEVEL" val="1"/>
   <p:tag name="KSO_WM_TAG_VERSION" val="1.0"/>
   <p:tag name="KSO_WM_BEAUTIFY_FLAG" val="#wm#"/>
@@ -23850,12 +23810,12 @@
 </file>
 
 <file path=ppt/tags/tag87.xml><?xml version="1.0" encoding="utf-8"?>
-<p:tagLst xmlns:p="http://schemas.openxmlformats.org/presentationml/2006/main">
+<p:tagLst xmlns:a="http://schemas.openxmlformats.org/drawingml/2006/main" xmlns:r="http://schemas.openxmlformats.org/officeDocument/2006/relationships" xmlns:p="http://schemas.openxmlformats.org/presentationml/2006/main">
   <p:tag name="KSO_WM_UNIT_HIGHLIGHT" val="0"/>
   <p:tag name="KSO_WM_UNIT_COMPATIBLE" val="0"/>
   <p:tag name="KSO_WM_UNIT_DIAGRAM_ISNUMVISUAL" val="0"/>
   <p:tag name="KSO_WM_UNIT_DIAGRAM_ISREFERUNIT" val="0"/>
-  <p:tag name="KSO_WM_UNIT_ID" val="_4**"/>
+  <p:tag name="KSO_WM_UNIT_ID" val="_3**"/>
   <p:tag name="KSO_WM_UNIT_LAYERLEVEL" val="1"/>
   <p:tag name="KSO_WM_TAG_VERSION" val="1.0"/>
   <p:tag name="KSO_WM_BEAUTIFY_FLAG" val="#wm#"/>
@@ -23863,12 +23823,12 @@
 </file>
 
 <file path=ppt/tags/tag88.xml><?xml version="1.0" encoding="utf-8"?>
-<p:tagLst xmlns:p="http://schemas.openxmlformats.org/presentationml/2006/main">
+<p:tagLst xmlns:a="http://schemas.openxmlformats.org/drawingml/2006/main" xmlns:r="http://schemas.openxmlformats.org/officeDocument/2006/relationships" xmlns:p="http://schemas.openxmlformats.org/presentationml/2006/main">
   <p:tag name="KSO_WM_UNIT_HIGHLIGHT" val="0"/>
   <p:tag name="KSO_WM_UNIT_COMPATIBLE" val="0"/>
   <p:tag name="KSO_WM_UNIT_DIAGRAM_ISNUMVISUAL" val="0"/>
   <p:tag name="KSO_WM_UNIT_DIAGRAM_ISREFERUNIT" val="0"/>
-  <p:tag name="KSO_WM_UNIT_ID" val="_4**"/>
+  <p:tag name="KSO_WM_UNIT_ID" val="_3**"/>
   <p:tag name="KSO_WM_UNIT_LAYERLEVEL" val="1"/>
   <p:tag name="KSO_WM_TAG_VERSION" val="1.0"/>
   <p:tag name="KSO_WM_BEAUTIFY_FLAG" val="#wm#"/>
@@ -23876,12 +23836,12 @@
 </file>
 
 <file path=ppt/tags/tag89.xml><?xml version="1.0" encoding="utf-8"?>
-<p:tagLst xmlns:p="http://schemas.openxmlformats.org/presentationml/2006/main">
+<p:tagLst xmlns:a="http://schemas.openxmlformats.org/drawingml/2006/main" xmlns:r="http://schemas.openxmlformats.org/officeDocument/2006/relationships" xmlns:p="http://schemas.openxmlformats.org/presentationml/2006/main">
   <p:tag name="KSO_WM_UNIT_HIGHLIGHT" val="0"/>
   <p:tag name="KSO_WM_UNIT_COMPATIBLE" val="0"/>
   <p:tag name="KSO_WM_UNIT_DIAGRAM_ISNUMVISUAL" val="0"/>
   <p:tag name="KSO_WM_UNIT_DIAGRAM_ISREFERUNIT" val="0"/>
-  <p:tag name="KSO_WM_UNIT_ID" val="_4**"/>
+  <p:tag name="KSO_WM_UNIT_ID" val="_3**"/>
   <p:tag name="KSO_WM_UNIT_LAYERLEVEL" val="1"/>
   <p:tag name="KSO_WM_TAG_VERSION" val="1.0"/>
   <p:tag name="KSO_WM_BEAUTIFY_FLAG" val="#wm#"/>
@@ -23889,7 +23849,7 @@
 </file>
 
 <file path=ppt/tags/tag9.xml><?xml version="1.0" encoding="utf-8"?>
-<p:tagLst xmlns:p="http://schemas.openxmlformats.org/presentationml/2006/main">
+<p:tagLst xmlns:a="http://schemas.openxmlformats.org/drawingml/2006/main" xmlns:r="http://schemas.openxmlformats.org/officeDocument/2006/relationships" xmlns:p="http://schemas.openxmlformats.org/presentationml/2006/main">
   <p:tag name="KSO_WM_UNIT_HIGHLIGHT" val="0"/>
   <p:tag name="KSO_WM_UNIT_COMPATIBLE" val="0"/>
   <p:tag name="KSO_WM_UNIT_DIAGRAM_ISNUMVISUAL" val="0"/>
@@ -23902,12 +23862,12 @@
 </file>
 
 <file path=ppt/tags/tag90.xml><?xml version="1.0" encoding="utf-8"?>
-<p:tagLst xmlns:p="http://schemas.openxmlformats.org/presentationml/2006/main">
+<p:tagLst xmlns:a="http://schemas.openxmlformats.org/drawingml/2006/main" xmlns:r="http://schemas.openxmlformats.org/officeDocument/2006/relationships" xmlns:p="http://schemas.openxmlformats.org/presentationml/2006/main">
   <p:tag name="KSO_WM_UNIT_HIGHLIGHT" val="0"/>
   <p:tag name="KSO_WM_UNIT_COMPATIBLE" val="0"/>
   <p:tag name="KSO_WM_UNIT_DIAGRAM_ISNUMVISUAL" val="0"/>
   <p:tag name="KSO_WM_UNIT_DIAGRAM_ISREFERUNIT" val="0"/>
-  <p:tag name="KSO_WM_UNIT_ID" val="_5**"/>
+  <p:tag name="KSO_WM_UNIT_ID" val="_4**"/>
   <p:tag name="KSO_WM_UNIT_LAYERLEVEL" val="1"/>
   <p:tag name="KSO_WM_TAG_VERSION" val="1.0"/>
   <p:tag name="KSO_WM_BEAUTIFY_FLAG" val="#wm#"/>
@@ -23915,12 +23875,12 @@
 </file>
 
 <file path=ppt/tags/tag91.xml><?xml version="1.0" encoding="utf-8"?>
-<p:tagLst xmlns:p="http://schemas.openxmlformats.org/presentationml/2006/main">
+<p:tagLst xmlns:a="http://schemas.openxmlformats.org/drawingml/2006/main" xmlns:r="http://schemas.openxmlformats.org/officeDocument/2006/relationships" xmlns:p="http://schemas.openxmlformats.org/presentationml/2006/main">
   <p:tag name="KSO_WM_UNIT_HIGHLIGHT" val="0"/>
   <p:tag name="KSO_WM_UNIT_COMPATIBLE" val="0"/>
   <p:tag name="KSO_WM_UNIT_DIAGRAM_ISNUMVISUAL" val="0"/>
   <p:tag name="KSO_WM_UNIT_DIAGRAM_ISREFERUNIT" val="0"/>
-  <p:tag name="KSO_WM_UNIT_ID" val="_5**"/>
+  <p:tag name="KSO_WM_UNIT_ID" val="_4**"/>
   <p:tag name="KSO_WM_UNIT_LAYERLEVEL" val="1"/>
   <p:tag name="KSO_WM_TAG_VERSION" val="1.0"/>
   <p:tag name="KSO_WM_BEAUTIFY_FLAG" val="#wm#"/>
@@ -23928,12 +23888,12 @@
 </file>
 
 <file path=ppt/tags/tag92.xml><?xml version="1.0" encoding="utf-8"?>
-<p:tagLst xmlns:p="http://schemas.openxmlformats.org/presentationml/2006/main">
+<p:tagLst xmlns:a="http://schemas.openxmlformats.org/drawingml/2006/main" xmlns:r="http://schemas.openxmlformats.org/officeDocument/2006/relationships" xmlns:p="http://schemas.openxmlformats.org/presentationml/2006/main">
   <p:tag name="KSO_WM_UNIT_HIGHLIGHT" val="0"/>
   <p:tag name="KSO_WM_UNIT_COMPATIBLE" val="0"/>
   <p:tag name="KSO_WM_UNIT_DIAGRAM_ISNUMVISUAL" val="0"/>
   <p:tag name="KSO_WM_UNIT_DIAGRAM_ISREFERUNIT" val="0"/>
-  <p:tag name="KSO_WM_UNIT_ID" val="_5**"/>
+  <p:tag name="KSO_WM_UNIT_ID" val="_4**"/>
   <p:tag name="KSO_WM_UNIT_LAYERLEVEL" val="1"/>
   <p:tag name="KSO_WM_TAG_VERSION" val="1.0"/>
   <p:tag name="KSO_WM_BEAUTIFY_FLAG" val="#wm#"/>
@@ -23941,12 +23901,12 @@
 </file>
 
 <file path=ppt/tags/tag93.xml><?xml version="1.0" encoding="utf-8"?>
-<p:tagLst xmlns:p="http://schemas.openxmlformats.org/presentationml/2006/main">
+<p:tagLst xmlns:a="http://schemas.openxmlformats.org/drawingml/2006/main" xmlns:r="http://schemas.openxmlformats.org/officeDocument/2006/relationships" xmlns:p="http://schemas.openxmlformats.org/presentationml/2006/main">
   <p:tag name="KSO_WM_UNIT_HIGHLIGHT" val="0"/>
   <p:tag name="KSO_WM_UNIT_COMPATIBLE" val="0"/>
   <p:tag name="KSO_WM_UNIT_DIAGRAM_ISNUMVISUAL" val="0"/>
   <p:tag name="KSO_WM_UNIT_DIAGRAM_ISREFERUNIT" val="0"/>
-  <p:tag name="KSO_WM_UNIT_ID" val="_5**"/>
+  <p:tag name="KSO_WM_UNIT_ID" val="_4**"/>
   <p:tag name="KSO_WM_UNIT_LAYERLEVEL" val="1"/>
   <p:tag name="KSO_WM_TAG_VERSION" val="1.0"/>
   <p:tag name="KSO_WM_BEAUTIFY_FLAG" val="#wm#"/>
@@ -23954,12 +23914,12 @@
 </file>
 
 <file path=ppt/tags/tag94.xml><?xml version="1.0" encoding="utf-8"?>
-<p:tagLst xmlns:p="http://schemas.openxmlformats.org/presentationml/2006/main">
+<p:tagLst xmlns:a="http://schemas.openxmlformats.org/drawingml/2006/main" xmlns:r="http://schemas.openxmlformats.org/officeDocument/2006/relationships" xmlns:p="http://schemas.openxmlformats.org/presentationml/2006/main">
   <p:tag name="KSO_WM_UNIT_HIGHLIGHT" val="0"/>
   <p:tag name="KSO_WM_UNIT_COMPATIBLE" val="0"/>
   <p:tag name="KSO_WM_UNIT_DIAGRAM_ISNUMVISUAL" val="0"/>
   <p:tag name="KSO_WM_UNIT_DIAGRAM_ISREFERUNIT" val="0"/>
-  <p:tag name="KSO_WM_UNIT_ID" val="_5**"/>
+  <p:tag name="KSO_WM_UNIT_ID" val="_4**"/>
   <p:tag name="KSO_WM_UNIT_LAYERLEVEL" val="1"/>
   <p:tag name="KSO_WM_TAG_VERSION" val="1.0"/>
   <p:tag name="KSO_WM_BEAUTIFY_FLAG" val="#wm#"/>
@@ -23967,12 +23927,12 @@
 </file>
 
 <file path=ppt/tags/tag95.xml><?xml version="1.0" encoding="utf-8"?>
-<p:tagLst xmlns:p="http://schemas.openxmlformats.org/presentationml/2006/main">
+<p:tagLst xmlns:a="http://schemas.openxmlformats.org/drawingml/2006/main" xmlns:r="http://schemas.openxmlformats.org/officeDocument/2006/relationships" xmlns:p="http://schemas.openxmlformats.org/presentationml/2006/main">
   <p:tag name="KSO_WM_UNIT_HIGHLIGHT" val="0"/>
   <p:tag name="KSO_WM_UNIT_COMPATIBLE" val="0"/>
   <p:tag name="KSO_WM_UNIT_DIAGRAM_ISNUMVISUAL" val="0"/>
   <p:tag name="KSO_WM_UNIT_DIAGRAM_ISREFERUNIT" val="0"/>
-  <p:tag name="KSO_WM_UNIT_ID" val="_5**"/>
+  <p:tag name="KSO_WM_UNIT_ID" val="_4**"/>
   <p:tag name="KSO_WM_UNIT_LAYERLEVEL" val="1"/>
   <p:tag name="KSO_WM_TAG_VERSION" val="1.0"/>
   <p:tag name="KSO_WM_BEAUTIFY_FLAG" val="#wm#"/>
@@ -23980,7 +23940,7 @@
 </file>
 
 <file path=ppt/tags/tag96.xml><?xml version="1.0" encoding="utf-8"?>
-<p:tagLst xmlns:p="http://schemas.openxmlformats.org/presentationml/2006/main">
+<p:tagLst xmlns:a="http://schemas.openxmlformats.org/drawingml/2006/main" xmlns:r="http://schemas.openxmlformats.org/officeDocument/2006/relationships" xmlns:p="http://schemas.openxmlformats.org/presentationml/2006/main">
   <p:tag name="KSO_WM_UNIT_HIGHLIGHT" val="0"/>
   <p:tag name="KSO_WM_UNIT_COMPATIBLE" val="0"/>
   <p:tag name="KSO_WM_UNIT_DIAGRAM_ISNUMVISUAL" val="0"/>
@@ -23993,7 +23953,7 @@
 </file>
 
 <file path=ppt/tags/tag97.xml><?xml version="1.0" encoding="utf-8"?>
-<p:tagLst xmlns:p="http://schemas.openxmlformats.org/presentationml/2006/main">
+<p:tagLst xmlns:a="http://schemas.openxmlformats.org/drawingml/2006/main" xmlns:r="http://schemas.openxmlformats.org/officeDocument/2006/relationships" xmlns:p="http://schemas.openxmlformats.org/presentationml/2006/main">
   <p:tag name="KSO_WM_UNIT_HIGHLIGHT" val="0"/>
   <p:tag name="KSO_WM_UNIT_COMPATIBLE" val="0"/>
   <p:tag name="KSO_WM_UNIT_DIAGRAM_ISNUMVISUAL" val="0"/>
@@ -24006,12 +23966,12 @@
 </file>
 
 <file path=ppt/tags/tag98.xml><?xml version="1.0" encoding="utf-8"?>
-<p:tagLst xmlns:p="http://schemas.openxmlformats.org/presentationml/2006/main">
+<p:tagLst xmlns:a="http://schemas.openxmlformats.org/drawingml/2006/main" xmlns:r="http://schemas.openxmlformats.org/officeDocument/2006/relationships" xmlns:p="http://schemas.openxmlformats.org/presentationml/2006/main">
   <p:tag name="KSO_WM_UNIT_HIGHLIGHT" val="0"/>
   <p:tag name="KSO_WM_UNIT_COMPATIBLE" val="0"/>
   <p:tag name="KSO_WM_UNIT_DIAGRAM_ISNUMVISUAL" val="0"/>
   <p:tag name="KSO_WM_UNIT_DIAGRAM_ISREFERUNIT" val="0"/>
-  <p:tag name="KSO_WM_UNIT_ID" val="_6**"/>
+  <p:tag name="KSO_WM_UNIT_ID" val="_5**"/>
   <p:tag name="KSO_WM_UNIT_LAYERLEVEL" val="1"/>
   <p:tag name="KSO_WM_TAG_VERSION" val="1.0"/>
   <p:tag name="KSO_WM_BEAUTIFY_FLAG" val="#wm#"/>
@@ -24019,12 +23979,12 @@
 </file>
 
 <file path=ppt/tags/tag99.xml><?xml version="1.0" encoding="utf-8"?>
-<p:tagLst xmlns:p="http://schemas.openxmlformats.org/presentationml/2006/main">
+<p:tagLst xmlns:a="http://schemas.openxmlformats.org/drawingml/2006/main" xmlns:r="http://schemas.openxmlformats.org/officeDocument/2006/relationships" xmlns:p="http://schemas.openxmlformats.org/presentationml/2006/main">
   <p:tag name="KSO_WM_UNIT_HIGHLIGHT" val="0"/>
   <p:tag name="KSO_WM_UNIT_COMPATIBLE" val="0"/>
   <p:tag name="KSO_WM_UNIT_DIAGRAM_ISNUMVISUAL" val="0"/>
   <p:tag name="KSO_WM_UNIT_DIAGRAM_ISREFERUNIT" val="0"/>
-  <p:tag name="KSO_WM_UNIT_ID" val="_6**"/>
+  <p:tag name="KSO_WM_UNIT_ID" val="_5**"/>
   <p:tag name="KSO_WM_UNIT_LAYERLEVEL" val="1"/>
   <p:tag name="KSO_WM_TAG_VERSION" val="1.0"/>
   <p:tag name="KSO_WM_BEAUTIFY_FLAG" val="#wm#"/>
@@ -24222,6 +24182,8 @@
       </a:bgFillStyleLst>
     </a:fmtScheme>
   </a:themeElements>
+  <a:objectDefaults/>
+  <a:extraClrSchemeLst/>
   <a:extLst>
     <a:ext uri="{05A4C25C-085E-4340-85A3-A5531E510DB2}">
       <thm15:themeFamily xmlns:thm15="http://schemas.microsoft.com/office/thememl/2012/main" name="Office Theme" id="{62F939B6-93AF-4DB8-9C6B-D6C7DFDC589F}" vid="{4A3C46E8-61CC-4603-A589-7422A47A8E4A}"/>
@@ -24481,6 +24443,8 @@
       </a:bgFillStyleLst>
     </a:fmtScheme>
   </a:themeElements>
+  <a:objectDefaults/>
+  <a:extraClrSchemeLst/>
   <a:extLst>
     <a:ext uri="{05A4C25C-085E-4340-85A3-A5531E510DB2}">
       <thm15:themeFamily xmlns:thm15="http://schemas.microsoft.com/office/thememl/2012/main" name="Office Theme" id="{62F939B6-93AF-4DB8-9C6B-D6C7DFDC589F}" vid="{4A3C46E8-61CC-4603-A589-7422A47A8E4A}"/>
@@ -24740,6 +24704,8 @@
       </a:bgFillStyleLst>
     </a:fmtScheme>
   </a:themeElements>
+  <a:objectDefaults/>
+  <a:extraClrSchemeLst/>
   <a:extLst>
     <a:ext uri="{05A4C25C-085E-4340-85A3-A5531E510DB2}">
       <thm15:themeFamily xmlns:thm15="http://schemas.microsoft.com/office/thememl/2012/main" name="Office Theme" id="{62F939B6-93AF-4DB8-9C6B-D6C7DFDC589F}" vid="{4A3C46E8-61CC-4603-A589-7422A47A8E4A}"/>

--- a/CG_final.pptx
+++ b/CG_final.pptx
@@ -5,40 +5,40 @@
     <p:sldMasterId id="2147483648" r:id="rId1"/>
   </p:sldMasterIdLst>
   <p:notesMasterIdLst>
-    <p:notesMasterId r:id="rId30"/>
+    <p:notesMasterId r:id="rId31"/>
   </p:notesMasterIdLst>
   <p:handoutMasterIdLst>
-    <p:handoutMasterId r:id="rId31"/>
+    <p:handoutMasterId r:id="rId32"/>
   </p:handoutMasterIdLst>
   <p:sldIdLst>
-    <p:sldId id="271" r:id="rId2"/>
-    <p:sldId id="301" r:id="rId3"/>
-    <p:sldId id="302" r:id="rId4"/>
-    <p:sldId id="272" r:id="rId5"/>
-    <p:sldId id="307" r:id="rId6"/>
-    <p:sldId id="303" r:id="rId7"/>
-    <p:sldId id="273" r:id="rId8"/>
-    <p:sldId id="277" r:id="rId9"/>
-    <p:sldId id="285" r:id="rId10"/>
-    <p:sldId id="278" r:id="rId11"/>
-    <p:sldId id="279" r:id="rId12"/>
-    <p:sldId id="286" r:id="rId13"/>
-    <p:sldId id="304" r:id="rId14"/>
-    <p:sldId id="306" r:id="rId15"/>
-    <p:sldId id="275" r:id="rId16"/>
-    <p:sldId id="281" r:id="rId17"/>
-    <p:sldId id="300" r:id="rId18"/>
-    <p:sldId id="280" r:id="rId19"/>
-    <p:sldId id="283" r:id="rId20"/>
-    <p:sldId id="284" r:id="rId21"/>
-    <p:sldId id="287" r:id="rId22"/>
-    <p:sldId id="288" r:id="rId23"/>
-    <p:sldId id="289" r:id="rId24"/>
-    <p:sldId id="290" r:id="rId25"/>
-    <p:sldId id="299" r:id="rId26"/>
-    <p:sldId id="305" r:id="rId27"/>
-    <p:sldId id="308" r:id="rId28"/>
-    <p:sldId id="309" r:id="rId29"/>
+    <p:sldId id="271" r:id="rId3"/>
+    <p:sldId id="301" r:id="rId4"/>
+    <p:sldId id="302" r:id="rId5"/>
+    <p:sldId id="272" r:id="rId6"/>
+    <p:sldId id="307" r:id="rId7"/>
+    <p:sldId id="303" r:id="rId8"/>
+    <p:sldId id="273" r:id="rId9"/>
+    <p:sldId id="277" r:id="rId10"/>
+    <p:sldId id="285" r:id="rId11"/>
+    <p:sldId id="278" r:id="rId12"/>
+    <p:sldId id="279" r:id="rId13"/>
+    <p:sldId id="286" r:id="rId14"/>
+    <p:sldId id="304" r:id="rId15"/>
+    <p:sldId id="306" r:id="rId16"/>
+    <p:sldId id="275" r:id="rId17"/>
+    <p:sldId id="281" r:id="rId18"/>
+    <p:sldId id="300" r:id="rId19"/>
+    <p:sldId id="280" r:id="rId20"/>
+    <p:sldId id="283" r:id="rId21"/>
+    <p:sldId id="284" r:id="rId22"/>
+    <p:sldId id="287" r:id="rId23"/>
+    <p:sldId id="288" r:id="rId24"/>
+    <p:sldId id="289" r:id="rId25"/>
+    <p:sldId id="290" r:id="rId26"/>
+    <p:sldId id="299" r:id="rId27"/>
+    <p:sldId id="305" r:id="rId28"/>
+    <p:sldId id="308" r:id="rId29"/>
+    <p:sldId id="309" r:id="rId30"/>
   </p:sldIdLst>
   <p:sldSz cx="12192000" cy="6858000"/>
   <p:notesSz cx="6858000" cy="9144000"/>
@@ -137,11 +137,6 @@
       </a:defRPr>
     </a:lvl9pPr>
   </p:defaultTextStyle>
-  <p:extLst>
-    <p:ext uri="{EFAFB233-063F-42B5-8137-9DF3F51BA10A}">
-      <p15:sldGuideLst xmlns:p15="http://schemas.microsoft.com/office/powerpoint/2012/main"/>
-    </p:ext>
-  </p:extLst>
 </p:presentation>
 </file>
 
@@ -233,7 +228,6 @@
                 <a:latin typeface="微软雅黑" panose="020B0503020204020204" charset="-122"/>
                 <a:ea typeface="微软雅黑" panose="020B0503020204020204" charset="-122"/>
               </a:rPr>
-              <a:t>2019/6/23</a:t>
             </a:fld>
             <a:endParaRPr lang="zh-CN" altLang="en-US">
               <a:latin typeface="微软雅黑" panose="020B0503020204020204" charset="-122"/>
@@ -308,7 +302,6 @@
                 <a:latin typeface="微软雅黑" panose="020B0503020204020204" charset="-122"/>
                 <a:ea typeface="微软雅黑" panose="020B0503020204020204" charset="-122"/>
               </a:rPr>
-              <a:t>‹#›</a:t>
             </a:fld>
             <a:endParaRPr lang="zh-CN" altLang="en-US">
               <a:latin typeface="微软雅黑" panose="020B0503020204020204" charset="-122"/>
@@ -411,7 +404,6 @@
           <a:p>
             <a:fld id="{1AC49D05-6128-4D0D-A32A-06A5E73B386C}" type="datetimeFigureOut">
               <a:rPr lang="zh-CN" altLang="en-US" smtClean="0"/>
-              <a:t>2019/6/23</a:t>
             </a:fld>
             <a:endParaRPr lang="zh-CN" altLang="en-US"/>
           </a:p>
@@ -478,6 +470,7 @@
               <a:rPr lang="zh-CN" altLang="en-US"/>
               <a:t>单击此处编辑母版文本样式</a:t>
             </a:r>
+            <a:endParaRPr lang="zh-CN" altLang="en-US"/>
           </a:p>
           <a:p>
             <a:pPr lvl="1"/>
@@ -485,6 +478,7 @@
               <a:rPr lang="zh-CN" altLang="en-US"/>
               <a:t>第二级</a:t>
             </a:r>
+            <a:endParaRPr lang="zh-CN" altLang="en-US"/>
           </a:p>
           <a:p>
             <a:pPr lvl="2"/>
@@ -492,6 +486,7 @@
               <a:rPr lang="zh-CN" altLang="en-US"/>
               <a:t>第三级</a:t>
             </a:r>
+            <a:endParaRPr lang="zh-CN" altLang="en-US"/>
           </a:p>
           <a:p>
             <a:pPr lvl="3"/>
@@ -499,6 +494,7 @@
               <a:rPr lang="zh-CN" altLang="en-US"/>
               <a:t>第四级</a:t>
             </a:r>
+            <a:endParaRPr lang="zh-CN" altLang="en-US"/>
           </a:p>
           <a:p>
             <a:pPr lvl="4"/>
@@ -506,6 +502,7 @@
               <a:rPr lang="zh-CN" altLang="en-US"/>
               <a:t>第五级</a:t>
             </a:r>
+            <a:endParaRPr lang="zh-CN" altLang="en-US"/>
           </a:p>
         </p:txBody>
       </p:sp>
@@ -575,7 +572,6 @@
           <a:p>
             <a:fld id="{5849F42C-2DAE-424C-A4B8-3140182C3E9F}" type="slidenum">
               <a:rPr lang="zh-CN" altLang="en-US" smtClean="0"/>
-              <a:t>‹#›</a:t>
             </a:fld>
             <a:endParaRPr lang="zh-CN" altLang="en-US"/>
           </a:p>
@@ -702,7 +698,7 @@
           <p:cNvGrpSpPr/>
           <p:nvPr>
             <p:custDataLst>
-              <p:tags r:id="rId1"/>
+              <p:tags r:id="rId2"/>
             </p:custDataLst>
           </p:nvPr>
         </p:nvGrpSpPr>
@@ -722,12 +718,12 @@
             </p:cNvPicPr>
             <p:nvPr>
               <p:custDataLst>
-                <p:tags r:id="rId24"/>
+                <p:tags r:id="rId3"/>
               </p:custDataLst>
             </p:nvPr>
           </p:nvPicPr>
           <p:blipFill>
-            <a:blip r:embed="rId35" cstate="screen"/>
+            <a:blip r:embed="rId4" cstate="screen"/>
             <a:srcRect/>
             <a:stretch>
               <a:fillRect/>
@@ -794,12 +790,12 @@
             </p:cNvPicPr>
             <p:nvPr>
               <p:custDataLst>
-                <p:tags r:id="rId25"/>
+                <p:tags r:id="rId5"/>
               </p:custDataLst>
             </p:nvPr>
           </p:nvPicPr>
           <p:blipFill>
-            <a:blip r:embed="rId36" cstate="screen"/>
+            <a:blip r:embed="rId6" cstate="screen"/>
             <a:srcRect/>
             <a:stretch>
               <a:fillRect/>
@@ -866,12 +862,12 @@
             </p:cNvPicPr>
             <p:nvPr>
               <p:custDataLst>
-                <p:tags r:id="rId26"/>
+                <p:tags r:id="rId7"/>
               </p:custDataLst>
             </p:nvPr>
           </p:nvPicPr>
           <p:blipFill>
-            <a:blip r:embed="rId37" cstate="screen"/>
+            <a:blip r:embed="rId8" cstate="screen"/>
             <a:srcRect/>
             <a:stretch>
               <a:fillRect/>
@@ -938,12 +934,12 @@
             </p:cNvPicPr>
             <p:nvPr>
               <p:custDataLst>
-                <p:tags r:id="rId27"/>
+                <p:tags r:id="rId9"/>
               </p:custDataLst>
             </p:nvPr>
           </p:nvPicPr>
           <p:blipFill>
-            <a:blip r:embed="rId38" cstate="screen"/>
+            <a:blip r:embed="rId10" cstate="screen"/>
             <a:srcRect/>
             <a:stretch>
               <a:fillRect/>
@@ -1010,12 +1006,12 @@
             </p:cNvPicPr>
             <p:nvPr>
               <p:custDataLst>
-                <p:tags r:id="rId28"/>
+                <p:tags r:id="rId11"/>
               </p:custDataLst>
             </p:nvPr>
           </p:nvPicPr>
           <p:blipFill>
-            <a:blip r:embed="rId39" cstate="screen"/>
+            <a:blip r:embed="rId12" cstate="screen"/>
             <a:srcRect/>
             <a:stretch>
               <a:fillRect/>
@@ -1082,12 +1078,12 @@
             </p:cNvPicPr>
             <p:nvPr>
               <p:custDataLst>
-                <p:tags r:id="rId29"/>
+                <p:tags r:id="rId13"/>
               </p:custDataLst>
             </p:nvPr>
           </p:nvPicPr>
           <p:blipFill>
-            <a:blip r:embed="rId40" cstate="screen"/>
+            <a:blip r:embed="rId14" cstate="screen"/>
             <a:srcRect/>
             <a:stretch>
               <a:fillRect/>
@@ -1154,12 +1150,12 @@
             </p:cNvPicPr>
             <p:nvPr>
               <p:custDataLst>
-                <p:tags r:id="rId30"/>
+                <p:tags r:id="rId15"/>
               </p:custDataLst>
             </p:nvPr>
           </p:nvPicPr>
           <p:blipFill>
-            <a:blip r:embed="rId41" cstate="screen"/>
+            <a:blip r:embed="rId16" cstate="screen"/>
             <a:srcRect/>
             <a:stretch>
               <a:fillRect/>
@@ -1226,12 +1222,12 @@
             </p:cNvPicPr>
             <p:nvPr>
               <p:custDataLst>
-                <p:tags r:id="rId31"/>
+                <p:tags r:id="rId17"/>
               </p:custDataLst>
             </p:nvPr>
           </p:nvPicPr>
           <p:blipFill>
-            <a:blip r:embed="rId42" cstate="screen"/>
+            <a:blip r:embed="rId18" cstate="screen"/>
             <a:srcRect/>
             <a:stretch>
               <a:fillRect/>
@@ -1298,12 +1294,12 @@
             </p:cNvPicPr>
             <p:nvPr>
               <p:custDataLst>
-                <p:tags r:id="rId32"/>
+                <p:tags r:id="rId19"/>
               </p:custDataLst>
             </p:nvPr>
           </p:nvPicPr>
           <p:blipFill>
-            <a:blip r:embed="rId43" cstate="screen"/>
+            <a:blip r:embed="rId20" cstate="screen"/>
             <a:srcRect/>
             <a:stretch>
               <a:fillRect/>
@@ -1370,12 +1366,12 @@
             </p:cNvPicPr>
             <p:nvPr>
               <p:custDataLst>
-                <p:tags r:id="rId33"/>
+                <p:tags r:id="rId21"/>
               </p:custDataLst>
             </p:nvPr>
           </p:nvPicPr>
           <p:blipFill>
-            <a:blip r:embed="rId44" cstate="screen"/>
+            <a:blip r:embed="rId22" cstate="screen"/>
             <a:srcRect/>
             <a:stretch>
               <a:fillRect/>
@@ -1441,7 +1437,7 @@
           <p:cNvGrpSpPr/>
           <p:nvPr>
             <p:custDataLst>
-              <p:tags r:id="rId2"/>
+              <p:tags r:id="rId23"/>
             </p:custDataLst>
           </p:nvPr>
         </p:nvGrpSpPr>
@@ -1461,12 +1457,12 @@
             </p:cNvPicPr>
             <p:nvPr>
               <p:custDataLst>
-                <p:tags r:id="rId9"/>
+                <p:tags r:id="rId24"/>
               </p:custDataLst>
             </p:nvPr>
           </p:nvPicPr>
           <p:blipFill>
-            <a:blip r:embed="rId45" cstate="screen"/>
+            <a:blip r:embed="rId25" cstate="screen"/>
             <a:srcRect/>
             <a:stretch>
               <a:fillRect/>
@@ -1533,12 +1529,12 @@
             </p:cNvPicPr>
             <p:nvPr>
               <p:custDataLst>
-                <p:tags r:id="rId10"/>
+                <p:tags r:id="rId26"/>
               </p:custDataLst>
             </p:nvPr>
           </p:nvPicPr>
           <p:blipFill>
-            <a:blip r:embed="rId46" cstate="screen"/>
+            <a:blip r:embed="rId27" cstate="screen"/>
             <a:srcRect/>
             <a:stretch>
               <a:fillRect/>
@@ -1605,12 +1601,12 @@
             </p:cNvPicPr>
             <p:nvPr>
               <p:custDataLst>
-                <p:tags r:id="rId11"/>
+                <p:tags r:id="rId28"/>
               </p:custDataLst>
             </p:nvPr>
           </p:nvPicPr>
           <p:blipFill>
-            <a:blip r:embed="rId47" cstate="screen"/>
+            <a:blip r:embed="rId29" cstate="screen"/>
             <a:srcRect/>
             <a:stretch>
               <a:fillRect/>
@@ -1677,12 +1673,12 @@
             </p:cNvPicPr>
             <p:nvPr>
               <p:custDataLst>
-                <p:tags r:id="rId12"/>
+                <p:tags r:id="rId30"/>
               </p:custDataLst>
             </p:nvPr>
           </p:nvPicPr>
           <p:blipFill>
-            <a:blip r:embed="rId48" cstate="screen"/>
+            <a:blip r:embed="rId31" cstate="screen"/>
             <a:srcRect/>
             <a:stretch>
               <a:fillRect/>
@@ -1749,12 +1745,12 @@
             </p:cNvPicPr>
             <p:nvPr>
               <p:custDataLst>
-                <p:tags r:id="rId13"/>
+                <p:tags r:id="rId32"/>
               </p:custDataLst>
             </p:nvPr>
           </p:nvPicPr>
           <p:blipFill>
-            <a:blip r:embed="rId49" cstate="screen"/>
+            <a:blip r:embed="rId33" cstate="screen"/>
             <a:srcRect/>
             <a:stretch>
               <a:fillRect/>
@@ -1837,12 +1833,12 @@
             </p:cNvPicPr>
             <p:nvPr>
               <p:custDataLst>
-                <p:tags r:id="rId14"/>
+                <p:tags r:id="rId34"/>
               </p:custDataLst>
             </p:nvPr>
           </p:nvPicPr>
           <p:blipFill>
-            <a:blip r:embed="rId50" cstate="screen"/>
+            <a:blip r:embed="rId35" cstate="screen"/>
             <a:srcRect/>
             <a:stretch>
               <a:fillRect/>
@@ -1925,12 +1921,12 @@
             </p:cNvPicPr>
             <p:nvPr>
               <p:custDataLst>
-                <p:tags r:id="rId15"/>
+                <p:tags r:id="rId36"/>
               </p:custDataLst>
             </p:nvPr>
           </p:nvPicPr>
           <p:blipFill>
-            <a:blip r:embed="rId51" cstate="screen"/>
+            <a:blip r:embed="rId37" cstate="screen"/>
             <a:srcRect/>
             <a:stretch>
               <a:fillRect/>
@@ -2029,12 +2025,12 @@
             </p:cNvPicPr>
             <p:nvPr>
               <p:custDataLst>
-                <p:tags r:id="rId16"/>
+                <p:tags r:id="rId38"/>
               </p:custDataLst>
             </p:nvPr>
           </p:nvPicPr>
           <p:blipFill>
-            <a:blip r:embed="rId52" cstate="screen"/>
+            <a:blip r:embed="rId39" cstate="screen"/>
             <a:srcRect/>
             <a:stretch>
               <a:fillRect/>
@@ -2101,12 +2097,12 @@
             </p:cNvPicPr>
             <p:nvPr>
               <p:custDataLst>
-                <p:tags r:id="rId17"/>
+                <p:tags r:id="rId40"/>
               </p:custDataLst>
             </p:nvPr>
           </p:nvPicPr>
           <p:blipFill>
-            <a:blip r:embed="rId53" cstate="screen"/>
+            <a:blip r:embed="rId41" cstate="screen"/>
             <a:srcRect/>
             <a:stretch>
               <a:fillRect/>
@@ -2173,12 +2169,12 @@
             </p:cNvPicPr>
             <p:nvPr>
               <p:custDataLst>
-                <p:tags r:id="rId18"/>
+                <p:tags r:id="rId42"/>
               </p:custDataLst>
             </p:nvPr>
           </p:nvPicPr>
           <p:blipFill>
-            <a:blip r:embed="rId54" cstate="screen"/>
+            <a:blip r:embed="rId43" cstate="screen"/>
             <a:srcRect/>
             <a:stretch>
               <a:fillRect/>
@@ -2245,12 +2241,12 @@
             </p:cNvPicPr>
             <p:nvPr>
               <p:custDataLst>
-                <p:tags r:id="rId19"/>
+                <p:tags r:id="rId44"/>
               </p:custDataLst>
             </p:nvPr>
           </p:nvPicPr>
           <p:blipFill>
-            <a:blip r:embed="rId55" cstate="screen"/>
+            <a:blip r:embed="rId45" cstate="screen"/>
             <a:srcRect/>
             <a:stretch>
               <a:fillRect/>
@@ -2317,12 +2313,12 @@
             </p:cNvPicPr>
             <p:nvPr>
               <p:custDataLst>
-                <p:tags r:id="rId20"/>
+                <p:tags r:id="rId46"/>
               </p:custDataLst>
             </p:nvPr>
           </p:nvPicPr>
           <p:blipFill>
-            <a:blip r:embed="rId56" cstate="screen"/>
+            <a:blip r:embed="rId47" cstate="screen"/>
             <a:srcRect/>
             <a:stretch>
               <a:fillRect/>
@@ -2389,12 +2385,12 @@
             </p:cNvPicPr>
             <p:nvPr>
               <p:custDataLst>
-                <p:tags r:id="rId21"/>
+                <p:tags r:id="rId48"/>
               </p:custDataLst>
             </p:nvPr>
           </p:nvPicPr>
           <p:blipFill>
-            <a:blip r:embed="rId57" cstate="screen"/>
+            <a:blip r:embed="rId49" cstate="screen"/>
             <a:srcRect/>
             <a:stretch>
               <a:fillRect/>
@@ -2461,12 +2457,12 @@
             </p:cNvPicPr>
             <p:nvPr>
               <p:custDataLst>
-                <p:tags r:id="rId22"/>
+                <p:tags r:id="rId50"/>
               </p:custDataLst>
             </p:nvPr>
           </p:nvPicPr>
           <p:blipFill>
-            <a:blip r:embed="rId58" cstate="screen"/>
+            <a:blip r:embed="rId51" cstate="screen"/>
             <a:srcRect/>
             <a:stretch>
               <a:fillRect/>
@@ -2533,12 +2529,12 @@
             </p:cNvPicPr>
             <p:nvPr>
               <p:custDataLst>
-                <p:tags r:id="rId23"/>
+                <p:tags r:id="rId52"/>
               </p:custDataLst>
             </p:nvPr>
           </p:nvPicPr>
           <p:blipFill>
-            <a:blip r:embed="rId59" cstate="screen"/>
+            <a:blip r:embed="rId53" cstate="screen"/>
             <a:srcRect/>
             <a:stretch>
               <a:fillRect/>
@@ -2607,7 +2603,7 @@
           <p:nvPr>
             <p:ph type="dt" sz="half" idx="10"/>
             <p:custDataLst>
-              <p:tags r:id="rId3"/>
+              <p:tags r:id="rId54"/>
             </p:custDataLst>
           </p:nvPr>
         </p:nvSpPr>
@@ -2618,7 +2614,6 @@
           <a:p>
             <a:fld id="{760FBDFE-C587-4B4C-A407-44438C67B59E}" type="datetimeFigureOut">
               <a:rPr lang="zh-CN" altLang="en-US" smtClean="0"/>
-              <a:t>2019/6/23</a:t>
             </a:fld>
             <a:endParaRPr lang="zh-CN" altLang="en-US"/>
           </a:p>
@@ -2633,7 +2628,7 @@
           <p:nvPr>
             <p:ph type="ftr" sz="quarter" idx="11"/>
             <p:custDataLst>
-              <p:tags r:id="rId4"/>
+              <p:tags r:id="rId55"/>
             </p:custDataLst>
           </p:nvPr>
         </p:nvSpPr>
@@ -2655,7 +2650,7 @@
           <p:nvPr>
             <p:ph type="sldNum" sz="quarter" idx="12"/>
             <p:custDataLst>
-              <p:tags r:id="rId5"/>
+              <p:tags r:id="rId56"/>
             </p:custDataLst>
           </p:nvPr>
         </p:nvSpPr>
@@ -2666,7 +2661,6 @@
           <a:p>
             <a:fld id="{49AE70B2-8BF9-45C0-BB95-33D1B9D3A854}" type="slidenum">
               <a:rPr lang="zh-CN" altLang="en-US" smtClean="0"/>
-              <a:t>‹#›</a:t>
             </a:fld>
             <a:endParaRPr lang="zh-CN" altLang="en-US" dirty="0"/>
           </a:p>
@@ -2678,7 +2672,7 @@
           <p:cNvCxnSpPr/>
           <p:nvPr>
             <p:custDataLst>
-              <p:tags r:id="rId6"/>
+              <p:tags r:id="rId57"/>
             </p:custDataLst>
           </p:nvPr>
         </p:nvCxnSpPr>
@@ -2720,7 +2714,7 @@
           <p:nvPr>
             <p:ph type="ctrTitle" hasCustomPrompt="1"/>
             <p:custDataLst>
-              <p:tags r:id="rId7"/>
+              <p:tags r:id="rId58"/>
             </p:custDataLst>
           </p:nvPr>
         </p:nvSpPr>
@@ -2751,6 +2745,7 @@
               <a:rPr lang="zh-CN" altLang="en-US" dirty="0"/>
               <a:t>编辑标题</a:t>
             </a:r>
+            <a:endParaRPr lang="zh-CN" altLang="en-US" dirty="0"/>
           </a:p>
         </p:txBody>
       </p:sp>
@@ -2763,7 +2758,7 @@
           <p:nvPr>
             <p:ph type="body" sz="quarter" idx="13" hasCustomPrompt="1"/>
             <p:custDataLst>
-              <p:tags r:id="rId8"/>
+              <p:tags r:id="rId59"/>
             </p:custDataLst>
           </p:nvPr>
         </p:nvSpPr>
@@ -2795,6 +2790,7 @@
               <a:rPr lang="zh-CN" altLang="en-US" dirty="0"/>
               <a:t>编辑文本</a:t>
             </a:r>
+            <a:endParaRPr lang="zh-CN" altLang="en-US" dirty="0"/>
           </a:p>
         </p:txBody>
       </p:sp>
@@ -2803,13 +2799,13 @@
   <p:clrMapOvr>
     <a:masterClrMapping/>
   </p:clrMapOvr>
-  <mc:AlternateContent xmlns:mc="http://schemas.openxmlformats.org/markup-compatibility/2006" xmlns:p14="http://schemas.microsoft.com/office/powerpoint/2010/main">
-    <mc:Choice Requires="p14">
+  <mc:AlternateContent xmlns:mc="http://schemas.openxmlformats.org/markup-compatibility/2006">
+    <mc:Choice xmlns:p14="http://schemas.microsoft.com/office/powerpoint/2010/main" Requires="p14">
       <p:transition spd="med" p14:dur="700">
         <p:fade/>
       </p:transition>
     </mc:Choice>
-    <mc:Fallback xmlns="">
+    <mc:Fallback>
       <p:transition spd="med">
         <p:fade/>
       </p:transition>
@@ -2844,7 +2840,7 @@
           <p:nvPr>
             <p:ph type="dt" sz="half" idx="10"/>
             <p:custDataLst>
-              <p:tags r:id="rId1"/>
+              <p:tags r:id="rId2"/>
             </p:custDataLst>
           </p:nvPr>
         </p:nvSpPr>
@@ -2855,7 +2851,6 @@
           <a:p>
             <a:fld id="{760FBDFE-C587-4B4C-A407-44438C67B59E}" type="datetimeFigureOut">
               <a:rPr lang="zh-CN" altLang="en-US" smtClean="0"/>
-              <a:t>2019/6/23</a:t>
             </a:fld>
             <a:endParaRPr lang="zh-CN" altLang="en-US"/>
           </a:p>
@@ -2870,7 +2865,7 @@
           <p:nvPr>
             <p:ph type="ftr" sz="quarter" idx="11"/>
             <p:custDataLst>
-              <p:tags r:id="rId2"/>
+              <p:tags r:id="rId3"/>
             </p:custDataLst>
           </p:nvPr>
         </p:nvSpPr>
@@ -2892,7 +2887,7 @@
           <p:nvPr>
             <p:ph type="sldNum" sz="quarter" idx="12"/>
             <p:custDataLst>
-              <p:tags r:id="rId3"/>
+              <p:tags r:id="rId4"/>
             </p:custDataLst>
           </p:nvPr>
         </p:nvSpPr>
@@ -2903,7 +2898,6 @@
           <a:p>
             <a:fld id="{49AE70B2-8BF9-45C0-BB95-33D1B9D3A854}" type="slidenum">
               <a:rPr lang="zh-CN" altLang="en-US" smtClean="0"/>
-              <a:t>‹#›</a:t>
             </a:fld>
             <a:endParaRPr lang="zh-CN" altLang="en-US"/>
           </a:p>
@@ -2918,7 +2912,7 @@
           <p:nvPr>
             <p:ph sz="quarter" idx="13"/>
             <p:custDataLst>
-              <p:tags r:id="rId4"/>
+              <p:tags r:id="rId5"/>
             </p:custDataLst>
           </p:nvPr>
         </p:nvSpPr>
@@ -2937,6 +2931,7 @@
               <a:rPr lang="zh-CN" altLang="en-US" dirty="0"/>
               <a:t>单击此处编辑母版文本样式</a:t>
             </a:r>
+            <a:endParaRPr lang="zh-CN" altLang="en-US" dirty="0"/>
           </a:p>
           <a:p>
             <a:pPr lvl="1"/>
@@ -2944,6 +2939,7 @@
               <a:rPr lang="zh-CN" altLang="en-US" dirty="0"/>
               <a:t>第二级</a:t>
             </a:r>
+            <a:endParaRPr lang="zh-CN" altLang="en-US" dirty="0"/>
           </a:p>
           <a:p>
             <a:pPr lvl="2"/>
@@ -2951,6 +2947,7 @@
               <a:rPr lang="zh-CN" altLang="en-US" dirty="0"/>
               <a:t>第三级</a:t>
             </a:r>
+            <a:endParaRPr lang="zh-CN" altLang="en-US" dirty="0"/>
           </a:p>
           <a:p>
             <a:pPr lvl="3"/>
@@ -2958,6 +2955,7 @@
               <a:rPr lang="zh-CN" altLang="en-US" dirty="0"/>
               <a:t>第四级</a:t>
             </a:r>
+            <a:endParaRPr lang="zh-CN" altLang="en-US" dirty="0"/>
           </a:p>
           <a:p>
             <a:pPr lvl="4"/>
@@ -2965,6 +2963,7 @@
               <a:rPr lang="zh-CN" altLang="en-US" dirty="0"/>
               <a:t>第五级</a:t>
             </a:r>
+            <a:endParaRPr lang="zh-CN" altLang="en-US" dirty="0"/>
           </a:p>
         </p:txBody>
       </p:sp>
@@ -2973,13 +2972,13 @@
   <p:clrMapOvr>
     <a:masterClrMapping/>
   </p:clrMapOvr>
-  <mc:AlternateContent xmlns:mc="http://schemas.openxmlformats.org/markup-compatibility/2006" xmlns:p14="http://schemas.microsoft.com/office/powerpoint/2010/main">
-    <mc:Choice Requires="p14">
+  <mc:AlternateContent xmlns:mc="http://schemas.openxmlformats.org/markup-compatibility/2006">
+    <mc:Choice xmlns:p14="http://schemas.microsoft.com/office/powerpoint/2010/main" Requires="p14">
       <p:transition spd="med" p14:dur="700">
         <p:fade/>
       </p:transition>
     </mc:Choice>
-    <mc:Fallback xmlns="">
+    <mc:Fallback>
       <p:transition spd="med">
         <p:fade/>
       </p:transition>
@@ -3011,7 +3010,7 @@
           <p:cNvSpPr/>
           <p:nvPr>
             <p:custDataLst>
-              <p:tags r:id="rId1"/>
+              <p:tags r:id="rId2"/>
             </p:custDataLst>
           </p:nvPr>
         </p:nvSpPr>
@@ -3149,7 +3148,7 @@
           <p:cNvSpPr/>
           <p:nvPr>
             <p:custDataLst>
-              <p:tags r:id="rId2"/>
+              <p:tags r:id="rId3"/>
             </p:custDataLst>
           </p:nvPr>
         </p:nvSpPr>
@@ -3287,7 +3286,7 @@
           <p:cNvSpPr/>
           <p:nvPr>
             <p:custDataLst>
-              <p:tags r:id="rId3"/>
+              <p:tags r:id="rId4"/>
             </p:custDataLst>
           </p:nvPr>
         </p:nvSpPr>
@@ -3425,7 +3424,7 @@
           <p:cNvSpPr/>
           <p:nvPr>
             <p:custDataLst>
-              <p:tags r:id="rId4"/>
+              <p:tags r:id="rId5"/>
             </p:custDataLst>
           </p:nvPr>
         </p:nvSpPr>
@@ -3563,7 +3562,7 @@
           <p:cNvSpPr/>
           <p:nvPr>
             <p:custDataLst>
-              <p:tags r:id="rId5"/>
+              <p:tags r:id="rId6"/>
             </p:custDataLst>
           </p:nvPr>
         </p:nvSpPr>
@@ -3701,7 +3700,7 @@
           <p:cNvSpPr/>
           <p:nvPr>
             <p:custDataLst>
-              <p:tags r:id="rId6"/>
+              <p:tags r:id="rId7"/>
             </p:custDataLst>
           </p:nvPr>
         </p:nvSpPr>
@@ -3839,7 +3838,7 @@
           <p:cNvSpPr/>
           <p:nvPr>
             <p:custDataLst>
-              <p:tags r:id="rId7"/>
+              <p:tags r:id="rId8"/>
             </p:custDataLst>
           </p:nvPr>
         </p:nvSpPr>
@@ -3977,7 +3976,7 @@
           <p:cNvSpPr/>
           <p:nvPr>
             <p:custDataLst>
-              <p:tags r:id="rId8"/>
+              <p:tags r:id="rId9"/>
             </p:custDataLst>
           </p:nvPr>
         </p:nvSpPr>
@@ -4115,7 +4114,7 @@
           <p:cNvSpPr/>
           <p:nvPr>
             <p:custDataLst>
-              <p:tags r:id="rId9"/>
+              <p:tags r:id="rId10"/>
             </p:custDataLst>
           </p:nvPr>
         </p:nvSpPr>
@@ -4253,7 +4252,7 @@
           <p:cNvSpPr/>
           <p:nvPr>
             <p:custDataLst>
-              <p:tags r:id="rId10"/>
+              <p:tags r:id="rId11"/>
             </p:custDataLst>
           </p:nvPr>
         </p:nvSpPr>
@@ -4391,7 +4390,7 @@
           <p:cNvSpPr/>
           <p:nvPr>
             <p:custDataLst>
-              <p:tags r:id="rId11"/>
+              <p:tags r:id="rId12"/>
             </p:custDataLst>
           </p:nvPr>
         </p:nvSpPr>
@@ -4529,7 +4528,7 @@
           <p:cNvSpPr/>
           <p:nvPr>
             <p:custDataLst>
-              <p:tags r:id="rId12"/>
+              <p:tags r:id="rId13"/>
             </p:custDataLst>
           </p:nvPr>
         </p:nvSpPr>
@@ -4667,7 +4666,7 @@
           <p:cNvSpPr/>
           <p:nvPr>
             <p:custDataLst>
-              <p:tags r:id="rId13"/>
+              <p:tags r:id="rId14"/>
             </p:custDataLst>
           </p:nvPr>
         </p:nvSpPr>
@@ -4815,7 +4814,7 @@
           <p:cNvSpPr/>
           <p:nvPr>
             <p:custDataLst>
-              <p:tags r:id="rId14"/>
+              <p:tags r:id="rId15"/>
             </p:custDataLst>
           </p:nvPr>
         </p:nvSpPr>
@@ -4963,7 +4962,7 @@
           <p:cNvSpPr/>
           <p:nvPr>
             <p:custDataLst>
-              <p:tags r:id="rId15"/>
+              <p:tags r:id="rId16"/>
             </p:custDataLst>
           </p:nvPr>
         </p:nvSpPr>
@@ -5119,7 +5118,7 @@
           <p:cNvSpPr/>
           <p:nvPr>
             <p:custDataLst>
-              <p:tags r:id="rId16"/>
+              <p:tags r:id="rId17"/>
             </p:custDataLst>
           </p:nvPr>
         </p:nvSpPr>
@@ -5275,7 +5274,7 @@
           <p:cNvSpPr/>
           <p:nvPr>
             <p:custDataLst>
-              <p:tags r:id="rId17"/>
+              <p:tags r:id="rId18"/>
             </p:custDataLst>
           </p:nvPr>
         </p:nvSpPr>
@@ -5422,7 +5421,7 @@
           <p:cNvSpPr/>
           <p:nvPr>
             <p:custDataLst>
-              <p:tags r:id="rId18"/>
+              <p:tags r:id="rId19"/>
             </p:custDataLst>
           </p:nvPr>
         </p:nvSpPr>
@@ -5569,7 +5568,7 @@
           <p:cNvSpPr/>
           <p:nvPr>
             <p:custDataLst>
-              <p:tags r:id="rId19"/>
+              <p:tags r:id="rId20"/>
             </p:custDataLst>
           </p:nvPr>
         </p:nvSpPr>
@@ -5716,7 +5715,7 @@
           <p:cNvSpPr/>
           <p:nvPr>
             <p:custDataLst>
-              <p:tags r:id="rId20"/>
+              <p:tags r:id="rId21"/>
             </p:custDataLst>
           </p:nvPr>
         </p:nvSpPr>
@@ -5863,7 +5862,7 @@
           <p:cNvSpPr/>
           <p:nvPr>
             <p:custDataLst>
-              <p:tags r:id="rId21"/>
+              <p:tags r:id="rId22"/>
             </p:custDataLst>
           </p:nvPr>
         </p:nvSpPr>
@@ -6010,7 +6009,7 @@
           <p:cNvSpPr/>
           <p:nvPr>
             <p:custDataLst>
-              <p:tags r:id="rId22"/>
+              <p:tags r:id="rId23"/>
             </p:custDataLst>
           </p:nvPr>
         </p:nvSpPr>
@@ -6149,7 +6148,7 @@
           <p:cNvSpPr/>
           <p:nvPr>
             <p:custDataLst>
-              <p:tags r:id="rId23"/>
+              <p:tags r:id="rId24"/>
             </p:custDataLst>
           </p:nvPr>
         </p:nvSpPr>
@@ -6288,7 +6287,7 @@
           <p:cNvSpPr/>
           <p:nvPr>
             <p:custDataLst>
-              <p:tags r:id="rId24"/>
+              <p:tags r:id="rId25"/>
             </p:custDataLst>
           </p:nvPr>
         </p:nvSpPr>
@@ -6427,7 +6426,7 @@
           <p:cNvSpPr/>
           <p:nvPr>
             <p:custDataLst>
-              <p:tags r:id="rId25"/>
+              <p:tags r:id="rId26"/>
             </p:custDataLst>
           </p:nvPr>
         </p:nvSpPr>
@@ -6566,7 +6565,7 @@
           <p:cNvSpPr/>
           <p:nvPr>
             <p:custDataLst>
-              <p:tags r:id="rId26"/>
+              <p:tags r:id="rId27"/>
             </p:custDataLst>
           </p:nvPr>
         </p:nvSpPr>
@@ -6713,7 +6712,7 @@
           <p:cNvSpPr/>
           <p:nvPr>
             <p:custDataLst>
-              <p:tags r:id="rId27"/>
+              <p:tags r:id="rId28"/>
             </p:custDataLst>
           </p:nvPr>
         </p:nvSpPr>
@@ -6860,7 +6859,7 @@
           <p:cNvSpPr/>
           <p:nvPr>
             <p:custDataLst>
-              <p:tags r:id="rId28"/>
+              <p:tags r:id="rId29"/>
             </p:custDataLst>
           </p:nvPr>
         </p:nvSpPr>
@@ -7007,7 +7006,7 @@
           <p:cNvSpPr/>
           <p:nvPr>
             <p:custDataLst>
-              <p:tags r:id="rId29"/>
+              <p:tags r:id="rId30"/>
             </p:custDataLst>
           </p:nvPr>
         </p:nvSpPr>
@@ -7154,7 +7153,7 @@
           <p:cNvSpPr/>
           <p:nvPr>
             <p:custDataLst>
-              <p:tags r:id="rId30"/>
+              <p:tags r:id="rId31"/>
             </p:custDataLst>
           </p:nvPr>
         </p:nvSpPr>
@@ -7301,7 +7300,7 @@
           <p:cNvSpPr/>
           <p:nvPr>
             <p:custDataLst>
-              <p:tags r:id="rId31"/>
+              <p:tags r:id="rId32"/>
             </p:custDataLst>
           </p:nvPr>
         </p:nvSpPr>
@@ -7448,7 +7447,7 @@
           <p:cNvSpPr/>
           <p:nvPr>
             <p:custDataLst>
-              <p:tags r:id="rId32"/>
+              <p:tags r:id="rId33"/>
             </p:custDataLst>
           </p:nvPr>
         </p:nvSpPr>
@@ -7598,7 +7597,7 @@
           <p:nvPr>
             <p:ph type="title" hasCustomPrompt="1"/>
             <p:custDataLst>
-              <p:tags r:id="rId33"/>
+              <p:tags r:id="rId34"/>
             </p:custDataLst>
           </p:nvPr>
         </p:nvSpPr>
@@ -7641,6 +7640,9 @@
               </a:rPr>
               <a:t>编辑标题</a:t>
             </a:r>
+            <a:endParaRPr dirty="0">
+              <a:sym typeface="+mn-ea"/>
+            </a:endParaRPr>
           </a:p>
         </p:txBody>
       </p:sp>
@@ -7653,7 +7655,7 @@
           <p:nvPr>
             <p:ph type="dt" sz="half" idx="10"/>
             <p:custDataLst>
-              <p:tags r:id="rId34"/>
+              <p:tags r:id="rId35"/>
             </p:custDataLst>
           </p:nvPr>
         </p:nvSpPr>
@@ -7664,7 +7666,6 @@
           <a:p>
             <a:fld id="{760FBDFE-C587-4B4C-A407-44438C67B59E}" type="datetimeFigureOut">
               <a:rPr lang="zh-CN" altLang="en-US" smtClean="0"/>
-              <a:t>2019/6/23</a:t>
             </a:fld>
             <a:endParaRPr lang="zh-CN" altLang="en-US"/>
           </a:p>
@@ -7679,7 +7680,7 @@
           <p:nvPr>
             <p:ph type="ftr" sz="quarter" idx="11"/>
             <p:custDataLst>
-              <p:tags r:id="rId35"/>
+              <p:tags r:id="rId36"/>
             </p:custDataLst>
           </p:nvPr>
         </p:nvSpPr>
@@ -7701,7 +7702,7 @@
           <p:nvPr>
             <p:ph type="sldNum" sz="quarter" idx="12"/>
             <p:custDataLst>
-              <p:tags r:id="rId36"/>
+              <p:tags r:id="rId37"/>
             </p:custDataLst>
           </p:nvPr>
         </p:nvSpPr>
@@ -7712,7 +7713,6 @@
           <a:p>
             <a:fld id="{49AE70B2-8BF9-45C0-BB95-33D1B9D3A854}" type="slidenum">
               <a:rPr lang="zh-CN" altLang="en-US" smtClean="0"/>
-              <a:t>‹#›</a:t>
             </a:fld>
             <a:endParaRPr lang="zh-CN" altLang="en-US"/>
           </a:p>
@@ -7723,13 +7723,13 @@
   <p:clrMapOvr>
     <a:masterClrMapping/>
   </p:clrMapOvr>
-  <mc:AlternateContent xmlns:mc="http://schemas.openxmlformats.org/markup-compatibility/2006" xmlns:p14="http://schemas.microsoft.com/office/powerpoint/2010/main">
-    <mc:Choice Requires="p14">
+  <mc:AlternateContent xmlns:mc="http://schemas.openxmlformats.org/markup-compatibility/2006">
+    <mc:Choice xmlns:p14="http://schemas.microsoft.com/office/powerpoint/2010/main" Requires="p14">
       <p:transition spd="med" p14:dur="700">
         <p:fade/>
       </p:transition>
     </mc:Choice>
-    <mc:Fallback xmlns="">
+    <mc:Fallback>
       <p:transition spd="med">
         <p:fade/>
       </p:transition>
@@ -7761,7 +7761,7 @@
           <p:cNvSpPr/>
           <p:nvPr>
             <p:custDataLst>
-              <p:tags r:id="rId1"/>
+              <p:tags r:id="rId2"/>
             </p:custDataLst>
           </p:nvPr>
         </p:nvSpPr>
@@ -7907,7 +7907,7 @@
           <p:cNvSpPr/>
           <p:nvPr>
             <p:custDataLst>
-              <p:tags r:id="rId2"/>
+              <p:tags r:id="rId3"/>
             </p:custDataLst>
           </p:nvPr>
         </p:nvSpPr>
@@ -8053,7 +8053,7 @@
           <p:cNvSpPr/>
           <p:nvPr>
             <p:custDataLst>
-              <p:tags r:id="rId3"/>
+              <p:tags r:id="rId4"/>
             </p:custDataLst>
           </p:nvPr>
         </p:nvSpPr>
@@ -8199,7 +8199,7 @@
           <p:cNvSpPr/>
           <p:nvPr>
             <p:custDataLst>
-              <p:tags r:id="rId4"/>
+              <p:tags r:id="rId5"/>
             </p:custDataLst>
           </p:nvPr>
         </p:nvSpPr>
@@ -8345,7 +8345,7 @@
           <p:cNvSpPr/>
           <p:nvPr>
             <p:custDataLst>
-              <p:tags r:id="rId5"/>
+              <p:tags r:id="rId6"/>
             </p:custDataLst>
           </p:nvPr>
         </p:nvSpPr>
@@ -8491,7 +8491,7 @@
           <p:cNvSpPr/>
           <p:nvPr>
             <p:custDataLst>
-              <p:tags r:id="rId6"/>
+              <p:tags r:id="rId7"/>
             </p:custDataLst>
           </p:nvPr>
         </p:nvSpPr>
@@ -8637,7 +8637,7 @@
           <p:cNvSpPr/>
           <p:nvPr>
             <p:custDataLst>
-              <p:tags r:id="rId7"/>
+              <p:tags r:id="rId8"/>
             </p:custDataLst>
           </p:nvPr>
         </p:nvSpPr>
@@ -8783,7 +8783,7 @@
           <p:cNvSpPr/>
           <p:nvPr>
             <p:custDataLst>
-              <p:tags r:id="rId8"/>
+              <p:tags r:id="rId9"/>
             </p:custDataLst>
           </p:nvPr>
         </p:nvSpPr>
@@ -8929,7 +8929,7 @@
           <p:cNvSpPr/>
           <p:nvPr>
             <p:custDataLst>
-              <p:tags r:id="rId9"/>
+              <p:tags r:id="rId10"/>
             </p:custDataLst>
           </p:nvPr>
         </p:nvSpPr>
@@ -9075,7 +9075,7 @@
           <p:cNvSpPr/>
           <p:nvPr>
             <p:custDataLst>
-              <p:tags r:id="rId10"/>
+              <p:tags r:id="rId11"/>
             </p:custDataLst>
           </p:nvPr>
         </p:nvSpPr>
@@ -9221,7 +9221,7 @@
           <p:cNvSpPr/>
           <p:nvPr>
             <p:custDataLst>
-              <p:tags r:id="rId11"/>
+              <p:tags r:id="rId12"/>
             </p:custDataLst>
           </p:nvPr>
         </p:nvSpPr>
@@ -9367,7 +9367,7 @@
           <p:cNvSpPr/>
           <p:nvPr>
             <p:custDataLst>
-              <p:tags r:id="rId12"/>
+              <p:tags r:id="rId13"/>
             </p:custDataLst>
           </p:nvPr>
         </p:nvSpPr>
@@ -9513,7 +9513,7 @@
           <p:cNvSpPr/>
           <p:nvPr>
             <p:custDataLst>
-              <p:tags r:id="rId13"/>
+              <p:tags r:id="rId14"/>
             </p:custDataLst>
           </p:nvPr>
         </p:nvSpPr>
@@ -9659,7 +9659,7 @@
           <p:cNvSpPr/>
           <p:nvPr>
             <p:custDataLst>
-              <p:tags r:id="rId14"/>
+              <p:tags r:id="rId15"/>
             </p:custDataLst>
           </p:nvPr>
         </p:nvSpPr>
@@ -9805,7 +9805,7 @@
           <p:cNvSpPr/>
           <p:nvPr>
             <p:custDataLst>
-              <p:tags r:id="rId15"/>
+              <p:tags r:id="rId16"/>
             </p:custDataLst>
           </p:nvPr>
         </p:nvSpPr>
@@ -9951,7 +9951,7 @@
           <p:cNvSpPr/>
           <p:nvPr>
             <p:custDataLst>
-              <p:tags r:id="rId16"/>
+              <p:tags r:id="rId17"/>
             </p:custDataLst>
           </p:nvPr>
         </p:nvSpPr>
@@ -10097,7 +10097,7 @@
           <p:cNvSpPr/>
           <p:nvPr>
             <p:custDataLst>
-              <p:tags r:id="rId17"/>
+              <p:tags r:id="rId18"/>
             </p:custDataLst>
           </p:nvPr>
         </p:nvSpPr>
@@ -10244,7 +10244,7 @@
           <p:cNvSpPr/>
           <p:nvPr>
             <p:custDataLst>
-              <p:tags r:id="rId18"/>
+              <p:tags r:id="rId19"/>
             </p:custDataLst>
           </p:nvPr>
         </p:nvSpPr>
@@ -10391,7 +10391,7 @@
           <p:cNvSpPr/>
           <p:nvPr>
             <p:custDataLst>
-              <p:tags r:id="rId19"/>
+              <p:tags r:id="rId20"/>
             </p:custDataLst>
           </p:nvPr>
         </p:nvSpPr>
@@ -10538,7 +10538,7 @@
           <p:cNvSpPr/>
           <p:nvPr>
             <p:custDataLst>
-              <p:tags r:id="rId20"/>
+              <p:tags r:id="rId21"/>
             </p:custDataLst>
           </p:nvPr>
         </p:nvSpPr>
@@ -10685,7 +10685,7 @@
           <p:cNvSpPr/>
           <p:nvPr>
             <p:custDataLst>
-              <p:tags r:id="rId21"/>
+              <p:tags r:id="rId22"/>
             </p:custDataLst>
           </p:nvPr>
         </p:nvSpPr>
@@ -10832,7 +10832,7 @@
           <p:cNvSpPr/>
           <p:nvPr>
             <p:custDataLst>
-              <p:tags r:id="rId22"/>
+              <p:tags r:id="rId23"/>
             </p:custDataLst>
           </p:nvPr>
         </p:nvSpPr>
@@ -10979,7 +10979,7 @@
           <p:cNvSpPr/>
           <p:nvPr>
             <p:custDataLst>
-              <p:tags r:id="rId23"/>
+              <p:tags r:id="rId24"/>
             </p:custDataLst>
           </p:nvPr>
         </p:nvSpPr>
@@ -11126,7 +11126,7 @@
           <p:cNvSpPr/>
           <p:nvPr>
             <p:custDataLst>
-              <p:tags r:id="rId24"/>
+              <p:tags r:id="rId25"/>
             </p:custDataLst>
           </p:nvPr>
         </p:nvSpPr>
@@ -11273,7 +11273,7 @@
           <p:cNvSpPr/>
           <p:nvPr>
             <p:custDataLst>
-              <p:tags r:id="rId25"/>
+              <p:tags r:id="rId26"/>
             </p:custDataLst>
           </p:nvPr>
         </p:nvSpPr>
@@ -11420,7 +11420,7 @@
           <p:cNvSpPr/>
           <p:nvPr>
             <p:custDataLst>
-              <p:tags r:id="rId26"/>
+              <p:tags r:id="rId27"/>
             </p:custDataLst>
           </p:nvPr>
         </p:nvSpPr>
@@ -11567,7 +11567,7 @@
           <p:cNvSpPr/>
           <p:nvPr>
             <p:custDataLst>
-              <p:tags r:id="rId27"/>
+              <p:tags r:id="rId28"/>
             </p:custDataLst>
           </p:nvPr>
         </p:nvSpPr>
@@ -11704,7 +11704,7 @@
           <p:cNvSpPr/>
           <p:nvPr>
             <p:custDataLst>
-              <p:tags r:id="rId28"/>
+              <p:tags r:id="rId29"/>
             </p:custDataLst>
           </p:nvPr>
         </p:nvSpPr>
@@ -11841,7 +11841,7 @@
           <p:cNvSpPr/>
           <p:nvPr>
             <p:custDataLst>
-              <p:tags r:id="rId29"/>
+              <p:tags r:id="rId30"/>
             </p:custDataLst>
           </p:nvPr>
         </p:nvSpPr>
@@ -11978,7 +11978,7 @@
           <p:cNvSpPr/>
           <p:nvPr>
             <p:custDataLst>
-              <p:tags r:id="rId30"/>
+              <p:tags r:id="rId31"/>
             </p:custDataLst>
           </p:nvPr>
         </p:nvSpPr>
@@ -12115,7 +12115,7 @@
           <p:cNvSpPr/>
           <p:nvPr>
             <p:custDataLst>
-              <p:tags r:id="rId31"/>
+              <p:tags r:id="rId32"/>
             </p:custDataLst>
           </p:nvPr>
         </p:nvSpPr>
@@ -12245,7 +12245,7 @@
           <p:nvPr>
             <p:ph type="title"/>
             <p:custDataLst>
-              <p:tags r:id="rId32"/>
+              <p:tags r:id="rId33"/>
             </p:custDataLst>
           </p:nvPr>
         </p:nvSpPr>
@@ -12288,6 +12288,9 @@
               </a:rPr>
               <a:t>单击此处编辑母版标题样式</a:t>
             </a:r>
+            <a:endParaRPr dirty="0">
+              <a:sym typeface="+mn-ea"/>
+            </a:endParaRPr>
           </a:p>
         </p:txBody>
       </p:sp>
@@ -12300,7 +12303,7 @@
           <p:nvPr>
             <p:ph idx="1"/>
             <p:custDataLst>
-              <p:tags r:id="rId33"/>
+              <p:tags r:id="rId34"/>
             </p:custDataLst>
           </p:nvPr>
         </p:nvSpPr>
@@ -12457,6 +12460,9 @@
               </a:rPr>
               <a:t>单击此处编辑母版文本样式</a:t>
             </a:r>
+            <a:endParaRPr dirty="0">
+              <a:sym typeface="+mn-ea"/>
+            </a:endParaRPr>
           </a:p>
           <a:p>
             <a:pPr lvl="1"/>
@@ -12466,6 +12472,9 @@
               </a:rPr>
               <a:t>第二级</a:t>
             </a:r>
+            <a:endParaRPr dirty="0">
+              <a:sym typeface="+mn-ea"/>
+            </a:endParaRPr>
           </a:p>
           <a:p>
             <a:pPr lvl="2"/>
@@ -12475,6 +12484,9 @@
               </a:rPr>
               <a:t>第三级</a:t>
             </a:r>
+            <a:endParaRPr dirty="0">
+              <a:sym typeface="+mn-ea"/>
+            </a:endParaRPr>
           </a:p>
           <a:p>
             <a:pPr lvl="3"/>
@@ -12484,6 +12496,9 @@
               </a:rPr>
               <a:t>第四级</a:t>
             </a:r>
+            <a:endParaRPr dirty="0">
+              <a:sym typeface="+mn-ea"/>
+            </a:endParaRPr>
           </a:p>
           <a:p>
             <a:pPr lvl="4"/>
@@ -12493,6 +12508,9 @@
               </a:rPr>
               <a:t>第五级</a:t>
             </a:r>
+            <a:endParaRPr dirty="0">
+              <a:sym typeface="+mn-ea"/>
+            </a:endParaRPr>
           </a:p>
         </p:txBody>
       </p:sp>
@@ -12505,7 +12523,7 @@
           <p:nvPr>
             <p:ph type="dt" sz="half" idx="10"/>
             <p:custDataLst>
-              <p:tags r:id="rId34"/>
+              <p:tags r:id="rId35"/>
             </p:custDataLst>
           </p:nvPr>
         </p:nvSpPr>
@@ -12516,7 +12534,6 @@
           <a:p>
             <a:fld id="{760FBDFE-C587-4B4C-A407-44438C67B59E}" type="datetimeFigureOut">
               <a:rPr lang="zh-CN" altLang="en-US" smtClean="0"/>
-              <a:t>2019/6/23</a:t>
             </a:fld>
             <a:endParaRPr lang="zh-CN" altLang="en-US"/>
           </a:p>
@@ -12531,7 +12548,7 @@
           <p:nvPr>
             <p:ph type="ftr" sz="quarter" idx="11"/>
             <p:custDataLst>
-              <p:tags r:id="rId35"/>
+              <p:tags r:id="rId36"/>
             </p:custDataLst>
           </p:nvPr>
         </p:nvSpPr>
@@ -12553,7 +12570,7 @@
           <p:nvPr>
             <p:ph type="sldNum" sz="quarter" idx="12"/>
             <p:custDataLst>
-              <p:tags r:id="rId36"/>
+              <p:tags r:id="rId37"/>
             </p:custDataLst>
           </p:nvPr>
         </p:nvSpPr>
@@ -12564,7 +12581,6 @@
           <a:p>
             <a:fld id="{49AE70B2-8BF9-45C0-BB95-33D1B9D3A854}" type="slidenum">
               <a:rPr lang="zh-CN" altLang="en-US" smtClean="0"/>
-              <a:t>‹#›</a:t>
             </a:fld>
             <a:endParaRPr lang="zh-CN" altLang="en-US"/>
           </a:p>
@@ -12575,13 +12591,13 @@
   <p:clrMapOvr>
     <a:masterClrMapping/>
   </p:clrMapOvr>
-  <mc:AlternateContent xmlns:mc="http://schemas.openxmlformats.org/markup-compatibility/2006" xmlns:p14="http://schemas.microsoft.com/office/powerpoint/2010/main">
-    <mc:Choice Requires="p14">
+  <mc:AlternateContent xmlns:mc="http://schemas.openxmlformats.org/markup-compatibility/2006">
+    <mc:Choice xmlns:p14="http://schemas.microsoft.com/office/powerpoint/2010/main" Requires="p14">
       <p:transition spd="med" p14:dur="700">
         <p:fade/>
       </p:transition>
     </mc:Choice>
-    <mc:Fallback xmlns="">
+    <mc:Fallback>
       <p:transition spd="med">
         <p:fade/>
       </p:transition>
@@ -12613,7 +12629,7 @@
           <p:cNvGrpSpPr/>
           <p:nvPr>
             <p:custDataLst>
-              <p:tags r:id="rId1"/>
+              <p:tags r:id="rId2"/>
             </p:custDataLst>
           </p:nvPr>
         </p:nvGrpSpPr>
@@ -12631,7 +12647,7 @@
             <p:cNvSpPr/>
             <p:nvPr>
               <p:custDataLst>
-                <p:tags r:id="rId7"/>
+                <p:tags r:id="rId3"/>
               </p:custDataLst>
             </p:nvPr>
           </p:nvSpPr>
@@ -12712,7 +12728,7 @@
             <p:cNvSpPr/>
             <p:nvPr>
               <p:custDataLst>
-                <p:tags r:id="rId8"/>
+                <p:tags r:id="rId4"/>
               </p:custDataLst>
             </p:nvPr>
           </p:nvSpPr>
@@ -12793,7 +12809,7 @@
             <p:cNvSpPr/>
             <p:nvPr>
               <p:custDataLst>
-                <p:tags r:id="rId9"/>
+                <p:tags r:id="rId5"/>
               </p:custDataLst>
             </p:nvPr>
           </p:nvSpPr>
@@ -12874,7 +12890,7 @@
             <p:cNvSpPr/>
             <p:nvPr>
               <p:custDataLst>
-                <p:tags r:id="rId10"/>
+                <p:tags r:id="rId6"/>
               </p:custDataLst>
             </p:nvPr>
           </p:nvSpPr>
@@ -12955,7 +12971,7 @@
             <p:cNvSpPr/>
             <p:nvPr>
               <p:custDataLst>
-                <p:tags r:id="rId11"/>
+                <p:tags r:id="rId7"/>
               </p:custDataLst>
             </p:nvPr>
           </p:nvSpPr>
@@ -13050,7 +13066,7 @@
               <p:cNvSpPr/>
               <p:nvPr>
                 <p:custDataLst>
-                  <p:tags r:id="rId12"/>
+                  <p:tags r:id="rId8"/>
                 </p:custDataLst>
               </p:nvPr>
             </p:nvSpPr>
@@ -13131,7 +13147,7 @@
               <p:cNvSpPr/>
               <p:nvPr>
                 <p:custDataLst>
-                  <p:tags r:id="rId13"/>
+                  <p:tags r:id="rId9"/>
                 </p:custDataLst>
               </p:nvPr>
             </p:nvSpPr>
@@ -13212,7 +13228,7 @@
               <p:cNvSpPr/>
               <p:nvPr>
                 <p:custDataLst>
-                  <p:tags r:id="rId14"/>
+                  <p:tags r:id="rId10"/>
                 </p:custDataLst>
               </p:nvPr>
             </p:nvSpPr>
@@ -13298,7 +13314,7 @@
           <p:nvPr>
             <p:ph type="title" hasCustomPrompt="1"/>
             <p:custDataLst>
-              <p:tags r:id="rId2"/>
+              <p:tags r:id="rId11"/>
             </p:custDataLst>
           </p:nvPr>
         </p:nvSpPr>
@@ -13332,6 +13348,7 @@
               <a:rPr lang="zh-CN" altLang="en-US" dirty="0"/>
               <a:t>单击此处编辑标题</a:t>
             </a:r>
+            <a:endParaRPr lang="zh-CN" altLang="en-US" dirty="0"/>
           </a:p>
         </p:txBody>
       </p:sp>
@@ -13344,7 +13361,7 @@
           <p:nvPr>
             <p:ph type="body" idx="1"/>
             <p:custDataLst>
-              <p:tags r:id="rId3"/>
+              <p:tags r:id="rId12"/>
             </p:custDataLst>
           </p:nvPr>
         </p:nvSpPr>
@@ -13462,6 +13479,7 @@
               <a:rPr lang="zh-CN" altLang="en-US" dirty="0"/>
               <a:t>单击此处编辑母版文本样式</a:t>
             </a:r>
+            <a:endParaRPr lang="zh-CN" altLang="en-US" dirty="0"/>
           </a:p>
         </p:txBody>
       </p:sp>
@@ -13474,7 +13492,7 @@
           <p:nvPr>
             <p:ph type="dt" sz="half" idx="10"/>
             <p:custDataLst>
-              <p:tags r:id="rId4"/>
+              <p:tags r:id="rId13"/>
             </p:custDataLst>
           </p:nvPr>
         </p:nvSpPr>
@@ -13485,7 +13503,6 @@
           <a:p>
             <a:fld id="{760FBDFE-C587-4B4C-A407-44438C67B59E}" type="datetimeFigureOut">
               <a:rPr lang="zh-CN" altLang="en-US" smtClean="0"/>
-              <a:t>2019/6/23</a:t>
             </a:fld>
             <a:endParaRPr lang="zh-CN" altLang="en-US"/>
           </a:p>
@@ -13500,7 +13517,7 @@
           <p:nvPr>
             <p:ph type="ftr" sz="quarter" idx="11"/>
             <p:custDataLst>
-              <p:tags r:id="rId5"/>
+              <p:tags r:id="rId14"/>
             </p:custDataLst>
           </p:nvPr>
         </p:nvSpPr>
@@ -13522,7 +13539,7 @@
           <p:nvPr>
             <p:ph type="sldNum" sz="quarter" idx="12"/>
             <p:custDataLst>
-              <p:tags r:id="rId6"/>
+              <p:tags r:id="rId15"/>
             </p:custDataLst>
           </p:nvPr>
         </p:nvSpPr>
@@ -13533,7 +13550,6 @@
           <a:p>
             <a:fld id="{49AE70B2-8BF9-45C0-BB95-33D1B9D3A854}" type="slidenum">
               <a:rPr lang="zh-CN" altLang="en-US" smtClean="0"/>
-              <a:t>‹#›</a:t>
             </a:fld>
             <a:endParaRPr lang="zh-CN" altLang="en-US"/>
           </a:p>
@@ -13544,13 +13560,13 @@
   <p:clrMapOvr>
     <a:masterClrMapping/>
   </p:clrMapOvr>
-  <mc:AlternateContent xmlns:mc="http://schemas.openxmlformats.org/markup-compatibility/2006" xmlns:p14="http://schemas.microsoft.com/office/powerpoint/2010/main">
-    <mc:Choice Requires="p14">
+  <mc:AlternateContent xmlns:mc="http://schemas.openxmlformats.org/markup-compatibility/2006">
+    <mc:Choice xmlns:p14="http://schemas.microsoft.com/office/powerpoint/2010/main" Requires="p14">
       <p:transition spd="med" p14:dur="700">
         <p:fade/>
       </p:transition>
     </mc:Choice>
-    <mc:Fallback xmlns="">
+    <mc:Fallback>
       <p:transition spd="med">
         <p:fade/>
       </p:transition>
@@ -13585,7 +13601,7 @@
           <p:nvPr>
             <p:ph type="title"/>
             <p:custDataLst>
-              <p:tags r:id="rId1"/>
+              <p:tags r:id="rId2"/>
             </p:custDataLst>
           </p:nvPr>
         </p:nvSpPr>
@@ -13628,6 +13644,9 @@
               </a:rPr>
               <a:t>单击此处编辑母版标题样式</a:t>
             </a:r>
+            <a:endParaRPr>
+              <a:sym typeface="+mn-ea"/>
+            </a:endParaRPr>
           </a:p>
         </p:txBody>
       </p:sp>
@@ -13640,7 +13659,7 @@
           <p:nvPr>
             <p:ph sz="half" idx="1"/>
             <p:custDataLst>
-              <p:tags r:id="rId2"/>
+              <p:tags r:id="rId3"/>
             </p:custDataLst>
           </p:nvPr>
         </p:nvSpPr>
@@ -13797,6 +13816,9 @@
               </a:rPr>
               <a:t>单击此处编辑母版文本样式</a:t>
             </a:r>
+            <a:endParaRPr>
+              <a:sym typeface="+mn-ea"/>
+            </a:endParaRPr>
           </a:p>
           <a:p>
             <a:pPr lvl="1"/>
@@ -13806,6 +13828,9 @@
               </a:rPr>
               <a:t>第二级</a:t>
             </a:r>
+            <a:endParaRPr>
+              <a:sym typeface="+mn-ea"/>
+            </a:endParaRPr>
           </a:p>
           <a:p>
             <a:pPr lvl="2"/>
@@ -13815,6 +13840,9 @@
               </a:rPr>
               <a:t>第三级</a:t>
             </a:r>
+            <a:endParaRPr>
+              <a:sym typeface="+mn-ea"/>
+            </a:endParaRPr>
           </a:p>
           <a:p>
             <a:pPr lvl="3"/>
@@ -13824,6 +13852,9 @@
               </a:rPr>
               <a:t>第四级</a:t>
             </a:r>
+            <a:endParaRPr>
+              <a:sym typeface="+mn-ea"/>
+            </a:endParaRPr>
           </a:p>
           <a:p>
             <a:pPr lvl="4"/>
@@ -13833,6 +13864,9 @@
               </a:rPr>
               <a:t>第五级</a:t>
             </a:r>
+            <a:endParaRPr>
+              <a:sym typeface="+mn-ea"/>
+            </a:endParaRPr>
           </a:p>
         </p:txBody>
       </p:sp>
@@ -13845,7 +13879,7 @@
           <p:nvPr>
             <p:ph sz="half" idx="2"/>
             <p:custDataLst>
-              <p:tags r:id="rId3"/>
+              <p:tags r:id="rId4"/>
             </p:custDataLst>
           </p:nvPr>
         </p:nvSpPr>
@@ -13927,6 +13961,7 @@
               <a:rPr lang="zh-CN" altLang="en-US" dirty="0"/>
               <a:t>单击此处编辑母版文本样式</a:t>
             </a:r>
+            <a:endParaRPr lang="zh-CN" altLang="en-US" dirty="0"/>
           </a:p>
           <a:p>
             <a:pPr lvl="1"/>
@@ -13934,6 +13969,7 @@
               <a:rPr lang="zh-CN" altLang="en-US" dirty="0"/>
               <a:t>第二级</a:t>
             </a:r>
+            <a:endParaRPr lang="zh-CN" altLang="en-US" dirty="0"/>
           </a:p>
           <a:p>
             <a:pPr lvl="2"/>
@@ -13941,6 +13977,7 @@
               <a:rPr lang="zh-CN" altLang="en-US" dirty="0"/>
               <a:t>第三级</a:t>
             </a:r>
+            <a:endParaRPr lang="zh-CN" altLang="en-US" dirty="0"/>
           </a:p>
           <a:p>
             <a:pPr lvl="3"/>
@@ -13948,6 +13985,7 @@
               <a:rPr lang="zh-CN" altLang="en-US" dirty="0"/>
               <a:t>第四级</a:t>
             </a:r>
+            <a:endParaRPr lang="zh-CN" altLang="en-US" dirty="0"/>
           </a:p>
           <a:p>
             <a:pPr lvl="4"/>
@@ -13955,6 +13993,7 @@
               <a:rPr lang="zh-CN" altLang="en-US" dirty="0"/>
               <a:t>第五级</a:t>
             </a:r>
+            <a:endParaRPr lang="zh-CN" altLang="en-US" dirty="0"/>
           </a:p>
         </p:txBody>
       </p:sp>
@@ -13967,7 +14006,7 @@
           <p:nvPr>
             <p:ph type="dt" sz="half" idx="10"/>
             <p:custDataLst>
-              <p:tags r:id="rId4"/>
+              <p:tags r:id="rId5"/>
             </p:custDataLst>
           </p:nvPr>
         </p:nvSpPr>
@@ -13978,7 +14017,6 @@
           <a:p>
             <a:fld id="{760FBDFE-C587-4B4C-A407-44438C67B59E}" type="datetimeFigureOut">
               <a:rPr lang="zh-CN" altLang="en-US" smtClean="0"/>
-              <a:t>2019/6/23</a:t>
             </a:fld>
             <a:endParaRPr lang="zh-CN" altLang="en-US"/>
           </a:p>
@@ -13993,7 +14031,7 @@
           <p:nvPr>
             <p:ph type="ftr" sz="quarter" idx="11"/>
             <p:custDataLst>
-              <p:tags r:id="rId5"/>
+              <p:tags r:id="rId6"/>
             </p:custDataLst>
           </p:nvPr>
         </p:nvSpPr>
@@ -14015,7 +14053,7 @@
           <p:nvPr>
             <p:ph type="sldNum" sz="quarter" idx="12"/>
             <p:custDataLst>
-              <p:tags r:id="rId6"/>
+              <p:tags r:id="rId7"/>
             </p:custDataLst>
           </p:nvPr>
         </p:nvSpPr>
@@ -14026,7 +14064,6 @@
           <a:p>
             <a:fld id="{49AE70B2-8BF9-45C0-BB95-33D1B9D3A854}" type="slidenum">
               <a:rPr lang="zh-CN" altLang="en-US" smtClean="0"/>
-              <a:t>‹#›</a:t>
             </a:fld>
             <a:endParaRPr lang="zh-CN" altLang="en-US"/>
           </a:p>
@@ -14037,13 +14074,13 @@
   <p:clrMapOvr>
     <a:masterClrMapping/>
   </p:clrMapOvr>
-  <mc:AlternateContent xmlns:mc="http://schemas.openxmlformats.org/markup-compatibility/2006" xmlns:p14="http://schemas.microsoft.com/office/powerpoint/2010/main">
-    <mc:Choice Requires="p14">
+  <mc:AlternateContent xmlns:mc="http://schemas.openxmlformats.org/markup-compatibility/2006">
+    <mc:Choice xmlns:p14="http://schemas.microsoft.com/office/powerpoint/2010/main" Requires="p14">
       <p:transition spd="med" p14:dur="700">
         <p:fade/>
       </p:transition>
     </mc:Choice>
-    <mc:Fallback xmlns="">
+    <mc:Fallback>
       <p:transition spd="med">
         <p:fade/>
       </p:transition>
@@ -14078,7 +14115,7 @@
           <p:nvPr>
             <p:ph type="title"/>
             <p:custDataLst>
-              <p:tags r:id="rId1"/>
+              <p:tags r:id="rId2"/>
             </p:custDataLst>
           </p:nvPr>
         </p:nvSpPr>
@@ -14121,6 +14158,9 @@
               </a:rPr>
               <a:t>单击此处编辑母版标题样式</a:t>
             </a:r>
+            <a:endParaRPr dirty="0">
+              <a:sym typeface="+mn-ea"/>
+            </a:endParaRPr>
           </a:p>
         </p:txBody>
       </p:sp>
@@ -14133,7 +14173,7 @@
           <p:nvPr>
             <p:ph type="body" idx="1" hasCustomPrompt="1"/>
             <p:custDataLst>
-              <p:tags r:id="rId2"/>
+              <p:tags r:id="rId3"/>
             </p:custDataLst>
           </p:nvPr>
         </p:nvSpPr>
@@ -14207,6 +14247,7 @@
               <a:rPr lang="zh-CN" altLang="en-US" dirty="0"/>
               <a:t>单击此处编辑文本</a:t>
             </a:r>
+            <a:endParaRPr lang="zh-CN" altLang="en-US" dirty="0"/>
           </a:p>
         </p:txBody>
       </p:sp>
@@ -14219,7 +14260,7 @@
           <p:nvPr>
             <p:ph sz="half" idx="2"/>
             <p:custDataLst>
-              <p:tags r:id="rId3"/>
+              <p:tags r:id="rId4"/>
             </p:custDataLst>
           </p:nvPr>
         </p:nvSpPr>
@@ -14376,6 +14417,9 @@
               </a:rPr>
               <a:t>单击此处编辑母版文本样式</a:t>
             </a:r>
+            <a:endParaRPr dirty="0">
+              <a:sym typeface="+mn-ea"/>
+            </a:endParaRPr>
           </a:p>
           <a:p>
             <a:pPr lvl="1"/>
@@ -14385,6 +14429,9 @@
               </a:rPr>
               <a:t>第二级</a:t>
             </a:r>
+            <a:endParaRPr dirty="0">
+              <a:sym typeface="+mn-ea"/>
+            </a:endParaRPr>
           </a:p>
           <a:p>
             <a:pPr lvl="2"/>
@@ -14394,6 +14441,9 @@
               </a:rPr>
               <a:t>第三级</a:t>
             </a:r>
+            <a:endParaRPr dirty="0">
+              <a:sym typeface="+mn-ea"/>
+            </a:endParaRPr>
           </a:p>
           <a:p>
             <a:pPr lvl="3"/>
@@ -14403,6 +14453,9 @@
               </a:rPr>
               <a:t>第四级</a:t>
             </a:r>
+            <a:endParaRPr dirty="0">
+              <a:sym typeface="+mn-ea"/>
+            </a:endParaRPr>
           </a:p>
           <a:p>
             <a:pPr lvl="4"/>
@@ -14412,6 +14465,9 @@
               </a:rPr>
               <a:t>第五级</a:t>
             </a:r>
+            <a:endParaRPr dirty="0">
+              <a:sym typeface="+mn-ea"/>
+            </a:endParaRPr>
           </a:p>
         </p:txBody>
       </p:sp>
@@ -14424,7 +14480,7 @@
           <p:nvPr>
             <p:ph type="body" sz="quarter" idx="3" hasCustomPrompt="1"/>
             <p:custDataLst>
-              <p:tags r:id="rId4"/>
+              <p:tags r:id="rId5"/>
             </p:custDataLst>
           </p:nvPr>
         </p:nvSpPr>
@@ -14506,6 +14562,9 @@
               </a:rPr>
               <a:t>单击此处编辑文本</a:t>
             </a:r>
+            <a:endParaRPr>
+              <a:sym typeface="+mn-ea"/>
+            </a:endParaRPr>
           </a:p>
         </p:txBody>
       </p:sp>
@@ -14518,7 +14577,7 @@
           <p:nvPr>
             <p:ph sz="quarter" idx="4"/>
             <p:custDataLst>
-              <p:tags r:id="rId5"/>
+              <p:tags r:id="rId6"/>
             </p:custDataLst>
           </p:nvPr>
         </p:nvSpPr>
@@ -14675,6 +14734,9 @@
               </a:rPr>
               <a:t>单击此处编辑母版文本样式</a:t>
             </a:r>
+            <a:endParaRPr dirty="0">
+              <a:sym typeface="+mn-ea"/>
+            </a:endParaRPr>
           </a:p>
           <a:p>
             <a:pPr lvl="1"/>
@@ -14684,6 +14746,9 @@
               </a:rPr>
               <a:t>第二级</a:t>
             </a:r>
+            <a:endParaRPr dirty="0">
+              <a:sym typeface="+mn-ea"/>
+            </a:endParaRPr>
           </a:p>
           <a:p>
             <a:pPr lvl="2"/>
@@ -14693,6 +14758,9 @@
               </a:rPr>
               <a:t>第三级</a:t>
             </a:r>
+            <a:endParaRPr dirty="0">
+              <a:sym typeface="+mn-ea"/>
+            </a:endParaRPr>
           </a:p>
           <a:p>
             <a:pPr lvl="3"/>
@@ -14702,6 +14770,9 @@
               </a:rPr>
               <a:t>第四级</a:t>
             </a:r>
+            <a:endParaRPr dirty="0">
+              <a:sym typeface="+mn-ea"/>
+            </a:endParaRPr>
           </a:p>
           <a:p>
             <a:pPr lvl="4"/>
@@ -14711,6 +14782,9 @@
               </a:rPr>
               <a:t>第五级</a:t>
             </a:r>
+            <a:endParaRPr dirty="0">
+              <a:sym typeface="+mn-ea"/>
+            </a:endParaRPr>
           </a:p>
         </p:txBody>
       </p:sp>
@@ -14723,7 +14797,7 @@
           <p:nvPr>
             <p:ph type="dt" sz="half" idx="10"/>
             <p:custDataLst>
-              <p:tags r:id="rId6"/>
+              <p:tags r:id="rId7"/>
             </p:custDataLst>
           </p:nvPr>
         </p:nvSpPr>
@@ -14734,7 +14808,6 @@
           <a:p>
             <a:fld id="{760FBDFE-C587-4B4C-A407-44438C67B59E}" type="datetimeFigureOut">
               <a:rPr lang="zh-CN" altLang="en-US" smtClean="0"/>
-              <a:t>2019/6/23</a:t>
             </a:fld>
             <a:endParaRPr lang="zh-CN" altLang="en-US"/>
           </a:p>
@@ -14749,7 +14822,7 @@
           <p:nvPr>
             <p:ph type="ftr" sz="quarter" idx="11"/>
             <p:custDataLst>
-              <p:tags r:id="rId7"/>
+              <p:tags r:id="rId8"/>
             </p:custDataLst>
           </p:nvPr>
         </p:nvSpPr>
@@ -14771,7 +14844,7 @@
           <p:nvPr>
             <p:ph type="sldNum" sz="quarter" idx="12"/>
             <p:custDataLst>
-              <p:tags r:id="rId8"/>
+              <p:tags r:id="rId9"/>
             </p:custDataLst>
           </p:nvPr>
         </p:nvSpPr>
@@ -14782,7 +14855,6 @@
           <a:p>
             <a:fld id="{49AE70B2-8BF9-45C0-BB95-33D1B9D3A854}" type="slidenum">
               <a:rPr lang="zh-CN" altLang="en-US" smtClean="0"/>
-              <a:t>‹#›</a:t>
             </a:fld>
             <a:endParaRPr lang="zh-CN" altLang="en-US"/>
           </a:p>
@@ -14793,13 +14865,13 @@
   <p:clrMapOvr>
     <a:masterClrMapping/>
   </p:clrMapOvr>
-  <mc:AlternateContent xmlns:mc="http://schemas.openxmlformats.org/markup-compatibility/2006" xmlns:p14="http://schemas.microsoft.com/office/powerpoint/2010/main">
-    <mc:Choice Requires="p14">
+  <mc:AlternateContent xmlns:mc="http://schemas.openxmlformats.org/markup-compatibility/2006">
+    <mc:Choice xmlns:p14="http://schemas.microsoft.com/office/powerpoint/2010/main" Requires="p14">
       <p:transition spd="med" p14:dur="700">
         <p:fade/>
       </p:transition>
     </mc:Choice>
-    <mc:Fallback xmlns="">
+    <mc:Fallback>
       <p:transition spd="med">
         <p:fade/>
       </p:transition>
@@ -14834,7 +14906,7 @@
           <p:nvPr>
             <p:ph type="title"/>
             <p:custDataLst>
-              <p:tags r:id="rId1"/>
+              <p:tags r:id="rId2"/>
             </p:custDataLst>
           </p:nvPr>
         </p:nvSpPr>
@@ -14872,6 +14944,9 @@
               </a:rPr>
               <a:t>单击此处编辑母版标题样式</a:t>
             </a:r>
+            <a:endParaRPr>
+              <a:sym typeface="+mn-ea"/>
+            </a:endParaRPr>
           </a:p>
         </p:txBody>
       </p:sp>
@@ -14884,7 +14959,7 @@
           <p:nvPr>
             <p:ph type="dt" sz="half" idx="10"/>
             <p:custDataLst>
-              <p:tags r:id="rId2"/>
+              <p:tags r:id="rId3"/>
             </p:custDataLst>
           </p:nvPr>
         </p:nvSpPr>
@@ -14895,7 +14970,6 @@
           <a:p>
             <a:fld id="{760FBDFE-C587-4B4C-A407-44438C67B59E}" type="datetimeFigureOut">
               <a:rPr lang="zh-CN" altLang="en-US" smtClean="0"/>
-              <a:t>2019/6/23</a:t>
             </a:fld>
             <a:endParaRPr lang="zh-CN" altLang="en-US"/>
           </a:p>
@@ -14910,7 +14984,7 @@
           <p:nvPr>
             <p:ph type="ftr" sz="quarter" idx="11"/>
             <p:custDataLst>
-              <p:tags r:id="rId3"/>
+              <p:tags r:id="rId4"/>
             </p:custDataLst>
           </p:nvPr>
         </p:nvSpPr>
@@ -14932,7 +15006,7 @@
           <p:nvPr>
             <p:ph type="sldNum" sz="quarter" idx="12"/>
             <p:custDataLst>
-              <p:tags r:id="rId4"/>
+              <p:tags r:id="rId5"/>
             </p:custDataLst>
           </p:nvPr>
         </p:nvSpPr>
@@ -14943,7 +15017,6 @@
           <a:p>
             <a:fld id="{49AE70B2-8BF9-45C0-BB95-33D1B9D3A854}" type="slidenum">
               <a:rPr lang="zh-CN" altLang="en-US" smtClean="0"/>
-              <a:t>‹#›</a:t>
             </a:fld>
             <a:endParaRPr lang="zh-CN" altLang="en-US"/>
           </a:p>
@@ -14954,13 +15027,13 @@
   <p:clrMapOvr>
     <a:masterClrMapping/>
   </p:clrMapOvr>
-  <mc:AlternateContent xmlns:mc="http://schemas.openxmlformats.org/markup-compatibility/2006" xmlns:p14="http://schemas.microsoft.com/office/powerpoint/2010/main">
-    <mc:Choice Requires="p14">
+  <mc:AlternateContent xmlns:mc="http://schemas.openxmlformats.org/markup-compatibility/2006">
+    <mc:Choice xmlns:p14="http://schemas.microsoft.com/office/powerpoint/2010/main" Requires="p14">
       <p:transition spd="med" p14:dur="700">
         <p:fade/>
       </p:transition>
     </mc:Choice>
-    <mc:Fallback xmlns="">
+    <mc:Fallback>
       <p:transition spd="med">
         <p:fade/>
       </p:transition>
@@ -14995,7 +15068,7 @@
           <p:nvPr>
             <p:ph type="dt" sz="half" idx="10"/>
             <p:custDataLst>
-              <p:tags r:id="rId1"/>
+              <p:tags r:id="rId2"/>
             </p:custDataLst>
           </p:nvPr>
         </p:nvSpPr>
@@ -15006,7 +15079,6 @@
           <a:p>
             <a:fld id="{760FBDFE-C587-4B4C-A407-44438C67B59E}" type="datetimeFigureOut">
               <a:rPr lang="zh-CN" altLang="en-US" smtClean="0"/>
-              <a:t>2019/6/23</a:t>
             </a:fld>
             <a:endParaRPr lang="zh-CN" altLang="en-US"/>
           </a:p>
@@ -15021,7 +15093,7 @@
           <p:nvPr>
             <p:ph type="ftr" sz="quarter" idx="11"/>
             <p:custDataLst>
-              <p:tags r:id="rId2"/>
+              <p:tags r:id="rId3"/>
             </p:custDataLst>
           </p:nvPr>
         </p:nvSpPr>
@@ -15043,7 +15115,7 @@
           <p:nvPr>
             <p:ph type="sldNum" sz="quarter" idx="12"/>
             <p:custDataLst>
-              <p:tags r:id="rId3"/>
+              <p:tags r:id="rId4"/>
             </p:custDataLst>
           </p:nvPr>
         </p:nvSpPr>
@@ -15054,7 +15126,6 @@
           <a:p>
             <a:fld id="{49AE70B2-8BF9-45C0-BB95-33D1B9D3A854}" type="slidenum">
               <a:rPr lang="zh-CN" altLang="en-US" smtClean="0"/>
-              <a:t>‹#›</a:t>
             </a:fld>
             <a:endParaRPr lang="zh-CN" altLang="en-US"/>
           </a:p>
@@ -15065,13 +15136,13 @@
   <p:clrMapOvr>
     <a:masterClrMapping/>
   </p:clrMapOvr>
-  <mc:AlternateContent xmlns:mc="http://schemas.openxmlformats.org/markup-compatibility/2006" xmlns:p14="http://schemas.microsoft.com/office/powerpoint/2010/main">
-    <mc:Choice Requires="p14">
+  <mc:AlternateContent xmlns:mc="http://schemas.openxmlformats.org/markup-compatibility/2006">
+    <mc:Choice xmlns:p14="http://schemas.microsoft.com/office/powerpoint/2010/main" Requires="p14">
       <p:transition spd="med" p14:dur="700">
         <p:fade/>
       </p:transition>
     </mc:Choice>
-    <mc:Fallback xmlns="">
+    <mc:Fallback>
       <p:transition spd="med">
         <p:fade/>
       </p:transition>
@@ -15106,7 +15177,7 @@
           <p:nvPr>
             <p:ph type="title"/>
             <p:custDataLst>
-              <p:tags r:id="rId1"/>
+              <p:tags r:id="rId2"/>
             </p:custDataLst>
           </p:nvPr>
         </p:nvSpPr>
@@ -15149,6 +15220,9 @@
               </a:rPr>
               <a:t>单击此处编辑母版标题样式</a:t>
             </a:r>
+            <a:endParaRPr dirty="0">
+              <a:sym typeface="+mn-ea"/>
+            </a:endParaRPr>
           </a:p>
         </p:txBody>
       </p:sp>
@@ -15161,7 +15235,7 @@
           <p:nvPr>
             <p:ph type="pic" idx="1"/>
             <p:custDataLst>
-              <p:tags r:id="rId2"/>
+              <p:tags r:id="rId3"/>
             </p:custDataLst>
           </p:nvPr>
         </p:nvSpPr>
@@ -15315,7 +15389,7 @@
           <p:nvPr>
             <p:ph type="body" sz="half" idx="2"/>
             <p:custDataLst>
-              <p:tags r:id="rId3"/>
+              <p:tags r:id="rId4"/>
             </p:custDataLst>
           </p:nvPr>
         </p:nvSpPr>
@@ -15365,6 +15439,9 @@
               </a:rPr>
               <a:t>单击此处编辑母版文本样式</a:t>
             </a:r>
+            <a:endParaRPr>
+              <a:sym typeface="+mn-ea"/>
+            </a:endParaRPr>
           </a:p>
         </p:txBody>
       </p:sp>
@@ -15377,7 +15454,7 @@
           <p:nvPr>
             <p:ph type="dt" sz="half" idx="10"/>
             <p:custDataLst>
-              <p:tags r:id="rId4"/>
+              <p:tags r:id="rId5"/>
             </p:custDataLst>
           </p:nvPr>
         </p:nvSpPr>
@@ -15388,7 +15465,6 @@
           <a:p>
             <a:fld id="{9EFD9D74-47D9-4702-A33C-335B63B48DBF}" type="datetimeFigureOut">
               <a:rPr lang="zh-CN" altLang="en-US" smtClean="0"/>
-              <a:t>2019/6/23</a:t>
             </a:fld>
             <a:endParaRPr lang="zh-CN" altLang="en-US" dirty="0"/>
           </a:p>
@@ -15403,7 +15479,7 @@
           <p:nvPr>
             <p:ph type="ftr" sz="quarter" idx="11"/>
             <p:custDataLst>
-              <p:tags r:id="rId5"/>
+              <p:tags r:id="rId6"/>
             </p:custDataLst>
           </p:nvPr>
         </p:nvSpPr>
@@ -15425,7 +15501,7 @@
           <p:nvPr>
             <p:ph type="sldNum" sz="quarter" idx="12"/>
             <p:custDataLst>
-              <p:tags r:id="rId6"/>
+              <p:tags r:id="rId7"/>
             </p:custDataLst>
           </p:nvPr>
         </p:nvSpPr>
@@ -15436,7 +15512,6 @@
           <a:p>
             <a:fld id="{FABC47A4-756D-490B-A52F-7D9E2C9FC05F}" type="slidenum">
               <a:rPr lang="zh-CN" altLang="en-US" smtClean="0"/>
-              <a:t>‹#›</a:t>
             </a:fld>
             <a:endParaRPr lang="zh-CN" altLang="en-US"/>
           </a:p>
@@ -15447,13 +15522,13 @@
   <p:clrMapOvr>
     <a:masterClrMapping/>
   </p:clrMapOvr>
-  <mc:AlternateContent xmlns:mc="http://schemas.openxmlformats.org/markup-compatibility/2006" xmlns:p14="http://schemas.microsoft.com/office/powerpoint/2010/main">
-    <mc:Choice Requires="p14">
+  <mc:AlternateContent xmlns:mc="http://schemas.openxmlformats.org/markup-compatibility/2006">
+    <mc:Choice xmlns:p14="http://schemas.microsoft.com/office/powerpoint/2010/main" Requires="p14">
       <p:transition spd="med" p14:dur="700">
         <p:fade/>
       </p:transition>
     </mc:Choice>
-    <mc:Fallback xmlns="">
+    <mc:Fallback>
       <p:transition spd="med">
         <p:fade/>
       </p:transition>
@@ -15488,7 +15563,7 @@
           <p:nvPr>
             <p:ph type="title" orient="vert"/>
             <p:custDataLst>
-              <p:tags r:id="rId1"/>
+              <p:tags r:id="rId2"/>
             </p:custDataLst>
           </p:nvPr>
         </p:nvSpPr>
@@ -15534,6 +15609,9 @@
               </a:rPr>
               <a:t>单击此处编辑母版标题样式</a:t>
             </a:r>
+            <a:endParaRPr>
+              <a:sym typeface="+mn-ea"/>
+            </a:endParaRPr>
           </a:p>
         </p:txBody>
       </p:sp>
@@ -15546,7 +15624,7 @@
           <p:nvPr>
             <p:ph type="body" orient="vert" idx="1"/>
             <p:custDataLst>
-              <p:tags r:id="rId2"/>
+              <p:tags r:id="rId3"/>
             </p:custDataLst>
           </p:nvPr>
         </p:nvSpPr>
@@ -15626,6 +15704,7 @@
               <a:rPr lang="zh-CN" altLang="en-US" dirty="0"/>
               <a:t>单击此处编辑母版文本样式</a:t>
             </a:r>
+            <a:endParaRPr lang="zh-CN" altLang="en-US" dirty="0"/>
           </a:p>
           <a:p>
             <a:pPr lvl="1"/>
@@ -15633,6 +15712,7 @@
               <a:rPr lang="zh-CN" altLang="en-US" dirty="0"/>
               <a:t>第二级</a:t>
             </a:r>
+            <a:endParaRPr lang="zh-CN" altLang="en-US" dirty="0"/>
           </a:p>
           <a:p>
             <a:pPr lvl="2"/>
@@ -15640,6 +15720,7 @@
               <a:rPr lang="zh-CN" altLang="en-US" dirty="0"/>
               <a:t>第三级</a:t>
             </a:r>
+            <a:endParaRPr lang="zh-CN" altLang="en-US" dirty="0"/>
           </a:p>
           <a:p>
             <a:pPr lvl="3"/>
@@ -15647,6 +15728,7 @@
               <a:rPr lang="zh-CN" altLang="en-US" dirty="0"/>
               <a:t>第四级</a:t>
             </a:r>
+            <a:endParaRPr lang="zh-CN" altLang="en-US" dirty="0"/>
           </a:p>
           <a:p>
             <a:pPr lvl="4"/>
@@ -15654,6 +15736,7 @@
               <a:rPr lang="zh-CN" altLang="en-US" dirty="0"/>
               <a:t>第五级</a:t>
             </a:r>
+            <a:endParaRPr lang="zh-CN" altLang="en-US" dirty="0"/>
           </a:p>
         </p:txBody>
       </p:sp>
@@ -15666,7 +15749,7 @@
           <p:nvPr>
             <p:ph type="dt" sz="half" idx="10"/>
             <p:custDataLst>
-              <p:tags r:id="rId3"/>
+              <p:tags r:id="rId4"/>
             </p:custDataLst>
           </p:nvPr>
         </p:nvSpPr>
@@ -15677,7 +15760,6 @@
           <a:p>
             <a:fld id="{760FBDFE-C587-4B4C-A407-44438C67B59E}" type="datetimeFigureOut">
               <a:rPr lang="zh-CN" altLang="en-US" smtClean="0"/>
-              <a:t>2019/6/23</a:t>
             </a:fld>
             <a:endParaRPr lang="zh-CN" altLang="en-US"/>
           </a:p>
@@ -15692,7 +15774,7 @@
           <p:nvPr>
             <p:ph type="ftr" sz="quarter" idx="11"/>
             <p:custDataLst>
-              <p:tags r:id="rId4"/>
+              <p:tags r:id="rId5"/>
             </p:custDataLst>
           </p:nvPr>
         </p:nvSpPr>
@@ -15714,7 +15796,7 @@
           <p:nvPr>
             <p:ph type="sldNum" sz="quarter" idx="12"/>
             <p:custDataLst>
-              <p:tags r:id="rId5"/>
+              <p:tags r:id="rId6"/>
             </p:custDataLst>
           </p:nvPr>
         </p:nvSpPr>
@@ -15725,7 +15807,6 @@
           <a:p>
             <a:fld id="{49AE70B2-8BF9-45C0-BB95-33D1B9D3A854}" type="slidenum">
               <a:rPr lang="zh-CN" altLang="en-US" smtClean="0"/>
-              <a:t>‹#›</a:t>
             </a:fld>
             <a:endParaRPr lang="zh-CN" altLang="en-US"/>
           </a:p>
@@ -15736,13 +15817,13 @@
   <p:clrMapOvr>
     <a:masterClrMapping/>
   </p:clrMapOvr>
-  <mc:AlternateContent xmlns:mc="http://schemas.openxmlformats.org/markup-compatibility/2006" xmlns:p14="http://schemas.microsoft.com/office/powerpoint/2010/main">
-    <mc:Choice Requires="p14">
+  <mc:AlternateContent xmlns:mc="http://schemas.openxmlformats.org/markup-compatibility/2006">
+    <mc:Choice xmlns:p14="http://schemas.microsoft.com/office/powerpoint/2010/main" Requires="p14">
       <p:transition spd="med" p14:dur="700">
         <p:fade/>
       </p:transition>
     </mc:Choice>
-    <mc:Fallback xmlns="">
+    <mc:Fallback>
       <p:transition spd="med">
         <p:fade/>
       </p:transition>
@@ -15785,7 +15866,7 @@
           <p:nvPr>
             <p:ph type="title"/>
             <p:custDataLst>
-              <p:tags r:id="rId13"/>
+              <p:tags r:id="rId12"/>
             </p:custDataLst>
           </p:nvPr>
         </p:nvSpPr>
@@ -15808,6 +15889,7 @@
               <a:rPr lang="zh-CN" altLang="en-US" dirty="0"/>
               <a:t>单击此处编辑母版标题样式</a:t>
             </a:r>
+            <a:endParaRPr lang="zh-CN" altLang="en-US" dirty="0"/>
           </a:p>
         </p:txBody>
       </p:sp>
@@ -15820,7 +15902,7 @@
           <p:nvPr>
             <p:ph type="body" idx="1"/>
             <p:custDataLst>
-              <p:tags r:id="rId14"/>
+              <p:tags r:id="rId13"/>
             </p:custDataLst>
           </p:nvPr>
         </p:nvSpPr>
@@ -15844,6 +15926,7 @@
               <a:rPr lang="zh-CN" altLang="en-US" dirty="0"/>
               <a:t>单击此处编辑母版文本样式</a:t>
             </a:r>
+            <a:endParaRPr lang="zh-CN" altLang="en-US" dirty="0"/>
           </a:p>
           <a:p>
             <a:pPr lvl="1"/>
@@ -15851,6 +15934,7 @@
               <a:rPr lang="zh-CN" altLang="en-US" dirty="0"/>
               <a:t>第二级</a:t>
             </a:r>
+            <a:endParaRPr lang="zh-CN" altLang="en-US" dirty="0"/>
           </a:p>
           <a:p>
             <a:pPr lvl="2"/>
@@ -15858,6 +15942,7 @@
               <a:rPr lang="zh-CN" altLang="en-US" dirty="0"/>
               <a:t>第三级</a:t>
             </a:r>
+            <a:endParaRPr lang="zh-CN" altLang="en-US" dirty="0"/>
           </a:p>
           <a:p>
             <a:pPr lvl="3"/>
@@ -15865,6 +15950,7 @@
               <a:rPr lang="zh-CN" altLang="en-US" dirty="0"/>
               <a:t>第四级</a:t>
             </a:r>
+            <a:endParaRPr lang="zh-CN" altLang="en-US" dirty="0"/>
           </a:p>
           <a:p>
             <a:pPr lvl="4"/>
@@ -15872,6 +15958,7 @@
               <a:rPr lang="zh-CN" altLang="en-US" dirty="0"/>
               <a:t>第五级</a:t>
             </a:r>
+            <a:endParaRPr lang="zh-CN" altLang="en-US" dirty="0"/>
           </a:p>
         </p:txBody>
       </p:sp>
@@ -15884,7 +15971,7 @@
           <p:nvPr>
             <p:ph type="dt" sz="half" idx="2"/>
             <p:custDataLst>
-              <p:tags r:id="rId15"/>
+              <p:tags r:id="rId14"/>
             </p:custDataLst>
           </p:nvPr>
         </p:nvSpPr>
@@ -15918,7 +16005,6 @@
           <a:p>
             <a:fld id="{760FBDFE-C587-4B4C-A407-44438C67B59E}" type="datetimeFigureOut">
               <a:rPr lang="zh-CN" altLang="en-US" smtClean="0"/>
-              <a:t>2019/6/23</a:t>
             </a:fld>
             <a:endParaRPr lang="zh-CN" altLang="en-US"/>
           </a:p>
@@ -15933,7 +16019,7 @@
           <p:nvPr>
             <p:ph type="ftr" sz="quarter" idx="3"/>
             <p:custDataLst>
-              <p:tags r:id="rId16"/>
+              <p:tags r:id="rId15"/>
             </p:custDataLst>
           </p:nvPr>
         </p:nvSpPr>
@@ -15978,7 +16064,7 @@
           <p:nvPr>
             <p:ph type="sldNum" sz="quarter" idx="4"/>
             <p:custDataLst>
-              <p:tags r:id="rId17"/>
+              <p:tags r:id="rId16"/>
             </p:custDataLst>
           </p:nvPr>
         </p:nvSpPr>
@@ -16012,7 +16098,6 @@
           <a:p>
             <a:fld id="{49AE70B2-8BF9-45C0-BB95-33D1B9D3A854}" type="slidenum">
               <a:rPr lang="zh-CN" altLang="en-US" smtClean="0"/>
-              <a:t>‹#›</a:t>
             </a:fld>
             <a:endParaRPr lang="zh-CN" altLang="en-US" dirty="0"/>
           </a:p>
@@ -16024,7 +16109,7 @@
           <p:cNvSpPr/>
           <p:nvPr>
             <p:custDataLst>
-              <p:tags r:id="rId18"/>
+              <p:tags r:id="rId17"/>
             </p:custDataLst>
           </p:nvPr>
         </p:nvSpPr>
@@ -16082,13 +16167,13 @@
     <p:sldLayoutId id="2147483658" r:id="rId10"/>
     <p:sldLayoutId id="2147483659" r:id="rId11"/>
   </p:sldLayoutIdLst>
-  <mc:AlternateContent xmlns:mc="http://schemas.openxmlformats.org/markup-compatibility/2006" xmlns:p14="http://schemas.microsoft.com/office/powerpoint/2010/main">
-    <mc:Choice Requires="p14">
+  <mc:AlternateContent xmlns:mc="http://schemas.openxmlformats.org/markup-compatibility/2006">
+    <mc:Choice xmlns:p14="http://schemas.microsoft.com/office/powerpoint/2010/main" Requires="p14">
       <p:transition spd="med" p14:dur="700">
         <p:fade/>
       </p:transition>
     </mc:Choice>
-    <mc:Fallback xmlns="">
+    <mc:Fallback>
       <p:transition spd="med">
         <p:fade/>
       </p:transition>
@@ -16455,6 +16540,7 @@
               <a:rPr lang="zh-CN" altLang="en-US" dirty="0"/>
               <a:t>户外射击游戏</a:t>
             </a:r>
+            <a:endParaRPr lang="zh-CN" altLang="en-US" dirty="0"/>
           </a:p>
         </p:txBody>
       </p:sp>
@@ -16497,6 +16583,11 @@
               </a:rPr>
               <a:t>组</a:t>
             </a:r>
+            <a:endParaRPr lang="zh-CN" altLang="en-US" dirty="0">
+              <a:solidFill>
+                <a:schemeClr val="tx1"/>
+              </a:solidFill>
+            </a:endParaRPr>
           </a:p>
         </p:txBody>
       </p:sp>
@@ -16508,13 +16599,13 @@
   <p:clrMapOvr>
     <a:masterClrMapping/>
   </p:clrMapOvr>
-  <mc:AlternateContent xmlns:mc="http://schemas.openxmlformats.org/markup-compatibility/2006" xmlns:p14="http://schemas.microsoft.com/office/powerpoint/2010/main">
-    <mc:Choice Requires="p14">
+  <mc:AlternateContent xmlns:mc="http://schemas.openxmlformats.org/markup-compatibility/2006">
+    <mc:Choice xmlns:p14="http://schemas.microsoft.com/office/powerpoint/2010/main" Requires="p14">
       <p:transition spd="med" p14:dur="700">
         <p:fade/>
       </p:transition>
     </mc:Choice>
-    <mc:Fallback xmlns="">
+    <mc:Fallback>
       <p:transition spd="med">
         <p:fade/>
       </p:transition>
@@ -16641,13 +16732,13 @@
   <p:clrMapOvr>
     <a:masterClrMapping/>
   </p:clrMapOvr>
-  <mc:AlternateContent xmlns:mc="http://schemas.openxmlformats.org/markup-compatibility/2006" xmlns:p14="http://schemas.microsoft.com/office/powerpoint/2010/main">
-    <mc:Choice Requires="p14">
+  <mc:AlternateContent xmlns:mc="http://schemas.openxmlformats.org/markup-compatibility/2006">
+    <mc:Choice xmlns:p14="http://schemas.microsoft.com/office/powerpoint/2010/main" Requires="p14">
       <p:transition spd="med" p14:dur="700">
         <p:fade/>
       </p:transition>
     </mc:Choice>
-    <mc:Fallback xmlns="">
+    <mc:Fallback>
       <p:transition spd="med">
         <p:fade/>
       </p:transition>
@@ -16692,6 +16783,7 @@
               <a:rPr lang="en-US" altLang="zh-CN" dirty="0"/>
               <a:t>4. Shadow Mapping</a:t>
             </a:r>
+            <a:endParaRPr lang="en-US" altLang="zh-CN" dirty="0"/>
           </a:p>
         </p:txBody>
       </p:sp>
@@ -16722,6 +16814,7 @@
               <a:rPr lang="zh-CN" altLang="en-US" dirty="0"/>
               <a:t>作品实现了阴影贴图效果，并做出改进。</a:t>
             </a:r>
+            <a:endParaRPr lang="zh-CN" altLang="en-US" dirty="0"/>
           </a:p>
         </p:txBody>
       </p:sp>
@@ -16733,13 +16826,13 @@
   <p:clrMapOvr>
     <a:masterClrMapping/>
   </p:clrMapOvr>
-  <mc:AlternateContent xmlns:mc="http://schemas.openxmlformats.org/markup-compatibility/2006" xmlns:p14="http://schemas.microsoft.com/office/powerpoint/2010/main">
-    <mc:Choice Requires="p14">
+  <mc:AlternateContent xmlns:mc="http://schemas.openxmlformats.org/markup-compatibility/2006">
+    <mc:Choice xmlns:p14="http://schemas.microsoft.com/office/powerpoint/2010/main" Requires="p14">
       <p:transition spd="med" p14:dur="700">
         <p:fade/>
       </p:transition>
     </mc:Choice>
-    <mc:Fallback xmlns="">
+    <mc:Fallback>
       <p:transition spd="med">
         <p:fade/>
       </p:transition>
@@ -16784,6 +16877,7 @@
               <a:rPr lang="en-US" altLang="zh-CN" dirty="0"/>
               <a:t>5. Model Import &amp; Mesh Viewing</a:t>
             </a:r>
+            <a:endParaRPr lang="en-US" altLang="zh-CN" dirty="0"/>
           </a:p>
         </p:txBody>
       </p:sp>
@@ -16822,6 +16916,7 @@
               <a:rPr dirty="0"/>
               <a:t>库进行模型的加载</a:t>
             </a:r>
+            <a:endParaRPr dirty="0"/>
           </a:p>
         </p:txBody>
       </p:sp>
@@ -16833,13 +16928,13 @@
   <p:clrMapOvr>
     <a:masterClrMapping/>
   </p:clrMapOvr>
-  <mc:AlternateContent xmlns:mc="http://schemas.openxmlformats.org/markup-compatibility/2006" xmlns:p14="http://schemas.microsoft.com/office/powerpoint/2010/main">
-    <mc:Choice Requires="p14">
+  <mc:AlternateContent xmlns:mc="http://schemas.openxmlformats.org/markup-compatibility/2006">
+    <mc:Choice xmlns:p14="http://schemas.microsoft.com/office/powerpoint/2010/main" Requires="p14">
       <p:transition spd="med" p14:dur="700">
         <p:fade/>
       </p:transition>
     </mc:Choice>
-    <mc:Fallback xmlns="">
+    <mc:Fallback>
       <p:transition spd="med">
         <p:fade/>
       </p:transition>
@@ -16898,6 +16993,7 @@
               <a:rPr lang="zh-CN" altLang="en-US" sz="4000" dirty="0"/>
               <a:t>功能实现</a:t>
             </a:r>
+            <a:endParaRPr lang="zh-CN" altLang="en-US" sz="4000" dirty="0"/>
           </a:p>
         </p:txBody>
       </p:sp>
@@ -16909,13 +17005,13 @@
   <p:clrMapOvr>
     <a:masterClrMapping/>
   </p:clrMapOvr>
-  <mc:AlternateContent xmlns:mc="http://schemas.openxmlformats.org/markup-compatibility/2006" xmlns:p14="http://schemas.microsoft.com/office/powerpoint/2010/main">
-    <mc:Choice Requires="p14">
+  <mc:AlternateContent xmlns:mc="http://schemas.openxmlformats.org/markup-compatibility/2006">
+    <mc:Choice xmlns:p14="http://schemas.microsoft.com/office/powerpoint/2010/main" Requires="p14">
       <p:transition spd="med" p14:dur="700">
         <p:fade/>
       </p:transition>
     </mc:Choice>
-    <mc:Fallback xmlns="">
+    <mc:Fallback>
       <p:transition spd="med">
         <p:fade/>
       </p:transition>
@@ -16964,6 +17060,7 @@
               <a:rPr lang="zh-CN" altLang="en-US" dirty="0"/>
               <a:t>功能预览</a:t>
             </a:r>
+            <a:endParaRPr lang="zh-CN" altLang="en-US" dirty="0"/>
           </a:p>
         </p:txBody>
       </p:sp>
@@ -17109,13 +17206,13 @@
   <p:clrMapOvr>
     <a:masterClrMapping/>
   </p:clrMapOvr>
-  <mc:AlternateContent xmlns:mc="http://schemas.openxmlformats.org/markup-compatibility/2006" xmlns:p14="http://schemas.microsoft.com/office/powerpoint/2010/main">
-    <mc:Choice Requires="p14">
+  <mc:AlternateContent xmlns:mc="http://schemas.openxmlformats.org/markup-compatibility/2006">
+    <mc:Choice xmlns:p14="http://schemas.microsoft.com/office/powerpoint/2010/main" Requires="p14">
       <p:transition spd="slow" p14:dur="800">
         <p14:flythrough/>
       </p:transition>
     </mc:Choice>
-    <mc:Fallback xmlns="">
+    <mc:Fallback>
       <p:transition spd="slow">
         <p:fade/>
       </p:transition>
@@ -17164,6 +17261,7 @@
               <a:rPr dirty="0"/>
               <a:t>天空盒</a:t>
             </a:r>
+            <a:endParaRPr dirty="0"/>
           </a:p>
         </p:txBody>
       </p:sp>
@@ -17194,6 +17292,7 @@
               <a:rPr lang="zh-CN" altLang="en-US" dirty="0"/>
               <a:t>使用立方体贴图技术，为正方体的六个面分别进行纹理的绑定</a:t>
             </a:r>
+            <a:endParaRPr lang="zh-CN" altLang="en-US" dirty="0"/>
           </a:p>
           <a:p>
             <a:endParaRPr lang="zh-CN" altLang="en-US" dirty="0"/>
@@ -17203,25 +17302,20 @@
               <a:rPr lang="zh-CN" altLang="en-US" dirty="0"/>
               <a:t>同时移除观察矩阵中的位移部分，让移动不会影响天空盒的位置向量</a:t>
             </a:r>
+            <a:endParaRPr lang="zh-CN" altLang="en-US" dirty="0"/>
           </a:p>
         </p:txBody>
       </p:sp>
       <p:pic>
         <p:nvPicPr>
-          <p:cNvPr id="5" name="图片 4">
-            <a:extLst>
-              <a:ext uri="{FF2B5EF4-FFF2-40B4-BE49-F238E27FC236}">
-                <a16:creationId xmlns:a16="http://schemas.microsoft.com/office/drawing/2014/main" id="{FED13022-6808-47A1-9DDC-52E03C2159B4}"/>
-              </a:ext>
-            </a:extLst>
-          </p:cNvPr>
+          <p:cNvPr id="5" name="图片 4"/>
           <p:cNvPicPr>
             <a:picLocks noChangeAspect="1"/>
           </p:cNvPicPr>
           <p:nvPr/>
         </p:nvPicPr>
         <p:blipFill>
-          <a:blip r:embed="rId3">
+          <a:blip r:embed="rId1">
             <a:extLst>
               <a:ext uri="{28A0092B-C50C-407E-A947-70E740481C1C}">
                 <a14:useLocalDpi xmlns:a14="http://schemas.microsoft.com/office/drawing/2010/main" val="0"/>
@@ -17244,19 +17338,19 @@
       </p:pic>
     </p:spTree>
     <p:custDataLst>
-      <p:tags r:id="rId1"/>
+      <p:tags r:id="rId2"/>
     </p:custDataLst>
   </p:cSld>
   <p:clrMapOvr>
     <a:masterClrMapping/>
   </p:clrMapOvr>
-  <mc:AlternateContent xmlns:mc="http://schemas.openxmlformats.org/markup-compatibility/2006" xmlns:p14="http://schemas.microsoft.com/office/powerpoint/2010/main">
-    <mc:Choice Requires="p14">
+  <mc:AlternateContent xmlns:mc="http://schemas.openxmlformats.org/markup-compatibility/2006">
+    <mc:Choice xmlns:p14="http://schemas.microsoft.com/office/powerpoint/2010/main" Requires="p14">
       <p:transition spd="med" p14:dur="700">
         <p:fade/>
       </p:transition>
     </mc:Choice>
-    <mc:Fallback xmlns="">
+    <mc:Fallback>
       <p:transition spd="med">
         <p:fade/>
       </p:transition>
@@ -17305,6 +17399,7 @@
               <a:rPr dirty="0"/>
               <a:t>重力系统与碰撞检测</a:t>
             </a:r>
+            <a:endParaRPr dirty="0"/>
           </a:p>
         </p:txBody>
       </p:sp>
@@ -17334,6 +17429,7 @@
               <a:rPr dirty="0"/>
               <a:t>重力系统</a:t>
             </a:r>
+            <a:endParaRPr dirty="0"/>
           </a:p>
           <a:p>
             <a:endParaRPr lang="en-US" altLang="zh-CN" dirty="0"/>
@@ -17343,6 +17439,7 @@
               <a:rPr dirty="0"/>
               <a:t>利用物理公式计算出玩家当前垂直方向的速度以及位移即可</a:t>
             </a:r>
+            <a:endParaRPr dirty="0"/>
           </a:p>
         </p:txBody>
       </p:sp>
@@ -17364,12 +17461,12 @@
           <a:graphicData uri="http://schemas.openxmlformats.org/presentationml/2006/ole">
             <mc:AlternateContent xmlns:mc="http://schemas.openxmlformats.org/markup-compatibility/2006">
               <mc:Choice xmlns:v="urn:schemas-microsoft-com:vml" Requires="v">
-                <p:oleObj spid="_x0000_s1058" r:id="rId4" imgW="927100" imgH="482600" progId="Equation.KSEE3">
+                <p:oleObj spid="_x0000_s1058" name="" r:id="rId1" imgW="927100" imgH="482600" progId="Equation.KSEE3">
                   <p:embed/>
                 </p:oleObj>
               </mc:Choice>
               <mc:Fallback>
-                <p:oleObj r:id="rId4" imgW="927100" imgH="482600" progId="Equation.KSEE3">
+                <p:oleObj name="" r:id="rId1" imgW="927100" imgH="482600" progId="Equation.KSEE3">
                   <p:embed/>
                   <p:pic>
                     <p:nvPicPr>
@@ -17378,7 +17475,7 @@
                       <p:nvPr/>
                     </p:nvPicPr>
                     <p:blipFill>
-                      <a:blip r:embed="rId5"/>
+                      <a:blip r:embed="rId2"/>
                       <a:stretch>
                         <a:fillRect/>
                       </a:stretch>
@@ -17401,19 +17498,19 @@
       </p:graphicFrame>
     </p:spTree>
     <p:custDataLst>
-      <p:tags r:id="rId2"/>
+      <p:tags r:id="rId3"/>
     </p:custDataLst>
   </p:cSld>
   <p:clrMapOvr>
     <a:masterClrMapping/>
   </p:clrMapOvr>
-  <mc:AlternateContent xmlns:mc="http://schemas.openxmlformats.org/markup-compatibility/2006" xmlns:p14="http://schemas.microsoft.com/office/powerpoint/2010/main">
-    <mc:Choice Requires="p14">
+  <mc:AlternateContent xmlns:mc="http://schemas.openxmlformats.org/markup-compatibility/2006">
+    <mc:Choice xmlns:p14="http://schemas.microsoft.com/office/powerpoint/2010/main" Requires="p14">
       <p:transition spd="med" p14:dur="700">
         <p:fade/>
       </p:transition>
     </mc:Choice>
-    <mc:Fallback xmlns="">
+    <mc:Fallback>
       <p:transition spd="med">
         <p:fade/>
       </p:transition>
@@ -17495,6 +17592,7 @@
               <a:rPr dirty="0"/>
               <a:t>碰撞检测</a:t>
             </a:r>
+            <a:endParaRPr dirty="0"/>
           </a:p>
           <a:p>
             <a:endParaRPr dirty="0"/>
@@ -17512,6 +17610,7 @@
               <a:rPr dirty="0"/>
               <a:t>）场景外围边缘检测：</a:t>
             </a:r>
+            <a:endParaRPr dirty="0"/>
           </a:p>
           <a:p>
             <a:r>
@@ -17526,6 +17625,7 @@
               <a:rPr dirty="0"/>
               <a:t>平面的碰撞检测即可</a:t>
             </a:r>
+            <a:endParaRPr dirty="0"/>
           </a:p>
           <a:p>
             <a:endParaRPr dirty="0"/>
@@ -17543,12 +17643,14 @@
               <a:rPr dirty="0"/>
               <a:t>）场景内部物体检测：</a:t>
             </a:r>
+            <a:endParaRPr dirty="0"/>
           </a:p>
           <a:p>
             <a:r>
               <a:rPr dirty="0"/>
               <a:t>只有当玩家身体处于碰撞体垂直区域范围内，才进行XZ平面的碰撞检测。</a:t>
             </a:r>
+            <a:endParaRPr dirty="0"/>
           </a:p>
         </p:txBody>
       </p:sp>
@@ -17560,13 +17662,13 @@
   <p:clrMapOvr>
     <a:masterClrMapping/>
   </p:clrMapOvr>
-  <mc:AlternateContent xmlns:mc="http://schemas.openxmlformats.org/markup-compatibility/2006" xmlns:p14="http://schemas.microsoft.com/office/powerpoint/2010/main">
-    <mc:Choice Requires="p14">
+  <mc:AlternateContent xmlns:mc="http://schemas.openxmlformats.org/markup-compatibility/2006">
+    <mc:Choice xmlns:p14="http://schemas.microsoft.com/office/powerpoint/2010/main" Requires="p14">
       <p:transition spd="med" p14:dur="700">
         <p:fade/>
       </p:transition>
     </mc:Choice>
-    <mc:Fallback xmlns="">
+    <mc:Fallback>
       <p:transition spd="med">
         <p:fade/>
       </p:transition>
@@ -17615,6 +17717,7 @@
               <a:rPr dirty="0"/>
               <a:t>爆炸效果</a:t>
             </a:r>
+            <a:endParaRPr dirty="0"/>
           </a:p>
         </p:txBody>
       </p:sp>
@@ -17645,6 +17748,7 @@
               <a:rPr lang="zh-CN" altLang="en-US" dirty="0"/>
               <a:t>这部分使用几何着色器进行实现</a:t>
             </a:r>
+            <a:endParaRPr lang="zh-CN" altLang="en-US" dirty="0"/>
           </a:p>
           <a:p>
             <a:endParaRPr lang="en-US" altLang="zh-CN" dirty="0"/>
@@ -17658,6 +17762,7 @@
               <a:rPr dirty="0"/>
               <a:t>首先通过一个面的三个顶点坐标计算出当前面的法线向量。</a:t>
             </a:r>
+            <a:endParaRPr dirty="0"/>
           </a:p>
           <a:p>
             <a:endParaRPr lang="en-US" altLang="zh-CN" dirty="0"/>
@@ -17671,6 +17776,7 @@
               <a:rPr dirty="0"/>
               <a:t>然后将这三个顶点同时沿法线向量偏移一段距离</a:t>
             </a:r>
+            <a:endParaRPr dirty="0"/>
           </a:p>
           <a:p>
             <a:r>
@@ -17681,6 +17787,7 @@
               <a:rPr dirty="0"/>
               <a:t>将偏移后的顶点坐标向量作为新的坐标向量输出</a:t>
             </a:r>
+            <a:endParaRPr dirty="0"/>
           </a:p>
           <a:p>
             <a:endParaRPr dirty="0"/>
@@ -17695,13 +17802,13 @@
   <p:clrMapOvr>
     <a:masterClrMapping/>
   </p:clrMapOvr>
-  <mc:AlternateContent xmlns:mc="http://schemas.openxmlformats.org/markup-compatibility/2006" xmlns:p14="http://schemas.microsoft.com/office/powerpoint/2010/main">
-    <mc:Choice Requires="p14">
+  <mc:AlternateContent xmlns:mc="http://schemas.openxmlformats.org/markup-compatibility/2006">
+    <mc:Choice xmlns:p14="http://schemas.microsoft.com/office/powerpoint/2010/main" Requires="p14">
       <p:transition spd="med" p14:dur="700">
         <p:fade/>
       </p:transition>
     </mc:Choice>
-    <mc:Fallback xmlns="">
+    <mc:Fallback>
       <p:transition spd="med">
         <p:fade/>
       </p:transition>
@@ -17754,6 +17861,7 @@
               <a:rPr lang="en-US" altLang="zh-CN" dirty="0"/>
               <a:t> </a:t>
             </a:r>
+            <a:endParaRPr lang="en-US" altLang="zh-CN" dirty="0"/>
           </a:p>
         </p:txBody>
       </p:sp>
@@ -17800,6 +17908,7 @@
               <a:rPr lang="en-US" altLang="zh-CN" dirty="0"/>
               <a:t>model</a:t>
             </a:r>
+            <a:endParaRPr lang="en-US" altLang="zh-CN" dirty="0"/>
           </a:p>
           <a:p>
             <a:endParaRPr lang="en-US" altLang="zh-CN" dirty="0"/>
@@ -17857,6 +17966,7 @@
               <a:rPr lang="zh-CN" altLang="en-US" dirty="0"/>
               <a:t>绘制特定数量的实例</a:t>
             </a:r>
+            <a:endParaRPr lang="zh-CN" altLang="en-US" dirty="0"/>
           </a:p>
         </p:txBody>
       </p:sp>
@@ -17868,13 +17978,13 @@
   <p:clrMapOvr>
     <a:masterClrMapping/>
   </p:clrMapOvr>
-  <mc:AlternateContent xmlns:mc="http://schemas.openxmlformats.org/markup-compatibility/2006" xmlns:p14="http://schemas.microsoft.com/office/powerpoint/2010/main">
-    <mc:Choice Requires="p14">
+  <mc:AlternateContent xmlns:mc="http://schemas.openxmlformats.org/markup-compatibility/2006">
+    <mc:Choice xmlns:p14="http://schemas.microsoft.com/office/powerpoint/2010/main" Requires="p14">
       <p:transition spd="med" p14:dur="700">
         <p:fade/>
       </p:transition>
     </mc:Choice>
-    <mc:Fallback xmlns="">
+    <mc:Fallback>
       <p:transition spd="med">
         <p:fade/>
       </p:transition>
@@ -17919,6 +18029,7 @@
               <a:rPr lang="zh-CN" altLang="en-US" dirty="0"/>
               <a:t>内容概览</a:t>
             </a:r>
+            <a:endParaRPr lang="zh-CN" altLang="en-US" dirty="0"/>
           </a:p>
         </p:txBody>
       </p:sp>
@@ -18102,6 +18213,17 @@
               </a:rPr>
               <a:t>作品概述与成员分工</a:t>
             </a:r>
+            <a:endParaRPr lang="zh-CN" altLang="en-US" sz="2000" dirty="0">
+              <a:solidFill>
+                <a:schemeClr val="tx1">
+                  <a:lumMod val="85000"/>
+                  <a:lumOff val="15000"/>
+                </a:schemeClr>
+              </a:solidFill>
+              <a:latin typeface="微软雅黑" panose="020B0503020204020204" charset="-122"/>
+              <a:ea typeface="微软雅黑" panose="020B0503020204020204" charset="-122"/>
+              <a:cs typeface="微软雅黑" panose="020B0503020204020204" charset="-122"/>
+            </a:endParaRPr>
           </a:p>
         </p:txBody>
       </p:sp>
@@ -18162,6 +18284,14 @@
               </a:rPr>
               <a:t>1</a:t>
             </a:r>
+            <a:endParaRPr lang="en-US" altLang="zh-CN" sz="1600" dirty="0">
+              <a:solidFill>
+                <a:schemeClr val="accent1"/>
+              </a:solidFill>
+              <a:latin typeface="微软雅黑" panose="020B0503020204020204" charset="-122"/>
+              <a:ea typeface="微软雅黑" panose="020B0503020204020204" charset="-122"/>
+              <a:cs typeface="微软雅黑" panose="020B0503020204020204" charset="-122"/>
+            </a:endParaRPr>
           </a:p>
         </p:txBody>
       </p:sp>
@@ -18359,6 +18489,17 @@
               </a:rPr>
               <a:t>功能实现</a:t>
             </a:r>
+            <a:endParaRPr lang="zh-CN" altLang="en-US" sz="2000" dirty="0">
+              <a:solidFill>
+                <a:schemeClr val="tx1">
+                  <a:lumMod val="85000"/>
+                  <a:lumOff val="15000"/>
+                </a:schemeClr>
+              </a:solidFill>
+              <a:latin typeface="微软雅黑" panose="020B0503020204020204" charset="-122"/>
+              <a:ea typeface="微软雅黑" panose="020B0503020204020204" charset="-122"/>
+              <a:cs typeface="微软雅黑" panose="020B0503020204020204" charset="-122"/>
+            </a:endParaRPr>
           </a:p>
         </p:txBody>
       </p:sp>
@@ -18419,6 +18560,14 @@
               </a:rPr>
               <a:t>2</a:t>
             </a:r>
+            <a:endParaRPr lang="en-US" altLang="zh-CN" sz="1600" dirty="0">
+              <a:solidFill>
+                <a:schemeClr val="accent1"/>
+              </a:solidFill>
+              <a:latin typeface="微软雅黑" panose="020B0503020204020204" charset="-122"/>
+              <a:ea typeface="微软雅黑" panose="020B0503020204020204" charset="-122"/>
+              <a:cs typeface="微软雅黑" panose="020B0503020204020204" charset="-122"/>
+            </a:endParaRPr>
           </a:p>
         </p:txBody>
       </p:sp>
@@ -18616,6 +18765,17 @@
               </a:rPr>
               <a:t>功能实现</a:t>
             </a:r>
+            <a:endParaRPr lang="zh-CN" altLang="en-US" sz="2000" dirty="0">
+              <a:solidFill>
+                <a:schemeClr val="tx1">
+                  <a:lumMod val="85000"/>
+                  <a:lumOff val="15000"/>
+                </a:schemeClr>
+              </a:solidFill>
+              <a:latin typeface="微软雅黑" panose="020B0503020204020204" charset="-122"/>
+              <a:ea typeface="微软雅黑" panose="020B0503020204020204" charset="-122"/>
+              <a:cs typeface="微软雅黑" panose="020B0503020204020204" charset="-122"/>
+            </a:endParaRPr>
           </a:p>
         </p:txBody>
       </p:sp>
@@ -18676,6 +18836,14 @@
               </a:rPr>
               <a:t>3</a:t>
             </a:r>
+            <a:endParaRPr lang="en-US" altLang="zh-CN" sz="1600" dirty="0">
+              <a:solidFill>
+                <a:schemeClr val="accent1"/>
+              </a:solidFill>
+              <a:latin typeface="微软雅黑" panose="020B0503020204020204" charset="-122"/>
+              <a:ea typeface="微软雅黑" panose="020B0503020204020204" charset="-122"/>
+              <a:cs typeface="微软雅黑" panose="020B0503020204020204" charset="-122"/>
+            </a:endParaRPr>
           </a:p>
         </p:txBody>
       </p:sp>
@@ -18777,6 +18945,14 @@
               </a:rPr>
               <a:t>4</a:t>
             </a:r>
+            <a:endParaRPr lang="en-US" altLang="zh-CN" sz="1600" dirty="0">
+              <a:solidFill>
+                <a:schemeClr val="accent1"/>
+              </a:solidFill>
+              <a:latin typeface="微软雅黑" panose="020B0503020204020204" charset="-122"/>
+              <a:ea typeface="微软雅黑" panose="020B0503020204020204" charset="-122"/>
+              <a:cs typeface="微软雅黑" panose="020B0503020204020204" charset="-122"/>
+            </a:endParaRPr>
           </a:p>
         </p:txBody>
       </p:sp>
@@ -18919,6 +19095,17 @@
               </a:rPr>
               <a:t>未来的改进</a:t>
             </a:r>
+            <a:endParaRPr lang="zh-CN" altLang="en-US" sz="2000" dirty="0">
+              <a:solidFill>
+                <a:schemeClr val="tx1">
+                  <a:lumMod val="85000"/>
+                  <a:lumOff val="15000"/>
+                </a:schemeClr>
+              </a:solidFill>
+              <a:latin typeface="微软雅黑" panose="020B0503020204020204" charset="-122"/>
+              <a:ea typeface="微软雅黑" panose="020B0503020204020204" charset="-122"/>
+              <a:cs typeface="微软雅黑" panose="020B0503020204020204" charset="-122"/>
+            </a:endParaRPr>
           </a:p>
         </p:txBody>
       </p:sp>
@@ -18927,13 +19114,13 @@
   <p:clrMapOvr>
     <a:masterClrMapping/>
   </p:clrMapOvr>
-  <mc:AlternateContent xmlns:mc="http://schemas.openxmlformats.org/markup-compatibility/2006" xmlns:p14="http://schemas.microsoft.com/office/powerpoint/2010/main">
-    <mc:Choice Requires="p14">
+  <mc:AlternateContent xmlns:mc="http://schemas.openxmlformats.org/markup-compatibility/2006">
+    <mc:Choice xmlns:p14="http://schemas.microsoft.com/office/powerpoint/2010/main" Requires="p14">
       <p:transition spd="slow" p14:dur="800">
         <p14:flythrough/>
       </p:transition>
     </mc:Choice>
-    <mc:Fallback xmlns="">
+    <mc:Fallback>
       <p:transition spd="slow">
         <p:fade/>
       </p:transition>
@@ -18982,6 +19169,7 @@
               <a:rPr dirty="0"/>
               <a:t>文字显示</a:t>
             </a:r>
+            <a:endParaRPr dirty="0"/>
           </a:p>
         </p:txBody>
       </p:sp>
@@ -19020,6 +19208,7 @@
               <a:rPr dirty="0"/>
               <a:t>库</a:t>
             </a:r>
+            <a:endParaRPr dirty="0"/>
           </a:p>
         </p:txBody>
       </p:sp>
@@ -19031,13 +19220,13 @@
   <p:clrMapOvr>
     <a:masterClrMapping/>
   </p:clrMapOvr>
-  <mc:AlternateContent xmlns:mc="http://schemas.openxmlformats.org/markup-compatibility/2006" xmlns:p14="http://schemas.microsoft.com/office/powerpoint/2010/main">
-    <mc:Choice Requires="p14">
+  <mc:AlternateContent xmlns:mc="http://schemas.openxmlformats.org/markup-compatibility/2006">
+    <mc:Choice xmlns:p14="http://schemas.microsoft.com/office/powerpoint/2010/main" Requires="p14">
       <p:transition spd="med" p14:dur="700">
         <p:fade/>
       </p:transition>
     </mc:Choice>
-    <mc:Fallback xmlns="">
+    <mc:Fallback>
       <p:transition spd="med">
         <p:fade/>
       </p:transition>
@@ -19197,20 +19386,14 @@
       </p:sp>
       <p:pic>
         <p:nvPicPr>
-          <p:cNvPr id="5" name="图片 4">
-            <a:extLst>
-              <a:ext uri="{FF2B5EF4-FFF2-40B4-BE49-F238E27FC236}">
-                <a16:creationId xmlns:a16="http://schemas.microsoft.com/office/drawing/2014/main" id="{7FC0E854-854A-4954-BBED-0F034544CE76}"/>
-              </a:ext>
-            </a:extLst>
-          </p:cNvPr>
+          <p:cNvPr id="5" name="图片 4"/>
           <p:cNvPicPr>
             <a:picLocks noChangeAspect="1"/>
           </p:cNvPicPr>
           <p:nvPr/>
         </p:nvPicPr>
         <p:blipFill>
-          <a:blip r:embed="rId3">
+          <a:blip r:embed="rId1">
             <a:extLst>
               <a:ext uri="{28A0092B-C50C-407E-A947-70E740481C1C}">
                 <a14:useLocalDpi xmlns:a14="http://schemas.microsoft.com/office/drawing/2010/main" val="0"/>
@@ -19233,20 +19416,14 @@
       </p:pic>
       <p:pic>
         <p:nvPicPr>
-          <p:cNvPr id="7" name="图片 6">
-            <a:extLst>
-              <a:ext uri="{FF2B5EF4-FFF2-40B4-BE49-F238E27FC236}">
-                <a16:creationId xmlns:a16="http://schemas.microsoft.com/office/drawing/2014/main" id="{D6A18B06-F294-4138-82A7-67B9FA002802}"/>
-              </a:ext>
-            </a:extLst>
-          </p:cNvPr>
+          <p:cNvPr id="7" name="图片 6"/>
           <p:cNvPicPr>
             <a:picLocks noChangeAspect="1"/>
           </p:cNvPicPr>
           <p:nvPr/>
         </p:nvPicPr>
         <p:blipFill>
-          <a:blip r:embed="rId4">
+          <a:blip r:embed="rId2">
             <a:extLst>
               <a:ext uri="{28A0092B-C50C-407E-A947-70E740481C1C}">
                 <a14:useLocalDpi xmlns:a14="http://schemas.microsoft.com/office/drawing/2010/main" val="0"/>
@@ -19269,19 +19446,19 @@
       </p:pic>
     </p:spTree>
     <p:custDataLst>
-      <p:tags r:id="rId1"/>
+      <p:tags r:id="rId3"/>
     </p:custDataLst>
   </p:cSld>
   <p:clrMapOvr>
     <a:masterClrMapping/>
   </p:clrMapOvr>
-  <mc:AlternateContent xmlns:mc="http://schemas.openxmlformats.org/markup-compatibility/2006" xmlns:p14="http://schemas.microsoft.com/office/powerpoint/2010/main">
-    <mc:Choice Requires="p14">
+  <mc:AlternateContent xmlns:mc="http://schemas.openxmlformats.org/markup-compatibility/2006">
+    <mc:Choice xmlns:p14="http://schemas.microsoft.com/office/powerpoint/2010/main" Requires="p14">
       <p:transition spd="med" p14:dur="700">
         <p:fade/>
       </p:transition>
     </mc:Choice>
-    <mc:Fallback xmlns="">
+    <mc:Fallback>
       <p:transition spd="med">
         <p:fade/>
       </p:transition>
@@ -19330,6 +19507,7 @@
               <a:rPr dirty="0"/>
               <a:t>抗锯齿</a:t>
             </a:r>
+            <a:endParaRPr dirty="0"/>
           </a:p>
         </p:txBody>
       </p:sp>
@@ -19376,6 +19554,7 @@
               <a:rPr dirty="0"/>
               <a:t>算法。</a:t>
             </a:r>
+            <a:endParaRPr dirty="0"/>
           </a:p>
           <a:p>
             <a:endParaRPr dirty="0"/>
@@ -19389,12 +19568,14 @@
               <a:rPr dirty="0"/>
               <a:t>工作方法：</a:t>
             </a:r>
+            <a:endParaRPr dirty="0"/>
           </a:p>
           <a:p>
             <a:r>
               <a:rPr dirty="0"/>
               <a:t>无论三角形遮盖了多少个子采样点，（每个图元中）每个像素只运行一次片段着色器。片段着色器所使用的顶点数据会插值到每个像素的中心，所得到的结果颜色会被储存在每个被遮盖住的子采样点中。当颜色缓冲的子样本被图元的所有颜色填满时，所有的这些颜色将会在每个像素内部平均化。</a:t>
             </a:r>
+            <a:endParaRPr dirty="0"/>
           </a:p>
         </p:txBody>
       </p:sp>
@@ -19406,13 +19587,13 @@
   <p:clrMapOvr>
     <a:masterClrMapping/>
   </p:clrMapOvr>
-  <mc:AlternateContent xmlns:mc="http://schemas.openxmlformats.org/markup-compatibility/2006" xmlns:p14="http://schemas.microsoft.com/office/powerpoint/2010/main">
-    <mc:Choice Requires="p14">
+  <mc:AlternateContent xmlns:mc="http://schemas.openxmlformats.org/markup-compatibility/2006">
+    <mc:Choice xmlns:p14="http://schemas.microsoft.com/office/powerpoint/2010/main" Requires="p14">
       <p:transition spd="med" p14:dur="700">
         <p:fade/>
       </p:transition>
     </mc:Choice>
-    <mc:Fallback xmlns="">
+    <mc:Fallback>
       <p:transition spd="med">
         <p:fade/>
       </p:transition>
@@ -19461,6 +19642,7 @@
               <a:rPr dirty="0"/>
               <a:t>校正</a:t>
             </a:r>
+            <a:endParaRPr dirty="0"/>
           </a:p>
         </p:txBody>
       </p:sp>
@@ -19495,6 +19677,7 @@
               <a:rPr lang="zh-CN" altLang="en-US" dirty="0"/>
               <a:t>色彩校正</a:t>
             </a:r>
+            <a:endParaRPr lang="zh-CN" altLang="en-US" dirty="0"/>
           </a:p>
           <a:p>
             <a:r>
@@ -19509,6 +19692,7 @@
               <a:rPr lang="zh-CN" altLang="en-US" dirty="0"/>
               <a:t>曲线进行编辑，以对图像进行非线性色调编辑的方法，检出图像信号中的深色部分和浅色部分，并使两者比例增大，从而提高图像对比度效果。</a:t>
             </a:r>
+            <a:endParaRPr lang="zh-CN" altLang="en-US" dirty="0"/>
           </a:p>
           <a:p>
             <a:r>
@@ -19527,6 +19711,7 @@
               <a:rPr lang="zh-CN" altLang="en-US" dirty="0"/>
               <a:t>gamma值一般为2.2</a:t>
             </a:r>
+            <a:endParaRPr lang="zh-CN" altLang="en-US" dirty="0"/>
           </a:p>
           <a:p>
             <a:endParaRPr lang="zh-CN" altLang="en-US" dirty="0"/>
@@ -19540,12 +19725,14 @@
               <a:rPr dirty="0"/>
               <a:t>光照衰减</a:t>
             </a:r>
+            <a:endParaRPr dirty="0"/>
           </a:p>
           <a:p>
             <a:r>
               <a:rPr dirty="0"/>
               <a:t>模拟在真实的物理世界中，光照强度和光源的距离成反比。</a:t>
             </a:r>
+            <a:endParaRPr dirty="0"/>
           </a:p>
         </p:txBody>
       </p:sp>
@@ -19557,13 +19744,13 @@
   <p:clrMapOvr>
     <a:masterClrMapping/>
   </p:clrMapOvr>
-  <mc:AlternateContent xmlns:mc="http://schemas.openxmlformats.org/markup-compatibility/2006" xmlns:p14="http://schemas.microsoft.com/office/powerpoint/2010/main">
-    <mc:Choice Requires="p14">
+  <mc:AlternateContent xmlns:mc="http://schemas.openxmlformats.org/markup-compatibility/2006">
+    <mc:Choice xmlns:p14="http://schemas.microsoft.com/office/powerpoint/2010/main" Requires="p14">
       <p:transition spd="med" p14:dur="700">
         <p:fade/>
       </p:transition>
     </mc:Choice>
-    <mc:Fallback xmlns="">
+    <mc:Fallback>
       <p:transition spd="med">
         <p:fade/>
       </p:transition>
@@ -19612,6 +19799,7 @@
               <a:rPr dirty="0"/>
               <a:t>法线贴图</a:t>
             </a:r>
+            <a:endParaRPr dirty="0"/>
           </a:p>
         </p:txBody>
       </p:sp>
@@ -19625,30 +19813,121 @@
             <p:ph idx="1"/>
           </p:nvPr>
         </p:nvSpPr>
-        <p:spPr/>
+        <p:spPr>
+          <a:xfrm>
+            <a:off x="669925" y="952500"/>
+            <a:ext cx="5981700" cy="5388610"/>
+          </a:xfrm>
+        </p:spPr>
         <p:txBody>
           <a:bodyPr/>
           <a:lstStyle/>
           <a:p>
+            <a:r>
+              <a:rPr>
+                <a:sym typeface="+mn-ea"/>
+              </a:rPr>
+              <a:t>不使用插值表面法线，而是</a:t>
+            </a:r>
+            <a:r>
+              <a:t>为每个fragment传递一个法线，可以使光照使表面拥有了自己的细节</a:t>
+            </a:r>
+          </a:p>
+          <a:p>
+            <a:endParaRPr lang="zh-CN" altLang="en-US"/>
+          </a:p>
+          <a:p>
+            <a:r>
+              <a:rPr lang="zh-CN" altLang="en-US"/>
+              <a:t>将法线向量变换为像这样的RGB颜色元素，我们就能把根据表面的形状将fragment的法线保存在2D纹理中</a:t>
+            </a:r>
+            <a:endParaRPr lang="zh-CN" altLang="en-US"/>
+          </a:p>
+          <a:p>
+            <a:endParaRPr lang="zh-CN" altLang="en-US"/>
+          </a:p>
+          <a:p>
+            <a:r>
+              <a:rPr lang="zh-CN" altLang="en-US"/>
+              <a:t>由于法线贴图里面的所有法线向量都是指向正z方向的，所以引入切线空间来解决面朝向其他方向时的问题</a:t>
+            </a:r>
+            <a:endParaRPr lang="zh-CN" altLang="en-US"/>
+          </a:p>
+          <a:p>
+            <a:endParaRPr lang="zh-CN" altLang="en-US"/>
+          </a:p>
+          <a:p>
+            <a:r>
+              <a:rPr lang="zh-CN" altLang="en-US"/>
+              <a:t>法线贴图中的法线向量在切线空间中永远指着正z方向，使用一个特定的矩阵我们就能将本地/切线空间中的法线向量转成世界或视图坐标，使它们转向到最终的贴图表面的方向</a:t>
+            </a:r>
             <a:endParaRPr lang="zh-CN" altLang="en-US"/>
           </a:p>
         </p:txBody>
       </p:sp>
+      <p:pic>
+        <p:nvPicPr>
+          <p:cNvPr id="4" name="图片 3" descr="无标题"/>
+          <p:cNvPicPr>
+            <a:picLocks noChangeAspect="1"/>
+          </p:cNvPicPr>
+          <p:nvPr/>
+        </p:nvPicPr>
+        <p:blipFill>
+          <a:blip r:embed="rId1"/>
+          <a:stretch>
+            <a:fillRect/>
+          </a:stretch>
+        </p:blipFill>
+        <p:spPr>
+          <a:xfrm>
+            <a:off x="6985000" y="3860165"/>
+            <a:ext cx="4537075" cy="2480945"/>
+          </a:xfrm>
+          <a:prstGeom prst="rect">
+            <a:avLst/>
+          </a:prstGeom>
+        </p:spPr>
+      </p:pic>
+      <p:pic>
+        <p:nvPicPr>
+          <p:cNvPr id="5" name="图片 4" descr="brickwall_normal"/>
+          <p:cNvPicPr>
+            <a:picLocks noChangeAspect="1"/>
+          </p:cNvPicPr>
+          <p:nvPr/>
+        </p:nvPicPr>
+        <p:blipFill>
+          <a:blip r:embed="rId2"/>
+          <a:stretch>
+            <a:fillRect/>
+          </a:stretch>
+        </p:blipFill>
+        <p:spPr>
+          <a:xfrm>
+            <a:off x="6985000" y="952500"/>
+            <a:ext cx="4537075" cy="2522855"/>
+          </a:xfrm>
+          <a:prstGeom prst="rect">
+            <a:avLst/>
+          </a:prstGeom>
+        </p:spPr>
+      </p:pic>
     </p:spTree>
     <p:custDataLst>
-      <p:tags r:id="rId1"/>
+      <p:tags r:id="rId3"/>
     </p:custDataLst>
   </p:cSld>
   <p:clrMapOvr>
     <a:masterClrMapping/>
   </p:clrMapOvr>
-  <mc:AlternateContent xmlns:mc="http://schemas.openxmlformats.org/markup-compatibility/2006" xmlns:p14="http://schemas.microsoft.com/office/powerpoint/2010/main">
-    <mc:Choice Requires="p14">
+  <mc:AlternateContent xmlns:mc="http://schemas.openxmlformats.org/markup-compatibility/2006">
+    <mc:Choice xmlns:p14="http://schemas.microsoft.com/office/powerpoint/2010/main" Requires="p14">
       <p:transition spd="med" p14:dur="700">
         <p:fade/>
       </p:transition>
     </mc:Choice>
-    <mc:Fallback xmlns="">
+    <mc:Fallback>
       <p:transition spd="med">
         <p:fade/>
       </p:transition>
@@ -19697,6 +19976,7 @@
               <a:rPr dirty="0"/>
               <a:t>面剔除</a:t>
             </a:r>
+            <a:endParaRPr dirty="0"/>
           </a:p>
         </p:txBody>
       </p:sp>
@@ -19711,7 +19991,7 @@
           </p:nvPr>
         </p:nvPicPr>
         <p:blipFill>
-          <a:blip r:embed="rId3"/>
+          <a:blip r:embed="rId1"/>
           <a:stretch>
             <a:fillRect/>
           </a:stretch>
@@ -19960,6 +20240,7 @@
               <a:rPr lang="zh-CN" altLang="en-US" dirty="0"/>
               <a:t>定义每个面时，使用逆时针的顺序定义其顶点。使得从观察者的视角看，正面的三角形以逆时针的顺序渲染，而背面的三角形以顺时针的顺序渲染。</a:t>
             </a:r>
+            <a:endParaRPr lang="zh-CN" altLang="en-US" dirty="0"/>
           </a:p>
           <a:p>
             <a:endParaRPr lang="zh-CN" altLang="en-US" dirty="0"/>
@@ -19977,24 +20258,25 @@
               <a:rPr dirty="0"/>
               <a:t>剔除的面的类型。</a:t>
             </a:r>
+            <a:endParaRPr dirty="0"/>
           </a:p>
         </p:txBody>
       </p:sp>
     </p:spTree>
     <p:custDataLst>
-      <p:tags r:id="rId1"/>
+      <p:tags r:id="rId2"/>
     </p:custDataLst>
   </p:cSld>
   <p:clrMapOvr>
     <a:masterClrMapping/>
   </p:clrMapOvr>
-  <mc:AlternateContent xmlns:mc="http://schemas.openxmlformats.org/markup-compatibility/2006" xmlns:p14="http://schemas.microsoft.com/office/powerpoint/2010/main">
-    <mc:Choice Requires="p14">
+  <mc:AlternateContent xmlns:mc="http://schemas.openxmlformats.org/markup-compatibility/2006">
+    <mc:Choice xmlns:p14="http://schemas.microsoft.com/office/powerpoint/2010/main" Requires="p14">
       <p:transition spd="med" p14:dur="700">
         <p:fade/>
       </p:transition>
     </mc:Choice>
-    <mc:Fallback xmlns="">
+    <mc:Fallback>
       <p:transition spd="med">
         <p:fade/>
       </p:transition>
@@ -20053,6 +20335,7 @@
               <a:rPr lang="zh-CN" altLang="en-US" sz="4000" dirty="0"/>
               <a:t>未来的改进</a:t>
             </a:r>
+            <a:endParaRPr lang="zh-CN" altLang="en-US" sz="4000" dirty="0"/>
           </a:p>
         </p:txBody>
       </p:sp>
@@ -20064,13 +20347,13 @@
   <p:clrMapOvr>
     <a:masterClrMapping/>
   </p:clrMapOvr>
-  <mc:AlternateContent xmlns:mc="http://schemas.openxmlformats.org/markup-compatibility/2006" xmlns:p14="http://schemas.microsoft.com/office/powerpoint/2010/main">
-    <mc:Choice Requires="p14">
+  <mc:AlternateContent xmlns:mc="http://schemas.openxmlformats.org/markup-compatibility/2006">
+    <mc:Choice xmlns:p14="http://schemas.microsoft.com/office/powerpoint/2010/main" Requires="p14">
       <p:transition spd="med" p14:dur="700">
         <p:fade/>
       </p:transition>
     </mc:Choice>
-    <mc:Fallback xmlns="">
+    <mc:Fallback>
       <p:transition spd="med">
         <p:fade/>
       </p:transition>
@@ -20139,13 +20422,13 @@
   <p:clrMapOvr>
     <a:masterClrMapping/>
   </p:clrMapOvr>
-  <mc:AlternateContent xmlns:mc="http://schemas.openxmlformats.org/markup-compatibility/2006" xmlns:p14="http://schemas.microsoft.com/office/powerpoint/2010/main">
-    <mc:Choice Requires="p14">
+  <mc:AlternateContent xmlns:mc="http://schemas.openxmlformats.org/markup-compatibility/2006">
+    <mc:Choice xmlns:p14="http://schemas.microsoft.com/office/powerpoint/2010/main" Requires="p14">
       <p:transition spd="slow" p14:dur="800">
         <p14:flythrough/>
       </p:transition>
     </mc:Choice>
-    <mc:Fallback xmlns="">
+    <mc:Fallback>
       <p:transition spd="slow">
         <p:fade/>
       </p:transition>
@@ -20190,6 +20473,7 @@
               <a:rPr lang="zh-CN" altLang="en-US" dirty="0"/>
               <a:t>谢谢！</a:t>
             </a:r>
+            <a:endParaRPr lang="zh-CN" altLang="en-US" dirty="0"/>
           </a:p>
         </p:txBody>
       </p:sp>
@@ -20232,6 +20516,11 @@
               </a:rPr>
               <a:t>组</a:t>
             </a:r>
+            <a:endParaRPr lang="zh-CN" altLang="en-US" dirty="0">
+              <a:solidFill>
+                <a:schemeClr val="tx1"/>
+              </a:solidFill>
+            </a:endParaRPr>
           </a:p>
         </p:txBody>
       </p:sp>
@@ -20243,13 +20532,13 @@
   <p:clrMapOvr>
     <a:masterClrMapping/>
   </p:clrMapOvr>
-  <mc:AlternateContent xmlns:mc="http://schemas.openxmlformats.org/markup-compatibility/2006" xmlns:p14="http://schemas.microsoft.com/office/powerpoint/2010/main">
-    <mc:Choice Requires="p14">
+  <mc:AlternateContent xmlns:mc="http://schemas.openxmlformats.org/markup-compatibility/2006">
+    <mc:Choice xmlns:p14="http://schemas.microsoft.com/office/powerpoint/2010/main" Requires="p14">
       <p:transition spd="med" p14:dur="700">
         <p:fade/>
       </p:transition>
     </mc:Choice>
-    <mc:Fallback xmlns="">
+    <mc:Fallback>
       <p:transition spd="med">
         <p:fade/>
       </p:transition>
@@ -20308,6 +20597,7 @@
               <a:rPr lang="zh-CN" altLang="en-US" sz="4000" dirty="0"/>
               <a:t>作品概述与成员分工</a:t>
             </a:r>
+            <a:endParaRPr lang="zh-CN" altLang="en-US" sz="4000" dirty="0"/>
           </a:p>
         </p:txBody>
       </p:sp>
@@ -20319,13 +20609,13 @@
   <p:clrMapOvr>
     <a:masterClrMapping/>
   </p:clrMapOvr>
-  <mc:AlternateContent xmlns:mc="http://schemas.openxmlformats.org/markup-compatibility/2006" xmlns:p14="http://schemas.microsoft.com/office/powerpoint/2010/main">
-    <mc:Choice Requires="p14">
+  <mc:AlternateContent xmlns:mc="http://schemas.openxmlformats.org/markup-compatibility/2006">
+    <mc:Choice xmlns:p14="http://schemas.microsoft.com/office/powerpoint/2010/main" Requires="p14">
       <p:transition spd="med" p14:dur="700">
         <p:fade/>
       </p:transition>
     </mc:Choice>
-    <mc:Fallback xmlns="">
+    <mc:Fallback>
       <p:transition spd="med">
         <p:fade/>
       </p:transition>
@@ -20370,6 +20660,7 @@
               <a:rPr lang="zh-CN" altLang="en-US" dirty="0"/>
               <a:t>作品概述</a:t>
             </a:r>
+            <a:endParaRPr lang="zh-CN" altLang="en-US" dirty="0"/>
           </a:p>
         </p:txBody>
       </p:sp>
@@ -20423,6 +20714,7 @@
               <a:rPr lang="zh-CN" altLang="en-US" dirty="0"/>
               <a:t>击中靶子得分</a:t>
             </a:r>
+            <a:endParaRPr lang="zh-CN" altLang="en-US" dirty="0"/>
           </a:p>
         </p:txBody>
       </p:sp>
@@ -20434,13 +20726,13 @@
   <p:clrMapOvr>
     <a:masterClrMapping/>
   </p:clrMapOvr>
-  <mc:AlternateContent xmlns:mc="http://schemas.openxmlformats.org/markup-compatibility/2006" xmlns:p14="http://schemas.microsoft.com/office/powerpoint/2010/main">
-    <mc:Choice Requires="p14">
+  <mc:AlternateContent xmlns:mc="http://schemas.openxmlformats.org/markup-compatibility/2006">
+    <mc:Choice xmlns:p14="http://schemas.microsoft.com/office/powerpoint/2010/main" Requires="p14">
       <p:transition spd="slow" p14:dur="800">
         <p14:flythrough/>
       </p:transition>
     </mc:Choice>
-    <mc:Fallback xmlns="">
+    <mc:Fallback>
       <p:transition spd="slow">
         <p:fade/>
       </p:transition>
@@ -20485,6 +20777,7 @@
               <a:rPr lang="zh-CN" altLang="en-US" dirty="0"/>
               <a:t>成员分工</a:t>
             </a:r>
+            <a:endParaRPr lang="zh-CN" altLang="en-US" dirty="0"/>
           </a:p>
         </p:txBody>
       </p:sp>
@@ -20526,7 +20819,7 @@
           <a:p>
             <a:r>
               <a:rPr lang="zh-CN" altLang="en-US" dirty="0"/>
-              <a:t>江炎鸿</a:t>
+              <a:t>江炎鸿：场景模型（树，草，石头，枪等）的绘制和渲染，法线贴图。</a:t>
             </a:r>
             <a:endParaRPr lang="en-US" altLang="zh-CN" dirty="0"/>
           </a:p>
@@ -20573,13 +20866,13 @@
   <p:clrMapOvr>
     <a:masterClrMapping/>
   </p:clrMapOvr>
-  <mc:AlternateContent xmlns:mc="http://schemas.openxmlformats.org/markup-compatibility/2006" xmlns:p14="http://schemas.microsoft.com/office/powerpoint/2010/main">
-    <mc:Choice Requires="p14">
+  <mc:AlternateContent xmlns:mc="http://schemas.openxmlformats.org/markup-compatibility/2006">
+    <mc:Choice xmlns:p14="http://schemas.microsoft.com/office/powerpoint/2010/main" Requires="p14">
       <p:transition spd="med" p14:dur="700">
         <p:fade/>
       </p:transition>
     </mc:Choice>
-    <mc:Fallback xmlns="">
+    <mc:Fallback>
       <p:transition spd="med">
         <p:fade/>
       </p:transition>
@@ -20638,6 +20931,7 @@
               <a:rPr lang="zh-CN" altLang="en-US" sz="4000" dirty="0"/>
               <a:t>功能实现</a:t>
             </a:r>
+            <a:endParaRPr lang="zh-CN" altLang="en-US" sz="4000" dirty="0"/>
           </a:p>
         </p:txBody>
       </p:sp>
@@ -20649,13 +20943,13 @@
   <p:clrMapOvr>
     <a:masterClrMapping/>
   </p:clrMapOvr>
-  <mc:AlternateContent xmlns:mc="http://schemas.openxmlformats.org/markup-compatibility/2006" xmlns:p14="http://schemas.microsoft.com/office/powerpoint/2010/main">
-    <mc:Choice Requires="p14">
+  <mc:AlternateContent xmlns:mc="http://schemas.openxmlformats.org/markup-compatibility/2006">
+    <mc:Choice xmlns:p14="http://schemas.microsoft.com/office/powerpoint/2010/main" Requires="p14">
       <p:transition spd="med" p14:dur="700">
         <p:fade/>
       </p:transition>
     </mc:Choice>
-    <mc:Fallback xmlns="">
+    <mc:Fallback>
       <p:transition spd="med">
         <p:fade/>
       </p:transition>
@@ -20704,6 +20998,7 @@
               <a:rPr lang="zh-CN" altLang="en-US" dirty="0"/>
               <a:t>功能预览</a:t>
             </a:r>
+            <a:endParaRPr lang="zh-CN" altLang="en-US" dirty="0"/>
           </a:p>
         </p:txBody>
       </p:sp>
@@ -20734,24 +21029,28 @@
               <a:rPr lang="en-US" altLang="zh-CN" dirty="0"/>
               <a:t>1. Camera Roaming</a:t>
             </a:r>
+            <a:endParaRPr lang="en-US" altLang="zh-CN" dirty="0"/>
           </a:p>
           <a:p>
             <a:r>
               <a:rPr lang="en-US" altLang="zh-CN" dirty="0"/>
               <a:t>2. Texture Mapping</a:t>
             </a:r>
+            <a:endParaRPr lang="en-US" altLang="zh-CN" dirty="0"/>
           </a:p>
           <a:p>
             <a:r>
               <a:rPr lang="en-US" altLang="zh-CN" dirty="0"/>
               <a:t>3. Simple lighting and shading</a:t>
             </a:r>
+            <a:endParaRPr lang="en-US" altLang="zh-CN" dirty="0"/>
           </a:p>
           <a:p>
             <a:r>
               <a:rPr lang="en-US" altLang="zh-CN" dirty="0"/>
               <a:t>4. Shadow Mapping</a:t>
             </a:r>
+            <a:endParaRPr lang="en-US" altLang="zh-CN" dirty="0"/>
           </a:p>
           <a:p>
             <a:r>
@@ -20770,13 +21069,13 @@
   <p:clrMapOvr>
     <a:masterClrMapping/>
   </p:clrMapOvr>
-  <mc:AlternateContent xmlns:mc="http://schemas.openxmlformats.org/markup-compatibility/2006" xmlns:p14="http://schemas.microsoft.com/office/powerpoint/2010/main">
-    <mc:Choice Requires="p14">
+  <mc:AlternateContent xmlns:mc="http://schemas.openxmlformats.org/markup-compatibility/2006">
+    <mc:Choice xmlns:p14="http://schemas.microsoft.com/office/powerpoint/2010/main" Requires="p14">
       <p:transition spd="slow" p14:dur="800">
         <p14:flythrough/>
       </p:transition>
     </mc:Choice>
-    <mc:Fallback xmlns="">
+    <mc:Fallback>
       <p:transition spd="slow">
         <p:fade/>
       </p:transition>
@@ -20821,6 +21120,7 @@
               <a:rPr lang="en-US" altLang="zh-CN"/>
               <a:t>1. Camera Roaming</a:t>
             </a:r>
+            <a:endParaRPr lang="en-US" altLang="zh-CN"/>
           </a:p>
         </p:txBody>
       </p:sp>
@@ -21066,6 +21366,7 @@
               <a:rPr lang="zh-CN" altLang="en-US" dirty="0"/>
               <a:t>和空格输入控制人物的前进、后退、左右移动以及跳跃动作。同时可以通过移动鼠标实现人物视角的旋转。</a:t>
             </a:r>
+            <a:endParaRPr lang="zh-CN" altLang="en-US" dirty="0"/>
           </a:p>
         </p:txBody>
       </p:sp>
@@ -21077,13 +21378,13 @@
   <p:clrMapOvr>
     <a:masterClrMapping/>
   </p:clrMapOvr>
-  <mc:AlternateContent xmlns:mc="http://schemas.openxmlformats.org/markup-compatibility/2006" xmlns:p14="http://schemas.microsoft.com/office/powerpoint/2010/main">
-    <mc:Choice Requires="p14">
+  <mc:AlternateContent xmlns:mc="http://schemas.openxmlformats.org/markup-compatibility/2006">
+    <mc:Choice xmlns:p14="http://schemas.microsoft.com/office/powerpoint/2010/main" Requires="p14">
       <p:transition spd="med" p14:dur="700">
         <p:fade/>
       </p:transition>
     </mc:Choice>
-    <mc:Fallback xmlns="">
+    <mc:Fallback>
       <p:transition spd="med">
         <p:fade/>
       </p:transition>
@@ -21128,6 +21429,7 @@
               <a:rPr lang="en-US" altLang="zh-CN" dirty="0"/>
               <a:t>2. Texture Mapping</a:t>
             </a:r>
+            <a:endParaRPr lang="en-US" altLang="zh-CN" dirty="0"/>
           </a:p>
         </p:txBody>
       </p:sp>
@@ -21158,6 +21460,7 @@
               <a:rPr lang="zh-CN" altLang="en-US" dirty="0"/>
               <a:t>作品中的所有物体均使用了贴图。</a:t>
             </a:r>
+            <a:endParaRPr lang="zh-CN" altLang="en-US" dirty="0"/>
           </a:p>
         </p:txBody>
       </p:sp>
@@ -21405,13 +21708,13 @@
   <p:clrMapOvr>
     <a:masterClrMapping/>
   </p:clrMapOvr>
-  <mc:AlternateContent xmlns:mc="http://schemas.openxmlformats.org/markup-compatibility/2006" xmlns:p14="http://schemas.microsoft.com/office/powerpoint/2010/main">
-    <mc:Choice Requires="p14">
+  <mc:AlternateContent xmlns:mc="http://schemas.openxmlformats.org/markup-compatibility/2006">
+    <mc:Choice xmlns:p14="http://schemas.microsoft.com/office/powerpoint/2010/main" Requires="p14">
       <p:transition spd="med" p14:dur="700">
         <p:fade/>
       </p:transition>
     </mc:Choice>
-    <mc:Fallback xmlns="">
+    <mc:Fallback>
       <p:transition spd="med">
         <p:fade/>
       </p:transition>
@@ -21421,7 +21724,826 @@
 </file>
 
 <file path=ppt/tags/tag1.xml><?xml version="1.0" encoding="utf-8"?>
-<p:tagLst xmlns:a="http://schemas.openxmlformats.org/drawingml/2006/main" xmlns:r="http://schemas.openxmlformats.org/officeDocument/2006/relationships" xmlns:p="http://schemas.openxmlformats.org/presentationml/2006/main">
+<p:tagLst xmlns:p="http://schemas.openxmlformats.org/presentationml/2006/main">
+  <p:tag name="KSO_WM_UNIT_HIGHLIGHT" val="0"/>
+  <p:tag name="KSO_WM_UNIT_COMPATIBLE" val="0"/>
+  <p:tag name="KSO_WM_UNIT_DIAGRAM_ISNUMVISUAL" val="0"/>
+  <p:tag name="KSO_WM_UNIT_DIAGRAM_ISREFERUNIT" val="0"/>
+  <p:tag name="KSO_WM_UNIT_ID" val="_1**"/>
+  <p:tag name="KSO_WM_UNIT_LAYERLEVEL" val="1"/>
+  <p:tag name="KSO_WM_TAG_VERSION" val="1.0"/>
+  <p:tag name="KSO_WM_BEAUTIFY_FLAG" val="#wm#"/>
+</p:tagLst>
+</file>
+
+<file path=ppt/tags/tag10.xml><?xml version="1.0" encoding="utf-8"?>
+<p:tagLst xmlns:p="http://schemas.openxmlformats.org/presentationml/2006/main">
+  <p:tag name="KSO_WM_UNIT_HIGHLIGHT" val="0"/>
+  <p:tag name="KSO_WM_UNIT_COMPATIBLE" val="0"/>
+  <p:tag name="KSO_WM_UNIT_DIAGRAM_ISNUMVISUAL" val="0"/>
+  <p:tag name="KSO_WM_UNIT_DIAGRAM_ISREFERUNIT" val="0"/>
+  <p:tag name="KSO_WM_UNIT_ID" val="_1**"/>
+  <p:tag name="KSO_WM_UNIT_LAYERLEVEL" val="1"/>
+  <p:tag name="KSO_WM_TAG_VERSION" val="1.0"/>
+  <p:tag name="KSO_WM_BEAUTIFY_FLAG" val="#wm#"/>
+</p:tagLst>
+</file>
+
+<file path=ppt/tags/tag100.xml><?xml version="1.0" encoding="utf-8"?>
+<p:tagLst xmlns:p="http://schemas.openxmlformats.org/presentationml/2006/main">
+  <p:tag name="KSO_WM_UNIT_HIGHLIGHT" val="0"/>
+  <p:tag name="KSO_WM_UNIT_COMPATIBLE" val="0"/>
+  <p:tag name="KSO_WM_UNIT_DIAGRAM_ISNUMVISUAL" val="0"/>
+  <p:tag name="KSO_WM_UNIT_DIAGRAM_ISREFERUNIT" val="0"/>
+  <p:tag name="KSO_WM_UNIT_ID" val="_6**"/>
+  <p:tag name="KSO_WM_UNIT_LAYERLEVEL" val="1"/>
+  <p:tag name="KSO_WM_TAG_VERSION" val="1.0"/>
+  <p:tag name="KSO_WM_BEAUTIFY_FLAG" val="#wm#"/>
+</p:tagLst>
+</file>
+
+<file path=ppt/tags/tag101.xml><?xml version="1.0" encoding="utf-8"?>
+<p:tagLst xmlns:p="http://schemas.openxmlformats.org/presentationml/2006/main">
+  <p:tag name="KSO_WM_UNIT_HIGHLIGHT" val="0"/>
+  <p:tag name="KSO_WM_UNIT_COMPATIBLE" val="0"/>
+  <p:tag name="KSO_WM_UNIT_DIAGRAM_ISNUMVISUAL" val="0"/>
+  <p:tag name="KSO_WM_UNIT_DIAGRAM_ISREFERUNIT" val="0"/>
+  <p:tag name="KSO_WM_UNIT_ID" val="_6**"/>
+  <p:tag name="KSO_WM_UNIT_LAYERLEVEL" val="1"/>
+  <p:tag name="KSO_WM_TAG_VERSION" val="1.0"/>
+  <p:tag name="KSO_WM_BEAUTIFY_FLAG" val="#wm#"/>
+</p:tagLst>
+</file>
+
+<file path=ppt/tags/tag102.xml><?xml version="1.0" encoding="utf-8"?>
+<p:tagLst xmlns:p="http://schemas.openxmlformats.org/presentationml/2006/main">
+  <p:tag name="KSO_WM_UNIT_HIGHLIGHT" val="0"/>
+  <p:tag name="KSO_WM_UNIT_COMPATIBLE" val="0"/>
+  <p:tag name="KSO_WM_UNIT_DIAGRAM_ISNUMVISUAL" val="0"/>
+  <p:tag name="KSO_WM_UNIT_DIAGRAM_ISREFERUNIT" val="0"/>
+  <p:tag name="KSO_WM_UNIT_ID" val="_7**"/>
+  <p:tag name="KSO_WM_UNIT_LAYERLEVEL" val="1"/>
+  <p:tag name="KSO_WM_TAG_VERSION" val="1.0"/>
+  <p:tag name="KSO_WM_BEAUTIFY_FLAG" val="#wm#"/>
+</p:tagLst>
+</file>
+
+<file path=ppt/tags/tag103.xml><?xml version="1.0" encoding="utf-8"?>
+<p:tagLst xmlns:p="http://schemas.openxmlformats.org/presentationml/2006/main">
+  <p:tag name="KSO_WM_UNIT_HIGHLIGHT" val="0"/>
+  <p:tag name="KSO_WM_UNIT_COMPATIBLE" val="0"/>
+  <p:tag name="KSO_WM_UNIT_DIAGRAM_ISNUMVISUAL" val="0"/>
+  <p:tag name="KSO_WM_UNIT_DIAGRAM_ISREFERUNIT" val="0"/>
+  <p:tag name="KSO_WM_UNIT_ID" val="_7**"/>
+  <p:tag name="KSO_WM_UNIT_LAYERLEVEL" val="1"/>
+  <p:tag name="KSO_WM_TAG_VERSION" val="1.0"/>
+  <p:tag name="KSO_WM_BEAUTIFY_FLAG" val="#wm#"/>
+</p:tagLst>
+</file>
+
+<file path=ppt/tags/tag104.xml><?xml version="1.0" encoding="utf-8"?>
+<p:tagLst xmlns:p="http://schemas.openxmlformats.org/presentationml/2006/main">
+  <p:tag name="KSO_WM_UNIT_HIGHLIGHT" val="0"/>
+  <p:tag name="KSO_WM_UNIT_COMPATIBLE" val="0"/>
+  <p:tag name="KSO_WM_UNIT_DIAGRAM_ISNUMVISUAL" val="0"/>
+  <p:tag name="KSO_WM_UNIT_DIAGRAM_ISREFERUNIT" val="0"/>
+  <p:tag name="KSO_WM_UNIT_ID" val="_7**"/>
+  <p:tag name="KSO_WM_UNIT_LAYERLEVEL" val="1"/>
+  <p:tag name="KSO_WM_TAG_VERSION" val="1.0"/>
+  <p:tag name="KSO_WM_BEAUTIFY_FLAG" val="#wm#"/>
+</p:tagLst>
+</file>
+
+<file path=ppt/tags/tag105.xml><?xml version="1.0" encoding="utf-8"?>
+<p:tagLst xmlns:p="http://schemas.openxmlformats.org/presentationml/2006/main">
+  <p:tag name="KSO_WM_UNIT_HIGHLIGHT" val="0"/>
+  <p:tag name="KSO_WM_UNIT_COMPATIBLE" val="0"/>
+  <p:tag name="KSO_WM_UNIT_DIAGRAM_ISNUMVISUAL" val="0"/>
+  <p:tag name="KSO_WM_UNIT_DIAGRAM_ISREFERUNIT" val="0"/>
+  <p:tag name="KSO_WM_UNIT_ID" val="_8**"/>
+  <p:tag name="KSO_WM_UNIT_LAYERLEVEL" val="1"/>
+  <p:tag name="KSO_WM_TAG_VERSION" val="1.0"/>
+  <p:tag name="KSO_WM_BEAUTIFY_FLAG" val="#wm#"/>
+</p:tagLst>
+</file>
+
+<file path=ppt/tags/tag106.xml><?xml version="1.0" encoding="utf-8"?>
+<p:tagLst xmlns:p="http://schemas.openxmlformats.org/presentationml/2006/main">
+  <p:tag name="KSO_WM_UNIT_HIGHLIGHT" val="0"/>
+  <p:tag name="KSO_WM_UNIT_COMPATIBLE" val="0"/>
+  <p:tag name="KSO_WM_UNIT_DIAGRAM_ISNUMVISUAL" val="0"/>
+  <p:tag name="KSO_WM_UNIT_DIAGRAM_ISREFERUNIT" val="0"/>
+  <p:tag name="KSO_WM_UNIT_ID" val="_8**"/>
+  <p:tag name="KSO_WM_UNIT_LAYERLEVEL" val="1"/>
+  <p:tag name="KSO_WM_TAG_VERSION" val="1.0"/>
+  <p:tag name="KSO_WM_BEAUTIFY_FLAG" val="#wm#"/>
+</p:tagLst>
+</file>
+
+<file path=ppt/tags/tag107.xml><?xml version="1.0" encoding="utf-8"?>
+<p:tagLst xmlns:p="http://schemas.openxmlformats.org/presentationml/2006/main">
+  <p:tag name="KSO_WM_UNIT_HIGHLIGHT" val="0"/>
+  <p:tag name="KSO_WM_UNIT_COMPATIBLE" val="0"/>
+  <p:tag name="KSO_WM_UNIT_DIAGRAM_ISNUMVISUAL" val="0"/>
+  <p:tag name="KSO_WM_UNIT_DIAGRAM_ISREFERUNIT" val="0"/>
+  <p:tag name="KSO_WM_UNIT_ID" val="_8**"/>
+  <p:tag name="KSO_WM_UNIT_LAYERLEVEL" val="1"/>
+  <p:tag name="KSO_WM_TAG_VERSION" val="1.0"/>
+  <p:tag name="KSO_WM_BEAUTIFY_FLAG" val="#wm#"/>
+</p:tagLst>
+</file>
+
+<file path=ppt/tags/tag108.xml><?xml version="1.0" encoding="utf-8"?>
+<p:tagLst xmlns:p="http://schemas.openxmlformats.org/presentationml/2006/main">
+  <p:tag name="KSO_WM_UNIT_HIGHLIGHT" val="0"/>
+  <p:tag name="KSO_WM_UNIT_COMPATIBLE" val="0"/>
+  <p:tag name="KSO_WM_UNIT_DIAGRAM_ISNUMVISUAL" val="0"/>
+  <p:tag name="KSO_WM_UNIT_DIAGRAM_ISREFERUNIT" val="0"/>
+  <p:tag name="KSO_WM_UNIT_ID" val="_8**"/>
+  <p:tag name="KSO_WM_UNIT_LAYERLEVEL" val="1"/>
+  <p:tag name="KSO_WM_TAG_VERSION" val="1.0"/>
+  <p:tag name="KSO_WM_BEAUTIFY_FLAG" val="#wm#"/>
+</p:tagLst>
+</file>
+
+<file path=ppt/tags/tag109.xml><?xml version="1.0" encoding="utf-8"?>
+<p:tagLst xmlns:p="http://schemas.openxmlformats.org/presentationml/2006/main">
+  <p:tag name="KSO_WM_UNIT_HIGHLIGHT" val="0"/>
+  <p:tag name="KSO_WM_UNIT_COMPATIBLE" val="0"/>
+  <p:tag name="KSO_WM_UNIT_DIAGRAM_ISNUMVISUAL" val="0"/>
+  <p:tag name="KSO_WM_UNIT_DIAGRAM_ISREFERUNIT" val="0"/>
+  <p:tag name="KSO_WM_UNIT_ID" val="_8**"/>
+  <p:tag name="KSO_WM_UNIT_LAYERLEVEL" val="1"/>
+  <p:tag name="KSO_WM_TAG_VERSION" val="1.0"/>
+  <p:tag name="KSO_WM_BEAUTIFY_FLAG" val="#wm#"/>
+</p:tagLst>
+</file>
+
+<file path=ppt/tags/tag11.xml><?xml version="1.0" encoding="utf-8"?>
+<p:tagLst xmlns:p="http://schemas.openxmlformats.org/presentationml/2006/main">
+  <p:tag name="KSO_WM_UNIT_HIGHLIGHT" val="0"/>
+  <p:tag name="KSO_WM_UNIT_COMPATIBLE" val="0"/>
+  <p:tag name="KSO_WM_UNIT_DIAGRAM_ISNUMVISUAL" val="0"/>
+  <p:tag name="KSO_WM_UNIT_DIAGRAM_ISREFERUNIT" val="0"/>
+  <p:tag name="KSO_WM_UNIT_ID" val="_1**"/>
+  <p:tag name="KSO_WM_UNIT_LAYERLEVEL" val="1"/>
+  <p:tag name="KSO_WM_TAG_VERSION" val="1.0"/>
+  <p:tag name="KSO_WM_BEAUTIFY_FLAG" val="#wm#"/>
+</p:tagLst>
+</file>
+
+<file path=ppt/tags/tag110.xml><?xml version="1.0" encoding="utf-8"?>
+<p:tagLst xmlns:p="http://schemas.openxmlformats.org/presentationml/2006/main">
+  <p:tag name="KSO_WM_UNIT_HIGHLIGHT" val="0"/>
+  <p:tag name="KSO_WM_UNIT_COMPATIBLE" val="0"/>
+  <p:tag name="KSO_WM_UNIT_DIAGRAM_ISNUMVISUAL" val="0"/>
+  <p:tag name="KSO_WM_UNIT_DIAGRAM_ISREFERUNIT" val="0"/>
+  <p:tag name="KSO_WM_UNIT_ID" val="_8**"/>
+  <p:tag name="KSO_WM_UNIT_LAYERLEVEL" val="1"/>
+  <p:tag name="KSO_WM_TAG_VERSION" val="1.0"/>
+  <p:tag name="KSO_WM_BEAUTIFY_FLAG" val="#wm#"/>
+</p:tagLst>
+</file>
+
+<file path=ppt/tags/tag111.xml><?xml version="1.0" encoding="utf-8"?>
+<p:tagLst xmlns:p="http://schemas.openxmlformats.org/presentationml/2006/main">
+  <p:tag name="KSO_WM_UNIT_HIGHLIGHT" val="0"/>
+  <p:tag name="KSO_WM_UNIT_COMPATIBLE" val="0"/>
+  <p:tag name="KSO_WM_UNIT_DIAGRAM_ISNUMVISUAL" val="0"/>
+  <p:tag name="KSO_WM_UNIT_DIAGRAM_ISREFERUNIT" val="0"/>
+  <p:tag name="KSO_WM_UNIT_ID" val="_9**"/>
+  <p:tag name="KSO_WM_UNIT_LAYERLEVEL" val="1"/>
+  <p:tag name="KSO_WM_TAG_VERSION" val="1.0"/>
+  <p:tag name="KSO_WM_BEAUTIFY_FLAG" val="#wm#"/>
+</p:tagLst>
+</file>
+
+<file path=ppt/tags/tag112.xml><?xml version="1.0" encoding="utf-8"?>
+<p:tagLst xmlns:p="http://schemas.openxmlformats.org/presentationml/2006/main">
+  <p:tag name="KSO_WM_UNIT_HIGHLIGHT" val="0"/>
+  <p:tag name="KSO_WM_UNIT_COMPATIBLE" val="0"/>
+  <p:tag name="KSO_WM_UNIT_DIAGRAM_ISNUMVISUAL" val="0"/>
+  <p:tag name="KSO_WM_UNIT_DIAGRAM_ISREFERUNIT" val="0"/>
+  <p:tag name="KSO_WM_UNIT_ID" val="_9**"/>
+  <p:tag name="KSO_WM_UNIT_LAYERLEVEL" val="1"/>
+  <p:tag name="KSO_WM_TAG_VERSION" val="1.0"/>
+  <p:tag name="KSO_WM_BEAUTIFY_FLAG" val="#wm#"/>
+</p:tagLst>
+</file>
+
+<file path=ppt/tags/tag113.xml><?xml version="1.0" encoding="utf-8"?>
+<p:tagLst xmlns:p="http://schemas.openxmlformats.org/presentationml/2006/main">
+  <p:tag name="KSO_WM_UNIT_HIGHLIGHT" val="0"/>
+  <p:tag name="KSO_WM_UNIT_COMPATIBLE" val="0"/>
+  <p:tag name="KSO_WM_UNIT_DIAGRAM_ISNUMVISUAL" val="0"/>
+  <p:tag name="KSO_WM_UNIT_DIAGRAM_ISREFERUNIT" val="0"/>
+  <p:tag name="KSO_WM_UNIT_ID" val="_9**"/>
+  <p:tag name="KSO_WM_UNIT_LAYERLEVEL" val="1"/>
+  <p:tag name="KSO_WM_TAG_VERSION" val="1.0"/>
+  <p:tag name="KSO_WM_BEAUTIFY_FLAG" val="#wm#"/>
+</p:tagLst>
+</file>
+
+<file path=ppt/tags/tag114.xml><?xml version="1.0" encoding="utf-8"?>
+<p:tagLst xmlns:p="http://schemas.openxmlformats.org/presentationml/2006/main">
+  <p:tag name="KSO_WM_UNIT_HIGHLIGHT" val="0"/>
+  <p:tag name="KSO_WM_UNIT_COMPATIBLE" val="0"/>
+  <p:tag name="KSO_WM_UNIT_DIAGRAM_ISNUMVISUAL" val="0"/>
+  <p:tag name="KSO_WM_UNIT_DIAGRAM_ISREFERUNIT" val="0"/>
+  <p:tag name="KSO_WM_UNIT_ID" val="_9**"/>
+  <p:tag name="KSO_WM_UNIT_LAYERLEVEL" val="1"/>
+  <p:tag name="KSO_WM_TAG_VERSION" val="1.0"/>
+  <p:tag name="KSO_WM_BEAUTIFY_FLAG" val="#wm#"/>
+</p:tagLst>
+</file>
+
+<file path=ppt/tags/tag115.xml><?xml version="1.0" encoding="utf-8"?>
+<p:tagLst xmlns:p="http://schemas.openxmlformats.org/presentationml/2006/main">
+  <p:tag name="KSO_WM_UNIT_HIGHLIGHT" val="0"/>
+  <p:tag name="KSO_WM_UNIT_COMPATIBLE" val="0"/>
+  <p:tag name="KSO_WM_UNIT_DIAGRAM_ISNUMVISUAL" val="0"/>
+  <p:tag name="KSO_WM_UNIT_DIAGRAM_ISREFERUNIT" val="0"/>
+  <p:tag name="KSO_WM_UNIT_ID" val="_9**"/>
+  <p:tag name="KSO_WM_UNIT_LAYERLEVEL" val="1"/>
+  <p:tag name="KSO_WM_TAG_VERSION" val="1.0"/>
+  <p:tag name="KSO_WM_BEAUTIFY_FLAG" val="#wm#"/>
+</p:tagLst>
+</file>
+
+<file path=ppt/tags/tag116.xml><?xml version="1.0" encoding="utf-8"?>
+<p:tagLst xmlns:p="http://schemas.openxmlformats.org/presentationml/2006/main">
+  <p:tag name="KSO_WM_UNIT_HIGHLIGHT" val="0"/>
+  <p:tag name="KSO_WM_UNIT_COMPATIBLE" val="0"/>
+  <p:tag name="KSO_WM_UNIT_DIAGRAM_ISNUMVISUAL" val="0"/>
+  <p:tag name="KSO_WM_UNIT_DIAGRAM_ISREFERUNIT" val="0"/>
+  <p:tag name="KSO_WM_UNIT_ID" val="_10**"/>
+  <p:tag name="KSO_WM_UNIT_LAYERLEVEL" val="1"/>
+  <p:tag name="KSO_WM_TAG_VERSION" val="1.0"/>
+  <p:tag name="KSO_WM_BEAUTIFY_FLAG" val="#wm#"/>
+</p:tagLst>
+</file>
+
+<file path=ppt/tags/tag117.xml><?xml version="1.0" encoding="utf-8"?>
+<p:tagLst xmlns:p="http://schemas.openxmlformats.org/presentationml/2006/main">
+  <p:tag name="KSO_WM_UNIT_HIGHLIGHT" val="0"/>
+  <p:tag name="KSO_WM_UNIT_COMPATIBLE" val="0"/>
+  <p:tag name="KSO_WM_UNIT_DIAGRAM_ISNUMVISUAL" val="0"/>
+  <p:tag name="KSO_WM_UNIT_DIAGRAM_ISREFERUNIT" val="0"/>
+  <p:tag name="KSO_WM_UNIT_ID" val="_10**"/>
+  <p:tag name="KSO_WM_UNIT_LAYERLEVEL" val="1"/>
+  <p:tag name="KSO_WM_TAG_VERSION" val="1.0"/>
+  <p:tag name="KSO_WM_BEAUTIFY_FLAG" val="#wm#"/>
+</p:tagLst>
+</file>
+
+<file path=ppt/tags/tag118.xml><?xml version="1.0" encoding="utf-8"?>
+<p:tagLst xmlns:p="http://schemas.openxmlformats.org/presentationml/2006/main">
+  <p:tag name="KSO_WM_UNIT_HIGHLIGHT" val="0"/>
+  <p:tag name="KSO_WM_UNIT_COMPATIBLE" val="0"/>
+  <p:tag name="KSO_WM_UNIT_DIAGRAM_ISNUMVISUAL" val="0"/>
+  <p:tag name="KSO_WM_UNIT_DIAGRAM_ISREFERUNIT" val="0"/>
+  <p:tag name="KSO_WM_UNIT_ID" val="_10**"/>
+  <p:tag name="KSO_WM_UNIT_LAYERLEVEL" val="1"/>
+  <p:tag name="KSO_WM_TAG_VERSION" val="1.0"/>
+  <p:tag name="KSO_WM_BEAUTIFY_FLAG" val="#wm#"/>
+</p:tagLst>
+</file>
+
+<file path=ppt/tags/tag119.xml><?xml version="1.0" encoding="utf-8"?>
+<p:tagLst xmlns:p="http://schemas.openxmlformats.org/presentationml/2006/main">
+  <p:tag name="KSO_WM_UNIT_HIGHLIGHT" val="0"/>
+  <p:tag name="KSO_WM_UNIT_COMPATIBLE" val="0"/>
+  <p:tag name="KSO_WM_UNIT_DIAGRAM_ISNUMVISUAL" val="0"/>
+  <p:tag name="KSO_WM_UNIT_DIAGRAM_ISREFERUNIT" val="0"/>
+  <p:tag name="KSO_WM_UNIT_ID" val="_10**"/>
+  <p:tag name="KSO_WM_UNIT_LAYERLEVEL" val="1"/>
+  <p:tag name="KSO_WM_TAG_VERSION" val="1.0"/>
+  <p:tag name="KSO_WM_BEAUTIFY_FLAG" val="#wm#"/>
+</p:tagLst>
+</file>
+
+<file path=ppt/tags/tag12.xml><?xml version="1.0" encoding="utf-8"?>
+<p:tagLst xmlns:p="http://schemas.openxmlformats.org/presentationml/2006/main">
+  <p:tag name="KSO_WM_UNIT_HIGHLIGHT" val="0"/>
+  <p:tag name="KSO_WM_UNIT_COMPATIBLE" val="0"/>
+  <p:tag name="KSO_WM_UNIT_DIAGRAM_ISNUMVISUAL" val="0"/>
+  <p:tag name="KSO_WM_UNIT_DIAGRAM_ISREFERUNIT" val="0"/>
+  <p:tag name="KSO_WM_UNIT_ID" val="_1**"/>
+  <p:tag name="KSO_WM_UNIT_LAYERLEVEL" val="1"/>
+  <p:tag name="KSO_WM_TAG_VERSION" val="1.0"/>
+  <p:tag name="KSO_WM_BEAUTIFY_FLAG" val="#wm#"/>
+</p:tagLst>
+</file>
+
+<file path=ppt/tags/tag120.xml><?xml version="1.0" encoding="utf-8"?>
+<p:tagLst xmlns:p="http://schemas.openxmlformats.org/presentationml/2006/main">
+  <p:tag name="KSO_WM_UNIT_HIGHLIGHT" val="0"/>
+  <p:tag name="KSO_WM_UNIT_COMPATIBLE" val="0"/>
+  <p:tag name="KSO_WM_UNIT_DIAGRAM_ISNUMVISUAL" val="0"/>
+  <p:tag name="KSO_WM_UNIT_DIAGRAM_ISREFERUNIT" val="0"/>
+  <p:tag name="KSO_WM_UNIT_ID" val="_11**"/>
+  <p:tag name="KSO_WM_UNIT_LAYERLEVEL" val="1"/>
+  <p:tag name="KSO_WM_TAG_VERSION" val="1.0"/>
+  <p:tag name="KSO_WM_BEAUTIFY_FLAG" val="#wm#"/>
+</p:tagLst>
+</file>
+
+<file path=ppt/tags/tag121.xml><?xml version="1.0" encoding="utf-8"?>
+<p:tagLst xmlns:p="http://schemas.openxmlformats.org/presentationml/2006/main">
+  <p:tag name="KSO_WM_UNIT_HIGHLIGHT" val="0"/>
+  <p:tag name="KSO_WM_UNIT_COMPATIBLE" val="0"/>
+  <p:tag name="KSO_WM_UNIT_DIAGRAM_ISNUMVISUAL" val="0"/>
+  <p:tag name="KSO_WM_UNIT_DIAGRAM_ISREFERUNIT" val="0"/>
+  <p:tag name="KSO_WM_UNIT_ID" val="_11**"/>
+  <p:tag name="KSO_WM_UNIT_LAYERLEVEL" val="1"/>
+  <p:tag name="KSO_WM_TAG_VERSION" val="1.0"/>
+  <p:tag name="KSO_WM_BEAUTIFY_FLAG" val="#wm#"/>
+</p:tagLst>
+</file>
+
+<file path=ppt/tags/tag122.xml><?xml version="1.0" encoding="utf-8"?>
+<p:tagLst xmlns:p="http://schemas.openxmlformats.org/presentationml/2006/main">
+  <p:tag name="KSO_WM_UNIT_HIGHLIGHT" val="0"/>
+  <p:tag name="KSO_WM_UNIT_COMPATIBLE" val="0"/>
+  <p:tag name="KSO_WM_UNIT_DIAGRAM_ISNUMVISUAL" val="0"/>
+  <p:tag name="KSO_WM_UNIT_DIAGRAM_ISREFERUNIT" val="0"/>
+  <p:tag name="KSO_WM_UNIT_ID" val="_11**"/>
+  <p:tag name="KSO_WM_UNIT_LAYERLEVEL" val="1"/>
+  <p:tag name="KSO_WM_TAG_VERSION" val="1.0"/>
+  <p:tag name="KSO_WM_BEAUTIFY_FLAG" val="#wm#"/>
+</p:tagLst>
+</file>
+
+<file path=ppt/tags/tag123.xml><?xml version="1.0" encoding="utf-8"?>
+<p:tagLst xmlns:p="http://schemas.openxmlformats.org/presentationml/2006/main">
+  <p:tag name="KSO_WM_UNIT_HIGHLIGHT" val="0"/>
+  <p:tag name="KSO_WM_UNIT_COMPATIBLE" val="0"/>
+  <p:tag name="KSO_WM_UNIT_DIAGRAM_ISNUMVISUAL" val="0"/>
+  <p:tag name="KSO_WM_UNIT_DIAGRAM_ISREFERUNIT" val="0"/>
+  <p:tag name="KSO_WM_UNIT_ID" val="_11**"/>
+  <p:tag name="KSO_WM_UNIT_LAYERLEVEL" val="1"/>
+  <p:tag name="KSO_WM_TAG_VERSION" val="1.0"/>
+  <p:tag name="KSO_WM_BEAUTIFY_FLAG" val="#wm#"/>
+</p:tagLst>
+</file>
+
+<file path=ppt/tags/tag124.xml><?xml version="1.0" encoding="utf-8"?>
+<p:tagLst xmlns:p="http://schemas.openxmlformats.org/presentationml/2006/main">
+  <p:tag name="KSO_WM_UNIT_HIGHLIGHT" val="0"/>
+  <p:tag name="KSO_WM_UNIT_COMPATIBLE" val="0"/>
+  <p:tag name="KSO_WM_UNIT_DIAGRAM_ISNUMVISUAL" val="0"/>
+  <p:tag name="KSO_WM_UNIT_DIAGRAM_ISREFERUNIT" val="0"/>
+  <p:tag name="KSO_WM_UNIT_ID" val="_11**"/>
+  <p:tag name="KSO_WM_UNIT_LAYERLEVEL" val="1"/>
+  <p:tag name="KSO_WM_TAG_VERSION" val="1.0"/>
+  <p:tag name="KSO_WM_BEAUTIFY_FLAG" val="#wm#"/>
+</p:tagLst>
+</file>
+
+<file path=ppt/tags/tag125.xml><?xml version="1.0" encoding="utf-8"?>
+<p:tagLst xmlns:p="http://schemas.openxmlformats.org/presentationml/2006/main">
+  <p:tag name="KSO_WM_UNIT_HIGHLIGHT" val="0"/>
+  <p:tag name="KSO_WM_UNIT_COMPATIBLE" val="0"/>
+  <p:tag name="KSO_WM_UNIT_DIAGRAM_ISNUMVISUAL" val="0"/>
+  <p:tag name="KSO_WM_UNIT_DIAGRAM_ISREFERUNIT" val="0"/>
+  <p:tag name="KSO_WM_UNIT_ID" val="_11**"/>
+  <p:tag name="KSO_WM_UNIT_LAYERLEVEL" val="1"/>
+  <p:tag name="KSO_WM_TAG_VERSION" val="1.0"/>
+  <p:tag name="KSO_WM_BEAUTIFY_FLAG" val="#wm#"/>
+</p:tagLst>
+</file>
+
+<file path=ppt/tags/tag126.xml><?xml version="1.0" encoding="utf-8"?>
+<p:tagLst xmlns:p="http://schemas.openxmlformats.org/presentationml/2006/main">
+  <p:tag name="KSO_WM_UNIT_HIGHLIGHT" val="0"/>
+  <p:tag name="KSO_WM_UNIT_COMPATIBLE" val="0"/>
+  <p:tag name="KSO_WM_UNIT_DIAGRAM_ISNUMVISUAL" val="0"/>
+  <p:tag name="KSO_WM_UNIT_DIAGRAM_ISREFERUNIT" val="0"/>
+  <p:tag name="KSO_WM_UNIT_ID" val="_11**"/>
+  <p:tag name="KSO_WM_UNIT_LAYERLEVEL" val="1"/>
+  <p:tag name="KSO_WM_TAG_VERSION" val="1.0"/>
+  <p:tag name="KSO_WM_BEAUTIFY_FLAG" val="#wm#"/>
+</p:tagLst>
+</file>
+
+<file path=ppt/tags/tag127.xml><?xml version="1.0" encoding="utf-8"?>
+<p:tagLst xmlns:p="http://schemas.openxmlformats.org/presentationml/2006/main">
+  <p:tag name="KSO_WM_UNIT_HIGHLIGHT" val="0"/>
+  <p:tag name="KSO_WM_UNIT_COMPATIBLE" val="0"/>
+  <p:tag name="KSO_WM_UNIT_DIAGRAM_ISNUMVISUAL" val="0"/>
+  <p:tag name="KSO_WM_UNIT_DIAGRAM_ISREFERUNIT" val="0"/>
+  <p:tag name="KSO_WM_UNIT_ID" val="_11**"/>
+  <p:tag name="KSO_WM_UNIT_LAYERLEVEL" val="1"/>
+  <p:tag name="KSO_WM_TAG_VERSION" val="1.0"/>
+  <p:tag name="KSO_WM_BEAUTIFY_FLAG" val="#wm#"/>
+</p:tagLst>
+</file>
+
+<file path=ppt/tags/tag128.xml><?xml version="1.0" encoding="utf-8"?>
+<p:tagLst xmlns:p="http://schemas.openxmlformats.org/presentationml/2006/main">
+  <p:tag name="KSO_WM_UNIT_HIGHLIGHT" val="0"/>
+  <p:tag name="KSO_WM_UNIT_COMPATIBLE" val="0"/>
+  <p:tag name="KSO_WM_UNIT_DIAGRAM_ISNUMVISUAL" val="0"/>
+  <p:tag name="KSO_WM_UNIT_DIAGRAM_ISREFERUNIT" val="0"/>
+  <p:tag name="KSO_WM_UNIT_ID" val="_11**"/>
+  <p:tag name="KSO_WM_UNIT_LAYERLEVEL" val="1"/>
+  <p:tag name="KSO_WM_TAG_VERSION" val="1.0"/>
+  <p:tag name="KSO_WM_BEAUTIFY_FLAG" val="#wm#"/>
+</p:tagLst>
+</file>
+
+<file path=ppt/tags/tag129.xml><?xml version="1.0" encoding="utf-8"?>
+<p:tagLst xmlns:p="http://schemas.openxmlformats.org/presentationml/2006/main">
+  <p:tag name="KSO_WM_UNIT_HIGHLIGHT" val="0"/>
+  <p:tag name="KSO_WM_UNIT_COMPATIBLE" val="0"/>
+  <p:tag name="KSO_WM_UNIT_DIAGRAM_ISNUMVISUAL" val="0"/>
+  <p:tag name="KSO_WM_UNIT_DIAGRAM_ISREFERUNIT" val="0"/>
+  <p:tag name="KSO_WM_UNIT_ID" val="_11**"/>
+  <p:tag name="KSO_WM_UNIT_LAYERLEVEL" val="1"/>
+  <p:tag name="KSO_WM_TAG_VERSION" val="1.0"/>
+  <p:tag name="KSO_WM_BEAUTIFY_FLAG" val="#wm#"/>
+</p:tagLst>
+</file>
+
+<file path=ppt/tags/tag13.xml><?xml version="1.0" encoding="utf-8"?>
+<p:tagLst xmlns:p="http://schemas.openxmlformats.org/presentationml/2006/main">
+  <p:tag name="KSO_WM_UNIT_HIGHLIGHT" val="0"/>
+  <p:tag name="KSO_WM_UNIT_COMPATIBLE" val="0"/>
+  <p:tag name="KSO_WM_UNIT_DIAGRAM_ISNUMVISUAL" val="0"/>
+  <p:tag name="KSO_WM_UNIT_DIAGRAM_ISREFERUNIT" val="0"/>
+  <p:tag name="KSO_WM_UNIT_ID" val="_1**"/>
+  <p:tag name="KSO_WM_UNIT_LAYERLEVEL" val="1"/>
+  <p:tag name="KSO_WM_TAG_VERSION" val="1.0"/>
+  <p:tag name="KSO_WM_BEAUTIFY_FLAG" val="#wm#"/>
+</p:tagLst>
+</file>
+
+<file path=ppt/tags/tag130.xml><?xml version="1.0" encoding="utf-8"?>
+<p:tagLst xmlns:p="http://schemas.openxmlformats.org/presentationml/2006/main">
+  <p:tag name="KSO_WM_UNIT_HIGHLIGHT" val="0"/>
+  <p:tag name="KSO_WM_UNIT_COMPATIBLE" val="0"/>
+  <p:tag name="KSO_WM_UNIT_DIAGRAM_ISNUMVISUAL" val="0"/>
+  <p:tag name="KSO_WM_UNIT_DIAGRAM_ISREFERUNIT" val="0"/>
+  <p:tag name="KSO_WM_UNIT_ID" val="_11**"/>
+  <p:tag name="KSO_WM_UNIT_LAYERLEVEL" val="1"/>
+  <p:tag name="KSO_WM_TAG_VERSION" val="1.0"/>
+  <p:tag name="KSO_WM_BEAUTIFY_FLAG" val="#wm#"/>
+</p:tagLst>
+</file>
+
+<file path=ppt/tags/tag131.xml><?xml version="1.0" encoding="utf-8"?>
+<p:tagLst xmlns:p="http://schemas.openxmlformats.org/presentationml/2006/main">
+  <p:tag name="KSO_WM_UNIT_HIGHLIGHT" val="0"/>
+  <p:tag name="KSO_WM_UNIT_COMPATIBLE" val="0"/>
+  <p:tag name="KSO_WM_UNIT_DIAGRAM_ISNUMVISUAL" val="0"/>
+  <p:tag name="KSO_WM_UNIT_DIAGRAM_ISREFERUNIT" val="0"/>
+  <p:tag name="KSO_WM_UNIT_ID" val="_11**"/>
+  <p:tag name="KSO_WM_UNIT_LAYERLEVEL" val="1"/>
+  <p:tag name="KSO_WM_TAG_VERSION" val="1.0"/>
+  <p:tag name="KSO_WM_BEAUTIFY_FLAG" val="#wm#"/>
+</p:tagLst>
+</file>
+
+<file path=ppt/tags/tag132.xml><?xml version="1.0" encoding="utf-8"?>
+<p:tagLst xmlns:p="http://schemas.openxmlformats.org/presentationml/2006/main">
+  <p:tag name="KSO_WM_UNIT_HIGHLIGHT" val="0"/>
+  <p:tag name="KSO_WM_UNIT_COMPATIBLE" val="0"/>
+  <p:tag name="KSO_WM_UNIT_DIAGRAM_ISNUMVISUAL" val="0"/>
+  <p:tag name="KSO_WM_UNIT_DIAGRAM_ISREFERUNIT" val="0"/>
+  <p:tag name="KSO_WM_UNIT_ID" val="_11**"/>
+  <p:tag name="KSO_WM_UNIT_LAYERLEVEL" val="1"/>
+  <p:tag name="KSO_WM_TAG_VERSION" val="1.0"/>
+  <p:tag name="KSO_WM_BEAUTIFY_FLAG" val="#wm#"/>
+</p:tagLst>
+</file>
+
+<file path=ppt/tags/tag133.xml><?xml version="1.0" encoding="utf-8"?>
+<p:tagLst xmlns:p="http://schemas.openxmlformats.org/presentationml/2006/main">
+  <p:tag name="KSO_WM_UNIT_HIGHLIGHT" val="0"/>
+  <p:tag name="KSO_WM_UNIT_COMPATIBLE" val="0"/>
+  <p:tag name="KSO_WM_UNIT_DIAGRAM_ISNUMVISUAL" val="0"/>
+  <p:tag name="KSO_WM_UNIT_DIAGRAM_ISREFERUNIT" val="0"/>
+  <p:tag name="KSO_WM_UNIT_ID" val="_11**"/>
+  <p:tag name="KSO_WM_UNIT_LAYERLEVEL" val="1"/>
+  <p:tag name="KSO_WM_TAG_VERSION" val="1.0"/>
+  <p:tag name="KSO_WM_BEAUTIFY_FLAG" val="#wm#"/>
+</p:tagLst>
+</file>
+
+<file path=ppt/tags/tag134.xml><?xml version="1.0" encoding="utf-8"?>
+<p:tagLst xmlns:p="http://schemas.openxmlformats.org/presentationml/2006/main">
+  <p:tag name="KSO_WM_UNIT_HIGHLIGHT" val="0"/>
+  <p:tag name="KSO_WM_UNIT_COMPATIBLE" val="0"/>
+  <p:tag name="KSO_WM_UNIT_DIAGRAM_ISNUMVISUAL" val="0"/>
+  <p:tag name="KSO_WM_UNIT_DIAGRAM_ISREFERUNIT" val="0"/>
+  <p:tag name="KSO_WM_UNIT_ID" val="_11**"/>
+  <p:tag name="KSO_WM_UNIT_LAYERLEVEL" val="1"/>
+  <p:tag name="KSO_WM_TAG_VERSION" val="1.0"/>
+  <p:tag name="KSO_WM_BEAUTIFY_FLAG" val="#wm#"/>
+</p:tagLst>
+</file>
+
+<file path=ppt/tags/tag135.xml><?xml version="1.0" encoding="utf-8"?>
+<p:tagLst xmlns:p="http://schemas.openxmlformats.org/presentationml/2006/main">
+  <p:tag name="KSO_WM_UNIT_HIGHLIGHT" val="0"/>
+  <p:tag name="KSO_WM_UNIT_COMPATIBLE" val="0"/>
+  <p:tag name="KSO_WM_UNIT_DIAGRAM_ISNUMVISUAL" val="0"/>
+  <p:tag name="KSO_WM_UNIT_DIAGRAM_ISREFERUNIT" val="0"/>
+  <p:tag name="KSO_WM_UNIT_ID" val="_11**"/>
+  <p:tag name="KSO_WM_UNIT_LAYERLEVEL" val="1"/>
+  <p:tag name="KSO_WM_TAG_VERSION" val="1.0"/>
+  <p:tag name="KSO_WM_BEAUTIFY_FLAG" val="#wm#"/>
+</p:tagLst>
+</file>
+
+<file path=ppt/tags/tag136.xml><?xml version="1.0" encoding="utf-8"?>
+<p:tagLst xmlns:p="http://schemas.openxmlformats.org/presentationml/2006/main">
+  <p:tag name="KSO_WM_UNIT_HIGHLIGHT" val="0"/>
+  <p:tag name="KSO_WM_UNIT_COMPATIBLE" val="0"/>
+  <p:tag name="KSO_WM_UNIT_DIAGRAM_ISNUMVISUAL" val="0"/>
+  <p:tag name="KSO_WM_UNIT_DIAGRAM_ISREFERUNIT" val="0"/>
+  <p:tag name="KSO_WM_UNIT_ID" val="_11**"/>
+  <p:tag name="KSO_WM_UNIT_LAYERLEVEL" val="1"/>
+  <p:tag name="KSO_WM_TAG_VERSION" val="1.0"/>
+  <p:tag name="KSO_WM_BEAUTIFY_FLAG" val="#wm#"/>
+</p:tagLst>
+</file>
+
+<file path=ppt/tags/tag137.xml><?xml version="1.0" encoding="utf-8"?>
+<p:tagLst xmlns:p="http://schemas.openxmlformats.org/presentationml/2006/main">
+  <p:tag name="KSO_WM_UNIT_HIGHLIGHT" val="0"/>
+  <p:tag name="KSO_WM_UNIT_COMPATIBLE" val="0"/>
+  <p:tag name="KSO_WM_UNIT_DIAGRAM_ISNUMVISUAL" val="0"/>
+  <p:tag name="KSO_WM_UNIT_DIAGRAM_ISREFERUNIT" val="0"/>
+  <p:tag name="KSO_WM_UNIT_ID" val="_11**"/>
+  <p:tag name="KSO_WM_UNIT_LAYERLEVEL" val="1"/>
+  <p:tag name="KSO_WM_TAG_VERSION" val="1.0"/>
+  <p:tag name="KSO_WM_BEAUTIFY_FLAG" val="#wm#"/>
+</p:tagLst>
+</file>
+
+<file path=ppt/tags/tag138.xml><?xml version="1.0" encoding="utf-8"?>
+<p:tagLst xmlns:p="http://schemas.openxmlformats.org/presentationml/2006/main">
+  <p:tag name="KSO_WM_UNIT_HIGHLIGHT" val="0"/>
+  <p:tag name="KSO_WM_UNIT_COMPATIBLE" val="0"/>
+  <p:tag name="KSO_WM_UNIT_DIAGRAM_ISNUMVISUAL" val="0"/>
+  <p:tag name="KSO_WM_UNIT_DIAGRAM_ISREFERUNIT" val="0"/>
+  <p:tag name="KSO_WM_UNIT_ID" val="_11**"/>
+  <p:tag name="KSO_WM_UNIT_LAYERLEVEL" val="1"/>
+  <p:tag name="KSO_WM_TAG_VERSION" val="1.0"/>
+  <p:tag name="KSO_WM_BEAUTIFY_FLAG" val="#wm#"/>
+</p:tagLst>
+</file>
+
+<file path=ppt/tags/tag139.xml><?xml version="1.0" encoding="utf-8"?>
+<p:tagLst xmlns:p="http://schemas.openxmlformats.org/presentationml/2006/main">
+  <p:tag name="KSO_WM_UNIT_HIGHLIGHT" val="0"/>
+  <p:tag name="KSO_WM_UNIT_COMPATIBLE" val="0"/>
+  <p:tag name="KSO_WM_UNIT_DIAGRAM_ISNUMVISUAL" val="0"/>
+  <p:tag name="KSO_WM_UNIT_DIAGRAM_ISREFERUNIT" val="0"/>
+  <p:tag name="KSO_WM_UNIT_ID" val="_11**"/>
+  <p:tag name="KSO_WM_UNIT_LAYERLEVEL" val="1"/>
+  <p:tag name="KSO_WM_TAG_VERSION" val="1.0"/>
+  <p:tag name="KSO_WM_BEAUTIFY_FLAG" val="#wm#"/>
+</p:tagLst>
+</file>
+
+<file path=ppt/tags/tag14.xml><?xml version="1.0" encoding="utf-8"?>
+<p:tagLst xmlns:p="http://schemas.openxmlformats.org/presentationml/2006/main">
+  <p:tag name="KSO_WM_UNIT_HIGHLIGHT" val="0"/>
+  <p:tag name="KSO_WM_UNIT_COMPATIBLE" val="0"/>
+  <p:tag name="KSO_WM_UNIT_DIAGRAM_ISNUMVISUAL" val="0"/>
+  <p:tag name="KSO_WM_UNIT_DIAGRAM_ISREFERUNIT" val="0"/>
+  <p:tag name="KSO_WM_UNIT_ID" val="_1**"/>
+  <p:tag name="KSO_WM_UNIT_LAYERLEVEL" val="1"/>
+  <p:tag name="KSO_WM_TAG_VERSION" val="1.0"/>
+  <p:tag name="KSO_WM_BEAUTIFY_FLAG" val="#wm#"/>
+</p:tagLst>
+</file>
+
+<file path=ppt/tags/tag140.xml><?xml version="1.0" encoding="utf-8"?>
+<p:tagLst xmlns:p="http://schemas.openxmlformats.org/presentationml/2006/main">
+  <p:tag name="KSO_WM_UNIT_HIGHLIGHT" val="0"/>
+  <p:tag name="KSO_WM_UNIT_COMPATIBLE" val="0"/>
+  <p:tag name="KSO_WM_UNIT_DIAGRAM_ISNUMVISUAL" val="0"/>
+  <p:tag name="KSO_WM_UNIT_DIAGRAM_ISREFERUNIT" val="0"/>
+  <p:tag name="KSO_WM_UNIT_ID" val="_11**"/>
+  <p:tag name="KSO_WM_UNIT_LAYERLEVEL" val="1"/>
+  <p:tag name="KSO_WM_TAG_VERSION" val="1.0"/>
+  <p:tag name="KSO_WM_BEAUTIFY_FLAG" val="#wm#"/>
+</p:tagLst>
+</file>
+
+<file path=ppt/tags/tag141.xml><?xml version="1.0" encoding="utf-8"?>
+<p:tagLst xmlns:p="http://schemas.openxmlformats.org/presentationml/2006/main">
+  <p:tag name="KSO_WM_UNIT_HIGHLIGHT" val="0"/>
+  <p:tag name="KSO_WM_UNIT_COMPATIBLE" val="0"/>
+  <p:tag name="KSO_WM_UNIT_DIAGRAM_ISNUMVISUAL" val="0"/>
+  <p:tag name="KSO_WM_UNIT_DIAGRAM_ISREFERUNIT" val="0"/>
+  <p:tag name="KSO_WM_UNIT_ID" val="_11**"/>
+  <p:tag name="KSO_WM_UNIT_LAYERLEVEL" val="1"/>
+  <p:tag name="KSO_WM_TAG_VERSION" val="1.0"/>
+  <p:tag name="KSO_WM_BEAUTIFY_FLAG" val="#wm#"/>
+</p:tagLst>
+</file>
+
+<file path=ppt/tags/tag142.xml><?xml version="1.0" encoding="utf-8"?>
+<p:tagLst xmlns:p="http://schemas.openxmlformats.org/presentationml/2006/main">
+  <p:tag name="KSO_WM_UNIT_HIGHLIGHT" val="0"/>
+  <p:tag name="KSO_WM_UNIT_COMPATIBLE" val="0"/>
+  <p:tag name="KSO_WM_UNIT_DIAGRAM_ISNUMVISUAL" val="0"/>
+  <p:tag name="KSO_WM_UNIT_DIAGRAM_ISREFERUNIT" val="0"/>
+  <p:tag name="KSO_WM_UNIT_ID" val="_11**"/>
+  <p:tag name="KSO_WM_UNIT_LAYERLEVEL" val="1"/>
+  <p:tag name="KSO_WM_TAG_VERSION" val="1.0"/>
+  <p:tag name="KSO_WM_BEAUTIFY_FLAG" val="#wm#"/>
+</p:tagLst>
+</file>
+
+<file path=ppt/tags/tag143.xml><?xml version="1.0" encoding="utf-8"?>
+<p:tagLst xmlns:p="http://schemas.openxmlformats.org/presentationml/2006/main">
+  <p:tag name="KSO_WM_UNIT_HIGHLIGHT" val="0"/>
+  <p:tag name="KSO_WM_UNIT_COMPATIBLE" val="0"/>
+  <p:tag name="KSO_WM_UNIT_DIAGRAM_ISNUMVISUAL" val="0"/>
+  <p:tag name="KSO_WM_UNIT_DIAGRAM_ISREFERUNIT" val="0"/>
+  <p:tag name="KSO_WM_UNIT_ID" val="_11**"/>
+  <p:tag name="KSO_WM_UNIT_LAYERLEVEL" val="1"/>
+  <p:tag name="KSO_WM_TAG_VERSION" val="1.0"/>
+  <p:tag name="KSO_WM_BEAUTIFY_FLAG" val="#wm#"/>
+</p:tagLst>
+</file>
+
+<file path=ppt/tags/tag144.xml><?xml version="1.0" encoding="utf-8"?>
+<p:tagLst xmlns:p="http://schemas.openxmlformats.org/presentationml/2006/main">
+  <p:tag name="KSO_WM_UNIT_HIGHLIGHT" val="0"/>
+  <p:tag name="KSO_WM_UNIT_COMPATIBLE" val="0"/>
+  <p:tag name="KSO_WM_UNIT_DIAGRAM_ISNUMVISUAL" val="0"/>
+  <p:tag name="KSO_WM_UNIT_DIAGRAM_ISREFERUNIT" val="0"/>
+  <p:tag name="KSO_WM_UNIT_ID" val="_11**"/>
+  <p:tag name="KSO_WM_UNIT_LAYERLEVEL" val="1"/>
+  <p:tag name="KSO_WM_TAG_VERSION" val="1.0"/>
+  <p:tag name="KSO_WM_BEAUTIFY_FLAG" val="#wm#"/>
+</p:tagLst>
+</file>
+
+<file path=ppt/tags/tag145.xml><?xml version="1.0" encoding="utf-8"?>
+<p:tagLst xmlns:p="http://schemas.openxmlformats.org/presentationml/2006/main">
+  <p:tag name="KSO_WM_UNIT_HIGHLIGHT" val="0"/>
+  <p:tag name="KSO_WM_UNIT_COMPATIBLE" val="0"/>
+  <p:tag name="KSO_WM_UNIT_DIAGRAM_ISNUMVISUAL" val="0"/>
+  <p:tag name="KSO_WM_UNIT_DIAGRAM_ISREFERUNIT" val="0"/>
+  <p:tag name="KSO_WM_UNIT_ID" val="_11**"/>
+  <p:tag name="KSO_WM_UNIT_LAYERLEVEL" val="1"/>
+  <p:tag name="KSO_WM_TAG_VERSION" val="1.0"/>
+  <p:tag name="KSO_WM_BEAUTIFY_FLAG" val="#wm#"/>
+</p:tagLst>
+</file>
+
+<file path=ppt/tags/tag146.xml><?xml version="1.0" encoding="utf-8"?>
+<p:tagLst xmlns:p="http://schemas.openxmlformats.org/presentationml/2006/main">
+  <p:tag name="KSO_WM_UNIT_HIGHLIGHT" val="0"/>
+  <p:tag name="KSO_WM_UNIT_COMPATIBLE" val="0"/>
+  <p:tag name="KSO_WM_UNIT_DIAGRAM_ISNUMVISUAL" val="0"/>
+  <p:tag name="KSO_WM_UNIT_DIAGRAM_ISREFERUNIT" val="0"/>
+  <p:tag name="KSO_WM_UNIT_ID" val="_11**"/>
+  <p:tag name="KSO_WM_UNIT_LAYERLEVEL" val="1"/>
+  <p:tag name="KSO_WM_TAG_VERSION" val="1.0"/>
+  <p:tag name="KSO_WM_BEAUTIFY_FLAG" val="#wm#"/>
+</p:tagLst>
+</file>
+
+<file path=ppt/tags/tag147.xml><?xml version="1.0" encoding="utf-8"?>
+<p:tagLst xmlns:p="http://schemas.openxmlformats.org/presentationml/2006/main">
+  <p:tag name="KSO_WM_UNIT_HIGHLIGHT" val="0"/>
+  <p:tag name="KSO_WM_UNIT_COMPATIBLE" val="0"/>
+  <p:tag name="KSO_WM_UNIT_DIAGRAM_ISNUMVISUAL" val="0"/>
+  <p:tag name="KSO_WM_UNIT_DIAGRAM_ISREFERUNIT" val="0"/>
+  <p:tag name="KSO_WM_UNIT_ID" val="_11**"/>
+  <p:tag name="KSO_WM_UNIT_LAYERLEVEL" val="1"/>
+  <p:tag name="KSO_WM_TAG_VERSION" val="1.0"/>
+  <p:tag name="KSO_WM_BEAUTIFY_FLAG" val="#wm#"/>
+</p:tagLst>
+</file>
+
+<file path=ppt/tags/tag148.xml><?xml version="1.0" encoding="utf-8"?>
+<p:tagLst xmlns:p="http://schemas.openxmlformats.org/presentationml/2006/main">
+  <p:tag name="KSO_WM_UNIT_HIGHLIGHT" val="0"/>
+  <p:tag name="KSO_WM_UNIT_COMPATIBLE" val="0"/>
+  <p:tag name="KSO_WM_UNIT_DIAGRAM_ISNUMVISUAL" val="0"/>
+  <p:tag name="KSO_WM_UNIT_DIAGRAM_ISREFERUNIT" val="0"/>
+  <p:tag name="KSO_WM_UNIT_ID" val="_11**"/>
+  <p:tag name="KSO_WM_UNIT_LAYERLEVEL" val="1"/>
+  <p:tag name="KSO_WM_TAG_VERSION" val="1.0"/>
+  <p:tag name="KSO_WM_BEAUTIFY_FLAG" val="#wm#"/>
+</p:tagLst>
+</file>
+
+<file path=ppt/tags/tag149.xml><?xml version="1.0" encoding="utf-8"?>
+<p:tagLst xmlns:p="http://schemas.openxmlformats.org/presentationml/2006/main">
+  <p:tag name="KSO_WM_UNIT_HIGHLIGHT" val="0"/>
+  <p:tag name="KSO_WM_UNIT_COMPATIBLE" val="0"/>
+  <p:tag name="KSO_WM_UNIT_DIAGRAM_ISNUMVISUAL" val="0"/>
+  <p:tag name="KSO_WM_UNIT_DIAGRAM_ISREFERUNIT" val="0"/>
+  <p:tag name="KSO_WM_UNIT_ID" val="_11**"/>
+  <p:tag name="KSO_WM_UNIT_LAYERLEVEL" val="1"/>
+  <p:tag name="KSO_WM_TAG_VERSION" val="1.0"/>
+  <p:tag name="KSO_WM_BEAUTIFY_FLAG" val="#wm#"/>
+</p:tagLst>
+</file>
+
+<file path=ppt/tags/tag15.xml><?xml version="1.0" encoding="utf-8"?>
+<p:tagLst xmlns:p="http://schemas.openxmlformats.org/presentationml/2006/main">
+  <p:tag name="KSO_WM_UNIT_HIGHLIGHT" val="0"/>
+  <p:tag name="KSO_WM_UNIT_COMPATIBLE" val="0"/>
+  <p:tag name="KSO_WM_UNIT_DIAGRAM_ISNUMVISUAL" val="0"/>
+  <p:tag name="KSO_WM_UNIT_DIAGRAM_ISREFERUNIT" val="0"/>
+  <p:tag name="KSO_WM_UNIT_ID" val="_1**"/>
+  <p:tag name="KSO_WM_UNIT_LAYERLEVEL" val="1"/>
+  <p:tag name="KSO_WM_TAG_VERSION" val="1.0"/>
+  <p:tag name="KSO_WM_BEAUTIFY_FLAG" val="#wm#"/>
+</p:tagLst>
+</file>
+
+<file path=ppt/tags/tag150.xml><?xml version="1.0" encoding="utf-8"?>
+<p:tagLst xmlns:p="http://schemas.openxmlformats.org/presentationml/2006/main">
+  <p:tag name="KSO_WM_UNIT_HIGHLIGHT" val="0"/>
+  <p:tag name="KSO_WM_UNIT_COMPATIBLE" val="0"/>
+  <p:tag name="KSO_WM_UNIT_DIAGRAM_ISNUMVISUAL" val="0"/>
+  <p:tag name="KSO_WM_UNIT_DIAGRAM_ISREFERUNIT" val="0"/>
+  <p:tag name="KSO_WM_UNIT_ID" val="_11**"/>
+  <p:tag name="KSO_WM_UNIT_LAYERLEVEL" val="1"/>
+  <p:tag name="KSO_WM_TAG_VERSION" val="1.0"/>
+  <p:tag name="KSO_WM_BEAUTIFY_FLAG" val="#wm#"/>
+</p:tagLst>
+</file>
+
+<file path=ppt/tags/tag151.xml><?xml version="1.0" encoding="utf-8"?>
+<p:tagLst xmlns:p="http://schemas.openxmlformats.org/presentationml/2006/main">
+  <p:tag name="KSO_WM_UNIT_HIGHLIGHT" val="0"/>
+  <p:tag name="KSO_WM_UNIT_COMPATIBLE" val="0"/>
+  <p:tag name="KSO_WM_UNIT_DIAGRAM_ISNUMVISUAL" val="0"/>
+  <p:tag name="KSO_WM_UNIT_DIAGRAM_ISREFERUNIT" val="0"/>
+  <p:tag name="KSO_WM_UNIT_ID" val="_11**"/>
+  <p:tag name="KSO_WM_UNIT_LAYERLEVEL" val="1"/>
+  <p:tag name="KSO_WM_TAG_VERSION" val="1.0"/>
+  <p:tag name="KSO_WM_BEAUTIFY_FLAG" val="#wm#"/>
+</p:tagLst>
+</file>
+
+<file path=ppt/tags/tag152.xml><?xml version="1.0" encoding="utf-8"?>
+<p:tagLst xmlns:p="http://schemas.openxmlformats.org/presentationml/2006/main">
+  <p:tag name="KSO_WM_UNIT_HIGHLIGHT" val="0"/>
+  <p:tag name="KSO_WM_UNIT_COMPATIBLE" val="0"/>
+  <p:tag name="KSO_WM_UNIT_DIAGRAM_ISNUMVISUAL" val="0"/>
+  <p:tag name="KSO_WM_UNIT_DIAGRAM_ISREFERUNIT" val="0"/>
+  <p:tag name="KSO_WM_UNIT_ID" val="_11**"/>
+  <p:tag name="KSO_WM_UNIT_LAYERLEVEL" val="1"/>
+  <p:tag name="KSO_WM_TAG_VERSION" val="1.0"/>
+  <p:tag name="KSO_WM_BEAUTIFY_FLAG" val="#wm#"/>
+</p:tagLst>
+</file>
+
+<file path=ppt/tags/tag153.xml><?xml version="1.0" encoding="utf-8"?>
+<p:tagLst xmlns:p="http://schemas.openxmlformats.org/presentationml/2006/main">
+  <p:tag name="KSO_WM_UNIT_HIGHLIGHT" val="0"/>
+  <p:tag name="KSO_WM_UNIT_COMPATIBLE" val="0"/>
+  <p:tag name="KSO_WM_UNIT_DIAGRAM_ISNUMVISUAL" val="0"/>
+  <p:tag name="KSO_WM_UNIT_DIAGRAM_ISREFERUNIT" val="0"/>
+  <p:tag name="KSO_WM_UNIT_ID" val="_11**"/>
+  <p:tag name="KSO_WM_UNIT_LAYERLEVEL" val="1"/>
+  <p:tag name="KSO_WM_TAG_VERSION" val="1.0"/>
+  <p:tag name="KSO_WM_BEAUTIFY_FLAG" val="#wm#"/>
+</p:tagLst>
+</file>
+
+<file path=ppt/tags/tag154.xml><?xml version="1.0" encoding="utf-8"?>
+<p:tagLst xmlns:p="http://schemas.openxmlformats.org/presentationml/2006/main">
+  <p:tag name="KSO_WM_UNIT_HIGHLIGHT" val="0"/>
+  <p:tag name="KSO_WM_UNIT_COMPATIBLE" val="0"/>
+  <p:tag name="KSO_WM_UNIT_DIAGRAM_ISNUMVISUAL" val="0"/>
+  <p:tag name="KSO_WM_UNIT_DIAGRAM_ISREFERUNIT" val="0"/>
+  <p:tag name="KSO_WM_UNIT_ID" val="_11**"/>
+  <p:tag name="KSO_WM_UNIT_LAYERLEVEL" val="1"/>
+  <p:tag name="KSO_WM_TAG_VERSION" val="1.0"/>
+  <p:tag name="KSO_WM_BEAUTIFY_FLAG" val="#wm#"/>
+</p:tagLst>
+</file>
+
+<file path=ppt/tags/tag155.xml><?xml version="1.0" encoding="utf-8"?>
+<p:tagLst xmlns:p="http://schemas.openxmlformats.org/presentationml/2006/main">
+  <p:tag name="KSO_WM_UNIT_HIGHLIGHT" val="0"/>
+  <p:tag name="KSO_WM_UNIT_COMPATIBLE" val="0"/>
+  <p:tag name="KSO_WM_UNIT_DIAGRAM_ISNUMVISUAL" val="0"/>
+  <p:tag name="KSO_WM_UNIT_DIAGRAM_ISREFERUNIT" val="0"/>
+  <p:tag name="KSO_WM_UNIT_ID" val="_11**"/>
+  <p:tag name="KSO_WM_UNIT_LAYERLEVEL" val="1"/>
+  <p:tag name="KSO_WM_TAG_VERSION" val="1.0"/>
+  <p:tag name="KSO_WM_BEAUTIFY_FLAG" val="#wm#"/>
+</p:tagLst>
+</file>
+
+<file path=ppt/tags/tag156.xml><?xml version="1.0" encoding="utf-8"?>
+<p:tagLst xmlns:p="http://schemas.openxmlformats.org/presentationml/2006/main">
   <p:tag name="KSO_WM_UNIT_HIGHLIGHT" val="0"/>
   <p:tag name="KSO_WM_UNIT_COMPATIBLE" val="0"/>
   <p:tag name="KSO_WM_UNIT_DIAGRAM_ISNUMVISUAL" val="0"/>
@@ -21435,845 +22557,28 @@
 </p:tagLst>
 </file>
 
-<file path=ppt/tags/tag10.xml><?xml version="1.0" encoding="utf-8"?>
-<p:tagLst xmlns:a="http://schemas.openxmlformats.org/drawingml/2006/main" xmlns:r="http://schemas.openxmlformats.org/officeDocument/2006/relationships" xmlns:p="http://schemas.openxmlformats.org/presentationml/2006/main">
+<file path=ppt/tags/tag157.xml><?xml version="1.0" encoding="utf-8"?>
+<p:tagLst xmlns:p="http://schemas.openxmlformats.org/presentationml/2006/main">
   <p:tag name="KSO_WM_UNIT_HIGHLIGHT" val="0"/>
   <p:tag name="KSO_WM_UNIT_COMPATIBLE" val="0"/>
   <p:tag name="KSO_WM_UNIT_DIAGRAM_ISNUMVISUAL" val="0"/>
   <p:tag name="KSO_WM_UNIT_DIAGRAM_ISREFERUNIT" val="0"/>
-  <p:tag name="KSO_WM_UNIT_ID" val="_1**"/>
+  <p:tag name="KSO_WM_UNIT_ID" val="_0**"/>
   <p:tag name="KSO_WM_UNIT_LAYERLEVEL" val="1"/>
   <p:tag name="KSO_WM_TAG_VERSION" val="1.0"/>
   <p:tag name="KSO_WM_BEAUTIFY_FLAG" val="#wm#"/>
+  <p:tag name="KSO_WM_TEMPLATE_CATEGORY" val="custom"/>
+  <p:tag name="KSO_WM_TEMPLATE_INDEX" val="20191705"/>
 </p:tagLst>
 </file>
 
-<file path=ppt/tags/tag100.xml><?xml version="1.0" encoding="utf-8"?>
-<p:tagLst xmlns:a="http://schemas.openxmlformats.org/drawingml/2006/main" xmlns:r="http://schemas.openxmlformats.org/officeDocument/2006/relationships" xmlns:p="http://schemas.openxmlformats.org/presentationml/2006/main">
+<file path=ppt/tags/tag158.xml><?xml version="1.0" encoding="utf-8"?>
+<p:tagLst xmlns:p="http://schemas.openxmlformats.org/presentationml/2006/main">
   <p:tag name="KSO_WM_UNIT_HIGHLIGHT" val="0"/>
   <p:tag name="KSO_WM_UNIT_COMPATIBLE" val="0"/>
   <p:tag name="KSO_WM_UNIT_DIAGRAM_ISNUMVISUAL" val="0"/>
   <p:tag name="KSO_WM_UNIT_DIAGRAM_ISREFERUNIT" val="0"/>
-  <p:tag name="KSO_WM_UNIT_ID" val="_5**"/>
-  <p:tag name="KSO_WM_UNIT_LAYERLEVEL" val="1"/>
-  <p:tag name="KSO_WM_TAG_VERSION" val="1.0"/>
-  <p:tag name="KSO_WM_BEAUTIFY_FLAG" val="#wm#"/>
-</p:tagLst>
-</file>
-
-<file path=ppt/tags/tag101.xml><?xml version="1.0" encoding="utf-8"?>
-<p:tagLst xmlns:a="http://schemas.openxmlformats.org/drawingml/2006/main" xmlns:r="http://schemas.openxmlformats.org/officeDocument/2006/relationships" xmlns:p="http://schemas.openxmlformats.org/presentationml/2006/main">
-  <p:tag name="KSO_WM_UNIT_HIGHLIGHT" val="0"/>
-  <p:tag name="KSO_WM_UNIT_COMPATIBLE" val="0"/>
-  <p:tag name="KSO_WM_UNIT_DIAGRAM_ISNUMVISUAL" val="0"/>
-  <p:tag name="KSO_WM_UNIT_DIAGRAM_ISREFERUNIT" val="0"/>
-  <p:tag name="KSO_WM_UNIT_ID" val="_5**"/>
-  <p:tag name="KSO_WM_UNIT_LAYERLEVEL" val="1"/>
-  <p:tag name="KSO_WM_TAG_VERSION" val="1.0"/>
-  <p:tag name="KSO_WM_BEAUTIFY_FLAG" val="#wm#"/>
-</p:tagLst>
-</file>
-
-<file path=ppt/tags/tag102.xml><?xml version="1.0" encoding="utf-8"?>
-<p:tagLst xmlns:a="http://schemas.openxmlformats.org/drawingml/2006/main" xmlns:r="http://schemas.openxmlformats.org/officeDocument/2006/relationships" xmlns:p="http://schemas.openxmlformats.org/presentationml/2006/main">
-  <p:tag name="KSO_WM_UNIT_HIGHLIGHT" val="0"/>
-  <p:tag name="KSO_WM_UNIT_COMPATIBLE" val="0"/>
-  <p:tag name="KSO_WM_UNIT_DIAGRAM_ISNUMVISUAL" val="0"/>
-  <p:tag name="KSO_WM_UNIT_DIAGRAM_ISREFERUNIT" val="0"/>
-  <p:tag name="KSO_WM_UNIT_ID" val="_5**"/>
-  <p:tag name="KSO_WM_UNIT_LAYERLEVEL" val="1"/>
-  <p:tag name="KSO_WM_TAG_VERSION" val="1.0"/>
-  <p:tag name="KSO_WM_BEAUTIFY_FLAG" val="#wm#"/>
-</p:tagLst>
-</file>
-
-<file path=ppt/tags/tag103.xml><?xml version="1.0" encoding="utf-8"?>
-<p:tagLst xmlns:a="http://schemas.openxmlformats.org/drawingml/2006/main" xmlns:r="http://schemas.openxmlformats.org/officeDocument/2006/relationships" xmlns:p="http://schemas.openxmlformats.org/presentationml/2006/main">
-  <p:tag name="KSO_WM_UNIT_HIGHLIGHT" val="0"/>
-  <p:tag name="KSO_WM_UNIT_COMPATIBLE" val="0"/>
-  <p:tag name="KSO_WM_UNIT_DIAGRAM_ISNUMVISUAL" val="0"/>
-  <p:tag name="KSO_WM_UNIT_DIAGRAM_ISREFERUNIT" val="0"/>
-  <p:tag name="KSO_WM_UNIT_ID" val="_5**"/>
-  <p:tag name="KSO_WM_UNIT_LAYERLEVEL" val="1"/>
-  <p:tag name="KSO_WM_TAG_VERSION" val="1.0"/>
-  <p:tag name="KSO_WM_BEAUTIFY_FLAG" val="#wm#"/>
-</p:tagLst>
-</file>
-
-<file path=ppt/tags/tag104.xml><?xml version="1.0" encoding="utf-8"?>
-<p:tagLst xmlns:a="http://schemas.openxmlformats.org/drawingml/2006/main" xmlns:r="http://schemas.openxmlformats.org/officeDocument/2006/relationships" xmlns:p="http://schemas.openxmlformats.org/presentationml/2006/main">
-  <p:tag name="KSO_WM_UNIT_HIGHLIGHT" val="0"/>
-  <p:tag name="KSO_WM_UNIT_COMPATIBLE" val="0"/>
-  <p:tag name="KSO_WM_UNIT_DIAGRAM_ISNUMVISUAL" val="0"/>
-  <p:tag name="KSO_WM_UNIT_DIAGRAM_ISREFERUNIT" val="0"/>
-  <p:tag name="KSO_WM_UNIT_ID" val="_6**"/>
-  <p:tag name="KSO_WM_UNIT_LAYERLEVEL" val="1"/>
-  <p:tag name="KSO_WM_TAG_VERSION" val="1.0"/>
-  <p:tag name="KSO_WM_BEAUTIFY_FLAG" val="#wm#"/>
-</p:tagLst>
-</file>
-
-<file path=ppt/tags/tag105.xml><?xml version="1.0" encoding="utf-8"?>
-<p:tagLst xmlns:a="http://schemas.openxmlformats.org/drawingml/2006/main" xmlns:r="http://schemas.openxmlformats.org/officeDocument/2006/relationships" xmlns:p="http://schemas.openxmlformats.org/presentationml/2006/main">
-  <p:tag name="KSO_WM_UNIT_HIGHLIGHT" val="0"/>
-  <p:tag name="KSO_WM_UNIT_COMPATIBLE" val="0"/>
-  <p:tag name="KSO_WM_UNIT_DIAGRAM_ISNUMVISUAL" val="0"/>
-  <p:tag name="KSO_WM_UNIT_DIAGRAM_ISREFERUNIT" val="0"/>
-  <p:tag name="KSO_WM_UNIT_ID" val="_6**"/>
-  <p:tag name="KSO_WM_UNIT_LAYERLEVEL" val="1"/>
-  <p:tag name="KSO_WM_TAG_VERSION" val="1.0"/>
-  <p:tag name="KSO_WM_BEAUTIFY_FLAG" val="#wm#"/>
-</p:tagLst>
-</file>
-
-<file path=ppt/tags/tag106.xml><?xml version="1.0" encoding="utf-8"?>
-<p:tagLst xmlns:a="http://schemas.openxmlformats.org/drawingml/2006/main" xmlns:r="http://schemas.openxmlformats.org/officeDocument/2006/relationships" xmlns:p="http://schemas.openxmlformats.org/presentationml/2006/main">
-  <p:tag name="KSO_WM_UNIT_HIGHLIGHT" val="0"/>
-  <p:tag name="KSO_WM_UNIT_COMPATIBLE" val="0"/>
-  <p:tag name="KSO_WM_UNIT_DIAGRAM_ISNUMVISUAL" val="0"/>
-  <p:tag name="KSO_WM_UNIT_DIAGRAM_ISREFERUNIT" val="0"/>
-  <p:tag name="KSO_WM_UNIT_ID" val="_6**"/>
-  <p:tag name="KSO_WM_UNIT_LAYERLEVEL" val="1"/>
-  <p:tag name="KSO_WM_TAG_VERSION" val="1.0"/>
-  <p:tag name="KSO_WM_BEAUTIFY_FLAG" val="#wm#"/>
-</p:tagLst>
-</file>
-
-<file path=ppt/tags/tag107.xml><?xml version="1.0" encoding="utf-8"?>
-<p:tagLst xmlns:a="http://schemas.openxmlformats.org/drawingml/2006/main" xmlns:r="http://schemas.openxmlformats.org/officeDocument/2006/relationships" xmlns:p="http://schemas.openxmlformats.org/presentationml/2006/main">
-  <p:tag name="KSO_WM_UNIT_HIGHLIGHT" val="0"/>
-  <p:tag name="KSO_WM_UNIT_COMPATIBLE" val="0"/>
-  <p:tag name="KSO_WM_UNIT_DIAGRAM_ISNUMVISUAL" val="0"/>
-  <p:tag name="KSO_WM_UNIT_DIAGRAM_ISREFERUNIT" val="0"/>
-  <p:tag name="KSO_WM_UNIT_ID" val="_6**"/>
-  <p:tag name="KSO_WM_UNIT_LAYERLEVEL" val="1"/>
-  <p:tag name="KSO_WM_TAG_VERSION" val="1.0"/>
-  <p:tag name="KSO_WM_BEAUTIFY_FLAG" val="#wm#"/>
-</p:tagLst>
-</file>
-
-<file path=ppt/tags/tag108.xml><?xml version="1.0" encoding="utf-8"?>
-<p:tagLst xmlns:a="http://schemas.openxmlformats.org/drawingml/2006/main" xmlns:r="http://schemas.openxmlformats.org/officeDocument/2006/relationships" xmlns:p="http://schemas.openxmlformats.org/presentationml/2006/main">
-  <p:tag name="KSO_WM_UNIT_HIGHLIGHT" val="0"/>
-  <p:tag name="KSO_WM_UNIT_COMPATIBLE" val="0"/>
-  <p:tag name="KSO_WM_UNIT_DIAGRAM_ISNUMVISUAL" val="0"/>
-  <p:tag name="KSO_WM_UNIT_DIAGRAM_ISREFERUNIT" val="0"/>
-  <p:tag name="KSO_WM_UNIT_ID" val="_7**"/>
-  <p:tag name="KSO_WM_UNIT_LAYERLEVEL" val="1"/>
-  <p:tag name="KSO_WM_TAG_VERSION" val="1.0"/>
-  <p:tag name="KSO_WM_BEAUTIFY_FLAG" val="#wm#"/>
-</p:tagLst>
-</file>
-
-<file path=ppt/tags/tag109.xml><?xml version="1.0" encoding="utf-8"?>
-<p:tagLst xmlns:a="http://schemas.openxmlformats.org/drawingml/2006/main" xmlns:r="http://schemas.openxmlformats.org/officeDocument/2006/relationships" xmlns:p="http://schemas.openxmlformats.org/presentationml/2006/main">
-  <p:tag name="KSO_WM_UNIT_HIGHLIGHT" val="0"/>
-  <p:tag name="KSO_WM_UNIT_COMPATIBLE" val="0"/>
-  <p:tag name="KSO_WM_UNIT_DIAGRAM_ISNUMVISUAL" val="0"/>
-  <p:tag name="KSO_WM_UNIT_DIAGRAM_ISREFERUNIT" val="0"/>
-  <p:tag name="KSO_WM_UNIT_ID" val="_7**"/>
-  <p:tag name="KSO_WM_UNIT_LAYERLEVEL" val="1"/>
-  <p:tag name="KSO_WM_TAG_VERSION" val="1.0"/>
-  <p:tag name="KSO_WM_BEAUTIFY_FLAG" val="#wm#"/>
-</p:tagLst>
-</file>
-
-<file path=ppt/tags/tag11.xml><?xml version="1.0" encoding="utf-8"?>
-<p:tagLst xmlns:a="http://schemas.openxmlformats.org/drawingml/2006/main" xmlns:r="http://schemas.openxmlformats.org/officeDocument/2006/relationships" xmlns:p="http://schemas.openxmlformats.org/presentationml/2006/main">
-  <p:tag name="KSO_WM_UNIT_HIGHLIGHT" val="0"/>
-  <p:tag name="KSO_WM_UNIT_COMPATIBLE" val="0"/>
-  <p:tag name="KSO_WM_UNIT_DIAGRAM_ISNUMVISUAL" val="0"/>
-  <p:tag name="KSO_WM_UNIT_DIAGRAM_ISREFERUNIT" val="0"/>
-  <p:tag name="KSO_WM_UNIT_ID" val="_1**"/>
-  <p:tag name="KSO_WM_UNIT_LAYERLEVEL" val="1"/>
-  <p:tag name="KSO_WM_TAG_VERSION" val="1.0"/>
-  <p:tag name="KSO_WM_BEAUTIFY_FLAG" val="#wm#"/>
-</p:tagLst>
-</file>
-
-<file path=ppt/tags/tag110.xml><?xml version="1.0" encoding="utf-8"?>
-<p:tagLst xmlns:a="http://schemas.openxmlformats.org/drawingml/2006/main" xmlns:r="http://schemas.openxmlformats.org/officeDocument/2006/relationships" xmlns:p="http://schemas.openxmlformats.org/presentationml/2006/main">
-  <p:tag name="KSO_WM_UNIT_HIGHLIGHT" val="0"/>
-  <p:tag name="KSO_WM_UNIT_COMPATIBLE" val="0"/>
-  <p:tag name="KSO_WM_UNIT_DIAGRAM_ISNUMVISUAL" val="0"/>
-  <p:tag name="KSO_WM_UNIT_DIAGRAM_ISREFERUNIT" val="0"/>
-  <p:tag name="KSO_WM_UNIT_ID" val="_7**"/>
-  <p:tag name="KSO_WM_UNIT_LAYERLEVEL" val="1"/>
-  <p:tag name="KSO_WM_TAG_VERSION" val="1.0"/>
-  <p:tag name="KSO_WM_BEAUTIFY_FLAG" val="#wm#"/>
-</p:tagLst>
-</file>
-
-<file path=ppt/tags/tag111.xml><?xml version="1.0" encoding="utf-8"?>
-<p:tagLst xmlns:a="http://schemas.openxmlformats.org/drawingml/2006/main" xmlns:r="http://schemas.openxmlformats.org/officeDocument/2006/relationships" xmlns:p="http://schemas.openxmlformats.org/presentationml/2006/main">
-  <p:tag name="KSO_WM_UNIT_HIGHLIGHT" val="0"/>
-  <p:tag name="KSO_WM_UNIT_COMPATIBLE" val="0"/>
-  <p:tag name="KSO_WM_UNIT_DIAGRAM_ISNUMVISUAL" val="0"/>
-  <p:tag name="KSO_WM_UNIT_DIAGRAM_ISREFERUNIT" val="0"/>
-  <p:tag name="KSO_WM_UNIT_ID" val="_8**"/>
-  <p:tag name="KSO_WM_UNIT_LAYERLEVEL" val="1"/>
-  <p:tag name="KSO_WM_TAG_VERSION" val="1.0"/>
-  <p:tag name="KSO_WM_BEAUTIFY_FLAG" val="#wm#"/>
-</p:tagLst>
-</file>
-
-<file path=ppt/tags/tag112.xml><?xml version="1.0" encoding="utf-8"?>
-<p:tagLst xmlns:a="http://schemas.openxmlformats.org/drawingml/2006/main" xmlns:r="http://schemas.openxmlformats.org/officeDocument/2006/relationships" xmlns:p="http://schemas.openxmlformats.org/presentationml/2006/main">
-  <p:tag name="KSO_WM_UNIT_HIGHLIGHT" val="0"/>
-  <p:tag name="KSO_WM_UNIT_COMPATIBLE" val="0"/>
-  <p:tag name="KSO_WM_UNIT_DIAGRAM_ISNUMVISUAL" val="0"/>
-  <p:tag name="KSO_WM_UNIT_DIAGRAM_ISREFERUNIT" val="0"/>
-  <p:tag name="KSO_WM_UNIT_ID" val="_8**"/>
-  <p:tag name="KSO_WM_UNIT_LAYERLEVEL" val="1"/>
-  <p:tag name="KSO_WM_TAG_VERSION" val="1.0"/>
-  <p:tag name="KSO_WM_BEAUTIFY_FLAG" val="#wm#"/>
-</p:tagLst>
-</file>
-
-<file path=ppt/tags/tag113.xml><?xml version="1.0" encoding="utf-8"?>
-<p:tagLst xmlns:a="http://schemas.openxmlformats.org/drawingml/2006/main" xmlns:r="http://schemas.openxmlformats.org/officeDocument/2006/relationships" xmlns:p="http://schemas.openxmlformats.org/presentationml/2006/main">
-  <p:tag name="KSO_WM_UNIT_HIGHLIGHT" val="0"/>
-  <p:tag name="KSO_WM_UNIT_COMPATIBLE" val="0"/>
-  <p:tag name="KSO_WM_UNIT_DIAGRAM_ISNUMVISUAL" val="0"/>
-  <p:tag name="KSO_WM_UNIT_DIAGRAM_ISREFERUNIT" val="0"/>
-  <p:tag name="KSO_WM_UNIT_ID" val="_8**"/>
-  <p:tag name="KSO_WM_UNIT_LAYERLEVEL" val="1"/>
-  <p:tag name="KSO_WM_TAG_VERSION" val="1.0"/>
-  <p:tag name="KSO_WM_BEAUTIFY_FLAG" val="#wm#"/>
-</p:tagLst>
-</file>
-
-<file path=ppt/tags/tag114.xml><?xml version="1.0" encoding="utf-8"?>
-<p:tagLst xmlns:a="http://schemas.openxmlformats.org/drawingml/2006/main" xmlns:r="http://schemas.openxmlformats.org/officeDocument/2006/relationships" xmlns:p="http://schemas.openxmlformats.org/presentationml/2006/main">
-  <p:tag name="KSO_WM_UNIT_HIGHLIGHT" val="0"/>
-  <p:tag name="KSO_WM_UNIT_COMPATIBLE" val="0"/>
-  <p:tag name="KSO_WM_UNIT_DIAGRAM_ISNUMVISUAL" val="0"/>
-  <p:tag name="KSO_WM_UNIT_DIAGRAM_ISREFERUNIT" val="0"/>
-  <p:tag name="KSO_WM_UNIT_ID" val="_8**"/>
-  <p:tag name="KSO_WM_UNIT_LAYERLEVEL" val="1"/>
-  <p:tag name="KSO_WM_TAG_VERSION" val="1.0"/>
-  <p:tag name="KSO_WM_BEAUTIFY_FLAG" val="#wm#"/>
-</p:tagLst>
-</file>
-
-<file path=ppt/tags/tag115.xml><?xml version="1.0" encoding="utf-8"?>
-<p:tagLst xmlns:a="http://schemas.openxmlformats.org/drawingml/2006/main" xmlns:r="http://schemas.openxmlformats.org/officeDocument/2006/relationships" xmlns:p="http://schemas.openxmlformats.org/presentationml/2006/main">
-  <p:tag name="KSO_WM_UNIT_HIGHLIGHT" val="0"/>
-  <p:tag name="KSO_WM_UNIT_COMPATIBLE" val="0"/>
-  <p:tag name="KSO_WM_UNIT_DIAGRAM_ISNUMVISUAL" val="0"/>
-  <p:tag name="KSO_WM_UNIT_DIAGRAM_ISREFERUNIT" val="0"/>
-  <p:tag name="KSO_WM_UNIT_ID" val="_8**"/>
-  <p:tag name="KSO_WM_UNIT_LAYERLEVEL" val="1"/>
-  <p:tag name="KSO_WM_TAG_VERSION" val="1.0"/>
-  <p:tag name="KSO_WM_BEAUTIFY_FLAG" val="#wm#"/>
-</p:tagLst>
-</file>
-
-<file path=ppt/tags/tag116.xml><?xml version="1.0" encoding="utf-8"?>
-<p:tagLst xmlns:a="http://schemas.openxmlformats.org/drawingml/2006/main" xmlns:r="http://schemas.openxmlformats.org/officeDocument/2006/relationships" xmlns:p="http://schemas.openxmlformats.org/presentationml/2006/main">
-  <p:tag name="KSO_WM_UNIT_HIGHLIGHT" val="0"/>
-  <p:tag name="KSO_WM_UNIT_COMPATIBLE" val="0"/>
-  <p:tag name="KSO_WM_UNIT_DIAGRAM_ISNUMVISUAL" val="0"/>
-  <p:tag name="KSO_WM_UNIT_DIAGRAM_ISREFERUNIT" val="0"/>
-  <p:tag name="KSO_WM_UNIT_ID" val="_8**"/>
-  <p:tag name="KSO_WM_UNIT_LAYERLEVEL" val="1"/>
-  <p:tag name="KSO_WM_TAG_VERSION" val="1.0"/>
-  <p:tag name="KSO_WM_BEAUTIFY_FLAG" val="#wm#"/>
-</p:tagLst>
-</file>
-
-<file path=ppt/tags/tag117.xml><?xml version="1.0" encoding="utf-8"?>
-<p:tagLst xmlns:a="http://schemas.openxmlformats.org/drawingml/2006/main" xmlns:r="http://schemas.openxmlformats.org/officeDocument/2006/relationships" xmlns:p="http://schemas.openxmlformats.org/presentationml/2006/main">
-  <p:tag name="KSO_WM_UNIT_HIGHLIGHT" val="0"/>
-  <p:tag name="KSO_WM_UNIT_COMPATIBLE" val="0"/>
-  <p:tag name="KSO_WM_UNIT_DIAGRAM_ISNUMVISUAL" val="0"/>
-  <p:tag name="KSO_WM_UNIT_DIAGRAM_ISREFERUNIT" val="0"/>
-  <p:tag name="KSO_WM_UNIT_ID" val="_9**"/>
-  <p:tag name="KSO_WM_UNIT_LAYERLEVEL" val="1"/>
-  <p:tag name="KSO_WM_TAG_VERSION" val="1.0"/>
-  <p:tag name="KSO_WM_BEAUTIFY_FLAG" val="#wm#"/>
-</p:tagLst>
-</file>
-
-<file path=ppt/tags/tag118.xml><?xml version="1.0" encoding="utf-8"?>
-<p:tagLst xmlns:a="http://schemas.openxmlformats.org/drawingml/2006/main" xmlns:r="http://schemas.openxmlformats.org/officeDocument/2006/relationships" xmlns:p="http://schemas.openxmlformats.org/presentationml/2006/main">
-  <p:tag name="KSO_WM_UNIT_HIGHLIGHT" val="0"/>
-  <p:tag name="KSO_WM_UNIT_COMPATIBLE" val="0"/>
-  <p:tag name="KSO_WM_UNIT_DIAGRAM_ISNUMVISUAL" val="0"/>
-  <p:tag name="KSO_WM_UNIT_DIAGRAM_ISREFERUNIT" val="0"/>
-  <p:tag name="KSO_WM_UNIT_ID" val="_9**"/>
-  <p:tag name="KSO_WM_UNIT_LAYERLEVEL" val="1"/>
-  <p:tag name="KSO_WM_TAG_VERSION" val="1.0"/>
-  <p:tag name="KSO_WM_BEAUTIFY_FLAG" val="#wm#"/>
-</p:tagLst>
-</file>
-
-<file path=ppt/tags/tag119.xml><?xml version="1.0" encoding="utf-8"?>
-<p:tagLst xmlns:a="http://schemas.openxmlformats.org/drawingml/2006/main" xmlns:r="http://schemas.openxmlformats.org/officeDocument/2006/relationships" xmlns:p="http://schemas.openxmlformats.org/presentationml/2006/main">
-  <p:tag name="KSO_WM_UNIT_HIGHLIGHT" val="0"/>
-  <p:tag name="KSO_WM_UNIT_COMPATIBLE" val="0"/>
-  <p:tag name="KSO_WM_UNIT_DIAGRAM_ISNUMVISUAL" val="0"/>
-  <p:tag name="KSO_WM_UNIT_DIAGRAM_ISREFERUNIT" val="0"/>
-  <p:tag name="KSO_WM_UNIT_ID" val="_9**"/>
-  <p:tag name="KSO_WM_UNIT_LAYERLEVEL" val="1"/>
-  <p:tag name="KSO_WM_TAG_VERSION" val="1.0"/>
-  <p:tag name="KSO_WM_BEAUTIFY_FLAG" val="#wm#"/>
-</p:tagLst>
-</file>
-
-<file path=ppt/tags/tag12.xml><?xml version="1.0" encoding="utf-8"?>
-<p:tagLst xmlns:a="http://schemas.openxmlformats.org/drawingml/2006/main" xmlns:r="http://schemas.openxmlformats.org/officeDocument/2006/relationships" xmlns:p="http://schemas.openxmlformats.org/presentationml/2006/main">
-  <p:tag name="KSO_WM_UNIT_HIGHLIGHT" val="0"/>
-  <p:tag name="KSO_WM_UNIT_COMPATIBLE" val="0"/>
-  <p:tag name="KSO_WM_UNIT_DIAGRAM_ISNUMVISUAL" val="0"/>
-  <p:tag name="KSO_WM_UNIT_DIAGRAM_ISREFERUNIT" val="0"/>
-  <p:tag name="KSO_WM_UNIT_ID" val="_1**"/>
-  <p:tag name="KSO_WM_UNIT_LAYERLEVEL" val="1"/>
-  <p:tag name="KSO_WM_TAG_VERSION" val="1.0"/>
-  <p:tag name="KSO_WM_BEAUTIFY_FLAG" val="#wm#"/>
-</p:tagLst>
-</file>
-
-<file path=ppt/tags/tag120.xml><?xml version="1.0" encoding="utf-8"?>
-<p:tagLst xmlns:a="http://schemas.openxmlformats.org/drawingml/2006/main" xmlns:r="http://schemas.openxmlformats.org/officeDocument/2006/relationships" xmlns:p="http://schemas.openxmlformats.org/presentationml/2006/main">
-  <p:tag name="KSO_WM_UNIT_HIGHLIGHT" val="0"/>
-  <p:tag name="KSO_WM_UNIT_COMPATIBLE" val="0"/>
-  <p:tag name="KSO_WM_UNIT_DIAGRAM_ISNUMVISUAL" val="0"/>
-  <p:tag name="KSO_WM_UNIT_DIAGRAM_ISREFERUNIT" val="0"/>
-  <p:tag name="KSO_WM_UNIT_ID" val="_9**"/>
-  <p:tag name="KSO_WM_UNIT_LAYERLEVEL" val="1"/>
-  <p:tag name="KSO_WM_TAG_VERSION" val="1.0"/>
-  <p:tag name="KSO_WM_BEAUTIFY_FLAG" val="#wm#"/>
-</p:tagLst>
-</file>
-
-<file path=ppt/tags/tag121.xml><?xml version="1.0" encoding="utf-8"?>
-<p:tagLst xmlns:a="http://schemas.openxmlformats.org/drawingml/2006/main" xmlns:r="http://schemas.openxmlformats.org/officeDocument/2006/relationships" xmlns:p="http://schemas.openxmlformats.org/presentationml/2006/main">
-  <p:tag name="KSO_WM_UNIT_HIGHLIGHT" val="0"/>
-  <p:tag name="KSO_WM_UNIT_COMPATIBLE" val="0"/>
-  <p:tag name="KSO_WM_UNIT_DIAGRAM_ISNUMVISUAL" val="0"/>
-  <p:tag name="KSO_WM_UNIT_DIAGRAM_ISREFERUNIT" val="0"/>
-  <p:tag name="KSO_WM_UNIT_ID" val="_9**"/>
-  <p:tag name="KSO_WM_UNIT_LAYERLEVEL" val="1"/>
-  <p:tag name="KSO_WM_TAG_VERSION" val="1.0"/>
-  <p:tag name="KSO_WM_BEAUTIFY_FLAG" val="#wm#"/>
-</p:tagLst>
-</file>
-
-<file path=ppt/tags/tag122.xml><?xml version="1.0" encoding="utf-8"?>
-<p:tagLst xmlns:a="http://schemas.openxmlformats.org/drawingml/2006/main" xmlns:r="http://schemas.openxmlformats.org/officeDocument/2006/relationships" xmlns:p="http://schemas.openxmlformats.org/presentationml/2006/main">
-  <p:tag name="KSO_WM_UNIT_HIGHLIGHT" val="0"/>
-  <p:tag name="KSO_WM_UNIT_COMPATIBLE" val="0"/>
-  <p:tag name="KSO_WM_UNIT_DIAGRAM_ISNUMVISUAL" val="0"/>
-  <p:tag name="KSO_WM_UNIT_DIAGRAM_ISREFERUNIT" val="0"/>
-  <p:tag name="KSO_WM_UNIT_ID" val="_10**"/>
-  <p:tag name="KSO_WM_UNIT_LAYERLEVEL" val="1"/>
-  <p:tag name="KSO_WM_TAG_VERSION" val="1.0"/>
-  <p:tag name="KSO_WM_BEAUTIFY_FLAG" val="#wm#"/>
-</p:tagLst>
-</file>
-
-<file path=ppt/tags/tag123.xml><?xml version="1.0" encoding="utf-8"?>
-<p:tagLst xmlns:a="http://schemas.openxmlformats.org/drawingml/2006/main" xmlns:r="http://schemas.openxmlformats.org/officeDocument/2006/relationships" xmlns:p="http://schemas.openxmlformats.org/presentationml/2006/main">
-  <p:tag name="KSO_WM_UNIT_HIGHLIGHT" val="0"/>
-  <p:tag name="KSO_WM_UNIT_COMPATIBLE" val="0"/>
-  <p:tag name="KSO_WM_UNIT_DIAGRAM_ISNUMVISUAL" val="0"/>
-  <p:tag name="KSO_WM_UNIT_DIAGRAM_ISREFERUNIT" val="0"/>
-  <p:tag name="KSO_WM_UNIT_ID" val="_10**"/>
-  <p:tag name="KSO_WM_UNIT_LAYERLEVEL" val="1"/>
-  <p:tag name="KSO_WM_TAG_VERSION" val="1.0"/>
-  <p:tag name="KSO_WM_BEAUTIFY_FLAG" val="#wm#"/>
-</p:tagLst>
-</file>
-
-<file path=ppt/tags/tag124.xml><?xml version="1.0" encoding="utf-8"?>
-<p:tagLst xmlns:a="http://schemas.openxmlformats.org/drawingml/2006/main" xmlns:r="http://schemas.openxmlformats.org/officeDocument/2006/relationships" xmlns:p="http://schemas.openxmlformats.org/presentationml/2006/main">
-  <p:tag name="KSO_WM_UNIT_HIGHLIGHT" val="0"/>
-  <p:tag name="KSO_WM_UNIT_COMPATIBLE" val="0"/>
-  <p:tag name="KSO_WM_UNIT_DIAGRAM_ISNUMVISUAL" val="0"/>
-  <p:tag name="KSO_WM_UNIT_DIAGRAM_ISREFERUNIT" val="0"/>
-  <p:tag name="KSO_WM_UNIT_ID" val="_10**"/>
-  <p:tag name="KSO_WM_UNIT_LAYERLEVEL" val="1"/>
-  <p:tag name="KSO_WM_TAG_VERSION" val="1.0"/>
-  <p:tag name="KSO_WM_BEAUTIFY_FLAG" val="#wm#"/>
-</p:tagLst>
-</file>
-
-<file path=ppt/tags/tag125.xml><?xml version="1.0" encoding="utf-8"?>
-<p:tagLst xmlns:a="http://schemas.openxmlformats.org/drawingml/2006/main" xmlns:r="http://schemas.openxmlformats.org/officeDocument/2006/relationships" xmlns:p="http://schemas.openxmlformats.org/presentationml/2006/main">
-  <p:tag name="KSO_WM_UNIT_HIGHLIGHT" val="0"/>
-  <p:tag name="KSO_WM_UNIT_COMPATIBLE" val="0"/>
-  <p:tag name="KSO_WM_UNIT_DIAGRAM_ISNUMVISUAL" val="0"/>
-  <p:tag name="KSO_WM_UNIT_DIAGRAM_ISREFERUNIT" val="0"/>
-  <p:tag name="KSO_WM_UNIT_ID" val="_10**"/>
-  <p:tag name="KSO_WM_UNIT_LAYERLEVEL" val="1"/>
-  <p:tag name="KSO_WM_TAG_VERSION" val="1.0"/>
-  <p:tag name="KSO_WM_BEAUTIFY_FLAG" val="#wm#"/>
-</p:tagLst>
-</file>
-
-<file path=ppt/tags/tag126.xml><?xml version="1.0" encoding="utf-8"?>
-<p:tagLst xmlns:a="http://schemas.openxmlformats.org/drawingml/2006/main" xmlns:r="http://schemas.openxmlformats.org/officeDocument/2006/relationships" xmlns:p="http://schemas.openxmlformats.org/presentationml/2006/main">
-  <p:tag name="KSO_WM_UNIT_HIGHLIGHT" val="0"/>
-  <p:tag name="KSO_WM_UNIT_COMPATIBLE" val="0"/>
-  <p:tag name="KSO_WM_UNIT_DIAGRAM_ISNUMVISUAL" val="0"/>
-  <p:tag name="KSO_WM_UNIT_DIAGRAM_ISREFERUNIT" val="0"/>
-  <p:tag name="KSO_WM_UNIT_ID" val="_11**"/>
-  <p:tag name="KSO_WM_UNIT_LAYERLEVEL" val="1"/>
-  <p:tag name="KSO_WM_TAG_VERSION" val="1.0"/>
-  <p:tag name="KSO_WM_BEAUTIFY_FLAG" val="#wm#"/>
-</p:tagLst>
-</file>
-
-<file path=ppt/tags/tag127.xml><?xml version="1.0" encoding="utf-8"?>
-<p:tagLst xmlns:a="http://schemas.openxmlformats.org/drawingml/2006/main" xmlns:r="http://schemas.openxmlformats.org/officeDocument/2006/relationships" xmlns:p="http://schemas.openxmlformats.org/presentationml/2006/main">
-  <p:tag name="KSO_WM_UNIT_HIGHLIGHT" val="0"/>
-  <p:tag name="KSO_WM_UNIT_COMPATIBLE" val="0"/>
-  <p:tag name="KSO_WM_UNIT_DIAGRAM_ISNUMVISUAL" val="0"/>
-  <p:tag name="KSO_WM_UNIT_DIAGRAM_ISREFERUNIT" val="0"/>
-  <p:tag name="KSO_WM_UNIT_ID" val="_11**"/>
-  <p:tag name="KSO_WM_UNIT_LAYERLEVEL" val="1"/>
-  <p:tag name="KSO_WM_TAG_VERSION" val="1.0"/>
-  <p:tag name="KSO_WM_BEAUTIFY_FLAG" val="#wm#"/>
-</p:tagLst>
-</file>
-
-<file path=ppt/tags/tag128.xml><?xml version="1.0" encoding="utf-8"?>
-<p:tagLst xmlns:a="http://schemas.openxmlformats.org/drawingml/2006/main" xmlns:r="http://schemas.openxmlformats.org/officeDocument/2006/relationships" xmlns:p="http://schemas.openxmlformats.org/presentationml/2006/main">
-  <p:tag name="KSO_WM_UNIT_HIGHLIGHT" val="0"/>
-  <p:tag name="KSO_WM_UNIT_COMPATIBLE" val="0"/>
-  <p:tag name="KSO_WM_UNIT_DIAGRAM_ISNUMVISUAL" val="0"/>
-  <p:tag name="KSO_WM_UNIT_DIAGRAM_ISREFERUNIT" val="0"/>
-  <p:tag name="KSO_WM_UNIT_ID" val="_11**"/>
-  <p:tag name="KSO_WM_UNIT_LAYERLEVEL" val="1"/>
-  <p:tag name="KSO_WM_TAG_VERSION" val="1.0"/>
-  <p:tag name="KSO_WM_BEAUTIFY_FLAG" val="#wm#"/>
-</p:tagLst>
-</file>
-
-<file path=ppt/tags/tag129.xml><?xml version="1.0" encoding="utf-8"?>
-<p:tagLst xmlns:a="http://schemas.openxmlformats.org/drawingml/2006/main" xmlns:r="http://schemas.openxmlformats.org/officeDocument/2006/relationships" xmlns:p="http://schemas.openxmlformats.org/presentationml/2006/main">
-  <p:tag name="KSO_WM_UNIT_HIGHLIGHT" val="0"/>
-  <p:tag name="KSO_WM_UNIT_COMPATIBLE" val="0"/>
-  <p:tag name="KSO_WM_UNIT_DIAGRAM_ISNUMVISUAL" val="0"/>
-  <p:tag name="KSO_WM_UNIT_DIAGRAM_ISREFERUNIT" val="0"/>
-  <p:tag name="KSO_WM_UNIT_ID" val="_11**"/>
-  <p:tag name="KSO_WM_UNIT_LAYERLEVEL" val="1"/>
-  <p:tag name="KSO_WM_TAG_VERSION" val="1.0"/>
-  <p:tag name="KSO_WM_BEAUTIFY_FLAG" val="#wm#"/>
-</p:tagLst>
-</file>
-
-<file path=ppt/tags/tag13.xml><?xml version="1.0" encoding="utf-8"?>
-<p:tagLst xmlns:a="http://schemas.openxmlformats.org/drawingml/2006/main" xmlns:r="http://schemas.openxmlformats.org/officeDocument/2006/relationships" xmlns:p="http://schemas.openxmlformats.org/presentationml/2006/main">
-  <p:tag name="KSO_WM_UNIT_HIGHLIGHT" val="0"/>
-  <p:tag name="KSO_WM_UNIT_COMPATIBLE" val="0"/>
-  <p:tag name="KSO_WM_UNIT_DIAGRAM_ISNUMVISUAL" val="0"/>
-  <p:tag name="KSO_WM_UNIT_DIAGRAM_ISREFERUNIT" val="0"/>
-  <p:tag name="KSO_WM_UNIT_ID" val="_1**"/>
-  <p:tag name="KSO_WM_UNIT_LAYERLEVEL" val="1"/>
-  <p:tag name="KSO_WM_TAG_VERSION" val="1.0"/>
-  <p:tag name="KSO_WM_BEAUTIFY_FLAG" val="#wm#"/>
-</p:tagLst>
-</file>
-
-<file path=ppt/tags/tag130.xml><?xml version="1.0" encoding="utf-8"?>
-<p:tagLst xmlns:a="http://schemas.openxmlformats.org/drawingml/2006/main" xmlns:r="http://schemas.openxmlformats.org/officeDocument/2006/relationships" xmlns:p="http://schemas.openxmlformats.org/presentationml/2006/main">
-  <p:tag name="KSO_WM_UNIT_HIGHLIGHT" val="0"/>
-  <p:tag name="KSO_WM_UNIT_COMPATIBLE" val="0"/>
-  <p:tag name="KSO_WM_UNIT_DIAGRAM_ISNUMVISUAL" val="0"/>
-  <p:tag name="KSO_WM_UNIT_DIAGRAM_ISREFERUNIT" val="0"/>
-  <p:tag name="KSO_WM_UNIT_ID" val="_11**"/>
-  <p:tag name="KSO_WM_UNIT_LAYERLEVEL" val="1"/>
-  <p:tag name="KSO_WM_TAG_VERSION" val="1.0"/>
-  <p:tag name="KSO_WM_BEAUTIFY_FLAG" val="#wm#"/>
-</p:tagLst>
-</file>
-
-<file path=ppt/tags/tag131.xml><?xml version="1.0" encoding="utf-8"?>
-<p:tagLst xmlns:a="http://schemas.openxmlformats.org/drawingml/2006/main" xmlns:r="http://schemas.openxmlformats.org/officeDocument/2006/relationships" xmlns:p="http://schemas.openxmlformats.org/presentationml/2006/main">
-  <p:tag name="KSO_WM_UNIT_HIGHLIGHT" val="0"/>
-  <p:tag name="KSO_WM_UNIT_COMPATIBLE" val="0"/>
-  <p:tag name="KSO_WM_UNIT_DIAGRAM_ISNUMVISUAL" val="0"/>
-  <p:tag name="KSO_WM_UNIT_DIAGRAM_ISREFERUNIT" val="0"/>
-  <p:tag name="KSO_WM_UNIT_ID" val="_11**"/>
-  <p:tag name="KSO_WM_UNIT_LAYERLEVEL" val="1"/>
-  <p:tag name="KSO_WM_TAG_VERSION" val="1.0"/>
-  <p:tag name="KSO_WM_BEAUTIFY_FLAG" val="#wm#"/>
-</p:tagLst>
-</file>
-
-<file path=ppt/tags/tag132.xml><?xml version="1.0" encoding="utf-8"?>
-<p:tagLst xmlns:a="http://schemas.openxmlformats.org/drawingml/2006/main" xmlns:r="http://schemas.openxmlformats.org/officeDocument/2006/relationships" xmlns:p="http://schemas.openxmlformats.org/presentationml/2006/main">
-  <p:tag name="KSO_WM_UNIT_HIGHLIGHT" val="0"/>
-  <p:tag name="KSO_WM_UNIT_COMPATIBLE" val="0"/>
-  <p:tag name="KSO_WM_UNIT_DIAGRAM_ISNUMVISUAL" val="0"/>
-  <p:tag name="KSO_WM_UNIT_DIAGRAM_ISREFERUNIT" val="0"/>
-  <p:tag name="KSO_WM_UNIT_ID" val="_11**"/>
-  <p:tag name="KSO_WM_UNIT_LAYERLEVEL" val="1"/>
-  <p:tag name="KSO_WM_TAG_VERSION" val="1.0"/>
-  <p:tag name="KSO_WM_BEAUTIFY_FLAG" val="#wm#"/>
-</p:tagLst>
-</file>
-
-<file path=ppt/tags/tag133.xml><?xml version="1.0" encoding="utf-8"?>
-<p:tagLst xmlns:a="http://schemas.openxmlformats.org/drawingml/2006/main" xmlns:r="http://schemas.openxmlformats.org/officeDocument/2006/relationships" xmlns:p="http://schemas.openxmlformats.org/presentationml/2006/main">
-  <p:tag name="KSO_WM_UNIT_HIGHLIGHT" val="0"/>
-  <p:tag name="KSO_WM_UNIT_COMPATIBLE" val="0"/>
-  <p:tag name="KSO_WM_UNIT_DIAGRAM_ISNUMVISUAL" val="0"/>
-  <p:tag name="KSO_WM_UNIT_DIAGRAM_ISREFERUNIT" val="0"/>
-  <p:tag name="KSO_WM_UNIT_ID" val="_11**"/>
-  <p:tag name="KSO_WM_UNIT_LAYERLEVEL" val="1"/>
-  <p:tag name="KSO_WM_TAG_VERSION" val="1.0"/>
-  <p:tag name="KSO_WM_BEAUTIFY_FLAG" val="#wm#"/>
-</p:tagLst>
-</file>
-
-<file path=ppt/tags/tag134.xml><?xml version="1.0" encoding="utf-8"?>
-<p:tagLst xmlns:a="http://schemas.openxmlformats.org/drawingml/2006/main" xmlns:r="http://schemas.openxmlformats.org/officeDocument/2006/relationships" xmlns:p="http://schemas.openxmlformats.org/presentationml/2006/main">
-  <p:tag name="KSO_WM_UNIT_HIGHLIGHT" val="0"/>
-  <p:tag name="KSO_WM_UNIT_COMPATIBLE" val="0"/>
-  <p:tag name="KSO_WM_UNIT_DIAGRAM_ISNUMVISUAL" val="0"/>
-  <p:tag name="KSO_WM_UNIT_DIAGRAM_ISREFERUNIT" val="0"/>
-  <p:tag name="KSO_WM_UNIT_ID" val="_11**"/>
-  <p:tag name="KSO_WM_UNIT_LAYERLEVEL" val="1"/>
-  <p:tag name="KSO_WM_TAG_VERSION" val="1.0"/>
-  <p:tag name="KSO_WM_BEAUTIFY_FLAG" val="#wm#"/>
-</p:tagLst>
-</file>
-
-<file path=ppt/tags/tag135.xml><?xml version="1.0" encoding="utf-8"?>
-<p:tagLst xmlns:a="http://schemas.openxmlformats.org/drawingml/2006/main" xmlns:r="http://schemas.openxmlformats.org/officeDocument/2006/relationships" xmlns:p="http://schemas.openxmlformats.org/presentationml/2006/main">
-  <p:tag name="KSO_WM_UNIT_HIGHLIGHT" val="0"/>
-  <p:tag name="KSO_WM_UNIT_COMPATIBLE" val="0"/>
-  <p:tag name="KSO_WM_UNIT_DIAGRAM_ISNUMVISUAL" val="0"/>
-  <p:tag name="KSO_WM_UNIT_DIAGRAM_ISREFERUNIT" val="0"/>
-  <p:tag name="KSO_WM_UNIT_ID" val="_11**"/>
-  <p:tag name="KSO_WM_UNIT_LAYERLEVEL" val="1"/>
-  <p:tag name="KSO_WM_TAG_VERSION" val="1.0"/>
-  <p:tag name="KSO_WM_BEAUTIFY_FLAG" val="#wm#"/>
-</p:tagLst>
-</file>
-
-<file path=ppt/tags/tag136.xml><?xml version="1.0" encoding="utf-8"?>
-<p:tagLst xmlns:a="http://schemas.openxmlformats.org/drawingml/2006/main" xmlns:r="http://schemas.openxmlformats.org/officeDocument/2006/relationships" xmlns:p="http://schemas.openxmlformats.org/presentationml/2006/main">
-  <p:tag name="KSO_WM_UNIT_HIGHLIGHT" val="0"/>
-  <p:tag name="KSO_WM_UNIT_COMPATIBLE" val="0"/>
-  <p:tag name="KSO_WM_UNIT_DIAGRAM_ISNUMVISUAL" val="0"/>
-  <p:tag name="KSO_WM_UNIT_DIAGRAM_ISREFERUNIT" val="0"/>
-  <p:tag name="KSO_WM_UNIT_ID" val="_11**"/>
-  <p:tag name="KSO_WM_UNIT_LAYERLEVEL" val="1"/>
-  <p:tag name="KSO_WM_TAG_VERSION" val="1.0"/>
-  <p:tag name="KSO_WM_BEAUTIFY_FLAG" val="#wm#"/>
-</p:tagLst>
-</file>
-
-<file path=ppt/tags/tag137.xml><?xml version="1.0" encoding="utf-8"?>
-<p:tagLst xmlns:a="http://schemas.openxmlformats.org/drawingml/2006/main" xmlns:r="http://schemas.openxmlformats.org/officeDocument/2006/relationships" xmlns:p="http://schemas.openxmlformats.org/presentationml/2006/main">
-  <p:tag name="KSO_WM_UNIT_HIGHLIGHT" val="0"/>
-  <p:tag name="KSO_WM_UNIT_COMPATIBLE" val="0"/>
-  <p:tag name="KSO_WM_UNIT_DIAGRAM_ISNUMVISUAL" val="0"/>
-  <p:tag name="KSO_WM_UNIT_DIAGRAM_ISREFERUNIT" val="0"/>
-  <p:tag name="KSO_WM_UNIT_ID" val="_11**"/>
-  <p:tag name="KSO_WM_UNIT_LAYERLEVEL" val="1"/>
-  <p:tag name="KSO_WM_TAG_VERSION" val="1.0"/>
-  <p:tag name="KSO_WM_BEAUTIFY_FLAG" val="#wm#"/>
-</p:tagLst>
-</file>
-
-<file path=ppt/tags/tag138.xml><?xml version="1.0" encoding="utf-8"?>
-<p:tagLst xmlns:a="http://schemas.openxmlformats.org/drawingml/2006/main" xmlns:r="http://schemas.openxmlformats.org/officeDocument/2006/relationships" xmlns:p="http://schemas.openxmlformats.org/presentationml/2006/main">
-  <p:tag name="KSO_WM_UNIT_HIGHLIGHT" val="0"/>
-  <p:tag name="KSO_WM_UNIT_COMPATIBLE" val="0"/>
-  <p:tag name="KSO_WM_UNIT_DIAGRAM_ISNUMVISUAL" val="0"/>
-  <p:tag name="KSO_WM_UNIT_DIAGRAM_ISREFERUNIT" val="0"/>
-  <p:tag name="KSO_WM_UNIT_ID" val="_11**"/>
-  <p:tag name="KSO_WM_UNIT_LAYERLEVEL" val="1"/>
-  <p:tag name="KSO_WM_TAG_VERSION" val="1.0"/>
-  <p:tag name="KSO_WM_BEAUTIFY_FLAG" val="#wm#"/>
-</p:tagLst>
-</file>
-
-<file path=ppt/tags/tag139.xml><?xml version="1.0" encoding="utf-8"?>
-<p:tagLst xmlns:a="http://schemas.openxmlformats.org/drawingml/2006/main" xmlns:r="http://schemas.openxmlformats.org/officeDocument/2006/relationships" xmlns:p="http://schemas.openxmlformats.org/presentationml/2006/main">
-  <p:tag name="KSO_WM_UNIT_HIGHLIGHT" val="0"/>
-  <p:tag name="KSO_WM_UNIT_COMPATIBLE" val="0"/>
-  <p:tag name="KSO_WM_UNIT_DIAGRAM_ISNUMVISUAL" val="0"/>
-  <p:tag name="KSO_WM_UNIT_DIAGRAM_ISREFERUNIT" val="0"/>
-  <p:tag name="KSO_WM_UNIT_ID" val="_11**"/>
-  <p:tag name="KSO_WM_UNIT_LAYERLEVEL" val="1"/>
-  <p:tag name="KSO_WM_TAG_VERSION" val="1.0"/>
-  <p:tag name="KSO_WM_BEAUTIFY_FLAG" val="#wm#"/>
-</p:tagLst>
-</file>
-
-<file path=ppt/tags/tag14.xml><?xml version="1.0" encoding="utf-8"?>
-<p:tagLst xmlns:a="http://schemas.openxmlformats.org/drawingml/2006/main" xmlns:r="http://schemas.openxmlformats.org/officeDocument/2006/relationships" xmlns:p="http://schemas.openxmlformats.org/presentationml/2006/main">
-  <p:tag name="KSO_WM_UNIT_HIGHLIGHT" val="0"/>
-  <p:tag name="KSO_WM_UNIT_COMPATIBLE" val="0"/>
-  <p:tag name="KSO_WM_UNIT_DIAGRAM_ISNUMVISUAL" val="0"/>
-  <p:tag name="KSO_WM_UNIT_DIAGRAM_ISREFERUNIT" val="0"/>
-  <p:tag name="KSO_WM_UNIT_ID" val="_1**"/>
-  <p:tag name="KSO_WM_UNIT_LAYERLEVEL" val="1"/>
-  <p:tag name="KSO_WM_TAG_VERSION" val="1.0"/>
-  <p:tag name="KSO_WM_BEAUTIFY_FLAG" val="#wm#"/>
-</p:tagLst>
-</file>
-
-<file path=ppt/tags/tag140.xml><?xml version="1.0" encoding="utf-8"?>
-<p:tagLst xmlns:a="http://schemas.openxmlformats.org/drawingml/2006/main" xmlns:r="http://schemas.openxmlformats.org/officeDocument/2006/relationships" xmlns:p="http://schemas.openxmlformats.org/presentationml/2006/main">
-  <p:tag name="KSO_WM_UNIT_HIGHLIGHT" val="0"/>
-  <p:tag name="KSO_WM_UNIT_COMPATIBLE" val="0"/>
-  <p:tag name="KSO_WM_UNIT_DIAGRAM_ISNUMVISUAL" val="0"/>
-  <p:tag name="KSO_WM_UNIT_DIAGRAM_ISREFERUNIT" val="0"/>
-  <p:tag name="KSO_WM_UNIT_ID" val="_11**"/>
-  <p:tag name="KSO_WM_UNIT_LAYERLEVEL" val="1"/>
-  <p:tag name="KSO_WM_TAG_VERSION" val="1.0"/>
-  <p:tag name="KSO_WM_BEAUTIFY_FLAG" val="#wm#"/>
-</p:tagLst>
-</file>
-
-<file path=ppt/tags/tag141.xml><?xml version="1.0" encoding="utf-8"?>
-<p:tagLst xmlns:a="http://schemas.openxmlformats.org/drawingml/2006/main" xmlns:r="http://schemas.openxmlformats.org/officeDocument/2006/relationships" xmlns:p="http://schemas.openxmlformats.org/presentationml/2006/main">
-  <p:tag name="KSO_WM_UNIT_HIGHLIGHT" val="0"/>
-  <p:tag name="KSO_WM_UNIT_COMPATIBLE" val="0"/>
-  <p:tag name="KSO_WM_UNIT_DIAGRAM_ISNUMVISUAL" val="0"/>
-  <p:tag name="KSO_WM_UNIT_DIAGRAM_ISREFERUNIT" val="0"/>
-  <p:tag name="KSO_WM_UNIT_ID" val="_11**"/>
-  <p:tag name="KSO_WM_UNIT_LAYERLEVEL" val="1"/>
-  <p:tag name="KSO_WM_TAG_VERSION" val="1.0"/>
-  <p:tag name="KSO_WM_BEAUTIFY_FLAG" val="#wm#"/>
-</p:tagLst>
-</file>
-
-<file path=ppt/tags/tag142.xml><?xml version="1.0" encoding="utf-8"?>
-<p:tagLst xmlns:a="http://schemas.openxmlformats.org/drawingml/2006/main" xmlns:r="http://schemas.openxmlformats.org/officeDocument/2006/relationships" xmlns:p="http://schemas.openxmlformats.org/presentationml/2006/main">
-  <p:tag name="KSO_WM_UNIT_HIGHLIGHT" val="0"/>
-  <p:tag name="KSO_WM_UNIT_COMPATIBLE" val="0"/>
-  <p:tag name="KSO_WM_UNIT_DIAGRAM_ISNUMVISUAL" val="0"/>
-  <p:tag name="KSO_WM_UNIT_DIAGRAM_ISREFERUNIT" val="0"/>
-  <p:tag name="KSO_WM_UNIT_ID" val="_11**"/>
-  <p:tag name="KSO_WM_UNIT_LAYERLEVEL" val="1"/>
-  <p:tag name="KSO_WM_TAG_VERSION" val="1.0"/>
-  <p:tag name="KSO_WM_BEAUTIFY_FLAG" val="#wm#"/>
-</p:tagLst>
-</file>
-
-<file path=ppt/tags/tag143.xml><?xml version="1.0" encoding="utf-8"?>
-<p:tagLst xmlns:a="http://schemas.openxmlformats.org/drawingml/2006/main" xmlns:r="http://schemas.openxmlformats.org/officeDocument/2006/relationships" xmlns:p="http://schemas.openxmlformats.org/presentationml/2006/main">
-  <p:tag name="KSO_WM_UNIT_HIGHLIGHT" val="0"/>
-  <p:tag name="KSO_WM_UNIT_COMPATIBLE" val="0"/>
-  <p:tag name="KSO_WM_UNIT_DIAGRAM_ISNUMVISUAL" val="0"/>
-  <p:tag name="KSO_WM_UNIT_DIAGRAM_ISREFERUNIT" val="0"/>
-  <p:tag name="KSO_WM_UNIT_ID" val="_11**"/>
-  <p:tag name="KSO_WM_UNIT_LAYERLEVEL" val="1"/>
-  <p:tag name="KSO_WM_TAG_VERSION" val="1.0"/>
-  <p:tag name="KSO_WM_BEAUTIFY_FLAG" val="#wm#"/>
-</p:tagLst>
-</file>
-
-<file path=ppt/tags/tag144.xml><?xml version="1.0" encoding="utf-8"?>
-<p:tagLst xmlns:a="http://schemas.openxmlformats.org/drawingml/2006/main" xmlns:r="http://schemas.openxmlformats.org/officeDocument/2006/relationships" xmlns:p="http://schemas.openxmlformats.org/presentationml/2006/main">
-  <p:tag name="KSO_WM_UNIT_HIGHLIGHT" val="0"/>
-  <p:tag name="KSO_WM_UNIT_COMPATIBLE" val="0"/>
-  <p:tag name="KSO_WM_UNIT_DIAGRAM_ISNUMVISUAL" val="0"/>
-  <p:tag name="KSO_WM_UNIT_DIAGRAM_ISREFERUNIT" val="0"/>
-  <p:tag name="KSO_WM_UNIT_ID" val="_11**"/>
-  <p:tag name="KSO_WM_UNIT_LAYERLEVEL" val="1"/>
-  <p:tag name="KSO_WM_TAG_VERSION" val="1.0"/>
-  <p:tag name="KSO_WM_BEAUTIFY_FLAG" val="#wm#"/>
-</p:tagLst>
-</file>
-
-<file path=ppt/tags/tag145.xml><?xml version="1.0" encoding="utf-8"?>
-<p:tagLst xmlns:a="http://schemas.openxmlformats.org/drawingml/2006/main" xmlns:r="http://schemas.openxmlformats.org/officeDocument/2006/relationships" xmlns:p="http://schemas.openxmlformats.org/presentationml/2006/main">
-  <p:tag name="KSO_WM_UNIT_HIGHLIGHT" val="0"/>
-  <p:tag name="KSO_WM_UNIT_COMPATIBLE" val="0"/>
-  <p:tag name="KSO_WM_UNIT_DIAGRAM_ISNUMVISUAL" val="0"/>
-  <p:tag name="KSO_WM_UNIT_DIAGRAM_ISREFERUNIT" val="0"/>
-  <p:tag name="KSO_WM_UNIT_ID" val="_11**"/>
-  <p:tag name="KSO_WM_UNIT_LAYERLEVEL" val="1"/>
-  <p:tag name="KSO_WM_TAG_VERSION" val="1.0"/>
-  <p:tag name="KSO_WM_BEAUTIFY_FLAG" val="#wm#"/>
-</p:tagLst>
-</file>
-
-<file path=ppt/tags/tag146.xml><?xml version="1.0" encoding="utf-8"?>
-<p:tagLst xmlns:a="http://schemas.openxmlformats.org/drawingml/2006/main" xmlns:r="http://schemas.openxmlformats.org/officeDocument/2006/relationships" xmlns:p="http://schemas.openxmlformats.org/presentationml/2006/main">
-  <p:tag name="KSO_WM_UNIT_HIGHLIGHT" val="0"/>
-  <p:tag name="KSO_WM_UNIT_COMPATIBLE" val="0"/>
-  <p:tag name="KSO_WM_UNIT_DIAGRAM_ISNUMVISUAL" val="0"/>
-  <p:tag name="KSO_WM_UNIT_DIAGRAM_ISREFERUNIT" val="0"/>
-  <p:tag name="KSO_WM_UNIT_ID" val="_11**"/>
-  <p:tag name="KSO_WM_UNIT_LAYERLEVEL" val="1"/>
-  <p:tag name="KSO_WM_TAG_VERSION" val="1.0"/>
-  <p:tag name="KSO_WM_BEAUTIFY_FLAG" val="#wm#"/>
-</p:tagLst>
-</file>
-
-<file path=ppt/tags/tag147.xml><?xml version="1.0" encoding="utf-8"?>
-<p:tagLst xmlns:a="http://schemas.openxmlformats.org/drawingml/2006/main" xmlns:r="http://schemas.openxmlformats.org/officeDocument/2006/relationships" xmlns:p="http://schemas.openxmlformats.org/presentationml/2006/main">
-  <p:tag name="KSO_WM_UNIT_HIGHLIGHT" val="0"/>
-  <p:tag name="KSO_WM_UNIT_COMPATIBLE" val="0"/>
-  <p:tag name="KSO_WM_UNIT_DIAGRAM_ISNUMVISUAL" val="0"/>
-  <p:tag name="KSO_WM_UNIT_DIAGRAM_ISREFERUNIT" val="0"/>
-  <p:tag name="KSO_WM_UNIT_ID" val="_11**"/>
-  <p:tag name="KSO_WM_UNIT_LAYERLEVEL" val="1"/>
-  <p:tag name="KSO_WM_TAG_VERSION" val="1.0"/>
-  <p:tag name="KSO_WM_BEAUTIFY_FLAG" val="#wm#"/>
-</p:tagLst>
-</file>
-
-<file path=ppt/tags/tag148.xml><?xml version="1.0" encoding="utf-8"?>
-<p:tagLst xmlns:a="http://schemas.openxmlformats.org/drawingml/2006/main" xmlns:r="http://schemas.openxmlformats.org/officeDocument/2006/relationships" xmlns:p="http://schemas.openxmlformats.org/presentationml/2006/main">
-  <p:tag name="KSO_WM_UNIT_HIGHLIGHT" val="0"/>
-  <p:tag name="KSO_WM_UNIT_COMPATIBLE" val="0"/>
-  <p:tag name="KSO_WM_UNIT_DIAGRAM_ISNUMVISUAL" val="0"/>
-  <p:tag name="KSO_WM_UNIT_DIAGRAM_ISREFERUNIT" val="0"/>
-  <p:tag name="KSO_WM_UNIT_ID" val="_11**"/>
-  <p:tag name="KSO_WM_UNIT_LAYERLEVEL" val="1"/>
-  <p:tag name="KSO_WM_TAG_VERSION" val="1.0"/>
-  <p:tag name="KSO_WM_BEAUTIFY_FLAG" val="#wm#"/>
-</p:tagLst>
-</file>
-
-<file path=ppt/tags/tag149.xml><?xml version="1.0" encoding="utf-8"?>
-<p:tagLst xmlns:a="http://schemas.openxmlformats.org/drawingml/2006/main" xmlns:r="http://schemas.openxmlformats.org/officeDocument/2006/relationships" xmlns:p="http://schemas.openxmlformats.org/presentationml/2006/main">
-  <p:tag name="KSO_WM_UNIT_HIGHLIGHT" val="0"/>
-  <p:tag name="KSO_WM_UNIT_COMPATIBLE" val="0"/>
-  <p:tag name="KSO_WM_UNIT_DIAGRAM_ISNUMVISUAL" val="0"/>
-  <p:tag name="KSO_WM_UNIT_DIAGRAM_ISREFERUNIT" val="0"/>
-  <p:tag name="KSO_WM_UNIT_ID" val="_11**"/>
-  <p:tag name="KSO_WM_UNIT_LAYERLEVEL" val="1"/>
-  <p:tag name="KSO_WM_TAG_VERSION" val="1.0"/>
-  <p:tag name="KSO_WM_BEAUTIFY_FLAG" val="#wm#"/>
-</p:tagLst>
-</file>
-
-<file path=ppt/tags/tag15.xml><?xml version="1.0" encoding="utf-8"?>
-<p:tagLst xmlns:a="http://schemas.openxmlformats.org/drawingml/2006/main" xmlns:r="http://schemas.openxmlformats.org/officeDocument/2006/relationships" xmlns:p="http://schemas.openxmlformats.org/presentationml/2006/main">
-  <p:tag name="KSO_WM_UNIT_HIGHLIGHT" val="0"/>
-  <p:tag name="KSO_WM_UNIT_COMPATIBLE" val="0"/>
-  <p:tag name="KSO_WM_UNIT_DIAGRAM_ISNUMVISUAL" val="0"/>
-  <p:tag name="KSO_WM_UNIT_DIAGRAM_ISREFERUNIT" val="0"/>
-  <p:tag name="KSO_WM_UNIT_ID" val="_1**"/>
-  <p:tag name="KSO_WM_UNIT_LAYERLEVEL" val="1"/>
-  <p:tag name="KSO_WM_TAG_VERSION" val="1.0"/>
-  <p:tag name="KSO_WM_BEAUTIFY_FLAG" val="#wm#"/>
-</p:tagLst>
-</file>
-
-<file path=ppt/tags/tag150.xml><?xml version="1.0" encoding="utf-8"?>
-<p:tagLst xmlns:a="http://schemas.openxmlformats.org/drawingml/2006/main" xmlns:r="http://schemas.openxmlformats.org/officeDocument/2006/relationships" xmlns:p="http://schemas.openxmlformats.org/presentationml/2006/main">
-  <p:tag name="KSO_WM_UNIT_HIGHLIGHT" val="0"/>
-  <p:tag name="KSO_WM_UNIT_COMPATIBLE" val="0"/>
-  <p:tag name="KSO_WM_UNIT_DIAGRAM_ISNUMVISUAL" val="0"/>
-  <p:tag name="KSO_WM_UNIT_DIAGRAM_ISREFERUNIT" val="0"/>
-  <p:tag name="KSO_WM_UNIT_ID" val="_11**"/>
-  <p:tag name="KSO_WM_UNIT_LAYERLEVEL" val="1"/>
-  <p:tag name="KSO_WM_TAG_VERSION" val="1.0"/>
-  <p:tag name="KSO_WM_BEAUTIFY_FLAG" val="#wm#"/>
-</p:tagLst>
-</file>
-
-<file path=ppt/tags/tag151.xml><?xml version="1.0" encoding="utf-8"?>
-<p:tagLst xmlns:a="http://schemas.openxmlformats.org/drawingml/2006/main" xmlns:r="http://schemas.openxmlformats.org/officeDocument/2006/relationships" xmlns:p="http://schemas.openxmlformats.org/presentationml/2006/main">
-  <p:tag name="KSO_WM_UNIT_HIGHLIGHT" val="0"/>
-  <p:tag name="KSO_WM_UNIT_COMPATIBLE" val="0"/>
-  <p:tag name="KSO_WM_UNIT_DIAGRAM_ISNUMVISUAL" val="0"/>
-  <p:tag name="KSO_WM_UNIT_DIAGRAM_ISREFERUNIT" val="0"/>
-  <p:tag name="KSO_WM_UNIT_ID" val="_11**"/>
-  <p:tag name="KSO_WM_UNIT_LAYERLEVEL" val="1"/>
-  <p:tag name="KSO_WM_TAG_VERSION" val="1.0"/>
-  <p:tag name="KSO_WM_BEAUTIFY_FLAG" val="#wm#"/>
-</p:tagLst>
-</file>
-
-<file path=ppt/tags/tag152.xml><?xml version="1.0" encoding="utf-8"?>
-<p:tagLst xmlns:a="http://schemas.openxmlformats.org/drawingml/2006/main" xmlns:r="http://schemas.openxmlformats.org/officeDocument/2006/relationships" xmlns:p="http://schemas.openxmlformats.org/presentationml/2006/main">
-  <p:tag name="KSO_WM_UNIT_HIGHLIGHT" val="0"/>
-  <p:tag name="KSO_WM_UNIT_COMPATIBLE" val="0"/>
-  <p:tag name="KSO_WM_UNIT_DIAGRAM_ISNUMVISUAL" val="0"/>
-  <p:tag name="KSO_WM_UNIT_DIAGRAM_ISREFERUNIT" val="0"/>
-  <p:tag name="KSO_WM_UNIT_ID" val="_11**"/>
-  <p:tag name="KSO_WM_UNIT_LAYERLEVEL" val="1"/>
-  <p:tag name="KSO_WM_TAG_VERSION" val="1.0"/>
-  <p:tag name="KSO_WM_BEAUTIFY_FLAG" val="#wm#"/>
-</p:tagLst>
-</file>
-
-<file path=ppt/tags/tag153.xml><?xml version="1.0" encoding="utf-8"?>
-<p:tagLst xmlns:a="http://schemas.openxmlformats.org/drawingml/2006/main" xmlns:r="http://schemas.openxmlformats.org/officeDocument/2006/relationships" xmlns:p="http://schemas.openxmlformats.org/presentationml/2006/main">
-  <p:tag name="KSO_WM_UNIT_HIGHLIGHT" val="0"/>
-  <p:tag name="KSO_WM_UNIT_COMPATIBLE" val="0"/>
-  <p:tag name="KSO_WM_UNIT_DIAGRAM_ISNUMVISUAL" val="0"/>
-  <p:tag name="KSO_WM_UNIT_DIAGRAM_ISREFERUNIT" val="0"/>
-  <p:tag name="KSO_WM_UNIT_ID" val="_11**"/>
-  <p:tag name="KSO_WM_UNIT_LAYERLEVEL" val="1"/>
-  <p:tag name="KSO_WM_TAG_VERSION" val="1.0"/>
-  <p:tag name="KSO_WM_BEAUTIFY_FLAG" val="#wm#"/>
-</p:tagLst>
-</file>
-
-<file path=ppt/tags/tag154.xml><?xml version="1.0" encoding="utf-8"?>
-<p:tagLst xmlns:a="http://schemas.openxmlformats.org/drawingml/2006/main" xmlns:r="http://schemas.openxmlformats.org/officeDocument/2006/relationships" xmlns:p="http://schemas.openxmlformats.org/presentationml/2006/main">
-  <p:tag name="KSO_WM_UNIT_HIGHLIGHT" val="0"/>
-  <p:tag name="KSO_WM_UNIT_COMPATIBLE" val="0"/>
-  <p:tag name="KSO_WM_UNIT_DIAGRAM_ISNUMVISUAL" val="0"/>
-  <p:tag name="KSO_WM_UNIT_DIAGRAM_ISREFERUNIT" val="0"/>
-  <p:tag name="KSO_WM_UNIT_ID" val="_11**"/>
-  <p:tag name="KSO_WM_UNIT_LAYERLEVEL" val="1"/>
-  <p:tag name="KSO_WM_TAG_VERSION" val="1.0"/>
-  <p:tag name="KSO_WM_BEAUTIFY_FLAG" val="#wm#"/>
-</p:tagLst>
-</file>
-
-<file path=ppt/tags/tag155.xml><?xml version="1.0" encoding="utf-8"?>
-<p:tagLst xmlns:a="http://schemas.openxmlformats.org/drawingml/2006/main" xmlns:r="http://schemas.openxmlformats.org/officeDocument/2006/relationships" xmlns:p="http://schemas.openxmlformats.org/presentationml/2006/main">
-  <p:tag name="KSO_WM_UNIT_HIGHLIGHT" val="0"/>
-  <p:tag name="KSO_WM_UNIT_COMPATIBLE" val="0"/>
-  <p:tag name="KSO_WM_UNIT_DIAGRAM_ISNUMVISUAL" val="0"/>
-  <p:tag name="KSO_WM_UNIT_DIAGRAM_ISREFERUNIT" val="0"/>
-  <p:tag name="KSO_WM_UNIT_ID" val="_11**"/>
-  <p:tag name="KSO_WM_UNIT_LAYERLEVEL" val="1"/>
-  <p:tag name="KSO_WM_TAG_VERSION" val="1.0"/>
-  <p:tag name="KSO_WM_BEAUTIFY_FLAG" val="#wm#"/>
-</p:tagLst>
-</file>
-
-<file path=ppt/tags/tag156.xml><?xml version="1.0" encoding="utf-8"?>
-<p:tagLst xmlns:a="http://schemas.openxmlformats.org/drawingml/2006/main" xmlns:r="http://schemas.openxmlformats.org/officeDocument/2006/relationships" xmlns:p="http://schemas.openxmlformats.org/presentationml/2006/main">
-  <p:tag name="KSO_WM_UNIT_HIGHLIGHT" val="0"/>
-  <p:tag name="KSO_WM_UNIT_COMPATIBLE" val="0"/>
-  <p:tag name="KSO_WM_UNIT_DIAGRAM_ISNUMVISUAL" val="0"/>
-  <p:tag name="KSO_WM_UNIT_DIAGRAM_ISREFERUNIT" val="0"/>
-  <p:tag name="KSO_WM_UNIT_ID" val="_11**"/>
-  <p:tag name="KSO_WM_UNIT_LAYERLEVEL" val="1"/>
-  <p:tag name="KSO_WM_TAG_VERSION" val="1.0"/>
-  <p:tag name="KSO_WM_BEAUTIFY_FLAG" val="#wm#"/>
-</p:tagLst>
-</file>
-
-<file path=ppt/tags/tag157.xml><?xml version="1.0" encoding="utf-8"?>
-<p:tagLst xmlns:a="http://schemas.openxmlformats.org/drawingml/2006/main" xmlns:r="http://schemas.openxmlformats.org/officeDocument/2006/relationships" xmlns:p="http://schemas.openxmlformats.org/presentationml/2006/main">
-  <p:tag name="KSO_WM_UNIT_HIGHLIGHT" val="0"/>
-  <p:tag name="KSO_WM_UNIT_COMPATIBLE" val="0"/>
-  <p:tag name="KSO_WM_UNIT_DIAGRAM_ISNUMVISUAL" val="0"/>
-  <p:tag name="KSO_WM_UNIT_DIAGRAM_ISREFERUNIT" val="0"/>
-  <p:tag name="KSO_WM_UNIT_ID" val="_11**"/>
-  <p:tag name="KSO_WM_UNIT_LAYERLEVEL" val="1"/>
-  <p:tag name="KSO_WM_TAG_VERSION" val="1.0"/>
-  <p:tag name="KSO_WM_BEAUTIFY_FLAG" val="#wm#"/>
-</p:tagLst>
-</file>
-
-<file path=ppt/tags/tag158.xml><?xml version="1.0" encoding="utf-8"?>
-<p:tagLst xmlns:a="http://schemas.openxmlformats.org/drawingml/2006/main" xmlns:r="http://schemas.openxmlformats.org/officeDocument/2006/relationships" xmlns:p="http://schemas.openxmlformats.org/presentationml/2006/main">
-  <p:tag name="KSO_WM_UNIT_HIGHLIGHT" val="0"/>
-  <p:tag name="KSO_WM_UNIT_COMPATIBLE" val="0"/>
-  <p:tag name="KSO_WM_UNIT_DIAGRAM_ISNUMVISUAL" val="0"/>
-  <p:tag name="KSO_WM_UNIT_DIAGRAM_ISREFERUNIT" val="0"/>
-  <p:tag name="KSO_WM_UNIT_ID" val="_11**"/>
+  <p:tag name="KSO_WM_UNIT_ID" val="_0**"/>
   <p:tag name="KSO_WM_UNIT_LAYERLEVEL" val="1"/>
   <p:tag name="KSO_WM_TAG_VERSION" val="1.0"/>
   <p:tag name="KSO_WM_BEAUTIFY_FLAG" val="#wm#"/>
@@ -22281,12 +22586,12 @@
 </file>
 
 <file path=ppt/tags/tag159.xml><?xml version="1.0" encoding="utf-8"?>
-<p:tagLst xmlns:a="http://schemas.openxmlformats.org/drawingml/2006/main" xmlns:r="http://schemas.openxmlformats.org/officeDocument/2006/relationships" xmlns:p="http://schemas.openxmlformats.org/presentationml/2006/main">
+<p:tagLst xmlns:p="http://schemas.openxmlformats.org/presentationml/2006/main">
   <p:tag name="KSO_WM_UNIT_HIGHLIGHT" val="0"/>
   <p:tag name="KSO_WM_UNIT_COMPATIBLE" val="0"/>
   <p:tag name="KSO_WM_UNIT_DIAGRAM_ISNUMVISUAL" val="0"/>
   <p:tag name="KSO_WM_UNIT_DIAGRAM_ISREFERUNIT" val="0"/>
-  <p:tag name="KSO_WM_UNIT_ID" val="_11**"/>
+  <p:tag name="KSO_WM_UNIT_ID" val="_0**"/>
   <p:tag name="KSO_WM_UNIT_LAYERLEVEL" val="1"/>
   <p:tag name="KSO_WM_TAG_VERSION" val="1.0"/>
   <p:tag name="KSO_WM_BEAUTIFY_FLAG" val="#wm#"/>
@@ -22294,7 +22599,7 @@
 </file>
 
 <file path=ppt/tags/tag16.xml><?xml version="1.0" encoding="utf-8"?>
-<p:tagLst xmlns:a="http://schemas.openxmlformats.org/drawingml/2006/main" xmlns:r="http://schemas.openxmlformats.org/officeDocument/2006/relationships" xmlns:p="http://schemas.openxmlformats.org/presentationml/2006/main">
+<p:tagLst xmlns:p="http://schemas.openxmlformats.org/presentationml/2006/main">
   <p:tag name="KSO_WM_UNIT_HIGHLIGHT" val="0"/>
   <p:tag name="KSO_WM_UNIT_COMPATIBLE" val="0"/>
   <p:tag name="KSO_WM_UNIT_DIAGRAM_ISNUMVISUAL" val="0"/>
@@ -22307,12 +22612,12 @@
 </file>
 
 <file path=ppt/tags/tag160.xml><?xml version="1.0" encoding="utf-8"?>
-<p:tagLst xmlns:a="http://schemas.openxmlformats.org/drawingml/2006/main" xmlns:r="http://schemas.openxmlformats.org/officeDocument/2006/relationships" xmlns:p="http://schemas.openxmlformats.org/presentationml/2006/main">
+<p:tagLst xmlns:p="http://schemas.openxmlformats.org/presentationml/2006/main">
   <p:tag name="KSO_WM_UNIT_HIGHLIGHT" val="0"/>
   <p:tag name="KSO_WM_UNIT_COMPATIBLE" val="0"/>
   <p:tag name="KSO_WM_UNIT_DIAGRAM_ISNUMVISUAL" val="0"/>
   <p:tag name="KSO_WM_UNIT_DIAGRAM_ISREFERUNIT" val="0"/>
-  <p:tag name="KSO_WM_UNIT_ID" val="_11**"/>
+  <p:tag name="KSO_WM_UNIT_ID" val="_0**"/>
   <p:tag name="KSO_WM_UNIT_LAYERLEVEL" val="1"/>
   <p:tag name="KSO_WM_TAG_VERSION" val="1.0"/>
   <p:tag name="KSO_WM_BEAUTIFY_FLAG" val="#wm#"/>
@@ -22320,20 +22625,18 @@
 </file>
 
 <file path=ppt/tags/tag161.xml><?xml version="1.0" encoding="utf-8"?>
-<p:tagLst xmlns:a="http://schemas.openxmlformats.org/drawingml/2006/main" xmlns:r="http://schemas.openxmlformats.org/officeDocument/2006/relationships" xmlns:p="http://schemas.openxmlformats.org/presentationml/2006/main">
-  <p:tag name="KSO_WM_UNIT_HIGHLIGHT" val="0"/>
-  <p:tag name="KSO_WM_UNIT_COMPATIBLE" val="0"/>
-  <p:tag name="KSO_WM_UNIT_DIAGRAM_ISNUMVISUAL" val="0"/>
-  <p:tag name="KSO_WM_UNIT_DIAGRAM_ISREFERUNIT" val="0"/>
-  <p:tag name="KSO_WM_UNIT_ID" val="_11**"/>
-  <p:tag name="KSO_WM_UNIT_LAYERLEVEL" val="1"/>
+<p:tagLst xmlns:p="http://schemas.openxmlformats.org/presentationml/2006/main">
+  <p:tag name="KSO_WM_TEMPLATE_SUBCATEGORY" val="0"/>
   <p:tag name="KSO_WM_TAG_VERSION" val="1.0"/>
   <p:tag name="KSO_WM_BEAUTIFY_FLAG" val="#wm#"/>
+  <p:tag name="KSO_WM_TEMPLATE_CATEGORY" val="custom"/>
+  <p:tag name="KSO_WM_TEMPLATE_INDEX" val="20191705"/>
+  <p:tag name="KSO_WM_TEMPLATE_THUMBS_INDEX" val="1、2、3、4、5、6、7、8、9、10、11、12、13、14、15"/>
 </p:tagLst>
 </file>
 
 <file path=ppt/tags/tag162.xml><?xml version="1.0" encoding="utf-8"?>
-<p:tagLst xmlns:a="http://schemas.openxmlformats.org/drawingml/2006/main" xmlns:r="http://schemas.openxmlformats.org/officeDocument/2006/relationships" xmlns:p="http://schemas.openxmlformats.org/presentationml/2006/main">
+<p:tagLst xmlns:p="http://schemas.openxmlformats.org/presentationml/2006/main">
   <p:tag name="KSO_WM_BEAUTIFY_FLAG" val="#wm#"/>
   <p:tag name="KSO_WM_TEMPLATE_CATEGORY" val="custom"/>
   <p:tag name="KSO_WM_TEMPLATE_INDEX" val="20191705"/>
@@ -22341,7 +22644,7 @@
 </file>
 
 <file path=ppt/tags/tag163.xml><?xml version="1.0" encoding="utf-8"?>
-<p:tagLst xmlns:a="http://schemas.openxmlformats.org/drawingml/2006/main" xmlns:r="http://schemas.openxmlformats.org/officeDocument/2006/relationships" xmlns:p="http://schemas.openxmlformats.org/presentationml/2006/main">
+<p:tagLst xmlns:p="http://schemas.openxmlformats.org/presentationml/2006/main">
   <p:tag name="KSO_WM_TEMPLATE_CATEGORY" val="custom"/>
   <p:tag name="KSO_WM_TEMPLATE_INDEX" val="20191705"/>
   <p:tag name="KSO_WM_UNIT_TYPE" val="m_h_i"/>
@@ -22362,7 +22665,7 @@
 </file>
 
 <file path=ppt/tags/tag164.xml><?xml version="1.0" encoding="utf-8"?>
-<p:tagLst xmlns:a="http://schemas.openxmlformats.org/drawingml/2006/main" xmlns:r="http://schemas.openxmlformats.org/officeDocument/2006/relationships" xmlns:p="http://schemas.openxmlformats.org/presentationml/2006/main">
+<p:tagLst xmlns:p="http://schemas.openxmlformats.org/presentationml/2006/main">
   <p:tag name="KSO_WM_TEMPLATE_CATEGORY" val="custom"/>
   <p:tag name="KSO_WM_TEMPLATE_INDEX" val="20191705"/>
   <p:tag name="KSO_WM_UNIT_TYPE" val="m_h_a"/>
@@ -22387,7 +22690,7 @@
 </file>
 
 <file path=ppt/tags/tag165.xml><?xml version="1.0" encoding="utf-8"?>
-<p:tagLst xmlns:a="http://schemas.openxmlformats.org/drawingml/2006/main" xmlns:r="http://schemas.openxmlformats.org/officeDocument/2006/relationships" xmlns:p="http://schemas.openxmlformats.org/presentationml/2006/main">
+<p:tagLst xmlns:p="http://schemas.openxmlformats.org/presentationml/2006/main">
   <p:tag name="KSO_WM_TEMPLATE_CATEGORY" val="custom"/>
   <p:tag name="KSO_WM_TEMPLATE_INDEX" val="20191705"/>
   <p:tag name="KSO_WM_UNIT_TYPE" val="m_h_i"/>
@@ -22410,7 +22713,7 @@
 </file>
 
 <file path=ppt/tags/tag166.xml><?xml version="1.0" encoding="utf-8"?>
-<p:tagLst xmlns:a="http://schemas.openxmlformats.org/drawingml/2006/main" xmlns:r="http://schemas.openxmlformats.org/officeDocument/2006/relationships" xmlns:p="http://schemas.openxmlformats.org/presentationml/2006/main">
+<p:tagLst xmlns:p="http://schemas.openxmlformats.org/presentationml/2006/main">
   <p:tag name="KSO_WM_TEMPLATE_CATEGORY" val="custom"/>
   <p:tag name="KSO_WM_TEMPLATE_INDEX" val="20191705"/>
   <p:tag name="KSO_WM_UNIT_TYPE" val="m_h_i"/>
@@ -22431,7 +22734,7 @@
 </file>
 
 <file path=ppt/tags/tag167.xml><?xml version="1.0" encoding="utf-8"?>
-<p:tagLst xmlns:a="http://schemas.openxmlformats.org/drawingml/2006/main" xmlns:r="http://schemas.openxmlformats.org/officeDocument/2006/relationships" xmlns:p="http://schemas.openxmlformats.org/presentationml/2006/main">
+<p:tagLst xmlns:p="http://schemas.openxmlformats.org/presentationml/2006/main">
   <p:tag name="KSO_WM_TEMPLATE_CATEGORY" val="custom"/>
   <p:tag name="KSO_WM_TEMPLATE_INDEX" val="20191705"/>
   <p:tag name="KSO_WM_UNIT_TYPE" val="m_h_a"/>
@@ -22456,7 +22759,7 @@
 </file>
 
 <file path=ppt/tags/tag168.xml><?xml version="1.0" encoding="utf-8"?>
-<p:tagLst xmlns:a="http://schemas.openxmlformats.org/drawingml/2006/main" xmlns:r="http://schemas.openxmlformats.org/officeDocument/2006/relationships" xmlns:p="http://schemas.openxmlformats.org/presentationml/2006/main">
+<p:tagLst xmlns:p="http://schemas.openxmlformats.org/presentationml/2006/main">
   <p:tag name="KSO_WM_TEMPLATE_CATEGORY" val="custom"/>
   <p:tag name="KSO_WM_TEMPLATE_INDEX" val="20191705"/>
   <p:tag name="KSO_WM_UNIT_TYPE" val="m_h_i"/>
@@ -22479,7 +22782,7 @@
 </file>
 
 <file path=ppt/tags/tag169.xml><?xml version="1.0" encoding="utf-8"?>
-<p:tagLst xmlns:a="http://schemas.openxmlformats.org/drawingml/2006/main" xmlns:r="http://schemas.openxmlformats.org/officeDocument/2006/relationships" xmlns:p="http://schemas.openxmlformats.org/presentationml/2006/main">
+<p:tagLst xmlns:p="http://schemas.openxmlformats.org/presentationml/2006/main">
   <p:tag name="KSO_WM_TEMPLATE_CATEGORY" val="custom"/>
   <p:tag name="KSO_WM_TEMPLATE_INDEX" val="20191705"/>
   <p:tag name="KSO_WM_UNIT_TYPE" val="m_h_i"/>
@@ -22500,7 +22803,7 @@
 </file>
 
 <file path=ppt/tags/tag17.xml><?xml version="1.0" encoding="utf-8"?>
-<p:tagLst xmlns:a="http://schemas.openxmlformats.org/drawingml/2006/main" xmlns:r="http://schemas.openxmlformats.org/officeDocument/2006/relationships" xmlns:p="http://schemas.openxmlformats.org/presentationml/2006/main">
+<p:tagLst xmlns:p="http://schemas.openxmlformats.org/presentationml/2006/main">
   <p:tag name="KSO_WM_UNIT_HIGHLIGHT" val="0"/>
   <p:tag name="KSO_WM_UNIT_COMPATIBLE" val="0"/>
   <p:tag name="KSO_WM_UNIT_DIAGRAM_ISNUMVISUAL" val="0"/>
@@ -22513,7 +22816,7 @@
 </file>
 
 <file path=ppt/tags/tag170.xml><?xml version="1.0" encoding="utf-8"?>
-<p:tagLst xmlns:a="http://schemas.openxmlformats.org/drawingml/2006/main" xmlns:r="http://schemas.openxmlformats.org/officeDocument/2006/relationships" xmlns:p="http://schemas.openxmlformats.org/presentationml/2006/main">
+<p:tagLst xmlns:p="http://schemas.openxmlformats.org/presentationml/2006/main">
   <p:tag name="KSO_WM_TEMPLATE_CATEGORY" val="custom"/>
   <p:tag name="KSO_WM_TEMPLATE_INDEX" val="20191705"/>
   <p:tag name="KSO_WM_UNIT_TYPE" val="m_h_a"/>
@@ -22538,7 +22841,7 @@
 </file>
 
 <file path=ppt/tags/tag171.xml><?xml version="1.0" encoding="utf-8"?>
-<p:tagLst xmlns:a="http://schemas.openxmlformats.org/drawingml/2006/main" xmlns:r="http://schemas.openxmlformats.org/officeDocument/2006/relationships" xmlns:p="http://schemas.openxmlformats.org/presentationml/2006/main">
+<p:tagLst xmlns:p="http://schemas.openxmlformats.org/presentationml/2006/main">
   <p:tag name="KSO_WM_TEMPLATE_CATEGORY" val="custom"/>
   <p:tag name="KSO_WM_TEMPLATE_INDEX" val="20191705"/>
   <p:tag name="KSO_WM_UNIT_TYPE" val="m_h_i"/>
@@ -22561,7 +22864,7 @@
 </file>
 
 <file path=ppt/tags/tag172.xml><?xml version="1.0" encoding="utf-8"?>
-<p:tagLst xmlns:a="http://schemas.openxmlformats.org/drawingml/2006/main" xmlns:r="http://schemas.openxmlformats.org/officeDocument/2006/relationships" xmlns:p="http://schemas.openxmlformats.org/presentationml/2006/main">
+<p:tagLst xmlns:p="http://schemas.openxmlformats.org/presentationml/2006/main">
   <p:tag name="KSO_WM_TEMPLATE_CATEGORY" val="custom"/>
   <p:tag name="KSO_WM_TEMPLATE_INDEX" val="20191705"/>
   <p:tag name="KSO_WM_UNIT_TYPE" val="m_h_i"/>
@@ -22582,7 +22885,7 @@
 </file>
 
 <file path=ppt/tags/tag173.xml><?xml version="1.0" encoding="utf-8"?>
-<p:tagLst xmlns:a="http://schemas.openxmlformats.org/drawingml/2006/main" xmlns:r="http://schemas.openxmlformats.org/officeDocument/2006/relationships" xmlns:p="http://schemas.openxmlformats.org/presentationml/2006/main">
+<p:tagLst xmlns:p="http://schemas.openxmlformats.org/presentationml/2006/main">
   <p:tag name="KSO_WM_TEMPLATE_CATEGORY" val="custom"/>
   <p:tag name="KSO_WM_TEMPLATE_INDEX" val="20191705"/>
   <p:tag name="KSO_WM_UNIT_TYPE" val="m_h_i"/>
@@ -22605,7 +22908,7 @@
 </file>
 
 <file path=ppt/tags/tag174.xml><?xml version="1.0" encoding="utf-8"?>
-<p:tagLst xmlns:a="http://schemas.openxmlformats.org/drawingml/2006/main" xmlns:r="http://schemas.openxmlformats.org/officeDocument/2006/relationships" xmlns:p="http://schemas.openxmlformats.org/presentationml/2006/main">
+<p:tagLst xmlns:p="http://schemas.openxmlformats.org/presentationml/2006/main">
   <p:tag name="KSO_WM_TEMPLATE_CATEGORY" val="custom"/>
   <p:tag name="KSO_WM_TEMPLATE_INDEX" val="20191705"/>
   <p:tag name="KSO_WM_UNIT_TYPE" val="m_h_a"/>
@@ -22630,7 +22933,7 @@
 </file>
 
 <file path=ppt/tags/tag175.xml><?xml version="1.0" encoding="utf-8"?>
-<p:tagLst xmlns:a="http://schemas.openxmlformats.org/drawingml/2006/main" xmlns:r="http://schemas.openxmlformats.org/officeDocument/2006/relationships" xmlns:p="http://schemas.openxmlformats.org/presentationml/2006/main">
+<p:tagLst xmlns:p="http://schemas.openxmlformats.org/presentationml/2006/main">
   <p:tag name="KSO_WM_BEAUTIFY_FLAG" val="#wm#"/>
   <p:tag name="KSO_WM_TEMPLATE_CATEGORY" val="custom"/>
   <p:tag name="KSO_WM_TEMPLATE_INDEX" val="20191705"/>
@@ -22638,7 +22941,7 @@
 </file>
 
 <file path=ppt/tags/tag176.xml><?xml version="1.0" encoding="utf-8"?>
-<p:tagLst xmlns:a="http://schemas.openxmlformats.org/drawingml/2006/main" xmlns:r="http://schemas.openxmlformats.org/officeDocument/2006/relationships" xmlns:p="http://schemas.openxmlformats.org/presentationml/2006/main">
+<p:tagLst xmlns:p="http://schemas.openxmlformats.org/presentationml/2006/main">
   <p:tag name="KSO_WM_BEAUTIFY_FLAG" val="#wm#"/>
   <p:tag name="KSO_WM_TEMPLATE_CATEGORY" val="custom"/>
   <p:tag name="KSO_WM_TEMPLATE_INDEX" val="20191705"/>
@@ -22646,7 +22949,7 @@
 </file>
 
 <file path=ppt/tags/tag177.xml><?xml version="1.0" encoding="utf-8"?>
-<p:tagLst xmlns:a="http://schemas.openxmlformats.org/drawingml/2006/main" xmlns:r="http://schemas.openxmlformats.org/officeDocument/2006/relationships" xmlns:p="http://schemas.openxmlformats.org/presentationml/2006/main">
+<p:tagLst xmlns:p="http://schemas.openxmlformats.org/presentationml/2006/main">
   <p:tag name="KSO_WM_BEAUTIFY_FLAG" val="#wm#"/>
   <p:tag name="KSO_WM_TEMPLATE_CATEGORY" val="custom"/>
   <p:tag name="KSO_WM_TEMPLATE_INDEX" val="20191705"/>
@@ -22654,7 +22957,7 @@
 </file>
 
 <file path=ppt/tags/tag178.xml><?xml version="1.0" encoding="utf-8"?>
-<p:tagLst xmlns:a="http://schemas.openxmlformats.org/drawingml/2006/main" xmlns:r="http://schemas.openxmlformats.org/officeDocument/2006/relationships" xmlns:p="http://schemas.openxmlformats.org/presentationml/2006/main">
+<p:tagLst xmlns:p="http://schemas.openxmlformats.org/presentationml/2006/main">
   <p:tag name="KSO_WM_BEAUTIFY_FLAG" val="#wm#"/>
   <p:tag name="KSO_WM_TEMPLATE_CATEGORY" val="custom"/>
   <p:tag name="KSO_WM_TEMPLATE_INDEX" val="20191705"/>
@@ -22662,7 +22965,7 @@
 </file>
 
 <file path=ppt/tags/tag179.xml><?xml version="1.0" encoding="utf-8"?>
-<p:tagLst xmlns:a="http://schemas.openxmlformats.org/drawingml/2006/main" xmlns:r="http://schemas.openxmlformats.org/officeDocument/2006/relationships" xmlns:p="http://schemas.openxmlformats.org/presentationml/2006/main">
+<p:tagLst xmlns:p="http://schemas.openxmlformats.org/presentationml/2006/main">
   <p:tag name="KSO_WM_BEAUTIFY_FLAG" val="#wm#"/>
   <p:tag name="KSO_WM_TEMPLATE_CATEGORY" val="custom"/>
   <p:tag name="KSO_WM_TEMPLATE_INDEX" val="20191705"/>
@@ -22670,7 +22973,7 @@
 </file>
 
 <file path=ppt/tags/tag18.xml><?xml version="1.0" encoding="utf-8"?>
-<p:tagLst xmlns:a="http://schemas.openxmlformats.org/drawingml/2006/main" xmlns:r="http://schemas.openxmlformats.org/officeDocument/2006/relationships" xmlns:p="http://schemas.openxmlformats.org/presentationml/2006/main">
+<p:tagLst xmlns:p="http://schemas.openxmlformats.org/presentationml/2006/main">
   <p:tag name="KSO_WM_UNIT_HIGHLIGHT" val="0"/>
   <p:tag name="KSO_WM_UNIT_COMPATIBLE" val="0"/>
   <p:tag name="KSO_WM_UNIT_DIAGRAM_ISNUMVISUAL" val="0"/>
@@ -22683,7 +22986,7 @@
 </file>
 
 <file path=ppt/tags/tag180.xml><?xml version="1.0" encoding="utf-8"?>
-<p:tagLst xmlns:a="http://schemas.openxmlformats.org/drawingml/2006/main" xmlns:r="http://schemas.openxmlformats.org/officeDocument/2006/relationships" xmlns:p="http://schemas.openxmlformats.org/presentationml/2006/main">
+<p:tagLst xmlns:p="http://schemas.openxmlformats.org/presentationml/2006/main">
   <p:tag name="KSO_WM_BEAUTIFY_FLAG" val="#wm#"/>
   <p:tag name="KSO_WM_TEMPLATE_CATEGORY" val="custom"/>
   <p:tag name="KSO_WM_TEMPLATE_INDEX" val="20191705"/>
@@ -22691,7 +22994,7 @@
 </file>
 
 <file path=ppt/tags/tag181.xml><?xml version="1.0" encoding="utf-8"?>
-<p:tagLst xmlns:a="http://schemas.openxmlformats.org/drawingml/2006/main" xmlns:r="http://schemas.openxmlformats.org/officeDocument/2006/relationships" xmlns:p="http://schemas.openxmlformats.org/presentationml/2006/main">
+<p:tagLst xmlns:p="http://schemas.openxmlformats.org/presentationml/2006/main">
   <p:tag name="KSO_WM_BEAUTIFY_FLAG" val="#wm#"/>
   <p:tag name="KSO_WM_TEMPLATE_CATEGORY" val="custom"/>
   <p:tag name="KSO_WM_TEMPLATE_INDEX" val="20191705"/>
@@ -22699,7 +23002,7 @@
 </file>
 
 <file path=ppt/tags/tag182.xml><?xml version="1.0" encoding="utf-8"?>
-<p:tagLst xmlns:a="http://schemas.openxmlformats.org/drawingml/2006/main" xmlns:r="http://schemas.openxmlformats.org/officeDocument/2006/relationships" xmlns:p="http://schemas.openxmlformats.org/presentationml/2006/main">
+<p:tagLst xmlns:p="http://schemas.openxmlformats.org/presentationml/2006/main">
   <p:tag name="KSO_WM_BEAUTIFY_FLAG" val="#wm#"/>
   <p:tag name="KSO_WM_TEMPLATE_CATEGORY" val="custom"/>
   <p:tag name="KSO_WM_TEMPLATE_INDEX" val="20191705"/>
@@ -22707,7 +23010,7 @@
 </file>
 
 <file path=ppt/tags/tag183.xml><?xml version="1.0" encoding="utf-8"?>
-<p:tagLst xmlns:a="http://schemas.openxmlformats.org/drawingml/2006/main" xmlns:r="http://schemas.openxmlformats.org/officeDocument/2006/relationships" xmlns:p="http://schemas.openxmlformats.org/presentationml/2006/main">
+<p:tagLst xmlns:p="http://schemas.openxmlformats.org/presentationml/2006/main">
   <p:tag name="KSO_WM_BEAUTIFY_FLAG" val="#wm#"/>
   <p:tag name="KSO_WM_TEMPLATE_CATEGORY" val="custom"/>
   <p:tag name="KSO_WM_TEMPLATE_INDEX" val="20191705"/>
@@ -22715,7 +23018,7 @@
 </file>
 
 <file path=ppt/tags/tag184.xml><?xml version="1.0" encoding="utf-8"?>
-<p:tagLst xmlns:a="http://schemas.openxmlformats.org/drawingml/2006/main" xmlns:r="http://schemas.openxmlformats.org/officeDocument/2006/relationships" xmlns:p="http://schemas.openxmlformats.org/presentationml/2006/main">
+<p:tagLst xmlns:p="http://schemas.openxmlformats.org/presentationml/2006/main">
   <p:tag name="KSO_WM_BEAUTIFY_FLAG" val="#wm#"/>
   <p:tag name="KSO_WM_TEMPLATE_CATEGORY" val="custom"/>
   <p:tag name="KSO_WM_TEMPLATE_INDEX" val="20191705"/>
@@ -22723,7 +23026,7 @@
 </file>
 
 <file path=ppt/tags/tag185.xml><?xml version="1.0" encoding="utf-8"?>
-<p:tagLst xmlns:a="http://schemas.openxmlformats.org/drawingml/2006/main" xmlns:r="http://schemas.openxmlformats.org/officeDocument/2006/relationships" xmlns:p="http://schemas.openxmlformats.org/presentationml/2006/main">
+<p:tagLst xmlns:p="http://schemas.openxmlformats.org/presentationml/2006/main">
   <p:tag name="KSO_WM_BEAUTIFY_FLAG" val="#wm#"/>
   <p:tag name="KSO_WM_TEMPLATE_CATEGORY" val="custom"/>
   <p:tag name="KSO_WM_TEMPLATE_INDEX" val="20191705"/>
@@ -22731,7 +23034,7 @@
 </file>
 
 <file path=ppt/tags/tag186.xml><?xml version="1.0" encoding="utf-8"?>
-<p:tagLst xmlns:a="http://schemas.openxmlformats.org/drawingml/2006/main" xmlns:r="http://schemas.openxmlformats.org/officeDocument/2006/relationships" xmlns:p="http://schemas.openxmlformats.org/presentationml/2006/main">
+<p:tagLst xmlns:p="http://schemas.openxmlformats.org/presentationml/2006/main">
   <p:tag name="KSO_WM_BEAUTIFY_FLAG" val="#wm#"/>
   <p:tag name="KSO_WM_TEMPLATE_CATEGORY" val="custom"/>
   <p:tag name="KSO_WM_TEMPLATE_INDEX" val="20191705"/>
@@ -22739,7 +23042,7 @@
 </file>
 
 <file path=ppt/tags/tag187.xml><?xml version="1.0" encoding="utf-8"?>
-<p:tagLst xmlns:a="http://schemas.openxmlformats.org/drawingml/2006/main" xmlns:r="http://schemas.openxmlformats.org/officeDocument/2006/relationships" xmlns:p="http://schemas.openxmlformats.org/presentationml/2006/main">
+<p:tagLst xmlns:p="http://schemas.openxmlformats.org/presentationml/2006/main">
   <p:tag name="KSO_WM_BEAUTIFY_FLAG" val="#wm#"/>
   <p:tag name="KSO_WM_TEMPLATE_CATEGORY" val="custom"/>
   <p:tag name="KSO_WM_TEMPLATE_INDEX" val="20191705"/>
@@ -22747,7 +23050,7 @@
 </file>
 
 <file path=ppt/tags/tag188.xml><?xml version="1.0" encoding="utf-8"?>
-<p:tagLst xmlns:a="http://schemas.openxmlformats.org/drawingml/2006/main" xmlns:r="http://schemas.openxmlformats.org/officeDocument/2006/relationships" xmlns:p="http://schemas.openxmlformats.org/presentationml/2006/main">
+<p:tagLst xmlns:p="http://schemas.openxmlformats.org/presentationml/2006/main">
   <p:tag name="KSO_WM_BEAUTIFY_FLAG" val="#wm#"/>
   <p:tag name="KSO_WM_TEMPLATE_CATEGORY" val="custom"/>
   <p:tag name="KSO_WM_TEMPLATE_INDEX" val="20191705"/>
@@ -22755,7 +23058,7 @@
 </file>
 
 <file path=ppt/tags/tag189.xml><?xml version="1.0" encoding="utf-8"?>
-<p:tagLst xmlns:a="http://schemas.openxmlformats.org/drawingml/2006/main" xmlns:r="http://schemas.openxmlformats.org/officeDocument/2006/relationships" xmlns:p="http://schemas.openxmlformats.org/presentationml/2006/main">
+<p:tagLst xmlns:p="http://schemas.openxmlformats.org/presentationml/2006/main">
   <p:tag name="KSO_WM_BEAUTIFY_FLAG" val="#wm#"/>
   <p:tag name="KSO_WM_TEMPLATE_CATEGORY" val="custom"/>
   <p:tag name="KSO_WM_TEMPLATE_INDEX" val="20191705"/>
@@ -22763,7 +23066,7 @@
 </file>
 
 <file path=ppt/tags/tag19.xml><?xml version="1.0" encoding="utf-8"?>
-<p:tagLst xmlns:a="http://schemas.openxmlformats.org/drawingml/2006/main" xmlns:r="http://schemas.openxmlformats.org/officeDocument/2006/relationships" xmlns:p="http://schemas.openxmlformats.org/presentationml/2006/main">
+<p:tagLst xmlns:p="http://schemas.openxmlformats.org/presentationml/2006/main">
   <p:tag name="KSO_WM_UNIT_HIGHLIGHT" val="0"/>
   <p:tag name="KSO_WM_UNIT_COMPATIBLE" val="0"/>
   <p:tag name="KSO_WM_UNIT_DIAGRAM_ISNUMVISUAL" val="0"/>
@@ -22776,7 +23079,7 @@
 </file>
 
 <file path=ppt/tags/tag190.xml><?xml version="1.0" encoding="utf-8"?>
-<p:tagLst xmlns:a="http://schemas.openxmlformats.org/drawingml/2006/main" xmlns:r="http://schemas.openxmlformats.org/officeDocument/2006/relationships" xmlns:p="http://schemas.openxmlformats.org/presentationml/2006/main">
+<p:tagLst xmlns:p="http://schemas.openxmlformats.org/presentationml/2006/main">
   <p:tag name="KSO_WM_BEAUTIFY_FLAG" val="#wm#"/>
   <p:tag name="KSO_WM_TEMPLATE_CATEGORY" val="custom"/>
   <p:tag name="KSO_WM_TEMPLATE_INDEX" val="20191705"/>
@@ -22784,7 +23087,7 @@
 </file>
 
 <file path=ppt/tags/tag191.xml><?xml version="1.0" encoding="utf-8"?>
-<p:tagLst xmlns:a="http://schemas.openxmlformats.org/drawingml/2006/main" xmlns:r="http://schemas.openxmlformats.org/officeDocument/2006/relationships" xmlns:p="http://schemas.openxmlformats.org/presentationml/2006/main">
+<p:tagLst xmlns:p="http://schemas.openxmlformats.org/presentationml/2006/main">
   <p:tag name="KSO_WM_BEAUTIFY_FLAG" val="#wm#"/>
   <p:tag name="KSO_WM_TEMPLATE_CATEGORY" val="custom"/>
   <p:tag name="KSO_WM_TEMPLATE_INDEX" val="20191705"/>
@@ -22792,7 +23095,7 @@
 </file>
 
 <file path=ppt/tags/tag192.xml><?xml version="1.0" encoding="utf-8"?>
-<p:tagLst xmlns:a="http://schemas.openxmlformats.org/drawingml/2006/main" xmlns:r="http://schemas.openxmlformats.org/officeDocument/2006/relationships" xmlns:p="http://schemas.openxmlformats.org/presentationml/2006/main">
+<p:tagLst xmlns:p="http://schemas.openxmlformats.org/presentationml/2006/main">
   <p:tag name="KSO_WM_BEAUTIFY_FLAG" val="#wm#"/>
   <p:tag name="KSO_WM_TEMPLATE_CATEGORY" val="custom"/>
   <p:tag name="KSO_WM_TEMPLATE_INDEX" val="20191705"/>
@@ -22800,7 +23103,7 @@
 </file>
 
 <file path=ppt/tags/tag193.xml><?xml version="1.0" encoding="utf-8"?>
-<p:tagLst xmlns:a="http://schemas.openxmlformats.org/drawingml/2006/main" xmlns:r="http://schemas.openxmlformats.org/officeDocument/2006/relationships" xmlns:p="http://schemas.openxmlformats.org/presentationml/2006/main">
+<p:tagLst xmlns:p="http://schemas.openxmlformats.org/presentationml/2006/main">
   <p:tag name="KSO_WM_BEAUTIFY_FLAG" val="#wm#"/>
   <p:tag name="KSO_WM_TEMPLATE_CATEGORY" val="custom"/>
   <p:tag name="KSO_WM_TEMPLATE_INDEX" val="20191705"/>
@@ -22808,7 +23111,7 @@
 </file>
 
 <file path=ppt/tags/tag194.xml><?xml version="1.0" encoding="utf-8"?>
-<p:tagLst xmlns:a="http://schemas.openxmlformats.org/drawingml/2006/main" xmlns:r="http://schemas.openxmlformats.org/officeDocument/2006/relationships" xmlns:p="http://schemas.openxmlformats.org/presentationml/2006/main">
+<p:tagLst xmlns:p="http://schemas.openxmlformats.org/presentationml/2006/main">
   <p:tag name="KSO_WM_BEAUTIFY_FLAG" val="#wm#"/>
   <p:tag name="KSO_WM_TEMPLATE_CATEGORY" val="custom"/>
   <p:tag name="KSO_WM_TEMPLATE_INDEX" val="20191705"/>
@@ -22816,7 +23119,7 @@
 </file>
 
 <file path=ppt/tags/tag195.xml><?xml version="1.0" encoding="utf-8"?>
-<p:tagLst xmlns:a="http://schemas.openxmlformats.org/drawingml/2006/main" xmlns:r="http://schemas.openxmlformats.org/officeDocument/2006/relationships" xmlns:p="http://schemas.openxmlformats.org/presentationml/2006/main">
+<p:tagLst xmlns:p="http://schemas.openxmlformats.org/presentationml/2006/main">
   <p:tag name="KSO_WM_BEAUTIFY_FLAG" val="#wm#"/>
   <p:tag name="KSO_WM_TEMPLATE_CATEGORY" val="custom"/>
   <p:tag name="KSO_WM_TEMPLATE_INDEX" val="20191705"/>
@@ -22824,7 +23127,7 @@
 </file>
 
 <file path=ppt/tags/tag196.xml><?xml version="1.0" encoding="utf-8"?>
-<p:tagLst xmlns:a="http://schemas.openxmlformats.org/drawingml/2006/main" xmlns:r="http://schemas.openxmlformats.org/officeDocument/2006/relationships" xmlns:p="http://schemas.openxmlformats.org/presentationml/2006/main">
+<p:tagLst xmlns:p="http://schemas.openxmlformats.org/presentationml/2006/main">
   <p:tag name="KSO_WM_BEAUTIFY_FLAG" val="#wm#"/>
   <p:tag name="KSO_WM_TEMPLATE_CATEGORY" val="custom"/>
   <p:tag name="KSO_WM_TEMPLATE_INDEX" val="20191705"/>
@@ -22832,7 +23135,7 @@
 </file>
 
 <file path=ppt/tags/tag197.xml><?xml version="1.0" encoding="utf-8"?>
-<p:tagLst xmlns:a="http://schemas.openxmlformats.org/drawingml/2006/main" xmlns:r="http://schemas.openxmlformats.org/officeDocument/2006/relationships" xmlns:p="http://schemas.openxmlformats.org/presentationml/2006/main">
+<p:tagLst xmlns:p="http://schemas.openxmlformats.org/presentationml/2006/main">
   <p:tag name="KSO_WM_BEAUTIFY_FLAG" val="#wm#"/>
   <p:tag name="KSO_WM_TEMPLATE_CATEGORY" val="custom"/>
   <p:tag name="KSO_WM_TEMPLATE_INDEX" val="20191705"/>
@@ -22840,7 +23143,7 @@
 </file>
 
 <file path=ppt/tags/tag198.xml><?xml version="1.0" encoding="utf-8"?>
-<p:tagLst xmlns:a="http://schemas.openxmlformats.org/drawingml/2006/main" xmlns:r="http://schemas.openxmlformats.org/officeDocument/2006/relationships" xmlns:p="http://schemas.openxmlformats.org/presentationml/2006/main">
+<p:tagLst xmlns:p="http://schemas.openxmlformats.org/presentationml/2006/main">
   <p:tag name="KSO_WM_BEAUTIFY_FLAG" val="#wm#"/>
   <p:tag name="KSO_WM_TEMPLATE_CATEGORY" val="custom"/>
   <p:tag name="KSO_WM_TEMPLATE_INDEX" val="20191705"/>
@@ -22848,22 +23151,20 @@
 </file>
 
 <file path=ppt/tags/tag2.xml><?xml version="1.0" encoding="utf-8"?>
-<p:tagLst xmlns:a="http://schemas.openxmlformats.org/drawingml/2006/main" xmlns:r="http://schemas.openxmlformats.org/officeDocument/2006/relationships" xmlns:p="http://schemas.openxmlformats.org/presentationml/2006/main">
+<p:tagLst xmlns:p="http://schemas.openxmlformats.org/presentationml/2006/main">
   <p:tag name="KSO_WM_UNIT_HIGHLIGHT" val="0"/>
   <p:tag name="KSO_WM_UNIT_COMPATIBLE" val="0"/>
   <p:tag name="KSO_WM_UNIT_DIAGRAM_ISNUMVISUAL" val="0"/>
   <p:tag name="KSO_WM_UNIT_DIAGRAM_ISREFERUNIT" val="0"/>
-  <p:tag name="KSO_WM_UNIT_ID" val="_0**"/>
+  <p:tag name="KSO_WM_UNIT_ID" val="_1**"/>
   <p:tag name="KSO_WM_UNIT_LAYERLEVEL" val="1"/>
   <p:tag name="KSO_WM_TAG_VERSION" val="1.0"/>
   <p:tag name="KSO_WM_BEAUTIFY_FLAG" val="#wm#"/>
-  <p:tag name="KSO_WM_TEMPLATE_CATEGORY" val="custom"/>
-  <p:tag name="KSO_WM_TEMPLATE_INDEX" val="20191705"/>
 </p:tagLst>
 </file>
 
 <file path=ppt/tags/tag20.xml><?xml version="1.0" encoding="utf-8"?>
-<p:tagLst xmlns:a="http://schemas.openxmlformats.org/drawingml/2006/main" xmlns:r="http://schemas.openxmlformats.org/officeDocument/2006/relationships" xmlns:p="http://schemas.openxmlformats.org/presentationml/2006/main">
+<p:tagLst xmlns:p="http://schemas.openxmlformats.org/presentationml/2006/main">
   <p:tag name="KSO_WM_UNIT_HIGHLIGHT" val="0"/>
   <p:tag name="KSO_WM_UNIT_COMPATIBLE" val="0"/>
   <p:tag name="KSO_WM_UNIT_DIAGRAM_ISNUMVISUAL" val="0"/>
@@ -22876,7 +23177,7 @@
 </file>
 
 <file path=ppt/tags/tag21.xml><?xml version="1.0" encoding="utf-8"?>
-<p:tagLst xmlns:a="http://schemas.openxmlformats.org/drawingml/2006/main" xmlns:r="http://schemas.openxmlformats.org/officeDocument/2006/relationships" xmlns:p="http://schemas.openxmlformats.org/presentationml/2006/main">
+<p:tagLst xmlns:p="http://schemas.openxmlformats.org/presentationml/2006/main">
   <p:tag name="KSO_WM_UNIT_HIGHLIGHT" val="0"/>
   <p:tag name="KSO_WM_UNIT_COMPATIBLE" val="0"/>
   <p:tag name="KSO_WM_UNIT_DIAGRAM_ISNUMVISUAL" val="0"/>
@@ -22889,7 +23190,7 @@
 </file>
 
 <file path=ppt/tags/tag22.xml><?xml version="1.0" encoding="utf-8"?>
-<p:tagLst xmlns:a="http://schemas.openxmlformats.org/drawingml/2006/main" xmlns:r="http://schemas.openxmlformats.org/officeDocument/2006/relationships" xmlns:p="http://schemas.openxmlformats.org/presentationml/2006/main">
+<p:tagLst xmlns:p="http://schemas.openxmlformats.org/presentationml/2006/main">
   <p:tag name="KSO_WM_UNIT_HIGHLIGHT" val="0"/>
   <p:tag name="KSO_WM_UNIT_COMPATIBLE" val="0"/>
   <p:tag name="KSO_WM_UNIT_DIAGRAM_ISNUMVISUAL" val="0"/>
@@ -22902,7 +23203,7 @@
 </file>
 
 <file path=ppt/tags/tag23.xml><?xml version="1.0" encoding="utf-8"?>
-<p:tagLst xmlns:a="http://schemas.openxmlformats.org/drawingml/2006/main" xmlns:r="http://schemas.openxmlformats.org/officeDocument/2006/relationships" xmlns:p="http://schemas.openxmlformats.org/presentationml/2006/main">
+<p:tagLst xmlns:p="http://schemas.openxmlformats.org/presentationml/2006/main">
   <p:tag name="KSO_WM_UNIT_HIGHLIGHT" val="0"/>
   <p:tag name="KSO_WM_UNIT_COMPATIBLE" val="0"/>
   <p:tag name="KSO_WM_UNIT_DIAGRAM_ISNUMVISUAL" val="0"/>
@@ -22915,7 +23216,7 @@
 </file>
 
 <file path=ppt/tags/tag24.xml><?xml version="1.0" encoding="utf-8"?>
-<p:tagLst xmlns:a="http://schemas.openxmlformats.org/drawingml/2006/main" xmlns:r="http://schemas.openxmlformats.org/officeDocument/2006/relationships" xmlns:p="http://schemas.openxmlformats.org/presentationml/2006/main">
+<p:tagLst xmlns:p="http://schemas.openxmlformats.org/presentationml/2006/main">
   <p:tag name="KSO_WM_UNIT_HIGHLIGHT" val="0"/>
   <p:tag name="KSO_WM_UNIT_COMPATIBLE" val="0"/>
   <p:tag name="KSO_WM_UNIT_DIAGRAM_ISNUMVISUAL" val="0"/>
@@ -22928,7 +23229,7 @@
 </file>
 
 <file path=ppt/tags/tag25.xml><?xml version="1.0" encoding="utf-8"?>
-<p:tagLst xmlns:a="http://schemas.openxmlformats.org/drawingml/2006/main" xmlns:r="http://schemas.openxmlformats.org/officeDocument/2006/relationships" xmlns:p="http://schemas.openxmlformats.org/presentationml/2006/main">
+<p:tagLst xmlns:p="http://schemas.openxmlformats.org/presentationml/2006/main">
   <p:tag name="KSO_WM_UNIT_HIGHLIGHT" val="0"/>
   <p:tag name="KSO_WM_UNIT_COMPATIBLE" val="0"/>
   <p:tag name="KSO_WM_UNIT_DIAGRAM_ISNUMVISUAL" val="0"/>
@@ -22941,7 +23242,7 @@
 </file>
 
 <file path=ppt/tags/tag26.xml><?xml version="1.0" encoding="utf-8"?>
-<p:tagLst xmlns:a="http://schemas.openxmlformats.org/drawingml/2006/main" xmlns:r="http://schemas.openxmlformats.org/officeDocument/2006/relationships" xmlns:p="http://schemas.openxmlformats.org/presentationml/2006/main">
+<p:tagLst xmlns:p="http://schemas.openxmlformats.org/presentationml/2006/main">
   <p:tag name="KSO_WM_UNIT_HIGHLIGHT" val="0"/>
   <p:tag name="KSO_WM_UNIT_COMPATIBLE" val="0"/>
   <p:tag name="KSO_WM_UNIT_DIAGRAM_ISNUMVISUAL" val="0"/>
@@ -22954,7 +23255,7 @@
 </file>
 
 <file path=ppt/tags/tag27.xml><?xml version="1.0" encoding="utf-8"?>
-<p:tagLst xmlns:a="http://schemas.openxmlformats.org/drawingml/2006/main" xmlns:r="http://schemas.openxmlformats.org/officeDocument/2006/relationships" xmlns:p="http://schemas.openxmlformats.org/presentationml/2006/main">
+<p:tagLst xmlns:p="http://schemas.openxmlformats.org/presentationml/2006/main">
   <p:tag name="KSO_WM_UNIT_HIGHLIGHT" val="0"/>
   <p:tag name="KSO_WM_UNIT_COMPATIBLE" val="0"/>
   <p:tag name="KSO_WM_UNIT_DIAGRAM_ISNUMVISUAL" val="0"/>
@@ -22967,7 +23268,7 @@
 </file>
 
 <file path=ppt/tags/tag28.xml><?xml version="1.0" encoding="utf-8"?>
-<p:tagLst xmlns:a="http://schemas.openxmlformats.org/drawingml/2006/main" xmlns:r="http://schemas.openxmlformats.org/officeDocument/2006/relationships" xmlns:p="http://schemas.openxmlformats.org/presentationml/2006/main">
+<p:tagLst xmlns:p="http://schemas.openxmlformats.org/presentationml/2006/main">
   <p:tag name="KSO_WM_UNIT_HIGHLIGHT" val="0"/>
   <p:tag name="KSO_WM_UNIT_COMPATIBLE" val="0"/>
   <p:tag name="KSO_WM_UNIT_DIAGRAM_ISNUMVISUAL" val="0"/>
@@ -22980,7 +23281,7 @@
 </file>
 
 <file path=ppt/tags/tag29.xml><?xml version="1.0" encoding="utf-8"?>
-<p:tagLst xmlns:a="http://schemas.openxmlformats.org/drawingml/2006/main" xmlns:r="http://schemas.openxmlformats.org/officeDocument/2006/relationships" xmlns:p="http://schemas.openxmlformats.org/presentationml/2006/main">
+<p:tagLst xmlns:p="http://schemas.openxmlformats.org/presentationml/2006/main">
   <p:tag name="KSO_WM_UNIT_HIGHLIGHT" val="0"/>
   <p:tag name="KSO_WM_UNIT_COMPATIBLE" val="0"/>
   <p:tag name="KSO_WM_UNIT_DIAGRAM_ISNUMVISUAL" val="0"/>
@@ -22993,12 +23294,12 @@
 </file>
 
 <file path=ppt/tags/tag3.xml><?xml version="1.0" encoding="utf-8"?>
-<p:tagLst xmlns:a="http://schemas.openxmlformats.org/drawingml/2006/main" xmlns:r="http://schemas.openxmlformats.org/officeDocument/2006/relationships" xmlns:p="http://schemas.openxmlformats.org/presentationml/2006/main">
+<p:tagLst xmlns:p="http://schemas.openxmlformats.org/presentationml/2006/main">
   <p:tag name="KSO_WM_UNIT_HIGHLIGHT" val="0"/>
   <p:tag name="KSO_WM_UNIT_COMPATIBLE" val="0"/>
   <p:tag name="KSO_WM_UNIT_DIAGRAM_ISNUMVISUAL" val="0"/>
   <p:tag name="KSO_WM_UNIT_DIAGRAM_ISREFERUNIT" val="0"/>
-  <p:tag name="KSO_WM_UNIT_ID" val="_0**"/>
+  <p:tag name="KSO_WM_UNIT_ID" val="_1**"/>
   <p:tag name="KSO_WM_UNIT_LAYERLEVEL" val="1"/>
   <p:tag name="KSO_WM_TAG_VERSION" val="1.0"/>
   <p:tag name="KSO_WM_BEAUTIFY_FLAG" val="#wm#"/>
@@ -23006,7 +23307,7 @@
 </file>
 
 <file path=ppt/tags/tag30.xml><?xml version="1.0" encoding="utf-8"?>
-<p:tagLst xmlns:a="http://schemas.openxmlformats.org/drawingml/2006/main" xmlns:r="http://schemas.openxmlformats.org/officeDocument/2006/relationships" xmlns:p="http://schemas.openxmlformats.org/presentationml/2006/main">
+<p:tagLst xmlns:p="http://schemas.openxmlformats.org/presentationml/2006/main">
   <p:tag name="KSO_WM_UNIT_HIGHLIGHT" val="0"/>
   <p:tag name="KSO_WM_UNIT_COMPATIBLE" val="0"/>
   <p:tag name="KSO_WM_UNIT_DIAGRAM_ISNUMVISUAL" val="0"/>
@@ -23019,7 +23320,7 @@
 </file>
 
 <file path=ppt/tags/tag31.xml><?xml version="1.0" encoding="utf-8"?>
-<p:tagLst xmlns:a="http://schemas.openxmlformats.org/drawingml/2006/main" xmlns:r="http://schemas.openxmlformats.org/officeDocument/2006/relationships" xmlns:p="http://schemas.openxmlformats.org/presentationml/2006/main">
+<p:tagLst xmlns:p="http://schemas.openxmlformats.org/presentationml/2006/main">
   <p:tag name="KSO_WM_UNIT_HIGHLIGHT" val="0"/>
   <p:tag name="KSO_WM_UNIT_COMPATIBLE" val="0"/>
   <p:tag name="KSO_WM_UNIT_DIAGRAM_ISNUMVISUAL" val="0"/>
@@ -23032,7 +23333,7 @@
 </file>
 
 <file path=ppt/tags/tag32.xml><?xml version="1.0" encoding="utf-8"?>
-<p:tagLst xmlns:a="http://schemas.openxmlformats.org/drawingml/2006/main" xmlns:r="http://schemas.openxmlformats.org/officeDocument/2006/relationships" xmlns:p="http://schemas.openxmlformats.org/presentationml/2006/main">
+<p:tagLst xmlns:p="http://schemas.openxmlformats.org/presentationml/2006/main">
   <p:tag name="KSO_WM_UNIT_HIGHLIGHT" val="0"/>
   <p:tag name="KSO_WM_UNIT_COMPATIBLE" val="0"/>
   <p:tag name="KSO_WM_UNIT_DIAGRAM_ISNUMVISUAL" val="0"/>
@@ -23045,7 +23346,7 @@
 </file>
 
 <file path=ppt/tags/tag33.xml><?xml version="1.0" encoding="utf-8"?>
-<p:tagLst xmlns:a="http://schemas.openxmlformats.org/drawingml/2006/main" xmlns:r="http://schemas.openxmlformats.org/officeDocument/2006/relationships" xmlns:p="http://schemas.openxmlformats.org/presentationml/2006/main">
+<p:tagLst xmlns:p="http://schemas.openxmlformats.org/presentationml/2006/main">
   <p:tag name="KSO_WM_UNIT_HIGHLIGHT" val="0"/>
   <p:tag name="KSO_WM_UNIT_COMPATIBLE" val="0"/>
   <p:tag name="KSO_WM_UNIT_DIAGRAM_ISNUMVISUAL" val="0"/>
@@ -23058,7 +23359,85 @@
 </file>
 
 <file path=ppt/tags/tag34.xml><?xml version="1.0" encoding="utf-8"?>
-<p:tagLst xmlns:a="http://schemas.openxmlformats.org/drawingml/2006/main" xmlns:r="http://schemas.openxmlformats.org/officeDocument/2006/relationships" xmlns:p="http://schemas.openxmlformats.org/presentationml/2006/main">
+<p:tagLst xmlns:p="http://schemas.openxmlformats.org/presentationml/2006/main">
+  <p:tag name="KSO_WM_UNIT_HIGHLIGHT" val="0"/>
+  <p:tag name="KSO_WM_UNIT_COMPATIBLE" val="0"/>
+  <p:tag name="KSO_WM_UNIT_DIAGRAM_ISNUMVISUAL" val="0"/>
+  <p:tag name="KSO_WM_UNIT_DIAGRAM_ISREFERUNIT" val="0"/>
+  <p:tag name="KSO_WM_UNIT_ID" val="_2**"/>
+  <p:tag name="KSO_WM_UNIT_LAYERLEVEL" val="1"/>
+  <p:tag name="KSO_WM_TAG_VERSION" val="1.0"/>
+  <p:tag name="KSO_WM_BEAUTIFY_FLAG" val="#wm#"/>
+</p:tagLst>
+</file>
+
+<file path=ppt/tags/tag35.xml><?xml version="1.0" encoding="utf-8"?>
+<p:tagLst xmlns:p="http://schemas.openxmlformats.org/presentationml/2006/main">
+  <p:tag name="KSO_WM_UNIT_HIGHLIGHT" val="0"/>
+  <p:tag name="KSO_WM_UNIT_COMPATIBLE" val="0"/>
+  <p:tag name="KSO_WM_UNIT_DIAGRAM_ISNUMVISUAL" val="0"/>
+  <p:tag name="KSO_WM_UNIT_DIAGRAM_ISREFERUNIT" val="0"/>
+  <p:tag name="KSO_WM_UNIT_ID" val="_2**"/>
+  <p:tag name="KSO_WM_UNIT_LAYERLEVEL" val="1"/>
+  <p:tag name="KSO_WM_TAG_VERSION" val="1.0"/>
+  <p:tag name="KSO_WM_BEAUTIFY_FLAG" val="#wm#"/>
+</p:tagLst>
+</file>
+
+<file path=ppt/tags/tag36.xml><?xml version="1.0" encoding="utf-8"?>
+<p:tagLst xmlns:p="http://schemas.openxmlformats.org/presentationml/2006/main">
+  <p:tag name="KSO_WM_UNIT_HIGHLIGHT" val="0"/>
+  <p:tag name="KSO_WM_UNIT_COMPATIBLE" val="0"/>
+  <p:tag name="KSO_WM_UNIT_DIAGRAM_ISNUMVISUAL" val="0"/>
+  <p:tag name="KSO_WM_UNIT_DIAGRAM_ISREFERUNIT" val="0"/>
+  <p:tag name="KSO_WM_UNIT_ID" val="_2**"/>
+  <p:tag name="KSO_WM_UNIT_LAYERLEVEL" val="1"/>
+  <p:tag name="KSO_WM_TAG_VERSION" val="1.0"/>
+  <p:tag name="KSO_WM_BEAUTIFY_FLAG" val="#wm#"/>
+</p:tagLst>
+</file>
+
+<file path=ppt/tags/tag37.xml><?xml version="1.0" encoding="utf-8"?>
+<p:tagLst xmlns:p="http://schemas.openxmlformats.org/presentationml/2006/main">
+  <p:tag name="KSO_WM_UNIT_HIGHLIGHT" val="0"/>
+  <p:tag name="KSO_WM_UNIT_COMPATIBLE" val="0"/>
+  <p:tag name="KSO_WM_UNIT_DIAGRAM_ISNUMVISUAL" val="0"/>
+  <p:tag name="KSO_WM_UNIT_DIAGRAM_ISREFERUNIT" val="0"/>
+  <p:tag name="KSO_WM_UNIT_ID" val="_2**"/>
+  <p:tag name="KSO_WM_UNIT_LAYERLEVEL" val="1"/>
+  <p:tag name="KSO_WM_TAG_VERSION" val="1.0"/>
+  <p:tag name="KSO_WM_BEAUTIFY_FLAG" val="#wm#"/>
+</p:tagLst>
+</file>
+
+<file path=ppt/tags/tag38.xml><?xml version="1.0" encoding="utf-8"?>
+<p:tagLst xmlns:p="http://schemas.openxmlformats.org/presentationml/2006/main">
+  <p:tag name="KSO_WM_UNIT_HIGHLIGHT" val="0"/>
+  <p:tag name="KSO_WM_UNIT_COMPATIBLE" val="0"/>
+  <p:tag name="KSO_WM_UNIT_DIAGRAM_ISNUMVISUAL" val="0"/>
+  <p:tag name="KSO_WM_UNIT_DIAGRAM_ISREFERUNIT" val="0"/>
+  <p:tag name="KSO_WM_UNIT_ID" val="_2**"/>
+  <p:tag name="KSO_WM_UNIT_LAYERLEVEL" val="1"/>
+  <p:tag name="KSO_WM_TAG_VERSION" val="1.0"/>
+  <p:tag name="KSO_WM_BEAUTIFY_FLAG" val="#wm#"/>
+</p:tagLst>
+</file>
+
+<file path=ppt/tags/tag39.xml><?xml version="1.0" encoding="utf-8"?>
+<p:tagLst xmlns:p="http://schemas.openxmlformats.org/presentationml/2006/main">
+  <p:tag name="KSO_WM_UNIT_HIGHLIGHT" val="0"/>
+  <p:tag name="KSO_WM_UNIT_COMPATIBLE" val="0"/>
+  <p:tag name="KSO_WM_UNIT_DIAGRAM_ISNUMVISUAL" val="0"/>
+  <p:tag name="KSO_WM_UNIT_DIAGRAM_ISREFERUNIT" val="0"/>
+  <p:tag name="KSO_WM_UNIT_ID" val="_2**"/>
+  <p:tag name="KSO_WM_UNIT_LAYERLEVEL" val="1"/>
+  <p:tag name="KSO_WM_TAG_VERSION" val="1.0"/>
+  <p:tag name="KSO_WM_BEAUTIFY_FLAG" val="#wm#"/>
+</p:tagLst>
+</file>
+
+<file path=ppt/tags/tag4.xml><?xml version="1.0" encoding="utf-8"?>
+<p:tagLst xmlns:p="http://schemas.openxmlformats.org/presentationml/2006/main">
   <p:tag name="KSO_WM_UNIT_HIGHLIGHT" val="0"/>
   <p:tag name="KSO_WM_UNIT_COMPATIBLE" val="0"/>
   <p:tag name="KSO_WM_UNIT_DIAGRAM_ISNUMVISUAL" val="0"/>
@@ -23070,86 +23449,8 @@
 </p:tagLst>
 </file>
 
-<file path=ppt/tags/tag35.xml><?xml version="1.0" encoding="utf-8"?>
-<p:tagLst xmlns:a="http://schemas.openxmlformats.org/drawingml/2006/main" xmlns:r="http://schemas.openxmlformats.org/officeDocument/2006/relationships" xmlns:p="http://schemas.openxmlformats.org/presentationml/2006/main">
-  <p:tag name="KSO_WM_UNIT_HIGHLIGHT" val="0"/>
-  <p:tag name="KSO_WM_UNIT_COMPATIBLE" val="0"/>
-  <p:tag name="KSO_WM_UNIT_DIAGRAM_ISNUMVISUAL" val="0"/>
-  <p:tag name="KSO_WM_UNIT_DIAGRAM_ISREFERUNIT" val="0"/>
-  <p:tag name="KSO_WM_UNIT_ID" val="_1**"/>
-  <p:tag name="KSO_WM_UNIT_LAYERLEVEL" val="1"/>
-  <p:tag name="KSO_WM_TAG_VERSION" val="1.0"/>
-  <p:tag name="KSO_WM_BEAUTIFY_FLAG" val="#wm#"/>
-</p:tagLst>
-</file>
-
-<file path=ppt/tags/tag36.xml><?xml version="1.0" encoding="utf-8"?>
-<p:tagLst xmlns:a="http://schemas.openxmlformats.org/drawingml/2006/main" xmlns:r="http://schemas.openxmlformats.org/officeDocument/2006/relationships" xmlns:p="http://schemas.openxmlformats.org/presentationml/2006/main">
-  <p:tag name="KSO_WM_UNIT_HIGHLIGHT" val="0"/>
-  <p:tag name="KSO_WM_UNIT_COMPATIBLE" val="0"/>
-  <p:tag name="KSO_WM_UNIT_DIAGRAM_ISNUMVISUAL" val="0"/>
-  <p:tag name="KSO_WM_UNIT_DIAGRAM_ISREFERUNIT" val="0"/>
-  <p:tag name="KSO_WM_UNIT_ID" val="_1**"/>
-  <p:tag name="KSO_WM_UNIT_LAYERLEVEL" val="1"/>
-  <p:tag name="KSO_WM_TAG_VERSION" val="1.0"/>
-  <p:tag name="KSO_WM_BEAUTIFY_FLAG" val="#wm#"/>
-</p:tagLst>
-</file>
-
-<file path=ppt/tags/tag37.xml><?xml version="1.0" encoding="utf-8"?>
-<p:tagLst xmlns:a="http://schemas.openxmlformats.org/drawingml/2006/main" xmlns:r="http://schemas.openxmlformats.org/officeDocument/2006/relationships" xmlns:p="http://schemas.openxmlformats.org/presentationml/2006/main">
-  <p:tag name="KSO_WM_UNIT_HIGHLIGHT" val="0"/>
-  <p:tag name="KSO_WM_UNIT_COMPATIBLE" val="0"/>
-  <p:tag name="KSO_WM_UNIT_DIAGRAM_ISNUMVISUAL" val="0"/>
-  <p:tag name="KSO_WM_UNIT_DIAGRAM_ISREFERUNIT" val="0"/>
-  <p:tag name="KSO_WM_UNIT_ID" val="_1**"/>
-  <p:tag name="KSO_WM_UNIT_LAYERLEVEL" val="1"/>
-  <p:tag name="KSO_WM_TAG_VERSION" val="1.0"/>
-  <p:tag name="KSO_WM_BEAUTIFY_FLAG" val="#wm#"/>
-</p:tagLst>
-</file>
-
-<file path=ppt/tags/tag38.xml><?xml version="1.0" encoding="utf-8"?>
-<p:tagLst xmlns:a="http://schemas.openxmlformats.org/drawingml/2006/main" xmlns:r="http://schemas.openxmlformats.org/officeDocument/2006/relationships" xmlns:p="http://schemas.openxmlformats.org/presentationml/2006/main">
-  <p:tag name="KSO_WM_UNIT_HIGHLIGHT" val="0"/>
-  <p:tag name="KSO_WM_UNIT_COMPATIBLE" val="0"/>
-  <p:tag name="KSO_WM_UNIT_DIAGRAM_ISNUMVISUAL" val="0"/>
-  <p:tag name="KSO_WM_UNIT_DIAGRAM_ISREFERUNIT" val="0"/>
-  <p:tag name="KSO_WM_UNIT_ID" val="_1**"/>
-  <p:tag name="KSO_WM_UNIT_LAYERLEVEL" val="1"/>
-  <p:tag name="KSO_WM_TAG_VERSION" val="1.0"/>
-  <p:tag name="KSO_WM_BEAUTIFY_FLAG" val="#wm#"/>
-</p:tagLst>
-</file>
-
-<file path=ppt/tags/tag39.xml><?xml version="1.0" encoding="utf-8"?>
-<p:tagLst xmlns:a="http://schemas.openxmlformats.org/drawingml/2006/main" xmlns:r="http://schemas.openxmlformats.org/officeDocument/2006/relationships" xmlns:p="http://schemas.openxmlformats.org/presentationml/2006/main">
-  <p:tag name="KSO_WM_UNIT_HIGHLIGHT" val="0"/>
-  <p:tag name="KSO_WM_UNIT_COMPATIBLE" val="0"/>
-  <p:tag name="KSO_WM_UNIT_DIAGRAM_ISNUMVISUAL" val="0"/>
-  <p:tag name="KSO_WM_UNIT_DIAGRAM_ISREFERUNIT" val="0"/>
-  <p:tag name="KSO_WM_UNIT_ID" val="_1**"/>
-  <p:tag name="KSO_WM_UNIT_LAYERLEVEL" val="1"/>
-  <p:tag name="KSO_WM_TAG_VERSION" val="1.0"/>
-  <p:tag name="KSO_WM_BEAUTIFY_FLAG" val="#wm#"/>
-</p:tagLst>
-</file>
-
-<file path=ppt/tags/tag4.xml><?xml version="1.0" encoding="utf-8"?>
-<p:tagLst xmlns:a="http://schemas.openxmlformats.org/drawingml/2006/main" xmlns:r="http://schemas.openxmlformats.org/officeDocument/2006/relationships" xmlns:p="http://schemas.openxmlformats.org/presentationml/2006/main">
-  <p:tag name="KSO_WM_UNIT_HIGHLIGHT" val="0"/>
-  <p:tag name="KSO_WM_UNIT_COMPATIBLE" val="0"/>
-  <p:tag name="KSO_WM_UNIT_DIAGRAM_ISNUMVISUAL" val="0"/>
-  <p:tag name="KSO_WM_UNIT_DIAGRAM_ISREFERUNIT" val="0"/>
-  <p:tag name="KSO_WM_UNIT_ID" val="_0**"/>
-  <p:tag name="KSO_WM_UNIT_LAYERLEVEL" val="1"/>
-  <p:tag name="KSO_WM_TAG_VERSION" val="1.0"/>
-  <p:tag name="KSO_WM_BEAUTIFY_FLAG" val="#wm#"/>
-</p:tagLst>
-</file>
-
 <file path=ppt/tags/tag40.xml><?xml version="1.0" encoding="utf-8"?>
-<p:tagLst xmlns:a="http://schemas.openxmlformats.org/drawingml/2006/main" xmlns:r="http://schemas.openxmlformats.org/officeDocument/2006/relationships" xmlns:p="http://schemas.openxmlformats.org/presentationml/2006/main">
+<p:tagLst xmlns:p="http://schemas.openxmlformats.org/presentationml/2006/main">
   <p:tag name="KSO_WM_UNIT_HIGHLIGHT" val="0"/>
   <p:tag name="KSO_WM_UNIT_COMPATIBLE" val="0"/>
   <p:tag name="KSO_WM_UNIT_DIAGRAM_ISNUMVISUAL" val="0"/>
@@ -23162,7 +23463,7 @@
 </file>
 
 <file path=ppt/tags/tag41.xml><?xml version="1.0" encoding="utf-8"?>
-<p:tagLst xmlns:a="http://schemas.openxmlformats.org/drawingml/2006/main" xmlns:r="http://schemas.openxmlformats.org/officeDocument/2006/relationships" xmlns:p="http://schemas.openxmlformats.org/presentationml/2006/main">
+<p:tagLst xmlns:p="http://schemas.openxmlformats.org/presentationml/2006/main">
   <p:tag name="KSO_WM_UNIT_HIGHLIGHT" val="0"/>
   <p:tag name="KSO_WM_UNIT_COMPATIBLE" val="0"/>
   <p:tag name="KSO_WM_UNIT_DIAGRAM_ISNUMVISUAL" val="0"/>
@@ -23175,7 +23476,7 @@
 </file>
 
 <file path=ppt/tags/tag42.xml><?xml version="1.0" encoding="utf-8"?>
-<p:tagLst xmlns:a="http://schemas.openxmlformats.org/drawingml/2006/main" xmlns:r="http://schemas.openxmlformats.org/officeDocument/2006/relationships" xmlns:p="http://schemas.openxmlformats.org/presentationml/2006/main">
+<p:tagLst xmlns:p="http://schemas.openxmlformats.org/presentationml/2006/main">
   <p:tag name="KSO_WM_UNIT_HIGHLIGHT" val="0"/>
   <p:tag name="KSO_WM_UNIT_COMPATIBLE" val="0"/>
   <p:tag name="KSO_WM_UNIT_DIAGRAM_ISNUMVISUAL" val="0"/>
@@ -23188,7 +23489,7 @@
 </file>
 
 <file path=ppt/tags/tag43.xml><?xml version="1.0" encoding="utf-8"?>
-<p:tagLst xmlns:a="http://schemas.openxmlformats.org/drawingml/2006/main" xmlns:r="http://schemas.openxmlformats.org/officeDocument/2006/relationships" xmlns:p="http://schemas.openxmlformats.org/presentationml/2006/main">
+<p:tagLst xmlns:p="http://schemas.openxmlformats.org/presentationml/2006/main">
   <p:tag name="KSO_WM_UNIT_HIGHLIGHT" val="0"/>
   <p:tag name="KSO_WM_UNIT_COMPATIBLE" val="0"/>
   <p:tag name="KSO_WM_UNIT_DIAGRAM_ISNUMVISUAL" val="0"/>
@@ -23201,7 +23502,7 @@
 </file>
 
 <file path=ppt/tags/tag44.xml><?xml version="1.0" encoding="utf-8"?>
-<p:tagLst xmlns:a="http://schemas.openxmlformats.org/drawingml/2006/main" xmlns:r="http://schemas.openxmlformats.org/officeDocument/2006/relationships" xmlns:p="http://schemas.openxmlformats.org/presentationml/2006/main">
+<p:tagLst xmlns:p="http://schemas.openxmlformats.org/presentationml/2006/main">
   <p:tag name="KSO_WM_UNIT_HIGHLIGHT" val="0"/>
   <p:tag name="KSO_WM_UNIT_COMPATIBLE" val="0"/>
   <p:tag name="KSO_WM_UNIT_DIAGRAM_ISNUMVISUAL" val="0"/>
@@ -23214,7 +23515,7 @@
 </file>
 
 <file path=ppt/tags/tag45.xml><?xml version="1.0" encoding="utf-8"?>
-<p:tagLst xmlns:a="http://schemas.openxmlformats.org/drawingml/2006/main" xmlns:r="http://schemas.openxmlformats.org/officeDocument/2006/relationships" xmlns:p="http://schemas.openxmlformats.org/presentationml/2006/main">
+<p:tagLst xmlns:p="http://schemas.openxmlformats.org/presentationml/2006/main">
   <p:tag name="KSO_WM_UNIT_HIGHLIGHT" val="0"/>
   <p:tag name="KSO_WM_UNIT_COMPATIBLE" val="0"/>
   <p:tag name="KSO_WM_UNIT_DIAGRAM_ISNUMVISUAL" val="0"/>
@@ -23227,7 +23528,7 @@
 </file>
 
 <file path=ppt/tags/tag46.xml><?xml version="1.0" encoding="utf-8"?>
-<p:tagLst xmlns:a="http://schemas.openxmlformats.org/drawingml/2006/main" xmlns:r="http://schemas.openxmlformats.org/officeDocument/2006/relationships" xmlns:p="http://schemas.openxmlformats.org/presentationml/2006/main">
+<p:tagLst xmlns:p="http://schemas.openxmlformats.org/presentationml/2006/main">
   <p:tag name="KSO_WM_UNIT_HIGHLIGHT" val="0"/>
   <p:tag name="KSO_WM_UNIT_COMPATIBLE" val="0"/>
   <p:tag name="KSO_WM_UNIT_DIAGRAM_ISNUMVISUAL" val="0"/>
@@ -23240,7 +23541,7 @@
 </file>
 
 <file path=ppt/tags/tag47.xml><?xml version="1.0" encoding="utf-8"?>
-<p:tagLst xmlns:a="http://schemas.openxmlformats.org/drawingml/2006/main" xmlns:r="http://schemas.openxmlformats.org/officeDocument/2006/relationships" xmlns:p="http://schemas.openxmlformats.org/presentationml/2006/main">
+<p:tagLst xmlns:p="http://schemas.openxmlformats.org/presentationml/2006/main">
   <p:tag name="KSO_WM_UNIT_HIGHLIGHT" val="0"/>
   <p:tag name="KSO_WM_UNIT_COMPATIBLE" val="0"/>
   <p:tag name="KSO_WM_UNIT_DIAGRAM_ISNUMVISUAL" val="0"/>
@@ -23253,7 +23554,7 @@
 </file>
 
 <file path=ppt/tags/tag48.xml><?xml version="1.0" encoding="utf-8"?>
-<p:tagLst xmlns:a="http://schemas.openxmlformats.org/drawingml/2006/main" xmlns:r="http://schemas.openxmlformats.org/officeDocument/2006/relationships" xmlns:p="http://schemas.openxmlformats.org/presentationml/2006/main">
+<p:tagLst xmlns:p="http://schemas.openxmlformats.org/presentationml/2006/main">
   <p:tag name="KSO_WM_UNIT_HIGHLIGHT" val="0"/>
   <p:tag name="KSO_WM_UNIT_COMPATIBLE" val="0"/>
   <p:tag name="KSO_WM_UNIT_DIAGRAM_ISNUMVISUAL" val="0"/>
@@ -23266,7 +23567,7 @@
 </file>
 
 <file path=ppt/tags/tag49.xml><?xml version="1.0" encoding="utf-8"?>
-<p:tagLst xmlns:a="http://schemas.openxmlformats.org/drawingml/2006/main" xmlns:r="http://schemas.openxmlformats.org/officeDocument/2006/relationships" xmlns:p="http://schemas.openxmlformats.org/presentationml/2006/main">
+<p:tagLst xmlns:p="http://schemas.openxmlformats.org/presentationml/2006/main">
   <p:tag name="KSO_WM_UNIT_HIGHLIGHT" val="0"/>
   <p:tag name="KSO_WM_UNIT_COMPATIBLE" val="0"/>
   <p:tag name="KSO_WM_UNIT_DIAGRAM_ISNUMVISUAL" val="0"/>
@@ -23279,12 +23580,12 @@
 </file>
 
 <file path=ppt/tags/tag5.xml><?xml version="1.0" encoding="utf-8"?>
-<p:tagLst xmlns:a="http://schemas.openxmlformats.org/drawingml/2006/main" xmlns:r="http://schemas.openxmlformats.org/officeDocument/2006/relationships" xmlns:p="http://schemas.openxmlformats.org/presentationml/2006/main">
+<p:tagLst xmlns:p="http://schemas.openxmlformats.org/presentationml/2006/main">
   <p:tag name="KSO_WM_UNIT_HIGHLIGHT" val="0"/>
   <p:tag name="KSO_WM_UNIT_COMPATIBLE" val="0"/>
   <p:tag name="KSO_WM_UNIT_DIAGRAM_ISNUMVISUAL" val="0"/>
   <p:tag name="KSO_WM_UNIT_DIAGRAM_ISREFERUNIT" val="0"/>
-  <p:tag name="KSO_WM_UNIT_ID" val="_0**"/>
+  <p:tag name="KSO_WM_UNIT_ID" val="_1**"/>
   <p:tag name="KSO_WM_UNIT_LAYERLEVEL" val="1"/>
   <p:tag name="KSO_WM_TAG_VERSION" val="1.0"/>
   <p:tag name="KSO_WM_BEAUTIFY_FLAG" val="#wm#"/>
@@ -23292,7 +23593,7 @@
 </file>
 
 <file path=ppt/tags/tag50.xml><?xml version="1.0" encoding="utf-8"?>
-<p:tagLst xmlns:a="http://schemas.openxmlformats.org/drawingml/2006/main" xmlns:r="http://schemas.openxmlformats.org/officeDocument/2006/relationships" xmlns:p="http://schemas.openxmlformats.org/presentationml/2006/main">
+<p:tagLst xmlns:p="http://schemas.openxmlformats.org/presentationml/2006/main">
   <p:tag name="KSO_WM_UNIT_HIGHLIGHT" val="0"/>
   <p:tag name="KSO_WM_UNIT_COMPATIBLE" val="0"/>
   <p:tag name="KSO_WM_UNIT_DIAGRAM_ISNUMVISUAL" val="0"/>
@@ -23305,7 +23606,7 @@
 </file>
 
 <file path=ppt/tags/tag51.xml><?xml version="1.0" encoding="utf-8"?>
-<p:tagLst xmlns:a="http://schemas.openxmlformats.org/drawingml/2006/main" xmlns:r="http://schemas.openxmlformats.org/officeDocument/2006/relationships" xmlns:p="http://schemas.openxmlformats.org/presentationml/2006/main">
+<p:tagLst xmlns:p="http://schemas.openxmlformats.org/presentationml/2006/main">
   <p:tag name="KSO_WM_UNIT_HIGHLIGHT" val="0"/>
   <p:tag name="KSO_WM_UNIT_COMPATIBLE" val="0"/>
   <p:tag name="KSO_WM_UNIT_DIAGRAM_ISNUMVISUAL" val="0"/>
@@ -23318,7 +23619,7 @@
 </file>
 
 <file path=ppt/tags/tag52.xml><?xml version="1.0" encoding="utf-8"?>
-<p:tagLst xmlns:a="http://schemas.openxmlformats.org/drawingml/2006/main" xmlns:r="http://schemas.openxmlformats.org/officeDocument/2006/relationships" xmlns:p="http://schemas.openxmlformats.org/presentationml/2006/main">
+<p:tagLst xmlns:p="http://schemas.openxmlformats.org/presentationml/2006/main">
   <p:tag name="KSO_WM_UNIT_HIGHLIGHT" val="0"/>
   <p:tag name="KSO_WM_UNIT_COMPATIBLE" val="0"/>
   <p:tag name="KSO_WM_UNIT_DIAGRAM_ISNUMVISUAL" val="0"/>
@@ -23331,7 +23632,7 @@
 </file>
 
 <file path=ppt/tags/tag53.xml><?xml version="1.0" encoding="utf-8"?>
-<p:tagLst xmlns:a="http://schemas.openxmlformats.org/drawingml/2006/main" xmlns:r="http://schemas.openxmlformats.org/officeDocument/2006/relationships" xmlns:p="http://schemas.openxmlformats.org/presentationml/2006/main">
+<p:tagLst xmlns:p="http://schemas.openxmlformats.org/presentationml/2006/main">
   <p:tag name="KSO_WM_UNIT_HIGHLIGHT" val="0"/>
   <p:tag name="KSO_WM_UNIT_COMPATIBLE" val="0"/>
   <p:tag name="KSO_WM_UNIT_DIAGRAM_ISNUMVISUAL" val="0"/>
@@ -23344,7 +23645,7 @@
 </file>
 
 <file path=ppt/tags/tag54.xml><?xml version="1.0" encoding="utf-8"?>
-<p:tagLst xmlns:a="http://schemas.openxmlformats.org/drawingml/2006/main" xmlns:r="http://schemas.openxmlformats.org/officeDocument/2006/relationships" xmlns:p="http://schemas.openxmlformats.org/presentationml/2006/main">
+<p:tagLst xmlns:p="http://schemas.openxmlformats.org/presentationml/2006/main">
   <p:tag name="KSO_WM_UNIT_HIGHLIGHT" val="0"/>
   <p:tag name="KSO_WM_UNIT_COMPATIBLE" val="0"/>
   <p:tag name="KSO_WM_UNIT_DIAGRAM_ISNUMVISUAL" val="0"/>
@@ -23357,7 +23658,7 @@
 </file>
 
 <file path=ppt/tags/tag55.xml><?xml version="1.0" encoding="utf-8"?>
-<p:tagLst xmlns:a="http://schemas.openxmlformats.org/drawingml/2006/main" xmlns:r="http://schemas.openxmlformats.org/officeDocument/2006/relationships" xmlns:p="http://schemas.openxmlformats.org/presentationml/2006/main">
+<p:tagLst xmlns:p="http://schemas.openxmlformats.org/presentationml/2006/main">
   <p:tag name="KSO_WM_UNIT_HIGHLIGHT" val="0"/>
   <p:tag name="KSO_WM_UNIT_COMPATIBLE" val="0"/>
   <p:tag name="KSO_WM_UNIT_DIAGRAM_ISNUMVISUAL" val="0"/>
@@ -23370,7 +23671,7 @@
 </file>
 
 <file path=ppt/tags/tag56.xml><?xml version="1.0" encoding="utf-8"?>
-<p:tagLst xmlns:a="http://schemas.openxmlformats.org/drawingml/2006/main" xmlns:r="http://schemas.openxmlformats.org/officeDocument/2006/relationships" xmlns:p="http://schemas.openxmlformats.org/presentationml/2006/main">
+<p:tagLst xmlns:p="http://schemas.openxmlformats.org/presentationml/2006/main">
   <p:tag name="KSO_WM_UNIT_HIGHLIGHT" val="0"/>
   <p:tag name="KSO_WM_UNIT_COMPATIBLE" val="0"/>
   <p:tag name="KSO_WM_UNIT_DIAGRAM_ISNUMVISUAL" val="0"/>
@@ -23383,7 +23684,7 @@
 </file>
 
 <file path=ppt/tags/tag57.xml><?xml version="1.0" encoding="utf-8"?>
-<p:tagLst xmlns:a="http://schemas.openxmlformats.org/drawingml/2006/main" xmlns:r="http://schemas.openxmlformats.org/officeDocument/2006/relationships" xmlns:p="http://schemas.openxmlformats.org/presentationml/2006/main">
+<p:tagLst xmlns:p="http://schemas.openxmlformats.org/presentationml/2006/main">
   <p:tag name="KSO_WM_UNIT_HIGHLIGHT" val="0"/>
   <p:tag name="KSO_WM_UNIT_COMPATIBLE" val="0"/>
   <p:tag name="KSO_WM_UNIT_DIAGRAM_ISNUMVISUAL" val="0"/>
@@ -23396,7 +23697,7 @@
 </file>
 
 <file path=ppt/tags/tag58.xml><?xml version="1.0" encoding="utf-8"?>
-<p:tagLst xmlns:a="http://schemas.openxmlformats.org/drawingml/2006/main" xmlns:r="http://schemas.openxmlformats.org/officeDocument/2006/relationships" xmlns:p="http://schemas.openxmlformats.org/presentationml/2006/main">
+<p:tagLst xmlns:p="http://schemas.openxmlformats.org/presentationml/2006/main">
   <p:tag name="KSO_WM_UNIT_HIGHLIGHT" val="0"/>
   <p:tag name="KSO_WM_UNIT_COMPATIBLE" val="0"/>
   <p:tag name="KSO_WM_UNIT_DIAGRAM_ISNUMVISUAL" val="0"/>
@@ -23409,7 +23710,7 @@
 </file>
 
 <file path=ppt/tags/tag59.xml><?xml version="1.0" encoding="utf-8"?>
-<p:tagLst xmlns:a="http://schemas.openxmlformats.org/drawingml/2006/main" xmlns:r="http://schemas.openxmlformats.org/officeDocument/2006/relationships" xmlns:p="http://schemas.openxmlformats.org/presentationml/2006/main">
+<p:tagLst xmlns:p="http://schemas.openxmlformats.org/presentationml/2006/main">
   <p:tag name="KSO_WM_UNIT_HIGHLIGHT" val="0"/>
   <p:tag name="KSO_WM_UNIT_COMPATIBLE" val="0"/>
   <p:tag name="KSO_WM_UNIT_DIAGRAM_ISNUMVISUAL" val="0"/>
@@ -23422,18 +23723,20 @@
 </file>
 
 <file path=ppt/tags/tag6.xml><?xml version="1.0" encoding="utf-8"?>
-<p:tagLst xmlns:a="http://schemas.openxmlformats.org/drawingml/2006/main" xmlns:r="http://schemas.openxmlformats.org/officeDocument/2006/relationships" xmlns:p="http://schemas.openxmlformats.org/presentationml/2006/main">
-  <p:tag name="KSO_WM_TEMPLATE_SUBCATEGORY" val="0"/>
+<p:tagLst xmlns:p="http://schemas.openxmlformats.org/presentationml/2006/main">
+  <p:tag name="KSO_WM_UNIT_HIGHLIGHT" val="0"/>
+  <p:tag name="KSO_WM_UNIT_COMPATIBLE" val="0"/>
+  <p:tag name="KSO_WM_UNIT_DIAGRAM_ISNUMVISUAL" val="0"/>
+  <p:tag name="KSO_WM_UNIT_DIAGRAM_ISREFERUNIT" val="0"/>
+  <p:tag name="KSO_WM_UNIT_ID" val="_1**"/>
+  <p:tag name="KSO_WM_UNIT_LAYERLEVEL" val="1"/>
   <p:tag name="KSO_WM_TAG_VERSION" val="1.0"/>
   <p:tag name="KSO_WM_BEAUTIFY_FLAG" val="#wm#"/>
-  <p:tag name="KSO_WM_TEMPLATE_CATEGORY" val="custom"/>
-  <p:tag name="KSO_WM_TEMPLATE_INDEX" val="20191705"/>
-  <p:tag name="KSO_WM_TEMPLATE_THUMBS_INDEX" val="1、2、3、4、5、6、7、8、9、10、11、12、13、14、15"/>
 </p:tagLst>
 </file>
 
 <file path=ppt/tags/tag60.xml><?xml version="1.0" encoding="utf-8"?>
-<p:tagLst xmlns:a="http://schemas.openxmlformats.org/drawingml/2006/main" xmlns:r="http://schemas.openxmlformats.org/officeDocument/2006/relationships" xmlns:p="http://schemas.openxmlformats.org/presentationml/2006/main">
+<p:tagLst xmlns:p="http://schemas.openxmlformats.org/presentationml/2006/main">
   <p:tag name="KSO_WM_UNIT_HIGHLIGHT" val="0"/>
   <p:tag name="KSO_WM_UNIT_COMPATIBLE" val="0"/>
   <p:tag name="KSO_WM_UNIT_DIAGRAM_ISNUMVISUAL" val="0"/>
@@ -23446,7 +23749,7 @@
 </file>
 
 <file path=ppt/tags/tag61.xml><?xml version="1.0" encoding="utf-8"?>
-<p:tagLst xmlns:a="http://schemas.openxmlformats.org/drawingml/2006/main" xmlns:r="http://schemas.openxmlformats.org/officeDocument/2006/relationships" xmlns:p="http://schemas.openxmlformats.org/presentationml/2006/main">
+<p:tagLst xmlns:p="http://schemas.openxmlformats.org/presentationml/2006/main">
   <p:tag name="KSO_WM_UNIT_HIGHLIGHT" val="0"/>
   <p:tag name="KSO_WM_UNIT_COMPATIBLE" val="0"/>
   <p:tag name="KSO_WM_UNIT_DIAGRAM_ISNUMVISUAL" val="0"/>
@@ -23459,7 +23762,7 @@
 </file>
 
 <file path=ppt/tags/tag62.xml><?xml version="1.0" encoding="utf-8"?>
-<p:tagLst xmlns:a="http://schemas.openxmlformats.org/drawingml/2006/main" xmlns:r="http://schemas.openxmlformats.org/officeDocument/2006/relationships" xmlns:p="http://schemas.openxmlformats.org/presentationml/2006/main">
+<p:tagLst xmlns:p="http://schemas.openxmlformats.org/presentationml/2006/main">
   <p:tag name="KSO_WM_UNIT_HIGHLIGHT" val="0"/>
   <p:tag name="KSO_WM_UNIT_COMPATIBLE" val="0"/>
   <p:tag name="KSO_WM_UNIT_DIAGRAM_ISNUMVISUAL" val="0"/>
@@ -23472,7 +23775,7 @@
 </file>
 
 <file path=ppt/tags/tag63.xml><?xml version="1.0" encoding="utf-8"?>
-<p:tagLst xmlns:a="http://schemas.openxmlformats.org/drawingml/2006/main" xmlns:r="http://schemas.openxmlformats.org/officeDocument/2006/relationships" xmlns:p="http://schemas.openxmlformats.org/presentationml/2006/main">
+<p:tagLst xmlns:p="http://schemas.openxmlformats.org/presentationml/2006/main">
   <p:tag name="KSO_WM_UNIT_HIGHLIGHT" val="0"/>
   <p:tag name="KSO_WM_UNIT_COMPATIBLE" val="0"/>
   <p:tag name="KSO_WM_UNIT_DIAGRAM_ISNUMVISUAL" val="0"/>
@@ -23485,7 +23788,7 @@
 </file>
 
 <file path=ppt/tags/tag64.xml><?xml version="1.0" encoding="utf-8"?>
-<p:tagLst xmlns:a="http://schemas.openxmlformats.org/drawingml/2006/main" xmlns:r="http://schemas.openxmlformats.org/officeDocument/2006/relationships" xmlns:p="http://schemas.openxmlformats.org/presentationml/2006/main">
+<p:tagLst xmlns:p="http://schemas.openxmlformats.org/presentationml/2006/main">
   <p:tag name="KSO_WM_UNIT_HIGHLIGHT" val="0"/>
   <p:tag name="KSO_WM_UNIT_COMPATIBLE" val="0"/>
   <p:tag name="KSO_WM_UNIT_DIAGRAM_ISNUMVISUAL" val="0"/>
@@ -23498,7 +23801,7 @@
 </file>
 
 <file path=ppt/tags/tag65.xml><?xml version="1.0" encoding="utf-8"?>
-<p:tagLst xmlns:a="http://schemas.openxmlformats.org/drawingml/2006/main" xmlns:r="http://schemas.openxmlformats.org/officeDocument/2006/relationships" xmlns:p="http://schemas.openxmlformats.org/presentationml/2006/main">
+<p:tagLst xmlns:p="http://schemas.openxmlformats.org/presentationml/2006/main">
   <p:tag name="KSO_WM_UNIT_HIGHLIGHT" val="0"/>
   <p:tag name="KSO_WM_UNIT_COMPATIBLE" val="0"/>
   <p:tag name="KSO_WM_UNIT_DIAGRAM_ISNUMVISUAL" val="0"/>
@@ -23511,7 +23814,7 @@
 </file>
 
 <file path=ppt/tags/tag66.xml><?xml version="1.0" encoding="utf-8"?>
-<p:tagLst xmlns:a="http://schemas.openxmlformats.org/drawingml/2006/main" xmlns:r="http://schemas.openxmlformats.org/officeDocument/2006/relationships" xmlns:p="http://schemas.openxmlformats.org/presentationml/2006/main">
+<p:tagLst xmlns:p="http://schemas.openxmlformats.org/presentationml/2006/main">
   <p:tag name="KSO_WM_UNIT_HIGHLIGHT" val="0"/>
   <p:tag name="KSO_WM_UNIT_COMPATIBLE" val="0"/>
   <p:tag name="KSO_WM_UNIT_DIAGRAM_ISNUMVISUAL" val="0"/>
@@ -23524,7 +23827,7 @@
 </file>
 
 <file path=ppt/tags/tag67.xml><?xml version="1.0" encoding="utf-8"?>
-<p:tagLst xmlns:a="http://schemas.openxmlformats.org/drawingml/2006/main" xmlns:r="http://schemas.openxmlformats.org/officeDocument/2006/relationships" xmlns:p="http://schemas.openxmlformats.org/presentationml/2006/main">
+<p:tagLst xmlns:p="http://schemas.openxmlformats.org/presentationml/2006/main">
   <p:tag name="KSO_WM_UNIT_HIGHLIGHT" val="0"/>
   <p:tag name="KSO_WM_UNIT_COMPATIBLE" val="0"/>
   <p:tag name="KSO_WM_UNIT_DIAGRAM_ISNUMVISUAL" val="0"/>
@@ -23537,7 +23840,7 @@
 </file>
 
 <file path=ppt/tags/tag68.xml><?xml version="1.0" encoding="utf-8"?>
-<p:tagLst xmlns:a="http://schemas.openxmlformats.org/drawingml/2006/main" xmlns:r="http://schemas.openxmlformats.org/officeDocument/2006/relationships" xmlns:p="http://schemas.openxmlformats.org/presentationml/2006/main">
+<p:tagLst xmlns:p="http://schemas.openxmlformats.org/presentationml/2006/main">
   <p:tag name="KSO_WM_UNIT_HIGHLIGHT" val="0"/>
   <p:tag name="KSO_WM_UNIT_COMPATIBLE" val="0"/>
   <p:tag name="KSO_WM_UNIT_DIAGRAM_ISNUMVISUAL" val="0"/>
@@ -23550,7 +23853,7 @@
 </file>
 
 <file path=ppt/tags/tag69.xml><?xml version="1.0" encoding="utf-8"?>
-<p:tagLst xmlns:a="http://schemas.openxmlformats.org/drawingml/2006/main" xmlns:r="http://schemas.openxmlformats.org/officeDocument/2006/relationships" xmlns:p="http://schemas.openxmlformats.org/presentationml/2006/main">
+<p:tagLst xmlns:p="http://schemas.openxmlformats.org/presentationml/2006/main">
   <p:tag name="KSO_WM_UNIT_HIGHLIGHT" val="0"/>
   <p:tag name="KSO_WM_UNIT_COMPATIBLE" val="0"/>
   <p:tag name="KSO_WM_UNIT_DIAGRAM_ISNUMVISUAL" val="0"/>
@@ -23563,7 +23866,7 @@
 </file>
 
 <file path=ppt/tags/tag7.xml><?xml version="1.0" encoding="utf-8"?>
-<p:tagLst xmlns:a="http://schemas.openxmlformats.org/drawingml/2006/main" xmlns:r="http://schemas.openxmlformats.org/officeDocument/2006/relationships" xmlns:p="http://schemas.openxmlformats.org/presentationml/2006/main">
+<p:tagLst xmlns:p="http://schemas.openxmlformats.org/presentationml/2006/main">
   <p:tag name="KSO_WM_UNIT_HIGHLIGHT" val="0"/>
   <p:tag name="KSO_WM_UNIT_COMPATIBLE" val="0"/>
   <p:tag name="KSO_WM_UNIT_DIAGRAM_ISNUMVISUAL" val="0"/>
@@ -23576,12 +23879,12 @@
 </file>
 
 <file path=ppt/tags/tag70.xml><?xml version="1.0" encoding="utf-8"?>
-<p:tagLst xmlns:a="http://schemas.openxmlformats.org/drawingml/2006/main" xmlns:r="http://schemas.openxmlformats.org/officeDocument/2006/relationships" xmlns:p="http://schemas.openxmlformats.org/presentationml/2006/main">
+<p:tagLst xmlns:p="http://schemas.openxmlformats.org/presentationml/2006/main">
   <p:tag name="KSO_WM_UNIT_HIGHLIGHT" val="0"/>
   <p:tag name="KSO_WM_UNIT_COMPATIBLE" val="0"/>
   <p:tag name="KSO_WM_UNIT_DIAGRAM_ISNUMVISUAL" val="0"/>
   <p:tag name="KSO_WM_UNIT_DIAGRAM_ISREFERUNIT" val="0"/>
-  <p:tag name="KSO_WM_UNIT_ID" val="_2**"/>
+  <p:tag name="KSO_WM_UNIT_ID" val="_3**"/>
   <p:tag name="KSO_WM_UNIT_LAYERLEVEL" val="1"/>
   <p:tag name="KSO_WM_TAG_VERSION" val="1.0"/>
   <p:tag name="KSO_WM_BEAUTIFY_FLAG" val="#wm#"/>
@@ -23589,12 +23892,12 @@
 </file>
 
 <file path=ppt/tags/tag71.xml><?xml version="1.0" encoding="utf-8"?>
-<p:tagLst xmlns:a="http://schemas.openxmlformats.org/drawingml/2006/main" xmlns:r="http://schemas.openxmlformats.org/officeDocument/2006/relationships" xmlns:p="http://schemas.openxmlformats.org/presentationml/2006/main">
+<p:tagLst xmlns:p="http://schemas.openxmlformats.org/presentationml/2006/main">
   <p:tag name="KSO_WM_UNIT_HIGHLIGHT" val="0"/>
   <p:tag name="KSO_WM_UNIT_COMPATIBLE" val="0"/>
   <p:tag name="KSO_WM_UNIT_DIAGRAM_ISNUMVISUAL" val="0"/>
   <p:tag name="KSO_WM_UNIT_DIAGRAM_ISREFERUNIT" val="0"/>
-  <p:tag name="KSO_WM_UNIT_ID" val="_2**"/>
+  <p:tag name="KSO_WM_UNIT_ID" val="_3**"/>
   <p:tag name="KSO_WM_UNIT_LAYERLEVEL" val="1"/>
   <p:tag name="KSO_WM_TAG_VERSION" val="1.0"/>
   <p:tag name="KSO_WM_BEAUTIFY_FLAG" val="#wm#"/>
@@ -23602,12 +23905,12 @@
 </file>
 
 <file path=ppt/tags/tag72.xml><?xml version="1.0" encoding="utf-8"?>
-<p:tagLst xmlns:a="http://schemas.openxmlformats.org/drawingml/2006/main" xmlns:r="http://schemas.openxmlformats.org/officeDocument/2006/relationships" xmlns:p="http://schemas.openxmlformats.org/presentationml/2006/main">
+<p:tagLst xmlns:p="http://schemas.openxmlformats.org/presentationml/2006/main">
   <p:tag name="KSO_WM_UNIT_HIGHLIGHT" val="0"/>
   <p:tag name="KSO_WM_UNIT_COMPATIBLE" val="0"/>
   <p:tag name="KSO_WM_UNIT_DIAGRAM_ISNUMVISUAL" val="0"/>
   <p:tag name="KSO_WM_UNIT_DIAGRAM_ISREFERUNIT" val="0"/>
-  <p:tag name="KSO_WM_UNIT_ID" val="_2**"/>
+  <p:tag name="KSO_WM_UNIT_ID" val="_3**"/>
   <p:tag name="KSO_WM_UNIT_LAYERLEVEL" val="1"/>
   <p:tag name="KSO_WM_TAG_VERSION" val="1.0"/>
   <p:tag name="KSO_WM_BEAUTIFY_FLAG" val="#wm#"/>
@@ -23615,12 +23918,12 @@
 </file>
 
 <file path=ppt/tags/tag73.xml><?xml version="1.0" encoding="utf-8"?>
-<p:tagLst xmlns:a="http://schemas.openxmlformats.org/drawingml/2006/main" xmlns:r="http://schemas.openxmlformats.org/officeDocument/2006/relationships" xmlns:p="http://schemas.openxmlformats.org/presentationml/2006/main">
+<p:tagLst xmlns:p="http://schemas.openxmlformats.org/presentationml/2006/main">
   <p:tag name="KSO_WM_UNIT_HIGHLIGHT" val="0"/>
   <p:tag name="KSO_WM_UNIT_COMPATIBLE" val="0"/>
   <p:tag name="KSO_WM_UNIT_DIAGRAM_ISNUMVISUAL" val="0"/>
   <p:tag name="KSO_WM_UNIT_DIAGRAM_ISREFERUNIT" val="0"/>
-  <p:tag name="KSO_WM_UNIT_ID" val="_2**"/>
+  <p:tag name="KSO_WM_UNIT_ID" val="_3**"/>
   <p:tag name="KSO_WM_UNIT_LAYERLEVEL" val="1"/>
   <p:tag name="KSO_WM_TAG_VERSION" val="1.0"/>
   <p:tag name="KSO_WM_BEAUTIFY_FLAG" val="#wm#"/>
@@ -23628,12 +23931,12 @@
 </file>
 
 <file path=ppt/tags/tag74.xml><?xml version="1.0" encoding="utf-8"?>
-<p:tagLst xmlns:a="http://schemas.openxmlformats.org/drawingml/2006/main" xmlns:r="http://schemas.openxmlformats.org/officeDocument/2006/relationships" xmlns:p="http://schemas.openxmlformats.org/presentationml/2006/main">
+<p:tagLst xmlns:p="http://schemas.openxmlformats.org/presentationml/2006/main">
   <p:tag name="KSO_WM_UNIT_HIGHLIGHT" val="0"/>
   <p:tag name="KSO_WM_UNIT_COMPATIBLE" val="0"/>
   <p:tag name="KSO_WM_UNIT_DIAGRAM_ISNUMVISUAL" val="0"/>
   <p:tag name="KSO_WM_UNIT_DIAGRAM_ISREFERUNIT" val="0"/>
-  <p:tag name="KSO_WM_UNIT_ID" val="_2**"/>
+  <p:tag name="KSO_WM_UNIT_ID" val="_3**"/>
   <p:tag name="KSO_WM_UNIT_LAYERLEVEL" val="1"/>
   <p:tag name="KSO_WM_TAG_VERSION" val="1.0"/>
   <p:tag name="KSO_WM_BEAUTIFY_FLAG" val="#wm#"/>
@@ -23641,12 +23944,12 @@
 </file>
 
 <file path=ppt/tags/tag75.xml><?xml version="1.0" encoding="utf-8"?>
-<p:tagLst xmlns:a="http://schemas.openxmlformats.org/drawingml/2006/main" xmlns:r="http://schemas.openxmlformats.org/officeDocument/2006/relationships" xmlns:p="http://schemas.openxmlformats.org/presentationml/2006/main">
+<p:tagLst xmlns:p="http://schemas.openxmlformats.org/presentationml/2006/main">
   <p:tag name="KSO_WM_UNIT_HIGHLIGHT" val="0"/>
   <p:tag name="KSO_WM_UNIT_COMPATIBLE" val="0"/>
   <p:tag name="KSO_WM_UNIT_DIAGRAM_ISNUMVISUAL" val="0"/>
   <p:tag name="KSO_WM_UNIT_DIAGRAM_ISREFERUNIT" val="0"/>
-  <p:tag name="KSO_WM_UNIT_ID" val="_2**"/>
+  <p:tag name="KSO_WM_UNIT_ID" val="_3**"/>
   <p:tag name="KSO_WM_UNIT_LAYERLEVEL" val="1"/>
   <p:tag name="KSO_WM_TAG_VERSION" val="1.0"/>
   <p:tag name="KSO_WM_BEAUTIFY_FLAG" val="#wm#"/>
@@ -23654,7 +23957,7 @@
 </file>
 
 <file path=ppt/tags/tag76.xml><?xml version="1.0" encoding="utf-8"?>
-<p:tagLst xmlns:a="http://schemas.openxmlformats.org/drawingml/2006/main" xmlns:r="http://schemas.openxmlformats.org/officeDocument/2006/relationships" xmlns:p="http://schemas.openxmlformats.org/presentationml/2006/main">
+<p:tagLst xmlns:p="http://schemas.openxmlformats.org/presentationml/2006/main">
   <p:tag name="KSO_WM_UNIT_HIGHLIGHT" val="0"/>
   <p:tag name="KSO_WM_UNIT_COMPATIBLE" val="0"/>
   <p:tag name="KSO_WM_UNIT_DIAGRAM_ISNUMVISUAL" val="0"/>
@@ -23667,7 +23970,7 @@
 </file>
 
 <file path=ppt/tags/tag77.xml><?xml version="1.0" encoding="utf-8"?>
-<p:tagLst xmlns:a="http://schemas.openxmlformats.org/drawingml/2006/main" xmlns:r="http://schemas.openxmlformats.org/officeDocument/2006/relationships" xmlns:p="http://schemas.openxmlformats.org/presentationml/2006/main">
+<p:tagLst xmlns:p="http://schemas.openxmlformats.org/presentationml/2006/main">
   <p:tag name="KSO_WM_UNIT_HIGHLIGHT" val="0"/>
   <p:tag name="KSO_WM_UNIT_COMPATIBLE" val="0"/>
   <p:tag name="KSO_WM_UNIT_DIAGRAM_ISNUMVISUAL" val="0"/>
@@ -23680,7 +23983,7 @@
 </file>
 
 <file path=ppt/tags/tag78.xml><?xml version="1.0" encoding="utf-8"?>
-<p:tagLst xmlns:a="http://schemas.openxmlformats.org/drawingml/2006/main" xmlns:r="http://schemas.openxmlformats.org/officeDocument/2006/relationships" xmlns:p="http://schemas.openxmlformats.org/presentationml/2006/main">
+<p:tagLst xmlns:p="http://schemas.openxmlformats.org/presentationml/2006/main">
   <p:tag name="KSO_WM_UNIT_HIGHLIGHT" val="0"/>
   <p:tag name="KSO_WM_UNIT_COMPATIBLE" val="0"/>
   <p:tag name="KSO_WM_UNIT_DIAGRAM_ISNUMVISUAL" val="0"/>
@@ -23693,7 +23996,7 @@
 </file>
 
 <file path=ppt/tags/tag79.xml><?xml version="1.0" encoding="utf-8"?>
-<p:tagLst xmlns:a="http://schemas.openxmlformats.org/drawingml/2006/main" xmlns:r="http://schemas.openxmlformats.org/officeDocument/2006/relationships" xmlns:p="http://schemas.openxmlformats.org/presentationml/2006/main">
+<p:tagLst xmlns:p="http://schemas.openxmlformats.org/presentationml/2006/main">
   <p:tag name="KSO_WM_UNIT_HIGHLIGHT" val="0"/>
   <p:tag name="KSO_WM_UNIT_COMPATIBLE" val="0"/>
   <p:tag name="KSO_WM_UNIT_DIAGRAM_ISNUMVISUAL" val="0"/>
@@ -23706,7 +24009,7 @@
 </file>
 
 <file path=ppt/tags/tag8.xml><?xml version="1.0" encoding="utf-8"?>
-<p:tagLst xmlns:a="http://schemas.openxmlformats.org/drawingml/2006/main" xmlns:r="http://schemas.openxmlformats.org/officeDocument/2006/relationships" xmlns:p="http://schemas.openxmlformats.org/presentationml/2006/main">
+<p:tagLst xmlns:p="http://schemas.openxmlformats.org/presentationml/2006/main">
   <p:tag name="KSO_WM_UNIT_HIGHLIGHT" val="0"/>
   <p:tag name="KSO_WM_UNIT_COMPATIBLE" val="0"/>
   <p:tag name="KSO_WM_UNIT_DIAGRAM_ISNUMVISUAL" val="0"/>
@@ -23719,7 +24022,7 @@
 </file>
 
 <file path=ppt/tags/tag80.xml><?xml version="1.0" encoding="utf-8"?>
-<p:tagLst xmlns:a="http://schemas.openxmlformats.org/drawingml/2006/main" xmlns:r="http://schemas.openxmlformats.org/officeDocument/2006/relationships" xmlns:p="http://schemas.openxmlformats.org/presentationml/2006/main">
+<p:tagLst xmlns:p="http://schemas.openxmlformats.org/presentationml/2006/main">
   <p:tag name="KSO_WM_UNIT_HIGHLIGHT" val="0"/>
   <p:tag name="KSO_WM_UNIT_COMPATIBLE" val="0"/>
   <p:tag name="KSO_WM_UNIT_DIAGRAM_ISNUMVISUAL" val="0"/>
@@ -23732,7 +24035,7 @@
 </file>
 
 <file path=ppt/tags/tag81.xml><?xml version="1.0" encoding="utf-8"?>
-<p:tagLst xmlns:a="http://schemas.openxmlformats.org/drawingml/2006/main" xmlns:r="http://schemas.openxmlformats.org/officeDocument/2006/relationships" xmlns:p="http://schemas.openxmlformats.org/presentationml/2006/main">
+<p:tagLst xmlns:p="http://schemas.openxmlformats.org/presentationml/2006/main">
   <p:tag name="KSO_WM_UNIT_HIGHLIGHT" val="0"/>
   <p:tag name="KSO_WM_UNIT_COMPATIBLE" val="0"/>
   <p:tag name="KSO_WM_UNIT_DIAGRAM_ISNUMVISUAL" val="0"/>
@@ -23745,7 +24048,7 @@
 </file>
 
 <file path=ppt/tags/tag82.xml><?xml version="1.0" encoding="utf-8"?>
-<p:tagLst xmlns:a="http://schemas.openxmlformats.org/drawingml/2006/main" xmlns:r="http://schemas.openxmlformats.org/officeDocument/2006/relationships" xmlns:p="http://schemas.openxmlformats.org/presentationml/2006/main">
+<p:tagLst xmlns:p="http://schemas.openxmlformats.org/presentationml/2006/main">
   <p:tag name="KSO_WM_UNIT_HIGHLIGHT" val="0"/>
   <p:tag name="KSO_WM_UNIT_COMPATIBLE" val="0"/>
   <p:tag name="KSO_WM_UNIT_DIAGRAM_ISNUMVISUAL" val="0"/>
@@ -23758,7 +24061,7 @@
 </file>
 
 <file path=ppt/tags/tag83.xml><?xml version="1.0" encoding="utf-8"?>
-<p:tagLst xmlns:a="http://schemas.openxmlformats.org/drawingml/2006/main" xmlns:r="http://schemas.openxmlformats.org/officeDocument/2006/relationships" xmlns:p="http://schemas.openxmlformats.org/presentationml/2006/main">
+<p:tagLst xmlns:p="http://schemas.openxmlformats.org/presentationml/2006/main">
   <p:tag name="KSO_WM_UNIT_HIGHLIGHT" val="0"/>
   <p:tag name="KSO_WM_UNIT_COMPATIBLE" val="0"/>
   <p:tag name="KSO_WM_UNIT_DIAGRAM_ISNUMVISUAL" val="0"/>
@@ -23771,12 +24074,12 @@
 </file>
 
 <file path=ppt/tags/tag84.xml><?xml version="1.0" encoding="utf-8"?>
-<p:tagLst xmlns:a="http://schemas.openxmlformats.org/drawingml/2006/main" xmlns:r="http://schemas.openxmlformats.org/officeDocument/2006/relationships" xmlns:p="http://schemas.openxmlformats.org/presentationml/2006/main">
+<p:tagLst xmlns:p="http://schemas.openxmlformats.org/presentationml/2006/main">
   <p:tag name="KSO_WM_UNIT_HIGHLIGHT" val="0"/>
   <p:tag name="KSO_WM_UNIT_COMPATIBLE" val="0"/>
   <p:tag name="KSO_WM_UNIT_DIAGRAM_ISNUMVISUAL" val="0"/>
   <p:tag name="KSO_WM_UNIT_DIAGRAM_ISREFERUNIT" val="0"/>
-  <p:tag name="KSO_WM_UNIT_ID" val="_3**"/>
+  <p:tag name="KSO_WM_UNIT_ID" val="_4**"/>
   <p:tag name="KSO_WM_UNIT_LAYERLEVEL" val="1"/>
   <p:tag name="KSO_WM_TAG_VERSION" val="1.0"/>
   <p:tag name="KSO_WM_BEAUTIFY_FLAG" val="#wm#"/>
@@ -23784,12 +24087,12 @@
 </file>
 
 <file path=ppt/tags/tag85.xml><?xml version="1.0" encoding="utf-8"?>
-<p:tagLst xmlns:a="http://schemas.openxmlformats.org/drawingml/2006/main" xmlns:r="http://schemas.openxmlformats.org/officeDocument/2006/relationships" xmlns:p="http://schemas.openxmlformats.org/presentationml/2006/main">
+<p:tagLst xmlns:p="http://schemas.openxmlformats.org/presentationml/2006/main">
   <p:tag name="KSO_WM_UNIT_HIGHLIGHT" val="0"/>
   <p:tag name="KSO_WM_UNIT_COMPATIBLE" val="0"/>
   <p:tag name="KSO_WM_UNIT_DIAGRAM_ISNUMVISUAL" val="0"/>
   <p:tag name="KSO_WM_UNIT_DIAGRAM_ISREFERUNIT" val="0"/>
-  <p:tag name="KSO_WM_UNIT_ID" val="_3**"/>
+  <p:tag name="KSO_WM_UNIT_ID" val="_4**"/>
   <p:tag name="KSO_WM_UNIT_LAYERLEVEL" val="1"/>
   <p:tag name="KSO_WM_TAG_VERSION" val="1.0"/>
   <p:tag name="KSO_WM_BEAUTIFY_FLAG" val="#wm#"/>
@@ -23797,12 +24100,12 @@
 </file>
 
 <file path=ppt/tags/tag86.xml><?xml version="1.0" encoding="utf-8"?>
-<p:tagLst xmlns:a="http://schemas.openxmlformats.org/drawingml/2006/main" xmlns:r="http://schemas.openxmlformats.org/officeDocument/2006/relationships" xmlns:p="http://schemas.openxmlformats.org/presentationml/2006/main">
+<p:tagLst xmlns:p="http://schemas.openxmlformats.org/presentationml/2006/main">
   <p:tag name="KSO_WM_UNIT_HIGHLIGHT" val="0"/>
   <p:tag name="KSO_WM_UNIT_COMPATIBLE" val="0"/>
   <p:tag name="KSO_WM_UNIT_DIAGRAM_ISNUMVISUAL" val="0"/>
   <p:tag name="KSO_WM_UNIT_DIAGRAM_ISREFERUNIT" val="0"/>
-  <p:tag name="KSO_WM_UNIT_ID" val="_3**"/>
+  <p:tag name="KSO_WM_UNIT_ID" val="_4**"/>
   <p:tag name="KSO_WM_UNIT_LAYERLEVEL" val="1"/>
   <p:tag name="KSO_WM_TAG_VERSION" val="1.0"/>
   <p:tag name="KSO_WM_BEAUTIFY_FLAG" val="#wm#"/>
@@ -23810,12 +24113,12 @@
 </file>
 
 <file path=ppt/tags/tag87.xml><?xml version="1.0" encoding="utf-8"?>
-<p:tagLst xmlns:a="http://schemas.openxmlformats.org/drawingml/2006/main" xmlns:r="http://schemas.openxmlformats.org/officeDocument/2006/relationships" xmlns:p="http://schemas.openxmlformats.org/presentationml/2006/main">
+<p:tagLst xmlns:p="http://schemas.openxmlformats.org/presentationml/2006/main">
   <p:tag name="KSO_WM_UNIT_HIGHLIGHT" val="0"/>
   <p:tag name="KSO_WM_UNIT_COMPATIBLE" val="0"/>
   <p:tag name="KSO_WM_UNIT_DIAGRAM_ISNUMVISUAL" val="0"/>
   <p:tag name="KSO_WM_UNIT_DIAGRAM_ISREFERUNIT" val="0"/>
-  <p:tag name="KSO_WM_UNIT_ID" val="_3**"/>
+  <p:tag name="KSO_WM_UNIT_ID" val="_4**"/>
   <p:tag name="KSO_WM_UNIT_LAYERLEVEL" val="1"/>
   <p:tag name="KSO_WM_TAG_VERSION" val="1.0"/>
   <p:tag name="KSO_WM_BEAUTIFY_FLAG" val="#wm#"/>
@@ -23823,12 +24126,12 @@
 </file>
 
 <file path=ppt/tags/tag88.xml><?xml version="1.0" encoding="utf-8"?>
-<p:tagLst xmlns:a="http://schemas.openxmlformats.org/drawingml/2006/main" xmlns:r="http://schemas.openxmlformats.org/officeDocument/2006/relationships" xmlns:p="http://schemas.openxmlformats.org/presentationml/2006/main">
+<p:tagLst xmlns:p="http://schemas.openxmlformats.org/presentationml/2006/main">
   <p:tag name="KSO_WM_UNIT_HIGHLIGHT" val="0"/>
   <p:tag name="KSO_WM_UNIT_COMPATIBLE" val="0"/>
   <p:tag name="KSO_WM_UNIT_DIAGRAM_ISNUMVISUAL" val="0"/>
   <p:tag name="KSO_WM_UNIT_DIAGRAM_ISREFERUNIT" val="0"/>
-  <p:tag name="KSO_WM_UNIT_ID" val="_3**"/>
+  <p:tag name="KSO_WM_UNIT_ID" val="_4**"/>
   <p:tag name="KSO_WM_UNIT_LAYERLEVEL" val="1"/>
   <p:tag name="KSO_WM_TAG_VERSION" val="1.0"/>
   <p:tag name="KSO_WM_BEAUTIFY_FLAG" val="#wm#"/>
@@ -23836,12 +24139,12 @@
 </file>
 
 <file path=ppt/tags/tag89.xml><?xml version="1.0" encoding="utf-8"?>
-<p:tagLst xmlns:a="http://schemas.openxmlformats.org/drawingml/2006/main" xmlns:r="http://schemas.openxmlformats.org/officeDocument/2006/relationships" xmlns:p="http://schemas.openxmlformats.org/presentationml/2006/main">
+<p:tagLst xmlns:p="http://schemas.openxmlformats.org/presentationml/2006/main">
   <p:tag name="KSO_WM_UNIT_HIGHLIGHT" val="0"/>
   <p:tag name="KSO_WM_UNIT_COMPATIBLE" val="0"/>
   <p:tag name="KSO_WM_UNIT_DIAGRAM_ISNUMVISUAL" val="0"/>
   <p:tag name="KSO_WM_UNIT_DIAGRAM_ISREFERUNIT" val="0"/>
-  <p:tag name="KSO_WM_UNIT_ID" val="_3**"/>
+  <p:tag name="KSO_WM_UNIT_ID" val="_4**"/>
   <p:tag name="KSO_WM_UNIT_LAYERLEVEL" val="1"/>
   <p:tag name="KSO_WM_TAG_VERSION" val="1.0"/>
   <p:tag name="KSO_WM_BEAUTIFY_FLAG" val="#wm#"/>
@@ -23849,7 +24152,7 @@
 </file>
 
 <file path=ppt/tags/tag9.xml><?xml version="1.0" encoding="utf-8"?>
-<p:tagLst xmlns:a="http://schemas.openxmlformats.org/drawingml/2006/main" xmlns:r="http://schemas.openxmlformats.org/officeDocument/2006/relationships" xmlns:p="http://schemas.openxmlformats.org/presentationml/2006/main">
+<p:tagLst xmlns:p="http://schemas.openxmlformats.org/presentationml/2006/main">
   <p:tag name="KSO_WM_UNIT_HIGHLIGHT" val="0"/>
   <p:tag name="KSO_WM_UNIT_COMPATIBLE" val="0"/>
   <p:tag name="KSO_WM_UNIT_DIAGRAM_ISNUMVISUAL" val="0"/>
@@ -23862,12 +24165,12 @@
 </file>
 
 <file path=ppt/tags/tag90.xml><?xml version="1.0" encoding="utf-8"?>
-<p:tagLst xmlns:a="http://schemas.openxmlformats.org/drawingml/2006/main" xmlns:r="http://schemas.openxmlformats.org/officeDocument/2006/relationships" xmlns:p="http://schemas.openxmlformats.org/presentationml/2006/main">
+<p:tagLst xmlns:p="http://schemas.openxmlformats.org/presentationml/2006/main">
   <p:tag name="KSO_WM_UNIT_HIGHLIGHT" val="0"/>
   <p:tag name="KSO_WM_UNIT_COMPATIBLE" val="0"/>
   <p:tag name="KSO_WM_UNIT_DIAGRAM_ISNUMVISUAL" val="0"/>
   <p:tag name="KSO_WM_UNIT_DIAGRAM_ISREFERUNIT" val="0"/>
-  <p:tag name="KSO_WM_UNIT_ID" val="_4**"/>
+  <p:tag name="KSO_WM_UNIT_ID" val="_5**"/>
   <p:tag name="KSO_WM_UNIT_LAYERLEVEL" val="1"/>
   <p:tag name="KSO_WM_TAG_VERSION" val="1.0"/>
   <p:tag name="KSO_WM_BEAUTIFY_FLAG" val="#wm#"/>
@@ -23875,12 +24178,12 @@
 </file>
 
 <file path=ppt/tags/tag91.xml><?xml version="1.0" encoding="utf-8"?>
-<p:tagLst xmlns:a="http://schemas.openxmlformats.org/drawingml/2006/main" xmlns:r="http://schemas.openxmlformats.org/officeDocument/2006/relationships" xmlns:p="http://schemas.openxmlformats.org/presentationml/2006/main">
+<p:tagLst xmlns:p="http://schemas.openxmlformats.org/presentationml/2006/main">
   <p:tag name="KSO_WM_UNIT_HIGHLIGHT" val="0"/>
   <p:tag name="KSO_WM_UNIT_COMPATIBLE" val="0"/>
   <p:tag name="KSO_WM_UNIT_DIAGRAM_ISNUMVISUAL" val="0"/>
   <p:tag name="KSO_WM_UNIT_DIAGRAM_ISREFERUNIT" val="0"/>
-  <p:tag name="KSO_WM_UNIT_ID" val="_4**"/>
+  <p:tag name="KSO_WM_UNIT_ID" val="_5**"/>
   <p:tag name="KSO_WM_UNIT_LAYERLEVEL" val="1"/>
   <p:tag name="KSO_WM_TAG_VERSION" val="1.0"/>
   <p:tag name="KSO_WM_BEAUTIFY_FLAG" val="#wm#"/>
@@ -23888,12 +24191,12 @@
 </file>
 
 <file path=ppt/tags/tag92.xml><?xml version="1.0" encoding="utf-8"?>
-<p:tagLst xmlns:a="http://schemas.openxmlformats.org/drawingml/2006/main" xmlns:r="http://schemas.openxmlformats.org/officeDocument/2006/relationships" xmlns:p="http://schemas.openxmlformats.org/presentationml/2006/main">
+<p:tagLst xmlns:p="http://schemas.openxmlformats.org/presentationml/2006/main">
   <p:tag name="KSO_WM_UNIT_HIGHLIGHT" val="0"/>
   <p:tag name="KSO_WM_UNIT_COMPATIBLE" val="0"/>
   <p:tag name="KSO_WM_UNIT_DIAGRAM_ISNUMVISUAL" val="0"/>
   <p:tag name="KSO_WM_UNIT_DIAGRAM_ISREFERUNIT" val="0"/>
-  <p:tag name="KSO_WM_UNIT_ID" val="_4**"/>
+  <p:tag name="KSO_WM_UNIT_ID" val="_5**"/>
   <p:tag name="KSO_WM_UNIT_LAYERLEVEL" val="1"/>
   <p:tag name="KSO_WM_TAG_VERSION" val="1.0"/>
   <p:tag name="KSO_WM_BEAUTIFY_FLAG" val="#wm#"/>
@@ -23901,12 +24204,12 @@
 </file>
 
 <file path=ppt/tags/tag93.xml><?xml version="1.0" encoding="utf-8"?>
-<p:tagLst xmlns:a="http://schemas.openxmlformats.org/drawingml/2006/main" xmlns:r="http://schemas.openxmlformats.org/officeDocument/2006/relationships" xmlns:p="http://schemas.openxmlformats.org/presentationml/2006/main">
+<p:tagLst xmlns:p="http://schemas.openxmlformats.org/presentationml/2006/main">
   <p:tag name="KSO_WM_UNIT_HIGHLIGHT" val="0"/>
   <p:tag name="KSO_WM_UNIT_COMPATIBLE" val="0"/>
   <p:tag name="KSO_WM_UNIT_DIAGRAM_ISNUMVISUAL" val="0"/>
   <p:tag name="KSO_WM_UNIT_DIAGRAM_ISREFERUNIT" val="0"/>
-  <p:tag name="KSO_WM_UNIT_ID" val="_4**"/>
+  <p:tag name="KSO_WM_UNIT_ID" val="_5**"/>
   <p:tag name="KSO_WM_UNIT_LAYERLEVEL" val="1"/>
   <p:tag name="KSO_WM_TAG_VERSION" val="1.0"/>
   <p:tag name="KSO_WM_BEAUTIFY_FLAG" val="#wm#"/>
@@ -23914,12 +24217,12 @@
 </file>
 
 <file path=ppt/tags/tag94.xml><?xml version="1.0" encoding="utf-8"?>
-<p:tagLst xmlns:a="http://schemas.openxmlformats.org/drawingml/2006/main" xmlns:r="http://schemas.openxmlformats.org/officeDocument/2006/relationships" xmlns:p="http://schemas.openxmlformats.org/presentationml/2006/main">
+<p:tagLst xmlns:p="http://schemas.openxmlformats.org/presentationml/2006/main">
   <p:tag name="KSO_WM_UNIT_HIGHLIGHT" val="0"/>
   <p:tag name="KSO_WM_UNIT_COMPATIBLE" val="0"/>
   <p:tag name="KSO_WM_UNIT_DIAGRAM_ISNUMVISUAL" val="0"/>
   <p:tag name="KSO_WM_UNIT_DIAGRAM_ISREFERUNIT" val="0"/>
-  <p:tag name="KSO_WM_UNIT_ID" val="_4**"/>
+  <p:tag name="KSO_WM_UNIT_ID" val="_5**"/>
   <p:tag name="KSO_WM_UNIT_LAYERLEVEL" val="1"/>
   <p:tag name="KSO_WM_TAG_VERSION" val="1.0"/>
   <p:tag name="KSO_WM_BEAUTIFY_FLAG" val="#wm#"/>
@@ -23927,12 +24230,12 @@
 </file>
 
 <file path=ppt/tags/tag95.xml><?xml version="1.0" encoding="utf-8"?>
-<p:tagLst xmlns:a="http://schemas.openxmlformats.org/drawingml/2006/main" xmlns:r="http://schemas.openxmlformats.org/officeDocument/2006/relationships" xmlns:p="http://schemas.openxmlformats.org/presentationml/2006/main">
+<p:tagLst xmlns:p="http://schemas.openxmlformats.org/presentationml/2006/main">
   <p:tag name="KSO_WM_UNIT_HIGHLIGHT" val="0"/>
   <p:tag name="KSO_WM_UNIT_COMPATIBLE" val="0"/>
   <p:tag name="KSO_WM_UNIT_DIAGRAM_ISNUMVISUAL" val="0"/>
   <p:tag name="KSO_WM_UNIT_DIAGRAM_ISREFERUNIT" val="0"/>
-  <p:tag name="KSO_WM_UNIT_ID" val="_4**"/>
+  <p:tag name="KSO_WM_UNIT_ID" val="_5**"/>
   <p:tag name="KSO_WM_UNIT_LAYERLEVEL" val="1"/>
   <p:tag name="KSO_WM_TAG_VERSION" val="1.0"/>
   <p:tag name="KSO_WM_BEAUTIFY_FLAG" val="#wm#"/>
@@ -23940,7 +24243,7 @@
 </file>
 
 <file path=ppt/tags/tag96.xml><?xml version="1.0" encoding="utf-8"?>
-<p:tagLst xmlns:a="http://schemas.openxmlformats.org/drawingml/2006/main" xmlns:r="http://schemas.openxmlformats.org/officeDocument/2006/relationships" xmlns:p="http://schemas.openxmlformats.org/presentationml/2006/main">
+<p:tagLst xmlns:p="http://schemas.openxmlformats.org/presentationml/2006/main">
   <p:tag name="KSO_WM_UNIT_HIGHLIGHT" val="0"/>
   <p:tag name="KSO_WM_UNIT_COMPATIBLE" val="0"/>
   <p:tag name="KSO_WM_UNIT_DIAGRAM_ISNUMVISUAL" val="0"/>
@@ -23953,7 +24256,7 @@
 </file>
 
 <file path=ppt/tags/tag97.xml><?xml version="1.0" encoding="utf-8"?>
-<p:tagLst xmlns:a="http://schemas.openxmlformats.org/drawingml/2006/main" xmlns:r="http://schemas.openxmlformats.org/officeDocument/2006/relationships" xmlns:p="http://schemas.openxmlformats.org/presentationml/2006/main">
+<p:tagLst xmlns:p="http://schemas.openxmlformats.org/presentationml/2006/main">
   <p:tag name="KSO_WM_UNIT_HIGHLIGHT" val="0"/>
   <p:tag name="KSO_WM_UNIT_COMPATIBLE" val="0"/>
   <p:tag name="KSO_WM_UNIT_DIAGRAM_ISNUMVISUAL" val="0"/>
@@ -23966,12 +24269,12 @@
 </file>
 
 <file path=ppt/tags/tag98.xml><?xml version="1.0" encoding="utf-8"?>
-<p:tagLst xmlns:a="http://schemas.openxmlformats.org/drawingml/2006/main" xmlns:r="http://schemas.openxmlformats.org/officeDocument/2006/relationships" xmlns:p="http://schemas.openxmlformats.org/presentationml/2006/main">
+<p:tagLst xmlns:p="http://schemas.openxmlformats.org/presentationml/2006/main">
   <p:tag name="KSO_WM_UNIT_HIGHLIGHT" val="0"/>
   <p:tag name="KSO_WM_UNIT_COMPATIBLE" val="0"/>
   <p:tag name="KSO_WM_UNIT_DIAGRAM_ISNUMVISUAL" val="0"/>
   <p:tag name="KSO_WM_UNIT_DIAGRAM_ISREFERUNIT" val="0"/>
-  <p:tag name="KSO_WM_UNIT_ID" val="_5**"/>
+  <p:tag name="KSO_WM_UNIT_ID" val="_6**"/>
   <p:tag name="KSO_WM_UNIT_LAYERLEVEL" val="1"/>
   <p:tag name="KSO_WM_TAG_VERSION" val="1.0"/>
   <p:tag name="KSO_WM_BEAUTIFY_FLAG" val="#wm#"/>
@@ -23979,12 +24282,12 @@
 </file>
 
 <file path=ppt/tags/tag99.xml><?xml version="1.0" encoding="utf-8"?>
-<p:tagLst xmlns:a="http://schemas.openxmlformats.org/drawingml/2006/main" xmlns:r="http://schemas.openxmlformats.org/officeDocument/2006/relationships" xmlns:p="http://schemas.openxmlformats.org/presentationml/2006/main">
+<p:tagLst xmlns:p="http://schemas.openxmlformats.org/presentationml/2006/main">
   <p:tag name="KSO_WM_UNIT_HIGHLIGHT" val="0"/>
   <p:tag name="KSO_WM_UNIT_COMPATIBLE" val="0"/>
   <p:tag name="KSO_WM_UNIT_DIAGRAM_ISNUMVISUAL" val="0"/>
   <p:tag name="KSO_WM_UNIT_DIAGRAM_ISREFERUNIT" val="0"/>
-  <p:tag name="KSO_WM_UNIT_ID" val="_5**"/>
+  <p:tag name="KSO_WM_UNIT_ID" val="_6**"/>
   <p:tag name="KSO_WM_UNIT_LAYERLEVEL" val="1"/>
   <p:tag name="KSO_WM_TAG_VERSION" val="1.0"/>
   <p:tag name="KSO_WM_BEAUTIFY_FLAG" val="#wm#"/>
@@ -24182,8 +24485,6 @@
       </a:bgFillStyleLst>
     </a:fmtScheme>
   </a:themeElements>
-  <a:objectDefaults/>
-  <a:extraClrSchemeLst/>
   <a:extLst>
     <a:ext uri="{05A4C25C-085E-4340-85A3-A5531E510DB2}">
       <thm15:themeFamily xmlns:thm15="http://schemas.microsoft.com/office/thememl/2012/main" name="Office Theme" id="{62F939B6-93AF-4DB8-9C6B-D6C7DFDC589F}" vid="{4A3C46E8-61CC-4603-A589-7422A47A8E4A}"/>
@@ -24443,8 +24744,6 @@
       </a:bgFillStyleLst>
     </a:fmtScheme>
   </a:themeElements>
-  <a:objectDefaults/>
-  <a:extraClrSchemeLst/>
   <a:extLst>
     <a:ext uri="{05A4C25C-085E-4340-85A3-A5531E510DB2}">
       <thm15:themeFamily xmlns:thm15="http://schemas.microsoft.com/office/thememl/2012/main" name="Office Theme" id="{62F939B6-93AF-4DB8-9C6B-D6C7DFDC589F}" vid="{4A3C46E8-61CC-4603-A589-7422A47A8E4A}"/>
@@ -24704,8 +25003,6 @@
       </a:bgFillStyleLst>
     </a:fmtScheme>
   </a:themeElements>
-  <a:objectDefaults/>
-  <a:extraClrSchemeLst/>
   <a:extLst>
     <a:ext uri="{05A4C25C-085E-4340-85A3-A5531E510DB2}">
       <thm15:themeFamily xmlns:thm15="http://schemas.microsoft.com/office/thememl/2012/main" name="Office Theme" id="{62F939B6-93AF-4DB8-9C6B-D6C7DFDC589F}" vid="{4A3C46E8-61CC-4603-A589-7422A47A8E4A}"/>
